--- a/Presentation/Feature Selection.pptx
+++ b/Presentation/Feature Selection.pptx
@@ -27,6 +27,8 @@
     <p:sldId id="274" r:id="rId21"/>
     <p:sldId id="273" r:id="rId22"/>
     <p:sldId id="275" r:id="rId23"/>
+    <p:sldId id="278" r:id="rId24"/>
+    <p:sldId id="279" r:id="rId25"/>
   </p:sldIdLst>
   <p:sldSz cx="12192000" cy="6858000"/>
   <p:notesSz cx="6858000" cy="9144000"/>
@@ -291,7 +293,7 @@
           <a:p>
             <a:fld id="{D5FA70A3-A6FF-4EAA-B623-AB4CFD6C9082}" type="datetimeFigureOut">
               <a:rPr lang="he-IL" smtClean="0"/>
-              <a:t>ג'/ניסן/תש"פ</a:t>
+              <a:t>ה'/ניסן/תש"פ</a:t>
             </a:fld>
             <a:endParaRPr lang="he-IL"/>
           </a:p>
@@ -489,7 +491,7 @@
           <a:p>
             <a:fld id="{D5FA70A3-A6FF-4EAA-B623-AB4CFD6C9082}" type="datetimeFigureOut">
               <a:rPr lang="he-IL" smtClean="0"/>
-              <a:t>ג'/ניסן/תש"פ</a:t>
+              <a:t>ה'/ניסן/תש"פ</a:t>
             </a:fld>
             <a:endParaRPr lang="he-IL"/>
           </a:p>
@@ -697,7 +699,7 @@
           <a:p>
             <a:fld id="{D5FA70A3-A6FF-4EAA-B623-AB4CFD6C9082}" type="datetimeFigureOut">
               <a:rPr lang="he-IL" smtClean="0"/>
-              <a:t>ג'/ניסן/תש"פ</a:t>
+              <a:t>ה'/ניסן/תש"פ</a:t>
             </a:fld>
             <a:endParaRPr lang="he-IL"/>
           </a:p>
@@ -895,7 +897,7 @@
           <a:p>
             <a:fld id="{D5FA70A3-A6FF-4EAA-B623-AB4CFD6C9082}" type="datetimeFigureOut">
               <a:rPr lang="he-IL" smtClean="0"/>
-              <a:t>ג'/ניסן/תש"פ</a:t>
+              <a:t>ה'/ניסן/תש"פ</a:t>
             </a:fld>
             <a:endParaRPr lang="he-IL"/>
           </a:p>
@@ -1170,7 +1172,7 @@
           <a:p>
             <a:fld id="{D5FA70A3-A6FF-4EAA-B623-AB4CFD6C9082}" type="datetimeFigureOut">
               <a:rPr lang="he-IL" smtClean="0"/>
-              <a:t>ג'/ניסן/תש"פ</a:t>
+              <a:t>ה'/ניסן/תש"פ</a:t>
             </a:fld>
             <a:endParaRPr lang="he-IL"/>
           </a:p>
@@ -1435,7 +1437,7 @@
           <a:p>
             <a:fld id="{D5FA70A3-A6FF-4EAA-B623-AB4CFD6C9082}" type="datetimeFigureOut">
               <a:rPr lang="he-IL" smtClean="0"/>
-              <a:t>ג'/ניסן/תש"פ</a:t>
+              <a:t>ה'/ניסן/תש"פ</a:t>
             </a:fld>
             <a:endParaRPr lang="he-IL"/>
           </a:p>
@@ -1847,7 +1849,7 @@
           <a:p>
             <a:fld id="{D5FA70A3-A6FF-4EAA-B623-AB4CFD6C9082}" type="datetimeFigureOut">
               <a:rPr lang="he-IL" smtClean="0"/>
-              <a:t>ג'/ניסן/תש"פ</a:t>
+              <a:t>ה'/ניסן/תש"פ</a:t>
             </a:fld>
             <a:endParaRPr lang="he-IL"/>
           </a:p>
@@ -1988,7 +1990,7 @@
           <a:p>
             <a:fld id="{D5FA70A3-A6FF-4EAA-B623-AB4CFD6C9082}" type="datetimeFigureOut">
               <a:rPr lang="he-IL" smtClean="0"/>
-              <a:t>ג'/ניסן/תש"פ</a:t>
+              <a:t>ה'/ניסן/תש"פ</a:t>
             </a:fld>
             <a:endParaRPr lang="he-IL"/>
           </a:p>
@@ -2101,7 +2103,7 @@
           <a:p>
             <a:fld id="{D5FA70A3-A6FF-4EAA-B623-AB4CFD6C9082}" type="datetimeFigureOut">
               <a:rPr lang="he-IL" smtClean="0"/>
-              <a:t>ג'/ניסן/תש"פ</a:t>
+              <a:t>ה'/ניסן/תש"פ</a:t>
             </a:fld>
             <a:endParaRPr lang="he-IL"/>
           </a:p>
@@ -2412,7 +2414,7 @@
           <a:p>
             <a:fld id="{D5FA70A3-A6FF-4EAA-B623-AB4CFD6C9082}" type="datetimeFigureOut">
               <a:rPr lang="he-IL" smtClean="0"/>
-              <a:t>ג'/ניסן/תש"פ</a:t>
+              <a:t>ה'/ניסן/תש"פ</a:t>
             </a:fld>
             <a:endParaRPr lang="he-IL"/>
           </a:p>
@@ -2700,7 +2702,7 @@
           <a:p>
             <a:fld id="{D5FA70A3-A6FF-4EAA-B623-AB4CFD6C9082}" type="datetimeFigureOut">
               <a:rPr lang="he-IL" smtClean="0"/>
-              <a:t>ג'/ניסן/תש"פ</a:t>
+              <a:t>ה'/ניסן/תש"פ</a:t>
             </a:fld>
             <a:endParaRPr lang="he-IL"/>
           </a:p>
@@ -2941,7 +2943,7 @@
           <a:p>
             <a:fld id="{D5FA70A3-A6FF-4EAA-B623-AB4CFD6C9082}" type="datetimeFigureOut">
               <a:rPr lang="he-IL" smtClean="0"/>
-              <a:t>ג'/ניסן/תש"פ</a:t>
+              <a:t>ה'/ניסן/תש"פ</a:t>
             </a:fld>
             <a:endParaRPr lang="he-IL"/>
           </a:p>
@@ -6092,6 +6094,13 @@
             </a:r>
             <a:endParaRPr lang="he-IL" dirty="0"/>
           </a:p>
+          <a:p>
+            <a:r>
+              <a:rPr lang="en-US" dirty="0"/>
+              <a:t>Back propagation function</a:t>
+            </a:r>
+            <a:endParaRPr lang="he-IL" dirty="0"/>
+          </a:p>
         </p:txBody>
       </p:sp>
     </p:spTree>
@@ -6524,10 +6533,606 @@
           </a:p>
         </p:txBody>
       </p:sp>
+      <p:sp>
+        <p:nvSpPr>
+          <p:cNvPr id="12" name="מלבן 11">
+            <a:extLst>
+              <a:ext uri="{FF2B5EF4-FFF2-40B4-BE49-F238E27FC236}">
+                <a16:creationId xmlns:a16="http://schemas.microsoft.com/office/drawing/2014/main" id="{47E76C13-4B61-4E05-B82D-64A274AF8A75}"/>
+              </a:ext>
+            </a:extLst>
+          </p:cNvPr>
+          <p:cNvSpPr/>
+          <p:nvPr/>
+        </p:nvSpPr>
+        <p:spPr>
+          <a:xfrm>
+            <a:off x="2879324" y="3429000"/>
+            <a:ext cx="1109709" cy="852256"/>
+          </a:xfrm>
+          <a:prstGeom prst="rect">
+            <a:avLst/>
+          </a:prstGeom>
+        </p:spPr>
+        <p:style>
+          <a:lnRef idx="2">
+            <a:schemeClr val="accent1">
+              <a:shade val="50000"/>
+            </a:schemeClr>
+          </a:lnRef>
+          <a:fillRef idx="1">
+            <a:schemeClr val="accent1"/>
+          </a:fillRef>
+          <a:effectRef idx="0">
+            <a:schemeClr val="accent1"/>
+          </a:effectRef>
+          <a:fontRef idx="minor">
+            <a:schemeClr val="lt1"/>
+          </a:fontRef>
+        </p:style>
+        <p:txBody>
+          <a:bodyPr rtlCol="1" anchor="ctr"/>
+          <a:lstStyle/>
+          <a:p>
+            <a:pPr algn="ctr"/>
+            <a:r>
+              <a:rPr lang="en-US" dirty="0"/>
+              <a:t>Feature Scaling</a:t>
+            </a:r>
+            <a:endParaRPr lang="he-IL" dirty="0"/>
+          </a:p>
+        </p:txBody>
+      </p:sp>
     </p:spTree>
     <p:extLst>
       <p:ext uri="{BB962C8B-B14F-4D97-AF65-F5344CB8AC3E}">
         <p14:creationId xmlns:p14="http://schemas.microsoft.com/office/powerpoint/2010/main" val="1488967984"/>
+      </p:ext>
+    </p:extLst>
+  </p:cSld>
+  <p:clrMapOvr>
+    <a:masterClrMapping/>
+  </p:clrMapOvr>
+</p:sld>
+</file>
+
+<file path=ppt/slides/slide23.xml><?xml version="1.0" encoding="utf-8"?>
+<p:sld xmlns:a="http://schemas.openxmlformats.org/drawingml/2006/main" xmlns:r="http://schemas.openxmlformats.org/officeDocument/2006/relationships" xmlns:p="http://schemas.openxmlformats.org/presentationml/2006/main">
+  <p:cSld>
+    <p:spTree>
+      <p:nvGrpSpPr>
+        <p:cNvPr id="1" name=""/>
+        <p:cNvGrpSpPr/>
+        <p:nvPr/>
+      </p:nvGrpSpPr>
+      <p:grpSpPr>
+        <a:xfrm>
+          <a:off x="0" y="0"/>
+          <a:ext cx="0" cy="0"/>
+          <a:chOff x="0" y="0"/>
+          <a:chExt cx="0" cy="0"/>
+        </a:xfrm>
+      </p:grpSpPr>
+      <p:pic>
+        <p:nvPicPr>
+          <p:cNvPr id="1026" name="Picture 2">
+            <a:extLst>
+              <a:ext uri="{FF2B5EF4-FFF2-40B4-BE49-F238E27FC236}">
+                <a16:creationId xmlns:a16="http://schemas.microsoft.com/office/drawing/2014/main" id="{EF553714-20FA-4999-9D67-2E6F45F246F4}"/>
+              </a:ext>
+            </a:extLst>
+          </p:cNvPr>
+          <p:cNvPicPr>
+            <a:picLocks noChangeAspect="1" noChangeArrowheads="1"/>
+          </p:cNvPicPr>
+          <p:nvPr/>
+        </p:nvPicPr>
+        <p:blipFill>
+          <a:blip r:embed="rId2">
+            <a:extLst>
+              <a:ext uri="{28A0092B-C50C-407E-A947-70E740481C1C}">
+                <a14:useLocalDpi xmlns:a14="http://schemas.microsoft.com/office/drawing/2010/main" val="0"/>
+              </a:ext>
+            </a:extLst>
+          </a:blip>
+          <a:srcRect/>
+          <a:stretch>
+            <a:fillRect/>
+          </a:stretch>
+        </p:blipFill>
+        <p:spPr bwMode="auto">
+          <a:xfrm>
+            <a:off x="2777613" y="1602658"/>
+            <a:ext cx="3911602" cy="1231030"/>
+          </a:xfrm>
+          <a:prstGeom prst="rect">
+            <a:avLst/>
+          </a:prstGeom>
+          <a:noFill/>
+          <a:extLst>
+            <a:ext uri="{909E8E84-426E-40DD-AFC4-6F175D3DCCD1}">
+              <a14:hiddenFill xmlns:a14="http://schemas.microsoft.com/office/drawing/2010/main">
+                <a:solidFill>
+                  <a:srgbClr val="FFFFFF"/>
+                </a:solidFill>
+              </a14:hiddenFill>
+            </a:ext>
+          </a:extLst>
+        </p:spPr>
+      </p:pic>
+      <p:sp>
+        <p:nvSpPr>
+          <p:cNvPr id="2" name="כותרת 1">
+            <a:extLst>
+              <a:ext uri="{FF2B5EF4-FFF2-40B4-BE49-F238E27FC236}">
+                <a16:creationId xmlns:a16="http://schemas.microsoft.com/office/drawing/2014/main" id="{4F694F31-262D-43DF-9B55-3EE7B6604663}"/>
+              </a:ext>
+            </a:extLst>
+          </p:cNvPr>
+          <p:cNvSpPr>
+            <a:spLocks noGrp="1"/>
+          </p:cNvSpPr>
+          <p:nvPr>
+            <p:ph type="title"/>
+          </p:nvPr>
+        </p:nvSpPr>
+        <p:spPr/>
+        <p:txBody>
+          <a:bodyPr/>
+          <a:lstStyle/>
+          <a:p>
+            <a:r>
+              <a:rPr lang="en-US" dirty="0"/>
+              <a:t>Feature Scaling</a:t>
+            </a:r>
+            <a:endParaRPr lang="he-IL" dirty="0"/>
+          </a:p>
+        </p:txBody>
+      </p:sp>
+      <p:sp>
+        <p:nvSpPr>
+          <p:cNvPr id="3" name="מציין מיקום תוכן 2">
+            <a:extLst>
+              <a:ext uri="{FF2B5EF4-FFF2-40B4-BE49-F238E27FC236}">
+                <a16:creationId xmlns:a16="http://schemas.microsoft.com/office/drawing/2014/main" id="{69DAA286-92DA-4858-A57C-A10BACEE9434}"/>
+              </a:ext>
+            </a:extLst>
+          </p:cNvPr>
+          <p:cNvSpPr>
+            <a:spLocks noGrp="1"/>
+          </p:cNvSpPr>
+          <p:nvPr>
+            <p:ph idx="1"/>
+          </p:nvPr>
+        </p:nvSpPr>
+        <p:spPr>
+          <a:xfrm>
+            <a:off x="838199" y="1337186"/>
+            <a:ext cx="11093245" cy="5279923"/>
+          </a:xfrm>
+        </p:spPr>
+        <p:txBody>
+          <a:bodyPr>
+            <a:normAutofit fontScale="55000" lnSpcReduction="20000"/>
+          </a:bodyPr>
+          <a:lstStyle/>
+          <a:p>
+            <a:r>
+              <a:rPr lang="en-US" dirty="0"/>
+              <a:t>Scale</a:t>
+            </a:r>
+            <a:r>
+              <a:rPr lang="he-IL" dirty="0"/>
+              <a:t> (נקרא גם </a:t>
+            </a:r>
+            <a:r>
+              <a:rPr lang="en-US" dirty="0"/>
+              <a:t>normalize</a:t>
+            </a:r>
+            <a:r>
+              <a:rPr lang="he-IL"/>
+              <a:t>)</a:t>
+            </a:r>
+            <a:endParaRPr lang="he-IL" dirty="0"/>
+          </a:p>
+          <a:p>
+            <a:pPr lvl="1"/>
+            <a:r>
+              <a:rPr lang="he-IL" dirty="0"/>
+              <a:t>לשנות את טווח הערכים ל </a:t>
+            </a:r>
+            <a:r>
+              <a:rPr lang="en-US" dirty="0"/>
+              <a:t>[0..1]</a:t>
+            </a:r>
+            <a:r>
+              <a:rPr lang="he-IL" dirty="0"/>
+              <a:t>. אין שינוי של צורת ההתפלגות.\</a:t>
+            </a:r>
+          </a:p>
+          <a:p>
+            <a:pPr lvl="1"/>
+            <a:r>
+              <a:rPr lang="he-IL" dirty="0"/>
+              <a:t>ב </a:t>
+            </a:r>
+            <a:r>
+              <a:rPr lang="en-US" dirty="0" err="1"/>
+              <a:t>sklearn</a:t>
+            </a:r>
+            <a:r>
+              <a:rPr lang="he-IL" dirty="0"/>
+              <a:t> </a:t>
+            </a:r>
+            <a:r>
+              <a:rPr lang="en-US" dirty="0" err="1"/>
+              <a:t>MinMaxScaler</a:t>
+            </a:r>
+            <a:endParaRPr lang="he-IL" dirty="0"/>
+          </a:p>
+          <a:p>
+            <a:r>
+              <a:rPr lang="en-US" dirty="0"/>
+              <a:t>Standardize</a:t>
+            </a:r>
+            <a:endParaRPr lang="he-IL" dirty="0"/>
+          </a:p>
+          <a:p>
+            <a:pPr lvl="1"/>
+            <a:r>
+              <a:rPr lang="he-IL" dirty="0"/>
+              <a:t>העברת כל הנתונים כך שה </a:t>
+            </a:r>
+            <a:r>
+              <a:rPr lang="en-US" dirty="0"/>
+              <a:t>Mean</a:t>
+            </a:r>
+            <a:r>
+              <a:rPr lang="he-IL" dirty="0"/>
+              <a:t> יהיה ב 0 וסטיית התקן תהיה 1</a:t>
+            </a:r>
+          </a:p>
+          <a:p>
+            <a:pPr lvl="1"/>
+            <a:r>
+              <a:rPr lang="he-IL" dirty="0"/>
+              <a:t>ב </a:t>
+            </a:r>
+            <a:r>
+              <a:rPr lang="en-US" dirty="0" err="1"/>
+              <a:t>sklearn</a:t>
+            </a:r>
+            <a:r>
+              <a:rPr lang="he-IL" dirty="0"/>
+              <a:t> – </a:t>
+            </a:r>
+            <a:r>
+              <a:rPr lang="en-US" dirty="0" err="1"/>
+              <a:t>StandardScaler</a:t>
+            </a:r>
+            <a:r>
+              <a:rPr lang="he-IL" dirty="0"/>
+              <a:t> (נקרא גם </a:t>
+            </a:r>
+            <a:r>
+              <a:rPr lang="en-US" dirty="0"/>
+              <a:t>Z-Score</a:t>
+            </a:r>
+            <a:r>
+              <a:rPr lang="he-IL" dirty="0"/>
+              <a:t>)</a:t>
+            </a:r>
+          </a:p>
+          <a:p>
+            <a:r>
+              <a:rPr lang="en-US" dirty="0"/>
+              <a:t>Normalize</a:t>
+            </a:r>
+            <a:r>
+              <a:rPr lang="he-IL" dirty="0"/>
+              <a:t> </a:t>
+            </a:r>
+          </a:p>
+          <a:p>
+            <a:pPr lvl="1"/>
+            <a:r>
+              <a:rPr lang="he-IL" dirty="0"/>
+              <a:t>העברת כל הנתונים לטווח שבין </a:t>
+            </a:r>
+            <a:r>
+              <a:rPr lang="en-US" dirty="0"/>
+              <a:t>[-1, 1]</a:t>
+            </a:r>
+            <a:r>
+              <a:rPr lang="he-IL" dirty="0"/>
+              <a:t> (עובדים על שורות ולא עמודות).</a:t>
+            </a:r>
+          </a:p>
+          <a:p>
+            <a:pPr lvl="1"/>
+            <a:r>
+              <a:rPr lang="he-IL" dirty="0"/>
+              <a:t>יש להשתמש בשיטה אם </a:t>
+            </a:r>
+            <a:r>
+              <a:rPr lang="he-IL" dirty="0" err="1"/>
+              <a:t>האלג</a:t>
+            </a:r>
+            <a:r>
+              <a:rPr lang="he-IL" dirty="0"/>
+              <a:t>' של </a:t>
+            </a:r>
+            <a:r>
+              <a:rPr lang="en-US" dirty="0"/>
+              <a:t>ML</a:t>
+            </a:r>
+            <a:r>
+              <a:rPr lang="he-IL" dirty="0"/>
+              <a:t>  מניח שהמידע מנורמל</a:t>
+            </a:r>
+          </a:p>
+          <a:p>
+            <a:pPr lvl="1"/>
+            <a:r>
+              <a:rPr lang="he-IL" dirty="0"/>
+              <a:t>ב </a:t>
+            </a:r>
+            <a:r>
+              <a:rPr lang="en-US" dirty="0" err="1"/>
+              <a:t>sklearn</a:t>
+            </a:r>
+            <a:r>
+              <a:rPr lang="he-IL" dirty="0"/>
+              <a:t> - </a:t>
+            </a:r>
+            <a:r>
+              <a:rPr lang="en-US" dirty="0"/>
+              <a:t>Normalizer</a:t>
+            </a:r>
+            <a:endParaRPr lang="he-IL" dirty="0"/>
+          </a:p>
+          <a:p>
+            <a:pPr marL="0" indent="0">
+              <a:buNone/>
+            </a:pPr>
+            <a:endParaRPr lang="he-IL" dirty="0"/>
+          </a:p>
+          <a:p>
+            <a:pPr marL="0" indent="0">
+              <a:buNone/>
+            </a:pPr>
+            <a:r>
+              <a:rPr lang="he-IL" dirty="0"/>
+              <a:t>מוטיבציה:</a:t>
+            </a:r>
+          </a:p>
+          <a:p>
+            <a:r>
+              <a:rPr lang="he-IL" dirty="0"/>
+              <a:t>לכל תכונה יש את היחידות שלה (ק"ג / גרמים וכד') ולכן על מנת שלא יהיה מצב שאחד התכונות יקבל משקל גדול יותר מאשר תכונה אחרת, בגלל היחידות, אז מבצעים עדכון טווחים.</a:t>
+            </a:r>
+          </a:p>
+          <a:p>
+            <a:r>
+              <a:rPr lang="he-IL" dirty="0"/>
+              <a:t>אלג’ </a:t>
+            </a:r>
+            <a:r>
+              <a:rPr lang="en-US" dirty="0"/>
+              <a:t>ML</a:t>
+            </a:r>
+            <a:r>
+              <a:rPr lang="he-IL" dirty="0"/>
+              <a:t> מתכנסים מהר יותר לתוצאה כאשר התכונות מנורמלות ובאותו טווח.</a:t>
+            </a:r>
+          </a:p>
+          <a:p>
+            <a:pPr marL="0" indent="0">
+              <a:buNone/>
+            </a:pPr>
+            <a:endParaRPr lang="he-IL" dirty="0"/>
+          </a:p>
+          <a:p>
+            <a:pPr marL="0" indent="0">
+              <a:buNone/>
+            </a:pPr>
+            <a:r>
+              <a:rPr lang="he-IL" dirty="0"/>
+              <a:t>דוגמאות לשימוש:</a:t>
+            </a:r>
+          </a:p>
+          <a:p>
+            <a:r>
+              <a:rPr lang="en-US" dirty="0"/>
+              <a:t>KNN</a:t>
+            </a:r>
+            <a:r>
+              <a:rPr lang="he-IL" dirty="0"/>
+              <a:t>, משתמש במרחק </a:t>
+            </a:r>
+            <a:r>
+              <a:rPr lang="he-IL" dirty="0" err="1"/>
+              <a:t>אוקלידי</a:t>
+            </a:r>
+            <a:r>
+              <a:rPr lang="he-IL" dirty="0"/>
+              <a:t>.</a:t>
+            </a:r>
+          </a:p>
+          <a:p>
+            <a:r>
+              <a:rPr lang="en-US" dirty="0"/>
+              <a:t>Random Forest</a:t>
+            </a:r>
+            <a:r>
+              <a:rPr lang="he-IL" dirty="0"/>
+              <a:t>, לא מבוסס מרחקים ולכן אין צורך לבצע </a:t>
+            </a:r>
+            <a:r>
+              <a:rPr lang="en-US" dirty="0"/>
+              <a:t>Feature Scaling</a:t>
+            </a:r>
+            <a:endParaRPr lang="he-IL" dirty="0"/>
+          </a:p>
+          <a:p>
+            <a:r>
+              <a:rPr lang="en-US" dirty="0"/>
+              <a:t>Naïve Bayes</a:t>
+            </a:r>
+            <a:r>
+              <a:rPr lang="he-IL" dirty="0"/>
+              <a:t>, מבוסס הסתברות ולכן אין הרבה השפעה ל </a:t>
+            </a:r>
+            <a:r>
+              <a:rPr lang="en-US" dirty="0"/>
+              <a:t>feature scaling</a:t>
+            </a:r>
+            <a:r>
+              <a:rPr lang="he-IL" dirty="0"/>
+              <a:t>.</a:t>
+            </a:r>
+          </a:p>
+          <a:p>
+            <a:pPr marL="0" indent="0">
+              <a:buNone/>
+            </a:pPr>
+            <a:endParaRPr lang="he-IL" dirty="0"/>
+          </a:p>
+          <a:p>
+            <a:endParaRPr lang="he-IL" dirty="0"/>
+          </a:p>
+        </p:txBody>
+      </p:sp>
+    </p:spTree>
+    <p:extLst>
+      <p:ext uri="{BB962C8B-B14F-4D97-AF65-F5344CB8AC3E}">
+        <p14:creationId xmlns:p14="http://schemas.microsoft.com/office/powerpoint/2010/main" val="705032010"/>
+      </p:ext>
+    </p:extLst>
+  </p:cSld>
+  <p:clrMapOvr>
+    <a:masterClrMapping/>
+  </p:clrMapOvr>
+</p:sld>
+</file>
+
+<file path=ppt/slides/slide24.xml><?xml version="1.0" encoding="utf-8"?>
+<p:sld xmlns:a="http://schemas.openxmlformats.org/drawingml/2006/main" xmlns:r="http://schemas.openxmlformats.org/officeDocument/2006/relationships" xmlns:p="http://schemas.openxmlformats.org/presentationml/2006/main">
+  <p:cSld>
+    <p:spTree>
+      <p:nvGrpSpPr>
+        <p:cNvPr id="1" name=""/>
+        <p:cNvGrpSpPr/>
+        <p:nvPr/>
+      </p:nvGrpSpPr>
+      <p:grpSpPr>
+        <a:xfrm>
+          <a:off x="0" y="0"/>
+          <a:ext cx="0" cy="0"/>
+          <a:chOff x="0" y="0"/>
+          <a:chExt cx="0" cy="0"/>
+        </a:xfrm>
+      </p:grpSpPr>
+      <p:sp>
+        <p:nvSpPr>
+          <p:cNvPr id="2" name="כותרת 1">
+            <a:extLst>
+              <a:ext uri="{FF2B5EF4-FFF2-40B4-BE49-F238E27FC236}">
+                <a16:creationId xmlns:a16="http://schemas.microsoft.com/office/drawing/2014/main" id="{B3DECD05-1091-405F-9DAA-0C4DFD47CC50}"/>
+              </a:ext>
+            </a:extLst>
+          </p:cNvPr>
+          <p:cNvSpPr>
+            <a:spLocks noGrp="1"/>
+          </p:cNvSpPr>
+          <p:nvPr>
+            <p:ph type="title"/>
+          </p:nvPr>
+        </p:nvSpPr>
+        <p:spPr/>
+        <p:txBody>
+          <a:bodyPr/>
+          <a:lstStyle/>
+          <a:p>
+            <a:r>
+              <a:rPr lang="en-US" dirty="0"/>
+              <a:t>Classifications models</a:t>
+            </a:r>
+            <a:endParaRPr lang="he-IL" dirty="0"/>
+          </a:p>
+        </p:txBody>
+      </p:sp>
+      <p:sp>
+        <p:nvSpPr>
+          <p:cNvPr id="3" name="מציין מיקום תוכן 2">
+            <a:extLst>
+              <a:ext uri="{FF2B5EF4-FFF2-40B4-BE49-F238E27FC236}">
+                <a16:creationId xmlns:a16="http://schemas.microsoft.com/office/drawing/2014/main" id="{C39E8CC5-CF2E-44AE-B485-88D655295875}"/>
+              </a:ext>
+            </a:extLst>
+          </p:cNvPr>
+          <p:cNvSpPr>
+            <a:spLocks noGrp="1"/>
+          </p:cNvSpPr>
+          <p:nvPr>
+            <p:ph idx="1"/>
+          </p:nvPr>
+        </p:nvSpPr>
+        <p:spPr/>
+        <p:txBody>
+          <a:bodyPr/>
+          <a:lstStyle/>
+          <a:p>
+            <a:r>
+              <a:rPr lang="en-US" dirty="0"/>
+              <a:t>Logistic Regression</a:t>
+            </a:r>
+          </a:p>
+          <a:p>
+            <a:r>
+              <a:rPr lang="en-US" dirty="0"/>
+              <a:t>Linear Discrimination Analysis</a:t>
+            </a:r>
+          </a:p>
+          <a:p>
+            <a:r>
+              <a:rPr lang="en-US" dirty="0"/>
+              <a:t>KNN</a:t>
+            </a:r>
+          </a:p>
+          <a:p>
+            <a:r>
+              <a:rPr lang="en-US" dirty="0"/>
+              <a:t>Decision Tree / Random Forest</a:t>
+            </a:r>
+          </a:p>
+          <a:p>
+            <a:r>
+              <a:rPr lang="en-US" dirty="0"/>
+              <a:t>Naïve Bayes</a:t>
+            </a:r>
+          </a:p>
+          <a:p>
+            <a:r>
+              <a:rPr lang="en-US" dirty="0"/>
+              <a:t>SVM</a:t>
+            </a:r>
+          </a:p>
+          <a:p>
+            <a:r>
+              <a:rPr lang="en-US" dirty="0"/>
+              <a:t>Multi-Layer Perceptron</a:t>
+            </a:r>
+          </a:p>
+          <a:p>
+            <a:endParaRPr lang="he-IL" dirty="0"/>
+          </a:p>
+        </p:txBody>
+      </p:sp>
+    </p:spTree>
+    <p:extLst>
+      <p:ext uri="{BB962C8B-B14F-4D97-AF65-F5344CB8AC3E}">
+        <p14:creationId xmlns:p14="http://schemas.microsoft.com/office/powerpoint/2010/main" val="826418132"/>
       </p:ext>
     </p:extLst>
   </p:cSld>

--- a/Presentation/Feature Selection.pptx
+++ b/Presentation/Feature Selection.pptx
@@ -12,23 +12,24 @@
     <p:sldId id="268" r:id="rId6"/>
     <p:sldId id="269" r:id="rId7"/>
     <p:sldId id="276" r:id="rId8"/>
-    <p:sldId id="266" r:id="rId9"/>
-    <p:sldId id="259" r:id="rId10"/>
-    <p:sldId id="265" r:id="rId11"/>
-    <p:sldId id="257" r:id="rId12"/>
-    <p:sldId id="264" r:id="rId13"/>
-    <p:sldId id="261" r:id="rId14"/>
-    <p:sldId id="263" r:id="rId15"/>
-    <p:sldId id="262" r:id="rId16"/>
-    <p:sldId id="270" r:id="rId17"/>
-    <p:sldId id="277" r:id="rId18"/>
-    <p:sldId id="272" r:id="rId19"/>
-    <p:sldId id="271" r:id="rId20"/>
-    <p:sldId id="274" r:id="rId21"/>
-    <p:sldId id="273" r:id="rId22"/>
-    <p:sldId id="275" r:id="rId23"/>
-    <p:sldId id="278" r:id="rId24"/>
-    <p:sldId id="279" r:id="rId25"/>
+    <p:sldId id="280" r:id="rId9"/>
+    <p:sldId id="266" r:id="rId10"/>
+    <p:sldId id="259" r:id="rId11"/>
+    <p:sldId id="265" r:id="rId12"/>
+    <p:sldId id="257" r:id="rId13"/>
+    <p:sldId id="264" r:id="rId14"/>
+    <p:sldId id="261" r:id="rId15"/>
+    <p:sldId id="263" r:id="rId16"/>
+    <p:sldId id="262" r:id="rId17"/>
+    <p:sldId id="270" r:id="rId18"/>
+    <p:sldId id="277" r:id="rId19"/>
+    <p:sldId id="272" r:id="rId20"/>
+    <p:sldId id="271" r:id="rId21"/>
+    <p:sldId id="274" r:id="rId22"/>
+    <p:sldId id="273" r:id="rId23"/>
+    <p:sldId id="275" r:id="rId24"/>
+    <p:sldId id="278" r:id="rId25"/>
+    <p:sldId id="279" r:id="rId26"/>
   </p:sldIdLst>
   <p:sldSz cx="12192000" cy="6858000"/>
   <p:notesSz cx="6858000" cy="9144000"/>
@@ -3449,6 +3450,361 @@
           <p:cNvPr id="2" name="כותרת 1">
             <a:extLst>
               <a:ext uri="{FF2B5EF4-FFF2-40B4-BE49-F238E27FC236}">
+                <a16:creationId xmlns:a16="http://schemas.microsoft.com/office/drawing/2014/main" id="{27D11B11-C425-4033-84BB-80362FD25731}"/>
+              </a:ext>
+            </a:extLst>
+          </p:cNvPr>
+          <p:cNvSpPr>
+            <a:spLocks noGrp="1"/>
+          </p:cNvSpPr>
+          <p:nvPr>
+            <p:ph type="title"/>
+          </p:nvPr>
+        </p:nvSpPr>
+        <p:spPr/>
+        <p:txBody>
+          <a:bodyPr/>
+          <a:lstStyle/>
+          <a:p>
+            <a:r>
+              <a:rPr lang="he-IL" dirty="0"/>
+              <a:t>שיטות להערכת איכות קבוצת המאפיינים</a:t>
+            </a:r>
+          </a:p>
+        </p:txBody>
+      </p:sp>
+      <p:sp>
+        <p:nvSpPr>
+          <p:cNvPr id="3" name="מציין מיקום תוכן 2">
+            <a:extLst>
+              <a:ext uri="{FF2B5EF4-FFF2-40B4-BE49-F238E27FC236}">
+                <a16:creationId xmlns:a16="http://schemas.microsoft.com/office/drawing/2014/main" id="{FA6BC29E-3BD7-4FD5-A2B6-B178C0C2D36A}"/>
+              </a:ext>
+            </a:extLst>
+          </p:cNvPr>
+          <p:cNvSpPr>
+            <a:spLocks noGrp="1"/>
+          </p:cNvSpPr>
+          <p:nvPr>
+            <p:ph idx="1"/>
+          </p:nvPr>
+        </p:nvSpPr>
+        <p:spPr/>
+        <p:txBody>
+          <a:bodyPr>
+            <a:normAutofit fontScale="62500" lnSpcReduction="20000"/>
+          </a:bodyPr>
+          <a:lstStyle/>
+          <a:p>
+            <a:pPr marL="514350" indent="-514350">
+              <a:buAutoNum type="arabicPeriod"/>
+            </a:pPr>
+            <a:r>
+              <a:rPr lang="en-US" dirty="0"/>
+              <a:t>Filter Model</a:t>
+            </a:r>
+            <a:endParaRPr lang="he-IL" dirty="0"/>
+          </a:p>
+          <a:p>
+            <a:pPr marL="971550" lvl="1" indent="-514350">
+              <a:buAutoNum type="arabicPeriod"/>
+            </a:pPr>
+            <a:r>
+              <a:rPr lang="he-IL" dirty="0"/>
+              <a:t>אין שימוש </a:t>
+            </a:r>
+            <a:r>
+              <a:rPr lang="he-IL" dirty="0" err="1"/>
+              <a:t>באלג</a:t>
+            </a:r>
+            <a:r>
+              <a:rPr lang="he-IL" dirty="0"/>
+              <a:t>' (לכן אין השפעה בבחירת אלג') ולכן יעיל במבני נתונים בעלי </a:t>
+            </a:r>
+            <a:r>
+              <a:rPr lang="he-IL" dirty="0" err="1"/>
+              <a:t>מימד</a:t>
+            </a:r>
+            <a:r>
+              <a:rPr lang="he-IL" dirty="0"/>
+              <a:t> גבוהה.</a:t>
+            </a:r>
+          </a:p>
+          <a:p>
+            <a:pPr marL="971550" lvl="1" indent="-514350">
+              <a:buAutoNum type="arabicPeriod"/>
+            </a:pPr>
+            <a:r>
+              <a:rPr lang="he-IL" dirty="0"/>
+              <a:t>יש שימוש במאפיינים </a:t>
+            </a:r>
+            <a:r>
+              <a:rPr lang="he-IL" dirty="0" err="1"/>
+              <a:t>סטיסטים</a:t>
+            </a:r>
+            <a:r>
+              <a:rPr lang="he-IL" dirty="0"/>
+              <a:t> (לדוגמא: אנטרופיה, קורלציה לינארית)</a:t>
+            </a:r>
+          </a:p>
+          <a:p>
+            <a:pPr marL="971550" lvl="1" indent="-514350">
+              <a:buAutoNum type="arabicPeriod"/>
+            </a:pPr>
+            <a:r>
+              <a:rPr lang="he-IL" dirty="0"/>
+              <a:t>שיטה מהירה</a:t>
+            </a:r>
+          </a:p>
+          <a:p>
+            <a:pPr marL="971550" lvl="1" indent="-514350">
+              <a:buAutoNum type="arabicPeriod"/>
+            </a:pPr>
+            <a:r>
+              <a:rPr lang="he-IL" dirty="0" err="1"/>
+              <a:t>לוודוקא</a:t>
+            </a:r>
+            <a:r>
+              <a:rPr lang="he-IL" dirty="0"/>
+              <a:t> נותנת את התוצאה </a:t>
+            </a:r>
+            <a:r>
+              <a:rPr lang="he-IL" dirty="0" err="1"/>
+              <a:t>האופטמלית</a:t>
+            </a:r>
+            <a:endParaRPr lang="he-IL" dirty="0"/>
+          </a:p>
+          <a:p>
+            <a:pPr marL="971550" lvl="1" indent="-514350">
+              <a:buAutoNum type="arabicPeriod"/>
+            </a:pPr>
+            <a:r>
+              <a:rPr lang="he-IL" dirty="0"/>
+              <a:t>השיטה מספקת משקל למאפיין / שילוב מספר מאפיינים וזורקת את המאפיינים בעלי המשקל הקטן יותר</a:t>
+            </a:r>
+          </a:p>
+          <a:p>
+            <a:pPr marL="514350" indent="-514350">
+              <a:buAutoNum type="arabicPeriod"/>
+            </a:pPr>
+            <a:r>
+              <a:rPr lang="en-US" dirty="0"/>
+              <a:t>Wrapper Model</a:t>
+            </a:r>
+            <a:endParaRPr lang="he-IL" dirty="0"/>
+          </a:p>
+          <a:p>
+            <a:pPr marL="971550" lvl="1" indent="-514350">
+              <a:buAutoNum type="arabicPeriod"/>
+            </a:pPr>
+            <a:r>
+              <a:rPr lang="he-IL" dirty="0"/>
+              <a:t>שימוש </a:t>
+            </a:r>
+            <a:r>
+              <a:rPr lang="he-IL" dirty="0" err="1"/>
+              <a:t>באלג</a:t>
+            </a:r>
+            <a:r>
+              <a:rPr lang="he-IL" dirty="0"/>
+              <a:t>’</a:t>
+            </a:r>
+            <a:r>
+              <a:rPr lang="en-US" dirty="0"/>
+              <a:t> </a:t>
+            </a:r>
+            <a:r>
+              <a:rPr lang="he-IL" dirty="0"/>
+              <a:t> </a:t>
+            </a:r>
+            <a:r>
+              <a:rPr lang="en-US" dirty="0"/>
+              <a:t>Classification</a:t>
+            </a:r>
+            <a:r>
+              <a:rPr lang="he-IL" dirty="0"/>
+              <a:t> (</a:t>
+            </a:r>
+            <a:r>
+              <a:rPr lang="en-US" dirty="0"/>
+              <a:t>SVM, ANN, BAYESIAN, NN, DT</a:t>
+            </a:r>
+            <a:r>
+              <a:rPr lang="he-IL" dirty="0"/>
+              <a:t>)</a:t>
+            </a:r>
+          </a:p>
+          <a:p>
+            <a:pPr marL="971550" lvl="1" indent="-514350">
+              <a:buAutoNum type="arabicPeriod"/>
+            </a:pPr>
+            <a:r>
+              <a:rPr lang="he-IL" dirty="0"/>
+              <a:t>שיטה איטית מאוד</a:t>
+            </a:r>
+          </a:p>
+          <a:p>
+            <a:pPr marL="514350" indent="-514350">
+              <a:buAutoNum type="arabicPeriod"/>
+            </a:pPr>
+            <a:r>
+              <a:rPr lang="en-US" dirty="0"/>
+              <a:t>Hybrid</a:t>
+            </a:r>
+            <a:r>
+              <a:rPr lang="he-IL" dirty="0"/>
+              <a:t>***</a:t>
+            </a:r>
+          </a:p>
+          <a:p>
+            <a:pPr marL="971550" lvl="1" indent="-514350">
+              <a:buAutoNum type="arabicPeriod"/>
+            </a:pPr>
+            <a:r>
+              <a:rPr lang="he-IL" dirty="0"/>
+              <a:t>שילוב 2 השיטות מעלה</a:t>
+            </a:r>
+          </a:p>
+          <a:p>
+            <a:pPr marL="971550" lvl="1" indent="-514350">
+              <a:buAutoNum type="arabicPeriod"/>
+            </a:pPr>
+            <a:r>
+              <a:rPr lang="he-IL" dirty="0"/>
+              <a:t>בהתחלה יחד עם שיטת ה </a:t>
+            </a:r>
+            <a:r>
+              <a:rPr lang="en-US" dirty="0"/>
+              <a:t>Filter</a:t>
+            </a:r>
+            <a:r>
+              <a:rPr lang="he-IL" dirty="0"/>
+              <a:t> זורקים מאפיינים שאין בהם כלל שימוש ולאחר מכן מפעילים את שיטת ה </a:t>
+            </a:r>
+            <a:r>
+              <a:rPr lang="en-US" dirty="0"/>
+              <a:t>Wrapper</a:t>
+            </a:r>
+            <a:r>
+              <a:rPr lang="he-IL" dirty="0"/>
+              <a:t>.</a:t>
+            </a:r>
+          </a:p>
+          <a:p>
+            <a:pPr marL="514350" indent="-514350">
+              <a:buAutoNum type="arabicPeriod"/>
+            </a:pPr>
+            <a:r>
+              <a:rPr lang="en-US" dirty="0"/>
+              <a:t>Embedded</a:t>
+            </a:r>
+            <a:endParaRPr lang="he-IL" dirty="0"/>
+          </a:p>
+          <a:p>
+            <a:pPr marL="971550" lvl="1" indent="-514350">
+              <a:buAutoNum type="arabicPeriod"/>
+            </a:pPr>
+            <a:r>
+              <a:rPr lang="he-IL" dirty="0"/>
+              <a:t>בשיטה זו, חלק בחירת המאפיינים וחלק הלימוד לא מופרדים. בחירת המאפיינים מתבצעת בזמן הלימוד</a:t>
+            </a:r>
+          </a:p>
+          <a:p>
+            <a:pPr marL="971550" lvl="1" indent="-514350">
+              <a:buAutoNum type="arabicPeriod"/>
+            </a:pPr>
+            <a:r>
+              <a:rPr lang="he-IL" dirty="0"/>
+              <a:t>דוגמאות: </a:t>
+            </a:r>
+            <a:r>
+              <a:rPr lang="en-US" dirty="0"/>
+              <a:t>RFE (Recursive Feature Elimination)</a:t>
+            </a:r>
+            <a:endParaRPr lang="he-IL" dirty="0"/>
+          </a:p>
+          <a:p>
+            <a:pPr marL="1428750" lvl="2" indent="-514350">
+              <a:buAutoNum type="arabicPeriod"/>
+            </a:pPr>
+            <a:r>
+              <a:rPr lang="he-IL" dirty="0"/>
+              <a:t>משתמש ב </a:t>
+            </a:r>
+            <a:r>
+              <a:rPr lang="en-US" dirty="0"/>
+              <a:t>SVM</a:t>
+            </a:r>
+            <a:r>
+              <a:rPr lang="he-IL" dirty="0"/>
+              <a:t>, מתחיל מקבוצת מאפיינים מלאה ובכל הרצה של </a:t>
+            </a:r>
+            <a:r>
+              <a:rPr lang="he-IL" dirty="0" err="1"/>
+              <a:t>האלג</a:t>
+            </a:r>
+            <a:r>
+              <a:rPr lang="he-IL" dirty="0"/>
+              <a:t>', מעיף את המשקל הנמוך יותר.</a:t>
+            </a:r>
+          </a:p>
+          <a:p>
+            <a:pPr marL="1428750" lvl="2" indent="-514350">
+              <a:buAutoNum type="arabicPeriod"/>
+            </a:pPr>
+            <a:r>
+              <a:rPr lang="he-IL" dirty="0"/>
+              <a:t>יש צורך להגדיר את מספר </a:t>
+            </a:r>
+            <a:r>
+              <a:rPr lang="he-IL"/>
+              <a:t>המאפיינים הסופי ?</a:t>
+            </a:r>
+            <a:endParaRPr lang="en-US" dirty="0"/>
+          </a:p>
+          <a:p>
+            <a:pPr marL="914400" lvl="2" indent="0">
+              <a:buNone/>
+            </a:pPr>
+            <a:endParaRPr lang="he-IL" dirty="0"/>
+          </a:p>
+        </p:txBody>
+      </p:sp>
+    </p:spTree>
+    <p:extLst>
+      <p:ext uri="{BB962C8B-B14F-4D97-AF65-F5344CB8AC3E}">
+        <p14:creationId xmlns:p14="http://schemas.microsoft.com/office/powerpoint/2010/main" val="1109355699"/>
+      </p:ext>
+    </p:extLst>
+  </p:cSld>
+  <p:clrMapOvr>
+    <a:masterClrMapping/>
+  </p:clrMapOvr>
+</p:sld>
+</file>
+
+<file path=ppt/slides/slide11.xml><?xml version="1.0" encoding="utf-8"?>
+<p:sld xmlns:a="http://schemas.openxmlformats.org/drawingml/2006/main" xmlns:r="http://schemas.openxmlformats.org/officeDocument/2006/relationships" xmlns:p="http://schemas.openxmlformats.org/presentationml/2006/main">
+  <p:cSld>
+    <p:spTree>
+      <p:nvGrpSpPr>
+        <p:cNvPr id="1" name=""/>
+        <p:cNvGrpSpPr/>
+        <p:nvPr/>
+      </p:nvGrpSpPr>
+      <p:grpSpPr>
+        <a:xfrm>
+          <a:off x="0" y="0"/>
+          <a:ext cx="0" cy="0"/>
+          <a:chOff x="0" y="0"/>
+          <a:chExt cx="0" cy="0"/>
+        </a:xfrm>
+      </p:grpSpPr>
+      <p:sp>
+        <p:nvSpPr>
+          <p:cNvPr id="2" name="כותרת 1">
+            <a:extLst>
+              <a:ext uri="{FF2B5EF4-FFF2-40B4-BE49-F238E27FC236}">
                 <a16:creationId xmlns:a16="http://schemas.microsoft.com/office/drawing/2014/main" id="{3614DBF3-3BF9-40E5-8449-5B82D31222F7}"/>
               </a:ext>
             </a:extLst>
@@ -3649,7 +4005,7 @@
 </p:sld>
 </file>
 
-<file path=ppt/slides/slide11.xml><?xml version="1.0" encoding="utf-8"?>
+<file path=ppt/slides/slide12.xml><?xml version="1.0" encoding="utf-8"?>
 <p:sld xmlns:a="http://schemas.openxmlformats.org/drawingml/2006/main" xmlns:r="http://schemas.openxmlformats.org/officeDocument/2006/relationships" xmlns:p="http://schemas.openxmlformats.org/presentationml/2006/main">
   <p:cSld>
     <p:spTree>
@@ -3960,7 +4316,7 @@
 </p:sld>
 </file>
 
-<file path=ppt/slides/slide12.xml><?xml version="1.0" encoding="utf-8"?>
+<file path=ppt/slides/slide13.xml><?xml version="1.0" encoding="utf-8"?>
 <p:sld xmlns:a="http://schemas.openxmlformats.org/drawingml/2006/main" xmlns:r="http://schemas.openxmlformats.org/officeDocument/2006/relationships" xmlns:p="http://schemas.openxmlformats.org/presentationml/2006/main">
   <p:cSld>
     <p:spTree>
@@ -4278,131 +4634,6 @@
 </p:sld>
 </file>
 
-<file path=ppt/slides/slide13.xml><?xml version="1.0" encoding="utf-8"?>
-<p:sld xmlns:a="http://schemas.openxmlformats.org/drawingml/2006/main" xmlns:r="http://schemas.openxmlformats.org/officeDocument/2006/relationships" xmlns:p="http://schemas.openxmlformats.org/presentationml/2006/main">
-  <p:cSld>
-    <p:spTree>
-      <p:nvGrpSpPr>
-        <p:cNvPr id="1" name=""/>
-        <p:cNvGrpSpPr/>
-        <p:nvPr/>
-      </p:nvGrpSpPr>
-      <p:grpSpPr>
-        <a:xfrm>
-          <a:off x="0" y="0"/>
-          <a:ext cx="0" cy="0"/>
-          <a:chOff x="0" y="0"/>
-          <a:chExt cx="0" cy="0"/>
-        </a:xfrm>
-      </p:grpSpPr>
-      <p:sp>
-        <p:nvSpPr>
-          <p:cNvPr id="2" name="כותרת 1">
-            <a:extLst>
-              <a:ext uri="{FF2B5EF4-FFF2-40B4-BE49-F238E27FC236}">
-                <a16:creationId xmlns:a16="http://schemas.microsoft.com/office/drawing/2014/main" id="{2BC1A9AD-9E19-491F-AF62-BA5A076406F5}"/>
-              </a:ext>
-            </a:extLst>
-          </p:cNvPr>
-          <p:cNvSpPr>
-            <a:spLocks noGrp="1"/>
-          </p:cNvSpPr>
-          <p:nvPr>
-            <p:ph type="title"/>
-          </p:nvPr>
-        </p:nvSpPr>
-        <p:spPr/>
-        <p:txBody>
-          <a:bodyPr/>
-          <a:lstStyle/>
-          <a:p>
-            <a:r>
-              <a:rPr lang="en-US" dirty="0"/>
-              <a:t>Discretization</a:t>
-            </a:r>
-            <a:r>
-              <a:rPr lang="he-IL" dirty="0"/>
-              <a:t> (נכון בבעיות </a:t>
-            </a:r>
-            <a:r>
-              <a:rPr lang="en-US" dirty="0" err="1"/>
-              <a:t>classifcation</a:t>
-            </a:r>
-            <a:r>
-              <a:rPr lang="he-IL" dirty="0"/>
-              <a:t>)</a:t>
-            </a:r>
-          </a:p>
-        </p:txBody>
-      </p:sp>
-      <p:sp>
-        <p:nvSpPr>
-          <p:cNvPr id="3" name="מציין מיקום תוכן 2">
-            <a:extLst>
-              <a:ext uri="{FF2B5EF4-FFF2-40B4-BE49-F238E27FC236}">
-                <a16:creationId xmlns:a16="http://schemas.microsoft.com/office/drawing/2014/main" id="{8EB8E186-549D-47BF-8B4C-614E6C38F188}"/>
-              </a:ext>
-            </a:extLst>
-          </p:cNvPr>
-          <p:cNvSpPr>
-            <a:spLocks noGrp="1"/>
-          </p:cNvSpPr>
-          <p:nvPr>
-            <p:ph idx="1"/>
-          </p:nvPr>
-        </p:nvSpPr>
-        <p:spPr/>
-        <p:txBody>
-          <a:bodyPr/>
-          <a:lstStyle/>
-          <a:p>
-            <a:r>
-              <a:rPr lang="he-IL" dirty="0"/>
-              <a:t>מעבר לערכים בדידים (במקום רציפים)</a:t>
-            </a:r>
-          </a:p>
-          <a:p>
-            <a:r>
-              <a:rPr lang="he-IL" dirty="0"/>
-              <a:t>שיפור ביצועים</a:t>
-            </a:r>
-          </a:p>
-          <a:p>
-            <a:r>
-              <a:rPr lang="he-IL" dirty="0"/>
-              <a:t>קשה להחליט מאיזו נקודה עשרונית לבצע את חלקות הקבוצות</a:t>
-            </a:r>
-          </a:p>
-          <a:p>
-            <a:r>
-              <a:rPr lang="he-IL" dirty="0"/>
-              <a:t>שיטה </a:t>
-            </a:r>
-            <a:r>
-              <a:rPr lang="en-US" dirty="0"/>
-              <a:t>EWD - Equal Width </a:t>
-            </a:r>
-            <a:r>
-              <a:rPr lang="en-US" dirty="0" err="1"/>
-              <a:t>Discretiztion</a:t>
-            </a:r>
-            <a:endParaRPr lang="he-IL" dirty="0"/>
-          </a:p>
-        </p:txBody>
-      </p:sp>
-    </p:spTree>
-    <p:extLst>
-      <p:ext uri="{BB962C8B-B14F-4D97-AF65-F5344CB8AC3E}">
-        <p14:creationId xmlns:p14="http://schemas.microsoft.com/office/powerpoint/2010/main" val="128172501"/>
-      </p:ext>
-    </p:extLst>
-  </p:cSld>
-  <p:clrMapOvr>
-    <a:masterClrMapping/>
-  </p:clrMapOvr>
-</p:sld>
-</file>
-
 <file path=ppt/slides/slide14.xml><?xml version="1.0" encoding="utf-8"?>
 <p:sld xmlns:a="http://schemas.openxmlformats.org/drawingml/2006/main" xmlns:r="http://schemas.openxmlformats.org/officeDocument/2006/relationships" xmlns:p="http://schemas.openxmlformats.org/presentationml/2006/main">
   <p:cSld>
@@ -4425,7 +4656,7 @@
           <p:cNvPr id="2" name="כותרת 1">
             <a:extLst>
               <a:ext uri="{FF2B5EF4-FFF2-40B4-BE49-F238E27FC236}">
-                <a16:creationId xmlns:a16="http://schemas.microsoft.com/office/drawing/2014/main" id="{A52B7D8E-21EC-470E-A7BF-6A86AFAB0E58}"/>
+                <a16:creationId xmlns:a16="http://schemas.microsoft.com/office/drawing/2014/main" id="{2BC1A9AD-9E19-491F-AF62-BA5A076406F5}"/>
               </a:ext>
             </a:extLst>
           </p:cNvPr>
@@ -4443,143 +4674,82 @@
           <a:p>
             <a:r>
               <a:rPr lang="en-US" dirty="0"/>
-              <a:t>Feature Extraction</a:t>
+              <a:t>Discretization</a:t>
+            </a:r>
+            <a:r>
+              <a:rPr lang="he-IL" dirty="0"/>
+              <a:t> (נכון בבעיות </a:t>
+            </a:r>
+            <a:r>
+              <a:rPr lang="en-US" dirty="0" err="1"/>
+              <a:t>classifcation</a:t>
+            </a:r>
+            <a:r>
+              <a:rPr lang="he-IL" dirty="0"/>
+              <a:t>)</a:t>
+            </a:r>
+          </a:p>
+        </p:txBody>
+      </p:sp>
+      <p:sp>
+        <p:nvSpPr>
+          <p:cNvPr id="3" name="מציין מיקום תוכן 2">
+            <a:extLst>
+              <a:ext uri="{FF2B5EF4-FFF2-40B4-BE49-F238E27FC236}">
+                <a16:creationId xmlns:a16="http://schemas.microsoft.com/office/drawing/2014/main" id="{8EB8E186-549D-47BF-8B4C-614E6C38F188}"/>
+              </a:ext>
+            </a:extLst>
+          </p:cNvPr>
+          <p:cNvSpPr>
+            <a:spLocks noGrp="1"/>
+          </p:cNvSpPr>
+          <p:nvPr>
+            <p:ph idx="1"/>
+          </p:nvPr>
+        </p:nvSpPr>
+        <p:spPr/>
+        <p:txBody>
+          <a:bodyPr/>
+          <a:lstStyle/>
+          <a:p>
+            <a:r>
+              <a:rPr lang="he-IL" dirty="0"/>
+              <a:t>מעבר לערכים בדידים (במקום רציפים)</a:t>
+            </a:r>
+          </a:p>
+          <a:p>
+            <a:r>
+              <a:rPr lang="he-IL" dirty="0"/>
+              <a:t>שיפור ביצועים</a:t>
+            </a:r>
+          </a:p>
+          <a:p>
+            <a:r>
+              <a:rPr lang="he-IL" dirty="0"/>
+              <a:t>קשה להחליט מאיזו נקודה עשרונית לבצע את חלקות הקבוצות</a:t>
+            </a:r>
+          </a:p>
+          <a:p>
+            <a:r>
+              <a:rPr lang="he-IL" dirty="0"/>
+              <a:t>שיטה </a:t>
+            </a:r>
+            <a:r>
+              <a:rPr lang="en-US" dirty="0"/>
+              <a:t>EWD - Equal Width </a:t>
+            </a:r>
+            <a:r>
+              <a:rPr lang="en-US" dirty="0" err="1"/>
+              <a:t>Discretiztion</a:t>
             </a:r>
             <a:endParaRPr lang="he-IL" dirty="0"/>
-          </a:p>
-        </p:txBody>
-      </p:sp>
-      <p:sp>
-        <p:nvSpPr>
-          <p:cNvPr id="3" name="מציין מיקום תוכן 2">
-            <a:extLst>
-              <a:ext uri="{FF2B5EF4-FFF2-40B4-BE49-F238E27FC236}">
-                <a16:creationId xmlns:a16="http://schemas.microsoft.com/office/drawing/2014/main" id="{2F31AA13-BC0F-40A5-A9CA-93726CC322E6}"/>
-              </a:ext>
-            </a:extLst>
-          </p:cNvPr>
-          <p:cNvSpPr>
-            <a:spLocks noGrp="1"/>
-          </p:cNvSpPr>
-          <p:nvPr>
-            <p:ph idx="1"/>
-          </p:nvPr>
-        </p:nvSpPr>
-        <p:spPr>
-          <a:xfrm>
-            <a:off x="838200" y="1864954"/>
-            <a:ext cx="10515600" cy="4351338"/>
-          </a:xfrm>
-        </p:spPr>
-        <p:txBody>
-          <a:bodyPr/>
-          <a:lstStyle/>
-          <a:p>
-            <a:r>
-              <a:rPr lang="he-IL" dirty="0"/>
-              <a:t>יצירת מאפיינים חדשים (קטנים במספר מהמאפיינים המקוריים)</a:t>
-            </a:r>
-          </a:p>
-          <a:p>
-            <a:r>
-              <a:rPr lang="he-IL" dirty="0"/>
-              <a:t>ישנם מספר שיטות, דוגמא שימוש בשיטת </a:t>
-            </a:r>
-            <a:r>
-              <a:rPr lang="en-US" dirty="0"/>
-              <a:t>PCA</a:t>
-            </a:r>
-            <a:endParaRPr lang="he-IL" dirty="0"/>
-          </a:p>
-          <a:p>
-            <a:pPr lvl="1"/>
-            <a:r>
-              <a:rPr lang="he-IL" dirty="0"/>
-              <a:t>אלג’ </a:t>
-            </a:r>
-            <a:r>
-              <a:rPr lang="en-US" dirty="0"/>
-              <a:t> Unsupervised learning</a:t>
-            </a:r>
-            <a:r>
-              <a:rPr lang="he-IL" dirty="0"/>
-              <a:t> המוריד </a:t>
-            </a:r>
-            <a:r>
-              <a:rPr lang="he-IL" dirty="0" err="1"/>
-              <a:t>למימד</a:t>
-            </a:r>
-            <a:r>
-              <a:rPr lang="he-IL" dirty="0"/>
-              <a:t> קטן יותר (</a:t>
-            </a:r>
-            <a:r>
-              <a:rPr lang="he-IL" dirty="0" err="1"/>
-              <a:t>המימד</a:t>
-            </a:r>
-            <a:r>
-              <a:rPr lang="he-IL" dirty="0"/>
-              <a:t> לא ידוע).</a:t>
-            </a:r>
-          </a:p>
-          <a:p>
-            <a:pPr lvl="1"/>
-            <a:r>
-              <a:rPr lang="he-IL" dirty="0" err="1"/>
-              <a:t>האלג</a:t>
-            </a:r>
-            <a:r>
-              <a:rPr lang="he-IL" dirty="0"/>
-              <a:t>' משתמש בשונות של כל מאפיין ומכייל מחדש את השונות.</a:t>
-            </a:r>
-          </a:p>
-          <a:p>
-            <a:pPr lvl="2"/>
-            <a:r>
-              <a:rPr lang="he-IL" dirty="0"/>
-              <a:t>דוגמא: מספר דלתות לרכב (4 / 6) -&gt; הורדה ל 4 גלגלים לכל הרכבים.</a:t>
-            </a:r>
-          </a:p>
-          <a:p>
-            <a:pPr lvl="1"/>
-            <a:r>
-              <a:rPr lang="he-IL" dirty="0" err="1"/>
-              <a:t>האלג</a:t>
-            </a:r>
-            <a:r>
-              <a:rPr lang="he-IL" dirty="0"/>
-              <a:t>' שומר על השונות של מאפיינות בעלי שונות גבוהה</a:t>
-            </a:r>
-          </a:p>
-          <a:p>
-            <a:pPr lvl="1"/>
-            <a:r>
-              <a:rPr lang="he-IL" dirty="0"/>
-              <a:t>מבצעים הטלה למערכת צירים </a:t>
-            </a:r>
-            <a:r>
-              <a:rPr lang="he-IL" dirty="0" err="1"/>
-              <a:t>אורטוגונלית</a:t>
-            </a:r>
-            <a:r>
-              <a:rPr lang="he-IL" dirty="0"/>
-              <a:t> (</a:t>
-            </a:r>
-            <a:r>
-              <a:rPr lang="he-IL" dirty="0" err="1"/>
-              <a:t>מימד</a:t>
-            </a:r>
-            <a:r>
-              <a:rPr lang="he-IL" dirty="0"/>
-              <a:t> קטן אחר)</a:t>
-            </a:r>
           </a:p>
         </p:txBody>
       </p:sp>
     </p:spTree>
     <p:extLst>
       <p:ext uri="{BB962C8B-B14F-4D97-AF65-F5344CB8AC3E}">
-        <p14:creationId xmlns:p14="http://schemas.microsoft.com/office/powerpoint/2010/main" val="1502696528"/>
+        <p14:creationId xmlns:p14="http://schemas.microsoft.com/office/powerpoint/2010/main" val="128172501"/>
       </p:ext>
     </p:extLst>
   </p:cSld>
@@ -4611,7 +4781,7 @@
           <p:cNvPr id="2" name="כותרת 1">
             <a:extLst>
               <a:ext uri="{FF2B5EF4-FFF2-40B4-BE49-F238E27FC236}">
-                <a16:creationId xmlns:a16="http://schemas.microsoft.com/office/drawing/2014/main" id="{3486240C-977A-4EEE-BED3-3342583CD8DF}"/>
+                <a16:creationId xmlns:a16="http://schemas.microsoft.com/office/drawing/2014/main" id="{A52B7D8E-21EC-470E-A7BF-6A86AFAB0E58}"/>
               </a:ext>
             </a:extLst>
           </p:cNvPr>
@@ -4629,7 +4799,7 @@
           <a:p>
             <a:r>
               <a:rPr lang="en-US" dirty="0"/>
-              <a:t>Feature Engineering</a:t>
+              <a:t>Feature Extraction</a:t>
             </a:r>
             <a:endParaRPr lang="he-IL" dirty="0"/>
           </a:p>
@@ -4640,7 +4810,7 @@
           <p:cNvPr id="3" name="מציין מיקום תוכן 2">
             <a:extLst>
               <a:ext uri="{FF2B5EF4-FFF2-40B4-BE49-F238E27FC236}">
-                <a16:creationId xmlns:a16="http://schemas.microsoft.com/office/drawing/2014/main" id="{0CD0EFB5-C4CA-43D2-9FD5-45497940C413}"/>
+                <a16:creationId xmlns:a16="http://schemas.microsoft.com/office/drawing/2014/main" id="{2F31AA13-BC0F-40A5-A9CA-93726CC322E6}"/>
               </a:ext>
             </a:extLst>
           </p:cNvPr>
@@ -4651,75 +4821,121 @@
             <p:ph idx="1"/>
           </p:nvPr>
         </p:nvSpPr>
-        <p:spPr/>
+        <p:spPr>
+          <a:xfrm>
+            <a:off x="838200" y="1864954"/>
+            <a:ext cx="10515600" cy="4351338"/>
+          </a:xfrm>
+        </p:spPr>
         <p:txBody>
           <a:bodyPr/>
           <a:lstStyle/>
           <a:p>
             <a:r>
               <a:rPr lang="he-IL" dirty="0"/>
-              <a:t>המרת </a:t>
-            </a:r>
-            <a:r>
-              <a:rPr lang="en-US" dirty="0"/>
-              <a:t>Raw Data</a:t>
-            </a:r>
-            <a:r>
-              <a:rPr lang="he-IL" dirty="0"/>
-              <a:t> למאפיינים שמתאימים למודול</a:t>
-            </a:r>
-          </a:p>
-          <a:p>
-            <a:r>
-              <a:rPr lang="he-IL" dirty="0"/>
-              <a:t>דוגמאות:</a:t>
-            </a:r>
+              <a:t>יצירת מאפיינים חדשים (קטנים במספר מהמאפיינים המקוריים)</a:t>
+            </a:r>
+          </a:p>
+          <a:p>
+            <a:r>
+              <a:rPr lang="he-IL" dirty="0"/>
+              <a:t>ישנם מספר שיטות, דוגמא שימוש בשיטת </a:t>
+            </a:r>
+            <a:r>
+              <a:rPr lang="en-US" dirty="0"/>
+              <a:t>PCA</a:t>
+            </a:r>
+            <a:endParaRPr lang="he-IL" dirty="0"/>
           </a:p>
           <a:p>
             <a:pPr lvl="1"/>
             <a:r>
-              <a:rPr lang="en-US" dirty="0"/>
-              <a:t>CNN (convolutional neural network)</a:t>
-            </a:r>
-            <a:endParaRPr lang="he-IL" dirty="0"/>
+              <a:rPr lang="he-IL" dirty="0"/>
+              <a:t>אלג’ </a:t>
+            </a:r>
+            <a:r>
+              <a:rPr lang="en-US" dirty="0"/>
+              <a:t> Unsupervised learning</a:t>
+            </a:r>
+            <a:r>
+              <a:rPr lang="he-IL" dirty="0"/>
+              <a:t> המוריד </a:t>
+            </a:r>
+            <a:r>
+              <a:rPr lang="he-IL" dirty="0" err="1"/>
+              <a:t>למימד</a:t>
+            </a:r>
+            <a:r>
+              <a:rPr lang="he-IL" dirty="0"/>
+              <a:t> קטן יותר (</a:t>
+            </a:r>
+            <a:r>
+              <a:rPr lang="he-IL" dirty="0" err="1"/>
+              <a:t>המימד</a:t>
+            </a:r>
+            <a:r>
+              <a:rPr lang="he-IL" dirty="0"/>
+              <a:t> לא ידוע).</a:t>
+            </a:r>
+          </a:p>
+          <a:p>
+            <a:pPr lvl="1"/>
+            <a:r>
+              <a:rPr lang="he-IL" dirty="0" err="1"/>
+              <a:t>האלג</a:t>
+            </a:r>
+            <a:r>
+              <a:rPr lang="he-IL" dirty="0"/>
+              <a:t>' משתמש בשונות של כל מאפיין ומכייל מחדש את השונות.</a:t>
+            </a:r>
           </a:p>
           <a:p>
             <a:pPr lvl="2"/>
             <a:r>
+              <a:rPr lang="he-IL" dirty="0"/>
+              <a:t>דוגמא: מספר דלתות לרכב (4 / 6) -&gt; הורדה ל 4 גלגלים לכל הרכבים.</a:t>
+            </a:r>
+          </a:p>
+          <a:p>
+            <a:pPr lvl="1"/>
+            <a:r>
               <a:rPr lang="he-IL" dirty="0" err="1"/>
-              <a:t>קונובולוציות</a:t>
-            </a:r>
-            <a:r>
-              <a:rPr lang="he-IL" dirty="0"/>
-              <a:t> ל </a:t>
-            </a:r>
-            <a:r>
-              <a:rPr lang="en-US" dirty="0"/>
-              <a:t>edge / shape </a:t>
-            </a:r>
-            <a:r>
-              <a:rPr lang="en-US" dirty="0" err="1"/>
-              <a:t>detecition</a:t>
-            </a:r>
-            <a:r>
-              <a:rPr lang="he-IL" dirty="0"/>
-              <a:t>.</a:t>
+              <a:t>האלג</a:t>
+            </a:r>
+            <a:r>
+              <a:rPr lang="he-IL" dirty="0"/>
+              <a:t>' שומר על השונות של מאפיינות בעלי שונות גבוהה</a:t>
             </a:r>
           </a:p>
           <a:p>
             <a:pPr lvl="1"/>
             <a:r>
-              <a:rPr lang="en-US" dirty="0"/>
-              <a:t>Word2Vec</a:t>
-            </a:r>
-            <a:endParaRPr lang="he-IL" dirty="0"/>
+              <a:rPr lang="he-IL" dirty="0"/>
+              <a:t>מבצעים הטלה למערכת צירים </a:t>
+            </a:r>
+            <a:r>
+              <a:rPr lang="he-IL" dirty="0" err="1"/>
+              <a:t>אורטוגונלית</a:t>
+            </a:r>
+            <a:r>
+              <a:rPr lang="he-IL" dirty="0"/>
+              <a:t> (</a:t>
+            </a:r>
+            <a:r>
+              <a:rPr lang="he-IL" dirty="0" err="1"/>
+              <a:t>מימד</a:t>
+            </a:r>
+            <a:r>
+              <a:rPr lang="he-IL" dirty="0"/>
+              <a:t> קטן אחר)</a:t>
+            </a:r>
           </a:p>
         </p:txBody>
       </p:sp>
     </p:spTree>
     <p:extLst>
       <p:ext uri="{BB962C8B-B14F-4D97-AF65-F5344CB8AC3E}">
-        <p14:creationId xmlns:p14="http://schemas.microsoft.com/office/powerpoint/2010/main" val="2909546048"/>
+        <p14:creationId xmlns:p14="http://schemas.microsoft.com/office/powerpoint/2010/main" val="1502696528"/>
       </p:ext>
     </p:extLst>
   </p:cSld>
@@ -4751,7 +4967,7 @@
           <p:cNvPr id="2" name="כותרת 1">
             <a:extLst>
               <a:ext uri="{FF2B5EF4-FFF2-40B4-BE49-F238E27FC236}">
-                <a16:creationId xmlns:a16="http://schemas.microsoft.com/office/drawing/2014/main" id="{B1B2B1AD-AED9-4FF9-8904-0852BE6EF758}"/>
+                <a16:creationId xmlns:a16="http://schemas.microsoft.com/office/drawing/2014/main" id="{3486240C-977A-4EEE-BED3-3342583CD8DF}"/>
               </a:ext>
             </a:extLst>
           </p:cNvPr>
@@ -4768,9 +4984,10 @@
           <a:lstStyle/>
           <a:p>
             <a:r>
-              <a:rPr lang="he-IL" dirty="0"/>
-              <a:t>שאלות - 1</a:t>
-            </a:r>
+              <a:rPr lang="en-US" dirty="0"/>
+              <a:t>Feature Engineering</a:t>
+            </a:r>
+            <a:endParaRPr lang="he-IL" dirty="0"/>
           </a:p>
         </p:txBody>
       </p:sp>
@@ -4779,7 +4996,7 @@
           <p:cNvPr id="3" name="מציין מיקום תוכן 2">
             <a:extLst>
               <a:ext uri="{FF2B5EF4-FFF2-40B4-BE49-F238E27FC236}">
-                <a16:creationId xmlns:a16="http://schemas.microsoft.com/office/drawing/2014/main" id="{3CC9D416-2FD3-4EFA-8133-C371E668FCBB}"/>
+                <a16:creationId xmlns:a16="http://schemas.microsoft.com/office/drawing/2014/main" id="{0CD0EFB5-C4CA-43D2-9FD5-45497940C413}"/>
               </a:ext>
             </a:extLst>
           </p:cNvPr>
@@ -4792,314 +5009,65 @@
         </p:nvSpPr>
         <p:spPr/>
         <p:txBody>
-          <a:bodyPr>
-            <a:normAutofit fontScale="55000" lnSpcReduction="20000"/>
-          </a:bodyPr>
-          <a:lstStyle/>
-          <a:p>
-            <a:r>
-              <a:rPr lang="en-US" dirty="0"/>
-              <a:t>Wrapper model</a:t>
+          <a:bodyPr/>
+          <a:lstStyle/>
+          <a:p>
+            <a:r>
+              <a:rPr lang="he-IL" dirty="0"/>
+              <a:t>המרת </a:t>
+            </a:r>
+            <a:r>
+              <a:rPr lang="en-US" dirty="0"/>
+              <a:t>Raw Data</a:t>
+            </a:r>
+            <a:r>
+              <a:rPr lang="he-IL" dirty="0"/>
+              <a:t> למאפיינים שמתאימים למודול</a:t>
+            </a:r>
+          </a:p>
+          <a:p>
+            <a:r>
+              <a:rPr lang="he-IL" dirty="0"/>
+              <a:t>דוגמאות:</a:t>
+            </a:r>
+          </a:p>
+          <a:p>
+            <a:pPr lvl="1"/>
+            <a:r>
+              <a:rPr lang="en-US" dirty="0"/>
+              <a:t>CNN (convolutional neural network)</a:t>
             </a:r>
             <a:endParaRPr lang="he-IL" dirty="0"/>
           </a:p>
           <a:p>
+            <a:pPr lvl="2"/>
+            <a:r>
+              <a:rPr lang="he-IL" dirty="0" err="1"/>
+              <a:t>קונובולוציות</a:t>
+            </a:r>
+            <a:r>
+              <a:rPr lang="he-IL" dirty="0"/>
+              <a:t> ל </a:t>
+            </a:r>
+            <a:r>
+              <a:rPr lang="en-US" dirty="0"/>
+              <a:t>edge / shape </a:t>
+            </a:r>
+            <a:r>
+              <a:rPr lang="en-US" dirty="0" err="1"/>
+              <a:t>detecition</a:t>
+            </a:r>
+            <a:r>
+              <a:rPr lang="he-IL" dirty="0"/>
+              <a:t>.</a:t>
+            </a:r>
+          </a:p>
+          <a:p>
             <a:pPr lvl="1"/>
             <a:r>
-              <a:rPr lang="he-IL" dirty="0"/>
-              <a:t>למה לפצל ל </a:t>
-            </a:r>
-            <a:r>
-              <a:rPr lang="en-US" dirty="0"/>
-              <a:t>train and test</a:t>
-            </a:r>
-            <a:r>
-              <a:rPr lang="he-IL" dirty="0"/>
-              <a:t> ? אם גם ככה רק לבחירת תכונות, נעבוד על </a:t>
-            </a:r>
-            <a:r>
-              <a:rPr lang="he-IL" dirty="0" err="1"/>
-              <a:t>הכל</a:t>
-            </a:r>
-            <a:r>
-              <a:rPr lang="he-IL" dirty="0"/>
-              <a:t>.</a:t>
-            </a:r>
-          </a:p>
-          <a:p>
-            <a:pPr lvl="1"/>
-            <a:r>
-              <a:rPr lang="he-IL" dirty="0"/>
-              <a:t>יש טעם בבעיית </a:t>
-            </a:r>
-            <a:r>
-              <a:rPr lang="en-US" dirty="0"/>
-              <a:t>classification</a:t>
-            </a:r>
-            <a:r>
-              <a:rPr lang="he-IL" dirty="0"/>
-              <a:t> לבדוק עם אלג' שאינו </a:t>
-            </a:r>
-            <a:r>
-              <a:rPr lang="en-US" dirty="0"/>
-              <a:t>random forest</a:t>
-            </a:r>
-            <a:r>
-              <a:rPr lang="he-IL" dirty="0"/>
-              <a:t> ?</a:t>
-            </a:r>
-          </a:p>
-          <a:p>
-            <a:r>
-              <a:rPr lang="en-US" dirty="0"/>
-              <a:t>Embedded model</a:t>
-            </a:r>
-            <a:r>
-              <a:rPr lang="he-IL" dirty="0"/>
-              <a:t>:</a:t>
-            </a:r>
-          </a:p>
-          <a:p>
-            <a:pPr lvl="1"/>
-            <a:r>
-              <a:rPr lang="he-IL" dirty="0"/>
-              <a:t>אם אני לא משתמש בשיטה זו לאחר מכן האם עדיין לפצל ל </a:t>
-            </a:r>
-            <a:r>
-              <a:rPr lang="en-US" dirty="0"/>
-              <a:t>train and test</a:t>
-            </a:r>
-            <a:r>
-              <a:rPr lang="he-IL" dirty="0"/>
-              <a:t> ? (אם כן למה ?)</a:t>
-            </a:r>
-          </a:p>
-          <a:p>
-            <a:pPr lvl="1"/>
-            <a:r>
-              <a:rPr lang="he-IL" dirty="0"/>
-              <a:t>האם </a:t>
-            </a:r>
-            <a:r>
-              <a:rPr lang="en-US" dirty="0"/>
-              <a:t>Lasso</a:t>
-            </a:r>
-            <a:r>
-              <a:rPr lang="he-IL" dirty="0"/>
-              <a:t> מתאים בעיקר לבעיות </a:t>
-            </a:r>
-            <a:r>
-              <a:rPr lang="en-US" dirty="0" err="1"/>
-              <a:t>regresion</a:t>
-            </a:r>
-            <a:r>
-              <a:rPr lang="he-IL" dirty="0"/>
-              <a:t> או גם </a:t>
-            </a:r>
-            <a:r>
-              <a:rPr lang="en-US" dirty="0"/>
-              <a:t>classification</a:t>
-            </a:r>
-            <a:endParaRPr lang="he-IL" dirty="0"/>
-          </a:p>
-          <a:p>
-            <a:pPr lvl="1"/>
-            <a:r>
-              <a:rPr lang="he-IL" dirty="0"/>
-              <a:t>אם אני לא משתמש באותו אלג' לאחר מכן:</a:t>
-            </a:r>
-          </a:p>
-          <a:p>
-            <a:pPr lvl="2"/>
-            <a:r>
-              <a:rPr lang="he-IL" dirty="0"/>
-              <a:t>האם כדאי להשתמש בשיטה ? (נניח נעבוד טוב יותר ב </a:t>
-            </a:r>
-            <a:r>
-              <a:rPr lang="en-US" dirty="0"/>
-              <a:t>Deep Learning</a:t>
-            </a:r>
-            <a:r>
-              <a:rPr lang="he-IL" dirty="0"/>
-              <a:t>) ?</a:t>
-            </a:r>
-          </a:p>
-          <a:p>
-            <a:pPr lvl="2"/>
-            <a:r>
-              <a:rPr lang="he-IL" dirty="0"/>
-              <a:t>האם עדיין צריך לחלק ב </a:t>
-            </a:r>
-            <a:r>
-              <a:rPr lang="en-US" dirty="0"/>
-              <a:t>Cross</a:t>
-            </a:r>
-            <a:r>
-              <a:rPr lang="he-IL" dirty="0"/>
-              <a:t> את המידע ולבדוק עם </a:t>
-            </a:r>
-            <a:r>
-              <a:rPr lang="en-US" dirty="0"/>
-              <a:t>train</a:t>
-            </a:r>
-            <a:r>
-              <a:rPr lang="he-IL" dirty="0"/>
-              <a:t> ?</a:t>
-            </a:r>
-          </a:p>
-          <a:p>
-            <a:pPr lvl="1"/>
-            <a:r>
-              <a:rPr lang="he-IL" dirty="0"/>
-              <a:t>בשימוש ב </a:t>
-            </a:r>
-            <a:r>
-              <a:rPr lang="en-US" dirty="0"/>
-              <a:t>Random Forest</a:t>
-            </a:r>
-            <a:r>
-              <a:rPr lang="he-IL" dirty="0"/>
-              <a:t>, התוצאה הינה ה"חשיבות" של כל תוכנה:</a:t>
-            </a:r>
-          </a:p>
-          <a:p>
-            <a:pPr lvl="2"/>
-            <a:r>
-              <a:rPr lang="he-IL" dirty="0"/>
-              <a:t>בפועל אין הורדת תוכנות</a:t>
-            </a:r>
-          </a:p>
-          <a:p>
-            <a:pPr lvl="2"/>
-            <a:r>
-              <a:rPr lang="he-IL" dirty="0"/>
-              <a:t>מה ההבדל בין שיטה זו לבין ה </a:t>
-            </a:r>
-            <a:r>
-              <a:rPr lang="en-US" dirty="0"/>
-              <a:t>wrapper</a:t>
-            </a:r>
-            <a:r>
-              <a:rPr lang="he-IL" dirty="0"/>
-              <a:t> עם </a:t>
-            </a:r>
-            <a:r>
-              <a:rPr lang="en-US" dirty="0"/>
-              <a:t>Random Forest</a:t>
-            </a:r>
-            <a:endParaRPr lang="he-IL" dirty="0"/>
-          </a:p>
-          <a:p>
-            <a:r>
-              <a:rPr lang="he-IL" dirty="0"/>
-              <a:t>בכל השיטות (של </a:t>
-            </a:r>
-            <a:r>
-              <a:rPr lang="en-US" dirty="0"/>
-              <a:t> filter model</a:t>
-            </a:r>
-            <a:r>
-              <a:rPr lang="he-IL" dirty="0"/>
-              <a:t> יחד עם </a:t>
-            </a:r>
-            <a:r>
-              <a:rPr lang="en-US" dirty="0"/>
-              <a:t>random forest</a:t>
-            </a:r>
-            <a:r>
-              <a:rPr lang="he-IL" dirty="0"/>
-              <a:t> וזהו ?), נראה שיש מספר המגדיר את המספר המקסימאלי של תכונות לבחירה. למה ? זה צריך להיות לפי סינון אחר (נניח תוצאה / סף)</a:t>
-            </a:r>
-          </a:p>
-          <a:p>
-            <a:r>
-              <a:rPr lang="he-IL" dirty="0"/>
-              <a:t>לעבור שוב ולוודא האם </a:t>
-            </a:r>
-            <a:r>
-              <a:rPr lang="he-IL"/>
-              <a:t>נכונה השאלה - מהבנתי </a:t>
-            </a:r>
-            <a:r>
-              <a:rPr lang="he-IL" dirty="0"/>
-              <a:t>מ </a:t>
-            </a:r>
-            <a:r>
-              <a:rPr lang="en-US" dirty="0" err="1"/>
-              <a:t>kfold</a:t>
-            </a:r>
-            <a:r>
-              <a:rPr lang="he-IL" dirty="0"/>
-              <a:t> לא ניתן לקבל את רשימת התכונות (אם יש התנגשות בין הרצות) אלא לקחת את התוצאה </a:t>
-            </a:r>
-            <a:r>
-              <a:rPr lang="en-US" dirty="0"/>
-              <a:t>(feature importance)</a:t>
-            </a:r>
-            <a:r>
-              <a:rPr lang="he-IL" dirty="0"/>
-              <a:t> ומשם לחלץ לפי סף </a:t>
-            </a:r>
-            <a:r>
-              <a:rPr lang="he-IL" dirty="0" err="1"/>
-              <a:t>מסויים</a:t>
-            </a:r>
-            <a:endParaRPr lang="he-IL" dirty="0"/>
-          </a:p>
-          <a:p>
-            <a:r>
-              <a:rPr lang="he-IL" dirty="0"/>
-              <a:t>נראה שאין טעם להשתמש ב </a:t>
-            </a:r>
-            <a:r>
-              <a:rPr lang="en-US" dirty="0"/>
-              <a:t>TREE</a:t>
-            </a:r>
-            <a:r>
-              <a:rPr lang="he-IL" dirty="0"/>
-              <a:t> לבד ?</a:t>
-            </a:r>
-          </a:p>
-          <a:p>
-            <a:r>
-              <a:rPr lang="he-IL" dirty="0"/>
-              <a:t>יש הרבה שיטות ממאמרים </a:t>
-            </a:r>
-            <a:r>
-              <a:rPr lang="en-US" dirty="0"/>
-              <a:t>IEEE</a:t>
-            </a:r>
-            <a:r>
-              <a:rPr lang="he-IL" dirty="0"/>
-              <a:t> שלא נמצאים ב </a:t>
-            </a:r>
-            <a:r>
-              <a:rPr lang="en-US" dirty="0" err="1"/>
-              <a:t>sklearn</a:t>
-            </a:r>
-            <a:r>
-              <a:rPr lang="he-IL" dirty="0"/>
-              <a:t>. אם אני מבין נכון בגלל שלא נמצא שם, אז אין טעם לבדוק ? אחרת היה </a:t>
-            </a:r>
-            <a:r>
-              <a:rPr lang="he-IL" dirty="0" err="1"/>
-              <a:t>פופלארי</a:t>
-            </a:r>
-            <a:r>
-              <a:rPr lang="he-IL" dirty="0"/>
-              <a:t> והיה נכנס ?</a:t>
-            </a:r>
-          </a:p>
-          <a:p>
-            <a:endParaRPr lang="he-IL" dirty="0"/>
-          </a:p>
-          <a:p>
-            <a:pPr marL="0" indent="0">
-              <a:buNone/>
-            </a:pPr>
-            <a:endParaRPr lang="he-IL" dirty="0"/>
-          </a:p>
-          <a:p>
+              <a:rPr lang="en-US" dirty="0"/>
+              <a:t>Word2Vec</a:t>
+            </a:r>
             <a:endParaRPr lang="he-IL" dirty="0"/>
           </a:p>
         </p:txBody>
@@ -5107,7 +5075,7 @@
     </p:spTree>
     <p:extLst>
       <p:ext uri="{BB962C8B-B14F-4D97-AF65-F5344CB8AC3E}">
-        <p14:creationId xmlns:p14="http://schemas.microsoft.com/office/powerpoint/2010/main" val="1328540295"/>
+        <p14:creationId xmlns:p14="http://schemas.microsoft.com/office/powerpoint/2010/main" val="2909546048"/>
       </p:ext>
     </p:extLst>
   </p:cSld>
@@ -5157,7 +5125,7 @@
           <a:p>
             <a:r>
               <a:rPr lang="he-IL" dirty="0"/>
-              <a:t>שאלות - 2</a:t>
+              <a:t>שאלות - 1</a:t>
             </a:r>
           </a:p>
         </p:txBody>
@@ -5181,57 +5149,313 @@
         <p:spPr/>
         <p:txBody>
           <a:bodyPr>
-            <a:normAutofit/>
+            <a:normAutofit fontScale="55000" lnSpcReduction="20000"/>
           </a:bodyPr>
           <a:lstStyle/>
           <a:p>
             <a:r>
-              <a:rPr lang="he-IL" dirty="0" err="1"/>
-              <a:t>בבעית</a:t>
-            </a:r>
-            <a:r>
-              <a:rPr lang="he-IL" dirty="0"/>
-              <a:t> ה </a:t>
-            </a:r>
-            <a:r>
-              <a:rPr lang="en-US" dirty="0"/>
-              <a:t>NBA</a:t>
-            </a:r>
-            <a:r>
-              <a:rPr lang="he-IL" dirty="0"/>
-              <a:t>, נראה שה </a:t>
-            </a:r>
-            <a:r>
-              <a:rPr lang="en-US" dirty="0" err="1"/>
-              <a:t>cor</a:t>
-            </a:r>
-            <a:r>
-              <a:rPr lang="he-IL" dirty="0"/>
-              <a:t> עם ה </a:t>
-            </a:r>
-            <a:r>
-              <a:rPr lang="en-US" dirty="0"/>
-              <a:t>TARGET</a:t>
-            </a:r>
-            <a:r>
-              <a:rPr lang="he-IL" dirty="0"/>
-              <a:t> קטן מ 0.4</a:t>
-            </a:r>
-            <a:br>
-              <a:rPr lang="en-US" dirty="0"/>
-            </a:br>
-            <a:r>
-              <a:rPr lang="he-IL" dirty="0"/>
-              <a:t>אז בעצם הייתי מסנן את </a:t>
+              <a:rPr lang="en-US" dirty="0"/>
+              <a:t>Wrapper model</a:t>
+            </a:r>
+            <a:endParaRPr lang="he-IL" dirty="0"/>
+          </a:p>
+          <a:p>
+            <a:pPr lvl="1"/>
+            <a:r>
+              <a:rPr lang="he-IL" dirty="0"/>
+              <a:t>למה לפצל ל </a:t>
+            </a:r>
+            <a:r>
+              <a:rPr lang="en-US" dirty="0"/>
+              <a:t>train and test</a:t>
+            </a:r>
+            <a:r>
+              <a:rPr lang="he-IL" dirty="0"/>
+              <a:t> ? אם גם ככה רק לבחירת תכונות, נעבוד על </a:t>
             </a:r>
             <a:r>
               <a:rPr lang="he-IL" dirty="0" err="1"/>
               <a:t>הכל</a:t>
             </a:r>
             <a:r>
+              <a:rPr lang="he-IL" dirty="0"/>
+              <a:t>.</a:t>
+            </a:r>
+          </a:p>
+          <a:p>
+            <a:pPr lvl="1"/>
+            <a:r>
+              <a:rPr lang="he-IL" dirty="0"/>
+              <a:t>יש טעם בבעיית </a:t>
+            </a:r>
+            <a:r>
+              <a:rPr lang="en-US" dirty="0"/>
+              <a:t>classification</a:t>
+            </a:r>
+            <a:r>
+              <a:rPr lang="he-IL" dirty="0"/>
+              <a:t> לבדוק עם אלג' שאינו </a:t>
+            </a:r>
+            <a:r>
+              <a:rPr lang="en-US" dirty="0"/>
+              <a:t>random forest</a:t>
+            </a:r>
+            <a:r>
+              <a:rPr lang="he-IL" dirty="0"/>
+              <a:t> ?</a:t>
+            </a:r>
+          </a:p>
+          <a:p>
+            <a:r>
+              <a:rPr lang="en-US" dirty="0"/>
+              <a:t>Embedded model</a:t>
+            </a:r>
+            <a:r>
+              <a:rPr lang="he-IL" dirty="0"/>
+              <a:t>:</a:t>
+            </a:r>
+          </a:p>
+          <a:p>
+            <a:pPr lvl="1"/>
+            <a:r>
+              <a:rPr lang="he-IL" dirty="0"/>
+              <a:t>אם אני לא משתמש בשיטה זו לאחר מכן האם עדיין לפצל ל </a:t>
+            </a:r>
+            <a:r>
+              <a:rPr lang="en-US" dirty="0"/>
+              <a:t>train and test</a:t>
+            </a:r>
+            <a:r>
+              <a:rPr lang="he-IL" dirty="0"/>
+              <a:t> ? (אם כן למה ?)</a:t>
+            </a:r>
+          </a:p>
+          <a:p>
+            <a:pPr lvl="1"/>
+            <a:r>
+              <a:rPr lang="he-IL" dirty="0"/>
+              <a:t>האם </a:t>
+            </a:r>
+            <a:r>
+              <a:rPr lang="en-US" dirty="0"/>
+              <a:t>Lasso</a:t>
+            </a:r>
+            <a:r>
+              <a:rPr lang="he-IL" dirty="0"/>
+              <a:t> מתאים בעיקר לבעיות </a:t>
+            </a:r>
+            <a:r>
+              <a:rPr lang="en-US" dirty="0" err="1"/>
+              <a:t>regresion</a:t>
+            </a:r>
+            <a:r>
+              <a:rPr lang="he-IL" dirty="0"/>
+              <a:t> או גם </a:t>
+            </a:r>
+            <a:r>
+              <a:rPr lang="en-US" dirty="0"/>
+              <a:t>classification</a:t>
+            </a:r>
+            <a:endParaRPr lang="he-IL" dirty="0"/>
+          </a:p>
+          <a:p>
+            <a:pPr lvl="1"/>
+            <a:r>
+              <a:rPr lang="he-IL" dirty="0"/>
+              <a:t>אם אני לא משתמש באותו אלג' לאחר מכן:</a:t>
+            </a:r>
+          </a:p>
+          <a:p>
+            <a:pPr lvl="2"/>
+            <a:r>
+              <a:rPr lang="he-IL" dirty="0"/>
+              <a:t>האם כדאי להשתמש בשיטה ? (נניח נעבוד טוב יותר ב </a:t>
+            </a:r>
+            <a:r>
+              <a:rPr lang="en-US" dirty="0"/>
+              <a:t>Deep Learning</a:t>
+            </a:r>
+            <a:r>
+              <a:rPr lang="he-IL" dirty="0"/>
+              <a:t>) ?</a:t>
+            </a:r>
+          </a:p>
+          <a:p>
+            <a:pPr lvl="2"/>
+            <a:r>
+              <a:rPr lang="he-IL" dirty="0"/>
+              <a:t>האם עדיין צריך לחלק ב </a:t>
+            </a:r>
+            <a:r>
+              <a:rPr lang="en-US" dirty="0"/>
+              <a:t>Cross</a:t>
+            </a:r>
+            <a:r>
+              <a:rPr lang="he-IL" dirty="0"/>
+              <a:t> את המידע ולבדוק עם </a:t>
+            </a:r>
+            <a:r>
+              <a:rPr lang="en-US" dirty="0"/>
+              <a:t>train</a:t>
+            </a:r>
+            <a:r>
+              <a:rPr lang="he-IL" dirty="0"/>
+              <a:t> ?</a:t>
+            </a:r>
+          </a:p>
+          <a:p>
+            <a:pPr lvl="1"/>
+            <a:r>
+              <a:rPr lang="he-IL" dirty="0"/>
+              <a:t>בשימוש ב </a:t>
+            </a:r>
+            <a:r>
+              <a:rPr lang="en-US" dirty="0"/>
+              <a:t>Random Forest</a:t>
+            </a:r>
+            <a:r>
+              <a:rPr lang="he-IL" dirty="0"/>
+              <a:t>, התוצאה הינה ה"חשיבות" של כל תוכנה:</a:t>
+            </a:r>
+          </a:p>
+          <a:p>
+            <a:pPr lvl="2"/>
+            <a:r>
+              <a:rPr lang="he-IL" dirty="0"/>
+              <a:t>בפועל אין הורדת תוכנות</a:t>
+            </a:r>
+          </a:p>
+          <a:p>
+            <a:pPr lvl="2"/>
+            <a:r>
+              <a:rPr lang="he-IL" dirty="0"/>
+              <a:t>מה ההבדל בין שיטה זו לבין ה </a:t>
+            </a:r>
+            <a:r>
+              <a:rPr lang="en-US" dirty="0"/>
+              <a:t>wrapper</a:t>
+            </a:r>
+            <a:r>
+              <a:rPr lang="he-IL" dirty="0"/>
+              <a:t> עם </a:t>
+            </a:r>
+            <a:r>
+              <a:rPr lang="en-US" dirty="0"/>
+              <a:t>Random Forest</a:t>
+            </a:r>
+            <a:endParaRPr lang="he-IL" dirty="0"/>
+          </a:p>
+          <a:p>
+            <a:r>
+              <a:rPr lang="he-IL" dirty="0"/>
+              <a:t>בכל השיטות (של </a:t>
+            </a:r>
+            <a:r>
+              <a:rPr lang="en-US" dirty="0"/>
+              <a:t> filter model</a:t>
+            </a:r>
+            <a:r>
+              <a:rPr lang="he-IL" dirty="0"/>
+              <a:t> יחד עם </a:t>
+            </a:r>
+            <a:r>
+              <a:rPr lang="en-US" dirty="0"/>
+              <a:t>random forest</a:t>
+            </a:r>
+            <a:r>
+              <a:rPr lang="he-IL" dirty="0"/>
+              <a:t> וזהו ?), נראה שיש מספר המגדיר את המספר המקסימאלי של תכונות לבחירה. למה ? זה צריך להיות לפי סינון אחר (נניח תוצאה / סף)</a:t>
+            </a:r>
+          </a:p>
+          <a:p>
+            <a:r>
+              <a:rPr lang="he-IL" dirty="0"/>
+              <a:t>לעבור שוב ולוודא האם </a:t>
+            </a:r>
+            <a:r>
               <a:rPr lang="he-IL"/>
-              <a:t> ?</a:t>
-            </a:r>
+              <a:t>נכונה השאלה - מהבנתי </a:t>
+            </a:r>
+            <a:r>
+              <a:rPr lang="he-IL" dirty="0"/>
+              <a:t>מ </a:t>
+            </a:r>
+            <a:r>
+              <a:rPr lang="en-US" dirty="0" err="1"/>
+              <a:t>kfold</a:t>
+            </a:r>
+            <a:r>
+              <a:rPr lang="he-IL" dirty="0"/>
+              <a:t> לא ניתן לקבל את רשימת התכונות (אם יש התנגשות בין הרצות) אלא לקחת את התוצאה </a:t>
+            </a:r>
+            <a:r>
+              <a:rPr lang="en-US" dirty="0"/>
+              <a:t>(feature importance)</a:t>
+            </a:r>
+            <a:r>
+              <a:rPr lang="he-IL" dirty="0"/>
+              <a:t> ומשם לחלץ לפי סף </a:t>
+            </a:r>
+            <a:r>
+              <a:rPr lang="he-IL" dirty="0" err="1"/>
+              <a:t>מסויים</a:t>
+            </a:r>
+            <a:endParaRPr lang="he-IL" dirty="0"/>
+          </a:p>
+          <a:p>
+            <a:r>
+              <a:rPr lang="he-IL" dirty="0"/>
+              <a:t>נראה שאין טעם להשתמש ב </a:t>
+            </a:r>
+            <a:r>
+              <a:rPr lang="en-US" dirty="0"/>
+              <a:t>TREE</a:t>
+            </a:r>
+            <a:r>
+              <a:rPr lang="he-IL" dirty="0"/>
+              <a:t> לבד ?</a:t>
+            </a:r>
+          </a:p>
+          <a:p>
+            <a:r>
+              <a:rPr lang="he-IL" dirty="0"/>
+              <a:t>יש הרבה שיטות ממאמרים </a:t>
+            </a:r>
+            <a:r>
+              <a:rPr lang="en-US" dirty="0"/>
+              <a:t>IEEE</a:t>
+            </a:r>
+            <a:r>
+              <a:rPr lang="he-IL" dirty="0"/>
+              <a:t> שלא נמצאים ב </a:t>
+            </a:r>
+            <a:r>
+              <a:rPr lang="en-US" dirty="0" err="1"/>
+              <a:t>sklearn</a:t>
+            </a:r>
+            <a:r>
+              <a:rPr lang="he-IL" dirty="0"/>
+              <a:t>. אם אני מבין נכון בגלל שלא נמצא שם, אז אין טעם לבדוק ? אחרת היה </a:t>
+            </a:r>
+            <a:r>
+              <a:rPr lang="he-IL" dirty="0" err="1"/>
+              <a:t>פופלארי</a:t>
+            </a:r>
+            <a:r>
+              <a:rPr lang="he-IL" dirty="0"/>
+              <a:t> והיה נכנס ?</a:t>
+            </a:r>
+          </a:p>
+          <a:p>
+            <a:endParaRPr lang="he-IL" dirty="0"/>
+          </a:p>
+          <a:p>
+            <a:pPr marL="0" indent="0">
+              <a:buNone/>
+            </a:pPr>
+            <a:endParaRPr lang="he-IL" dirty="0"/>
+          </a:p>
+          <a:p>
             <a:endParaRPr lang="he-IL" dirty="0"/>
           </a:p>
         </p:txBody>
@@ -5239,7 +5463,7 @@
     </p:spTree>
     <p:extLst>
       <p:ext uri="{BB962C8B-B14F-4D97-AF65-F5344CB8AC3E}">
-        <p14:creationId xmlns:p14="http://schemas.microsoft.com/office/powerpoint/2010/main" val="3970493690"/>
+        <p14:creationId xmlns:p14="http://schemas.microsoft.com/office/powerpoint/2010/main" val="1328540295"/>
       </p:ext>
     </p:extLst>
   </p:cSld>
@@ -5271,7 +5495,7 @@
           <p:cNvPr id="2" name="כותרת 1">
             <a:extLst>
               <a:ext uri="{FF2B5EF4-FFF2-40B4-BE49-F238E27FC236}">
-                <a16:creationId xmlns:a16="http://schemas.microsoft.com/office/drawing/2014/main" id="{B6D04E84-D70E-4F19-962B-30D48FBC491D}"/>
+                <a16:creationId xmlns:a16="http://schemas.microsoft.com/office/drawing/2014/main" id="{B1B2B1AD-AED9-4FF9-8904-0852BE6EF758}"/>
               </a:ext>
             </a:extLst>
           </p:cNvPr>
@@ -5289,198 +5513,89 @@
           <a:p>
             <a:r>
               <a:rPr lang="he-IL" dirty="0"/>
-              <a:t>תובנות </a:t>
+              <a:t>שאלות - 2</a:t>
+            </a:r>
+          </a:p>
+        </p:txBody>
+      </p:sp>
+      <p:sp>
+        <p:nvSpPr>
+          <p:cNvPr id="3" name="מציין מיקום תוכן 2">
+            <a:extLst>
+              <a:ext uri="{FF2B5EF4-FFF2-40B4-BE49-F238E27FC236}">
+                <a16:creationId xmlns:a16="http://schemas.microsoft.com/office/drawing/2014/main" id="{3CC9D416-2FD3-4EFA-8133-C371E668FCBB}"/>
+              </a:ext>
+            </a:extLst>
+          </p:cNvPr>
+          <p:cNvSpPr>
+            <a:spLocks noGrp="1"/>
+          </p:cNvSpPr>
+          <p:nvPr>
+            <p:ph idx="1"/>
+          </p:nvPr>
+        </p:nvSpPr>
+        <p:spPr/>
+        <p:txBody>
+          <a:bodyPr>
+            <a:normAutofit/>
+          </a:bodyPr>
+          <a:lstStyle/>
+          <a:p>
+            <a:r>
+              <a:rPr lang="he-IL" dirty="0" err="1"/>
+              <a:t>בבעית</a:t>
+            </a:r>
+            <a:r>
+              <a:rPr lang="he-IL" dirty="0"/>
+              <a:t> ה </a:t>
+            </a:r>
+            <a:r>
+              <a:rPr lang="en-US" dirty="0"/>
+              <a:t>NBA</a:t>
+            </a:r>
+            <a:r>
+              <a:rPr lang="he-IL" dirty="0"/>
+              <a:t>, נראה שה </a:t>
             </a:r>
             <a:r>
               <a:rPr lang="en-US" dirty="0" err="1"/>
-              <a:t>sklearn</a:t>
-            </a:r>
-            <a:r>
-              <a:rPr lang="he-IL" dirty="0"/>
-              <a:t>	</a:t>
-            </a:r>
-          </a:p>
-        </p:txBody>
-      </p:sp>
-      <p:sp>
-        <p:nvSpPr>
-          <p:cNvPr id="3" name="מציין מיקום תוכן 2">
-            <a:extLst>
-              <a:ext uri="{FF2B5EF4-FFF2-40B4-BE49-F238E27FC236}">
-                <a16:creationId xmlns:a16="http://schemas.microsoft.com/office/drawing/2014/main" id="{C132CF0B-24E0-4C0D-85E7-8DF7FAE63F98}"/>
-              </a:ext>
-            </a:extLst>
-          </p:cNvPr>
-          <p:cNvSpPr>
-            <a:spLocks noGrp="1"/>
-          </p:cNvSpPr>
-          <p:nvPr>
-            <p:ph idx="1"/>
-          </p:nvPr>
-        </p:nvSpPr>
-        <p:spPr/>
-        <p:txBody>
-          <a:bodyPr/>
-          <a:lstStyle/>
-          <a:p>
-            <a:r>
-              <a:rPr lang="he-IL" dirty="0"/>
-              <a:t>לדעתי לא כדאי להשתמש ב </a:t>
-            </a:r>
-            <a:r>
-              <a:rPr lang="en-US" dirty="0"/>
-              <a:t>filter model</a:t>
-            </a:r>
-            <a:r>
-              <a:rPr lang="he-IL" dirty="0"/>
-              <a:t>:</a:t>
-            </a:r>
-          </a:p>
-          <a:p>
-            <a:pPr lvl="1"/>
-            <a:r>
-              <a:rPr lang="en-US" dirty="0" err="1"/>
-              <a:t>SelectKBest</a:t>
-            </a:r>
-            <a:r>
-              <a:rPr lang="he-IL" dirty="0"/>
-              <a:t> (אשר מקבל את סוג ה </a:t>
-            </a:r>
-            <a:r>
-              <a:rPr lang="en-US" dirty="0" err="1"/>
-              <a:t>filtter</a:t>
-            </a:r>
-            <a:r>
-              <a:rPr lang="en-US" dirty="0"/>
-              <a:t>: </a:t>
-            </a:r>
-            <a:r>
-              <a:rPr lang="en-US" dirty="0" err="1"/>
-              <a:t>correation</a:t>
-            </a:r>
-            <a:r>
-              <a:rPr lang="en-US" dirty="0"/>
-              <a:t>/MI</a:t>
-            </a:r>
-            <a:r>
-              <a:rPr lang="he-IL" dirty="0"/>
-              <a:t> וכד') מקבל גם את מספר ה </a:t>
-            </a:r>
-            <a:r>
-              <a:rPr lang="en-US" dirty="0"/>
-              <a:t>feature</a:t>
-            </a:r>
-            <a:r>
-              <a:rPr lang="he-IL" dirty="0"/>
-              <a:t>ים שעליו להחזיר.</a:t>
-            </a:r>
-          </a:p>
-          <a:p>
-            <a:r>
-              <a:rPr lang="he-IL" dirty="0"/>
-              <a:t>עבור </a:t>
-            </a:r>
-            <a:r>
-              <a:rPr lang="en-US" dirty="0"/>
-              <a:t>filter model</a:t>
-            </a:r>
-            <a:r>
-              <a:rPr lang="he-IL" dirty="0"/>
-              <a:t> לא רואה טעם לבדוק אופציות שונות: </a:t>
-            </a:r>
-            <a:r>
-              <a:rPr lang="en-US" dirty="0" err="1"/>
-              <a:t>corr</a:t>
-            </a:r>
-            <a:r>
-              <a:rPr lang="en-US" dirty="0"/>
-              <a:t>/MI</a:t>
-            </a:r>
-            <a:r>
-              <a:rPr lang="he-IL" dirty="0"/>
-              <a:t> וכד’</a:t>
-            </a:r>
-          </a:p>
-          <a:p>
-            <a:r>
-              <a:rPr lang="en-US" dirty="0"/>
-              <a:t>Wrapper model</a:t>
+              <a:t>cor</a:t>
+            </a:r>
+            <a:r>
+              <a:rPr lang="he-IL" dirty="0"/>
+              <a:t> עם ה </a:t>
+            </a:r>
+            <a:r>
+              <a:rPr lang="en-US" dirty="0"/>
+              <a:t>TARGET</a:t>
+            </a:r>
+            <a:r>
+              <a:rPr lang="he-IL" dirty="0"/>
+              <a:t> קטן מ 0.4</a:t>
+            </a:r>
+            <a:br>
+              <a:rPr lang="en-US" dirty="0"/>
+            </a:br>
+            <a:r>
+              <a:rPr lang="he-IL" dirty="0"/>
+              <a:t>אז בעצם הייתי מסנן את </a:t>
+            </a:r>
+            <a:r>
+              <a:rPr lang="he-IL" dirty="0" err="1"/>
+              <a:t>הכל</a:t>
+            </a:r>
+            <a:r>
+              <a:rPr lang="he-IL"/>
+              <a:t> ?</a:t>
             </a:r>
             <a:endParaRPr lang="he-IL" dirty="0"/>
-          </a:p>
-          <a:p>
-            <a:pPr lvl="1"/>
-            <a:r>
-              <a:rPr lang="he-IL" dirty="0"/>
-              <a:t>אין תמיכה ב </a:t>
-            </a:r>
-            <a:r>
-              <a:rPr lang="en-US" dirty="0"/>
-              <a:t>stepwise regression</a:t>
-            </a:r>
-            <a:r>
-              <a:rPr lang="he-IL" dirty="0"/>
-              <a:t> (כי מבוסס </a:t>
-            </a:r>
-            <a:r>
-              <a:rPr lang="en-US" dirty="0"/>
-              <a:t>p-value</a:t>
-            </a:r>
-            <a:r>
-              <a:rPr lang="he-IL" dirty="0"/>
-              <a:t> שנתמך רק ב </a:t>
-            </a:r>
-            <a:r>
-              <a:rPr lang="en-US" dirty="0"/>
-              <a:t>linear regression</a:t>
-            </a:r>
-            <a:r>
-              <a:rPr lang="he-IL" dirty="0"/>
-              <a:t>)</a:t>
-            </a:r>
-          </a:p>
-          <a:p>
-            <a:r>
-              <a:rPr lang="he-IL" dirty="0"/>
-              <a:t>ניתן להריץ עם </a:t>
-            </a:r>
-            <a:r>
-              <a:rPr lang="en-US" dirty="0" err="1"/>
-              <a:t>n_jobs</a:t>
-            </a:r>
-            <a:r>
-              <a:rPr lang="en-US" dirty="0"/>
-              <a:t>=-1</a:t>
-            </a:r>
-            <a:r>
-              <a:rPr lang="he-IL" dirty="0"/>
-              <a:t> ולנצל מספר ליבות (ב </a:t>
-            </a:r>
-            <a:r>
-              <a:rPr lang="en-US" dirty="0" err="1"/>
-              <a:t>kfold</a:t>
-            </a:r>
-            <a:r>
-              <a:rPr lang="he-IL" dirty="0"/>
-              <a:t>)</a:t>
-            </a:r>
-          </a:p>
-          <a:p>
-            <a:r>
-              <a:rPr lang="en-US" dirty="0" err="1"/>
-              <a:t>SelectFromModel</a:t>
-            </a:r>
-            <a:r>
-              <a:rPr lang="he-IL" dirty="0"/>
-              <a:t> – בחירת תכונות לפי המשקלים שלהם</a:t>
-            </a:r>
           </a:p>
         </p:txBody>
       </p:sp>
     </p:spTree>
     <p:extLst>
       <p:ext uri="{BB962C8B-B14F-4D97-AF65-F5344CB8AC3E}">
-        <p14:creationId xmlns:p14="http://schemas.microsoft.com/office/powerpoint/2010/main" val="3385842206"/>
+        <p14:creationId xmlns:p14="http://schemas.microsoft.com/office/powerpoint/2010/main" val="3970493690"/>
       </p:ext>
     </p:extLst>
   </p:cSld>
@@ -5512,7 +5627,7 @@
           <p:cNvPr id="2" name="כותרת 1">
             <a:extLst>
               <a:ext uri="{FF2B5EF4-FFF2-40B4-BE49-F238E27FC236}">
-                <a16:creationId xmlns:a16="http://schemas.microsoft.com/office/drawing/2014/main" id="{7DB4387E-7549-4A32-B35D-BC39BE67DCE6}"/>
+                <a16:creationId xmlns:a16="http://schemas.microsoft.com/office/drawing/2014/main" id="{B6D04E84-D70E-4F19-962B-30D48FBC491D}"/>
               </a:ext>
             </a:extLst>
           </p:cNvPr>
@@ -5528,178 +5643,192 @@
           <a:bodyPr/>
           <a:lstStyle/>
           <a:p>
+            <a:r>
+              <a:rPr lang="he-IL" dirty="0"/>
+              <a:t>תובנות </a:t>
+            </a:r>
+            <a:r>
+              <a:rPr lang="en-US" dirty="0" err="1"/>
+              <a:t>sklearn</a:t>
+            </a:r>
+            <a:r>
+              <a:rPr lang="he-IL" dirty="0"/>
+              <a:t>	</a:t>
+            </a:r>
+          </a:p>
+        </p:txBody>
+      </p:sp>
+      <p:sp>
+        <p:nvSpPr>
+          <p:cNvPr id="3" name="מציין מיקום תוכן 2">
+            <a:extLst>
+              <a:ext uri="{FF2B5EF4-FFF2-40B4-BE49-F238E27FC236}">
+                <a16:creationId xmlns:a16="http://schemas.microsoft.com/office/drawing/2014/main" id="{C132CF0B-24E0-4C0D-85E7-8DF7FAE63F98}"/>
+              </a:ext>
+            </a:extLst>
+          </p:cNvPr>
+          <p:cNvSpPr>
+            <a:spLocks noGrp="1"/>
+          </p:cNvSpPr>
+          <p:nvPr>
+            <p:ph idx="1"/>
+          </p:nvPr>
+        </p:nvSpPr>
+        <p:spPr/>
+        <p:txBody>
+          <a:bodyPr/>
+          <a:lstStyle/>
+          <a:p>
+            <a:r>
+              <a:rPr lang="he-IL" dirty="0"/>
+              <a:t>לדעתי לא כדאי להשתמש ב </a:t>
+            </a:r>
+            <a:r>
+              <a:rPr lang="en-US" dirty="0"/>
+              <a:t>filter model</a:t>
+            </a:r>
+            <a:r>
+              <a:rPr lang="he-IL" dirty="0"/>
+              <a:t>:</a:t>
+            </a:r>
+          </a:p>
+          <a:p>
+            <a:pPr lvl="1"/>
+            <a:r>
+              <a:rPr lang="en-US" dirty="0" err="1"/>
+              <a:t>SelectKBest</a:t>
+            </a:r>
+            <a:r>
+              <a:rPr lang="he-IL" dirty="0"/>
+              <a:t> (אשר מקבל את סוג ה </a:t>
+            </a:r>
+            <a:r>
+              <a:rPr lang="en-US" dirty="0" err="1"/>
+              <a:t>filtter</a:t>
+            </a:r>
+            <a:r>
+              <a:rPr lang="en-US" dirty="0"/>
+              <a:t>: </a:t>
+            </a:r>
+            <a:r>
+              <a:rPr lang="en-US" dirty="0" err="1"/>
+              <a:t>correation</a:t>
+            </a:r>
+            <a:r>
+              <a:rPr lang="en-US" dirty="0"/>
+              <a:t>/MI</a:t>
+            </a:r>
+            <a:r>
+              <a:rPr lang="he-IL" dirty="0"/>
+              <a:t> וכד') מקבל גם את מספר ה </a:t>
+            </a:r>
+            <a:r>
+              <a:rPr lang="en-US" dirty="0"/>
+              <a:t>feature</a:t>
+            </a:r>
+            <a:r>
+              <a:rPr lang="he-IL" dirty="0"/>
+              <a:t>ים שעליו להחזיר.</a:t>
+            </a:r>
+          </a:p>
+          <a:p>
+            <a:r>
+              <a:rPr lang="he-IL" dirty="0"/>
+              <a:t>עבור </a:t>
+            </a:r>
+            <a:r>
+              <a:rPr lang="en-US" dirty="0"/>
+              <a:t>filter model</a:t>
+            </a:r>
+            <a:r>
+              <a:rPr lang="he-IL" dirty="0"/>
+              <a:t> לא רואה טעם לבדוק אופציות שונות: </a:t>
+            </a:r>
+            <a:r>
+              <a:rPr lang="en-US" dirty="0" err="1"/>
+              <a:t>corr</a:t>
+            </a:r>
+            <a:r>
+              <a:rPr lang="en-US" dirty="0"/>
+              <a:t>/MI</a:t>
+            </a:r>
+            <a:r>
+              <a:rPr lang="he-IL" dirty="0"/>
+              <a:t> וכד’</a:t>
+            </a:r>
+          </a:p>
+          <a:p>
+            <a:r>
+              <a:rPr lang="en-US" dirty="0"/>
+              <a:t>Wrapper model</a:t>
+            </a:r>
             <a:endParaRPr lang="he-IL" dirty="0"/>
           </a:p>
-        </p:txBody>
-      </p:sp>
-      <p:sp>
-        <p:nvSpPr>
-          <p:cNvPr id="3" name="מציין מיקום תוכן 2">
-            <a:extLst>
-              <a:ext uri="{FF2B5EF4-FFF2-40B4-BE49-F238E27FC236}">
-                <a16:creationId xmlns:a16="http://schemas.microsoft.com/office/drawing/2014/main" id="{43158B5B-5058-4654-BE9F-0F41E4989A9B}"/>
-              </a:ext>
-            </a:extLst>
-          </p:cNvPr>
-          <p:cNvSpPr>
-            <a:spLocks noGrp="1"/>
-          </p:cNvSpPr>
-          <p:nvPr>
-            <p:ph idx="1"/>
-          </p:nvPr>
-        </p:nvSpPr>
-        <p:spPr/>
-        <p:txBody>
-          <a:bodyPr>
-            <a:normAutofit fontScale="85000" lnSpcReduction="20000"/>
-          </a:bodyPr>
-          <a:lstStyle/>
-          <a:p>
-            <a:r>
-              <a:rPr lang="en-US" dirty="0"/>
-              <a:t>Logistic Regression</a:t>
-            </a:r>
-            <a:endParaRPr lang="he-IL" dirty="0"/>
-          </a:p>
           <a:p>
             <a:pPr lvl="1"/>
             <a:r>
               <a:rPr lang="he-IL" dirty="0"/>
-              <a:t>אלג' שבעיקר מתאים לבעיות סיווג </a:t>
-            </a:r>
-            <a:r>
-              <a:rPr lang="he-IL" dirty="0" err="1"/>
-              <a:t>בינאראיות</a:t>
-            </a:r>
-            <a:endParaRPr lang="he-IL" dirty="0"/>
-          </a:p>
-          <a:p>
-            <a:pPr lvl="1"/>
-            <a:r>
-              <a:rPr lang="he-IL" dirty="0"/>
-              <a:t>שימוש ב </a:t>
-            </a:r>
-            <a:r>
-              <a:rPr lang="en-US" dirty="0"/>
-              <a:t>logit function</a:t>
-            </a:r>
-            <a:r>
-              <a:rPr lang="he-IL" dirty="0"/>
-              <a:t> שהיא </a:t>
-            </a:r>
-            <a:r>
-              <a:rPr lang="en-US" dirty="0"/>
-              <a:t>log(p/1-p)</a:t>
-            </a:r>
-            <a:endParaRPr lang="he-IL" dirty="0"/>
-          </a:p>
-          <a:p>
-            <a:pPr lvl="2"/>
-            <a:endParaRPr lang="he-IL" dirty="0"/>
-          </a:p>
-          <a:p>
+              <a:t>אין תמיכה ב </a:t>
+            </a:r>
+            <a:r>
+              <a:rPr lang="en-US" dirty="0"/>
+              <a:t>stepwise regression</a:t>
+            </a:r>
+            <a:r>
+              <a:rPr lang="he-IL" dirty="0"/>
+              <a:t> (כי מבוסס </a:t>
+            </a:r>
+            <a:r>
+              <a:rPr lang="en-US" dirty="0"/>
+              <a:t>p-value</a:t>
+            </a:r>
+            <a:r>
+              <a:rPr lang="he-IL" dirty="0"/>
+              <a:t> שנתמך רק ב </a:t>
+            </a:r>
+            <a:r>
+              <a:rPr lang="en-US" dirty="0"/>
+              <a:t>linear regression</a:t>
+            </a:r>
+            <a:r>
+              <a:rPr lang="he-IL" dirty="0"/>
+              <a:t>)</a:t>
+            </a:r>
+          </a:p>
+          <a:p>
+            <a:r>
+              <a:rPr lang="he-IL" dirty="0"/>
+              <a:t>ניתן להריץ עם </a:t>
+            </a:r>
             <a:r>
               <a:rPr lang="en-US" dirty="0" err="1"/>
-              <a:t>Logodds</a:t>
-            </a:r>
-            <a:r>
-              <a:rPr lang="he-IL" dirty="0"/>
-              <a:t> – </a:t>
-            </a:r>
-            <a:r>
-              <a:rPr lang="en-US" dirty="0"/>
-              <a:t>log + odds</a:t>
-            </a:r>
-            <a:endParaRPr lang="he-IL" dirty="0"/>
-          </a:p>
-          <a:p>
-            <a:pPr lvl="1"/>
-            <a:r>
-              <a:rPr lang="en-US" dirty="0"/>
-              <a:t>Odds != probability</a:t>
-            </a:r>
-            <a:endParaRPr lang="he-IL" dirty="0"/>
-          </a:p>
-          <a:p>
-            <a:pPr lvl="1"/>
-            <a:r>
-              <a:rPr lang="en-US" dirty="0"/>
-              <a:t>Odds</a:t>
-            </a:r>
-            <a:r>
-              <a:rPr lang="he-IL" dirty="0"/>
-              <a:t> – סיכוי למתרחש חלקי הסיכוי שלא התרחש (4 ניצחונות מול 6 הפסדים)</a:t>
-            </a:r>
-          </a:p>
-          <a:p>
-            <a:pPr lvl="1"/>
-            <a:r>
-              <a:rPr lang="en-US" dirty="0"/>
-              <a:t>Odds = p(ok)/1-p(ok)</a:t>
-            </a:r>
-          </a:p>
-          <a:p>
-            <a:pPr lvl="1"/>
+              <a:t>n_jobs</a:t>
+            </a:r>
+            <a:r>
+              <a:rPr lang="en-US" dirty="0"/>
+              <a:t>=-1</a:t>
+            </a:r>
+            <a:r>
+              <a:rPr lang="he-IL" dirty="0"/>
+              <a:t> ולנצל מספר ליבות (ב </a:t>
+            </a:r>
             <a:r>
               <a:rPr lang="en-US" dirty="0" err="1"/>
-              <a:t>Logodds</a:t>
-            </a:r>
-            <a:r>
-              <a:rPr lang="en-US" dirty="0"/>
-              <a:t> = Log(odds)</a:t>
-            </a:r>
-            <a:endParaRPr lang="he-IL" dirty="0"/>
-          </a:p>
-          <a:p>
-            <a:pPr lvl="2"/>
-            <a:r>
-              <a:rPr lang="he-IL" dirty="0"/>
-              <a:t>ערך שלילי, יותר סיכוי "להפסיד" או </a:t>
-            </a:r>
-            <a:r>
-              <a:rPr lang="he-IL" dirty="0" err="1"/>
-              <a:t>ששיך</a:t>
-            </a:r>
-            <a:r>
-              <a:rPr lang="he-IL" dirty="0"/>
-              <a:t> לקבוצה ב' ולהפך (חיובי)</a:t>
-            </a:r>
-          </a:p>
-          <a:p>
-            <a:pPr lvl="2"/>
-            <a:endParaRPr lang="he-IL" dirty="0"/>
-          </a:p>
-          <a:p>
-            <a:r>
-              <a:rPr lang="en-US" dirty="0"/>
-              <a:t>Gini Impurity</a:t>
-            </a:r>
-          </a:p>
-          <a:p>
-            <a:pPr lvl="1"/>
-            <a:r>
-              <a:rPr lang="he-IL" dirty="0"/>
-              <a:t>חישוב "טומאה" – מה ההסתברות לחלוקת עץ שגויה (ככל שהערך נמוך יותר, כך עדיף להשתמש בתוכנה זו לחלוקה בעץ ברמה </a:t>
-            </a:r>
-            <a:r>
-              <a:rPr lang="he-IL"/>
-              <a:t>גבוהה יותר בעץ)</a:t>
-            </a:r>
-            <a:endParaRPr lang="he-IL" dirty="0"/>
-          </a:p>
-          <a:p>
-            <a:pPr lvl="1"/>
-            <a:r>
-              <a:rPr lang="he-IL" dirty="0"/>
-              <a:t>משתמשים </a:t>
-            </a:r>
-            <a:r>
-              <a:rPr lang="he-IL" dirty="0" err="1"/>
-              <a:t>באלג</a:t>
-            </a:r>
-            <a:r>
-              <a:rPr lang="he-IL" dirty="0"/>
-              <a:t>' עץ בחישובי העלים</a:t>
+              <a:t>kfold</a:t>
+            </a:r>
+            <a:r>
+              <a:rPr lang="he-IL" dirty="0"/>
+              <a:t>)</a:t>
+            </a:r>
+          </a:p>
+          <a:p>
+            <a:r>
+              <a:rPr lang="en-US" dirty="0" err="1"/>
+              <a:t>SelectFromModel</a:t>
+            </a:r>
+            <a:r>
+              <a:rPr lang="he-IL" dirty="0"/>
+              <a:t> – בחירת תכונות לפי המשקלים שלהם</a:t>
             </a:r>
           </a:p>
         </p:txBody>
@@ -5707,7 +5836,7 @@
     </p:spTree>
     <p:extLst>
       <p:ext uri="{BB962C8B-B14F-4D97-AF65-F5344CB8AC3E}">
-        <p14:creationId xmlns:p14="http://schemas.microsoft.com/office/powerpoint/2010/main" val="546938094"/>
+        <p14:creationId xmlns:p14="http://schemas.microsoft.com/office/powerpoint/2010/main" val="3385842206"/>
       </p:ext>
     </p:extLst>
   </p:cSld>
@@ -5884,7 +6013,7 @@
           <p:cNvPr id="2" name="כותרת 1">
             <a:extLst>
               <a:ext uri="{FF2B5EF4-FFF2-40B4-BE49-F238E27FC236}">
-                <a16:creationId xmlns:a16="http://schemas.microsoft.com/office/drawing/2014/main" id="{96632501-42E2-42AF-95AE-976F27B04F71}"/>
+                <a16:creationId xmlns:a16="http://schemas.microsoft.com/office/drawing/2014/main" id="{7DB4387E-7549-4A32-B35D-BC39BE67DCE6}"/>
               </a:ext>
             </a:extLst>
           </p:cNvPr>
@@ -5900,10 +6029,7 @@
           <a:bodyPr/>
           <a:lstStyle/>
           <a:p>
-            <a:r>
-              <a:rPr lang="he-IL" dirty="0"/>
-              <a:t>מושגים - הסתברות</a:t>
-            </a:r>
+            <a:endParaRPr lang="he-IL" dirty="0"/>
           </a:p>
         </p:txBody>
       </p:sp>
@@ -5912,7 +6038,7 @@
           <p:cNvPr id="3" name="מציין מיקום תוכן 2">
             <a:extLst>
               <a:ext uri="{FF2B5EF4-FFF2-40B4-BE49-F238E27FC236}">
-                <a16:creationId xmlns:a16="http://schemas.microsoft.com/office/drawing/2014/main" id="{F8A89D09-DE15-4B7C-8893-E8E6FBC78FA4}"/>
+                <a16:creationId xmlns:a16="http://schemas.microsoft.com/office/drawing/2014/main" id="{43158B5B-5058-4654-BE9F-0F41E4989A9B}"/>
               </a:ext>
             </a:extLst>
           </p:cNvPr>
@@ -5925,80 +6051,156 @@
         </p:nvSpPr>
         <p:spPr/>
         <p:txBody>
-          <a:bodyPr/>
-          <a:lstStyle/>
+          <a:bodyPr>
+            <a:normAutofit fontScale="85000" lnSpcReduction="20000"/>
+          </a:bodyPr>
+          <a:lstStyle/>
+          <a:p>
+            <a:r>
+              <a:rPr lang="en-US" dirty="0"/>
+              <a:t>Logistic Regression</a:t>
+            </a:r>
+            <a:endParaRPr lang="he-IL" dirty="0"/>
+          </a:p>
+          <a:p>
+            <a:pPr lvl="1"/>
+            <a:r>
+              <a:rPr lang="he-IL" dirty="0"/>
+              <a:t>אלג' שבעיקר מתאים לבעיות סיווג </a:t>
+            </a:r>
+            <a:r>
+              <a:rPr lang="he-IL" dirty="0" err="1"/>
+              <a:t>בינאראיות</a:t>
+            </a:r>
+            <a:endParaRPr lang="he-IL" dirty="0"/>
+          </a:p>
+          <a:p>
+            <a:pPr lvl="1"/>
+            <a:r>
+              <a:rPr lang="he-IL" dirty="0"/>
+              <a:t>שימוש ב </a:t>
+            </a:r>
+            <a:r>
+              <a:rPr lang="en-US" dirty="0"/>
+              <a:t>logit function</a:t>
+            </a:r>
+            <a:r>
+              <a:rPr lang="he-IL" dirty="0"/>
+              <a:t> שהיא </a:t>
+            </a:r>
+            <a:r>
+              <a:rPr lang="en-US" dirty="0"/>
+              <a:t>log(p/1-p)</a:t>
+            </a:r>
+            <a:endParaRPr lang="he-IL" dirty="0"/>
+          </a:p>
+          <a:p>
+            <a:pPr lvl="2"/>
+            <a:endParaRPr lang="he-IL" dirty="0"/>
+          </a:p>
           <a:p>
             <a:r>
               <a:rPr lang="en-US" dirty="0" err="1"/>
-              <a:t>Cov</a:t>
-            </a:r>
-            <a:r>
-              <a:rPr lang="en-US" dirty="0"/>
-              <a:t>(</a:t>
-            </a:r>
+              <a:t>Logodds</a:t>
+            </a:r>
+            <a:r>
+              <a:rPr lang="he-IL" dirty="0"/>
+              <a:t> – </a:t>
+            </a:r>
+            <a:r>
+              <a:rPr lang="en-US" dirty="0"/>
+              <a:t>log + odds</a:t>
+            </a:r>
+            <a:endParaRPr lang="he-IL" dirty="0"/>
+          </a:p>
+          <a:p>
+            <a:pPr lvl="1"/>
+            <a:r>
+              <a:rPr lang="en-US" dirty="0"/>
+              <a:t>Odds != probability</a:t>
+            </a:r>
+            <a:endParaRPr lang="he-IL" dirty="0"/>
+          </a:p>
+          <a:p>
+            <a:pPr lvl="1"/>
+            <a:r>
+              <a:rPr lang="en-US" dirty="0"/>
+              <a:t>Odds</a:t>
+            </a:r>
+            <a:r>
+              <a:rPr lang="he-IL" dirty="0"/>
+              <a:t> – סיכוי למתרחש חלקי הסיכוי שלא התרחש (4 ניצחונות מול 6 הפסדים)</a:t>
+            </a:r>
+          </a:p>
+          <a:p>
+            <a:pPr lvl="1"/>
+            <a:r>
+              <a:rPr lang="en-US" dirty="0"/>
+              <a:t>Odds = p(ok)/1-p(ok)</a:t>
+            </a:r>
+          </a:p>
+          <a:p>
+            <a:pPr lvl="1"/>
             <a:r>
               <a:rPr lang="en-US" dirty="0" err="1"/>
-              <a:t>x,y</a:t>
-            </a:r>
-            <a:r>
-              <a:rPr lang="en-US" dirty="0"/>
-              <a:t>)</a:t>
-            </a:r>
-            <a:r>
-              <a:rPr lang="he-IL" dirty="0"/>
-              <a:t> – </a:t>
-            </a:r>
-            <a:r>
-              <a:rPr lang="en-US" dirty="0"/>
-              <a:t>Covariance  </a:t>
-            </a:r>
-            <a:r>
-              <a:rPr lang="he-IL" dirty="0"/>
-              <a:t> (שונות משותפת), מדד לקשר בין 2 משתנים.</a:t>
+              <a:t>Logodds</a:t>
+            </a:r>
+            <a:r>
+              <a:rPr lang="en-US" dirty="0"/>
+              <a:t> = Log(odds)</a:t>
+            </a:r>
+            <a:endParaRPr lang="he-IL" dirty="0"/>
+          </a:p>
+          <a:p>
+            <a:pPr lvl="2"/>
+            <a:r>
+              <a:rPr lang="he-IL" dirty="0"/>
+              <a:t>ערך שלילי, יותר סיכוי "להפסיד" או </a:t>
+            </a:r>
+            <a:r>
+              <a:rPr lang="he-IL" dirty="0" err="1"/>
+              <a:t>ששיך</a:t>
+            </a:r>
+            <a:r>
+              <a:rPr lang="he-IL" dirty="0"/>
+              <a:t> לקבוצה ב' ולהפך (חיובי)</a:t>
+            </a:r>
+          </a:p>
+          <a:p>
+            <a:pPr lvl="2"/>
+            <a:endParaRPr lang="he-IL" dirty="0"/>
+          </a:p>
+          <a:p>
+            <a:r>
+              <a:rPr lang="en-US" dirty="0"/>
+              <a:t>Gini Impurity</a:t>
             </a:r>
           </a:p>
           <a:p>
             <a:pPr lvl="1"/>
             <a:r>
               <a:rPr lang="he-IL" dirty="0"/>
-              <a:t>ערך חיובי -&gt; משתנים באותו כיון </a:t>
+              <a:t>חישוב "טומאה" – מה ההסתברות לחלוקת עץ שגויה (ככל שהערך נמוך יותר, כך עדיף להשתמש בתוכנה זו לחלוקה בעץ ברמה </a:t>
             </a:r>
             <a:r>
               <a:rPr lang="he-IL"/>
-              <a:t>ושלילי להפך</a:t>
+              <a:t>גבוהה יותר בעץ)</a:t>
             </a:r>
             <a:endParaRPr lang="he-IL" dirty="0"/>
           </a:p>
           <a:p>
-            <a:r>
-              <a:rPr lang="en-US" dirty="0" err="1"/>
-              <a:t>Cov</a:t>
-            </a:r>
-            <a:r>
-              <a:rPr lang="en-US" dirty="0"/>
-              <a:t>(</a:t>
-            </a:r>
-            <a:r>
-              <a:rPr lang="en-US" dirty="0" err="1"/>
-              <a:t>x,x</a:t>
-            </a:r>
-            <a:r>
-              <a:rPr lang="en-US" dirty="0"/>
-              <a:t>) = variance(x)</a:t>
-            </a:r>
-            <a:r>
-              <a:rPr lang="he-IL" dirty="0"/>
-              <a:t> </a:t>
-            </a:r>
-          </a:p>
-          <a:p>
-            <a:r>
-              <a:rPr lang="en-US" dirty="0"/>
-              <a:t>Covariance  matrix</a:t>
-            </a:r>
-            <a:r>
-              <a:rPr lang="he-IL" dirty="0"/>
-              <a:t> – מטריצה סימטרית שהאלכסון הינו שונות.</a:t>
+            <a:pPr lvl="1"/>
+            <a:r>
+              <a:rPr lang="he-IL" dirty="0"/>
+              <a:t>משתמשים </a:t>
+            </a:r>
+            <a:r>
+              <a:rPr lang="he-IL" dirty="0" err="1"/>
+              <a:t>באלג</a:t>
+            </a:r>
+            <a:r>
+              <a:rPr lang="he-IL" dirty="0"/>
+              <a:t>' עץ בחישובי העלים</a:t>
             </a:r>
           </a:p>
         </p:txBody>
@@ -6006,7 +6208,7 @@
     </p:spTree>
     <p:extLst>
       <p:ext uri="{BB962C8B-B14F-4D97-AF65-F5344CB8AC3E}">
-        <p14:creationId xmlns:p14="http://schemas.microsoft.com/office/powerpoint/2010/main" val="53807840"/>
+        <p14:creationId xmlns:p14="http://schemas.microsoft.com/office/powerpoint/2010/main" val="546938094"/>
       </p:ext>
     </p:extLst>
   </p:cSld>
@@ -6038,7 +6240,7 @@
           <p:cNvPr id="2" name="כותרת 1">
             <a:extLst>
               <a:ext uri="{FF2B5EF4-FFF2-40B4-BE49-F238E27FC236}">
-                <a16:creationId xmlns:a16="http://schemas.microsoft.com/office/drawing/2014/main" id="{5EECF68F-C804-4917-9B95-AB8F72AC1390}"/>
+                <a16:creationId xmlns:a16="http://schemas.microsoft.com/office/drawing/2014/main" id="{96632501-42E2-42AF-95AE-976F27B04F71}"/>
               </a:ext>
             </a:extLst>
           </p:cNvPr>
@@ -6056,7 +6258,7 @@
           <a:p>
             <a:r>
               <a:rPr lang="he-IL" dirty="0"/>
-              <a:t>מושגים להשלמה</a:t>
+              <a:t>מושגים - הסתברות</a:t>
             </a:r>
           </a:p>
         </p:txBody>
@@ -6066,7 +6268,7 @@
           <p:cNvPr id="3" name="מציין מיקום תוכן 2">
             <a:extLst>
               <a:ext uri="{FF2B5EF4-FFF2-40B4-BE49-F238E27FC236}">
-                <a16:creationId xmlns:a16="http://schemas.microsoft.com/office/drawing/2014/main" id="{2DBF896A-F127-462E-9205-DCA9CD225491}"/>
+                <a16:creationId xmlns:a16="http://schemas.microsoft.com/office/drawing/2014/main" id="{F8A89D09-DE15-4B7C-8893-E8E6FBC78FA4}"/>
               </a:ext>
             </a:extLst>
           </p:cNvPr>
@@ -6083,30 +6285,84 @@
           <a:lstStyle/>
           <a:p>
             <a:r>
-              <a:rPr lang="en-US" dirty="0"/>
-              <a:t>Recall</a:t>
-            </a:r>
-          </a:p>
-          <a:p>
-            <a:r>
-              <a:rPr lang="en-US" dirty="0"/>
-              <a:t>F1-score</a:t>
+              <a:rPr lang="en-US" dirty="0" err="1"/>
+              <a:t>Cov</a:t>
+            </a:r>
+            <a:r>
+              <a:rPr lang="en-US" dirty="0"/>
+              <a:t>(</a:t>
+            </a:r>
+            <a:r>
+              <a:rPr lang="en-US" dirty="0" err="1"/>
+              <a:t>x,y</a:t>
+            </a:r>
+            <a:r>
+              <a:rPr lang="en-US" dirty="0"/>
+              <a:t>)</a:t>
+            </a:r>
+            <a:r>
+              <a:rPr lang="he-IL" dirty="0"/>
+              <a:t> – </a:t>
+            </a:r>
+            <a:r>
+              <a:rPr lang="en-US" dirty="0"/>
+              <a:t>Covariance  </a:t>
+            </a:r>
+            <a:r>
+              <a:rPr lang="he-IL" dirty="0"/>
+              <a:t> (שונות משותפת), מדד לקשר בין 2 משתנים.</a:t>
+            </a:r>
+          </a:p>
+          <a:p>
+            <a:pPr lvl="1"/>
+            <a:r>
+              <a:rPr lang="he-IL" dirty="0"/>
+              <a:t>ערך חיובי -&gt; משתנים באותו כיון </a:t>
+            </a:r>
+            <a:r>
+              <a:rPr lang="he-IL"/>
+              <a:t>ושלילי להפך</a:t>
             </a:r>
             <a:endParaRPr lang="he-IL" dirty="0"/>
           </a:p>
           <a:p>
             <a:r>
-              <a:rPr lang="en-US" dirty="0"/>
-              <a:t>Back propagation function</a:t>
-            </a:r>
-            <a:endParaRPr lang="he-IL" dirty="0"/>
+              <a:rPr lang="en-US" dirty="0" err="1"/>
+              <a:t>Cov</a:t>
+            </a:r>
+            <a:r>
+              <a:rPr lang="en-US" dirty="0"/>
+              <a:t>(</a:t>
+            </a:r>
+            <a:r>
+              <a:rPr lang="en-US" dirty="0" err="1"/>
+              <a:t>x,x</a:t>
+            </a:r>
+            <a:r>
+              <a:rPr lang="en-US" dirty="0"/>
+              <a:t>) = variance(x)</a:t>
+            </a:r>
+            <a:r>
+              <a:rPr lang="he-IL" dirty="0"/>
+              <a:t> </a:t>
+            </a:r>
+          </a:p>
+          <a:p>
+            <a:r>
+              <a:rPr lang="en-US" dirty="0"/>
+              <a:t>Covariance  matrix</a:t>
+            </a:r>
+            <a:r>
+              <a:rPr lang="he-IL" dirty="0"/>
+              <a:t> – מטריצה סימטרית שהאלכסון הינו שונות.</a:t>
+            </a:r>
           </a:p>
         </p:txBody>
       </p:sp>
     </p:spTree>
     <p:extLst>
       <p:ext uri="{BB962C8B-B14F-4D97-AF65-F5344CB8AC3E}">
-        <p14:creationId xmlns:p14="http://schemas.microsoft.com/office/powerpoint/2010/main" val="958839187"/>
+        <p14:creationId xmlns:p14="http://schemas.microsoft.com/office/powerpoint/2010/main" val="53807840"/>
       </p:ext>
     </p:extLst>
   </p:cSld>
@@ -6135,449 +6391,96 @@
       </p:grpSpPr>
       <p:sp>
         <p:nvSpPr>
-          <p:cNvPr id="4" name="מלבן 3">
-            <a:extLst>
-              <a:ext uri="{FF2B5EF4-FFF2-40B4-BE49-F238E27FC236}">
-                <a16:creationId xmlns:a16="http://schemas.microsoft.com/office/drawing/2014/main" id="{74609AB5-34A0-4526-AABA-E4DE4362E011}"/>
-              </a:ext>
-            </a:extLst>
-          </p:cNvPr>
-          <p:cNvSpPr/>
-          <p:nvPr/>
-        </p:nvSpPr>
-        <p:spPr>
-          <a:xfrm>
-            <a:off x="159798" y="3429000"/>
-            <a:ext cx="1109709" cy="852256"/>
-          </a:xfrm>
-          <a:prstGeom prst="rect">
-            <a:avLst/>
-          </a:prstGeom>
-        </p:spPr>
-        <p:style>
-          <a:lnRef idx="2">
-            <a:schemeClr val="accent1">
-              <a:shade val="50000"/>
-            </a:schemeClr>
-          </a:lnRef>
-          <a:fillRef idx="1">
-            <a:schemeClr val="accent1"/>
-          </a:fillRef>
-          <a:effectRef idx="0">
-            <a:schemeClr val="accent1"/>
-          </a:effectRef>
-          <a:fontRef idx="minor">
-            <a:schemeClr val="lt1"/>
-          </a:fontRef>
-        </p:style>
-        <p:txBody>
-          <a:bodyPr rtlCol="1" anchor="ctr"/>
-          <a:lstStyle/>
-          <a:p>
-            <a:pPr algn="ctr"/>
-            <a:r>
-              <a:rPr lang="en-US" dirty="0"/>
-              <a:t>Handle Empty Values</a:t>
+          <p:cNvPr id="2" name="כותרת 1">
+            <a:extLst>
+              <a:ext uri="{FF2B5EF4-FFF2-40B4-BE49-F238E27FC236}">
+                <a16:creationId xmlns:a16="http://schemas.microsoft.com/office/drawing/2014/main" id="{5EECF68F-C804-4917-9B95-AB8F72AC1390}"/>
+              </a:ext>
+            </a:extLst>
+          </p:cNvPr>
+          <p:cNvSpPr>
+            <a:spLocks noGrp="1"/>
+          </p:cNvSpPr>
+          <p:nvPr>
+            <p:ph type="title"/>
+          </p:nvPr>
+        </p:nvSpPr>
+        <p:spPr/>
+        <p:txBody>
+          <a:bodyPr/>
+          <a:lstStyle/>
+          <a:p>
+            <a:r>
+              <a:rPr lang="he-IL" dirty="0"/>
+              <a:t>מושגים להשלמה</a:t>
+            </a:r>
+          </a:p>
+        </p:txBody>
+      </p:sp>
+      <p:sp>
+        <p:nvSpPr>
+          <p:cNvPr id="3" name="מציין מיקום תוכן 2">
+            <a:extLst>
+              <a:ext uri="{FF2B5EF4-FFF2-40B4-BE49-F238E27FC236}">
+                <a16:creationId xmlns:a16="http://schemas.microsoft.com/office/drawing/2014/main" id="{2DBF896A-F127-462E-9205-DCA9CD225491}"/>
+              </a:ext>
+            </a:extLst>
+          </p:cNvPr>
+          <p:cNvSpPr>
+            <a:spLocks noGrp="1"/>
+          </p:cNvSpPr>
+          <p:nvPr>
+            <p:ph idx="1"/>
+          </p:nvPr>
+        </p:nvSpPr>
+        <p:spPr/>
+        <p:txBody>
+          <a:bodyPr/>
+          <a:lstStyle/>
+          <a:p>
+            <a:r>
+              <a:rPr lang="en-US" dirty="0"/>
+              <a:t>Recall</a:t>
+            </a:r>
+          </a:p>
+          <a:p>
+            <a:r>
+              <a:rPr lang="en-US" dirty="0"/>
+              <a:t>F1-score</a:t>
             </a:r>
             <a:endParaRPr lang="he-IL" dirty="0"/>
           </a:p>
-        </p:txBody>
-      </p:sp>
-      <p:sp>
-        <p:nvSpPr>
-          <p:cNvPr id="5" name="מלבן 4">
-            <a:extLst>
-              <a:ext uri="{FF2B5EF4-FFF2-40B4-BE49-F238E27FC236}">
-                <a16:creationId xmlns:a16="http://schemas.microsoft.com/office/drawing/2014/main" id="{E9DD5021-AEF6-441C-8775-E9DC0EF4F8AC}"/>
-              </a:ext>
-            </a:extLst>
-          </p:cNvPr>
-          <p:cNvSpPr/>
-          <p:nvPr/>
-        </p:nvSpPr>
-        <p:spPr>
-          <a:xfrm>
-            <a:off x="1519561" y="3429000"/>
-            <a:ext cx="1109709" cy="852256"/>
-          </a:xfrm>
-          <a:prstGeom prst="rect">
-            <a:avLst/>
-          </a:prstGeom>
-        </p:spPr>
-        <p:style>
-          <a:lnRef idx="2">
-            <a:schemeClr val="accent1">
-              <a:shade val="50000"/>
-            </a:schemeClr>
-          </a:lnRef>
-          <a:fillRef idx="1">
-            <a:schemeClr val="accent1"/>
-          </a:fillRef>
-          <a:effectRef idx="0">
-            <a:schemeClr val="accent1"/>
-          </a:effectRef>
-          <a:fontRef idx="minor">
-            <a:schemeClr val="lt1"/>
-          </a:fontRef>
-        </p:style>
-        <p:txBody>
-          <a:bodyPr rtlCol="1" anchor="ctr"/>
-          <a:lstStyle/>
-          <a:p>
-            <a:pPr algn="ctr"/>
-            <a:r>
-              <a:rPr lang="en-US" dirty="0"/>
-              <a:t>Handle variance</a:t>
+          <a:p>
+            <a:r>
+              <a:rPr lang="en-US" dirty="0"/>
+              <a:t>Back propagation function</a:t>
             </a:r>
             <a:endParaRPr lang="he-IL" dirty="0"/>
           </a:p>
-        </p:txBody>
-      </p:sp>
-      <p:sp>
-        <p:nvSpPr>
-          <p:cNvPr id="6" name="מלבן 5">
-            <a:extLst>
-              <a:ext uri="{FF2B5EF4-FFF2-40B4-BE49-F238E27FC236}">
-                <a16:creationId xmlns:a16="http://schemas.microsoft.com/office/drawing/2014/main" id="{F455A1AA-6082-4A3E-9532-8B7DFC1574DF}"/>
-              </a:ext>
-            </a:extLst>
-          </p:cNvPr>
-          <p:cNvSpPr/>
-          <p:nvPr/>
-        </p:nvSpPr>
-        <p:spPr>
-          <a:xfrm>
-            <a:off x="3882501" y="1642939"/>
-            <a:ext cx="1109709" cy="852256"/>
-          </a:xfrm>
-          <a:prstGeom prst="rect">
-            <a:avLst/>
-          </a:prstGeom>
-        </p:spPr>
-        <p:style>
-          <a:lnRef idx="2">
-            <a:schemeClr val="accent1">
-              <a:shade val="50000"/>
-            </a:schemeClr>
-          </a:lnRef>
-          <a:fillRef idx="1">
-            <a:schemeClr val="accent1"/>
-          </a:fillRef>
-          <a:effectRef idx="0">
-            <a:schemeClr val="accent1"/>
-          </a:effectRef>
-          <a:fontRef idx="minor">
-            <a:schemeClr val="lt1"/>
-          </a:fontRef>
-        </p:style>
-        <p:txBody>
-          <a:bodyPr rtlCol="1" anchor="ctr"/>
-          <a:lstStyle/>
-          <a:p>
-            <a:pPr algn="ctr"/>
-            <a:r>
-              <a:rPr lang="en-US" dirty="0"/>
-              <a:t>Discretization</a:t>
+          <a:p>
+            <a:r>
+              <a:rPr lang="en-US" dirty="0"/>
+              <a:t>Linear Discriminant Analysis</a:t>
             </a:r>
             <a:endParaRPr lang="he-IL" dirty="0"/>
           </a:p>
-        </p:txBody>
-      </p:sp>
-      <p:sp>
-        <p:nvSpPr>
-          <p:cNvPr id="7" name="מלבן 6">
-            <a:extLst>
-              <a:ext uri="{FF2B5EF4-FFF2-40B4-BE49-F238E27FC236}">
-                <a16:creationId xmlns:a16="http://schemas.microsoft.com/office/drawing/2014/main" id="{C5792502-C08D-4F48-AA09-8F4286D5944F}"/>
-              </a:ext>
-            </a:extLst>
-          </p:cNvPr>
-          <p:cNvSpPr/>
-          <p:nvPr/>
-        </p:nvSpPr>
-        <p:spPr>
-          <a:xfrm>
-            <a:off x="5442014" y="1642939"/>
-            <a:ext cx="1109709" cy="852256"/>
-          </a:xfrm>
-          <a:prstGeom prst="rect">
-            <a:avLst/>
-          </a:prstGeom>
-        </p:spPr>
-        <p:style>
-          <a:lnRef idx="2">
-            <a:schemeClr val="accent1">
-              <a:shade val="50000"/>
-            </a:schemeClr>
-          </a:lnRef>
-          <a:fillRef idx="1">
-            <a:schemeClr val="accent1"/>
-          </a:fillRef>
-          <a:effectRef idx="0">
-            <a:schemeClr val="accent1"/>
-          </a:effectRef>
-          <a:fontRef idx="minor">
-            <a:schemeClr val="lt1"/>
-          </a:fontRef>
-        </p:style>
-        <p:txBody>
-          <a:bodyPr rtlCol="1" anchor="ctr"/>
-          <a:lstStyle/>
-          <a:p>
-            <a:pPr algn="ctr"/>
-            <a:r>
-              <a:rPr lang="en-US" dirty="0" err="1"/>
-              <a:t>Enum</a:t>
-            </a:r>
-            <a:endParaRPr lang="he-IL" dirty="0"/>
-          </a:p>
-        </p:txBody>
-      </p:sp>
-      <p:sp>
-        <p:nvSpPr>
-          <p:cNvPr id="8" name="מלבן 7">
-            <a:extLst>
-              <a:ext uri="{FF2B5EF4-FFF2-40B4-BE49-F238E27FC236}">
-                <a16:creationId xmlns:a16="http://schemas.microsoft.com/office/drawing/2014/main" id="{144FAF8B-F585-439C-8E89-B59AED2B9610}"/>
-              </a:ext>
-            </a:extLst>
-          </p:cNvPr>
-          <p:cNvSpPr/>
-          <p:nvPr/>
-        </p:nvSpPr>
-        <p:spPr>
-          <a:xfrm>
-            <a:off x="7121374" y="1642939"/>
-            <a:ext cx="1109709" cy="852256"/>
-          </a:xfrm>
-          <a:prstGeom prst="rect">
-            <a:avLst/>
-          </a:prstGeom>
-        </p:spPr>
-        <p:style>
-          <a:lnRef idx="2">
-            <a:schemeClr val="accent1">
-              <a:shade val="50000"/>
-            </a:schemeClr>
-          </a:lnRef>
-          <a:fillRef idx="1">
-            <a:schemeClr val="accent1"/>
-          </a:fillRef>
-          <a:effectRef idx="0">
-            <a:schemeClr val="accent1"/>
-          </a:effectRef>
-          <a:fontRef idx="minor">
-            <a:schemeClr val="lt1"/>
-          </a:fontRef>
-        </p:style>
-        <p:txBody>
-          <a:bodyPr rtlCol="1" anchor="ctr"/>
-          <a:lstStyle/>
-          <a:p>
-            <a:pPr algn="ctr"/>
-            <a:r>
-              <a:rPr lang="en-US" dirty="0"/>
-              <a:t>FS</a:t>
-            </a:r>
-            <a:endParaRPr lang="he-IL" dirty="0"/>
-          </a:p>
-        </p:txBody>
-      </p:sp>
-      <p:sp>
-        <p:nvSpPr>
-          <p:cNvPr id="9" name="מלבן 8">
-            <a:extLst>
-              <a:ext uri="{FF2B5EF4-FFF2-40B4-BE49-F238E27FC236}">
-                <a16:creationId xmlns:a16="http://schemas.microsoft.com/office/drawing/2014/main" id="{93920802-7B02-401C-A236-795F3187EBC5}"/>
-              </a:ext>
-            </a:extLst>
-          </p:cNvPr>
-          <p:cNvSpPr/>
-          <p:nvPr/>
-        </p:nvSpPr>
-        <p:spPr>
-          <a:xfrm>
-            <a:off x="8623179" y="1642939"/>
-            <a:ext cx="1109709" cy="852256"/>
-          </a:xfrm>
-          <a:prstGeom prst="rect">
-            <a:avLst/>
-          </a:prstGeom>
-        </p:spPr>
-        <p:style>
-          <a:lnRef idx="2">
-            <a:schemeClr val="accent1">
-              <a:shade val="50000"/>
-            </a:schemeClr>
-          </a:lnRef>
-          <a:fillRef idx="1">
-            <a:schemeClr val="accent1"/>
-          </a:fillRef>
-          <a:effectRef idx="0">
-            <a:schemeClr val="accent1"/>
-          </a:effectRef>
-          <a:fontRef idx="minor">
-            <a:schemeClr val="lt1"/>
-          </a:fontRef>
-        </p:style>
-        <p:txBody>
-          <a:bodyPr rtlCol="1" anchor="ctr"/>
-          <a:lstStyle/>
-          <a:p>
-            <a:pPr algn="ctr"/>
-            <a:r>
-              <a:rPr lang="en-US" dirty="0"/>
-              <a:t>ALG</a:t>
-            </a:r>
-            <a:endParaRPr lang="he-IL" dirty="0"/>
-          </a:p>
-        </p:txBody>
-      </p:sp>
-      <p:sp>
-        <p:nvSpPr>
-          <p:cNvPr id="10" name="מלבן 9">
-            <a:extLst>
-              <a:ext uri="{FF2B5EF4-FFF2-40B4-BE49-F238E27FC236}">
-                <a16:creationId xmlns:a16="http://schemas.microsoft.com/office/drawing/2014/main" id="{5E9FC044-CAB1-40B3-AB95-441195FD6077}"/>
-              </a:ext>
-            </a:extLst>
-          </p:cNvPr>
-          <p:cNvSpPr/>
-          <p:nvPr/>
-        </p:nvSpPr>
-        <p:spPr>
-          <a:xfrm>
-            <a:off x="9920056" y="1642939"/>
-            <a:ext cx="1109709" cy="852256"/>
-          </a:xfrm>
-          <a:prstGeom prst="rect">
-            <a:avLst/>
-          </a:prstGeom>
-        </p:spPr>
-        <p:style>
-          <a:lnRef idx="2">
-            <a:schemeClr val="accent1">
-              <a:shade val="50000"/>
-            </a:schemeClr>
-          </a:lnRef>
-          <a:fillRef idx="1">
-            <a:schemeClr val="accent1"/>
-          </a:fillRef>
-          <a:effectRef idx="0">
-            <a:schemeClr val="accent1"/>
-          </a:effectRef>
-          <a:fontRef idx="minor">
-            <a:schemeClr val="lt1"/>
-          </a:fontRef>
-        </p:style>
-        <p:txBody>
-          <a:bodyPr rtlCol="1" anchor="ctr"/>
-          <a:lstStyle/>
-          <a:p>
-            <a:pPr algn="ctr"/>
-            <a:r>
-              <a:rPr lang="en-US" dirty="0"/>
-              <a:t>SCORE</a:t>
-            </a:r>
-            <a:endParaRPr lang="he-IL" dirty="0"/>
-          </a:p>
-        </p:txBody>
-      </p:sp>
-      <p:sp>
-        <p:nvSpPr>
-          <p:cNvPr id="11" name="מלבן 10">
-            <a:extLst>
-              <a:ext uri="{FF2B5EF4-FFF2-40B4-BE49-F238E27FC236}">
-                <a16:creationId xmlns:a16="http://schemas.microsoft.com/office/drawing/2014/main" id="{F2DA0E8C-25FD-4020-8F82-69843E774E23}"/>
-              </a:ext>
-            </a:extLst>
-          </p:cNvPr>
-          <p:cNvSpPr/>
-          <p:nvPr/>
-        </p:nvSpPr>
-        <p:spPr>
-          <a:xfrm>
-            <a:off x="11216933" y="1642939"/>
-            <a:ext cx="1109709" cy="852256"/>
-          </a:xfrm>
-          <a:prstGeom prst="rect">
-            <a:avLst/>
-          </a:prstGeom>
-        </p:spPr>
-        <p:style>
-          <a:lnRef idx="2">
-            <a:schemeClr val="accent1">
-              <a:shade val="50000"/>
-            </a:schemeClr>
-          </a:lnRef>
-          <a:fillRef idx="1">
-            <a:schemeClr val="accent1"/>
-          </a:fillRef>
-          <a:effectRef idx="0">
-            <a:schemeClr val="accent1"/>
-          </a:effectRef>
-          <a:fontRef idx="minor">
-            <a:schemeClr val="lt1"/>
-          </a:fontRef>
-        </p:style>
-        <p:txBody>
-          <a:bodyPr rtlCol="1" anchor="ctr"/>
-          <a:lstStyle/>
-          <a:p>
-            <a:pPr algn="ctr"/>
-            <a:r>
-              <a:rPr lang="en-US" dirty="0"/>
-              <a:t>RESULT</a:t>
-            </a:r>
-            <a:endParaRPr lang="he-IL" dirty="0"/>
-          </a:p>
-        </p:txBody>
-      </p:sp>
-      <p:sp>
-        <p:nvSpPr>
-          <p:cNvPr id="12" name="מלבן 11">
-            <a:extLst>
-              <a:ext uri="{FF2B5EF4-FFF2-40B4-BE49-F238E27FC236}">
-                <a16:creationId xmlns:a16="http://schemas.microsoft.com/office/drawing/2014/main" id="{47E76C13-4B61-4E05-B82D-64A274AF8A75}"/>
-              </a:ext>
-            </a:extLst>
-          </p:cNvPr>
-          <p:cNvSpPr/>
-          <p:nvPr/>
-        </p:nvSpPr>
-        <p:spPr>
-          <a:xfrm>
-            <a:off x="2879324" y="3429000"/>
-            <a:ext cx="1109709" cy="852256"/>
-          </a:xfrm>
-          <a:prstGeom prst="rect">
-            <a:avLst/>
-          </a:prstGeom>
-        </p:spPr>
-        <p:style>
-          <a:lnRef idx="2">
-            <a:schemeClr val="accent1">
-              <a:shade val="50000"/>
-            </a:schemeClr>
-          </a:lnRef>
-          <a:fillRef idx="1">
-            <a:schemeClr val="accent1"/>
-          </a:fillRef>
-          <a:effectRef idx="0">
-            <a:schemeClr val="accent1"/>
-          </a:effectRef>
-          <a:fontRef idx="minor">
-            <a:schemeClr val="lt1"/>
-          </a:fontRef>
-        </p:style>
-        <p:txBody>
-          <a:bodyPr rtlCol="1" anchor="ctr"/>
-          <a:lstStyle/>
-          <a:p>
-            <a:pPr algn="ctr"/>
-            <a:r>
-              <a:rPr lang="en-US" dirty="0"/>
-              <a:t>Feature Scaling</a:t>
+          <a:p>
+            <a:pPr lvl="1"/>
+            <a:r>
+              <a:rPr lang="he-IL" dirty="0"/>
+              <a:t>משמש ל </a:t>
+            </a:r>
+            <a:r>
+              <a:rPr lang="en-US" dirty="0"/>
+              <a:t>classify</a:t>
+            </a:r>
+            <a:r>
+              <a:rPr lang="he-IL" dirty="0"/>
+              <a:t> על בסיס </a:t>
+            </a:r>
+            <a:r>
+              <a:rPr lang="en-US" dirty="0"/>
+              <a:t>variance</a:t>
             </a:r>
             <a:endParaRPr lang="he-IL" dirty="0"/>
           </a:p>
@@ -6586,7 +6489,7 @@
     </p:spTree>
     <p:extLst>
       <p:ext uri="{BB962C8B-B14F-4D97-AF65-F5344CB8AC3E}">
-        <p14:creationId xmlns:p14="http://schemas.microsoft.com/office/powerpoint/2010/main" val="1488967984"/>
+        <p14:creationId xmlns:p14="http://schemas.microsoft.com/office/powerpoint/2010/main" val="958839187"/>
       </p:ext>
     </p:extLst>
   </p:cSld>
@@ -6613,6 +6516,486 @@
           <a:chExt cx="0" cy="0"/>
         </a:xfrm>
       </p:grpSpPr>
+      <p:sp>
+        <p:nvSpPr>
+          <p:cNvPr id="4" name="מלבן 3">
+            <a:extLst>
+              <a:ext uri="{FF2B5EF4-FFF2-40B4-BE49-F238E27FC236}">
+                <a16:creationId xmlns:a16="http://schemas.microsoft.com/office/drawing/2014/main" id="{74609AB5-34A0-4526-AABA-E4DE4362E011}"/>
+              </a:ext>
+            </a:extLst>
+          </p:cNvPr>
+          <p:cNvSpPr/>
+          <p:nvPr/>
+        </p:nvSpPr>
+        <p:spPr>
+          <a:xfrm>
+            <a:off x="159798" y="3429000"/>
+            <a:ext cx="1109709" cy="852256"/>
+          </a:xfrm>
+          <a:prstGeom prst="rect">
+            <a:avLst/>
+          </a:prstGeom>
+        </p:spPr>
+        <p:style>
+          <a:lnRef idx="2">
+            <a:schemeClr val="accent1">
+              <a:shade val="50000"/>
+            </a:schemeClr>
+          </a:lnRef>
+          <a:fillRef idx="1">
+            <a:schemeClr val="accent1"/>
+          </a:fillRef>
+          <a:effectRef idx="0">
+            <a:schemeClr val="accent1"/>
+          </a:effectRef>
+          <a:fontRef idx="minor">
+            <a:schemeClr val="lt1"/>
+          </a:fontRef>
+        </p:style>
+        <p:txBody>
+          <a:bodyPr rtlCol="1" anchor="ctr"/>
+          <a:lstStyle/>
+          <a:p>
+            <a:pPr algn="ctr"/>
+            <a:r>
+              <a:rPr lang="en-US" dirty="0"/>
+              <a:t>Handle Empty Values</a:t>
+            </a:r>
+            <a:endParaRPr lang="he-IL" dirty="0"/>
+          </a:p>
+        </p:txBody>
+      </p:sp>
+      <p:sp>
+        <p:nvSpPr>
+          <p:cNvPr id="5" name="מלבן 4">
+            <a:extLst>
+              <a:ext uri="{FF2B5EF4-FFF2-40B4-BE49-F238E27FC236}">
+                <a16:creationId xmlns:a16="http://schemas.microsoft.com/office/drawing/2014/main" id="{E9DD5021-AEF6-441C-8775-E9DC0EF4F8AC}"/>
+              </a:ext>
+            </a:extLst>
+          </p:cNvPr>
+          <p:cNvSpPr/>
+          <p:nvPr/>
+        </p:nvSpPr>
+        <p:spPr>
+          <a:xfrm>
+            <a:off x="1519561" y="3429000"/>
+            <a:ext cx="1109709" cy="852256"/>
+          </a:xfrm>
+          <a:prstGeom prst="rect">
+            <a:avLst/>
+          </a:prstGeom>
+        </p:spPr>
+        <p:style>
+          <a:lnRef idx="2">
+            <a:schemeClr val="accent1">
+              <a:shade val="50000"/>
+            </a:schemeClr>
+          </a:lnRef>
+          <a:fillRef idx="1">
+            <a:schemeClr val="accent1"/>
+          </a:fillRef>
+          <a:effectRef idx="0">
+            <a:schemeClr val="accent1"/>
+          </a:effectRef>
+          <a:fontRef idx="minor">
+            <a:schemeClr val="lt1"/>
+          </a:fontRef>
+        </p:style>
+        <p:txBody>
+          <a:bodyPr rtlCol="1" anchor="ctr"/>
+          <a:lstStyle/>
+          <a:p>
+            <a:pPr algn="ctr"/>
+            <a:r>
+              <a:rPr lang="en-US" dirty="0"/>
+              <a:t>Handle variance</a:t>
+            </a:r>
+            <a:endParaRPr lang="he-IL" dirty="0"/>
+          </a:p>
+        </p:txBody>
+      </p:sp>
+      <p:sp>
+        <p:nvSpPr>
+          <p:cNvPr id="6" name="מלבן 5">
+            <a:extLst>
+              <a:ext uri="{FF2B5EF4-FFF2-40B4-BE49-F238E27FC236}">
+                <a16:creationId xmlns:a16="http://schemas.microsoft.com/office/drawing/2014/main" id="{F455A1AA-6082-4A3E-9532-8B7DFC1574DF}"/>
+              </a:ext>
+            </a:extLst>
+          </p:cNvPr>
+          <p:cNvSpPr/>
+          <p:nvPr/>
+        </p:nvSpPr>
+        <p:spPr>
+          <a:xfrm>
+            <a:off x="3882501" y="1642939"/>
+            <a:ext cx="1109709" cy="852256"/>
+          </a:xfrm>
+          <a:prstGeom prst="rect">
+            <a:avLst/>
+          </a:prstGeom>
+        </p:spPr>
+        <p:style>
+          <a:lnRef idx="2">
+            <a:schemeClr val="accent1">
+              <a:shade val="50000"/>
+            </a:schemeClr>
+          </a:lnRef>
+          <a:fillRef idx="1">
+            <a:schemeClr val="accent1"/>
+          </a:fillRef>
+          <a:effectRef idx="0">
+            <a:schemeClr val="accent1"/>
+          </a:effectRef>
+          <a:fontRef idx="minor">
+            <a:schemeClr val="lt1"/>
+          </a:fontRef>
+        </p:style>
+        <p:txBody>
+          <a:bodyPr rtlCol="1" anchor="ctr"/>
+          <a:lstStyle/>
+          <a:p>
+            <a:pPr algn="ctr"/>
+            <a:r>
+              <a:rPr lang="en-US" dirty="0"/>
+              <a:t>Discretization</a:t>
+            </a:r>
+            <a:endParaRPr lang="he-IL" dirty="0"/>
+          </a:p>
+        </p:txBody>
+      </p:sp>
+      <p:sp>
+        <p:nvSpPr>
+          <p:cNvPr id="7" name="מלבן 6">
+            <a:extLst>
+              <a:ext uri="{FF2B5EF4-FFF2-40B4-BE49-F238E27FC236}">
+                <a16:creationId xmlns:a16="http://schemas.microsoft.com/office/drawing/2014/main" id="{C5792502-C08D-4F48-AA09-8F4286D5944F}"/>
+              </a:ext>
+            </a:extLst>
+          </p:cNvPr>
+          <p:cNvSpPr/>
+          <p:nvPr/>
+        </p:nvSpPr>
+        <p:spPr>
+          <a:xfrm>
+            <a:off x="5442014" y="1642939"/>
+            <a:ext cx="1109709" cy="852256"/>
+          </a:xfrm>
+          <a:prstGeom prst="rect">
+            <a:avLst/>
+          </a:prstGeom>
+        </p:spPr>
+        <p:style>
+          <a:lnRef idx="2">
+            <a:schemeClr val="accent1">
+              <a:shade val="50000"/>
+            </a:schemeClr>
+          </a:lnRef>
+          <a:fillRef idx="1">
+            <a:schemeClr val="accent1"/>
+          </a:fillRef>
+          <a:effectRef idx="0">
+            <a:schemeClr val="accent1"/>
+          </a:effectRef>
+          <a:fontRef idx="minor">
+            <a:schemeClr val="lt1"/>
+          </a:fontRef>
+        </p:style>
+        <p:txBody>
+          <a:bodyPr rtlCol="1" anchor="ctr"/>
+          <a:lstStyle/>
+          <a:p>
+            <a:pPr algn="ctr"/>
+            <a:r>
+              <a:rPr lang="en-US" dirty="0" err="1"/>
+              <a:t>Enum</a:t>
+            </a:r>
+            <a:endParaRPr lang="he-IL" dirty="0"/>
+          </a:p>
+        </p:txBody>
+      </p:sp>
+      <p:sp>
+        <p:nvSpPr>
+          <p:cNvPr id="8" name="מלבן 7">
+            <a:extLst>
+              <a:ext uri="{FF2B5EF4-FFF2-40B4-BE49-F238E27FC236}">
+                <a16:creationId xmlns:a16="http://schemas.microsoft.com/office/drawing/2014/main" id="{144FAF8B-F585-439C-8E89-B59AED2B9610}"/>
+              </a:ext>
+            </a:extLst>
+          </p:cNvPr>
+          <p:cNvSpPr/>
+          <p:nvPr/>
+        </p:nvSpPr>
+        <p:spPr>
+          <a:xfrm>
+            <a:off x="7121374" y="1642939"/>
+            <a:ext cx="1109709" cy="852256"/>
+          </a:xfrm>
+          <a:prstGeom prst="rect">
+            <a:avLst/>
+          </a:prstGeom>
+        </p:spPr>
+        <p:style>
+          <a:lnRef idx="2">
+            <a:schemeClr val="accent1">
+              <a:shade val="50000"/>
+            </a:schemeClr>
+          </a:lnRef>
+          <a:fillRef idx="1">
+            <a:schemeClr val="accent1"/>
+          </a:fillRef>
+          <a:effectRef idx="0">
+            <a:schemeClr val="accent1"/>
+          </a:effectRef>
+          <a:fontRef idx="minor">
+            <a:schemeClr val="lt1"/>
+          </a:fontRef>
+        </p:style>
+        <p:txBody>
+          <a:bodyPr rtlCol="1" anchor="ctr"/>
+          <a:lstStyle/>
+          <a:p>
+            <a:pPr algn="ctr"/>
+            <a:r>
+              <a:rPr lang="en-US" dirty="0"/>
+              <a:t>FS</a:t>
+            </a:r>
+            <a:endParaRPr lang="he-IL" dirty="0"/>
+          </a:p>
+        </p:txBody>
+      </p:sp>
+      <p:sp>
+        <p:nvSpPr>
+          <p:cNvPr id="9" name="מלבן 8">
+            <a:extLst>
+              <a:ext uri="{FF2B5EF4-FFF2-40B4-BE49-F238E27FC236}">
+                <a16:creationId xmlns:a16="http://schemas.microsoft.com/office/drawing/2014/main" id="{93920802-7B02-401C-A236-795F3187EBC5}"/>
+              </a:ext>
+            </a:extLst>
+          </p:cNvPr>
+          <p:cNvSpPr/>
+          <p:nvPr/>
+        </p:nvSpPr>
+        <p:spPr>
+          <a:xfrm>
+            <a:off x="8623179" y="1642939"/>
+            <a:ext cx="1109709" cy="852256"/>
+          </a:xfrm>
+          <a:prstGeom prst="rect">
+            <a:avLst/>
+          </a:prstGeom>
+        </p:spPr>
+        <p:style>
+          <a:lnRef idx="2">
+            <a:schemeClr val="accent1">
+              <a:shade val="50000"/>
+            </a:schemeClr>
+          </a:lnRef>
+          <a:fillRef idx="1">
+            <a:schemeClr val="accent1"/>
+          </a:fillRef>
+          <a:effectRef idx="0">
+            <a:schemeClr val="accent1"/>
+          </a:effectRef>
+          <a:fontRef idx="minor">
+            <a:schemeClr val="lt1"/>
+          </a:fontRef>
+        </p:style>
+        <p:txBody>
+          <a:bodyPr rtlCol="1" anchor="ctr"/>
+          <a:lstStyle/>
+          <a:p>
+            <a:pPr algn="ctr"/>
+            <a:r>
+              <a:rPr lang="en-US" dirty="0"/>
+              <a:t>ALG</a:t>
+            </a:r>
+            <a:endParaRPr lang="he-IL" dirty="0"/>
+          </a:p>
+        </p:txBody>
+      </p:sp>
+      <p:sp>
+        <p:nvSpPr>
+          <p:cNvPr id="10" name="מלבן 9">
+            <a:extLst>
+              <a:ext uri="{FF2B5EF4-FFF2-40B4-BE49-F238E27FC236}">
+                <a16:creationId xmlns:a16="http://schemas.microsoft.com/office/drawing/2014/main" id="{5E9FC044-CAB1-40B3-AB95-441195FD6077}"/>
+              </a:ext>
+            </a:extLst>
+          </p:cNvPr>
+          <p:cNvSpPr/>
+          <p:nvPr/>
+        </p:nvSpPr>
+        <p:spPr>
+          <a:xfrm>
+            <a:off x="9920056" y="1642939"/>
+            <a:ext cx="1109709" cy="852256"/>
+          </a:xfrm>
+          <a:prstGeom prst="rect">
+            <a:avLst/>
+          </a:prstGeom>
+        </p:spPr>
+        <p:style>
+          <a:lnRef idx="2">
+            <a:schemeClr val="accent1">
+              <a:shade val="50000"/>
+            </a:schemeClr>
+          </a:lnRef>
+          <a:fillRef idx="1">
+            <a:schemeClr val="accent1"/>
+          </a:fillRef>
+          <a:effectRef idx="0">
+            <a:schemeClr val="accent1"/>
+          </a:effectRef>
+          <a:fontRef idx="minor">
+            <a:schemeClr val="lt1"/>
+          </a:fontRef>
+        </p:style>
+        <p:txBody>
+          <a:bodyPr rtlCol="1" anchor="ctr"/>
+          <a:lstStyle/>
+          <a:p>
+            <a:pPr algn="ctr"/>
+            <a:r>
+              <a:rPr lang="en-US" dirty="0"/>
+              <a:t>SCORE</a:t>
+            </a:r>
+            <a:endParaRPr lang="he-IL" dirty="0"/>
+          </a:p>
+        </p:txBody>
+      </p:sp>
+      <p:sp>
+        <p:nvSpPr>
+          <p:cNvPr id="11" name="מלבן 10">
+            <a:extLst>
+              <a:ext uri="{FF2B5EF4-FFF2-40B4-BE49-F238E27FC236}">
+                <a16:creationId xmlns:a16="http://schemas.microsoft.com/office/drawing/2014/main" id="{F2DA0E8C-25FD-4020-8F82-69843E774E23}"/>
+              </a:ext>
+            </a:extLst>
+          </p:cNvPr>
+          <p:cNvSpPr/>
+          <p:nvPr/>
+        </p:nvSpPr>
+        <p:spPr>
+          <a:xfrm>
+            <a:off x="11216933" y="1642939"/>
+            <a:ext cx="1109709" cy="852256"/>
+          </a:xfrm>
+          <a:prstGeom prst="rect">
+            <a:avLst/>
+          </a:prstGeom>
+        </p:spPr>
+        <p:style>
+          <a:lnRef idx="2">
+            <a:schemeClr val="accent1">
+              <a:shade val="50000"/>
+            </a:schemeClr>
+          </a:lnRef>
+          <a:fillRef idx="1">
+            <a:schemeClr val="accent1"/>
+          </a:fillRef>
+          <a:effectRef idx="0">
+            <a:schemeClr val="accent1"/>
+          </a:effectRef>
+          <a:fontRef idx="minor">
+            <a:schemeClr val="lt1"/>
+          </a:fontRef>
+        </p:style>
+        <p:txBody>
+          <a:bodyPr rtlCol="1" anchor="ctr"/>
+          <a:lstStyle/>
+          <a:p>
+            <a:pPr algn="ctr"/>
+            <a:r>
+              <a:rPr lang="en-US" dirty="0"/>
+              <a:t>RESULT</a:t>
+            </a:r>
+            <a:endParaRPr lang="he-IL" dirty="0"/>
+          </a:p>
+        </p:txBody>
+      </p:sp>
+      <p:sp>
+        <p:nvSpPr>
+          <p:cNvPr id="12" name="מלבן 11">
+            <a:extLst>
+              <a:ext uri="{FF2B5EF4-FFF2-40B4-BE49-F238E27FC236}">
+                <a16:creationId xmlns:a16="http://schemas.microsoft.com/office/drawing/2014/main" id="{47E76C13-4B61-4E05-B82D-64A274AF8A75}"/>
+              </a:ext>
+            </a:extLst>
+          </p:cNvPr>
+          <p:cNvSpPr/>
+          <p:nvPr/>
+        </p:nvSpPr>
+        <p:spPr>
+          <a:xfrm>
+            <a:off x="2879324" y="3429000"/>
+            <a:ext cx="1109709" cy="852256"/>
+          </a:xfrm>
+          <a:prstGeom prst="rect">
+            <a:avLst/>
+          </a:prstGeom>
+        </p:spPr>
+        <p:style>
+          <a:lnRef idx="2">
+            <a:schemeClr val="accent1">
+              <a:shade val="50000"/>
+            </a:schemeClr>
+          </a:lnRef>
+          <a:fillRef idx="1">
+            <a:schemeClr val="accent1"/>
+          </a:fillRef>
+          <a:effectRef idx="0">
+            <a:schemeClr val="accent1"/>
+          </a:effectRef>
+          <a:fontRef idx="minor">
+            <a:schemeClr val="lt1"/>
+          </a:fontRef>
+        </p:style>
+        <p:txBody>
+          <a:bodyPr rtlCol="1" anchor="ctr"/>
+          <a:lstStyle/>
+          <a:p>
+            <a:pPr algn="ctr"/>
+            <a:r>
+              <a:rPr lang="en-US" dirty="0"/>
+              <a:t>Feature Scaling</a:t>
+            </a:r>
+            <a:endParaRPr lang="he-IL" dirty="0"/>
+          </a:p>
+        </p:txBody>
+      </p:sp>
+    </p:spTree>
+    <p:extLst>
+      <p:ext uri="{BB962C8B-B14F-4D97-AF65-F5344CB8AC3E}">
+        <p14:creationId xmlns:p14="http://schemas.microsoft.com/office/powerpoint/2010/main" val="1488967984"/>
+      </p:ext>
+    </p:extLst>
+  </p:cSld>
+  <p:clrMapOvr>
+    <a:masterClrMapping/>
+  </p:clrMapOvr>
+</p:sld>
+</file>
+
+<file path=ppt/slides/slide24.xml><?xml version="1.0" encoding="utf-8"?>
+<p:sld xmlns:a="http://schemas.openxmlformats.org/drawingml/2006/main" xmlns:r="http://schemas.openxmlformats.org/officeDocument/2006/relationships" xmlns:p="http://schemas.openxmlformats.org/presentationml/2006/main">
+  <p:cSld>
+    <p:spTree>
+      <p:nvGrpSpPr>
+        <p:cNvPr id="1" name=""/>
+        <p:cNvGrpSpPr/>
+        <p:nvPr/>
+      </p:nvGrpSpPr>
+      <p:grpSpPr>
+        <a:xfrm>
+          <a:off x="0" y="0"/>
+          <a:ext cx="0" cy="0"/>
+          <a:chOff x="0" y="0"/>
+          <a:chExt cx="0" cy="0"/>
+        </a:xfrm>
+      </p:grpSpPr>
       <p:pic>
         <p:nvPicPr>
           <p:cNvPr id="1026" name="Picture 2">
@@ -6730,10 +7113,9 @@
               <a:t>normalize</a:t>
             </a:r>
             <a:r>
-              <a:rPr lang="he-IL"/>
+              <a:rPr lang="he-IL" dirty="0"/>
               <a:t>)</a:t>
             </a:r>
-            <a:endParaRPr lang="he-IL" dirty="0"/>
           </a:p>
           <a:p>
             <a:pPr lvl="1"/>
@@ -7016,7 +7398,7 @@
 </p:sld>
 </file>
 
-<file path=ppt/slides/slide24.xml><?xml version="1.0" encoding="utf-8"?>
+<file path=ppt/slides/slide25.xml><?xml version="1.0" encoding="utf-8"?>
 <p:sld xmlns:a="http://schemas.openxmlformats.org/drawingml/2006/main" xmlns:r="http://schemas.openxmlformats.org/officeDocument/2006/relationships" xmlns:p="http://schemas.openxmlformats.org/presentationml/2006/main">
   <p:cSld>
     <p:spTree>
@@ -8355,7 +8737,7 @@
           <p:cNvPr id="2" name="כותרת 1">
             <a:extLst>
               <a:ext uri="{FF2B5EF4-FFF2-40B4-BE49-F238E27FC236}">
-                <a16:creationId xmlns:a16="http://schemas.microsoft.com/office/drawing/2014/main" id="{4CDBD322-010D-4D09-B4D0-C52ABE075B41}"/>
+                <a16:creationId xmlns:a16="http://schemas.microsoft.com/office/drawing/2014/main" id="{92608A55-1DAD-4646-BAC4-8A7DE866C75F}"/>
               </a:ext>
             </a:extLst>
           </p:cNvPr>
@@ -8372,9 +8754,10 @@
           <a:lstStyle/>
           <a:p>
             <a:r>
-              <a:rPr lang="he-IL" dirty="0"/>
-              <a:t>ישנם מספר טכניקות לבחירת קבוצת מאפיינים</a:t>
-            </a:r>
+              <a:rPr lang="en-US" dirty="0"/>
+              <a:t>PCA</a:t>
+            </a:r>
+            <a:endParaRPr lang="he-IL" dirty="0"/>
           </a:p>
         </p:txBody>
       </p:sp>
@@ -8383,7 +8766,7 @@
           <p:cNvPr id="3" name="מציין מיקום תוכן 2">
             <a:extLst>
               <a:ext uri="{FF2B5EF4-FFF2-40B4-BE49-F238E27FC236}">
-                <a16:creationId xmlns:a16="http://schemas.microsoft.com/office/drawing/2014/main" id="{FFA676B8-64D5-452C-8FE6-0A33E5A2FEE5}"/>
+                <a16:creationId xmlns:a16="http://schemas.microsoft.com/office/drawing/2014/main" id="{BD88831A-18F0-4F51-ACBF-DDD7522AF106}"/>
               </a:ext>
             </a:extLst>
           </p:cNvPr>
@@ -8396,163 +8779,62 @@
         </p:nvSpPr>
         <p:spPr/>
         <p:txBody>
-          <a:bodyPr>
-            <a:normAutofit fontScale="92500" lnSpcReduction="20000"/>
-          </a:bodyPr>
-          <a:lstStyle/>
-          <a:p>
-            <a:pPr marL="514350" indent="-514350">
-              <a:buAutoNum type="arabicPeriod"/>
-            </a:pPr>
-            <a:r>
-              <a:rPr lang="en-US" dirty="0"/>
-              <a:t>Complete</a:t>
+          <a:bodyPr/>
+          <a:lstStyle/>
+          <a:p>
+            <a:r>
+              <a:rPr lang="en-US" dirty="0"/>
+              <a:t>PCA</a:t>
+            </a:r>
+            <a:r>
+              <a:rPr lang="he-IL" dirty="0"/>
+              <a:t> מבצע הטלה </a:t>
+            </a:r>
+            <a:r>
+              <a:rPr lang="he-IL" dirty="0" err="1"/>
+              <a:t>למימד</a:t>
+            </a:r>
+            <a:r>
+              <a:rPr lang="he-IL" dirty="0"/>
+              <a:t> אחר תוך כדי הורדת ממדים נוספים. (משאיר רק מה </a:t>
+            </a:r>
+            <a:r>
+              <a:rPr lang="he-IL" dirty="0" err="1"/>
+              <a:t>שבת"ל</a:t>
+            </a:r>
+            <a:r>
+              <a:rPr lang="he-IL" dirty="0"/>
+              <a:t>).</a:t>
+            </a:r>
+          </a:p>
+          <a:p>
+            <a:r>
+              <a:rPr lang="he-IL" dirty="0"/>
+              <a:t>ניתן להשתמש גם ב </a:t>
+            </a:r>
+            <a:r>
+              <a:rPr lang="en-US" dirty="0"/>
+              <a:t>PCA</a:t>
             </a:r>
             <a:r>
               <a:rPr lang="he-IL" dirty="0"/>
               <a:t> </a:t>
             </a:r>
-          </a:p>
-          <a:p>
-            <a:pPr marL="971550" lvl="1" indent="-514350">
-              <a:buAutoNum type="arabicPeriod"/>
-            </a:pPr>
-            <a:r>
-              <a:rPr lang="he-IL" dirty="0"/>
-              <a:t>עובר על כל הקבוצות האפשריות (</a:t>
-            </a:r>
-            <a:r>
-              <a:rPr lang="en-US" dirty="0"/>
-              <a:t>2^N</a:t>
-            </a:r>
-            <a:r>
-              <a:rPr lang="he-IL" dirty="0"/>
-              <a:t> אפשרויות)</a:t>
-            </a:r>
-          </a:p>
-          <a:p>
-            <a:pPr marL="971550" lvl="1" indent="-514350">
-              <a:buAutoNum type="arabicPeriod"/>
-            </a:pPr>
-            <a:r>
-              <a:rPr lang="he-IL" dirty="0"/>
-              <a:t>מניב תוצאה אופטימאלית.</a:t>
-            </a:r>
-          </a:p>
-          <a:p>
-            <a:pPr marL="971550" lvl="1" indent="-514350">
-              <a:buAutoNum type="arabicPeriod"/>
-            </a:pPr>
-            <a:r>
-              <a:rPr lang="he-IL" dirty="0"/>
-              <a:t>יקר במשאבים ובזמן.</a:t>
-            </a:r>
-          </a:p>
-          <a:p>
-            <a:pPr marL="514350" indent="-514350">
-              <a:buAutoNum type="arabicPeriod"/>
-            </a:pPr>
-            <a:r>
-              <a:rPr lang="en-US" dirty="0"/>
-              <a:t>Sequential Search</a:t>
-            </a:r>
-            <a:endParaRPr lang="he-IL" dirty="0"/>
-          </a:p>
-          <a:p>
-            <a:pPr marL="971550" lvl="1" indent="-514350">
-              <a:buAutoNum type="arabicPeriod"/>
-            </a:pPr>
-            <a:r>
-              <a:rPr lang="en-US" dirty="0"/>
-              <a:t>Forward/backward</a:t>
-            </a:r>
-            <a:endParaRPr lang="he-IL" dirty="0"/>
-          </a:p>
-          <a:p>
-            <a:pPr marL="971550" lvl="1" indent="-514350">
-              <a:buAutoNum type="arabicPeriod"/>
-            </a:pPr>
-            <a:r>
-              <a:rPr lang="he-IL" dirty="0"/>
-              <a:t>מתכנס לתוצאה אופטימאלית מקומית ולא גלובאלית.</a:t>
-            </a:r>
-          </a:p>
-          <a:p>
-            <a:pPr marL="971550" lvl="1" indent="-514350">
-              <a:buAutoNum type="arabicPeriod"/>
-            </a:pPr>
-            <a:r>
-              <a:rPr lang="he-IL" dirty="0"/>
-              <a:t>ניתן לשלב את 2 השיטות ?</a:t>
-            </a:r>
-          </a:p>
-          <a:p>
-            <a:pPr marL="514350" indent="-514350">
-              <a:buAutoNum type="arabicPeriod"/>
-            </a:pPr>
-            <a:r>
-              <a:rPr lang="en-US" dirty="0"/>
-              <a:t>Random</a:t>
-            </a:r>
-          </a:p>
-          <a:p>
-            <a:pPr marL="971550" lvl="1" indent="-514350">
-              <a:buAutoNum type="arabicPeriod"/>
-            </a:pPr>
-            <a:r>
-              <a:rPr lang="he-IL" dirty="0"/>
-              <a:t>מטרה: להתגבר על מציאת אופטימום מקומי</a:t>
-            </a:r>
-          </a:p>
-          <a:p>
-            <a:pPr marL="971550" lvl="1" indent="-514350">
-              <a:buAutoNum type="arabicPeriod"/>
-            </a:pPr>
-            <a:r>
-              <a:rPr lang="he-IL" dirty="0"/>
-              <a:t>מריצים מספר </a:t>
-            </a:r>
             <a:r>
               <a:rPr lang="he-IL" dirty="0" err="1"/>
-              <a:t>איטרציות</a:t>
-            </a:r>
-            <a:r>
-              <a:rPr lang="he-IL" dirty="0"/>
-              <a:t>, כאשר בכל </a:t>
-            </a:r>
-            <a:r>
-              <a:rPr lang="he-IL" dirty="0" err="1"/>
-              <a:t>אינטרציה</a:t>
-            </a:r>
-            <a:r>
-              <a:rPr lang="he-IL" dirty="0"/>
-              <a:t> מגרילים קבוצה התחלתית שונה.</a:t>
-            </a:r>
-          </a:p>
-          <a:p>
-            <a:pPr marL="971550" lvl="1" indent="-514350">
-              <a:buAutoNum type="arabicPeriod"/>
-            </a:pPr>
-            <a:r>
-              <a:rPr lang="he-IL" dirty="0"/>
-              <a:t>רצים עם אלג' </a:t>
-            </a:r>
-            <a:r>
-              <a:rPr lang="he-IL" dirty="0" err="1"/>
-              <a:t>גנטים</a:t>
+              <a:t>כאלג</a:t>
+            </a:r>
+            <a:r>
+              <a:rPr lang="he-IL" dirty="0"/>
+              <a:t>' ל </a:t>
+            </a:r>
+            <a:r>
+              <a:rPr lang="en-US" dirty="0"/>
+              <a:t>Feature Selection</a:t>
             </a:r>
             <a:r>
               <a:rPr lang="he-IL" dirty="0"/>
               <a:t>.</a:t>
-            </a:r>
-          </a:p>
-          <a:p>
-            <a:pPr marL="971550" lvl="1" indent="-514350">
-              <a:buAutoNum type="arabicPeriod"/>
-            </a:pPr>
-            <a:r>
-              <a:rPr lang="he-IL" dirty="0"/>
-              <a:t>בסוף בוחרים את התוצאה האופטימלית מבין כל התוצאות</a:t>
             </a:r>
           </a:p>
         </p:txBody>
@@ -8560,7 +8842,7 @@
     </p:spTree>
     <p:extLst>
       <p:ext uri="{BB962C8B-B14F-4D97-AF65-F5344CB8AC3E}">
-        <p14:creationId xmlns:p14="http://schemas.microsoft.com/office/powerpoint/2010/main" val="654059144"/>
+        <p14:creationId xmlns:p14="http://schemas.microsoft.com/office/powerpoint/2010/main" val="759130869"/>
       </p:ext>
     </p:extLst>
   </p:cSld>
@@ -8592,7 +8874,7 @@
           <p:cNvPr id="2" name="כותרת 1">
             <a:extLst>
               <a:ext uri="{FF2B5EF4-FFF2-40B4-BE49-F238E27FC236}">
-                <a16:creationId xmlns:a16="http://schemas.microsoft.com/office/drawing/2014/main" id="{27D11B11-C425-4033-84BB-80362FD25731}"/>
+                <a16:creationId xmlns:a16="http://schemas.microsoft.com/office/drawing/2014/main" id="{4CDBD322-010D-4D09-B4D0-C52ABE075B41}"/>
               </a:ext>
             </a:extLst>
           </p:cNvPr>
@@ -8610,7 +8892,7 @@
           <a:p>
             <a:r>
               <a:rPr lang="he-IL" dirty="0"/>
-              <a:t>שיטות להערכת איכות קבוצת המאפיינים</a:t>
+              <a:t>ישנם מספר טכניקות לבחירת קבוצת מאפיינים</a:t>
             </a:r>
           </a:p>
         </p:txBody>
@@ -8620,7 +8902,7 @@
           <p:cNvPr id="3" name="מציין מיקום תוכן 2">
             <a:extLst>
               <a:ext uri="{FF2B5EF4-FFF2-40B4-BE49-F238E27FC236}">
-                <a16:creationId xmlns:a16="http://schemas.microsoft.com/office/drawing/2014/main" id="{FA6BC29E-3BD7-4FD5-A2B6-B178C0C2D36A}"/>
+                <a16:creationId xmlns:a16="http://schemas.microsoft.com/office/drawing/2014/main" id="{FFA676B8-64D5-452C-8FE6-0A33E5A2FEE5}"/>
               </a:ext>
             </a:extLst>
           </p:cNvPr>
@@ -8634,7 +8916,7 @@
         <p:spPr/>
         <p:txBody>
           <a:bodyPr>
-            <a:normAutofit fontScale="62500" lnSpcReduction="20000"/>
+            <a:normAutofit fontScale="92500" lnSpcReduction="20000"/>
           </a:bodyPr>
           <a:lstStyle/>
           <a:p>
@@ -8643,9 +8925,12 @@
             </a:pPr>
             <a:r>
               <a:rPr lang="en-US" dirty="0"/>
-              <a:t>Filter Model</a:t>
-            </a:r>
-            <a:endParaRPr lang="he-IL" dirty="0"/>
+              <a:t>Complete</a:t>
+            </a:r>
+            <a:r>
+              <a:rPr lang="he-IL" dirty="0"/>
+              <a:t> </a:t>
+            </a:r>
           </a:p>
           <a:p>
             <a:pPr marL="971550" lvl="1" indent="-514350">
@@ -8653,23 +8938,15 @@
             </a:pPr>
             <a:r>
               <a:rPr lang="he-IL" dirty="0"/>
-              <a:t>אין שימוש </a:t>
-            </a:r>
-            <a:r>
-              <a:rPr lang="he-IL" dirty="0" err="1"/>
-              <a:t>באלג</a:t>
-            </a:r>
-            <a:r>
-              <a:rPr lang="he-IL" dirty="0"/>
-              <a:t>' (לכן אין השפעה בבחירת אלג') ולכן יעיל במבני נתונים בעלי </a:t>
-            </a:r>
-            <a:r>
-              <a:rPr lang="he-IL" dirty="0" err="1"/>
-              <a:t>מימד</a:t>
-            </a:r>
-            <a:r>
-              <a:rPr lang="he-IL" dirty="0"/>
-              <a:t> גבוהה.</a:t>
+              <a:t>עובר על כל הקבוצות האפשריות (</a:t>
+            </a:r>
+            <a:r>
+              <a:rPr lang="en-US" dirty="0"/>
+              <a:t>2^N</a:t>
+            </a:r>
+            <a:r>
+              <a:rPr lang="he-IL" dirty="0"/>
+              <a:t> אפשרויות)</a:t>
             </a:r>
           </a:p>
           <a:p>
@@ -8678,15 +8955,7 @@
             </a:pPr>
             <a:r>
               <a:rPr lang="he-IL" dirty="0"/>
-              <a:t>יש שימוש במאפיינים </a:t>
-            </a:r>
-            <a:r>
-              <a:rPr lang="he-IL" dirty="0" err="1"/>
-              <a:t>סטיסטים</a:t>
-            </a:r>
-            <a:r>
-              <a:rPr lang="he-IL" dirty="0"/>
-              <a:t> (לדוגמא: אנטרופיה, קורלציה לינארית)</a:t>
+              <a:t>מניב תוצאה אופטימאלית.</a:t>
             </a:r>
           </a:p>
           <a:p>
@@ -8695,24 +8964,26 @@
             </a:pPr>
             <a:r>
               <a:rPr lang="he-IL" dirty="0"/>
-              <a:t>שיטה מהירה</a:t>
-            </a:r>
+              <a:t>יקר במשאבים ובזמן.</a:t>
+            </a:r>
+          </a:p>
+          <a:p>
+            <a:pPr marL="514350" indent="-514350">
+              <a:buAutoNum type="arabicPeriod"/>
+            </a:pPr>
+            <a:r>
+              <a:rPr lang="en-US" dirty="0"/>
+              <a:t>Sequential Search</a:t>
+            </a:r>
+            <a:endParaRPr lang="he-IL" dirty="0"/>
           </a:p>
           <a:p>
             <a:pPr marL="971550" lvl="1" indent="-514350">
               <a:buAutoNum type="arabicPeriod"/>
             </a:pPr>
             <a:r>
-              <a:rPr lang="he-IL" dirty="0" err="1"/>
-              <a:t>לוודוקא</a:t>
-            </a:r>
-            <a:r>
-              <a:rPr lang="he-IL" dirty="0"/>
-              <a:t> נותנת את התוצאה </a:t>
-            </a:r>
-            <a:r>
-              <a:rPr lang="he-IL" dirty="0" err="1"/>
-              <a:t>האופטמלית</a:t>
+              <a:rPr lang="en-US" dirty="0"/>
+              <a:t>Forward/backward</a:t>
             </a:r>
             <a:endParaRPr lang="he-IL" dirty="0"/>
           </a:p>
@@ -8722,7 +8993,16 @@
             </a:pPr>
             <a:r>
               <a:rPr lang="he-IL" dirty="0"/>
-              <a:t>השיטה מספקת משקל למאפיין / שילוב מספר מאפיינים וזורקת את המאפיינים בעלי המשקל הקטן יותר</a:t>
+              <a:t>מתכנס לתוצאה אופטימאלית מקומית ולא גלובאלית.</a:t>
+            </a:r>
+          </a:p>
+          <a:p>
+            <a:pPr marL="971550" lvl="1" indent="-514350">
+              <a:buAutoNum type="arabicPeriod"/>
+            </a:pPr>
+            <a:r>
+              <a:rPr lang="he-IL" dirty="0"/>
+              <a:t>ניתן לשלב את 2 השיטות ?</a:t>
             </a:r>
           </a:p>
           <a:p>
@@ -8731,9 +9011,8 @@
             </a:pPr>
             <a:r>
               <a:rPr lang="en-US" dirty="0"/>
-              <a:t>Wrapper Model</a:t>
-            </a:r>
-            <a:endParaRPr lang="he-IL" dirty="0"/>
+              <a:t>Random</a:t>
+            </a:r>
           </a:p>
           <a:p>
             <a:pPr marL="971550" lvl="1" indent="-514350">
@@ -8741,39 +9020,7 @@
             </a:pPr>
             <a:r>
               <a:rPr lang="he-IL" dirty="0"/>
-              <a:t>שימוש </a:t>
-            </a:r>
-            <a:r>
-              <a:rPr lang="he-IL" dirty="0" err="1"/>
-              <a:t>באלג</a:t>
-            </a:r>
-            <a:r>
-              <a:rPr lang="he-IL" dirty="0"/>
-              <a:t>’</a:t>
-            </a:r>
-            <a:r>
-              <a:rPr lang="en-US" dirty="0"/>
-              <a:t> </a:t>
-            </a:r>
-            <a:r>
-              <a:rPr lang="he-IL" dirty="0"/>
-              <a:t> </a:t>
-            </a:r>
-            <a:r>
-              <a:rPr lang="en-US" dirty="0"/>
-              <a:t>Classification</a:t>
-            </a:r>
-            <a:r>
-              <a:rPr lang="he-IL" dirty="0"/>
-              <a:t> (</a:t>
-            </a:r>
-            <a:r>
-              <a:rPr lang="en-US" dirty="0"/>
-              <a:t>SVM, ANN, BAYESIAN, NN, DT</a:t>
-            </a:r>
-            <a:r>
-              <a:rPr lang="he-IL" dirty="0"/>
-              <a:t>)</a:t>
+              <a:t>מטרה: להתגבר על מציאת אופטימום מקומי</a:t>
             </a:r>
           </a:p>
           <a:p>
@@ -8782,20 +9029,23 @@
             </a:pPr>
             <a:r>
               <a:rPr lang="he-IL" dirty="0"/>
-              <a:t>שיטה איטית מאוד</a:t>
-            </a:r>
-          </a:p>
-          <a:p>
-            <a:pPr marL="514350" indent="-514350">
-              <a:buAutoNum type="arabicPeriod"/>
-            </a:pPr>
-            <a:r>
-              <a:rPr lang="en-US" dirty="0"/>
-              <a:t>Hybrid</a:t>
-            </a:r>
-            <a:r>
-              <a:rPr lang="he-IL" dirty="0"/>
-              <a:t>***</a:t>
+              <a:t>מריצים מספר </a:t>
+            </a:r>
+            <a:r>
+              <a:rPr lang="he-IL" dirty="0" err="1"/>
+              <a:t>איטרציות</a:t>
+            </a:r>
+            <a:r>
+              <a:rPr lang="he-IL" dirty="0"/>
+              <a:t>, כאשר בכל </a:t>
+            </a:r>
+            <a:r>
+              <a:rPr lang="he-IL" dirty="0" err="1"/>
+              <a:t>אינטרציה</a:t>
+            </a:r>
+            <a:r>
+              <a:rPr lang="he-IL" dirty="0"/>
+              <a:t> מגרילים קבוצה התחלתית שונה.</a:t>
             </a:r>
           </a:p>
           <a:p>
@@ -8804,7 +9054,15 @@
             </a:pPr>
             <a:r>
               <a:rPr lang="he-IL" dirty="0"/>
-              <a:t>שילוב 2 השיטות מעלה</a:t>
+              <a:t>רצים עם אלג' </a:t>
+            </a:r>
+            <a:r>
+              <a:rPr lang="he-IL" dirty="0" err="1"/>
+              <a:t>גנטים</a:t>
+            </a:r>
+            <a:r>
+              <a:rPr lang="he-IL" dirty="0"/>
+              <a:t>.</a:t>
             </a:r>
           </a:p>
           <a:p>
@@ -8813,109 +9071,15 @@
             </a:pPr>
             <a:r>
               <a:rPr lang="he-IL" dirty="0"/>
-              <a:t>בהתחלה יחד עם שיטת ה </a:t>
-            </a:r>
-            <a:r>
-              <a:rPr lang="en-US" dirty="0"/>
-              <a:t>Filter</a:t>
-            </a:r>
-            <a:r>
-              <a:rPr lang="he-IL" dirty="0"/>
-              <a:t> זורקים מאפיינים שאין בהם כלל שימוש ולאחר מכן מפעילים את שיטת ה </a:t>
-            </a:r>
-            <a:r>
-              <a:rPr lang="en-US" dirty="0"/>
-              <a:t>Wrapper</a:t>
-            </a:r>
-            <a:r>
-              <a:rPr lang="he-IL" dirty="0"/>
-              <a:t>.</a:t>
-            </a:r>
-          </a:p>
-          <a:p>
-            <a:pPr marL="514350" indent="-514350">
-              <a:buAutoNum type="arabicPeriod"/>
-            </a:pPr>
-            <a:r>
-              <a:rPr lang="en-US" dirty="0"/>
-              <a:t>Embedded</a:t>
-            </a:r>
-            <a:endParaRPr lang="he-IL" dirty="0"/>
-          </a:p>
-          <a:p>
-            <a:pPr marL="971550" lvl="1" indent="-514350">
-              <a:buAutoNum type="arabicPeriod"/>
-            </a:pPr>
-            <a:r>
-              <a:rPr lang="he-IL" dirty="0"/>
-              <a:t>בשיטה זו, חלק בחירת המאפיינים וחלק הלימוד לא מופרדים. בחירת המאפיינים מתבצעת בזמן הלימוד</a:t>
-            </a:r>
-          </a:p>
-          <a:p>
-            <a:pPr marL="971550" lvl="1" indent="-514350">
-              <a:buAutoNum type="arabicPeriod"/>
-            </a:pPr>
-            <a:r>
-              <a:rPr lang="he-IL" dirty="0"/>
-              <a:t>דוגמאות: </a:t>
-            </a:r>
-            <a:r>
-              <a:rPr lang="en-US" dirty="0"/>
-              <a:t>RFE (Recursive Feature Elimination)</a:t>
-            </a:r>
-            <a:endParaRPr lang="he-IL" dirty="0"/>
-          </a:p>
-          <a:p>
-            <a:pPr marL="1428750" lvl="2" indent="-514350">
-              <a:buAutoNum type="arabicPeriod"/>
-            </a:pPr>
-            <a:r>
-              <a:rPr lang="he-IL" dirty="0"/>
-              <a:t>משתמש ב </a:t>
-            </a:r>
-            <a:r>
-              <a:rPr lang="en-US" dirty="0"/>
-              <a:t>SVM</a:t>
-            </a:r>
-            <a:r>
-              <a:rPr lang="he-IL" dirty="0"/>
-              <a:t>, מתחיל מקבוצת מאפיינים מלאה ובכל הרצה של </a:t>
-            </a:r>
-            <a:r>
-              <a:rPr lang="he-IL" dirty="0" err="1"/>
-              <a:t>האלג</a:t>
-            </a:r>
-            <a:r>
-              <a:rPr lang="he-IL" dirty="0"/>
-              <a:t>', מעיף את המשקל הנמוך יותר.</a:t>
-            </a:r>
-          </a:p>
-          <a:p>
-            <a:pPr marL="1428750" lvl="2" indent="-514350">
-              <a:buAutoNum type="arabicPeriod"/>
-            </a:pPr>
-            <a:r>
-              <a:rPr lang="he-IL" dirty="0"/>
-              <a:t>יש צורך להגדיר את מספר </a:t>
-            </a:r>
-            <a:r>
-              <a:rPr lang="he-IL"/>
-              <a:t>המאפיינים הסופי ?</a:t>
-            </a:r>
-            <a:endParaRPr lang="en-US" dirty="0"/>
-          </a:p>
-          <a:p>
-            <a:pPr marL="914400" lvl="2" indent="0">
-              <a:buNone/>
-            </a:pPr>
-            <a:endParaRPr lang="he-IL" dirty="0"/>
+              <a:t>בסוף בוחרים את התוצאה האופטימלית מבין כל התוצאות</a:t>
+            </a:r>
           </a:p>
         </p:txBody>
       </p:sp>
     </p:spTree>
     <p:extLst>
       <p:ext uri="{BB962C8B-B14F-4D97-AF65-F5344CB8AC3E}">
-        <p14:creationId xmlns:p14="http://schemas.microsoft.com/office/powerpoint/2010/main" val="1109355699"/>
+        <p14:creationId xmlns:p14="http://schemas.microsoft.com/office/powerpoint/2010/main" val="654059144"/>
       </p:ext>
     </p:extLst>
   </p:cSld>

--- a/Presentation/Feature Selection.pptx
+++ b/Presentation/Feature Selection.pptx
@@ -23,13 +23,19 @@
     <p:sldId id="262" r:id="rId17"/>
     <p:sldId id="270" r:id="rId18"/>
     <p:sldId id="277" r:id="rId19"/>
-    <p:sldId id="272" r:id="rId20"/>
-    <p:sldId id="271" r:id="rId21"/>
-    <p:sldId id="274" r:id="rId22"/>
-    <p:sldId id="273" r:id="rId23"/>
-    <p:sldId id="275" r:id="rId24"/>
-    <p:sldId id="278" r:id="rId25"/>
-    <p:sldId id="279" r:id="rId26"/>
+    <p:sldId id="286" r:id="rId20"/>
+    <p:sldId id="272" r:id="rId21"/>
+    <p:sldId id="271" r:id="rId22"/>
+    <p:sldId id="274" r:id="rId23"/>
+    <p:sldId id="273" r:id="rId24"/>
+    <p:sldId id="275" r:id="rId25"/>
+    <p:sldId id="278" r:id="rId26"/>
+    <p:sldId id="279" r:id="rId27"/>
+    <p:sldId id="281" r:id="rId28"/>
+    <p:sldId id="282" r:id="rId29"/>
+    <p:sldId id="283" r:id="rId30"/>
+    <p:sldId id="284" r:id="rId31"/>
+    <p:sldId id="285" r:id="rId32"/>
   </p:sldIdLst>
   <p:sldSz cx="12192000" cy="6858000"/>
   <p:notesSz cx="6858000" cy="9144000"/>
@@ -294,7 +300,7 @@
           <a:p>
             <a:fld id="{D5FA70A3-A6FF-4EAA-B623-AB4CFD6C9082}" type="datetimeFigureOut">
               <a:rPr lang="he-IL" smtClean="0"/>
-              <a:t>ה'/ניסן/תש"פ</a:t>
+              <a:t>ו'/ניסן/תש"פ</a:t>
             </a:fld>
             <a:endParaRPr lang="he-IL"/>
           </a:p>
@@ -492,7 +498,7 @@
           <a:p>
             <a:fld id="{D5FA70A3-A6FF-4EAA-B623-AB4CFD6C9082}" type="datetimeFigureOut">
               <a:rPr lang="he-IL" smtClean="0"/>
-              <a:t>ה'/ניסן/תש"פ</a:t>
+              <a:t>ו'/ניסן/תש"פ</a:t>
             </a:fld>
             <a:endParaRPr lang="he-IL"/>
           </a:p>
@@ -700,7 +706,7 @@
           <a:p>
             <a:fld id="{D5FA70A3-A6FF-4EAA-B623-AB4CFD6C9082}" type="datetimeFigureOut">
               <a:rPr lang="he-IL" smtClean="0"/>
-              <a:t>ה'/ניסן/תש"פ</a:t>
+              <a:t>ו'/ניסן/תש"פ</a:t>
             </a:fld>
             <a:endParaRPr lang="he-IL"/>
           </a:p>
@@ -898,7 +904,7 @@
           <a:p>
             <a:fld id="{D5FA70A3-A6FF-4EAA-B623-AB4CFD6C9082}" type="datetimeFigureOut">
               <a:rPr lang="he-IL" smtClean="0"/>
-              <a:t>ה'/ניסן/תש"פ</a:t>
+              <a:t>ו'/ניסן/תש"פ</a:t>
             </a:fld>
             <a:endParaRPr lang="he-IL"/>
           </a:p>
@@ -1173,7 +1179,7 @@
           <a:p>
             <a:fld id="{D5FA70A3-A6FF-4EAA-B623-AB4CFD6C9082}" type="datetimeFigureOut">
               <a:rPr lang="he-IL" smtClean="0"/>
-              <a:t>ה'/ניסן/תש"פ</a:t>
+              <a:t>ו'/ניסן/תש"פ</a:t>
             </a:fld>
             <a:endParaRPr lang="he-IL"/>
           </a:p>
@@ -1438,7 +1444,7 @@
           <a:p>
             <a:fld id="{D5FA70A3-A6FF-4EAA-B623-AB4CFD6C9082}" type="datetimeFigureOut">
               <a:rPr lang="he-IL" smtClean="0"/>
-              <a:t>ה'/ניסן/תש"פ</a:t>
+              <a:t>ו'/ניסן/תש"פ</a:t>
             </a:fld>
             <a:endParaRPr lang="he-IL"/>
           </a:p>
@@ -1850,7 +1856,7 @@
           <a:p>
             <a:fld id="{D5FA70A3-A6FF-4EAA-B623-AB4CFD6C9082}" type="datetimeFigureOut">
               <a:rPr lang="he-IL" smtClean="0"/>
-              <a:t>ה'/ניסן/תש"פ</a:t>
+              <a:t>ו'/ניסן/תש"פ</a:t>
             </a:fld>
             <a:endParaRPr lang="he-IL"/>
           </a:p>
@@ -1991,7 +1997,7 @@
           <a:p>
             <a:fld id="{D5FA70A3-A6FF-4EAA-B623-AB4CFD6C9082}" type="datetimeFigureOut">
               <a:rPr lang="he-IL" smtClean="0"/>
-              <a:t>ה'/ניסן/תש"פ</a:t>
+              <a:t>ו'/ניסן/תש"פ</a:t>
             </a:fld>
             <a:endParaRPr lang="he-IL"/>
           </a:p>
@@ -2104,7 +2110,7 @@
           <a:p>
             <a:fld id="{D5FA70A3-A6FF-4EAA-B623-AB4CFD6C9082}" type="datetimeFigureOut">
               <a:rPr lang="he-IL" smtClean="0"/>
-              <a:t>ה'/ניסן/תש"פ</a:t>
+              <a:t>ו'/ניסן/תש"פ</a:t>
             </a:fld>
             <a:endParaRPr lang="he-IL"/>
           </a:p>
@@ -2415,7 +2421,7 @@
           <a:p>
             <a:fld id="{D5FA70A3-A6FF-4EAA-B623-AB4CFD6C9082}" type="datetimeFigureOut">
               <a:rPr lang="he-IL" smtClean="0"/>
-              <a:t>ה'/ניסן/תש"פ</a:t>
+              <a:t>ו'/ניסן/תש"פ</a:t>
             </a:fld>
             <a:endParaRPr lang="he-IL"/>
           </a:p>
@@ -2703,7 +2709,7 @@
           <a:p>
             <a:fld id="{D5FA70A3-A6FF-4EAA-B623-AB4CFD6C9082}" type="datetimeFigureOut">
               <a:rPr lang="he-IL" smtClean="0"/>
-              <a:t>ה'/ניסן/תש"פ</a:t>
+              <a:t>ו'/ניסן/תש"פ</a:t>
             </a:fld>
             <a:endParaRPr lang="he-IL"/>
           </a:p>
@@ -2944,7 +2950,7 @@
           <a:p>
             <a:fld id="{D5FA70A3-A6FF-4EAA-B623-AB4CFD6C9082}" type="datetimeFigureOut">
               <a:rPr lang="he-IL" smtClean="0"/>
-              <a:t>ה'/ניסן/תש"פ</a:t>
+              <a:t>ו'/ניסן/תש"פ</a:t>
             </a:fld>
             <a:endParaRPr lang="he-IL"/>
           </a:p>
@@ -5585,8 +5591,75 @@
               <a:t>הכל</a:t>
             </a:r>
             <a:r>
+              <a:rPr lang="he-IL" dirty="0"/>
+              <a:t> ?</a:t>
+            </a:r>
+          </a:p>
+          <a:p>
+            <a:r>
+              <a:rPr lang="en-US" dirty="0"/>
+              <a:t>Lasso</a:t>
+            </a:r>
+            <a:r>
+              <a:rPr lang="he-IL" dirty="0"/>
+              <a:t> לא מתאים ל </a:t>
+            </a:r>
+            <a:r>
+              <a:rPr lang="en-US" dirty="0"/>
+              <a:t>classification</a:t>
+            </a:r>
+            <a:r>
+              <a:rPr lang="he-IL" dirty="0"/>
+              <a:t> ? (ראה </a:t>
+            </a:r>
+            <a:r>
+              <a:rPr lang="en-US" dirty="0" err="1"/>
+              <a:t>cross_val_predict</a:t>
+            </a:r>
+            <a:r>
+              <a:rPr lang="he-IL" dirty="0"/>
+              <a:t>)</a:t>
+            </a:r>
+          </a:p>
+          <a:p>
+            <a:r>
+              <a:rPr lang="he-IL" dirty="0"/>
+              <a:t>כיוונן </a:t>
+            </a:r>
+            <a:r>
+              <a:rPr lang="en-US" dirty="0" err="1"/>
+              <a:t>hyperparmaaters</a:t>
+            </a:r>
+            <a:r>
+              <a:rPr lang="he-IL" dirty="0"/>
+              <a:t> ?</a:t>
+            </a:r>
+            <a:r>
+              <a:rPr lang="en-US" dirty="0"/>
+              <a:t> </a:t>
+            </a:r>
+            <a:r>
+              <a:rPr lang="he-IL" dirty="0"/>
+              <a:t>מתי עושים ? זה יכול להשפיע ב:</a:t>
+            </a:r>
+          </a:p>
+          <a:p>
+            <a:pPr lvl="1"/>
+            <a:r>
+              <a:rPr lang="en-US" dirty="0"/>
+              <a:t>Feature selection (wrapper/embedded)</a:t>
+            </a:r>
+            <a:endParaRPr lang="he-IL" dirty="0"/>
+          </a:p>
+          <a:p>
+            <a:pPr lvl="1"/>
+            <a:r>
               <a:rPr lang="he-IL"/>
-              <a:t> ?</a:t>
+              <a:t>בחירת </a:t>
+            </a:r>
+            <a:r>
+              <a:rPr lang="en-US"/>
+              <a:t>model</a:t>
             </a:r>
             <a:endParaRPr lang="he-IL" dirty="0"/>
           </a:p>
@@ -5627,7 +5700,7 @@
           <p:cNvPr id="2" name="כותרת 1">
             <a:extLst>
               <a:ext uri="{FF2B5EF4-FFF2-40B4-BE49-F238E27FC236}">
-                <a16:creationId xmlns:a16="http://schemas.microsoft.com/office/drawing/2014/main" id="{B6D04E84-D70E-4F19-962B-30D48FBC491D}"/>
+                <a16:creationId xmlns:a16="http://schemas.microsoft.com/office/drawing/2014/main" id="{E4E90D95-673A-44C8-8AF8-5E5B77603F0E}"/>
               </a:ext>
             </a:extLst>
           </p:cNvPr>
@@ -5645,190 +5718,66 @@
           <a:p>
             <a:r>
               <a:rPr lang="he-IL" dirty="0"/>
-              <a:t>תובנות </a:t>
-            </a:r>
+              <a:t>שאלות - 3</a:t>
+            </a:r>
+          </a:p>
+        </p:txBody>
+      </p:sp>
+      <p:sp>
+        <p:nvSpPr>
+          <p:cNvPr id="3" name="מציין מיקום תוכן 2">
+            <a:extLst>
+              <a:ext uri="{FF2B5EF4-FFF2-40B4-BE49-F238E27FC236}">
+                <a16:creationId xmlns:a16="http://schemas.microsoft.com/office/drawing/2014/main" id="{F54A7483-4BFE-4463-B6DF-A252594BD2E4}"/>
+              </a:ext>
+            </a:extLst>
+          </p:cNvPr>
+          <p:cNvSpPr>
+            <a:spLocks noGrp="1"/>
+          </p:cNvSpPr>
+          <p:nvPr>
+            <p:ph idx="1"/>
+          </p:nvPr>
+        </p:nvSpPr>
+        <p:spPr/>
+        <p:txBody>
+          <a:bodyPr/>
+          <a:lstStyle/>
+          <a:p>
             <a:r>
               <a:rPr lang="en-US" dirty="0" err="1"/>
-              <a:t>sklearn</a:t>
-            </a:r>
-            <a:r>
-              <a:rPr lang="he-IL" dirty="0"/>
-              <a:t>	</a:t>
-            </a:r>
-          </a:p>
-        </p:txBody>
-      </p:sp>
-      <p:sp>
-        <p:nvSpPr>
-          <p:cNvPr id="3" name="מציין מיקום תוכן 2">
-            <a:extLst>
-              <a:ext uri="{FF2B5EF4-FFF2-40B4-BE49-F238E27FC236}">
-                <a16:creationId xmlns:a16="http://schemas.microsoft.com/office/drawing/2014/main" id="{C132CF0B-24E0-4C0D-85E7-8DF7FAE63F98}"/>
-              </a:ext>
-            </a:extLst>
-          </p:cNvPr>
-          <p:cNvSpPr>
-            <a:spLocks noGrp="1"/>
-          </p:cNvSpPr>
-          <p:nvPr>
-            <p:ph idx="1"/>
-          </p:nvPr>
-        </p:nvSpPr>
-        <p:spPr/>
-        <p:txBody>
-          <a:bodyPr/>
-          <a:lstStyle/>
-          <a:p>
-            <a:r>
-              <a:rPr lang="he-IL" dirty="0"/>
-              <a:t>לדעתי לא כדאי להשתמש ב </a:t>
-            </a:r>
-            <a:r>
-              <a:rPr lang="en-US" dirty="0"/>
-              <a:t>filter model</a:t>
-            </a:r>
-            <a:r>
-              <a:rPr lang="he-IL" dirty="0"/>
-              <a:t>:</a:t>
+              <a:t>Cross_validate</a:t>
+            </a:r>
+            <a:r>
+              <a:rPr lang="he-IL" dirty="0"/>
+              <a:t> ניתן לתת מספר </a:t>
+            </a:r>
+            <a:r>
+              <a:rPr lang="en-US" dirty="0"/>
+              <a:t>score</a:t>
+            </a:r>
+            <a:r>
+              <a:rPr lang="he-IL" dirty="0"/>
+              <a:t>ים שונים לבחינה</a:t>
             </a:r>
           </a:p>
           <a:p>
             <a:pPr lvl="1"/>
             <a:r>
-              <a:rPr lang="en-US" dirty="0" err="1"/>
-              <a:t>SelectKBest</a:t>
-            </a:r>
-            <a:r>
-              <a:rPr lang="he-IL" dirty="0"/>
-              <a:t> (אשר מקבל את סוג ה </a:t>
-            </a:r>
-            <a:r>
-              <a:rPr lang="en-US" dirty="0" err="1"/>
-              <a:t>filtter</a:t>
-            </a:r>
-            <a:r>
-              <a:rPr lang="en-US" dirty="0"/>
-              <a:t>: </a:t>
-            </a:r>
-            <a:r>
-              <a:rPr lang="en-US" dirty="0" err="1"/>
-              <a:t>correation</a:t>
-            </a:r>
-            <a:r>
-              <a:rPr lang="en-US" dirty="0"/>
-              <a:t>/MI</a:t>
-            </a:r>
-            <a:r>
-              <a:rPr lang="he-IL" dirty="0"/>
-              <a:t> וכד') מקבל גם את מספר ה </a:t>
-            </a:r>
-            <a:r>
-              <a:rPr lang="en-US" dirty="0"/>
-              <a:t>feature</a:t>
-            </a:r>
-            <a:r>
-              <a:rPr lang="he-IL" dirty="0"/>
-              <a:t>ים שעליו להחזיר.</a:t>
-            </a:r>
-          </a:p>
-          <a:p>
-            <a:r>
-              <a:rPr lang="he-IL" dirty="0"/>
-              <a:t>עבור </a:t>
-            </a:r>
-            <a:r>
-              <a:rPr lang="en-US" dirty="0"/>
-              <a:t>filter model</a:t>
-            </a:r>
-            <a:r>
-              <a:rPr lang="he-IL" dirty="0"/>
-              <a:t> לא רואה טעם לבדוק אופציות שונות: </a:t>
-            </a:r>
-            <a:r>
-              <a:rPr lang="en-US" dirty="0" err="1"/>
-              <a:t>corr</a:t>
-            </a:r>
-            <a:r>
-              <a:rPr lang="en-US" dirty="0"/>
-              <a:t>/MI</a:t>
-            </a:r>
-            <a:r>
-              <a:rPr lang="he-IL" dirty="0"/>
-              <a:t> וכד’</a:t>
-            </a:r>
-          </a:p>
-          <a:p>
-            <a:r>
-              <a:rPr lang="en-US" dirty="0"/>
-              <a:t>Wrapper model</a:t>
-            </a:r>
-            <a:endParaRPr lang="he-IL" dirty="0"/>
-          </a:p>
-          <a:p>
-            <a:pPr lvl="1"/>
-            <a:r>
-              <a:rPr lang="he-IL" dirty="0"/>
-              <a:t>אין תמיכה ב </a:t>
-            </a:r>
-            <a:r>
-              <a:rPr lang="en-US" dirty="0"/>
-              <a:t>stepwise regression</a:t>
-            </a:r>
-            <a:r>
-              <a:rPr lang="he-IL" dirty="0"/>
-              <a:t> (כי מבוסס </a:t>
-            </a:r>
-            <a:r>
-              <a:rPr lang="en-US" dirty="0"/>
-              <a:t>p-value</a:t>
-            </a:r>
-            <a:r>
-              <a:rPr lang="he-IL" dirty="0"/>
-              <a:t> שנתמך רק ב </a:t>
-            </a:r>
-            <a:r>
-              <a:rPr lang="en-US" dirty="0"/>
-              <a:t>linear regression</a:t>
-            </a:r>
-            <a:r>
-              <a:rPr lang="he-IL" dirty="0"/>
-              <a:t>)</a:t>
-            </a:r>
-          </a:p>
-          <a:p>
-            <a:r>
-              <a:rPr lang="he-IL" dirty="0"/>
-              <a:t>ניתן להריץ עם </a:t>
-            </a:r>
-            <a:r>
-              <a:rPr lang="en-US" dirty="0" err="1"/>
-              <a:t>n_jobs</a:t>
-            </a:r>
-            <a:r>
-              <a:rPr lang="en-US" dirty="0"/>
-              <a:t>=-1</a:t>
-            </a:r>
-            <a:r>
-              <a:rPr lang="he-IL" dirty="0"/>
-              <a:t> ולנצל מספר ליבות (ב </a:t>
-            </a:r>
-            <a:r>
-              <a:rPr lang="en-US" dirty="0" err="1"/>
-              <a:t>kfold</a:t>
-            </a:r>
-            <a:r>
-              <a:rPr lang="he-IL" dirty="0"/>
-              <a:t>)</a:t>
-            </a:r>
-          </a:p>
-          <a:p>
-            <a:r>
-              <a:rPr lang="en-US" dirty="0" err="1"/>
-              <a:t>SelectFromModel</a:t>
-            </a:r>
-            <a:r>
-              <a:rPr lang="he-IL" dirty="0"/>
-              <a:t> – בחירת תכונות לפי המשקלים שלהם</a:t>
+              <a:rPr lang="he-IL" dirty="0"/>
+              <a:t>למה באמת משנה מדד ה </a:t>
+            </a:r>
+            <a:r>
+              <a:rPr lang="en-US" dirty="0"/>
+              <a:t>score</a:t>
+            </a:r>
+            <a:r>
+              <a:rPr lang="he-IL" dirty="0"/>
+              <a:t> ? כמה זה </a:t>
+            </a:r>
+            <a:r>
+              <a:rPr lang="he-IL"/>
+              <a:t>יכול להשפיע ?</a:t>
             </a:r>
           </a:p>
         </p:txBody>
@@ -5836,7 +5785,7 @@
     </p:spTree>
     <p:extLst>
       <p:ext uri="{BB962C8B-B14F-4D97-AF65-F5344CB8AC3E}">
-        <p14:creationId xmlns:p14="http://schemas.microsoft.com/office/powerpoint/2010/main" val="3385842206"/>
+        <p14:creationId xmlns:p14="http://schemas.microsoft.com/office/powerpoint/2010/main" val="642474511"/>
       </p:ext>
     </p:extLst>
   </p:cSld>
@@ -6013,7 +5962,7 @@
           <p:cNvPr id="2" name="כותרת 1">
             <a:extLst>
               <a:ext uri="{FF2B5EF4-FFF2-40B4-BE49-F238E27FC236}">
-                <a16:creationId xmlns:a16="http://schemas.microsoft.com/office/drawing/2014/main" id="{7DB4387E-7549-4A32-B35D-BC39BE67DCE6}"/>
+                <a16:creationId xmlns:a16="http://schemas.microsoft.com/office/drawing/2014/main" id="{B6D04E84-D70E-4F19-962B-30D48FBC491D}"/>
               </a:ext>
             </a:extLst>
           </p:cNvPr>
@@ -6029,7 +5978,18 @@
           <a:bodyPr/>
           <a:lstStyle/>
           <a:p>
-            <a:endParaRPr lang="he-IL" dirty="0"/>
+            <a:r>
+              <a:rPr lang="he-IL" dirty="0"/>
+              <a:t>תובנות </a:t>
+            </a:r>
+            <a:r>
+              <a:rPr lang="en-US" dirty="0" err="1"/>
+              <a:t>sklearn</a:t>
+            </a:r>
+            <a:r>
+              <a:rPr lang="he-IL" dirty="0"/>
+              <a:t>	</a:t>
+            </a:r>
           </a:p>
         </p:txBody>
       </p:sp>
@@ -6038,7 +5998,7 @@
           <p:cNvPr id="3" name="מציין מיקום תוכן 2">
             <a:extLst>
               <a:ext uri="{FF2B5EF4-FFF2-40B4-BE49-F238E27FC236}">
-                <a16:creationId xmlns:a16="http://schemas.microsoft.com/office/drawing/2014/main" id="{43158B5B-5058-4654-BE9F-0F41E4989A9B}"/>
+                <a16:creationId xmlns:a16="http://schemas.microsoft.com/office/drawing/2014/main" id="{C132CF0B-24E0-4C0D-85E7-8DF7FAE63F98}"/>
               </a:ext>
             </a:extLst>
           </p:cNvPr>
@@ -6051,26 +6011,91 @@
         </p:nvSpPr>
         <p:spPr/>
         <p:txBody>
-          <a:bodyPr>
-            <a:normAutofit fontScale="85000" lnSpcReduction="20000"/>
-          </a:bodyPr>
-          <a:lstStyle/>
-          <a:p>
-            <a:r>
-              <a:rPr lang="en-US" dirty="0"/>
-              <a:t>Logistic Regression</a:t>
-            </a:r>
-            <a:endParaRPr lang="he-IL" dirty="0"/>
+          <a:bodyPr/>
+          <a:lstStyle/>
+          <a:p>
+            <a:r>
+              <a:rPr lang="he-IL" dirty="0"/>
+              <a:t>לדעתי לא כדאי להשתמש ב </a:t>
+            </a:r>
+            <a:r>
+              <a:rPr lang="en-US" dirty="0"/>
+              <a:t>filter model</a:t>
+            </a:r>
+            <a:r>
+              <a:rPr lang="he-IL" dirty="0"/>
+              <a:t>:</a:t>
+            </a:r>
           </a:p>
           <a:p>
             <a:pPr lvl="1"/>
             <a:r>
-              <a:rPr lang="he-IL" dirty="0"/>
-              <a:t>אלג' שבעיקר מתאים לבעיות סיווג </a:t>
-            </a:r>
-            <a:r>
-              <a:rPr lang="he-IL" dirty="0" err="1"/>
-              <a:t>בינאראיות</a:t>
+              <a:rPr lang="en-US" dirty="0" err="1"/>
+              <a:t>SelectKBest</a:t>
+            </a:r>
+            <a:r>
+              <a:rPr lang="he-IL" dirty="0"/>
+              <a:t> (אשר מקבל את סוג ה </a:t>
+            </a:r>
+            <a:r>
+              <a:rPr lang="en-US" dirty="0" err="1"/>
+              <a:t>filtter</a:t>
+            </a:r>
+            <a:r>
+              <a:rPr lang="en-US" dirty="0"/>
+              <a:t>: </a:t>
+            </a:r>
+            <a:r>
+              <a:rPr lang="en-US" dirty="0" err="1"/>
+              <a:t>correation</a:t>
+            </a:r>
+            <a:r>
+              <a:rPr lang="en-US" dirty="0"/>
+              <a:t>/MI</a:t>
+            </a:r>
+            <a:r>
+              <a:rPr lang="he-IL" dirty="0"/>
+              <a:t> וכד') מקבל גם את מספר ה </a:t>
+            </a:r>
+            <a:r>
+              <a:rPr lang="en-US" dirty="0"/>
+              <a:t>feature</a:t>
+            </a:r>
+            <a:r>
+              <a:rPr lang="he-IL" dirty="0"/>
+              <a:t>ים שעליו להחזיר.</a:t>
+            </a:r>
+          </a:p>
+          <a:p>
+            <a:r>
+              <a:rPr lang="he-IL" dirty="0"/>
+              <a:t>עבור </a:t>
+            </a:r>
+            <a:r>
+              <a:rPr lang="en-US" dirty="0"/>
+              <a:t>filter model</a:t>
+            </a:r>
+            <a:r>
+              <a:rPr lang="he-IL" dirty="0"/>
+              <a:t> לא רואה טעם לבדוק אופציות שונות: </a:t>
+            </a:r>
+            <a:r>
+              <a:rPr lang="en-US" dirty="0" err="1"/>
+              <a:t>corr</a:t>
+            </a:r>
+            <a:r>
+              <a:rPr lang="en-US" dirty="0"/>
+              <a:t>/MI</a:t>
+            </a:r>
+            <a:r>
+              <a:rPr lang="he-IL" dirty="0"/>
+              <a:t> וכד’</a:t>
+            </a:r>
+          </a:p>
+          <a:p>
+            <a:r>
+              <a:rPr lang="en-US" dirty="0"/>
+              <a:t>Wrapper model</a:t>
             </a:r>
             <a:endParaRPr lang="he-IL" dirty="0"/>
           </a:p>
@@ -6078,129 +6103,67 @@
             <a:pPr lvl="1"/>
             <a:r>
               <a:rPr lang="he-IL" dirty="0"/>
-              <a:t>שימוש ב </a:t>
-            </a:r>
-            <a:r>
-              <a:rPr lang="en-US" dirty="0"/>
-              <a:t>logit function</a:t>
-            </a:r>
-            <a:r>
-              <a:rPr lang="he-IL" dirty="0"/>
-              <a:t> שהיא </a:t>
-            </a:r>
-            <a:r>
-              <a:rPr lang="en-US" dirty="0"/>
-              <a:t>log(p/1-p)</a:t>
-            </a:r>
-            <a:endParaRPr lang="he-IL" dirty="0"/>
-          </a:p>
-          <a:p>
-            <a:pPr lvl="2"/>
-            <a:endParaRPr lang="he-IL" dirty="0"/>
-          </a:p>
-          <a:p>
+              <a:t>אין תמיכה ב </a:t>
+            </a:r>
+            <a:r>
+              <a:rPr lang="en-US" dirty="0"/>
+              <a:t>stepwise regression</a:t>
+            </a:r>
+            <a:r>
+              <a:rPr lang="he-IL" dirty="0"/>
+              <a:t> (כי מבוסס </a:t>
+            </a:r>
+            <a:r>
+              <a:rPr lang="en-US" dirty="0"/>
+              <a:t>p-value</a:t>
+            </a:r>
+            <a:r>
+              <a:rPr lang="he-IL" dirty="0"/>
+              <a:t> שנתמך רק ב </a:t>
+            </a:r>
+            <a:r>
+              <a:rPr lang="en-US" dirty="0"/>
+              <a:t>linear regression</a:t>
+            </a:r>
+            <a:r>
+              <a:rPr lang="he-IL" dirty="0"/>
+              <a:t>)</a:t>
+            </a:r>
+          </a:p>
+          <a:p>
+            <a:r>
+              <a:rPr lang="he-IL" dirty="0"/>
+              <a:t>ניתן להריץ עם </a:t>
+            </a:r>
             <a:r>
               <a:rPr lang="en-US" dirty="0" err="1"/>
-              <a:t>Logodds</a:t>
-            </a:r>
-            <a:r>
-              <a:rPr lang="he-IL" dirty="0"/>
-              <a:t> – </a:t>
-            </a:r>
-            <a:r>
-              <a:rPr lang="en-US" dirty="0"/>
-              <a:t>log + odds</a:t>
-            </a:r>
-            <a:endParaRPr lang="he-IL" dirty="0"/>
-          </a:p>
-          <a:p>
-            <a:pPr lvl="1"/>
-            <a:r>
-              <a:rPr lang="en-US" dirty="0"/>
-              <a:t>Odds != probability</a:t>
-            </a:r>
-            <a:endParaRPr lang="he-IL" dirty="0"/>
-          </a:p>
-          <a:p>
-            <a:pPr lvl="1"/>
-            <a:r>
-              <a:rPr lang="en-US" dirty="0"/>
-              <a:t>Odds</a:t>
-            </a:r>
-            <a:r>
-              <a:rPr lang="he-IL" dirty="0"/>
-              <a:t> – סיכוי למתרחש חלקי הסיכוי שלא התרחש (4 ניצחונות מול 6 הפסדים)</a:t>
-            </a:r>
-          </a:p>
-          <a:p>
-            <a:pPr lvl="1"/>
-            <a:r>
-              <a:rPr lang="en-US" dirty="0"/>
-              <a:t>Odds = p(ok)/1-p(ok)</a:t>
-            </a:r>
-          </a:p>
-          <a:p>
-            <a:pPr lvl="1"/>
+              <a:t>n_jobs</a:t>
+            </a:r>
+            <a:r>
+              <a:rPr lang="en-US" dirty="0"/>
+              <a:t>=-1</a:t>
+            </a:r>
+            <a:r>
+              <a:rPr lang="he-IL" dirty="0"/>
+              <a:t> ולנצל מספר ליבות (ב </a:t>
+            </a:r>
             <a:r>
               <a:rPr lang="en-US" dirty="0" err="1"/>
-              <a:t>Logodds</a:t>
-            </a:r>
-            <a:r>
-              <a:rPr lang="en-US" dirty="0"/>
-              <a:t> = Log(odds)</a:t>
-            </a:r>
-            <a:endParaRPr lang="he-IL" dirty="0"/>
-          </a:p>
-          <a:p>
-            <a:pPr lvl="2"/>
-            <a:r>
-              <a:rPr lang="he-IL" dirty="0"/>
-              <a:t>ערך שלילי, יותר סיכוי "להפסיד" או </a:t>
-            </a:r>
-            <a:r>
-              <a:rPr lang="he-IL" dirty="0" err="1"/>
-              <a:t>ששיך</a:t>
-            </a:r>
-            <a:r>
-              <a:rPr lang="he-IL" dirty="0"/>
-              <a:t> לקבוצה ב' ולהפך (חיובי)</a:t>
-            </a:r>
-          </a:p>
-          <a:p>
-            <a:pPr lvl="2"/>
-            <a:endParaRPr lang="he-IL" dirty="0"/>
-          </a:p>
-          <a:p>
-            <a:r>
-              <a:rPr lang="en-US" dirty="0"/>
-              <a:t>Gini Impurity</a:t>
-            </a:r>
-          </a:p>
-          <a:p>
-            <a:pPr lvl="1"/>
-            <a:r>
-              <a:rPr lang="he-IL" dirty="0"/>
-              <a:t>חישוב "טומאה" – מה ההסתברות לחלוקת עץ שגויה (ככל שהערך נמוך יותר, כך עדיף להשתמש בתוכנה זו לחלוקה בעץ ברמה </a:t>
-            </a:r>
-            <a:r>
-              <a:rPr lang="he-IL"/>
-              <a:t>גבוהה יותר בעץ)</a:t>
-            </a:r>
-            <a:endParaRPr lang="he-IL" dirty="0"/>
-          </a:p>
-          <a:p>
-            <a:pPr lvl="1"/>
-            <a:r>
-              <a:rPr lang="he-IL" dirty="0"/>
-              <a:t>משתמשים </a:t>
-            </a:r>
-            <a:r>
-              <a:rPr lang="he-IL" dirty="0" err="1"/>
-              <a:t>באלג</a:t>
-            </a:r>
-            <a:r>
-              <a:rPr lang="he-IL" dirty="0"/>
-              <a:t>' עץ בחישובי העלים</a:t>
+              <a:t>kfold</a:t>
+            </a:r>
+            <a:r>
+              <a:rPr lang="he-IL" dirty="0"/>
+              <a:t>)</a:t>
+            </a:r>
+          </a:p>
+          <a:p>
+            <a:r>
+              <a:rPr lang="en-US" dirty="0" err="1"/>
+              <a:t>SelectFromModel</a:t>
+            </a:r>
+            <a:r>
+              <a:rPr lang="he-IL" dirty="0"/>
+              <a:t> – בחירת תכונות לפי המשקלים שלהם</a:t>
             </a:r>
           </a:p>
         </p:txBody>
@@ -6208,7 +6171,7 @@
     </p:spTree>
     <p:extLst>
       <p:ext uri="{BB962C8B-B14F-4D97-AF65-F5344CB8AC3E}">
-        <p14:creationId xmlns:p14="http://schemas.microsoft.com/office/powerpoint/2010/main" val="546938094"/>
+        <p14:creationId xmlns:p14="http://schemas.microsoft.com/office/powerpoint/2010/main" val="3385842206"/>
       </p:ext>
     </p:extLst>
   </p:cSld>
@@ -6240,7 +6203,7 @@
           <p:cNvPr id="2" name="כותרת 1">
             <a:extLst>
               <a:ext uri="{FF2B5EF4-FFF2-40B4-BE49-F238E27FC236}">
-                <a16:creationId xmlns:a16="http://schemas.microsoft.com/office/drawing/2014/main" id="{96632501-42E2-42AF-95AE-976F27B04F71}"/>
+                <a16:creationId xmlns:a16="http://schemas.microsoft.com/office/drawing/2014/main" id="{7DB4387E-7549-4A32-B35D-BC39BE67DCE6}"/>
               </a:ext>
             </a:extLst>
           </p:cNvPr>
@@ -6256,10 +6219,7 @@
           <a:bodyPr/>
           <a:lstStyle/>
           <a:p>
-            <a:r>
-              <a:rPr lang="he-IL" dirty="0"/>
-              <a:t>מושגים - הסתברות</a:t>
-            </a:r>
+            <a:endParaRPr lang="he-IL" dirty="0"/>
           </a:p>
         </p:txBody>
       </p:sp>
@@ -6268,7 +6228,7 @@
           <p:cNvPr id="3" name="מציין מיקום תוכן 2">
             <a:extLst>
               <a:ext uri="{FF2B5EF4-FFF2-40B4-BE49-F238E27FC236}">
-                <a16:creationId xmlns:a16="http://schemas.microsoft.com/office/drawing/2014/main" id="{F8A89D09-DE15-4B7C-8893-E8E6FBC78FA4}"/>
+                <a16:creationId xmlns:a16="http://schemas.microsoft.com/office/drawing/2014/main" id="{43158B5B-5058-4654-BE9F-0F41E4989A9B}"/>
               </a:ext>
             </a:extLst>
           </p:cNvPr>
@@ -6281,80 +6241,156 @@
         </p:nvSpPr>
         <p:spPr/>
         <p:txBody>
-          <a:bodyPr/>
-          <a:lstStyle/>
+          <a:bodyPr>
+            <a:normAutofit fontScale="85000" lnSpcReduction="20000"/>
+          </a:bodyPr>
+          <a:lstStyle/>
+          <a:p>
+            <a:r>
+              <a:rPr lang="en-US" dirty="0"/>
+              <a:t>Logistic Regression</a:t>
+            </a:r>
+            <a:endParaRPr lang="he-IL" dirty="0"/>
+          </a:p>
+          <a:p>
+            <a:pPr lvl="1"/>
+            <a:r>
+              <a:rPr lang="he-IL" dirty="0"/>
+              <a:t>אלג' שבעיקר מתאים לבעיות סיווג </a:t>
+            </a:r>
+            <a:r>
+              <a:rPr lang="he-IL" dirty="0" err="1"/>
+              <a:t>בינאראיות</a:t>
+            </a:r>
+            <a:endParaRPr lang="he-IL" dirty="0"/>
+          </a:p>
+          <a:p>
+            <a:pPr lvl="1"/>
+            <a:r>
+              <a:rPr lang="he-IL" dirty="0"/>
+              <a:t>שימוש ב </a:t>
+            </a:r>
+            <a:r>
+              <a:rPr lang="en-US" dirty="0"/>
+              <a:t>logit function</a:t>
+            </a:r>
+            <a:r>
+              <a:rPr lang="he-IL" dirty="0"/>
+              <a:t> שהיא </a:t>
+            </a:r>
+            <a:r>
+              <a:rPr lang="en-US" dirty="0"/>
+              <a:t>log(p/1-p)</a:t>
+            </a:r>
+            <a:endParaRPr lang="he-IL" dirty="0"/>
+          </a:p>
+          <a:p>
+            <a:pPr lvl="2"/>
+            <a:endParaRPr lang="he-IL" dirty="0"/>
+          </a:p>
           <a:p>
             <a:r>
               <a:rPr lang="en-US" dirty="0" err="1"/>
-              <a:t>Cov</a:t>
-            </a:r>
-            <a:r>
-              <a:rPr lang="en-US" dirty="0"/>
-              <a:t>(</a:t>
-            </a:r>
+              <a:t>Logodds</a:t>
+            </a:r>
+            <a:r>
+              <a:rPr lang="he-IL" dirty="0"/>
+              <a:t> – </a:t>
+            </a:r>
+            <a:r>
+              <a:rPr lang="en-US" dirty="0"/>
+              <a:t>log + odds</a:t>
+            </a:r>
+            <a:endParaRPr lang="he-IL" dirty="0"/>
+          </a:p>
+          <a:p>
+            <a:pPr lvl="1"/>
+            <a:r>
+              <a:rPr lang="en-US" dirty="0"/>
+              <a:t>Odds != probability</a:t>
+            </a:r>
+            <a:endParaRPr lang="he-IL" dirty="0"/>
+          </a:p>
+          <a:p>
+            <a:pPr lvl="1"/>
+            <a:r>
+              <a:rPr lang="en-US" dirty="0"/>
+              <a:t>Odds</a:t>
+            </a:r>
+            <a:r>
+              <a:rPr lang="he-IL" dirty="0"/>
+              <a:t> – סיכוי למתרחש חלקי הסיכוי שלא התרחש (4 ניצחונות מול 6 הפסדים)</a:t>
+            </a:r>
+          </a:p>
+          <a:p>
+            <a:pPr lvl="1"/>
+            <a:r>
+              <a:rPr lang="en-US" dirty="0"/>
+              <a:t>Odds = p(ok)/1-p(ok)</a:t>
+            </a:r>
+          </a:p>
+          <a:p>
+            <a:pPr lvl="1"/>
             <a:r>
               <a:rPr lang="en-US" dirty="0" err="1"/>
-              <a:t>x,y</a:t>
-            </a:r>
-            <a:r>
-              <a:rPr lang="en-US" dirty="0"/>
-              <a:t>)</a:t>
-            </a:r>
-            <a:r>
-              <a:rPr lang="he-IL" dirty="0"/>
-              <a:t> – </a:t>
-            </a:r>
-            <a:r>
-              <a:rPr lang="en-US" dirty="0"/>
-              <a:t>Covariance  </a:t>
-            </a:r>
-            <a:r>
-              <a:rPr lang="he-IL" dirty="0"/>
-              <a:t> (שונות משותפת), מדד לקשר בין 2 משתנים.</a:t>
+              <a:t>Logodds</a:t>
+            </a:r>
+            <a:r>
+              <a:rPr lang="en-US" dirty="0"/>
+              <a:t> = Log(odds)</a:t>
+            </a:r>
+            <a:endParaRPr lang="he-IL" dirty="0"/>
+          </a:p>
+          <a:p>
+            <a:pPr lvl="2"/>
+            <a:r>
+              <a:rPr lang="he-IL" dirty="0"/>
+              <a:t>ערך שלילי, יותר סיכוי "להפסיד" או </a:t>
+            </a:r>
+            <a:r>
+              <a:rPr lang="he-IL" dirty="0" err="1"/>
+              <a:t>ששיך</a:t>
+            </a:r>
+            <a:r>
+              <a:rPr lang="he-IL" dirty="0"/>
+              <a:t> לקבוצה ב' ולהפך (חיובי)</a:t>
+            </a:r>
+          </a:p>
+          <a:p>
+            <a:pPr lvl="2"/>
+            <a:endParaRPr lang="he-IL" dirty="0"/>
+          </a:p>
+          <a:p>
+            <a:r>
+              <a:rPr lang="en-US" dirty="0"/>
+              <a:t>Gini Impurity</a:t>
             </a:r>
           </a:p>
           <a:p>
             <a:pPr lvl="1"/>
             <a:r>
               <a:rPr lang="he-IL" dirty="0"/>
-              <a:t>ערך חיובי -&gt; משתנים באותו כיון </a:t>
+              <a:t>חישוב "טומאה" – מה ההסתברות לחלוקת עץ שגויה (ככל שהערך נמוך יותר, כך עדיף להשתמש בתוכנה זו לחלוקה בעץ ברמה </a:t>
             </a:r>
             <a:r>
               <a:rPr lang="he-IL"/>
-              <a:t>ושלילי להפך</a:t>
-            </a:r>
-            <a:endParaRPr lang="he-IL" dirty="0"/>
-          </a:p>
-          <a:p>
-            <a:r>
-              <a:rPr lang="en-US" dirty="0" err="1"/>
-              <a:t>Cov</a:t>
-            </a:r>
-            <a:r>
-              <a:rPr lang="en-US" dirty="0"/>
-              <a:t>(</a:t>
-            </a:r>
-            <a:r>
-              <a:rPr lang="en-US" dirty="0" err="1"/>
-              <a:t>x,x</a:t>
-            </a:r>
-            <a:r>
-              <a:rPr lang="en-US" dirty="0"/>
-              <a:t>) = variance(x)</a:t>
-            </a:r>
-            <a:r>
-              <a:rPr lang="he-IL" dirty="0"/>
-              <a:t> </a:t>
-            </a:r>
-          </a:p>
-          <a:p>
-            <a:r>
-              <a:rPr lang="en-US" dirty="0"/>
-              <a:t>Covariance  matrix</a:t>
-            </a:r>
-            <a:r>
-              <a:rPr lang="he-IL" dirty="0"/>
-              <a:t> – מטריצה סימטרית שהאלכסון הינו שונות.</a:t>
+              <a:t>גבוהה יותר בעץ)</a:t>
+            </a:r>
+            <a:endParaRPr lang="he-IL" dirty="0"/>
+          </a:p>
+          <a:p>
+            <a:pPr lvl="1"/>
+            <a:r>
+              <a:rPr lang="he-IL" dirty="0"/>
+              <a:t>משתמשים </a:t>
+            </a:r>
+            <a:r>
+              <a:rPr lang="he-IL" dirty="0" err="1"/>
+              <a:t>באלג</a:t>
+            </a:r>
+            <a:r>
+              <a:rPr lang="he-IL" dirty="0"/>
+              <a:t>' עץ בחישובי העלים</a:t>
             </a:r>
           </a:p>
         </p:txBody>
@@ -6362,7 +6398,7 @@
     </p:spTree>
     <p:extLst>
       <p:ext uri="{BB962C8B-B14F-4D97-AF65-F5344CB8AC3E}">
-        <p14:creationId xmlns:p14="http://schemas.microsoft.com/office/powerpoint/2010/main" val="53807840"/>
+        <p14:creationId xmlns:p14="http://schemas.microsoft.com/office/powerpoint/2010/main" val="546938094"/>
       </p:ext>
     </p:extLst>
   </p:cSld>
@@ -6394,7 +6430,7 @@
           <p:cNvPr id="2" name="כותרת 1">
             <a:extLst>
               <a:ext uri="{FF2B5EF4-FFF2-40B4-BE49-F238E27FC236}">
-                <a16:creationId xmlns:a16="http://schemas.microsoft.com/office/drawing/2014/main" id="{5EECF68F-C804-4917-9B95-AB8F72AC1390}"/>
+                <a16:creationId xmlns:a16="http://schemas.microsoft.com/office/drawing/2014/main" id="{96632501-42E2-42AF-95AE-976F27B04F71}"/>
               </a:ext>
             </a:extLst>
           </p:cNvPr>
@@ -6412,7 +6448,7 @@
           <a:p>
             <a:r>
               <a:rPr lang="he-IL" dirty="0"/>
-              <a:t>מושגים להשלמה</a:t>
+              <a:t>מושגים - הסתברות</a:t>
             </a:r>
           </a:p>
         </p:txBody>
@@ -6422,7 +6458,7 @@
           <p:cNvPr id="3" name="מציין מיקום תוכן 2">
             <a:extLst>
               <a:ext uri="{FF2B5EF4-FFF2-40B4-BE49-F238E27FC236}">
-                <a16:creationId xmlns:a16="http://schemas.microsoft.com/office/drawing/2014/main" id="{2DBF896A-F127-462E-9205-DCA9CD225491}"/>
+                <a16:creationId xmlns:a16="http://schemas.microsoft.com/office/drawing/2014/main" id="{F8A89D09-DE15-4B7C-8893-E8E6FBC78FA4}"/>
               </a:ext>
             </a:extLst>
           </p:cNvPr>
@@ -6439,57 +6475,84 @@
           <a:lstStyle/>
           <a:p>
             <a:r>
-              <a:rPr lang="en-US" dirty="0"/>
-              <a:t>Recall</a:t>
-            </a:r>
-          </a:p>
-          <a:p>
-            <a:r>
-              <a:rPr lang="en-US" dirty="0"/>
-              <a:t>F1-score</a:t>
-            </a:r>
-            <a:endParaRPr lang="he-IL" dirty="0"/>
-          </a:p>
-          <a:p>
-            <a:r>
-              <a:rPr lang="en-US" dirty="0"/>
-              <a:t>Back propagation function</a:t>
-            </a:r>
-            <a:endParaRPr lang="he-IL" dirty="0"/>
-          </a:p>
-          <a:p>
-            <a:r>
-              <a:rPr lang="en-US" dirty="0"/>
-              <a:t>Linear Discriminant Analysis</a:t>
-            </a:r>
-            <a:endParaRPr lang="he-IL" dirty="0"/>
+              <a:rPr lang="en-US" dirty="0" err="1"/>
+              <a:t>Cov</a:t>
+            </a:r>
+            <a:r>
+              <a:rPr lang="en-US" dirty="0"/>
+              <a:t>(</a:t>
+            </a:r>
+            <a:r>
+              <a:rPr lang="en-US" dirty="0" err="1"/>
+              <a:t>x,y</a:t>
+            </a:r>
+            <a:r>
+              <a:rPr lang="en-US" dirty="0"/>
+              <a:t>)</a:t>
+            </a:r>
+            <a:r>
+              <a:rPr lang="he-IL" dirty="0"/>
+              <a:t> – </a:t>
+            </a:r>
+            <a:r>
+              <a:rPr lang="en-US" dirty="0"/>
+              <a:t>Covariance  </a:t>
+            </a:r>
+            <a:r>
+              <a:rPr lang="he-IL" dirty="0"/>
+              <a:t> (שונות משותפת), מדד לקשר בין 2 משתנים.</a:t>
+            </a:r>
           </a:p>
           <a:p>
             <a:pPr lvl="1"/>
             <a:r>
               <a:rPr lang="he-IL" dirty="0"/>
-              <a:t>משמש ל </a:t>
-            </a:r>
-            <a:r>
-              <a:rPr lang="en-US" dirty="0"/>
-              <a:t>classify</a:t>
-            </a:r>
-            <a:r>
-              <a:rPr lang="he-IL" dirty="0"/>
-              <a:t> על בסיס </a:t>
-            </a:r>
-            <a:r>
-              <a:rPr lang="en-US" dirty="0"/>
-              <a:t>variance</a:t>
-            </a:r>
-            <a:endParaRPr lang="he-IL" dirty="0"/>
+              <a:t>ערך חיובי -&gt; משתנים באותו כיון </a:t>
+            </a:r>
+            <a:r>
+              <a:rPr lang="he-IL"/>
+              <a:t>ושלילי להפך</a:t>
+            </a:r>
+            <a:endParaRPr lang="he-IL" dirty="0"/>
+          </a:p>
+          <a:p>
+            <a:r>
+              <a:rPr lang="en-US" dirty="0" err="1"/>
+              <a:t>Cov</a:t>
+            </a:r>
+            <a:r>
+              <a:rPr lang="en-US" dirty="0"/>
+              <a:t>(</a:t>
+            </a:r>
+            <a:r>
+              <a:rPr lang="en-US" dirty="0" err="1"/>
+              <a:t>x,x</a:t>
+            </a:r>
+            <a:r>
+              <a:rPr lang="en-US" dirty="0"/>
+              <a:t>) = variance(x)</a:t>
+            </a:r>
+            <a:r>
+              <a:rPr lang="he-IL" dirty="0"/>
+              <a:t> </a:t>
+            </a:r>
+          </a:p>
+          <a:p>
+            <a:r>
+              <a:rPr lang="en-US" dirty="0"/>
+              <a:t>Covariance  matrix</a:t>
+            </a:r>
+            <a:r>
+              <a:rPr lang="he-IL" dirty="0"/>
+              <a:t> – מטריצה סימטרית שהאלכסון הינו שונות.</a:t>
+            </a:r>
           </a:p>
         </p:txBody>
       </p:sp>
     </p:spTree>
     <p:extLst>
       <p:ext uri="{BB962C8B-B14F-4D97-AF65-F5344CB8AC3E}">
-        <p14:creationId xmlns:p14="http://schemas.microsoft.com/office/powerpoint/2010/main" val="958839187"/>
+        <p14:creationId xmlns:p14="http://schemas.microsoft.com/office/powerpoint/2010/main" val="53807840"/>
       </p:ext>
     </p:extLst>
   </p:cSld>
@@ -6518,449 +6581,96 @@
       </p:grpSpPr>
       <p:sp>
         <p:nvSpPr>
-          <p:cNvPr id="4" name="מלבן 3">
-            <a:extLst>
-              <a:ext uri="{FF2B5EF4-FFF2-40B4-BE49-F238E27FC236}">
-                <a16:creationId xmlns:a16="http://schemas.microsoft.com/office/drawing/2014/main" id="{74609AB5-34A0-4526-AABA-E4DE4362E011}"/>
-              </a:ext>
-            </a:extLst>
-          </p:cNvPr>
-          <p:cNvSpPr/>
-          <p:nvPr/>
-        </p:nvSpPr>
-        <p:spPr>
-          <a:xfrm>
-            <a:off x="159798" y="3429000"/>
-            <a:ext cx="1109709" cy="852256"/>
-          </a:xfrm>
-          <a:prstGeom prst="rect">
-            <a:avLst/>
-          </a:prstGeom>
-        </p:spPr>
-        <p:style>
-          <a:lnRef idx="2">
-            <a:schemeClr val="accent1">
-              <a:shade val="50000"/>
-            </a:schemeClr>
-          </a:lnRef>
-          <a:fillRef idx="1">
-            <a:schemeClr val="accent1"/>
-          </a:fillRef>
-          <a:effectRef idx="0">
-            <a:schemeClr val="accent1"/>
-          </a:effectRef>
-          <a:fontRef idx="minor">
-            <a:schemeClr val="lt1"/>
-          </a:fontRef>
-        </p:style>
-        <p:txBody>
-          <a:bodyPr rtlCol="1" anchor="ctr"/>
-          <a:lstStyle/>
-          <a:p>
-            <a:pPr algn="ctr"/>
-            <a:r>
-              <a:rPr lang="en-US" dirty="0"/>
-              <a:t>Handle Empty Values</a:t>
-            </a:r>
-            <a:endParaRPr lang="he-IL" dirty="0"/>
-          </a:p>
-        </p:txBody>
-      </p:sp>
-      <p:sp>
-        <p:nvSpPr>
-          <p:cNvPr id="5" name="מלבן 4">
-            <a:extLst>
-              <a:ext uri="{FF2B5EF4-FFF2-40B4-BE49-F238E27FC236}">
-                <a16:creationId xmlns:a16="http://schemas.microsoft.com/office/drawing/2014/main" id="{E9DD5021-AEF6-441C-8775-E9DC0EF4F8AC}"/>
-              </a:ext>
-            </a:extLst>
-          </p:cNvPr>
-          <p:cNvSpPr/>
-          <p:nvPr/>
-        </p:nvSpPr>
-        <p:spPr>
-          <a:xfrm>
-            <a:off x="1519561" y="3429000"/>
-            <a:ext cx="1109709" cy="852256"/>
-          </a:xfrm>
-          <a:prstGeom prst="rect">
-            <a:avLst/>
-          </a:prstGeom>
-        </p:spPr>
-        <p:style>
-          <a:lnRef idx="2">
-            <a:schemeClr val="accent1">
-              <a:shade val="50000"/>
-            </a:schemeClr>
-          </a:lnRef>
-          <a:fillRef idx="1">
-            <a:schemeClr val="accent1"/>
-          </a:fillRef>
-          <a:effectRef idx="0">
-            <a:schemeClr val="accent1"/>
-          </a:effectRef>
-          <a:fontRef idx="minor">
-            <a:schemeClr val="lt1"/>
-          </a:fontRef>
-        </p:style>
-        <p:txBody>
-          <a:bodyPr rtlCol="1" anchor="ctr"/>
-          <a:lstStyle/>
-          <a:p>
-            <a:pPr algn="ctr"/>
-            <a:r>
-              <a:rPr lang="en-US" dirty="0"/>
-              <a:t>Handle variance</a:t>
-            </a:r>
-            <a:endParaRPr lang="he-IL" dirty="0"/>
-          </a:p>
-        </p:txBody>
-      </p:sp>
-      <p:sp>
-        <p:nvSpPr>
-          <p:cNvPr id="6" name="מלבן 5">
-            <a:extLst>
-              <a:ext uri="{FF2B5EF4-FFF2-40B4-BE49-F238E27FC236}">
-                <a16:creationId xmlns:a16="http://schemas.microsoft.com/office/drawing/2014/main" id="{F455A1AA-6082-4A3E-9532-8B7DFC1574DF}"/>
-              </a:ext>
-            </a:extLst>
-          </p:cNvPr>
-          <p:cNvSpPr/>
-          <p:nvPr/>
-        </p:nvSpPr>
-        <p:spPr>
-          <a:xfrm>
-            <a:off x="3882501" y="1642939"/>
-            <a:ext cx="1109709" cy="852256"/>
-          </a:xfrm>
-          <a:prstGeom prst="rect">
-            <a:avLst/>
-          </a:prstGeom>
-        </p:spPr>
-        <p:style>
-          <a:lnRef idx="2">
-            <a:schemeClr val="accent1">
-              <a:shade val="50000"/>
-            </a:schemeClr>
-          </a:lnRef>
-          <a:fillRef idx="1">
-            <a:schemeClr val="accent1"/>
-          </a:fillRef>
-          <a:effectRef idx="0">
-            <a:schemeClr val="accent1"/>
-          </a:effectRef>
-          <a:fontRef idx="minor">
-            <a:schemeClr val="lt1"/>
-          </a:fontRef>
-        </p:style>
-        <p:txBody>
-          <a:bodyPr rtlCol="1" anchor="ctr"/>
-          <a:lstStyle/>
-          <a:p>
-            <a:pPr algn="ctr"/>
-            <a:r>
-              <a:rPr lang="en-US" dirty="0"/>
-              <a:t>Discretization</a:t>
-            </a:r>
-            <a:endParaRPr lang="he-IL" dirty="0"/>
-          </a:p>
-        </p:txBody>
-      </p:sp>
-      <p:sp>
-        <p:nvSpPr>
-          <p:cNvPr id="7" name="מלבן 6">
-            <a:extLst>
-              <a:ext uri="{FF2B5EF4-FFF2-40B4-BE49-F238E27FC236}">
-                <a16:creationId xmlns:a16="http://schemas.microsoft.com/office/drawing/2014/main" id="{C5792502-C08D-4F48-AA09-8F4286D5944F}"/>
-              </a:ext>
-            </a:extLst>
-          </p:cNvPr>
-          <p:cNvSpPr/>
-          <p:nvPr/>
-        </p:nvSpPr>
-        <p:spPr>
-          <a:xfrm>
-            <a:off x="5442014" y="1642939"/>
-            <a:ext cx="1109709" cy="852256"/>
-          </a:xfrm>
-          <a:prstGeom prst="rect">
-            <a:avLst/>
-          </a:prstGeom>
-        </p:spPr>
-        <p:style>
-          <a:lnRef idx="2">
-            <a:schemeClr val="accent1">
-              <a:shade val="50000"/>
-            </a:schemeClr>
-          </a:lnRef>
-          <a:fillRef idx="1">
-            <a:schemeClr val="accent1"/>
-          </a:fillRef>
-          <a:effectRef idx="0">
-            <a:schemeClr val="accent1"/>
-          </a:effectRef>
-          <a:fontRef idx="minor">
-            <a:schemeClr val="lt1"/>
-          </a:fontRef>
-        </p:style>
-        <p:txBody>
-          <a:bodyPr rtlCol="1" anchor="ctr"/>
-          <a:lstStyle/>
-          <a:p>
-            <a:pPr algn="ctr"/>
-            <a:r>
-              <a:rPr lang="en-US" dirty="0" err="1"/>
-              <a:t>Enum</a:t>
-            </a:r>
-            <a:endParaRPr lang="he-IL" dirty="0"/>
-          </a:p>
-        </p:txBody>
-      </p:sp>
-      <p:sp>
-        <p:nvSpPr>
-          <p:cNvPr id="8" name="מלבן 7">
-            <a:extLst>
-              <a:ext uri="{FF2B5EF4-FFF2-40B4-BE49-F238E27FC236}">
-                <a16:creationId xmlns:a16="http://schemas.microsoft.com/office/drawing/2014/main" id="{144FAF8B-F585-439C-8E89-B59AED2B9610}"/>
-              </a:ext>
-            </a:extLst>
-          </p:cNvPr>
-          <p:cNvSpPr/>
-          <p:nvPr/>
-        </p:nvSpPr>
-        <p:spPr>
-          <a:xfrm>
-            <a:off x="7121374" y="1642939"/>
-            <a:ext cx="1109709" cy="852256"/>
-          </a:xfrm>
-          <a:prstGeom prst="rect">
-            <a:avLst/>
-          </a:prstGeom>
-        </p:spPr>
-        <p:style>
-          <a:lnRef idx="2">
-            <a:schemeClr val="accent1">
-              <a:shade val="50000"/>
-            </a:schemeClr>
-          </a:lnRef>
-          <a:fillRef idx="1">
-            <a:schemeClr val="accent1"/>
-          </a:fillRef>
-          <a:effectRef idx="0">
-            <a:schemeClr val="accent1"/>
-          </a:effectRef>
-          <a:fontRef idx="minor">
-            <a:schemeClr val="lt1"/>
-          </a:fontRef>
-        </p:style>
-        <p:txBody>
-          <a:bodyPr rtlCol="1" anchor="ctr"/>
-          <a:lstStyle/>
-          <a:p>
-            <a:pPr algn="ctr"/>
-            <a:r>
-              <a:rPr lang="en-US" dirty="0"/>
-              <a:t>FS</a:t>
-            </a:r>
-            <a:endParaRPr lang="he-IL" dirty="0"/>
-          </a:p>
-        </p:txBody>
-      </p:sp>
-      <p:sp>
-        <p:nvSpPr>
-          <p:cNvPr id="9" name="מלבן 8">
-            <a:extLst>
-              <a:ext uri="{FF2B5EF4-FFF2-40B4-BE49-F238E27FC236}">
-                <a16:creationId xmlns:a16="http://schemas.microsoft.com/office/drawing/2014/main" id="{93920802-7B02-401C-A236-795F3187EBC5}"/>
-              </a:ext>
-            </a:extLst>
-          </p:cNvPr>
-          <p:cNvSpPr/>
-          <p:nvPr/>
-        </p:nvSpPr>
-        <p:spPr>
-          <a:xfrm>
-            <a:off x="8623179" y="1642939"/>
-            <a:ext cx="1109709" cy="852256"/>
-          </a:xfrm>
-          <a:prstGeom prst="rect">
-            <a:avLst/>
-          </a:prstGeom>
-        </p:spPr>
-        <p:style>
-          <a:lnRef idx="2">
-            <a:schemeClr val="accent1">
-              <a:shade val="50000"/>
-            </a:schemeClr>
-          </a:lnRef>
-          <a:fillRef idx="1">
-            <a:schemeClr val="accent1"/>
-          </a:fillRef>
-          <a:effectRef idx="0">
-            <a:schemeClr val="accent1"/>
-          </a:effectRef>
-          <a:fontRef idx="minor">
-            <a:schemeClr val="lt1"/>
-          </a:fontRef>
-        </p:style>
-        <p:txBody>
-          <a:bodyPr rtlCol="1" anchor="ctr"/>
-          <a:lstStyle/>
-          <a:p>
-            <a:pPr algn="ctr"/>
-            <a:r>
-              <a:rPr lang="en-US" dirty="0"/>
-              <a:t>ALG</a:t>
-            </a:r>
-            <a:endParaRPr lang="he-IL" dirty="0"/>
-          </a:p>
-        </p:txBody>
-      </p:sp>
-      <p:sp>
-        <p:nvSpPr>
-          <p:cNvPr id="10" name="מלבן 9">
-            <a:extLst>
-              <a:ext uri="{FF2B5EF4-FFF2-40B4-BE49-F238E27FC236}">
-                <a16:creationId xmlns:a16="http://schemas.microsoft.com/office/drawing/2014/main" id="{5E9FC044-CAB1-40B3-AB95-441195FD6077}"/>
-              </a:ext>
-            </a:extLst>
-          </p:cNvPr>
-          <p:cNvSpPr/>
-          <p:nvPr/>
-        </p:nvSpPr>
-        <p:spPr>
-          <a:xfrm>
-            <a:off x="9920056" y="1642939"/>
-            <a:ext cx="1109709" cy="852256"/>
-          </a:xfrm>
-          <a:prstGeom prst="rect">
-            <a:avLst/>
-          </a:prstGeom>
-        </p:spPr>
-        <p:style>
-          <a:lnRef idx="2">
-            <a:schemeClr val="accent1">
-              <a:shade val="50000"/>
-            </a:schemeClr>
-          </a:lnRef>
-          <a:fillRef idx="1">
-            <a:schemeClr val="accent1"/>
-          </a:fillRef>
-          <a:effectRef idx="0">
-            <a:schemeClr val="accent1"/>
-          </a:effectRef>
-          <a:fontRef idx="minor">
-            <a:schemeClr val="lt1"/>
-          </a:fontRef>
-        </p:style>
-        <p:txBody>
-          <a:bodyPr rtlCol="1" anchor="ctr"/>
-          <a:lstStyle/>
-          <a:p>
-            <a:pPr algn="ctr"/>
-            <a:r>
-              <a:rPr lang="en-US" dirty="0"/>
-              <a:t>SCORE</a:t>
-            </a:r>
-            <a:endParaRPr lang="he-IL" dirty="0"/>
-          </a:p>
-        </p:txBody>
-      </p:sp>
-      <p:sp>
-        <p:nvSpPr>
-          <p:cNvPr id="11" name="מלבן 10">
-            <a:extLst>
-              <a:ext uri="{FF2B5EF4-FFF2-40B4-BE49-F238E27FC236}">
-                <a16:creationId xmlns:a16="http://schemas.microsoft.com/office/drawing/2014/main" id="{F2DA0E8C-25FD-4020-8F82-69843E774E23}"/>
-              </a:ext>
-            </a:extLst>
-          </p:cNvPr>
-          <p:cNvSpPr/>
-          <p:nvPr/>
-        </p:nvSpPr>
-        <p:spPr>
-          <a:xfrm>
-            <a:off x="11216933" y="1642939"/>
-            <a:ext cx="1109709" cy="852256"/>
-          </a:xfrm>
-          <a:prstGeom prst="rect">
-            <a:avLst/>
-          </a:prstGeom>
-        </p:spPr>
-        <p:style>
-          <a:lnRef idx="2">
-            <a:schemeClr val="accent1">
-              <a:shade val="50000"/>
-            </a:schemeClr>
-          </a:lnRef>
-          <a:fillRef idx="1">
-            <a:schemeClr val="accent1"/>
-          </a:fillRef>
-          <a:effectRef idx="0">
-            <a:schemeClr val="accent1"/>
-          </a:effectRef>
-          <a:fontRef idx="minor">
-            <a:schemeClr val="lt1"/>
-          </a:fontRef>
-        </p:style>
-        <p:txBody>
-          <a:bodyPr rtlCol="1" anchor="ctr"/>
-          <a:lstStyle/>
-          <a:p>
-            <a:pPr algn="ctr"/>
-            <a:r>
-              <a:rPr lang="en-US" dirty="0"/>
-              <a:t>RESULT</a:t>
-            </a:r>
-            <a:endParaRPr lang="he-IL" dirty="0"/>
-          </a:p>
-        </p:txBody>
-      </p:sp>
-      <p:sp>
-        <p:nvSpPr>
-          <p:cNvPr id="12" name="מלבן 11">
-            <a:extLst>
-              <a:ext uri="{FF2B5EF4-FFF2-40B4-BE49-F238E27FC236}">
-                <a16:creationId xmlns:a16="http://schemas.microsoft.com/office/drawing/2014/main" id="{47E76C13-4B61-4E05-B82D-64A274AF8A75}"/>
-              </a:ext>
-            </a:extLst>
-          </p:cNvPr>
-          <p:cNvSpPr/>
-          <p:nvPr/>
-        </p:nvSpPr>
-        <p:spPr>
-          <a:xfrm>
-            <a:off x="2879324" y="3429000"/>
-            <a:ext cx="1109709" cy="852256"/>
-          </a:xfrm>
-          <a:prstGeom prst="rect">
-            <a:avLst/>
-          </a:prstGeom>
-        </p:spPr>
-        <p:style>
-          <a:lnRef idx="2">
-            <a:schemeClr val="accent1">
-              <a:shade val="50000"/>
-            </a:schemeClr>
-          </a:lnRef>
-          <a:fillRef idx="1">
-            <a:schemeClr val="accent1"/>
-          </a:fillRef>
-          <a:effectRef idx="0">
-            <a:schemeClr val="accent1"/>
-          </a:effectRef>
-          <a:fontRef idx="minor">
-            <a:schemeClr val="lt1"/>
-          </a:fontRef>
-        </p:style>
-        <p:txBody>
-          <a:bodyPr rtlCol="1" anchor="ctr"/>
-          <a:lstStyle/>
-          <a:p>
-            <a:pPr algn="ctr"/>
-            <a:r>
-              <a:rPr lang="en-US" dirty="0"/>
-              <a:t>Feature Scaling</a:t>
+          <p:cNvPr id="2" name="כותרת 1">
+            <a:extLst>
+              <a:ext uri="{FF2B5EF4-FFF2-40B4-BE49-F238E27FC236}">
+                <a16:creationId xmlns:a16="http://schemas.microsoft.com/office/drawing/2014/main" id="{5EECF68F-C804-4917-9B95-AB8F72AC1390}"/>
+              </a:ext>
+            </a:extLst>
+          </p:cNvPr>
+          <p:cNvSpPr>
+            <a:spLocks noGrp="1"/>
+          </p:cNvSpPr>
+          <p:nvPr>
+            <p:ph type="title"/>
+          </p:nvPr>
+        </p:nvSpPr>
+        <p:spPr/>
+        <p:txBody>
+          <a:bodyPr/>
+          <a:lstStyle/>
+          <a:p>
+            <a:r>
+              <a:rPr lang="he-IL" dirty="0"/>
+              <a:t>מושגים להשלמה</a:t>
+            </a:r>
+          </a:p>
+        </p:txBody>
+      </p:sp>
+      <p:sp>
+        <p:nvSpPr>
+          <p:cNvPr id="3" name="מציין מיקום תוכן 2">
+            <a:extLst>
+              <a:ext uri="{FF2B5EF4-FFF2-40B4-BE49-F238E27FC236}">
+                <a16:creationId xmlns:a16="http://schemas.microsoft.com/office/drawing/2014/main" id="{2DBF896A-F127-462E-9205-DCA9CD225491}"/>
+              </a:ext>
+            </a:extLst>
+          </p:cNvPr>
+          <p:cNvSpPr>
+            <a:spLocks noGrp="1"/>
+          </p:cNvSpPr>
+          <p:nvPr>
+            <p:ph idx="1"/>
+          </p:nvPr>
+        </p:nvSpPr>
+        <p:spPr/>
+        <p:txBody>
+          <a:bodyPr/>
+          <a:lstStyle/>
+          <a:p>
+            <a:r>
+              <a:rPr lang="en-US" dirty="0"/>
+              <a:t>Recall</a:t>
+            </a:r>
+          </a:p>
+          <a:p>
+            <a:r>
+              <a:rPr lang="en-US" dirty="0"/>
+              <a:t>F1-score</a:t>
+            </a:r>
+            <a:endParaRPr lang="he-IL" dirty="0"/>
+          </a:p>
+          <a:p>
+            <a:r>
+              <a:rPr lang="en-US" dirty="0"/>
+              <a:t>Back propagation function</a:t>
+            </a:r>
+            <a:endParaRPr lang="he-IL" dirty="0"/>
+          </a:p>
+          <a:p>
+            <a:r>
+              <a:rPr lang="en-US" dirty="0"/>
+              <a:t>Linear Discriminant Analysis</a:t>
+            </a:r>
+            <a:endParaRPr lang="he-IL" dirty="0"/>
+          </a:p>
+          <a:p>
+            <a:pPr lvl="1"/>
+            <a:r>
+              <a:rPr lang="he-IL" dirty="0"/>
+              <a:t>משמש ל </a:t>
+            </a:r>
+            <a:r>
+              <a:rPr lang="en-US" dirty="0"/>
+              <a:t>classify</a:t>
+            </a:r>
+            <a:r>
+              <a:rPr lang="he-IL" dirty="0"/>
+              <a:t> על בסיס </a:t>
+            </a:r>
+            <a:r>
+              <a:rPr lang="en-US" dirty="0"/>
+              <a:t>variance</a:t>
             </a:r>
             <a:endParaRPr lang="he-IL" dirty="0"/>
           </a:p>
@@ -6969,7 +6679,7 @@
     </p:spTree>
     <p:extLst>
       <p:ext uri="{BB962C8B-B14F-4D97-AF65-F5344CB8AC3E}">
-        <p14:creationId xmlns:p14="http://schemas.microsoft.com/office/powerpoint/2010/main" val="1488967984"/>
+        <p14:creationId xmlns:p14="http://schemas.microsoft.com/office/powerpoint/2010/main" val="958839187"/>
       </p:ext>
     </p:extLst>
   </p:cSld>
@@ -6996,6 +6706,486 @@
           <a:chExt cx="0" cy="0"/>
         </a:xfrm>
       </p:grpSpPr>
+      <p:sp>
+        <p:nvSpPr>
+          <p:cNvPr id="4" name="מלבן 3">
+            <a:extLst>
+              <a:ext uri="{FF2B5EF4-FFF2-40B4-BE49-F238E27FC236}">
+                <a16:creationId xmlns:a16="http://schemas.microsoft.com/office/drawing/2014/main" id="{74609AB5-34A0-4526-AABA-E4DE4362E011}"/>
+              </a:ext>
+            </a:extLst>
+          </p:cNvPr>
+          <p:cNvSpPr/>
+          <p:nvPr/>
+        </p:nvSpPr>
+        <p:spPr>
+          <a:xfrm>
+            <a:off x="159798" y="3429000"/>
+            <a:ext cx="1109709" cy="852256"/>
+          </a:xfrm>
+          <a:prstGeom prst="rect">
+            <a:avLst/>
+          </a:prstGeom>
+        </p:spPr>
+        <p:style>
+          <a:lnRef idx="2">
+            <a:schemeClr val="accent1">
+              <a:shade val="50000"/>
+            </a:schemeClr>
+          </a:lnRef>
+          <a:fillRef idx="1">
+            <a:schemeClr val="accent1"/>
+          </a:fillRef>
+          <a:effectRef idx="0">
+            <a:schemeClr val="accent1"/>
+          </a:effectRef>
+          <a:fontRef idx="minor">
+            <a:schemeClr val="lt1"/>
+          </a:fontRef>
+        </p:style>
+        <p:txBody>
+          <a:bodyPr rtlCol="1" anchor="ctr"/>
+          <a:lstStyle/>
+          <a:p>
+            <a:pPr algn="ctr"/>
+            <a:r>
+              <a:rPr lang="en-US" dirty="0"/>
+              <a:t>Handle Empty Values</a:t>
+            </a:r>
+            <a:endParaRPr lang="he-IL" dirty="0"/>
+          </a:p>
+        </p:txBody>
+      </p:sp>
+      <p:sp>
+        <p:nvSpPr>
+          <p:cNvPr id="5" name="מלבן 4">
+            <a:extLst>
+              <a:ext uri="{FF2B5EF4-FFF2-40B4-BE49-F238E27FC236}">
+                <a16:creationId xmlns:a16="http://schemas.microsoft.com/office/drawing/2014/main" id="{E9DD5021-AEF6-441C-8775-E9DC0EF4F8AC}"/>
+              </a:ext>
+            </a:extLst>
+          </p:cNvPr>
+          <p:cNvSpPr/>
+          <p:nvPr/>
+        </p:nvSpPr>
+        <p:spPr>
+          <a:xfrm>
+            <a:off x="1519561" y="3429000"/>
+            <a:ext cx="1109709" cy="852256"/>
+          </a:xfrm>
+          <a:prstGeom prst="rect">
+            <a:avLst/>
+          </a:prstGeom>
+        </p:spPr>
+        <p:style>
+          <a:lnRef idx="2">
+            <a:schemeClr val="accent1">
+              <a:shade val="50000"/>
+            </a:schemeClr>
+          </a:lnRef>
+          <a:fillRef idx="1">
+            <a:schemeClr val="accent1"/>
+          </a:fillRef>
+          <a:effectRef idx="0">
+            <a:schemeClr val="accent1"/>
+          </a:effectRef>
+          <a:fontRef idx="minor">
+            <a:schemeClr val="lt1"/>
+          </a:fontRef>
+        </p:style>
+        <p:txBody>
+          <a:bodyPr rtlCol="1" anchor="ctr"/>
+          <a:lstStyle/>
+          <a:p>
+            <a:pPr algn="ctr"/>
+            <a:r>
+              <a:rPr lang="en-US" dirty="0"/>
+              <a:t>Handle variance</a:t>
+            </a:r>
+            <a:endParaRPr lang="he-IL" dirty="0"/>
+          </a:p>
+        </p:txBody>
+      </p:sp>
+      <p:sp>
+        <p:nvSpPr>
+          <p:cNvPr id="6" name="מלבן 5">
+            <a:extLst>
+              <a:ext uri="{FF2B5EF4-FFF2-40B4-BE49-F238E27FC236}">
+                <a16:creationId xmlns:a16="http://schemas.microsoft.com/office/drawing/2014/main" id="{F455A1AA-6082-4A3E-9532-8B7DFC1574DF}"/>
+              </a:ext>
+            </a:extLst>
+          </p:cNvPr>
+          <p:cNvSpPr/>
+          <p:nvPr/>
+        </p:nvSpPr>
+        <p:spPr>
+          <a:xfrm>
+            <a:off x="3882501" y="1642939"/>
+            <a:ext cx="1109709" cy="852256"/>
+          </a:xfrm>
+          <a:prstGeom prst="rect">
+            <a:avLst/>
+          </a:prstGeom>
+        </p:spPr>
+        <p:style>
+          <a:lnRef idx="2">
+            <a:schemeClr val="accent1">
+              <a:shade val="50000"/>
+            </a:schemeClr>
+          </a:lnRef>
+          <a:fillRef idx="1">
+            <a:schemeClr val="accent1"/>
+          </a:fillRef>
+          <a:effectRef idx="0">
+            <a:schemeClr val="accent1"/>
+          </a:effectRef>
+          <a:fontRef idx="minor">
+            <a:schemeClr val="lt1"/>
+          </a:fontRef>
+        </p:style>
+        <p:txBody>
+          <a:bodyPr rtlCol="1" anchor="ctr"/>
+          <a:lstStyle/>
+          <a:p>
+            <a:pPr algn="ctr"/>
+            <a:r>
+              <a:rPr lang="en-US" dirty="0"/>
+              <a:t>Discretization</a:t>
+            </a:r>
+            <a:endParaRPr lang="he-IL" dirty="0"/>
+          </a:p>
+        </p:txBody>
+      </p:sp>
+      <p:sp>
+        <p:nvSpPr>
+          <p:cNvPr id="7" name="מלבן 6">
+            <a:extLst>
+              <a:ext uri="{FF2B5EF4-FFF2-40B4-BE49-F238E27FC236}">
+                <a16:creationId xmlns:a16="http://schemas.microsoft.com/office/drawing/2014/main" id="{C5792502-C08D-4F48-AA09-8F4286D5944F}"/>
+              </a:ext>
+            </a:extLst>
+          </p:cNvPr>
+          <p:cNvSpPr/>
+          <p:nvPr/>
+        </p:nvSpPr>
+        <p:spPr>
+          <a:xfrm>
+            <a:off x="5442014" y="1642939"/>
+            <a:ext cx="1109709" cy="852256"/>
+          </a:xfrm>
+          <a:prstGeom prst="rect">
+            <a:avLst/>
+          </a:prstGeom>
+        </p:spPr>
+        <p:style>
+          <a:lnRef idx="2">
+            <a:schemeClr val="accent1">
+              <a:shade val="50000"/>
+            </a:schemeClr>
+          </a:lnRef>
+          <a:fillRef idx="1">
+            <a:schemeClr val="accent1"/>
+          </a:fillRef>
+          <a:effectRef idx="0">
+            <a:schemeClr val="accent1"/>
+          </a:effectRef>
+          <a:fontRef idx="minor">
+            <a:schemeClr val="lt1"/>
+          </a:fontRef>
+        </p:style>
+        <p:txBody>
+          <a:bodyPr rtlCol="1" anchor="ctr"/>
+          <a:lstStyle/>
+          <a:p>
+            <a:pPr algn="ctr"/>
+            <a:r>
+              <a:rPr lang="en-US" dirty="0" err="1"/>
+              <a:t>Enum</a:t>
+            </a:r>
+            <a:endParaRPr lang="he-IL" dirty="0"/>
+          </a:p>
+        </p:txBody>
+      </p:sp>
+      <p:sp>
+        <p:nvSpPr>
+          <p:cNvPr id="8" name="מלבן 7">
+            <a:extLst>
+              <a:ext uri="{FF2B5EF4-FFF2-40B4-BE49-F238E27FC236}">
+                <a16:creationId xmlns:a16="http://schemas.microsoft.com/office/drawing/2014/main" id="{144FAF8B-F585-439C-8E89-B59AED2B9610}"/>
+              </a:ext>
+            </a:extLst>
+          </p:cNvPr>
+          <p:cNvSpPr/>
+          <p:nvPr/>
+        </p:nvSpPr>
+        <p:spPr>
+          <a:xfrm>
+            <a:off x="7121374" y="1642939"/>
+            <a:ext cx="1109709" cy="852256"/>
+          </a:xfrm>
+          <a:prstGeom prst="rect">
+            <a:avLst/>
+          </a:prstGeom>
+        </p:spPr>
+        <p:style>
+          <a:lnRef idx="2">
+            <a:schemeClr val="accent1">
+              <a:shade val="50000"/>
+            </a:schemeClr>
+          </a:lnRef>
+          <a:fillRef idx="1">
+            <a:schemeClr val="accent1"/>
+          </a:fillRef>
+          <a:effectRef idx="0">
+            <a:schemeClr val="accent1"/>
+          </a:effectRef>
+          <a:fontRef idx="minor">
+            <a:schemeClr val="lt1"/>
+          </a:fontRef>
+        </p:style>
+        <p:txBody>
+          <a:bodyPr rtlCol="1" anchor="ctr"/>
+          <a:lstStyle/>
+          <a:p>
+            <a:pPr algn="ctr"/>
+            <a:r>
+              <a:rPr lang="en-US" dirty="0"/>
+              <a:t>FS</a:t>
+            </a:r>
+            <a:endParaRPr lang="he-IL" dirty="0"/>
+          </a:p>
+        </p:txBody>
+      </p:sp>
+      <p:sp>
+        <p:nvSpPr>
+          <p:cNvPr id="9" name="מלבן 8">
+            <a:extLst>
+              <a:ext uri="{FF2B5EF4-FFF2-40B4-BE49-F238E27FC236}">
+                <a16:creationId xmlns:a16="http://schemas.microsoft.com/office/drawing/2014/main" id="{93920802-7B02-401C-A236-795F3187EBC5}"/>
+              </a:ext>
+            </a:extLst>
+          </p:cNvPr>
+          <p:cNvSpPr/>
+          <p:nvPr/>
+        </p:nvSpPr>
+        <p:spPr>
+          <a:xfrm>
+            <a:off x="8623179" y="1642939"/>
+            <a:ext cx="1109709" cy="852256"/>
+          </a:xfrm>
+          <a:prstGeom prst="rect">
+            <a:avLst/>
+          </a:prstGeom>
+        </p:spPr>
+        <p:style>
+          <a:lnRef idx="2">
+            <a:schemeClr val="accent1">
+              <a:shade val="50000"/>
+            </a:schemeClr>
+          </a:lnRef>
+          <a:fillRef idx="1">
+            <a:schemeClr val="accent1"/>
+          </a:fillRef>
+          <a:effectRef idx="0">
+            <a:schemeClr val="accent1"/>
+          </a:effectRef>
+          <a:fontRef idx="minor">
+            <a:schemeClr val="lt1"/>
+          </a:fontRef>
+        </p:style>
+        <p:txBody>
+          <a:bodyPr rtlCol="1" anchor="ctr"/>
+          <a:lstStyle/>
+          <a:p>
+            <a:pPr algn="ctr"/>
+            <a:r>
+              <a:rPr lang="en-US" dirty="0"/>
+              <a:t>ALG</a:t>
+            </a:r>
+            <a:endParaRPr lang="he-IL" dirty="0"/>
+          </a:p>
+        </p:txBody>
+      </p:sp>
+      <p:sp>
+        <p:nvSpPr>
+          <p:cNvPr id="10" name="מלבן 9">
+            <a:extLst>
+              <a:ext uri="{FF2B5EF4-FFF2-40B4-BE49-F238E27FC236}">
+                <a16:creationId xmlns:a16="http://schemas.microsoft.com/office/drawing/2014/main" id="{5E9FC044-CAB1-40B3-AB95-441195FD6077}"/>
+              </a:ext>
+            </a:extLst>
+          </p:cNvPr>
+          <p:cNvSpPr/>
+          <p:nvPr/>
+        </p:nvSpPr>
+        <p:spPr>
+          <a:xfrm>
+            <a:off x="9920056" y="1642939"/>
+            <a:ext cx="1109709" cy="852256"/>
+          </a:xfrm>
+          <a:prstGeom prst="rect">
+            <a:avLst/>
+          </a:prstGeom>
+        </p:spPr>
+        <p:style>
+          <a:lnRef idx="2">
+            <a:schemeClr val="accent1">
+              <a:shade val="50000"/>
+            </a:schemeClr>
+          </a:lnRef>
+          <a:fillRef idx="1">
+            <a:schemeClr val="accent1"/>
+          </a:fillRef>
+          <a:effectRef idx="0">
+            <a:schemeClr val="accent1"/>
+          </a:effectRef>
+          <a:fontRef idx="minor">
+            <a:schemeClr val="lt1"/>
+          </a:fontRef>
+        </p:style>
+        <p:txBody>
+          <a:bodyPr rtlCol="1" anchor="ctr"/>
+          <a:lstStyle/>
+          <a:p>
+            <a:pPr algn="ctr"/>
+            <a:r>
+              <a:rPr lang="en-US" dirty="0"/>
+              <a:t>SCORE</a:t>
+            </a:r>
+            <a:endParaRPr lang="he-IL" dirty="0"/>
+          </a:p>
+        </p:txBody>
+      </p:sp>
+      <p:sp>
+        <p:nvSpPr>
+          <p:cNvPr id="11" name="מלבן 10">
+            <a:extLst>
+              <a:ext uri="{FF2B5EF4-FFF2-40B4-BE49-F238E27FC236}">
+                <a16:creationId xmlns:a16="http://schemas.microsoft.com/office/drawing/2014/main" id="{F2DA0E8C-25FD-4020-8F82-69843E774E23}"/>
+              </a:ext>
+            </a:extLst>
+          </p:cNvPr>
+          <p:cNvSpPr/>
+          <p:nvPr/>
+        </p:nvSpPr>
+        <p:spPr>
+          <a:xfrm>
+            <a:off x="11216933" y="1642939"/>
+            <a:ext cx="1109709" cy="852256"/>
+          </a:xfrm>
+          <a:prstGeom prst="rect">
+            <a:avLst/>
+          </a:prstGeom>
+        </p:spPr>
+        <p:style>
+          <a:lnRef idx="2">
+            <a:schemeClr val="accent1">
+              <a:shade val="50000"/>
+            </a:schemeClr>
+          </a:lnRef>
+          <a:fillRef idx="1">
+            <a:schemeClr val="accent1"/>
+          </a:fillRef>
+          <a:effectRef idx="0">
+            <a:schemeClr val="accent1"/>
+          </a:effectRef>
+          <a:fontRef idx="minor">
+            <a:schemeClr val="lt1"/>
+          </a:fontRef>
+        </p:style>
+        <p:txBody>
+          <a:bodyPr rtlCol="1" anchor="ctr"/>
+          <a:lstStyle/>
+          <a:p>
+            <a:pPr algn="ctr"/>
+            <a:r>
+              <a:rPr lang="en-US" dirty="0"/>
+              <a:t>RESULT</a:t>
+            </a:r>
+            <a:endParaRPr lang="he-IL" dirty="0"/>
+          </a:p>
+        </p:txBody>
+      </p:sp>
+      <p:sp>
+        <p:nvSpPr>
+          <p:cNvPr id="12" name="מלבן 11">
+            <a:extLst>
+              <a:ext uri="{FF2B5EF4-FFF2-40B4-BE49-F238E27FC236}">
+                <a16:creationId xmlns:a16="http://schemas.microsoft.com/office/drawing/2014/main" id="{47E76C13-4B61-4E05-B82D-64A274AF8A75}"/>
+              </a:ext>
+            </a:extLst>
+          </p:cNvPr>
+          <p:cNvSpPr/>
+          <p:nvPr/>
+        </p:nvSpPr>
+        <p:spPr>
+          <a:xfrm>
+            <a:off x="2879324" y="3429000"/>
+            <a:ext cx="1109709" cy="852256"/>
+          </a:xfrm>
+          <a:prstGeom prst="rect">
+            <a:avLst/>
+          </a:prstGeom>
+        </p:spPr>
+        <p:style>
+          <a:lnRef idx="2">
+            <a:schemeClr val="accent1">
+              <a:shade val="50000"/>
+            </a:schemeClr>
+          </a:lnRef>
+          <a:fillRef idx="1">
+            <a:schemeClr val="accent1"/>
+          </a:fillRef>
+          <a:effectRef idx="0">
+            <a:schemeClr val="accent1"/>
+          </a:effectRef>
+          <a:fontRef idx="minor">
+            <a:schemeClr val="lt1"/>
+          </a:fontRef>
+        </p:style>
+        <p:txBody>
+          <a:bodyPr rtlCol="1" anchor="ctr"/>
+          <a:lstStyle/>
+          <a:p>
+            <a:pPr algn="ctr"/>
+            <a:r>
+              <a:rPr lang="en-US" dirty="0"/>
+              <a:t>Feature Scaling</a:t>
+            </a:r>
+            <a:endParaRPr lang="he-IL" dirty="0"/>
+          </a:p>
+        </p:txBody>
+      </p:sp>
+    </p:spTree>
+    <p:extLst>
+      <p:ext uri="{BB962C8B-B14F-4D97-AF65-F5344CB8AC3E}">
+        <p14:creationId xmlns:p14="http://schemas.microsoft.com/office/powerpoint/2010/main" val="1488967984"/>
+      </p:ext>
+    </p:extLst>
+  </p:cSld>
+  <p:clrMapOvr>
+    <a:masterClrMapping/>
+  </p:clrMapOvr>
+</p:sld>
+</file>
+
+<file path=ppt/slides/slide25.xml><?xml version="1.0" encoding="utf-8"?>
+<p:sld xmlns:a="http://schemas.openxmlformats.org/drawingml/2006/main" xmlns:r="http://schemas.openxmlformats.org/officeDocument/2006/relationships" xmlns:p="http://schemas.openxmlformats.org/presentationml/2006/main">
+  <p:cSld>
+    <p:spTree>
+      <p:nvGrpSpPr>
+        <p:cNvPr id="1" name=""/>
+        <p:cNvGrpSpPr/>
+        <p:nvPr/>
+      </p:nvGrpSpPr>
+      <p:grpSpPr>
+        <a:xfrm>
+          <a:off x="0" y="0"/>
+          <a:ext cx="0" cy="0"/>
+          <a:chOff x="0" y="0"/>
+          <a:chExt cx="0" cy="0"/>
+        </a:xfrm>
+      </p:grpSpPr>
       <p:pic>
         <p:nvPicPr>
           <p:cNvPr id="1026" name="Picture 2">
@@ -7398,7 +7588,7 @@
 </p:sld>
 </file>
 
-<file path=ppt/slides/slide25.xml><?xml version="1.0" encoding="utf-8"?>
+<file path=ppt/slides/slide26.xml><?xml version="1.0" encoding="utf-8"?>
 <p:sld xmlns:a="http://schemas.openxmlformats.org/drawingml/2006/main" xmlns:r="http://schemas.openxmlformats.org/officeDocument/2006/relationships" xmlns:p="http://schemas.openxmlformats.org/presentationml/2006/main">
   <p:cSld>
     <p:spTree>
@@ -7515,6 +7705,379 @@
     <p:extLst>
       <p:ext uri="{BB962C8B-B14F-4D97-AF65-F5344CB8AC3E}">
         <p14:creationId xmlns:p14="http://schemas.microsoft.com/office/powerpoint/2010/main" val="826418132"/>
+      </p:ext>
+    </p:extLst>
+  </p:cSld>
+  <p:clrMapOvr>
+    <a:masterClrMapping/>
+  </p:clrMapOvr>
+</p:sld>
+</file>
+
+<file path=ppt/slides/slide27.xml><?xml version="1.0" encoding="utf-8"?>
+<p:sld xmlns:a="http://schemas.openxmlformats.org/drawingml/2006/main" xmlns:r="http://schemas.openxmlformats.org/officeDocument/2006/relationships" xmlns:p="http://schemas.openxmlformats.org/presentationml/2006/main">
+  <p:cSld>
+    <p:spTree>
+      <p:nvGrpSpPr>
+        <p:cNvPr id="1" name=""/>
+        <p:cNvGrpSpPr/>
+        <p:nvPr/>
+      </p:nvGrpSpPr>
+      <p:grpSpPr>
+        <a:xfrm>
+          <a:off x="0" y="0"/>
+          <a:ext cx="0" cy="0"/>
+          <a:chOff x="0" y="0"/>
+          <a:chExt cx="0" cy="0"/>
+        </a:xfrm>
+      </p:grpSpPr>
+      <p:sp>
+        <p:nvSpPr>
+          <p:cNvPr id="2" name="כותרת 1">
+            <a:extLst>
+              <a:ext uri="{FF2B5EF4-FFF2-40B4-BE49-F238E27FC236}">
+                <a16:creationId xmlns:a16="http://schemas.microsoft.com/office/drawing/2014/main" id="{A93F3B18-1992-44CA-9CCF-79F5F16E8B3A}"/>
+              </a:ext>
+            </a:extLst>
+          </p:cNvPr>
+          <p:cNvSpPr>
+            <a:spLocks noGrp="1"/>
+          </p:cNvSpPr>
+          <p:nvPr>
+            <p:ph type="title"/>
+          </p:nvPr>
+        </p:nvSpPr>
+        <p:spPr/>
+        <p:txBody>
+          <a:bodyPr/>
+          <a:lstStyle/>
+          <a:p>
+            <a:r>
+              <a:rPr lang="en-US" dirty="0" err="1"/>
+              <a:t>Tunning</a:t>
+            </a:r>
+            <a:r>
+              <a:rPr lang="en-US" dirty="0"/>
+              <a:t> Hyperparameters</a:t>
+            </a:r>
+            <a:endParaRPr lang="he-IL" dirty="0"/>
+          </a:p>
+        </p:txBody>
+      </p:sp>
+      <p:sp>
+        <p:nvSpPr>
+          <p:cNvPr id="3" name="מציין מיקום תוכן 2">
+            <a:extLst>
+              <a:ext uri="{FF2B5EF4-FFF2-40B4-BE49-F238E27FC236}">
+                <a16:creationId xmlns:a16="http://schemas.microsoft.com/office/drawing/2014/main" id="{FEFCBAAF-840A-4EAE-AF35-C96ADBE566C0}"/>
+              </a:ext>
+            </a:extLst>
+          </p:cNvPr>
+          <p:cNvSpPr>
+            <a:spLocks noGrp="1"/>
+          </p:cNvSpPr>
+          <p:nvPr>
+            <p:ph idx="1"/>
+          </p:nvPr>
+        </p:nvSpPr>
+        <p:spPr/>
+        <p:txBody>
+          <a:bodyPr/>
+          <a:lstStyle/>
+          <a:p>
+            <a:r>
+              <a:rPr lang="en-US" dirty="0"/>
+              <a:t> </a:t>
+            </a:r>
+            <a:r>
+              <a:rPr lang="en-US" dirty="0" err="1"/>
+              <a:t>GridSearchCV</a:t>
+            </a:r>
+            <a:r>
+              <a:rPr lang="en-US" dirty="0"/>
+              <a:t> </a:t>
+            </a:r>
+            <a:endParaRPr lang="he-IL" dirty="0"/>
+          </a:p>
+          <a:p>
+            <a:pPr lvl="1"/>
+            <a:r>
+              <a:rPr lang="he-IL" dirty="0"/>
+              <a:t>מצבע מעבר על מספר </a:t>
+            </a:r>
+            <a:r>
+              <a:rPr lang="en-US" dirty="0"/>
+              <a:t>hyperparameters</a:t>
+            </a:r>
+            <a:r>
+              <a:rPr lang="he-IL" dirty="0"/>
+              <a:t> ומחזיר את הטוב שבהם</a:t>
+            </a:r>
+          </a:p>
+        </p:txBody>
+      </p:sp>
+    </p:spTree>
+    <p:extLst>
+      <p:ext uri="{BB962C8B-B14F-4D97-AF65-F5344CB8AC3E}">
+        <p14:creationId xmlns:p14="http://schemas.microsoft.com/office/powerpoint/2010/main" val="2517907270"/>
+      </p:ext>
+    </p:extLst>
+  </p:cSld>
+  <p:clrMapOvr>
+    <a:masterClrMapping/>
+  </p:clrMapOvr>
+</p:sld>
+</file>
+
+<file path=ppt/slides/slide28.xml><?xml version="1.0" encoding="utf-8"?>
+<p:sld xmlns:a="http://schemas.openxmlformats.org/drawingml/2006/main" xmlns:r="http://schemas.openxmlformats.org/officeDocument/2006/relationships" xmlns:p="http://schemas.openxmlformats.org/presentationml/2006/main">
+  <p:cSld>
+    <p:spTree>
+      <p:nvGrpSpPr>
+        <p:cNvPr id="1" name=""/>
+        <p:cNvGrpSpPr/>
+        <p:nvPr/>
+      </p:nvGrpSpPr>
+      <p:grpSpPr>
+        <a:xfrm>
+          <a:off x="0" y="0"/>
+          <a:ext cx="0" cy="0"/>
+          <a:chOff x="0" y="0"/>
+          <a:chExt cx="0" cy="0"/>
+        </a:xfrm>
+      </p:grpSpPr>
+      <p:sp>
+        <p:nvSpPr>
+          <p:cNvPr id="2" name="כותרת 1">
+            <a:extLst>
+              <a:ext uri="{FF2B5EF4-FFF2-40B4-BE49-F238E27FC236}">
+                <a16:creationId xmlns:a16="http://schemas.microsoft.com/office/drawing/2014/main" id="{A91AC397-FC0A-426E-B443-6F75D96EE877}"/>
+              </a:ext>
+            </a:extLst>
+          </p:cNvPr>
+          <p:cNvSpPr>
+            <a:spLocks noGrp="1"/>
+          </p:cNvSpPr>
+          <p:nvPr>
+            <p:ph type="title"/>
+          </p:nvPr>
+        </p:nvSpPr>
+        <p:spPr/>
+        <p:txBody>
+          <a:bodyPr/>
+          <a:lstStyle/>
+          <a:p>
+            <a:endParaRPr lang="he-IL"/>
+          </a:p>
+        </p:txBody>
+      </p:sp>
+      <p:pic>
+        <p:nvPicPr>
+          <p:cNvPr id="6" name="מציין מיקום תוכן 5">
+            <a:extLst>
+              <a:ext uri="{FF2B5EF4-FFF2-40B4-BE49-F238E27FC236}">
+                <a16:creationId xmlns:a16="http://schemas.microsoft.com/office/drawing/2014/main" id="{80E29248-FF44-4FFA-855C-A0FC187430C6}"/>
+              </a:ext>
+            </a:extLst>
+          </p:cNvPr>
+          <p:cNvPicPr>
+            <a:picLocks noGrp="1" noChangeAspect="1"/>
+          </p:cNvPicPr>
+          <p:nvPr>
+            <p:ph idx="1"/>
+          </p:nvPr>
+        </p:nvPicPr>
+        <p:blipFill>
+          <a:blip r:embed="rId2"/>
+          <a:stretch>
+            <a:fillRect/>
+          </a:stretch>
+        </p:blipFill>
+        <p:spPr>
+          <a:xfrm>
+            <a:off x="3936751" y="1825625"/>
+            <a:ext cx="4318497" cy="4351338"/>
+          </a:xfrm>
+          <a:prstGeom prst="rect">
+            <a:avLst/>
+          </a:prstGeom>
+        </p:spPr>
+      </p:pic>
+    </p:spTree>
+    <p:extLst>
+      <p:ext uri="{BB962C8B-B14F-4D97-AF65-F5344CB8AC3E}">
+        <p14:creationId xmlns:p14="http://schemas.microsoft.com/office/powerpoint/2010/main" val="3420570464"/>
+      </p:ext>
+    </p:extLst>
+  </p:cSld>
+  <p:clrMapOvr>
+    <a:masterClrMapping/>
+  </p:clrMapOvr>
+</p:sld>
+</file>
+
+<file path=ppt/slides/slide29.xml><?xml version="1.0" encoding="utf-8"?>
+<p:sld xmlns:a="http://schemas.openxmlformats.org/drawingml/2006/main" xmlns:r="http://schemas.openxmlformats.org/officeDocument/2006/relationships" xmlns:p="http://schemas.openxmlformats.org/presentationml/2006/main">
+  <p:cSld>
+    <p:spTree>
+      <p:nvGrpSpPr>
+        <p:cNvPr id="1" name=""/>
+        <p:cNvGrpSpPr/>
+        <p:nvPr/>
+      </p:nvGrpSpPr>
+      <p:grpSpPr>
+        <a:xfrm>
+          <a:off x="0" y="0"/>
+          <a:ext cx="0" cy="0"/>
+          <a:chOff x="0" y="0"/>
+          <a:chExt cx="0" cy="0"/>
+        </a:xfrm>
+      </p:grpSpPr>
+      <p:sp>
+        <p:nvSpPr>
+          <p:cNvPr id="2" name="כותרת 1">
+            <a:extLst>
+              <a:ext uri="{FF2B5EF4-FFF2-40B4-BE49-F238E27FC236}">
+                <a16:creationId xmlns:a16="http://schemas.microsoft.com/office/drawing/2014/main" id="{E0C18051-C59A-43AC-B8B9-14675043C93A}"/>
+              </a:ext>
+            </a:extLst>
+          </p:cNvPr>
+          <p:cNvSpPr>
+            <a:spLocks noGrp="1"/>
+          </p:cNvSpPr>
+          <p:nvPr>
+            <p:ph type="title"/>
+          </p:nvPr>
+        </p:nvSpPr>
+        <p:spPr/>
+        <p:txBody>
+          <a:bodyPr/>
+          <a:lstStyle/>
+          <a:p>
+            <a:r>
+              <a:rPr lang="en-US" dirty="0" err="1"/>
+              <a:t>sklearn</a:t>
+            </a:r>
+            <a:endParaRPr lang="he-IL" dirty="0"/>
+          </a:p>
+        </p:txBody>
+      </p:sp>
+      <p:sp>
+        <p:nvSpPr>
+          <p:cNvPr id="3" name="מציין מיקום תוכן 2">
+            <a:extLst>
+              <a:ext uri="{FF2B5EF4-FFF2-40B4-BE49-F238E27FC236}">
+                <a16:creationId xmlns:a16="http://schemas.microsoft.com/office/drawing/2014/main" id="{9FA414EA-6318-408D-B824-8B689BF6D3D2}"/>
+              </a:ext>
+            </a:extLst>
+          </p:cNvPr>
+          <p:cNvSpPr>
+            <a:spLocks noGrp="1"/>
+          </p:cNvSpPr>
+          <p:nvPr>
+            <p:ph idx="1"/>
+          </p:nvPr>
+        </p:nvSpPr>
+        <p:spPr/>
+        <p:txBody>
+          <a:bodyPr/>
+          <a:lstStyle/>
+          <a:p>
+            <a:r>
+              <a:rPr lang="en-US" dirty="0" err="1"/>
+              <a:t>cross_val_score</a:t>
+            </a:r>
+            <a:endParaRPr lang="he-IL" dirty="0"/>
+          </a:p>
+          <a:p>
+            <a:pPr lvl="1"/>
+            <a:r>
+              <a:rPr lang="he-IL" dirty="0"/>
+              <a:t>מספק את תוצאות ה </a:t>
+            </a:r>
+            <a:r>
+              <a:rPr lang="en-US" dirty="0"/>
+              <a:t>SCORE</a:t>
+            </a:r>
+            <a:r>
+              <a:rPr lang="he-IL" dirty="0"/>
+              <a:t> של </a:t>
+            </a:r>
+            <a:r>
+              <a:rPr lang="en-US" dirty="0"/>
+              <a:t>KFOLD</a:t>
+            </a:r>
+          </a:p>
+          <a:p>
+            <a:r>
+              <a:rPr lang="en-US" dirty="0" err="1"/>
+              <a:t>cross_validate</a:t>
+            </a:r>
+            <a:r>
+              <a:rPr lang="en-US" dirty="0"/>
+              <a:t>*****</a:t>
+            </a:r>
+            <a:endParaRPr lang="he-IL" dirty="0"/>
+          </a:p>
+          <a:p>
+            <a:pPr lvl="1"/>
+            <a:r>
+              <a:rPr lang="he-IL" dirty="0"/>
+              <a:t>ניתן להכניס מספר פרמטרים לבחינה (סוגי </a:t>
+            </a:r>
+            <a:r>
+              <a:rPr lang="en-US" dirty="0"/>
+              <a:t>score</a:t>
+            </a:r>
+            <a:r>
+              <a:rPr lang="he-IL" dirty="0"/>
+              <a:t>) ולקבל את התוצאות.</a:t>
+            </a:r>
+            <a:endParaRPr lang="en-US" dirty="0"/>
+          </a:p>
+          <a:p>
+            <a:pPr lvl="1"/>
+            <a:r>
+              <a:rPr lang="he-IL" dirty="0"/>
+              <a:t>מהבנתי מתאים יותר לבעיות רגרסיה, אופן חישוב ה </a:t>
+            </a:r>
+            <a:r>
+              <a:rPr lang="en-US" dirty="0"/>
+              <a:t>score</a:t>
+            </a:r>
+          </a:p>
+          <a:p>
+            <a:r>
+              <a:rPr lang="en-US" dirty="0" err="1"/>
+              <a:t>cross_val_predict</a:t>
+            </a:r>
+            <a:r>
+              <a:rPr lang="en-US" dirty="0"/>
+              <a:t> </a:t>
+            </a:r>
+            <a:endParaRPr lang="he-IL" dirty="0"/>
+          </a:p>
+          <a:p>
+            <a:pPr lvl="1"/>
+            <a:r>
+              <a:rPr lang="he-IL" dirty="0"/>
+              <a:t>מספק את החיזוי של </a:t>
+            </a:r>
+            <a:r>
+              <a:rPr lang="en-US" dirty="0"/>
+              <a:t>KFOLD</a:t>
+            </a:r>
+          </a:p>
+          <a:p>
+            <a:pPr lvl="1"/>
+            <a:endParaRPr lang="he-IL" dirty="0"/>
+          </a:p>
+        </p:txBody>
+      </p:sp>
+    </p:spTree>
+    <p:extLst>
+      <p:ext uri="{BB962C8B-B14F-4D97-AF65-F5344CB8AC3E}">
+        <p14:creationId xmlns:p14="http://schemas.microsoft.com/office/powerpoint/2010/main" val="241042965"/>
       </p:ext>
     </p:extLst>
   </p:cSld>
@@ -7696,6 +8259,500 @@
     <p:extLst>
       <p:ext uri="{BB962C8B-B14F-4D97-AF65-F5344CB8AC3E}">
         <p14:creationId xmlns:p14="http://schemas.microsoft.com/office/powerpoint/2010/main" val="1904535590"/>
+      </p:ext>
+    </p:extLst>
+  </p:cSld>
+  <p:clrMapOvr>
+    <a:masterClrMapping/>
+  </p:clrMapOvr>
+</p:sld>
+</file>
+
+<file path=ppt/slides/slide30.xml><?xml version="1.0" encoding="utf-8"?>
+<p:sld xmlns:a="http://schemas.openxmlformats.org/drawingml/2006/main" xmlns:r="http://schemas.openxmlformats.org/officeDocument/2006/relationships" xmlns:p="http://schemas.openxmlformats.org/presentationml/2006/main">
+  <p:cSld>
+    <p:spTree>
+      <p:nvGrpSpPr>
+        <p:cNvPr id="1" name=""/>
+        <p:cNvGrpSpPr/>
+        <p:nvPr/>
+      </p:nvGrpSpPr>
+      <p:grpSpPr>
+        <a:xfrm>
+          <a:off x="0" y="0"/>
+          <a:ext cx="0" cy="0"/>
+          <a:chOff x="0" y="0"/>
+          <a:chExt cx="0" cy="0"/>
+        </a:xfrm>
+      </p:grpSpPr>
+      <p:sp>
+        <p:nvSpPr>
+          <p:cNvPr id="2" name="כותרת 1">
+            <a:extLst>
+              <a:ext uri="{FF2B5EF4-FFF2-40B4-BE49-F238E27FC236}">
+                <a16:creationId xmlns:a16="http://schemas.microsoft.com/office/drawing/2014/main" id="{EF0A11AC-E468-4EEB-8FA1-B197F3BD9094}"/>
+              </a:ext>
+            </a:extLst>
+          </p:cNvPr>
+          <p:cNvSpPr>
+            <a:spLocks noGrp="1"/>
+          </p:cNvSpPr>
+          <p:nvPr>
+            <p:ph type="title"/>
+          </p:nvPr>
+        </p:nvSpPr>
+        <p:spPr/>
+        <p:txBody>
+          <a:bodyPr/>
+          <a:lstStyle/>
+          <a:p>
+            <a:r>
+              <a:rPr lang="he-IL" dirty="0"/>
+              <a:t>סוגי </a:t>
+            </a:r>
+            <a:r>
+              <a:rPr lang="en-US" dirty="0"/>
+              <a:t>Cross Validation</a:t>
+            </a:r>
+            <a:endParaRPr lang="he-IL" dirty="0"/>
+          </a:p>
+        </p:txBody>
+      </p:sp>
+      <p:sp>
+        <p:nvSpPr>
+          <p:cNvPr id="3" name="מציין מיקום תוכן 2">
+            <a:extLst>
+              <a:ext uri="{FF2B5EF4-FFF2-40B4-BE49-F238E27FC236}">
+                <a16:creationId xmlns:a16="http://schemas.microsoft.com/office/drawing/2014/main" id="{949B6EB1-EC9C-4B92-AA3C-864F96E6EB01}"/>
+              </a:ext>
+            </a:extLst>
+          </p:cNvPr>
+          <p:cNvSpPr>
+            <a:spLocks noGrp="1"/>
+          </p:cNvSpPr>
+          <p:nvPr>
+            <p:ph idx="1"/>
+          </p:nvPr>
+        </p:nvSpPr>
+        <p:spPr>
+          <a:xfrm>
+            <a:off x="838200" y="1695451"/>
+            <a:ext cx="10515600" cy="4351338"/>
+          </a:xfrm>
+        </p:spPr>
+        <p:txBody>
+          <a:bodyPr>
+            <a:normAutofit lnSpcReduction="10000"/>
+          </a:bodyPr>
+          <a:lstStyle/>
+          <a:p>
+            <a:r>
+              <a:rPr lang="en-US" dirty="0"/>
+              <a:t>Holdout</a:t>
+            </a:r>
+            <a:r>
+              <a:rPr lang="he-IL" dirty="0"/>
+              <a:t> , בסיס </a:t>
+            </a:r>
+            <a:r>
+              <a:rPr lang="en-US" dirty="0"/>
+              <a:t>(split)</a:t>
+            </a:r>
+            <a:r>
+              <a:rPr lang="he-IL" dirty="0"/>
+              <a:t>.</a:t>
+            </a:r>
+          </a:p>
+          <a:p>
+            <a:pPr lvl="1"/>
+            <a:r>
+              <a:rPr lang="he-IL" dirty="0"/>
+              <a:t>חיסרון: </a:t>
+            </a:r>
+          </a:p>
+          <a:p>
+            <a:r>
+              <a:rPr lang="en-US" dirty="0" err="1"/>
+              <a:t>Kfold</a:t>
+            </a:r>
+            <a:endParaRPr lang="he-IL" dirty="0"/>
+          </a:p>
+          <a:p>
+            <a:r>
+              <a:rPr lang="en-US" dirty="0"/>
+              <a:t>Random subsamples</a:t>
+            </a:r>
+          </a:p>
+          <a:p>
+            <a:pPr lvl="1"/>
+            <a:r>
+              <a:rPr lang="he-IL" dirty="0"/>
+              <a:t>בכל פעם בוחרים באופן אקראי את הדגימות לאימון ולבחינה</a:t>
+            </a:r>
+          </a:p>
+          <a:p>
+            <a:r>
+              <a:rPr lang="en-US" dirty="0"/>
+              <a:t>Leave one out</a:t>
+            </a:r>
+            <a:endParaRPr lang="he-IL" dirty="0"/>
+          </a:p>
+          <a:p>
+            <a:pPr lvl="1"/>
+            <a:r>
+              <a:rPr lang="he-IL" dirty="0"/>
+              <a:t>כמו </a:t>
+            </a:r>
+            <a:r>
+              <a:rPr lang="en-US" dirty="0" err="1"/>
+              <a:t>kfold</a:t>
+            </a:r>
+            <a:r>
+              <a:rPr lang="he-IL" dirty="0"/>
+              <a:t> כאשר </a:t>
+            </a:r>
+            <a:r>
+              <a:rPr lang="en-US" dirty="0"/>
+              <a:t>k</a:t>
+            </a:r>
+            <a:r>
+              <a:rPr lang="he-IL" dirty="0"/>
+              <a:t> שווה למספר הדגימות.</a:t>
+            </a:r>
+          </a:p>
+          <a:p>
+            <a:pPr lvl="1"/>
+            <a:r>
+              <a:rPr lang="he-IL" dirty="0"/>
+              <a:t>בכל פעם יש רק דגימה אחת לבחינה וכל השאר לאימון</a:t>
+            </a:r>
+          </a:p>
+          <a:p>
+            <a:r>
+              <a:rPr lang="en-US" dirty="0"/>
+              <a:t>Leave p out</a:t>
+            </a:r>
+            <a:endParaRPr lang="he-IL" dirty="0"/>
+          </a:p>
+          <a:p>
+            <a:pPr lvl="1"/>
+            <a:r>
+              <a:rPr lang="he-IL" dirty="0"/>
+              <a:t>בדומה ל </a:t>
+            </a:r>
+            <a:r>
+              <a:rPr lang="en-US" dirty="0"/>
+              <a:t>leave one out</a:t>
+            </a:r>
+            <a:r>
+              <a:rPr lang="he-IL" dirty="0"/>
+              <a:t> רק ש </a:t>
+            </a:r>
+            <a:r>
+              <a:rPr lang="en-US" dirty="0"/>
+              <a:t>p</a:t>
+            </a:r>
+            <a:r>
+              <a:rPr lang="he-IL" dirty="0"/>
+              <a:t> הינו מספר הדגימות לבחינה</a:t>
+            </a:r>
+          </a:p>
+        </p:txBody>
+      </p:sp>
+    </p:spTree>
+    <p:extLst>
+      <p:ext uri="{BB962C8B-B14F-4D97-AF65-F5344CB8AC3E}">
+        <p14:creationId xmlns:p14="http://schemas.microsoft.com/office/powerpoint/2010/main" val="4265622507"/>
+      </p:ext>
+    </p:extLst>
+  </p:cSld>
+  <p:clrMapOvr>
+    <a:masterClrMapping/>
+  </p:clrMapOvr>
+</p:sld>
+</file>
+
+<file path=ppt/slides/slide31.xml><?xml version="1.0" encoding="utf-8"?>
+<p:sld xmlns:a="http://schemas.openxmlformats.org/drawingml/2006/main" xmlns:r="http://schemas.openxmlformats.org/officeDocument/2006/relationships" xmlns:p="http://schemas.openxmlformats.org/presentationml/2006/main">
+  <p:cSld>
+    <p:spTree>
+      <p:nvGrpSpPr>
+        <p:cNvPr id="1" name=""/>
+        <p:cNvGrpSpPr/>
+        <p:nvPr/>
+      </p:nvGrpSpPr>
+      <p:grpSpPr>
+        <a:xfrm>
+          <a:off x="0" y="0"/>
+          <a:ext cx="0" cy="0"/>
+          <a:chOff x="0" y="0"/>
+          <a:chExt cx="0" cy="0"/>
+        </a:xfrm>
+      </p:grpSpPr>
+      <p:pic>
+        <p:nvPicPr>
+          <p:cNvPr id="7" name="תמונה 6">
+            <a:extLst>
+              <a:ext uri="{FF2B5EF4-FFF2-40B4-BE49-F238E27FC236}">
+                <a16:creationId xmlns:a16="http://schemas.microsoft.com/office/drawing/2014/main" id="{E1AF631D-4517-401D-98DD-6FD2967C89B4}"/>
+              </a:ext>
+            </a:extLst>
+          </p:cNvPr>
+          <p:cNvPicPr>
+            <a:picLocks noChangeAspect="1"/>
+          </p:cNvPicPr>
+          <p:nvPr/>
+        </p:nvPicPr>
+        <p:blipFill>
+          <a:blip r:embed="rId2"/>
+          <a:stretch>
+            <a:fillRect/>
+          </a:stretch>
+        </p:blipFill>
+        <p:spPr>
+          <a:xfrm>
+            <a:off x="6895024" y="3273074"/>
+            <a:ext cx="3148197" cy="894292"/>
+          </a:xfrm>
+          <a:prstGeom prst="rect">
+            <a:avLst/>
+          </a:prstGeom>
+        </p:spPr>
+      </p:pic>
+      <p:pic>
+        <p:nvPicPr>
+          <p:cNvPr id="5" name="תמונה 4">
+            <a:extLst>
+              <a:ext uri="{FF2B5EF4-FFF2-40B4-BE49-F238E27FC236}">
+                <a16:creationId xmlns:a16="http://schemas.microsoft.com/office/drawing/2014/main" id="{83949573-314D-43F5-9632-DC41BFB703C4}"/>
+              </a:ext>
+            </a:extLst>
+          </p:cNvPr>
+          <p:cNvPicPr>
+            <a:picLocks noChangeAspect="1"/>
+          </p:cNvPicPr>
+          <p:nvPr/>
+        </p:nvPicPr>
+        <p:blipFill>
+          <a:blip r:embed="rId3"/>
+          <a:stretch>
+            <a:fillRect/>
+          </a:stretch>
+        </p:blipFill>
+        <p:spPr>
+          <a:xfrm>
+            <a:off x="4642172" y="5205240"/>
+            <a:ext cx="2486025" cy="819150"/>
+          </a:xfrm>
+          <a:prstGeom prst="rect">
+            <a:avLst/>
+          </a:prstGeom>
+        </p:spPr>
+      </p:pic>
+      <p:pic>
+        <p:nvPicPr>
+          <p:cNvPr id="4" name="תמונה 3">
+            <a:extLst>
+              <a:ext uri="{FF2B5EF4-FFF2-40B4-BE49-F238E27FC236}">
+                <a16:creationId xmlns:a16="http://schemas.microsoft.com/office/drawing/2014/main" id="{38317005-73CE-4860-A550-99ECE9967183}"/>
+              </a:ext>
+            </a:extLst>
+          </p:cNvPr>
+          <p:cNvPicPr>
+            <a:picLocks noChangeAspect="1"/>
+          </p:cNvPicPr>
+          <p:nvPr/>
+        </p:nvPicPr>
+        <p:blipFill>
+          <a:blip r:embed="rId4"/>
+          <a:stretch>
+            <a:fillRect/>
+          </a:stretch>
+        </p:blipFill>
+        <p:spPr>
+          <a:xfrm>
+            <a:off x="4456624" y="4300255"/>
+            <a:ext cx="2438400" cy="819150"/>
+          </a:xfrm>
+          <a:prstGeom prst="rect">
+            <a:avLst/>
+          </a:prstGeom>
+        </p:spPr>
+      </p:pic>
+      <p:pic>
+        <p:nvPicPr>
+          <p:cNvPr id="2050" name="Picture 2">
+            <a:extLst>
+              <a:ext uri="{FF2B5EF4-FFF2-40B4-BE49-F238E27FC236}">
+                <a16:creationId xmlns:a16="http://schemas.microsoft.com/office/drawing/2014/main" id="{B9B2B5F3-EAD5-47CA-9EBD-1F124F9FC2E7}"/>
+              </a:ext>
+            </a:extLst>
+          </p:cNvPr>
+          <p:cNvPicPr>
+            <a:picLocks noChangeAspect="1" noChangeArrowheads="1"/>
+          </p:cNvPicPr>
+          <p:nvPr/>
+        </p:nvPicPr>
+        <p:blipFill>
+          <a:blip r:embed="rId5">
+            <a:extLst>
+              <a:ext uri="{28A0092B-C50C-407E-A947-70E740481C1C}">
+                <a14:useLocalDpi xmlns:a14="http://schemas.microsoft.com/office/drawing/2010/main" val="0"/>
+              </a:ext>
+            </a:extLst>
+          </a:blip>
+          <a:srcRect/>
+          <a:stretch>
+            <a:fillRect/>
+          </a:stretch>
+        </p:blipFill>
+        <p:spPr bwMode="auto">
+          <a:xfrm>
+            <a:off x="4533714" y="1336228"/>
+            <a:ext cx="2648320" cy="1986240"/>
+          </a:xfrm>
+          <a:prstGeom prst="rect">
+            <a:avLst/>
+          </a:prstGeom>
+          <a:noFill/>
+          <a:extLst>
+            <a:ext uri="{909E8E84-426E-40DD-AFC4-6F175D3DCCD1}">
+              <a14:hiddenFill xmlns:a14="http://schemas.microsoft.com/office/drawing/2010/main">
+                <a:solidFill>
+                  <a:srgbClr val="FFFFFF"/>
+                </a:solidFill>
+              </a14:hiddenFill>
+            </a:ext>
+          </a:extLst>
+        </p:spPr>
+      </p:pic>
+      <p:sp>
+        <p:nvSpPr>
+          <p:cNvPr id="2" name="כותרת 1">
+            <a:extLst>
+              <a:ext uri="{FF2B5EF4-FFF2-40B4-BE49-F238E27FC236}">
+                <a16:creationId xmlns:a16="http://schemas.microsoft.com/office/drawing/2014/main" id="{FDA3504D-FC74-40E9-93A9-87B2C1D11F2A}"/>
+              </a:ext>
+            </a:extLst>
+          </p:cNvPr>
+          <p:cNvSpPr>
+            <a:spLocks noGrp="1"/>
+          </p:cNvSpPr>
+          <p:nvPr>
+            <p:ph type="title"/>
+          </p:nvPr>
+        </p:nvSpPr>
+        <p:spPr/>
+        <p:txBody>
+          <a:bodyPr/>
+          <a:lstStyle/>
+          <a:p>
+            <a:r>
+              <a:rPr lang="en-US" dirty="0"/>
+              <a:t>Score</a:t>
+            </a:r>
+            <a:endParaRPr lang="he-IL" dirty="0"/>
+          </a:p>
+        </p:txBody>
+      </p:sp>
+      <p:sp>
+        <p:nvSpPr>
+          <p:cNvPr id="3" name="מציין מיקום תוכן 2">
+            <a:extLst>
+              <a:ext uri="{FF2B5EF4-FFF2-40B4-BE49-F238E27FC236}">
+                <a16:creationId xmlns:a16="http://schemas.microsoft.com/office/drawing/2014/main" id="{F7B23106-A251-484A-8F67-5D0C16EBFC7A}"/>
+              </a:ext>
+            </a:extLst>
+          </p:cNvPr>
+          <p:cNvSpPr>
+            <a:spLocks noGrp="1"/>
+          </p:cNvSpPr>
+          <p:nvPr>
+            <p:ph idx="1"/>
+          </p:nvPr>
+        </p:nvSpPr>
+        <p:spPr/>
+        <p:txBody>
+          <a:bodyPr>
+            <a:normAutofit lnSpcReduction="10000"/>
+          </a:bodyPr>
+          <a:lstStyle/>
+          <a:p>
+            <a:r>
+              <a:rPr lang="en-US" dirty="0"/>
+              <a:t>Confusion matrix</a:t>
+            </a:r>
+            <a:endParaRPr lang="he-IL" dirty="0"/>
+          </a:p>
+          <a:p>
+            <a:pPr lvl="1"/>
+            <a:r>
+              <a:rPr lang="he-IL" dirty="0"/>
+              <a:t>מדד ביצועים לבעיות סיווג</a:t>
+            </a:r>
+          </a:p>
+          <a:p>
+            <a:r>
+              <a:rPr lang="en-US" dirty="0"/>
+              <a:t>AUC-ROC curve</a:t>
+            </a:r>
+            <a:endParaRPr lang="he-IL" dirty="0"/>
+          </a:p>
+          <a:p>
+            <a:pPr lvl="1"/>
+            <a:r>
+              <a:rPr lang="he-IL" dirty="0"/>
+              <a:t>מדד ביצועים לבעיית סיווג</a:t>
+            </a:r>
+          </a:p>
+          <a:p>
+            <a:r>
+              <a:rPr lang="en-US" dirty="0"/>
+              <a:t>F1 Score</a:t>
+            </a:r>
+            <a:endParaRPr lang="he-IL" dirty="0"/>
+          </a:p>
+          <a:p>
+            <a:pPr lvl="1"/>
+            <a:endParaRPr lang="he-IL" dirty="0"/>
+          </a:p>
+          <a:p>
+            <a:r>
+              <a:rPr lang="en-US" dirty="0"/>
+              <a:t>Precision</a:t>
+            </a:r>
+            <a:r>
+              <a:rPr lang="he-IL" dirty="0"/>
+              <a:t> </a:t>
+            </a:r>
+          </a:p>
+          <a:p>
+            <a:pPr lvl="1"/>
+            <a:r>
+              <a:rPr lang="he-IL" dirty="0"/>
+              <a:t>מדד לדיוק אחוז הדיוק החיובי.</a:t>
+            </a:r>
+          </a:p>
+          <a:p>
+            <a:r>
+              <a:rPr lang="en-US" dirty="0"/>
+              <a:t>Recall</a:t>
+            </a:r>
+            <a:endParaRPr lang="he-IL" dirty="0"/>
+          </a:p>
+          <a:p>
+            <a:pPr lvl="1"/>
+            <a:r>
+              <a:rPr lang="he-IL" dirty="0"/>
+              <a:t>מדד דיוק חיובי שצלחנו לנבא</a:t>
+            </a:r>
+          </a:p>
+        </p:txBody>
+      </p:sp>
+    </p:spTree>
+    <p:extLst>
+      <p:ext uri="{BB962C8B-B14F-4D97-AF65-F5344CB8AC3E}">
+        <p14:creationId xmlns:p14="http://schemas.microsoft.com/office/powerpoint/2010/main" val="820330764"/>
       </p:ext>
     </p:extLst>
   </p:cSld>

--- a/Presentation/Feature Selection.pptx
+++ b/Presentation/Feature Selection.pptx
@@ -26,16 +26,19 @@
     <p:sldId id="286" r:id="rId20"/>
     <p:sldId id="272" r:id="rId21"/>
     <p:sldId id="271" r:id="rId22"/>
-    <p:sldId id="274" r:id="rId23"/>
-    <p:sldId id="273" r:id="rId24"/>
-    <p:sldId id="275" r:id="rId25"/>
-    <p:sldId id="278" r:id="rId26"/>
-    <p:sldId id="279" r:id="rId27"/>
-    <p:sldId id="281" r:id="rId28"/>
-    <p:sldId id="282" r:id="rId29"/>
-    <p:sldId id="283" r:id="rId30"/>
-    <p:sldId id="284" r:id="rId31"/>
-    <p:sldId id="285" r:id="rId32"/>
+    <p:sldId id="289" r:id="rId23"/>
+    <p:sldId id="274" r:id="rId24"/>
+    <p:sldId id="273" r:id="rId25"/>
+    <p:sldId id="275" r:id="rId26"/>
+    <p:sldId id="278" r:id="rId27"/>
+    <p:sldId id="279" r:id="rId28"/>
+    <p:sldId id="281" r:id="rId29"/>
+    <p:sldId id="282" r:id="rId30"/>
+    <p:sldId id="283" r:id="rId31"/>
+    <p:sldId id="284" r:id="rId32"/>
+    <p:sldId id="285" r:id="rId33"/>
+    <p:sldId id="287" r:id="rId34"/>
+    <p:sldId id="288" r:id="rId35"/>
   </p:sldIdLst>
   <p:sldSz cx="12192000" cy="6858000"/>
   <p:notesSz cx="6858000" cy="9144000"/>
@@ -6219,7 +6222,10 @@
           <a:bodyPr/>
           <a:lstStyle/>
           <a:p>
-            <a:endParaRPr lang="he-IL" dirty="0"/>
+            <a:r>
+              <a:rPr lang="he-IL" dirty="0"/>
+              <a:t>מושגים - 1</a:t>
+            </a:r>
           </a:p>
         </p:txBody>
       </p:sp>
@@ -6430,7 +6436,7 @@
           <p:cNvPr id="2" name="כותרת 1">
             <a:extLst>
               <a:ext uri="{FF2B5EF4-FFF2-40B4-BE49-F238E27FC236}">
-                <a16:creationId xmlns:a16="http://schemas.microsoft.com/office/drawing/2014/main" id="{96632501-42E2-42AF-95AE-976F27B04F71}"/>
+                <a16:creationId xmlns:a16="http://schemas.microsoft.com/office/drawing/2014/main" id="{A71135E6-DF0B-4524-8DCA-9C4DBE933F82}"/>
               </a:ext>
             </a:extLst>
           </p:cNvPr>
@@ -6448,7 +6454,7 @@
           <a:p>
             <a:r>
               <a:rPr lang="he-IL" dirty="0"/>
-              <a:t>מושגים - הסתברות</a:t>
+              <a:t>מושגים - 2</a:t>
             </a:r>
           </a:p>
         </p:txBody>
@@ -6458,7 +6464,7 @@
           <p:cNvPr id="3" name="מציין מיקום תוכן 2">
             <a:extLst>
               <a:ext uri="{FF2B5EF4-FFF2-40B4-BE49-F238E27FC236}">
-                <a16:creationId xmlns:a16="http://schemas.microsoft.com/office/drawing/2014/main" id="{F8A89D09-DE15-4B7C-8893-E8E6FBC78FA4}"/>
+                <a16:creationId xmlns:a16="http://schemas.microsoft.com/office/drawing/2014/main" id="{8BE0F612-6AC1-4225-9B04-AC9AA1C93395}"/>
               </a:ext>
             </a:extLst>
           </p:cNvPr>
@@ -6475,84 +6481,70 @@
           <a:lstStyle/>
           <a:p>
             <a:r>
-              <a:rPr lang="en-US" dirty="0" err="1"/>
-              <a:t>Cov</a:t>
-            </a:r>
-            <a:r>
-              <a:rPr lang="en-US" dirty="0"/>
-              <a:t>(</a:t>
-            </a:r>
-            <a:r>
-              <a:rPr lang="en-US" dirty="0" err="1"/>
-              <a:t>x,y</a:t>
-            </a:r>
-            <a:r>
-              <a:rPr lang="en-US" dirty="0"/>
-              <a:t>)</a:t>
-            </a:r>
-            <a:r>
-              <a:rPr lang="he-IL" dirty="0"/>
-              <a:t> – </a:t>
-            </a:r>
-            <a:r>
-              <a:rPr lang="en-US" dirty="0"/>
-              <a:t>Covariance  </a:t>
-            </a:r>
-            <a:r>
-              <a:rPr lang="he-IL" dirty="0"/>
-              <a:t> (שונות משותפת), מדד לקשר בין 2 משתנים.</a:t>
-            </a:r>
+              <a:rPr lang="en-US" dirty="0"/>
+              <a:t>Ensemble Methods</a:t>
+            </a:r>
+            <a:endParaRPr lang="he-IL" dirty="0"/>
           </a:p>
           <a:p>
             <a:pPr lvl="1"/>
             <a:r>
               <a:rPr lang="he-IL" dirty="0"/>
-              <a:t>ערך חיובי -&gt; משתנים באותו כיון </a:t>
-            </a:r>
-            <a:r>
-              <a:rPr lang="he-IL"/>
-              <a:t>ושלילי להפך</a:t>
-            </a:r>
-            <a:endParaRPr lang="he-IL" dirty="0"/>
-          </a:p>
-          <a:p>
-            <a:r>
-              <a:rPr lang="en-US" dirty="0" err="1"/>
-              <a:t>Cov</a:t>
-            </a:r>
-            <a:r>
-              <a:rPr lang="en-US" dirty="0"/>
-              <a:t>(</a:t>
-            </a:r>
-            <a:r>
-              <a:rPr lang="en-US" dirty="0" err="1"/>
-              <a:t>x,x</a:t>
-            </a:r>
-            <a:r>
-              <a:rPr lang="en-US" dirty="0"/>
-              <a:t>) = variance(x)</a:t>
-            </a:r>
-            <a:r>
-              <a:rPr lang="he-IL" dirty="0"/>
-              <a:t> </a:t>
-            </a:r>
-          </a:p>
-          <a:p>
-            <a:r>
-              <a:rPr lang="en-US" dirty="0"/>
-              <a:t>Covariance  matrix</a:t>
-            </a:r>
-            <a:r>
-              <a:rPr lang="he-IL" dirty="0"/>
-              <a:t> – מטריצה סימטרית שהאלכסון הינו שונות.</a:t>
-            </a:r>
+              <a:t>שילוב של מספר שיטות בסיס על מנת לקבל תוצאה טובה יותר.</a:t>
+            </a:r>
+          </a:p>
+          <a:p>
+            <a:pPr lvl="1"/>
+            <a:r>
+              <a:rPr lang="he-IL" dirty="0"/>
+              <a:t>יש מספר שיטות:</a:t>
+            </a:r>
+          </a:p>
+          <a:p>
+            <a:pPr lvl="2"/>
+            <a:r>
+              <a:rPr lang="en-US" dirty="0"/>
+              <a:t>Random Forest</a:t>
+            </a:r>
+            <a:r>
+              <a:rPr lang="he-IL" dirty="0"/>
+              <a:t> הינו שילוב של מספר אלג’ </a:t>
+            </a:r>
+            <a:r>
+              <a:rPr lang="en-US" dirty="0"/>
+              <a:t>Decision Tree</a:t>
+            </a:r>
+            <a:r>
+              <a:rPr lang="he-IL" dirty="0"/>
+              <a:t>.</a:t>
+            </a:r>
+          </a:p>
+          <a:p>
+            <a:pPr lvl="2"/>
+            <a:r>
+              <a:rPr lang="en-US" dirty="0"/>
+              <a:t>Bagging</a:t>
+            </a:r>
+            <a:r>
+              <a:rPr lang="he-IL" dirty="0"/>
+              <a:t> – שיטה דומה ל </a:t>
+            </a:r>
+            <a:r>
+              <a:rPr lang="en-US" dirty="0"/>
+              <a:t>RF</a:t>
+            </a:r>
+            <a:endParaRPr lang="he-IL" dirty="0"/>
+          </a:p>
+          <a:p>
+            <a:pPr lvl="2"/>
+            <a:endParaRPr lang="he-IL" dirty="0"/>
           </a:p>
         </p:txBody>
       </p:sp>
     </p:spTree>
     <p:extLst>
       <p:ext uri="{BB962C8B-B14F-4D97-AF65-F5344CB8AC3E}">
-        <p14:creationId xmlns:p14="http://schemas.microsoft.com/office/powerpoint/2010/main" val="53807840"/>
+        <p14:creationId xmlns:p14="http://schemas.microsoft.com/office/powerpoint/2010/main" val="3189884367"/>
       </p:ext>
     </p:extLst>
   </p:cSld>
@@ -6584,7 +6576,7 @@
           <p:cNvPr id="2" name="כותרת 1">
             <a:extLst>
               <a:ext uri="{FF2B5EF4-FFF2-40B4-BE49-F238E27FC236}">
-                <a16:creationId xmlns:a16="http://schemas.microsoft.com/office/drawing/2014/main" id="{5EECF68F-C804-4917-9B95-AB8F72AC1390}"/>
+                <a16:creationId xmlns:a16="http://schemas.microsoft.com/office/drawing/2014/main" id="{96632501-42E2-42AF-95AE-976F27B04F71}"/>
               </a:ext>
             </a:extLst>
           </p:cNvPr>
@@ -6602,7 +6594,7 @@
           <a:p>
             <a:r>
               <a:rPr lang="he-IL" dirty="0"/>
-              <a:t>מושגים להשלמה</a:t>
+              <a:t>מושגים - הסתברות</a:t>
             </a:r>
           </a:p>
         </p:txBody>
@@ -6612,7 +6604,7 @@
           <p:cNvPr id="3" name="מציין מיקום תוכן 2">
             <a:extLst>
               <a:ext uri="{FF2B5EF4-FFF2-40B4-BE49-F238E27FC236}">
-                <a16:creationId xmlns:a16="http://schemas.microsoft.com/office/drawing/2014/main" id="{2DBF896A-F127-462E-9205-DCA9CD225491}"/>
+                <a16:creationId xmlns:a16="http://schemas.microsoft.com/office/drawing/2014/main" id="{F8A89D09-DE15-4B7C-8893-E8E6FBC78FA4}"/>
               </a:ext>
             </a:extLst>
           </p:cNvPr>
@@ -6629,57 +6621,84 @@
           <a:lstStyle/>
           <a:p>
             <a:r>
-              <a:rPr lang="en-US" dirty="0"/>
-              <a:t>Recall</a:t>
-            </a:r>
-          </a:p>
-          <a:p>
-            <a:r>
-              <a:rPr lang="en-US" dirty="0"/>
-              <a:t>F1-score</a:t>
-            </a:r>
-            <a:endParaRPr lang="he-IL" dirty="0"/>
-          </a:p>
-          <a:p>
-            <a:r>
-              <a:rPr lang="en-US" dirty="0"/>
-              <a:t>Back propagation function</a:t>
-            </a:r>
-            <a:endParaRPr lang="he-IL" dirty="0"/>
-          </a:p>
-          <a:p>
-            <a:r>
-              <a:rPr lang="en-US" dirty="0"/>
-              <a:t>Linear Discriminant Analysis</a:t>
-            </a:r>
-            <a:endParaRPr lang="he-IL" dirty="0"/>
+              <a:rPr lang="en-US" dirty="0" err="1"/>
+              <a:t>Cov</a:t>
+            </a:r>
+            <a:r>
+              <a:rPr lang="en-US" dirty="0"/>
+              <a:t>(</a:t>
+            </a:r>
+            <a:r>
+              <a:rPr lang="en-US" dirty="0" err="1"/>
+              <a:t>x,y</a:t>
+            </a:r>
+            <a:r>
+              <a:rPr lang="en-US" dirty="0"/>
+              <a:t>)</a:t>
+            </a:r>
+            <a:r>
+              <a:rPr lang="he-IL" dirty="0"/>
+              <a:t> – </a:t>
+            </a:r>
+            <a:r>
+              <a:rPr lang="en-US" dirty="0"/>
+              <a:t>Covariance  </a:t>
+            </a:r>
+            <a:r>
+              <a:rPr lang="he-IL" dirty="0"/>
+              <a:t> (שונות משותפת), מדד לקשר בין 2 משתנים.</a:t>
+            </a:r>
           </a:p>
           <a:p>
             <a:pPr lvl="1"/>
             <a:r>
               <a:rPr lang="he-IL" dirty="0"/>
-              <a:t>משמש ל </a:t>
-            </a:r>
-            <a:r>
-              <a:rPr lang="en-US" dirty="0"/>
-              <a:t>classify</a:t>
-            </a:r>
-            <a:r>
-              <a:rPr lang="he-IL" dirty="0"/>
-              <a:t> על בסיס </a:t>
-            </a:r>
-            <a:r>
-              <a:rPr lang="en-US" dirty="0"/>
-              <a:t>variance</a:t>
-            </a:r>
-            <a:endParaRPr lang="he-IL" dirty="0"/>
+              <a:t>ערך חיובי -&gt; משתנים באותו כיון </a:t>
+            </a:r>
+            <a:r>
+              <a:rPr lang="he-IL"/>
+              <a:t>ושלילי להפך</a:t>
+            </a:r>
+            <a:endParaRPr lang="he-IL" dirty="0"/>
+          </a:p>
+          <a:p>
+            <a:r>
+              <a:rPr lang="en-US" dirty="0" err="1"/>
+              <a:t>Cov</a:t>
+            </a:r>
+            <a:r>
+              <a:rPr lang="en-US" dirty="0"/>
+              <a:t>(</a:t>
+            </a:r>
+            <a:r>
+              <a:rPr lang="en-US" dirty="0" err="1"/>
+              <a:t>x,x</a:t>
+            </a:r>
+            <a:r>
+              <a:rPr lang="en-US" dirty="0"/>
+              <a:t>) = variance(x)</a:t>
+            </a:r>
+            <a:r>
+              <a:rPr lang="he-IL" dirty="0"/>
+              <a:t> </a:t>
+            </a:r>
+          </a:p>
+          <a:p>
+            <a:r>
+              <a:rPr lang="en-US" dirty="0"/>
+              <a:t>Covariance  matrix</a:t>
+            </a:r>
+            <a:r>
+              <a:rPr lang="he-IL" dirty="0"/>
+              <a:t> – מטריצה סימטרית שהאלכסון הינו שונות.</a:t>
+            </a:r>
           </a:p>
         </p:txBody>
       </p:sp>
     </p:spTree>
     <p:extLst>
       <p:ext uri="{BB962C8B-B14F-4D97-AF65-F5344CB8AC3E}">
-        <p14:creationId xmlns:p14="http://schemas.microsoft.com/office/powerpoint/2010/main" val="958839187"/>
+        <p14:creationId xmlns:p14="http://schemas.microsoft.com/office/powerpoint/2010/main" val="53807840"/>
       </p:ext>
     </p:extLst>
   </p:cSld>
@@ -6708,449 +6727,83 @@
       </p:grpSpPr>
       <p:sp>
         <p:nvSpPr>
-          <p:cNvPr id="4" name="מלבן 3">
-            <a:extLst>
-              <a:ext uri="{FF2B5EF4-FFF2-40B4-BE49-F238E27FC236}">
-                <a16:creationId xmlns:a16="http://schemas.microsoft.com/office/drawing/2014/main" id="{74609AB5-34A0-4526-AABA-E4DE4362E011}"/>
-              </a:ext>
-            </a:extLst>
-          </p:cNvPr>
-          <p:cNvSpPr/>
-          <p:nvPr/>
-        </p:nvSpPr>
-        <p:spPr>
-          <a:xfrm>
-            <a:off x="159798" y="3429000"/>
-            <a:ext cx="1109709" cy="852256"/>
-          </a:xfrm>
-          <a:prstGeom prst="rect">
-            <a:avLst/>
-          </a:prstGeom>
-        </p:spPr>
-        <p:style>
-          <a:lnRef idx="2">
-            <a:schemeClr val="accent1">
-              <a:shade val="50000"/>
-            </a:schemeClr>
-          </a:lnRef>
-          <a:fillRef idx="1">
-            <a:schemeClr val="accent1"/>
-          </a:fillRef>
-          <a:effectRef idx="0">
-            <a:schemeClr val="accent1"/>
-          </a:effectRef>
-          <a:fontRef idx="minor">
-            <a:schemeClr val="lt1"/>
-          </a:fontRef>
-        </p:style>
-        <p:txBody>
-          <a:bodyPr rtlCol="1" anchor="ctr"/>
-          <a:lstStyle/>
-          <a:p>
-            <a:pPr algn="ctr"/>
-            <a:r>
-              <a:rPr lang="en-US" dirty="0"/>
-              <a:t>Handle Empty Values</a:t>
-            </a:r>
-            <a:endParaRPr lang="he-IL" dirty="0"/>
-          </a:p>
-        </p:txBody>
-      </p:sp>
-      <p:sp>
-        <p:nvSpPr>
-          <p:cNvPr id="5" name="מלבן 4">
-            <a:extLst>
-              <a:ext uri="{FF2B5EF4-FFF2-40B4-BE49-F238E27FC236}">
-                <a16:creationId xmlns:a16="http://schemas.microsoft.com/office/drawing/2014/main" id="{E9DD5021-AEF6-441C-8775-E9DC0EF4F8AC}"/>
-              </a:ext>
-            </a:extLst>
-          </p:cNvPr>
-          <p:cNvSpPr/>
-          <p:nvPr/>
-        </p:nvSpPr>
-        <p:spPr>
-          <a:xfrm>
-            <a:off x="1519561" y="3429000"/>
-            <a:ext cx="1109709" cy="852256"/>
-          </a:xfrm>
-          <a:prstGeom prst="rect">
-            <a:avLst/>
-          </a:prstGeom>
-        </p:spPr>
-        <p:style>
-          <a:lnRef idx="2">
-            <a:schemeClr val="accent1">
-              <a:shade val="50000"/>
-            </a:schemeClr>
-          </a:lnRef>
-          <a:fillRef idx="1">
-            <a:schemeClr val="accent1"/>
-          </a:fillRef>
-          <a:effectRef idx="0">
-            <a:schemeClr val="accent1"/>
-          </a:effectRef>
-          <a:fontRef idx="minor">
-            <a:schemeClr val="lt1"/>
-          </a:fontRef>
-        </p:style>
-        <p:txBody>
-          <a:bodyPr rtlCol="1" anchor="ctr"/>
-          <a:lstStyle/>
-          <a:p>
-            <a:pPr algn="ctr"/>
-            <a:r>
-              <a:rPr lang="en-US" dirty="0"/>
-              <a:t>Handle variance</a:t>
-            </a:r>
-            <a:endParaRPr lang="he-IL" dirty="0"/>
-          </a:p>
-        </p:txBody>
-      </p:sp>
-      <p:sp>
-        <p:nvSpPr>
-          <p:cNvPr id="6" name="מלבן 5">
-            <a:extLst>
-              <a:ext uri="{FF2B5EF4-FFF2-40B4-BE49-F238E27FC236}">
-                <a16:creationId xmlns:a16="http://schemas.microsoft.com/office/drawing/2014/main" id="{F455A1AA-6082-4A3E-9532-8B7DFC1574DF}"/>
-              </a:ext>
-            </a:extLst>
-          </p:cNvPr>
-          <p:cNvSpPr/>
-          <p:nvPr/>
-        </p:nvSpPr>
-        <p:spPr>
-          <a:xfrm>
-            <a:off x="3882501" y="1642939"/>
-            <a:ext cx="1109709" cy="852256"/>
-          </a:xfrm>
-          <a:prstGeom prst="rect">
-            <a:avLst/>
-          </a:prstGeom>
-        </p:spPr>
-        <p:style>
-          <a:lnRef idx="2">
-            <a:schemeClr val="accent1">
-              <a:shade val="50000"/>
-            </a:schemeClr>
-          </a:lnRef>
-          <a:fillRef idx="1">
-            <a:schemeClr val="accent1"/>
-          </a:fillRef>
-          <a:effectRef idx="0">
-            <a:schemeClr val="accent1"/>
-          </a:effectRef>
-          <a:fontRef idx="minor">
-            <a:schemeClr val="lt1"/>
-          </a:fontRef>
-        </p:style>
-        <p:txBody>
-          <a:bodyPr rtlCol="1" anchor="ctr"/>
-          <a:lstStyle/>
-          <a:p>
-            <a:pPr algn="ctr"/>
-            <a:r>
-              <a:rPr lang="en-US" dirty="0"/>
-              <a:t>Discretization</a:t>
-            </a:r>
-            <a:endParaRPr lang="he-IL" dirty="0"/>
-          </a:p>
-        </p:txBody>
-      </p:sp>
-      <p:sp>
-        <p:nvSpPr>
-          <p:cNvPr id="7" name="מלבן 6">
-            <a:extLst>
-              <a:ext uri="{FF2B5EF4-FFF2-40B4-BE49-F238E27FC236}">
-                <a16:creationId xmlns:a16="http://schemas.microsoft.com/office/drawing/2014/main" id="{C5792502-C08D-4F48-AA09-8F4286D5944F}"/>
-              </a:ext>
-            </a:extLst>
-          </p:cNvPr>
-          <p:cNvSpPr/>
-          <p:nvPr/>
-        </p:nvSpPr>
-        <p:spPr>
-          <a:xfrm>
-            <a:off x="5442014" y="1642939"/>
-            <a:ext cx="1109709" cy="852256"/>
-          </a:xfrm>
-          <a:prstGeom prst="rect">
-            <a:avLst/>
-          </a:prstGeom>
-        </p:spPr>
-        <p:style>
-          <a:lnRef idx="2">
-            <a:schemeClr val="accent1">
-              <a:shade val="50000"/>
-            </a:schemeClr>
-          </a:lnRef>
-          <a:fillRef idx="1">
-            <a:schemeClr val="accent1"/>
-          </a:fillRef>
-          <a:effectRef idx="0">
-            <a:schemeClr val="accent1"/>
-          </a:effectRef>
-          <a:fontRef idx="minor">
-            <a:schemeClr val="lt1"/>
-          </a:fontRef>
-        </p:style>
-        <p:txBody>
-          <a:bodyPr rtlCol="1" anchor="ctr"/>
-          <a:lstStyle/>
-          <a:p>
-            <a:pPr algn="ctr"/>
-            <a:r>
-              <a:rPr lang="en-US" dirty="0" err="1"/>
-              <a:t>Enum</a:t>
-            </a:r>
-            <a:endParaRPr lang="he-IL" dirty="0"/>
-          </a:p>
-        </p:txBody>
-      </p:sp>
-      <p:sp>
-        <p:nvSpPr>
-          <p:cNvPr id="8" name="מלבן 7">
-            <a:extLst>
-              <a:ext uri="{FF2B5EF4-FFF2-40B4-BE49-F238E27FC236}">
-                <a16:creationId xmlns:a16="http://schemas.microsoft.com/office/drawing/2014/main" id="{144FAF8B-F585-439C-8E89-B59AED2B9610}"/>
-              </a:ext>
-            </a:extLst>
-          </p:cNvPr>
-          <p:cNvSpPr/>
-          <p:nvPr/>
-        </p:nvSpPr>
-        <p:spPr>
-          <a:xfrm>
-            <a:off x="7121374" y="1642939"/>
-            <a:ext cx="1109709" cy="852256"/>
-          </a:xfrm>
-          <a:prstGeom prst="rect">
-            <a:avLst/>
-          </a:prstGeom>
-        </p:spPr>
-        <p:style>
-          <a:lnRef idx="2">
-            <a:schemeClr val="accent1">
-              <a:shade val="50000"/>
-            </a:schemeClr>
-          </a:lnRef>
-          <a:fillRef idx="1">
-            <a:schemeClr val="accent1"/>
-          </a:fillRef>
-          <a:effectRef idx="0">
-            <a:schemeClr val="accent1"/>
-          </a:effectRef>
-          <a:fontRef idx="minor">
-            <a:schemeClr val="lt1"/>
-          </a:fontRef>
-        </p:style>
-        <p:txBody>
-          <a:bodyPr rtlCol="1" anchor="ctr"/>
-          <a:lstStyle/>
-          <a:p>
-            <a:pPr algn="ctr"/>
-            <a:r>
-              <a:rPr lang="en-US" dirty="0"/>
-              <a:t>FS</a:t>
-            </a:r>
-            <a:endParaRPr lang="he-IL" dirty="0"/>
-          </a:p>
-        </p:txBody>
-      </p:sp>
-      <p:sp>
-        <p:nvSpPr>
-          <p:cNvPr id="9" name="מלבן 8">
-            <a:extLst>
-              <a:ext uri="{FF2B5EF4-FFF2-40B4-BE49-F238E27FC236}">
-                <a16:creationId xmlns:a16="http://schemas.microsoft.com/office/drawing/2014/main" id="{93920802-7B02-401C-A236-795F3187EBC5}"/>
-              </a:ext>
-            </a:extLst>
-          </p:cNvPr>
-          <p:cNvSpPr/>
-          <p:nvPr/>
-        </p:nvSpPr>
-        <p:spPr>
-          <a:xfrm>
-            <a:off x="8623179" y="1642939"/>
-            <a:ext cx="1109709" cy="852256"/>
-          </a:xfrm>
-          <a:prstGeom prst="rect">
-            <a:avLst/>
-          </a:prstGeom>
-        </p:spPr>
-        <p:style>
-          <a:lnRef idx="2">
-            <a:schemeClr val="accent1">
-              <a:shade val="50000"/>
-            </a:schemeClr>
-          </a:lnRef>
-          <a:fillRef idx="1">
-            <a:schemeClr val="accent1"/>
-          </a:fillRef>
-          <a:effectRef idx="0">
-            <a:schemeClr val="accent1"/>
-          </a:effectRef>
-          <a:fontRef idx="minor">
-            <a:schemeClr val="lt1"/>
-          </a:fontRef>
-        </p:style>
-        <p:txBody>
-          <a:bodyPr rtlCol="1" anchor="ctr"/>
-          <a:lstStyle/>
-          <a:p>
-            <a:pPr algn="ctr"/>
-            <a:r>
-              <a:rPr lang="en-US" dirty="0"/>
-              <a:t>ALG</a:t>
-            </a:r>
-            <a:endParaRPr lang="he-IL" dirty="0"/>
-          </a:p>
-        </p:txBody>
-      </p:sp>
-      <p:sp>
-        <p:nvSpPr>
-          <p:cNvPr id="10" name="מלבן 9">
-            <a:extLst>
-              <a:ext uri="{FF2B5EF4-FFF2-40B4-BE49-F238E27FC236}">
-                <a16:creationId xmlns:a16="http://schemas.microsoft.com/office/drawing/2014/main" id="{5E9FC044-CAB1-40B3-AB95-441195FD6077}"/>
-              </a:ext>
-            </a:extLst>
-          </p:cNvPr>
-          <p:cNvSpPr/>
-          <p:nvPr/>
-        </p:nvSpPr>
-        <p:spPr>
-          <a:xfrm>
-            <a:off x="9920056" y="1642939"/>
-            <a:ext cx="1109709" cy="852256"/>
-          </a:xfrm>
-          <a:prstGeom prst="rect">
-            <a:avLst/>
-          </a:prstGeom>
-        </p:spPr>
-        <p:style>
-          <a:lnRef idx="2">
-            <a:schemeClr val="accent1">
-              <a:shade val="50000"/>
-            </a:schemeClr>
-          </a:lnRef>
-          <a:fillRef idx="1">
-            <a:schemeClr val="accent1"/>
-          </a:fillRef>
-          <a:effectRef idx="0">
-            <a:schemeClr val="accent1"/>
-          </a:effectRef>
-          <a:fontRef idx="minor">
-            <a:schemeClr val="lt1"/>
-          </a:fontRef>
-        </p:style>
-        <p:txBody>
-          <a:bodyPr rtlCol="1" anchor="ctr"/>
-          <a:lstStyle/>
-          <a:p>
-            <a:pPr algn="ctr"/>
-            <a:r>
-              <a:rPr lang="en-US" dirty="0"/>
-              <a:t>SCORE</a:t>
-            </a:r>
-            <a:endParaRPr lang="he-IL" dirty="0"/>
-          </a:p>
-        </p:txBody>
-      </p:sp>
-      <p:sp>
-        <p:nvSpPr>
-          <p:cNvPr id="11" name="מלבן 10">
-            <a:extLst>
-              <a:ext uri="{FF2B5EF4-FFF2-40B4-BE49-F238E27FC236}">
-                <a16:creationId xmlns:a16="http://schemas.microsoft.com/office/drawing/2014/main" id="{F2DA0E8C-25FD-4020-8F82-69843E774E23}"/>
-              </a:ext>
-            </a:extLst>
-          </p:cNvPr>
-          <p:cNvSpPr/>
-          <p:nvPr/>
-        </p:nvSpPr>
-        <p:spPr>
-          <a:xfrm>
-            <a:off x="11216933" y="1642939"/>
-            <a:ext cx="1109709" cy="852256"/>
-          </a:xfrm>
-          <a:prstGeom prst="rect">
-            <a:avLst/>
-          </a:prstGeom>
-        </p:spPr>
-        <p:style>
-          <a:lnRef idx="2">
-            <a:schemeClr val="accent1">
-              <a:shade val="50000"/>
-            </a:schemeClr>
-          </a:lnRef>
-          <a:fillRef idx="1">
-            <a:schemeClr val="accent1"/>
-          </a:fillRef>
-          <a:effectRef idx="0">
-            <a:schemeClr val="accent1"/>
-          </a:effectRef>
-          <a:fontRef idx="minor">
-            <a:schemeClr val="lt1"/>
-          </a:fontRef>
-        </p:style>
-        <p:txBody>
-          <a:bodyPr rtlCol="1" anchor="ctr"/>
-          <a:lstStyle/>
-          <a:p>
-            <a:pPr algn="ctr"/>
-            <a:r>
-              <a:rPr lang="en-US" dirty="0"/>
-              <a:t>RESULT</a:t>
-            </a:r>
-            <a:endParaRPr lang="he-IL" dirty="0"/>
-          </a:p>
-        </p:txBody>
-      </p:sp>
-      <p:sp>
-        <p:nvSpPr>
-          <p:cNvPr id="12" name="מלבן 11">
-            <a:extLst>
-              <a:ext uri="{FF2B5EF4-FFF2-40B4-BE49-F238E27FC236}">
-                <a16:creationId xmlns:a16="http://schemas.microsoft.com/office/drawing/2014/main" id="{47E76C13-4B61-4E05-B82D-64A274AF8A75}"/>
-              </a:ext>
-            </a:extLst>
-          </p:cNvPr>
-          <p:cNvSpPr/>
-          <p:nvPr/>
-        </p:nvSpPr>
-        <p:spPr>
-          <a:xfrm>
-            <a:off x="2879324" y="3429000"/>
-            <a:ext cx="1109709" cy="852256"/>
-          </a:xfrm>
-          <a:prstGeom prst="rect">
-            <a:avLst/>
-          </a:prstGeom>
-        </p:spPr>
-        <p:style>
-          <a:lnRef idx="2">
-            <a:schemeClr val="accent1">
-              <a:shade val="50000"/>
-            </a:schemeClr>
-          </a:lnRef>
-          <a:fillRef idx="1">
-            <a:schemeClr val="accent1"/>
-          </a:fillRef>
-          <a:effectRef idx="0">
-            <a:schemeClr val="accent1"/>
-          </a:effectRef>
-          <a:fontRef idx="minor">
-            <a:schemeClr val="lt1"/>
-          </a:fontRef>
-        </p:style>
-        <p:txBody>
-          <a:bodyPr rtlCol="1" anchor="ctr"/>
-          <a:lstStyle/>
-          <a:p>
-            <a:pPr algn="ctr"/>
-            <a:r>
-              <a:rPr lang="en-US" dirty="0"/>
-              <a:t>Feature Scaling</a:t>
+          <p:cNvPr id="2" name="כותרת 1">
+            <a:extLst>
+              <a:ext uri="{FF2B5EF4-FFF2-40B4-BE49-F238E27FC236}">
+                <a16:creationId xmlns:a16="http://schemas.microsoft.com/office/drawing/2014/main" id="{5EECF68F-C804-4917-9B95-AB8F72AC1390}"/>
+              </a:ext>
+            </a:extLst>
+          </p:cNvPr>
+          <p:cNvSpPr>
+            <a:spLocks noGrp="1"/>
+          </p:cNvSpPr>
+          <p:nvPr>
+            <p:ph type="title"/>
+          </p:nvPr>
+        </p:nvSpPr>
+        <p:spPr/>
+        <p:txBody>
+          <a:bodyPr/>
+          <a:lstStyle/>
+          <a:p>
+            <a:r>
+              <a:rPr lang="he-IL" dirty="0"/>
+              <a:t>מושגים להשלמה</a:t>
+            </a:r>
+          </a:p>
+        </p:txBody>
+      </p:sp>
+      <p:sp>
+        <p:nvSpPr>
+          <p:cNvPr id="3" name="מציין מיקום תוכן 2">
+            <a:extLst>
+              <a:ext uri="{FF2B5EF4-FFF2-40B4-BE49-F238E27FC236}">
+                <a16:creationId xmlns:a16="http://schemas.microsoft.com/office/drawing/2014/main" id="{2DBF896A-F127-462E-9205-DCA9CD225491}"/>
+              </a:ext>
+            </a:extLst>
+          </p:cNvPr>
+          <p:cNvSpPr>
+            <a:spLocks noGrp="1"/>
+          </p:cNvSpPr>
+          <p:nvPr>
+            <p:ph idx="1"/>
+          </p:nvPr>
+        </p:nvSpPr>
+        <p:spPr/>
+        <p:txBody>
+          <a:bodyPr/>
+          <a:lstStyle/>
+          <a:p>
+            <a:r>
+              <a:rPr lang="en-US" dirty="0"/>
+              <a:t>Back propagation function</a:t>
+            </a:r>
+            <a:endParaRPr lang="he-IL" dirty="0"/>
+          </a:p>
+          <a:p>
+            <a:r>
+              <a:rPr lang="en-US" dirty="0"/>
+              <a:t>Linear Discriminant Analysis</a:t>
+            </a:r>
+            <a:endParaRPr lang="he-IL" dirty="0"/>
+          </a:p>
+          <a:p>
+            <a:pPr lvl="1"/>
+            <a:r>
+              <a:rPr lang="he-IL" dirty="0"/>
+              <a:t>משמש ל </a:t>
+            </a:r>
+            <a:r>
+              <a:rPr lang="en-US" dirty="0"/>
+              <a:t>classify</a:t>
+            </a:r>
+            <a:r>
+              <a:rPr lang="he-IL" dirty="0"/>
+              <a:t> על בסיס </a:t>
+            </a:r>
+            <a:r>
+              <a:rPr lang="en-US" dirty="0"/>
+              <a:t>variance</a:t>
             </a:r>
             <a:endParaRPr lang="he-IL" dirty="0"/>
           </a:p>
@@ -7159,7 +6812,7 @@
     </p:spTree>
     <p:extLst>
       <p:ext uri="{BB962C8B-B14F-4D97-AF65-F5344CB8AC3E}">
-        <p14:creationId xmlns:p14="http://schemas.microsoft.com/office/powerpoint/2010/main" val="1488967984"/>
+        <p14:creationId xmlns:p14="http://schemas.microsoft.com/office/powerpoint/2010/main" val="958839187"/>
       </p:ext>
     </p:extLst>
   </p:cSld>
@@ -7186,6 +6839,486 @@
           <a:chExt cx="0" cy="0"/>
         </a:xfrm>
       </p:grpSpPr>
+      <p:sp>
+        <p:nvSpPr>
+          <p:cNvPr id="4" name="מלבן 3">
+            <a:extLst>
+              <a:ext uri="{FF2B5EF4-FFF2-40B4-BE49-F238E27FC236}">
+                <a16:creationId xmlns:a16="http://schemas.microsoft.com/office/drawing/2014/main" id="{74609AB5-34A0-4526-AABA-E4DE4362E011}"/>
+              </a:ext>
+            </a:extLst>
+          </p:cNvPr>
+          <p:cNvSpPr/>
+          <p:nvPr/>
+        </p:nvSpPr>
+        <p:spPr>
+          <a:xfrm>
+            <a:off x="159798" y="3429000"/>
+            <a:ext cx="1109709" cy="852256"/>
+          </a:xfrm>
+          <a:prstGeom prst="rect">
+            <a:avLst/>
+          </a:prstGeom>
+        </p:spPr>
+        <p:style>
+          <a:lnRef idx="2">
+            <a:schemeClr val="accent1">
+              <a:shade val="50000"/>
+            </a:schemeClr>
+          </a:lnRef>
+          <a:fillRef idx="1">
+            <a:schemeClr val="accent1"/>
+          </a:fillRef>
+          <a:effectRef idx="0">
+            <a:schemeClr val="accent1"/>
+          </a:effectRef>
+          <a:fontRef idx="minor">
+            <a:schemeClr val="lt1"/>
+          </a:fontRef>
+        </p:style>
+        <p:txBody>
+          <a:bodyPr rtlCol="1" anchor="ctr"/>
+          <a:lstStyle/>
+          <a:p>
+            <a:pPr algn="ctr"/>
+            <a:r>
+              <a:rPr lang="en-US" dirty="0"/>
+              <a:t>Handle Empty Values</a:t>
+            </a:r>
+            <a:endParaRPr lang="he-IL" dirty="0"/>
+          </a:p>
+        </p:txBody>
+      </p:sp>
+      <p:sp>
+        <p:nvSpPr>
+          <p:cNvPr id="5" name="מלבן 4">
+            <a:extLst>
+              <a:ext uri="{FF2B5EF4-FFF2-40B4-BE49-F238E27FC236}">
+                <a16:creationId xmlns:a16="http://schemas.microsoft.com/office/drawing/2014/main" id="{E9DD5021-AEF6-441C-8775-E9DC0EF4F8AC}"/>
+              </a:ext>
+            </a:extLst>
+          </p:cNvPr>
+          <p:cNvSpPr/>
+          <p:nvPr/>
+        </p:nvSpPr>
+        <p:spPr>
+          <a:xfrm>
+            <a:off x="1519561" y="3429000"/>
+            <a:ext cx="1109709" cy="852256"/>
+          </a:xfrm>
+          <a:prstGeom prst="rect">
+            <a:avLst/>
+          </a:prstGeom>
+        </p:spPr>
+        <p:style>
+          <a:lnRef idx="2">
+            <a:schemeClr val="accent1">
+              <a:shade val="50000"/>
+            </a:schemeClr>
+          </a:lnRef>
+          <a:fillRef idx="1">
+            <a:schemeClr val="accent1"/>
+          </a:fillRef>
+          <a:effectRef idx="0">
+            <a:schemeClr val="accent1"/>
+          </a:effectRef>
+          <a:fontRef idx="minor">
+            <a:schemeClr val="lt1"/>
+          </a:fontRef>
+        </p:style>
+        <p:txBody>
+          <a:bodyPr rtlCol="1" anchor="ctr"/>
+          <a:lstStyle/>
+          <a:p>
+            <a:pPr algn="ctr"/>
+            <a:r>
+              <a:rPr lang="en-US" dirty="0"/>
+              <a:t>Handle variance</a:t>
+            </a:r>
+            <a:endParaRPr lang="he-IL" dirty="0"/>
+          </a:p>
+        </p:txBody>
+      </p:sp>
+      <p:sp>
+        <p:nvSpPr>
+          <p:cNvPr id="6" name="מלבן 5">
+            <a:extLst>
+              <a:ext uri="{FF2B5EF4-FFF2-40B4-BE49-F238E27FC236}">
+                <a16:creationId xmlns:a16="http://schemas.microsoft.com/office/drawing/2014/main" id="{F455A1AA-6082-4A3E-9532-8B7DFC1574DF}"/>
+              </a:ext>
+            </a:extLst>
+          </p:cNvPr>
+          <p:cNvSpPr/>
+          <p:nvPr/>
+        </p:nvSpPr>
+        <p:spPr>
+          <a:xfrm>
+            <a:off x="3882501" y="1642939"/>
+            <a:ext cx="1109709" cy="852256"/>
+          </a:xfrm>
+          <a:prstGeom prst="rect">
+            <a:avLst/>
+          </a:prstGeom>
+        </p:spPr>
+        <p:style>
+          <a:lnRef idx="2">
+            <a:schemeClr val="accent1">
+              <a:shade val="50000"/>
+            </a:schemeClr>
+          </a:lnRef>
+          <a:fillRef idx="1">
+            <a:schemeClr val="accent1"/>
+          </a:fillRef>
+          <a:effectRef idx="0">
+            <a:schemeClr val="accent1"/>
+          </a:effectRef>
+          <a:fontRef idx="minor">
+            <a:schemeClr val="lt1"/>
+          </a:fontRef>
+        </p:style>
+        <p:txBody>
+          <a:bodyPr rtlCol="1" anchor="ctr"/>
+          <a:lstStyle/>
+          <a:p>
+            <a:pPr algn="ctr"/>
+            <a:r>
+              <a:rPr lang="en-US" dirty="0"/>
+              <a:t>Discretization</a:t>
+            </a:r>
+            <a:endParaRPr lang="he-IL" dirty="0"/>
+          </a:p>
+        </p:txBody>
+      </p:sp>
+      <p:sp>
+        <p:nvSpPr>
+          <p:cNvPr id="7" name="מלבן 6">
+            <a:extLst>
+              <a:ext uri="{FF2B5EF4-FFF2-40B4-BE49-F238E27FC236}">
+                <a16:creationId xmlns:a16="http://schemas.microsoft.com/office/drawing/2014/main" id="{C5792502-C08D-4F48-AA09-8F4286D5944F}"/>
+              </a:ext>
+            </a:extLst>
+          </p:cNvPr>
+          <p:cNvSpPr/>
+          <p:nvPr/>
+        </p:nvSpPr>
+        <p:spPr>
+          <a:xfrm>
+            <a:off x="5442014" y="1642939"/>
+            <a:ext cx="1109709" cy="852256"/>
+          </a:xfrm>
+          <a:prstGeom prst="rect">
+            <a:avLst/>
+          </a:prstGeom>
+        </p:spPr>
+        <p:style>
+          <a:lnRef idx="2">
+            <a:schemeClr val="accent1">
+              <a:shade val="50000"/>
+            </a:schemeClr>
+          </a:lnRef>
+          <a:fillRef idx="1">
+            <a:schemeClr val="accent1"/>
+          </a:fillRef>
+          <a:effectRef idx="0">
+            <a:schemeClr val="accent1"/>
+          </a:effectRef>
+          <a:fontRef idx="minor">
+            <a:schemeClr val="lt1"/>
+          </a:fontRef>
+        </p:style>
+        <p:txBody>
+          <a:bodyPr rtlCol="1" anchor="ctr"/>
+          <a:lstStyle/>
+          <a:p>
+            <a:pPr algn="ctr"/>
+            <a:r>
+              <a:rPr lang="en-US" dirty="0" err="1"/>
+              <a:t>Enum</a:t>
+            </a:r>
+            <a:endParaRPr lang="he-IL" dirty="0"/>
+          </a:p>
+        </p:txBody>
+      </p:sp>
+      <p:sp>
+        <p:nvSpPr>
+          <p:cNvPr id="8" name="מלבן 7">
+            <a:extLst>
+              <a:ext uri="{FF2B5EF4-FFF2-40B4-BE49-F238E27FC236}">
+                <a16:creationId xmlns:a16="http://schemas.microsoft.com/office/drawing/2014/main" id="{144FAF8B-F585-439C-8E89-B59AED2B9610}"/>
+              </a:ext>
+            </a:extLst>
+          </p:cNvPr>
+          <p:cNvSpPr/>
+          <p:nvPr/>
+        </p:nvSpPr>
+        <p:spPr>
+          <a:xfrm>
+            <a:off x="7121374" y="1642939"/>
+            <a:ext cx="1109709" cy="852256"/>
+          </a:xfrm>
+          <a:prstGeom prst="rect">
+            <a:avLst/>
+          </a:prstGeom>
+        </p:spPr>
+        <p:style>
+          <a:lnRef idx="2">
+            <a:schemeClr val="accent1">
+              <a:shade val="50000"/>
+            </a:schemeClr>
+          </a:lnRef>
+          <a:fillRef idx="1">
+            <a:schemeClr val="accent1"/>
+          </a:fillRef>
+          <a:effectRef idx="0">
+            <a:schemeClr val="accent1"/>
+          </a:effectRef>
+          <a:fontRef idx="minor">
+            <a:schemeClr val="lt1"/>
+          </a:fontRef>
+        </p:style>
+        <p:txBody>
+          <a:bodyPr rtlCol="1" anchor="ctr"/>
+          <a:lstStyle/>
+          <a:p>
+            <a:pPr algn="ctr"/>
+            <a:r>
+              <a:rPr lang="en-US" dirty="0"/>
+              <a:t>FS</a:t>
+            </a:r>
+            <a:endParaRPr lang="he-IL" dirty="0"/>
+          </a:p>
+        </p:txBody>
+      </p:sp>
+      <p:sp>
+        <p:nvSpPr>
+          <p:cNvPr id="9" name="מלבן 8">
+            <a:extLst>
+              <a:ext uri="{FF2B5EF4-FFF2-40B4-BE49-F238E27FC236}">
+                <a16:creationId xmlns:a16="http://schemas.microsoft.com/office/drawing/2014/main" id="{93920802-7B02-401C-A236-795F3187EBC5}"/>
+              </a:ext>
+            </a:extLst>
+          </p:cNvPr>
+          <p:cNvSpPr/>
+          <p:nvPr/>
+        </p:nvSpPr>
+        <p:spPr>
+          <a:xfrm>
+            <a:off x="8623179" y="1642939"/>
+            <a:ext cx="1109709" cy="852256"/>
+          </a:xfrm>
+          <a:prstGeom prst="rect">
+            <a:avLst/>
+          </a:prstGeom>
+        </p:spPr>
+        <p:style>
+          <a:lnRef idx="2">
+            <a:schemeClr val="accent1">
+              <a:shade val="50000"/>
+            </a:schemeClr>
+          </a:lnRef>
+          <a:fillRef idx="1">
+            <a:schemeClr val="accent1"/>
+          </a:fillRef>
+          <a:effectRef idx="0">
+            <a:schemeClr val="accent1"/>
+          </a:effectRef>
+          <a:fontRef idx="minor">
+            <a:schemeClr val="lt1"/>
+          </a:fontRef>
+        </p:style>
+        <p:txBody>
+          <a:bodyPr rtlCol="1" anchor="ctr"/>
+          <a:lstStyle/>
+          <a:p>
+            <a:pPr algn="ctr"/>
+            <a:r>
+              <a:rPr lang="en-US" dirty="0"/>
+              <a:t>ALG</a:t>
+            </a:r>
+            <a:endParaRPr lang="he-IL" dirty="0"/>
+          </a:p>
+        </p:txBody>
+      </p:sp>
+      <p:sp>
+        <p:nvSpPr>
+          <p:cNvPr id="10" name="מלבן 9">
+            <a:extLst>
+              <a:ext uri="{FF2B5EF4-FFF2-40B4-BE49-F238E27FC236}">
+                <a16:creationId xmlns:a16="http://schemas.microsoft.com/office/drawing/2014/main" id="{5E9FC044-CAB1-40B3-AB95-441195FD6077}"/>
+              </a:ext>
+            </a:extLst>
+          </p:cNvPr>
+          <p:cNvSpPr/>
+          <p:nvPr/>
+        </p:nvSpPr>
+        <p:spPr>
+          <a:xfrm>
+            <a:off x="9920056" y="1642939"/>
+            <a:ext cx="1109709" cy="852256"/>
+          </a:xfrm>
+          <a:prstGeom prst="rect">
+            <a:avLst/>
+          </a:prstGeom>
+        </p:spPr>
+        <p:style>
+          <a:lnRef idx="2">
+            <a:schemeClr val="accent1">
+              <a:shade val="50000"/>
+            </a:schemeClr>
+          </a:lnRef>
+          <a:fillRef idx="1">
+            <a:schemeClr val="accent1"/>
+          </a:fillRef>
+          <a:effectRef idx="0">
+            <a:schemeClr val="accent1"/>
+          </a:effectRef>
+          <a:fontRef idx="minor">
+            <a:schemeClr val="lt1"/>
+          </a:fontRef>
+        </p:style>
+        <p:txBody>
+          <a:bodyPr rtlCol="1" anchor="ctr"/>
+          <a:lstStyle/>
+          <a:p>
+            <a:pPr algn="ctr"/>
+            <a:r>
+              <a:rPr lang="en-US" dirty="0"/>
+              <a:t>SCORE</a:t>
+            </a:r>
+            <a:endParaRPr lang="he-IL" dirty="0"/>
+          </a:p>
+        </p:txBody>
+      </p:sp>
+      <p:sp>
+        <p:nvSpPr>
+          <p:cNvPr id="11" name="מלבן 10">
+            <a:extLst>
+              <a:ext uri="{FF2B5EF4-FFF2-40B4-BE49-F238E27FC236}">
+                <a16:creationId xmlns:a16="http://schemas.microsoft.com/office/drawing/2014/main" id="{F2DA0E8C-25FD-4020-8F82-69843E774E23}"/>
+              </a:ext>
+            </a:extLst>
+          </p:cNvPr>
+          <p:cNvSpPr/>
+          <p:nvPr/>
+        </p:nvSpPr>
+        <p:spPr>
+          <a:xfrm>
+            <a:off x="11216933" y="1642939"/>
+            <a:ext cx="1109709" cy="852256"/>
+          </a:xfrm>
+          <a:prstGeom prst="rect">
+            <a:avLst/>
+          </a:prstGeom>
+        </p:spPr>
+        <p:style>
+          <a:lnRef idx="2">
+            <a:schemeClr val="accent1">
+              <a:shade val="50000"/>
+            </a:schemeClr>
+          </a:lnRef>
+          <a:fillRef idx="1">
+            <a:schemeClr val="accent1"/>
+          </a:fillRef>
+          <a:effectRef idx="0">
+            <a:schemeClr val="accent1"/>
+          </a:effectRef>
+          <a:fontRef idx="minor">
+            <a:schemeClr val="lt1"/>
+          </a:fontRef>
+        </p:style>
+        <p:txBody>
+          <a:bodyPr rtlCol="1" anchor="ctr"/>
+          <a:lstStyle/>
+          <a:p>
+            <a:pPr algn="ctr"/>
+            <a:r>
+              <a:rPr lang="en-US" dirty="0"/>
+              <a:t>RESULT</a:t>
+            </a:r>
+            <a:endParaRPr lang="he-IL" dirty="0"/>
+          </a:p>
+        </p:txBody>
+      </p:sp>
+      <p:sp>
+        <p:nvSpPr>
+          <p:cNvPr id="12" name="מלבן 11">
+            <a:extLst>
+              <a:ext uri="{FF2B5EF4-FFF2-40B4-BE49-F238E27FC236}">
+                <a16:creationId xmlns:a16="http://schemas.microsoft.com/office/drawing/2014/main" id="{47E76C13-4B61-4E05-B82D-64A274AF8A75}"/>
+              </a:ext>
+            </a:extLst>
+          </p:cNvPr>
+          <p:cNvSpPr/>
+          <p:nvPr/>
+        </p:nvSpPr>
+        <p:spPr>
+          <a:xfrm>
+            <a:off x="2879324" y="3429000"/>
+            <a:ext cx="1109709" cy="852256"/>
+          </a:xfrm>
+          <a:prstGeom prst="rect">
+            <a:avLst/>
+          </a:prstGeom>
+        </p:spPr>
+        <p:style>
+          <a:lnRef idx="2">
+            <a:schemeClr val="accent1">
+              <a:shade val="50000"/>
+            </a:schemeClr>
+          </a:lnRef>
+          <a:fillRef idx="1">
+            <a:schemeClr val="accent1"/>
+          </a:fillRef>
+          <a:effectRef idx="0">
+            <a:schemeClr val="accent1"/>
+          </a:effectRef>
+          <a:fontRef idx="minor">
+            <a:schemeClr val="lt1"/>
+          </a:fontRef>
+        </p:style>
+        <p:txBody>
+          <a:bodyPr rtlCol="1" anchor="ctr"/>
+          <a:lstStyle/>
+          <a:p>
+            <a:pPr algn="ctr"/>
+            <a:r>
+              <a:rPr lang="en-US" dirty="0"/>
+              <a:t>Feature Scaling</a:t>
+            </a:r>
+            <a:endParaRPr lang="he-IL" dirty="0"/>
+          </a:p>
+        </p:txBody>
+      </p:sp>
+    </p:spTree>
+    <p:extLst>
+      <p:ext uri="{BB962C8B-B14F-4D97-AF65-F5344CB8AC3E}">
+        <p14:creationId xmlns:p14="http://schemas.microsoft.com/office/powerpoint/2010/main" val="1488967984"/>
+      </p:ext>
+    </p:extLst>
+  </p:cSld>
+  <p:clrMapOvr>
+    <a:masterClrMapping/>
+  </p:clrMapOvr>
+</p:sld>
+</file>
+
+<file path=ppt/slides/slide26.xml><?xml version="1.0" encoding="utf-8"?>
+<p:sld xmlns:a="http://schemas.openxmlformats.org/drawingml/2006/main" xmlns:r="http://schemas.openxmlformats.org/officeDocument/2006/relationships" xmlns:p="http://schemas.openxmlformats.org/presentationml/2006/main">
+  <p:cSld>
+    <p:spTree>
+      <p:nvGrpSpPr>
+        <p:cNvPr id="1" name=""/>
+        <p:cNvGrpSpPr/>
+        <p:nvPr/>
+      </p:nvGrpSpPr>
+      <p:grpSpPr>
+        <a:xfrm>
+          <a:off x="0" y="0"/>
+          <a:ext cx="0" cy="0"/>
+          <a:chOff x="0" y="0"/>
+          <a:chExt cx="0" cy="0"/>
+        </a:xfrm>
+      </p:grpSpPr>
       <p:pic>
         <p:nvPicPr>
           <p:cNvPr id="1026" name="Picture 2">
@@ -7588,132 +7721,6 @@
 </p:sld>
 </file>
 
-<file path=ppt/slides/slide26.xml><?xml version="1.0" encoding="utf-8"?>
-<p:sld xmlns:a="http://schemas.openxmlformats.org/drawingml/2006/main" xmlns:r="http://schemas.openxmlformats.org/officeDocument/2006/relationships" xmlns:p="http://schemas.openxmlformats.org/presentationml/2006/main">
-  <p:cSld>
-    <p:spTree>
-      <p:nvGrpSpPr>
-        <p:cNvPr id="1" name=""/>
-        <p:cNvGrpSpPr/>
-        <p:nvPr/>
-      </p:nvGrpSpPr>
-      <p:grpSpPr>
-        <a:xfrm>
-          <a:off x="0" y="0"/>
-          <a:ext cx="0" cy="0"/>
-          <a:chOff x="0" y="0"/>
-          <a:chExt cx="0" cy="0"/>
-        </a:xfrm>
-      </p:grpSpPr>
-      <p:sp>
-        <p:nvSpPr>
-          <p:cNvPr id="2" name="כותרת 1">
-            <a:extLst>
-              <a:ext uri="{FF2B5EF4-FFF2-40B4-BE49-F238E27FC236}">
-                <a16:creationId xmlns:a16="http://schemas.microsoft.com/office/drawing/2014/main" id="{B3DECD05-1091-405F-9DAA-0C4DFD47CC50}"/>
-              </a:ext>
-            </a:extLst>
-          </p:cNvPr>
-          <p:cNvSpPr>
-            <a:spLocks noGrp="1"/>
-          </p:cNvSpPr>
-          <p:nvPr>
-            <p:ph type="title"/>
-          </p:nvPr>
-        </p:nvSpPr>
-        <p:spPr/>
-        <p:txBody>
-          <a:bodyPr/>
-          <a:lstStyle/>
-          <a:p>
-            <a:r>
-              <a:rPr lang="en-US" dirty="0"/>
-              <a:t>Classifications models</a:t>
-            </a:r>
-            <a:endParaRPr lang="he-IL" dirty="0"/>
-          </a:p>
-        </p:txBody>
-      </p:sp>
-      <p:sp>
-        <p:nvSpPr>
-          <p:cNvPr id="3" name="מציין מיקום תוכן 2">
-            <a:extLst>
-              <a:ext uri="{FF2B5EF4-FFF2-40B4-BE49-F238E27FC236}">
-                <a16:creationId xmlns:a16="http://schemas.microsoft.com/office/drawing/2014/main" id="{C39E8CC5-CF2E-44AE-B485-88D655295875}"/>
-              </a:ext>
-            </a:extLst>
-          </p:cNvPr>
-          <p:cNvSpPr>
-            <a:spLocks noGrp="1"/>
-          </p:cNvSpPr>
-          <p:nvPr>
-            <p:ph idx="1"/>
-          </p:nvPr>
-        </p:nvSpPr>
-        <p:spPr/>
-        <p:txBody>
-          <a:bodyPr/>
-          <a:lstStyle/>
-          <a:p>
-            <a:r>
-              <a:rPr lang="en-US" dirty="0"/>
-              <a:t>Logistic Regression</a:t>
-            </a:r>
-          </a:p>
-          <a:p>
-            <a:r>
-              <a:rPr lang="en-US" dirty="0"/>
-              <a:t>Linear Discrimination Analysis</a:t>
-            </a:r>
-          </a:p>
-          <a:p>
-            <a:r>
-              <a:rPr lang="en-US" dirty="0"/>
-              <a:t>KNN</a:t>
-            </a:r>
-          </a:p>
-          <a:p>
-            <a:r>
-              <a:rPr lang="en-US" dirty="0"/>
-              <a:t>Decision Tree / Random Forest</a:t>
-            </a:r>
-          </a:p>
-          <a:p>
-            <a:r>
-              <a:rPr lang="en-US" dirty="0"/>
-              <a:t>Naïve Bayes</a:t>
-            </a:r>
-          </a:p>
-          <a:p>
-            <a:r>
-              <a:rPr lang="en-US" dirty="0"/>
-              <a:t>SVM</a:t>
-            </a:r>
-          </a:p>
-          <a:p>
-            <a:r>
-              <a:rPr lang="en-US" dirty="0"/>
-              <a:t>Multi-Layer Perceptron</a:t>
-            </a:r>
-          </a:p>
-          <a:p>
-            <a:endParaRPr lang="he-IL" dirty="0"/>
-          </a:p>
-        </p:txBody>
-      </p:sp>
-    </p:spTree>
-    <p:extLst>
-      <p:ext uri="{BB962C8B-B14F-4D97-AF65-F5344CB8AC3E}">
-        <p14:creationId xmlns:p14="http://schemas.microsoft.com/office/powerpoint/2010/main" val="826418132"/>
-      </p:ext>
-    </p:extLst>
-  </p:cSld>
-  <p:clrMapOvr>
-    <a:masterClrMapping/>
-  </p:clrMapOvr>
-</p:sld>
-</file>
-
 <file path=ppt/slides/slide27.xml><?xml version="1.0" encoding="utf-8"?>
 <p:sld xmlns:a="http://schemas.openxmlformats.org/drawingml/2006/main" xmlns:r="http://schemas.openxmlformats.org/officeDocument/2006/relationships" xmlns:p="http://schemas.openxmlformats.org/presentationml/2006/main">
   <p:cSld>
@@ -7736,6 +7743,132 @@
           <p:cNvPr id="2" name="כותרת 1">
             <a:extLst>
               <a:ext uri="{FF2B5EF4-FFF2-40B4-BE49-F238E27FC236}">
+                <a16:creationId xmlns:a16="http://schemas.microsoft.com/office/drawing/2014/main" id="{B3DECD05-1091-405F-9DAA-0C4DFD47CC50}"/>
+              </a:ext>
+            </a:extLst>
+          </p:cNvPr>
+          <p:cNvSpPr>
+            <a:spLocks noGrp="1"/>
+          </p:cNvSpPr>
+          <p:nvPr>
+            <p:ph type="title"/>
+          </p:nvPr>
+        </p:nvSpPr>
+        <p:spPr/>
+        <p:txBody>
+          <a:bodyPr/>
+          <a:lstStyle/>
+          <a:p>
+            <a:r>
+              <a:rPr lang="en-US" dirty="0"/>
+              <a:t>Classifications models</a:t>
+            </a:r>
+            <a:endParaRPr lang="he-IL" dirty="0"/>
+          </a:p>
+        </p:txBody>
+      </p:sp>
+      <p:sp>
+        <p:nvSpPr>
+          <p:cNvPr id="3" name="מציין מיקום תוכן 2">
+            <a:extLst>
+              <a:ext uri="{FF2B5EF4-FFF2-40B4-BE49-F238E27FC236}">
+                <a16:creationId xmlns:a16="http://schemas.microsoft.com/office/drawing/2014/main" id="{C39E8CC5-CF2E-44AE-B485-88D655295875}"/>
+              </a:ext>
+            </a:extLst>
+          </p:cNvPr>
+          <p:cNvSpPr>
+            <a:spLocks noGrp="1"/>
+          </p:cNvSpPr>
+          <p:nvPr>
+            <p:ph idx="1"/>
+          </p:nvPr>
+        </p:nvSpPr>
+        <p:spPr/>
+        <p:txBody>
+          <a:bodyPr/>
+          <a:lstStyle/>
+          <a:p>
+            <a:r>
+              <a:rPr lang="en-US" dirty="0"/>
+              <a:t>Logistic Regression</a:t>
+            </a:r>
+          </a:p>
+          <a:p>
+            <a:r>
+              <a:rPr lang="en-US" dirty="0"/>
+              <a:t>Linear Discrimination Analysis</a:t>
+            </a:r>
+          </a:p>
+          <a:p>
+            <a:r>
+              <a:rPr lang="en-US" dirty="0"/>
+              <a:t>KNN</a:t>
+            </a:r>
+          </a:p>
+          <a:p>
+            <a:r>
+              <a:rPr lang="en-US" dirty="0"/>
+              <a:t>Decision Tree / Random Forest</a:t>
+            </a:r>
+          </a:p>
+          <a:p>
+            <a:r>
+              <a:rPr lang="en-US" dirty="0"/>
+              <a:t>Naïve Bayes</a:t>
+            </a:r>
+          </a:p>
+          <a:p>
+            <a:r>
+              <a:rPr lang="en-US" dirty="0"/>
+              <a:t>SVM</a:t>
+            </a:r>
+          </a:p>
+          <a:p>
+            <a:r>
+              <a:rPr lang="en-US" dirty="0"/>
+              <a:t>Multi-Layer Perceptron</a:t>
+            </a:r>
+          </a:p>
+          <a:p>
+            <a:endParaRPr lang="he-IL" dirty="0"/>
+          </a:p>
+        </p:txBody>
+      </p:sp>
+    </p:spTree>
+    <p:extLst>
+      <p:ext uri="{BB962C8B-B14F-4D97-AF65-F5344CB8AC3E}">
+        <p14:creationId xmlns:p14="http://schemas.microsoft.com/office/powerpoint/2010/main" val="826418132"/>
+      </p:ext>
+    </p:extLst>
+  </p:cSld>
+  <p:clrMapOvr>
+    <a:masterClrMapping/>
+  </p:clrMapOvr>
+</p:sld>
+</file>
+
+<file path=ppt/slides/slide28.xml><?xml version="1.0" encoding="utf-8"?>
+<p:sld xmlns:a="http://schemas.openxmlformats.org/drawingml/2006/main" xmlns:r="http://schemas.openxmlformats.org/officeDocument/2006/relationships" xmlns:p="http://schemas.openxmlformats.org/presentationml/2006/main">
+  <p:cSld>
+    <p:spTree>
+      <p:nvGrpSpPr>
+        <p:cNvPr id="1" name=""/>
+        <p:cNvGrpSpPr/>
+        <p:nvPr/>
+      </p:nvGrpSpPr>
+      <p:grpSpPr>
+        <a:xfrm>
+          <a:off x="0" y="0"/>
+          <a:ext cx="0" cy="0"/>
+          <a:chOff x="0" y="0"/>
+          <a:chExt cx="0" cy="0"/>
+        </a:xfrm>
+      </p:grpSpPr>
+      <p:sp>
+        <p:nvSpPr>
+          <p:cNvPr id="2" name="כותרת 1">
+            <a:extLst>
+              <a:ext uri="{FF2B5EF4-FFF2-40B4-BE49-F238E27FC236}">
                 <a16:creationId xmlns:a16="http://schemas.microsoft.com/office/drawing/2014/main" id="{A93F3B18-1992-44CA-9CCF-79F5F16E8B3A}"/>
               </a:ext>
             </a:extLst>
@@ -7813,6 +7946,41 @@
               <a:rPr lang="he-IL" dirty="0"/>
               <a:t> ומחזיר את הטוב שבהם</a:t>
             </a:r>
+          </a:p>
+          <a:p>
+            <a:pPr lvl="1"/>
+            <a:r>
+              <a:rPr lang="he-IL" dirty="0"/>
+              <a:t>מתבצע עם </a:t>
+            </a:r>
+            <a:r>
+              <a:rPr lang="en-US" dirty="0"/>
+              <a:t>KFOLD</a:t>
+            </a:r>
+            <a:r>
+              <a:rPr lang="he-IL" dirty="0"/>
+              <a:t> (ולכן מספר </a:t>
+            </a:r>
+            <a:r>
+              <a:rPr lang="he-IL" dirty="0" err="1"/>
+              <a:t>איטרציות</a:t>
+            </a:r>
+            <a:r>
+              <a:rPr lang="he-IL" dirty="0"/>
+              <a:t> ככל בין מספר הפרמטרים)</a:t>
+            </a:r>
+          </a:p>
+          <a:p>
+            <a:pPr lvl="1"/>
+            <a:r>
+              <a:rPr lang="he-IL" dirty="0"/>
+              <a:t>טוב לעבודה עם </a:t>
+            </a:r>
+            <a:r>
+              <a:rPr lang="en-US" dirty="0"/>
+              <a:t>pipeline</a:t>
+            </a:r>
+            <a:endParaRPr lang="he-IL" dirty="0"/>
           </a:p>
         </p:txBody>
       </p:sp>
@@ -7829,7 +7997,7 @@
 </p:sld>
 </file>
 
-<file path=ppt/slides/slide28.xml><?xml version="1.0" encoding="utf-8"?>
+<file path=ppt/slides/slide29.xml><?xml version="1.0" encoding="utf-8"?>
 <p:sld xmlns:a="http://schemas.openxmlformats.org/drawingml/2006/main" xmlns:r="http://schemas.openxmlformats.org/officeDocument/2006/relationships" xmlns:p="http://schemas.openxmlformats.org/presentationml/2006/main">
   <p:cSld>
     <p:spTree>
@@ -7916,177 +8084,6 @@
 </p:sld>
 </file>
 
-<file path=ppt/slides/slide29.xml><?xml version="1.0" encoding="utf-8"?>
-<p:sld xmlns:a="http://schemas.openxmlformats.org/drawingml/2006/main" xmlns:r="http://schemas.openxmlformats.org/officeDocument/2006/relationships" xmlns:p="http://schemas.openxmlformats.org/presentationml/2006/main">
-  <p:cSld>
-    <p:spTree>
-      <p:nvGrpSpPr>
-        <p:cNvPr id="1" name=""/>
-        <p:cNvGrpSpPr/>
-        <p:nvPr/>
-      </p:nvGrpSpPr>
-      <p:grpSpPr>
-        <a:xfrm>
-          <a:off x="0" y="0"/>
-          <a:ext cx="0" cy="0"/>
-          <a:chOff x="0" y="0"/>
-          <a:chExt cx="0" cy="0"/>
-        </a:xfrm>
-      </p:grpSpPr>
-      <p:sp>
-        <p:nvSpPr>
-          <p:cNvPr id="2" name="כותרת 1">
-            <a:extLst>
-              <a:ext uri="{FF2B5EF4-FFF2-40B4-BE49-F238E27FC236}">
-                <a16:creationId xmlns:a16="http://schemas.microsoft.com/office/drawing/2014/main" id="{E0C18051-C59A-43AC-B8B9-14675043C93A}"/>
-              </a:ext>
-            </a:extLst>
-          </p:cNvPr>
-          <p:cNvSpPr>
-            <a:spLocks noGrp="1"/>
-          </p:cNvSpPr>
-          <p:nvPr>
-            <p:ph type="title"/>
-          </p:nvPr>
-        </p:nvSpPr>
-        <p:spPr/>
-        <p:txBody>
-          <a:bodyPr/>
-          <a:lstStyle/>
-          <a:p>
-            <a:r>
-              <a:rPr lang="en-US" dirty="0" err="1"/>
-              <a:t>sklearn</a:t>
-            </a:r>
-            <a:endParaRPr lang="he-IL" dirty="0"/>
-          </a:p>
-        </p:txBody>
-      </p:sp>
-      <p:sp>
-        <p:nvSpPr>
-          <p:cNvPr id="3" name="מציין מיקום תוכן 2">
-            <a:extLst>
-              <a:ext uri="{FF2B5EF4-FFF2-40B4-BE49-F238E27FC236}">
-                <a16:creationId xmlns:a16="http://schemas.microsoft.com/office/drawing/2014/main" id="{9FA414EA-6318-408D-B824-8B689BF6D3D2}"/>
-              </a:ext>
-            </a:extLst>
-          </p:cNvPr>
-          <p:cNvSpPr>
-            <a:spLocks noGrp="1"/>
-          </p:cNvSpPr>
-          <p:nvPr>
-            <p:ph idx="1"/>
-          </p:nvPr>
-        </p:nvSpPr>
-        <p:spPr/>
-        <p:txBody>
-          <a:bodyPr/>
-          <a:lstStyle/>
-          <a:p>
-            <a:r>
-              <a:rPr lang="en-US" dirty="0" err="1"/>
-              <a:t>cross_val_score</a:t>
-            </a:r>
-            <a:endParaRPr lang="he-IL" dirty="0"/>
-          </a:p>
-          <a:p>
-            <a:pPr lvl="1"/>
-            <a:r>
-              <a:rPr lang="he-IL" dirty="0"/>
-              <a:t>מספק את תוצאות ה </a:t>
-            </a:r>
-            <a:r>
-              <a:rPr lang="en-US" dirty="0"/>
-              <a:t>SCORE</a:t>
-            </a:r>
-            <a:r>
-              <a:rPr lang="he-IL" dirty="0"/>
-              <a:t> של </a:t>
-            </a:r>
-            <a:r>
-              <a:rPr lang="en-US" dirty="0"/>
-              <a:t>KFOLD</a:t>
-            </a:r>
-          </a:p>
-          <a:p>
-            <a:r>
-              <a:rPr lang="en-US" dirty="0" err="1"/>
-              <a:t>cross_validate</a:t>
-            </a:r>
-            <a:r>
-              <a:rPr lang="en-US" dirty="0"/>
-              <a:t>*****</a:t>
-            </a:r>
-            <a:endParaRPr lang="he-IL" dirty="0"/>
-          </a:p>
-          <a:p>
-            <a:pPr lvl="1"/>
-            <a:r>
-              <a:rPr lang="he-IL" dirty="0"/>
-              <a:t>ניתן להכניס מספר פרמטרים לבחינה (סוגי </a:t>
-            </a:r>
-            <a:r>
-              <a:rPr lang="en-US" dirty="0"/>
-              <a:t>score</a:t>
-            </a:r>
-            <a:r>
-              <a:rPr lang="he-IL" dirty="0"/>
-              <a:t>) ולקבל את התוצאות.</a:t>
-            </a:r>
-            <a:endParaRPr lang="en-US" dirty="0"/>
-          </a:p>
-          <a:p>
-            <a:pPr lvl="1"/>
-            <a:r>
-              <a:rPr lang="he-IL" dirty="0"/>
-              <a:t>מהבנתי מתאים יותר לבעיות רגרסיה, אופן חישוב ה </a:t>
-            </a:r>
-            <a:r>
-              <a:rPr lang="en-US" dirty="0"/>
-              <a:t>score</a:t>
-            </a:r>
-          </a:p>
-          <a:p>
-            <a:r>
-              <a:rPr lang="en-US" dirty="0" err="1"/>
-              <a:t>cross_val_predict</a:t>
-            </a:r>
-            <a:r>
-              <a:rPr lang="en-US" dirty="0"/>
-              <a:t> </a:t>
-            </a:r>
-            <a:endParaRPr lang="he-IL" dirty="0"/>
-          </a:p>
-          <a:p>
-            <a:pPr lvl="1"/>
-            <a:r>
-              <a:rPr lang="he-IL" dirty="0"/>
-              <a:t>מספק את החיזוי של </a:t>
-            </a:r>
-            <a:r>
-              <a:rPr lang="en-US" dirty="0"/>
-              <a:t>KFOLD</a:t>
-            </a:r>
-          </a:p>
-          <a:p>
-            <a:pPr lvl="1"/>
-            <a:endParaRPr lang="he-IL" dirty="0"/>
-          </a:p>
-        </p:txBody>
-      </p:sp>
-    </p:spTree>
-    <p:extLst>
-      <p:ext uri="{BB962C8B-B14F-4D97-AF65-F5344CB8AC3E}">
-        <p14:creationId xmlns:p14="http://schemas.microsoft.com/office/powerpoint/2010/main" val="241042965"/>
-      </p:ext>
-    </p:extLst>
-  </p:cSld>
-  <p:clrMapOvr>
-    <a:masterClrMapping/>
-  </p:clrMapOvr>
-</p:sld>
-</file>
-
 <file path=ppt/slides/slide3.xml><?xml version="1.0" encoding="utf-8"?>
 <p:sld xmlns:a="http://schemas.openxmlformats.org/drawingml/2006/main" xmlns:r="http://schemas.openxmlformats.org/officeDocument/2006/relationships" xmlns:p="http://schemas.openxmlformats.org/presentationml/2006/main">
   <p:cSld>
@@ -8290,7 +8287,7 @@
           <p:cNvPr id="2" name="כותרת 1">
             <a:extLst>
               <a:ext uri="{FF2B5EF4-FFF2-40B4-BE49-F238E27FC236}">
-                <a16:creationId xmlns:a16="http://schemas.microsoft.com/office/drawing/2014/main" id="{EF0A11AC-E468-4EEB-8FA1-B197F3BD9094}"/>
+                <a16:creationId xmlns:a16="http://schemas.microsoft.com/office/drawing/2014/main" id="{E0C18051-C59A-43AC-B8B9-14675043C93A}"/>
               </a:ext>
             </a:extLst>
           </p:cNvPr>
@@ -8307,12 +8304,8 @@
           <a:lstStyle/>
           <a:p>
             <a:r>
-              <a:rPr lang="he-IL" dirty="0"/>
-              <a:t>סוגי </a:t>
-            </a:r>
-            <a:r>
-              <a:rPr lang="en-US" dirty="0"/>
-              <a:t>Cross Validation</a:t>
+              <a:rPr lang="en-US" dirty="0" err="1"/>
+              <a:t>sklearn</a:t>
             </a:r>
             <a:endParaRPr lang="he-IL" dirty="0"/>
           </a:p>
@@ -8323,7 +8316,7 @@
           <p:cNvPr id="3" name="מציין מיקום תוכן 2">
             <a:extLst>
               <a:ext uri="{FF2B5EF4-FFF2-40B4-BE49-F238E27FC236}">
-                <a16:creationId xmlns:a16="http://schemas.microsoft.com/office/drawing/2014/main" id="{949B6EB1-EC9C-4B92-AA3C-864F96E6EB01}"/>
+                <a16:creationId xmlns:a16="http://schemas.microsoft.com/office/drawing/2014/main" id="{9FA414EA-6318-408D-B824-8B689BF6D3D2}"/>
               </a:ext>
             </a:extLst>
           </p:cNvPr>
@@ -8334,66 +8327,67 @@
             <p:ph idx="1"/>
           </p:nvPr>
         </p:nvSpPr>
-        <p:spPr>
-          <a:xfrm>
-            <a:off x="838200" y="1695451"/>
-            <a:ext cx="10515600" cy="4351338"/>
-          </a:xfrm>
-        </p:spPr>
-        <p:txBody>
-          <a:bodyPr>
-            <a:normAutofit lnSpcReduction="10000"/>
-          </a:bodyPr>
-          <a:lstStyle/>
-          <a:p>
-            <a:r>
-              <a:rPr lang="en-US" dirty="0"/>
-              <a:t>Holdout</a:t>
-            </a:r>
-            <a:r>
-              <a:rPr lang="he-IL" dirty="0"/>
-              <a:t> , בסיס </a:t>
-            </a:r>
-            <a:r>
-              <a:rPr lang="en-US" dirty="0"/>
-              <a:t>(split)</a:t>
-            </a:r>
-            <a:r>
-              <a:rPr lang="he-IL" dirty="0"/>
-              <a:t>.</a:t>
-            </a:r>
+        <p:spPr/>
+        <p:txBody>
+          <a:bodyPr/>
+          <a:lstStyle/>
+          <a:p>
+            <a:r>
+              <a:rPr lang="en-US" dirty="0" err="1"/>
+              <a:t>cross_val_score</a:t>
+            </a:r>
+            <a:endParaRPr lang="he-IL" dirty="0"/>
           </a:p>
           <a:p>
             <a:pPr lvl="1"/>
             <a:r>
               <a:rPr lang="he-IL" dirty="0"/>
-              <a:t>חיסרון: </a:t>
+              <a:t>מספק את תוצאות ה </a:t>
+            </a:r>
+            <a:r>
+              <a:rPr lang="en-US" dirty="0"/>
+              <a:t>SCORE</a:t>
+            </a:r>
+            <a:r>
+              <a:rPr lang="he-IL" dirty="0"/>
+              <a:t> של </a:t>
+            </a:r>
+            <a:r>
+              <a:rPr lang="en-US" dirty="0"/>
+              <a:t>KFOLD</a:t>
             </a:r>
           </a:p>
           <a:p>
             <a:r>
               <a:rPr lang="en-US" dirty="0" err="1"/>
-              <a:t>Kfold</a:t>
-            </a:r>
-            <a:endParaRPr lang="he-IL" dirty="0"/>
-          </a:p>
-          <a:p>
-            <a:r>
-              <a:rPr lang="en-US" dirty="0"/>
-              <a:t>Random subsamples</a:t>
-            </a:r>
+              <a:t>cross_validate</a:t>
+            </a:r>
+            <a:endParaRPr lang="he-IL" dirty="0"/>
           </a:p>
           <a:p>
             <a:pPr lvl="1"/>
             <a:r>
               <a:rPr lang="he-IL" dirty="0"/>
-              <a:t>בכל פעם בוחרים באופן אקראי את הדגימות לאימון ולבחינה</a:t>
-            </a:r>
-          </a:p>
-          <a:p>
-            <a:r>
-              <a:rPr lang="en-US" dirty="0"/>
-              <a:t>Leave one out</a:t>
+              <a:t>ניתן להכניס מספר פרמטרים לבחינה (סוגי </a:t>
+            </a:r>
+            <a:r>
+              <a:rPr lang="en-US" dirty="0"/>
+              <a:t>score</a:t>
+            </a:r>
+            <a:r>
+              <a:rPr lang="he-IL" dirty="0"/>
+              <a:t>) ולקבל את התוצאות.</a:t>
+            </a:r>
+            <a:endParaRPr lang="en-US" dirty="0"/>
+          </a:p>
+          <a:p>
+            <a:r>
+              <a:rPr lang="en-US" dirty="0" err="1"/>
+              <a:t>cross_val_predict</a:t>
+            </a:r>
+            <a:r>
+              <a:rPr lang="en-US" dirty="0"/>
+              <a:t> </a:t>
             </a:r>
             <a:endParaRPr lang="he-IL" dirty="0"/>
           </a:p>
@@ -8401,68 +8395,23 @@
             <a:pPr lvl="1"/>
             <a:r>
               <a:rPr lang="he-IL" dirty="0"/>
-              <a:t>כמו </a:t>
-            </a:r>
-            <a:r>
-              <a:rPr lang="en-US" dirty="0" err="1"/>
-              <a:t>kfold</a:t>
-            </a:r>
-            <a:r>
-              <a:rPr lang="he-IL" dirty="0"/>
-              <a:t> כאשר </a:t>
-            </a:r>
-            <a:r>
-              <a:rPr lang="en-US" dirty="0"/>
-              <a:t>k</a:t>
-            </a:r>
-            <a:r>
-              <a:rPr lang="he-IL" dirty="0"/>
-              <a:t> שווה למספר הדגימות.</a:t>
+              <a:t>מספק את החיזוי של </a:t>
+            </a:r>
+            <a:r>
+              <a:rPr lang="en-US" dirty="0"/>
+              <a:t>KFOLD</a:t>
             </a:r>
           </a:p>
           <a:p>
             <a:pPr lvl="1"/>
-            <a:r>
-              <a:rPr lang="he-IL" dirty="0"/>
-              <a:t>בכל פעם יש רק דגימה אחת לבחינה וכל השאר לאימון</a:t>
-            </a:r>
-          </a:p>
-          <a:p>
-            <a:r>
-              <a:rPr lang="en-US" dirty="0"/>
-              <a:t>Leave p out</a:t>
-            </a:r>
-            <a:endParaRPr lang="he-IL" dirty="0"/>
-          </a:p>
-          <a:p>
-            <a:pPr lvl="1"/>
-            <a:r>
-              <a:rPr lang="he-IL" dirty="0"/>
-              <a:t>בדומה ל </a:t>
-            </a:r>
-            <a:r>
-              <a:rPr lang="en-US" dirty="0"/>
-              <a:t>leave one out</a:t>
-            </a:r>
-            <a:r>
-              <a:rPr lang="he-IL" dirty="0"/>
-              <a:t> רק ש </a:t>
-            </a:r>
-            <a:r>
-              <a:rPr lang="en-US" dirty="0"/>
-              <a:t>p</a:t>
-            </a:r>
-            <a:r>
-              <a:rPr lang="he-IL" dirty="0"/>
-              <a:t> הינו מספר הדגימות לבחינה</a:t>
-            </a:r>
+            <a:endParaRPr lang="he-IL" dirty="0"/>
           </a:p>
         </p:txBody>
       </p:sp>
     </p:spTree>
     <p:extLst>
       <p:ext uri="{BB962C8B-B14F-4D97-AF65-F5344CB8AC3E}">
-        <p14:creationId xmlns:p14="http://schemas.microsoft.com/office/powerpoint/2010/main" val="4265622507"/>
+        <p14:creationId xmlns:p14="http://schemas.microsoft.com/office/powerpoint/2010/main" val="241042965"/>
       </p:ext>
     </p:extLst>
   </p:cSld>
@@ -8489,6 +8438,210 @@
           <a:chExt cx="0" cy="0"/>
         </a:xfrm>
       </p:grpSpPr>
+      <p:sp>
+        <p:nvSpPr>
+          <p:cNvPr id="2" name="כותרת 1">
+            <a:extLst>
+              <a:ext uri="{FF2B5EF4-FFF2-40B4-BE49-F238E27FC236}">
+                <a16:creationId xmlns:a16="http://schemas.microsoft.com/office/drawing/2014/main" id="{EF0A11AC-E468-4EEB-8FA1-B197F3BD9094}"/>
+              </a:ext>
+            </a:extLst>
+          </p:cNvPr>
+          <p:cNvSpPr>
+            <a:spLocks noGrp="1"/>
+          </p:cNvSpPr>
+          <p:nvPr>
+            <p:ph type="title"/>
+          </p:nvPr>
+        </p:nvSpPr>
+        <p:spPr/>
+        <p:txBody>
+          <a:bodyPr/>
+          <a:lstStyle/>
+          <a:p>
+            <a:r>
+              <a:rPr lang="he-IL" dirty="0"/>
+              <a:t>סוגי </a:t>
+            </a:r>
+            <a:r>
+              <a:rPr lang="en-US" dirty="0"/>
+              <a:t>Cross Validation</a:t>
+            </a:r>
+            <a:endParaRPr lang="he-IL" dirty="0"/>
+          </a:p>
+        </p:txBody>
+      </p:sp>
+      <p:sp>
+        <p:nvSpPr>
+          <p:cNvPr id="3" name="מציין מיקום תוכן 2">
+            <a:extLst>
+              <a:ext uri="{FF2B5EF4-FFF2-40B4-BE49-F238E27FC236}">
+                <a16:creationId xmlns:a16="http://schemas.microsoft.com/office/drawing/2014/main" id="{949B6EB1-EC9C-4B92-AA3C-864F96E6EB01}"/>
+              </a:ext>
+            </a:extLst>
+          </p:cNvPr>
+          <p:cNvSpPr>
+            <a:spLocks noGrp="1"/>
+          </p:cNvSpPr>
+          <p:nvPr>
+            <p:ph idx="1"/>
+          </p:nvPr>
+        </p:nvSpPr>
+        <p:spPr>
+          <a:xfrm>
+            <a:off x="838200" y="1695451"/>
+            <a:ext cx="10515600" cy="4351338"/>
+          </a:xfrm>
+        </p:spPr>
+        <p:txBody>
+          <a:bodyPr>
+            <a:normAutofit lnSpcReduction="10000"/>
+          </a:bodyPr>
+          <a:lstStyle/>
+          <a:p>
+            <a:r>
+              <a:rPr lang="en-US" dirty="0"/>
+              <a:t>Holdout</a:t>
+            </a:r>
+            <a:r>
+              <a:rPr lang="he-IL" dirty="0"/>
+              <a:t> , בסיס </a:t>
+            </a:r>
+            <a:r>
+              <a:rPr lang="en-US" dirty="0"/>
+              <a:t>(split)</a:t>
+            </a:r>
+            <a:r>
+              <a:rPr lang="he-IL" dirty="0"/>
+              <a:t>.</a:t>
+            </a:r>
+          </a:p>
+          <a:p>
+            <a:pPr lvl="1"/>
+            <a:r>
+              <a:rPr lang="he-IL" dirty="0"/>
+              <a:t>חיסרון: </a:t>
+            </a:r>
+          </a:p>
+          <a:p>
+            <a:r>
+              <a:rPr lang="en-US" dirty="0" err="1"/>
+              <a:t>Kfold</a:t>
+            </a:r>
+            <a:endParaRPr lang="he-IL" dirty="0"/>
+          </a:p>
+          <a:p>
+            <a:r>
+              <a:rPr lang="en-US" dirty="0"/>
+              <a:t>Random subsamples</a:t>
+            </a:r>
+          </a:p>
+          <a:p>
+            <a:pPr lvl="1"/>
+            <a:r>
+              <a:rPr lang="he-IL" dirty="0"/>
+              <a:t>בכל פעם בוחרים באופן אקראי את הדגימות לאימון ולבחינה</a:t>
+            </a:r>
+          </a:p>
+          <a:p>
+            <a:r>
+              <a:rPr lang="en-US" dirty="0"/>
+              <a:t>Leave one out</a:t>
+            </a:r>
+            <a:endParaRPr lang="he-IL" dirty="0"/>
+          </a:p>
+          <a:p>
+            <a:pPr lvl="1"/>
+            <a:r>
+              <a:rPr lang="he-IL" dirty="0"/>
+              <a:t>כמו </a:t>
+            </a:r>
+            <a:r>
+              <a:rPr lang="en-US" dirty="0" err="1"/>
+              <a:t>kfold</a:t>
+            </a:r>
+            <a:r>
+              <a:rPr lang="he-IL" dirty="0"/>
+              <a:t> כאשר </a:t>
+            </a:r>
+            <a:r>
+              <a:rPr lang="en-US" dirty="0"/>
+              <a:t>k</a:t>
+            </a:r>
+            <a:r>
+              <a:rPr lang="he-IL" dirty="0"/>
+              <a:t> שווה למספר הדגימות.</a:t>
+            </a:r>
+          </a:p>
+          <a:p>
+            <a:pPr lvl="1"/>
+            <a:r>
+              <a:rPr lang="he-IL" dirty="0"/>
+              <a:t>בכל פעם יש רק דגימה אחת לבחינה וכל השאר לאימון</a:t>
+            </a:r>
+          </a:p>
+          <a:p>
+            <a:r>
+              <a:rPr lang="en-US" dirty="0"/>
+              <a:t>Leave p out</a:t>
+            </a:r>
+            <a:endParaRPr lang="he-IL" dirty="0"/>
+          </a:p>
+          <a:p>
+            <a:pPr lvl="1"/>
+            <a:r>
+              <a:rPr lang="he-IL" dirty="0"/>
+              <a:t>בדומה ל </a:t>
+            </a:r>
+            <a:r>
+              <a:rPr lang="en-US" dirty="0"/>
+              <a:t>leave one out</a:t>
+            </a:r>
+            <a:r>
+              <a:rPr lang="he-IL" dirty="0"/>
+              <a:t> רק ש </a:t>
+            </a:r>
+            <a:r>
+              <a:rPr lang="en-US" dirty="0"/>
+              <a:t>p</a:t>
+            </a:r>
+            <a:r>
+              <a:rPr lang="he-IL" dirty="0"/>
+              <a:t> הינו מספר הדגימות לבחינה</a:t>
+            </a:r>
+          </a:p>
+        </p:txBody>
+      </p:sp>
+    </p:spTree>
+    <p:extLst>
+      <p:ext uri="{BB962C8B-B14F-4D97-AF65-F5344CB8AC3E}">
+        <p14:creationId xmlns:p14="http://schemas.microsoft.com/office/powerpoint/2010/main" val="4265622507"/>
+      </p:ext>
+    </p:extLst>
+  </p:cSld>
+  <p:clrMapOvr>
+    <a:masterClrMapping/>
+  </p:clrMapOvr>
+</p:sld>
+</file>
+
+<file path=ppt/slides/slide32.xml><?xml version="1.0" encoding="utf-8"?>
+<p:sld xmlns:a="http://schemas.openxmlformats.org/drawingml/2006/main" xmlns:r="http://schemas.openxmlformats.org/officeDocument/2006/relationships" xmlns:p="http://schemas.openxmlformats.org/presentationml/2006/main">
+  <p:cSld>
+    <p:spTree>
+      <p:nvGrpSpPr>
+        <p:cNvPr id="1" name=""/>
+        <p:cNvGrpSpPr/>
+        <p:nvPr/>
+      </p:nvGrpSpPr>
+      <p:grpSpPr>
+        <a:xfrm>
+          <a:off x="0" y="0"/>
+          <a:ext cx="0" cy="0"/>
+          <a:chOff x="0" y="0"/>
+          <a:chExt cx="0" cy="0"/>
+        </a:xfrm>
+      </p:grpSpPr>
       <p:pic>
         <p:nvPicPr>
           <p:cNvPr id="7" name="תמונה 6">
@@ -8753,6 +8906,361 @@
     <p:extLst>
       <p:ext uri="{BB962C8B-B14F-4D97-AF65-F5344CB8AC3E}">
         <p14:creationId xmlns:p14="http://schemas.microsoft.com/office/powerpoint/2010/main" val="820330764"/>
+      </p:ext>
+    </p:extLst>
+  </p:cSld>
+  <p:clrMapOvr>
+    <a:masterClrMapping/>
+  </p:clrMapOvr>
+</p:sld>
+</file>
+
+<file path=ppt/slides/slide33.xml><?xml version="1.0" encoding="utf-8"?>
+<p:sld xmlns:a="http://schemas.openxmlformats.org/drawingml/2006/main" xmlns:r="http://schemas.openxmlformats.org/officeDocument/2006/relationships" xmlns:p="http://schemas.openxmlformats.org/presentationml/2006/main">
+  <p:cSld>
+    <p:spTree>
+      <p:nvGrpSpPr>
+        <p:cNvPr id="1" name=""/>
+        <p:cNvGrpSpPr/>
+        <p:nvPr/>
+      </p:nvGrpSpPr>
+      <p:grpSpPr>
+        <a:xfrm>
+          <a:off x="0" y="0"/>
+          <a:ext cx="0" cy="0"/>
+          <a:chOff x="0" y="0"/>
+          <a:chExt cx="0" cy="0"/>
+        </a:xfrm>
+      </p:grpSpPr>
+      <p:sp>
+        <p:nvSpPr>
+          <p:cNvPr id="2" name="כותרת 1">
+            <a:extLst>
+              <a:ext uri="{FF2B5EF4-FFF2-40B4-BE49-F238E27FC236}">
+                <a16:creationId xmlns:a16="http://schemas.microsoft.com/office/drawing/2014/main" id="{F5A157C6-4DA2-448D-A6F2-5FC9859CF771}"/>
+              </a:ext>
+            </a:extLst>
+          </p:cNvPr>
+          <p:cNvSpPr>
+            <a:spLocks noGrp="1"/>
+          </p:cNvSpPr>
+          <p:nvPr>
+            <p:ph type="title"/>
+          </p:nvPr>
+        </p:nvSpPr>
+        <p:spPr/>
+        <p:txBody>
+          <a:bodyPr/>
+          <a:lstStyle/>
+          <a:p>
+            <a:pPr algn="ctr"/>
+            <a:r>
+              <a:rPr lang="en-US" dirty="0"/>
+              <a:t>Classifiers</a:t>
+            </a:r>
+            <a:endParaRPr lang="he-IL" dirty="0"/>
+          </a:p>
+        </p:txBody>
+      </p:sp>
+    </p:spTree>
+    <p:extLst>
+      <p:ext uri="{BB962C8B-B14F-4D97-AF65-F5344CB8AC3E}">
+        <p14:creationId xmlns:p14="http://schemas.microsoft.com/office/powerpoint/2010/main" val="2175767577"/>
+      </p:ext>
+    </p:extLst>
+  </p:cSld>
+  <p:clrMapOvr>
+    <a:masterClrMapping/>
+  </p:clrMapOvr>
+</p:sld>
+</file>
+
+<file path=ppt/slides/slide34.xml><?xml version="1.0" encoding="utf-8"?>
+<p:sld xmlns:a="http://schemas.openxmlformats.org/drawingml/2006/main" xmlns:r="http://schemas.openxmlformats.org/officeDocument/2006/relationships" xmlns:p="http://schemas.openxmlformats.org/presentationml/2006/main">
+  <p:cSld>
+    <p:spTree>
+      <p:nvGrpSpPr>
+        <p:cNvPr id="1" name=""/>
+        <p:cNvGrpSpPr/>
+        <p:nvPr/>
+      </p:nvGrpSpPr>
+      <p:grpSpPr>
+        <a:xfrm>
+          <a:off x="0" y="0"/>
+          <a:ext cx="0" cy="0"/>
+          <a:chOff x="0" y="0"/>
+          <a:chExt cx="0" cy="0"/>
+        </a:xfrm>
+      </p:grpSpPr>
+      <p:sp>
+        <p:nvSpPr>
+          <p:cNvPr id="2" name="כותרת 1">
+            <a:extLst>
+              <a:ext uri="{FF2B5EF4-FFF2-40B4-BE49-F238E27FC236}">
+                <a16:creationId xmlns:a16="http://schemas.microsoft.com/office/drawing/2014/main" id="{231CDCED-DA09-4BB2-8934-863187FE2A33}"/>
+              </a:ext>
+            </a:extLst>
+          </p:cNvPr>
+          <p:cNvSpPr>
+            <a:spLocks noGrp="1"/>
+          </p:cNvSpPr>
+          <p:nvPr>
+            <p:ph type="title"/>
+          </p:nvPr>
+        </p:nvSpPr>
+        <p:spPr/>
+        <p:txBody>
+          <a:bodyPr/>
+          <a:lstStyle/>
+          <a:p>
+            <a:r>
+              <a:rPr lang="en-US" dirty="0"/>
+              <a:t>SVM / SVC (Support Vector Classifier)</a:t>
+            </a:r>
+            <a:endParaRPr lang="he-IL" dirty="0"/>
+          </a:p>
+        </p:txBody>
+      </p:sp>
+      <p:sp>
+        <p:nvSpPr>
+          <p:cNvPr id="3" name="מציין מיקום תוכן 2">
+            <a:extLst>
+              <a:ext uri="{FF2B5EF4-FFF2-40B4-BE49-F238E27FC236}">
+                <a16:creationId xmlns:a16="http://schemas.microsoft.com/office/drawing/2014/main" id="{910A6CB1-C15B-40C6-B57B-19FE09A27DED}"/>
+              </a:ext>
+            </a:extLst>
+          </p:cNvPr>
+          <p:cNvSpPr>
+            <a:spLocks noGrp="1"/>
+          </p:cNvSpPr>
+          <p:nvPr>
+            <p:ph idx="1"/>
+          </p:nvPr>
+        </p:nvSpPr>
+        <p:spPr/>
+        <p:txBody>
+          <a:bodyPr/>
+          <a:lstStyle/>
+          <a:p>
+            <a:r>
+              <a:rPr lang="he-IL" dirty="0"/>
+              <a:t>בהינתן מרחב (רב </a:t>
+            </a:r>
+            <a:r>
+              <a:rPr lang="he-IL" dirty="0" err="1"/>
+              <a:t>מימד</a:t>
+            </a:r>
+            <a:r>
+              <a:rPr lang="he-IL" dirty="0"/>
+              <a:t>) רוצים למצוא </a:t>
+            </a:r>
+            <a:r>
+              <a:rPr lang="en-US" dirty="0" err="1"/>
+              <a:t>hyperline</a:t>
+            </a:r>
+            <a:r>
+              <a:rPr lang="he-IL" dirty="0"/>
+              <a:t> שיחלק לקבוצות.</a:t>
+            </a:r>
+          </a:p>
+          <a:p>
+            <a:pPr lvl="1"/>
+            <a:r>
+              <a:rPr lang="he-IL" dirty="0"/>
+              <a:t>כל שה </a:t>
+            </a:r>
+            <a:r>
+              <a:rPr lang="en-US" dirty="0"/>
+              <a:t>margin</a:t>
+            </a:r>
+            <a:r>
+              <a:rPr lang="he-IL" dirty="0"/>
+              <a:t> רחב יותר -&gt; כך החלוקה טובה יותר (פחות דגימות "בעיתיות"</a:t>
+            </a:r>
+          </a:p>
+          <a:p>
+            <a:r>
+              <a:rPr lang="he-IL" dirty="0"/>
+              <a:t>פרמטרים (</a:t>
+            </a:r>
+            <a:r>
+              <a:rPr lang="en-US" dirty="0"/>
+              <a:t>hyper-params</a:t>
+            </a:r>
+            <a:r>
+              <a:rPr lang="he-IL" dirty="0"/>
+              <a:t>)</a:t>
+            </a:r>
+          </a:p>
+          <a:p>
+            <a:pPr lvl="1"/>
+            <a:r>
+              <a:rPr lang="en-US" dirty="0"/>
+              <a:t>Kernel</a:t>
+            </a:r>
+            <a:r>
+              <a:rPr lang="he-IL" dirty="0"/>
+              <a:t> – </a:t>
+            </a:r>
+            <a:r>
+              <a:rPr lang="he-IL" dirty="0" err="1"/>
+              <a:t>מימד</a:t>
+            </a:r>
+            <a:r>
+              <a:rPr lang="he-IL" dirty="0"/>
+              <a:t> ה </a:t>
+            </a:r>
+            <a:r>
+              <a:rPr lang="en-US" dirty="0" err="1"/>
+              <a:t>hyperline</a:t>
+            </a:r>
+            <a:r>
+              <a:rPr lang="he-IL" dirty="0"/>
+              <a:t> (לינארי / </a:t>
+            </a:r>
+            <a:r>
+              <a:rPr lang="he-IL" dirty="0" err="1"/>
+              <a:t>פילנומי</a:t>
+            </a:r>
+            <a:r>
+              <a:rPr lang="en-US" dirty="0"/>
+              <a:t> </a:t>
+            </a:r>
+            <a:r>
+              <a:rPr lang="he-IL" dirty="0"/>
+              <a:t> / רדיאלי)</a:t>
+            </a:r>
+          </a:p>
+          <a:p>
+            <a:pPr lvl="1"/>
+            <a:r>
+              <a:rPr lang="en-US" dirty="0"/>
+              <a:t>Gamma</a:t>
+            </a:r>
+            <a:r>
+              <a:rPr lang="he-IL" dirty="0"/>
+              <a:t> , עבור </a:t>
+            </a:r>
+            <a:r>
+              <a:rPr lang="en-US" dirty="0" err="1"/>
+              <a:t>hyperline</a:t>
+            </a:r>
+            <a:r>
+              <a:rPr lang="he-IL" dirty="0"/>
+              <a:t> שאינו לינארי, </a:t>
+            </a:r>
+            <a:r>
+              <a:rPr lang="en-US" dirty="0"/>
+              <a:t>SVC</a:t>
+            </a:r>
+            <a:r>
+              <a:rPr lang="he-IL" dirty="0"/>
+              <a:t> מנסה לתחום טוב יותר את הקבוצות.</a:t>
+            </a:r>
+          </a:p>
+          <a:p>
+            <a:pPr lvl="2"/>
+            <a:r>
+              <a:rPr lang="he-IL" dirty="0"/>
+              <a:t>ככל שהערך גבוהה יותר, כך הצמצום של הקבוצה תחום יותר. אזהרה: </a:t>
+            </a:r>
+            <a:r>
+              <a:rPr lang="en-US" dirty="0"/>
+              <a:t>overfit</a:t>
+            </a:r>
+            <a:endParaRPr lang="he-IL" dirty="0"/>
+          </a:p>
+          <a:p>
+            <a:pPr lvl="1"/>
+            <a:r>
+              <a:rPr lang="en-US" dirty="0"/>
+              <a:t>C</a:t>
+            </a:r>
+            <a:r>
+              <a:rPr lang="he-IL" dirty="0"/>
+              <a:t> – מציין את ה"עונש" בחלוקה שגויה באימון. ככל ש </a:t>
+            </a:r>
+            <a:r>
+              <a:rPr lang="en-US" dirty="0"/>
+              <a:t>C</a:t>
+            </a:r>
+            <a:r>
+              <a:rPr lang="he-IL" dirty="0"/>
+              <a:t> גדול יותר ה </a:t>
+            </a:r>
+            <a:r>
+              <a:rPr lang="en-US" dirty="0"/>
+              <a:t>margin</a:t>
+            </a:r>
+            <a:r>
+              <a:rPr lang="he-IL" dirty="0"/>
+              <a:t> קצר יותר</a:t>
+            </a:r>
+          </a:p>
+          <a:p>
+            <a:pPr lvl="1"/>
+            <a:r>
+              <a:rPr lang="en-US" dirty="0"/>
+              <a:t>Degree</a:t>
+            </a:r>
+            <a:r>
+              <a:rPr lang="he-IL" dirty="0"/>
+              <a:t> – דרגת הפולינום</a:t>
+            </a:r>
+          </a:p>
+        </p:txBody>
+      </p:sp>
+      <p:pic>
+        <p:nvPicPr>
+          <p:cNvPr id="1026" name="Picture 2">
+            <a:extLst>
+              <a:ext uri="{FF2B5EF4-FFF2-40B4-BE49-F238E27FC236}">
+                <a16:creationId xmlns:a16="http://schemas.microsoft.com/office/drawing/2014/main" id="{5874ADD3-C0CB-4EE9-8206-BC609AA176F6}"/>
+              </a:ext>
+            </a:extLst>
+          </p:cNvPr>
+          <p:cNvPicPr>
+            <a:picLocks noChangeAspect="1" noChangeArrowheads="1"/>
+          </p:cNvPicPr>
+          <p:nvPr/>
+        </p:nvPicPr>
+        <p:blipFill>
+          <a:blip r:embed="rId2">
+            <a:extLst>
+              <a:ext uri="{28A0092B-C50C-407E-A947-70E740481C1C}">
+                <a14:useLocalDpi xmlns:a14="http://schemas.microsoft.com/office/drawing/2010/main" val="0"/>
+              </a:ext>
+            </a:extLst>
+          </a:blip>
+          <a:srcRect/>
+          <a:stretch>
+            <a:fillRect/>
+          </a:stretch>
+        </p:blipFill>
+        <p:spPr bwMode="auto">
+          <a:xfrm>
+            <a:off x="4163877" y="4641573"/>
+            <a:ext cx="2784424" cy="1989897"/>
+          </a:xfrm>
+          <a:prstGeom prst="rect">
+            <a:avLst/>
+          </a:prstGeom>
+          <a:noFill/>
+          <a:extLst>
+            <a:ext uri="{909E8E84-426E-40DD-AFC4-6F175D3DCCD1}">
+              <a14:hiddenFill xmlns:a14="http://schemas.microsoft.com/office/drawing/2010/main">
+                <a:solidFill>
+                  <a:srgbClr val="FFFFFF"/>
+                </a:solidFill>
+              </a14:hiddenFill>
+            </a:ext>
+          </a:extLst>
+        </p:spPr>
+      </p:pic>
+    </p:spTree>
+    <p:extLst>
+      <p:ext uri="{BB962C8B-B14F-4D97-AF65-F5344CB8AC3E}">
+        <p14:creationId xmlns:p14="http://schemas.microsoft.com/office/powerpoint/2010/main" val="4063217079"/>
       </p:ext>
     </p:extLst>
   </p:cSld>

--- a/Presentation/Feature Selection.pptx
+++ b/Presentation/Feature Selection.pptx
@@ -25,20 +25,22 @@
     <p:sldId id="277" r:id="rId19"/>
     <p:sldId id="286" r:id="rId20"/>
     <p:sldId id="272" r:id="rId21"/>
-    <p:sldId id="271" r:id="rId22"/>
-    <p:sldId id="289" r:id="rId23"/>
-    <p:sldId id="274" r:id="rId24"/>
-    <p:sldId id="273" r:id="rId25"/>
-    <p:sldId id="275" r:id="rId26"/>
-    <p:sldId id="278" r:id="rId27"/>
-    <p:sldId id="279" r:id="rId28"/>
-    <p:sldId id="281" r:id="rId29"/>
-    <p:sldId id="282" r:id="rId30"/>
-    <p:sldId id="283" r:id="rId31"/>
-    <p:sldId id="284" r:id="rId32"/>
-    <p:sldId id="285" r:id="rId33"/>
-    <p:sldId id="287" r:id="rId34"/>
-    <p:sldId id="288" r:id="rId35"/>
+    <p:sldId id="290" r:id="rId22"/>
+    <p:sldId id="291" r:id="rId23"/>
+    <p:sldId id="271" r:id="rId24"/>
+    <p:sldId id="289" r:id="rId25"/>
+    <p:sldId id="274" r:id="rId26"/>
+    <p:sldId id="273" r:id="rId27"/>
+    <p:sldId id="275" r:id="rId28"/>
+    <p:sldId id="278" r:id="rId29"/>
+    <p:sldId id="279" r:id="rId30"/>
+    <p:sldId id="281" r:id="rId31"/>
+    <p:sldId id="282" r:id="rId32"/>
+    <p:sldId id="283" r:id="rId33"/>
+    <p:sldId id="284" r:id="rId34"/>
+    <p:sldId id="285" r:id="rId35"/>
+    <p:sldId id="287" r:id="rId36"/>
+    <p:sldId id="288" r:id="rId37"/>
   </p:sldIdLst>
   <p:sldSz cx="12192000" cy="6858000"/>
   <p:notesSz cx="6858000" cy="9144000"/>
@@ -303,7 +305,7 @@
           <a:p>
             <a:fld id="{D5FA70A3-A6FF-4EAA-B623-AB4CFD6C9082}" type="datetimeFigureOut">
               <a:rPr lang="he-IL" smtClean="0"/>
-              <a:t>ו'/ניסן/תש"פ</a:t>
+              <a:t>ז'/ניסן/תש"פ</a:t>
             </a:fld>
             <a:endParaRPr lang="he-IL"/>
           </a:p>
@@ -501,7 +503,7 @@
           <a:p>
             <a:fld id="{D5FA70A3-A6FF-4EAA-B623-AB4CFD6C9082}" type="datetimeFigureOut">
               <a:rPr lang="he-IL" smtClean="0"/>
-              <a:t>ו'/ניסן/תש"פ</a:t>
+              <a:t>ז'/ניסן/תש"פ</a:t>
             </a:fld>
             <a:endParaRPr lang="he-IL"/>
           </a:p>
@@ -709,7 +711,7 @@
           <a:p>
             <a:fld id="{D5FA70A3-A6FF-4EAA-B623-AB4CFD6C9082}" type="datetimeFigureOut">
               <a:rPr lang="he-IL" smtClean="0"/>
-              <a:t>ו'/ניסן/תש"פ</a:t>
+              <a:t>ז'/ניסן/תש"פ</a:t>
             </a:fld>
             <a:endParaRPr lang="he-IL"/>
           </a:p>
@@ -907,7 +909,7 @@
           <a:p>
             <a:fld id="{D5FA70A3-A6FF-4EAA-B623-AB4CFD6C9082}" type="datetimeFigureOut">
               <a:rPr lang="he-IL" smtClean="0"/>
-              <a:t>ו'/ניסן/תש"פ</a:t>
+              <a:t>ז'/ניסן/תש"פ</a:t>
             </a:fld>
             <a:endParaRPr lang="he-IL"/>
           </a:p>
@@ -1182,7 +1184,7 @@
           <a:p>
             <a:fld id="{D5FA70A3-A6FF-4EAA-B623-AB4CFD6C9082}" type="datetimeFigureOut">
               <a:rPr lang="he-IL" smtClean="0"/>
-              <a:t>ו'/ניסן/תש"פ</a:t>
+              <a:t>ז'/ניסן/תש"פ</a:t>
             </a:fld>
             <a:endParaRPr lang="he-IL"/>
           </a:p>
@@ -1447,7 +1449,7 @@
           <a:p>
             <a:fld id="{D5FA70A3-A6FF-4EAA-B623-AB4CFD6C9082}" type="datetimeFigureOut">
               <a:rPr lang="he-IL" smtClean="0"/>
-              <a:t>ו'/ניסן/תש"פ</a:t>
+              <a:t>ז'/ניסן/תש"פ</a:t>
             </a:fld>
             <a:endParaRPr lang="he-IL"/>
           </a:p>
@@ -1859,7 +1861,7 @@
           <a:p>
             <a:fld id="{D5FA70A3-A6FF-4EAA-B623-AB4CFD6C9082}" type="datetimeFigureOut">
               <a:rPr lang="he-IL" smtClean="0"/>
-              <a:t>ו'/ניסן/תש"פ</a:t>
+              <a:t>ז'/ניסן/תש"פ</a:t>
             </a:fld>
             <a:endParaRPr lang="he-IL"/>
           </a:p>
@@ -2000,7 +2002,7 @@
           <a:p>
             <a:fld id="{D5FA70A3-A6FF-4EAA-B623-AB4CFD6C9082}" type="datetimeFigureOut">
               <a:rPr lang="he-IL" smtClean="0"/>
-              <a:t>ו'/ניסן/תש"פ</a:t>
+              <a:t>ז'/ניסן/תש"פ</a:t>
             </a:fld>
             <a:endParaRPr lang="he-IL"/>
           </a:p>
@@ -2113,7 +2115,7 @@
           <a:p>
             <a:fld id="{D5FA70A3-A6FF-4EAA-B623-AB4CFD6C9082}" type="datetimeFigureOut">
               <a:rPr lang="he-IL" smtClean="0"/>
-              <a:t>ו'/ניסן/תש"פ</a:t>
+              <a:t>ז'/ניסן/תש"פ</a:t>
             </a:fld>
             <a:endParaRPr lang="he-IL"/>
           </a:p>
@@ -2424,7 +2426,7 @@
           <a:p>
             <a:fld id="{D5FA70A3-A6FF-4EAA-B623-AB4CFD6C9082}" type="datetimeFigureOut">
               <a:rPr lang="he-IL" smtClean="0"/>
-              <a:t>ו'/ניסן/תש"פ</a:t>
+              <a:t>ז'/ניסן/תש"פ</a:t>
             </a:fld>
             <a:endParaRPr lang="he-IL"/>
           </a:p>
@@ -2712,7 +2714,7 @@
           <a:p>
             <a:fld id="{D5FA70A3-A6FF-4EAA-B623-AB4CFD6C9082}" type="datetimeFigureOut">
               <a:rPr lang="he-IL" smtClean="0"/>
-              <a:t>ו'/ניסן/תש"פ</a:t>
+              <a:t>ז'/ניסן/תש"פ</a:t>
             </a:fld>
             <a:endParaRPr lang="he-IL"/>
           </a:p>
@@ -2953,7 +2955,7 @@
           <a:p>
             <a:fld id="{D5FA70A3-A6FF-4EAA-B623-AB4CFD6C9082}" type="datetimeFigureOut">
               <a:rPr lang="he-IL" smtClean="0"/>
-              <a:t>ו'/ניסן/תש"פ</a:t>
+              <a:t>ז'/ניסן/תש"פ</a:t>
             </a:fld>
             <a:endParaRPr lang="he-IL"/>
           </a:p>
@@ -6206,7 +6208,7 @@
           <p:cNvPr id="2" name="כותרת 1">
             <a:extLst>
               <a:ext uri="{FF2B5EF4-FFF2-40B4-BE49-F238E27FC236}">
-                <a16:creationId xmlns:a16="http://schemas.microsoft.com/office/drawing/2014/main" id="{7DB4387E-7549-4A32-B35D-BC39BE67DCE6}"/>
+                <a16:creationId xmlns:a16="http://schemas.microsoft.com/office/drawing/2014/main" id="{90005FD2-086E-40DF-822B-68D7E362F02F}"/>
               </a:ext>
             </a:extLst>
           </p:cNvPr>
@@ -6223,9 +6225,10 @@
           <a:lstStyle/>
           <a:p>
             <a:r>
-              <a:rPr lang="he-IL" dirty="0"/>
-              <a:t>מושגים - 1</a:t>
-            </a:r>
+              <a:rPr lang="en-US" dirty="0" err="1"/>
+              <a:t>sklearn</a:t>
+            </a:r>
+            <a:endParaRPr lang="he-IL" dirty="0"/>
           </a:p>
         </p:txBody>
       </p:sp>
@@ -6234,7 +6237,7 @@
           <p:cNvPr id="3" name="מציין מיקום תוכן 2">
             <a:extLst>
               <a:ext uri="{FF2B5EF4-FFF2-40B4-BE49-F238E27FC236}">
-                <a16:creationId xmlns:a16="http://schemas.microsoft.com/office/drawing/2014/main" id="{43158B5B-5058-4654-BE9F-0F41E4989A9B}"/>
+                <a16:creationId xmlns:a16="http://schemas.microsoft.com/office/drawing/2014/main" id="{BCE417BC-5B65-43A3-94AD-916C61D70A9B}"/>
               </a:ext>
             </a:extLst>
           </p:cNvPr>
@@ -6247,156 +6250,131 @@
         </p:nvSpPr>
         <p:spPr/>
         <p:txBody>
-          <a:bodyPr>
-            <a:normAutofit fontScale="85000" lnSpcReduction="20000"/>
-          </a:bodyPr>
-          <a:lstStyle/>
-          <a:p>
-            <a:r>
-              <a:rPr lang="en-US" dirty="0"/>
-              <a:t>Logistic Regression</a:t>
-            </a:r>
-            <a:endParaRPr lang="he-IL" dirty="0"/>
+          <a:bodyPr/>
+          <a:lstStyle/>
+          <a:p>
+            <a:r>
+              <a:rPr lang="en-US" dirty="0"/>
+              <a:t>Fit()</a:t>
+            </a:r>
+            <a:r>
+              <a:rPr lang="he-IL" dirty="0"/>
+              <a:t> </a:t>
+            </a:r>
           </a:p>
           <a:p>
             <a:pPr lvl="1"/>
             <a:r>
               <a:rPr lang="he-IL" dirty="0"/>
-              <a:t>אלג' שבעיקר מתאים לבעיות סיווג </a:t>
-            </a:r>
-            <a:r>
-              <a:rPr lang="he-IL" dirty="0" err="1"/>
-              <a:t>בינאראיות</a:t>
-            </a:r>
-            <a:endParaRPr lang="he-IL" dirty="0"/>
+              <a:t>הכנת חישובים לקראת ביצוע.</a:t>
+            </a:r>
           </a:p>
           <a:p>
             <a:pPr lvl="1"/>
             <a:r>
               <a:rPr lang="he-IL" dirty="0"/>
-              <a:t>שימוש ב </a:t>
-            </a:r>
-            <a:r>
-              <a:rPr lang="en-US" dirty="0"/>
-              <a:t>logit function</a:t>
-            </a:r>
-            <a:r>
-              <a:rPr lang="he-IL" dirty="0"/>
-              <a:t> שהיא </a:t>
-            </a:r>
-            <a:r>
-              <a:rPr lang="en-US" dirty="0"/>
-              <a:t>log(p/1-p)</a:t>
-            </a:r>
-            <a:endParaRPr lang="he-IL" dirty="0"/>
-          </a:p>
-          <a:p>
-            <a:pPr lvl="2"/>
-            <a:endParaRPr lang="he-IL" dirty="0"/>
-          </a:p>
-          <a:p>
+              <a:t>לדוגמא: חישוב </a:t>
+            </a:r>
+            <a:r>
+              <a:rPr lang="en-US" dirty="0"/>
+              <a:t>Mean</a:t>
+            </a:r>
+            <a:r>
+              <a:rPr lang="he-IL" dirty="0"/>
+              <a:t> עבור שימוש מאוחר יותר להחלפת </a:t>
+            </a:r>
+            <a:r>
+              <a:rPr lang="en-US" dirty="0"/>
+              <a:t>NULL</a:t>
+            </a:r>
+          </a:p>
+          <a:p>
+            <a:pPr lvl="1"/>
+            <a:r>
+              <a:rPr lang="he-IL" dirty="0"/>
+              <a:t>דוגמא נוספת: אימון ה </a:t>
+            </a:r>
+            <a:r>
+              <a:rPr lang="en-US" dirty="0"/>
+              <a:t>test data</a:t>
+            </a:r>
+            <a:endParaRPr lang="he-IL" dirty="0"/>
+          </a:p>
+          <a:p>
+            <a:r>
+              <a:rPr lang="en-US" dirty="0"/>
+              <a:t>Transform()</a:t>
+            </a:r>
+            <a:r>
+              <a:rPr lang="he-IL" dirty="0"/>
+              <a:t> </a:t>
+            </a:r>
+          </a:p>
+          <a:p>
+            <a:pPr lvl="1"/>
+            <a:r>
+              <a:rPr lang="he-IL" dirty="0"/>
+              <a:t> ביצוע בפועל של פעולה, שהכנו קודם. </a:t>
+            </a:r>
+          </a:p>
+          <a:p>
+            <a:pPr lvl="1"/>
+            <a:r>
+              <a:rPr lang="he-IL" dirty="0"/>
+              <a:t>לדוגמא: החלפת כל ה </a:t>
+            </a:r>
+            <a:r>
+              <a:rPr lang="en-US" dirty="0"/>
+              <a:t>NULL</a:t>
+            </a:r>
+            <a:r>
+              <a:rPr lang="he-IL" dirty="0"/>
+              <a:t>ים ע"י ערך ה </a:t>
+            </a:r>
+            <a:r>
+              <a:rPr lang="en-US" dirty="0"/>
+              <a:t>mean</a:t>
+            </a:r>
+            <a:r>
+              <a:rPr lang="he-IL" dirty="0"/>
+              <a:t> שחושב ב </a:t>
+            </a:r>
+            <a:r>
+              <a:rPr lang="en-US" dirty="0"/>
+              <a:t>FIT()</a:t>
+            </a:r>
+            <a:endParaRPr lang="he-IL" dirty="0"/>
+          </a:p>
+          <a:p>
+            <a:pPr lvl="1"/>
+            <a:r>
+              <a:rPr lang="he-IL" dirty="0"/>
+              <a:t>ערך חזרה: ערכים מעודכנים </a:t>
+            </a:r>
+          </a:p>
+          <a:p>
+            <a:r>
+              <a:rPr lang="he-IL" dirty="0"/>
+              <a:t> </a:t>
+            </a:r>
             <a:r>
               <a:rPr lang="en-US" dirty="0" err="1"/>
-              <a:t>Logodds</a:t>
-            </a:r>
-            <a:r>
-              <a:rPr lang="he-IL" dirty="0"/>
-              <a:t> – </a:t>
-            </a:r>
-            <a:r>
-              <a:rPr lang="en-US" dirty="0"/>
-              <a:t>log + odds</a:t>
-            </a:r>
-            <a:endParaRPr lang="he-IL" dirty="0"/>
+              <a:t>fit_transform</a:t>
+            </a:r>
+            <a:r>
+              <a:rPr lang="en-US" dirty="0"/>
+              <a:t>()</a:t>
+            </a:r>
+            <a:r>
+              <a:rPr lang="he-IL" dirty="0"/>
+              <a:t> </a:t>
+            </a:r>
           </a:p>
           <a:p>
             <a:pPr lvl="1"/>
             <a:r>
-              <a:rPr lang="en-US" dirty="0"/>
-              <a:t>Odds != probability</a:t>
-            </a:r>
-            <a:endParaRPr lang="he-IL" dirty="0"/>
-          </a:p>
-          <a:p>
-            <a:pPr lvl="1"/>
-            <a:r>
-              <a:rPr lang="en-US" dirty="0"/>
-              <a:t>Odds</a:t>
-            </a:r>
-            <a:r>
-              <a:rPr lang="he-IL" dirty="0"/>
-              <a:t> – סיכוי למתרחש חלקי הסיכוי שלא התרחש (4 ניצחונות מול 6 הפסדים)</a:t>
-            </a:r>
-          </a:p>
-          <a:p>
-            <a:pPr lvl="1"/>
-            <a:r>
-              <a:rPr lang="en-US" dirty="0"/>
-              <a:t>Odds = p(ok)/1-p(ok)</a:t>
-            </a:r>
-          </a:p>
-          <a:p>
-            <a:pPr lvl="1"/>
-            <a:r>
-              <a:rPr lang="en-US" dirty="0" err="1"/>
-              <a:t>Logodds</a:t>
-            </a:r>
-            <a:r>
-              <a:rPr lang="en-US" dirty="0"/>
-              <a:t> = Log(odds)</a:t>
-            </a:r>
-            <a:endParaRPr lang="he-IL" dirty="0"/>
-          </a:p>
-          <a:p>
-            <a:pPr lvl="2"/>
-            <a:r>
-              <a:rPr lang="he-IL" dirty="0"/>
-              <a:t>ערך שלילי, יותר סיכוי "להפסיד" או </a:t>
-            </a:r>
-            <a:r>
-              <a:rPr lang="he-IL" dirty="0" err="1"/>
-              <a:t>ששיך</a:t>
-            </a:r>
-            <a:r>
-              <a:rPr lang="he-IL" dirty="0"/>
-              <a:t> לקבוצה ב' ולהפך (חיובי)</a:t>
-            </a:r>
-          </a:p>
-          <a:p>
-            <a:pPr lvl="2"/>
-            <a:endParaRPr lang="he-IL" dirty="0"/>
-          </a:p>
-          <a:p>
-            <a:r>
-              <a:rPr lang="en-US" dirty="0"/>
-              <a:t>Gini Impurity</a:t>
-            </a:r>
-          </a:p>
-          <a:p>
-            <a:pPr lvl="1"/>
-            <a:r>
-              <a:rPr lang="he-IL" dirty="0"/>
-              <a:t>חישוב "טומאה" – מה ההסתברות לחלוקת עץ שגויה (ככל שהערך נמוך יותר, כך עדיף להשתמש בתוכנה זו לחלוקה בעץ ברמה </a:t>
-            </a:r>
-            <a:r>
-              <a:rPr lang="he-IL"/>
-              <a:t>גבוהה יותר בעץ)</a:t>
-            </a:r>
-            <a:endParaRPr lang="he-IL" dirty="0"/>
-          </a:p>
-          <a:p>
-            <a:pPr lvl="1"/>
-            <a:r>
-              <a:rPr lang="he-IL" dirty="0"/>
-              <a:t>משתמשים </a:t>
-            </a:r>
-            <a:r>
-              <a:rPr lang="he-IL" dirty="0" err="1"/>
-              <a:t>באלג</a:t>
-            </a:r>
-            <a:r>
-              <a:rPr lang="he-IL" dirty="0"/>
-              <a:t>' עץ בחישובי העלים</a:t>
+              <a:rPr lang="he-IL" dirty="0"/>
+              <a:t>ביצוע שתי הפעולות ביחד</a:t>
             </a:r>
           </a:p>
         </p:txBody>
@@ -6404,7 +6382,7 @@
     </p:spTree>
     <p:extLst>
       <p:ext uri="{BB962C8B-B14F-4D97-AF65-F5344CB8AC3E}">
-        <p14:creationId xmlns:p14="http://schemas.microsoft.com/office/powerpoint/2010/main" val="546938094"/>
+        <p14:creationId xmlns:p14="http://schemas.microsoft.com/office/powerpoint/2010/main" val="2753006789"/>
       </p:ext>
     </p:extLst>
   </p:cSld>
@@ -6436,7 +6414,7 @@
           <p:cNvPr id="2" name="כותרת 1">
             <a:extLst>
               <a:ext uri="{FF2B5EF4-FFF2-40B4-BE49-F238E27FC236}">
-                <a16:creationId xmlns:a16="http://schemas.microsoft.com/office/drawing/2014/main" id="{A71135E6-DF0B-4524-8DCA-9C4DBE933F82}"/>
+                <a16:creationId xmlns:a16="http://schemas.microsoft.com/office/drawing/2014/main" id="{8D87E672-D08D-4C17-BD34-3A0DFD930507}"/>
               </a:ext>
             </a:extLst>
           </p:cNvPr>
@@ -6454,7 +6432,15 @@
           <a:p>
             <a:r>
               <a:rPr lang="he-IL" dirty="0"/>
-              <a:t>מושגים - 2</a:t>
+              <a:t>טיפול במידע חסר (</a:t>
+            </a:r>
+            <a:r>
+              <a:rPr lang="en-US" dirty="0"/>
+              <a:t>nan</a:t>
+            </a:r>
+            <a:r>
+              <a:rPr lang="he-IL" dirty="0"/>
+              <a:t>)</a:t>
             </a:r>
           </a:p>
         </p:txBody>
@@ -6464,7 +6450,7 @@
           <p:cNvPr id="3" name="מציין מיקום תוכן 2">
             <a:extLst>
               <a:ext uri="{FF2B5EF4-FFF2-40B4-BE49-F238E27FC236}">
-                <a16:creationId xmlns:a16="http://schemas.microsoft.com/office/drawing/2014/main" id="{8BE0F612-6AC1-4225-9B04-AC9AA1C93395}"/>
+                <a16:creationId xmlns:a16="http://schemas.microsoft.com/office/drawing/2014/main" id="{87A09342-6A53-426E-A210-7E2DED349B11}"/>
               </a:ext>
             </a:extLst>
           </p:cNvPr>
@@ -6481,70 +6467,85 @@
           <a:lstStyle/>
           <a:p>
             <a:r>
-              <a:rPr lang="en-US" dirty="0"/>
-              <a:t>Ensemble Methods</a:t>
-            </a:r>
-            <a:endParaRPr lang="he-IL" dirty="0"/>
+              <a:rPr lang="he-IL" dirty="0"/>
+              <a:t>מספר גישות:</a:t>
+            </a:r>
           </a:p>
           <a:p>
             <a:pPr lvl="1"/>
             <a:r>
               <a:rPr lang="he-IL" dirty="0"/>
-              <a:t>שילוב של מספר שיטות בסיס על מנת לקבל תוצאה טובה יותר.</a:t>
+              <a:t>מחיקת שורה</a:t>
             </a:r>
           </a:p>
           <a:p>
             <a:pPr lvl="1"/>
             <a:r>
               <a:rPr lang="he-IL" dirty="0"/>
-              <a:t>יש מספר שיטות:</a:t>
-            </a:r>
-          </a:p>
-          <a:p>
-            <a:pPr lvl="2"/>
-            <a:r>
-              <a:rPr lang="en-US" dirty="0"/>
-              <a:t>Random Forest</a:t>
-            </a:r>
-            <a:r>
-              <a:rPr lang="he-IL" dirty="0"/>
-              <a:t> הינו שילוב של מספר אלג’ </a:t>
-            </a:r>
-            <a:r>
-              <a:rPr lang="en-US" dirty="0"/>
-              <a:t>Decision Tree</a:t>
-            </a:r>
-            <a:r>
-              <a:rPr lang="he-IL" dirty="0"/>
-              <a:t>.</a:t>
-            </a:r>
-          </a:p>
-          <a:p>
-            <a:pPr lvl="2"/>
-            <a:r>
-              <a:rPr lang="en-US" dirty="0"/>
-              <a:t>Bagging</a:t>
-            </a:r>
-            <a:r>
-              <a:rPr lang="he-IL" dirty="0"/>
-              <a:t> – שיטה דומה ל </a:t>
-            </a:r>
-            <a:r>
-              <a:rPr lang="en-US" dirty="0"/>
-              <a:t>RF</a:t>
-            </a:r>
-            <a:endParaRPr lang="he-IL" dirty="0"/>
-          </a:p>
-          <a:p>
-            <a:pPr lvl="2"/>
-            <a:endParaRPr lang="he-IL" dirty="0"/>
+              <a:t>החלפה ב </a:t>
+            </a:r>
+            <a:r>
+              <a:rPr lang="en-US" dirty="0"/>
+              <a:t>mean</a:t>
+            </a:r>
+            <a:endParaRPr lang="he-IL" dirty="0"/>
+          </a:p>
+          <a:p>
+            <a:pPr lvl="1"/>
+            <a:r>
+              <a:rPr lang="he-IL" dirty="0"/>
+              <a:t>החלפה ב </a:t>
+            </a:r>
+            <a:r>
+              <a:rPr lang="en-US" dirty="0"/>
+              <a:t>median</a:t>
+            </a:r>
+            <a:endParaRPr lang="he-IL" dirty="0"/>
+          </a:p>
+          <a:p>
+            <a:pPr lvl="1"/>
+            <a:r>
+              <a:rPr lang="he-IL" dirty="0"/>
+              <a:t>החלפה ב </a:t>
+            </a:r>
+            <a:r>
+              <a:rPr lang="en-US" dirty="0"/>
+              <a:t>most frequent</a:t>
+            </a:r>
+            <a:endParaRPr lang="he-IL" dirty="0"/>
+          </a:p>
+          <a:p>
+            <a:r>
+              <a:rPr lang="he-IL" dirty="0"/>
+              <a:t>ב </a:t>
+            </a:r>
+            <a:r>
+              <a:rPr lang="en-US" dirty="0" err="1"/>
+              <a:t>sklearn</a:t>
+            </a:r>
+            <a:r>
+              <a:rPr lang="he-IL" dirty="0"/>
+              <a:t> יש </a:t>
+            </a:r>
+            <a:r>
+              <a:rPr lang="he-IL"/>
+              <a:t>את הפקודה: </a:t>
+            </a:r>
+            <a:r>
+              <a:rPr lang="en-US"/>
+              <a:t>Imputer</a:t>
+            </a:r>
+            <a:r>
+              <a:rPr lang="he-IL" dirty="0"/>
+              <a:t> ("מכשיר את המידע")</a:t>
+            </a:r>
           </a:p>
         </p:txBody>
       </p:sp>
     </p:spTree>
     <p:extLst>
       <p:ext uri="{BB962C8B-B14F-4D97-AF65-F5344CB8AC3E}">
-        <p14:creationId xmlns:p14="http://schemas.microsoft.com/office/powerpoint/2010/main" val="3189884367"/>
+        <p14:creationId xmlns:p14="http://schemas.microsoft.com/office/powerpoint/2010/main" val="562271283"/>
       </p:ext>
     </p:extLst>
   </p:cSld>
@@ -6576,7 +6577,7 @@
           <p:cNvPr id="2" name="כותרת 1">
             <a:extLst>
               <a:ext uri="{FF2B5EF4-FFF2-40B4-BE49-F238E27FC236}">
-                <a16:creationId xmlns:a16="http://schemas.microsoft.com/office/drawing/2014/main" id="{96632501-42E2-42AF-95AE-976F27B04F71}"/>
+                <a16:creationId xmlns:a16="http://schemas.microsoft.com/office/drawing/2014/main" id="{7DB4387E-7549-4A32-B35D-BC39BE67DCE6}"/>
               </a:ext>
             </a:extLst>
           </p:cNvPr>
@@ -6594,7 +6595,7 @@
           <a:p>
             <a:r>
               <a:rPr lang="he-IL" dirty="0"/>
-              <a:t>מושגים - הסתברות</a:t>
+              <a:t>מושגים - 1</a:t>
             </a:r>
           </a:p>
         </p:txBody>
@@ -6604,7 +6605,7 @@
           <p:cNvPr id="3" name="מציין מיקום תוכן 2">
             <a:extLst>
               <a:ext uri="{FF2B5EF4-FFF2-40B4-BE49-F238E27FC236}">
-                <a16:creationId xmlns:a16="http://schemas.microsoft.com/office/drawing/2014/main" id="{F8A89D09-DE15-4B7C-8893-E8E6FBC78FA4}"/>
+                <a16:creationId xmlns:a16="http://schemas.microsoft.com/office/drawing/2014/main" id="{43158B5B-5058-4654-BE9F-0F41E4989A9B}"/>
               </a:ext>
             </a:extLst>
           </p:cNvPr>
@@ -6617,80 +6618,156 @@
         </p:nvSpPr>
         <p:spPr/>
         <p:txBody>
-          <a:bodyPr/>
-          <a:lstStyle/>
+          <a:bodyPr>
+            <a:normAutofit fontScale="85000" lnSpcReduction="20000"/>
+          </a:bodyPr>
+          <a:lstStyle/>
+          <a:p>
+            <a:r>
+              <a:rPr lang="en-US" dirty="0"/>
+              <a:t>Logistic Regression</a:t>
+            </a:r>
+            <a:endParaRPr lang="he-IL" dirty="0"/>
+          </a:p>
+          <a:p>
+            <a:pPr lvl="1"/>
+            <a:r>
+              <a:rPr lang="he-IL" dirty="0"/>
+              <a:t>אלג' שבעיקר מתאים לבעיות סיווג </a:t>
+            </a:r>
+            <a:r>
+              <a:rPr lang="he-IL" dirty="0" err="1"/>
+              <a:t>בינאראיות</a:t>
+            </a:r>
+            <a:endParaRPr lang="he-IL" dirty="0"/>
+          </a:p>
+          <a:p>
+            <a:pPr lvl="1"/>
+            <a:r>
+              <a:rPr lang="he-IL" dirty="0"/>
+              <a:t>שימוש ב </a:t>
+            </a:r>
+            <a:r>
+              <a:rPr lang="en-US" dirty="0"/>
+              <a:t>logit function</a:t>
+            </a:r>
+            <a:r>
+              <a:rPr lang="he-IL" dirty="0"/>
+              <a:t> שהיא </a:t>
+            </a:r>
+            <a:r>
+              <a:rPr lang="en-US" dirty="0"/>
+              <a:t>log(p/1-p)</a:t>
+            </a:r>
+            <a:endParaRPr lang="he-IL" dirty="0"/>
+          </a:p>
+          <a:p>
+            <a:pPr lvl="2"/>
+            <a:endParaRPr lang="he-IL" dirty="0"/>
+          </a:p>
           <a:p>
             <a:r>
               <a:rPr lang="en-US" dirty="0" err="1"/>
-              <a:t>Cov</a:t>
-            </a:r>
-            <a:r>
-              <a:rPr lang="en-US" dirty="0"/>
-              <a:t>(</a:t>
-            </a:r>
+              <a:t>Logodds</a:t>
+            </a:r>
+            <a:r>
+              <a:rPr lang="he-IL" dirty="0"/>
+              <a:t> – </a:t>
+            </a:r>
+            <a:r>
+              <a:rPr lang="en-US" dirty="0"/>
+              <a:t>log + odds</a:t>
+            </a:r>
+            <a:endParaRPr lang="he-IL" dirty="0"/>
+          </a:p>
+          <a:p>
+            <a:pPr lvl="1"/>
+            <a:r>
+              <a:rPr lang="en-US" dirty="0"/>
+              <a:t>Odds != probability</a:t>
+            </a:r>
+            <a:endParaRPr lang="he-IL" dirty="0"/>
+          </a:p>
+          <a:p>
+            <a:pPr lvl="1"/>
+            <a:r>
+              <a:rPr lang="en-US" dirty="0"/>
+              <a:t>Odds</a:t>
+            </a:r>
+            <a:r>
+              <a:rPr lang="he-IL" dirty="0"/>
+              <a:t> – סיכוי למתרחש חלקי הסיכוי שלא התרחש (4 ניצחונות מול 6 הפסדים)</a:t>
+            </a:r>
+          </a:p>
+          <a:p>
+            <a:pPr lvl="1"/>
+            <a:r>
+              <a:rPr lang="en-US" dirty="0"/>
+              <a:t>Odds = p(ok)/1-p(ok)</a:t>
+            </a:r>
+          </a:p>
+          <a:p>
+            <a:pPr lvl="1"/>
             <a:r>
               <a:rPr lang="en-US" dirty="0" err="1"/>
-              <a:t>x,y</a:t>
-            </a:r>
-            <a:r>
-              <a:rPr lang="en-US" dirty="0"/>
-              <a:t>)</a:t>
-            </a:r>
-            <a:r>
-              <a:rPr lang="he-IL" dirty="0"/>
-              <a:t> – </a:t>
-            </a:r>
-            <a:r>
-              <a:rPr lang="en-US" dirty="0"/>
-              <a:t>Covariance  </a:t>
-            </a:r>
-            <a:r>
-              <a:rPr lang="he-IL" dirty="0"/>
-              <a:t> (שונות משותפת), מדד לקשר בין 2 משתנים.</a:t>
+              <a:t>Logodds</a:t>
+            </a:r>
+            <a:r>
+              <a:rPr lang="en-US" dirty="0"/>
+              <a:t> = Log(odds)</a:t>
+            </a:r>
+            <a:endParaRPr lang="he-IL" dirty="0"/>
+          </a:p>
+          <a:p>
+            <a:pPr lvl="2"/>
+            <a:r>
+              <a:rPr lang="he-IL" dirty="0"/>
+              <a:t>ערך שלילי, יותר סיכוי "להפסיד" או </a:t>
+            </a:r>
+            <a:r>
+              <a:rPr lang="he-IL" dirty="0" err="1"/>
+              <a:t>ששיך</a:t>
+            </a:r>
+            <a:r>
+              <a:rPr lang="he-IL" dirty="0"/>
+              <a:t> לקבוצה ב' ולהפך (חיובי)</a:t>
+            </a:r>
+          </a:p>
+          <a:p>
+            <a:pPr lvl="2"/>
+            <a:endParaRPr lang="he-IL" dirty="0"/>
+          </a:p>
+          <a:p>
+            <a:r>
+              <a:rPr lang="en-US" dirty="0"/>
+              <a:t>Gini Impurity</a:t>
             </a:r>
           </a:p>
           <a:p>
             <a:pPr lvl="1"/>
             <a:r>
               <a:rPr lang="he-IL" dirty="0"/>
-              <a:t>ערך חיובי -&gt; משתנים באותו כיון </a:t>
+              <a:t>חישוב "טומאה" – מה ההסתברות לחלוקת עץ שגויה (ככל שהערך נמוך יותר, כך עדיף להשתמש בתוכנה זו לחלוקה בעץ ברמה </a:t>
             </a:r>
             <a:r>
               <a:rPr lang="he-IL"/>
-              <a:t>ושלילי להפך</a:t>
-            </a:r>
-            <a:endParaRPr lang="he-IL" dirty="0"/>
-          </a:p>
-          <a:p>
-            <a:r>
-              <a:rPr lang="en-US" dirty="0" err="1"/>
-              <a:t>Cov</a:t>
-            </a:r>
-            <a:r>
-              <a:rPr lang="en-US" dirty="0"/>
-              <a:t>(</a:t>
-            </a:r>
-            <a:r>
-              <a:rPr lang="en-US" dirty="0" err="1"/>
-              <a:t>x,x</a:t>
-            </a:r>
-            <a:r>
-              <a:rPr lang="en-US" dirty="0"/>
-              <a:t>) = variance(x)</a:t>
-            </a:r>
-            <a:r>
-              <a:rPr lang="he-IL" dirty="0"/>
-              <a:t> </a:t>
-            </a:r>
-          </a:p>
-          <a:p>
-            <a:r>
-              <a:rPr lang="en-US" dirty="0"/>
-              <a:t>Covariance  matrix</a:t>
-            </a:r>
-            <a:r>
-              <a:rPr lang="he-IL" dirty="0"/>
-              <a:t> – מטריצה סימטרית שהאלכסון הינו שונות.</a:t>
+              <a:t>גבוהה יותר בעץ)</a:t>
+            </a:r>
+            <a:endParaRPr lang="he-IL" dirty="0"/>
+          </a:p>
+          <a:p>
+            <a:pPr lvl="1"/>
+            <a:r>
+              <a:rPr lang="he-IL" dirty="0"/>
+              <a:t>משתמשים </a:t>
+            </a:r>
+            <a:r>
+              <a:rPr lang="he-IL" dirty="0" err="1"/>
+              <a:t>באלג</a:t>
+            </a:r>
+            <a:r>
+              <a:rPr lang="he-IL" dirty="0"/>
+              <a:t>' עץ בחישובי העלים</a:t>
             </a:r>
           </a:p>
         </p:txBody>
@@ -6698,7 +6775,7 @@
     </p:spTree>
     <p:extLst>
       <p:ext uri="{BB962C8B-B14F-4D97-AF65-F5344CB8AC3E}">
-        <p14:creationId xmlns:p14="http://schemas.microsoft.com/office/powerpoint/2010/main" val="53807840"/>
+        <p14:creationId xmlns:p14="http://schemas.microsoft.com/office/powerpoint/2010/main" val="546938094"/>
       </p:ext>
     </p:extLst>
   </p:cSld>
@@ -6730,7 +6807,7 @@
           <p:cNvPr id="2" name="כותרת 1">
             <a:extLst>
               <a:ext uri="{FF2B5EF4-FFF2-40B4-BE49-F238E27FC236}">
-                <a16:creationId xmlns:a16="http://schemas.microsoft.com/office/drawing/2014/main" id="{5EECF68F-C804-4917-9B95-AB8F72AC1390}"/>
+                <a16:creationId xmlns:a16="http://schemas.microsoft.com/office/drawing/2014/main" id="{A71135E6-DF0B-4524-8DCA-9C4DBE933F82}"/>
               </a:ext>
             </a:extLst>
           </p:cNvPr>
@@ -6748,7 +6825,7 @@
           <a:p>
             <a:r>
               <a:rPr lang="he-IL" dirty="0"/>
-              <a:t>מושגים להשלמה</a:t>
+              <a:t>מושגים - 2</a:t>
             </a:r>
           </a:p>
         </p:txBody>
@@ -6758,7 +6835,7 @@
           <p:cNvPr id="3" name="מציין מיקום תוכן 2">
             <a:extLst>
               <a:ext uri="{FF2B5EF4-FFF2-40B4-BE49-F238E27FC236}">
-                <a16:creationId xmlns:a16="http://schemas.microsoft.com/office/drawing/2014/main" id="{2DBF896A-F127-462E-9205-DCA9CD225491}"/>
+                <a16:creationId xmlns:a16="http://schemas.microsoft.com/office/drawing/2014/main" id="{8BE0F612-6AC1-4225-9B04-AC9AA1C93395}"/>
               </a:ext>
             </a:extLst>
           </p:cNvPr>
@@ -6776,14 +6853,7 @@
           <a:p>
             <a:r>
               <a:rPr lang="en-US" dirty="0"/>
-              <a:t>Back propagation function</a:t>
-            </a:r>
-            <a:endParaRPr lang="he-IL" dirty="0"/>
-          </a:p>
-          <a:p>
-            <a:r>
-              <a:rPr lang="en-US" dirty="0"/>
-              <a:t>Linear Discriminant Analysis</a:t>
+              <a:t>Ensemble Methods</a:t>
             </a:r>
             <a:endParaRPr lang="he-IL" dirty="0"/>
           </a:p>
@@ -6791,20 +6861,53 @@
             <a:pPr lvl="1"/>
             <a:r>
               <a:rPr lang="he-IL" dirty="0"/>
-              <a:t>משמש ל </a:t>
-            </a:r>
-            <a:r>
-              <a:rPr lang="en-US" dirty="0"/>
-              <a:t>classify</a:t>
-            </a:r>
-            <a:r>
-              <a:rPr lang="he-IL" dirty="0"/>
-              <a:t> על בסיס </a:t>
-            </a:r>
-            <a:r>
-              <a:rPr lang="en-US" dirty="0"/>
-              <a:t>variance</a:t>
-            </a:r>
+              <a:t>שילוב של מספר שיטות בסיס על מנת לקבל תוצאה טובה יותר.</a:t>
+            </a:r>
+          </a:p>
+          <a:p>
+            <a:pPr lvl="1"/>
+            <a:r>
+              <a:rPr lang="he-IL" dirty="0"/>
+              <a:t>יש מספר שיטות:</a:t>
+            </a:r>
+          </a:p>
+          <a:p>
+            <a:pPr lvl="2"/>
+            <a:r>
+              <a:rPr lang="en-US" dirty="0"/>
+              <a:t>Random Forest</a:t>
+            </a:r>
+            <a:r>
+              <a:rPr lang="he-IL" dirty="0"/>
+              <a:t> הינו שילוב של מספר אלג’ </a:t>
+            </a:r>
+            <a:r>
+              <a:rPr lang="en-US" dirty="0"/>
+              <a:t>Decision Tree</a:t>
+            </a:r>
+            <a:r>
+              <a:rPr lang="he-IL" dirty="0"/>
+              <a:t>.</a:t>
+            </a:r>
+          </a:p>
+          <a:p>
+            <a:pPr lvl="2"/>
+            <a:r>
+              <a:rPr lang="en-US" dirty="0"/>
+              <a:t>Bagging</a:t>
+            </a:r>
+            <a:r>
+              <a:rPr lang="he-IL" dirty="0"/>
+              <a:t> – שיטה דומה ל </a:t>
+            </a:r>
+            <a:r>
+              <a:rPr lang="en-US" dirty="0"/>
+              <a:t>RF</a:t>
+            </a:r>
+            <a:endParaRPr lang="he-IL" dirty="0"/>
+          </a:p>
+          <a:p>
+            <a:pPr lvl="2"/>
             <a:endParaRPr lang="he-IL" dirty="0"/>
           </a:p>
         </p:txBody>
@@ -6812,7 +6915,7 @@
     </p:spTree>
     <p:extLst>
       <p:ext uri="{BB962C8B-B14F-4D97-AF65-F5344CB8AC3E}">
-        <p14:creationId xmlns:p14="http://schemas.microsoft.com/office/powerpoint/2010/main" val="958839187"/>
+        <p14:creationId xmlns:p14="http://schemas.microsoft.com/office/powerpoint/2010/main" val="3189884367"/>
       </p:ext>
     </p:extLst>
   </p:cSld>
@@ -6841,458 +6944,132 @@
       </p:grpSpPr>
       <p:sp>
         <p:nvSpPr>
-          <p:cNvPr id="4" name="מלבן 3">
-            <a:extLst>
-              <a:ext uri="{FF2B5EF4-FFF2-40B4-BE49-F238E27FC236}">
-                <a16:creationId xmlns:a16="http://schemas.microsoft.com/office/drawing/2014/main" id="{74609AB5-34A0-4526-AABA-E4DE4362E011}"/>
-              </a:ext>
-            </a:extLst>
-          </p:cNvPr>
-          <p:cNvSpPr/>
-          <p:nvPr/>
-        </p:nvSpPr>
-        <p:spPr>
-          <a:xfrm>
-            <a:off x="159798" y="3429000"/>
-            <a:ext cx="1109709" cy="852256"/>
-          </a:xfrm>
-          <a:prstGeom prst="rect">
-            <a:avLst/>
-          </a:prstGeom>
-        </p:spPr>
-        <p:style>
-          <a:lnRef idx="2">
-            <a:schemeClr val="accent1">
-              <a:shade val="50000"/>
-            </a:schemeClr>
-          </a:lnRef>
-          <a:fillRef idx="1">
-            <a:schemeClr val="accent1"/>
-          </a:fillRef>
-          <a:effectRef idx="0">
-            <a:schemeClr val="accent1"/>
-          </a:effectRef>
-          <a:fontRef idx="minor">
-            <a:schemeClr val="lt1"/>
-          </a:fontRef>
-        </p:style>
-        <p:txBody>
-          <a:bodyPr rtlCol="1" anchor="ctr"/>
-          <a:lstStyle/>
-          <a:p>
-            <a:pPr algn="ctr"/>
-            <a:r>
-              <a:rPr lang="en-US" dirty="0"/>
-              <a:t>Handle Empty Values</a:t>
-            </a:r>
-            <a:endParaRPr lang="he-IL" dirty="0"/>
-          </a:p>
-        </p:txBody>
-      </p:sp>
-      <p:sp>
-        <p:nvSpPr>
-          <p:cNvPr id="5" name="מלבן 4">
-            <a:extLst>
-              <a:ext uri="{FF2B5EF4-FFF2-40B4-BE49-F238E27FC236}">
-                <a16:creationId xmlns:a16="http://schemas.microsoft.com/office/drawing/2014/main" id="{E9DD5021-AEF6-441C-8775-E9DC0EF4F8AC}"/>
-              </a:ext>
-            </a:extLst>
-          </p:cNvPr>
-          <p:cNvSpPr/>
-          <p:nvPr/>
-        </p:nvSpPr>
-        <p:spPr>
-          <a:xfrm>
-            <a:off x="1519561" y="3429000"/>
-            <a:ext cx="1109709" cy="852256"/>
-          </a:xfrm>
-          <a:prstGeom prst="rect">
-            <a:avLst/>
-          </a:prstGeom>
-        </p:spPr>
-        <p:style>
-          <a:lnRef idx="2">
-            <a:schemeClr val="accent1">
-              <a:shade val="50000"/>
-            </a:schemeClr>
-          </a:lnRef>
-          <a:fillRef idx="1">
-            <a:schemeClr val="accent1"/>
-          </a:fillRef>
-          <a:effectRef idx="0">
-            <a:schemeClr val="accent1"/>
-          </a:effectRef>
-          <a:fontRef idx="minor">
-            <a:schemeClr val="lt1"/>
-          </a:fontRef>
-        </p:style>
-        <p:txBody>
-          <a:bodyPr rtlCol="1" anchor="ctr"/>
-          <a:lstStyle/>
-          <a:p>
-            <a:pPr algn="ctr"/>
-            <a:r>
-              <a:rPr lang="en-US" dirty="0"/>
-              <a:t>Handle variance</a:t>
-            </a:r>
-            <a:endParaRPr lang="he-IL" dirty="0"/>
-          </a:p>
-        </p:txBody>
-      </p:sp>
-      <p:sp>
-        <p:nvSpPr>
-          <p:cNvPr id="6" name="מלבן 5">
-            <a:extLst>
-              <a:ext uri="{FF2B5EF4-FFF2-40B4-BE49-F238E27FC236}">
-                <a16:creationId xmlns:a16="http://schemas.microsoft.com/office/drawing/2014/main" id="{F455A1AA-6082-4A3E-9532-8B7DFC1574DF}"/>
-              </a:ext>
-            </a:extLst>
-          </p:cNvPr>
-          <p:cNvSpPr/>
-          <p:nvPr/>
-        </p:nvSpPr>
-        <p:spPr>
-          <a:xfrm>
-            <a:off x="3882501" y="1642939"/>
-            <a:ext cx="1109709" cy="852256"/>
-          </a:xfrm>
-          <a:prstGeom prst="rect">
-            <a:avLst/>
-          </a:prstGeom>
-        </p:spPr>
-        <p:style>
-          <a:lnRef idx="2">
-            <a:schemeClr val="accent1">
-              <a:shade val="50000"/>
-            </a:schemeClr>
-          </a:lnRef>
-          <a:fillRef idx="1">
-            <a:schemeClr val="accent1"/>
-          </a:fillRef>
-          <a:effectRef idx="0">
-            <a:schemeClr val="accent1"/>
-          </a:effectRef>
-          <a:fontRef idx="minor">
-            <a:schemeClr val="lt1"/>
-          </a:fontRef>
-        </p:style>
-        <p:txBody>
-          <a:bodyPr rtlCol="1" anchor="ctr"/>
-          <a:lstStyle/>
-          <a:p>
-            <a:pPr algn="ctr"/>
-            <a:r>
-              <a:rPr lang="en-US" dirty="0"/>
-              <a:t>Discretization</a:t>
-            </a:r>
-            <a:endParaRPr lang="he-IL" dirty="0"/>
-          </a:p>
-        </p:txBody>
-      </p:sp>
-      <p:sp>
-        <p:nvSpPr>
-          <p:cNvPr id="7" name="מלבן 6">
-            <a:extLst>
-              <a:ext uri="{FF2B5EF4-FFF2-40B4-BE49-F238E27FC236}">
-                <a16:creationId xmlns:a16="http://schemas.microsoft.com/office/drawing/2014/main" id="{C5792502-C08D-4F48-AA09-8F4286D5944F}"/>
-              </a:ext>
-            </a:extLst>
-          </p:cNvPr>
-          <p:cNvSpPr/>
-          <p:nvPr/>
-        </p:nvSpPr>
-        <p:spPr>
-          <a:xfrm>
-            <a:off x="5442014" y="1642939"/>
-            <a:ext cx="1109709" cy="852256"/>
-          </a:xfrm>
-          <a:prstGeom prst="rect">
-            <a:avLst/>
-          </a:prstGeom>
-        </p:spPr>
-        <p:style>
-          <a:lnRef idx="2">
-            <a:schemeClr val="accent1">
-              <a:shade val="50000"/>
-            </a:schemeClr>
-          </a:lnRef>
-          <a:fillRef idx="1">
-            <a:schemeClr val="accent1"/>
-          </a:fillRef>
-          <a:effectRef idx="0">
-            <a:schemeClr val="accent1"/>
-          </a:effectRef>
-          <a:fontRef idx="minor">
-            <a:schemeClr val="lt1"/>
-          </a:fontRef>
-        </p:style>
-        <p:txBody>
-          <a:bodyPr rtlCol="1" anchor="ctr"/>
-          <a:lstStyle/>
-          <a:p>
-            <a:pPr algn="ctr"/>
+          <p:cNvPr id="2" name="כותרת 1">
+            <a:extLst>
+              <a:ext uri="{FF2B5EF4-FFF2-40B4-BE49-F238E27FC236}">
+                <a16:creationId xmlns:a16="http://schemas.microsoft.com/office/drawing/2014/main" id="{96632501-42E2-42AF-95AE-976F27B04F71}"/>
+              </a:ext>
+            </a:extLst>
+          </p:cNvPr>
+          <p:cNvSpPr>
+            <a:spLocks noGrp="1"/>
+          </p:cNvSpPr>
+          <p:nvPr>
+            <p:ph type="title"/>
+          </p:nvPr>
+        </p:nvSpPr>
+        <p:spPr/>
+        <p:txBody>
+          <a:bodyPr/>
+          <a:lstStyle/>
+          <a:p>
+            <a:r>
+              <a:rPr lang="he-IL" dirty="0"/>
+              <a:t>מושגים - הסתברות</a:t>
+            </a:r>
+          </a:p>
+        </p:txBody>
+      </p:sp>
+      <p:sp>
+        <p:nvSpPr>
+          <p:cNvPr id="3" name="מציין מיקום תוכן 2">
+            <a:extLst>
+              <a:ext uri="{FF2B5EF4-FFF2-40B4-BE49-F238E27FC236}">
+                <a16:creationId xmlns:a16="http://schemas.microsoft.com/office/drawing/2014/main" id="{F8A89D09-DE15-4B7C-8893-E8E6FBC78FA4}"/>
+              </a:ext>
+            </a:extLst>
+          </p:cNvPr>
+          <p:cNvSpPr>
+            <a:spLocks noGrp="1"/>
+          </p:cNvSpPr>
+          <p:nvPr>
+            <p:ph idx="1"/>
+          </p:nvPr>
+        </p:nvSpPr>
+        <p:spPr/>
+        <p:txBody>
+          <a:bodyPr/>
+          <a:lstStyle/>
+          <a:p>
             <a:r>
               <a:rPr lang="en-US" dirty="0" err="1"/>
-              <a:t>Enum</a:t>
-            </a:r>
-            <a:endParaRPr lang="he-IL" dirty="0"/>
-          </a:p>
-        </p:txBody>
-      </p:sp>
-      <p:sp>
-        <p:nvSpPr>
-          <p:cNvPr id="8" name="מלבן 7">
-            <a:extLst>
-              <a:ext uri="{FF2B5EF4-FFF2-40B4-BE49-F238E27FC236}">
-                <a16:creationId xmlns:a16="http://schemas.microsoft.com/office/drawing/2014/main" id="{144FAF8B-F585-439C-8E89-B59AED2B9610}"/>
-              </a:ext>
-            </a:extLst>
-          </p:cNvPr>
-          <p:cNvSpPr/>
-          <p:nvPr/>
-        </p:nvSpPr>
-        <p:spPr>
-          <a:xfrm>
-            <a:off x="7121374" y="1642939"/>
-            <a:ext cx="1109709" cy="852256"/>
-          </a:xfrm>
-          <a:prstGeom prst="rect">
-            <a:avLst/>
-          </a:prstGeom>
-        </p:spPr>
-        <p:style>
-          <a:lnRef idx="2">
-            <a:schemeClr val="accent1">
-              <a:shade val="50000"/>
-            </a:schemeClr>
-          </a:lnRef>
-          <a:fillRef idx="1">
-            <a:schemeClr val="accent1"/>
-          </a:fillRef>
-          <a:effectRef idx="0">
-            <a:schemeClr val="accent1"/>
-          </a:effectRef>
-          <a:fontRef idx="minor">
-            <a:schemeClr val="lt1"/>
-          </a:fontRef>
-        </p:style>
-        <p:txBody>
-          <a:bodyPr rtlCol="1" anchor="ctr"/>
-          <a:lstStyle/>
-          <a:p>
-            <a:pPr algn="ctr"/>
-            <a:r>
-              <a:rPr lang="en-US" dirty="0"/>
-              <a:t>FS</a:t>
-            </a:r>
-            <a:endParaRPr lang="he-IL" dirty="0"/>
-          </a:p>
-        </p:txBody>
-      </p:sp>
-      <p:sp>
-        <p:nvSpPr>
-          <p:cNvPr id="9" name="מלבן 8">
-            <a:extLst>
-              <a:ext uri="{FF2B5EF4-FFF2-40B4-BE49-F238E27FC236}">
-                <a16:creationId xmlns:a16="http://schemas.microsoft.com/office/drawing/2014/main" id="{93920802-7B02-401C-A236-795F3187EBC5}"/>
-              </a:ext>
-            </a:extLst>
-          </p:cNvPr>
-          <p:cNvSpPr/>
-          <p:nvPr/>
-        </p:nvSpPr>
-        <p:spPr>
-          <a:xfrm>
-            <a:off x="8623179" y="1642939"/>
-            <a:ext cx="1109709" cy="852256"/>
-          </a:xfrm>
-          <a:prstGeom prst="rect">
-            <a:avLst/>
-          </a:prstGeom>
-        </p:spPr>
-        <p:style>
-          <a:lnRef idx="2">
-            <a:schemeClr val="accent1">
-              <a:shade val="50000"/>
-            </a:schemeClr>
-          </a:lnRef>
-          <a:fillRef idx="1">
-            <a:schemeClr val="accent1"/>
-          </a:fillRef>
-          <a:effectRef idx="0">
-            <a:schemeClr val="accent1"/>
-          </a:effectRef>
-          <a:fontRef idx="minor">
-            <a:schemeClr val="lt1"/>
-          </a:fontRef>
-        </p:style>
-        <p:txBody>
-          <a:bodyPr rtlCol="1" anchor="ctr"/>
-          <a:lstStyle/>
-          <a:p>
-            <a:pPr algn="ctr"/>
-            <a:r>
-              <a:rPr lang="en-US" dirty="0"/>
-              <a:t>ALG</a:t>
-            </a:r>
-            <a:endParaRPr lang="he-IL" dirty="0"/>
-          </a:p>
-        </p:txBody>
-      </p:sp>
-      <p:sp>
-        <p:nvSpPr>
-          <p:cNvPr id="10" name="מלבן 9">
-            <a:extLst>
-              <a:ext uri="{FF2B5EF4-FFF2-40B4-BE49-F238E27FC236}">
-                <a16:creationId xmlns:a16="http://schemas.microsoft.com/office/drawing/2014/main" id="{5E9FC044-CAB1-40B3-AB95-441195FD6077}"/>
-              </a:ext>
-            </a:extLst>
-          </p:cNvPr>
-          <p:cNvSpPr/>
-          <p:nvPr/>
-        </p:nvSpPr>
-        <p:spPr>
-          <a:xfrm>
-            <a:off x="9920056" y="1642939"/>
-            <a:ext cx="1109709" cy="852256"/>
-          </a:xfrm>
-          <a:prstGeom prst="rect">
-            <a:avLst/>
-          </a:prstGeom>
-        </p:spPr>
-        <p:style>
-          <a:lnRef idx="2">
-            <a:schemeClr val="accent1">
-              <a:shade val="50000"/>
-            </a:schemeClr>
-          </a:lnRef>
-          <a:fillRef idx="1">
-            <a:schemeClr val="accent1"/>
-          </a:fillRef>
-          <a:effectRef idx="0">
-            <a:schemeClr val="accent1"/>
-          </a:effectRef>
-          <a:fontRef idx="minor">
-            <a:schemeClr val="lt1"/>
-          </a:fontRef>
-        </p:style>
-        <p:txBody>
-          <a:bodyPr rtlCol="1" anchor="ctr"/>
-          <a:lstStyle/>
-          <a:p>
-            <a:pPr algn="ctr"/>
-            <a:r>
-              <a:rPr lang="en-US" dirty="0"/>
-              <a:t>SCORE</a:t>
-            </a:r>
-            <a:endParaRPr lang="he-IL" dirty="0"/>
-          </a:p>
-        </p:txBody>
-      </p:sp>
-      <p:sp>
-        <p:nvSpPr>
-          <p:cNvPr id="11" name="מלבן 10">
-            <a:extLst>
-              <a:ext uri="{FF2B5EF4-FFF2-40B4-BE49-F238E27FC236}">
-                <a16:creationId xmlns:a16="http://schemas.microsoft.com/office/drawing/2014/main" id="{F2DA0E8C-25FD-4020-8F82-69843E774E23}"/>
-              </a:ext>
-            </a:extLst>
-          </p:cNvPr>
-          <p:cNvSpPr/>
-          <p:nvPr/>
-        </p:nvSpPr>
-        <p:spPr>
-          <a:xfrm>
-            <a:off x="11216933" y="1642939"/>
-            <a:ext cx="1109709" cy="852256"/>
-          </a:xfrm>
-          <a:prstGeom prst="rect">
-            <a:avLst/>
-          </a:prstGeom>
-        </p:spPr>
-        <p:style>
-          <a:lnRef idx="2">
-            <a:schemeClr val="accent1">
-              <a:shade val="50000"/>
-            </a:schemeClr>
-          </a:lnRef>
-          <a:fillRef idx="1">
-            <a:schemeClr val="accent1"/>
-          </a:fillRef>
-          <a:effectRef idx="0">
-            <a:schemeClr val="accent1"/>
-          </a:effectRef>
-          <a:fontRef idx="minor">
-            <a:schemeClr val="lt1"/>
-          </a:fontRef>
-        </p:style>
-        <p:txBody>
-          <a:bodyPr rtlCol="1" anchor="ctr"/>
-          <a:lstStyle/>
-          <a:p>
-            <a:pPr algn="ctr"/>
-            <a:r>
-              <a:rPr lang="en-US" dirty="0"/>
-              <a:t>RESULT</a:t>
-            </a:r>
-            <a:endParaRPr lang="he-IL" dirty="0"/>
-          </a:p>
-        </p:txBody>
-      </p:sp>
-      <p:sp>
-        <p:nvSpPr>
-          <p:cNvPr id="12" name="מלבן 11">
-            <a:extLst>
-              <a:ext uri="{FF2B5EF4-FFF2-40B4-BE49-F238E27FC236}">
-                <a16:creationId xmlns:a16="http://schemas.microsoft.com/office/drawing/2014/main" id="{47E76C13-4B61-4E05-B82D-64A274AF8A75}"/>
-              </a:ext>
-            </a:extLst>
-          </p:cNvPr>
-          <p:cNvSpPr/>
-          <p:nvPr/>
-        </p:nvSpPr>
-        <p:spPr>
-          <a:xfrm>
-            <a:off x="2879324" y="3429000"/>
-            <a:ext cx="1109709" cy="852256"/>
-          </a:xfrm>
-          <a:prstGeom prst="rect">
-            <a:avLst/>
-          </a:prstGeom>
-        </p:spPr>
-        <p:style>
-          <a:lnRef idx="2">
-            <a:schemeClr val="accent1">
-              <a:shade val="50000"/>
-            </a:schemeClr>
-          </a:lnRef>
-          <a:fillRef idx="1">
-            <a:schemeClr val="accent1"/>
-          </a:fillRef>
-          <a:effectRef idx="0">
-            <a:schemeClr val="accent1"/>
-          </a:effectRef>
-          <a:fontRef idx="minor">
-            <a:schemeClr val="lt1"/>
-          </a:fontRef>
-        </p:style>
-        <p:txBody>
-          <a:bodyPr rtlCol="1" anchor="ctr"/>
-          <a:lstStyle/>
-          <a:p>
-            <a:pPr algn="ctr"/>
-            <a:r>
-              <a:rPr lang="en-US" dirty="0"/>
-              <a:t>Feature Scaling</a:t>
-            </a:r>
-            <a:endParaRPr lang="he-IL" dirty="0"/>
+              <a:t>Cov</a:t>
+            </a:r>
+            <a:r>
+              <a:rPr lang="en-US" dirty="0"/>
+              <a:t>(</a:t>
+            </a:r>
+            <a:r>
+              <a:rPr lang="en-US" dirty="0" err="1"/>
+              <a:t>x,y</a:t>
+            </a:r>
+            <a:r>
+              <a:rPr lang="en-US" dirty="0"/>
+              <a:t>)</a:t>
+            </a:r>
+            <a:r>
+              <a:rPr lang="he-IL" dirty="0"/>
+              <a:t> – </a:t>
+            </a:r>
+            <a:r>
+              <a:rPr lang="en-US" dirty="0"/>
+              <a:t>Covariance  </a:t>
+            </a:r>
+            <a:r>
+              <a:rPr lang="he-IL" dirty="0"/>
+              <a:t> (שונות משותפת), מדד לקשר בין 2 משתנים.</a:t>
+            </a:r>
+          </a:p>
+          <a:p>
+            <a:pPr lvl="1"/>
+            <a:r>
+              <a:rPr lang="he-IL" dirty="0"/>
+              <a:t>ערך חיובי -&gt; משתנים באותו כיון </a:t>
+            </a:r>
+            <a:r>
+              <a:rPr lang="he-IL"/>
+              <a:t>ושלילי להפך</a:t>
+            </a:r>
+            <a:endParaRPr lang="he-IL" dirty="0"/>
+          </a:p>
+          <a:p>
+            <a:r>
+              <a:rPr lang="en-US" dirty="0" err="1"/>
+              <a:t>Cov</a:t>
+            </a:r>
+            <a:r>
+              <a:rPr lang="en-US" dirty="0"/>
+              <a:t>(</a:t>
+            </a:r>
+            <a:r>
+              <a:rPr lang="en-US" dirty="0" err="1"/>
+              <a:t>x,x</a:t>
+            </a:r>
+            <a:r>
+              <a:rPr lang="en-US" dirty="0"/>
+              <a:t>) = variance(x)</a:t>
+            </a:r>
+            <a:r>
+              <a:rPr lang="he-IL" dirty="0"/>
+              <a:t> </a:t>
+            </a:r>
+          </a:p>
+          <a:p>
+            <a:r>
+              <a:rPr lang="en-US" dirty="0"/>
+              <a:t>Covariance  matrix</a:t>
+            </a:r>
+            <a:r>
+              <a:rPr lang="he-IL" dirty="0"/>
+              <a:t> – מטריצה סימטרית שהאלכסון הינו שונות.</a:t>
+            </a:r>
           </a:p>
         </p:txBody>
       </p:sp>
     </p:spTree>
     <p:extLst>
       <p:ext uri="{BB962C8B-B14F-4D97-AF65-F5344CB8AC3E}">
-        <p14:creationId xmlns:p14="http://schemas.microsoft.com/office/powerpoint/2010/main" val="1488967984"/>
+        <p14:creationId xmlns:p14="http://schemas.microsoft.com/office/powerpoint/2010/main" val="53807840"/>
       </p:ext>
     </p:extLst>
   </p:cSld>
@@ -7319,6 +7096,600 @@
           <a:chExt cx="0" cy="0"/>
         </a:xfrm>
       </p:grpSpPr>
+      <p:sp>
+        <p:nvSpPr>
+          <p:cNvPr id="2" name="כותרת 1">
+            <a:extLst>
+              <a:ext uri="{FF2B5EF4-FFF2-40B4-BE49-F238E27FC236}">
+                <a16:creationId xmlns:a16="http://schemas.microsoft.com/office/drawing/2014/main" id="{5EECF68F-C804-4917-9B95-AB8F72AC1390}"/>
+              </a:ext>
+            </a:extLst>
+          </p:cNvPr>
+          <p:cNvSpPr>
+            <a:spLocks noGrp="1"/>
+          </p:cNvSpPr>
+          <p:nvPr>
+            <p:ph type="title"/>
+          </p:nvPr>
+        </p:nvSpPr>
+        <p:spPr/>
+        <p:txBody>
+          <a:bodyPr/>
+          <a:lstStyle/>
+          <a:p>
+            <a:r>
+              <a:rPr lang="he-IL" dirty="0"/>
+              <a:t>מושגים להשלמה</a:t>
+            </a:r>
+          </a:p>
+        </p:txBody>
+      </p:sp>
+      <p:sp>
+        <p:nvSpPr>
+          <p:cNvPr id="3" name="מציין מיקום תוכן 2">
+            <a:extLst>
+              <a:ext uri="{FF2B5EF4-FFF2-40B4-BE49-F238E27FC236}">
+                <a16:creationId xmlns:a16="http://schemas.microsoft.com/office/drawing/2014/main" id="{2DBF896A-F127-462E-9205-DCA9CD225491}"/>
+              </a:ext>
+            </a:extLst>
+          </p:cNvPr>
+          <p:cNvSpPr>
+            <a:spLocks noGrp="1"/>
+          </p:cNvSpPr>
+          <p:nvPr>
+            <p:ph idx="1"/>
+          </p:nvPr>
+        </p:nvSpPr>
+        <p:spPr/>
+        <p:txBody>
+          <a:bodyPr/>
+          <a:lstStyle/>
+          <a:p>
+            <a:r>
+              <a:rPr lang="en-US" dirty="0"/>
+              <a:t>Back propagation function</a:t>
+            </a:r>
+            <a:endParaRPr lang="he-IL" dirty="0"/>
+          </a:p>
+          <a:p>
+            <a:r>
+              <a:rPr lang="en-US" dirty="0"/>
+              <a:t>Linear Discriminant Analysis</a:t>
+            </a:r>
+            <a:endParaRPr lang="he-IL" dirty="0"/>
+          </a:p>
+          <a:p>
+            <a:pPr lvl="1"/>
+            <a:r>
+              <a:rPr lang="he-IL" dirty="0"/>
+              <a:t>משמש ל </a:t>
+            </a:r>
+            <a:r>
+              <a:rPr lang="en-US" dirty="0"/>
+              <a:t>classify</a:t>
+            </a:r>
+            <a:r>
+              <a:rPr lang="he-IL" dirty="0"/>
+              <a:t> על בסיס </a:t>
+            </a:r>
+            <a:r>
+              <a:rPr lang="en-US" dirty="0"/>
+              <a:t>variance</a:t>
+            </a:r>
+            <a:endParaRPr lang="he-IL" dirty="0"/>
+          </a:p>
+        </p:txBody>
+      </p:sp>
+    </p:spTree>
+    <p:extLst>
+      <p:ext uri="{BB962C8B-B14F-4D97-AF65-F5344CB8AC3E}">
+        <p14:creationId xmlns:p14="http://schemas.microsoft.com/office/powerpoint/2010/main" val="958839187"/>
+      </p:ext>
+    </p:extLst>
+  </p:cSld>
+  <p:clrMapOvr>
+    <a:masterClrMapping/>
+  </p:clrMapOvr>
+</p:sld>
+</file>
+
+<file path=ppt/slides/slide27.xml><?xml version="1.0" encoding="utf-8"?>
+<p:sld xmlns:a="http://schemas.openxmlformats.org/drawingml/2006/main" xmlns:r="http://schemas.openxmlformats.org/officeDocument/2006/relationships" xmlns:p="http://schemas.openxmlformats.org/presentationml/2006/main">
+  <p:cSld>
+    <p:spTree>
+      <p:nvGrpSpPr>
+        <p:cNvPr id="1" name=""/>
+        <p:cNvGrpSpPr/>
+        <p:nvPr/>
+      </p:nvGrpSpPr>
+      <p:grpSpPr>
+        <a:xfrm>
+          <a:off x="0" y="0"/>
+          <a:ext cx="0" cy="0"/>
+          <a:chOff x="0" y="0"/>
+          <a:chExt cx="0" cy="0"/>
+        </a:xfrm>
+      </p:grpSpPr>
+      <p:sp>
+        <p:nvSpPr>
+          <p:cNvPr id="4" name="מלבן 3">
+            <a:extLst>
+              <a:ext uri="{FF2B5EF4-FFF2-40B4-BE49-F238E27FC236}">
+                <a16:creationId xmlns:a16="http://schemas.microsoft.com/office/drawing/2014/main" id="{74609AB5-34A0-4526-AABA-E4DE4362E011}"/>
+              </a:ext>
+            </a:extLst>
+          </p:cNvPr>
+          <p:cNvSpPr/>
+          <p:nvPr/>
+        </p:nvSpPr>
+        <p:spPr>
+          <a:xfrm>
+            <a:off x="159798" y="3429000"/>
+            <a:ext cx="1109709" cy="852256"/>
+          </a:xfrm>
+          <a:prstGeom prst="rect">
+            <a:avLst/>
+          </a:prstGeom>
+        </p:spPr>
+        <p:style>
+          <a:lnRef idx="2">
+            <a:schemeClr val="accent1">
+              <a:shade val="50000"/>
+            </a:schemeClr>
+          </a:lnRef>
+          <a:fillRef idx="1">
+            <a:schemeClr val="accent1"/>
+          </a:fillRef>
+          <a:effectRef idx="0">
+            <a:schemeClr val="accent1"/>
+          </a:effectRef>
+          <a:fontRef idx="minor">
+            <a:schemeClr val="lt1"/>
+          </a:fontRef>
+        </p:style>
+        <p:txBody>
+          <a:bodyPr rtlCol="1" anchor="ctr"/>
+          <a:lstStyle/>
+          <a:p>
+            <a:pPr algn="ctr"/>
+            <a:r>
+              <a:rPr lang="en-US" dirty="0"/>
+              <a:t>Handle Empty Values</a:t>
+            </a:r>
+            <a:endParaRPr lang="he-IL" dirty="0"/>
+          </a:p>
+        </p:txBody>
+      </p:sp>
+      <p:sp>
+        <p:nvSpPr>
+          <p:cNvPr id="5" name="מלבן 4">
+            <a:extLst>
+              <a:ext uri="{FF2B5EF4-FFF2-40B4-BE49-F238E27FC236}">
+                <a16:creationId xmlns:a16="http://schemas.microsoft.com/office/drawing/2014/main" id="{E9DD5021-AEF6-441C-8775-E9DC0EF4F8AC}"/>
+              </a:ext>
+            </a:extLst>
+          </p:cNvPr>
+          <p:cNvSpPr/>
+          <p:nvPr/>
+        </p:nvSpPr>
+        <p:spPr>
+          <a:xfrm>
+            <a:off x="1519561" y="3429000"/>
+            <a:ext cx="1109709" cy="852256"/>
+          </a:xfrm>
+          <a:prstGeom prst="rect">
+            <a:avLst/>
+          </a:prstGeom>
+        </p:spPr>
+        <p:style>
+          <a:lnRef idx="2">
+            <a:schemeClr val="accent1">
+              <a:shade val="50000"/>
+            </a:schemeClr>
+          </a:lnRef>
+          <a:fillRef idx="1">
+            <a:schemeClr val="accent1"/>
+          </a:fillRef>
+          <a:effectRef idx="0">
+            <a:schemeClr val="accent1"/>
+          </a:effectRef>
+          <a:fontRef idx="minor">
+            <a:schemeClr val="lt1"/>
+          </a:fontRef>
+        </p:style>
+        <p:txBody>
+          <a:bodyPr rtlCol="1" anchor="ctr"/>
+          <a:lstStyle/>
+          <a:p>
+            <a:pPr algn="ctr"/>
+            <a:r>
+              <a:rPr lang="en-US" dirty="0"/>
+              <a:t>Handle variance</a:t>
+            </a:r>
+            <a:endParaRPr lang="he-IL" dirty="0"/>
+          </a:p>
+        </p:txBody>
+      </p:sp>
+      <p:sp>
+        <p:nvSpPr>
+          <p:cNvPr id="6" name="מלבן 5">
+            <a:extLst>
+              <a:ext uri="{FF2B5EF4-FFF2-40B4-BE49-F238E27FC236}">
+                <a16:creationId xmlns:a16="http://schemas.microsoft.com/office/drawing/2014/main" id="{F455A1AA-6082-4A3E-9532-8B7DFC1574DF}"/>
+              </a:ext>
+            </a:extLst>
+          </p:cNvPr>
+          <p:cNvSpPr/>
+          <p:nvPr/>
+        </p:nvSpPr>
+        <p:spPr>
+          <a:xfrm>
+            <a:off x="3882501" y="1642939"/>
+            <a:ext cx="1109709" cy="852256"/>
+          </a:xfrm>
+          <a:prstGeom prst="rect">
+            <a:avLst/>
+          </a:prstGeom>
+        </p:spPr>
+        <p:style>
+          <a:lnRef idx="2">
+            <a:schemeClr val="accent1">
+              <a:shade val="50000"/>
+            </a:schemeClr>
+          </a:lnRef>
+          <a:fillRef idx="1">
+            <a:schemeClr val="accent1"/>
+          </a:fillRef>
+          <a:effectRef idx="0">
+            <a:schemeClr val="accent1"/>
+          </a:effectRef>
+          <a:fontRef idx="minor">
+            <a:schemeClr val="lt1"/>
+          </a:fontRef>
+        </p:style>
+        <p:txBody>
+          <a:bodyPr rtlCol="1" anchor="ctr"/>
+          <a:lstStyle/>
+          <a:p>
+            <a:pPr algn="ctr"/>
+            <a:r>
+              <a:rPr lang="en-US" dirty="0"/>
+              <a:t>Discretization</a:t>
+            </a:r>
+            <a:endParaRPr lang="he-IL" dirty="0"/>
+          </a:p>
+        </p:txBody>
+      </p:sp>
+      <p:sp>
+        <p:nvSpPr>
+          <p:cNvPr id="7" name="מלבן 6">
+            <a:extLst>
+              <a:ext uri="{FF2B5EF4-FFF2-40B4-BE49-F238E27FC236}">
+                <a16:creationId xmlns:a16="http://schemas.microsoft.com/office/drawing/2014/main" id="{C5792502-C08D-4F48-AA09-8F4286D5944F}"/>
+              </a:ext>
+            </a:extLst>
+          </p:cNvPr>
+          <p:cNvSpPr/>
+          <p:nvPr/>
+        </p:nvSpPr>
+        <p:spPr>
+          <a:xfrm>
+            <a:off x="5442014" y="1642939"/>
+            <a:ext cx="1109709" cy="852256"/>
+          </a:xfrm>
+          <a:prstGeom prst="rect">
+            <a:avLst/>
+          </a:prstGeom>
+        </p:spPr>
+        <p:style>
+          <a:lnRef idx="2">
+            <a:schemeClr val="accent1">
+              <a:shade val="50000"/>
+            </a:schemeClr>
+          </a:lnRef>
+          <a:fillRef idx="1">
+            <a:schemeClr val="accent1"/>
+          </a:fillRef>
+          <a:effectRef idx="0">
+            <a:schemeClr val="accent1"/>
+          </a:effectRef>
+          <a:fontRef idx="minor">
+            <a:schemeClr val="lt1"/>
+          </a:fontRef>
+        </p:style>
+        <p:txBody>
+          <a:bodyPr rtlCol="1" anchor="ctr"/>
+          <a:lstStyle/>
+          <a:p>
+            <a:pPr algn="ctr"/>
+            <a:r>
+              <a:rPr lang="en-US" dirty="0" err="1"/>
+              <a:t>Enum</a:t>
+            </a:r>
+            <a:endParaRPr lang="he-IL" dirty="0"/>
+          </a:p>
+        </p:txBody>
+      </p:sp>
+      <p:sp>
+        <p:nvSpPr>
+          <p:cNvPr id="8" name="מלבן 7">
+            <a:extLst>
+              <a:ext uri="{FF2B5EF4-FFF2-40B4-BE49-F238E27FC236}">
+                <a16:creationId xmlns:a16="http://schemas.microsoft.com/office/drawing/2014/main" id="{144FAF8B-F585-439C-8E89-B59AED2B9610}"/>
+              </a:ext>
+            </a:extLst>
+          </p:cNvPr>
+          <p:cNvSpPr/>
+          <p:nvPr/>
+        </p:nvSpPr>
+        <p:spPr>
+          <a:xfrm>
+            <a:off x="7121374" y="1642939"/>
+            <a:ext cx="1109709" cy="852256"/>
+          </a:xfrm>
+          <a:prstGeom prst="rect">
+            <a:avLst/>
+          </a:prstGeom>
+        </p:spPr>
+        <p:style>
+          <a:lnRef idx="2">
+            <a:schemeClr val="accent1">
+              <a:shade val="50000"/>
+            </a:schemeClr>
+          </a:lnRef>
+          <a:fillRef idx="1">
+            <a:schemeClr val="accent1"/>
+          </a:fillRef>
+          <a:effectRef idx="0">
+            <a:schemeClr val="accent1"/>
+          </a:effectRef>
+          <a:fontRef idx="minor">
+            <a:schemeClr val="lt1"/>
+          </a:fontRef>
+        </p:style>
+        <p:txBody>
+          <a:bodyPr rtlCol="1" anchor="ctr"/>
+          <a:lstStyle/>
+          <a:p>
+            <a:pPr algn="ctr"/>
+            <a:r>
+              <a:rPr lang="en-US" dirty="0"/>
+              <a:t>FS</a:t>
+            </a:r>
+            <a:endParaRPr lang="he-IL" dirty="0"/>
+          </a:p>
+        </p:txBody>
+      </p:sp>
+      <p:sp>
+        <p:nvSpPr>
+          <p:cNvPr id="9" name="מלבן 8">
+            <a:extLst>
+              <a:ext uri="{FF2B5EF4-FFF2-40B4-BE49-F238E27FC236}">
+                <a16:creationId xmlns:a16="http://schemas.microsoft.com/office/drawing/2014/main" id="{93920802-7B02-401C-A236-795F3187EBC5}"/>
+              </a:ext>
+            </a:extLst>
+          </p:cNvPr>
+          <p:cNvSpPr/>
+          <p:nvPr/>
+        </p:nvSpPr>
+        <p:spPr>
+          <a:xfrm>
+            <a:off x="8623179" y="1642939"/>
+            <a:ext cx="1109709" cy="852256"/>
+          </a:xfrm>
+          <a:prstGeom prst="rect">
+            <a:avLst/>
+          </a:prstGeom>
+        </p:spPr>
+        <p:style>
+          <a:lnRef idx="2">
+            <a:schemeClr val="accent1">
+              <a:shade val="50000"/>
+            </a:schemeClr>
+          </a:lnRef>
+          <a:fillRef idx="1">
+            <a:schemeClr val="accent1"/>
+          </a:fillRef>
+          <a:effectRef idx="0">
+            <a:schemeClr val="accent1"/>
+          </a:effectRef>
+          <a:fontRef idx="minor">
+            <a:schemeClr val="lt1"/>
+          </a:fontRef>
+        </p:style>
+        <p:txBody>
+          <a:bodyPr rtlCol="1" anchor="ctr"/>
+          <a:lstStyle/>
+          <a:p>
+            <a:pPr algn="ctr"/>
+            <a:r>
+              <a:rPr lang="en-US" dirty="0"/>
+              <a:t>ALG</a:t>
+            </a:r>
+            <a:endParaRPr lang="he-IL" dirty="0"/>
+          </a:p>
+        </p:txBody>
+      </p:sp>
+      <p:sp>
+        <p:nvSpPr>
+          <p:cNvPr id="10" name="מלבן 9">
+            <a:extLst>
+              <a:ext uri="{FF2B5EF4-FFF2-40B4-BE49-F238E27FC236}">
+                <a16:creationId xmlns:a16="http://schemas.microsoft.com/office/drawing/2014/main" id="{5E9FC044-CAB1-40B3-AB95-441195FD6077}"/>
+              </a:ext>
+            </a:extLst>
+          </p:cNvPr>
+          <p:cNvSpPr/>
+          <p:nvPr/>
+        </p:nvSpPr>
+        <p:spPr>
+          <a:xfrm>
+            <a:off x="9920056" y="1642939"/>
+            <a:ext cx="1109709" cy="852256"/>
+          </a:xfrm>
+          <a:prstGeom prst="rect">
+            <a:avLst/>
+          </a:prstGeom>
+        </p:spPr>
+        <p:style>
+          <a:lnRef idx="2">
+            <a:schemeClr val="accent1">
+              <a:shade val="50000"/>
+            </a:schemeClr>
+          </a:lnRef>
+          <a:fillRef idx="1">
+            <a:schemeClr val="accent1"/>
+          </a:fillRef>
+          <a:effectRef idx="0">
+            <a:schemeClr val="accent1"/>
+          </a:effectRef>
+          <a:fontRef idx="minor">
+            <a:schemeClr val="lt1"/>
+          </a:fontRef>
+        </p:style>
+        <p:txBody>
+          <a:bodyPr rtlCol="1" anchor="ctr"/>
+          <a:lstStyle/>
+          <a:p>
+            <a:pPr algn="ctr"/>
+            <a:r>
+              <a:rPr lang="en-US" dirty="0"/>
+              <a:t>SCORE</a:t>
+            </a:r>
+            <a:endParaRPr lang="he-IL" dirty="0"/>
+          </a:p>
+        </p:txBody>
+      </p:sp>
+      <p:sp>
+        <p:nvSpPr>
+          <p:cNvPr id="11" name="מלבן 10">
+            <a:extLst>
+              <a:ext uri="{FF2B5EF4-FFF2-40B4-BE49-F238E27FC236}">
+                <a16:creationId xmlns:a16="http://schemas.microsoft.com/office/drawing/2014/main" id="{F2DA0E8C-25FD-4020-8F82-69843E774E23}"/>
+              </a:ext>
+            </a:extLst>
+          </p:cNvPr>
+          <p:cNvSpPr/>
+          <p:nvPr/>
+        </p:nvSpPr>
+        <p:spPr>
+          <a:xfrm>
+            <a:off x="11216933" y="1642939"/>
+            <a:ext cx="1109709" cy="852256"/>
+          </a:xfrm>
+          <a:prstGeom prst="rect">
+            <a:avLst/>
+          </a:prstGeom>
+        </p:spPr>
+        <p:style>
+          <a:lnRef idx="2">
+            <a:schemeClr val="accent1">
+              <a:shade val="50000"/>
+            </a:schemeClr>
+          </a:lnRef>
+          <a:fillRef idx="1">
+            <a:schemeClr val="accent1"/>
+          </a:fillRef>
+          <a:effectRef idx="0">
+            <a:schemeClr val="accent1"/>
+          </a:effectRef>
+          <a:fontRef idx="minor">
+            <a:schemeClr val="lt1"/>
+          </a:fontRef>
+        </p:style>
+        <p:txBody>
+          <a:bodyPr rtlCol="1" anchor="ctr"/>
+          <a:lstStyle/>
+          <a:p>
+            <a:pPr algn="ctr"/>
+            <a:r>
+              <a:rPr lang="en-US" dirty="0"/>
+              <a:t>RESULT</a:t>
+            </a:r>
+            <a:endParaRPr lang="he-IL" dirty="0"/>
+          </a:p>
+        </p:txBody>
+      </p:sp>
+      <p:sp>
+        <p:nvSpPr>
+          <p:cNvPr id="12" name="מלבן 11">
+            <a:extLst>
+              <a:ext uri="{FF2B5EF4-FFF2-40B4-BE49-F238E27FC236}">
+                <a16:creationId xmlns:a16="http://schemas.microsoft.com/office/drawing/2014/main" id="{47E76C13-4B61-4E05-B82D-64A274AF8A75}"/>
+              </a:ext>
+            </a:extLst>
+          </p:cNvPr>
+          <p:cNvSpPr/>
+          <p:nvPr/>
+        </p:nvSpPr>
+        <p:spPr>
+          <a:xfrm>
+            <a:off x="2879324" y="3429000"/>
+            <a:ext cx="1109709" cy="852256"/>
+          </a:xfrm>
+          <a:prstGeom prst="rect">
+            <a:avLst/>
+          </a:prstGeom>
+        </p:spPr>
+        <p:style>
+          <a:lnRef idx="2">
+            <a:schemeClr val="accent1">
+              <a:shade val="50000"/>
+            </a:schemeClr>
+          </a:lnRef>
+          <a:fillRef idx="1">
+            <a:schemeClr val="accent1"/>
+          </a:fillRef>
+          <a:effectRef idx="0">
+            <a:schemeClr val="accent1"/>
+          </a:effectRef>
+          <a:fontRef idx="minor">
+            <a:schemeClr val="lt1"/>
+          </a:fontRef>
+        </p:style>
+        <p:txBody>
+          <a:bodyPr rtlCol="1" anchor="ctr"/>
+          <a:lstStyle/>
+          <a:p>
+            <a:pPr algn="ctr"/>
+            <a:r>
+              <a:rPr lang="en-US" dirty="0"/>
+              <a:t>Feature Scaling</a:t>
+            </a:r>
+            <a:endParaRPr lang="he-IL" dirty="0"/>
+          </a:p>
+        </p:txBody>
+      </p:sp>
+    </p:spTree>
+    <p:extLst>
+      <p:ext uri="{BB962C8B-B14F-4D97-AF65-F5344CB8AC3E}">
+        <p14:creationId xmlns:p14="http://schemas.microsoft.com/office/powerpoint/2010/main" val="1488967984"/>
+      </p:ext>
+    </p:extLst>
+  </p:cSld>
+  <p:clrMapOvr>
+    <a:masterClrMapping/>
+  </p:clrMapOvr>
+</p:sld>
+</file>
+
+<file path=ppt/slides/slide28.xml><?xml version="1.0" encoding="utf-8"?>
+<p:sld xmlns:a="http://schemas.openxmlformats.org/drawingml/2006/main" xmlns:r="http://schemas.openxmlformats.org/officeDocument/2006/relationships" xmlns:p="http://schemas.openxmlformats.org/presentationml/2006/main">
+  <p:cSld>
+    <p:spTree>
+      <p:nvGrpSpPr>
+        <p:cNvPr id="1" name=""/>
+        <p:cNvGrpSpPr/>
+        <p:nvPr/>
+      </p:nvGrpSpPr>
+      <p:grpSpPr>
+        <a:xfrm>
+          <a:off x="0" y="0"/>
+          <a:ext cx="0" cy="0"/>
+          <a:chOff x="0" y="0"/>
+          <a:chExt cx="0" cy="0"/>
+        </a:xfrm>
+      </p:grpSpPr>
       <p:pic>
         <p:nvPicPr>
           <p:cNvPr id="1026" name="Picture 2">
@@ -7721,7 +8092,7 @@
 </p:sld>
 </file>
 
-<file path=ppt/slides/slide27.xml><?xml version="1.0" encoding="utf-8"?>
+<file path=ppt/slides/slide29.xml><?xml version="1.0" encoding="utf-8"?>
 <p:sld xmlns:a="http://schemas.openxmlformats.org/drawingml/2006/main" xmlns:r="http://schemas.openxmlformats.org/officeDocument/2006/relationships" xmlns:p="http://schemas.openxmlformats.org/presentationml/2006/main">
   <p:cSld>
     <p:spTree>
@@ -7847,7 +8218,7 @@
 </p:sld>
 </file>
 
-<file path=ppt/slides/slide28.xml><?xml version="1.0" encoding="utf-8"?>
+<file path=ppt/slides/slide3.xml><?xml version="1.0" encoding="utf-8"?>
 <p:sld xmlns:a="http://schemas.openxmlformats.org/drawingml/2006/main" xmlns:r="http://schemas.openxmlformats.org/officeDocument/2006/relationships" xmlns:p="http://schemas.openxmlformats.org/presentationml/2006/main">
   <p:cSld>
     <p:spTree>
@@ -7869,6 +8240,187 @@
           <p:cNvPr id="2" name="כותרת 1">
             <a:extLst>
               <a:ext uri="{FF2B5EF4-FFF2-40B4-BE49-F238E27FC236}">
+                <a16:creationId xmlns:a16="http://schemas.microsoft.com/office/drawing/2014/main" id="{4CDBD322-010D-4D09-B4D0-C52ABE075B41}"/>
+              </a:ext>
+            </a:extLst>
+          </p:cNvPr>
+          <p:cNvSpPr>
+            <a:spLocks noGrp="1"/>
+          </p:cNvSpPr>
+          <p:nvPr>
+            <p:ph type="title"/>
+          </p:nvPr>
+        </p:nvSpPr>
+        <p:spPr/>
+        <p:txBody>
+          <a:bodyPr/>
+          <a:lstStyle/>
+          <a:p>
+            <a:r>
+              <a:rPr lang="he-IL" dirty="0"/>
+              <a:t>ישנם מספר טכניקות לבחירת קבוצת תכונות</a:t>
+            </a:r>
+          </a:p>
+        </p:txBody>
+      </p:sp>
+      <p:sp>
+        <p:nvSpPr>
+          <p:cNvPr id="3" name="מציין מיקום תוכן 2">
+            <a:extLst>
+              <a:ext uri="{FF2B5EF4-FFF2-40B4-BE49-F238E27FC236}">
+                <a16:creationId xmlns:a16="http://schemas.microsoft.com/office/drawing/2014/main" id="{FFA676B8-64D5-452C-8FE6-0A33E5A2FEE5}"/>
+              </a:ext>
+            </a:extLst>
+          </p:cNvPr>
+          <p:cNvSpPr>
+            <a:spLocks noGrp="1"/>
+          </p:cNvSpPr>
+          <p:nvPr>
+            <p:ph idx="1"/>
+          </p:nvPr>
+        </p:nvSpPr>
+        <p:spPr/>
+        <p:txBody>
+          <a:bodyPr>
+            <a:normAutofit/>
+          </a:bodyPr>
+          <a:lstStyle/>
+          <a:p>
+            <a:pPr marL="514350" indent="-514350">
+              <a:buAutoNum type="arabicPeriod"/>
+            </a:pPr>
+            <a:r>
+              <a:rPr lang="en-US" dirty="0"/>
+              <a:t>Filter Methods</a:t>
+            </a:r>
+            <a:endParaRPr lang="he-IL" dirty="0"/>
+          </a:p>
+          <a:p>
+            <a:pPr marL="971550" lvl="1" indent="-514350">
+              <a:buAutoNum type="arabicPeriod"/>
+            </a:pPr>
+            <a:r>
+              <a:rPr lang="he-IL" dirty="0"/>
+              <a:t>שימוש במאפייני התכונות בלבד</a:t>
+            </a:r>
+          </a:p>
+          <a:p>
+            <a:pPr marL="971550" lvl="1" indent="-514350">
+              <a:buAutoNum type="arabicPeriod"/>
+            </a:pPr>
+            <a:r>
+              <a:rPr lang="he-IL" dirty="0"/>
+              <a:t>שיטה מהירה ולרוב משתמשים בה כשלב ראשון בשרשרת בחירת התכונות</a:t>
+            </a:r>
+          </a:p>
+          <a:p>
+            <a:pPr marL="971550" lvl="1" indent="-514350">
+              <a:buAutoNum type="arabicPeriod"/>
+            </a:pPr>
+            <a:r>
+              <a:rPr lang="he-IL" dirty="0"/>
+              <a:t>שיטה טובה להורדת תכונות כפלות ותכונות שאין להם קשר למטרה</a:t>
+            </a:r>
+          </a:p>
+          <a:p>
+            <a:pPr marL="971550" lvl="1" indent="-514350">
+              <a:buAutoNum type="arabicPeriod"/>
+            </a:pPr>
+            <a:r>
+              <a:rPr lang="en-US" dirty="0"/>
+              <a:t>Pearson correlation coefficient</a:t>
+            </a:r>
+            <a:r>
+              <a:rPr lang="he-IL" dirty="0"/>
+              <a:t> / </a:t>
+            </a:r>
+            <a:r>
+              <a:rPr lang="en-US" dirty="0"/>
+              <a:t>Mutual Information</a:t>
+            </a:r>
+            <a:r>
+              <a:rPr lang="he-IL" dirty="0"/>
+              <a:t> / </a:t>
+            </a:r>
+            <a:r>
+              <a:rPr lang="en-US" dirty="0"/>
+              <a:t>Chi-squared Score</a:t>
+            </a:r>
+          </a:p>
+          <a:p>
+            <a:pPr marL="514350" indent="-514350">
+              <a:buAutoNum type="arabicPeriod"/>
+            </a:pPr>
+            <a:r>
+              <a:rPr lang="en-US" dirty="0"/>
+              <a:t>Wrapper Methods</a:t>
+            </a:r>
+          </a:p>
+          <a:p>
+            <a:pPr marL="514350" indent="-514350">
+              <a:buAutoNum type="arabicPeriod"/>
+            </a:pPr>
+            <a:r>
+              <a:rPr lang="en-US" dirty="0"/>
+              <a:t>Embedded Methods</a:t>
+            </a:r>
+          </a:p>
+          <a:p>
+            <a:pPr marL="514350" indent="-514350">
+              <a:buAutoNum type="arabicPeriod"/>
+            </a:pPr>
+            <a:r>
+              <a:rPr lang="en-US" dirty="0"/>
+              <a:t>Hybrid Methods</a:t>
+            </a:r>
+          </a:p>
+          <a:p>
+            <a:pPr marL="514350" indent="-514350">
+              <a:buAutoNum type="arabicPeriod"/>
+            </a:pPr>
+            <a:r>
+              <a:rPr lang="en-US" dirty="0"/>
+              <a:t>Advanced Methods</a:t>
+            </a:r>
+            <a:endParaRPr lang="he-IL" dirty="0"/>
+          </a:p>
+        </p:txBody>
+      </p:sp>
+    </p:spTree>
+    <p:extLst>
+      <p:ext uri="{BB962C8B-B14F-4D97-AF65-F5344CB8AC3E}">
+        <p14:creationId xmlns:p14="http://schemas.microsoft.com/office/powerpoint/2010/main" val="1904535590"/>
+      </p:ext>
+    </p:extLst>
+  </p:cSld>
+  <p:clrMapOvr>
+    <a:masterClrMapping/>
+  </p:clrMapOvr>
+</p:sld>
+</file>
+
+<file path=ppt/slides/slide30.xml><?xml version="1.0" encoding="utf-8"?>
+<p:sld xmlns:a="http://schemas.openxmlformats.org/drawingml/2006/main" xmlns:r="http://schemas.openxmlformats.org/officeDocument/2006/relationships" xmlns:p="http://schemas.openxmlformats.org/presentationml/2006/main">
+  <p:cSld>
+    <p:spTree>
+      <p:nvGrpSpPr>
+        <p:cNvPr id="1" name=""/>
+        <p:cNvGrpSpPr/>
+        <p:nvPr/>
+      </p:nvGrpSpPr>
+      <p:grpSpPr>
+        <a:xfrm>
+          <a:off x="0" y="0"/>
+          <a:ext cx="0" cy="0"/>
+          <a:chOff x="0" y="0"/>
+          <a:chExt cx="0" cy="0"/>
+        </a:xfrm>
+      </p:grpSpPr>
+      <p:sp>
+        <p:nvSpPr>
+          <p:cNvPr id="2" name="כותרת 1">
+            <a:extLst>
+              <a:ext uri="{FF2B5EF4-FFF2-40B4-BE49-F238E27FC236}">
                 <a16:creationId xmlns:a16="http://schemas.microsoft.com/office/drawing/2014/main" id="{A93F3B18-1992-44CA-9CCF-79F5F16E8B3A}"/>
               </a:ext>
             </a:extLst>
@@ -7997,7 +8549,7 @@
 </p:sld>
 </file>
 
-<file path=ppt/slides/slide29.xml><?xml version="1.0" encoding="utf-8"?>
+<file path=ppt/slides/slide31.xml><?xml version="1.0" encoding="utf-8"?>
 <p:sld xmlns:a="http://schemas.openxmlformats.org/drawingml/2006/main" xmlns:r="http://schemas.openxmlformats.org/officeDocument/2006/relationships" xmlns:p="http://schemas.openxmlformats.org/presentationml/2006/main">
   <p:cSld>
     <p:spTree>
@@ -8084,7 +8636,7 @@
 </p:sld>
 </file>
 
-<file path=ppt/slides/slide3.xml><?xml version="1.0" encoding="utf-8"?>
+<file path=ppt/slides/slide32.xml><?xml version="1.0" encoding="utf-8"?>
 <p:sld xmlns:a="http://schemas.openxmlformats.org/drawingml/2006/main" xmlns:r="http://schemas.openxmlformats.org/officeDocument/2006/relationships" xmlns:p="http://schemas.openxmlformats.org/presentationml/2006/main">
   <p:cSld>
     <p:spTree>
@@ -8106,7 +8658,7 @@
           <p:cNvPr id="2" name="כותרת 1">
             <a:extLst>
               <a:ext uri="{FF2B5EF4-FFF2-40B4-BE49-F238E27FC236}">
-                <a16:creationId xmlns:a16="http://schemas.microsoft.com/office/drawing/2014/main" id="{4CDBD322-010D-4D09-B4D0-C52ABE075B41}"/>
+                <a16:creationId xmlns:a16="http://schemas.microsoft.com/office/drawing/2014/main" id="{E0C18051-C59A-43AC-B8B9-14675043C93A}"/>
               </a:ext>
             </a:extLst>
           </p:cNvPr>
@@ -8123,9 +8675,10 @@
           <a:lstStyle/>
           <a:p>
             <a:r>
-              <a:rPr lang="he-IL" dirty="0"/>
-              <a:t>ישנם מספר טכניקות לבחירת קבוצת תכונות</a:t>
-            </a:r>
+              <a:rPr lang="en-US" dirty="0" err="1"/>
+              <a:t>sklearn</a:t>
+            </a:r>
+            <a:endParaRPr lang="he-IL" dirty="0"/>
           </a:p>
         </p:txBody>
       </p:sp>
@@ -8134,7 +8687,7 @@
           <p:cNvPr id="3" name="מציין מיקום תוכן 2">
             <a:extLst>
               <a:ext uri="{FF2B5EF4-FFF2-40B4-BE49-F238E27FC236}">
-                <a16:creationId xmlns:a16="http://schemas.microsoft.com/office/drawing/2014/main" id="{FFA676B8-64D5-452C-8FE6-0A33E5A2FEE5}"/>
+                <a16:creationId xmlns:a16="http://schemas.microsoft.com/office/drawing/2014/main" id="{9FA414EA-6318-408D-B824-8B689BF6D3D2}"/>
               </a:ext>
             </a:extLst>
           </p:cNvPr>
@@ -8147,107 +8700,81 @@
         </p:nvSpPr>
         <p:spPr/>
         <p:txBody>
-          <a:bodyPr>
-            <a:normAutofit/>
-          </a:bodyPr>
-          <a:lstStyle/>
-          <a:p>
-            <a:pPr marL="514350" indent="-514350">
-              <a:buAutoNum type="arabicPeriod"/>
-            </a:pPr>
-            <a:r>
-              <a:rPr lang="en-US" dirty="0"/>
-              <a:t>Filter Methods</a:t>
-            </a:r>
-            <a:endParaRPr lang="he-IL" dirty="0"/>
-          </a:p>
-          <a:p>
-            <a:pPr marL="971550" lvl="1" indent="-514350">
-              <a:buAutoNum type="arabicPeriod"/>
-            </a:pPr>
-            <a:r>
-              <a:rPr lang="he-IL" dirty="0"/>
-              <a:t>שימוש במאפייני התכונות בלבד</a:t>
-            </a:r>
-          </a:p>
-          <a:p>
-            <a:pPr marL="971550" lvl="1" indent="-514350">
-              <a:buAutoNum type="arabicPeriod"/>
-            </a:pPr>
-            <a:r>
-              <a:rPr lang="he-IL" dirty="0"/>
-              <a:t>שיטה מהירה ולרוב משתמשים בה כשלב ראשון בשרשרת בחירת התכונות</a:t>
-            </a:r>
-          </a:p>
-          <a:p>
-            <a:pPr marL="971550" lvl="1" indent="-514350">
-              <a:buAutoNum type="arabicPeriod"/>
-            </a:pPr>
-            <a:r>
-              <a:rPr lang="he-IL" dirty="0"/>
-              <a:t>שיטה טובה להורדת תכונות כפלות ותכונות שאין להם קשר למטרה</a:t>
-            </a:r>
-          </a:p>
-          <a:p>
-            <a:pPr marL="971550" lvl="1" indent="-514350">
-              <a:buAutoNum type="arabicPeriod"/>
-            </a:pPr>
-            <a:r>
-              <a:rPr lang="en-US" dirty="0"/>
-              <a:t>Pearson correlation coefficient</a:t>
-            </a:r>
-            <a:r>
-              <a:rPr lang="he-IL" dirty="0"/>
-              <a:t> / </a:t>
-            </a:r>
-            <a:r>
-              <a:rPr lang="en-US" dirty="0"/>
-              <a:t>Mutual Information</a:t>
-            </a:r>
-            <a:r>
-              <a:rPr lang="he-IL" dirty="0"/>
-              <a:t> / </a:t>
-            </a:r>
-            <a:r>
-              <a:rPr lang="en-US" dirty="0"/>
-              <a:t>Chi-squared Score</a:t>
-            </a:r>
-          </a:p>
-          <a:p>
-            <a:pPr marL="514350" indent="-514350">
-              <a:buAutoNum type="arabicPeriod"/>
-            </a:pPr>
-            <a:r>
-              <a:rPr lang="en-US" dirty="0"/>
-              <a:t>Wrapper Methods</a:t>
-            </a:r>
-          </a:p>
-          <a:p>
-            <a:pPr marL="514350" indent="-514350">
-              <a:buAutoNum type="arabicPeriod"/>
-            </a:pPr>
-            <a:r>
-              <a:rPr lang="en-US" dirty="0"/>
-              <a:t>Embedded Methods</a:t>
-            </a:r>
-          </a:p>
-          <a:p>
-            <a:pPr marL="514350" indent="-514350">
-              <a:buAutoNum type="arabicPeriod"/>
-            </a:pPr>
-            <a:r>
-              <a:rPr lang="en-US" dirty="0"/>
-              <a:t>Hybrid Methods</a:t>
-            </a:r>
-          </a:p>
-          <a:p>
-            <a:pPr marL="514350" indent="-514350">
-              <a:buAutoNum type="arabicPeriod"/>
-            </a:pPr>
-            <a:r>
-              <a:rPr lang="en-US" dirty="0"/>
-              <a:t>Advanced Methods</a:t>
-            </a:r>
+          <a:bodyPr/>
+          <a:lstStyle/>
+          <a:p>
+            <a:r>
+              <a:rPr lang="en-US" dirty="0" err="1"/>
+              <a:t>cross_val_score</a:t>
+            </a:r>
+            <a:endParaRPr lang="he-IL" dirty="0"/>
+          </a:p>
+          <a:p>
+            <a:pPr lvl="1"/>
+            <a:r>
+              <a:rPr lang="he-IL" dirty="0"/>
+              <a:t>מספק את תוצאות ה </a:t>
+            </a:r>
+            <a:r>
+              <a:rPr lang="en-US" dirty="0"/>
+              <a:t>SCORE</a:t>
+            </a:r>
+            <a:r>
+              <a:rPr lang="he-IL" dirty="0"/>
+              <a:t> של </a:t>
+            </a:r>
+            <a:r>
+              <a:rPr lang="en-US" dirty="0"/>
+              <a:t>KFOLD</a:t>
+            </a:r>
+          </a:p>
+          <a:p>
+            <a:r>
+              <a:rPr lang="en-US" dirty="0" err="1"/>
+              <a:t>cross_validate</a:t>
+            </a:r>
+            <a:endParaRPr lang="he-IL" dirty="0"/>
+          </a:p>
+          <a:p>
+            <a:pPr lvl="1"/>
+            <a:r>
+              <a:rPr lang="he-IL" dirty="0"/>
+              <a:t>ניתן להכניס מספר פרמטרים לבחינה (סוגי </a:t>
+            </a:r>
+            <a:r>
+              <a:rPr lang="en-US" dirty="0"/>
+              <a:t>score</a:t>
+            </a:r>
+            <a:r>
+              <a:rPr lang="he-IL" dirty="0"/>
+              <a:t>) ולקבל את התוצאות.</a:t>
+            </a:r>
+            <a:endParaRPr lang="en-US" dirty="0"/>
+          </a:p>
+          <a:p>
+            <a:r>
+              <a:rPr lang="en-US" dirty="0" err="1"/>
+              <a:t>cross_val_predict</a:t>
+            </a:r>
+            <a:r>
+              <a:rPr lang="en-US" dirty="0"/>
+              <a:t> </a:t>
+            </a:r>
+            <a:endParaRPr lang="he-IL" dirty="0"/>
+          </a:p>
+          <a:p>
+            <a:pPr lvl="1"/>
+            <a:r>
+              <a:rPr lang="he-IL" dirty="0"/>
+              <a:t>מספק את החיזוי של </a:t>
+            </a:r>
+            <a:r>
+              <a:rPr lang="en-US" dirty="0"/>
+              <a:t>KFOLD</a:t>
+            </a:r>
+          </a:p>
+          <a:p>
+            <a:pPr lvl="1"/>
             <a:endParaRPr lang="he-IL" dirty="0"/>
           </a:p>
         </p:txBody>
@@ -8255,7 +8782,7 @@
     </p:spTree>
     <p:extLst>
       <p:ext uri="{BB962C8B-B14F-4D97-AF65-F5344CB8AC3E}">
-        <p14:creationId xmlns:p14="http://schemas.microsoft.com/office/powerpoint/2010/main" val="1904535590"/>
+        <p14:creationId xmlns:p14="http://schemas.microsoft.com/office/powerpoint/2010/main" val="241042965"/>
       </p:ext>
     </p:extLst>
   </p:cSld>
@@ -8265,7 +8792,7 @@
 </p:sld>
 </file>
 
-<file path=ppt/slides/slide30.xml><?xml version="1.0" encoding="utf-8"?>
+<file path=ppt/slides/slide33.xml><?xml version="1.0" encoding="utf-8"?>
 <p:sld xmlns:a="http://schemas.openxmlformats.org/drawingml/2006/main" xmlns:r="http://schemas.openxmlformats.org/officeDocument/2006/relationships" xmlns:p="http://schemas.openxmlformats.org/presentationml/2006/main">
   <p:cSld>
     <p:spTree>
@@ -8287,162 +8814,6 @@
           <p:cNvPr id="2" name="כותרת 1">
             <a:extLst>
               <a:ext uri="{FF2B5EF4-FFF2-40B4-BE49-F238E27FC236}">
-                <a16:creationId xmlns:a16="http://schemas.microsoft.com/office/drawing/2014/main" id="{E0C18051-C59A-43AC-B8B9-14675043C93A}"/>
-              </a:ext>
-            </a:extLst>
-          </p:cNvPr>
-          <p:cNvSpPr>
-            <a:spLocks noGrp="1"/>
-          </p:cNvSpPr>
-          <p:nvPr>
-            <p:ph type="title"/>
-          </p:nvPr>
-        </p:nvSpPr>
-        <p:spPr/>
-        <p:txBody>
-          <a:bodyPr/>
-          <a:lstStyle/>
-          <a:p>
-            <a:r>
-              <a:rPr lang="en-US" dirty="0" err="1"/>
-              <a:t>sklearn</a:t>
-            </a:r>
-            <a:endParaRPr lang="he-IL" dirty="0"/>
-          </a:p>
-        </p:txBody>
-      </p:sp>
-      <p:sp>
-        <p:nvSpPr>
-          <p:cNvPr id="3" name="מציין מיקום תוכן 2">
-            <a:extLst>
-              <a:ext uri="{FF2B5EF4-FFF2-40B4-BE49-F238E27FC236}">
-                <a16:creationId xmlns:a16="http://schemas.microsoft.com/office/drawing/2014/main" id="{9FA414EA-6318-408D-B824-8B689BF6D3D2}"/>
-              </a:ext>
-            </a:extLst>
-          </p:cNvPr>
-          <p:cNvSpPr>
-            <a:spLocks noGrp="1"/>
-          </p:cNvSpPr>
-          <p:nvPr>
-            <p:ph idx="1"/>
-          </p:nvPr>
-        </p:nvSpPr>
-        <p:spPr/>
-        <p:txBody>
-          <a:bodyPr/>
-          <a:lstStyle/>
-          <a:p>
-            <a:r>
-              <a:rPr lang="en-US" dirty="0" err="1"/>
-              <a:t>cross_val_score</a:t>
-            </a:r>
-            <a:endParaRPr lang="he-IL" dirty="0"/>
-          </a:p>
-          <a:p>
-            <a:pPr lvl="1"/>
-            <a:r>
-              <a:rPr lang="he-IL" dirty="0"/>
-              <a:t>מספק את תוצאות ה </a:t>
-            </a:r>
-            <a:r>
-              <a:rPr lang="en-US" dirty="0"/>
-              <a:t>SCORE</a:t>
-            </a:r>
-            <a:r>
-              <a:rPr lang="he-IL" dirty="0"/>
-              <a:t> של </a:t>
-            </a:r>
-            <a:r>
-              <a:rPr lang="en-US" dirty="0"/>
-              <a:t>KFOLD</a:t>
-            </a:r>
-          </a:p>
-          <a:p>
-            <a:r>
-              <a:rPr lang="en-US" dirty="0" err="1"/>
-              <a:t>cross_validate</a:t>
-            </a:r>
-            <a:endParaRPr lang="he-IL" dirty="0"/>
-          </a:p>
-          <a:p>
-            <a:pPr lvl="1"/>
-            <a:r>
-              <a:rPr lang="he-IL" dirty="0"/>
-              <a:t>ניתן להכניס מספר פרמטרים לבחינה (סוגי </a:t>
-            </a:r>
-            <a:r>
-              <a:rPr lang="en-US" dirty="0"/>
-              <a:t>score</a:t>
-            </a:r>
-            <a:r>
-              <a:rPr lang="he-IL" dirty="0"/>
-              <a:t>) ולקבל את התוצאות.</a:t>
-            </a:r>
-            <a:endParaRPr lang="en-US" dirty="0"/>
-          </a:p>
-          <a:p>
-            <a:r>
-              <a:rPr lang="en-US" dirty="0" err="1"/>
-              <a:t>cross_val_predict</a:t>
-            </a:r>
-            <a:r>
-              <a:rPr lang="en-US" dirty="0"/>
-              <a:t> </a:t>
-            </a:r>
-            <a:endParaRPr lang="he-IL" dirty="0"/>
-          </a:p>
-          <a:p>
-            <a:pPr lvl="1"/>
-            <a:r>
-              <a:rPr lang="he-IL" dirty="0"/>
-              <a:t>מספק את החיזוי של </a:t>
-            </a:r>
-            <a:r>
-              <a:rPr lang="en-US" dirty="0"/>
-              <a:t>KFOLD</a:t>
-            </a:r>
-          </a:p>
-          <a:p>
-            <a:pPr lvl="1"/>
-            <a:endParaRPr lang="he-IL" dirty="0"/>
-          </a:p>
-        </p:txBody>
-      </p:sp>
-    </p:spTree>
-    <p:extLst>
-      <p:ext uri="{BB962C8B-B14F-4D97-AF65-F5344CB8AC3E}">
-        <p14:creationId xmlns:p14="http://schemas.microsoft.com/office/powerpoint/2010/main" val="241042965"/>
-      </p:ext>
-    </p:extLst>
-  </p:cSld>
-  <p:clrMapOvr>
-    <a:masterClrMapping/>
-  </p:clrMapOvr>
-</p:sld>
-</file>
-
-<file path=ppt/slides/slide31.xml><?xml version="1.0" encoding="utf-8"?>
-<p:sld xmlns:a="http://schemas.openxmlformats.org/drawingml/2006/main" xmlns:r="http://schemas.openxmlformats.org/officeDocument/2006/relationships" xmlns:p="http://schemas.openxmlformats.org/presentationml/2006/main">
-  <p:cSld>
-    <p:spTree>
-      <p:nvGrpSpPr>
-        <p:cNvPr id="1" name=""/>
-        <p:cNvGrpSpPr/>
-        <p:nvPr/>
-      </p:nvGrpSpPr>
-      <p:grpSpPr>
-        <a:xfrm>
-          <a:off x="0" y="0"/>
-          <a:ext cx="0" cy="0"/>
-          <a:chOff x="0" y="0"/>
-          <a:chExt cx="0" cy="0"/>
-        </a:xfrm>
-      </p:grpSpPr>
-      <p:sp>
-        <p:nvSpPr>
-          <p:cNvPr id="2" name="כותרת 1">
-            <a:extLst>
-              <a:ext uri="{FF2B5EF4-FFF2-40B4-BE49-F238E27FC236}">
                 <a16:creationId xmlns:a16="http://schemas.microsoft.com/office/drawing/2014/main" id="{EF0A11AC-E468-4EEB-8FA1-B197F3BD9094}"/>
               </a:ext>
             </a:extLst>
@@ -8625,7 +8996,7 @@
 </p:sld>
 </file>
 
-<file path=ppt/slides/slide32.xml><?xml version="1.0" encoding="utf-8"?>
+<file path=ppt/slides/slide34.xml><?xml version="1.0" encoding="utf-8"?>
 <p:sld xmlns:a="http://schemas.openxmlformats.org/drawingml/2006/main" xmlns:r="http://schemas.openxmlformats.org/officeDocument/2006/relationships" xmlns:p="http://schemas.openxmlformats.org/presentationml/2006/main">
   <p:cSld>
     <p:spTree>
@@ -8915,7 +9286,7 @@
 </p:sld>
 </file>
 
-<file path=ppt/slides/slide33.xml><?xml version="1.0" encoding="utf-8"?>
+<file path=ppt/slides/slide35.xml><?xml version="1.0" encoding="utf-8"?>
 <p:sld xmlns:a="http://schemas.openxmlformats.org/drawingml/2006/main" xmlns:r="http://schemas.openxmlformats.org/officeDocument/2006/relationships" xmlns:p="http://schemas.openxmlformats.org/presentationml/2006/main">
   <p:cSld>
     <p:spTree>
@@ -8975,7 +9346,7 @@
 </p:sld>
 </file>
 
-<file path=ppt/slides/slide34.xml><?xml version="1.0" encoding="utf-8"?>
+<file path=ppt/slides/slide36.xml><?xml version="1.0" encoding="utf-8"?>
 <p:sld xmlns:a="http://schemas.openxmlformats.org/drawingml/2006/main" xmlns:r="http://schemas.openxmlformats.org/officeDocument/2006/relationships" xmlns:p="http://schemas.openxmlformats.org/presentationml/2006/main">
   <p:cSld>
     <p:spTree>

--- a/Presentation/Feature Selection.pptx
+++ b/Presentation/Feature Selection.pptx
@@ -12,35 +12,36 @@
     <p:sldId id="268" r:id="rId6"/>
     <p:sldId id="269" r:id="rId7"/>
     <p:sldId id="276" r:id="rId8"/>
-    <p:sldId id="280" r:id="rId9"/>
-    <p:sldId id="266" r:id="rId10"/>
-    <p:sldId id="259" r:id="rId11"/>
-    <p:sldId id="265" r:id="rId12"/>
-    <p:sldId id="257" r:id="rId13"/>
-    <p:sldId id="264" r:id="rId14"/>
-    <p:sldId id="261" r:id="rId15"/>
-    <p:sldId id="263" r:id="rId16"/>
-    <p:sldId id="262" r:id="rId17"/>
-    <p:sldId id="270" r:id="rId18"/>
-    <p:sldId id="277" r:id="rId19"/>
-    <p:sldId id="286" r:id="rId20"/>
-    <p:sldId id="272" r:id="rId21"/>
-    <p:sldId id="290" r:id="rId22"/>
-    <p:sldId id="291" r:id="rId23"/>
-    <p:sldId id="271" r:id="rId24"/>
-    <p:sldId id="289" r:id="rId25"/>
-    <p:sldId id="274" r:id="rId26"/>
-    <p:sldId id="273" r:id="rId27"/>
-    <p:sldId id="275" r:id="rId28"/>
-    <p:sldId id="278" r:id="rId29"/>
-    <p:sldId id="279" r:id="rId30"/>
-    <p:sldId id="281" r:id="rId31"/>
-    <p:sldId id="282" r:id="rId32"/>
-    <p:sldId id="283" r:id="rId33"/>
-    <p:sldId id="284" r:id="rId34"/>
-    <p:sldId id="285" r:id="rId35"/>
-    <p:sldId id="287" r:id="rId36"/>
-    <p:sldId id="288" r:id="rId37"/>
+    <p:sldId id="266" r:id="rId9"/>
+    <p:sldId id="259" r:id="rId10"/>
+    <p:sldId id="265" r:id="rId11"/>
+    <p:sldId id="257" r:id="rId12"/>
+    <p:sldId id="264" r:id="rId13"/>
+    <p:sldId id="261" r:id="rId14"/>
+    <p:sldId id="263" r:id="rId15"/>
+    <p:sldId id="262" r:id="rId16"/>
+    <p:sldId id="270" r:id="rId17"/>
+    <p:sldId id="277" r:id="rId18"/>
+    <p:sldId id="286" r:id="rId19"/>
+    <p:sldId id="272" r:id="rId20"/>
+    <p:sldId id="290" r:id="rId21"/>
+    <p:sldId id="291" r:id="rId22"/>
+    <p:sldId id="271" r:id="rId23"/>
+    <p:sldId id="289" r:id="rId24"/>
+    <p:sldId id="274" r:id="rId25"/>
+    <p:sldId id="273" r:id="rId26"/>
+    <p:sldId id="275" r:id="rId27"/>
+    <p:sldId id="278" r:id="rId28"/>
+    <p:sldId id="279" r:id="rId29"/>
+    <p:sldId id="281" r:id="rId30"/>
+    <p:sldId id="282" r:id="rId31"/>
+    <p:sldId id="283" r:id="rId32"/>
+    <p:sldId id="284" r:id="rId33"/>
+    <p:sldId id="285" r:id="rId34"/>
+    <p:sldId id="287" r:id="rId35"/>
+    <p:sldId id="288" r:id="rId36"/>
+    <p:sldId id="292" r:id="rId37"/>
+    <p:sldId id="293" r:id="rId38"/>
   </p:sldIdLst>
   <p:sldSz cx="12192000" cy="6858000"/>
   <p:notesSz cx="6858000" cy="9144000"/>
@@ -3461,361 +3462,6 @@
           <p:cNvPr id="2" name="כותרת 1">
             <a:extLst>
               <a:ext uri="{FF2B5EF4-FFF2-40B4-BE49-F238E27FC236}">
-                <a16:creationId xmlns:a16="http://schemas.microsoft.com/office/drawing/2014/main" id="{27D11B11-C425-4033-84BB-80362FD25731}"/>
-              </a:ext>
-            </a:extLst>
-          </p:cNvPr>
-          <p:cNvSpPr>
-            <a:spLocks noGrp="1"/>
-          </p:cNvSpPr>
-          <p:nvPr>
-            <p:ph type="title"/>
-          </p:nvPr>
-        </p:nvSpPr>
-        <p:spPr/>
-        <p:txBody>
-          <a:bodyPr/>
-          <a:lstStyle/>
-          <a:p>
-            <a:r>
-              <a:rPr lang="he-IL" dirty="0"/>
-              <a:t>שיטות להערכת איכות קבוצת המאפיינים</a:t>
-            </a:r>
-          </a:p>
-        </p:txBody>
-      </p:sp>
-      <p:sp>
-        <p:nvSpPr>
-          <p:cNvPr id="3" name="מציין מיקום תוכן 2">
-            <a:extLst>
-              <a:ext uri="{FF2B5EF4-FFF2-40B4-BE49-F238E27FC236}">
-                <a16:creationId xmlns:a16="http://schemas.microsoft.com/office/drawing/2014/main" id="{FA6BC29E-3BD7-4FD5-A2B6-B178C0C2D36A}"/>
-              </a:ext>
-            </a:extLst>
-          </p:cNvPr>
-          <p:cNvSpPr>
-            <a:spLocks noGrp="1"/>
-          </p:cNvSpPr>
-          <p:nvPr>
-            <p:ph idx="1"/>
-          </p:nvPr>
-        </p:nvSpPr>
-        <p:spPr/>
-        <p:txBody>
-          <a:bodyPr>
-            <a:normAutofit fontScale="62500" lnSpcReduction="20000"/>
-          </a:bodyPr>
-          <a:lstStyle/>
-          <a:p>
-            <a:pPr marL="514350" indent="-514350">
-              <a:buAutoNum type="arabicPeriod"/>
-            </a:pPr>
-            <a:r>
-              <a:rPr lang="en-US" dirty="0"/>
-              <a:t>Filter Model</a:t>
-            </a:r>
-            <a:endParaRPr lang="he-IL" dirty="0"/>
-          </a:p>
-          <a:p>
-            <a:pPr marL="971550" lvl="1" indent="-514350">
-              <a:buAutoNum type="arabicPeriod"/>
-            </a:pPr>
-            <a:r>
-              <a:rPr lang="he-IL" dirty="0"/>
-              <a:t>אין שימוש </a:t>
-            </a:r>
-            <a:r>
-              <a:rPr lang="he-IL" dirty="0" err="1"/>
-              <a:t>באלג</a:t>
-            </a:r>
-            <a:r>
-              <a:rPr lang="he-IL" dirty="0"/>
-              <a:t>' (לכן אין השפעה בבחירת אלג') ולכן יעיל במבני נתונים בעלי </a:t>
-            </a:r>
-            <a:r>
-              <a:rPr lang="he-IL" dirty="0" err="1"/>
-              <a:t>מימד</a:t>
-            </a:r>
-            <a:r>
-              <a:rPr lang="he-IL" dirty="0"/>
-              <a:t> גבוהה.</a:t>
-            </a:r>
-          </a:p>
-          <a:p>
-            <a:pPr marL="971550" lvl="1" indent="-514350">
-              <a:buAutoNum type="arabicPeriod"/>
-            </a:pPr>
-            <a:r>
-              <a:rPr lang="he-IL" dirty="0"/>
-              <a:t>יש שימוש במאפיינים </a:t>
-            </a:r>
-            <a:r>
-              <a:rPr lang="he-IL" dirty="0" err="1"/>
-              <a:t>סטיסטים</a:t>
-            </a:r>
-            <a:r>
-              <a:rPr lang="he-IL" dirty="0"/>
-              <a:t> (לדוגמא: אנטרופיה, קורלציה לינארית)</a:t>
-            </a:r>
-          </a:p>
-          <a:p>
-            <a:pPr marL="971550" lvl="1" indent="-514350">
-              <a:buAutoNum type="arabicPeriod"/>
-            </a:pPr>
-            <a:r>
-              <a:rPr lang="he-IL" dirty="0"/>
-              <a:t>שיטה מהירה</a:t>
-            </a:r>
-          </a:p>
-          <a:p>
-            <a:pPr marL="971550" lvl="1" indent="-514350">
-              <a:buAutoNum type="arabicPeriod"/>
-            </a:pPr>
-            <a:r>
-              <a:rPr lang="he-IL" dirty="0" err="1"/>
-              <a:t>לוודוקא</a:t>
-            </a:r>
-            <a:r>
-              <a:rPr lang="he-IL" dirty="0"/>
-              <a:t> נותנת את התוצאה </a:t>
-            </a:r>
-            <a:r>
-              <a:rPr lang="he-IL" dirty="0" err="1"/>
-              <a:t>האופטמלית</a:t>
-            </a:r>
-            <a:endParaRPr lang="he-IL" dirty="0"/>
-          </a:p>
-          <a:p>
-            <a:pPr marL="971550" lvl="1" indent="-514350">
-              <a:buAutoNum type="arabicPeriod"/>
-            </a:pPr>
-            <a:r>
-              <a:rPr lang="he-IL" dirty="0"/>
-              <a:t>השיטה מספקת משקל למאפיין / שילוב מספר מאפיינים וזורקת את המאפיינים בעלי המשקל הקטן יותר</a:t>
-            </a:r>
-          </a:p>
-          <a:p>
-            <a:pPr marL="514350" indent="-514350">
-              <a:buAutoNum type="arabicPeriod"/>
-            </a:pPr>
-            <a:r>
-              <a:rPr lang="en-US" dirty="0"/>
-              <a:t>Wrapper Model</a:t>
-            </a:r>
-            <a:endParaRPr lang="he-IL" dirty="0"/>
-          </a:p>
-          <a:p>
-            <a:pPr marL="971550" lvl="1" indent="-514350">
-              <a:buAutoNum type="arabicPeriod"/>
-            </a:pPr>
-            <a:r>
-              <a:rPr lang="he-IL" dirty="0"/>
-              <a:t>שימוש </a:t>
-            </a:r>
-            <a:r>
-              <a:rPr lang="he-IL" dirty="0" err="1"/>
-              <a:t>באלג</a:t>
-            </a:r>
-            <a:r>
-              <a:rPr lang="he-IL" dirty="0"/>
-              <a:t>’</a:t>
-            </a:r>
-            <a:r>
-              <a:rPr lang="en-US" dirty="0"/>
-              <a:t> </a:t>
-            </a:r>
-            <a:r>
-              <a:rPr lang="he-IL" dirty="0"/>
-              <a:t> </a:t>
-            </a:r>
-            <a:r>
-              <a:rPr lang="en-US" dirty="0"/>
-              <a:t>Classification</a:t>
-            </a:r>
-            <a:r>
-              <a:rPr lang="he-IL" dirty="0"/>
-              <a:t> (</a:t>
-            </a:r>
-            <a:r>
-              <a:rPr lang="en-US" dirty="0"/>
-              <a:t>SVM, ANN, BAYESIAN, NN, DT</a:t>
-            </a:r>
-            <a:r>
-              <a:rPr lang="he-IL" dirty="0"/>
-              <a:t>)</a:t>
-            </a:r>
-          </a:p>
-          <a:p>
-            <a:pPr marL="971550" lvl="1" indent="-514350">
-              <a:buAutoNum type="arabicPeriod"/>
-            </a:pPr>
-            <a:r>
-              <a:rPr lang="he-IL" dirty="0"/>
-              <a:t>שיטה איטית מאוד</a:t>
-            </a:r>
-          </a:p>
-          <a:p>
-            <a:pPr marL="514350" indent="-514350">
-              <a:buAutoNum type="arabicPeriod"/>
-            </a:pPr>
-            <a:r>
-              <a:rPr lang="en-US" dirty="0"/>
-              <a:t>Hybrid</a:t>
-            </a:r>
-            <a:r>
-              <a:rPr lang="he-IL" dirty="0"/>
-              <a:t>***</a:t>
-            </a:r>
-          </a:p>
-          <a:p>
-            <a:pPr marL="971550" lvl="1" indent="-514350">
-              <a:buAutoNum type="arabicPeriod"/>
-            </a:pPr>
-            <a:r>
-              <a:rPr lang="he-IL" dirty="0"/>
-              <a:t>שילוב 2 השיטות מעלה</a:t>
-            </a:r>
-          </a:p>
-          <a:p>
-            <a:pPr marL="971550" lvl="1" indent="-514350">
-              <a:buAutoNum type="arabicPeriod"/>
-            </a:pPr>
-            <a:r>
-              <a:rPr lang="he-IL" dirty="0"/>
-              <a:t>בהתחלה יחד עם שיטת ה </a:t>
-            </a:r>
-            <a:r>
-              <a:rPr lang="en-US" dirty="0"/>
-              <a:t>Filter</a:t>
-            </a:r>
-            <a:r>
-              <a:rPr lang="he-IL" dirty="0"/>
-              <a:t> זורקים מאפיינים שאין בהם כלל שימוש ולאחר מכן מפעילים את שיטת ה </a:t>
-            </a:r>
-            <a:r>
-              <a:rPr lang="en-US" dirty="0"/>
-              <a:t>Wrapper</a:t>
-            </a:r>
-            <a:r>
-              <a:rPr lang="he-IL" dirty="0"/>
-              <a:t>.</a:t>
-            </a:r>
-          </a:p>
-          <a:p>
-            <a:pPr marL="514350" indent="-514350">
-              <a:buAutoNum type="arabicPeriod"/>
-            </a:pPr>
-            <a:r>
-              <a:rPr lang="en-US" dirty="0"/>
-              <a:t>Embedded</a:t>
-            </a:r>
-            <a:endParaRPr lang="he-IL" dirty="0"/>
-          </a:p>
-          <a:p>
-            <a:pPr marL="971550" lvl="1" indent="-514350">
-              <a:buAutoNum type="arabicPeriod"/>
-            </a:pPr>
-            <a:r>
-              <a:rPr lang="he-IL" dirty="0"/>
-              <a:t>בשיטה זו, חלק בחירת המאפיינים וחלק הלימוד לא מופרדים. בחירת המאפיינים מתבצעת בזמן הלימוד</a:t>
-            </a:r>
-          </a:p>
-          <a:p>
-            <a:pPr marL="971550" lvl="1" indent="-514350">
-              <a:buAutoNum type="arabicPeriod"/>
-            </a:pPr>
-            <a:r>
-              <a:rPr lang="he-IL" dirty="0"/>
-              <a:t>דוגמאות: </a:t>
-            </a:r>
-            <a:r>
-              <a:rPr lang="en-US" dirty="0"/>
-              <a:t>RFE (Recursive Feature Elimination)</a:t>
-            </a:r>
-            <a:endParaRPr lang="he-IL" dirty="0"/>
-          </a:p>
-          <a:p>
-            <a:pPr marL="1428750" lvl="2" indent="-514350">
-              <a:buAutoNum type="arabicPeriod"/>
-            </a:pPr>
-            <a:r>
-              <a:rPr lang="he-IL" dirty="0"/>
-              <a:t>משתמש ב </a:t>
-            </a:r>
-            <a:r>
-              <a:rPr lang="en-US" dirty="0"/>
-              <a:t>SVM</a:t>
-            </a:r>
-            <a:r>
-              <a:rPr lang="he-IL" dirty="0"/>
-              <a:t>, מתחיל מקבוצת מאפיינים מלאה ובכל הרצה של </a:t>
-            </a:r>
-            <a:r>
-              <a:rPr lang="he-IL" dirty="0" err="1"/>
-              <a:t>האלג</a:t>
-            </a:r>
-            <a:r>
-              <a:rPr lang="he-IL" dirty="0"/>
-              <a:t>', מעיף את המשקל הנמוך יותר.</a:t>
-            </a:r>
-          </a:p>
-          <a:p>
-            <a:pPr marL="1428750" lvl="2" indent="-514350">
-              <a:buAutoNum type="arabicPeriod"/>
-            </a:pPr>
-            <a:r>
-              <a:rPr lang="he-IL" dirty="0"/>
-              <a:t>יש צורך להגדיר את מספר </a:t>
-            </a:r>
-            <a:r>
-              <a:rPr lang="he-IL"/>
-              <a:t>המאפיינים הסופי ?</a:t>
-            </a:r>
-            <a:endParaRPr lang="en-US" dirty="0"/>
-          </a:p>
-          <a:p>
-            <a:pPr marL="914400" lvl="2" indent="0">
-              <a:buNone/>
-            </a:pPr>
-            <a:endParaRPr lang="he-IL" dirty="0"/>
-          </a:p>
-        </p:txBody>
-      </p:sp>
-    </p:spTree>
-    <p:extLst>
-      <p:ext uri="{BB962C8B-B14F-4D97-AF65-F5344CB8AC3E}">
-        <p14:creationId xmlns:p14="http://schemas.microsoft.com/office/powerpoint/2010/main" val="1109355699"/>
-      </p:ext>
-    </p:extLst>
-  </p:cSld>
-  <p:clrMapOvr>
-    <a:masterClrMapping/>
-  </p:clrMapOvr>
-</p:sld>
-</file>
-
-<file path=ppt/slides/slide11.xml><?xml version="1.0" encoding="utf-8"?>
-<p:sld xmlns:a="http://schemas.openxmlformats.org/drawingml/2006/main" xmlns:r="http://schemas.openxmlformats.org/officeDocument/2006/relationships" xmlns:p="http://schemas.openxmlformats.org/presentationml/2006/main">
-  <p:cSld>
-    <p:spTree>
-      <p:nvGrpSpPr>
-        <p:cNvPr id="1" name=""/>
-        <p:cNvGrpSpPr/>
-        <p:nvPr/>
-      </p:nvGrpSpPr>
-      <p:grpSpPr>
-        <a:xfrm>
-          <a:off x="0" y="0"/>
-          <a:ext cx="0" cy="0"/>
-          <a:chOff x="0" y="0"/>
-          <a:chExt cx="0" cy="0"/>
-        </a:xfrm>
-      </p:grpSpPr>
-      <p:sp>
-        <p:nvSpPr>
-          <p:cNvPr id="2" name="כותרת 1">
-            <a:extLst>
-              <a:ext uri="{FF2B5EF4-FFF2-40B4-BE49-F238E27FC236}">
                 <a16:creationId xmlns:a16="http://schemas.microsoft.com/office/drawing/2014/main" id="{3614DBF3-3BF9-40E5-8449-5B82D31222F7}"/>
               </a:ext>
             </a:extLst>
@@ -4016,7 +3662,7 @@
 </p:sld>
 </file>
 
-<file path=ppt/slides/slide12.xml><?xml version="1.0" encoding="utf-8"?>
+<file path=ppt/slides/slide11.xml><?xml version="1.0" encoding="utf-8"?>
 <p:sld xmlns:a="http://schemas.openxmlformats.org/drawingml/2006/main" xmlns:r="http://schemas.openxmlformats.org/officeDocument/2006/relationships" xmlns:p="http://schemas.openxmlformats.org/presentationml/2006/main">
   <p:cSld>
     <p:spTree>
@@ -4327,7 +3973,7 @@
 </p:sld>
 </file>
 
-<file path=ppt/slides/slide13.xml><?xml version="1.0" encoding="utf-8"?>
+<file path=ppt/slides/slide12.xml><?xml version="1.0" encoding="utf-8"?>
 <p:sld xmlns:a="http://schemas.openxmlformats.org/drawingml/2006/main" xmlns:r="http://schemas.openxmlformats.org/officeDocument/2006/relationships" xmlns:p="http://schemas.openxmlformats.org/presentationml/2006/main">
   <p:cSld>
     <p:spTree>
@@ -4645,6 +4291,131 @@
 </p:sld>
 </file>
 
+<file path=ppt/slides/slide13.xml><?xml version="1.0" encoding="utf-8"?>
+<p:sld xmlns:a="http://schemas.openxmlformats.org/drawingml/2006/main" xmlns:r="http://schemas.openxmlformats.org/officeDocument/2006/relationships" xmlns:p="http://schemas.openxmlformats.org/presentationml/2006/main">
+  <p:cSld>
+    <p:spTree>
+      <p:nvGrpSpPr>
+        <p:cNvPr id="1" name=""/>
+        <p:cNvGrpSpPr/>
+        <p:nvPr/>
+      </p:nvGrpSpPr>
+      <p:grpSpPr>
+        <a:xfrm>
+          <a:off x="0" y="0"/>
+          <a:ext cx="0" cy="0"/>
+          <a:chOff x="0" y="0"/>
+          <a:chExt cx="0" cy="0"/>
+        </a:xfrm>
+      </p:grpSpPr>
+      <p:sp>
+        <p:nvSpPr>
+          <p:cNvPr id="2" name="כותרת 1">
+            <a:extLst>
+              <a:ext uri="{FF2B5EF4-FFF2-40B4-BE49-F238E27FC236}">
+                <a16:creationId xmlns:a16="http://schemas.microsoft.com/office/drawing/2014/main" id="{2BC1A9AD-9E19-491F-AF62-BA5A076406F5}"/>
+              </a:ext>
+            </a:extLst>
+          </p:cNvPr>
+          <p:cNvSpPr>
+            <a:spLocks noGrp="1"/>
+          </p:cNvSpPr>
+          <p:nvPr>
+            <p:ph type="title"/>
+          </p:nvPr>
+        </p:nvSpPr>
+        <p:spPr/>
+        <p:txBody>
+          <a:bodyPr/>
+          <a:lstStyle/>
+          <a:p>
+            <a:r>
+              <a:rPr lang="en-US" dirty="0"/>
+              <a:t>Discretization</a:t>
+            </a:r>
+            <a:r>
+              <a:rPr lang="he-IL" dirty="0"/>
+              <a:t> (נכון בבעיות </a:t>
+            </a:r>
+            <a:r>
+              <a:rPr lang="en-US" dirty="0" err="1"/>
+              <a:t>classifcation</a:t>
+            </a:r>
+            <a:r>
+              <a:rPr lang="he-IL" dirty="0"/>
+              <a:t>)</a:t>
+            </a:r>
+          </a:p>
+        </p:txBody>
+      </p:sp>
+      <p:sp>
+        <p:nvSpPr>
+          <p:cNvPr id="3" name="מציין מיקום תוכן 2">
+            <a:extLst>
+              <a:ext uri="{FF2B5EF4-FFF2-40B4-BE49-F238E27FC236}">
+                <a16:creationId xmlns:a16="http://schemas.microsoft.com/office/drawing/2014/main" id="{8EB8E186-549D-47BF-8B4C-614E6C38F188}"/>
+              </a:ext>
+            </a:extLst>
+          </p:cNvPr>
+          <p:cNvSpPr>
+            <a:spLocks noGrp="1"/>
+          </p:cNvSpPr>
+          <p:nvPr>
+            <p:ph idx="1"/>
+          </p:nvPr>
+        </p:nvSpPr>
+        <p:spPr/>
+        <p:txBody>
+          <a:bodyPr/>
+          <a:lstStyle/>
+          <a:p>
+            <a:r>
+              <a:rPr lang="he-IL" dirty="0"/>
+              <a:t>מעבר לערכים בדידים (במקום רציפים)</a:t>
+            </a:r>
+          </a:p>
+          <a:p>
+            <a:r>
+              <a:rPr lang="he-IL" dirty="0"/>
+              <a:t>שיפור ביצועים</a:t>
+            </a:r>
+          </a:p>
+          <a:p>
+            <a:r>
+              <a:rPr lang="he-IL" dirty="0"/>
+              <a:t>קשה להחליט מאיזו נקודה עשרונית לבצע את חלקות הקבוצות</a:t>
+            </a:r>
+          </a:p>
+          <a:p>
+            <a:r>
+              <a:rPr lang="he-IL" dirty="0"/>
+              <a:t>שיטה </a:t>
+            </a:r>
+            <a:r>
+              <a:rPr lang="en-US" dirty="0"/>
+              <a:t>EWD - Equal Width </a:t>
+            </a:r>
+            <a:r>
+              <a:rPr lang="en-US" dirty="0" err="1"/>
+              <a:t>Discretiztion</a:t>
+            </a:r>
+            <a:endParaRPr lang="he-IL" dirty="0"/>
+          </a:p>
+        </p:txBody>
+      </p:sp>
+    </p:spTree>
+    <p:extLst>
+      <p:ext uri="{BB962C8B-B14F-4D97-AF65-F5344CB8AC3E}">
+        <p14:creationId xmlns:p14="http://schemas.microsoft.com/office/powerpoint/2010/main" val="128172501"/>
+      </p:ext>
+    </p:extLst>
+  </p:cSld>
+  <p:clrMapOvr>
+    <a:masterClrMapping/>
+  </p:clrMapOvr>
+</p:sld>
+</file>
+
 <file path=ppt/slides/slide14.xml><?xml version="1.0" encoding="utf-8"?>
 <p:sld xmlns:a="http://schemas.openxmlformats.org/drawingml/2006/main" xmlns:r="http://schemas.openxmlformats.org/officeDocument/2006/relationships" xmlns:p="http://schemas.openxmlformats.org/presentationml/2006/main">
   <p:cSld>
@@ -4667,7 +4438,7 @@
           <p:cNvPr id="2" name="כותרת 1">
             <a:extLst>
               <a:ext uri="{FF2B5EF4-FFF2-40B4-BE49-F238E27FC236}">
-                <a16:creationId xmlns:a16="http://schemas.microsoft.com/office/drawing/2014/main" id="{2BC1A9AD-9E19-491F-AF62-BA5A076406F5}"/>
+                <a16:creationId xmlns:a16="http://schemas.microsoft.com/office/drawing/2014/main" id="{A52B7D8E-21EC-470E-A7BF-6A86AFAB0E58}"/>
               </a:ext>
             </a:extLst>
           </p:cNvPr>
@@ -4685,20 +4456,9 @@
           <a:p>
             <a:r>
               <a:rPr lang="en-US" dirty="0"/>
-              <a:t>Discretization</a:t>
-            </a:r>
-            <a:r>
-              <a:rPr lang="he-IL" dirty="0"/>
-              <a:t> (נכון בבעיות </a:t>
-            </a:r>
-            <a:r>
-              <a:rPr lang="en-US" dirty="0" err="1"/>
-              <a:t>classifcation</a:t>
-            </a:r>
-            <a:r>
-              <a:rPr lang="he-IL" dirty="0"/>
-              <a:t>)</a:t>
-            </a:r>
+              <a:t>Feature Extraction</a:t>
+            </a:r>
+            <a:endParaRPr lang="he-IL" dirty="0"/>
           </a:p>
         </p:txBody>
       </p:sp>
@@ -4707,7 +4467,7 @@
           <p:cNvPr id="3" name="מציין מיקום תוכן 2">
             <a:extLst>
               <a:ext uri="{FF2B5EF4-FFF2-40B4-BE49-F238E27FC236}">
-                <a16:creationId xmlns:a16="http://schemas.microsoft.com/office/drawing/2014/main" id="{8EB8E186-549D-47BF-8B4C-614E6C38F188}"/>
+                <a16:creationId xmlns:a16="http://schemas.microsoft.com/office/drawing/2014/main" id="{2F31AA13-BC0F-40A5-A9CA-93726CC322E6}"/>
               </a:ext>
             </a:extLst>
           </p:cNvPr>
@@ -4718,49 +4478,121 @@
             <p:ph idx="1"/>
           </p:nvPr>
         </p:nvSpPr>
-        <p:spPr/>
+        <p:spPr>
+          <a:xfrm>
+            <a:off x="838200" y="1864954"/>
+            <a:ext cx="10515600" cy="4351338"/>
+          </a:xfrm>
+        </p:spPr>
         <p:txBody>
           <a:bodyPr/>
           <a:lstStyle/>
           <a:p>
             <a:r>
               <a:rPr lang="he-IL" dirty="0"/>
-              <a:t>מעבר לערכים בדידים (במקום רציפים)</a:t>
-            </a:r>
-          </a:p>
-          <a:p>
-            <a:r>
-              <a:rPr lang="he-IL" dirty="0"/>
-              <a:t>שיפור ביצועים</a:t>
-            </a:r>
-          </a:p>
-          <a:p>
-            <a:r>
-              <a:rPr lang="he-IL" dirty="0"/>
-              <a:t>קשה להחליט מאיזו נקודה עשרונית לבצע את חלקות הקבוצות</a:t>
-            </a:r>
-          </a:p>
-          <a:p>
-            <a:r>
-              <a:rPr lang="he-IL" dirty="0"/>
-              <a:t>שיטה </a:t>
-            </a:r>
-            <a:r>
-              <a:rPr lang="en-US" dirty="0"/>
-              <a:t>EWD - Equal Width </a:t>
-            </a:r>
-            <a:r>
-              <a:rPr lang="en-US" dirty="0" err="1"/>
-              <a:t>Discretiztion</a:t>
-            </a:r>
-            <a:endParaRPr lang="he-IL" dirty="0"/>
+              <a:t>יצירת מאפיינים חדשים (קטנים במספר מהמאפיינים המקוריים)</a:t>
+            </a:r>
+          </a:p>
+          <a:p>
+            <a:r>
+              <a:rPr lang="he-IL" dirty="0"/>
+              <a:t>ישנם מספר שיטות, דוגמא שימוש בשיטת </a:t>
+            </a:r>
+            <a:r>
+              <a:rPr lang="en-US" dirty="0"/>
+              <a:t>PCA</a:t>
+            </a:r>
+            <a:endParaRPr lang="he-IL" dirty="0"/>
+          </a:p>
+          <a:p>
+            <a:pPr lvl="1"/>
+            <a:r>
+              <a:rPr lang="he-IL" dirty="0"/>
+              <a:t>אלג’ </a:t>
+            </a:r>
+            <a:r>
+              <a:rPr lang="en-US" dirty="0"/>
+              <a:t> Unsupervised learning</a:t>
+            </a:r>
+            <a:r>
+              <a:rPr lang="he-IL" dirty="0"/>
+              <a:t> המוריד </a:t>
+            </a:r>
+            <a:r>
+              <a:rPr lang="he-IL" dirty="0" err="1"/>
+              <a:t>למימד</a:t>
+            </a:r>
+            <a:r>
+              <a:rPr lang="he-IL" dirty="0"/>
+              <a:t> קטן יותר (</a:t>
+            </a:r>
+            <a:r>
+              <a:rPr lang="he-IL" dirty="0" err="1"/>
+              <a:t>המימד</a:t>
+            </a:r>
+            <a:r>
+              <a:rPr lang="he-IL" dirty="0"/>
+              <a:t> לא ידוע).</a:t>
+            </a:r>
+          </a:p>
+          <a:p>
+            <a:pPr lvl="1"/>
+            <a:r>
+              <a:rPr lang="he-IL" dirty="0" err="1"/>
+              <a:t>האלג</a:t>
+            </a:r>
+            <a:r>
+              <a:rPr lang="he-IL" dirty="0"/>
+              <a:t>' משתמש בשונות של כל מאפיין ומכייל מחדש את השונות.</a:t>
+            </a:r>
+          </a:p>
+          <a:p>
+            <a:pPr lvl="2"/>
+            <a:r>
+              <a:rPr lang="he-IL" dirty="0"/>
+              <a:t>דוגמא: מספר דלתות לרכב (4 / 6) -&gt; הורדה ל 4 גלגלים לכל הרכבים.</a:t>
+            </a:r>
+          </a:p>
+          <a:p>
+            <a:pPr lvl="1"/>
+            <a:r>
+              <a:rPr lang="he-IL" dirty="0" err="1"/>
+              <a:t>האלג</a:t>
+            </a:r>
+            <a:r>
+              <a:rPr lang="he-IL" dirty="0"/>
+              <a:t>' שומר על השונות של מאפיינות בעלי שונות גבוהה</a:t>
+            </a:r>
+          </a:p>
+          <a:p>
+            <a:pPr lvl="1"/>
+            <a:r>
+              <a:rPr lang="he-IL" dirty="0"/>
+              <a:t>מבצעים הטלה למערכת צירים </a:t>
+            </a:r>
+            <a:r>
+              <a:rPr lang="he-IL" dirty="0" err="1"/>
+              <a:t>אורטוגונלית</a:t>
+            </a:r>
+            <a:r>
+              <a:rPr lang="he-IL" dirty="0"/>
+              <a:t> (</a:t>
+            </a:r>
+            <a:r>
+              <a:rPr lang="he-IL" dirty="0" err="1"/>
+              <a:t>מימד</a:t>
+            </a:r>
+            <a:r>
+              <a:rPr lang="he-IL" dirty="0"/>
+              <a:t> קטן אחר)</a:t>
+            </a:r>
           </a:p>
         </p:txBody>
       </p:sp>
     </p:spTree>
     <p:extLst>
       <p:ext uri="{BB962C8B-B14F-4D97-AF65-F5344CB8AC3E}">
-        <p14:creationId xmlns:p14="http://schemas.microsoft.com/office/powerpoint/2010/main" val="128172501"/>
+        <p14:creationId xmlns:p14="http://schemas.microsoft.com/office/powerpoint/2010/main" val="1502696528"/>
       </p:ext>
     </p:extLst>
   </p:cSld>
@@ -4792,7 +4624,7 @@
           <p:cNvPr id="2" name="כותרת 1">
             <a:extLst>
               <a:ext uri="{FF2B5EF4-FFF2-40B4-BE49-F238E27FC236}">
-                <a16:creationId xmlns:a16="http://schemas.microsoft.com/office/drawing/2014/main" id="{A52B7D8E-21EC-470E-A7BF-6A86AFAB0E58}"/>
+                <a16:creationId xmlns:a16="http://schemas.microsoft.com/office/drawing/2014/main" id="{3486240C-977A-4EEE-BED3-3342583CD8DF}"/>
               </a:ext>
             </a:extLst>
           </p:cNvPr>
@@ -4810,7 +4642,7 @@
           <a:p>
             <a:r>
               <a:rPr lang="en-US" dirty="0"/>
-              <a:t>Feature Extraction</a:t>
+              <a:t>Feature Engineering</a:t>
             </a:r>
             <a:endParaRPr lang="he-IL" dirty="0"/>
           </a:p>
@@ -4821,7 +4653,7 @@
           <p:cNvPr id="3" name="מציין מיקום תוכן 2">
             <a:extLst>
               <a:ext uri="{FF2B5EF4-FFF2-40B4-BE49-F238E27FC236}">
-                <a16:creationId xmlns:a16="http://schemas.microsoft.com/office/drawing/2014/main" id="{2F31AA13-BC0F-40A5-A9CA-93726CC322E6}"/>
+                <a16:creationId xmlns:a16="http://schemas.microsoft.com/office/drawing/2014/main" id="{0CD0EFB5-C4CA-43D2-9FD5-45497940C413}"/>
               </a:ext>
             </a:extLst>
           </p:cNvPr>
@@ -4832,121 +4664,75 @@
             <p:ph idx="1"/>
           </p:nvPr>
         </p:nvSpPr>
-        <p:spPr>
-          <a:xfrm>
-            <a:off x="838200" y="1864954"/>
-            <a:ext cx="10515600" cy="4351338"/>
-          </a:xfrm>
-        </p:spPr>
+        <p:spPr/>
         <p:txBody>
           <a:bodyPr/>
           <a:lstStyle/>
           <a:p>
             <a:r>
               <a:rPr lang="he-IL" dirty="0"/>
-              <a:t>יצירת מאפיינים חדשים (קטנים במספר מהמאפיינים המקוריים)</a:t>
-            </a:r>
-          </a:p>
-          <a:p>
-            <a:r>
-              <a:rPr lang="he-IL" dirty="0"/>
-              <a:t>ישנם מספר שיטות, דוגמא שימוש בשיטת </a:t>
-            </a:r>
-            <a:r>
-              <a:rPr lang="en-US" dirty="0"/>
-              <a:t>PCA</a:t>
-            </a:r>
-            <a:endParaRPr lang="he-IL" dirty="0"/>
+              <a:t>המרת </a:t>
+            </a:r>
+            <a:r>
+              <a:rPr lang="en-US" dirty="0"/>
+              <a:t>Raw Data</a:t>
+            </a:r>
+            <a:r>
+              <a:rPr lang="he-IL" dirty="0"/>
+              <a:t> למאפיינים שמתאימים למודול</a:t>
+            </a:r>
+          </a:p>
+          <a:p>
+            <a:r>
+              <a:rPr lang="he-IL" dirty="0"/>
+              <a:t>דוגמאות:</a:t>
+            </a:r>
           </a:p>
           <a:p>
             <a:pPr lvl="1"/>
             <a:r>
-              <a:rPr lang="he-IL" dirty="0"/>
-              <a:t>אלג’ </a:t>
-            </a:r>
-            <a:r>
-              <a:rPr lang="en-US" dirty="0"/>
-              <a:t> Unsupervised learning</a:t>
-            </a:r>
-            <a:r>
-              <a:rPr lang="he-IL" dirty="0"/>
-              <a:t> המוריד </a:t>
-            </a:r>
+              <a:rPr lang="en-US" dirty="0"/>
+              <a:t>CNN (convolutional neural network)</a:t>
+            </a:r>
+            <a:endParaRPr lang="he-IL" dirty="0"/>
+          </a:p>
+          <a:p>
+            <a:pPr lvl="2"/>
             <a:r>
               <a:rPr lang="he-IL" dirty="0" err="1"/>
-              <a:t>למימד</a:t>
-            </a:r>
-            <a:r>
-              <a:rPr lang="he-IL" dirty="0"/>
-              <a:t> קטן יותר (</a:t>
-            </a:r>
-            <a:r>
-              <a:rPr lang="he-IL" dirty="0" err="1"/>
-              <a:t>המימד</a:t>
-            </a:r>
-            <a:r>
-              <a:rPr lang="he-IL" dirty="0"/>
-              <a:t> לא ידוע).</a:t>
+              <a:t>קונובולוציות</a:t>
+            </a:r>
+            <a:r>
+              <a:rPr lang="he-IL" dirty="0"/>
+              <a:t> ל </a:t>
+            </a:r>
+            <a:r>
+              <a:rPr lang="en-US" dirty="0"/>
+              <a:t>edge / shape </a:t>
+            </a:r>
+            <a:r>
+              <a:rPr lang="en-US" dirty="0" err="1"/>
+              <a:t>detecition</a:t>
+            </a:r>
+            <a:r>
+              <a:rPr lang="he-IL" dirty="0"/>
+              <a:t>.</a:t>
             </a:r>
           </a:p>
           <a:p>
             <a:pPr lvl="1"/>
             <a:r>
-              <a:rPr lang="he-IL" dirty="0" err="1"/>
-              <a:t>האלג</a:t>
-            </a:r>
-            <a:r>
-              <a:rPr lang="he-IL" dirty="0"/>
-              <a:t>' משתמש בשונות של כל מאפיין ומכייל מחדש את השונות.</a:t>
-            </a:r>
-          </a:p>
-          <a:p>
-            <a:pPr lvl="2"/>
-            <a:r>
-              <a:rPr lang="he-IL" dirty="0"/>
-              <a:t>דוגמא: מספר דלתות לרכב (4 / 6) -&gt; הורדה ל 4 גלגלים לכל הרכבים.</a:t>
-            </a:r>
-          </a:p>
-          <a:p>
-            <a:pPr lvl="1"/>
-            <a:r>
-              <a:rPr lang="he-IL" dirty="0" err="1"/>
-              <a:t>האלג</a:t>
-            </a:r>
-            <a:r>
-              <a:rPr lang="he-IL" dirty="0"/>
-              <a:t>' שומר על השונות של מאפיינות בעלי שונות גבוהה</a:t>
-            </a:r>
-          </a:p>
-          <a:p>
-            <a:pPr lvl="1"/>
-            <a:r>
-              <a:rPr lang="he-IL" dirty="0"/>
-              <a:t>מבצעים הטלה למערכת צירים </a:t>
-            </a:r>
-            <a:r>
-              <a:rPr lang="he-IL" dirty="0" err="1"/>
-              <a:t>אורטוגונלית</a:t>
-            </a:r>
-            <a:r>
-              <a:rPr lang="he-IL" dirty="0"/>
-              <a:t> (</a:t>
-            </a:r>
-            <a:r>
-              <a:rPr lang="he-IL" dirty="0" err="1"/>
-              <a:t>מימד</a:t>
-            </a:r>
-            <a:r>
-              <a:rPr lang="he-IL" dirty="0"/>
-              <a:t> קטן אחר)</a:t>
-            </a:r>
+              <a:rPr lang="en-US" dirty="0"/>
+              <a:t>Word2Vec</a:t>
+            </a:r>
+            <a:endParaRPr lang="he-IL" dirty="0"/>
           </a:p>
         </p:txBody>
       </p:sp>
     </p:spTree>
     <p:extLst>
       <p:ext uri="{BB962C8B-B14F-4D97-AF65-F5344CB8AC3E}">
-        <p14:creationId xmlns:p14="http://schemas.microsoft.com/office/powerpoint/2010/main" val="1502696528"/>
+        <p14:creationId xmlns:p14="http://schemas.microsoft.com/office/powerpoint/2010/main" val="2909546048"/>
       </p:ext>
     </p:extLst>
   </p:cSld>
@@ -4978,7 +4764,7 @@
           <p:cNvPr id="2" name="כותרת 1">
             <a:extLst>
               <a:ext uri="{FF2B5EF4-FFF2-40B4-BE49-F238E27FC236}">
-                <a16:creationId xmlns:a16="http://schemas.microsoft.com/office/drawing/2014/main" id="{3486240C-977A-4EEE-BED3-3342583CD8DF}"/>
+                <a16:creationId xmlns:a16="http://schemas.microsoft.com/office/drawing/2014/main" id="{B1B2B1AD-AED9-4FF9-8904-0852BE6EF758}"/>
               </a:ext>
             </a:extLst>
           </p:cNvPr>
@@ -4995,10 +4781,9 @@
           <a:lstStyle/>
           <a:p>
             <a:r>
-              <a:rPr lang="en-US" dirty="0"/>
-              <a:t>Feature Engineering</a:t>
-            </a:r>
-            <a:endParaRPr lang="he-IL" dirty="0"/>
+              <a:rPr lang="he-IL" dirty="0"/>
+              <a:t>שאלות - 1</a:t>
+            </a:r>
           </a:p>
         </p:txBody>
       </p:sp>
@@ -5007,7 +4792,7 @@
           <p:cNvPr id="3" name="מציין מיקום תוכן 2">
             <a:extLst>
               <a:ext uri="{FF2B5EF4-FFF2-40B4-BE49-F238E27FC236}">
-                <a16:creationId xmlns:a16="http://schemas.microsoft.com/office/drawing/2014/main" id="{0CD0EFB5-C4CA-43D2-9FD5-45497940C413}"/>
+                <a16:creationId xmlns:a16="http://schemas.microsoft.com/office/drawing/2014/main" id="{3CC9D416-2FD3-4EFA-8133-C371E668FCBB}"/>
               </a:ext>
             </a:extLst>
           </p:cNvPr>
@@ -5020,65 +4805,314 @@
         </p:nvSpPr>
         <p:spPr/>
         <p:txBody>
-          <a:bodyPr/>
-          <a:lstStyle/>
-          <a:p>
-            <a:r>
-              <a:rPr lang="he-IL" dirty="0"/>
-              <a:t>המרת </a:t>
-            </a:r>
-            <a:r>
-              <a:rPr lang="en-US" dirty="0"/>
-              <a:t>Raw Data</a:t>
-            </a:r>
-            <a:r>
-              <a:rPr lang="he-IL" dirty="0"/>
-              <a:t> למאפיינים שמתאימים למודול</a:t>
-            </a:r>
-          </a:p>
-          <a:p>
-            <a:r>
-              <a:rPr lang="he-IL" dirty="0"/>
-              <a:t>דוגמאות:</a:t>
-            </a:r>
+          <a:bodyPr>
+            <a:normAutofit fontScale="55000" lnSpcReduction="20000"/>
+          </a:bodyPr>
+          <a:lstStyle/>
+          <a:p>
+            <a:r>
+              <a:rPr lang="en-US" dirty="0"/>
+              <a:t>Wrapper model</a:t>
+            </a:r>
+            <a:endParaRPr lang="he-IL" dirty="0"/>
           </a:p>
           <a:p>
             <a:pPr lvl="1"/>
             <a:r>
-              <a:rPr lang="en-US" dirty="0"/>
-              <a:t>CNN (convolutional neural network)</a:t>
-            </a:r>
-            <a:endParaRPr lang="he-IL" dirty="0"/>
+              <a:rPr lang="he-IL" dirty="0"/>
+              <a:t>למה לפצל ל </a:t>
+            </a:r>
+            <a:r>
+              <a:rPr lang="en-US" dirty="0"/>
+              <a:t>train and test</a:t>
+            </a:r>
+            <a:r>
+              <a:rPr lang="he-IL" dirty="0"/>
+              <a:t> ? אם גם ככה רק לבחירת תכונות, נעבוד על </a:t>
+            </a:r>
+            <a:r>
+              <a:rPr lang="he-IL" dirty="0" err="1"/>
+              <a:t>הכל</a:t>
+            </a:r>
+            <a:r>
+              <a:rPr lang="he-IL" dirty="0"/>
+              <a:t>.</a:t>
+            </a:r>
+          </a:p>
+          <a:p>
+            <a:pPr lvl="1"/>
+            <a:r>
+              <a:rPr lang="he-IL" dirty="0"/>
+              <a:t>יש טעם בבעיית </a:t>
+            </a:r>
+            <a:r>
+              <a:rPr lang="en-US" dirty="0"/>
+              <a:t>classification</a:t>
+            </a:r>
+            <a:r>
+              <a:rPr lang="he-IL" dirty="0"/>
+              <a:t> לבדוק עם אלג' שאינו </a:t>
+            </a:r>
+            <a:r>
+              <a:rPr lang="en-US" dirty="0"/>
+              <a:t>random forest</a:t>
+            </a:r>
+            <a:r>
+              <a:rPr lang="he-IL" dirty="0"/>
+              <a:t> ?</a:t>
+            </a:r>
+          </a:p>
+          <a:p>
+            <a:r>
+              <a:rPr lang="en-US" dirty="0"/>
+              <a:t>Embedded model</a:t>
+            </a:r>
+            <a:r>
+              <a:rPr lang="he-IL" dirty="0"/>
+              <a:t>:</a:t>
+            </a:r>
+          </a:p>
+          <a:p>
+            <a:pPr lvl="1"/>
+            <a:r>
+              <a:rPr lang="he-IL" dirty="0"/>
+              <a:t>אם אני לא משתמש בשיטה זו לאחר מכן האם עדיין לפצל ל </a:t>
+            </a:r>
+            <a:r>
+              <a:rPr lang="en-US" dirty="0"/>
+              <a:t>train and test</a:t>
+            </a:r>
+            <a:r>
+              <a:rPr lang="he-IL" dirty="0"/>
+              <a:t> ? (אם כן למה ?)</a:t>
+            </a:r>
+          </a:p>
+          <a:p>
+            <a:pPr lvl="1"/>
+            <a:r>
+              <a:rPr lang="he-IL" dirty="0"/>
+              <a:t>האם </a:t>
+            </a:r>
+            <a:r>
+              <a:rPr lang="en-US" dirty="0"/>
+              <a:t>Lasso</a:t>
+            </a:r>
+            <a:r>
+              <a:rPr lang="he-IL" dirty="0"/>
+              <a:t> מתאים בעיקר לבעיות </a:t>
+            </a:r>
+            <a:r>
+              <a:rPr lang="en-US" dirty="0" err="1"/>
+              <a:t>regresion</a:t>
+            </a:r>
+            <a:r>
+              <a:rPr lang="he-IL" dirty="0"/>
+              <a:t> או גם </a:t>
+            </a:r>
+            <a:r>
+              <a:rPr lang="en-US" dirty="0"/>
+              <a:t>classification</a:t>
+            </a:r>
+            <a:endParaRPr lang="he-IL" dirty="0"/>
+          </a:p>
+          <a:p>
+            <a:pPr lvl="1"/>
+            <a:r>
+              <a:rPr lang="he-IL" dirty="0"/>
+              <a:t>אם אני לא משתמש באותו אלג' לאחר מכן:</a:t>
+            </a:r>
           </a:p>
           <a:p>
             <a:pPr lvl="2"/>
             <a:r>
+              <a:rPr lang="he-IL" dirty="0"/>
+              <a:t>האם כדאי להשתמש בשיטה ? (נניח נעבוד טוב יותר ב </a:t>
+            </a:r>
+            <a:r>
+              <a:rPr lang="en-US" dirty="0"/>
+              <a:t>Deep Learning</a:t>
+            </a:r>
+            <a:r>
+              <a:rPr lang="he-IL" dirty="0"/>
+              <a:t>) ?</a:t>
+            </a:r>
+          </a:p>
+          <a:p>
+            <a:pPr lvl="2"/>
+            <a:r>
+              <a:rPr lang="he-IL" dirty="0"/>
+              <a:t>האם עדיין צריך לחלק ב </a:t>
+            </a:r>
+            <a:r>
+              <a:rPr lang="en-US" dirty="0"/>
+              <a:t>Cross</a:t>
+            </a:r>
+            <a:r>
+              <a:rPr lang="he-IL" dirty="0"/>
+              <a:t> את המידע ולבדוק עם </a:t>
+            </a:r>
+            <a:r>
+              <a:rPr lang="en-US" dirty="0"/>
+              <a:t>train</a:t>
+            </a:r>
+            <a:r>
+              <a:rPr lang="he-IL" dirty="0"/>
+              <a:t> ?</a:t>
+            </a:r>
+          </a:p>
+          <a:p>
+            <a:pPr lvl="1"/>
+            <a:r>
+              <a:rPr lang="he-IL" dirty="0"/>
+              <a:t>בשימוש ב </a:t>
+            </a:r>
+            <a:r>
+              <a:rPr lang="en-US" dirty="0"/>
+              <a:t>Random Forest</a:t>
+            </a:r>
+            <a:r>
+              <a:rPr lang="he-IL" dirty="0"/>
+              <a:t>, התוצאה הינה ה"חשיבות" של כל תוכנה:</a:t>
+            </a:r>
+          </a:p>
+          <a:p>
+            <a:pPr lvl="2"/>
+            <a:r>
+              <a:rPr lang="he-IL" dirty="0"/>
+              <a:t>בפועל אין הורדת תוכנות</a:t>
+            </a:r>
+          </a:p>
+          <a:p>
+            <a:pPr lvl="2"/>
+            <a:r>
+              <a:rPr lang="he-IL" dirty="0"/>
+              <a:t>מה ההבדל בין שיטה זו לבין ה </a:t>
+            </a:r>
+            <a:r>
+              <a:rPr lang="en-US" dirty="0"/>
+              <a:t>wrapper</a:t>
+            </a:r>
+            <a:r>
+              <a:rPr lang="he-IL" dirty="0"/>
+              <a:t> עם </a:t>
+            </a:r>
+            <a:r>
+              <a:rPr lang="en-US" dirty="0"/>
+              <a:t>Random Forest</a:t>
+            </a:r>
+            <a:endParaRPr lang="he-IL" dirty="0"/>
+          </a:p>
+          <a:p>
+            <a:r>
+              <a:rPr lang="he-IL" dirty="0"/>
+              <a:t>בכל השיטות (של </a:t>
+            </a:r>
+            <a:r>
+              <a:rPr lang="en-US" dirty="0"/>
+              <a:t> filter model</a:t>
+            </a:r>
+            <a:r>
+              <a:rPr lang="he-IL" dirty="0"/>
+              <a:t> יחד עם </a:t>
+            </a:r>
+            <a:r>
+              <a:rPr lang="en-US" dirty="0"/>
+              <a:t>random forest</a:t>
+            </a:r>
+            <a:r>
+              <a:rPr lang="he-IL" dirty="0"/>
+              <a:t> וזהו ?), נראה שיש מספר המגדיר את המספר המקסימאלי של תכונות לבחירה. למה ? זה צריך להיות לפי סינון אחר (נניח תוצאה / סף)</a:t>
+            </a:r>
+          </a:p>
+          <a:p>
+            <a:r>
+              <a:rPr lang="he-IL" dirty="0"/>
+              <a:t>לעבור שוב ולוודא האם </a:t>
+            </a:r>
+            <a:r>
+              <a:rPr lang="he-IL"/>
+              <a:t>נכונה השאלה - מהבנתי </a:t>
+            </a:r>
+            <a:r>
+              <a:rPr lang="he-IL" dirty="0"/>
+              <a:t>מ </a:t>
+            </a:r>
+            <a:r>
+              <a:rPr lang="en-US" dirty="0" err="1"/>
+              <a:t>kfold</a:t>
+            </a:r>
+            <a:r>
+              <a:rPr lang="he-IL" dirty="0"/>
+              <a:t> לא ניתן לקבל את רשימת התכונות (אם יש התנגשות בין הרצות) אלא לקחת את התוצאה </a:t>
+            </a:r>
+            <a:r>
+              <a:rPr lang="en-US" dirty="0"/>
+              <a:t>(feature importance)</a:t>
+            </a:r>
+            <a:r>
+              <a:rPr lang="he-IL" dirty="0"/>
+              <a:t> ומשם לחלץ לפי סף </a:t>
+            </a:r>
+            <a:r>
               <a:rPr lang="he-IL" dirty="0" err="1"/>
-              <a:t>קונובולוציות</a:t>
-            </a:r>
-            <a:r>
-              <a:rPr lang="he-IL" dirty="0"/>
-              <a:t> ל </a:t>
-            </a:r>
-            <a:r>
-              <a:rPr lang="en-US" dirty="0"/>
-              <a:t>edge / shape </a:t>
+              <a:t>מסויים</a:t>
+            </a:r>
+            <a:endParaRPr lang="he-IL" dirty="0"/>
+          </a:p>
+          <a:p>
+            <a:r>
+              <a:rPr lang="he-IL" dirty="0"/>
+              <a:t>נראה שאין טעם להשתמש ב </a:t>
+            </a:r>
+            <a:r>
+              <a:rPr lang="en-US" dirty="0"/>
+              <a:t>TREE</a:t>
+            </a:r>
+            <a:r>
+              <a:rPr lang="he-IL" dirty="0"/>
+              <a:t> לבד ?</a:t>
+            </a:r>
+          </a:p>
+          <a:p>
+            <a:r>
+              <a:rPr lang="he-IL" dirty="0"/>
+              <a:t>יש הרבה שיטות ממאמרים </a:t>
+            </a:r>
+            <a:r>
+              <a:rPr lang="en-US" dirty="0"/>
+              <a:t>IEEE</a:t>
+            </a:r>
+            <a:r>
+              <a:rPr lang="he-IL" dirty="0"/>
+              <a:t> שלא נמצאים ב </a:t>
             </a:r>
             <a:r>
               <a:rPr lang="en-US" dirty="0" err="1"/>
-              <a:t>detecition</a:t>
-            </a:r>
-            <a:r>
-              <a:rPr lang="he-IL" dirty="0"/>
-              <a:t>.</a:t>
-            </a:r>
-          </a:p>
-          <a:p>
-            <a:pPr lvl="1"/>
-            <a:r>
-              <a:rPr lang="en-US" dirty="0"/>
-              <a:t>Word2Vec</a:t>
-            </a:r>
+              <a:t>sklearn</a:t>
+            </a:r>
+            <a:r>
+              <a:rPr lang="he-IL" dirty="0"/>
+              <a:t>. אם אני מבין נכון בגלל שלא נמצא שם, אז אין טעם לבדוק ? אחרת היה </a:t>
+            </a:r>
+            <a:r>
+              <a:rPr lang="he-IL" dirty="0" err="1"/>
+              <a:t>פופלארי</a:t>
+            </a:r>
+            <a:r>
+              <a:rPr lang="he-IL" dirty="0"/>
+              <a:t> והיה נכנס ?</a:t>
+            </a:r>
+          </a:p>
+          <a:p>
+            <a:endParaRPr lang="he-IL" dirty="0"/>
+          </a:p>
+          <a:p>
+            <a:pPr marL="0" indent="0">
+              <a:buNone/>
+            </a:pPr>
+            <a:endParaRPr lang="he-IL" dirty="0"/>
+          </a:p>
+          <a:p>
             <a:endParaRPr lang="he-IL" dirty="0"/>
           </a:p>
         </p:txBody>
@@ -5086,7 +5120,7 @@
     </p:spTree>
     <p:extLst>
       <p:ext uri="{BB962C8B-B14F-4D97-AF65-F5344CB8AC3E}">
-        <p14:creationId xmlns:p14="http://schemas.microsoft.com/office/powerpoint/2010/main" val="2909546048"/>
+        <p14:creationId xmlns:p14="http://schemas.microsoft.com/office/powerpoint/2010/main" val="1328540295"/>
       </p:ext>
     </p:extLst>
   </p:cSld>
@@ -5136,7 +5170,7 @@
           <a:p>
             <a:r>
               <a:rPr lang="he-IL" dirty="0"/>
-              <a:t>שאלות - 1</a:t>
+              <a:t>שאלות - 2</a:t>
             </a:r>
           </a:p>
         </p:txBody>
@@ -5160,29 +5194,48 @@
         <p:spPr/>
         <p:txBody>
           <a:bodyPr>
-            <a:normAutofit fontScale="55000" lnSpcReduction="20000"/>
+            <a:normAutofit/>
           </a:bodyPr>
           <a:lstStyle/>
           <a:p>
             <a:r>
-              <a:rPr lang="en-US" dirty="0"/>
-              <a:t>Wrapper model</a:t>
-            </a:r>
-            <a:endParaRPr lang="he-IL" dirty="0"/>
-          </a:p>
-          <a:p>
-            <a:pPr lvl="1"/>
-            <a:r>
-              <a:rPr lang="he-IL" dirty="0"/>
-              <a:t>למה לפצל ל </a:t>
-            </a:r>
-            <a:r>
-              <a:rPr lang="en-US" dirty="0"/>
-              <a:t>train and test</a:t>
-            </a:r>
-            <a:r>
-              <a:rPr lang="he-IL" dirty="0"/>
-              <a:t> ? אם גם ככה רק לבחירת תכונות, נעבוד על </a:t>
+              <a:rPr lang="he-IL" dirty="0" err="1"/>
+              <a:t>בבעית</a:t>
+            </a:r>
+            <a:r>
+              <a:rPr lang="he-IL" dirty="0"/>
+              <a:t> ה </a:t>
+            </a:r>
+            <a:r>
+              <a:rPr lang="en-US" dirty="0"/>
+              <a:t>NBA</a:t>
+            </a:r>
+            <a:r>
+              <a:rPr lang="he-IL" dirty="0"/>
+              <a:t>, נראה שה </a:t>
+            </a:r>
+            <a:r>
+              <a:rPr lang="en-US" dirty="0" err="1"/>
+              <a:t>cor</a:t>
+            </a:r>
+            <a:r>
+              <a:rPr lang="he-IL" dirty="0"/>
+              <a:t> עם ה </a:t>
+            </a:r>
+            <a:r>
+              <a:rPr lang="en-US" dirty="0"/>
+              <a:t>TARGET</a:t>
+            </a:r>
+            <a:r>
+              <a:rPr lang="he-IL" dirty="0"/>
+              <a:t> קטן מ 0.4</a:t>
+            </a:r>
+            <a:br>
+              <a:rPr lang="en-US" dirty="0"/>
+            </a:br>
+            <a:r>
+              <a:rPr lang="he-IL" dirty="0"/>
+              <a:t>אז בעצם הייתי מסנן את </a:t>
             </a:r>
             <a:r>
               <a:rPr lang="he-IL" dirty="0" err="1"/>
@@ -5190,283 +5243,75 @@
             </a:r>
             <a:r>
               <a:rPr lang="he-IL" dirty="0"/>
-              <a:t>.</a:t>
+              <a:t> ?</a:t>
+            </a:r>
+          </a:p>
+          <a:p>
+            <a:r>
+              <a:rPr lang="en-US" dirty="0"/>
+              <a:t>Lasso</a:t>
+            </a:r>
+            <a:r>
+              <a:rPr lang="he-IL" dirty="0"/>
+              <a:t> לא מתאים ל </a:t>
+            </a:r>
+            <a:r>
+              <a:rPr lang="en-US" dirty="0"/>
+              <a:t>classification</a:t>
+            </a:r>
+            <a:r>
+              <a:rPr lang="he-IL" dirty="0"/>
+              <a:t> ? (ראה </a:t>
+            </a:r>
+            <a:r>
+              <a:rPr lang="en-US" dirty="0" err="1"/>
+              <a:t>cross_val_predict</a:t>
+            </a:r>
+            <a:r>
+              <a:rPr lang="he-IL" dirty="0"/>
+              <a:t>)</a:t>
+            </a:r>
+          </a:p>
+          <a:p>
+            <a:r>
+              <a:rPr lang="he-IL" dirty="0"/>
+              <a:t>כיוונן </a:t>
+            </a:r>
+            <a:r>
+              <a:rPr lang="en-US" dirty="0" err="1"/>
+              <a:t>hyperparmaaters</a:t>
+            </a:r>
+            <a:r>
+              <a:rPr lang="he-IL" dirty="0"/>
+              <a:t> ?</a:t>
+            </a:r>
+            <a:r>
+              <a:rPr lang="en-US" dirty="0"/>
+              <a:t> </a:t>
+            </a:r>
+            <a:r>
+              <a:rPr lang="he-IL" dirty="0"/>
+              <a:t>מתי עושים ? זה יכול להשפיע ב:</a:t>
             </a:r>
           </a:p>
           <a:p>
             <a:pPr lvl="1"/>
             <a:r>
-              <a:rPr lang="he-IL" dirty="0"/>
-              <a:t>יש טעם בבעיית </a:t>
-            </a:r>
-            <a:r>
-              <a:rPr lang="en-US" dirty="0"/>
-              <a:t>classification</a:t>
-            </a:r>
-            <a:r>
-              <a:rPr lang="he-IL" dirty="0"/>
-              <a:t> לבדוק עם אלג' שאינו </a:t>
-            </a:r>
-            <a:r>
-              <a:rPr lang="en-US" dirty="0"/>
-              <a:t>random forest</a:t>
-            </a:r>
-            <a:r>
-              <a:rPr lang="he-IL" dirty="0"/>
-              <a:t> ?</a:t>
-            </a:r>
-          </a:p>
-          <a:p>
-            <a:r>
-              <a:rPr lang="en-US" dirty="0"/>
-              <a:t>Embedded model</a:t>
-            </a:r>
-            <a:r>
-              <a:rPr lang="he-IL" dirty="0"/>
-              <a:t>:</a:t>
-            </a:r>
+              <a:rPr lang="en-US" dirty="0"/>
+              <a:t>Feature selection (wrapper/embedded)</a:t>
+            </a:r>
+            <a:endParaRPr lang="he-IL" dirty="0"/>
           </a:p>
           <a:p>
             <a:pPr lvl="1"/>
             <a:r>
-              <a:rPr lang="he-IL" dirty="0"/>
-              <a:t>אם אני לא משתמש בשיטה זו לאחר מכן האם עדיין לפצל ל </a:t>
-            </a:r>
-            <a:r>
-              <a:rPr lang="en-US" dirty="0"/>
-              <a:t>train and test</a:t>
-            </a:r>
-            <a:r>
-              <a:rPr lang="he-IL" dirty="0"/>
-              <a:t> ? (אם כן למה ?)</a:t>
-            </a:r>
-          </a:p>
-          <a:p>
-            <a:pPr lvl="1"/>
-            <a:r>
-              <a:rPr lang="he-IL" dirty="0"/>
-              <a:t>האם </a:t>
-            </a:r>
-            <a:r>
-              <a:rPr lang="en-US" dirty="0"/>
-              <a:t>Lasso</a:t>
-            </a:r>
-            <a:r>
-              <a:rPr lang="he-IL" dirty="0"/>
-              <a:t> מתאים בעיקר לבעיות </a:t>
-            </a:r>
-            <a:r>
-              <a:rPr lang="en-US" dirty="0" err="1"/>
-              <a:t>regresion</a:t>
-            </a:r>
-            <a:r>
-              <a:rPr lang="he-IL" dirty="0"/>
-              <a:t> או גם </a:t>
-            </a:r>
-            <a:r>
-              <a:rPr lang="en-US" dirty="0"/>
-              <a:t>classification</a:t>
-            </a:r>
-            <a:endParaRPr lang="he-IL" dirty="0"/>
-          </a:p>
-          <a:p>
-            <a:pPr lvl="1"/>
-            <a:r>
-              <a:rPr lang="he-IL" dirty="0"/>
-              <a:t>אם אני לא משתמש באותו אלג' לאחר מכן:</a:t>
-            </a:r>
-          </a:p>
-          <a:p>
-            <a:pPr lvl="2"/>
-            <a:r>
-              <a:rPr lang="he-IL" dirty="0"/>
-              <a:t>האם כדאי להשתמש בשיטה ? (נניח נעבוד טוב יותר ב </a:t>
-            </a:r>
-            <a:r>
-              <a:rPr lang="en-US" dirty="0"/>
-              <a:t>Deep Learning</a:t>
-            </a:r>
-            <a:r>
-              <a:rPr lang="he-IL" dirty="0"/>
-              <a:t>) ?</a:t>
-            </a:r>
-          </a:p>
-          <a:p>
-            <a:pPr lvl="2"/>
-            <a:r>
-              <a:rPr lang="he-IL" dirty="0"/>
-              <a:t>האם עדיין צריך לחלק ב </a:t>
-            </a:r>
-            <a:r>
-              <a:rPr lang="en-US" dirty="0"/>
-              <a:t>Cross</a:t>
-            </a:r>
-            <a:r>
-              <a:rPr lang="he-IL" dirty="0"/>
-              <a:t> את המידע ולבדוק עם </a:t>
-            </a:r>
-            <a:r>
-              <a:rPr lang="en-US" dirty="0"/>
-              <a:t>train</a:t>
-            </a:r>
-            <a:r>
-              <a:rPr lang="he-IL" dirty="0"/>
-              <a:t> ?</a:t>
-            </a:r>
-          </a:p>
-          <a:p>
-            <a:pPr lvl="1"/>
-            <a:r>
-              <a:rPr lang="he-IL" dirty="0"/>
-              <a:t>בשימוש ב </a:t>
-            </a:r>
-            <a:r>
-              <a:rPr lang="en-US" dirty="0"/>
-              <a:t>Random Forest</a:t>
-            </a:r>
-            <a:r>
-              <a:rPr lang="he-IL" dirty="0"/>
-              <a:t>, התוצאה הינה ה"חשיבות" של כל תוכנה:</a:t>
-            </a:r>
-          </a:p>
-          <a:p>
-            <a:pPr lvl="2"/>
-            <a:r>
-              <a:rPr lang="he-IL" dirty="0"/>
-              <a:t>בפועל אין הורדת תוכנות</a:t>
-            </a:r>
-          </a:p>
-          <a:p>
-            <a:pPr lvl="2"/>
-            <a:r>
-              <a:rPr lang="he-IL" dirty="0"/>
-              <a:t>מה ההבדל בין שיטה זו לבין ה </a:t>
-            </a:r>
-            <a:r>
-              <a:rPr lang="en-US" dirty="0"/>
-              <a:t>wrapper</a:t>
-            </a:r>
-            <a:r>
-              <a:rPr lang="he-IL" dirty="0"/>
-              <a:t> עם </a:t>
-            </a:r>
-            <a:r>
-              <a:rPr lang="en-US" dirty="0"/>
-              <a:t>Random Forest</a:t>
-            </a:r>
-            <a:endParaRPr lang="he-IL" dirty="0"/>
-          </a:p>
-          <a:p>
-            <a:r>
-              <a:rPr lang="he-IL" dirty="0"/>
-              <a:t>בכל השיטות (של </a:t>
-            </a:r>
-            <a:r>
-              <a:rPr lang="en-US" dirty="0"/>
-              <a:t> filter model</a:t>
-            </a:r>
-            <a:r>
-              <a:rPr lang="he-IL" dirty="0"/>
-              <a:t> יחד עם </a:t>
-            </a:r>
-            <a:r>
-              <a:rPr lang="en-US" dirty="0"/>
-              <a:t>random forest</a:t>
-            </a:r>
-            <a:r>
-              <a:rPr lang="he-IL" dirty="0"/>
-              <a:t> וזהו ?), נראה שיש מספר המגדיר את המספר המקסימאלי של תכונות לבחירה. למה ? זה צריך להיות לפי סינון אחר (נניח תוצאה / סף)</a:t>
-            </a:r>
-          </a:p>
-          <a:p>
-            <a:r>
-              <a:rPr lang="he-IL" dirty="0"/>
-              <a:t>לעבור שוב ולוודא האם </a:t>
-            </a:r>
-            <a:r>
               <a:rPr lang="he-IL"/>
-              <a:t>נכונה השאלה - מהבנתי </a:t>
-            </a:r>
-            <a:r>
-              <a:rPr lang="he-IL" dirty="0"/>
-              <a:t>מ </a:t>
-            </a:r>
-            <a:r>
-              <a:rPr lang="en-US" dirty="0" err="1"/>
-              <a:t>kfold</a:t>
-            </a:r>
-            <a:r>
-              <a:rPr lang="he-IL" dirty="0"/>
-              <a:t> לא ניתן לקבל את רשימת התכונות (אם יש התנגשות בין הרצות) אלא לקחת את התוצאה </a:t>
-            </a:r>
-            <a:r>
-              <a:rPr lang="en-US" dirty="0"/>
-              <a:t>(feature importance)</a:t>
-            </a:r>
-            <a:r>
-              <a:rPr lang="he-IL" dirty="0"/>
-              <a:t> ומשם לחלץ לפי סף </a:t>
-            </a:r>
-            <a:r>
-              <a:rPr lang="he-IL" dirty="0" err="1"/>
-              <a:t>מסויים</a:t>
-            </a:r>
-            <a:endParaRPr lang="he-IL" dirty="0"/>
-          </a:p>
-          <a:p>
-            <a:r>
-              <a:rPr lang="he-IL" dirty="0"/>
-              <a:t>נראה שאין טעם להשתמש ב </a:t>
-            </a:r>
-            <a:r>
-              <a:rPr lang="en-US" dirty="0"/>
-              <a:t>TREE</a:t>
-            </a:r>
-            <a:r>
-              <a:rPr lang="he-IL" dirty="0"/>
-              <a:t> לבד ?</a:t>
-            </a:r>
-          </a:p>
-          <a:p>
-            <a:r>
-              <a:rPr lang="he-IL" dirty="0"/>
-              <a:t>יש הרבה שיטות ממאמרים </a:t>
-            </a:r>
-            <a:r>
-              <a:rPr lang="en-US" dirty="0"/>
-              <a:t>IEEE</a:t>
-            </a:r>
-            <a:r>
-              <a:rPr lang="he-IL" dirty="0"/>
-              <a:t> שלא נמצאים ב </a:t>
-            </a:r>
-            <a:r>
-              <a:rPr lang="en-US" dirty="0" err="1"/>
-              <a:t>sklearn</a:t>
-            </a:r>
-            <a:r>
-              <a:rPr lang="he-IL" dirty="0"/>
-              <a:t>. אם אני מבין נכון בגלל שלא נמצא שם, אז אין טעם לבדוק ? אחרת היה </a:t>
-            </a:r>
-            <a:r>
-              <a:rPr lang="he-IL" dirty="0" err="1"/>
-              <a:t>פופלארי</a:t>
-            </a:r>
-            <a:r>
-              <a:rPr lang="he-IL" dirty="0"/>
-              <a:t> והיה נכנס ?</a:t>
-            </a:r>
-          </a:p>
-          <a:p>
-            <a:endParaRPr lang="he-IL" dirty="0"/>
-          </a:p>
-          <a:p>
-            <a:pPr marL="0" indent="0">
-              <a:buNone/>
-            </a:pPr>
-            <a:endParaRPr lang="he-IL" dirty="0"/>
-          </a:p>
-          <a:p>
+              <a:t>בחירת </a:t>
+            </a:r>
+            <a:r>
+              <a:rPr lang="en-US"/>
+              <a:t>model</a:t>
+            </a:r>
             <a:endParaRPr lang="he-IL" dirty="0"/>
           </a:p>
         </p:txBody>
@@ -5474,7 +5319,7 @@
     </p:spTree>
     <p:extLst>
       <p:ext uri="{BB962C8B-B14F-4D97-AF65-F5344CB8AC3E}">
-        <p14:creationId xmlns:p14="http://schemas.microsoft.com/office/powerpoint/2010/main" val="1328540295"/>
+        <p14:creationId xmlns:p14="http://schemas.microsoft.com/office/powerpoint/2010/main" val="3970493690"/>
       </p:ext>
     </p:extLst>
   </p:cSld>
@@ -5506,7 +5351,7 @@
           <p:cNvPr id="2" name="כותרת 1">
             <a:extLst>
               <a:ext uri="{FF2B5EF4-FFF2-40B4-BE49-F238E27FC236}">
-                <a16:creationId xmlns:a16="http://schemas.microsoft.com/office/drawing/2014/main" id="{B1B2B1AD-AED9-4FF9-8904-0852BE6EF758}"/>
+                <a16:creationId xmlns:a16="http://schemas.microsoft.com/office/drawing/2014/main" id="{E4E90D95-673A-44C8-8AF8-5E5B77603F0E}"/>
               </a:ext>
             </a:extLst>
           </p:cNvPr>
@@ -5524,7 +5369,7 @@
           <a:p>
             <a:r>
               <a:rPr lang="he-IL" dirty="0"/>
-              <a:t>שאלות - 2</a:t>
+              <a:t>שאלות - 3</a:t>
             </a:r>
           </a:p>
         </p:txBody>
@@ -5534,7 +5379,7 @@
           <p:cNvPr id="3" name="מציין מיקום תוכן 2">
             <a:extLst>
               <a:ext uri="{FF2B5EF4-FFF2-40B4-BE49-F238E27FC236}">
-                <a16:creationId xmlns:a16="http://schemas.microsoft.com/office/drawing/2014/main" id="{3CC9D416-2FD3-4EFA-8133-C371E668FCBB}"/>
+                <a16:creationId xmlns:a16="http://schemas.microsoft.com/office/drawing/2014/main" id="{F54A7483-4BFE-4463-B6DF-A252594BD2E4}"/>
               </a:ext>
             </a:extLst>
           </p:cNvPr>
@@ -5547,133 +5392,51 @@
         </p:nvSpPr>
         <p:spPr/>
         <p:txBody>
-          <a:bodyPr>
-            <a:normAutofit/>
-          </a:bodyPr>
-          <a:lstStyle/>
-          <a:p>
-            <a:r>
-              <a:rPr lang="he-IL" dirty="0" err="1"/>
-              <a:t>בבעית</a:t>
-            </a:r>
-            <a:r>
-              <a:rPr lang="he-IL" dirty="0"/>
-              <a:t> ה </a:t>
-            </a:r>
-            <a:r>
-              <a:rPr lang="en-US" dirty="0"/>
-              <a:t>NBA</a:t>
-            </a:r>
-            <a:r>
-              <a:rPr lang="he-IL" dirty="0"/>
-              <a:t>, נראה שה </a:t>
-            </a:r>
+          <a:bodyPr/>
+          <a:lstStyle/>
+          <a:p>
             <a:r>
               <a:rPr lang="en-US" dirty="0" err="1"/>
-              <a:t>cor</a:t>
-            </a:r>
-            <a:r>
-              <a:rPr lang="he-IL" dirty="0"/>
-              <a:t> עם ה </a:t>
-            </a:r>
-            <a:r>
-              <a:rPr lang="en-US" dirty="0"/>
-              <a:t>TARGET</a:t>
-            </a:r>
-            <a:r>
-              <a:rPr lang="he-IL" dirty="0"/>
-              <a:t> קטן מ 0.4</a:t>
-            </a:r>
-            <a:br>
-              <a:rPr lang="en-US" dirty="0"/>
-            </a:br>
-            <a:r>
-              <a:rPr lang="he-IL" dirty="0"/>
-              <a:t>אז בעצם הייתי מסנן את </a:t>
-            </a:r>
-            <a:r>
-              <a:rPr lang="he-IL" dirty="0" err="1"/>
-              <a:t>הכל</a:t>
-            </a:r>
-            <a:r>
-              <a:rPr lang="he-IL" dirty="0"/>
-              <a:t> ?</a:t>
-            </a:r>
-          </a:p>
-          <a:p>
-            <a:r>
-              <a:rPr lang="en-US" dirty="0"/>
-              <a:t>Lasso</a:t>
-            </a:r>
-            <a:r>
-              <a:rPr lang="he-IL" dirty="0"/>
-              <a:t> לא מתאים ל </a:t>
-            </a:r>
-            <a:r>
-              <a:rPr lang="en-US" dirty="0"/>
-              <a:t>classification</a:t>
-            </a:r>
-            <a:r>
-              <a:rPr lang="he-IL" dirty="0"/>
-              <a:t> ? (ראה </a:t>
-            </a:r>
-            <a:r>
-              <a:rPr lang="en-US" dirty="0" err="1"/>
-              <a:t>cross_val_predict</a:t>
-            </a:r>
-            <a:r>
-              <a:rPr lang="he-IL" dirty="0"/>
-              <a:t>)</a:t>
-            </a:r>
-          </a:p>
-          <a:p>
-            <a:r>
-              <a:rPr lang="he-IL" dirty="0"/>
-              <a:t>כיוונן </a:t>
-            </a:r>
-            <a:r>
-              <a:rPr lang="en-US" dirty="0" err="1"/>
-              <a:t>hyperparmaaters</a:t>
-            </a:r>
-            <a:r>
-              <a:rPr lang="he-IL" dirty="0"/>
-              <a:t> ?</a:t>
-            </a:r>
-            <a:r>
-              <a:rPr lang="en-US" dirty="0"/>
-              <a:t> </a:t>
-            </a:r>
-            <a:r>
-              <a:rPr lang="he-IL" dirty="0"/>
-              <a:t>מתי עושים ? זה יכול להשפיע ב:</a:t>
+              <a:t>Cross_validate</a:t>
+            </a:r>
+            <a:r>
+              <a:rPr lang="he-IL" dirty="0"/>
+              <a:t> ניתן לתת מספר </a:t>
+            </a:r>
+            <a:r>
+              <a:rPr lang="en-US" dirty="0"/>
+              <a:t>score</a:t>
+            </a:r>
+            <a:r>
+              <a:rPr lang="he-IL" dirty="0"/>
+              <a:t>ים שונים לבחינה</a:t>
             </a:r>
           </a:p>
           <a:p>
             <a:pPr lvl="1"/>
             <a:r>
-              <a:rPr lang="en-US" dirty="0"/>
-              <a:t>Feature selection (wrapper/embedded)</a:t>
-            </a:r>
-            <a:endParaRPr lang="he-IL" dirty="0"/>
-          </a:p>
-          <a:p>
-            <a:pPr lvl="1"/>
+              <a:rPr lang="he-IL" dirty="0"/>
+              <a:t>למה באמת משנה מדד ה </a:t>
+            </a:r>
+            <a:r>
+              <a:rPr lang="en-US" dirty="0"/>
+              <a:t>score</a:t>
+            </a:r>
+            <a:r>
+              <a:rPr lang="he-IL" dirty="0"/>
+              <a:t> ? כמה זה </a:t>
+            </a:r>
             <a:r>
               <a:rPr lang="he-IL"/>
-              <a:t>בחירת </a:t>
-            </a:r>
-            <a:r>
-              <a:rPr lang="en-US"/>
-              <a:t>model</a:t>
-            </a:r>
-            <a:endParaRPr lang="he-IL" dirty="0"/>
+              <a:t>יכול להשפיע ?</a:t>
+            </a:r>
           </a:p>
         </p:txBody>
       </p:sp>
     </p:spTree>
     <p:extLst>
       <p:ext uri="{BB962C8B-B14F-4D97-AF65-F5344CB8AC3E}">
-        <p14:creationId xmlns:p14="http://schemas.microsoft.com/office/powerpoint/2010/main" val="3970493690"/>
+        <p14:creationId xmlns:p14="http://schemas.microsoft.com/office/powerpoint/2010/main" val="642474511"/>
       </p:ext>
     </p:extLst>
   </p:cSld>
@@ -5705,7 +5468,7 @@
           <p:cNvPr id="2" name="כותרת 1">
             <a:extLst>
               <a:ext uri="{FF2B5EF4-FFF2-40B4-BE49-F238E27FC236}">
-                <a16:creationId xmlns:a16="http://schemas.microsoft.com/office/drawing/2014/main" id="{E4E90D95-673A-44C8-8AF8-5E5B77603F0E}"/>
+                <a16:creationId xmlns:a16="http://schemas.microsoft.com/office/drawing/2014/main" id="{B6D04E84-D70E-4F19-962B-30D48FBC491D}"/>
               </a:ext>
             </a:extLst>
           </p:cNvPr>
@@ -5723,7 +5486,15 @@
           <a:p>
             <a:r>
               <a:rPr lang="he-IL" dirty="0"/>
-              <a:t>שאלות - 3</a:t>
+              <a:t>תובנות </a:t>
+            </a:r>
+            <a:r>
+              <a:rPr lang="en-US" dirty="0" err="1"/>
+              <a:t>sklearn</a:t>
+            </a:r>
+            <a:r>
+              <a:rPr lang="he-IL" dirty="0"/>
+              <a:t>	</a:t>
             </a:r>
           </a:p>
         </p:txBody>
@@ -5733,7 +5504,7 @@
           <p:cNvPr id="3" name="מציין מיקום תוכן 2">
             <a:extLst>
               <a:ext uri="{FF2B5EF4-FFF2-40B4-BE49-F238E27FC236}">
-                <a16:creationId xmlns:a16="http://schemas.microsoft.com/office/drawing/2014/main" id="{F54A7483-4BFE-4463-B6DF-A252594BD2E4}"/>
+                <a16:creationId xmlns:a16="http://schemas.microsoft.com/office/drawing/2014/main" id="{C132CF0B-24E0-4C0D-85E7-8DF7FAE63F98}"/>
               </a:ext>
             </a:extLst>
           </p:cNvPr>
@@ -5750,39 +5521,155 @@
           <a:lstStyle/>
           <a:p>
             <a:r>
+              <a:rPr lang="he-IL" dirty="0"/>
+              <a:t>לדעתי לא כדאי להשתמש ב </a:t>
+            </a:r>
+            <a:r>
+              <a:rPr lang="en-US" dirty="0"/>
+              <a:t>filter model</a:t>
+            </a:r>
+            <a:r>
+              <a:rPr lang="he-IL" dirty="0"/>
+              <a:t>:</a:t>
+            </a:r>
+          </a:p>
+          <a:p>
+            <a:pPr lvl="1"/>
+            <a:r>
               <a:rPr lang="en-US" dirty="0" err="1"/>
-              <a:t>Cross_validate</a:t>
-            </a:r>
-            <a:r>
-              <a:rPr lang="he-IL" dirty="0"/>
-              <a:t> ניתן לתת מספר </a:t>
-            </a:r>
-            <a:r>
-              <a:rPr lang="en-US" dirty="0"/>
-              <a:t>score</a:t>
-            </a:r>
-            <a:r>
-              <a:rPr lang="he-IL" dirty="0"/>
-              <a:t>ים שונים לבחינה</a:t>
-            </a:r>
+              <a:t>SelectKBest</a:t>
+            </a:r>
+            <a:r>
+              <a:rPr lang="he-IL" dirty="0"/>
+              <a:t> (אשר מקבל את סוג ה </a:t>
+            </a:r>
+            <a:r>
+              <a:rPr lang="en-US" dirty="0" err="1"/>
+              <a:t>filtter</a:t>
+            </a:r>
+            <a:r>
+              <a:rPr lang="en-US" dirty="0"/>
+              <a:t>: </a:t>
+            </a:r>
+            <a:r>
+              <a:rPr lang="en-US" dirty="0" err="1"/>
+              <a:t>correation</a:t>
+            </a:r>
+            <a:r>
+              <a:rPr lang="en-US" dirty="0"/>
+              <a:t>/MI</a:t>
+            </a:r>
+            <a:r>
+              <a:rPr lang="he-IL" dirty="0"/>
+              <a:t> וכד') מקבל גם את מספר ה </a:t>
+            </a:r>
+            <a:r>
+              <a:rPr lang="en-US" dirty="0"/>
+              <a:t>feature</a:t>
+            </a:r>
+            <a:r>
+              <a:rPr lang="he-IL" dirty="0"/>
+              <a:t>ים שעליו להחזיר.</a:t>
+            </a:r>
+          </a:p>
+          <a:p>
+            <a:r>
+              <a:rPr lang="he-IL" dirty="0"/>
+              <a:t>עבור </a:t>
+            </a:r>
+            <a:r>
+              <a:rPr lang="en-US" dirty="0"/>
+              <a:t>filter model</a:t>
+            </a:r>
+            <a:r>
+              <a:rPr lang="he-IL" dirty="0"/>
+              <a:t> לא רואה טעם לבדוק אופציות שונות: </a:t>
+            </a:r>
+            <a:r>
+              <a:rPr lang="en-US" dirty="0" err="1"/>
+              <a:t>corr</a:t>
+            </a:r>
+            <a:r>
+              <a:rPr lang="en-US" dirty="0"/>
+              <a:t>/MI</a:t>
+            </a:r>
+            <a:r>
+              <a:rPr lang="he-IL" dirty="0"/>
+              <a:t> וכד’</a:t>
+            </a:r>
+          </a:p>
+          <a:p>
+            <a:r>
+              <a:rPr lang="en-US" dirty="0"/>
+              <a:t>Wrapper model</a:t>
+            </a:r>
+            <a:endParaRPr lang="he-IL" dirty="0"/>
           </a:p>
           <a:p>
             <a:pPr lvl="1"/>
             <a:r>
               <a:rPr lang="he-IL" dirty="0"/>
-              <a:t>למה באמת משנה מדד ה </a:t>
-            </a:r>
-            <a:r>
-              <a:rPr lang="en-US" dirty="0"/>
-              <a:t>score</a:t>
-            </a:r>
-            <a:r>
-              <a:rPr lang="he-IL" dirty="0"/>
-              <a:t> ? כמה זה </a:t>
-            </a:r>
-            <a:r>
-              <a:rPr lang="he-IL"/>
-              <a:t>יכול להשפיע ?</a:t>
+              <a:t>אין תמיכה ב </a:t>
+            </a:r>
+            <a:r>
+              <a:rPr lang="en-US" dirty="0"/>
+              <a:t>stepwise regression</a:t>
+            </a:r>
+            <a:r>
+              <a:rPr lang="he-IL" dirty="0"/>
+              <a:t> (כי מבוסס </a:t>
+            </a:r>
+            <a:r>
+              <a:rPr lang="en-US" dirty="0"/>
+              <a:t>p-value</a:t>
+            </a:r>
+            <a:r>
+              <a:rPr lang="he-IL" dirty="0"/>
+              <a:t> שנתמך רק ב </a:t>
+            </a:r>
+            <a:r>
+              <a:rPr lang="en-US" dirty="0"/>
+              <a:t>linear regression</a:t>
+            </a:r>
+            <a:r>
+              <a:rPr lang="he-IL" dirty="0"/>
+              <a:t>)</a:t>
+            </a:r>
+          </a:p>
+          <a:p>
+            <a:r>
+              <a:rPr lang="he-IL" dirty="0"/>
+              <a:t>ניתן להריץ עם </a:t>
+            </a:r>
+            <a:r>
+              <a:rPr lang="en-US" dirty="0" err="1"/>
+              <a:t>n_jobs</a:t>
+            </a:r>
+            <a:r>
+              <a:rPr lang="en-US" dirty="0"/>
+              <a:t>=-1</a:t>
+            </a:r>
+            <a:r>
+              <a:rPr lang="he-IL" dirty="0"/>
+              <a:t> ולנצל מספר ליבות (ב </a:t>
+            </a:r>
+            <a:r>
+              <a:rPr lang="en-US" dirty="0" err="1"/>
+              <a:t>kfold</a:t>
+            </a:r>
+            <a:r>
+              <a:rPr lang="he-IL" dirty="0"/>
+              <a:t>)</a:t>
+            </a:r>
+          </a:p>
+          <a:p>
+            <a:r>
+              <a:rPr lang="en-US" dirty="0" err="1"/>
+              <a:t>SelectFromModel</a:t>
+            </a:r>
+            <a:r>
+              <a:rPr lang="he-IL" dirty="0"/>
+              <a:t> – בחירת תכונות לפי המשקלים שלהם</a:t>
             </a:r>
           </a:p>
         </p:txBody>
@@ -5790,7 +5677,7 @@
     </p:spTree>
     <p:extLst>
       <p:ext uri="{BB962C8B-B14F-4D97-AF65-F5344CB8AC3E}">
-        <p14:creationId xmlns:p14="http://schemas.microsoft.com/office/powerpoint/2010/main" val="642474511"/>
+        <p14:creationId xmlns:p14="http://schemas.microsoft.com/office/powerpoint/2010/main" val="3385842206"/>
       </p:ext>
     </p:extLst>
   </p:cSld>
@@ -5967,7 +5854,7 @@
           <p:cNvPr id="2" name="כותרת 1">
             <a:extLst>
               <a:ext uri="{FF2B5EF4-FFF2-40B4-BE49-F238E27FC236}">
-                <a16:creationId xmlns:a16="http://schemas.microsoft.com/office/drawing/2014/main" id="{B6D04E84-D70E-4F19-962B-30D48FBC491D}"/>
+                <a16:creationId xmlns:a16="http://schemas.microsoft.com/office/drawing/2014/main" id="{90005FD2-086E-40DF-822B-68D7E362F02F}"/>
               </a:ext>
             </a:extLst>
           </p:cNvPr>
@@ -5983,18 +5870,11 @@
           <a:bodyPr/>
           <a:lstStyle/>
           <a:p>
-            <a:r>
-              <a:rPr lang="he-IL" dirty="0"/>
-              <a:t>תובנות </a:t>
-            </a:r>
             <a:r>
               <a:rPr lang="en-US" dirty="0" err="1"/>
               <a:t>sklearn</a:t>
             </a:r>
-            <a:r>
-              <a:rPr lang="he-IL" dirty="0"/>
-              <a:t>	</a:t>
-            </a:r>
+            <a:endParaRPr lang="he-IL" dirty="0"/>
           </a:p>
         </p:txBody>
       </p:sp>
@@ -6003,7 +5883,7 @@
           <p:cNvPr id="3" name="מציין מיקום תוכן 2">
             <a:extLst>
               <a:ext uri="{FF2B5EF4-FFF2-40B4-BE49-F238E27FC236}">
-                <a16:creationId xmlns:a16="http://schemas.microsoft.com/office/drawing/2014/main" id="{C132CF0B-24E0-4C0D-85E7-8DF7FAE63F98}"/>
+                <a16:creationId xmlns:a16="http://schemas.microsoft.com/office/drawing/2014/main" id="{BCE417BC-5B65-43A3-94AD-916C61D70A9B}"/>
               </a:ext>
             </a:extLst>
           </p:cNvPr>
@@ -6020,155 +5900,127 @@
           <a:lstStyle/>
           <a:p>
             <a:r>
-              <a:rPr lang="he-IL" dirty="0"/>
-              <a:t>לדעתי לא כדאי להשתמש ב </a:t>
-            </a:r>
-            <a:r>
-              <a:rPr lang="en-US" dirty="0"/>
-              <a:t>filter model</a:t>
-            </a:r>
-            <a:r>
-              <a:rPr lang="he-IL" dirty="0"/>
-              <a:t>:</a:t>
+              <a:rPr lang="en-US" dirty="0"/>
+              <a:t>Fit()</a:t>
+            </a:r>
+            <a:r>
+              <a:rPr lang="he-IL" dirty="0"/>
+              <a:t> </a:t>
             </a:r>
           </a:p>
           <a:p>
             <a:pPr lvl="1"/>
             <a:r>
+              <a:rPr lang="he-IL" dirty="0"/>
+              <a:t>הכנת חישובים לקראת ביצוע.</a:t>
+            </a:r>
+          </a:p>
+          <a:p>
+            <a:pPr lvl="1"/>
+            <a:r>
+              <a:rPr lang="he-IL" dirty="0"/>
+              <a:t>לדוגמא: חישוב </a:t>
+            </a:r>
+            <a:r>
+              <a:rPr lang="en-US" dirty="0"/>
+              <a:t>Mean</a:t>
+            </a:r>
+            <a:r>
+              <a:rPr lang="he-IL" dirty="0"/>
+              <a:t> עבור שימוש מאוחר יותר להחלפת </a:t>
+            </a:r>
+            <a:r>
+              <a:rPr lang="en-US" dirty="0"/>
+              <a:t>NULL</a:t>
+            </a:r>
+          </a:p>
+          <a:p>
+            <a:pPr lvl="1"/>
+            <a:r>
+              <a:rPr lang="he-IL" dirty="0"/>
+              <a:t>דוגמא נוספת: אימון ה </a:t>
+            </a:r>
+            <a:r>
+              <a:rPr lang="en-US" dirty="0"/>
+              <a:t>test data</a:t>
+            </a:r>
+            <a:endParaRPr lang="he-IL" dirty="0"/>
+          </a:p>
+          <a:p>
+            <a:r>
+              <a:rPr lang="en-US" dirty="0"/>
+              <a:t>Transform()</a:t>
+            </a:r>
+            <a:r>
+              <a:rPr lang="he-IL" dirty="0"/>
+              <a:t> </a:t>
+            </a:r>
+          </a:p>
+          <a:p>
+            <a:pPr lvl="1"/>
+            <a:r>
+              <a:rPr lang="he-IL" dirty="0"/>
+              <a:t> ביצוע בפועל של פעולה, שהכנו קודם. </a:t>
+            </a:r>
+          </a:p>
+          <a:p>
+            <a:pPr lvl="1"/>
+            <a:r>
+              <a:rPr lang="he-IL" dirty="0"/>
+              <a:t>לדוגמא: החלפת כל ה </a:t>
+            </a:r>
+            <a:r>
+              <a:rPr lang="en-US" dirty="0"/>
+              <a:t>NULL</a:t>
+            </a:r>
+            <a:r>
+              <a:rPr lang="he-IL" dirty="0"/>
+              <a:t>ים ע"י ערך ה </a:t>
+            </a:r>
+            <a:r>
+              <a:rPr lang="en-US" dirty="0"/>
+              <a:t>mean</a:t>
+            </a:r>
+            <a:r>
+              <a:rPr lang="he-IL" dirty="0"/>
+              <a:t> שחושב ב </a:t>
+            </a:r>
+            <a:r>
+              <a:rPr lang="en-US" dirty="0"/>
+              <a:t>FIT()</a:t>
+            </a:r>
+            <a:endParaRPr lang="he-IL" dirty="0"/>
+          </a:p>
+          <a:p>
+            <a:pPr lvl="1"/>
+            <a:r>
+              <a:rPr lang="he-IL" dirty="0"/>
+              <a:t>ערך חזרה: ערכים מעודכנים </a:t>
+            </a:r>
+          </a:p>
+          <a:p>
+            <a:r>
+              <a:rPr lang="he-IL" dirty="0"/>
+              <a:t> </a:t>
+            </a:r>
+            <a:r>
               <a:rPr lang="en-US" dirty="0" err="1"/>
-              <a:t>SelectKBest</a:t>
-            </a:r>
-            <a:r>
-              <a:rPr lang="he-IL" dirty="0"/>
-              <a:t> (אשר מקבל את סוג ה </a:t>
-            </a:r>
-            <a:r>
-              <a:rPr lang="en-US" dirty="0" err="1"/>
-              <a:t>filtter</a:t>
-            </a:r>
-            <a:r>
-              <a:rPr lang="en-US" dirty="0"/>
-              <a:t>: </a:t>
-            </a:r>
-            <a:r>
-              <a:rPr lang="en-US" dirty="0" err="1"/>
-              <a:t>correation</a:t>
-            </a:r>
-            <a:r>
-              <a:rPr lang="en-US" dirty="0"/>
-              <a:t>/MI</a:t>
-            </a:r>
-            <a:r>
-              <a:rPr lang="he-IL" dirty="0"/>
-              <a:t> וכד') מקבל גם את מספר ה </a:t>
-            </a:r>
-            <a:r>
-              <a:rPr lang="en-US" dirty="0"/>
-              <a:t>feature</a:t>
-            </a:r>
-            <a:r>
-              <a:rPr lang="he-IL" dirty="0"/>
-              <a:t>ים שעליו להחזיר.</a:t>
-            </a:r>
-          </a:p>
-          <a:p>
-            <a:r>
-              <a:rPr lang="he-IL" dirty="0"/>
-              <a:t>עבור </a:t>
-            </a:r>
-            <a:r>
-              <a:rPr lang="en-US" dirty="0"/>
-              <a:t>filter model</a:t>
-            </a:r>
-            <a:r>
-              <a:rPr lang="he-IL" dirty="0"/>
-              <a:t> לא רואה טעם לבדוק אופציות שונות: </a:t>
-            </a:r>
-            <a:r>
-              <a:rPr lang="en-US" dirty="0" err="1"/>
-              <a:t>corr</a:t>
-            </a:r>
-            <a:r>
-              <a:rPr lang="en-US" dirty="0"/>
-              <a:t>/MI</a:t>
-            </a:r>
-            <a:r>
-              <a:rPr lang="he-IL" dirty="0"/>
-              <a:t> וכד’</a:t>
-            </a:r>
-          </a:p>
-          <a:p>
-            <a:r>
-              <a:rPr lang="en-US" dirty="0"/>
-              <a:t>Wrapper model</a:t>
-            </a:r>
-            <a:endParaRPr lang="he-IL" dirty="0"/>
+              <a:t>fit_transform</a:t>
+            </a:r>
+            <a:r>
+              <a:rPr lang="en-US" dirty="0"/>
+              <a:t>()</a:t>
+            </a:r>
+            <a:r>
+              <a:rPr lang="he-IL" dirty="0"/>
+              <a:t> </a:t>
+            </a:r>
           </a:p>
           <a:p>
             <a:pPr lvl="1"/>
             <a:r>
               <a:rPr lang="he-IL" dirty="0"/>
-              <a:t>אין תמיכה ב </a:t>
-            </a:r>
-            <a:r>
-              <a:rPr lang="en-US" dirty="0"/>
-              <a:t>stepwise regression</a:t>
-            </a:r>
-            <a:r>
-              <a:rPr lang="he-IL" dirty="0"/>
-              <a:t> (כי מבוסס </a:t>
-            </a:r>
-            <a:r>
-              <a:rPr lang="en-US" dirty="0"/>
-              <a:t>p-value</a:t>
-            </a:r>
-            <a:r>
-              <a:rPr lang="he-IL" dirty="0"/>
-              <a:t> שנתמך רק ב </a:t>
-            </a:r>
-            <a:r>
-              <a:rPr lang="en-US" dirty="0"/>
-              <a:t>linear regression</a:t>
-            </a:r>
-            <a:r>
-              <a:rPr lang="he-IL" dirty="0"/>
-              <a:t>)</a:t>
-            </a:r>
-          </a:p>
-          <a:p>
-            <a:r>
-              <a:rPr lang="he-IL" dirty="0"/>
-              <a:t>ניתן להריץ עם </a:t>
-            </a:r>
-            <a:r>
-              <a:rPr lang="en-US" dirty="0" err="1"/>
-              <a:t>n_jobs</a:t>
-            </a:r>
-            <a:r>
-              <a:rPr lang="en-US" dirty="0"/>
-              <a:t>=-1</a:t>
-            </a:r>
-            <a:r>
-              <a:rPr lang="he-IL" dirty="0"/>
-              <a:t> ולנצל מספר ליבות (ב </a:t>
-            </a:r>
-            <a:r>
-              <a:rPr lang="en-US" dirty="0" err="1"/>
-              <a:t>kfold</a:t>
-            </a:r>
-            <a:r>
-              <a:rPr lang="he-IL" dirty="0"/>
-              <a:t>)</a:t>
-            </a:r>
-          </a:p>
-          <a:p>
-            <a:r>
-              <a:rPr lang="en-US" dirty="0" err="1"/>
-              <a:t>SelectFromModel</a:t>
-            </a:r>
-            <a:r>
-              <a:rPr lang="he-IL" dirty="0"/>
-              <a:t> – בחירת תכונות לפי המשקלים שלהם</a:t>
+              <a:t>ביצוע שתי הפעולות ביחד</a:t>
             </a:r>
           </a:p>
         </p:txBody>
@@ -6176,7 +6028,7 @@
     </p:spTree>
     <p:extLst>
       <p:ext uri="{BB962C8B-B14F-4D97-AF65-F5344CB8AC3E}">
-        <p14:creationId xmlns:p14="http://schemas.microsoft.com/office/powerpoint/2010/main" val="3385842206"/>
+        <p14:creationId xmlns:p14="http://schemas.microsoft.com/office/powerpoint/2010/main" val="2753006789"/>
       </p:ext>
     </p:extLst>
   </p:cSld>
@@ -6208,7 +6060,7 @@
           <p:cNvPr id="2" name="כותרת 1">
             <a:extLst>
               <a:ext uri="{FF2B5EF4-FFF2-40B4-BE49-F238E27FC236}">
-                <a16:creationId xmlns:a16="http://schemas.microsoft.com/office/drawing/2014/main" id="{90005FD2-086E-40DF-822B-68D7E362F02F}"/>
+                <a16:creationId xmlns:a16="http://schemas.microsoft.com/office/drawing/2014/main" id="{8D87E672-D08D-4C17-BD34-3A0DFD930507}"/>
               </a:ext>
             </a:extLst>
           </p:cNvPr>
@@ -6224,157 +6076,114 @@
           <a:bodyPr/>
           <a:lstStyle/>
           <a:p>
+            <a:r>
+              <a:rPr lang="he-IL" dirty="0"/>
+              <a:t>טיפול במידע חסר (</a:t>
+            </a:r>
+            <a:r>
+              <a:rPr lang="en-US" dirty="0"/>
+              <a:t>nan</a:t>
+            </a:r>
+            <a:r>
+              <a:rPr lang="he-IL" dirty="0"/>
+              <a:t>)</a:t>
+            </a:r>
+          </a:p>
+        </p:txBody>
+      </p:sp>
+      <p:sp>
+        <p:nvSpPr>
+          <p:cNvPr id="3" name="מציין מיקום תוכן 2">
+            <a:extLst>
+              <a:ext uri="{FF2B5EF4-FFF2-40B4-BE49-F238E27FC236}">
+                <a16:creationId xmlns:a16="http://schemas.microsoft.com/office/drawing/2014/main" id="{87A09342-6A53-426E-A210-7E2DED349B11}"/>
+              </a:ext>
+            </a:extLst>
+          </p:cNvPr>
+          <p:cNvSpPr>
+            <a:spLocks noGrp="1"/>
+          </p:cNvSpPr>
+          <p:nvPr>
+            <p:ph idx="1"/>
+          </p:nvPr>
+        </p:nvSpPr>
+        <p:spPr/>
+        <p:txBody>
+          <a:bodyPr/>
+          <a:lstStyle/>
+          <a:p>
+            <a:r>
+              <a:rPr lang="he-IL" dirty="0"/>
+              <a:t>מספר גישות:</a:t>
+            </a:r>
+          </a:p>
+          <a:p>
+            <a:pPr lvl="1"/>
+            <a:r>
+              <a:rPr lang="he-IL" dirty="0"/>
+              <a:t>מחיקת שורה</a:t>
+            </a:r>
+          </a:p>
+          <a:p>
+            <a:pPr lvl="1"/>
+            <a:r>
+              <a:rPr lang="he-IL" dirty="0"/>
+              <a:t>החלפה ב </a:t>
+            </a:r>
+            <a:r>
+              <a:rPr lang="en-US" dirty="0"/>
+              <a:t>mean</a:t>
+            </a:r>
+            <a:endParaRPr lang="he-IL" dirty="0"/>
+          </a:p>
+          <a:p>
+            <a:pPr lvl="1"/>
+            <a:r>
+              <a:rPr lang="he-IL" dirty="0"/>
+              <a:t>החלפה ב </a:t>
+            </a:r>
+            <a:r>
+              <a:rPr lang="en-US" dirty="0"/>
+              <a:t>median</a:t>
+            </a:r>
+            <a:endParaRPr lang="he-IL" dirty="0"/>
+          </a:p>
+          <a:p>
+            <a:pPr lvl="1"/>
+            <a:r>
+              <a:rPr lang="he-IL" dirty="0"/>
+              <a:t>החלפה ב </a:t>
+            </a:r>
+            <a:r>
+              <a:rPr lang="en-US" dirty="0"/>
+              <a:t>most frequent</a:t>
+            </a:r>
+            <a:endParaRPr lang="he-IL" dirty="0"/>
+          </a:p>
+          <a:p>
+            <a:r>
+              <a:rPr lang="he-IL" dirty="0"/>
+              <a:t>ב </a:t>
+            </a:r>
             <a:r>
               <a:rPr lang="en-US" dirty="0" err="1"/>
               <a:t>sklearn</a:t>
             </a:r>
-            <a:endParaRPr lang="he-IL" dirty="0"/>
-          </a:p>
-        </p:txBody>
-      </p:sp>
-      <p:sp>
-        <p:nvSpPr>
-          <p:cNvPr id="3" name="מציין מיקום תוכן 2">
-            <a:extLst>
-              <a:ext uri="{FF2B5EF4-FFF2-40B4-BE49-F238E27FC236}">
-                <a16:creationId xmlns:a16="http://schemas.microsoft.com/office/drawing/2014/main" id="{BCE417BC-5B65-43A3-94AD-916C61D70A9B}"/>
-              </a:ext>
-            </a:extLst>
-          </p:cNvPr>
-          <p:cNvSpPr>
-            <a:spLocks noGrp="1"/>
-          </p:cNvSpPr>
-          <p:nvPr>
-            <p:ph idx="1"/>
-          </p:nvPr>
-        </p:nvSpPr>
-        <p:spPr/>
-        <p:txBody>
-          <a:bodyPr/>
-          <a:lstStyle/>
-          <a:p>
-            <a:r>
-              <a:rPr lang="en-US" dirty="0"/>
-              <a:t>Fit()</a:t>
-            </a:r>
-            <a:r>
-              <a:rPr lang="he-IL" dirty="0"/>
-              <a:t> </a:t>
-            </a:r>
-          </a:p>
-          <a:p>
-            <a:pPr lvl="1"/>
-            <a:r>
-              <a:rPr lang="he-IL" dirty="0"/>
-              <a:t>הכנת חישובים לקראת ביצוע.</a:t>
-            </a:r>
-          </a:p>
-          <a:p>
-            <a:pPr lvl="1"/>
-            <a:r>
-              <a:rPr lang="he-IL" dirty="0"/>
-              <a:t>לדוגמא: חישוב </a:t>
-            </a:r>
-            <a:r>
-              <a:rPr lang="en-US" dirty="0"/>
-              <a:t>Mean</a:t>
-            </a:r>
-            <a:r>
-              <a:rPr lang="he-IL" dirty="0"/>
-              <a:t> עבור שימוש מאוחר יותר להחלפת </a:t>
-            </a:r>
-            <a:r>
-              <a:rPr lang="en-US" dirty="0"/>
-              <a:t>NULL</a:t>
-            </a:r>
-          </a:p>
-          <a:p>
-            <a:pPr lvl="1"/>
-            <a:r>
-              <a:rPr lang="he-IL" dirty="0"/>
-              <a:t>דוגמא נוספת: אימון ה </a:t>
-            </a:r>
-            <a:r>
-              <a:rPr lang="en-US" dirty="0"/>
-              <a:t>test data</a:t>
-            </a:r>
-            <a:endParaRPr lang="he-IL" dirty="0"/>
-          </a:p>
-          <a:p>
-            <a:r>
-              <a:rPr lang="en-US" dirty="0"/>
-              <a:t>Transform()</a:t>
-            </a:r>
-            <a:r>
-              <a:rPr lang="he-IL" dirty="0"/>
-              <a:t> </a:t>
-            </a:r>
-          </a:p>
-          <a:p>
-            <a:pPr lvl="1"/>
-            <a:r>
-              <a:rPr lang="he-IL" dirty="0"/>
-              <a:t> ביצוע בפועל של פעולה, שהכנו קודם. </a:t>
-            </a:r>
-          </a:p>
-          <a:p>
-            <a:pPr lvl="1"/>
-            <a:r>
-              <a:rPr lang="he-IL" dirty="0"/>
-              <a:t>לדוגמא: החלפת כל ה </a:t>
-            </a:r>
-            <a:r>
-              <a:rPr lang="en-US" dirty="0"/>
-              <a:t>NULL</a:t>
-            </a:r>
-            <a:r>
-              <a:rPr lang="he-IL" dirty="0"/>
-              <a:t>ים ע"י ערך ה </a:t>
-            </a:r>
-            <a:r>
-              <a:rPr lang="en-US" dirty="0"/>
-              <a:t>mean</a:t>
-            </a:r>
-            <a:r>
-              <a:rPr lang="he-IL" dirty="0"/>
-              <a:t> שחושב ב </a:t>
-            </a:r>
-            <a:r>
-              <a:rPr lang="en-US" dirty="0"/>
-              <a:t>FIT()</a:t>
-            </a:r>
-            <a:endParaRPr lang="he-IL" dirty="0"/>
-          </a:p>
-          <a:p>
-            <a:pPr lvl="1"/>
-            <a:r>
-              <a:rPr lang="he-IL" dirty="0"/>
-              <a:t>ערך חזרה: ערכים מעודכנים </a:t>
-            </a:r>
-          </a:p>
-          <a:p>
-            <a:r>
-              <a:rPr lang="he-IL" dirty="0"/>
-              <a:t> </a:t>
-            </a:r>
-            <a:r>
-              <a:rPr lang="en-US" dirty="0" err="1"/>
-              <a:t>fit_transform</a:t>
-            </a:r>
-            <a:r>
-              <a:rPr lang="en-US" dirty="0"/>
-              <a:t>()</a:t>
-            </a:r>
-            <a:r>
-              <a:rPr lang="he-IL" dirty="0"/>
-              <a:t> </a:t>
-            </a:r>
-          </a:p>
-          <a:p>
-            <a:pPr lvl="1"/>
-            <a:r>
-              <a:rPr lang="he-IL" dirty="0"/>
-              <a:t>ביצוע שתי הפעולות ביחד</a:t>
+            <a:r>
+              <a:rPr lang="he-IL" dirty="0"/>
+              <a:t> יש </a:t>
+            </a:r>
+            <a:r>
+              <a:rPr lang="he-IL"/>
+              <a:t>את הפקודה: </a:t>
+            </a:r>
+            <a:r>
+              <a:rPr lang="en-US"/>
+              <a:t>Imputer</a:t>
+            </a:r>
+            <a:r>
+              <a:rPr lang="he-IL" dirty="0"/>
+              <a:t> ("מכשיר את המידע")</a:t>
             </a:r>
           </a:p>
         </p:txBody>
@@ -6382,7 +6191,7 @@
     </p:spTree>
     <p:extLst>
       <p:ext uri="{BB962C8B-B14F-4D97-AF65-F5344CB8AC3E}">
-        <p14:creationId xmlns:p14="http://schemas.microsoft.com/office/powerpoint/2010/main" val="2753006789"/>
+        <p14:creationId xmlns:p14="http://schemas.microsoft.com/office/powerpoint/2010/main" val="562271283"/>
       </p:ext>
     </p:extLst>
   </p:cSld>
@@ -6414,7 +6223,7 @@
           <p:cNvPr id="2" name="כותרת 1">
             <a:extLst>
               <a:ext uri="{FF2B5EF4-FFF2-40B4-BE49-F238E27FC236}">
-                <a16:creationId xmlns:a16="http://schemas.microsoft.com/office/drawing/2014/main" id="{8D87E672-D08D-4C17-BD34-3A0DFD930507}"/>
+                <a16:creationId xmlns:a16="http://schemas.microsoft.com/office/drawing/2014/main" id="{7DB4387E-7549-4A32-B35D-BC39BE67DCE6}"/>
               </a:ext>
             </a:extLst>
           </p:cNvPr>
@@ -6432,15 +6241,7 @@
           <a:p>
             <a:r>
               <a:rPr lang="he-IL" dirty="0"/>
-              <a:t>טיפול במידע חסר (</a:t>
-            </a:r>
-            <a:r>
-              <a:rPr lang="en-US" dirty="0"/>
-              <a:t>nan</a:t>
-            </a:r>
-            <a:r>
-              <a:rPr lang="he-IL" dirty="0"/>
-              <a:t>)</a:t>
+              <a:t>מושגים - 1</a:t>
             </a:r>
           </a:p>
         </p:txBody>
@@ -6450,7 +6251,7 @@
           <p:cNvPr id="3" name="מציין מיקום תוכן 2">
             <a:extLst>
               <a:ext uri="{FF2B5EF4-FFF2-40B4-BE49-F238E27FC236}">
-                <a16:creationId xmlns:a16="http://schemas.microsoft.com/office/drawing/2014/main" id="{87A09342-6A53-426E-A210-7E2DED349B11}"/>
+                <a16:creationId xmlns:a16="http://schemas.microsoft.com/office/drawing/2014/main" id="{43158B5B-5058-4654-BE9F-0F41E4989A9B}"/>
               </a:ext>
             </a:extLst>
           </p:cNvPr>
@@ -6463,81 +6264,156 @@
         </p:nvSpPr>
         <p:spPr/>
         <p:txBody>
-          <a:bodyPr/>
-          <a:lstStyle/>
-          <a:p>
-            <a:r>
-              <a:rPr lang="he-IL" dirty="0"/>
-              <a:t>מספר גישות:</a:t>
-            </a:r>
+          <a:bodyPr>
+            <a:normAutofit fontScale="85000" lnSpcReduction="20000"/>
+          </a:bodyPr>
+          <a:lstStyle/>
+          <a:p>
+            <a:r>
+              <a:rPr lang="en-US" dirty="0"/>
+              <a:t>Logistic Regression</a:t>
+            </a:r>
+            <a:endParaRPr lang="he-IL" dirty="0"/>
           </a:p>
           <a:p>
             <a:pPr lvl="1"/>
             <a:r>
               <a:rPr lang="he-IL" dirty="0"/>
-              <a:t>מחיקת שורה</a:t>
-            </a:r>
+              <a:t>אלג' שבעיקר מתאים לבעיות סיווג </a:t>
+            </a:r>
+            <a:r>
+              <a:rPr lang="he-IL" dirty="0" err="1"/>
+              <a:t>בינאראיות</a:t>
+            </a:r>
+            <a:endParaRPr lang="he-IL" dirty="0"/>
           </a:p>
           <a:p>
             <a:pPr lvl="1"/>
             <a:r>
               <a:rPr lang="he-IL" dirty="0"/>
-              <a:t>החלפה ב </a:t>
-            </a:r>
-            <a:r>
-              <a:rPr lang="en-US" dirty="0"/>
-              <a:t>mean</a:t>
+              <a:t>שימוש ב </a:t>
+            </a:r>
+            <a:r>
+              <a:rPr lang="en-US" dirty="0"/>
+              <a:t>logit function</a:t>
+            </a:r>
+            <a:r>
+              <a:rPr lang="he-IL" dirty="0"/>
+              <a:t> שהיא </a:t>
+            </a:r>
+            <a:r>
+              <a:rPr lang="en-US" dirty="0"/>
+              <a:t>log(p/1-p)</a:t>
+            </a:r>
+            <a:endParaRPr lang="he-IL" dirty="0"/>
+          </a:p>
+          <a:p>
+            <a:pPr lvl="2"/>
+            <a:endParaRPr lang="he-IL" dirty="0"/>
+          </a:p>
+          <a:p>
+            <a:r>
+              <a:rPr lang="en-US" dirty="0" err="1"/>
+              <a:t>Logodds</a:t>
+            </a:r>
+            <a:r>
+              <a:rPr lang="he-IL" dirty="0"/>
+              <a:t> – </a:t>
+            </a:r>
+            <a:r>
+              <a:rPr lang="en-US" dirty="0"/>
+              <a:t>log + odds</a:t>
             </a:r>
             <a:endParaRPr lang="he-IL" dirty="0"/>
           </a:p>
           <a:p>
             <a:pPr lvl="1"/>
             <a:r>
-              <a:rPr lang="he-IL" dirty="0"/>
-              <a:t>החלפה ב </a:t>
-            </a:r>
-            <a:r>
-              <a:rPr lang="en-US" dirty="0"/>
-              <a:t>median</a:t>
+              <a:rPr lang="en-US" dirty="0"/>
+              <a:t>Odds != probability</a:t>
             </a:r>
             <a:endParaRPr lang="he-IL" dirty="0"/>
           </a:p>
           <a:p>
             <a:pPr lvl="1"/>
             <a:r>
-              <a:rPr lang="he-IL" dirty="0"/>
-              <a:t>החלפה ב </a:t>
-            </a:r>
-            <a:r>
-              <a:rPr lang="en-US" dirty="0"/>
-              <a:t>most frequent</a:t>
-            </a:r>
-            <a:endParaRPr lang="he-IL" dirty="0"/>
-          </a:p>
-          <a:p>
-            <a:r>
-              <a:rPr lang="he-IL" dirty="0"/>
-              <a:t>ב </a:t>
-            </a:r>
+              <a:rPr lang="en-US" dirty="0"/>
+              <a:t>Odds</a:t>
+            </a:r>
+            <a:r>
+              <a:rPr lang="he-IL" dirty="0"/>
+              <a:t> – סיכוי למתרחש חלקי הסיכוי שלא התרחש (4 ניצחונות מול 6 הפסדים)</a:t>
+            </a:r>
+          </a:p>
+          <a:p>
+            <a:pPr lvl="1"/>
+            <a:r>
+              <a:rPr lang="en-US" dirty="0"/>
+              <a:t>Odds = p(ok)/1-p(ok)</a:t>
+            </a:r>
+          </a:p>
+          <a:p>
+            <a:pPr lvl="1"/>
             <a:r>
               <a:rPr lang="en-US" dirty="0" err="1"/>
-              <a:t>sklearn</a:t>
-            </a:r>
-            <a:r>
-              <a:rPr lang="he-IL" dirty="0"/>
-              <a:t> יש </a:t>
+              <a:t>Logodds</a:t>
+            </a:r>
+            <a:r>
+              <a:rPr lang="en-US" dirty="0"/>
+              <a:t> = Log(odds)</a:t>
+            </a:r>
+            <a:endParaRPr lang="he-IL" dirty="0"/>
+          </a:p>
+          <a:p>
+            <a:pPr lvl="2"/>
+            <a:r>
+              <a:rPr lang="he-IL" dirty="0"/>
+              <a:t>ערך שלילי, יותר סיכוי "להפסיד" או </a:t>
+            </a:r>
+            <a:r>
+              <a:rPr lang="he-IL" dirty="0" err="1"/>
+              <a:t>ששיך</a:t>
+            </a:r>
+            <a:r>
+              <a:rPr lang="he-IL" dirty="0"/>
+              <a:t> לקבוצה ב' ולהפך (חיובי)</a:t>
+            </a:r>
+          </a:p>
+          <a:p>
+            <a:pPr lvl="2"/>
+            <a:endParaRPr lang="he-IL" dirty="0"/>
+          </a:p>
+          <a:p>
+            <a:r>
+              <a:rPr lang="en-US" dirty="0"/>
+              <a:t>Gini Impurity</a:t>
+            </a:r>
+          </a:p>
+          <a:p>
+            <a:pPr lvl="1"/>
+            <a:r>
+              <a:rPr lang="he-IL" dirty="0"/>
+              <a:t>חישוב "טומאה" – מה ההסתברות לחלוקת עץ שגויה (ככל שהערך נמוך יותר, כך עדיף להשתמש בתוכנה זו לחלוקה בעץ ברמה </a:t>
             </a:r>
             <a:r>
               <a:rPr lang="he-IL"/>
-              <a:t>את הפקודה: </a:t>
-            </a:r>
-            <a:r>
-              <a:rPr lang="en-US"/>
-              <a:t>Imputer</a:t>
-            </a:r>
-            <a:r>
-              <a:rPr lang="he-IL" dirty="0"/>
-              <a:t> ("מכשיר את המידע")</a:t>
+              <a:t>גבוהה יותר בעץ)</a:t>
+            </a:r>
+            <a:endParaRPr lang="he-IL" dirty="0"/>
+          </a:p>
+          <a:p>
+            <a:pPr lvl="1"/>
+            <a:r>
+              <a:rPr lang="he-IL" dirty="0"/>
+              <a:t>משתמשים </a:t>
+            </a:r>
+            <a:r>
+              <a:rPr lang="he-IL" dirty="0" err="1"/>
+              <a:t>באלג</a:t>
+            </a:r>
+            <a:r>
+              <a:rPr lang="he-IL" dirty="0"/>
+              <a:t>' עץ בחישובי העלים</a:t>
             </a:r>
           </a:p>
         </p:txBody>
@@ -6545,7 +6421,7 @@
     </p:spTree>
     <p:extLst>
       <p:ext uri="{BB962C8B-B14F-4D97-AF65-F5344CB8AC3E}">
-        <p14:creationId xmlns:p14="http://schemas.microsoft.com/office/powerpoint/2010/main" val="562271283"/>
+        <p14:creationId xmlns:p14="http://schemas.microsoft.com/office/powerpoint/2010/main" val="546938094"/>
       </p:ext>
     </p:extLst>
   </p:cSld>
@@ -6577,7 +6453,7 @@
           <p:cNvPr id="2" name="כותרת 1">
             <a:extLst>
               <a:ext uri="{FF2B5EF4-FFF2-40B4-BE49-F238E27FC236}">
-                <a16:creationId xmlns:a16="http://schemas.microsoft.com/office/drawing/2014/main" id="{7DB4387E-7549-4A32-B35D-BC39BE67DCE6}"/>
+                <a16:creationId xmlns:a16="http://schemas.microsoft.com/office/drawing/2014/main" id="{A71135E6-DF0B-4524-8DCA-9C4DBE933F82}"/>
               </a:ext>
             </a:extLst>
           </p:cNvPr>
@@ -6595,7 +6471,7 @@
           <a:p>
             <a:r>
               <a:rPr lang="he-IL" dirty="0"/>
-              <a:t>מושגים - 1</a:t>
+              <a:t>מושגים - 2</a:t>
             </a:r>
           </a:p>
         </p:txBody>
@@ -6605,7 +6481,7 @@
           <p:cNvPr id="3" name="מציין מיקום תוכן 2">
             <a:extLst>
               <a:ext uri="{FF2B5EF4-FFF2-40B4-BE49-F238E27FC236}">
-                <a16:creationId xmlns:a16="http://schemas.microsoft.com/office/drawing/2014/main" id="{43158B5B-5058-4654-BE9F-0F41E4989A9B}"/>
+                <a16:creationId xmlns:a16="http://schemas.microsoft.com/office/drawing/2014/main" id="{8BE0F612-6AC1-4225-9B04-AC9AA1C93395}"/>
               </a:ext>
             </a:extLst>
           </p:cNvPr>
@@ -6618,14 +6494,12 @@
         </p:nvSpPr>
         <p:spPr/>
         <p:txBody>
-          <a:bodyPr>
-            <a:normAutofit fontScale="85000" lnSpcReduction="20000"/>
-          </a:bodyPr>
-          <a:lstStyle/>
-          <a:p>
-            <a:r>
-              <a:rPr lang="en-US" dirty="0"/>
-              <a:t>Logistic Regression</a:t>
+          <a:bodyPr/>
+          <a:lstStyle/>
+          <a:p>
+            <a:r>
+              <a:rPr lang="en-US" dirty="0"/>
+              <a:t>Ensemble Methods</a:t>
             </a:r>
             <a:endParaRPr lang="he-IL" dirty="0"/>
           </a:p>
@@ -6633,149 +6507,61 @@
             <a:pPr lvl="1"/>
             <a:r>
               <a:rPr lang="he-IL" dirty="0"/>
-              <a:t>אלג' שבעיקר מתאים לבעיות סיווג </a:t>
-            </a:r>
-            <a:r>
-              <a:rPr lang="he-IL" dirty="0" err="1"/>
-              <a:t>בינאראיות</a:t>
-            </a:r>
-            <a:endParaRPr lang="he-IL" dirty="0"/>
+              <a:t>שילוב של מספר שיטות בסיס על מנת לקבל תוצאה טובה יותר.</a:t>
+            </a:r>
           </a:p>
           <a:p>
             <a:pPr lvl="1"/>
             <a:r>
               <a:rPr lang="he-IL" dirty="0"/>
-              <a:t>שימוש ב </a:t>
-            </a:r>
-            <a:r>
-              <a:rPr lang="en-US" dirty="0"/>
-              <a:t>logit function</a:t>
-            </a:r>
-            <a:r>
-              <a:rPr lang="he-IL" dirty="0"/>
-              <a:t> שהיא </a:t>
-            </a:r>
-            <a:r>
-              <a:rPr lang="en-US" dirty="0"/>
-              <a:t>log(p/1-p)</a:t>
-            </a:r>
-            <a:endParaRPr lang="he-IL" dirty="0"/>
+              <a:t>יש מספר שיטות:</a:t>
+            </a:r>
           </a:p>
           <a:p>
             <a:pPr lvl="2"/>
-            <a:endParaRPr lang="he-IL" dirty="0"/>
-          </a:p>
-          <a:p>
-            <a:r>
-              <a:rPr lang="en-US" dirty="0" err="1"/>
-              <a:t>Logodds</a:t>
-            </a:r>
-            <a:r>
-              <a:rPr lang="he-IL" dirty="0"/>
-              <a:t> – </a:t>
-            </a:r>
-            <a:r>
-              <a:rPr lang="en-US" dirty="0"/>
-              <a:t>log + odds</a:t>
-            </a:r>
-            <a:endParaRPr lang="he-IL" dirty="0"/>
-          </a:p>
-          <a:p>
-            <a:pPr lvl="1"/>
-            <a:r>
-              <a:rPr lang="en-US" dirty="0"/>
-              <a:t>Odds != probability</a:t>
-            </a:r>
-            <a:endParaRPr lang="he-IL" dirty="0"/>
-          </a:p>
-          <a:p>
-            <a:pPr lvl="1"/>
-            <a:r>
-              <a:rPr lang="en-US" dirty="0"/>
-              <a:t>Odds</a:t>
-            </a:r>
-            <a:r>
-              <a:rPr lang="he-IL" dirty="0"/>
-              <a:t> – סיכוי למתרחש חלקי הסיכוי שלא התרחש (4 ניצחונות מול 6 הפסדים)</a:t>
-            </a:r>
-          </a:p>
-          <a:p>
-            <a:pPr lvl="1"/>
-            <a:r>
-              <a:rPr lang="en-US" dirty="0"/>
-              <a:t>Odds = p(ok)/1-p(ok)</a:t>
-            </a:r>
-          </a:p>
-          <a:p>
-            <a:pPr lvl="1"/>
-            <a:r>
-              <a:rPr lang="en-US" dirty="0" err="1"/>
-              <a:t>Logodds</a:t>
-            </a:r>
-            <a:r>
-              <a:rPr lang="en-US" dirty="0"/>
-              <a:t> = Log(odds)</a:t>
-            </a:r>
-            <a:endParaRPr lang="he-IL" dirty="0"/>
+            <a:r>
+              <a:rPr lang="en-US" dirty="0"/>
+              <a:t>Random Forest</a:t>
+            </a:r>
+            <a:r>
+              <a:rPr lang="he-IL" dirty="0"/>
+              <a:t> הינו שילוב של מספר אלג’ </a:t>
+            </a:r>
+            <a:r>
+              <a:rPr lang="en-US" dirty="0"/>
+              <a:t>Decision Tree</a:t>
+            </a:r>
+            <a:r>
+              <a:rPr lang="he-IL" dirty="0"/>
+              <a:t>.</a:t>
+            </a:r>
           </a:p>
           <a:p>
             <a:pPr lvl="2"/>
             <a:r>
-              <a:rPr lang="he-IL" dirty="0"/>
-              <a:t>ערך שלילי, יותר סיכוי "להפסיד" או </a:t>
-            </a:r>
-            <a:r>
-              <a:rPr lang="he-IL" dirty="0" err="1"/>
-              <a:t>ששיך</a:t>
-            </a:r>
-            <a:r>
-              <a:rPr lang="he-IL" dirty="0"/>
-              <a:t> לקבוצה ב' ולהפך (חיובי)</a:t>
-            </a:r>
+              <a:rPr lang="en-US" dirty="0"/>
+              <a:t>Bagging</a:t>
+            </a:r>
+            <a:r>
+              <a:rPr lang="he-IL" dirty="0"/>
+              <a:t> – שיטה דומה ל </a:t>
+            </a:r>
+            <a:r>
+              <a:rPr lang="en-US" dirty="0"/>
+              <a:t>RF</a:t>
+            </a:r>
+            <a:endParaRPr lang="he-IL" dirty="0"/>
           </a:p>
           <a:p>
             <a:pPr lvl="2"/>
             <a:endParaRPr lang="he-IL" dirty="0"/>
-          </a:p>
-          <a:p>
-            <a:r>
-              <a:rPr lang="en-US" dirty="0"/>
-              <a:t>Gini Impurity</a:t>
-            </a:r>
-          </a:p>
-          <a:p>
-            <a:pPr lvl="1"/>
-            <a:r>
-              <a:rPr lang="he-IL" dirty="0"/>
-              <a:t>חישוב "טומאה" – מה ההסתברות לחלוקת עץ שגויה (ככל שהערך נמוך יותר, כך עדיף להשתמש בתוכנה זו לחלוקה בעץ ברמה </a:t>
-            </a:r>
-            <a:r>
-              <a:rPr lang="he-IL"/>
-              <a:t>גבוהה יותר בעץ)</a:t>
-            </a:r>
-            <a:endParaRPr lang="he-IL" dirty="0"/>
-          </a:p>
-          <a:p>
-            <a:pPr lvl="1"/>
-            <a:r>
-              <a:rPr lang="he-IL" dirty="0"/>
-              <a:t>משתמשים </a:t>
-            </a:r>
-            <a:r>
-              <a:rPr lang="he-IL" dirty="0" err="1"/>
-              <a:t>באלג</a:t>
-            </a:r>
-            <a:r>
-              <a:rPr lang="he-IL" dirty="0"/>
-              <a:t>' עץ בחישובי העלים</a:t>
-            </a:r>
           </a:p>
         </p:txBody>
       </p:sp>
     </p:spTree>
     <p:extLst>
       <p:ext uri="{BB962C8B-B14F-4D97-AF65-F5344CB8AC3E}">
-        <p14:creationId xmlns:p14="http://schemas.microsoft.com/office/powerpoint/2010/main" val="546938094"/>
+        <p14:creationId xmlns:p14="http://schemas.microsoft.com/office/powerpoint/2010/main" val="3189884367"/>
       </p:ext>
     </p:extLst>
   </p:cSld>
@@ -6807,7 +6593,7 @@
           <p:cNvPr id="2" name="כותרת 1">
             <a:extLst>
               <a:ext uri="{FF2B5EF4-FFF2-40B4-BE49-F238E27FC236}">
-                <a16:creationId xmlns:a16="http://schemas.microsoft.com/office/drawing/2014/main" id="{A71135E6-DF0B-4524-8DCA-9C4DBE933F82}"/>
+                <a16:creationId xmlns:a16="http://schemas.microsoft.com/office/drawing/2014/main" id="{96632501-42E2-42AF-95AE-976F27B04F71}"/>
               </a:ext>
             </a:extLst>
           </p:cNvPr>
@@ -6825,7 +6611,7 @@
           <a:p>
             <a:r>
               <a:rPr lang="he-IL" dirty="0"/>
-              <a:t>מושגים - 2</a:t>
+              <a:t>מושגים - הסתברות</a:t>
             </a:r>
           </a:p>
         </p:txBody>
@@ -6835,7 +6621,7 @@
           <p:cNvPr id="3" name="מציין מיקום תוכן 2">
             <a:extLst>
               <a:ext uri="{FF2B5EF4-FFF2-40B4-BE49-F238E27FC236}">
-                <a16:creationId xmlns:a16="http://schemas.microsoft.com/office/drawing/2014/main" id="{8BE0F612-6AC1-4225-9B04-AC9AA1C93395}"/>
+                <a16:creationId xmlns:a16="http://schemas.microsoft.com/office/drawing/2014/main" id="{F8A89D09-DE15-4B7C-8893-E8E6FBC78FA4}"/>
               </a:ext>
             </a:extLst>
           </p:cNvPr>
@@ -6852,70 +6638,84 @@
           <a:lstStyle/>
           <a:p>
             <a:r>
-              <a:rPr lang="en-US" dirty="0"/>
-              <a:t>Ensemble Methods</a:t>
-            </a:r>
-            <a:endParaRPr lang="he-IL" dirty="0"/>
+              <a:rPr lang="en-US" dirty="0" err="1"/>
+              <a:t>Cov</a:t>
+            </a:r>
+            <a:r>
+              <a:rPr lang="en-US" dirty="0"/>
+              <a:t>(</a:t>
+            </a:r>
+            <a:r>
+              <a:rPr lang="en-US" dirty="0" err="1"/>
+              <a:t>x,y</a:t>
+            </a:r>
+            <a:r>
+              <a:rPr lang="en-US" dirty="0"/>
+              <a:t>)</a:t>
+            </a:r>
+            <a:r>
+              <a:rPr lang="he-IL" dirty="0"/>
+              <a:t> – </a:t>
+            </a:r>
+            <a:r>
+              <a:rPr lang="en-US" dirty="0"/>
+              <a:t>Covariance  </a:t>
+            </a:r>
+            <a:r>
+              <a:rPr lang="he-IL" dirty="0"/>
+              <a:t> (שונות משותפת), מדד לקשר בין 2 משתנים.</a:t>
+            </a:r>
           </a:p>
           <a:p>
             <a:pPr lvl="1"/>
             <a:r>
               <a:rPr lang="he-IL" dirty="0"/>
-              <a:t>שילוב של מספר שיטות בסיס על מנת לקבל תוצאה טובה יותר.</a:t>
-            </a:r>
-          </a:p>
-          <a:p>
-            <a:pPr lvl="1"/>
-            <a:r>
-              <a:rPr lang="he-IL" dirty="0"/>
-              <a:t>יש מספר שיטות:</a:t>
-            </a:r>
-          </a:p>
-          <a:p>
-            <a:pPr lvl="2"/>
-            <a:r>
-              <a:rPr lang="en-US" dirty="0"/>
-              <a:t>Random Forest</a:t>
-            </a:r>
-            <a:r>
-              <a:rPr lang="he-IL" dirty="0"/>
-              <a:t> הינו שילוב של מספר אלג’ </a:t>
-            </a:r>
-            <a:r>
-              <a:rPr lang="en-US" dirty="0"/>
-              <a:t>Decision Tree</a:t>
-            </a:r>
-            <a:r>
-              <a:rPr lang="he-IL" dirty="0"/>
-              <a:t>.</a:t>
-            </a:r>
-          </a:p>
-          <a:p>
-            <a:pPr lvl="2"/>
-            <a:r>
-              <a:rPr lang="en-US" dirty="0"/>
-              <a:t>Bagging</a:t>
-            </a:r>
-            <a:r>
-              <a:rPr lang="he-IL" dirty="0"/>
-              <a:t> – שיטה דומה ל </a:t>
-            </a:r>
-            <a:r>
-              <a:rPr lang="en-US" dirty="0"/>
-              <a:t>RF</a:t>
-            </a:r>
-            <a:endParaRPr lang="he-IL" dirty="0"/>
-          </a:p>
-          <a:p>
-            <a:pPr lvl="2"/>
-            <a:endParaRPr lang="he-IL" dirty="0"/>
+              <a:t>ערך חיובי -&gt; משתנים באותו כיון </a:t>
+            </a:r>
+            <a:r>
+              <a:rPr lang="he-IL"/>
+              <a:t>ושלילי להפך</a:t>
+            </a:r>
+            <a:endParaRPr lang="he-IL" dirty="0"/>
+          </a:p>
+          <a:p>
+            <a:r>
+              <a:rPr lang="en-US" dirty="0" err="1"/>
+              <a:t>Cov</a:t>
+            </a:r>
+            <a:r>
+              <a:rPr lang="en-US" dirty="0"/>
+              <a:t>(</a:t>
+            </a:r>
+            <a:r>
+              <a:rPr lang="en-US" dirty="0" err="1"/>
+              <a:t>x,x</a:t>
+            </a:r>
+            <a:r>
+              <a:rPr lang="en-US" dirty="0"/>
+              <a:t>) = variance(x)</a:t>
+            </a:r>
+            <a:r>
+              <a:rPr lang="he-IL" dirty="0"/>
+              <a:t> </a:t>
+            </a:r>
+          </a:p>
+          <a:p>
+            <a:r>
+              <a:rPr lang="en-US" dirty="0"/>
+              <a:t>Covariance  matrix</a:t>
+            </a:r>
+            <a:r>
+              <a:rPr lang="he-IL" dirty="0"/>
+              <a:t> – מטריצה סימטרית שהאלכסון הינו שונות.</a:t>
+            </a:r>
           </a:p>
         </p:txBody>
       </p:sp>
     </p:spTree>
     <p:extLst>
       <p:ext uri="{BB962C8B-B14F-4D97-AF65-F5344CB8AC3E}">
-        <p14:creationId xmlns:p14="http://schemas.microsoft.com/office/powerpoint/2010/main" val="3189884367"/>
+        <p14:creationId xmlns:p14="http://schemas.microsoft.com/office/powerpoint/2010/main" val="53807840"/>
       </p:ext>
     </p:extLst>
   </p:cSld>
@@ -6947,7 +6747,7 @@
           <p:cNvPr id="2" name="כותרת 1">
             <a:extLst>
               <a:ext uri="{FF2B5EF4-FFF2-40B4-BE49-F238E27FC236}">
-                <a16:creationId xmlns:a16="http://schemas.microsoft.com/office/drawing/2014/main" id="{96632501-42E2-42AF-95AE-976F27B04F71}"/>
+                <a16:creationId xmlns:a16="http://schemas.microsoft.com/office/drawing/2014/main" id="{5EECF68F-C804-4917-9B95-AB8F72AC1390}"/>
               </a:ext>
             </a:extLst>
           </p:cNvPr>
@@ -6965,7 +6765,7 @@
           <a:p>
             <a:r>
               <a:rPr lang="he-IL" dirty="0"/>
-              <a:t>מושגים - הסתברות</a:t>
+              <a:t>מושגים להשלמה</a:t>
             </a:r>
           </a:p>
         </p:txBody>
@@ -6975,7 +6775,7 @@
           <p:cNvPr id="3" name="מציין מיקום תוכן 2">
             <a:extLst>
               <a:ext uri="{FF2B5EF4-FFF2-40B4-BE49-F238E27FC236}">
-                <a16:creationId xmlns:a16="http://schemas.microsoft.com/office/drawing/2014/main" id="{F8A89D09-DE15-4B7C-8893-E8E6FBC78FA4}"/>
+                <a16:creationId xmlns:a16="http://schemas.microsoft.com/office/drawing/2014/main" id="{2DBF896A-F127-462E-9205-DCA9CD225491}"/>
               </a:ext>
             </a:extLst>
           </p:cNvPr>
@@ -6992,84 +6792,44 @@
           <a:lstStyle/>
           <a:p>
             <a:r>
-              <a:rPr lang="en-US" dirty="0" err="1"/>
-              <a:t>Cov</a:t>
-            </a:r>
-            <a:r>
-              <a:rPr lang="en-US" dirty="0"/>
-              <a:t>(</a:t>
-            </a:r>
-            <a:r>
-              <a:rPr lang="en-US" dirty="0" err="1"/>
-              <a:t>x,y</a:t>
-            </a:r>
-            <a:r>
-              <a:rPr lang="en-US" dirty="0"/>
-              <a:t>)</a:t>
-            </a:r>
-            <a:r>
-              <a:rPr lang="he-IL" dirty="0"/>
-              <a:t> – </a:t>
-            </a:r>
-            <a:r>
-              <a:rPr lang="en-US" dirty="0"/>
-              <a:t>Covariance  </a:t>
-            </a:r>
-            <a:r>
-              <a:rPr lang="he-IL" dirty="0"/>
-              <a:t> (שונות משותפת), מדד לקשר בין 2 משתנים.</a:t>
-            </a:r>
+              <a:rPr lang="en-US" dirty="0"/>
+              <a:t>Back propagation function</a:t>
+            </a:r>
+            <a:endParaRPr lang="he-IL" dirty="0"/>
+          </a:p>
+          <a:p>
+            <a:r>
+              <a:rPr lang="en-US" dirty="0"/>
+              <a:t>Linear Discriminant Analysis</a:t>
+            </a:r>
+            <a:endParaRPr lang="he-IL" dirty="0"/>
           </a:p>
           <a:p>
             <a:pPr lvl="1"/>
             <a:r>
               <a:rPr lang="he-IL" dirty="0"/>
-              <a:t>ערך חיובי -&gt; משתנים באותו כיון </a:t>
-            </a:r>
-            <a:r>
-              <a:rPr lang="he-IL"/>
-              <a:t>ושלילי להפך</a:t>
-            </a:r>
-            <a:endParaRPr lang="he-IL" dirty="0"/>
-          </a:p>
-          <a:p>
-            <a:r>
-              <a:rPr lang="en-US" dirty="0" err="1"/>
-              <a:t>Cov</a:t>
-            </a:r>
-            <a:r>
-              <a:rPr lang="en-US" dirty="0"/>
-              <a:t>(</a:t>
-            </a:r>
-            <a:r>
-              <a:rPr lang="en-US" dirty="0" err="1"/>
-              <a:t>x,x</a:t>
-            </a:r>
-            <a:r>
-              <a:rPr lang="en-US" dirty="0"/>
-              <a:t>) = variance(x)</a:t>
-            </a:r>
-            <a:r>
-              <a:rPr lang="he-IL" dirty="0"/>
-              <a:t> </a:t>
-            </a:r>
-          </a:p>
-          <a:p>
-            <a:r>
-              <a:rPr lang="en-US" dirty="0"/>
-              <a:t>Covariance  matrix</a:t>
-            </a:r>
-            <a:r>
-              <a:rPr lang="he-IL" dirty="0"/>
-              <a:t> – מטריצה סימטרית שהאלכסון הינו שונות.</a:t>
-            </a:r>
+              <a:t>משמש ל </a:t>
+            </a:r>
+            <a:r>
+              <a:rPr lang="en-US" dirty="0"/>
+              <a:t>classify</a:t>
+            </a:r>
+            <a:r>
+              <a:rPr lang="he-IL" dirty="0"/>
+              <a:t> על בסיס </a:t>
+            </a:r>
+            <a:r>
+              <a:rPr lang="en-US" dirty="0"/>
+              <a:t>variance</a:t>
+            </a:r>
+            <a:endParaRPr lang="he-IL" dirty="0"/>
           </a:p>
         </p:txBody>
       </p:sp>
     </p:spTree>
     <p:extLst>
       <p:ext uri="{BB962C8B-B14F-4D97-AF65-F5344CB8AC3E}">
-        <p14:creationId xmlns:p14="http://schemas.microsoft.com/office/powerpoint/2010/main" val="53807840"/>
+        <p14:creationId xmlns:p14="http://schemas.microsoft.com/office/powerpoint/2010/main" val="958839187"/>
       </p:ext>
     </p:extLst>
   </p:cSld>
@@ -7098,83 +6858,449 @@
       </p:grpSpPr>
       <p:sp>
         <p:nvSpPr>
-          <p:cNvPr id="2" name="כותרת 1">
-            <a:extLst>
-              <a:ext uri="{FF2B5EF4-FFF2-40B4-BE49-F238E27FC236}">
-                <a16:creationId xmlns:a16="http://schemas.microsoft.com/office/drawing/2014/main" id="{5EECF68F-C804-4917-9B95-AB8F72AC1390}"/>
-              </a:ext>
-            </a:extLst>
-          </p:cNvPr>
-          <p:cNvSpPr>
-            <a:spLocks noGrp="1"/>
-          </p:cNvSpPr>
-          <p:nvPr>
-            <p:ph type="title"/>
-          </p:nvPr>
-        </p:nvSpPr>
-        <p:spPr/>
-        <p:txBody>
-          <a:bodyPr/>
-          <a:lstStyle/>
-          <a:p>
-            <a:r>
-              <a:rPr lang="he-IL" dirty="0"/>
-              <a:t>מושגים להשלמה</a:t>
-            </a:r>
-          </a:p>
-        </p:txBody>
-      </p:sp>
-      <p:sp>
-        <p:nvSpPr>
-          <p:cNvPr id="3" name="מציין מיקום תוכן 2">
-            <a:extLst>
-              <a:ext uri="{FF2B5EF4-FFF2-40B4-BE49-F238E27FC236}">
-                <a16:creationId xmlns:a16="http://schemas.microsoft.com/office/drawing/2014/main" id="{2DBF896A-F127-462E-9205-DCA9CD225491}"/>
-              </a:ext>
-            </a:extLst>
-          </p:cNvPr>
-          <p:cNvSpPr>
-            <a:spLocks noGrp="1"/>
-          </p:cNvSpPr>
-          <p:nvPr>
-            <p:ph idx="1"/>
-          </p:nvPr>
-        </p:nvSpPr>
-        <p:spPr/>
-        <p:txBody>
-          <a:bodyPr/>
-          <a:lstStyle/>
-          <a:p>
-            <a:r>
-              <a:rPr lang="en-US" dirty="0"/>
-              <a:t>Back propagation function</a:t>
-            </a:r>
-            <a:endParaRPr lang="he-IL" dirty="0"/>
-          </a:p>
-          <a:p>
-            <a:r>
-              <a:rPr lang="en-US" dirty="0"/>
-              <a:t>Linear Discriminant Analysis</a:t>
-            </a:r>
-            <a:endParaRPr lang="he-IL" dirty="0"/>
-          </a:p>
-          <a:p>
-            <a:pPr lvl="1"/>
-            <a:r>
-              <a:rPr lang="he-IL" dirty="0"/>
-              <a:t>משמש ל </a:t>
-            </a:r>
-            <a:r>
-              <a:rPr lang="en-US" dirty="0"/>
-              <a:t>classify</a:t>
-            </a:r>
-            <a:r>
-              <a:rPr lang="he-IL" dirty="0"/>
-              <a:t> על בסיס </a:t>
-            </a:r>
-            <a:r>
-              <a:rPr lang="en-US" dirty="0"/>
-              <a:t>variance</a:t>
+          <p:cNvPr id="4" name="מלבן 3">
+            <a:extLst>
+              <a:ext uri="{FF2B5EF4-FFF2-40B4-BE49-F238E27FC236}">
+                <a16:creationId xmlns:a16="http://schemas.microsoft.com/office/drawing/2014/main" id="{74609AB5-34A0-4526-AABA-E4DE4362E011}"/>
+              </a:ext>
+            </a:extLst>
+          </p:cNvPr>
+          <p:cNvSpPr/>
+          <p:nvPr/>
+        </p:nvSpPr>
+        <p:spPr>
+          <a:xfrm>
+            <a:off x="159798" y="3429000"/>
+            <a:ext cx="1109709" cy="852256"/>
+          </a:xfrm>
+          <a:prstGeom prst="rect">
+            <a:avLst/>
+          </a:prstGeom>
+        </p:spPr>
+        <p:style>
+          <a:lnRef idx="2">
+            <a:schemeClr val="accent1">
+              <a:shade val="50000"/>
+            </a:schemeClr>
+          </a:lnRef>
+          <a:fillRef idx="1">
+            <a:schemeClr val="accent1"/>
+          </a:fillRef>
+          <a:effectRef idx="0">
+            <a:schemeClr val="accent1"/>
+          </a:effectRef>
+          <a:fontRef idx="minor">
+            <a:schemeClr val="lt1"/>
+          </a:fontRef>
+        </p:style>
+        <p:txBody>
+          <a:bodyPr rtlCol="1" anchor="ctr"/>
+          <a:lstStyle/>
+          <a:p>
+            <a:pPr algn="ctr"/>
+            <a:r>
+              <a:rPr lang="en-US" dirty="0"/>
+              <a:t>Handle Empty Values</a:t>
+            </a:r>
+            <a:endParaRPr lang="he-IL" dirty="0"/>
+          </a:p>
+        </p:txBody>
+      </p:sp>
+      <p:sp>
+        <p:nvSpPr>
+          <p:cNvPr id="5" name="מלבן 4">
+            <a:extLst>
+              <a:ext uri="{FF2B5EF4-FFF2-40B4-BE49-F238E27FC236}">
+                <a16:creationId xmlns:a16="http://schemas.microsoft.com/office/drawing/2014/main" id="{E9DD5021-AEF6-441C-8775-E9DC0EF4F8AC}"/>
+              </a:ext>
+            </a:extLst>
+          </p:cNvPr>
+          <p:cNvSpPr/>
+          <p:nvPr/>
+        </p:nvSpPr>
+        <p:spPr>
+          <a:xfrm>
+            <a:off x="1519561" y="3429000"/>
+            <a:ext cx="1109709" cy="852256"/>
+          </a:xfrm>
+          <a:prstGeom prst="rect">
+            <a:avLst/>
+          </a:prstGeom>
+        </p:spPr>
+        <p:style>
+          <a:lnRef idx="2">
+            <a:schemeClr val="accent1">
+              <a:shade val="50000"/>
+            </a:schemeClr>
+          </a:lnRef>
+          <a:fillRef idx="1">
+            <a:schemeClr val="accent1"/>
+          </a:fillRef>
+          <a:effectRef idx="0">
+            <a:schemeClr val="accent1"/>
+          </a:effectRef>
+          <a:fontRef idx="minor">
+            <a:schemeClr val="lt1"/>
+          </a:fontRef>
+        </p:style>
+        <p:txBody>
+          <a:bodyPr rtlCol="1" anchor="ctr"/>
+          <a:lstStyle/>
+          <a:p>
+            <a:pPr algn="ctr"/>
+            <a:r>
+              <a:rPr lang="en-US" dirty="0"/>
+              <a:t>Handle variance</a:t>
+            </a:r>
+            <a:endParaRPr lang="he-IL" dirty="0"/>
+          </a:p>
+        </p:txBody>
+      </p:sp>
+      <p:sp>
+        <p:nvSpPr>
+          <p:cNvPr id="6" name="מלבן 5">
+            <a:extLst>
+              <a:ext uri="{FF2B5EF4-FFF2-40B4-BE49-F238E27FC236}">
+                <a16:creationId xmlns:a16="http://schemas.microsoft.com/office/drawing/2014/main" id="{F455A1AA-6082-4A3E-9532-8B7DFC1574DF}"/>
+              </a:ext>
+            </a:extLst>
+          </p:cNvPr>
+          <p:cNvSpPr/>
+          <p:nvPr/>
+        </p:nvSpPr>
+        <p:spPr>
+          <a:xfrm>
+            <a:off x="3882501" y="1642939"/>
+            <a:ext cx="1109709" cy="852256"/>
+          </a:xfrm>
+          <a:prstGeom prst="rect">
+            <a:avLst/>
+          </a:prstGeom>
+        </p:spPr>
+        <p:style>
+          <a:lnRef idx="2">
+            <a:schemeClr val="accent1">
+              <a:shade val="50000"/>
+            </a:schemeClr>
+          </a:lnRef>
+          <a:fillRef idx="1">
+            <a:schemeClr val="accent1"/>
+          </a:fillRef>
+          <a:effectRef idx="0">
+            <a:schemeClr val="accent1"/>
+          </a:effectRef>
+          <a:fontRef idx="minor">
+            <a:schemeClr val="lt1"/>
+          </a:fontRef>
+        </p:style>
+        <p:txBody>
+          <a:bodyPr rtlCol="1" anchor="ctr"/>
+          <a:lstStyle/>
+          <a:p>
+            <a:pPr algn="ctr"/>
+            <a:r>
+              <a:rPr lang="en-US" dirty="0"/>
+              <a:t>Discretization</a:t>
+            </a:r>
+            <a:endParaRPr lang="he-IL" dirty="0"/>
+          </a:p>
+        </p:txBody>
+      </p:sp>
+      <p:sp>
+        <p:nvSpPr>
+          <p:cNvPr id="7" name="מלבן 6">
+            <a:extLst>
+              <a:ext uri="{FF2B5EF4-FFF2-40B4-BE49-F238E27FC236}">
+                <a16:creationId xmlns:a16="http://schemas.microsoft.com/office/drawing/2014/main" id="{C5792502-C08D-4F48-AA09-8F4286D5944F}"/>
+              </a:ext>
+            </a:extLst>
+          </p:cNvPr>
+          <p:cNvSpPr/>
+          <p:nvPr/>
+        </p:nvSpPr>
+        <p:spPr>
+          <a:xfrm>
+            <a:off x="5442014" y="1642939"/>
+            <a:ext cx="1109709" cy="852256"/>
+          </a:xfrm>
+          <a:prstGeom prst="rect">
+            <a:avLst/>
+          </a:prstGeom>
+        </p:spPr>
+        <p:style>
+          <a:lnRef idx="2">
+            <a:schemeClr val="accent1">
+              <a:shade val="50000"/>
+            </a:schemeClr>
+          </a:lnRef>
+          <a:fillRef idx="1">
+            <a:schemeClr val="accent1"/>
+          </a:fillRef>
+          <a:effectRef idx="0">
+            <a:schemeClr val="accent1"/>
+          </a:effectRef>
+          <a:fontRef idx="minor">
+            <a:schemeClr val="lt1"/>
+          </a:fontRef>
+        </p:style>
+        <p:txBody>
+          <a:bodyPr rtlCol="1" anchor="ctr"/>
+          <a:lstStyle/>
+          <a:p>
+            <a:pPr algn="ctr"/>
+            <a:r>
+              <a:rPr lang="en-US" dirty="0" err="1"/>
+              <a:t>Enum</a:t>
+            </a:r>
+            <a:endParaRPr lang="he-IL" dirty="0"/>
+          </a:p>
+        </p:txBody>
+      </p:sp>
+      <p:sp>
+        <p:nvSpPr>
+          <p:cNvPr id="8" name="מלבן 7">
+            <a:extLst>
+              <a:ext uri="{FF2B5EF4-FFF2-40B4-BE49-F238E27FC236}">
+                <a16:creationId xmlns:a16="http://schemas.microsoft.com/office/drawing/2014/main" id="{144FAF8B-F585-439C-8E89-B59AED2B9610}"/>
+              </a:ext>
+            </a:extLst>
+          </p:cNvPr>
+          <p:cNvSpPr/>
+          <p:nvPr/>
+        </p:nvSpPr>
+        <p:spPr>
+          <a:xfrm>
+            <a:off x="7121374" y="1642939"/>
+            <a:ext cx="1109709" cy="852256"/>
+          </a:xfrm>
+          <a:prstGeom prst="rect">
+            <a:avLst/>
+          </a:prstGeom>
+        </p:spPr>
+        <p:style>
+          <a:lnRef idx="2">
+            <a:schemeClr val="accent1">
+              <a:shade val="50000"/>
+            </a:schemeClr>
+          </a:lnRef>
+          <a:fillRef idx="1">
+            <a:schemeClr val="accent1"/>
+          </a:fillRef>
+          <a:effectRef idx="0">
+            <a:schemeClr val="accent1"/>
+          </a:effectRef>
+          <a:fontRef idx="minor">
+            <a:schemeClr val="lt1"/>
+          </a:fontRef>
+        </p:style>
+        <p:txBody>
+          <a:bodyPr rtlCol="1" anchor="ctr"/>
+          <a:lstStyle/>
+          <a:p>
+            <a:pPr algn="ctr"/>
+            <a:r>
+              <a:rPr lang="en-US" dirty="0"/>
+              <a:t>FS</a:t>
+            </a:r>
+            <a:endParaRPr lang="he-IL" dirty="0"/>
+          </a:p>
+        </p:txBody>
+      </p:sp>
+      <p:sp>
+        <p:nvSpPr>
+          <p:cNvPr id="9" name="מלבן 8">
+            <a:extLst>
+              <a:ext uri="{FF2B5EF4-FFF2-40B4-BE49-F238E27FC236}">
+                <a16:creationId xmlns:a16="http://schemas.microsoft.com/office/drawing/2014/main" id="{93920802-7B02-401C-A236-795F3187EBC5}"/>
+              </a:ext>
+            </a:extLst>
+          </p:cNvPr>
+          <p:cNvSpPr/>
+          <p:nvPr/>
+        </p:nvSpPr>
+        <p:spPr>
+          <a:xfrm>
+            <a:off x="8623179" y="1642939"/>
+            <a:ext cx="1109709" cy="852256"/>
+          </a:xfrm>
+          <a:prstGeom prst="rect">
+            <a:avLst/>
+          </a:prstGeom>
+        </p:spPr>
+        <p:style>
+          <a:lnRef idx="2">
+            <a:schemeClr val="accent1">
+              <a:shade val="50000"/>
+            </a:schemeClr>
+          </a:lnRef>
+          <a:fillRef idx="1">
+            <a:schemeClr val="accent1"/>
+          </a:fillRef>
+          <a:effectRef idx="0">
+            <a:schemeClr val="accent1"/>
+          </a:effectRef>
+          <a:fontRef idx="minor">
+            <a:schemeClr val="lt1"/>
+          </a:fontRef>
+        </p:style>
+        <p:txBody>
+          <a:bodyPr rtlCol="1" anchor="ctr"/>
+          <a:lstStyle/>
+          <a:p>
+            <a:pPr algn="ctr"/>
+            <a:r>
+              <a:rPr lang="en-US" dirty="0"/>
+              <a:t>ALG</a:t>
+            </a:r>
+            <a:endParaRPr lang="he-IL" dirty="0"/>
+          </a:p>
+        </p:txBody>
+      </p:sp>
+      <p:sp>
+        <p:nvSpPr>
+          <p:cNvPr id="10" name="מלבן 9">
+            <a:extLst>
+              <a:ext uri="{FF2B5EF4-FFF2-40B4-BE49-F238E27FC236}">
+                <a16:creationId xmlns:a16="http://schemas.microsoft.com/office/drawing/2014/main" id="{5E9FC044-CAB1-40B3-AB95-441195FD6077}"/>
+              </a:ext>
+            </a:extLst>
+          </p:cNvPr>
+          <p:cNvSpPr/>
+          <p:nvPr/>
+        </p:nvSpPr>
+        <p:spPr>
+          <a:xfrm>
+            <a:off x="9920056" y="1642939"/>
+            <a:ext cx="1109709" cy="852256"/>
+          </a:xfrm>
+          <a:prstGeom prst="rect">
+            <a:avLst/>
+          </a:prstGeom>
+        </p:spPr>
+        <p:style>
+          <a:lnRef idx="2">
+            <a:schemeClr val="accent1">
+              <a:shade val="50000"/>
+            </a:schemeClr>
+          </a:lnRef>
+          <a:fillRef idx="1">
+            <a:schemeClr val="accent1"/>
+          </a:fillRef>
+          <a:effectRef idx="0">
+            <a:schemeClr val="accent1"/>
+          </a:effectRef>
+          <a:fontRef idx="minor">
+            <a:schemeClr val="lt1"/>
+          </a:fontRef>
+        </p:style>
+        <p:txBody>
+          <a:bodyPr rtlCol="1" anchor="ctr"/>
+          <a:lstStyle/>
+          <a:p>
+            <a:pPr algn="ctr"/>
+            <a:r>
+              <a:rPr lang="en-US" dirty="0"/>
+              <a:t>SCORE</a:t>
+            </a:r>
+            <a:endParaRPr lang="he-IL" dirty="0"/>
+          </a:p>
+        </p:txBody>
+      </p:sp>
+      <p:sp>
+        <p:nvSpPr>
+          <p:cNvPr id="11" name="מלבן 10">
+            <a:extLst>
+              <a:ext uri="{FF2B5EF4-FFF2-40B4-BE49-F238E27FC236}">
+                <a16:creationId xmlns:a16="http://schemas.microsoft.com/office/drawing/2014/main" id="{F2DA0E8C-25FD-4020-8F82-69843E774E23}"/>
+              </a:ext>
+            </a:extLst>
+          </p:cNvPr>
+          <p:cNvSpPr/>
+          <p:nvPr/>
+        </p:nvSpPr>
+        <p:spPr>
+          <a:xfrm>
+            <a:off x="11216933" y="1642939"/>
+            <a:ext cx="1109709" cy="852256"/>
+          </a:xfrm>
+          <a:prstGeom prst="rect">
+            <a:avLst/>
+          </a:prstGeom>
+        </p:spPr>
+        <p:style>
+          <a:lnRef idx="2">
+            <a:schemeClr val="accent1">
+              <a:shade val="50000"/>
+            </a:schemeClr>
+          </a:lnRef>
+          <a:fillRef idx="1">
+            <a:schemeClr val="accent1"/>
+          </a:fillRef>
+          <a:effectRef idx="0">
+            <a:schemeClr val="accent1"/>
+          </a:effectRef>
+          <a:fontRef idx="minor">
+            <a:schemeClr val="lt1"/>
+          </a:fontRef>
+        </p:style>
+        <p:txBody>
+          <a:bodyPr rtlCol="1" anchor="ctr"/>
+          <a:lstStyle/>
+          <a:p>
+            <a:pPr algn="ctr"/>
+            <a:r>
+              <a:rPr lang="en-US" dirty="0"/>
+              <a:t>RESULT</a:t>
+            </a:r>
+            <a:endParaRPr lang="he-IL" dirty="0"/>
+          </a:p>
+        </p:txBody>
+      </p:sp>
+      <p:sp>
+        <p:nvSpPr>
+          <p:cNvPr id="12" name="מלבן 11">
+            <a:extLst>
+              <a:ext uri="{FF2B5EF4-FFF2-40B4-BE49-F238E27FC236}">
+                <a16:creationId xmlns:a16="http://schemas.microsoft.com/office/drawing/2014/main" id="{47E76C13-4B61-4E05-B82D-64A274AF8A75}"/>
+              </a:ext>
+            </a:extLst>
+          </p:cNvPr>
+          <p:cNvSpPr/>
+          <p:nvPr/>
+        </p:nvSpPr>
+        <p:spPr>
+          <a:xfrm>
+            <a:off x="2879324" y="3429000"/>
+            <a:ext cx="1109709" cy="852256"/>
+          </a:xfrm>
+          <a:prstGeom prst="rect">
+            <a:avLst/>
+          </a:prstGeom>
+        </p:spPr>
+        <p:style>
+          <a:lnRef idx="2">
+            <a:schemeClr val="accent1">
+              <a:shade val="50000"/>
+            </a:schemeClr>
+          </a:lnRef>
+          <a:fillRef idx="1">
+            <a:schemeClr val="accent1"/>
+          </a:fillRef>
+          <a:effectRef idx="0">
+            <a:schemeClr val="accent1"/>
+          </a:effectRef>
+          <a:fontRef idx="minor">
+            <a:schemeClr val="lt1"/>
+          </a:fontRef>
+        </p:style>
+        <p:txBody>
+          <a:bodyPr rtlCol="1" anchor="ctr"/>
+          <a:lstStyle/>
+          <a:p>
+            <a:pPr algn="ctr"/>
+            <a:r>
+              <a:rPr lang="en-US" dirty="0"/>
+              <a:t>Feature Scaling</a:t>
             </a:r>
             <a:endParaRPr lang="he-IL" dirty="0"/>
           </a:p>
@@ -7183,7 +7309,7 @@
     </p:spTree>
     <p:extLst>
       <p:ext uri="{BB962C8B-B14F-4D97-AF65-F5344CB8AC3E}">
-        <p14:creationId xmlns:p14="http://schemas.microsoft.com/office/powerpoint/2010/main" val="958839187"/>
+        <p14:creationId xmlns:p14="http://schemas.microsoft.com/office/powerpoint/2010/main" val="1488967984"/>
       </p:ext>
     </p:extLst>
   </p:cSld>
@@ -7210,452 +7336,391 @@
           <a:chExt cx="0" cy="0"/>
         </a:xfrm>
       </p:grpSpPr>
-      <p:sp>
-        <p:nvSpPr>
-          <p:cNvPr id="4" name="מלבן 3">
-            <a:extLst>
-              <a:ext uri="{FF2B5EF4-FFF2-40B4-BE49-F238E27FC236}">
-                <a16:creationId xmlns:a16="http://schemas.microsoft.com/office/drawing/2014/main" id="{74609AB5-34A0-4526-AABA-E4DE4362E011}"/>
-              </a:ext>
-            </a:extLst>
-          </p:cNvPr>
-          <p:cNvSpPr/>
+      <p:pic>
+        <p:nvPicPr>
+          <p:cNvPr id="1026" name="Picture 2">
+            <a:extLst>
+              <a:ext uri="{FF2B5EF4-FFF2-40B4-BE49-F238E27FC236}">
+                <a16:creationId xmlns:a16="http://schemas.microsoft.com/office/drawing/2014/main" id="{EF553714-20FA-4999-9D67-2E6F45F246F4}"/>
+              </a:ext>
+            </a:extLst>
+          </p:cNvPr>
+          <p:cNvPicPr>
+            <a:picLocks noChangeAspect="1" noChangeArrowheads="1"/>
+          </p:cNvPicPr>
           <p:nvPr/>
-        </p:nvSpPr>
-        <p:spPr>
+        </p:nvPicPr>
+        <p:blipFill>
+          <a:blip r:embed="rId2">
+            <a:extLst>
+              <a:ext uri="{28A0092B-C50C-407E-A947-70E740481C1C}">
+                <a14:useLocalDpi xmlns:a14="http://schemas.microsoft.com/office/drawing/2010/main" val="0"/>
+              </a:ext>
+            </a:extLst>
+          </a:blip>
+          <a:srcRect/>
+          <a:stretch>
+            <a:fillRect/>
+          </a:stretch>
+        </p:blipFill>
+        <p:spPr bwMode="auto">
           <a:xfrm>
-            <a:off x="159798" y="3429000"/>
-            <a:ext cx="1109709" cy="852256"/>
+            <a:off x="2777613" y="1602658"/>
+            <a:ext cx="3911602" cy="1231030"/>
           </a:xfrm>
           <a:prstGeom prst="rect">
             <a:avLst/>
           </a:prstGeom>
+          <a:noFill/>
+          <a:extLst>
+            <a:ext uri="{909E8E84-426E-40DD-AFC4-6F175D3DCCD1}">
+              <a14:hiddenFill xmlns:a14="http://schemas.microsoft.com/office/drawing/2010/main">
+                <a:solidFill>
+                  <a:srgbClr val="FFFFFF"/>
+                </a:solidFill>
+              </a14:hiddenFill>
+            </a:ext>
+          </a:extLst>
         </p:spPr>
-        <p:style>
-          <a:lnRef idx="2">
-            <a:schemeClr val="accent1">
-              <a:shade val="50000"/>
-            </a:schemeClr>
-          </a:lnRef>
-          <a:fillRef idx="1">
-            <a:schemeClr val="accent1"/>
-          </a:fillRef>
-          <a:effectRef idx="0">
-            <a:schemeClr val="accent1"/>
-          </a:effectRef>
-          <a:fontRef idx="minor">
-            <a:schemeClr val="lt1"/>
-          </a:fontRef>
-        </p:style>
-        <p:txBody>
-          <a:bodyPr rtlCol="1" anchor="ctr"/>
-          <a:lstStyle/>
-          <a:p>
-            <a:pPr algn="ctr"/>
-            <a:r>
-              <a:rPr lang="en-US" dirty="0"/>
-              <a:t>Handle Empty Values</a:t>
-            </a:r>
-            <a:endParaRPr lang="he-IL" dirty="0"/>
-          </a:p>
-        </p:txBody>
-      </p:sp>
-      <p:sp>
-        <p:nvSpPr>
-          <p:cNvPr id="5" name="מלבן 4">
-            <a:extLst>
-              <a:ext uri="{FF2B5EF4-FFF2-40B4-BE49-F238E27FC236}">
-                <a16:creationId xmlns:a16="http://schemas.microsoft.com/office/drawing/2014/main" id="{E9DD5021-AEF6-441C-8775-E9DC0EF4F8AC}"/>
-              </a:ext>
-            </a:extLst>
-          </p:cNvPr>
-          <p:cNvSpPr/>
-          <p:nvPr/>
+      </p:pic>
+      <p:sp>
+        <p:nvSpPr>
+          <p:cNvPr id="2" name="כותרת 1">
+            <a:extLst>
+              <a:ext uri="{FF2B5EF4-FFF2-40B4-BE49-F238E27FC236}">
+                <a16:creationId xmlns:a16="http://schemas.microsoft.com/office/drawing/2014/main" id="{4F694F31-262D-43DF-9B55-3EE7B6604663}"/>
+              </a:ext>
+            </a:extLst>
+          </p:cNvPr>
+          <p:cNvSpPr>
+            <a:spLocks noGrp="1"/>
+          </p:cNvSpPr>
+          <p:nvPr>
+            <p:ph type="title"/>
+          </p:nvPr>
+        </p:nvSpPr>
+        <p:spPr/>
+        <p:txBody>
+          <a:bodyPr/>
+          <a:lstStyle/>
+          <a:p>
+            <a:r>
+              <a:rPr lang="en-US" dirty="0"/>
+              <a:t>Feature Scaling</a:t>
+            </a:r>
+            <a:endParaRPr lang="he-IL" dirty="0"/>
+          </a:p>
+        </p:txBody>
+      </p:sp>
+      <p:sp>
+        <p:nvSpPr>
+          <p:cNvPr id="3" name="מציין מיקום תוכן 2">
+            <a:extLst>
+              <a:ext uri="{FF2B5EF4-FFF2-40B4-BE49-F238E27FC236}">
+                <a16:creationId xmlns:a16="http://schemas.microsoft.com/office/drawing/2014/main" id="{69DAA286-92DA-4858-A57C-A10BACEE9434}"/>
+              </a:ext>
+            </a:extLst>
+          </p:cNvPr>
+          <p:cNvSpPr>
+            <a:spLocks noGrp="1"/>
+          </p:cNvSpPr>
+          <p:nvPr>
+            <p:ph idx="1"/>
+          </p:nvPr>
         </p:nvSpPr>
         <p:spPr>
           <a:xfrm>
-            <a:off x="1519561" y="3429000"/>
-            <a:ext cx="1109709" cy="852256"/>
+            <a:off x="838199" y="1337186"/>
+            <a:ext cx="11093245" cy="5279923"/>
           </a:xfrm>
-          <a:prstGeom prst="rect">
-            <a:avLst/>
-          </a:prstGeom>
         </p:spPr>
-        <p:style>
-          <a:lnRef idx="2">
-            <a:schemeClr val="accent1">
-              <a:shade val="50000"/>
-            </a:schemeClr>
-          </a:lnRef>
-          <a:fillRef idx="1">
-            <a:schemeClr val="accent1"/>
-          </a:fillRef>
-          <a:effectRef idx="0">
-            <a:schemeClr val="accent1"/>
-          </a:effectRef>
-          <a:fontRef idx="minor">
-            <a:schemeClr val="lt1"/>
-          </a:fontRef>
-        </p:style>
-        <p:txBody>
-          <a:bodyPr rtlCol="1" anchor="ctr"/>
-          <a:lstStyle/>
-          <a:p>
-            <a:pPr algn="ctr"/>
-            <a:r>
-              <a:rPr lang="en-US" dirty="0"/>
-              <a:t>Handle variance</a:t>
-            </a:r>
-            <a:endParaRPr lang="he-IL" dirty="0"/>
-          </a:p>
-        </p:txBody>
-      </p:sp>
-      <p:sp>
-        <p:nvSpPr>
-          <p:cNvPr id="6" name="מלבן 5">
-            <a:extLst>
-              <a:ext uri="{FF2B5EF4-FFF2-40B4-BE49-F238E27FC236}">
-                <a16:creationId xmlns:a16="http://schemas.microsoft.com/office/drawing/2014/main" id="{F455A1AA-6082-4A3E-9532-8B7DFC1574DF}"/>
-              </a:ext>
-            </a:extLst>
-          </p:cNvPr>
-          <p:cNvSpPr/>
-          <p:nvPr/>
-        </p:nvSpPr>
-        <p:spPr>
-          <a:xfrm>
-            <a:off x="3882501" y="1642939"/>
-            <a:ext cx="1109709" cy="852256"/>
-          </a:xfrm>
-          <a:prstGeom prst="rect">
-            <a:avLst/>
-          </a:prstGeom>
-        </p:spPr>
-        <p:style>
-          <a:lnRef idx="2">
-            <a:schemeClr val="accent1">
-              <a:shade val="50000"/>
-            </a:schemeClr>
-          </a:lnRef>
-          <a:fillRef idx="1">
-            <a:schemeClr val="accent1"/>
-          </a:fillRef>
-          <a:effectRef idx="0">
-            <a:schemeClr val="accent1"/>
-          </a:effectRef>
-          <a:fontRef idx="minor">
-            <a:schemeClr val="lt1"/>
-          </a:fontRef>
-        </p:style>
-        <p:txBody>
-          <a:bodyPr rtlCol="1" anchor="ctr"/>
-          <a:lstStyle/>
-          <a:p>
-            <a:pPr algn="ctr"/>
-            <a:r>
-              <a:rPr lang="en-US" dirty="0"/>
-              <a:t>Discretization</a:t>
-            </a:r>
-            <a:endParaRPr lang="he-IL" dirty="0"/>
-          </a:p>
-        </p:txBody>
-      </p:sp>
-      <p:sp>
-        <p:nvSpPr>
-          <p:cNvPr id="7" name="מלבן 6">
-            <a:extLst>
-              <a:ext uri="{FF2B5EF4-FFF2-40B4-BE49-F238E27FC236}">
-                <a16:creationId xmlns:a16="http://schemas.microsoft.com/office/drawing/2014/main" id="{C5792502-C08D-4F48-AA09-8F4286D5944F}"/>
-              </a:ext>
-            </a:extLst>
-          </p:cNvPr>
-          <p:cNvSpPr/>
-          <p:nvPr/>
-        </p:nvSpPr>
-        <p:spPr>
-          <a:xfrm>
-            <a:off x="5442014" y="1642939"/>
-            <a:ext cx="1109709" cy="852256"/>
-          </a:xfrm>
-          <a:prstGeom prst="rect">
-            <a:avLst/>
-          </a:prstGeom>
-        </p:spPr>
-        <p:style>
-          <a:lnRef idx="2">
-            <a:schemeClr val="accent1">
-              <a:shade val="50000"/>
-            </a:schemeClr>
-          </a:lnRef>
-          <a:fillRef idx="1">
-            <a:schemeClr val="accent1"/>
-          </a:fillRef>
-          <a:effectRef idx="0">
-            <a:schemeClr val="accent1"/>
-          </a:effectRef>
-          <a:fontRef idx="minor">
-            <a:schemeClr val="lt1"/>
-          </a:fontRef>
-        </p:style>
-        <p:txBody>
-          <a:bodyPr rtlCol="1" anchor="ctr"/>
-          <a:lstStyle/>
-          <a:p>
-            <a:pPr algn="ctr"/>
+        <p:txBody>
+          <a:bodyPr>
+            <a:normAutofit fontScale="55000" lnSpcReduction="20000"/>
+          </a:bodyPr>
+          <a:lstStyle/>
+          <a:p>
+            <a:r>
+              <a:rPr lang="en-US" dirty="0"/>
+              <a:t>Scale</a:t>
+            </a:r>
+            <a:r>
+              <a:rPr lang="he-IL" dirty="0"/>
+              <a:t> (נקרא גם </a:t>
+            </a:r>
+            <a:r>
+              <a:rPr lang="en-US" dirty="0"/>
+              <a:t>normalize</a:t>
+            </a:r>
+            <a:r>
+              <a:rPr lang="he-IL" dirty="0"/>
+              <a:t>)</a:t>
+            </a:r>
+          </a:p>
+          <a:p>
+            <a:pPr lvl="1"/>
+            <a:r>
+              <a:rPr lang="he-IL" dirty="0"/>
+              <a:t>לשנות את טווח הערכים ל </a:t>
+            </a:r>
+            <a:r>
+              <a:rPr lang="en-US" dirty="0"/>
+              <a:t>[0..1]</a:t>
+            </a:r>
+            <a:r>
+              <a:rPr lang="he-IL" dirty="0"/>
+              <a:t>. אין שינוי של צורת ההתפלגות.\</a:t>
+            </a:r>
+          </a:p>
+          <a:p>
+            <a:pPr lvl="1"/>
+            <a:r>
+              <a:rPr lang="he-IL" dirty="0"/>
+              <a:t>ב </a:t>
+            </a:r>
             <a:r>
               <a:rPr lang="en-US" dirty="0" err="1"/>
-              <a:t>Enum</a:t>
-            </a:r>
-            <a:endParaRPr lang="he-IL" dirty="0"/>
-          </a:p>
-        </p:txBody>
-      </p:sp>
-      <p:sp>
-        <p:nvSpPr>
-          <p:cNvPr id="8" name="מלבן 7">
-            <a:extLst>
-              <a:ext uri="{FF2B5EF4-FFF2-40B4-BE49-F238E27FC236}">
-                <a16:creationId xmlns:a16="http://schemas.microsoft.com/office/drawing/2014/main" id="{144FAF8B-F585-439C-8E89-B59AED2B9610}"/>
-              </a:ext>
-            </a:extLst>
-          </p:cNvPr>
-          <p:cNvSpPr/>
-          <p:nvPr/>
-        </p:nvSpPr>
-        <p:spPr>
-          <a:xfrm>
-            <a:off x="7121374" y="1642939"/>
-            <a:ext cx="1109709" cy="852256"/>
-          </a:xfrm>
-          <a:prstGeom prst="rect">
-            <a:avLst/>
-          </a:prstGeom>
-        </p:spPr>
-        <p:style>
-          <a:lnRef idx="2">
-            <a:schemeClr val="accent1">
-              <a:shade val="50000"/>
-            </a:schemeClr>
-          </a:lnRef>
-          <a:fillRef idx="1">
-            <a:schemeClr val="accent1"/>
-          </a:fillRef>
-          <a:effectRef idx="0">
-            <a:schemeClr val="accent1"/>
-          </a:effectRef>
-          <a:fontRef idx="minor">
-            <a:schemeClr val="lt1"/>
-          </a:fontRef>
-        </p:style>
-        <p:txBody>
-          <a:bodyPr rtlCol="1" anchor="ctr"/>
-          <a:lstStyle/>
-          <a:p>
-            <a:pPr algn="ctr"/>
-            <a:r>
-              <a:rPr lang="en-US" dirty="0"/>
-              <a:t>FS</a:t>
-            </a:r>
-            <a:endParaRPr lang="he-IL" dirty="0"/>
-          </a:p>
-        </p:txBody>
-      </p:sp>
-      <p:sp>
-        <p:nvSpPr>
-          <p:cNvPr id="9" name="מלבן 8">
-            <a:extLst>
-              <a:ext uri="{FF2B5EF4-FFF2-40B4-BE49-F238E27FC236}">
-                <a16:creationId xmlns:a16="http://schemas.microsoft.com/office/drawing/2014/main" id="{93920802-7B02-401C-A236-795F3187EBC5}"/>
-              </a:ext>
-            </a:extLst>
-          </p:cNvPr>
-          <p:cNvSpPr/>
-          <p:nvPr/>
-        </p:nvSpPr>
-        <p:spPr>
-          <a:xfrm>
-            <a:off x="8623179" y="1642939"/>
-            <a:ext cx="1109709" cy="852256"/>
-          </a:xfrm>
-          <a:prstGeom prst="rect">
-            <a:avLst/>
-          </a:prstGeom>
-        </p:spPr>
-        <p:style>
-          <a:lnRef idx="2">
-            <a:schemeClr val="accent1">
-              <a:shade val="50000"/>
-            </a:schemeClr>
-          </a:lnRef>
-          <a:fillRef idx="1">
-            <a:schemeClr val="accent1"/>
-          </a:fillRef>
-          <a:effectRef idx="0">
-            <a:schemeClr val="accent1"/>
-          </a:effectRef>
-          <a:fontRef idx="minor">
-            <a:schemeClr val="lt1"/>
-          </a:fontRef>
-        </p:style>
-        <p:txBody>
-          <a:bodyPr rtlCol="1" anchor="ctr"/>
-          <a:lstStyle/>
-          <a:p>
-            <a:pPr algn="ctr"/>
-            <a:r>
-              <a:rPr lang="en-US" dirty="0"/>
-              <a:t>ALG</a:t>
-            </a:r>
-            <a:endParaRPr lang="he-IL" dirty="0"/>
-          </a:p>
-        </p:txBody>
-      </p:sp>
-      <p:sp>
-        <p:nvSpPr>
-          <p:cNvPr id="10" name="מלבן 9">
-            <a:extLst>
-              <a:ext uri="{FF2B5EF4-FFF2-40B4-BE49-F238E27FC236}">
-                <a16:creationId xmlns:a16="http://schemas.microsoft.com/office/drawing/2014/main" id="{5E9FC044-CAB1-40B3-AB95-441195FD6077}"/>
-              </a:ext>
-            </a:extLst>
-          </p:cNvPr>
-          <p:cNvSpPr/>
-          <p:nvPr/>
-        </p:nvSpPr>
-        <p:spPr>
-          <a:xfrm>
-            <a:off x="9920056" y="1642939"/>
-            <a:ext cx="1109709" cy="852256"/>
-          </a:xfrm>
-          <a:prstGeom prst="rect">
-            <a:avLst/>
-          </a:prstGeom>
-        </p:spPr>
-        <p:style>
-          <a:lnRef idx="2">
-            <a:schemeClr val="accent1">
-              <a:shade val="50000"/>
-            </a:schemeClr>
-          </a:lnRef>
-          <a:fillRef idx="1">
-            <a:schemeClr val="accent1"/>
-          </a:fillRef>
-          <a:effectRef idx="0">
-            <a:schemeClr val="accent1"/>
-          </a:effectRef>
-          <a:fontRef idx="minor">
-            <a:schemeClr val="lt1"/>
-          </a:fontRef>
-        </p:style>
-        <p:txBody>
-          <a:bodyPr rtlCol="1" anchor="ctr"/>
-          <a:lstStyle/>
-          <a:p>
-            <a:pPr algn="ctr"/>
-            <a:r>
-              <a:rPr lang="en-US" dirty="0"/>
-              <a:t>SCORE</a:t>
-            </a:r>
-            <a:endParaRPr lang="he-IL" dirty="0"/>
-          </a:p>
-        </p:txBody>
-      </p:sp>
-      <p:sp>
-        <p:nvSpPr>
-          <p:cNvPr id="11" name="מלבן 10">
-            <a:extLst>
-              <a:ext uri="{FF2B5EF4-FFF2-40B4-BE49-F238E27FC236}">
-                <a16:creationId xmlns:a16="http://schemas.microsoft.com/office/drawing/2014/main" id="{F2DA0E8C-25FD-4020-8F82-69843E774E23}"/>
-              </a:ext>
-            </a:extLst>
-          </p:cNvPr>
-          <p:cNvSpPr/>
-          <p:nvPr/>
-        </p:nvSpPr>
-        <p:spPr>
-          <a:xfrm>
-            <a:off x="11216933" y="1642939"/>
-            <a:ext cx="1109709" cy="852256"/>
-          </a:xfrm>
-          <a:prstGeom prst="rect">
-            <a:avLst/>
-          </a:prstGeom>
-        </p:spPr>
-        <p:style>
-          <a:lnRef idx="2">
-            <a:schemeClr val="accent1">
-              <a:shade val="50000"/>
-            </a:schemeClr>
-          </a:lnRef>
-          <a:fillRef idx="1">
-            <a:schemeClr val="accent1"/>
-          </a:fillRef>
-          <a:effectRef idx="0">
-            <a:schemeClr val="accent1"/>
-          </a:effectRef>
-          <a:fontRef idx="minor">
-            <a:schemeClr val="lt1"/>
-          </a:fontRef>
-        </p:style>
-        <p:txBody>
-          <a:bodyPr rtlCol="1" anchor="ctr"/>
-          <a:lstStyle/>
-          <a:p>
-            <a:pPr algn="ctr"/>
-            <a:r>
-              <a:rPr lang="en-US" dirty="0"/>
-              <a:t>RESULT</a:t>
-            </a:r>
-            <a:endParaRPr lang="he-IL" dirty="0"/>
-          </a:p>
-        </p:txBody>
-      </p:sp>
-      <p:sp>
-        <p:nvSpPr>
-          <p:cNvPr id="12" name="מלבן 11">
-            <a:extLst>
-              <a:ext uri="{FF2B5EF4-FFF2-40B4-BE49-F238E27FC236}">
-                <a16:creationId xmlns:a16="http://schemas.microsoft.com/office/drawing/2014/main" id="{47E76C13-4B61-4E05-B82D-64A274AF8A75}"/>
-              </a:ext>
-            </a:extLst>
-          </p:cNvPr>
-          <p:cNvSpPr/>
-          <p:nvPr/>
-        </p:nvSpPr>
-        <p:spPr>
-          <a:xfrm>
-            <a:off x="2879324" y="3429000"/>
-            <a:ext cx="1109709" cy="852256"/>
-          </a:xfrm>
-          <a:prstGeom prst="rect">
-            <a:avLst/>
-          </a:prstGeom>
-        </p:spPr>
-        <p:style>
-          <a:lnRef idx="2">
-            <a:schemeClr val="accent1">
-              <a:shade val="50000"/>
-            </a:schemeClr>
-          </a:lnRef>
-          <a:fillRef idx="1">
-            <a:schemeClr val="accent1"/>
-          </a:fillRef>
-          <a:effectRef idx="0">
-            <a:schemeClr val="accent1"/>
-          </a:effectRef>
-          <a:fontRef idx="minor">
-            <a:schemeClr val="lt1"/>
-          </a:fontRef>
-        </p:style>
-        <p:txBody>
-          <a:bodyPr rtlCol="1" anchor="ctr"/>
-          <a:lstStyle/>
-          <a:p>
-            <a:pPr algn="ctr"/>
+              <a:t>sklearn</a:t>
+            </a:r>
+            <a:r>
+              <a:rPr lang="he-IL" dirty="0"/>
+              <a:t> </a:t>
+            </a:r>
+            <a:r>
+              <a:rPr lang="en-US" dirty="0" err="1"/>
+              <a:t>MinMaxScaler</a:t>
+            </a:r>
+            <a:endParaRPr lang="he-IL" dirty="0"/>
+          </a:p>
+          <a:p>
+            <a:r>
+              <a:rPr lang="en-US" dirty="0"/>
+              <a:t>Standardize</a:t>
+            </a:r>
+            <a:endParaRPr lang="he-IL" dirty="0"/>
+          </a:p>
+          <a:p>
+            <a:pPr lvl="1"/>
+            <a:r>
+              <a:rPr lang="he-IL" dirty="0"/>
+              <a:t>העברת כל הנתונים כך שה </a:t>
+            </a:r>
+            <a:r>
+              <a:rPr lang="en-US" dirty="0"/>
+              <a:t>Mean</a:t>
+            </a:r>
+            <a:r>
+              <a:rPr lang="he-IL" dirty="0"/>
+              <a:t> יהיה ב 0 וסטיית התקן תהיה 1</a:t>
+            </a:r>
+          </a:p>
+          <a:p>
+            <a:pPr lvl="1"/>
+            <a:r>
+              <a:rPr lang="he-IL" dirty="0"/>
+              <a:t>ב </a:t>
+            </a:r>
+            <a:r>
+              <a:rPr lang="en-US" dirty="0" err="1"/>
+              <a:t>sklearn</a:t>
+            </a:r>
+            <a:r>
+              <a:rPr lang="he-IL" dirty="0"/>
+              <a:t> – </a:t>
+            </a:r>
+            <a:r>
+              <a:rPr lang="en-US" dirty="0" err="1"/>
+              <a:t>StandardScaler</a:t>
+            </a:r>
+            <a:r>
+              <a:rPr lang="he-IL" dirty="0"/>
+              <a:t> (נקרא גם </a:t>
+            </a:r>
+            <a:r>
+              <a:rPr lang="en-US" dirty="0"/>
+              <a:t>Z-Score</a:t>
+            </a:r>
+            <a:r>
+              <a:rPr lang="he-IL" dirty="0"/>
+              <a:t>)</a:t>
+            </a:r>
+          </a:p>
+          <a:p>
+            <a:r>
+              <a:rPr lang="en-US" dirty="0"/>
+              <a:t>Normalize</a:t>
+            </a:r>
+            <a:r>
+              <a:rPr lang="he-IL" dirty="0"/>
+              <a:t> </a:t>
+            </a:r>
+          </a:p>
+          <a:p>
+            <a:pPr lvl="1"/>
+            <a:r>
+              <a:rPr lang="he-IL" dirty="0"/>
+              <a:t>העברת כל הנתונים לטווח שבין </a:t>
+            </a:r>
+            <a:r>
+              <a:rPr lang="en-US" dirty="0"/>
+              <a:t>[-1, 1]</a:t>
+            </a:r>
+            <a:r>
+              <a:rPr lang="he-IL" dirty="0"/>
+              <a:t> (עובדים על שורות ולא עמודות).</a:t>
+            </a:r>
+          </a:p>
+          <a:p>
+            <a:pPr lvl="1"/>
+            <a:r>
+              <a:rPr lang="he-IL" dirty="0"/>
+              <a:t>יש להשתמש בשיטה אם </a:t>
+            </a:r>
+            <a:r>
+              <a:rPr lang="he-IL" dirty="0" err="1"/>
+              <a:t>האלג</a:t>
+            </a:r>
+            <a:r>
+              <a:rPr lang="he-IL" dirty="0"/>
+              <a:t>' של </a:t>
+            </a:r>
+            <a:r>
+              <a:rPr lang="en-US" dirty="0"/>
+              <a:t>ML</a:t>
+            </a:r>
+            <a:r>
+              <a:rPr lang="he-IL" dirty="0"/>
+              <a:t>  מניח שהמידע מנורמל</a:t>
+            </a:r>
+          </a:p>
+          <a:p>
+            <a:pPr lvl="1"/>
+            <a:r>
+              <a:rPr lang="he-IL" dirty="0"/>
+              <a:t>ב </a:t>
+            </a:r>
+            <a:r>
+              <a:rPr lang="en-US" dirty="0" err="1"/>
+              <a:t>sklearn</a:t>
+            </a:r>
+            <a:r>
+              <a:rPr lang="he-IL" dirty="0"/>
+              <a:t> - </a:t>
+            </a:r>
+            <a:r>
+              <a:rPr lang="en-US" dirty="0"/>
+              <a:t>Normalizer</a:t>
+            </a:r>
+            <a:endParaRPr lang="he-IL" dirty="0"/>
+          </a:p>
+          <a:p>
+            <a:pPr marL="0" indent="0">
+              <a:buNone/>
+            </a:pPr>
+            <a:endParaRPr lang="he-IL" dirty="0"/>
+          </a:p>
+          <a:p>
+            <a:pPr marL="0" indent="0">
+              <a:buNone/>
+            </a:pPr>
+            <a:r>
+              <a:rPr lang="he-IL" dirty="0"/>
+              <a:t>מוטיבציה:</a:t>
+            </a:r>
+          </a:p>
+          <a:p>
+            <a:r>
+              <a:rPr lang="he-IL" dirty="0"/>
+              <a:t>לכל תכונה יש את היחידות שלה (ק"ג / גרמים וכד') ולכן על מנת שלא יהיה מצב שאחד התכונות יקבל משקל גדול יותר מאשר תכונה אחרת, בגלל היחידות, אז מבצעים עדכון טווחים.</a:t>
+            </a:r>
+          </a:p>
+          <a:p>
+            <a:r>
+              <a:rPr lang="he-IL" dirty="0"/>
+              <a:t>אלג’ </a:t>
+            </a:r>
+            <a:r>
+              <a:rPr lang="en-US" dirty="0"/>
+              <a:t>ML</a:t>
+            </a:r>
+            <a:r>
+              <a:rPr lang="he-IL" dirty="0"/>
+              <a:t> מתכנסים מהר יותר לתוצאה כאשר התכונות מנורמלות ובאותו טווח.</a:t>
+            </a:r>
+          </a:p>
+          <a:p>
+            <a:pPr marL="0" indent="0">
+              <a:buNone/>
+            </a:pPr>
+            <a:endParaRPr lang="he-IL" dirty="0"/>
+          </a:p>
+          <a:p>
+            <a:pPr marL="0" indent="0">
+              <a:buNone/>
+            </a:pPr>
+            <a:r>
+              <a:rPr lang="he-IL" dirty="0"/>
+              <a:t>דוגמאות לשימוש:</a:t>
+            </a:r>
+          </a:p>
+          <a:p>
+            <a:r>
+              <a:rPr lang="en-US" dirty="0"/>
+              <a:t>KNN</a:t>
+            </a:r>
+            <a:r>
+              <a:rPr lang="he-IL" dirty="0"/>
+              <a:t>, משתמש במרחק </a:t>
+            </a:r>
+            <a:r>
+              <a:rPr lang="he-IL" dirty="0" err="1"/>
+              <a:t>אוקלידי</a:t>
+            </a:r>
+            <a:r>
+              <a:rPr lang="he-IL" dirty="0"/>
+              <a:t>.</a:t>
+            </a:r>
+          </a:p>
+          <a:p>
+            <a:r>
+              <a:rPr lang="en-US" dirty="0"/>
+              <a:t>Random Forest</a:t>
+            </a:r>
+            <a:r>
+              <a:rPr lang="he-IL" dirty="0"/>
+              <a:t>, לא מבוסס מרחקים ולכן אין צורך לבצע </a:t>
+            </a:r>
             <a:r>
               <a:rPr lang="en-US" dirty="0"/>
               <a:t>Feature Scaling</a:t>
             </a:r>
+            <a:endParaRPr lang="he-IL" dirty="0"/>
+          </a:p>
+          <a:p>
+            <a:r>
+              <a:rPr lang="en-US" dirty="0"/>
+              <a:t>Naïve Bayes</a:t>
+            </a:r>
+            <a:r>
+              <a:rPr lang="he-IL" dirty="0"/>
+              <a:t>, מבוסס הסתברות ולכן אין הרבה השפעה ל </a:t>
+            </a:r>
+            <a:r>
+              <a:rPr lang="en-US" dirty="0"/>
+              <a:t>feature scaling</a:t>
+            </a:r>
+            <a:r>
+              <a:rPr lang="he-IL" dirty="0"/>
+              <a:t>.</a:t>
+            </a:r>
+          </a:p>
+          <a:p>
+            <a:pPr marL="0" indent="0">
+              <a:buNone/>
+            </a:pPr>
+            <a:endParaRPr lang="he-IL" dirty="0"/>
+          </a:p>
+          <a:p>
             <a:endParaRPr lang="he-IL" dirty="0"/>
           </a:p>
         </p:txBody>
@@ -7663,7 +7728,7 @@
     </p:spTree>
     <p:extLst>
       <p:ext uri="{BB962C8B-B14F-4D97-AF65-F5344CB8AC3E}">
-        <p14:creationId xmlns:p14="http://schemas.microsoft.com/office/powerpoint/2010/main" val="1488967984"/>
+        <p14:creationId xmlns:p14="http://schemas.microsoft.com/office/powerpoint/2010/main" val="705032010"/>
       </p:ext>
     </p:extLst>
   </p:cSld>
@@ -7690,59 +7755,12 @@
           <a:chExt cx="0" cy="0"/>
         </a:xfrm>
       </p:grpSpPr>
-      <p:pic>
-        <p:nvPicPr>
-          <p:cNvPr id="1026" name="Picture 2">
-            <a:extLst>
-              <a:ext uri="{FF2B5EF4-FFF2-40B4-BE49-F238E27FC236}">
-                <a16:creationId xmlns:a16="http://schemas.microsoft.com/office/drawing/2014/main" id="{EF553714-20FA-4999-9D67-2E6F45F246F4}"/>
-              </a:ext>
-            </a:extLst>
-          </p:cNvPr>
-          <p:cNvPicPr>
-            <a:picLocks noChangeAspect="1" noChangeArrowheads="1"/>
-          </p:cNvPicPr>
-          <p:nvPr/>
-        </p:nvPicPr>
-        <p:blipFill>
-          <a:blip r:embed="rId2">
-            <a:extLst>
-              <a:ext uri="{28A0092B-C50C-407E-A947-70E740481C1C}">
-                <a14:useLocalDpi xmlns:a14="http://schemas.microsoft.com/office/drawing/2010/main" val="0"/>
-              </a:ext>
-            </a:extLst>
-          </a:blip>
-          <a:srcRect/>
-          <a:stretch>
-            <a:fillRect/>
-          </a:stretch>
-        </p:blipFill>
-        <p:spPr bwMode="auto">
-          <a:xfrm>
-            <a:off x="2777613" y="1602658"/>
-            <a:ext cx="3911602" cy="1231030"/>
-          </a:xfrm>
-          <a:prstGeom prst="rect">
-            <a:avLst/>
-          </a:prstGeom>
-          <a:noFill/>
-          <a:extLst>
-            <a:ext uri="{909E8E84-426E-40DD-AFC4-6F175D3DCCD1}">
-              <a14:hiddenFill xmlns:a14="http://schemas.microsoft.com/office/drawing/2010/main">
-                <a:solidFill>
-                  <a:srgbClr val="FFFFFF"/>
-                </a:solidFill>
-              </a14:hiddenFill>
-            </a:ext>
-          </a:extLst>
-        </p:spPr>
-      </p:pic>
       <p:sp>
         <p:nvSpPr>
           <p:cNvPr id="2" name="כותרת 1">
             <a:extLst>
               <a:ext uri="{FF2B5EF4-FFF2-40B4-BE49-F238E27FC236}">
-                <a16:creationId xmlns:a16="http://schemas.microsoft.com/office/drawing/2014/main" id="{4F694F31-262D-43DF-9B55-3EE7B6604663}"/>
+                <a16:creationId xmlns:a16="http://schemas.microsoft.com/office/drawing/2014/main" id="{B3DECD05-1091-405F-9DAA-0C4DFD47CC50}"/>
               </a:ext>
             </a:extLst>
           </p:cNvPr>
@@ -7760,7 +7778,7 @@
           <a:p>
             <a:r>
               <a:rPr lang="en-US" dirty="0"/>
-              <a:t>Feature Scaling</a:t>
+              <a:t>Classifications models</a:t>
             </a:r>
             <a:endParaRPr lang="he-IL" dirty="0"/>
           </a:p>
@@ -7771,7 +7789,7 @@
           <p:cNvPr id="3" name="מציין מיקום תוכן 2">
             <a:extLst>
               <a:ext uri="{FF2B5EF4-FFF2-40B4-BE49-F238E27FC236}">
-                <a16:creationId xmlns:a16="http://schemas.microsoft.com/office/drawing/2014/main" id="{69DAA286-92DA-4858-A57C-A10BACEE9434}"/>
+                <a16:creationId xmlns:a16="http://schemas.microsoft.com/office/drawing/2014/main" id="{C39E8CC5-CF2E-44AE-B485-88D655295875}"/>
               </a:ext>
             </a:extLst>
           </p:cNvPr>
@@ -7782,239 +7800,20 @@
             <p:ph idx="1"/>
           </p:nvPr>
         </p:nvSpPr>
-        <p:spPr>
-          <a:xfrm>
-            <a:off x="838199" y="1337186"/>
-            <a:ext cx="11093245" cy="5279923"/>
-          </a:xfrm>
-        </p:spPr>
-        <p:txBody>
-          <a:bodyPr>
-            <a:normAutofit fontScale="55000" lnSpcReduction="20000"/>
-          </a:bodyPr>
-          <a:lstStyle/>
-          <a:p>
-            <a:r>
-              <a:rPr lang="en-US" dirty="0"/>
-              <a:t>Scale</a:t>
-            </a:r>
-            <a:r>
-              <a:rPr lang="he-IL" dirty="0"/>
-              <a:t> (נקרא גם </a:t>
-            </a:r>
-            <a:r>
-              <a:rPr lang="en-US" dirty="0"/>
-              <a:t>normalize</a:t>
-            </a:r>
-            <a:r>
-              <a:rPr lang="he-IL" dirty="0"/>
-              <a:t>)</a:t>
-            </a:r>
-          </a:p>
-          <a:p>
-            <a:pPr lvl="1"/>
-            <a:r>
-              <a:rPr lang="he-IL" dirty="0"/>
-              <a:t>לשנות את טווח הערכים ל </a:t>
-            </a:r>
-            <a:r>
-              <a:rPr lang="en-US" dirty="0"/>
-              <a:t>[0..1]</a:t>
-            </a:r>
-            <a:r>
-              <a:rPr lang="he-IL" dirty="0"/>
-              <a:t>. אין שינוי של צורת ההתפלגות.\</a:t>
-            </a:r>
-          </a:p>
-          <a:p>
-            <a:pPr lvl="1"/>
-            <a:r>
-              <a:rPr lang="he-IL" dirty="0"/>
-              <a:t>ב </a:t>
-            </a:r>
-            <a:r>
-              <a:rPr lang="en-US" dirty="0" err="1"/>
-              <a:t>sklearn</a:t>
-            </a:r>
-            <a:r>
-              <a:rPr lang="he-IL" dirty="0"/>
-              <a:t> </a:t>
-            </a:r>
-            <a:r>
-              <a:rPr lang="en-US" dirty="0" err="1"/>
-              <a:t>MinMaxScaler</a:t>
-            </a:r>
-            <a:endParaRPr lang="he-IL" dirty="0"/>
-          </a:p>
-          <a:p>
-            <a:r>
-              <a:rPr lang="en-US" dirty="0"/>
-              <a:t>Standardize</a:t>
-            </a:r>
-            <a:endParaRPr lang="he-IL" dirty="0"/>
-          </a:p>
-          <a:p>
-            <a:pPr lvl="1"/>
-            <a:r>
-              <a:rPr lang="he-IL" dirty="0"/>
-              <a:t>העברת כל הנתונים כך שה </a:t>
-            </a:r>
-            <a:r>
-              <a:rPr lang="en-US" dirty="0"/>
-              <a:t>Mean</a:t>
-            </a:r>
-            <a:r>
-              <a:rPr lang="he-IL" dirty="0"/>
-              <a:t> יהיה ב 0 וסטיית התקן תהיה 1</a:t>
-            </a:r>
-          </a:p>
-          <a:p>
-            <a:pPr lvl="1"/>
-            <a:r>
-              <a:rPr lang="he-IL" dirty="0"/>
-              <a:t>ב </a:t>
-            </a:r>
-            <a:r>
-              <a:rPr lang="en-US" dirty="0" err="1"/>
-              <a:t>sklearn</a:t>
-            </a:r>
-            <a:r>
-              <a:rPr lang="he-IL" dirty="0"/>
-              <a:t> – </a:t>
-            </a:r>
-            <a:r>
-              <a:rPr lang="en-US" dirty="0" err="1"/>
-              <a:t>StandardScaler</a:t>
-            </a:r>
-            <a:r>
-              <a:rPr lang="he-IL" dirty="0"/>
-              <a:t> (נקרא גם </a:t>
-            </a:r>
-            <a:r>
-              <a:rPr lang="en-US" dirty="0"/>
-              <a:t>Z-Score</a:t>
-            </a:r>
-            <a:r>
-              <a:rPr lang="he-IL" dirty="0"/>
-              <a:t>)</a:t>
-            </a:r>
-          </a:p>
-          <a:p>
-            <a:r>
-              <a:rPr lang="en-US" dirty="0"/>
-              <a:t>Normalize</a:t>
-            </a:r>
-            <a:r>
-              <a:rPr lang="he-IL" dirty="0"/>
-              <a:t> </a:t>
-            </a:r>
-          </a:p>
-          <a:p>
-            <a:pPr lvl="1"/>
-            <a:r>
-              <a:rPr lang="he-IL" dirty="0"/>
-              <a:t>העברת כל הנתונים לטווח שבין </a:t>
-            </a:r>
-            <a:r>
-              <a:rPr lang="en-US" dirty="0"/>
-              <a:t>[-1, 1]</a:t>
-            </a:r>
-            <a:r>
-              <a:rPr lang="he-IL" dirty="0"/>
-              <a:t> (עובדים על שורות ולא עמודות).</a:t>
-            </a:r>
-          </a:p>
-          <a:p>
-            <a:pPr lvl="1"/>
-            <a:r>
-              <a:rPr lang="he-IL" dirty="0"/>
-              <a:t>יש להשתמש בשיטה אם </a:t>
-            </a:r>
-            <a:r>
-              <a:rPr lang="he-IL" dirty="0" err="1"/>
-              <a:t>האלג</a:t>
-            </a:r>
-            <a:r>
-              <a:rPr lang="he-IL" dirty="0"/>
-              <a:t>' של </a:t>
-            </a:r>
-            <a:r>
-              <a:rPr lang="en-US" dirty="0"/>
-              <a:t>ML</a:t>
-            </a:r>
-            <a:r>
-              <a:rPr lang="he-IL" dirty="0"/>
-              <a:t>  מניח שהמידע מנורמל</a:t>
-            </a:r>
-          </a:p>
-          <a:p>
-            <a:pPr lvl="1"/>
-            <a:r>
-              <a:rPr lang="he-IL" dirty="0"/>
-              <a:t>ב </a:t>
-            </a:r>
-            <a:r>
-              <a:rPr lang="en-US" dirty="0" err="1"/>
-              <a:t>sklearn</a:t>
-            </a:r>
-            <a:r>
-              <a:rPr lang="he-IL" dirty="0"/>
-              <a:t> - </a:t>
-            </a:r>
-            <a:r>
-              <a:rPr lang="en-US" dirty="0"/>
-              <a:t>Normalizer</a:t>
-            </a:r>
-            <a:endParaRPr lang="he-IL" dirty="0"/>
-          </a:p>
-          <a:p>
-            <a:pPr marL="0" indent="0">
-              <a:buNone/>
-            </a:pPr>
-            <a:endParaRPr lang="he-IL" dirty="0"/>
-          </a:p>
-          <a:p>
-            <a:pPr marL="0" indent="0">
-              <a:buNone/>
-            </a:pPr>
-            <a:r>
-              <a:rPr lang="he-IL" dirty="0"/>
-              <a:t>מוטיבציה:</a:t>
-            </a:r>
-          </a:p>
-          <a:p>
-            <a:r>
-              <a:rPr lang="he-IL" dirty="0"/>
-              <a:t>לכל תכונה יש את היחידות שלה (ק"ג / גרמים וכד') ולכן על מנת שלא יהיה מצב שאחד התכונות יקבל משקל גדול יותר מאשר תכונה אחרת, בגלל היחידות, אז מבצעים עדכון טווחים.</a:t>
-            </a:r>
-          </a:p>
-          <a:p>
-            <a:r>
-              <a:rPr lang="he-IL" dirty="0"/>
-              <a:t>אלג’ </a:t>
-            </a:r>
-            <a:r>
-              <a:rPr lang="en-US" dirty="0"/>
-              <a:t>ML</a:t>
-            </a:r>
-            <a:r>
-              <a:rPr lang="he-IL" dirty="0"/>
-              <a:t> מתכנסים מהר יותר לתוצאה כאשר התכונות מנורמלות ובאותו טווח.</a:t>
-            </a:r>
-          </a:p>
-          <a:p>
-            <a:pPr marL="0" indent="0">
-              <a:buNone/>
-            </a:pPr>
-            <a:endParaRPr lang="he-IL" dirty="0"/>
-          </a:p>
-          <a:p>
-            <a:pPr marL="0" indent="0">
-              <a:buNone/>
-            </a:pPr>
-            <a:r>
-              <a:rPr lang="he-IL" dirty="0"/>
-              <a:t>דוגמאות לשימוש:</a:t>
+        <p:spPr/>
+        <p:txBody>
+          <a:bodyPr/>
+          <a:lstStyle/>
+          <a:p>
+            <a:r>
+              <a:rPr lang="en-US" dirty="0"/>
+              <a:t>Logistic Regression</a:t>
+            </a:r>
+          </a:p>
+          <a:p>
+            <a:r>
+              <a:rPr lang="en-US" dirty="0"/>
+              <a:t>Linear Discrimination Analysis</a:t>
             </a:r>
           </a:p>
           <a:p>
@@ -8022,57 +7821,30 @@
               <a:rPr lang="en-US" dirty="0"/>
               <a:t>KNN</a:t>
             </a:r>
-            <a:r>
-              <a:rPr lang="he-IL" dirty="0"/>
-              <a:t>, משתמש במרחק </a:t>
-            </a:r>
-            <a:r>
-              <a:rPr lang="he-IL" dirty="0" err="1"/>
-              <a:t>אוקלידי</a:t>
-            </a:r>
-            <a:r>
-              <a:rPr lang="he-IL" dirty="0"/>
-              <a:t>.</a:t>
-            </a:r>
-          </a:p>
-          <a:p>
-            <a:r>
-              <a:rPr lang="en-US" dirty="0"/>
-              <a:t>Random Forest</a:t>
-            </a:r>
-            <a:r>
-              <a:rPr lang="he-IL" dirty="0"/>
-              <a:t>, לא מבוסס מרחקים ולכן אין צורך לבצע </a:t>
-            </a:r>
-            <a:r>
-              <a:rPr lang="en-US" dirty="0"/>
-              <a:t>Feature Scaling</a:t>
-            </a:r>
-            <a:endParaRPr lang="he-IL" dirty="0"/>
+          </a:p>
+          <a:p>
+            <a:r>
+              <a:rPr lang="en-US" dirty="0"/>
+              <a:t>Decision Tree / Random Forest</a:t>
+            </a:r>
           </a:p>
           <a:p>
             <a:r>
               <a:rPr lang="en-US" dirty="0"/>
               <a:t>Naïve Bayes</a:t>
             </a:r>
-            <a:r>
-              <a:rPr lang="he-IL" dirty="0"/>
-              <a:t>, מבוסס הסתברות ולכן אין הרבה השפעה ל </a:t>
-            </a:r>
-            <a:r>
-              <a:rPr lang="en-US" dirty="0"/>
-              <a:t>feature scaling</a:t>
-            </a:r>
-            <a:r>
-              <a:rPr lang="he-IL" dirty="0"/>
-              <a:t>.</a:t>
-            </a:r>
-          </a:p>
-          <a:p>
-            <a:pPr marL="0" indent="0">
-              <a:buNone/>
-            </a:pPr>
-            <a:endParaRPr lang="he-IL" dirty="0"/>
+          </a:p>
+          <a:p>
+            <a:r>
+              <a:rPr lang="en-US" dirty="0"/>
+              <a:t>SVM</a:t>
+            </a:r>
+          </a:p>
+          <a:p>
+            <a:r>
+              <a:rPr lang="en-US" dirty="0"/>
+              <a:t>Multi-Layer Perceptron</a:t>
+            </a:r>
           </a:p>
           <a:p>
             <a:endParaRPr lang="he-IL" dirty="0"/>
@@ -8082,7 +7854,7 @@
     </p:spTree>
     <p:extLst>
       <p:ext uri="{BB962C8B-B14F-4D97-AF65-F5344CB8AC3E}">
-        <p14:creationId xmlns:p14="http://schemas.microsoft.com/office/powerpoint/2010/main" val="705032010"/>
+        <p14:creationId xmlns:p14="http://schemas.microsoft.com/office/powerpoint/2010/main" val="826418132"/>
       </p:ext>
     </p:extLst>
   </p:cSld>
@@ -8114,7 +7886,7 @@
           <p:cNvPr id="2" name="כותרת 1">
             <a:extLst>
               <a:ext uri="{FF2B5EF4-FFF2-40B4-BE49-F238E27FC236}">
-                <a16:creationId xmlns:a16="http://schemas.microsoft.com/office/drawing/2014/main" id="{B3DECD05-1091-405F-9DAA-0C4DFD47CC50}"/>
+                <a16:creationId xmlns:a16="http://schemas.microsoft.com/office/drawing/2014/main" id="{A93F3B18-1992-44CA-9CCF-79F5F16E8B3A}"/>
               </a:ext>
             </a:extLst>
           </p:cNvPr>
@@ -8131,8 +7903,12 @@
           <a:lstStyle/>
           <a:p>
             <a:r>
-              <a:rPr lang="en-US" dirty="0"/>
-              <a:t>Classifications models</a:t>
+              <a:rPr lang="en-US" dirty="0" err="1"/>
+              <a:t>Tunning</a:t>
+            </a:r>
+            <a:r>
+              <a:rPr lang="en-US" dirty="0"/>
+              <a:t> Hyperparameters</a:t>
             </a:r>
             <a:endParaRPr lang="he-IL" dirty="0"/>
           </a:p>
@@ -8143,7 +7919,7 @@
           <p:cNvPr id="3" name="מציין מיקום תוכן 2">
             <a:extLst>
               <a:ext uri="{FF2B5EF4-FFF2-40B4-BE49-F238E27FC236}">
-                <a16:creationId xmlns:a16="http://schemas.microsoft.com/office/drawing/2014/main" id="{C39E8CC5-CF2E-44AE-B485-88D655295875}"/>
+                <a16:creationId xmlns:a16="http://schemas.microsoft.com/office/drawing/2014/main" id="{FEFCBAAF-840A-4EAE-AF35-C96ADBE566C0}"/>
               </a:ext>
             </a:extLst>
           </p:cNvPr>
@@ -8161,46 +7937,66 @@
           <a:p>
             <a:r>
               <a:rPr lang="en-US" dirty="0"/>
-              <a:t>Logistic Regression</a:t>
-            </a:r>
-          </a:p>
-          <a:p>
-            <a:r>
-              <a:rPr lang="en-US" dirty="0"/>
-              <a:t>Linear Discrimination Analysis</a:t>
-            </a:r>
-          </a:p>
-          <a:p>
-            <a:r>
-              <a:rPr lang="en-US" dirty="0"/>
-              <a:t>KNN</a:t>
-            </a:r>
-          </a:p>
-          <a:p>
-            <a:r>
-              <a:rPr lang="en-US" dirty="0"/>
-              <a:t>Decision Tree / Random Forest</a:t>
-            </a:r>
-          </a:p>
-          <a:p>
-            <a:r>
-              <a:rPr lang="en-US" dirty="0"/>
-              <a:t>Naïve Bayes</a:t>
-            </a:r>
-          </a:p>
-          <a:p>
-            <a:r>
-              <a:rPr lang="en-US" dirty="0"/>
-              <a:t>SVM</a:t>
-            </a:r>
-          </a:p>
-          <a:p>
-            <a:r>
-              <a:rPr lang="en-US" dirty="0"/>
-              <a:t>Multi-Layer Perceptron</a:t>
-            </a:r>
-          </a:p>
-          <a:p>
+              <a:t> </a:t>
+            </a:r>
+            <a:r>
+              <a:rPr lang="en-US" dirty="0" err="1"/>
+              <a:t>GridSearchCV</a:t>
+            </a:r>
+            <a:r>
+              <a:rPr lang="en-US" dirty="0"/>
+              <a:t> </a:t>
+            </a:r>
+            <a:endParaRPr lang="he-IL" dirty="0"/>
+          </a:p>
+          <a:p>
+            <a:pPr lvl="1"/>
+            <a:r>
+              <a:rPr lang="he-IL" dirty="0"/>
+              <a:t>מצבע מעבר על מספר </a:t>
+            </a:r>
+            <a:r>
+              <a:rPr lang="en-US" dirty="0"/>
+              <a:t>hyperparameters</a:t>
+            </a:r>
+            <a:r>
+              <a:rPr lang="he-IL" dirty="0"/>
+              <a:t> ומחזיר את הטוב שבהם</a:t>
+            </a:r>
+          </a:p>
+          <a:p>
+            <a:pPr lvl="1"/>
+            <a:r>
+              <a:rPr lang="he-IL" dirty="0"/>
+              <a:t>מתבצע עם </a:t>
+            </a:r>
+            <a:r>
+              <a:rPr lang="en-US" dirty="0"/>
+              <a:t>KFOLD</a:t>
+            </a:r>
+            <a:r>
+              <a:rPr lang="he-IL" dirty="0"/>
+              <a:t> (ולכן מספר </a:t>
+            </a:r>
+            <a:r>
+              <a:rPr lang="he-IL" dirty="0" err="1"/>
+              <a:t>איטרציות</a:t>
+            </a:r>
+            <a:r>
+              <a:rPr lang="he-IL" dirty="0"/>
+              <a:t> ככל בין מספר הפרמטרים)</a:t>
+            </a:r>
+          </a:p>
+          <a:p>
+            <a:pPr lvl="1"/>
+            <a:r>
+              <a:rPr lang="he-IL" dirty="0"/>
+              <a:t>טוב לעבודה עם </a:t>
+            </a:r>
+            <a:r>
+              <a:rPr lang="en-US" dirty="0"/>
+              <a:t>pipeline</a:t>
+            </a:r>
             <a:endParaRPr lang="he-IL" dirty="0"/>
           </a:p>
         </p:txBody>
@@ -8208,7 +8004,7 @@
     </p:spTree>
     <p:extLst>
       <p:ext uri="{BB962C8B-B14F-4D97-AF65-F5344CB8AC3E}">
-        <p14:creationId xmlns:p14="http://schemas.microsoft.com/office/powerpoint/2010/main" val="826418132"/>
+        <p14:creationId xmlns:p14="http://schemas.microsoft.com/office/powerpoint/2010/main" val="2517907270"/>
       </p:ext>
     </p:extLst>
   </p:cSld>
@@ -8421,156 +8217,6 @@
           <p:cNvPr id="2" name="כותרת 1">
             <a:extLst>
               <a:ext uri="{FF2B5EF4-FFF2-40B4-BE49-F238E27FC236}">
-                <a16:creationId xmlns:a16="http://schemas.microsoft.com/office/drawing/2014/main" id="{A93F3B18-1992-44CA-9CCF-79F5F16E8B3A}"/>
-              </a:ext>
-            </a:extLst>
-          </p:cNvPr>
-          <p:cNvSpPr>
-            <a:spLocks noGrp="1"/>
-          </p:cNvSpPr>
-          <p:nvPr>
-            <p:ph type="title"/>
-          </p:nvPr>
-        </p:nvSpPr>
-        <p:spPr/>
-        <p:txBody>
-          <a:bodyPr/>
-          <a:lstStyle/>
-          <a:p>
-            <a:r>
-              <a:rPr lang="en-US" dirty="0" err="1"/>
-              <a:t>Tunning</a:t>
-            </a:r>
-            <a:r>
-              <a:rPr lang="en-US" dirty="0"/>
-              <a:t> Hyperparameters</a:t>
-            </a:r>
-            <a:endParaRPr lang="he-IL" dirty="0"/>
-          </a:p>
-        </p:txBody>
-      </p:sp>
-      <p:sp>
-        <p:nvSpPr>
-          <p:cNvPr id="3" name="מציין מיקום תוכן 2">
-            <a:extLst>
-              <a:ext uri="{FF2B5EF4-FFF2-40B4-BE49-F238E27FC236}">
-                <a16:creationId xmlns:a16="http://schemas.microsoft.com/office/drawing/2014/main" id="{FEFCBAAF-840A-4EAE-AF35-C96ADBE566C0}"/>
-              </a:ext>
-            </a:extLst>
-          </p:cNvPr>
-          <p:cNvSpPr>
-            <a:spLocks noGrp="1"/>
-          </p:cNvSpPr>
-          <p:nvPr>
-            <p:ph idx="1"/>
-          </p:nvPr>
-        </p:nvSpPr>
-        <p:spPr/>
-        <p:txBody>
-          <a:bodyPr/>
-          <a:lstStyle/>
-          <a:p>
-            <a:r>
-              <a:rPr lang="en-US" dirty="0"/>
-              <a:t> </a:t>
-            </a:r>
-            <a:r>
-              <a:rPr lang="en-US" dirty="0" err="1"/>
-              <a:t>GridSearchCV</a:t>
-            </a:r>
-            <a:r>
-              <a:rPr lang="en-US" dirty="0"/>
-              <a:t> </a:t>
-            </a:r>
-            <a:endParaRPr lang="he-IL" dirty="0"/>
-          </a:p>
-          <a:p>
-            <a:pPr lvl="1"/>
-            <a:r>
-              <a:rPr lang="he-IL" dirty="0"/>
-              <a:t>מצבע מעבר על מספר </a:t>
-            </a:r>
-            <a:r>
-              <a:rPr lang="en-US" dirty="0"/>
-              <a:t>hyperparameters</a:t>
-            </a:r>
-            <a:r>
-              <a:rPr lang="he-IL" dirty="0"/>
-              <a:t> ומחזיר את הטוב שבהם</a:t>
-            </a:r>
-          </a:p>
-          <a:p>
-            <a:pPr lvl="1"/>
-            <a:r>
-              <a:rPr lang="he-IL" dirty="0"/>
-              <a:t>מתבצע עם </a:t>
-            </a:r>
-            <a:r>
-              <a:rPr lang="en-US" dirty="0"/>
-              <a:t>KFOLD</a:t>
-            </a:r>
-            <a:r>
-              <a:rPr lang="he-IL" dirty="0"/>
-              <a:t> (ולכן מספר </a:t>
-            </a:r>
-            <a:r>
-              <a:rPr lang="he-IL" dirty="0" err="1"/>
-              <a:t>איטרציות</a:t>
-            </a:r>
-            <a:r>
-              <a:rPr lang="he-IL" dirty="0"/>
-              <a:t> ככל בין מספר הפרמטרים)</a:t>
-            </a:r>
-          </a:p>
-          <a:p>
-            <a:pPr lvl="1"/>
-            <a:r>
-              <a:rPr lang="he-IL" dirty="0"/>
-              <a:t>טוב לעבודה עם </a:t>
-            </a:r>
-            <a:r>
-              <a:rPr lang="en-US" dirty="0"/>
-              <a:t>pipeline</a:t>
-            </a:r>
-            <a:endParaRPr lang="he-IL" dirty="0"/>
-          </a:p>
-        </p:txBody>
-      </p:sp>
-    </p:spTree>
-    <p:extLst>
-      <p:ext uri="{BB962C8B-B14F-4D97-AF65-F5344CB8AC3E}">
-        <p14:creationId xmlns:p14="http://schemas.microsoft.com/office/powerpoint/2010/main" val="2517907270"/>
-      </p:ext>
-    </p:extLst>
-  </p:cSld>
-  <p:clrMapOvr>
-    <a:masterClrMapping/>
-  </p:clrMapOvr>
-</p:sld>
-</file>
-
-<file path=ppt/slides/slide31.xml><?xml version="1.0" encoding="utf-8"?>
-<p:sld xmlns:a="http://schemas.openxmlformats.org/drawingml/2006/main" xmlns:r="http://schemas.openxmlformats.org/officeDocument/2006/relationships" xmlns:p="http://schemas.openxmlformats.org/presentationml/2006/main">
-  <p:cSld>
-    <p:spTree>
-      <p:nvGrpSpPr>
-        <p:cNvPr id="1" name=""/>
-        <p:cNvGrpSpPr/>
-        <p:nvPr/>
-      </p:nvGrpSpPr>
-      <p:grpSpPr>
-        <a:xfrm>
-          <a:off x="0" y="0"/>
-          <a:ext cx="0" cy="0"/>
-          <a:chOff x="0" y="0"/>
-          <a:chExt cx="0" cy="0"/>
-        </a:xfrm>
-      </p:grpSpPr>
-      <p:sp>
-        <p:nvSpPr>
-          <p:cNvPr id="2" name="כותרת 1">
-            <a:extLst>
-              <a:ext uri="{FF2B5EF4-FFF2-40B4-BE49-F238E27FC236}">
                 <a16:creationId xmlns:a16="http://schemas.microsoft.com/office/drawing/2014/main" id="{A91AC397-FC0A-426E-B443-6F75D96EE877}"/>
               </a:ext>
             </a:extLst>
@@ -8636,6 +8282,162 @@
 </p:sld>
 </file>
 
+<file path=ppt/slides/slide31.xml><?xml version="1.0" encoding="utf-8"?>
+<p:sld xmlns:a="http://schemas.openxmlformats.org/drawingml/2006/main" xmlns:r="http://schemas.openxmlformats.org/officeDocument/2006/relationships" xmlns:p="http://schemas.openxmlformats.org/presentationml/2006/main">
+  <p:cSld>
+    <p:spTree>
+      <p:nvGrpSpPr>
+        <p:cNvPr id="1" name=""/>
+        <p:cNvGrpSpPr/>
+        <p:nvPr/>
+      </p:nvGrpSpPr>
+      <p:grpSpPr>
+        <a:xfrm>
+          <a:off x="0" y="0"/>
+          <a:ext cx="0" cy="0"/>
+          <a:chOff x="0" y="0"/>
+          <a:chExt cx="0" cy="0"/>
+        </a:xfrm>
+      </p:grpSpPr>
+      <p:sp>
+        <p:nvSpPr>
+          <p:cNvPr id="2" name="כותרת 1">
+            <a:extLst>
+              <a:ext uri="{FF2B5EF4-FFF2-40B4-BE49-F238E27FC236}">
+                <a16:creationId xmlns:a16="http://schemas.microsoft.com/office/drawing/2014/main" id="{E0C18051-C59A-43AC-B8B9-14675043C93A}"/>
+              </a:ext>
+            </a:extLst>
+          </p:cNvPr>
+          <p:cNvSpPr>
+            <a:spLocks noGrp="1"/>
+          </p:cNvSpPr>
+          <p:nvPr>
+            <p:ph type="title"/>
+          </p:nvPr>
+        </p:nvSpPr>
+        <p:spPr/>
+        <p:txBody>
+          <a:bodyPr/>
+          <a:lstStyle/>
+          <a:p>
+            <a:r>
+              <a:rPr lang="en-US" dirty="0" err="1"/>
+              <a:t>sklearn</a:t>
+            </a:r>
+            <a:endParaRPr lang="he-IL" dirty="0"/>
+          </a:p>
+        </p:txBody>
+      </p:sp>
+      <p:sp>
+        <p:nvSpPr>
+          <p:cNvPr id="3" name="מציין מיקום תוכן 2">
+            <a:extLst>
+              <a:ext uri="{FF2B5EF4-FFF2-40B4-BE49-F238E27FC236}">
+                <a16:creationId xmlns:a16="http://schemas.microsoft.com/office/drawing/2014/main" id="{9FA414EA-6318-408D-B824-8B689BF6D3D2}"/>
+              </a:ext>
+            </a:extLst>
+          </p:cNvPr>
+          <p:cNvSpPr>
+            <a:spLocks noGrp="1"/>
+          </p:cNvSpPr>
+          <p:nvPr>
+            <p:ph idx="1"/>
+          </p:nvPr>
+        </p:nvSpPr>
+        <p:spPr/>
+        <p:txBody>
+          <a:bodyPr/>
+          <a:lstStyle/>
+          <a:p>
+            <a:r>
+              <a:rPr lang="en-US" dirty="0" err="1"/>
+              <a:t>cross_val_score</a:t>
+            </a:r>
+            <a:endParaRPr lang="he-IL" dirty="0"/>
+          </a:p>
+          <a:p>
+            <a:pPr lvl="1"/>
+            <a:r>
+              <a:rPr lang="he-IL" dirty="0"/>
+              <a:t>מספק את תוצאות ה </a:t>
+            </a:r>
+            <a:r>
+              <a:rPr lang="en-US" dirty="0"/>
+              <a:t>SCORE</a:t>
+            </a:r>
+            <a:r>
+              <a:rPr lang="he-IL" dirty="0"/>
+              <a:t> של </a:t>
+            </a:r>
+            <a:r>
+              <a:rPr lang="en-US" dirty="0"/>
+              <a:t>KFOLD</a:t>
+            </a:r>
+          </a:p>
+          <a:p>
+            <a:r>
+              <a:rPr lang="en-US" dirty="0" err="1"/>
+              <a:t>cross_validate</a:t>
+            </a:r>
+            <a:endParaRPr lang="he-IL" dirty="0"/>
+          </a:p>
+          <a:p>
+            <a:pPr lvl="1"/>
+            <a:r>
+              <a:rPr lang="he-IL" dirty="0"/>
+              <a:t>ניתן להכניס מספר פרמטרים לבחינה (סוגי </a:t>
+            </a:r>
+            <a:r>
+              <a:rPr lang="en-US" dirty="0"/>
+              <a:t>score</a:t>
+            </a:r>
+            <a:r>
+              <a:rPr lang="he-IL" dirty="0"/>
+              <a:t>) ולקבל את התוצאות.</a:t>
+            </a:r>
+            <a:endParaRPr lang="en-US" dirty="0"/>
+          </a:p>
+          <a:p>
+            <a:r>
+              <a:rPr lang="en-US" dirty="0" err="1"/>
+              <a:t>cross_val_predict</a:t>
+            </a:r>
+            <a:r>
+              <a:rPr lang="en-US" dirty="0"/>
+              <a:t> </a:t>
+            </a:r>
+            <a:endParaRPr lang="he-IL" dirty="0"/>
+          </a:p>
+          <a:p>
+            <a:pPr lvl="1"/>
+            <a:r>
+              <a:rPr lang="he-IL" dirty="0"/>
+              <a:t>מספק את החיזוי של </a:t>
+            </a:r>
+            <a:r>
+              <a:rPr lang="en-US" dirty="0"/>
+              <a:t>KFOLD</a:t>
+            </a:r>
+          </a:p>
+          <a:p>
+            <a:pPr lvl="1"/>
+            <a:endParaRPr lang="he-IL" dirty="0"/>
+          </a:p>
+        </p:txBody>
+      </p:sp>
+    </p:spTree>
+    <p:extLst>
+      <p:ext uri="{BB962C8B-B14F-4D97-AF65-F5344CB8AC3E}">
+        <p14:creationId xmlns:p14="http://schemas.microsoft.com/office/powerpoint/2010/main" val="241042965"/>
+      </p:ext>
+    </p:extLst>
+  </p:cSld>
+  <p:clrMapOvr>
+    <a:masterClrMapping/>
+  </p:clrMapOvr>
+</p:sld>
+</file>
+
 <file path=ppt/slides/slide32.xml><?xml version="1.0" encoding="utf-8"?>
 <p:sld xmlns:a="http://schemas.openxmlformats.org/drawingml/2006/main" xmlns:r="http://schemas.openxmlformats.org/officeDocument/2006/relationships" xmlns:p="http://schemas.openxmlformats.org/presentationml/2006/main">
   <p:cSld>
@@ -8658,7 +8460,7 @@
           <p:cNvPr id="2" name="כותרת 1">
             <a:extLst>
               <a:ext uri="{FF2B5EF4-FFF2-40B4-BE49-F238E27FC236}">
-                <a16:creationId xmlns:a16="http://schemas.microsoft.com/office/drawing/2014/main" id="{E0C18051-C59A-43AC-B8B9-14675043C93A}"/>
+                <a16:creationId xmlns:a16="http://schemas.microsoft.com/office/drawing/2014/main" id="{EF0A11AC-E468-4EEB-8FA1-B197F3BD9094}"/>
               </a:ext>
             </a:extLst>
           </p:cNvPr>
@@ -8675,63 +8477,130 @@
           <a:lstStyle/>
           <a:p>
             <a:r>
+              <a:rPr lang="he-IL" dirty="0"/>
+              <a:t>סוגי </a:t>
+            </a:r>
+            <a:r>
+              <a:rPr lang="en-US" dirty="0"/>
+              <a:t>Cross Validation</a:t>
+            </a:r>
+            <a:endParaRPr lang="he-IL" dirty="0"/>
+          </a:p>
+        </p:txBody>
+      </p:sp>
+      <p:sp>
+        <p:nvSpPr>
+          <p:cNvPr id="3" name="מציין מיקום תוכן 2">
+            <a:extLst>
+              <a:ext uri="{FF2B5EF4-FFF2-40B4-BE49-F238E27FC236}">
+                <a16:creationId xmlns:a16="http://schemas.microsoft.com/office/drawing/2014/main" id="{949B6EB1-EC9C-4B92-AA3C-864F96E6EB01}"/>
+              </a:ext>
+            </a:extLst>
+          </p:cNvPr>
+          <p:cNvSpPr>
+            <a:spLocks noGrp="1"/>
+          </p:cNvSpPr>
+          <p:nvPr>
+            <p:ph idx="1"/>
+          </p:nvPr>
+        </p:nvSpPr>
+        <p:spPr>
+          <a:xfrm>
+            <a:off x="838200" y="1695451"/>
+            <a:ext cx="10515600" cy="4351338"/>
+          </a:xfrm>
+        </p:spPr>
+        <p:txBody>
+          <a:bodyPr>
+            <a:normAutofit lnSpcReduction="10000"/>
+          </a:bodyPr>
+          <a:lstStyle/>
+          <a:p>
+            <a:r>
+              <a:rPr lang="en-US" dirty="0"/>
+              <a:t>Holdout</a:t>
+            </a:r>
+            <a:r>
+              <a:rPr lang="he-IL" dirty="0"/>
+              <a:t> , בסיס </a:t>
+            </a:r>
+            <a:r>
+              <a:rPr lang="en-US" dirty="0"/>
+              <a:t>(split)</a:t>
+            </a:r>
+            <a:r>
+              <a:rPr lang="he-IL" dirty="0"/>
+              <a:t>.</a:t>
+            </a:r>
+          </a:p>
+          <a:p>
+            <a:pPr lvl="1"/>
+            <a:r>
+              <a:rPr lang="he-IL" dirty="0"/>
+              <a:t>חיסרון: </a:t>
+            </a:r>
+          </a:p>
+          <a:p>
+            <a:r>
               <a:rPr lang="en-US" dirty="0" err="1"/>
-              <a:t>sklearn</a:t>
-            </a:r>
-            <a:endParaRPr lang="he-IL" dirty="0"/>
-          </a:p>
-        </p:txBody>
-      </p:sp>
-      <p:sp>
-        <p:nvSpPr>
-          <p:cNvPr id="3" name="מציין מיקום תוכן 2">
-            <a:extLst>
-              <a:ext uri="{FF2B5EF4-FFF2-40B4-BE49-F238E27FC236}">
-                <a16:creationId xmlns:a16="http://schemas.microsoft.com/office/drawing/2014/main" id="{9FA414EA-6318-408D-B824-8B689BF6D3D2}"/>
-              </a:ext>
-            </a:extLst>
-          </p:cNvPr>
-          <p:cNvSpPr>
-            <a:spLocks noGrp="1"/>
-          </p:cNvSpPr>
-          <p:nvPr>
-            <p:ph idx="1"/>
-          </p:nvPr>
-        </p:nvSpPr>
-        <p:spPr/>
-        <p:txBody>
-          <a:bodyPr/>
-          <a:lstStyle/>
-          <a:p>
+              <a:t>Kfold</a:t>
+            </a:r>
+            <a:endParaRPr lang="he-IL" dirty="0"/>
+          </a:p>
+          <a:p>
+            <a:r>
+              <a:rPr lang="en-US" dirty="0"/>
+              <a:t>Random subsamples</a:t>
+            </a:r>
+          </a:p>
+          <a:p>
+            <a:pPr lvl="1"/>
+            <a:r>
+              <a:rPr lang="he-IL" dirty="0"/>
+              <a:t>בכל פעם בוחרים באופן אקראי את הדגימות לאימון ולבחינה</a:t>
+            </a:r>
+          </a:p>
+          <a:p>
+            <a:r>
+              <a:rPr lang="en-US" dirty="0"/>
+              <a:t>Leave one out</a:t>
+            </a:r>
+            <a:endParaRPr lang="he-IL" dirty="0"/>
+          </a:p>
+          <a:p>
+            <a:pPr lvl="1"/>
+            <a:r>
+              <a:rPr lang="he-IL" dirty="0"/>
+              <a:t>כמו </a:t>
+            </a:r>
             <a:r>
               <a:rPr lang="en-US" dirty="0" err="1"/>
-              <a:t>cross_val_score</a:t>
-            </a:r>
-            <a:endParaRPr lang="he-IL" dirty="0"/>
+              <a:t>kfold</a:t>
+            </a:r>
+            <a:r>
+              <a:rPr lang="he-IL" dirty="0"/>
+              <a:t> כאשר </a:t>
+            </a:r>
+            <a:r>
+              <a:rPr lang="en-US" dirty="0"/>
+              <a:t>k</a:t>
+            </a:r>
+            <a:r>
+              <a:rPr lang="he-IL" dirty="0"/>
+              <a:t> שווה למספר הדגימות.</a:t>
+            </a:r>
           </a:p>
           <a:p>
             <a:pPr lvl="1"/>
             <a:r>
               <a:rPr lang="he-IL" dirty="0"/>
-              <a:t>מספק את תוצאות ה </a:t>
-            </a:r>
-            <a:r>
-              <a:rPr lang="en-US" dirty="0"/>
-              <a:t>SCORE</a:t>
-            </a:r>
-            <a:r>
-              <a:rPr lang="he-IL" dirty="0"/>
-              <a:t> של </a:t>
-            </a:r>
-            <a:r>
-              <a:rPr lang="en-US" dirty="0"/>
-              <a:t>KFOLD</a:t>
-            </a:r>
-          </a:p>
-          <a:p>
-            <a:r>
-              <a:rPr lang="en-US" dirty="0" err="1"/>
-              <a:t>cross_validate</a:t>
+              <a:t>בכל פעם יש רק דגימה אחת לבחינה וכל השאר לאימון</a:t>
+            </a:r>
+          </a:p>
+          <a:p>
+            <a:r>
+              <a:rPr lang="en-US" dirty="0"/>
+              <a:t>Leave p out</a:t>
             </a:r>
             <a:endParaRPr lang="he-IL" dirty="0"/>
           </a:p>
@@ -8739,50 +8608,31 @@
             <a:pPr lvl="1"/>
             <a:r>
               <a:rPr lang="he-IL" dirty="0"/>
-              <a:t>ניתן להכניס מספר פרמטרים לבחינה (סוגי </a:t>
-            </a:r>
-            <a:r>
-              <a:rPr lang="en-US" dirty="0"/>
-              <a:t>score</a:t>
-            </a:r>
-            <a:r>
-              <a:rPr lang="he-IL" dirty="0"/>
-              <a:t>) ולקבל את התוצאות.</a:t>
-            </a:r>
-            <a:endParaRPr lang="en-US" dirty="0"/>
-          </a:p>
-          <a:p>
-            <a:r>
-              <a:rPr lang="en-US" dirty="0" err="1"/>
-              <a:t>cross_val_predict</a:t>
-            </a:r>
-            <a:r>
-              <a:rPr lang="en-US" dirty="0"/>
-              <a:t> </a:t>
-            </a:r>
-            <a:endParaRPr lang="he-IL" dirty="0"/>
-          </a:p>
-          <a:p>
-            <a:pPr lvl="1"/>
-            <a:r>
-              <a:rPr lang="he-IL" dirty="0"/>
-              <a:t>מספק את החיזוי של </a:t>
-            </a:r>
-            <a:r>
-              <a:rPr lang="en-US" dirty="0"/>
-              <a:t>KFOLD</a:t>
-            </a:r>
-          </a:p>
-          <a:p>
-            <a:pPr lvl="1"/>
-            <a:endParaRPr lang="he-IL" dirty="0"/>
+              <a:t>בדומה ל </a:t>
+            </a:r>
+            <a:r>
+              <a:rPr lang="en-US" dirty="0"/>
+              <a:t>leave one out</a:t>
+            </a:r>
+            <a:r>
+              <a:rPr lang="he-IL" dirty="0"/>
+              <a:t> רק ש </a:t>
+            </a:r>
+            <a:r>
+              <a:rPr lang="en-US" dirty="0"/>
+              <a:t>p</a:t>
+            </a:r>
+            <a:r>
+              <a:rPr lang="he-IL" dirty="0"/>
+              <a:t> הינו מספר הדגימות לבחינה</a:t>
+            </a:r>
           </a:p>
         </p:txBody>
       </p:sp>
     </p:spTree>
     <p:extLst>
       <p:ext uri="{BB962C8B-B14F-4D97-AF65-F5344CB8AC3E}">
-        <p14:creationId xmlns:p14="http://schemas.microsoft.com/office/powerpoint/2010/main" val="241042965"/>
+        <p14:creationId xmlns:p14="http://schemas.microsoft.com/office/powerpoint/2010/main" val="4265622507"/>
       </p:ext>
     </p:extLst>
   </p:cSld>
@@ -8809,61 +8659,189 @@
           <a:chExt cx="0" cy="0"/>
         </a:xfrm>
       </p:grpSpPr>
-      <p:sp>
-        <p:nvSpPr>
-          <p:cNvPr id="2" name="כותרת 1">
-            <a:extLst>
-              <a:ext uri="{FF2B5EF4-FFF2-40B4-BE49-F238E27FC236}">
-                <a16:creationId xmlns:a16="http://schemas.microsoft.com/office/drawing/2014/main" id="{EF0A11AC-E468-4EEB-8FA1-B197F3BD9094}"/>
-              </a:ext>
-            </a:extLst>
-          </p:cNvPr>
-          <p:cNvSpPr>
-            <a:spLocks noGrp="1"/>
-          </p:cNvSpPr>
-          <p:nvPr>
-            <p:ph type="title"/>
-          </p:nvPr>
-        </p:nvSpPr>
-        <p:spPr/>
-        <p:txBody>
-          <a:bodyPr/>
-          <a:lstStyle/>
-          <a:p>
-            <a:r>
-              <a:rPr lang="he-IL" dirty="0"/>
-              <a:t>סוגי </a:t>
-            </a:r>
-            <a:r>
-              <a:rPr lang="en-US" dirty="0"/>
-              <a:t>Cross Validation</a:t>
-            </a:r>
-            <a:endParaRPr lang="he-IL" dirty="0"/>
-          </a:p>
-        </p:txBody>
-      </p:sp>
-      <p:sp>
-        <p:nvSpPr>
-          <p:cNvPr id="3" name="מציין מיקום תוכן 2">
-            <a:extLst>
-              <a:ext uri="{FF2B5EF4-FFF2-40B4-BE49-F238E27FC236}">
-                <a16:creationId xmlns:a16="http://schemas.microsoft.com/office/drawing/2014/main" id="{949B6EB1-EC9C-4B92-AA3C-864F96E6EB01}"/>
-              </a:ext>
-            </a:extLst>
-          </p:cNvPr>
-          <p:cNvSpPr>
-            <a:spLocks noGrp="1"/>
-          </p:cNvSpPr>
-          <p:nvPr>
-            <p:ph idx="1"/>
-          </p:nvPr>
-        </p:nvSpPr>
+      <p:pic>
+        <p:nvPicPr>
+          <p:cNvPr id="7" name="תמונה 6">
+            <a:extLst>
+              <a:ext uri="{FF2B5EF4-FFF2-40B4-BE49-F238E27FC236}">
+                <a16:creationId xmlns:a16="http://schemas.microsoft.com/office/drawing/2014/main" id="{E1AF631D-4517-401D-98DD-6FD2967C89B4}"/>
+              </a:ext>
+            </a:extLst>
+          </p:cNvPr>
+          <p:cNvPicPr>
+            <a:picLocks noChangeAspect="1"/>
+          </p:cNvPicPr>
+          <p:nvPr/>
+        </p:nvPicPr>
+        <p:blipFill>
+          <a:blip r:embed="rId2"/>
+          <a:stretch>
+            <a:fillRect/>
+          </a:stretch>
+        </p:blipFill>
         <p:spPr>
           <a:xfrm>
-            <a:off x="838200" y="1695451"/>
-            <a:ext cx="10515600" cy="4351338"/>
+            <a:off x="6895024" y="3273074"/>
+            <a:ext cx="3148197" cy="894292"/>
           </a:xfrm>
+          <a:prstGeom prst="rect">
+            <a:avLst/>
+          </a:prstGeom>
         </p:spPr>
+      </p:pic>
+      <p:pic>
+        <p:nvPicPr>
+          <p:cNvPr id="5" name="תמונה 4">
+            <a:extLst>
+              <a:ext uri="{FF2B5EF4-FFF2-40B4-BE49-F238E27FC236}">
+                <a16:creationId xmlns:a16="http://schemas.microsoft.com/office/drawing/2014/main" id="{83949573-314D-43F5-9632-DC41BFB703C4}"/>
+              </a:ext>
+            </a:extLst>
+          </p:cNvPr>
+          <p:cNvPicPr>
+            <a:picLocks noChangeAspect="1"/>
+          </p:cNvPicPr>
+          <p:nvPr/>
+        </p:nvPicPr>
+        <p:blipFill>
+          <a:blip r:embed="rId3"/>
+          <a:stretch>
+            <a:fillRect/>
+          </a:stretch>
+        </p:blipFill>
+        <p:spPr>
+          <a:xfrm>
+            <a:off x="4642172" y="5205240"/>
+            <a:ext cx="2486025" cy="819150"/>
+          </a:xfrm>
+          <a:prstGeom prst="rect">
+            <a:avLst/>
+          </a:prstGeom>
+        </p:spPr>
+      </p:pic>
+      <p:pic>
+        <p:nvPicPr>
+          <p:cNvPr id="4" name="תמונה 3">
+            <a:extLst>
+              <a:ext uri="{FF2B5EF4-FFF2-40B4-BE49-F238E27FC236}">
+                <a16:creationId xmlns:a16="http://schemas.microsoft.com/office/drawing/2014/main" id="{38317005-73CE-4860-A550-99ECE9967183}"/>
+              </a:ext>
+            </a:extLst>
+          </p:cNvPr>
+          <p:cNvPicPr>
+            <a:picLocks noChangeAspect="1"/>
+          </p:cNvPicPr>
+          <p:nvPr/>
+        </p:nvPicPr>
+        <p:blipFill>
+          <a:blip r:embed="rId4"/>
+          <a:stretch>
+            <a:fillRect/>
+          </a:stretch>
+        </p:blipFill>
+        <p:spPr>
+          <a:xfrm>
+            <a:off x="4456624" y="4300255"/>
+            <a:ext cx="2438400" cy="819150"/>
+          </a:xfrm>
+          <a:prstGeom prst="rect">
+            <a:avLst/>
+          </a:prstGeom>
+        </p:spPr>
+      </p:pic>
+      <p:pic>
+        <p:nvPicPr>
+          <p:cNvPr id="2050" name="Picture 2">
+            <a:extLst>
+              <a:ext uri="{FF2B5EF4-FFF2-40B4-BE49-F238E27FC236}">
+                <a16:creationId xmlns:a16="http://schemas.microsoft.com/office/drawing/2014/main" id="{B9B2B5F3-EAD5-47CA-9EBD-1F124F9FC2E7}"/>
+              </a:ext>
+            </a:extLst>
+          </p:cNvPr>
+          <p:cNvPicPr>
+            <a:picLocks noChangeAspect="1" noChangeArrowheads="1"/>
+          </p:cNvPicPr>
+          <p:nvPr/>
+        </p:nvPicPr>
+        <p:blipFill>
+          <a:blip r:embed="rId5">
+            <a:extLst>
+              <a:ext uri="{28A0092B-C50C-407E-A947-70E740481C1C}">
+                <a14:useLocalDpi xmlns:a14="http://schemas.microsoft.com/office/drawing/2010/main" val="0"/>
+              </a:ext>
+            </a:extLst>
+          </a:blip>
+          <a:srcRect/>
+          <a:stretch>
+            <a:fillRect/>
+          </a:stretch>
+        </p:blipFill>
+        <p:spPr bwMode="auto">
+          <a:xfrm>
+            <a:off x="4533714" y="1336228"/>
+            <a:ext cx="2648320" cy="1986240"/>
+          </a:xfrm>
+          <a:prstGeom prst="rect">
+            <a:avLst/>
+          </a:prstGeom>
+          <a:noFill/>
+          <a:extLst>
+            <a:ext uri="{909E8E84-426E-40DD-AFC4-6F175D3DCCD1}">
+              <a14:hiddenFill xmlns:a14="http://schemas.microsoft.com/office/drawing/2010/main">
+                <a:solidFill>
+                  <a:srgbClr val="FFFFFF"/>
+                </a:solidFill>
+              </a14:hiddenFill>
+            </a:ext>
+          </a:extLst>
+        </p:spPr>
+      </p:pic>
+      <p:sp>
+        <p:nvSpPr>
+          <p:cNvPr id="2" name="כותרת 1">
+            <a:extLst>
+              <a:ext uri="{FF2B5EF4-FFF2-40B4-BE49-F238E27FC236}">
+                <a16:creationId xmlns:a16="http://schemas.microsoft.com/office/drawing/2014/main" id="{FDA3504D-FC74-40E9-93A9-87B2C1D11F2A}"/>
+              </a:ext>
+            </a:extLst>
+          </p:cNvPr>
+          <p:cNvSpPr>
+            <a:spLocks noGrp="1"/>
+          </p:cNvSpPr>
+          <p:nvPr>
+            <p:ph type="title"/>
+          </p:nvPr>
+        </p:nvSpPr>
+        <p:spPr/>
+        <p:txBody>
+          <a:bodyPr/>
+          <a:lstStyle/>
+          <a:p>
+            <a:r>
+              <a:rPr lang="en-US" dirty="0"/>
+              <a:t>Score</a:t>
+            </a:r>
+            <a:endParaRPr lang="he-IL" dirty="0"/>
+          </a:p>
+        </p:txBody>
+      </p:sp>
+      <p:sp>
+        <p:nvSpPr>
+          <p:cNvPr id="3" name="מציין מיקום תוכן 2">
+            <a:extLst>
+              <a:ext uri="{FF2B5EF4-FFF2-40B4-BE49-F238E27FC236}">
+                <a16:creationId xmlns:a16="http://schemas.microsoft.com/office/drawing/2014/main" id="{F7B23106-A251-484A-8F67-5D0C16EBFC7A}"/>
+              </a:ext>
+            </a:extLst>
+          </p:cNvPr>
+          <p:cNvSpPr>
+            <a:spLocks noGrp="1"/>
+          </p:cNvSpPr>
+          <p:nvPr>
+            <p:ph idx="1"/>
+          </p:nvPr>
+        </p:nvSpPr>
+        <p:spPr/>
         <p:txBody>
           <a:bodyPr>
             <a:normAutofit lnSpcReduction="10000"/>
@@ -8872,89 +8850,63 @@
           <a:p>
             <a:r>
               <a:rPr lang="en-US" dirty="0"/>
-              <a:t>Holdout</a:t>
-            </a:r>
-            <a:r>
-              <a:rPr lang="he-IL" dirty="0"/>
-              <a:t> , בסיס </a:t>
-            </a:r>
-            <a:r>
-              <a:rPr lang="en-US" dirty="0"/>
-              <a:t>(split)</a:t>
-            </a:r>
-            <a:r>
-              <a:rPr lang="he-IL" dirty="0"/>
-              <a:t>.</a:t>
-            </a:r>
+              <a:t>Confusion matrix</a:t>
+            </a:r>
+            <a:endParaRPr lang="he-IL" dirty="0"/>
           </a:p>
           <a:p>
             <a:pPr lvl="1"/>
             <a:r>
               <a:rPr lang="he-IL" dirty="0"/>
-              <a:t>חיסרון: </a:t>
-            </a:r>
-          </a:p>
-          <a:p>
-            <a:r>
-              <a:rPr lang="en-US" dirty="0" err="1"/>
-              <a:t>Kfold</a:t>
-            </a:r>
-            <a:endParaRPr lang="he-IL" dirty="0"/>
-          </a:p>
-          <a:p>
-            <a:r>
-              <a:rPr lang="en-US" dirty="0"/>
-              <a:t>Random subsamples</a:t>
-            </a:r>
+              <a:t>מדד ביצועים לבעיות סיווג</a:t>
+            </a:r>
+          </a:p>
+          <a:p>
+            <a:r>
+              <a:rPr lang="en-US" dirty="0"/>
+              <a:t>AUC-ROC curve</a:t>
+            </a:r>
+            <a:endParaRPr lang="he-IL" dirty="0"/>
           </a:p>
           <a:p>
             <a:pPr lvl="1"/>
             <a:r>
               <a:rPr lang="he-IL" dirty="0"/>
-              <a:t>בכל פעם בוחרים באופן אקראי את הדגימות לאימון ולבחינה</a:t>
-            </a:r>
-          </a:p>
-          <a:p>
-            <a:r>
-              <a:rPr lang="en-US" dirty="0"/>
-              <a:t>Leave one out</a:t>
+              <a:t>מדד ביצועים לבעיית סיווג</a:t>
+            </a:r>
+          </a:p>
+          <a:p>
+            <a:r>
+              <a:rPr lang="en-US" dirty="0"/>
+              <a:t>F1 Score</a:t>
             </a:r>
             <a:endParaRPr lang="he-IL" dirty="0"/>
           </a:p>
           <a:p>
             <a:pPr lvl="1"/>
-            <a:r>
-              <a:rPr lang="he-IL" dirty="0"/>
-              <a:t>כמו </a:t>
-            </a:r>
-            <a:r>
-              <a:rPr lang="en-US" dirty="0" err="1"/>
-              <a:t>kfold</a:t>
-            </a:r>
-            <a:r>
-              <a:rPr lang="he-IL" dirty="0"/>
-              <a:t> כאשר </a:t>
-            </a:r>
-            <a:r>
-              <a:rPr lang="en-US" dirty="0"/>
-              <a:t>k</a:t>
-            </a:r>
-            <a:r>
-              <a:rPr lang="he-IL" dirty="0"/>
-              <a:t> שווה למספר הדגימות.</a:t>
+            <a:endParaRPr lang="he-IL" dirty="0"/>
+          </a:p>
+          <a:p>
+            <a:r>
+              <a:rPr lang="en-US" dirty="0"/>
+              <a:t>Precision</a:t>
+            </a:r>
+            <a:r>
+              <a:rPr lang="he-IL" dirty="0"/>
+              <a:t> </a:t>
             </a:r>
           </a:p>
           <a:p>
             <a:pPr lvl="1"/>
             <a:r>
               <a:rPr lang="he-IL" dirty="0"/>
-              <a:t>בכל פעם יש רק דגימה אחת לבחינה וכל השאר לאימון</a:t>
-            </a:r>
-          </a:p>
-          <a:p>
-            <a:r>
-              <a:rPr lang="en-US" dirty="0"/>
-              <a:t>Leave p out</a:t>
+              <a:t>מדד לדיוק אחוז הדיוק החיובי.</a:t>
+            </a:r>
+          </a:p>
+          <a:p>
+            <a:r>
+              <a:rPr lang="en-US" dirty="0"/>
+              <a:t>Recall</a:t>
             </a:r>
             <a:endParaRPr lang="he-IL" dirty="0"/>
           </a:p>
@@ -8962,23 +8914,7 @@
             <a:pPr lvl="1"/>
             <a:r>
               <a:rPr lang="he-IL" dirty="0"/>
-              <a:t>בדומה ל </a:t>
-            </a:r>
-            <a:r>
-              <a:rPr lang="en-US" dirty="0"/>
-              <a:t>leave one out</a:t>
-            </a:r>
-            <a:r>
-              <a:rPr lang="he-IL" dirty="0"/>
-              <a:t> רק ש </a:t>
-            </a:r>
-            <a:r>
-              <a:rPr lang="en-US" dirty="0"/>
-              <a:t>p</a:t>
-            </a:r>
-            <a:r>
-              <a:rPr lang="he-IL" dirty="0"/>
-              <a:t> הינו מספר הדגימות לבחינה</a:t>
+              <a:t>מדד דיוק חיובי שצלחנו לנבא</a:t>
             </a:r>
           </a:p>
         </p:txBody>
@@ -8986,7 +8922,7 @@
     </p:spTree>
     <p:extLst>
       <p:ext uri="{BB962C8B-B14F-4D97-AF65-F5344CB8AC3E}">
-        <p14:creationId xmlns:p14="http://schemas.microsoft.com/office/powerpoint/2010/main" val="4265622507"/>
+        <p14:creationId xmlns:p14="http://schemas.microsoft.com/office/powerpoint/2010/main" val="820330764"/>
       </p:ext>
     </p:extLst>
   </p:cSld>
@@ -9013,296 +8949,6 @@
           <a:chExt cx="0" cy="0"/>
         </a:xfrm>
       </p:grpSpPr>
-      <p:pic>
-        <p:nvPicPr>
-          <p:cNvPr id="7" name="תמונה 6">
-            <a:extLst>
-              <a:ext uri="{FF2B5EF4-FFF2-40B4-BE49-F238E27FC236}">
-                <a16:creationId xmlns:a16="http://schemas.microsoft.com/office/drawing/2014/main" id="{E1AF631D-4517-401D-98DD-6FD2967C89B4}"/>
-              </a:ext>
-            </a:extLst>
-          </p:cNvPr>
-          <p:cNvPicPr>
-            <a:picLocks noChangeAspect="1"/>
-          </p:cNvPicPr>
-          <p:nvPr/>
-        </p:nvPicPr>
-        <p:blipFill>
-          <a:blip r:embed="rId2"/>
-          <a:stretch>
-            <a:fillRect/>
-          </a:stretch>
-        </p:blipFill>
-        <p:spPr>
-          <a:xfrm>
-            <a:off x="6895024" y="3273074"/>
-            <a:ext cx="3148197" cy="894292"/>
-          </a:xfrm>
-          <a:prstGeom prst="rect">
-            <a:avLst/>
-          </a:prstGeom>
-        </p:spPr>
-      </p:pic>
-      <p:pic>
-        <p:nvPicPr>
-          <p:cNvPr id="5" name="תמונה 4">
-            <a:extLst>
-              <a:ext uri="{FF2B5EF4-FFF2-40B4-BE49-F238E27FC236}">
-                <a16:creationId xmlns:a16="http://schemas.microsoft.com/office/drawing/2014/main" id="{83949573-314D-43F5-9632-DC41BFB703C4}"/>
-              </a:ext>
-            </a:extLst>
-          </p:cNvPr>
-          <p:cNvPicPr>
-            <a:picLocks noChangeAspect="1"/>
-          </p:cNvPicPr>
-          <p:nvPr/>
-        </p:nvPicPr>
-        <p:blipFill>
-          <a:blip r:embed="rId3"/>
-          <a:stretch>
-            <a:fillRect/>
-          </a:stretch>
-        </p:blipFill>
-        <p:spPr>
-          <a:xfrm>
-            <a:off x="4642172" y="5205240"/>
-            <a:ext cx="2486025" cy="819150"/>
-          </a:xfrm>
-          <a:prstGeom prst="rect">
-            <a:avLst/>
-          </a:prstGeom>
-        </p:spPr>
-      </p:pic>
-      <p:pic>
-        <p:nvPicPr>
-          <p:cNvPr id="4" name="תמונה 3">
-            <a:extLst>
-              <a:ext uri="{FF2B5EF4-FFF2-40B4-BE49-F238E27FC236}">
-                <a16:creationId xmlns:a16="http://schemas.microsoft.com/office/drawing/2014/main" id="{38317005-73CE-4860-A550-99ECE9967183}"/>
-              </a:ext>
-            </a:extLst>
-          </p:cNvPr>
-          <p:cNvPicPr>
-            <a:picLocks noChangeAspect="1"/>
-          </p:cNvPicPr>
-          <p:nvPr/>
-        </p:nvPicPr>
-        <p:blipFill>
-          <a:blip r:embed="rId4"/>
-          <a:stretch>
-            <a:fillRect/>
-          </a:stretch>
-        </p:blipFill>
-        <p:spPr>
-          <a:xfrm>
-            <a:off x="4456624" y="4300255"/>
-            <a:ext cx="2438400" cy="819150"/>
-          </a:xfrm>
-          <a:prstGeom prst="rect">
-            <a:avLst/>
-          </a:prstGeom>
-        </p:spPr>
-      </p:pic>
-      <p:pic>
-        <p:nvPicPr>
-          <p:cNvPr id="2050" name="Picture 2">
-            <a:extLst>
-              <a:ext uri="{FF2B5EF4-FFF2-40B4-BE49-F238E27FC236}">
-                <a16:creationId xmlns:a16="http://schemas.microsoft.com/office/drawing/2014/main" id="{B9B2B5F3-EAD5-47CA-9EBD-1F124F9FC2E7}"/>
-              </a:ext>
-            </a:extLst>
-          </p:cNvPr>
-          <p:cNvPicPr>
-            <a:picLocks noChangeAspect="1" noChangeArrowheads="1"/>
-          </p:cNvPicPr>
-          <p:nvPr/>
-        </p:nvPicPr>
-        <p:blipFill>
-          <a:blip r:embed="rId5">
-            <a:extLst>
-              <a:ext uri="{28A0092B-C50C-407E-A947-70E740481C1C}">
-                <a14:useLocalDpi xmlns:a14="http://schemas.microsoft.com/office/drawing/2010/main" val="0"/>
-              </a:ext>
-            </a:extLst>
-          </a:blip>
-          <a:srcRect/>
-          <a:stretch>
-            <a:fillRect/>
-          </a:stretch>
-        </p:blipFill>
-        <p:spPr bwMode="auto">
-          <a:xfrm>
-            <a:off x="4533714" y="1336228"/>
-            <a:ext cx="2648320" cy="1986240"/>
-          </a:xfrm>
-          <a:prstGeom prst="rect">
-            <a:avLst/>
-          </a:prstGeom>
-          <a:noFill/>
-          <a:extLst>
-            <a:ext uri="{909E8E84-426E-40DD-AFC4-6F175D3DCCD1}">
-              <a14:hiddenFill xmlns:a14="http://schemas.microsoft.com/office/drawing/2010/main">
-                <a:solidFill>
-                  <a:srgbClr val="FFFFFF"/>
-                </a:solidFill>
-              </a14:hiddenFill>
-            </a:ext>
-          </a:extLst>
-        </p:spPr>
-      </p:pic>
-      <p:sp>
-        <p:nvSpPr>
-          <p:cNvPr id="2" name="כותרת 1">
-            <a:extLst>
-              <a:ext uri="{FF2B5EF4-FFF2-40B4-BE49-F238E27FC236}">
-                <a16:creationId xmlns:a16="http://schemas.microsoft.com/office/drawing/2014/main" id="{FDA3504D-FC74-40E9-93A9-87B2C1D11F2A}"/>
-              </a:ext>
-            </a:extLst>
-          </p:cNvPr>
-          <p:cNvSpPr>
-            <a:spLocks noGrp="1"/>
-          </p:cNvSpPr>
-          <p:nvPr>
-            <p:ph type="title"/>
-          </p:nvPr>
-        </p:nvSpPr>
-        <p:spPr/>
-        <p:txBody>
-          <a:bodyPr/>
-          <a:lstStyle/>
-          <a:p>
-            <a:r>
-              <a:rPr lang="en-US" dirty="0"/>
-              <a:t>Score</a:t>
-            </a:r>
-            <a:endParaRPr lang="he-IL" dirty="0"/>
-          </a:p>
-        </p:txBody>
-      </p:sp>
-      <p:sp>
-        <p:nvSpPr>
-          <p:cNvPr id="3" name="מציין מיקום תוכן 2">
-            <a:extLst>
-              <a:ext uri="{FF2B5EF4-FFF2-40B4-BE49-F238E27FC236}">
-                <a16:creationId xmlns:a16="http://schemas.microsoft.com/office/drawing/2014/main" id="{F7B23106-A251-484A-8F67-5D0C16EBFC7A}"/>
-              </a:ext>
-            </a:extLst>
-          </p:cNvPr>
-          <p:cNvSpPr>
-            <a:spLocks noGrp="1"/>
-          </p:cNvSpPr>
-          <p:nvPr>
-            <p:ph idx="1"/>
-          </p:nvPr>
-        </p:nvSpPr>
-        <p:spPr/>
-        <p:txBody>
-          <a:bodyPr>
-            <a:normAutofit lnSpcReduction="10000"/>
-          </a:bodyPr>
-          <a:lstStyle/>
-          <a:p>
-            <a:r>
-              <a:rPr lang="en-US" dirty="0"/>
-              <a:t>Confusion matrix</a:t>
-            </a:r>
-            <a:endParaRPr lang="he-IL" dirty="0"/>
-          </a:p>
-          <a:p>
-            <a:pPr lvl="1"/>
-            <a:r>
-              <a:rPr lang="he-IL" dirty="0"/>
-              <a:t>מדד ביצועים לבעיות סיווג</a:t>
-            </a:r>
-          </a:p>
-          <a:p>
-            <a:r>
-              <a:rPr lang="en-US" dirty="0"/>
-              <a:t>AUC-ROC curve</a:t>
-            </a:r>
-            <a:endParaRPr lang="he-IL" dirty="0"/>
-          </a:p>
-          <a:p>
-            <a:pPr lvl="1"/>
-            <a:r>
-              <a:rPr lang="he-IL" dirty="0"/>
-              <a:t>מדד ביצועים לבעיית סיווג</a:t>
-            </a:r>
-          </a:p>
-          <a:p>
-            <a:r>
-              <a:rPr lang="en-US" dirty="0"/>
-              <a:t>F1 Score</a:t>
-            </a:r>
-            <a:endParaRPr lang="he-IL" dirty="0"/>
-          </a:p>
-          <a:p>
-            <a:pPr lvl="1"/>
-            <a:endParaRPr lang="he-IL" dirty="0"/>
-          </a:p>
-          <a:p>
-            <a:r>
-              <a:rPr lang="en-US" dirty="0"/>
-              <a:t>Precision</a:t>
-            </a:r>
-            <a:r>
-              <a:rPr lang="he-IL" dirty="0"/>
-              <a:t> </a:t>
-            </a:r>
-          </a:p>
-          <a:p>
-            <a:pPr lvl="1"/>
-            <a:r>
-              <a:rPr lang="he-IL" dirty="0"/>
-              <a:t>מדד לדיוק אחוז הדיוק החיובי.</a:t>
-            </a:r>
-          </a:p>
-          <a:p>
-            <a:r>
-              <a:rPr lang="en-US" dirty="0"/>
-              <a:t>Recall</a:t>
-            </a:r>
-            <a:endParaRPr lang="he-IL" dirty="0"/>
-          </a:p>
-          <a:p>
-            <a:pPr lvl="1"/>
-            <a:r>
-              <a:rPr lang="he-IL" dirty="0"/>
-              <a:t>מדד דיוק חיובי שצלחנו לנבא</a:t>
-            </a:r>
-          </a:p>
-        </p:txBody>
-      </p:sp>
-    </p:spTree>
-    <p:extLst>
-      <p:ext uri="{BB962C8B-B14F-4D97-AF65-F5344CB8AC3E}">
-        <p14:creationId xmlns:p14="http://schemas.microsoft.com/office/powerpoint/2010/main" val="820330764"/>
-      </p:ext>
-    </p:extLst>
-  </p:cSld>
-  <p:clrMapOvr>
-    <a:masterClrMapping/>
-  </p:clrMapOvr>
-</p:sld>
-</file>
-
-<file path=ppt/slides/slide35.xml><?xml version="1.0" encoding="utf-8"?>
-<p:sld xmlns:a="http://schemas.openxmlformats.org/drawingml/2006/main" xmlns:r="http://schemas.openxmlformats.org/officeDocument/2006/relationships" xmlns:p="http://schemas.openxmlformats.org/presentationml/2006/main">
-  <p:cSld>
-    <p:spTree>
-      <p:nvGrpSpPr>
-        <p:cNvPr id="1" name=""/>
-        <p:cNvGrpSpPr/>
-        <p:nvPr/>
-      </p:nvGrpSpPr>
-      <p:grpSpPr>
-        <a:xfrm>
-          <a:off x="0" y="0"/>
-          <a:ext cx="0" cy="0"/>
-          <a:chOff x="0" y="0"/>
-          <a:chExt cx="0" cy="0"/>
-        </a:xfrm>
-      </p:grpSpPr>
       <p:sp>
         <p:nvSpPr>
           <p:cNvPr id="2" name="כותרת 1">
@@ -9346,7 +8992,7 @@
 </p:sld>
 </file>
 
-<file path=ppt/slides/slide36.xml><?xml version="1.0" encoding="utf-8"?>
+<file path=ppt/slides/slide35.xml><?xml version="1.0" encoding="utf-8"?>
 <p:sld xmlns:a="http://schemas.openxmlformats.org/drawingml/2006/main" xmlns:r="http://schemas.openxmlformats.org/officeDocument/2006/relationships" xmlns:p="http://schemas.openxmlformats.org/presentationml/2006/main">
   <p:cSld>
     <p:spTree>
@@ -9641,6 +9287,406 @@
 </p:sld>
 </file>
 
+<file path=ppt/slides/slide36.xml><?xml version="1.0" encoding="utf-8"?>
+<p:sld xmlns:a="http://schemas.openxmlformats.org/drawingml/2006/main" xmlns:r="http://schemas.openxmlformats.org/officeDocument/2006/relationships" xmlns:p="http://schemas.openxmlformats.org/presentationml/2006/main">
+  <p:cSld>
+    <p:spTree>
+      <p:nvGrpSpPr>
+        <p:cNvPr id="1" name=""/>
+        <p:cNvGrpSpPr/>
+        <p:nvPr/>
+      </p:nvGrpSpPr>
+      <p:grpSpPr>
+        <a:xfrm>
+          <a:off x="0" y="0"/>
+          <a:ext cx="0" cy="0"/>
+          <a:chOff x="0" y="0"/>
+          <a:chExt cx="0" cy="0"/>
+        </a:xfrm>
+      </p:grpSpPr>
+      <p:pic>
+        <p:nvPicPr>
+          <p:cNvPr id="1026" name="Picture 2">
+            <a:extLst>
+              <a:ext uri="{FF2B5EF4-FFF2-40B4-BE49-F238E27FC236}">
+                <a16:creationId xmlns:a16="http://schemas.microsoft.com/office/drawing/2014/main" id="{F5707DA1-0442-42CA-851B-CE711F29EB85}"/>
+              </a:ext>
+            </a:extLst>
+          </p:cNvPr>
+          <p:cNvPicPr>
+            <a:picLocks noChangeAspect="1" noChangeArrowheads="1"/>
+          </p:cNvPicPr>
+          <p:nvPr/>
+        </p:nvPicPr>
+        <p:blipFill>
+          <a:blip r:embed="rId2">
+            <a:extLst>
+              <a:ext uri="{28A0092B-C50C-407E-A947-70E740481C1C}">
+                <a14:useLocalDpi xmlns:a14="http://schemas.microsoft.com/office/drawing/2010/main" val="0"/>
+              </a:ext>
+            </a:extLst>
+          </a:blip>
+          <a:srcRect/>
+          <a:stretch>
+            <a:fillRect/>
+          </a:stretch>
+        </p:blipFill>
+        <p:spPr bwMode="auto">
+          <a:xfrm>
+            <a:off x="838200" y="936349"/>
+            <a:ext cx="4400550" cy="3295650"/>
+          </a:xfrm>
+          <a:prstGeom prst="rect">
+            <a:avLst/>
+          </a:prstGeom>
+          <a:noFill/>
+          <a:extLst>
+            <a:ext uri="{909E8E84-426E-40DD-AFC4-6F175D3DCCD1}">
+              <a14:hiddenFill xmlns:a14="http://schemas.microsoft.com/office/drawing/2010/main">
+                <a:solidFill>
+                  <a:srgbClr val="FFFFFF"/>
+                </a:solidFill>
+              </a14:hiddenFill>
+            </a:ext>
+          </a:extLst>
+        </p:spPr>
+      </p:pic>
+      <p:sp>
+        <p:nvSpPr>
+          <p:cNvPr id="2" name="כותרת 1">
+            <a:extLst>
+              <a:ext uri="{FF2B5EF4-FFF2-40B4-BE49-F238E27FC236}">
+                <a16:creationId xmlns:a16="http://schemas.microsoft.com/office/drawing/2014/main" id="{EEB0B681-781F-4023-962E-8A480327E549}"/>
+              </a:ext>
+            </a:extLst>
+          </p:cNvPr>
+          <p:cNvSpPr>
+            <a:spLocks noGrp="1"/>
+          </p:cNvSpPr>
+          <p:nvPr>
+            <p:ph type="title"/>
+          </p:nvPr>
+        </p:nvSpPr>
+        <p:spPr/>
+        <p:txBody>
+          <a:bodyPr/>
+          <a:lstStyle/>
+          <a:p>
+            <a:r>
+              <a:rPr lang="en-US" dirty="0"/>
+              <a:t>PCA</a:t>
+            </a:r>
+            <a:endParaRPr lang="he-IL" dirty="0"/>
+          </a:p>
+        </p:txBody>
+      </p:sp>
+      <p:sp>
+        <p:nvSpPr>
+          <p:cNvPr id="3" name="מציין מיקום תוכן 2">
+            <a:extLst>
+              <a:ext uri="{FF2B5EF4-FFF2-40B4-BE49-F238E27FC236}">
+                <a16:creationId xmlns:a16="http://schemas.microsoft.com/office/drawing/2014/main" id="{1852753F-7CB0-4817-9381-859E808D508E}"/>
+              </a:ext>
+            </a:extLst>
+          </p:cNvPr>
+          <p:cNvSpPr>
+            <a:spLocks noGrp="1"/>
+          </p:cNvSpPr>
+          <p:nvPr>
+            <p:ph idx="1"/>
+          </p:nvPr>
+        </p:nvSpPr>
+        <p:spPr/>
+        <p:txBody>
+          <a:bodyPr>
+            <a:normAutofit fontScale="92500" lnSpcReduction="10000"/>
+          </a:bodyPr>
+          <a:lstStyle/>
+          <a:p>
+            <a:r>
+              <a:rPr lang="he-IL" dirty="0"/>
+              <a:t>שיטה להורדת </a:t>
+            </a:r>
+            <a:r>
+              <a:rPr lang="he-IL" dirty="0" err="1"/>
+              <a:t>מימדים</a:t>
+            </a:r>
+            <a:r>
+              <a:rPr lang="he-IL" dirty="0"/>
+              <a:t>.</a:t>
+            </a:r>
+          </a:p>
+          <a:p>
+            <a:r>
+              <a:rPr lang="he-IL" dirty="0"/>
+              <a:t>מטילים את המידע </a:t>
+            </a:r>
+            <a:r>
+              <a:rPr lang="he-IL" dirty="0" err="1"/>
+              <a:t>למימד</a:t>
+            </a:r>
+            <a:r>
+              <a:rPr lang="he-IL" dirty="0"/>
+              <a:t> אחר כך ש:</a:t>
+            </a:r>
+          </a:p>
+          <a:p>
+            <a:pPr lvl="1"/>
+            <a:r>
+              <a:rPr lang="he-IL" dirty="0"/>
+              <a:t>ציר עם ה </a:t>
+            </a:r>
+            <a:r>
+              <a:rPr lang="en-US" dirty="0"/>
+              <a:t>variance</a:t>
+            </a:r>
+            <a:r>
+              <a:rPr lang="he-IL" dirty="0"/>
+              <a:t> (שונות) הכי גדול יהיה ציר </a:t>
+            </a:r>
+            <a:r>
+              <a:rPr lang="en-US" dirty="0"/>
+              <a:t>X</a:t>
+            </a:r>
+            <a:endParaRPr lang="he-IL" dirty="0"/>
+          </a:p>
+          <a:p>
+            <a:pPr lvl="1"/>
+            <a:r>
+              <a:rPr lang="he-IL" dirty="0"/>
+              <a:t>ציר עם ה </a:t>
+            </a:r>
+            <a:r>
+              <a:rPr lang="en-US" dirty="0"/>
+              <a:t>variance</a:t>
+            </a:r>
+            <a:r>
+              <a:rPr lang="he-IL" dirty="0"/>
+              <a:t> השני הכיל גדול יהיה ציר </a:t>
+            </a:r>
+            <a:r>
+              <a:rPr lang="en-US" dirty="0"/>
+              <a:t>Y</a:t>
+            </a:r>
+            <a:endParaRPr lang="he-IL" dirty="0"/>
+          </a:p>
+          <a:p>
+            <a:pPr lvl="1"/>
+            <a:r>
+              <a:rPr lang="he-IL" dirty="0"/>
+              <a:t>כך הלאה.</a:t>
+            </a:r>
+          </a:p>
+          <a:p>
+            <a:r>
+              <a:rPr lang="en-US" dirty="0"/>
+              <a:t>PCA</a:t>
+            </a:r>
+            <a:r>
+              <a:rPr lang="he-IL" dirty="0"/>
+              <a:t> מדרג את הצירים לפי ה </a:t>
+            </a:r>
+            <a:r>
+              <a:rPr lang="en-US" dirty="0"/>
+              <a:t>variance</a:t>
+            </a:r>
+            <a:r>
+              <a:rPr lang="he-IL" dirty="0"/>
+              <a:t>.</a:t>
+            </a:r>
+          </a:p>
+          <a:p>
+            <a:r>
+              <a:rPr lang="he-IL" dirty="0"/>
+              <a:t>לא מומלץ להשתמש כאשר המאפיינים מכילים מידע </a:t>
+            </a:r>
+            <a:r>
+              <a:rPr lang="he-IL" dirty="0" err="1"/>
+              <a:t>דיסקטי</a:t>
+            </a:r>
+            <a:r>
+              <a:rPr lang="he-IL" dirty="0"/>
+              <a:t> / קטגוריות (ראה חיסרון)</a:t>
+            </a:r>
+          </a:p>
+          <a:p>
+            <a:r>
+              <a:rPr lang="he-IL" dirty="0" err="1"/>
+              <a:t>חיסרונות</a:t>
+            </a:r>
+            <a:r>
+              <a:rPr lang="he-IL" dirty="0"/>
+              <a:t>:</a:t>
+            </a:r>
+          </a:p>
+          <a:p>
+            <a:pPr lvl="1"/>
+            <a:r>
+              <a:rPr lang="he-IL" dirty="0"/>
+              <a:t>דוגמא: החלטה האם קבוצה תעלה לגמר או לא:</a:t>
+            </a:r>
+          </a:p>
+          <a:p>
+            <a:pPr lvl="2"/>
+            <a:r>
+              <a:rPr lang="he-IL" dirty="0"/>
+              <a:t>השונות של ניצחונות קטנה יותר משונות של כמה השחקנים רצים</a:t>
+            </a:r>
+          </a:p>
+          <a:p>
+            <a:pPr marL="0" indent="0">
+              <a:buNone/>
+            </a:pPr>
+            <a:endParaRPr lang="he-IL" dirty="0"/>
+          </a:p>
+          <a:p>
+            <a:pPr marL="0" indent="0">
+              <a:buNone/>
+            </a:pPr>
+            <a:endParaRPr lang="he-IL" dirty="0"/>
+          </a:p>
+          <a:p>
+            <a:endParaRPr lang="he-IL" dirty="0"/>
+          </a:p>
+        </p:txBody>
+      </p:sp>
+    </p:spTree>
+    <p:extLst>
+      <p:ext uri="{BB962C8B-B14F-4D97-AF65-F5344CB8AC3E}">
+        <p14:creationId xmlns:p14="http://schemas.microsoft.com/office/powerpoint/2010/main" val="277528152"/>
+      </p:ext>
+    </p:extLst>
+  </p:cSld>
+  <p:clrMapOvr>
+    <a:masterClrMapping/>
+  </p:clrMapOvr>
+</p:sld>
+</file>
+
+<file path=ppt/slides/slide37.xml><?xml version="1.0" encoding="utf-8"?>
+<p:sld xmlns:a="http://schemas.openxmlformats.org/drawingml/2006/main" xmlns:r="http://schemas.openxmlformats.org/officeDocument/2006/relationships" xmlns:p="http://schemas.openxmlformats.org/presentationml/2006/main">
+  <p:cSld>
+    <p:spTree>
+      <p:nvGrpSpPr>
+        <p:cNvPr id="1" name=""/>
+        <p:cNvGrpSpPr/>
+        <p:nvPr/>
+      </p:nvGrpSpPr>
+      <p:grpSpPr>
+        <a:xfrm>
+          <a:off x="0" y="0"/>
+          <a:ext cx="0" cy="0"/>
+          <a:chOff x="0" y="0"/>
+          <a:chExt cx="0" cy="0"/>
+        </a:xfrm>
+      </p:grpSpPr>
+      <p:sp>
+        <p:nvSpPr>
+          <p:cNvPr id="2" name="כותרת 1">
+            <a:extLst>
+              <a:ext uri="{FF2B5EF4-FFF2-40B4-BE49-F238E27FC236}">
+                <a16:creationId xmlns:a16="http://schemas.microsoft.com/office/drawing/2014/main" id="{C05B19A7-4B51-4263-9909-E7743DBA26C4}"/>
+              </a:ext>
+            </a:extLst>
+          </p:cNvPr>
+          <p:cNvSpPr>
+            <a:spLocks noGrp="1"/>
+          </p:cNvSpPr>
+          <p:nvPr>
+            <p:ph type="title"/>
+          </p:nvPr>
+        </p:nvSpPr>
+        <p:spPr/>
+        <p:txBody>
+          <a:bodyPr/>
+          <a:lstStyle/>
+          <a:p>
+            <a:r>
+              <a:rPr lang="he-IL" dirty="0"/>
+              <a:t>שאלות </a:t>
+            </a:r>
+            <a:r>
+              <a:rPr lang="en-US" dirty="0"/>
+              <a:t>PCA</a:t>
+            </a:r>
+            <a:r>
+              <a:rPr lang="he-IL" dirty="0"/>
+              <a:t>	</a:t>
+            </a:r>
+          </a:p>
+        </p:txBody>
+      </p:sp>
+      <p:sp>
+        <p:nvSpPr>
+          <p:cNvPr id="3" name="מציין מיקום תוכן 2">
+            <a:extLst>
+              <a:ext uri="{FF2B5EF4-FFF2-40B4-BE49-F238E27FC236}">
+                <a16:creationId xmlns:a16="http://schemas.microsoft.com/office/drawing/2014/main" id="{93F686FE-F8E2-4F3F-AE46-71CBBD633BAA}"/>
+              </a:ext>
+            </a:extLst>
+          </p:cNvPr>
+          <p:cNvSpPr>
+            <a:spLocks noGrp="1"/>
+          </p:cNvSpPr>
+          <p:nvPr>
+            <p:ph idx="1"/>
+          </p:nvPr>
+        </p:nvSpPr>
+        <p:spPr/>
+        <p:txBody>
+          <a:bodyPr/>
+          <a:lstStyle/>
+          <a:p>
+            <a:r>
+              <a:rPr lang="he-IL" dirty="0"/>
+              <a:t>כיצד ב </a:t>
+            </a:r>
+            <a:r>
+              <a:rPr lang="en-US" dirty="0"/>
+              <a:t>SKLEARN</a:t>
+            </a:r>
+            <a:r>
+              <a:rPr lang="he-IL" dirty="0"/>
+              <a:t> יודע לבחור את </a:t>
+            </a:r>
+            <a:r>
+              <a:rPr lang="en-US" dirty="0"/>
+              <a:t>K</a:t>
+            </a:r>
+            <a:r>
+              <a:rPr lang="he-IL" dirty="0"/>
+              <a:t> הכי טובים ?</a:t>
+            </a:r>
+          </a:p>
+          <a:p>
+            <a:r>
+              <a:rPr lang="he-IL" dirty="0"/>
+              <a:t>כיצד לטפל </a:t>
+            </a:r>
+            <a:r>
+              <a:rPr lang="he-IL" dirty="0" err="1"/>
+              <a:t>בחיסרונות</a:t>
+            </a:r>
+            <a:r>
+              <a:rPr lang="he-IL" dirty="0"/>
+              <a:t> ?</a:t>
+            </a:r>
+          </a:p>
+        </p:txBody>
+      </p:sp>
+    </p:spTree>
+    <p:extLst>
+      <p:ext uri="{BB962C8B-B14F-4D97-AF65-F5344CB8AC3E}">
+        <p14:creationId xmlns:p14="http://schemas.microsoft.com/office/powerpoint/2010/main" val="3971539147"/>
+      </p:ext>
+    </p:extLst>
+  </p:cSld>
+  <p:clrMapOvr>
+    <a:masterClrMapping/>
+  </p:clrMapOvr>
+</p:sld>
+</file>
+
 <file path=ppt/slides/slide4.xml><?xml version="1.0" encoding="utf-8"?>
 <p:sld xmlns:a="http://schemas.openxmlformats.org/drawingml/2006/main" xmlns:r="http://schemas.openxmlformats.org/officeDocument/2006/relationships" xmlns:p="http://schemas.openxmlformats.org/presentationml/2006/main">
   <p:cSld>
@@ -10673,7 +10719,7 @@
           <p:cNvPr id="2" name="כותרת 1">
             <a:extLst>
               <a:ext uri="{FF2B5EF4-FFF2-40B4-BE49-F238E27FC236}">
-                <a16:creationId xmlns:a16="http://schemas.microsoft.com/office/drawing/2014/main" id="{92608A55-1DAD-4646-BAC4-8A7DE866C75F}"/>
+                <a16:creationId xmlns:a16="http://schemas.microsoft.com/office/drawing/2014/main" id="{4CDBD322-010D-4D09-B4D0-C52ABE075B41}"/>
               </a:ext>
             </a:extLst>
           </p:cNvPr>
@@ -10690,10 +10736,9 @@
           <a:lstStyle/>
           <a:p>
             <a:r>
-              <a:rPr lang="en-US" dirty="0"/>
-              <a:t>PCA</a:t>
-            </a:r>
-            <a:endParaRPr lang="he-IL" dirty="0"/>
+              <a:rPr lang="he-IL" dirty="0"/>
+              <a:t>ישנם מספר טכניקות לבחירת קבוצת מאפיינים</a:t>
+            </a:r>
           </a:p>
         </p:txBody>
       </p:sp>
@@ -10702,7 +10747,7 @@
           <p:cNvPr id="3" name="מציין מיקום תוכן 2">
             <a:extLst>
               <a:ext uri="{FF2B5EF4-FFF2-40B4-BE49-F238E27FC236}">
-                <a16:creationId xmlns:a16="http://schemas.microsoft.com/office/drawing/2014/main" id="{BD88831A-18F0-4F51-ACBF-DDD7522AF106}"/>
+                <a16:creationId xmlns:a16="http://schemas.microsoft.com/office/drawing/2014/main" id="{FFA676B8-64D5-452C-8FE6-0A33E5A2FEE5}"/>
               </a:ext>
             </a:extLst>
           </p:cNvPr>
@@ -10715,62 +10760,163 @@
         </p:nvSpPr>
         <p:spPr/>
         <p:txBody>
-          <a:bodyPr/>
-          <a:lstStyle/>
-          <a:p>
-            <a:r>
-              <a:rPr lang="en-US" dirty="0"/>
-              <a:t>PCA</a:t>
-            </a:r>
-            <a:r>
-              <a:rPr lang="he-IL" dirty="0"/>
-              <a:t> מבצע הטלה </a:t>
+          <a:bodyPr>
+            <a:normAutofit fontScale="92500" lnSpcReduction="20000"/>
+          </a:bodyPr>
+          <a:lstStyle/>
+          <a:p>
+            <a:pPr marL="514350" indent="-514350">
+              <a:buAutoNum type="arabicPeriod"/>
+            </a:pPr>
+            <a:r>
+              <a:rPr lang="en-US" dirty="0"/>
+              <a:t>Complete</a:t>
+            </a:r>
+            <a:r>
+              <a:rPr lang="he-IL" dirty="0"/>
+              <a:t> </a:t>
+            </a:r>
+          </a:p>
+          <a:p>
+            <a:pPr marL="971550" lvl="1" indent="-514350">
+              <a:buAutoNum type="arabicPeriod"/>
+            </a:pPr>
+            <a:r>
+              <a:rPr lang="he-IL" dirty="0"/>
+              <a:t>עובר על כל הקבוצות האפשריות (</a:t>
+            </a:r>
+            <a:r>
+              <a:rPr lang="en-US" dirty="0"/>
+              <a:t>2^N</a:t>
+            </a:r>
+            <a:r>
+              <a:rPr lang="he-IL" dirty="0"/>
+              <a:t> אפשרויות)</a:t>
+            </a:r>
+          </a:p>
+          <a:p>
+            <a:pPr marL="971550" lvl="1" indent="-514350">
+              <a:buAutoNum type="arabicPeriod"/>
+            </a:pPr>
+            <a:r>
+              <a:rPr lang="he-IL" dirty="0"/>
+              <a:t>מניב תוצאה אופטימאלית.</a:t>
+            </a:r>
+          </a:p>
+          <a:p>
+            <a:pPr marL="971550" lvl="1" indent="-514350">
+              <a:buAutoNum type="arabicPeriod"/>
+            </a:pPr>
+            <a:r>
+              <a:rPr lang="he-IL" dirty="0"/>
+              <a:t>יקר במשאבים ובזמן.</a:t>
+            </a:r>
+          </a:p>
+          <a:p>
+            <a:pPr marL="514350" indent="-514350">
+              <a:buAutoNum type="arabicPeriod"/>
+            </a:pPr>
+            <a:r>
+              <a:rPr lang="en-US" dirty="0"/>
+              <a:t>Sequential Search</a:t>
+            </a:r>
+            <a:endParaRPr lang="he-IL" dirty="0"/>
+          </a:p>
+          <a:p>
+            <a:pPr marL="971550" lvl="1" indent="-514350">
+              <a:buAutoNum type="arabicPeriod"/>
+            </a:pPr>
+            <a:r>
+              <a:rPr lang="en-US" dirty="0"/>
+              <a:t>Forward/backward</a:t>
+            </a:r>
+            <a:endParaRPr lang="he-IL" dirty="0"/>
+          </a:p>
+          <a:p>
+            <a:pPr marL="971550" lvl="1" indent="-514350">
+              <a:buAutoNum type="arabicPeriod"/>
+            </a:pPr>
+            <a:r>
+              <a:rPr lang="he-IL" dirty="0"/>
+              <a:t>מתכנס לתוצאה אופטימאלית מקומית ולא גלובאלית.</a:t>
+            </a:r>
+          </a:p>
+          <a:p>
+            <a:pPr marL="971550" lvl="1" indent="-514350">
+              <a:buAutoNum type="arabicPeriod"/>
+            </a:pPr>
+            <a:r>
+              <a:rPr lang="he-IL" dirty="0"/>
+              <a:t>ניתן לשלב את 2 השיטות ?</a:t>
+            </a:r>
+          </a:p>
+          <a:p>
+            <a:pPr marL="514350" indent="-514350">
+              <a:buAutoNum type="arabicPeriod"/>
+            </a:pPr>
+            <a:r>
+              <a:rPr lang="en-US" dirty="0"/>
+              <a:t>Random</a:t>
+            </a:r>
+          </a:p>
+          <a:p>
+            <a:pPr marL="971550" lvl="1" indent="-514350">
+              <a:buAutoNum type="arabicPeriod"/>
+            </a:pPr>
+            <a:r>
+              <a:rPr lang="he-IL" dirty="0"/>
+              <a:t>מטרה: להתגבר על מציאת אופטימום מקומי</a:t>
+            </a:r>
+          </a:p>
+          <a:p>
+            <a:pPr marL="971550" lvl="1" indent="-514350">
+              <a:buAutoNum type="arabicPeriod"/>
+            </a:pPr>
+            <a:r>
+              <a:rPr lang="he-IL" dirty="0"/>
+              <a:t>מריצים מספר </a:t>
             </a:r>
             <a:r>
               <a:rPr lang="he-IL" dirty="0" err="1"/>
-              <a:t>למימד</a:t>
-            </a:r>
-            <a:r>
-              <a:rPr lang="he-IL" dirty="0"/>
-              <a:t> אחר תוך כדי הורדת ממדים נוספים. (משאיר רק מה </a:t>
+              <a:t>איטרציות</a:t>
+            </a:r>
+            <a:r>
+              <a:rPr lang="he-IL" dirty="0"/>
+              <a:t>, כאשר בכל </a:t>
             </a:r>
             <a:r>
               <a:rPr lang="he-IL" dirty="0" err="1"/>
-              <a:t>שבת"ל</a:t>
-            </a:r>
-            <a:r>
-              <a:rPr lang="he-IL" dirty="0"/>
-              <a:t>).</a:t>
-            </a:r>
-          </a:p>
-          <a:p>
-            <a:r>
-              <a:rPr lang="he-IL" dirty="0"/>
-              <a:t>ניתן להשתמש גם ב </a:t>
-            </a:r>
-            <a:r>
-              <a:rPr lang="en-US" dirty="0"/>
-              <a:t>PCA</a:t>
-            </a:r>
-            <a:r>
-              <a:rPr lang="he-IL" dirty="0"/>
-              <a:t> </a:t>
+              <a:t>אינטרציה</a:t>
+            </a:r>
+            <a:r>
+              <a:rPr lang="he-IL" dirty="0"/>
+              <a:t> מגרילים קבוצה התחלתית שונה.</a:t>
+            </a:r>
+          </a:p>
+          <a:p>
+            <a:pPr marL="971550" lvl="1" indent="-514350">
+              <a:buAutoNum type="arabicPeriod"/>
+            </a:pPr>
+            <a:r>
+              <a:rPr lang="he-IL" dirty="0"/>
+              <a:t>רצים עם אלג' </a:t>
             </a:r>
             <a:r>
               <a:rPr lang="he-IL" dirty="0" err="1"/>
-              <a:t>כאלג</a:t>
-            </a:r>
-            <a:r>
-              <a:rPr lang="he-IL" dirty="0"/>
-              <a:t>' ל </a:t>
-            </a:r>
-            <a:r>
-              <a:rPr lang="en-US" dirty="0"/>
-              <a:t>Feature Selection</a:t>
+              <a:t>גנטים</a:t>
             </a:r>
             <a:r>
               <a:rPr lang="he-IL" dirty="0"/>
               <a:t>.</a:t>
+            </a:r>
+          </a:p>
+          <a:p>
+            <a:pPr marL="971550" lvl="1" indent="-514350">
+              <a:buAutoNum type="arabicPeriod"/>
+            </a:pPr>
+            <a:r>
+              <a:rPr lang="he-IL" dirty="0"/>
+              <a:t>בסוף בוחרים את התוצאה האופטימלית מבין כל התוצאות</a:t>
             </a:r>
           </a:p>
         </p:txBody>
@@ -10778,7 +10924,7 @@
     </p:spTree>
     <p:extLst>
       <p:ext uri="{BB962C8B-B14F-4D97-AF65-F5344CB8AC3E}">
-        <p14:creationId xmlns:p14="http://schemas.microsoft.com/office/powerpoint/2010/main" val="759130869"/>
+        <p14:creationId xmlns:p14="http://schemas.microsoft.com/office/powerpoint/2010/main" val="654059144"/>
       </p:ext>
     </p:extLst>
   </p:cSld>
@@ -10810,7 +10956,7 @@
           <p:cNvPr id="2" name="כותרת 1">
             <a:extLst>
               <a:ext uri="{FF2B5EF4-FFF2-40B4-BE49-F238E27FC236}">
-                <a16:creationId xmlns:a16="http://schemas.microsoft.com/office/drawing/2014/main" id="{4CDBD322-010D-4D09-B4D0-C52ABE075B41}"/>
+                <a16:creationId xmlns:a16="http://schemas.microsoft.com/office/drawing/2014/main" id="{27D11B11-C425-4033-84BB-80362FD25731}"/>
               </a:ext>
             </a:extLst>
           </p:cNvPr>
@@ -10828,7 +10974,7 @@
           <a:p>
             <a:r>
               <a:rPr lang="he-IL" dirty="0"/>
-              <a:t>ישנם מספר טכניקות לבחירת קבוצת מאפיינים</a:t>
+              <a:t>שיטות להערכת איכות קבוצת המאפיינים</a:t>
             </a:r>
           </a:p>
         </p:txBody>
@@ -10838,7 +10984,7 @@
           <p:cNvPr id="3" name="מציין מיקום תוכן 2">
             <a:extLst>
               <a:ext uri="{FF2B5EF4-FFF2-40B4-BE49-F238E27FC236}">
-                <a16:creationId xmlns:a16="http://schemas.microsoft.com/office/drawing/2014/main" id="{FFA676B8-64D5-452C-8FE6-0A33E5A2FEE5}"/>
+                <a16:creationId xmlns:a16="http://schemas.microsoft.com/office/drawing/2014/main" id="{FA6BC29E-3BD7-4FD5-A2B6-B178C0C2D36A}"/>
               </a:ext>
             </a:extLst>
           </p:cNvPr>
@@ -10852,7 +10998,7 @@
         <p:spPr/>
         <p:txBody>
           <a:bodyPr>
-            <a:normAutofit fontScale="92500" lnSpcReduction="20000"/>
+            <a:normAutofit fontScale="62500" lnSpcReduction="20000"/>
           </a:bodyPr>
           <a:lstStyle/>
           <a:p>
@@ -10861,12 +11007,9 @@
             </a:pPr>
             <a:r>
               <a:rPr lang="en-US" dirty="0"/>
-              <a:t>Complete</a:t>
-            </a:r>
-            <a:r>
-              <a:rPr lang="he-IL" dirty="0"/>
-              <a:t> </a:t>
-            </a:r>
+              <a:t>Filter Model</a:t>
+            </a:r>
+            <a:endParaRPr lang="he-IL" dirty="0"/>
           </a:p>
           <a:p>
             <a:pPr marL="971550" lvl="1" indent="-514350">
@@ -10874,15 +11017,23 @@
             </a:pPr>
             <a:r>
               <a:rPr lang="he-IL" dirty="0"/>
-              <a:t>עובר על כל הקבוצות האפשריות (</a:t>
-            </a:r>
-            <a:r>
-              <a:rPr lang="en-US" dirty="0"/>
-              <a:t>2^N</a:t>
-            </a:r>
-            <a:r>
-              <a:rPr lang="he-IL" dirty="0"/>
-              <a:t> אפשרויות)</a:t>
+              <a:t>אין שימוש </a:t>
+            </a:r>
+            <a:r>
+              <a:rPr lang="he-IL" dirty="0" err="1"/>
+              <a:t>באלג</a:t>
+            </a:r>
+            <a:r>
+              <a:rPr lang="he-IL" dirty="0"/>
+              <a:t>' (לכן אין השפעה בבחירת אלג') ולכן יעיל במבני נתונים בעלי </a:t>
+            </a:r>
+            <a:r>
+              <a:rPr lang="he-IL" dirty="0" err="1"/>
+              <a:t>מימד</a:t>
+            </a:r>
+            <a:r>
+              <a:rPr lang="he-IL" dirty="0"/>
+              <a:t> גבוהה.</a:t>
             </a:r>
           </a:p>
           <a:p>
@@ -10891,7 +11042,15 @@
             </a:pPr>
             <a:r>
               <a:rPr lang="he-IL" dirty="0"/>
-              <a:t>מניב תוצאה אופטימאלית.</a:t>
+              <a:t>יש שימוש במאפיינים </a:t>
+            </a:r>
+            <a:r>
+              <a:rPr lang="he-IL" dirty="0" err="1"/>
+              <a:t>סטיסטים</a:t>
+            </a:r>
+            <a:r>
+              <a:rPr lang="he-IL" dirty="0"/>
+              <a:t> (לדוגמא: אנטרופיה, קורלציה לינארית)</a:t>
             </a:r>
           </a:p>
           <a:p>
@@ -10900,7 +11059,34 @@
             </a:pPr>
             <a:r>
               <a:rPr lang="he-IL" dirty="0"/>
-              <a:t>יקר במשאבים ובזמן.</a:t>
+              <a:t>שיטה מהירה</a:t>
+            </a:r>
+          </a:p>
+          <a:p>
+            <a:pPr marL="971550" lvl="1" indent="-514350">
+              <a:buAutoNum type="arabicPeriod"/>
+            </a:pPr>
+            <a:r>
+              <a:rPr lang="he-IL" dirty="0" err="1"/>
+              <a:t>לוודוקא</a:t>
+            </a:r>
+            <a:r>
+              <a:rPr lang="he-IL" dirty="0"/>
+              <a:t> נותנת את התוצאה </a:t>
+            </a:r>
+            <a:r>
+              <a:rPr lang="he-IL" dirty="0" err="1"/>
+              <a:t>האופטמלית</a:t>
+            </a:r>
+            <a:endParaRPr lang="he-IL" dirty="0"/>
+          </a:p>
+          <a:p>
+            <a:pPr marL="971550" lvl="1" indent="-514350">
+              <a:buAutoNum type="arabicPeriod"/>
+            </a:pPr>
+            <a:r>
+              <a:rPr lang="he-IL" dirty="0"/>
+              <a:t>השיטה מספקת משקל למאפיין / שילוב מספר מאפיינים וזורקת את המאפיינים בעלי המשקל הקטן יותר</a:t>
             </a:r>
           </a:p>
           <a:p>
@@ -10909,7 +11095,7 @@
             </a:pPr>
             <a:r>
               <a:rPr lang="en-US" dirty="0"/>
-              <a:t>Sequential Search</a:t>
+              <a:t>Wrapper Model</a:t>
             </a:r>
             <a:endParaRPr lang="he-IL" dirty="0"/>
           </a:p>
@@ -10918,10 +11104,41 @@
               <a:buAutoNum type="arabicPeriod"/>
             </a:pPr>
             <a:r>
-              <a:rPr lang="en-US" dirty="0"/>
-              <a:t>Forward/backward</a:t>
-            </a:r>
-            <a:endParaRPr lang="he-IL" dirty="0"/>
+              <a:rPr lang="he-IL" dirty="0"/>
+              <a:t>שימוש </a:t>
+            </a:r>
+            <a:r>
+              <a:rPr lang="he-IL" dirty="0" err="1"/>
+              <a:t>באלג</a:t>
+            </a:r>
+            <a:r>
+              <a:rPr lang="he-IL" dirty="0"/>
+              <a:t>’</a:t>
+            </a:r>
+            <a:r>
+              <a:rPr lang="en-US" dirty="0"/>
+              <a:t> </a:t>
+            </a:r>
+            <a:r>
+              <a:rPr lang="he-IL" dirty="0"/>
+              <a:t> </a:t>
+            </a:r>
+            <a:r>
+              <a:rPr lang="en-US" dirty="0"/>
+              <a:t>Classification</a:t>
+            </a:r>
+            <a:r>
+              <a:rPr lang="he-IL" dirty="0"/>
+              <a:t> (</a:t>
+            </a:r>
+            <a:r>
+              <a:rPr lang="en-US" dirty="0"/>
+              <a:t>SVM, ANN, BAYESIAN, NN, DT</a:t>
+            </a:r>
+            <a:r>
+              <a:rPr lang="he-IL" dirty="0"/>
+              <a:t>)</a:t>
+            </a:r>
           </a:p>
           <a:p>
             <a:pPr marL="971550" lvl="1" indent="-514350">
@@ -10929,7 +11146,20 @@
             </a:pPr>
             <a:r>
               <a:rPr lang="he-IL" dirty="0"/>
-              <a:t>מתכנס לתוצאה אופטימאלית מקומית ולא גלובאלית.</a:t>
+              <a:t>שיטה איטית מאוד</a:t>
+            </a:r>
+          </a:p>
+          <a:p>
+            <a:pPr marL="514350" indent="-514350">
+              <a:buAutoNum type="arabicPeriod"/>
+            </a:pPr>
+            <a:r>
+              <a:rPr lang="en-US" dirty="0"/>
+              <a:t>Hybrid</a:t>
+            </a:r>
+            <a:r>
+              <a:rPr lang="he-IL" dirty="0"/>
+              <a:t>***</a:t>
             </a:r>
           </a:p>
           <a:p>
@@ -10938,7 +11168,32 @@
             </a:pPr>
             <a:r>
               <a:rPr lang="he-IL" dirty="0"/>
-              <a:t>ניתן לשלב את 2 השיטות ?</a:t>
+              <a:t>שילוב 2 השיטות מעלה</a:t>
+            </a:r>
+          </a:p>
+          <a:p>
+            <a:pPr marL="971550" lvl="1" indent="-514350">
+              <a:buAutoNum type="arabicPeriod"/>
+            </a:pPr>
+            <a:r>
+              <a:rPr lang="he-IL" dirty="0"/>
+              <a:t>בהתחלה יחד עם שיטת ה </a:t>
+            </a:r>
+            <a:r>
+              <a:rPr lang="en-US" dirty="0"/>
+              <a:t>Filter</a:t>
+            </a:r>
+            <a:r>
+              <a:rPr lang="he-IL" dirty="0"/>
+              <a:t> זורקים מאפיינים שאין בהם כלל שימוש ולאחר מכן מפעילים את שיטת ה </a:t>
+            </a:r>
+            <a:r>
+              <a:rPr lang="en-US" dirty="0"/>
+              <a:t>Wrapper</a:t>
+            </a:r>
+            <a:r>
+              <a:rPr lang="he-IL" dirty="0"/>
+              <a:t>.</a:t>
             </a:r>
           </a:p>
           <a:p>
@@ -10947,8 +11202,9 @@
             </a:pPr>
             <a:r>
               <a:rPr lang="en-US" dirty="0"/>
-              <a:t>Random</a:t>
-            </a:r>
+              <a:t>Embedded</a:t>
+            </a:r>
+            <a:endParaRPr lang="he-IL" dirty="0"/>
           </a:p>
           <a:p>
             <a:pPr marL="971550" lvl="1" indent="-514350">
@@ -10956,7 +11212,7 @@
             </a:pPr>
             <a:r>
               <a:rPr lang="he-IL" dirty="0"/>
-              <a:t>מטרה: להתגבר על מציאת אופטימום מקומי</a:t>
+              <a:t>בשיטה זו, חלק בחירת המאפיינים וחלק הלימוד לא מופרדים. בחירת המאפיינים מתבצעת בזמן הלימוד</a:t>
             </a:r>
           </a:p>
           <a:p>
@@ -10965,57 +11221,65 @@
             </a:pPr>
             <a:r>
               <a:rPr lang="he-IL" dirty="0"/>
-              <a:t>מריצים מספר </a:t>
-            </a:r>
-            <a:r>
-              <a:rPr lang="he-IL" dirty="0" err="1"/>
-              <a:t>איטרציות</a:t>
-            </a:r>
-            <a:r>
-              <a:rPr lang="he-IL" dirty="0"/>
-              <a:t>, כאשר בכל </a:t>
-            </a:r>
-            <a:r>
-              <a:rPr lang="he-IL" dirty="0" err="1"/>
-              <a:t>אינטרציה</a:t>
-            </a:r>
-            <a:r>
-              <a:rPr lang="he-IL" dirty="0"/>
-              <a:t> מגרילים קבוצה התחלתית שונה.</a:t>
-            </a:r>
-          </a:p>
-          <a:p>
-            <a:pPr marL="971550" lvl="1" indent="-514350">
+              <a:t>דוגמאות: </a:t>
+            </a:r>
+            <a:r>
+              <a:rPr lang="en-US" dirty="0"/>
+              <a:t>RFE (Recursive Feature Elimination)</a:t>
+            </a:r>
+            <a:endParaRPr lang="he-IL" dirty="0"/>
+          </a:p>
+          <a:p>
+            <a:pPr marL="1428750" lvl="2" indent="-514350">
               <a:buAutoNum type="arabicPeriod"/>
             </a:pPr>
             <a:r>
               <a:rPr lang="he-IL" dirty="0"/>
-              <a:t>רצים עם אלג' </a:t>
+              <a:t>משתמש ב </a:t>
+            </a:r>
+            <a:r>
+              <a:rPr lang="en-US" dirty="0"/>
+              <a:t>SVM</a:t>
+            </a:r>
+            <a:r>
+              <a:rPr lang="he-IL" dirty="0"/>
+              <a:t>, מתחיל מקבוצת מאפיינים מלאה ובכל הרצה של </a:t>
             </a:r>
             <a:r>
               <a:rPr lang="he-IL" dirty="0" err="1"/>
-              <a:t>גנטים</a:t>
-            </a:r>
-            <a:r>
-              <a:rPr lang="he-IL" dirty="0"/>
-              <a:t>.</a:t>
-            </a:r>
-          </a:p>
-          <a:p>
-            <a:pPr marL="971550" lvl="1" indent="-514350">
+              <a:t>האלג</a:t>
+            </a:r>
+            <a:r>
+              <a:rPr lang="he-IL" dirty="0"/>
+              <a:t>', מעיף את המשקל הנמוך יותר.</a:t>
+            </a:r>
+          </a:p>
+          <a:p>
+            <a:pPr marL="1428750" lvl="2" indent="-514350">
               <a:buAutoNum type="arabicPeriod"/>
             </a:pPr>
             <a:r>
               <a:rPr lang="he-IL" dirty="0"/>
-              <a:t>בסוף בוחרים את התוצאה האופטימלית מבין כל התוצאות</a:t>
-            </a:r>
+              <a:t>יש צורך להגדיר את מספר </a:t>
+            </a:r>
+            <a:r>
+              <a:rPr lang="he-IL"/>
+              <a:t>המאפיינים הסופי ?</a:t>
+            </a:r>
+            <a:endParaRPr lang="en-US" dirty="0"/>
+          </a:p>
+          <a:p>
+            <a:pPr marL="914400" lvl="2" indent="0">
+              <a:buNone/>
+            </a:pPr>
+            <a:endParaRPr lang="he-IL" dirty="0"/>
           </a:p>
         </p:txBody>
       </p:sp>
     </p:spTree>
     <p:extLst>
       <p:ext uri="{BB962C8B-B14F-4D97-AF65-F5344CB8AC3E}">
-        <p14:creationId xmlns:p14="http://schemas.microsoft.com/office/powerpoint/2010/main" val="654059144"/>
+        <p14:creationId xmlns:p14="http://schemas.microsoft.com/office/powerpoint/2010/main" val="1109355699"/>
       </p:ext>
     </p:extLst>
   </p:cSld>

--- a/Presentation/Feature Selection.pptx
+++ b/Presentation/Feature Selection.pptx
@@ -40,8 +40,9 @@
     <p:sldId id="285" r:id="rId34"/>
     <p:sldId id="287" r:id="rId35"/>
     <p:sldId id="288" r:id="rId36"/>
-    <p:sldId id="292" r:id="rId37"/>
-    <p:sldId id="293" r:id="rId38"/>
+    <p:sldId id="294" r:id="rId37"/>
+    <p:sldId id="292" r:id="rId38"/>
+    <p:sldId id="293" r:id="rId39"/>
   </p:sldIdLst>
   <p:sldSz cx="12192000" cy="6858000"/>
   <p:notesSz cx="6858000" cy="9144000"/>
@@ -4499,8 +4500,8 @@
               <a:t>ישנם מספר שיטות, דוגמא שימוש בשיטת </a:t>
             </a:r>
             <a:r>
-              <a:rPr lang="en-US" dirty="0"/>
-              <a:t>PCA</a:t>
+              <a:rPr lang="en-US"/>
+              <a:t>LDA</a:t>
             </a:r>
             <a:endParaRPr lang="he-IL" dirty="0"/>
           </a:p>
@@ -5424,11 +5425,36 @@
             </a:r>
             <a:r>
               <a:rPr lang="he-IL" dirty="0"/>
-              <a:t> ? כמה זה </a:t>
-            </a:r>
-            <a:r>
-              <a:rPr lang="he-IL"/>
-              <a:t>יכול להשפיע ?</a:t>
+              <a:t> ? כמה זה יכול להשפיע ?</a:t>
+            </a:r>
+          </a:p>
+          <a:p>
+            <a:r>
+              <a:rPr lang="he-IL" dirty="0"/>
+              <a:t>מהבנתי:</a:t>
+            </a:r>
+          </a:p>
+          <a:p>
+            <a:pPr lvl="1"/>
+            <a:r>
+              <a:rPr lang="he-IL" dirty="0"/>
+              <a:t>כדאי לבצע </a:t>
+            </a:r>
+            <a:r>
+              <a:rPr lang="en-US" dirty="0"/>
+              <a:t>scaling</a:t>
+            </a:r>
+            <a:r>
+              <a:rPr lang="he-IL" dirty="0"/>
+              <a:t> לפני </a:t>
+            </a:r>
+            <a:r>
+              <a:rPr lang="en-US" dirty="0"/>
+              <a:t>feature selection</a:t>
+            </a:r>
+            <a:r>
+              <a:rPr lang="he-IL" dirty="0"/>
+              <a:t>, האם נכון ?</a:t>
             </a:r>
           </a:p>
         </p:txBody>
@@ -6670,13 +6696,8 @@
             <a:pPr lvl="1"/>
             <a:r>
               <a:rPr lang="he-IL" dirty="0"/>
-              <a:t>ערך חיובי -&gt; משתנים באותו כיון </a:t>
-            </a:r>
-            <a:r>
-              <a:rPr lang="he-IL"/>
-              <a:t>ושלילי להפך</a:t>
-            </a:r>
-            <a:endParaRPr lang="he-IL" dirty="0"/>
+              <a:t>ערך חיובי -&gt; משתנים באותו כיון ושלילי להפך</a:t>
+            </a:r>
           </a:p>
           <a:p>
             <a:r>
@@ -6709,6 +6730,30 @@
               <a:rPr lang="he-IL" dirty="0"/>
               <a:t> – מטריצה סימטרית שהאלכסון הינו שונות.</a:t>
             </a:r>
+          </a:p>
+          <a:p>
+            <a:r>
+              <a:rPr lang="en-US" dirty="0"/>
+              <a:t> Scatter matrix </a:t>
+            </a:r>
+            <a:r>
+              <a:rPr lang="he-IL" dirty="0"/>
+              <a:t> - מטריצה עם הערכות של שונות משותפת בין 2 משתנים</a:t>
+            </a:r>
+          </a:p>
+          <a:p>
+            <a:pPr lvl="1"/>
+            <a:r>
+              <a:rPr lang="he-IL" dirty="0"/>
+              <a:t>משתמשים במטריצה זו סיוע ב </a:t>
+            </a:r>
+            <a:r>
+              <a:rPr lang="en-US" dirty="0"/>
+              <a:t>LDA Classifier</a:t>
+            </a:r>
+          </a:p>
+          <a:p>
+            <a:endParaRPr lang="he-IL" dirty="0"/>
           </a:p>
         </p:txBody>
       </p:sp>
@@ -9309,7 +9354,7 @@
           <p:cNvPr id="1026" name="Picture 2">
             <a:extLst>
               <a:ext uri="{FF2B5EF4-FFF2-40B4-BE49-F238E27FC236}">
-                <a16:creationId xmlns:a16="http://schemas.microsoft.com/office/drawing/2014/main" id="{F5707DA1-0442-42CA-851B-CE711F29EB85}"/>
+                <a16:creationId xmlns:a16="http://schemas.microsoft.com/office/drawing/2014/main" id="{9A7BEA10-A50C-45EE-BF42-0314FFBCC657}"/>
               </a:ext>
             </a:extLst>
           </p:cNvPr>
@@ -9320,6 +9365,546 @@
         </p:nvPicPr>
         <p:blipFill>
           <a:blip r:embed="rId2">
+            <a:extLst>
+              <a:ext uri="{28A0092B-C50C-407E-A947-70E740481C1C}">
+                <a14:useLocalDpi xmlns:a14="http://schemas.microsoft.com/office/drawing/2010/main" val="0"/>
+              </a:ext>
+            </a:extLst>
+          </a:blip>
+          <a:srcRect/>
+          <a:stretch>
+            <a:fillRect/>
+          </a:stretch>
+        </p:blipFill>
+        <p:spPr bwMode="auto">
+          <a:xfrm>
+            <a:off x="304800" y="4647680"/>
+            <a:ext cx="2467312" cy="2038076"/>
+          </a:xfrm>
+          <a:prstGeom prst="rect">
+            <a:avLst/>
+          </a:prstGeom>
+          <a:noFill/>
+          <a:extLst>
+            <a:ext uri="{909E8E84-426E-40DD-AFC4-6F175D3DCCD1}">
+              <a14:hiddenFill xmlns:a14="http://schemas.microsoft.com/office/drawing/2010/main">
+                <a:solidFill>
+                  <a:srgbClr val="FFFFFF"/>
+                </a:solidFill>
+              </a14:hiddenFill>
+            </a:ext>
+          </a:extLst>
+        </p:spPr>
+      </p:pic>
+      <p:pic>
+        <p:nvPicPr>
+          <p:cNvPr id="1028" name="Picture 4">
+            <a:extLst>
+              <a:ext uri="{FF2B5EF4-FFF2-40B4-BE49-F238E27FC236}">
+                <a16:creationId xmlns:a16="http://schemas.microsoft.com/office/drawing/2014/main" id="{609BB59A-56CF-4943-820F-12570F58A5FE}"/>
+              </a:ext>
+            </a:extLst>
+          </p:cNvPr>
+          <p:cNvPicPr>
+            <a:picLocks noChangeAspect="1" noChangeArrowheads="1"/>
+          </p:cNvPicPr>
+          <p:nvPr/>
+        </p:nvPicPr>
+        <p:blipFill>
+          <a:blip r:embed="rId3">
+            <a:extLst>
+              <a:ext uri="{28A0092B-C50C-407E-A947-70E740481C1C}">
+                <a14:useLocalDpi xmlns:a14="http://schemas.microsoft.com/office/drawing/2010/main" val="0"/>
+              </a:ext>
+            </a:extLst>
+          </a:blip>
+          <a:srcRect/>
+          <a:stretch>
+            <a:fillRect/>
+          </a:stretch>
+        </p:blipFill>
+        <p:spPr bwMode="auto">
+          <a:xfrm>
+            <a:off x="2772113" y="4760078"/>
+            <a:ext cx="2345988" cy="1925678"/>
+          </a:xfrm>
+          <a:prstGeom prst="rect">
+            <a:avLst/>
+          </a:prstGeom>
+          <a:noFill/>
+          <a:extLst>
+            <a:ext uri="{909E8E84-426E-40DD-AFC4-6F175D3DCCD1}">
+              <a14:hiddenFill xmlns:a14="http://schemas.microsoft.com/office/drawing/2010/main">
+                <a:solidFill>
+                  <a:srgbClr val="FFFFFF"/>
+                </a:solidFill>
+              </a14:hiddenFill>
+            </a:ext>
+          </a:extLst>
+        </p:spPr>
+      </p:pic>
+      <p:sp>
+        <p:nvSpPr>
+          <p:cNvPr id="2" name="כותרת 1">
+            <a:extLst>
+              <a:ext uri="{FF2B5EF4-FFF2-40B4-BE49-F238E27FC236}">
+                <a16:creationId xmlns:a16="http://schemas.microsoft.com/office/drawing/2014/main" id="{56A3665A-D537-4A23-9B4D-54B703C82531}"/>
+              </a:ext>
+            </a:extLst>
+          </p:cNvPr>
+          <p:cNvSpPr>
+            <a:spLocks noGrp="1"/>
+          </p:cNvSpPr>
+          <p:nvPr>
+            <p:ph type="title"/>
+          </p:nvPr>
+        </p:nvSpPr>
+        <p:spPr/>
+        <p:txBody>
+          <a:bodyPr/>
+          <a:lstStyle/>
+          <a:p>
+            <a:r>
+              <a:rPr lang="en-US" dirty="0"/>
+              <a:t>Linear Discriminant Analysis</a:t>
+            </a:r>
+            <a:r>
+              <a:rPr lang="he-IL" dirty="0"/>
+              <a:t> (אלג' סיווג)</a:t>
+            </a:r>
+          </a:p>
+        </p:txBody>
+      </p:sp>
+      <p:sp>
+        <p:nvSpPr>
+          <p:cNvPr id="3" name="מציין מיקום תוכן 2">
+            <a:extLst>
+              <a:ext uri="{FF2B5EF4-FFF2-40B4-BE49-F238E27FC236}">
+                <a16:creationId xmlns:a16="http://schemas.microsoft.com/office/drawing/2014/main" id="{66DE8717-ED3D-403F-8000-C65BF4ED6879}"/>
+              </a:ext>
+            </a:extLst>
+          </p:cNvPr>
+          <p:cNvSpPr>
+            <a:spLocks noGrp="1"/>
+          </p:cNvSpPr>
+          <p:nvPr>
+            <p:ph idx="1"/>
+          </p:nvPr>
+        </p:nvSpPr>
+        <p:spPr/>
+        <p:txBody>
+          <a:bodyPr/>
+          <a:lstStyle/>
+          <a:p>
+            <a:r>
+              <a:rPr lang="he-IL" dirty="0"/>
+              <a:t>שיטה להורדת </a:t>
+            </a:r>
+            <a:r>
+              <a:rPr lang="he-IL" dirty="0" err="1"/>
+              <a:t>מימדים</a:t>
+            </a:r>
+            <a:r>
+              <a:rPr lang="he-IL" dirty="0"/>
+              <a:t>, תוך שמירה על רוב המידע החשוב. (כלומר </a:t>
+            </a:r>
+            <a:r>
+              <a:rPr lang="he-IL" dirty="0" err="1"/>
+              <a:t>המימד</a:t>
+            </a:r>
+            <a:r>
+              <a:rPr lang="he-IL" dirty="0"/>
+              <a:t> אליו מטילים מכיל מידע רלוונטי)</a:t>
+            </a:r>
+          </a:p>
+          <a:p>
+            <a:r>
+              <a:rPr lang="he-IL" dirty="0"/>
+              <a:t>מטילים את המידע (תכונות) למערכת צירים כך ש:</a:t>
+            </a:r>
+          </a:p>
+          <a:p>
+            <a:pPr lvl="1"/>
+            <a:r>
+              <a:rPr lang="he-IL" dirty="0"/>
+              <a:t>שונות </a:t>
+            </a:r>
+            <a:r>
+              <a:rPr lang="he-IL" dirty="0" err="1"/>
+              <a:t>מימאלית</a:t>
+            </a:r>
+            <a:endParaRPr lang="he-IL" dirty="0"/>
+          </a:p>
+          <a:p>
+            <a:pPr lvl="1"/>
+            <a:r>
+              <a:rPr lang="he-IL" dirty="0"/>
+              <a:t>המרחק בין ה </a:t>
+            </a:r>
+            <a:r>
+              <a:rPr lang="en-US" dirty="0"/>
+              <a:t>mean</a:t>
+            </a:r>
+            <a:r>
+              <a:rPr lang="he-IL" dirty="0"/>
+              <a:t>ים של הקבוצות הינו מקסימאלי</a:t>
+            </a:r>
+          </a:p>
+        </p:txBody>
+      </p:sp>
+      <p:pic>
+        <p:nvPicPr>
+          <p:cNvPr id="1030" name="Picture 6">
+            <a:extLst>
+              <a:ext uri="{FF2B5EF4-FFF2-40B4-BE49-F238E27FC236}">
+                <a16:creationId xmlns:a16="http://schemas.microsoft.com/office/drawing/2014/main" id="{8BC9ACD6-CB8E-4EDD-B970-CCD0103DE66B}"/>
+              </a:ext>
+            </a:extLst>
+          </p:cNvPr>
+          <p:cNvPicPr>
+            <a:picLocks noChangeAspect="1" noChangeArrowheads="1"/>
+          </p:cNvPicPr>
+          <p:nvPr/>
+        </p:nvPicPr>
+        <p:blipFill>
+          <a:blip r:embed="rId4">
+            <a:extLst>
+              <a:ext uri="{28A0092B-C50C-407E-A947-70E740481C1C}">
+                <a14:useLocalDpi xmlns:a14="http://schemas.microsoft.com/office/drawing/2010/main" val="0"/>
+              </a:ext>
+            </a:extLst>
+          </a:blip>
+          <a:srcRect/>
+          <a:stretch>
+            <a:fillRect/>
+          </a:stretch>
+        </p:blipFill>
+        <p:spPr bwMode="auto">
+          <a:xfrm>
+            <a:off x="5311775" y="4687220"/>
+            <a:ext cx="2345988" cy="2071394"/>
+          </a:xfrm>
+          <a:prstGeom prst="rect">
+            <a:avLst/>
+          </a:prstGeom>
+          <a:noFill/>
+          <a:extLst>
+            <a:ext uri="{909E8E84-426E-40DD-AFC4-6F175D3DCCD1}">
+              <a14:hiddenFill xmlns:a14="http://schemas.microsoft.com/office/drawing/2010/main">
+                <a:solidFill>
+                  <a:srgbClr val="FFFFFF"/>
+                </a:solidFill>
+              </a14:hiddenFill>
+            </a:ext>
+          </a:extLst>
+        </p:spPr>
+      </p:pic>
+    </p:spTree>
+    <p:extLst>
+      <p:ext uri="{BB962C8B-B14F-4D97-AF65-F5344CB8AC3E}">
+        <p14:creationId xmlns:p14="http://schemas.microsoft.com/office/powerpoint/2010/main" val="3419382419"/>
+      </p:ext>
+    </p:extLst>
+  </p:cSld>
+  <p:clrMapOvr>
+    <a:masterClrMapping/>
+  </p:clrMapOvr>
+</p:sld>
+</file>
+
+<file path=ppt/slides/slide37.xml><?xml version="1.0" encoding="utf-8"?>
+<p:sld xmlns:a="http://schemas.openxmlformats.org/drawingml/2006/main" xmlns:r="http://schemas.openxmlformats.org/officeDocument/2006/relationships" xmlns:p="http://schemas.openxmlformats.org/presentationml/2006/main">
+  <p:cSld>
+    <p:spTree>
+      <p:nvGrpSpPr>
+        <p:cNvPr id="1" name=""/>
+        <p:cNvGrpSpPr/>
+        <p:nvPr/>
+      </p:nvGrpSpPr>
+      <p:grpSpPr>
+        <a:xfrm>
+          <a:off x="0" y="0"/>
+          <a:ext cx="0" cy="0"/>
+          <a:chOff x="0" y="0"/>
+          <a:chExt cx="0" cy="0"/>
+        </a:xfrm>
+      </p:grpSpPr>
+      <p:sp>
+        <p:nvSpPr>
+          <p:cNvPr id="2" name="כותרת 1">
+            <a:extLst>
+              <a:ext uri="{FF2B5EF4-FFF2-40B4-BE49-F238E27FC236}">
+                <a16:creationId xmlns:a16="http://schemas.microsoft.com/office/drawing/2014/main" id="{EEB0B681-781F-4023-962E-8A480327E549}"/>
+              </a:ext>
+            </a:extLst>
+          </p:cNvPr>
+          <p:cNvSpPr>
+            <a:spLocks noGrp="1"/>
+          </p:cNvSpPr>
+          <p:nvPr>
+            <p:ph type="title"/>
+          </p:nvPr>
+        </p:nvSpPr>
+        <p:spPr>
+          <a:xfrm>
+            <a:off x="3162300" y="365125"/>
+            <a:ext cx="8191500" cy="1325563"/>
+          </a:xfrm>
+        </p:spPr>
+        <p:txBody>
+          <a:bodyPr/>
+          <a:lstStyle/>
+          <a:p>
+            <a:r>
+              <a:rPr lang="en-US" dirty="0"/>
+              <a:t>PCA</a:t>
+            </a:r>
+            <a:endParaRPr lang="he-IL" dirty="0"/>
+          </a:p>
+        </p:txBody>
+      </p:sp>
+      <p:sp>
+        <p:nvSpPr>
+          <p:cNvPr id="3" name="מציין מיקום תוכן 2">
+            <a:extLst>
+              <a:ext uri="{FF2B5EF4-FFF2-40B4-BE49-F238E27FC236}">
+                <a16:creationId xmlns:a16="http://schemas.microsoft.com/office/drawing/2014/main" id="{1852753F-7CB0-4817-9381-859E808D508E}"/>
+              </a:ext>
+            </a:extLst>
+          </p:cNvPr>
+          <p:cNvSpPr>
+            <a:spLocks noGrp="1"/>
+          </p:cNvSpPr>
+          <p:nvPr>
+            <p:ph idx="1"/>
+          </p:nvPr>
+        </p:nvSpPr>
+        <p:spPr/>
+        <p:txBody>
+          <a:bodyPr>
+            <a:normAutofit fontScale="85000" lnSpcReduction="20000"/>
+          </a:bodyPr>
+          <a:lstStyle/>
+          <a:p>
+            <a:r>
+              <a:rPr lang="he-IL" dirty="0"/>
+              <a:t>שיטה להורדת </a:t>
+            </a:r>
+            <a:r>
+              <a:rPr lang="he-IL" dirty="0" err="1"/>
+              <a:t>מימדים</a:t>
+            </a:r>
+            <a:r>
+              <a:rPr lang="he-IL" dirty="0"/>
+              <a:t>.</a:t>
+            </a:r>
+          </a:p>
+          <a:p>
+            <a:r>
+              <a:rPr lang="he-IL" dirty="0"/>
+              <a:t>מטילים את המידע </a:t>
+            </a:r>
+            <a:r>
+              <a:rPr lang="he-IL" dirty="0" err="1"/>
+              <a:t>למימד</a:t>
+            </a:r>
+            <a:r>
+              <a:rPr lang="he-IL" dirty="0"/>
+              <a:t> אחר כך ש:</a:t>
+            </a:r>
+          </a:p>
+          <a:p>
+            <a:pPr lvl="1"/>
+            <a:r>
+              <a:rPr lang="he-IL" dirty="0"/>
+              <a:t>ציר עם ה </a:t>
+            </a:r>
+            <a:r>
+              <a:rPr lang="en-US" dirty="0"/>
+              <a:t>variance</a:t>
+            </a:r>
+            <a:r>
+              <a:rPr lang="he-IL" dirty="0"/>
+              <a:t> (שונות) הכי גדול יהיה ציר </a:t>
+            </a:r>
+            <a:r>
+              <a:rPr lang="en-US" dirty="0"/>
+              <a:t>X</a:t>
+            </a:r>
+            <a:endParaRPr lang="he-IL" dirty="0"/>
+          </a:p>
+          <a:p>
+            <a:pPr lvl="1"/>
+            <a:r>
+              <a:rPr lang="he-IL" dirty="0"/>
+              <a:t>ציר עם ה </a:t>
+            </a:r>
+            <a:r>
+              <a:rPr lang="en-US" dirty="0"/>
+              <a:t>variance</a:t>
+            </a:r>
+            <a:r>
+              <a:rPr lang="he-IL" dirty="0"/>
+              <a:t> השני הכיל גדול יהיה ציר </a:t>
+            </a:r>
+            <a:r>
+              <a:rPr lang="en-US" dirty="0"/>
+              <a:t>Y</a:t>
+            </a:r>
+            <a:endParaRPr lang="he-IL" dirty="0"/>
+          </a:p>
+          <a:p>
+            <a:pPr lvl="1"/>
+            <a:r>
+              <a:rPr lang="he-IL" dirty="0"/>
+              <a:t>כך הלאה.</a:t>
+            </a:r>
+          </a:p>
+          <a:p>
+            <a:r>
+              <a:rPr lang="en-US" dirty="0"/>
+              <a:t>PCA</a:t>
+            </a:r>
+            <a:r>
+              <a:rPr lang="he-IL" dirty="0"/>
+              <a:t> מדרג את הצירים לפי ה </a:t>
+            </a:r>
+            <a:r>
+              <a:rPr lang="en-US" dirty="0"/>
+              <a:t>variance</a:t>
+            </a:r>
+            <a:r>
+              <a:rPr lang="he-IL" dirty="0"/>
+              <a:t>.</a:t>
+            </a:r>
+          </a:p>
+          <a:p>
+            <a:r>
+              <a:rPr lang="he-IL" dirty="0"/>
+              <a:t>לא מומלץ להשתמש כאשר המאפיינים מכילים מידע </a:t>
+            </a:r>
+            <a:r>
+              <a:rPr lang="he-IL" dirty="0" err="1"/>
+              <a:t>דיסקטי</a:t>
+            </a:r>
+            <a:r>
+              <a:rPr lang="he-IL" dirty="0"/>
+              <a:t> / קטגוריות (ראה חיסרון)</a:t>
+            </a:r>
+          </a:p>
+          <a:p>
+            <a:r>
+              <a:rPr lang="he-IL" dirty="0"/>
+              <a:t>ניתן לצייר את כמות המאפיינים מול השונות שניתן לקבל ולהחליט כמה מאפיינים נרצה לשמר</a:t>
+            </a:r>
+          </a:p>
+          <a:p>
+            <a:endParaRPr lang="he-IL" dirty="0"/>
+          </a:p>
+          <a:p>
+            <a:r>
+              <a:rPr lang="he-IL" dirty="0" err="1"/>
+              <a:t>חיסרונות</a:t>
+            </a:r>
+            <a:r>
+              <a:rPr lang="he-IL" dirty="0"/>
+              <a:t>:</a:t>
+            </a:r>
+          </a:p>
+          <a:p>
+            <a:pPr lvl="1"/>
+            <a:r>
+              <a:rPr lang="he-IL" dirty="0"/>
+              <a:t>דוגמא: החלטה האם קבוצה תעלה לגמר או לא:</a:t>
+            </a:r>
+          </a:p>
+          <a:p>
+            <a:pPr lvl="2"/>
+            <a:r>
+              <a:rPr lang="he-IL" dirty="0"/>
+              <a:t>השונות של ניצחונות קטנה יותר משונות של כמה השחקנים רצים</a:t>
+            </a:r>
+          </a:p>
+          <a:p>
+            <a:pPr marL="0" indent="0">
+              <a:buNone/>
+            </a:pPr>
+            <a:endParaRPr lang="he-IL" dirty="0"/>
+          </a:p>
+          <a:p>
+            <a:pPr marL="0" indent="0">
+              <a:buNone/>
+            </a:pPr>
+            <a:endParaRPr lang="he-IL" dirty="0"/>
+          </a:p>
+          <a:p>
+            <a:endParaRPr lang="he-IL" dirty="0"/>
+          </a:p>
+        </p:txBody>
+      </p:sp>
+      <p:pic>
+        <p:nvPicPr>
+          <p:cNvPr id="2050" name="Picture 2">
+            <a:extLst>
+              <a:ext uri="{FF2B5EF4-FFF2-40B4-BE49-F238E27FC236}">
+                <a16:creationId xmlns:a16="http://schemas.microsoft.com/office/drawing/2014/main" id="{F4C29B76-98F7-414C-82A9-243906693C3F}"/>
+              </a:ext>
+            </a:extLst>
+          </p:cNvPr>
+          <p:cNvPicPr>
+            <a:picLocks noChangeAspect="1" noChangeArrowheads="1"/>
+          </p:cNvPicPr>
+          <p:nvPr/>
+        </p:nvPicPr>
+        <p:blipFill>
+          <a:blip r:embed="rId2">
+            <a:extLst>
+              <a:ext uri="{28A0092B-C50C-407E-A947-70E740481C1C}">
+                <a14:useLocalDpi xmlns:a14="http://schemas.microsoft.com/office/drawing/2010/main" val="0"/>
+              </a:ext>
+            </a:extLst>
+          </a:blip>
+          <a:srcRect/>
+          <a:stretch>
+            <a:fillRect/>
+          </a:stretch>
+        </p:blipFill>
+        <p:spPr bwMode="auto">
+          <a:xfrm>
+            <a:off x="838200" y="4803223"/>
+            <a:ext cx="2654300" cy="1989646"/>
+          </a:xfrm>
+          <a:prstGeom prst="rect">
+            <a:avLst/>
+          </a:prstGeom>
+          <a:noFill/>
+          <a:extLst>
+            <a:ext uri="{909E8E84-426E-40DD-AFC4-6F175D3DCCD1}">
+              <a14:hiddenFill xmlns:a14="http://schemas.microsoft.com/office/drawing/2010/main">
+                <a:solidFill>
+                  <a:srgbClr val="FFFFFF"/>
+                </a:solidFill>
+              </a14:hiddenFill>
+            </a:ext>
+          </a:extLst>
+        </p:spPr>
+      </p:pic>
+      <p:pic>
+        <p:nvPicPr>
+          <p:cNvPr id="1026" name="Picture 2">
+            <a:extLst>
+              <a:ext uri="{FF2B5EF4-FFF2-40B4-BE49-F238E27FC236}">
+                <a16:creationId xmlns:a16="http://schemas.microsoft.com/office/drawing/2014/main" id="{F5707DA1-0442-42CA-851B-CE711F29EB85}"/>
+              </a:ext>
+            </a:extLst>
+          </p:cNvPr>
+          <p:cNvPicPr>
+            <a:picLocks noChangeAspect="1" noChangeArrowheads="1"/>
+          </p:cNvPicPr>
+          <p:nvPr/>
+        </p:nvPicPr>
+        <p:blipFill>
+          <a:blip r:embed="rId3">
             <a:extLst>
               <a:ext uri="{28A0092B-C50C-407E-A947-70E740481C1C}">
                 <a14:useLocalDpi xmlns:a14="http://schemas.microsoft.com/office/drawing/2010/main" val="0"/>
@@ -9351,205 +9936,6 @@
           </a:extLst>
         </p:spPr>
       </p:pic>
-      <p:sp>
-        <p:nvSpPr>
-          <p:cNvPr id="2" name="כותרת 1">
-            <a:extLst>
-              <a:ext uri="{FF2B5EF4-FFF2-40B4-BE49-F238E27FC236}">
-                <a16:creationId xmlns:a16="http://schemas.microsoft.com/office/drawing/2014/main" id="{EEB0B681-781F-4023-962E-8A480327E549}"/>
-              </a:ext>
-            </a:extLst>
-          </p:cNvPr>
-          <p:cNvSpPr>
-            <a:spLocks noGrp="1"/>
-          </p:cNvSpPr>
-          <p:nvPr>
-            <p:ph type="title"/>
-          </p:nvPr>
-        </p:nvSpPr>
-        <p:spPr/>
-        <p:txBody>
-          <a:bodyPr/>
-          <a:lstStyle/>
-          <a:p>
-            <a:r>
-              <a:rPr lang="en-US" dirty="0"/>
-              <a:t>PCA</a:t>
-            </a:r>
-            <a:endParaRPr lang="he-IL" dirty="0"/>
-          </a:p>
-        </p:txBody>
-      </p:sp>
-      <p:sp>
-        <p:nvSpPr>
-          <p:cNvPr id="3" name="מציין מיקום תוכן 2">
-            <a:extLst>
-              <a:ext uri="{FF2B5EF4-FFF2-40B4-BE49-F238E27FC236}">
-                <a16:creationId xmlns:a16="http://schemas.microsoft.com/office/drawing/2014/main" id="{1852753F-7CB0-4817-9381-859E808D508E}"/>
-              </a:ext>
-            </a:extLst>
-          </p:cNvPr>
-          <p:cNvSpPr>
-            <a:spLocks noGrp="1"/>
-          </p:cNvSpPr>
-          <p:nvPr>
-            <p:ph idx="1"/>
-          </p:nvPr>
-        </p:nvSpPr>
-        <p:spPr/>
-        <p:txBody>
-          <a:bodyPr>
-            <a:normAutofit fontScale="92500" lnSpcReduction="10000"/>
-          </a:bodyPr>
-          <a:lstStyle/>
-          <a:p>
-            <a:r>
-              <a:rPr lang="he-IL" dirty="0"/>
-              <a:t>שיטה להורדת </a:t>
-            </a:r>
-            <a:r>
-              <a:rPr lang="he-IL" dirty="0" err="1"/>
-              <a:t>מימדים</a:t>
-            </a:r>
-            <a:r>
-              <a:rPr lang="he-IL" dirty="0"/>
-              <a:t>.</a:t>
-            </a:r>
-          </a:p>
-          <a:p>
-            <a:r>
-              <a:rPr lang="he-IL" dirty="0"/>
-              <a:t>מטילים את המידע </a:t>
-            </a:r>
-            <a:r>
-              <a:rPr lang="he-IL" dirty="0" err="1"/>
-              <a:t>למימד</a:t>
-            </a:r>
-            <a:r>
-              <a:rPr lang="he-IL" dirty="0"/>
-              <a:t> אחר כך ש:</a:t>
-            </a:r>
-          </a:p>
-          <a:p>
-            <a:pPr lvl="1"/>
-            <a:r>
-              <a:rPr lang="he-IL" dirty="0"/>
-              <a:t>ציר עם ה </a:t>
-            </a:r>
-            <a:r>
-              <a:rPr lang="en-US" dirty="0"/>
-              <a:t>variance</a:t>
-            </a:r>
-            <a:r>
-              <a:rPr lang="he-IL" dirty="0"/>
-              <a:t> (שונות) הכי גדול יהיה ציר </a:t>
-            </a:r>
-            <a:r>
-              <a:rPr lang="en-US" dirty="0"/>
-              <a:t>X</a:t>
-            </a:r>
-            <a:endParaRPr lang="he-IL" dirty="0"/>
-          </a:p>
-          <a:p>
-            <a:pPr lvl="1"/>
-            <a:r>
-              <a:rPr lang="he-IL" dirty="0"/>
-              <a:t>ציר עם ה </a:t>
-            </a:r>
-            <a:r>
-              <a:rPr lang="en-US" dirty="0"/>
-              <a:t>variance</a:t>
-            </a:r>
-            <a:r>
-              <a:rPr lang="he-IL" dirty="0"/>
-              <a:t> השני הכיל גדול יהיה ציר </a:t>
-            </a:r>
-            <a:r>
-              <a:rPr lang="en-US" dirty="0"/>
-              <a:t>Y</a:t>
-            </a:r>
-            <a:endParaRPr lang="he-IL" dirty="0"/>
-          </a:p>
-          <a:p>
-            <a:pPr lvl="1"/>
-            <a:r>
-              <a:rPr lang="he-IL" dirty="0"/>
-              <a:t>כך הלאה.</a:t>
-            </a:r>
-          </a:p>
-          <a:p>
-            <a:r>
-              <a:rPr lang="en-US" dirty="0"/>
-              <a:t>PCA</a:t>
-            </a:r>
-            <a:r>
-              <a:rPr lang="he-IL" dirty="0"/>
-              <a:t> מדרג את הצירים לפי ה </a:t>
-            </a:r>
-            <a:r>
-              <a:rPr lang="en-US" dirty="0"/>
-              <a:t>variance</a:t>
-            </a:r>
-            <a:r>
-              <a:rPr lang="he-IL" dirty="0"/>
-              <a:t>.</a:t>
-            </a:r>
-          </a:p>
-          <a:p>
-            <a:r>
-              <a:rPr lang="he-IL" dirty="0"/>
-              <a:t>לא מומלץ להשתמש כאשר המאפיינים מכילים מידע </a:t>
-            </a:r>
-            <a:r>
-              <a:rPr lang="he-IL" dirty="0" err="1"/>
-              <a:t>דיסקטי</a:t>
-            </a:r>
-            <a:r>
-              <a:rPr lang="he-IL" dirty="0"/>
-              <a:t> / קטגוריות (ראה חיסרון)</a:t>
-            </a:r>
-          </a:p>
-          <a:p>
-            <a:r>
-              <a:rPr lang="he-IL" dirty="0" err="1"/>
-              <a:t>חיסרונות</a:t>
-            </a:r>
-            <a:r>
-              <a:rPr lang="he-IL" dirty="0"/>
-              <a:t>:</a:t>
-            </a:r>
-          </a:p>
-          <a:p>
-            <a:pPr lvl="1"/>
-            <a:r>
-              <a:rPr lang="he-IL" dirty="0"/>
-              <a:t>דוגמא: החלטה האם קבוצה תעלה לגמר או לא:</a:t>
-            </a:r>
-          </a:p>
-          <a:p>
-            <a:pPr lvl="2"/>
-            <a:r>
-              <a:rPr lang="he-IL" dirty="0"/>
-              <a:t>השונות של ניצחונות קטנה יותר משונות של כמה השחקנים רצים</a:t>
-            </a:r>
-          </a:p>
-          <a:p>
-            <a:pPr marL="0" indent="0">
-              <a:buNone/>
-            </a:pPr>
-            <a:endParaRPr lang="he-IL" dirty="0"/>
-          </a:p>
-          <a:p>
-            <a:pPr marL="0" indent="0">
-              <a:buNone/>
-            </a:pPr>
-            <a:endParaRPr lang="he-IL" dirty="0"/>
-          </a:p>
-          <a:p>
-            <a:endParaRPr lang="he-IL" dirty="0"/>
-          </a:p>
-        </p:txBody>
-      </p:sp>
     </p:spTree>
     <p:extLst>
       <p:ext uri="{BB962C8B-B14F-4D97-AF65-F5344CB8AC3E}">
@@ -9563,7 +9949,7 @@
 </p:sld>
 </file>
 
-<file path=ppt/slides/slide37.xml><?xml version="1.0" encoding="utf-8"?>
+<file path=ppt/slides/slide38.xml><?xml version="1.0" encoding="utf-8"?>
 <p:sld xmlns:a="http://schemas.openxmlformats.org/drawingml/2006/main" xmlns:r="http://schemas.openxmlformats.org/officeDocument/2006/relationships" xmlns:p="http://schemas.openxmlformats.org/presentationml/2006/main">
   <p:cSld>
     <p:spTree>

--- a/Presentation/Feature Selection.pptx
+++ b/Presentation/Feature Selection.pptx
@@ -48,6 +48,7 @@
     <p:sldId id="277" r:id="rId42"/>
     <p:sldId id="286" r:id="rId43"/>
     <p:sldId id="293" r:id="rId44"/>
+    <p:sldId id="310" r:id="rId45"/>
   </p:sldIdLst>
   <p:sldSz cx="12192000" cy="6858000"/>
   <p:notesSz cx="6858000" cy="9144000"/>
@@ -312,7 +313,7 @@
           <a:p>
             <a:fld id="{D5FA70A3-A6FF-4EAA-B623-AB4CFD6C9082}" type="datetimeFigureOut">
               <a:rPr lang="he-IL" smtClean="0"/>
-              <a:t>ז'/ניסן/תש"פ</a:t>
+              <a:t>ח'/ניסן/תש"פ</a:t>
             </a:fld>
             <a:endParaRPr lang="he-IL"/>
           </a:p>
@@ -510,7 +511,7 @@
           <a:p>
             <a:fld id="{D5FA70A3-A6FF-4EAA-B623-AB4CFD6C9082}" type="datetimeFigureOut">
               <a:rPr lang="he-IL" smtClean="0"/>
-              <a:t>ז'/ניסן/תש"פ</a:t>
+              <a:t>ח'/ניסן/תש"פ</a:t>
             </a:fld>
             <a:endParaRPr lang="he-IL"/>
           </a:p>
@@ -718,7 +719,7 @@
           <a:p>
             <a:fld id="{D5FA70A3-A6FF-4EAA-B623-AB4CFD6C9082}" type="datetimeFigureOut">
               <a:rPr lang="he-IL" smtClean="0"/>
-              <a:t>ז'/ניסן/תש"פ</a:t>
+              <a:t>ח'/ניסן/תש"פ</a:t>
             </a:fld>
             <a:endParaRPr lang="he-IL"/>
           </a:p>
@@ -916,7 +917,7 @@
           <a:p>
             <a:fld id="{D5FA70A3-A6FF-4EAA-B623-AB4CFD6C9082}" type="datetimeFigureOut">
               <a:rPr lang="he-IL" smtClean="0"/>
-              <a:t>ז'/ניסן/תש"פ</a:t>
+              <a:t>ח'/ניסן/תש"פ</a:t>
             </a:fld>
             <a:endParaRPr lang="he-IL"/>
           </a:p>
@@ -1191,7 +1192,7 @@
           <a:p>
             <a:fld id="{D5FA70A3-A6FF-4EAA-B623-AB4CFD6C9082}" type="datetimeFigureOut">
               <a:rPr lang="he-IL" smtClean="0"/>
-              <a:t>ז'/ניסן/תש"פ</a:t>
+              <a:t>ח'/ניסן/תש"פ</a:t>
             </a:fld>
             <a:endParaRPr lang="he-IL"/>
           </a:p>
@@ -1456,7 +1457,7 @@
           <a:p>
             <a:fld id="{D5FA70A3-A6FF-4EAA-B623-AB4CFD6C9082}" type="datetimeFigureOut">
               <a:rPr lang="he-IL" smtClean="0"/>
-              <a:t>ז'/ניסן/תש"פ</a:t>
+              <a:t>ח'/ניסן/תש"פ</a:t>
             </a:fld>
             <a:endParaRPr lang="he-IL"/>
           </a:p>
@@ -1868,7 +1869,7 @@
           <a:p>
             <a:fld id="{D5FA70A3-A6FF-4EAA-B623-AB4CFD6C9082}" type="datetimeFigureOut">
               <a:rPr lang="he-IL" smtClean="0"/>
-              <a:t>ז'/ניסן/תש"פ</a:t>
+              <a:t>ח'/ניסן/תש"פ</a:t>
             </a:fld>
             <a:endParaRPr lang="he-IL"/>
           </a:p>
@@ -2009,7 +2010,7 @@
           <a:p>
             <a:fld id="{D5FA70A3-A6FF-4EAA-B623-AB4CFD6C9082}" type="datetimeFigureOut">
               <a:rPr lang="he-IL" smtClean="0"/>
-              <a:t>ז'/ניסן/תש"פ</a:t>
+              <a:t>ח'/ניסן/תש"פ</a:t>
             </a:fld>
             <a:endParaRPr lang="he-IL"/>
           </a:p>
@@ -2122,7 +2123,7 @@
           <a:p>
             <a:fld id="{D5FA70A3-A6FF-4EAA-B623-AB4CFD6C9082}" type="datetimeFigureOut">
               <a:rPr lang="he-IL" smtClean="0"/>
-              <a:t>ז'/ניסן/תש"פ</a:t>
+              <a:t>ח'/ניסן/תש"פ</a:t>
             </a:fld>
             <a:endParaRPr lang="he-IL"/>
           </a:p>
@@ -2433,7 +2434,7 @@
           <a:p>
             <a:fld id="{D5FA70A3-A6FF-4EAA-B623-AB4CFD6C9082}" type="datetimeFigureOut">
               <a:rPr lang="he-IL" smtClean="0"/>
-              <a:t>ז'/ניסן/תש"פ</a:t>
+              <a:t>ח'/ניסן/תש"פ</a:t>
             </a:fld>
             <a:endParaRPr lang="he-IL"/>
           </a:p>
@@ -2721,7 +2722,7 @@
           <a:p>
             <a:fld id="{D5FA70A3-A6FF-4EAA-B623-AB4CFD6C9082}" type="datetimeFigureOut">
               <a:rPr lang="he-IL" smtClean="0"/>
-              <a:t>ז'/ניסן/תש"פ</a:t>
+              <a:t>ח'/ניסן/תש"פ</a:t>
             </a:fld>
             <a:endParaRPr lang="he-IL"/>
           </a:p>
@@ -2962,7 +2963,7 @@
           <a:p>
             <a:fld id="{D5FA70A3-A6FF-4EAA-B623-AB4CFD6C9082}" type="datetimeFigureOut">
               <a:rPr lang="he-IL" smtClean="0"/>
-              <a:t>ז'/ניסן/תש"פ</a:t>
+              <a:t>ח'/ניסן/תש"פ</a:t>
             </a:fld>
             <a:endParaRPr lang="he-IL"/>
           </a:p>
@@ -9951,40 +9952,40 @@
           <a:p>
             <a:r>
               <a:rPr lang="he-IL" dirty="0"/>
-              <a:t>שאלות </a:t>
-            </a:r>
+              <a:t>שאלות - 4</a:t>
+            </a:r>
+          </a:p>
+        </p:txBody>
+      </p:sp>
+      <p:sp>
+        <p:nvSpPr>
+          <p:cNvPr id="3" name="מציין מיקום תוכן 2">
+            <a:extLst>
+              <a:ext uri="{FF2B5EF4-FFF2-40B4-BE49-F238E27FC236}">
+                <a16:creationId xmlns:a16="http://schemas.microsoft.com/office/drawing/2014/main" id="{93F686FE-F8E2-4F3F-AE46-71CBBD633BAA}"/>
+              </a:ext>
+            </a:extLst>
+          </p:cNvPr>
+          <p:cNvSpPr>
+            <a:spLocks noGrp="1"/>
+          </p:cNvSpPr>
+          <p:nvPr>
+            <p:ph idx="1"/>
+          </p:nvPr>
+        </p:nvSpPr>
+        <p:spPr/>
+        <p:txBody>
+          <a:bodyPr/>
+          <a:lstStyle/>
+          <a:p>
             <a:r>
               <a:rPr lang="en-US" dirty="0"/>
               <a:t>PCA</a:t>
             </a:r>
-            <a:r>
-              <a:rPr lang="he-IL" dirty="0"/>
-              <a:t>	</a:t>
-            </a:r>
-          </a:p>
-        </p:txBody>
-      </p:sp>
-      <p:sp>
-        <p:nvSpPr>
-          <p:cNvPr id="3" name="מציין מיקום תוכן 2">
-            <a:extLst>
-              <a:ext uri="{FF2B5EF4-FFF2-40B4-BE49-F238E27FC236}">
-                <a16:creationId xmlns:a16="http://schemas.microsoft.com/office/drawing/2014/main" id="{93F686FE-F8E2-4F3F-AE46-71CBBD633BAA}"/>
-              </a:ext>
-            </a:extLst>
-          </p:cNvPr>
-          <p:cNvSpPr>
-            <a:spLocks noGrp="1"/>
-          </p:cNvSpPr>
-          <p:nvPr>
-            <p:ph idx="1"/>
-          </p:nvPr>
-        </p:nvSpPr>
-        <p:spPr/>
-        <p:txBody>
-          <a:bodyPr/>
-          <a:lstStyle/>
-          <a:p>
+            <a:endParaRPr lang="he-IL" dirty="0"/>
+          </a:p>
+          <a:p>
+            <a:pPr lvl="1"/>
             <a:r>
               <a:rPr lang="he-IL" dirty="0"/>
               <a:t>כיצד לטפל </a:t>
@@ -9997,6 +9998,43 @@
               <a:rPr lang="he-IL" dirty="0"/>
               <a:t> ?</a:t>
             </a:r>
+          </a:p>
+          <a:p>
+            <a:r>
+              <a:rPr lang="en-US" dirty="0"/>
+              <a:t>KOLMOGOROV SMIRNOV</a:t>
+            </a:r>
+            <a:endParaRPr lang="he-IL" dirty="0"/>
+          </a:p>
+          <a:p>
+            <a:pPr lvl="1"/>
+            <a:r>
+              <a:rPr lang="he-IL" dirty="0"/>
+              <a:t>האם ההתפלגות חייבת להיות נורמאלית ?</a:t>
+            </a:r>
+          </a:p>
+          <a:p>
+            <a:pPr lvl="1"/>
+            <a:r>
+              <a:rPr lang="he-IL" dirty="0"/>
+              <a:t>למה לא ראיתי תמיכה ב </a:t>
+            </a:r>
+            <a:r>
+              <a:rPr lang="en-US" dirty="0" err="1"/>
+              <a:t>sklearn</a:t>
+            </a:r>
+            <a:r>
+              <a:rPr lang="he-IL"/>
+              <a:t> לסיווג </a:t>
+            </a:r>
+            <a:r>
+              <a:rPr lang="en-US" dirty="0"/>
+              <a:t>(un/supervised)</a:t>
+            </a:r>
+            <a:endParaRPr lang="he-IL" dirty="0"/>
+          </a:p>
+          <a:p>
+            <a:endParaRPr lang="he-IL" dirty="0"/>
           </a:p>
         </p:txBody>
       </p:sp>
@@ -10004,6 +10042,266 @@
     <p:extLst>
       <p:ext uri="{BB962C8B-B14F-4D97-AF65-F5344CB8AC3E}">
         <p14:creationId xmlns:p14="http://schemas.microsoft.com/office/powerpoint/2010/main" val="3971539147"/>
+      </p:ext>
+    </p:extLst>
+  </p:cSld>
+  <p:clrMapOvr>
+    <a:masterClrMapping/>
+  </p:clrMapOvr>
+</p:sld>
+</file>
+
+<file path=ppt/slides/slide44.xml><?xml version="1.0" encoding="utf-8"?>
+<p:sld xmlns:a="http://schemas.openxmlformats.org/drawingml/2006/main" xmlns:r="http://schemas.openxmlformats.org/officeDocument/2006/relationships" xmlns:p="http://schemas.openxmlformats.org/presentationml/2006/main">
+  <p:cSld>
+    <p:spTree>
+      <p:nvGrpSpPr>
+        <p:cNvPr id="1" name=""/>
+        <p:cNvGrpSpPr/>
+        <p:nvPr/>
+      </p:nvGrpSpPr>
+      <p:grpSpPr>
+        <a:xfrm>
+          <a:off x="0" y="0"/>
+          <a:ext cx="0" cy="0"/>
+          <a:chOff x="0" y="0"/>
+          <a:chExt cx="0" cy="0"/>
+        </a:xfrm>
+      </p:grpSpPr>
+      <p:sp>
+        <p:nvSpPr>
+          <p:cNvPr id="2" name="כותרת 1">
+            <a:extLst>
+              <a:ext uri="{FF2B5EF4-FFF2-40B4-BE49-F238E27FC236}">
+                <a16:creationId xmlns:a16="http://schemas.microsoft.com/office/drawing/2014/main" id="{40A5353B-B0EC-4E55-B1FF-553D38FC21A6}"/>
+              </a:ext>
+            </a:extLst>
+          </p:cNvPr>
+          <p:cNvSpPr>
+            <a:spLocks noGrp="1"/>
+          </p:cNvSpPr>
+          <p:nvPr>
+            <p:ph type="title"/>
+          </p:nvPr>
+        </p:nvSpPr>
+        <p:spPr/>
+        <p:txBody>
+          <a:bodyPr/>
+          <a:lstStyle/>
+          <a:p>
+            <a:r>
+              <a:rPr lang="en-US" dirty="0"/>
+              <a:t>KOLMOGOROV SMIRNOV TEST</a:t>
+            </a:r>
+            <a:endParaRPr lang="he-IL" dirty="0"/>
+          </a:p>
+        </p:txBody>
+      </p:sp>
+      <p:sp>
+        <p:nvSpPr>
+          <p:cNvPr id="3" name="מציין מיקום תוכן 2">
+            <a:extLst>
+              <a:ext uri="{FF2B5EF4-FFF2-40B4-BE49-F238E27FC236}">
+                <a16:creationId xmlns:a16="http://schemas.microsoft.com/office/drawing/2014/main" id="{359FDB96-E8D1-40C5-A68C-823EC5AF0FF8}"/>
+              </a:ext>
+            </a:extLst>
+          </p:cNvPr>
+          <p:cNvSpPr>
+            <a:spLocks noGrp="1"/>
+          </p:cNvSpPr>
+          <p:nvPr>
+            <p:ph idx="1"/>
+          </p:nvPr>
+        </p:nvSpPr>
+        <p:spPr/>
+        <p:txBody>
+          <a:bodyPr/>
+          <a:lstStyle/>
+          <a:p>
+            <a:r>
+              <a:rPr lang="he-IL" dirty="0"/>
+              <a:t>מיועד ל </a:t>
+            </a:r>
+            <a:r>
+              <a:rPr lang="en-US" dirty="0"/>
+              <a:t>unsupervised learning</a:t>
+            </a:r>
+            <a:r>
+              <a:rPr lang="he-IL" dirty="0"/>
+              <a:t> (לדוגמא: בדיקת מספר רכיבי קשירות)</a:t>
+            </a:r>
+          </a:p>
+          <a:p>
+            <a:r>
+              <a:rPr lang="he-IL" dirty="0"/>
+              <a:t>המבחן מחליט עד כמה 2 דגימות שונות זו מי זו</a:t>
+            </a:r>
+          </a:p>
+          <a:p>
+            <a:pPr lvl="1"/>
+            <a:r>
+              <a:rPr lang="he-IL" dirty="0"/>
+              <a:t>מבררים האם 2 דגימות שייכות לאותה התפלגות</a:t>
+            </a:r>
+            <a:r>
+              <a:rPr lang="en-US" dirty="0"/>
+              <a:t>.</a:t>
+            </a:r>
+          </a:p>
+          <a:p>
+            <a:pPr lvl="1"/>
+            <a:r>
+              <a:rPr lang="he-IL" dirty="0"/>
+              <a:t>ככל שהתוצאה גבוהה יותר, כך 2 דגימות שונות זו מי זה</a:t>
+            </a:r>
+          </a:p>
+          <a:p>
+            <a:r>
+              <a:rPr lang="he-IL" dirty="0"/>
+              <a:t>דרך פעולה:</a:t>
+            </a:r>
+          </a:p>
+          <a:p>
+            <a:pPr lvl="1"/>
+            <a:r>
+              <a:rPr lang="he-IL" dirty="0"/>
+              <a:t>בונים </a:t>
+            </a:r>
+            <a:r>
+              <a:rPr lang="en-US" dirty="0"/>
+              <a:t>network graph</a:t>
+            </a:r>
+            <a:endParaRPr lang="he-IL" dirty="0"/>
+          </a:p>
+          <a:p>
+            <a:pPr lvl="2"/>
+            <a:r>
+              <a:rPr lang="he-IL" dirty="0"/>
+              <a:t>צמתים – דגימות</a:t>
+            </a:r>
+          </a:p>
+          <a:p>
+            <a:pPr lvl="2"/>
+            <a:r>
+              <a:rPr lang="he-IL" dirty="0"/>
+              <a:t>קשתות -  ערך </a:t>
+            </a:r>
+            <a:r>
+              <a:rPr lang="en-US" dirty="0" err="1"/>
+              <a:t>ks</a:t>
+            </a:r>
+            <a:r>
+              <a:rPr lang="en-US" dirty="0"/>
+              <a:t> test</a:t>
+            </a:r>
+            <a:r>
+              <a:rPr lang="he-IL" dirty="0"/>
+              <a:t>. ערך נמוך – הצמתים קרובים ולהפך.</a:t>
+            </a:r>
+          </a:p>
+          <a:p>
+            <a:endParaRPr lang="he-IL" dirty="0"/>
+          </a:p>
+        </p:txBody>
+      </p:sp>
+      <p:pic>
+        <p:nvPicPr>
+          <p:cNvPr id="1028" name="Picture 4">
+            <a:extLst>
+              <a:ext uri="{FF2B5EF4-FFF2-40B4-BE49-F238E27FC236}">
+                <a16:creationId xmlns:a16="http://schemas.microsoft.com/office/drawing/2014/main" id="{7CF58325-E078-4475-9E9A-A61ED288DF0F}"/>
+              </a:ext>
+            </a:extLst>
+          </p:cNvPr>
+          <p:cNvPicPr>
+            <a:picLocks noChangeAspect="1" noChangeArrowheads="1"/>
+          </p:cNvPicPr>
+          <p:nvPr/>
+        </p:nvPicPr>
+        <p:blipFill>
+          <a:blip r:embed="rId2">
+            <a:extLst>
+              <a:ext uri="{28A0092B-C50C-407E-A947-70E740481C1C}">
+                <a14:useLocalDpi xmlns:a14="http://schemas.microsoft.com/office/drawing/2010/main" val="0"/>
+              </a:ext>
+            </a:extLst>
+          </a:blip>
+          <a:srcRect/>
+          <a:stretch>
+            <a:fillRect/>
+          </a:stretch>
+        </p:blipFill>
+        <p:spPr bwMode="auto">
+          <a:xfrm>
+            <a:off x="139148" y="2613129"/>
+            <a:ext cx="2776330" cy="2776330"/>
+          </a:xfrm>
+          <a:prstGeom prst="rect">
+            <a:avLst/>
+          </a:prstGeom>
+          <a:noFill/>
+          <a:extLst>
+            <a:ext uri="{909E8E84-426E-40DD-AFC4-6F175D3DCCD1}">
+              <a14:hiddenFill xmlns:a14="http://schemas.microsoft.com/office/drawing/2010/main">
+                <a:solidFill>
+                  <a:srgbClr val="FFFFFF"/>
+                </a:solidFill>
+              </a14:hiddenFill>
+            </a:ext>
+          </a:extLst>
+        </p:spPr>
+      </p:pic>
+      <p:pic>
+        <p:nvPicPr>
+          <p:cNvPr id="1030" name="Picture 6">
+            <a:extLst>
+              <a:ext uri="{FF2B5EF4-FFF2-40B4-BE49-F238E27FC236}">
+                <a16:creationId xmlns:a16="http://schemas.microsoft.com/office/drawing/2014/main" id="{6648E786-8729-4A4C-9377-953C36349442}"/>
+              </a:ext>
+            </a:extLst>
+          </p:cNvPr>
+          <p:cNvPicPr>
+            <a:picLocks noChangeAspect="1" noChangeArrowheads="1"/>
+          </p:cNvPicPr>
+          <p:nvPr/>
+        </p:nvPicPr>
+        <p:blipFill>
+          <a:blip r:embed="rId3">
+            <a:extLst>
+              <a:ext uri="{28A0092B-C50C-407E-A947-70E740481C1C}">
+                <a14:useLocalDpi xmlns:a14="http://schemas.microsoft.com/office/drawing/2010/main" val="0"/>
+              </a:ext>
+            </a:extLst>
+          </a:blip>
+          <a:srcRect/>
+          <a:stretch>
+            <a:fillRect/>
+          </a:stretch>
+        </p:blipFill>
+        <p:spPr bwMode="auto">
+          <a:xfrm>
+            <a:off x="2451101" y="5311548"/>
+            <a:ext cx="1643821" cy="1546451"/>
+          </a:xfrm>
+          <a:prstGeom prst="rect">
+            <a:avLst/>
+          </a:prstGeom>
+          <a:noFill/>
+          <a:extLst>
+            <a:ext uri="{909E8E84-426E-40DD-AFC4-6F175D3DCCD1}">
+              <a14:hiddenFill xmlns:a14="http://schemas.microsoft.com/office/drawing/2010/main">
+                <a:solidFill>
+                  <a:srgbClr val="FFFFFF"/>
+                </a:solidFill>
+              </a14:hiddenFill>
+            </a:ext>
+          </a:extLst>
+        </p:spPr>
+      </p:pic>
+    </p:spTree>
+    <p:extLst>
+      <p:ext uri="{BB962C8B-B14F-4D97-AF65-F5344CB8AC3E}">
+        <p14:creationId xmlns:p14="http://schemas.microsoft.com/office/powerpoint/2010/main" val="1952221178"/>
       </p:ext>
     </p:extLst>
   </p:cSld>

--- a/Presentation/Feature Selection.pptx
+++ b/Presentation/Feature Selection.pptx
@@ -49,6 +49,7 @@
     <p:sldId id="286" r:id="rId43"/>
     <p:sldId id="293" r:id="rId44"/>
     <p:sldId id="310" r:id="rId45"/>
+    <p:sldId id="311" r:id="rId46"/>
   </p:sldIdLst>
   <p:sldSz cx="12192000" cy="6858000"/>
   <p:notesSz cx="6858000" cy="9144000"/>
@@ -313,7 +314,7 @@
           <a:p>
             <a:fld id="{D5FA70A3-A6FF-4EAA-B623-AB4CFD6C9082}" type="datetimeFigureOut">
               <a:rPr lang="he-IL" smtClean="0"/>
-              <a:t>ח'/ניסן/תש"פ</a:t>
+              <a:t>ט'/ניסן/תש"פ</a:t>
             </a:fld>
             <a:endParaRPr lang="he-IL"/>
           </a:p>
@@ -511,7 +512,7 @@
           <a:p>
             <a:fld id="{D5FA70A3-A6FF-4EAA-B623-AB4CFD6C9082}" type="datetimeFigureOut">
               <a:rPr lang="he-IL" smtClean="0"/>
-              <a:t>ח'/ניסן/תש"פ</a:t>
+              <a:t>ט'/ניסן/תש"פ</a:t>
             </a:fld>
             <a:endParaRPr lang="he-IL"/>
           </a:p>
@@ -719,7 +720,7 @@
           <a:p>
             <a:fld id="{D5FA70A3-A6FF-4EAA-B623-AB4CFD6C9082}" type="datetimeFigureOut">
               <a:rPr lang="he-IL" smtClean="0"/>
-              <a:t>ח'/ניסן/תש"פ</a:t>
+              <a:t>ט'/ניסן/תש"פ</a:t>
             </a:fld>
             <a:endParaRPr lang="he-IL"/>
           </a:p>
@@ -917,7 +918,7 @@
           <a:p>
             <a:fld id="{D5FA70A3-A6FF-4EAA-B623-AB4CFD6C9082}" type="datetimeFigureOut">
               <a:rPr lang="he-IL" smtClean="0"/>
-              <a:t>ח'/ניסן/תש"פ</a:t>
+              <a:t>ט'/ניסן/תש"פ</a:t>
             </a:fld>
             <a:endParaRPr lang="he-IL"/>
           </a:p>
@@ -1192,7 +1193,7 @@
           <a:p>
             <a:fld id="{D5FA70A3-A6FF-4EAA-B623-AB4CFD6C9082}" type="datetimeFigureOut">
               <a:rPr lang="he-IL" smtClean="0"/>
-              <a:t>ח'/ניסן/תש"פ</a:t>
+              <a:t>ט'/ניסן/תש"פ</a:t>
             </a:fld>
             <a:endParaRPr lang="he-IL"/>
           </a:p>
@@ -1457,7 +1458,7 @@
           <a:p>
             <a:fld id="{D5FA70A3-A6FF-4EAA-B623-AB4CFD6C9082}" type="datetimeFigureOut">
               <a:rPr lang="he-IL" smtClean="0"/>
-              <a:t>ח'/ניסן/תש"פ</a:t>
+              <a:t>ט'/ניסן/תש"פ</a:t>
             </a:fld>
             <a:endParaRPr lang="he-IL"/>
           </a:p>
@@ -1869,7 +1870,7 @@
           <a:p>
             <a:fld id="{D5FA70A3-A6FF-4EAA-B623-AB4CFD6C9082}" type="datetimeFigureOut">
               <a:rPr lang="he-IL" smtClean="0"/>
-              <a:t>ח'/ניסן/תש"פ</a:t>
+              <a:t>ט'/ניסן/תש"פ</a:t>
             </a:fld>
             <a:endParaRPr lang="he-IL"/>
           </a:p>
@@ -2010,7 +2011,7 @@
           <a:p>
             <a:fld id="{D5FA70A3-A6FF-4EAA-B623-AB4CFD6C9082}" type="datetimeFigureOut">
               <a:rPr lang="he-IL" smtClean="0"/>
-              <a:t>ח'/ניסן/תש"פ</a:t>
+              <a:t>ט'/ניסן/תש"פ</a:t>
             </a:fld>
             <a:endParaRPr lang="he-IL"/>
           </a:p>
@@ -2123,7 +2124,7 @@
           <a:p>
             <a:fld id="{D5FA70A3-A6FF-4EAA-B623-AB4CFD6C9082}" type="datetimeFigureOut">
               <a:rPr lang="he-IL" smtClean="0"/>
-              <a:t>ח'/ניסן/תש"פ</a:t>
+              <a:t>ט'/ניסן/תש"פ</a:t>
             </a:fld>
             <a:endParaRPr lang="he-IL"/>
           </a:p>
@@ -2434,7 +2435,7 @@
           <a:p>
             <a:fld id="{D5FA70A3-A6FF-4EAA-B623-AB4CFD6C9082}" type="datetimeFigureOut">
               <a:rPr lang="he-IL" smtClean="0"/>
-              <a:t>ח'/ניסן/תש"פ</a:t>
+              <a:t>ט'/ניסן/תש"פ</a:t>
             </a:fld>
             <a:endParaRPr lang="he-IL"/>
           </a:p>
@@ -2722,7 +2723,7 @@
           <a:p>
             <a:fld id="{D5FA70A3-A6FF-4EAA-B623-AB4CFD6C9082}" type="datetimeFigureOut">
               <a:rPr lang="he-IL" smtClean="0"/>
-              <a:t>ח'/ניסן/תש"פ</a:t>
+              <a:t>ט'/ניסן/תש"פ</a:t>
             </a:fld>
             <a:endParaRPr lang="he-IL"/>
           </a:p>
@@ -2963,7 +2964,7 @@
           <a:p>
             <a:fld id="{D5FA70A3-A6FF-4EAA-B623-AB4CFD6C9082}" type="datetimeFigureOut">
               <a:rPr lang="he-IL" smtClean="0"/>
-              <a:t>ח'/ניסן/תש"פ</a:t>
+              <a:t>ט'/ניסן/תש"פ</a:t>
             </a:fld>
             <a:endParaRPr lang="he-IL"/>
           </a:p>
@@ -4835,7 +4836,7 @@
             <a:pPr lvl="1"/>
             <a:r>
               <a:rPr lang="he-IL" dirty="0"/>
-              <a:t>מחיקת שורה</a:t>
+              <a:t>מחיקת שורה (חיסרון: פגיעה בהתפלגות)</a:t>
             </a:r>
           </a:p>
           <a:p>
@@ -4872,7 +4873,10 @@
               <a:rPr lang="en-US" dirty="0"/>
               <a:t>most frequent</a:t>
             </a:r>
-            <a:endParaRPr lang="he-IL" dirty="0"/>
+            <a:r>
+              <a:rPr lang="he-IL" dirty="0"/>
+              <a:t> (חיסרון: פגיעה בהתפלגות)</a:t>
+            </a:r>
           </a:p>
           <a:p>
             <a:r>
@@ -4885,14 +4889,10 @@
             </a:r>
             <a:r>
               <a:rPr lang="he-IL" dirty="0"/>
-              <a:t> יש </a:t>
-            </a:r>
-            <a:r>
-              <a:rPr lang="he-IL"/>
-              <a:t>את הפקודה: </a:t>
-            </a:r>
-            <a:r>
-              <a:rPr lang="en-US"/>
+              <a:t> יש את הפקודה: </a:t>
+            </a:r>
+            <a:r>
+              <a:rPr lang="en-US" dirty="0"/>
               <a:t>Imputer</a:t>
             </a:r>
             <a:r>
@@ -10010,7 +10010,15 @@
             <a:pPr lvl="1"/>
             <a:r>
               <a:rPr lang="he-IL" dirty="0"/>
-              <a:t>האם ההתפלגות חייבת להיות נורמאלית ?</a:t>
+              <a:t>האם ההתפלגות חייבת להיות נורמאלית ? </a:t>
+            </a:r>
+            <a:r>
+              <a:rPr lang="he-IL" dirty="0">
+                <a:highlight>
+                  <a:srgbClr val="FFFF00"/>
+                </a:highlight>
+              </a:rPr>
+              <a:t>לא</a:t>
             </a:r>
           </a:p>
           <a:p>
@@ -10024,7 +10032,7 @@
               <a:t>sklearn</a:t>
             </a:r>
             <a:r>
-              <a:rPr lang="he-IL"/>
+              <a:rPr lang="he-IL" dirty="0"/>
               <a:t> לסיווג </a:t>
             </a:r>
             <a:r>
@@ -10134,6 +10142,12 @@
           <a:p>
             <a:r>
               <a:rPr lang="he-IL" dirty="0"/>
+              <a:t>אין הנחה לגבי סוג ההתפלגות</a:t>
+            </a:r>
+          </a:p>
+          <a:p>
+            <a:r>
+              <a:rPr lang="he-IL" dirty="0"/>
               <a:t>המבחן מחליט עד כמה 2 דגימות שונות זו מי זו</a:t>
             </a:r>
           </a:p>
@@ -10302,6 +10316,402 @@
     <p:extLst>
       <p:ext uri="{BB962C8B-B14F-4D97-AF65-F5344CB8AC3E}">
         <p14:creationId xmlns:p14="http://schemas.microsoft.com/office/powerpoint/2010/main" val="1952221178"/>
+      </p:ext>
+    </p:extLst>
+  </p:cSld>
+  <p:clrMapOvr>
+    <a:masterClrMapping/>
+  </p:clrMapOvr>
+</p:sld>
+</file>
+
+<file path=ppt/slides/slide45.xml><?xml version="1.0" encoding="utf-8"?>
+<p:sld xmlns:a="http://schemas.openxmlformats.org/drawingml/2006/main" xmlns:r="http://schemas.openxmlformats.org/officeDocument/2006/relationships" xmlns:p="http://schemas.openxmlformats.org/presentationml/2006/main">
+  <p:cSld>
+    <p:spTree>
+      <p:nvGrpSpPr>
+        <p:cNvPr id="1" name=""/>
+        <p:cNvGrpSpPr/>
+        <p:nvPr/>
+      </p:nvGrpSpPr>
+      <p:grpSpPr>
+        <a:xfrm>
+          <a:off x="0" y="0"/>
+          <a:ext cx="0" cy="0"/>
+          <a:chOff x="0" y="0"/>
+          <a:chExt cx="0" cy="0"/>
+        </a:xfrm>
+      </p:grpSpPr>
+      <p:sp>
+        <p:nvSpPr>
+          <p:cNvPr id="2" name="כותרת 1">
+            <a:extLst>
+              <a:ext uri="{FF2B5EF4-FFF2-40B4-BE49-F238E27FC236}">
+                <a16:creationId xmlns:a16="http://schemas.microsoft.com/office/drawing/2014/main" id="{91E46E9D-7B8F-4C0C-970C-665A3710F4E8}"/>
+              </a:ext>
+            </a:extLst>
+          </p:cNvPr>
+          <p:cNvSpPr>
+            <a:spLocks noGrp="1"/>
+          </p:cNvSpPr>
+          <p:nvPr>
+            <p:ph type="title"/>
+          </p:nvPr>
+        </p:nvSpPr>
+        <p:spPr/>
+        <p:txBody>
+          <a:bodyPr/>
+          <a:lstStyle/>
+          <a:p>
+            <a:r>
+              <a:rPr lang="en-US" dirty="0"/>
+              <a:t>statistical tests</a:t>
+            </a:r>
+            <a:endParaRPr lang="he-IL" dirty="0"/>
+          </a:p>
+        </p:txBody>
+      </p:sp>
+      <p:sp>
+        <p:nvSpPr>
+          <p:cNvPr id="3" name="מציין מיקום תוכן 2">
+            <a:extLst>
+              <a:ext uri="{FF2B5EF4-FFF2-40B4-BE49-F238E27FC236}">
+                <a16:creationId xmlns:a16="http://schemas.microsoft.com/office/drawing/2014/main" id="{DB30E94D-72E9-4C4F-9648-3789DA67A3F4}"/>
+              </a:ext>
+            </a:extLst>
+          </p:cNvPr>
+          <p:cNvSpPr>
+            <a:spLocks noGrp="1"/>
+          </p:cNvSpPr>
+          <p:nvPr>
+            <p:ph idx="1"/>
+          </p:nvPr>
+        </p:nvSpPr>
+        <p:spPr>
+          <a:xfrm>
+            <a:off x="838199" y="1825625"/>
+            <a:ext cx="11084511" cy="4351338"/>
+          </a:xfrm>
+        </p:spPr>
+        <p:txBody>
+          <a:bodyPr>
+            <a:normAutofit fontScale="70000" lnSpcReduction="20000"/>
+          </a:bodyPr>
+          <a:lstStyle/>
+          <a:p>
+            <a:r>
+              <a:rPr lang="en-US" dirty="0"/>
+              <a:t>Null</a:t>
+            </a:r>
+          </a:p>
+          <a:p>
+            <a:pPr lvl="1"/>
+            <a:r>
+              <a:rPr lang="he-IL" dirty="0"/>
+              <a:t>בהינתן 2 קבוצות דגימה, ה </a:t>
+            </a:r>
+            <a:r>
+              <a:rPr lang="en-US" dirty="0"/>
+              <a:t>mean</a:t>
+            </a:r>
+            <a:r>
+              <a:rPr lang="he-IL" dirty="0"/>
+              <a:t> שלהם שווה</a:t>
+            </a:r>
+          </a:p>
+          <a:p>
+            <a:r>
+              <a:rPr lang="en-US" dirty="0"/>
+              <a:t>null hypothesis</a:t>
+            </a:r>
+          </a:p>
+          <a:p>
+            <a:pPr lvl="1"/>
+            <a:r>
+              <a:rPr lang="he-IL" dirty="0"/>
+              <a:t>השערה שאין שינוי משמעותי בקבוצת תצפיות</a:t>
+            </a:r>
+          </a:p>
+          <a:p>
+            <a:pPr lvl="1"/>
+            <a:r>
+              <a:rPr lang="he-IL" dirty="0"/>
+              <a:t>כל המבחנים (</a:t>
+            </a:r>
+            <a:r>
+              <a:rPr lang="en-US" dirty="0"/>
+              <a:t>t/z tests</a:t>
+            </a:r>
+            <a:r>
+              <a:rPr lang="he-IL" dirty="0"/>
+              <a:t>) בודקים האם הדגימות מקיימות את השערת </a:t>
+            </a:r>
+            <a:r>
+              <a:rPr lang="en-US" dirty="0"/>
+              <a:t>null</a:t>
+            </a:r>
+            <a:r>
+              <a:rPr lang="he-IL" dirty="0"/>
+              <a:t> או לא</a:t>
+            </a:r>
+          </a:p>
+          <a:p>
+            <a:r>
+              <a:rPr lang="en-US" dirty="0"/>
+              <a:t>Critical value</a:t>
+            </a:r>
+            <a:endParaRPr lang="he-IL" dirty="0"/>
+          </a:p>
+          <a:p>
+            <a:pPr lvl="1"/>
+            <a:r>
+              <a:rPr lang="he-IL" dirty="0"/>
+              <a:t>נקודה(נקודות) על הגרף שמציינות שדגימות מעבר לסף זה אינם מקיימות את </a:t>
+            </a:r>
+            <a:r>
+              <a:rPr lang="en-US" dirty="0"/>
+              <a:t>null hypothesis</a:t>
+            </a:r>
+            <a:r>
+              <a:rPr lang="he-IL" dirty="0"/>
+              <a:t>. </a:t>
+            </a:r>
+          </a:p>
+          <a:p>
+            <a:pPr lvl="1"/>
+            <a:r>
+              <a:rPr lang="he-IL" dirty="0"/>
+              <a:t>ככל שהערך גבוהה יותר, כך סיכוי נמוך שההסתברות של 2 דגימות שייכות לאותה התפלגות</a:t>
+            </a:r>
+          </a:p>
+          <a:p>
+            <a:r>
+              <a:rPr lang="en-US" dirty="0"/>
+              <a:t>Z-test</a:t>
+            </a:r>
+            <a:endParaRPr lang="he-IL" dirty="0"/>
+          </a:p>
+          <a:p>
+            <a:pPr lvl="1"/>
+            <a:r>
+              <a:rPr lang="he-IL" dirty="0"/>
+              <a:t>הנחה: התפלגות נורמאלית</a:t>
+            </a:r>
+          </a:p>
+          <a:p>
+            <a:pPr lvl="1"/>
+            <a:r>
+              <a:rPr lang="he-IL" dirty="0"/>
+              <a:t>מבחן </a:t>
+            </a:r>
+            <a:r>
+              <a:rPr lang="en-US" dirty="0"/>
+              <a:t>Z</a:t>
+            </a:r>
+            <a:r>
+              <a:rPr lang="he-IL" dirty="0"/>
+              <a:t> בודק שדגימה שייכת לאותה אוכלוסיית מדגם</a:t>
+            </a:r>
+          </a:p>
+          <a:p>
+            <a:r>
+              <a:rPr lang="en-US" dirty="0"/>
+              <a:t>T-test</a:t>
+            </a:r>
+            <a:endParaRPr lang="he-IL" dirty="0"/>
+          </a:p>
+          <a:p>
+            <a:pPr lvl="1"/>
+            <a:r>
+              <a:rPr lang="he-IL" dirty="0"/>
+              <a:t>הנחה: התפלגות נורמאלית (ניתן להניח שלא במרחב דגימה גדולה עם סיכוי לשגיאה)</a:t>
+            </a:r>
+          </a:p>
+          <a:p>
+            <a:pPr lvl="1"/>
+            <a:r>
+              <a:rPr lang="he-IL" dirty="0"/>
+              <a:t>מבחן </a:t>
+            </a:r>
+            <a:r>
+              <a:rPr lang="en-US" dirty="0"/>
+              <a:t>t</a:t>
+            </a:r>
+            <a:r>
+              <a:rPr lang="he-IL" dirty="0"/>
+              <a:t> משווה </a:t>
+            </a:r>
+            <a:r>
+              <a:rPr lang="en-US" dirty="0"/>
+              <a:t>mean</a:t>
+            </a:r>
+            <a:r>
+              <a:rPr lang="he-IL" dirty="0"/>
+              <a:t> של 2 קבוצת דגימות</a:t>
+            </a:r>
+          </a:p>
+          <a:p>
+            <a:pPr lvl="1"/>
+            <a:r>
+              <a:rPr lang="he-IL" dirty="0"/>
+              <a:t> מבחן </a:t>
+            </a:r>
+            <a:r>
+              <a:rPr lang="en-US" dirty="0"/>
+              <a:t>t</a:t>
+            </a:r>
+            <a:r>
+              <a:rPr lang="he-IL" dirty="0"/>
+              <a:t> משמש כאשר הממוצע וסטיית התקן של מרחב הדגימה לא ידוע.</a:t>
+            </a:r>
+          </a:p>
+        </p:txBody>
+      </p:sp>
+      <p:pic>
+        <p:nvPicPr>
+          <p:cNvPr id="1026" name="Picture 2">
+            <a:extLst>
+              <a:ext uri="{FF2B5EF4-FFF2-40B4-BE49-F238E27FC236}">
+                <a16:creationId xmlns:a16="http://schemas.microsoft.com/office/drawing/2014/main" id="{82A1E890-694E-40A2-B1CB-BBC4BC34F204}"/>
+              </a:ext>
+            </a:extLst>
+          </p:cNvPr>
+          <p:cNvPicPr>
+            <a:picLocks noChangeAspect="1" noChangeArrowheads="1"/>
+          </p:cNvPicPr>
+          <p:nvPr/>
+        </p:nvPicPr>
+        <p:blipFill>
+          <a:blip r:embed="rId2">
+            <a:extLst>
+              <a:ext uri="{28A0092B-C50C-407E-A947-70E740481C1C}">
+                <a14:useLocalDpi xmlns:a14="http://schemas.microsoft.com/office/drawing/2010/main" val="0"/>
+              </a:ext>
+            </a:extLst>
+          </a:blip>
+          <a:srcRect/>
+          <a:stretch>
+            <a:fillRect/>
+          </a:stretch>
+        </p:blipFill>
+        <p:spPr bwMode="auto">
+          <a:xfrm>
+            <a:off x="358806" y="4048737"/>
+            <a:ext cx="3544316" cy="2128226"/>
+          </a:xfrm>
+          <a:prstGeom prst="rect">
+            <a:avLst/>
+          </a:prstGeom>
+          <a:noFill/>
+          <a:extLst>
+            <a:ext uri="{909E8E84-426E-40DD-AFC4-6F175D3DCCD1}">
+              <a14:hiddenFill xmlns:a14="http://schemas.microsoft.com/office/drawing/2010/main">
+                <a:solidFill>
+                  <a:srgbClr val="FFFFFF"/>
+                </a:solidFill>
+              </a14:hiddenFill>
+            </a:ext>
+          </a:extLst>
+        </p:spPr>
+      </p:pic>
+      <p:pic>
+        <p:nvPicPr>
+          <p:cNvPr id="1028" name="Picture 4" descr="Z TEST OF HYPOTHESIS ABOUT mu">
+            <a:extLst>
+              <a:ext uri="{FF2B5EF4-FFF2-40B4-BE49-F238E27FC236}">
+                <a16:creationId xmlns:a16="http://schemas.microsoft.com/office/drawing/2014/main" id="{624E8DD6-D736-4338-9A76-7FB2C141FE16}"/>
+              </a:ext>
+            </a:extLst>
+          </p:cNvPr>
+          <p:cNvPicPr>
+            <a:picLocks noChangeAspect="1" noChangeArrowheads="1"/>
+          </p:cNvPicPr>
+          <p:nvPr/>
+        </p:nvPicPr>
+        <p:blipFill>
+          <a:blip r:embed="rId3">
+            <a:extLst>
+              <a:ext uri="{28A0092B-C50C-407E-A947-70E740481C1C}">
+                <a14:useLocalDpi xmlns:a14="http://schemas.microsoft.com/office/drawing/2010/main" val="0"/>
+              </a:ext>
+            </a:extLst>
+          </a:blip>
+          <a:srcRect/>
+          <a:stretch>
+            <a:fillRect/>
+          </a:stretch>
+        </p:blipFill>
+        <p:spPr bwMode="auto">
+          <a:xfrm>
+            <a:off x="433249" y="1690688"/>
+            <a:ext cx="2838450" cy="1609725"/>
+          </a:xfrm>
+          <a:prstGeom prst="rect">
+            <a:avLst/>
+          </a:prstGeom>
+          <a:noFill/>
+          <a:extLst>
+            <a:ext uri="{909E8E84-426E-40DD-AFC4-6F175D3DCCD1}">
+              <a14:hiddenFill xmlns:a14="http://schemas.microsoft.com/office/drawing/2010/main">
+                <a:solidFill>
+                  <a:srgbClr val="FFFFFF"/>
+                </a:solidFill>
+              </a14:hiddenFill>
+            </a:ext>
+          </a:extLst>
+        </p:spPr>
+      </p:pic>
+      <p:pic>
+        <p:nvPicPr>
+          <p:cNvPr id="1030" name="Picture 6">
+            <a:extLst>
+              <a:ext uri="{FF2B5EF4-FFF2-40B4-BE49-F238E27FC236}">
+                <a16:creationId xmlns:a16="http://schemas.microsoft.com/office/drawing/2014/main" id="{D3F2E5E6-D793-42CD-A040-C07B06D46793}"/>
+              </a:ext>
+            </a:extLst>
+          </p:cNvPr>
+          <p:cNvPicPr>
+            <a:picLocks noChangeAspect="1" noChangeArrowheads="1"/>
+          </p:cNvPicPr>
+          <p:nvPr/>
+        </p:nvPicPr>
+        <p:blipFill>
+          <a:blip r:embed="rId4">
+            <a:extLst>
+              <a:ext uri="{28A0092B-C50C-407E-A947-70E740481C1C}">
+                <a14:useLocalDpi xmlns:a14="http://schemas.microsoft.com/office/drawing/2010/main" val="0"/>
+              </a:ext>
+            </a:extLst>
+          </a:blip>
+          <a:srcRect/>
+          <a:stretch>
+            <a:fillRect/>
+          </a:stretch>
+        </p:blipFill>
+        <p:spPr bwMode="auto">
+          <a:xfrm>
+            <a:off x="3441440" y="504767"/>
+            <a:ext cx="2719664" cy="1440882"/>
+          </a:xfrm>
+          <a:prstGeom prst="rect">
+            <a:avLst/>
+          </a:prstGeom>
+          <a:noFill/>
+          <a:extLst>
+            <a:ext uri="{909E8E84-426E-40DD-AFC4-6F175D3DCCD1}">
+              <a14:hiddenFill xmlns:a14="http://schemas.microsoft.com/office/drawing/2010/main">
+                <a:solidFill>
+                  <a:srgbClr val="FFFFFF"/>
+                </a:solidFill>
+              </a14:hiddenFill>
+            </a:ext>
+          </a:extLst>
+        </p:spPr>
+      </p:pic>
+    </p:spTree>
+    <p:extLst>
+      <p:ext uri="{BB962C8B-B14F-4D97-AF65-F5344CB8AC3E}">
+        <p14:creationId xmlns:p14="http://schemas.microsoft.com/office/powerpoint/2010/main" val="2615781787"/>
       </p:ext>
     </p:extLst>
   </p:cSld>

--- a/Presentation/Feature Selection.pptx
+++ b/Presentation/Feature Selection.pptx
@@ -48,8 +48,10 @@
     <p:sldId id="277" r:id="rId42"/>
     <p:sldId id="286" r:id="rId43"/>
     <p:sldId id="293" r:id="rId44"/>
-    <p:sldId id="310" r:id="rId45"/>
-    <p:sldId id="311" r:id="rId46"/>
+    <p:sldId id="314" r:id="rId45"/>
+    <p:sldId id="312" r:id="rId46"/>
+    <p:sldId id="311" r:id="rId47"/>
+    <p:sldId id="310" r:id="rId48"/>
   </p:sldIdLst>
   <p:sldSz cx="12192000" cy="6858000"/>
   <p:notesSz cx="6858000" cy="9144000"/>
@@ -10025,6 +10027,21 @@
             <a:pPr lvl="1"/>
             <a:r>
               <a:rPr lang="he-IL" dirty="0"/>
+              <a:t>דוגמא לשימוש ב </a:t>
+            </a:r>
+            <a:r>
+              <a:rPr lang="en-US" dirty="0"/>
+              <a:t>ML</a:t>
+            </a:r>
+            <a:r>
+              <a:rPr lang="he-IL" dirty="0"/>
+              <a:t> ?</a:t>
+            </a:r>
+          </a:p>
+          <a:p>
+            <a:pPr lvl="1"/>
+            <a:r>
+              <a:rPr lang="he-IL" dirty="0"/>
               <a:t>למה לא ראיתי תמיכה ב </a:t>
             </a:r>
             <a:r>
@@ -10081,6 +10098,680 @@
           <p:cNvPr id="2" name="כותרת 1">
             <a:extLst>
               <a:ext uri="{FF2B5EF4-FFF2-40B4-BE49-F238E27FC236}">
+                <a16:creationId xmlns:a16="http://schemas.microsoft.com/office/drawing/2014/main" id="{12C43150-B25E-4D0E-BDF4-635BEFD8EF18}"/>
+              </a:ext>
+            </a:extLst>
+          </p:cNvPr>
+          <p:cNvSpPr>
+            <a:spLocks noGrp="1"/>
+          </p:cNvSpPr>
+          <p:nvPr>
+            <p:ph type="ctrTitle"/>
+          </p:nvPr>
+        </p:nvSpPr>
+        <p:spPr/>
+        <p:txBody>
+          <a:bodyPr/>
+          <a:lstStyle/>
+          <a:p>
+            <a:r>
+              <a:rPr lang="he-IL" dirty="0" err="1"/>
+              <a:t>התסברות</a:t>
+            </a:r>
+            <a:r>
+              <a:rPr lang="he-IL" dirty="0"/>
+              <a:t> </a:t>
+            </a:r>
+            <a:r>
+              <a:rPr lang="he-IL" dirty="0" err="1"/>
+              <a:t>וסטיסטיקה</a:t>
+            </a:r>
+            <a:endParaRPr lang="he-IL" dirty="0"/>
+          </a:p>
+        </p:txBody>
+      </p:sp>
+      <p:sp>
+        <p:nvSpPr>
+          <p:cNvPr id="3" name="כותרת משנה 2">
+            <a:extLst>
+              <a:ext uri="{FF2B5EF4-FFF2-40B4-BE49-F238E27FC236}">
+                <a16:creationId xmlns:a16="http://schemas.microsoft.com/office/drawing/2014/main" id="{686F7E77-CF92-46E1-B497-C07D9D641FF9}"/>
+              </a:ext>
+            </a:extLst>
+          </p:cNvPr>
+          <p:cNvSpPr>
+            <a:spLocks noGrp="1"/>
+          </p:cNvSpPr>
+          <p:nvPr>
+            <p:ph type="subTitle" idx="1"/>
+          </p:nvPr>
+        </p:nvSpPr>
+        <p:spPr/>
+        <p:txBody>
+          <a:bodyPr/>
+          <a:lstStyle/>
+          <a:p>
+            <a:endParaRPr lang="he-IL"/>
+          </a:p>
+        </p:txBody>
+      </p:sp>
+    </p:spTree>
+    <p:extLst>
+      <p:ext uri="{BB962C8B-B14F-4D97-AF65-F5344CB8AC3E}">
+        <p14:creationId xmlns:p14="http://schemas.microsoft.com/office/powerpoint/2010/main" val="3312569233"/>
+      </p:ext>
+    </p:extLst>
+  </p:cSld>
+  <p:clrMapOvr>
+    <a:masterClrMapping/>
+  </p:clrMapOvr>
+</p:sld>
+</file>
+
+<file path=ppt/slides/slide45.xml><?xml version="1.0" encoding="utf-8"?>
+<p:sld xmlns:a="http://schemas.openxmlformats.org/drawingml/2006/main" xmlns:r="http://schemas.openxmlformats.org/officeDocument/2006/relationships" xmlns:p="http://schemas.openxmlformats.org/presentationml/2006/main">
+  <p:cSld>
+    <p:spTree>
+      <p:nvGrpSpPr>
+        <p:cNvPr id="1" name=""/>
+        <p:cNvGrpSpPr/>
+        <p:nvPr/>
+      </p:nvGrpSpPr>
+      <p:grpSpPr>
+        <a:xfrm>
+          <a:off x="0" y="0"/>
+          <a:ext cx="0" cy="0"/>
+          <a:chOff x="0" y="0"/>
+          <a:chExt cx="0" cy="0"/>
+        </a:xfrm>
+      </p:grpSpPr>
+      <p:sp>
+        <p:nvSpPr>
+          <p:cNvPr id="2" name="כותרת 1">
+            <a:extLst>
+              <a:ext uri="{FF2B5EF4-FFF2-40B4-BE49-F238E27FC236}">
+                <a16:creationId xmlns:a16="http://schemas.microsoft.com/office/drawing/2014/main" id="{7EEFFCDF-1469-4B08-B0A7-CA7FA3D80D17}"/>
+              </a:ext>
+            </a:extLst>
+          </p:cNvPr>
+          <p:cNvSpPr>
+            <a:spLocks noGrp="1"/>
+          </p:cNvSpPr>
+          <p:nvPr>
+            <p:ph type="title"/>
+          </p:nvPr>
+        </p:nvSpPr>
+        <p:spPr/>
+        <p:txBody>
+          <a:bodyPr/>
+          <a:lstStyle/>
+          <a:p>
+            <a:r>
+              <a:rPr lang="he-IL" dirty="0"/>
+              <a:t>מושגים – הסתברות	</a:t>
+            </a:r>
+          </a:p>
+        </p:txBody>
+      </p:sp>
+      <p:sp>
+        <p:nvSpPr>
+          <p:cNvPr id="3" name="מציין מיקום תוכן 2">
+            <a:extLst>
+              <a:ext uri="{FF2B5EF4-FFF2-40B4-BE49-F238E27FC236}">
+                <a16:creationId xmlns:a16="http://schemas.microsoft.com/office/drawing/2014/main" id="{9A457763-B028-4A89-8372-657023AF7E6C}"/>
+              </a:ext>
+            </a:extLst>
+          </p:cNvPr>
+          <p:cNvSpPr>
+            <a:spLocks noGrp="1"/>
+          </p:cNvSpPr>
+          <p:nvPr>
+            <p:ph idx="1"/>
+          </p:nvPr>
+        </p:nvSpPr>
+        <p:spPr/>
+        <p:txBody>
+          <a:bodyPr/>
+          <a:lstStyle/>
+          <a:p>
+            <a:r>
+              <a:rPr lang="en-US" dirty="0"/>
+              <a:t>PDF</a:t>
+            </a:r>
+            <a:endParaRPr lang="he-IL" dirty="0"/>
+          </a:p>
+          <a:p>
+            <a:pPr lvl="1"/>
+            <a:r>
+              <a:rPr lang="he-IL" dirty="0"/>
+              <a:t>סיכוי שמ"מ יתקיים</a:t>
+            </a:r>
+          </a:p>
+          <a:p>
+            <a:pPr lvl="1"/>
+            <a:r>
+              <a:rPr lang="he-IL" dirty="0"/>
+              <a:t>נניח </a:t>
+            </a:r>
+            <a:r>
+              <a:rPr lang="en-US" dirty="0"/>
+              <a:t>f(x)</a:t>
+            </a:r>
+            <a:r>
+              <a:rPr lang="he-IL" dirty="0"/>
+              <a:t> מה הסיכוי ש </a:t>
+            </a:r>
+            <a:r>
+              <a:rPr lang="en-US" dirty="0"/>
+              <a:t>X</a:t>
+            </a:r>
+            <a:r>
+              <a:rPr lang="he-IL" dirty="0"/>
+              <a:t> יתקיים</a:t>
+            </a:r>
+          </a:p>
+          <a:p>
+            <a:r>
+              <a:rPr lang="en-US" dirty="0"/>
+              <a:t>CDF</a:t>
+            </a:r>
+            <a:endParaRPr lang="he-IL" dirty="0"/>
+          </a:p>
+          <a:p>
+            <a:pPr lvl="1"/>
+            <a:r>
+              <a:rPr lang="he-IL" dirty="0"/>
+              <a:t>סיכוי שמ"מ יהיה קטן שווה לערך </a:t>
+            </a:r>
+            <a:r>
+              <a:rPr lang="he-IL" dirty="0" err="1"/>
+              <a:t>מסויים</a:t>
+            </a:r>
+            <a:endParaRPr lang="he-IL" dirty="0"/>
+          </a:p>
+          <a:p>
+            <a:pPr lvl="1"/>
+            <a:r>
+              <a:rPr lang="he-IL" dirty="0"/>
+              <a:t>לדוגמא: עבור </a:t>
+            </a:r>
+            <a:r>
+              <a:rPr lang="en-US" dirty="0"/>
+              <a:t>x=3</a:t>
+            </a:r>
+            <a:r>
+              <a:rPr lang="he-IL" dirty="0"/>
+              <a:t>, בודקים את כל הטווח </a:t>
+            </a:r>
+            <a:r>
+              <a:rPr lang="en-US" dirty="0"/>
+              <a:t>[1..3]</a:t>
+            </a:r>
+            <a:endParaRPr lang="he-IL" dirty="0"/>
+          </a:p>
+        </p:txBody>
+      </p:sp>
+      <p:pic>
+        <p:nvPicPr>
+          <p:cNvPr id="4" name="תמונה 3">
+            <a:extLst>
+              <a:ext uri="{FF2B5EF4-FFF2-40B4-BE49-F238E27FC236}">
+                <a16:creationId xmlns:a16="http://schemas.microsoft.com/office/drawing/2014/main" id="{9BFD86D2-C365-4BB3-97E8-9297EDED4636}"/>
+              </a:ext>
+            </a:extLst>
+          </p:cNvPr>
+          <p:cNvPicPr>
+            <a:picLocks noChangeAspect="1"/>
+          </p:cNvPicPr>
+          <p:nvPr/>
+        </p:nvPicPr>
+        <p:blipFill>
+          <a:blip r:embed="rId2"/>
+          <a:stretch>
+            <a:fillRect/>
+          </a:stretch>
+        </p:blipFill>
+        <p:spPr>
+          <a:xfrm>
+            <a:off x="713589" y="1284626"/>
+            <a:ext cx="4124325" cy="4714875"/>
+          </a:xfrm>
+          <a:prstGeom prst="rect">
+            <a:avLst/>
+          </a:prstGeom>
+        </p:spPr>
+      </p:pic>
+    </p:spTree>
+    <p:extLst>
+      <p:ext uri="{BB962C8B-B14F-4D97-AF65-F5344CB8AC3E}">
+        <p14:creationId xmlns:p14="http://schemas.microsoft.com/office/powerpoint/2010/main" val="58822118"/>
+      </p:ext>
+    </p:extLst>
+  </p:cSld>
+  <p:clrMapOvr>
+    <a:masterClrMapping/>
+  </p:clrMapOvr>
+</p:sld>
+</file>
+
+<file path=ppt/slides/slide46.xml><?xml version="1.0" encoding="utf-8"?>
+<p:sld xmlns:a="http://schemas.openxmlformats.org/drawingml/2006/main" xmlns:r="http://schemas.openxmlformats.org/officeDocument/2006/relationships" xmlns:p="http://schemas.openxmlformats.org/presentationml/2006/main">
+  <p:cSld>
+    <p:spTree>
+      <p:nvGrpSpPr>
+        <p:cNvPr id="1" name=""/>
+        <p:cNvGrpSpPr/>
+        <p:nvPr/>
+      </p:nvGrpSpPr>
+      <p:grpSpPr>
+        <a:xfrm>
+          <a:off x="0" y="0"/>
+          <a:ext cx="0" cy="0"/>
+          <a:chOff x="0" y="0"/>
+          <a:chExt cx="0" cy="0"/>
+        </a:xfrm>
+      </p:grpSpPr>
+      <p:sp>
+        <p:nvSpPr>
+          <p:cNvPr id="2" name="כותרת 1">
+            <a:extLst>
+              <a:ext uri="{FF2B5EF4-FFF2-40B4-BE49-F238E27FC236}">
+                <a16:creationId xmlns:a16="http://schemas.microsoft.com/office/drawing/2014/main" id="{91E46E9D-7B8F-4C0C-970C-665A3710F4E8}"/>
+              </a:ext>
+            </a:extLst>
+          </p:cNvPr>
+          <p:cNvSpPr>
+            <a:spLocks noGrp="1"/>
+          </p:cNvSpPr>
+          <p:nvPr>
+            <p:ph type="title"/>
+          </p:nvPr>
+        </p:nvSpPr>
+        <p:spPr/>
+        <p:txBody>
+          <a:bodyPr/>
+          <a:lstStyle/>
+          <a:p>
+            <a:r>
+              <a:rPr lang="en-US" dirty="0"/>
+              <a:t>statistical tests</a:t>
+            </a:r>
+            <a:endParaRPr lang="he-IL" dirty="0"/>
+          </a:p>
+        </p:txBody>
+      </p:sp>
+      <p:sp>
+        <p:nvSpPr>
+          <p:cNvPr id="3" name="מציין מיקום תוכן 2">
+            <a:extLst>
+              <a:ext uri="{FF2B5EF4-FFF2-40B4-BE49-F238E27FC236}">
+                <a16:creationId xmlns:a16="http://schemas.microsoft.com/office/drawing/2014/main" id="{DB30E94D-72E9-4C4F-9648-3789DA67A3F4}"/>
+              </a:ext>
+            </a:extLst>
+          </p:cNvPr>
+          <p:cNvSpPr>
+            <a:spLocks noGrp="1"/>
+          </p:cNvSpPr>
+          <p:nvPr>
+            <p:ph idx="1"/>
+          </p:nvPr>
+        </p:nvSpPr>
+        <p:spPr>
+          <a:xfrm>
+            <a:off x="838199" y="1825625"/>
+            <a:ext cx="11084511" cy="4351338"/>
+          </a:xfrm>
+        </p:spPr>
+        <p:txBody>
+          <a:bodyPr>
+            <a:normAutofit fontScale="70000" lnSpcReduction="20000"/>
+          </a:bodyPr>
+          <a:lstStyle/>
+          <a:p>
+            <a:r>
+              <a:rPr lang="en-US" dirty="0"/>
+              <a:t>Null</a:t>
+            </a:r>
+          </a:p>
+          <a:p>
+            <a:pPr lvl="1"/>
+            <a:r>
+              <a:rPr lang="he-IL" dirty="0"/>
+              <a:t>בהינתן 2 קבוצות דגימה, ה </a:t>
+            </a:r>
+            <a:r>
+              <a:rPr lang="en-US" dirty="0"/>
+              <a:t>mean</a:t>
+            </a:r>
+            <a:r>
+              <a:rPr lang="he-IL" dirty="0"/>
+              <a:t> שלהם שווה</a:t>
+            </a:r>
+          </a:p>
+          <a:p>
+            <a:r>
+              <a:rPr lang="en-US" dirty="0"/>
+              <a:t>null hypothesis</a:t>
+            </a:r>
+          </a:p>
+          <a:p>
+            <a:pPr lvl="1"/>
+            <a:r>
+              <a:rPr lang="he-IL" dirty="0"/>
+              <a:t>השערה שאין שינוי משמעותי בקבוצת תצפיות</a:t>
+            </a:r>
+          </a:p>
+          <a:p>
+            <a:pPr lvl="1"/>
+            <a:r>
+              <a:rPr lang="he-IL" dirty="0"/>
+              <a:t>כל המבחנים (</a:t>
+            </a:r>
+            <a:r>
+              <a:rPr lang="en-US" dirty="0"/>
+              <a:t>t/z tests</a:t>
+            </a:r>
+            <a:r>
+              <a:rPr lang="he-IL" dirty="0"/>
+              <a:t>) בודקים האם הדגימות מקיימות את השערת </a:t>
+            </a:r>
+            <a:r>
+              <a:rPr lang="en-US" dirty="0"/>
+              <a:t>null</a:t>
+            </a:r>
+            <a:r>
+              <a:rPr lang="he-IL" dirty="0"/>
+              <a:t> או לא</a:t>
+            </a:r>
+          </a:p>
+          <a:p>
+            <a:r>
+              <a:rPr lang="en-US" dirty="0"/>
+              <a:t>Critical value</a:t>
+            </a:r>
+            <a:endParaRPr lang="he-IL" dirty="0"/>
+          </a:p>
+          <a:p>
+            <a:pPr lvl="1"/>
+            <a:r>
+              <a:rPr lang="he-IL" dirty="0"/>
+              <a:t>נקודה(נקודות) על הגרף שמציינות שדגימות מעבר לסף זה אינם מקיימות את </a:t>
+            </a:r>
+            <a:r>
+              <a:rPr lang="en-US" dirty="0"/>
+              <a:t>null hypothesis</a:t>
+            </a:r>
+            <a:r>
+              <a:rPr lang="he-IL" dirty="0"/>
+              <a:t>. </a:t>
+            </a:r>
+          </a:p>
+          <a:p>
+            <a:pPr lvl="1"/>
+            <a:r>
+              <a:rPr lang="he-IL" dirty="0"/>
+              <a:t>ככל שהערך גבוהה יותר, כך סיכוי נמוך שההסתברות של 2 דגימות שייכות לאותה התפלגות</a:t>
+            </a:r>
+          </a:p>
+          <a:p>
+            <a:r>
+              <a:rPr lang="en-US" dirty="0"/>
+              <a:t>Z-test</a:t>
+            </a:r>
+            <a:endParaRPr lang="he-IL" dirty="0"/>
+          </a:p>
+          <a:p>
+            <a:pPr lvl="1"/>
+            <a:r>
+              <a:rPr lang="he-IL" dirty="0"/>
+              <a:t>הנחה: התפלגות נורמאלית</a:t>
+            </a:r>
+          </a:p>
+          <a:p>
+            <a:pPr lvl="1"/>
+            <a:r>
+              <a:rPr lang="he-IL" dirty="0"/>
+              <a:t>מבחן </a:t>
+            </a:r>
+            <a:r>
+              <a:rPr lang="en-US" dirty="0"/>
+              <a:t>Z</a:t>
+            </a:r>
+            <a:r>
+              <a:rPr lang="he-IL" dirty="0"/>
+              <a:t> בודק שדגימה שייכת לאותה אוכלוסיית מדגם</a:t>
+            </a:r>
+          </a:p>
+          <a:p>
+            <a:r>
+              <a:rPr lang="en-US" dirty="0"/>
+              <a:t>T-test</a:t>
+            </a:r>
+            <a:endParaRPr lang="he-IL" dirty="0"/>
+          </a:p>
+          <a:p>
+            <a:pPr lvl="1"/>
+            <a:r>
+              <a:rPr lang="he-IL" dirty="0"/>
+              <a:t>הנחה: התפלגות נורמאלית (ניתן להניח שלא במרחב דגימה גדולה עם סיכוי לשגיאה)</a:t>
+            </a:r>
+          </a:p>
+          <a:p>
+            <a:pPr lvl="1"/>
+            <a:r>
+              <a:rPr lang="he-IL" dirty="0"/>
+              <a:t>מבחן </a:t>
+            </a:r>
+            <a:r>
+              <a:rPr lang="en-US" dirty="0"/>
+              <a:t>t</a:t>
+            </a:r>
+            <a:r>
+              <a:rPr lang="he-IL" dirty="0"/>
+              <a:t> משווה </a:t>
+            </a:r>
+            <a:r>
+              <a:rPr lang="en-US" dirty="0"/>
+              <a:t>mean</a:t>
+            </a:r>
+            <a:r>
+              <a:rPr lang="he-IL" dirty="0"/>
+              <a:t> של 2 קבוצת דגימות</a:t>
+            </a:r>
+          </a:p>
+          <a:p>
+            <a:pPr lvl="1"/>
+            <a:r>
+              <a:rPr lang="he-IL" dirty="0"/>
+              <a:t> מבחן </a:t>
+            </a:r>
+            <a:r>
+              <a:rPr lang="en-US" dirty="0"/>
+              <a:t>t</a:t>
+            </a:r>
+            <a:r>
+              <a:rPr lang="he-IL" dirty="0"/>
+              <a:t> משמש כאשר הממוצע וסטיית התקן של מרחב הדגימה לא ידוע.</a:t>
+            </a:r>
+          </a:p>
+        </p:txBody>
+      </p:sp>
+      <p:pic>
+        <p:nvPicPr>
+          <p:cNvPr id="1026" name="Picture 2">
+            <a:extLst>
+              <a:ext uri="{FF2B5EF4-FFF2-40B4-BE49-F238E27FC236}">
+                <a16:creationId xmlns:a16="http://schemas.microsoft.com/office/drawing/2014/main" id="{82A1E890-694E-40A2-B1CB-BBC4BC34F204}"/>
+              </a:ext>
+            </a:extLst>
+          </p:cNvPr>
+          <p:cNvPicPr>
+            <a:picLocks noChangeAspect="1" noChangeArrowheads="1"/>
+          </p:cNvPicPr>
+          <p:nvPr/>
+        </p:nvPicPr>
+        <p:blipFill>
+          <a:blip r:embed="rId2">
+            <a:extLst>
+              <a:ext uri="{28A0092B-C50C-407E-A947-70E740481C1C}">
+                <a14:useLocalDpi xmlns:a14="http://schemas.microsoft.com/office/drawing/2010/main" val="0"/>
+              </a:ext>
+            </a:extLst>
+          </a:blip>
+          <a:srcRect/>
+          <a:stretch>
+            <a:fillRect/>
+          </a:stretch>
+        </p:blipFill>
+        <p:spPr bwMode="auto">
+          <a:xfrm>
+            <a:off x="358806" y="4048737"/>
+            <a:ext cx="3544316" cy="2128226"/>
+          </a:xfrm>
+          <a:prstGeom prst="rect">
+            <a:avLst/>
+          </a:prstGeom>
+          <a:noFill/>
+          <a:extLst>
+            <a:ext uri="{909E8E84-426E-40DD-AFC4-6F175D3DCCD1}">
+              <a14:hiddenFill xmlns:a14="http://schemas.microsoft.com/office/drawing/2010/main">
+                <a:solidFill>
+                  <a:srgbClr val="FFFFFF"/>
+                </a:solidFill>
+              </a14:hiddenFill>
+            </a:ext>
+          </a:extLst>
+        </p:spPr>
+      </p:pic>
+      <p:pic>
+        <p:nvPicPr>
+          <p:cNvPr id="1028" name="Picture 4" descr="Z TEST OF HYPOTHESIS ABOUT mu">
+            <a:extLst>
+              <a:ext uri="{FF2B5EF4-FFF2-40B4-BE49-F238E27FC236}">
+                <a16:creationId xmlns:a16="http://schemas.microsoft.com/office/drawing/2014/main" id="{624E8DD6-D736-4338-9A76-7FB2C141FE16}"/>
+              </a:ext>
+            </a:extLst>
+          </p:cNvPr>
+          <p:cNvPicPr>
+            <a:picLocks noChangeAspect="1" noChangeArrowheads="1"/>
+          </p:cNvPicPr>
+          <p:nvPr/>
+        </p:nvPicPr>
+        <p:blipFill>
+          <a:blip r:embed="rId3">
+            <a:extLst>
+              <a:ext uri="{28A0092B-C50C-407E-A947-70E740481C1C}">
+                <a14:useLocalDpi xmlns:a14="http://schemas.microsoft.com/office/drawing/2010/main" val="0"/>
+              </a:ext>
+            </a:extLst>
+          </a:blip>
+          <a:srcRect/>
+          <a:stretch>
+            <a:fillRect/>
+          </a:stretch>
+        </p:blipFill>
+        <p:spPr bwMode="auto">
+          <a:xfrm>
+            <a:off x="433249" y="1690688"/>
+            <a:ext cx="2838450" cy="1609725"/>
+          </a:xfrm>
+          <a:prstGeom prst="rect">
+            <a:avLst/>
+          </a:prstGeom>
+          <a:noFill/>
+          <a:extLst>
+            <a:ext uri="{909E8E84-426E-40DD-AFC4-6F175D3DCCD1}">
+              <a14:hiddenFill xmlns:a14="http://schemas.microsoft.com/office/drawing/2010/main">
+                <a:solidFill>
+                  <a:srgbClr val="FFFFFF"/>
+                </a:solidFill>
+              </a14:hiddenFill>
+            </a:ext>
+          </a:extLst>
+        </p:spPr>
+      </p:pic>
+      <p:pic>
+        <p:nvPicPr>
+          <p:cNvPr id="1030" name="Picture 6">
+            <a:extLst>
+              <a:ext uri="{FF2B5EF4-FFF2-40B4-BE49-F238E27FC236}">
+                <a16:creationId xmlns:a16="http://schemas.microsoft.com/office/drawing/2014/main" id="{D3F2E5E6-D793-42CD-A040-C07B06D46793}"/>
+              </a:ext>
+            </a:extLst>
+          </p:cNvPr>
+          <p:cNvPicPr>
+            <a:picLocks noChangeAspect="1" noChangeArrowheads="1"/>
+          </p:cNvPicPr>
+          <p:nvPr/>
+        </p:nvPicPr>
+        <p:blipFill>
+          <a:blip r:embed="rId4">
+            <a:extLst>
+              <a:ext uri="{28A0092B-C50C-407E-A947-70E740481C1C}">
+                <a14:useLocalDpi xmlns:a14="http://schemas.microsoft.com/office/drawing/2010/main" val="0"/>
+              </a:ext>
+            </a:extLst>
+          </a:blip>
+          <a:srcRect/>
+          <a:stretch>
+            <a:fillRect/>
+          </a:stretch>
+        </p:blipFill>
+        <p:spPr bwMode="auto">
+          <a:xfrm>
+            <a:off x="3441440" y="504767"/>
+            <a:ext cx="2719664" cy="1440882"/>
+          </a:xfrm>
+          <a:prstGeom prst="rect">
+            <a:avLst/>
+          </a:prstGeom>
+          <a:noFill/>
+          <a:extLst>
+            <a:ext uri="{909E8E84-426E-40DD-AFC4-6F175D3DCCD1}">
+              <a14:hiddenFill xmlns:a14="http://schemas.microsoft.com/office/drawing/2010/main">
+                <a:solidFill>
+                  <a:srgbClr val="FFFFFF"/>
+                </a:solidFill>
+              </a14:hiddenFill>
+            </a:ext>
+          </a:extLst>
+        </p:spPr>
+      </p:pic>
+    </p:spTree>
+    <p:extLst>
+      <p:ext uri="{BB962C8B-B14F-4D97-AF65-F5344CB8AC3E}">
+        <p14:creationId xmlns:p14="http://schemas.microsoft.com/office/powerpoint/2010/main" val="2615781787"/>
+      </p:ext>
+    </p:extLst>
+  </p:cSld>
+  <p:clrMapOvr>
+    <a:masterClrMapping/>
+  </p:clrMapOvr>
+</p:sld>
+</file>
+
+<file path=ppt/slides/slide47.xml><?xml version="1.0" encoding="utf-8"?>
+<p:sld xmlns:a="http://schemas.openxmlformats.org/drawingml/2006/main" xmlns:r="http://schemas.openxmlformats.org/officeDocument/2006/relationships" xmlns:p="http://schemas.openxmlformats.org/presentationml/2006/main">
+  <p:cSld>
+    <p:spTree>
+      <p:nvGrpSpPr>
+        <p:cNvPr id="1" name=""/>
+        <p:cNvGrpSpPr/>
+        <p:nvPr/>
+      </p:nvGrpSpPr>
+      <p:grpSpPr>
+        <a:xfrm>
+          <a:off x="0" y="0"/>
+          <a:ext cx="0" cy="0"/>
+          <a:chOff x="0" y="0"/>
+          <a:chExt cx="0" cy="0"/>
+        </a:xfrm>
+      </p:grpSpPr>
+      <p:sp>
+        <p:nvSpPr>
+          <p:cNvPr id="2" name="כותרת 1">
+            <a:extLst>
+              <a:ext uri="{FF2B5EF4-FFF2-40B4-BE49-F238E27FC236}">
                 <a16:creationId xmlns:a16="http://schemas.microsoft.com/office/drawing/2014/main" id="{40A5353B-B0EC-4E55-B1FF-553D38FC21A6}"/>
               </a:ext>
             </a:extLst>
@@ -10316,402 +11007,6 @@
     <p:extLst>
       <p:ext uri="{BB962C8B-B14F-4D97-AF65-F5344CB8AC3E}">
         <p14:creationId xmlns:p14="http://schemas.microsoft.com/office/powerpoint/2010/main" val="1952221178"/>
-      </p:ext>
-    </p:extLst>
-  </p:cSld>
-  <p:clrMapOvr>
-    <a:masterClrMapping/>
-  </p:clrMapOvr>
-</p:sld>
-</file>
-
-<file path=ppt/slides/slide45.xml><?xml version="1.0" encoding="utf-8"?>
-<p:sld xmlns:a="http://schemas.openxmlformats.org/drawingml/2006/main" xmlns:r="http://schemas.openxmlformats.org/officeDocument/2006/relationships" xmlns:p="http://schemas.openxmlformats.org/presentationml/2006/main">
-  <p:cSld>
-    <p:spTree>
-      <p:nvGrpSpPr>
-        <p:cNvPr id="1" name=""/>
-        <p:cNvGrpSpPr/>
-        <p:nvPr/>
-      </p:nvGrpSpPr>
-      <p:grpSpPr>
-        <a:xfrm>
-          <a:off x="0" y="0"/>
-          <a:ext cx="0" cy="0"/>
-          <a:chOff x="0" y="0"/>
-          <a:chExt cx="0" cy="0"/>
-        </a:xfrm>
-      </p:grpSpPr>
-      <p:sp>
-        <p:nvSpPr>
-          <p:cNvPr id="2" name="כותרת 1">
-            <a:extLst>
-              <a:ext uri="{FF2B5EF4-FFF2-40B4-BE49-F238E27FC236}">
-                <a16:creationId xmlns:a16="http://schemas.microsoft.com/office/drawing/2014/main" id="{91E46E9D-7B8F-4C0C-970C-665A3710F4E8}"/>
-              </a:ext>
-            </a:extLst>
-          </p:cNvPr>
-          <p:cNvSpPr>
-            <a:spLocks noGrp="1"/>
-          </p:cNvSpPr>
-          <p:nvPr>
-            <p:ph type="title"/>
-          </p:nvPr>
-        </p:nvSpPr>
-        <p:spPr/>
-        <p:txBody>
-          <a:bodyPr/>
-          <a:lstStyle/>
-          <a:p>
-            <a:r>
-              <a:rPr lang="en-US" dirty="0"/>
-              <a:t>statistical tests</a:t>
-            </a:r>
-            <a:endParaRPr lang="he-IL" dirty="0"/>
-          </a:p>
-        </p:txBody>
-      </p:sp>
-      <p:sp>
-        <p:nvSpPr>
-          <p:cNvPr id="3" name="מציין מיקום תוכן 2">
-            <a:extLst>
-              <a:ext uri="{FF2B5EF4-FFF2-40B4-BE49-F238E27FC236}">
-                <a16:creationId xmlns:a16="http://schemas.microsoft.com/office/drawing/2014/main" id="{DB30E94D-72E9-4C4F-9648-3789DA67A3F4}"/>
-              </a:ext>
-            </a:extLst>
-          </p:cNvPr>
-          <p:cNvSpPr>
-            <a:spLocks noGrp="1"/>
-          </p:cNvSpPr>
-          <p:nvPr>
-            <p:ph idx="1"/>
-          </p:nvPr>
-        </p:nvSpPr>
-        <p:spPr>
-          <a:xfrm>
-            <a:off x="838199" y="1825625"/>
-            <a:ext cx="11084511" cy="4351338"/>
-          </a:xfrm>
-        </p:spPr>
-        <p:txBody>
-          <a:bodyPr>
-            <a:normAutofit fontScale="70000" lnSpcReduction="20000"/>
-          </a:bodyPr>
-          <a:lstStyle/>
-          <a:p>
-            <a:r>
-              <a:rPr lang="en-US" dirty="0"/>
-              <a:t>Null</a:t>
-            </a:r>
-          </a:p>
-          <a:p>
-            <a:pPr lvl="1"/>
-            <a:r>
-              <a:rPr lang="he-IL" dirty="0"/>
-              <a:t>בהינתן 2 קבוצות דגימה, ה </a:t>
-            </a:r>
-            <a:r>
-              <a:rPr lang="en-US" dirty="0"/>
-              <a:t>mean</a:t>
-            </a:r>
-            <a:r>
-              <a:rPr lang="he-IL" dirty="0"/>
-              <a:t> שלהם שווה</a:t>
-            </a:r>
-          </a:p>
-          <a:p>
-            <a:r>
-              <a:rPr lang="en-US" dirty="0"/>
-              <a:t>null hypothesis</a:t>
-            </a:r>
-          </a:p>
-          <a:p>
-            <a:pPr lvl="1"/>
-            <a:r>
-              <a:rPr lang="he-IL" dirty="0"/>
-              <a:t>השערה שאין שינוי משמעותי בקבוצת תצפיות</a:t>
-            </a:r>
-          </a:p>
-          <a:p>
-            <a:pPr lvl="1"/>
-            <a:r>
-              <a:rPr lang="he-IL" dirty="0"/>
-              <a:t>כל המבחנים (</a:t>
-            </a:r>
-            <a:r>
-              <a:rPr lang="en-US" dirty="0"/>
-              <a:t>t/z tests</a:t>
-            </a:r>
-            <a:r>
-              <a:rPr lang="he-IL" dirty="0"/>
-              <a:t>) בודקים האם הדגימות מקיימות את השערת </a:t>
-            </a:r>
-            <a:r>
-              <a:rPr lang="en-US" dirty="0"/>
-              <a:t>null</a:t>
-            </a:r>
-            <a:r>
-              <a:rPr lang="he-IL" dirty="0"/>
-              <a:t> או לא</a:t>
-            </a:r>
-          </a:p>
-          <a:p>
-            <a:r>
-              <a:rPr lang="en-US" dirty="0"/>
-              <a:t>Critical value</a:t>
-            </a:r>
-            <a:endParaRPr lang="he-IL" dirty="0"/>
-          </a:p>
-          <a:p>
-            <a:pPr lvl="1"/>
-            <a:r>
-              <a:rPr lang="he-IL" dirty="0"/>
-              <a:t>נקודה(נקודות) על הגרף שמציינות שדגימות מעבר לסף זה אינם מקיימות את </a:t>
-            </a:r>
-            <a:r>
-              <a:rPr lang="en-US" dirty="0"/>
-              <a:t>null hypothesis</a:t>
-            </a:r>
-            <a:r>
-              <a:rPr lang="he-IL" dirty="0"/>
-              <a:t>. </a:t>
-            </a:r>
-          </a:p>
-          <a:p>
-            <a:pPr lvl="1"/>
-            <a:r>
-              <a:rPr lang="he-IL" dirty="0"/>
-              <a:t>ככל שהערך גבוהה יותר, כך סיכוי נמוך שההסתברות של 2 דגימות שייכות לאותה התפלגות</a:t>
-            </a:r>
-          </a:p>
-          <a:p>
-            <a:r>
-              <a:rPr lang="en-US" dirty="0"/>
-              <a:t>Z-test</a:t>
-            </a:r>
-            <a:endParaRPr lang="he-IL" dirty="0"/>
-          </a:p>
-          <a:p>
-            <a:pPr lvl="1"/>
-            <a:r>
-              <a:rPr lang="he-IL" dirty="0"/>
-              <a:t>הנחה: התפלגות נורמאלית</a:t>
-            </a:r>
-          </a:p>
-          <a:p>
-            <a:pPr lvl="1"/>
-            <a:r>
-              <a:rPr lang="he-IL" dirty="0"/>
-              <a:t>מבחן </a:t>
-            </a:r>
-            <a:r>
-              <a:rPr lang="en-US" dirty="0"/>
-              <a:t>Z</a:t>
-            </a:r>
-            <a:r>
-              <a:rPr lang="he-IL" dirty="0"/>
-              <a:t> בודק שדגימה שייכת לאותה אוכלוסיית מדגם</a:t>
-            </a:r>
-          </a:p>
-          <a:p>
-            <a:r>
-              <a:rPr lang="en-US" dirty="0"/>
-              <a:t>T-test</a:t>
-            </a:r>
-            <a:endParaRPr lang="he-IL" dirty="0"/>
-          </a:p>
-          <a:p>
-            <a:pPr lvl="1"/>
-            <a:r>
-              <a:rPr lang="he-IL" dirty="0"/>
-              <a:t>הנחה: התפלגות נורמאלית (ניתן להניח שלא במרחב דגימה גדולה עם סיכוי לשגיאה)</a:t>
-            </a:r>
-          </a:p>
-          <a:p>
-            <a:pPr lvl="1"/>
-            <a:r>
-              <a:rPr lang="he-IL" dirty="0"/>
-              <a:t>מבחן </a:t>
-            </a:r>
-            <a:r>
-              <a:rPr lang="en-US" dirty="0"/>
-              <a:t>t</a:t>
-            </a:r>
-            <a:r>
-              <a:rPr lang="he-IL" dirty="0"/>
-              <a:t> משווה </a:t>
-            </a:r>
-            <a:r>
-              <a:rPr lang="en-US" dirty="0"/>
-              <a:t>mean</a:t>
-            </a:r>
-            <a:r>
-              <a:rPr lang="he-IL" dirty="0"/>
-              <a:t> של 2 קבוצת דגימות</a:t>
-            </a:r>
-          </a:p>
-          <a:p>
-            <a:pPr lvl="1"/>
-            <a:r>
-              <a:rPr lang="he-IL" dirty="0"/>
-              <a:t> מבחן </a:t>
-            </a:r>
-            <a:r>
-              <a:rPr lang="en-US" dirty="0"/>
-              <a:t>t</a:t>
-            </a:r>
-            <a:r>
-              <a:rPr lang="he-IL" dirty="0"/>
-              <a:t> משמש כאשר הממוצע וסטיית התקן של מרחב הדגימה לא ידוע.</a:t>
-            </a:r>
-          </a:p>
-        </p:txBody>
-      </p:sp>
-      <p:pic>
-        <p:nvPicPr>
-          <p:cNvPr id="1026" name="Picture 2">
-            <a:extLst>
-              <a:ext uri="{FF2B5EF4-FFF2-40B4-BE49-F238E27FC236}">
-                <a16:creationId xmlns:a16="http://schemas.microsoft.com/office/drawing/2014/main" id="{82A1E890-694E-40A2-B1CB-BBC4BC34F204}"/>
-              </a:ext>
-            </a:extLst>
-          </p:cNvPr>
-          <p:cNvPicPr>
-            <a:picLocks noChangeAspect="1" noChangeArrowheads="1"/>
-          </p:cNvPicPr>
-          <p:nvPr/>
-        </p:nvPicPr>
-        <p:blipFill>
-          <a:blip r:embed="rId2">
-            <a:extLst>
-              <a:ext uri="{28A0092B-C50C-407E-A947-70E740481C1C}">
-                <a14:useLocalDpi xmlns:a14="http://schemas.microsoft.com/office/drawing/2010/main" val="0"/>
-              </a:ext>
-            </a:extLst>
-          </a:blip>
-          <a:srcRect/>
-          <a:stretch>
-            <a:fillRect/>
-          </a:stretch>
-        </p:blipFill>
-        <p:spPr bwMode="auto">
-          <a:xfrm>
-            <a:off x="358806" y="4048737"/>
-            <a:ext cx="3544316" cy="2128226"/>
-          </a:xfrm>
-          <a:prstGeom prst="rect">
-            <a:avLst/>
-          </a:prstGeom>
-          <a:noFill/>
-          <a:extLst>
-            <a:ext uri="{909E8E84-426E-40DD-AFC4-6F175D3DCCD1}">
-              <a14:hiddenFill xmlns:a14="http://schemas.microsoft.com/office/drawing/2010/main">
-                <a:solidFill>
-                  <a:srgbClr val="FFFFFF"/>
-                </a:solidFill>
-              </a14:hiddenFill>
-            </a:ext>
-          </a:extLst>
-        </p:spPr>
-      </p:pic>
-      <p:pic>
-        <p:nvPicPr>
-          <p:cNvPr id="1028" name="Picture 4" descr="Z TEST OF HYPOTHESIS ABOUT mu">
-            <a:extLst>
-              <a:ext uri="{FF2B5EF4-FFF2-40B4-BE49-F238E27FC236}">
-                <a16:creationId xmlns:a16="http://schemas.microsoft.com/office/drawing/2014/main" id="{624E8DD6-D736-4338-9A76-7FB2C141FE16}"/>
-              </a:ext>
-            </a:extLst>
-          </p:cNvPr>
-          <p:cNvPicPr>
-            <a:picLocks noChangeAspect="1" noChangeArrowheads="1"/>
-          </p:cNvPicPr>
-          <p:nvPr/>
-        </p:nvPicPr>
-        <p:blipFill>
-          <a:blip r:embed="rId3">
-            <a:extLst>
-              <a:ext uri="{28A0092B-C50C-407E-A947-70E740481C1C}">
-                <a14:useLocalDpi xmlns:a14="http://schemas.microsoft.com/office/drawing/2010/main" val="0"/>
-              </a:ext>
-            </a:extLst>
-          </a:blip>
-          <a:srcRect/>
-          <a:stretch>
-            <a:fillRect/>
-          </a:stretch>
-        </p:blipFill>
-        <p:spPr bwMode="auto">
-          <a:xfrm>
-            <a:off x="433249" y="1690688"/>
-            <a:ext cx="2838450" cy="1609725"/>
-          </a:xfrm>
-          <a:prstGeom prst="rect">
-            <a:avLst/>
-          </a:prstGeom>
-          <a:noFill/>
-          <a:extLst>
-            <a:ext uri="{909E8E84-426E-40DD-AFC4-6F175D3DCCD1}">
-              <a14:hiddenFill xmlns:a14="http://schemas.microsoft.com/office/drawing/2010/main">
-                <a:solidFill>
-                  <a:srgbClr val="FFFFFF"/>
-                </a:solidFill>
-              </a14:hiddenFill>
-            </a:ext>
-          </a:extLst>
-        </p:spPr>
-      </p:pic>
-      <p:pic>
-        <p:nvPicPr>
-          <p:cNvPr id="1030" name="Picture 6">
-            <a:extLst>
-              <a:ext uri="{FF2B5EF4-FFF2-40B4-BE49-F238E27FC236}">
-                <a16:creationId xmlns:a16="http://schemas.microsoft.com/office/drawing/2014/main" id="{D3F2E5E6-D793-42CD-A040-C07B06D46793}"/>
-              </a:ext>
-            </a:extLst>
-          </p:cNvPr>
-          <p:cNvPicPr>
-            <a:picLocks noChangeAspect="1" noChangeArrowheads="1"/>
-          </p:cNvPicPr>
-          <p:nvPr/>
-        </p:nvPicPr>
-        <p:blipFill>
-          <a:blip r:embed="rId4">
-            <a:extLst>
-              <a:ext uri="{28A0092B-C50C-407E-A947-70E740481C1C}">
-                <a14:useLocalDpi xmlns:a14="http://schemas.microsoft.com/office/drawing/2010/main" val="0"/>
-              </a:ext>
-            </a:extLst>
-          </a:blip>
-          <a:srcRect/>
-          <a:stretch>
-            <a:fillRect/>
-          </a:stretch>
-        </p:blipFill>
-        <p:spPr bwMode="auto">
-          <a:xfrm>
-            <a:off x="3441440" y="504767"/>
-            <a:ext cx="2719664" cy="1440882"/>
-          </a:xfrm>
-          <a:prstGeom prst="rect">
-            <a:avLst/>
-          </a:prstGeom>
-          <a:noFill/>
-          <a:extLst>
-            <a:ext uri="{909E8E84-426E-40DD-AFC4-6F175D3DCCD1}">
-              <a14:hiddenFill xmlns:a14="http://schemas.microsoft.com/office/drawing/2010/main">
-                <a:solidFill>
-                  <a:srgbClr val="FFFFFF"/>
-                </a:solidFill>
-              </a14:hiddenFill>
-            </a:ext>
-          </a:extLst>
-        </p:spPr>
-      </p:pic>
-    </p:spTree>
-    <p:extLst>
-      <p:ext uri="{BB962C8B-B14F-4D97-AF65-F5344CB8AC3E}">
-        <p14:creationId xmlns:p14="http://schemas.microsoft.com/office/powerpoint/2010/main" val="2615781787"/>
       </p:ext>
     </p:extLst>
   </p:cSld>

--- a/Presentation/Feature Selection.pptx
+++ b/Presentation/Feature Selection.pptx
@@ -51,7 +51,11 @@
     <p:sldId id="314" r:id="rId45"/>
     <p:sldId id="312" r:id="rId46"/>
     <p:sldId id="311" r:id="rId47"/>
-    <p:sldId id="310" r:id="rId48"/>
+    <p:sldId id="317" r:id="rId48"/>
+    <p:sldId id="315" r:id="rId49"/>
+    <p:sldId id="316" r:id="rId50"/>
+    <p:sldId id="310" r:id="rId51"/>
+    <p:sldId id="318" r:id="rId52"/>
   </p:sldIdLst>
   <p:sldSz cx="12192000" cy="6858000"/>
   <p:notesSz cx="6858000" cy="9144000"/>
@@ -10341,6 +10345,53 @@
           </a:prstGeom>
         </p:spPr>
       </p:pic>
+      <p:pic>
+        <p:nvPicPr>
+          <p:cNvPr id="5" name="Picture 6">
+            <a:extLst>
+              <a:ext uri="{FF2B5EF4-FFF2-40B4-BE49-F238E27FC236}">
+                <a16:creationId xmlns:a16="http://schemas.microsoft.com/office/drawing/2014/main" id="{E26A7783-AFDE-4345-8BBF-F0AB04D387F6}"/>
+              </a:ext>
+            </a:extLst>
+          </p:cNvPr>
+          <p:cNvPicPr>
+            <a:picLocks noChangeAspect="1" noChangeArrowheads="1"/>
+          </p:cNvPicPr>
+          <p:nvPr/>
+        </p:nvPicPr>
+        <p:blipFill>
+          <a:blip r:embed="rId3">
+            <a:extLst>
+              <a:ext uri="{28A0092B-C50C-407E-A947-70E740481C1C}">
+                <a14:useLocalDpi xmlns:a14="http://schemas.microsoft.com/office/drawing/2010/main" val="0"/>
+              </a:ext>
+            </a:extLst>
+          </a:blip>
+          <a:srcRect/>
+          <a:stretch>
+            <a:fillRect/>
+          </a:stretch>
+        </p:blipFill>
+        <p:spPr bwMode="auto">
+          <a:xfrm>
+            <a:off x="4104861" y="104434"/>
+            <a:ext cx="3219121" cy="1586253"/>
+          </a:xfrm>
+          <a:prstGeom prst="rect">
+            <a:avLst/>
+          </a:prstGeom>
+          <a:noFill/>
+          <a:extLst>
+            <a:ext uri="{909E8E84-426E-40DD-AFC4-6F175D3DCCD1}">
+              <a14:hiddenFill xmlns:a14="http://schemas.microsoft.com/office/drawing/2010/main">
+                <a:solidFill>
+                  <a:srgbClr val="FFFFFF"/>
+                </a:solidFill>
+              </a14:hiddenFill>
+            </a:ext>
+          </a:extLst>
+        </p:spPr>
+      </p:pic>
     </p:spTree>
     <p:extLst>
       <p:ext uri="{BB962C8B-B14F-4D97-AF65-F5344CB8AC3E}">
@@ -10424,20 +10475,55 @@
         </p:spPr>
         <p:txBody>
           <a:bodyPr>
-            <a:normAutofit fontScale="70000" lnSpcReduction="20000"/>
+            <a:normAutofit fontScale="92500" lnSpcReduction="10000"/>
           </a:bodyPr>
           <a:lstStyle/>
           <a:p>
             <a:r>
+              <a:rPr lang="en-US" sz="2400" dirty="0"/>
+              <a:t>hypothesis </a:t>
+            </a:r>
+            <a:endParaRPr lang="he-IL" sz="2400" dirty="0"/>
+          </a:p>
+          <a:p>
+            <a:pPr lvl="1"/>
+            <a:r>
+              <a:rPr lang="he-IL" dirty="0"/>
+              <a:t>השערה שאין לה מספיק ראיות ולכן יש צורך ביותר ניסויים (על מנת להוכיח או להפריך)</a:t>
+            </a:r>
+          </a:p>
+          <a:p>
+            <a:endParaRPr lang="he-IL" dirty="0"/>
+          </a:p>
+          <a:p>
+            <a:r>
+              <a:rPr lang="en-US" dirty="0"/>
+              <a:t>null hypothesis</a:t>
+            </a:r>
+          </a:p>
+          <a:p>
+            <a:pPr lvl="1"/>
+            <a:r>
+              <a:rPr lang="he-IL" dirty="0"/>
+              <a:t>הפרכת השערה</a:t>
+            </a:r>
+          </a:p>
+          <a:p>
+            <a:pPr lvl="1"/>
+            <a:r>
+              <a:rPr lang="he-IL" dirty="0"/>
+              <a:t>זו השערה האומרת כי אין כל שוני בין שני המשתנים בהשערה.</a:t>
+            </a:r>
+          </a:p>
+          <a:p>
+            <a:pPr lvl="1"/>
+            <a:r>
               <a:rPr lang="en-US" dirty="0"/>
               <a:t>Null</a:t>
             </a:r>
-          </a:p>
-          <a:p>
-            <a:pPr lvl="1"/>
-            <a:r>
-              <a:rPr lang="he-IL" dirty="0"/>
-              <a:t>בהינתן 2 קבוצות דגימה, ה </a:t>
+            <a:r>
+              <a:rPr lang="he-IL" dirty="0"/>
+              <a:t> - בהינתן 2 קבוצות דגימה, ה </a:t>
             </a:r>
             <a:r>
               <a:rPr lang="en-US" dirty="0"/>
@@ -10449,58 +10535,37 @@
             </a:r>
           </a:p>
           <a:p>
+            <a:pPr lvl="1"/>
+            <a:r>
+              <a:rPr lang="en-US" dirty="0"/>
+              <a:t>Alternative</a:t>
+            </a:r>
+            <a:r>
+              <a:rPr lang="he-IL" dirty="0"/>
+              <a:t> – אימות העשרה</a:t>
+            </a:r>
+          </a:p>
+          <a:p>
+            <a:pPr lvl="1"/>
+            <a:endParaRPr lang="he-IL" dirty="0"/>
+          </a:p>
+          <a:p>
+            <a:r>
+              <a:rPr lang="en-US" dirty="0"/>
+              <a:t>Critical value</a:t>
+            </a:r>
+            <a:endParaRPr lang="he-IL" dirty="0"/>
+          </a:p>
+          <a:p>
+            <a:pPr lvl="1"/>
+            <a:r>
+              <a:rPr lang="he-IL" dirty="0"/>
+              <a:t>נקודה(נקודות) על הגרף שמציינות שדגימות מעבר לסף זה אינם מקיימות את </a:t>
+            </a:r>
             <a:r>
               <a:rPr lang="en-US" dirty="0"/>
               <a:t>null hypothesis</a:t>
             </a:r>
-          </a:p>
-          <a:p>
-            <a:pPr lvl="1"/>
-            <a:r>
-              <a:rPr lang="he-IL" dirty="0"/>
-              <a:t>השערה שאין שינוי משמעותי בקבוצת תצפיות</a:t>
-            </a:r>
-          </a:p>
-          <a:p>
-            <a:pPr lvl="1"/>
-            <a:r>
-              <a:rPr lang="he-IL" dirty="0"/>
-              <a:t>כל המבחנים (</a:t>
-            </a:r>
-            <a:r>
-              <a:rPr lang="en-US" dirty="0"/>
-              <a:t>t/z tests</a:t>
-            </a:r>
-            <a:r>
-              <a:rPr lang="he-IL" dirty="0"/>
-              <a:t>) בודקים האם הדגימות מקיימות את השערת </a:t>
-            </a:r>
-            <a:r>
-              <a:rPr lang="en-US" dirty="0"/>
-              <a:t>null</a:t>
-            </a:r>
-            <a:r>
-              <a:rPr lang="he-IL" dirty="0"/>
-              <a:t> או לא</a:t>
-            </a:r>
-          </a:p>
-          <a:p>
-            <a:r>
-              <a:rPr lang="en-US" dirty="0"/>
-              <a:t>Critical value</a:t>
-            </a:r>
-            <a:endParaRPr lang="he-IL" dirty="0"/>
-          </a:p>
-          <a:p>
-            <a:pPr lvl="1"/>
-            <a:r>
-              <a:rPr lang="he-IL" dirty="0"/>
-              <a:t>נקודה(נקודות) על הגרף שמציינות שדגימות מעבר לסף זה אינם מקיימות את </a:t>
-            </a:r>
-            <a:r>
-              <a:rPr lang="en-US" dirty="0"/>
-              <a:t>null hypothesis</a:t>
-            </a:r>
             <a:r>
               <a:rPr lang="he-IL" dirty="0"/>
               <a:t>. </a:t>
@@ -10513,230 +10578,8 @@
               <a:t>ככל שהערך גבוהה יותר, כך סיכוי נמוך שההסתברות של 2 דגימות שייכות לאותה התפלגות</a:t>
             </a:r>
           </a:p>
-          <a:p>
-            <a:r>
-              <a:rPr lang="en-US" dirty="0"/>
-              <a:t>Z-test</a:t>
-            </a:r>
-            <a:endParaRPr lang="he-IL" dirty="0"/>
-          </a:p>
-          <a:p>
-            <a:pPr lvl="1"/>
-            <a:r>
-              <a:rPr lang="he-IL" dirty="0"/>
-              <a:t>הנחה: התפלגות נורמאלית</a:t>
-            </a:r>
-          </a:p>
-          <a:p>
-            <a:pPr lvl="1"/>
-            <a:r>
-              <a:rPr lang="he-IL" dirty="0"/>
-              <a:t>מבחן </a:t>
-            </a:r>
-            <a:r>
-              <a:rPr lang="en-US" dirty="0"/>
-              <a:t>Z</a:t>
-            </a:r>
-            <a:r>
-              <a:rPr lang="he-IL" dirty="0"/>
-              <a:t> בודק שדגימה שייכת לאותה אוכלוסיית מדגם</a:t>
-            </a:r>
-          </a:p>
-          <a:p>
-            <a:r>
-              <a:rPr lang="en-US" dirty="0"/>
-              <a:t>T-test</a:t>
-            </a:r>
-            <a:endParaRPr lang="he-IL" dirty="0"/>
-          </a:p>
-          <a:p>
-            <a:pPr lvl="1"/>
-            <a:r>
-              <a:rPr lang="he-IL" dirty="0"/>
-              <a:t>הנחה: התפלגות נורמאלית (ניתן להניח שלא במרחב דגימה גדולה עם סיכוי לשגיאה)</a:t>
-            </a:r>
-          </a:p>
-          <a:p>
-            <a:pPr lvl="1"/>
-            <a:r>
-              <a:rPr lang="he-IL" dirty="0"/>
-              <a:t>מבחן </a:t>
-            </a:r>
-            <a:r>
-              <a:rPr lang="en-US" dirty="0"/>
-              <a:t>t</a:t>
-            </a:r>
-            <a:r>
-              <a:rPr lang="he-IL" dirty="0"/>
-              <a:t> משווה </a:t>
-            </a:r>
-            <a:r>
-              <a:rPr lang="en-US" dirty="0"/>
-              <a:t>mean</a:t>
-            </a:r>
-            <a:r>
-              <a:rPr lang="he-IL" dirty="0"/>
-              <a:t> של 2 קבוצת דגימות</a:t>
-            </a:r>
-          </a:p>
-          <a:p>
-            <a:pPr lvl="1"/>
-            <a:r>
-              <a:rPr lang="he-IL" dirty="0"/>
-              <a:t> מבחן </a:t>
-            </a:r>
-            <a:r>
-              <a:rPr lang="en-US" dirty="0"/>
-              <a:t>t</a:t>
-            </a:r>
-            <a:r>
-              <a:rPr lang="he-IL" dirty="0"/>
-              <a:t> משמש כאשר הממוצע וסטיית התקן של מרחב הדגימה לא ידוע.</a:t>
-            </a:r>
-          </a:p>
-        </p:txBody>
-      </p:sp>
-      <p:pic>
-        <p:nvPicPr>
-          <p:cNvPr id="1026" name="Picture 2">
-            <a:extLst>
-              <a:ext uri="{FF2B5EF4-FFF2-40B4-BE49-F238E27FC236}">
-                <a16:creationId xmlns:a16="http://schemas.microsoft.com/office/drawing/2014/main" id="{82A1E890-694E-40A2-B1CB-BBC4BC34F204}"/>
-              </a:ext>
-            </a:extLst>
-          </p:cNvPr>
-          <p:cNvPicPr>
-            <a:picLocks noChangeAspect="1" noChangeArrowheads="1"/>
-          </p:cNvPicPr>
-          <p:nvPr/>
-        </p:nvPicPr>
-        <p:blipFill>
-          <a:blip r:embed="rId2">
-            <a:extLst>
-              <a:ext uri="{28A0092B-C50C-407E-A947-70E740481C1C}">
-                <a14:useLocalDpi xmlns:a14="http://schemas.microsoft.com/office/drawing/2010/main" val="0"/>
-              </a:ext>
-            </a:extLst>
-          </a:blip>
-          <a:srcRect/>
-          <a:stretch>
-            <a:fillRect/>
-          </a:stretch>
-        </p:blipFill>
-        <p:spPr bwMode="auto">
-          <a:xfrm>
-            <a:off x="358806" y="4048737"/>
-            <a:ext cx="3544316" cy="2128226"/>
-          </a:xfrm>
-          <a:prstGeom prst="rect">
-            <a:avLst/>
-          </a:prstGeom>
-          <a:noFill/>
-          <a:extLst>
-            <a:ext uri="{909E8E84-426E-40DD-AFC4-6F175D3DCCD1}">
-              <a14:hiddenFill xmlns:a14="http://schemas.microsoft.com/office/drawing/2010/main">
-                <a:solidFill>
-                  <a:srgbClr val="FFFFFF"/>
-                </a:solidFill>
-              </a14:hiddenFill>
-            </a:ext>
-          </a:extLst>
-        </p:spPr>
-      </p:pic>
-      <p:pic>
-        <p:nvPicPr>
-          <p:cNvPr id="1028" name="Picture 4" descr="Z TEST OF HYPOTHESIS ABOUT mu">
-            <a:extLst>
-              <a:ext uri="{FF2B5EF4-FFF2-40B4-BE49-F238E27FC236}">
-                <a16:creationId xmlns:a16="http://schemas.microsoft.com/office/drawing/2014/main" id="{624E8DD6-D736-4338-9A76-7FB2C141FE16}"/>
-              </a:ext>
-            </a:extLst>
-          </p:cNvPr>
-          <p:cNvPicPr>
-            <a:picLocks noChangeAspect="1" noChangeArrowheads="1"/>
-          </p:cNvPicPr>
-          <p:nvPr/>
-        </p:nvPicPr>
-        <p:blipFill>
-          <a:blip r:embed="rId3">
-            <a:extLst>
-              <a:ext uri="{28A0092B-C50C-407E-A947-70E740481C1C}">
-                <a14:useLocalDpi xmlns:a14="http://schemas.microsoft.com/office/drawing/2010/main" val="0"/>
-              </a:ext>
-            </a:extLst>
-          </a:blip>
-          <a:srcRect/>
-          <a:stretch>
-            <a:fillRect/>
-          </a:stretch>
-        </p:blipFill>
-        <p:spPr bwMode="auto">
-          <a:xfrm>
-            <a:off x="433249" y="1690688"/>
-            <a:ext cx="2838450" cy="1609725"/>
-          </a:xfrm>
-          <a:prstGeom prst="rect">
-            <a:avLst/>
-          </a:prstGeom>
-          <a:noFill/>
-          <a:extLst>
-            <a:ext uri="{909E8E84-426E-40DD-AFC4-6F175D3DCCD1}">
-              <a14:hiddenFill xmlns:a14="http://schemas.microsoft.com/office/drawing/2010/main">
-                <a:solidFill>
-                  <a:srgbClr val="FFFFFF"/>
-                </a:solidFill>
-              </a14:hiddenFill>
-            </a:ext>
-          </a:extLst>
-        </p:spPr>
-      </p:pic>
-      <p:pic>
-        <p:nvPicPr>
-          <p:cNvPr id="1030" name="Picture 6">
-            <a:extLst>
-              <a:ext uri="{FF2B5EF4-FFF2-40B4-BE49-F238E27FC236}">
-                <a16:creationId xmlns:a16="http://schemas.microsoft.com/office/drawing/2014/main" id="{D3F2E5E6-D793-42CD-A040-C07B06D46793}"/>
-              </a:ext>
-            </a:extLst>
-          </p:cNvPr>
-          <p:cNvPicPr>
-            <a:picLocks noChangeAspect="1" noChangeArrowheads="1"/>
-          </p:cNvPicPr>
-          <p:nvPr/>
-        </p:nvPicPr>
-        <p:blipFill>
-          <a:blip r:embed="rId4">
-            <a:extLst>
-              <a:ext uri="{28A0092B-C50C-407E-A947-70E740481C1C}">
-                <a14:useLocalDpi xmlns:a14="http://schemas.microsoft.com/office/drawing/2010/main" val="0"/>
-              </a:ext>
-            </a:extLst>
-          </a:blip>
-          <a:srcRect/>
-          <a:stretch>
-            <a:fillRect/>
-          </a:stretch>
-        </p:blipFill>
-        <p:spPr bwMode="auto">
-          <a:xfrm>
-            <a:off x="3441440" y="504767"/>
-            <a:ext cx="2719664" cy="1440882"/>
-          </a:xfrm>
-          <a:prstGeom prst="rect">
-            <a:avLst/>
-          </a:prstGeom>
-          <a:noFill/>
-          <a:extLst>
-            <a:ext uri="{909E8E84-426E-40DD-AFC4-6F175D3DCCD1}">
-              <a14:hiddenFill xmlns:a14="http://schemas.microsoft.com/office/drawing/2010/main">
-                <a:solidFill>
-                  <a:srgbClr val="FFFFFF"/>
-                </a:solidFill>
-              </a14:hiddenFill>
-            </a:ext>
-          </a:extLst>
-        </p:spPr>
-      </p:pic>
+        </p:txBody>
+      </p:sp>
     </p:spTree>
     <p:extLst>
       <p:ext uri="{BB962C8B-B14F-4D97-AF65-F5344CB8AC3E}">
@@ -10772,6 +10615,716 @@
           <p:cNvPr id="2" name="כותרת 1">
             <a:extLst>
               <a:ext uri="{FF2B5EF4-FFF2-40B4-BE49-F238E27FC236}">
+                <a16:creationId xmlns:a16="http://schemas.microsoft.com/office/drawing/2014/main" id="{91E46E9D-7B8F-4C0C-970C-665A3710F4E8}"/>
+              </a:ext>
+            </a:extLst>
+          </p:cNvPr>
+          <p:cNvSpPr>
+            <a:spLocks noGrp="1"/>
+          </p:cNvSpPr>
+          <p:nvPr>
+            <p:ph type="title"/>
+          </p:nvPr>
+        </p:nvSpPr>
+        <p:spPr/>
+        <p:txBody>
+          <a:bodyPr/>
+          <a:lstStyle/>
+          <a:p>
+            <a:r>
+              <a:rPr lang="en-US" dirty="0"/>
+              <a:t>Student T test</a:t>
+            </a:r>
+            <a:r>
+              <a:rPr lang="he-IL" dirty="0"/>
+              <a:t> (בדיקה האם קבוצות זהות או שונות)</a:t>
+            </a:r>
+          </a:p>
+        </p:txBody>
+      </p:sp>
+      <p:sp>
+        <p:nvSpPr>
+          <p:cNvPr id="3" name="מציין מיקום תוכן 2">
+            <a:extLst>
+              <a:ext uri="{FF2B5EF4-FFF2-40B4-BE49-F238E27FC236}">
+                <a16:creationId xmlns:a16="http://schemas.microsoft.com/office/drawing/2014/main" id="{DB30E94D-72E9-4C4F-9648-3789DA67A3F4}"/>
+              </a:ext>
+            </a:extLst>
+          </p:cNvPr>
+          <p:cNvSpPr>
+            <a:spLocks noGrp="1"/>
+          </p:cNvSpPr>
+          <p:nvPr>
+            <p:ph idx="1"/>
+          </p:nvPr>
+        </p:nvSpPr>
+        <p:spPr>
+          <a:xfrm>
+            <a:off x="838199" y="1825625"/>
+            <a:ext cx="11084511" cy="4351338"/>
+          </a:xfrm>
+        </p:spPr>
+        <p:txBody>
+          <a:bodyPr>
+            <a:normAutofit/>
+          </a:bodyPr>
+          <a:lstStyle/>
+          <a:p>
+            <a:pPr lvl="1"/>
+            <a:r>
+              <a:rPr lang="he-IL" dirty="0"/>
+              <a:t>כל שהערך </a:t>
+            </a:r>
+            <a:r>
+              <a:rPr lang="he-IL" dirty="0" err="1"/>
+              <a:t>התוצאתי</a:t>
+            </a:r>
+            <a:r>
+              <a:rPr lang="he-IL" dirty="0"/>
+              <a:t> גבוה – סיכוי גבוהה שהקבוצות שונות</a:t>
+            </a:r>
+          </a:p>
+          <a:p>
+            <a:pPr lvl="1"/>
+            <a:r>
+              <a:rPr lang="he-IL" dirty="0"/>
+              <a:t>מבחן הבודק את השוני בדגימות בין קבוצות והשוני בתוך הקבוצות.</a:t>
+            </a:r>
+          </a:p>
+          <a:p>
+            <a:pPr lvl="1"/>
+            <a:r>
+              <a:rPr lang="he-IL" dirty="0">
+                <a:highlight>
+                  <a:srgbClr val="FFFF00"/>
+                </a:highlight>
+              </a:rPr>
+              <a:t>הנחה: התפלגות נורמאלית (ניתן להניח שלא במרחב דגימה גדולה עם סיכוי לשגיאה)</a:t>
+            </a:r>
+          </a:p>
+          <a:p>
+            <a:pPr lvl="1"/>
+            <a:r>
+              <a:rPr lang="he-IL" dirty="0"/>
+              <a:t>מבחן </a:t>
+            </a:r>
+            <a:r>
+              <a:rPr lang="en-US" dirty="0"/>
+              <a:t>t</a:t>
+            </a:r>
+            <a:r>
+              <a:rPr lang="he-IL" dirty="0"/>
+              <a:t> משווה </a:t>
+            </a:r>
+            <a:r>
+              <a:rPr lang="en-US" dirty="0"/>
+              <a:t>mean</a:t>
+            </a:r>
+            <a:r>
+              <a:rPr lang="he-IL" dirty="0"/>
+              <a:t> של 2 קבוצת דגימות</a:t>
+            </a:r>
+          </a:p>
+          <a:p>
+            <a:pPr lvl="1"/>
+            <a:r>
+              <a:rPr lang="he-IL" dirty="0"/>
+              <a:t>מבחן </a:t>
+            </a:r>
+            <a:r>
+              <a:rPr lang="en-US" dirty="0"/>
+              <a:t>t</a:t>
+            </a:r>
+            <a:r>
+              <a:rPr lang="he-IL" dirty="0"/>
+              <a:t> משמש כאשר הממוצע וסטיית התקן של מרחב הדגימה לא ידוע.</a:t>
+            </a:r>
+          </a:p>
+          <a:p>
+            <a:pPr lvl="1"/>
+            <a:endParaRPr lang="he-IL" dirty="0"/>
+          </a:p>
+        </p:txBody>
+      </p:sp>
+      <p:pic>
+        <p:nvPicPr>
+          <p:cNvPr id="7" name="Picture 2">
+            <a:extLst>
+              <a:ext uri="{FF2B5EF4-FFF2-40B4-BE49-F238E27FC236}">
+                <a16:creationId xmlns:a16="http://schemas.microsoft.com/office/drawing/2014/main" id="{409ECF6B-BEB0-430B-ADC1-725C7045DBEF}"/>
+              </a:ext>
+            </a:extLst>
+          </p:cNvPr>
+          <p:cNvPicPr>
+            <a:picLocks noChangeAspect="1" noChangeArrowheads="1"/>
+          </p:cNvPicPr>
+          <p:nvPr/>
+        </p:nvPicPr>
+        <p:blipFill>
+          <a:blip r:embed="rId2">
+            <a:extLst>
+              <a:ext uri="{28A0092B-C50C-407E-A947-70E740481C1C}">
+                <a14:useLocalDpi xmlns:a14="http://schemas.microsoft.com/office/drawing/2010/main" val="0"/>
+              </a:ext>
+            </a:extLst>
+          </a:blip>
+          <a:srcRect/>
+          <a:stretch>
+            <a:fillRect/>
+          </a:stretch>
+        </p:blipFill>
+        <p:spPr bwMode="auto">
+          <a:xfrm>
+            <a:off x="3925957" y="3844550"/>
+            <a:ext cx="4868761" cy="2923504"/>
+          </a:xfrm>
+          <a:prstGeom prst="rect">
+            <a:avLst/>
+          </a:prstGeom>
+          <a:noFill/>
+          <a:extLst>
+            <a:ext uri="{909E8E84-426E-40DD-AFC4-6F175D3DCCD1}">
+              <a14:hiddenFill xmlns:a14="http://schemas.microsoft.com/office/drawing/2010/main">
+                <a:solidFill>
+                  <a:srgbClr val="FFFFFF"/>
+                </a:solidFill>
+              </a14:hiddenFill>
+            </a:ext>
+          </a:extLst>
+        </p:spPr>
+      </p:pic>
+    </p:spTree>
+    <p:extLst>
+      <p:ext uri="{BB962C8B-B14F-4D97-AF65-F5344CB8AC3E}">
+        <p14:creationId xmlns:p14="http://schemas.microsoft.com/office/powerpoint/2010/main" val="457397233"/>
+      </p:ext>
+    </p:extLst>
+  </p:cSld>
+  <p:clrMapOvr>
+    <a:masterClrMapping/>
+  </p:clrMapOvr>
+</p:sld>
+</file>
+
+<file path=ppt/slides/slide48.xml><?xml version="1.0" encoding="utf-8"?>
+<p:sld xmlns:a="http://schemas.openxmlformats.org/drawingml/2006/main" xmlns:r="http://schemas.openxmlformats.org/officeDocument/2006/relationships" xmlns:p="http://schemas.openxmlformats.org/presentationml/2006/main">
+  <p:cSld>
+    <p:spTree>
+      <p:nvGrpSpPr>
+        <p:cNvPr id="1" name=""/>
+        <p:cNvGrpSpPr/>
+        <p:nvPr/>
+      </p:nvGrpSpPr>
+      <p:grpSpPr>
+        <a:xfrm>
+          <a:off x="0" y="0"/>
+          <a:ext cx="0" cy="0"/>
+          <a:chOff x="0" y="0"/>
+          <a:chExt cx="0" cy="0"/>
+        </a:xfrm>
+      </p:grpSpPr>
+      <p:sp>
+        <p:nvSpPr>
+          <p:cNvPr id="2" name="כותרת 1">
+            <a:extLst>
+              <a:ext uri="{FF2B5EF4-FFF2-40B4-BE49-F238E27FC236}">
+                <a16:creationId xmlns:a16="http://schemas.microsoft.com/office/drawing/2014/main" id="{91E46E9D-7B8F-4C0C-970C-665A3710F4E8}"/>
+              </a:ext>
+            </a:extLst>
+          </p:cNvPr>
+          <p:cNvSpPr>
+            <a:spLocks noGrp="1"/>
+          </p:cNvSpPr>
+          <p:nvPr>
+            <p:ph type="title"/>
+          </p:nvPr>
+        </p:nvSpPr>
+        <p:spPr/>
+        <p:txBody>
+          <a:bodyPr/>
+          <a:lstStyle/>
+          <a:p>
+            <a:r>
+              <a:rPr lang="en-US" dirty="0"/>
+              <a:t>Z test</a:t>
+            </a:r>
+            <a:endParaRPr lang="he-IL" dirty="0"/>
+          </a:p>
+        </p:txBody>
+      </p:sp>
+      <p:sp>
+        <p:nvSpPr>
+          <p:cNvPr id="3" name="מציין מיקום תוכן 2">
+            <a:extLst>
+              <a:ext uri="{FF2B5EF4-FFF2-40B4-BE49-F238E27FC236}">
+                <a16:creationId xmlns:a16="http://schemas.microsoft.com/office/drawing/2014/main" id="{DB30E94D-72E9-4C4F-9648-3789DA67A3F4}"/>
+              </a:ext>
+            </a:extLst>
+          </p:cNvPr>
+          <p:cNvSpPr>
+            <a:spLocks noGrp="1"/>
+          </p:cNvSpPr>
+          <p:nvPr>
+            <p:ph idx="1"/>
+          </p:nvPr>
+        </p:nvSpPr>
+        <p:spPr>
+          <a:xfrm>
+            <a:off x="838199" y="1825625"/>
+            <a:ext cx="11084511" cy="4351338"/>
+          </a:xfrm>
+        </p:spPr>
+        <p:txBody>
+          <a:bodyPr>
+            <a:normAutofit/>
+          </a:bodyPr>
+          <a:lstStyle/>
+          <a:p>
+            <a:pPr lvl="1"/>
+            <a:r>
+              <a:rPr lang="he-IL" dirty="0"/>
+              <a:t>מבחן </a:t>
+            </a:r>
+            <a:r>
+              <a:rPr lang="en-US" dirty="0"/>
+              <a:t>Z</a:t>
+            </a:r>
+            <a:r>
+              <a:rPr lang="he-IL" dirty="0"/>
+              <a:t> בודק שדגימה שייכת לאותה אוכלוסיית מדגם</a:t>
+            </a:r>
+          </a:p>
+          <a:p>
+            <a:pPr lvl="1"/>
+            <a:r>
+              <a:rPr lang="he-IL" dirty="0"/>
+              <a:t>הנחה: התפלגות נורמאלית</a:t>
+            </a:r>
+          </a:p>
+        </p:txBody>
+      </p:sp>
+      <p:pic>
+        <p:nvPicPr>
+          <p:cNvPr id="8" name="Picture 4" descr="Z TEST OF HYPOTHESIS ABOUT mu">
+            <a:extLst>
+              <a:ext uri="{FF2B5EF4-FFF2-40B4-BE49-F238E27FC236}">
+                <a16:creationId xmlns:a16="http://schemas.microsoft.com/office/drawing/2014/main" id="{67099621-F4D6-4527-9082-C52175401FDF}"/>
+              </a:ext>
+            </a:extLst>
+          </p:cNvPr>
+          <p:cNvPicPr>
+            <a:picLocks noChangeAspect="1" noChangeArrowheads="1"/>
+          </p:cNvPicPr>
+          <p:nvPr/>
+        </p:nvPicPr>
+        <p:blipFill>
+          <a:blip r:embed="rId2">
+            <a:extLst>
+              <a:ext uri="{28A0092B-C50C-407E-A947-70E740481C1C}">
+                <a14:useLocalDpi xmlns:a14="http://schemas.microsoft.com/office/drawing/2010/main" val="0"/>
+              </a:ext>
+            </a:extLst>
+          </a:blip>
+          <a:srcRect/>
+          <a:stretch>
+            <a:fillRect/>
+          </a:stretch>
+        </p:blipFill>
+        <p:spPr bwMode="auto">
+          <a:xfrm>
+            <a:off x="3916017" y="2913201"/>
+            <a:ext cx="5018433" cy="2846024"/>
+          </a:xfrm>
+          <a:prstGeom prst="rect">
+            <a:avLst/>
+          </a:prstGeom>
+          <a:noFill/>
+          <a:extLst>
+            <a:ext uri="{909E8E84-426E-40DD-AFC4-6F175D3DCCD1}">
+              <a14:hiddenFill xmlns:a14="http://schemas.microsoft.com/office/drawing/2010/main">
+                <a:solidFill>
+                  <a:srgbClr val="FFFFFF"/>
+                </a:solidFill>
+              </a14:hiddenFill>
+            </a:ext>
+          </a:extLst>
+        </p:spPr>
+      </p:pic>
+    </p:spTree>
+    <p:extLst>
+      <p:ext uri="{BB962C8B-B14F-4D97-AF65-F5344CB8AC3E}">
+        <p14:creationId xmlns:p14="http://schemas.microsoft.com/office/powerpoint/2010/main" val="797053223"/>
+      </p:ext>
+    </p:extLst>
+  </p:cSld>
+  <p:clrMapOvr>
+    <a:masterClrMapping/>
+  </p:clrMapOvr>
+</p:sld>
+</file>
+
+<file path=ppt/slides/slide49.xml><?xml version="1.0" encoding="utf-8"?>
+<p:sld xmlns:a="http://schemas.openxmlformats.org/drawingml/2006/main" xmlns:r="http://schemas.openxmlformats.org/officeDocument/2006/relationships" xmlns:p="http://schemas.openxmlformats.org/presentationml/2006/main">
+  <p:cSld>
+    <p:spTree>
+      <p:nvGrpSpPr>
+        <p:cNvPr id="1" name=""/>
+        <p:cNvGrpSpPr/>
+        <p:nvPr/>
+      </p:nvGrpSpPr>
+      <p:grpSpPr>
+        <a:xfrm>
+          <a:off x="0" y="0"/>
+          <a:ext cx="0" cy="0"/>
+          <a:chOff x="0" y="0"/>
+          <a:chExt cx="0" cy="0"/>
+        </a:xfrm>
+      </p:grpSpPr>
+      <p:sp>
+        <p:nvSpPr>
+          <p:cNvPr id="2" name="כותרת 1">
+            <a:extLst>
+              <a:ext uri="{FF2B5EF4-FFF2-40B4-BE49-F238E27FC236}">
+                <a16:creationId xmlns:a16="http://schemas.microsoft.com/office/drawing/2014/main" id="{91E46E9D-7B8F-4C0C-970C-665A3710F4E8}"/>
+              </a:ext>
+            </a:extLst>
+          </p:cNvPr>
+          <p:cNvSpPr>
+            <a:spLocks noGrp="1"/>
+          </p:cNvSpPr>
+          <p:nvPr>
+            <p:ph type="title"/>
+          </p:nvPr>
+        </p:nvSpPr>
+        <p:spPr/>
+        <p:txBody>
+          <a:bodyPr/>
+          <a:lstStyle/>
+          <a:p>
+            <a:r>
+              <a:rPr lang="en-US" dirty="0"/>
+              <a:t>statistical tests</a:t>
+            </a:r>
+            <a:endParaRPr lang="he-IL" dirty="0"/>
+          </a:p>
+        </p:txBody>
+      </p:sp>
+      <p:sp>
+        <p:nvSpPr>
+          <p:cNvPr id="3" name="מציין מיקום תוכן 2">
+            <a:extLst>
+              <a:ext uri="{FF2B5EF4-FFF2-40B4-BE49-F238E27FC236}">
+                <a16:creationId xmlns:a16="http://schemas.microsoft.com/office/drawing/2014/main" id="{DB30E94D-72E9-4C4F-9648-3789DA67A3F4}"/>
+              </a:ext>
+            </a:extLst>
+          </p:cNvPr>
+          <p:cNvSpPr>
+            <a:spLocks noGrp="1"/>
+          </p:cNvSpPr>
+          <p:nvPr>
+            <p:ph idx="1"/>
+          </p:nvPr>
+        </p:nvSpPr>
+        <p:spPr>
+          <a:xfrm>
+            <a:off x="838199" y="1825625"/>
+            <a:ext cx="11084511" cy="4351338"/>
+          </a:xfrm>
+        </p:spPr>
+        <p:txBody>
+          <a:bodyPr>
+            <a:normAutofit/>
+          </a:bodyPr>
+          <a:lstStyle/>
+          <a:p>
+            <a:r>
+              <a:rPr lang="en-US" dirty="0"/>
+              <a:t>ANOVA</a:t>
+            </a:r>
+            <a:endParaRPr lang="he-IL" dirty="0"/>
+          </a:p>
+          <a:p>
+            <a:pPr lvl="1"/>
+            <a:r>
+              <a:rPr lang="he-IL" dirty="0"/>
+              <a:t>בדיקה האם למספר דגימות יש את אותו </a:t>
+            </a:r>
+            <a:r>
+              <a:rPr lang="en-US" dirty="0"/>
+              <a:t>mean </a:t>
+            </a:r>
+            <a:r>
+              <a:rPr lang="he-IL" dirty="0"/>
+              <a:t> (או שאחת או יותר מהדגימות שונה משמעותית מהאחרות)</a:t>
+            </a:r>
+          </a:p>
+          <a:p>
+            <a:r>
+              <a:rPr lang="en-US" dirty="0"/>
+              <a:t>Chi-Square Test</a:t>
+            </a:r>
+            <a:r>
+              <a:rPr lang="he-IL" dirty="0"/>
+              <a:t>	</a:t>
+            </a:r>
+          </a:p>
+          <a:p>
+            <a:pPr lvl="1"/>
+            <a:r>
+              <a:rPr lang="he-IL" dirty="0"/>
+              <a:t>מבחן זה נועד להשוות בין משתני קטגוריה</a:t>
+            </a:r>
+          </a:p>
+          <a:p>
+            <a:pPr lvl="1"/>
+            <a:r>
+              <a:rPr lang="he-IL" dirty="0"/>
+              <a:t>ערך נמוך – אותה קטגוריה</a:t>
+            </a:r>
+            <a:endParaRPr lang="en-US" dirty="0"/>
+          </a:p>
+          <a:p>
+            <a:pPr lvl="1"/>
+            <a:endParaRPr lang="he-IL" dirty="0"/>
+          </a:p>
+        </p:txBody>
+      </p:sp>
+    </p:spTree>
+    <p:extLst>
+      <p:ext uri="{BB962C8B-B14F-4D97-AF65-F5344CB8AC3E}">
+        <p14:creationId xmlns:p14="http://schemas.microsoft.com/office/powerpoint/2010/main" val="2081389159"/>
+      </p:ext>
+    </p:extLst>
+  </p:cSld>
+  <p:clrMapOvr>
+    <a:masterClrMapping/>
+  </p:clrMapOvr>
+</p:sld>
+</file>
+
+<file path=ppt/slides/slide5.xml><?xml version="1.0" encoding="utf-8"?>
+<p:sld xmlns:a="http://schemas.openxmlformats.org/drawingml/2006/main" xmlns:r="http://schemas.openxmlformats.org/officeDocument/2006/relationships" xmlns:p="http://schemas.openxmlformats.org/presentationml/2006/main">
+  <p:cSld>
+    <p:spTree>
+      <p:nvGrpSpPr>
+        <p:cNvPr id="1" name=""/>
+        <p:cNvGrpSpPr/>
+        <p:nvPr/>
+      </p:nvGrpSpPr>
+      <p:grpSpPr>
+        <a:xfrm>
+          <a:off x="0" y="0"/>
+          <a:ext cx="0" cy="0"/>
+          <a:chOff x="0" y="0"/>
+          <a:chExt cx="0" cy="0"/>
+        </a:xfrm>
+      </p:grpSpPr>
+      <p:sp>
+        <p:nvSpPr>
+          <p:cNvPr id="2" name="כותרת 1">
+            <a:extLst>
+              <a:ext uri="{FF2B5EF4-FFF2-40B4-BE49-F238E27FC236}">
+                <a16:creationId xmlns:a16="http://schemas.microsoft.com/office/drawing/2014/main" id="{3614DBF3-3BF9-40E5-8449-5B82D31222F7}"/>
+              </a:ext>
+            </a:extLst>
+          </p:cNvPr>
+          <p:cNvSpPr>
+            <a:spLocks noGrp="1"/>
+          </p:cNvSpPr>
+          <p:nvPr>
+            <p:ph type="title"/>
+          </p:nvPr>
+        </p:nvSpPr>
+        <p:spPr/>
+        <p:txBody>
+          <a:bodyPr/>
+          <a:lstStyle/>
+          <a:p>
+            <a:r>
+              <a:rPr lang="he-IL" dirty="0"/>
+              <a:t>דוגמא </a:t>
+            </a:r>
+            <a:r>
+              <a:rPr lang="he-IL" dirty="0" err="1"/>
+              <a:t>לאלג</a:t>
+            </a:r>
+            <a:r>
+              <a:rPr lang="he-IL" dirty="0"/>
+              <a:t>' בשיטת </a:t>
+            </a:r>
+            <a:r>
+              <a:rPr lang="en-US" dirty="0"/>
+              <a:t>Filter Model</a:t>
+            </a:r>
+            <a:r>
+              <a:rPr lang="he-IL" dirty="0"/>
+              <a:t> : </a:t>
+            </a:r>
+            <a:r>
+              <a:rPr lang="en-US" dirty="0"/>
+              <a:t>FCBF</a:t>
+            </a:r>
+            <a:endParaRPr lang="he-IL" dirty="0"/>
+          </a:p>
+        </p:txBody>
+      </p:sp>
+      <p:sp>
+        <p:nvSpPr>
+          <p:cNvPr id="3" name="מציין מיקום תוכן 2">
+            <a:extLst>
+              <a:ext uri="{FF2B5EF4-FFF2-40B4-BE49-F238E27FC236}">
+                <a16:creationId xmlns:a16="http://schemas.microsoft.com/office/drawing/2014/main" id="{B3DFF1EA-A09F-4399-9C0C-32F3045249A2}"/>
+              </a:ext>
+            </a:extLst>
+          </p:cNvPr>
+          <p:cNvSpPr>
+            <a:spLocks noGrp="1"/>
+          </p:cNvSpPr>
+          <p:nvPr>
+            <p:ph idx="1"/>
+          </p:nvPr>
+        </p:nvSpPr>
+        <p:spPr/>
+        <p:txBody>
+          <a:bodyPr/>
+          <a:lstStyle/>
+          <a:p>
+            <a:r>
+              <a:rPr lang="en-US" dirty="0"/>
+              <a:t>FCBF</a:t>
+            </a:r>
+            <a:r>
+              <a:rPr lang="he-IL" dirty="0"/>
+              <a:t> – </a:t>
+            </a:r>
+            <a:r>
+              <a:rPr lang="en-US" dirty="0"/>
+              <a:t>Fast Correlation Based Filter </a:t>
+            </a:r>
+            <a:endParaRPr lang="he-IL" dirty="0"/>
+          </a:p>
+          <a:p>
+            <a:r>
+              <a:rPr lang="he-IL" dirty="0"/>
+              <a:t>אלג' המתאים (מבחינת תוצאה) למספר רב של מאפיינים (מאות/אלפים)</a:t>
+            </a:r>
+          </a:p>
+          <a:p>
+            <a:r>
+              <a:rPr lang="he-IL" dirty="0"/>
+              <a:t>שימוש באנטרופיה (מדד למידת אקראיות מדגם)</a:t>
+            </a:r>
+          </a:p>
+          <a:p>
+            <a:pPr lvl="1"/>
+            <a:r>
+              <a:rPr lang="he-IL" dirty="0"/>
+              <a:t>השימוש באנטרופיה עבור אי הכנת מידע עודף </a:t>
+            </a:r>
+            <a:r>
+              <a:rPr lang="en-US" dirty="0"/>
+              <a:t>redundant features</a:t>
+            </a:r>
+            <a:r>
+              <a:rPr lang="he-IL" dirty="0"/>
+              <a:t> (עד כמה אין קורלציה בין תכונות)</a:t>
+            </a:r>
+          </a:p>
+          <a:p>
+            <a:r>
+              <a:rPr lang="he-IL" dirty="0" err="1"/>
+              <a:t>האלג</a:t>
+            </a:r>
+            <a:r>
+              <a:rPr lang="he-IL" dirty="0"/>
+              <a:t>' עובד ב 2 שלבים:</a:t>
+            </a:r>
+          </a:p>
+          <a:p>
+            <a:pPr lvl="1"/>
+            <a:r>
+              <a:rPr lang="en-US" dirty="0"/>
+              <a:t>SU – Symmetrical Uncertainty</a:t>
+            </a:r>
+            <a:r>
+              <a:rPr lang="he-IL" dirty="0"/>
+              <a:t> (נוסחה המרחיבה את נוסחת האנטרופיה)</a:t>
+            </a:r>
+          </a:p>
+          <a:p>
+            <a:pPr lvl="1"/>
+            <a:r>
+              <a:rPr lang="he-IL" dirty="0"/>
+              <a:t>מוציאים את כל המאפיינים שחישוב ה </a:t>
+            </a:r>
+            <a:r>
+              <a:rPr lang="en-US" dirty="0"/>
+              <a:t>SU</a:t>
+            </a:r>
+            <a:r>
+              <a:rPr lang="he-IL" dirty="0"/>
+              <a:t> שלהם קטן מסף מסוים</a:t>
+            </a:r>
+          </a:p>
+          <a:p>
+            <a:pPr lvl="1"/>
+            <a:r>
+              <a:rPr lang="he-IL" dirty="0"/>
+              <a:t>מהמאפיינים שנשארו, זורקים את המאפיינים שיש להם יתירות (זורקים את המאפיין בעל ציון </a:t>
+            </a:r>
+            <a:r>
+              <a:rPr lang="en-US" dirty="0"/>
+              <a:t>SU</a:t>
+            </a:r>
+            <a:r>
+              <a:rPr lang="he-IL" dirty="0"/>
+              <a:t> נמוך יותר)</a:t>
+            </a:r>
+          </a:p>
+          <a:p>
+            <a:pPr lvl="1"/>
+            <a:endParaRPr lang="he-IL" dirty="0"/>
+          </a:p>
+          <a:p>
+            <a:endParaRPr lang="he-IL" dirty="0"/>
+          </a:p>
+        </p:txBody>
+      </p:sp>
+    </p:spTree>
+    <p:extLst>
+      <p:ext uri="{BB962C8B-B14F-4D97-AF65-F5344CB8AC3E}">
+        <p14:creationId xmlns:p14="http://schemas.microsoft.com/office/powerpoint/2010/main" val="2946470775"/>
+      </p:ext>
+    </p:extLst>
+  </p:cSld>
+  <p:clrMapOvr>
+    <a:masterClrMapping/>
+  </p:clrMapOvr>
+</p:sld>
+</file>
+
+<file path=ppt/slides/slide50.xml><?xml version="1.0" encoding="utf-8"?>
+<p:sld xmlns:a="http://schemas.openxmlformats.org/drawingml/2006/main" xmlns:r="http://schemas.openxmlformats.org/officeDocument/2006/relationships" xmlns:p="http://schemas.openxmlformats.org/presentationml/2006/main">
+  <p:cSld>
+    <p:spTree>
+      <p:nvGrpSpPr>
+        <p:cNvPr id="1" name=""/>
+        <p:cNvGrpSpPr/>
+        <p:nvPr/>
+      </p:nvGrpSpPr>
+      <p:grpSpPr>
+        <a:xfrm>
+          <a:off x="0" y="0"/>
+          <a:ext cx="0" cy="0"/>
+          <a:chOff x="0" y="0"/>
+          <a:chExt cx="0" cy="0"/>
+        </a:xfrm>
+      </p:grpSpPr>
+      <p:sp>
+        <p:nvSpPr>
+          <p:cNvPr id="2" name="כותרת 1">
+            <a:extLst>
+              <a:ext uri="{FF2B5EF4-FFF2-40B4-BE49-F238E27FC236}">
                 <a16:creationId xmlns:a16="http://schemas.microsoft.com/office/drawing/2014/main" id="{40A5353B-B0EC-4E55-B1FF-553D38FC21A6}"/>
               </a:ext>
             </a:extLst>
@@ -10792,8 +11345,153 @@
               <a:rPr lang="en-US" dirty="0"/>
               <a:t>KOLMOGOROV SMIRNOV TEST</a:t>
             </a:r>
+            <a:r>
+              <a:rPr lang="he-IL" dirty="0"/>
+              <a:t> (1/2)</a:t>
+            </a:r>
+          </a:p>
+        </p:txBody>
+      </p:sp>
+      <p:sp>
+        <p:nvSpPr>
+          <p:cNvPr id="3" name="מציין מיקום תוכן 2">
+            <a:extLst>
+              <a:ext uri="{FF2B5EF4-FFF2-40B4-BE49-F238E27FC236}">
+                <a16:creationId xmlns:a16="http://schemas.microsoft.com/office/drawing/2014/main" id="{359FDB96-E8D1-40C5-A68C-823EC5AF0FF8}"/>
+              </a:ext>
+            </a:extLst>
+          </p:cNvPr>
+          <p:cNvSpPr>
+            <a:spLocks noGrp="1"/>
+          </p:cNvSpPr>
+          <p:nvPr>
+            <p:ph idx="1"/>
+          </p:nvPr>
+        </p:nvSpPr>
+        <p:spPr/>
+        <p:txBody>
+          <a:bodyPr>
+            <a:normAutofit/>
+          </a:bodyPr>
+          <a:lstStyle/>
+          <a:p>
+            <a:r>
+              <a:rPr lang="he-IL" dirty="0"/>
+              <a:t>מבחן המציין האם 2 מערכי נתונים שונים משמעותית אחד מהשני</a:t>
+            </a:r>
+          </a:p>
+          <a:p>
+            <a:r>
+              <a:rPr lang="he-IL" dirty="0"/>
+              <a:t>ניתן גם לבדוק האם התפלגות מסוימת היא נורמאלית או לא.</a:t>
+            </a:r>
+          </a:p>
+          <a:p>
+            <a:r>
+              <a:rPr lang="he-IL" dirty="0"/>
+              <a:t>דוגמא:</a:t>
+            </a:r>
+          </a:p>
+          <a:p>
+            <a:pPr lvl="1"/>
+            <a:r>
+              <a:rPr lang="he-IL" dirty="0"/>
+              <a:t>בהינתן התפלגויות שונות (</a:t>
+            </a:r>
+            <a:r>
+              <a:rPr lang="he-IL" dirty="0" err="1"/>
+              <a:t>היסטוגרמות</a:t>
+            </a:r>
+            <a:r>
+              <a:rPr lang="he-IL" dirty="0"/>
+              <a:t>) רוצים לבדוק האם מדובר במספר משתמשים שונים (וכמה).</a:t>
+            </a:r>
+          </a:p>
+          <a:p>
+            <a:pPr lvl="1"/>
+            <a:r>
+              <a:rPr lang="he-IL" dirty="0"/>
+              <a:t>כלומר אם המבחן מציין </a:t>
+            </a:r>
+            <a:r>
+              <a:rPr lang="he-IL" dirty="0" err="1"/>
+              <a:t>שהתפפלגויות</a:t>
+            </a:r>
+            <a:r>
+              <a:rPr lang="he-IL" dirty="0"/>
+              <a:t> שונות -&gt; 2 משתמשים שונים -&gt; כך </a:t>
+            </a:r>
+            <a:r>
+              <a:rPr lang="he-IL"/>
+              <a:t>נבדוק לכל זוג</a:t>
+            </a:r>
             <a:endParaRPr lang="he-IL" dirty="0"/>
           </a:p>
+          <a:p>
+            <a:endParaRPr lang="he-IL" dirty="0"/>
+          </a:p>
+        </p:txBody>
+      </p:sp>
+    </p:spTree>
+    <p:extLst>
+      <p:ext uri="{BB962C8B-B14F-4D97-AF65-F5344CB8AC3E}">
+        <p14:creationId xmlns:p14="http://schemas.microsoft.com/office/powerpoint/2010/main" val="1952221178"/>
+      </p:ext>
+    </p:extLst>
+  </p:cSld>
+  <p:clrMapOvr>
+    <a:masterClrMapping/>
+  </p:clrMapOvr>
+</p:sld>
+</file>
+
+<file path=ppt/slides/slide51.xml><?xml version="1.0" encoding="utf-8"?>
+<p:sld xmlns:a="http://schemas.openxmlformats.org/drawingml/2006/main" xmlns:r="http://schemas.openxmlformats.org/officeDocument/2006/relationships" xmlns:p="http://schemas.openxmlformats.org/presentationml/2006/main">
+  <p:cSld>
+    <p:spTree>
+      <p:nvGrpSpPr>
+        <p:cNvPr id="1" name=""/>
+        <p:cNvGrpSpPr/>
+        <p:nvPr/>
+      </p:nvGrpSpPr>
+      <p:grpSpPr>
+        <a:xfrm>
+          <a:off x="0" y="0"/>
+          <a:ext cx="0" cy="0"/>
+          <a:chOff x="0" y="0"/>
+          <a:chExt cx="0" cy="0"/>
+        </a:xfrm>
+      </p:grpSpPr>
+      <p:sp>
+        <p:nvSpPr>
+          <p:cNvPr id="2" name="כותרת 1">
+            <a:extLst>
+              <a:ext uri="{FF2B5EF4-FFF2-40B4-BE49-F238E27FC236}">
+                <a16:creationId xmlns:a16="http://schemas.microsoft.com/office/drawing/2014/main" id="{40A5353B-B0EC-4E55-B1FF-553D38FC21A6}"/>
+              </a:ext>
+            </a:extLst>
+          </p:cNvPr>
+          <p:cNvSpPr>
+            <a:spLocks noGrp="1"/>
+          </p:cNvSpPr>
+          <p:nvPr>
+            <p:ph type="title"/>
+          </p:nvPr>
+        </p:nvSpPr>
+        <p:spPr/>
+        <p:txBody>
+          <a:bodyPr/>
+          <a:lstStyle/>
+          <a:p>
+            <a:r>
+              <a:rPr lang="en-US" dirty="0"/>
+              <a:t>KOLMOGOROV SMIRNOV TEST</a:t>
+            </a:r>
+            <a:r>
+              <a:rPr lang="he-IL" dirty="0"/>
+              <a:t> (2/2)</a:t>
+            </a:r>
+          </a:p>
         </p:txBody>
       </p:sp>
       <p:sp>
@@ -10814,7 +11512,9 @@
         </p:nvSpPr>
         <p:spPr/>
         <p:txBody>
-          <a:bodyPr/>
+          <a:bodyPr>
+            <a:normAutofit/>
+          </a:bodyPr>
           <a:lstStyle/>
           <a:p>
             <a:r>
@@ -11006,208 +11706,7 @@
     </p:spTree>
     <p:extLst>
       <p:ext uri="{BB962C8B-B14F-4D97-AF65-F5344CB8AC3E}">
-        <p14:creationId xmlns:p14="http://schemas.microsoft.com/office/powerpoint/2010/main" val="1952221178"/>
-      </p:ext>
-    </p:extLst>
-  </p:cSld>
-  <p:clrMapOvr>
-    <a:masterClrMapping/>
-  </p:clrMapOvr>
-</p:sld>
-</file>
-
-<file path=ppt/slides/slide5.xml><?xml version="1.0" encoding="utf-8"?>
-<p:sld xmlns:a="http://schemas.openxmlformats.org/drawingml/2006/main" xmlns:r="http://schemas.openxmlformats.org/officeDocument/2006/relationships" xmlns:p="http://schemas.openxmlformats.org/presentationml/2006/main">
-  <p:cSld>
-    <p:spTree>
-      <p:nvGrpSpPr>
-        <p:cNvPr id="1" name=""/>
-        <p:cNvGrpSpPr/>
-        <p:nvPr/>
-      </p:nvGrpSpPr>
-      <p:grpSpPr>
-        <a:xfrm>
-          <a:off x="0" y="0"/>
-          <a:ext cx="0" cy="0"/>
-          <a:chOff x="0" y="0"/>
-          <a:chExt cx="0" cy="0"/>
-        </a:xfrm>
-      </p:grpSpPr>
-      <p:sp>
-        <p:nvSpPr>
-          <p:cNvPr id="2" name="כותרת 1">
-            <a:extLst>
-              <a:ext uri="{FF2B5EF4-FFF2-40B4-BE49-F238E27FC236}">
-                <a16:creationId xmlns:a16="http://schemas.microsoft.com/office/drawing/2014/main" id="{3614DBF3-3BF9-40E5-8449-5B82D31222F7}"/>
-              </a:ext>
-            </a:extLst>
-          </p:cNvPr>
-          <p:cNvSpPr>
-            <a:spLocks noGrp="1"/>
-          </p:cNvSpPr>
-          <p:nvPr>
-            <p:ph type="title"/>
-          </p:nvPr>
-        </p:nvSpPr>
-        <p:spPr/>
-        <p:txBody>
-          <a:bodyPr/>
-          <a:lstStyle/>
-          <a:p>
-            <a:r>
-              <a:rPr lang="he-IL" dirty="0"/>
-              <a:t>דוגמא </a:t>
-            </a:r>
-            <a:r>
-              <a:rPr lang="he-IL" dirty="0" err="1"/>
-              <a:t>לאלג</a:t>
-            </a:r>
-            <a:r>
-              <a:rPr lang="he-IL" dirty="0"/>
-              <a:t>' בשיטת </a:t>
-            </a:r>
-            <a:r>
-              <a:rPr lang="en-US" dirty="0"/>
-              <a:t>Filter Model</a:t>
-            </a:r>
-            <a:r>
-              <a:rPr lang="he-IL" dirty="0"/>
-              <a:t> : </a:t>
-            </a:r>
-            <a:r>
-              <a:rPr lang="en-US" dirty="0"/>
-              <a:t>FCBF</a:t>
-            </a:r>
-            <a:endParaRPr lang="he-IL" dirty="0"/>
-          </a:p>
-        </p:txBody>
-      </p:sp>
-      <p:sp>
-        <p:nvSpPr>
-          <p:cNvPr id="3" name="מציין מיקום תוכן 2">
-            <a:extLst>
-              <a:ext uri="{FF2B5EF4-FFF2-40B4-BE49-F238E27FC236}">
-                <a16:creationId xmlns:a16="http://schemas.microsoft.com/office/drawing/2014/main" id="{B3DFF1EA-A09F-4399-9C0C-32F3045249A2}"/>
-              </a:ext>
-            </a:extLst>
-          </p:cNvPr>
-          <p:cNvSpPr>
-            <a:spLocks noGrp="1"/>
-          </p:cNvSpPr>
-          <p:nvPr>
-            <p:ph idx="1"/>
-          </p:nvPr>
-        </p:nvSpPr>
-        <p:spPr/>
-        <p:txBody>
-          <a:bodyPr/>
-          <a:lstStyle/>
-          <a:p>
-            <a:r>
-              <a:rPr lang="en-US" dirty="0"/>
-              <a:t>FCBF</a:t>
-            </a:r>
-            <a:r>
-              <a:rPr lang="he-IL" dirty="0"/>
-              <a:t> – </a:t>
-            </a:r>
-            <a:r>
-              <a:rPr lang="en-US" dirty="0"/>
-              <a:t>Fast Correlation Based Filter </a:t>
-            </a:r>
-            <a:endParaRPr lang="he-IL" dirty="0"/>
-          </a:p>
-          <a:p>
-            <a:r>
-              <a:rPr lang="he-IL" dirty="0"/>
-              <a:t>אלג' המתאים (מבחינת תוצאה) למספר רב של מאפיינים (מאות/אלפים)</a:t>
-            </a:r>
-          </a:p>
-          <a:p>
-            <a:r>
-              <a:rPr lang="he-IL" dirty="0"/>
-              <a:t>שימוש באנטרופיה (מדד למידת אקראיות מדגם)</a:t>
-            </a:r>
-          </a:p>
-          <a:p>
-            <a:pPr lvl="1"/>
-            <a:r>
-              <a:rPr lang="he-IL" dirty="0"/>
-              <a:t>השימוש באנטרופיה עבור אי הכנת מידע עודף </a:t>
-            </a:r>
-            <a:r>
-              <a:rPr lang="en-US" dirty="0"/>
-              <a:t>redundant features</a:t>
-            </a:r>
-            <a:r>
-              <a:rPr lang="he-IL" dirty="0"/>
-              <a:t> (עד כמה אין קורלציה בין תכונות)</a:t>
-            </a:r>
-          </a:p>
-          <a:p>
-            <a:r>
-              <a:rPr lang="he-IL" dirty="0" err="1"/>
-              <a:t>האלג</a:t>
-            </a:r>
-            <a:r>
-              <a:rPr lang="he-IL" dirty="0"/>
-              <a:t>' עובד ב 2 שלבים:</a:t>
-            </a:r>
-          </a:p>
-          <a:p>
-            <a:pPr lvl="1"/>
-            <a:r>
-              <a:rPr lang="en-US" dirty="0"/>
-              <a:t>SU – Symmetrical Uncertainty</a:t>
-            </a:r>
-            <a:r>
-              <a:rPr lang="he-IL" dirty="0"/>
-              <a:t> (נוסחה המרחיבה את נוסחת האנטרופיה)</a:t>
-            </a:r>
-          </a:p>
-          <a:p>
-            <a:pPr lvl="1"/>
-            <a:r>
-              <a:rPr lang="he-IL" dirty="0"/>
-              <a:t>מוציאים את כל המאפיינים שחישוב ה </a:t>
-            </a:r>
-            <a:r>
-              <a:rPr lang="en-US" dirty="0"/>
-              <a:t>SU</a:t>
-            </a:r>
-            <a:r>
-              <a:rPr lang="he-IL" dirty="0"/>
-              <a:t> שלהם קטן מסף מסוים</a:t>
-            </a:r>
-          </a:p>
-          <a:p>
-            <a:pPr lvl="1"/>
-            <a:r>
-              <a:rPr lang="he-IL" dirty="0"/>
-              <a:t>מהמאפיינים שנשארו, זורקים את המאפיינים שיש להם יתירות (זורקים את המאפיין בעל ציון </a:t>
-            </a:r>
-            <a:r>
-              <a:rPr lang="en-US" dirty="0"/>
-              <a:t>SU</a:t>
-            </a:r>
-            <a:r>
-              <a:rPr lang="he-IL" dirty="0"/>
-              <a:t> נמוך יותר)</a:t>
-            </a:r>
-          </a:p>
-          <a:p>
-            <a:pPr lvl="1"/>
-            <a:endParaRPr lang="he-IL" dirty="0"/>
-          </a:p>
-          <a:p>
-            <a:endParaRPr lang="he-IL" dirty="0"/>
-          </a:p>
-        </p:txBody>
-      </p:sp>
-    </p:spTree>
-    <p:extLst>
-      <p:ext uri="{BB962C8B-B14F-4D97-AF65-F5344CB8AC3E}">
-        <p14:creationId xmlns:p14="http://schemas.microsoft.com/office/powerpoint/2010/main" val="2946470775"/>
+        <p14:creationId xmlns:p14="http://schemas.microsoft.com/office/powerpoint/2010/main" val="2891869968"/>
       </p:ext>
     </p:extLst>
   </p:cSld>

--- a/Presentation/Feature Selection.pptx
+++ b/Presentation/Feature Selection.pptx
@@ -11383,6 +11383,33 @@
           <a:p>
             <a:r>
               <a:rPr lang="he-IL" dirty="0"/>
+              <a:t>מבחן שבודק גם האם </a:t>
+            </a:r>
+            <a:r>
+              <a:rPr lang="en-US" dirty="0"/>
+              <a:t>X</a:t>
+            </a:r>
+            <a:r>
+              <a:rPr lang="he-IL" dirty="0"/>
+              <a:t> ו </a:t>
+            </a:r>
+            <a:r>
+              <a:rPr lang="en-US" dirty="0"/>
+              <a:t>Y</a:t>
+            </a:r>
+            <a:r>
+              <a:rPr lang="he-IL" dirty="0"/>
+              <a:t> </a:t>
+            </a:r>
+            <a:r>
+              <a:rPr lang="he-IL"/>
+              <a:t>מאותה התפלגות</a:t>
+            </a:r>
+            <a:endParaRPr lang="he-IL" dirty="0"/>
+          </a:p>
+          <a:p>
+            <a:r>
+              <a:rPr lang="he-IL" dirty="0"/>
               <a:t>ניתן גם לבדוק האם התפלגות מסוימת היא נורמאלית או לא.</a:t>
             </a:r>
           </a:p>
@@ -11411,21 +11438,8 @@
             <a:pPr lvl="1"/>
             <a:r>
               <a:rPr lang="he-IL" dirty="0"/>
-              <a:t>כלומר אם המבחן מציין </a:t>
-            </a:r>
-            <a:r>
-              <a:rPr lang="he-IL" dirty="0" err="1"/>
-              <a:t>שהתפפלגויות</a:t>
-            </a:r>
-            <a:r>
-              <a:rPr lang="he-IL" dirty="0"/>
-              <a:t> שונות -&gt; 2 משתמשים שונים -&gt; כך </a:t>
-            </a:r>
-            <a:r>
-              <a:rPr lang="he-IL"/>
-              <a:t>נבדוק לכל זוג</a:t>
-            </a:r>
-            <a:endParaRPr lang="he-IL" dirty="0"/>
+              <a:t>כלומר אם המבחן מציין שהתפלגויות שונות -&gt; 2 משתמשים שונים -&gt; כך נבדוק לכל זוג</a:t>
+            </a:r>
           </a:p>
           <a:p>
             <a:endParaRPr lang="he-IL" dirty="0"/>

--- a/Presentation/Feature Selection.pptx
+++ b/Presentation/Feature Selection.pptx
@@ -11,51 +11,53 @@
     <p:sldId id="267" r:id="rId5"/>
     <p:sldId id="265" r:id="rId6"/>
     <p:sldId id="268" r:id="rId7"/>
-    <p:sldId id="269" r:id="rId8"/>
-    <p:sldId id="276" r:id="rId9"/>
-    <p:sldId id="292" r:id="rId10"/>
-    <p:sldId id="296" r:id="rId11"/>
-    <p:sldId id="261" r:id="rId12"/>
-    <p:sldId id="263" r:id="rId13"/>
-    <p:sldId id="262" r:id="rId14"/>
-    <p:sldId id="299" r:id="rId15"/>
-    <p:sldId id="290" r:id="rId16"/>
-    <p:sldId id="283" r:id="rId17"/>
-    <p:sldId id="272" r:id="rId18"/>
-    <p:sldId id="300" r:id="rId19"/>
-    <p:sldId id="291" r:id="rId20"/>
-    <p:sldId id="301" r:id="rId21"/>
-    <p:sldId id="271" r:id="rId22"/>
-    <p:sldId id="289" r:id="rId23"/>
-    <p:sldId id="274" r:id="rId24"/>
-    <p:sldId id="282" r:id="rId25"/>
-    <p:sldId id="302" r:id="rId26"/>
-    <p:sldId id="275" r:id="rId27"/>
-    <p:sldId id="303" r:id="rId28"/>
-    <p:sldId id="278" r:id="rId29"/>
-    <p:sldId id="304" r:id="rId30"/>
-    <p:sldId id="279" r:id="rId31"/>
-    <p:sldId id="288" r:id="rId32"/>
-    <p:sldId id="294" r:id="rId33"/>
-    <p:sldId id="306" r:id="rId34"/>
-    <p:sldId id="281" r:id="rId35"/>
-    <p:sldId id="307" r:id="rId36"/>
-    <p:sldId id="284" r:id="rId37"/>
-    <p:sldId id="309" r:id="rId38"/>
-    <p:sldId id="285" r:id="rId39"/>
-    <p:sldId id="298" r:id="rId40"/>
-    <p:sldId id="270" r:id="rId41"/>
-    <p:sldId id="277" r:id="rId42"/>
-    <p:sldId id="286" r:id="rId43"/>
-    <p:sldId id="293" r:id="rId44"/>
-    <p:sldId id="314" r:id="rId45"/>
-    <p:sldId id="312" r:id="rId46"/>
-    <p:sldId id="311" r:id="rId47"/>
-    <p:sldId id="317" r:id="rId48"/>
-    <p:sldId id="315" r:id="rId49"/>
-    <p:sldId id="316" r:id="rId50"/>
-    <p:sldId id="310" r:id="rId51"/>
-    <p:sldId id="318" r:id="rId52"/>
+    <p:sldId id="319" r:id="rId8"/>
+    <p:sldId id="269" r:id="rId9"/>
+    <p:sldId id="276" r:id="rId10"/>
+    <p:sldId id="292" r:id="rId11"/>
+    <p:sldId id="296" r:id="rId12"/>
+    <p:sldId id="261" r:id="rId13"/>
+    <p:sldId id="263" r:id="rId14"/>
+    <p:sldId id="262" r:id="rId15"/>
+    <p:sldId id="299" r:id="rId16"/>
+    <p:sldId id="290" r:id="rId17"/>
+    <p:sldId id="283" r:id="rId18"/>
+    <p:sldId id="272" r:id="rId19"/>
+    <p:sldId id="300" r:id="rId20"/>
+    <p:sldId id="291" r:id="rId21"/>
+    <p:sldId id="301" r:id="rId22"/>
+    <p:sldId id="271" r:id="rId23"/>
+    <p:sldId id="289" r:id="rId24"/>
+    <p:sldId id="274" r:id="rId25"/>
+    <p:sldId id="282" r:id="rId26"/>
+    <p:sldId id="302" r:id="rId27"/>
+    <p:sldId id="275" r:id="rId28"/>
+    <p:sldId id="303" r:id="rId29"/>
+    <p:sldId id="278" r:id="rId30"/>
+    <p:sldId id="304" r:id="rId31"/>
+    <p:sldId id="279" r:id="rId32"/>
+    <p:sldId id="288" r:id="rId33"/>
+    <p:sldId id="294" r:id="rId34"/>
+    <p:sldId id="306" r:id="rId35"/>
+    <p:sldId id="281" r:id="rId36"/>
+    <p:sldId id="307" r:id="rId37"/>
+    <p:sldId id="284" r:id="rId38"/>
+    <p:sldId id="309" r:id="rId39"/>
+    <p:sldId id="285" r:id="rId40"/>
+    <p:sldId id="298" r:id="rId41"/>
+    <p:sldId id="270" r:id="rId42"/>
+    <p:sldId id="277" r:id="rId43"/>
+    <p:sldId id="286" r:id="rId44"/>
+    <p:sldId id="293" r:id="rId45"/>
+    <p:sldId id="314" r:id="rId46"/>
+    <p:sldId id="312" r:id="rId47"/>
+    <p:sldId id="311" r:id="rId48"/>
+    <p:sldId id="317" r:id="rId49"/>
+    <p:sldId id="315" r:id="rId50"/>
+    <p:sldId id="316" r:id="rId51"/>
+    <p:sldId id="310" r:id="rId52"/>
+    <p:sldId id="318" r:id="rId53"/>
+    <p:sldId id="320" r:id="rId54"/>
   </p:sldIdLst>
   <p:sldSz cx="12192000" cy="6858000"/>
   <p:notesSz cx="6858000" cy="9144000"/>
@@ -320,7 +322,7 @@
           <a:p>
             <a:fld id="{D5FA70A3-A6FF-4EAA-B623-AB4CFD6C9082}" type="datetimeFigureOut">
               <a:rPr lang="he-IL" smtClean="0"/>
-              <a:t>ט'/ניסן/תש"פ</a:t>
+              <a:t>י"ב/ניסן/תש"פ</a:t>
             </a:fld>
             <a:endParaRPr lang="he-IL"/>
           </a:p>
@@ -518,7 +520,7 @@
           <a:p>
             <a:fld id="{D5FA70A3-A6FF-4EAA-B623-AB4CFD6C9082}" type="datetimeFigureOut">
               <a:rPr lang="he-IL" smtClean="0"/>
-              <a:t>ט'/ניסן/תש"פ</a:t>
+              <a:t>י"ב/ניסן/תש"פ</a:t>
             </a:fld>
             <a:endParaRPr lang="he-IL"/>
           </a:p>
@@ -726,7 +728,7 @@
           <a:p>
             <a:fld id="{D5FA70A3-A6FF-4EAA-B623-AB4CFD6C9082}" type="datetimeFigureOut">
               <a:rPr lang="he-IL" smtClean="0"/>
-              <a:t>ט'/ניסן/תש"פ</a:t>
+              <a:t>י"ב/ניסן/תש"פ</a:t>
             </a:fld>
             <a:endParaRPr lang="he-IL"/>
           </a:p>
@@ -924,7 +926,7 @@
           <a:p>
             <a:fld id="{D5FA70A3-A6FF-4EAA-B623-AB4CFD6C9082}" type="datetimeFigureOut">
               <a:rPr lang="he-IL" smtClean="0"/>
-              <a:t>ט'/ניסן/תש"פ</a:t>
+              <a:t>י"ב/ניסן/תש"פ</a:t>
             </a:fld>
             <a:endParaRPr lang="he-IL"/>
           </a:p>
@@ -1199,7 +1201,7 @@
           <a:p>
             <a:fld id="{D5FA70A3-A6FF-4EAA-B623-AB4CFD6C9082}" type="datetimeFigureOut">
               <a:rPr lang="he-IL" smtClean="0"/>
-              <a:t>ט'/ניסן/תש"פ</a:t>
+              <a:t>י"ב/ניסן/תש"פ</a:t>
             </a:fld>
             <a:endParaRPr lang="he-IL"/>
           </a:p>
@@ -1464,7 +1466,7 @@
           <a:p>
             <a:fld id="{D5FA70A3-A6FF-4EAA-B623-AB4CFD6C9082}" type="datetimeFigureOut">
               <a:rPr lang="he-IL" smtClean="0"/>
-              <a:t>ט'/ניסן/תש"פ</a:t>
+              <a:t>י"ב/ניסן/תש"פ</a:t>
             </a:fld>
             <a:endParaRPr lang="he-IL"/>
           </a:p>
@@ -1876,7 +1878,7 @@
           <a:p>
             <a:fld id="{D5FA70A3-A6FF-4EAA-B623-AB4CFD6C9082}" type="datetimeFigureOut">
               <a:rPr lang="he-IL" smtClean="0"/>
-              <a:t>ט'/ניסן/תש"פ</a:t>
+              <a:t>י"ב/ניסן/תש"פ</a:t>
             </a:fld>
             <a:endParaRPr lang="he-IL"/>
           </a:p>
@@ -2017,7 +2019,7 @@
           <a:p>
             <a:fld id="{D5FA70A3-A6FF-4EAA-B623-AB4CFD6C9082}" type="datetimeFigureOut">
               <a:rPr lang="he-IL" smtClean="0"/>
-              <a:t>ט'/ניסן/תש"פ</a:t>
+              <a:t>י"ב/ניסן/תש"פ</a:t>
             </a:fld>
             <a:endParaRPr lang="he-IL"/>
           </a:p>
@@ -2130,7 +2132,7 @@
           <a:p>
             <a:fld id="{D5FA70A3-A6FF-4EAA-B623-AB4CFD6C9082}" type="datetimeFigureOut">
               <a:rPr lang="he-IL" smtClean="0"/>
-              <a:t>ט'/ניסן/תש"פ</a:t>
+              <a:t>י"ב/ניסן/תש"פ</a:t>
             </a:fld>
             <a:endParaRPr lang="he-IL"/>
           </a:p>
@@ -2441,7 +2443,7 @@
           <a:p>
             <a:fld id="{D5FA70A3-A6FF-4EAA-B623-AB4CFD6C9082}" type="datetimeFigureOut">
               <a:rPr lang="he-IL" smtClean="0"/>
-              <a:t>ט'/ניסן/תש"פ</a:t>
+              <a:t>י"ב/ניסן/תש"פ</a:t>
             </a:fld>
             <a:endParaRPr lang="he-IL"/>
           </a:p>
@@ -2729,7 +2731,7 @@
           <a:p>
             <a:fld id="{D5FA70A3-A6FF-4EAA-B623-AB4CFD6C9082}" type="datetimeFigureOut">
               <a:rPr lang="he-IL" smtClean="0"/>
-              <a:t>ט'/ניסן/תש"פ</a:t>
+              <a:t>י"ב/ניסן/תש"פ</a:t>
             </a:fld>
             <a:endParaRPr lang="he-IL"/>
           </a:p>
@@ -2970,7 +2972,7 @@
           <a:p>
             <a:fld id="{D5FA70A3-A6FF-4EAA-B623-AB4CFD6C9082}" type="datetimeFigureOut">
               <a:rPr lang="he-IL" smtClean="0"/>
-              <a:t>ט'/ניסן/תש"פ</a:t>
+              <a:t>י"ב/ניסן/תש"פ</a:t>
             </a:fld>
             <a:endParaRPr lang="he-IL"/>
           </a:p>
@@ -3476,59 +3478,312 @@
           <p:cNvPr id="2" name="כותרת 1">
             <a:extLst>
               <a:ext uri="{FF2B5EF4-FFF2-40B4-BE49-F238E27FC236}">
-                <a16:creationId xmlns:a16="http://schemas.microsoft.com/office/drawing/2014/main" id="{12C43150-B25E-4D0E-BDF4-635BEFD8EF18}"/>
-              </a:ext>
-            </a:extLst>
-          </p:cNvPr>
-          <p:cNvSpPr>
-            <a:spLocks noGrp="1"/>
-          </p:cNvSpPr>
-          <p:nvPr>
-            <p:ph type="ctrTitle"/>
+                <a16:creationId xmlns:a16="http://schemas.microsoft.com/office/drawing/2014/main" id="{EEB0B681-781F-4023-962E-8A480327E549}"/>
+              </a:ext>
+            </a:extLst>
+          </p:cNvPr>
+          <p:cNvSpPr>
+            <a:spLocks noGrp="1"/>
+          </p:cNvSpPr>
+          <p:nvPr>
+            <p:ph type="title"/>
+          </p:nvPr>
+        </p:nvSpPr>
+        <p:spPr>
+          <a:xfrm>
+            <a:off x="3162300" y="365125"/>
+            <a:ext cx="8191500" cy="1325563"/>
+          </a:xfrm>
+        </p:spPr>
+        <p:txBody>
+          <a:bodyPr/>
+          <a:lstStyle/>
+          <a:p>
+            <a:r>
+              <a:rPr lang="en-US" dirty="0"/>
+              <a:t>PCA</a:t>
+            </a:r>
+            <a:endParaRPr lang="he-IL" dirty="0"/>
+          </a:p>
+        </p:txBody>
+      </p:sp>
+      <p:sp>
+        <p:nvSpPr>
+          <p:cNvPr id="3" name="מציין מיקום תוכן 2">
+            <a:extLst>
+              <a:ext uri="{FF2B5EF4-FFF2-40B4-BE49-F238E27FC236}">
+                <a16:creationId xmlns:a16="http://schemas.microsoft.com/office/drawing/2014/main" id="{1852753F-7CB0-4817-9381-859E808D508E}"/>
+              </a:ext>
+            </a:extLst>
+          </p:cNvPr>
+          <p:cNvSpPr>
+            <a:spLocks noGrp="1"/>
+          </p:cNvSpPr>
+          <p:nvPr>
+            <p:ph idx="1"/>
           </p:nvPr>
         </p:nvSpPr>
         <p:spPr/>
         <p:txBody>
-          <a:bodyPr/>
-          <a:lstStyle/>
-          <a:p>
-            <a:r>
-              <a:rPr lang="en-US" dirty="0"/>
-              <a:t>Discretization</a:t>
+          <a:bodyPr>
+            <a:normAutofit fontScale="85000" lnSpcReduction="20000"/>
+          </a:bodyPr>
+          <a:lstStyle/>
+          <a:p>
+            <a:r>
+              <a:rPr lang="he-IL" dirty="0"/>
+              <a:t>שיטה להורדת </a:t>
+            </a:r>
+            <a:r>
+              <a:rPr lang="he-IL" dirty="0" err="1"/>
+              <a:t>מימדים</a:t>
+            </a:r>
+            <a:r>
+              <a:rPr lang="he-IL" dirty="0"/>
+              <a:t>.</a:t>
+            </a:r>
+          </a:p>
+          <a:p>
+            <a:r>
+              <a:rPr lang="he-IL" dirty="0"/>
+              <a:t>מטילים את המידע </a:t>
+            </a:r>
+            <a:r>
+              <a:rPr lang="he-IL" dirty="0" err="1"/>
+              <a:t>למימד</a:t>
+            </a:r>
+            <a:r>
+              <a:rPr lang="he-IL" dirty="0"/>
+              <a:t> אחר כך ש:</a:t>
+            </a:r>
+          </a:p>
+          <a:p>
+            <a:pPr lvl="1"/>
+            <a:r>
+              <a:rPr lang="he-IL" dirty="0"/>
+              <a:t>ציר עם ה </a:t>
+            </a:r>
+            <a:r>
+              <a:rPr lang="en-US" dirty="0"/>
+              <a:t>variance</a:t>
+            </a:r>
+            <a:r>
+              <a:rPr lang="he-IL" dirty="0"/>
+              <a:t> (שונות) הכי גדול יהיה ציר </a:t>
+            </a:r>
+            <a:r>
+              <a:rPr lang="en-US" dirty="0"/>
+              <a:t>X</a:t>
             </a:r>
             <a:endParaRPr lang="he-IL" dirty="0"/>
           </a:p>
-        </p:txBody>
-      </p:sp>
-      <p:sp>
-        <p:nvSpPr>
-          <p:cNvPr id="3" name="כותרת משנה 2">
-            <a:extLst>
-              <a:ext uri="{FF2B5EF4-FFF2-40B4-BE49-F238E27FC236}">
-                <a16:creationId xmlns:a16="http://schemas.microsoft.com/office/drawing/2014/main" id="{686F7E77-CF92-46E1-B497-C07D9D641FF9}"/>
-              </a:ext>
-            </a:extLst>
-          </p:cNvPr>
-          <p:cNvSpPr>
-            <a:spLocks noGrp="1"/>
-          </p:cNvSpPr>
-          <p:nvPr>
-            <p:ph type="subTitle" idx="1"/>
-          </p:nvPr>
-        </p:nvSpPr>
-        <p:spPr/>
-        <p:txBody>
-          <a:bodyPr/>
-          <a:lstStyle/>
-          <a:p>
-            <a:endParaRPr lang="he-IL"/>
-          </a:p>
-        </p:txBody>
-      </p:sp>
+          <a:p>
+            <a:pPr lvl="1"/>
+            <a:r>
+              <a:rPr lang="he-IL" dirty="0"/>
+              <a:t>ציר עם ה </a:t>
+            </a:r>
+            <a:r>
+              <a:rPr lang="en-US" dirty="0"/>
+              <a:t>variance</a:t>
+            </a:r>
+            <a:r>
+              <a:rPr lang="he-IL" dirty="0"/>
+              <a:t> השני הכיל גדול יהיה ציר </a:t>
+            </a:r>
+            <a:r>
+              <a:rPr lang="en-US" dirty="0"/>
+              <a:t>Y</a:t>
+            </a:r>
+            <a:endParaRPr lang="he-IL" dirty="0"/>
+          </a:p>
+          <a:p>
+            <a:pPr lvl="1"/>
+            <a:r>
+              <a:rPr lang="he-IL" dirty="0"/>
+              <a:t>כך הלאה.</a:t>
+            </a:r>
+          </a:p>
+          <a:p>
+            <a:r>
+              <a:rPr lang="en-US" dirty="0"/>
+              <a:t>PCA</a:t>
+            </a:r>
+            <a:r>
+              <a:rPr lang="he-IL" dirty="0"/>
+              <a:t> מדרג את הצירים לפי ה </a:t>
+            </a:r>
+            <a:r>
+              <a:rPr lang="en-US" dirty="0"/>
+              <a:t>variance</a:t>
+            </a:r>
+            <a:r>
+              <a:rPr lang="he-IL" dirty="0"/>
+              <a:t>.</a:t>
+            </a:r>
+          </a:p>
+          <a:p>
+            <a:r>
+              <a:rPr lang="he-IL" dirty="0"/>
+              <a:t>לא מומלץ להשתמש כאשר המאפיינים מכילים מידע </a:t>
+            </a:r>
+            <a:r>
+              <a:rPr lang="he-IL" dirty="0" err="1"/>
+              <a:t>דיסקטי</a:t>
+            </a:r>
+            <a:r>
+              <a:rPr lang="he-IL" dirty="0"/>
+              <a:t> / קטגוריות (ראה חיסרון)</a:t>
+            </a:r>
+          </a:p>
+          <a:p>
+            <a:r>
+              <a:rPr lang="he-IL" dirty="0"/>
+              <a:t>ניתן לצייר את כמות המאפיינים מול השונות שניתן לקבל ולהחליט כמה מאפיינים נרצה לשמר</a:t>
+            </a:r>
+          </a:p>
+          <a:p>
+            <a:endParaRPr lang="he-IL" dirty="0"/>
+          </a:p>
+          <a:p>
+            <a:r>
+              <a:rPr lang="he-IL" dirty="0" err="1"/>
+              <a:t>חיסרונות</a:t>
+            </a:r>
+            <a:r>
+              <a:rPr lang="he-IL" dirty="0"/>
+              <a:t>:</a:t>
+            </a:r>
+          </a:p>
+          <a:p>
+            <a:pPr lvl="1"/>
+            <a:r>
+              <a:rPr lang="he-IL" dirty="0"/>
+              <a:t>דוגמא: החלטה האם קבוצה תעלה לגמר או לא:</a:t>
+            </a:r>
+          </a:p>
+          <a:p>
+            <a:pPr lvl="2"/>
+            <a:r>
+              <a:rPr lang="he-IL" dirty="0"/>
+              <a:t>השונות של ניצחונות קטנה יותר משונות של כמה השחקנים רצים</a:t>
+            </a:r>
+          </a:p>
+          <a:p>
+            <a:pPr marL="0" indent="0">
+              <a:buNone/>
+            </a:pPr>
+            <a:endParaRPr lang="he-IL" dirty="0"/>
+          </a:p>
+          <a:p>
+            <a:pPr marL="0" indent="0">
+              <a:buNone/>
+            </a:pPr>
+            <a:endParaRPr lang="he-IL" dirty="0"/>
+          </a:p>
+          <a:p>
+            <a:endParaRPr lang="he-IL" dirty="0"/>
+          </a:p>
+        </p:txBody>
+      </p:sp>
+      <p:pic>
+        <p:nvPicPr>
+          <p:cNvPr id="2050" name="Picture 2">
+            <a:extLst>
+              <a:ext uri="{FF2B5EF4-FFF2-40B4-BE49-F238E27FC236}">
+                <a16:creationId xmlns:a16="http://schemas.microsoft.com/office/drawing/2014/main" id="{F4C29B76-98F7-414C-82A9-243906693C3F}"/>
+              </a:ext>
+            </a:extLst>
+          </p:cNvPr>
+          <p:cNvPicPr>
+            <a:picLocks noChangeAspect="1" noChangeArrowheads="1"/>
+          </p:cNvPicPr>
+          <p:nvPr/>
+        </p:nvPicPr>
+        <p:blipFill>
+          <a:blip r:embed="rId2">
+            <a:extLst>
+              <a:ext uri="{28A0092B-C50C-407E-A947-70E740481C1C}">
+                <a14:useLocalDpi xmlns:a14="http://schemas.microsoft.com/office/drawing/2010/main" val="0"/>
+              </a:ext>
+            </a:extLst>
+          </a:blip>
+          <a:srcRect/>
+          <a:stretch>
+            <a:fillRect/>
+          </a:stretch>
+        </p:blipFill>
+        <p:spPr bwMode="auto">
+          <a:xfrm>
+            <a:off x="838200" y="4803223"/>
+            <a:ext cx="2654300" cy="1989646"/>
+          </a:xfrm>
+          <a:prstGeom prst="rect">
+            <a:avLst/>
+          </a:prstGeom>
+          <a:noFill/>
+          <a:extLst>
+            <a:ext uri="{909E8E84-426E-40DD-AFC4-6F175D3DCCD1}">
+              <a14:hiddenFill xmlns:a14="http://schemas.microsoft.com/office/drawing/2010/main">
+                <a:solidFill>
+                  <a:srgbClr val="FFFFFF"/>
+                </a:solidFill>
+              </a14:hiddenFill>
+            </a:ext>
+          </a:extLst>
+        </p:spPr>
+      </p:pic>
+      <p:pic>
+        <p:nvPicPr>
+          <p:cNvPr id="1026" name="Picture 2">
+            <a:extLst>
+              <a:ext uri="{FF2B5EF4-FFF2-40B4-BE49-F238E27FC236}">
+                <a16:creationId xmlns:a16="http://schemas.microsoft.com/office/drawing/2014/main" id="{F5707DA1-0442-42CA-851B-CE711F29EB85}"/>
+              </a:ext>
+            </a:extLst>
+          </p:cNvPr>
+          <p:cNvPicPr>
+            <a:picLocks noChangeAspect="1" noChangeArrowheads="1"/>
+          </p:cNvPicPr>
+          <p:nvPr/>
+        </p:nvPicPr>
+        <p:blipFill>
+          <a:blip r:embed="rId3">
+            <a:extLst>
+              <a:ext uri="{28A0092B-C50C-407E-A947-70E740481C1C}">
+                <a14:useLocalDpi xmlns:a14="http://schemas.microsoft.com/office/drawing/2010/main" val="0"/>
+              </a:ext>
+            </a:extLst>
+          </a:blip>
+          <a:srcRect/>
+          <a:stretch>
+            <a:fillRect/>
+          </a:stretch>
+        </p:blipFill>
+        <p:spPr bwMode="auto">
+          <a:xfrm>
+            <a:off x="838200" y="936349"/>
+            <a:ext cx="4400550" cy="3295650"/>
+          </a:xfrm>
+          <a:prstGeom prst="rect">
+            <a:avLst/>
+          </a:prstGeom>
+          <a:noFill/>
+          <a:extLst>
+            <a:ext uri="{909E8E84-426E-40DD-AFC4-6F175D3DCCD1}">
+              <a14:hiddenFill xmlns:a14="http://schemas.microsoft.com/office/drawing/2010/main">
+                <a:solidFill>
+                  <a:srgbClr val="FFFFFF"/>
+                </a:solidFill>
+              </a14:hiddenFill>
+            </a:ext>
+          </a:extLst>
+        </p:spPr>
+      </p:pic>
     </p:spTree>
     <p:extLst>
       <p:ext uri="{BB962C8B-B14F-4D97-AF65-F5344CB8AC3E}">
-        <p14:creationId xmlns:p14="http://schemas.microsoft.com/office/powerpoint/2010/main" val="982341496"/>
+        <p14:creationId xmlns:p14="http://schemas.microsoft.com/office/powerpoint/2010/main" val="1381736398"/>
       </p:ext>
     </p:extLst>
   </p:cSld>
@@ -3560,15 +3815,15 @@
           <p:cNvPr id="2" name="כותרת 1">
             <a:extLst>
               <a:ext uri="{FF2B5EF4-FFF2-40B4-BE49-F238E27FC236}">
-                <a16:creationId xmlns:a16="http://schemas.microsoft.com/office/drawing/2014/main" id="{2BC1A9AD-9E19-491F-AF62-BA5A076406F5}"/>
-              </a:ext>
-            </a:extLst>
-          </p:cNvPr>
-          <p:cNvSpPr>
-            <a:spLocks noGrp="1"/>
-          </p:cNvSpPr>
-          <p:nvPr>
-            <p:ph type="title"/>
+                <a16:creationId xmlns:a16="http://schemas.microsoft.com/office/drawing/2014/main" id="{12C43150-B25E-4D0E-BDF4-635BEFD8EF18}"/>
+              </a:ext>
+            </a:extLst>
+          </p:cNvPr>
+          <p:cNvSpPr>
+            <a:spLocks noGrp="1"/>
+          </p:cNvSpPr>
+          <p:nvPr>
+            <p:ph type="ctrTitle"/>
           </p:nvPr>
         </p:nvSpPr>
         <p:spPr/>
@@ -3580,35 +3835,24 @@
               <a:rPr lang="en-US" dirty="0"/>
               <a:t>Discretization</a:t>
             </a:r>
-            <a:r>
-              <a:rPr lang="he-IL" dirty="0"/>
-              <a:t> (נכון בבעיות </a:t>
-            </a:r>
-            <a:r>
-              <a:rPr lang="en-US" dirty="0" err="1"/>
-              <a:t>classifcation</a:t>
-            </a:r>
-            <a:r>
-              <a:rPr lang="he-IL" dirty="0"/>
-              <a:t>)</a:t>
-            </a:r>
-          </a:p>
-        </p:txBody>
-      </p:sp>
-      <p:sp>
-        <p:nvSpPr>
-          <p:cNvPr id="3" name="מציין מיקום תוכן 2">
-            <a:extLst>
-              <a:ext uri="{FF2B5EF4-FFF2-40B4-BE49-F238E27FC236}">
-                <a16:creationId xmlns:a16="http://schemas.microsoft.com/office/drawing/2014/main" id="{8EB8E186-549D-47BF-8B4C-614E6C38F188}"/>
-              </a:ext>
-            </a:extLst>
-          </p:cNvPr>
-          <p:cNvSpPr>
-            <a:spLocks noGrp="1"/>
-          </p:cNvSpPr>
-          <p:nvPr>
-            <p:ph idx="1"/>
+            <a:endParaRPr lang="he-IL" dirty="0"/>
+          </a:p>
+        </p:txBody>
+      </p:sp>
+      <p:sp>
+        <p:nvSpPr>
+          <p:cNvPr id="3" name="כותרת משנה 2">
+            <a:extLst>
+              <a:ext uri="{FF2B5EF4-FFF2-40B4-BE49-F238E27FC236}">
+                <a16:creationId xmlns:a16="http://schemas.microsoft.com/office/drawing/2014/main" id="{686F7E77-CF92-46E1-B497-C07D9D641FF9}"/>
+              </a:ext>
+            </a:extLst>
+          </p:cNvPr>
+          <p:cNvSpPr>
+            <a:spLocks noGrp="1"/>
+          </p:cNvSpPr>
+          <p:nvPr>
+            <p:ph type="subTitle" idx="1"/>
           </p:nvPr>
         </p:nvSpPr>
         <p:spPr/>
@@ -3616,44 +3860,14 @@
           <a:bodyPr/>
           <a:lstStyle/>
           <a:p>
-            <a:r>
-              <a:rPr lang="he-IL" dirty="0"/>
-              <a:t>מעבר לערכים בדידים (במקום רציפים)</a:t>
-            </a:r>
-          </a:p>
-          <a:p>
-            <a:r>
-              <a:rPr lang="he-IL" dirty="0"/>
-              <a:t>שיפור ביצועים</a:t>
-            </a:r>
-          </a:p>
-          <a:p>
-            <a:r>
-              <a:rPr lang="he-IL" dirty="0"/>
-              <a:t>קשה להחליט מאיזו נקודה עשרונית לבצע את חלקות הקבוצות</a:t>
-            </a:r>
-          </a:p>
-          <a:p>
-            <a:r>
-              <a:rPr lang="he-IL" dirty="0"/>
-              <a:t>שיטה </a:t>
-            </a:r>
-            <a:r>
-              <a:rPr lang="en-US" dirty="0"/>
-              <a:t>EWD - Equal Width </a:t>
-            </a:r>
-            <a:r>
-              <a:rPr lang="en-US" dirty="0" err="1"/>
-              <a:t>Discretiztion</a:t>
-            </a:r>
-            <a:endParaRPr lang="he-IL" dirty="0"/>
+            <a:endParaRPr lang="he-IL"/>
           </a:p>
         </p:txBody>
       </p:sp>
     </p:spTree>
     <p:extLst>
       <p:ext uri="{BB962C8B-B14F-4D97-AF65-F5344CB8AC3E}">
-        <p14:creationId xmlns:p14="http://schemas.microsoft.com/office/powerpoint/2010/main" val="128172501"/>
+        <p14:creationId xmlns:p14="http://schemas.microsoft.com/office/powerpoint/2010/main" val="982341496"/>
       </p:ext>
     </p:extLst>
   </p:cSld>
@@ -3685,7 +3899,7 @@
           <p:cNvPr id="2" name="כותרת 1">
             <a:extLst>
               <a:ext uri="{FF2B5EF4-FFF2-40B4-BE49-F238E27FC236}">
-                <a16:creationId xmlns:a16="http://schemas.microsoft.com/office/drawing/2014/main" id="{A52B7D8E-21EC-470E-A7BF-6A86AFAB0E58}"/>
+                <a16:creationId xmlns:a16="http://schemas.microsoft.com/office/drawing/2014/main" id="{2BC1A9AD-9E19-491F-AF62-BA5A076406F5}"/>
               </a:ext>
             </a:extLst>
           </p:cNvPr>
@@ -3703,143 +3917,82 @@
           <a:p>
             <a:r>
               <a:rPr lang="en-US" dirty="0"/>
-              <a:t>Feature Extraction</a:t>
+              <a:t>Discretization</a:t>
+            </a:r>
+            <a:r>
+              <a:rPr lang="he-IL" dirty="0"/>
+              <a:t> (נכון בבעיות </a:t>
+            </a:r>
+            <a:r>
+              <a:rPr lang="en-US" dirty="0" err="1"/>
+              <a:t>classifcation</a:t>
+            </a:r>
+            <a:r>
+              <a:rPr lang="he-IL" dirty="0"/>
+              <a:t>)</a:t>
+            </a:r>
+          </a:p>
+        </p:txBody>
+      </p:sp>
+      <p:sp>
+        <p:nvSpPr>
+          <p:cNvPr id="3" name="מציין מיקום תוכן 2">
+            <a:extLst>
+              <a:ext uri="{FF2B5EF4-FFF2-40B4-BE49-F238E27FC236}">
+                <a16:creationId xmlns:a16="http://schemas.microsoft.com/office/drawing/2014/main" id="{8EB8E186-549D-47BF-8B4C-614E6C38F188}"/>
+              </a:ext>
+            </a:extLst>
+          </p:cNvPr>
+          <p:cNvSpPr>
+            <a:spLocks noGrp="1"/>
+          </p:cNvSpPr>
+          <p:nvPr>
+            <p:ph idx="1"/>
+          </p:nvPr>
+        </p:nvSpPr>
+        <p:spPr/>
+        <p:txBody>
+          <a:bodyPr/>
+          <a:lstStyle/>
+          <a:p>
+            <a:r>
+              <a:rPr lang="he-IL" dirty="0"/>
+              <a:t>מעבר לערכים בדידים (במקום רציפים)</a:t>
+            </a:r>
+          </a:p>
+          <a:p>
+            <a:r>
+              <a:rPr lang="he-IL" dirty="0"/>
+              <a:t>שיפור ביצועים</a:t>
+            </a:r>
+          </a:p>
+          <a:p>
+            <a:r>
+              <a:rPr lang="he-IL" dirty="0"/>
+              <a:t>קשה להחליט מאיזו נקודה עשרונית לבצע את חלקות הקבוצות</a:t>
+            </a:r>
+          </a:p>
+          <a:p>
+            <a:r>
+              <a:rPr lang="he-IL" dirty="0"/>
+              <a:t>שיטה </a:t>
+            </a:r>
+            <a:r>
+              <a:rPr lang="en-US" dirty="0"/>
+              <a:t>EWD - Equal Width </a:t>
+            </a:r>
+            <a:r>
+              <a:rPr lang="en-US" dirty="0" err="1"/>
+              <a:t>Discretiztion</a:t>
             </a:r>
             <a:endParaRPr lang="he-IL" dirty="0"/>
-          </a:p>
-        </p:txBody>
-      </p:sp>
-      <p:sp>
-        <p:nvSpPr>
-          <p:cNvPr id="3" name="מציין מיקום תוכן 2">
-            <a:extLst>
-              <a:ext uri="{FF2B5EF4-FFF2-40B4-BE49-F238E27FC236}">
-                <a16:creationId xmlns:a16="http://schemas.microsoft.com/office/drawing/2014/main" id="{2F31AA13-BC0F-40A5-A9CA-93726CC322E6}"/>
-              </a:ext>
-            </a:extLst>
-          </p:cNvPr>
-          <p:cNvSpPr>
-            <a:spLocks noGrp="1"/>
-          </p:cNvSpPr>
-          <p:nvPr>
-            <p:ph idx="1"/>
-          </p:nvPr>
-        </p:nvSpPr>
-        <p:spPr>
-          <a:xfrm>
-            <a:off x="838200" y="1864954"/>
-            <a:ext cx="10515600" cy="4351338"/>
-          </a:xfrm>
-        </p:spPr>
-        <p:txBody>
-          <a:bodyPr/>
-          <a:lstStyle/>
-          <a:p>
-            <a:r>
-              <a:rPr lang="he-IL" dirty="0"/>
-              <a:t>יצירת מאפיינים חדשים (קטנים במספר מהמאפיינים המקוריים)</a:t>
-            </a:r>
-          </a:p>
-          <a:p>
-            <a:r>
-              <a:rPr lang="he-IL" dirty="0"/>
-              <a:t>ישנם מספר שיטות, דוגמא שימוש בשיטת </a:t>
-            </a:r>
-            <a:r>
-              <a:rPr lang="en-US"/>
-              <a:t>LDA</a:t>
-            </a:r>
-            <a:endParaRPr lang="he-IL" dirty="0"/>
-          </a:p>
-          <a:p>
-            <a:pPr lvl="1"/>
-            <a:r>
-              <a:rPr lang="he-IL" dirty="0"/>
-              <a:t>אלג’ </a:t>
-            </a:r>
-            <a:r>
-              <a:rPr lang="en-US" dirty="0"/>
-              <a:t> Unsupervised learning</a:t>
-            </a:r>
-            <a:r>
-              <a:rPr lang="he-IL" dirty="0"/>
-              <a:t> המוריד </a:t>
-            </a:r>
-            <a:r>
-              <a:rPr lang="he-IL" dirty="0" err="1"/>
-              <a:t>למימד</a:t>
-            </a:r>
-            <a:r>
-              <a:rPr lang="he-IL" dirty="0"/>
-              <a:t> קטן יותר (</a:t>
-            </a:r>
-            <a:r>
-              <a:rPr lang="he-IL" dirty="0" err="1"/>
-              <a:t>המימד</a:t>
-            </a:r>
-            <a:r>
-              <a:rPr lang="he-IL" dirty="0"/>
-              <a:t> לא ידוע).</a:t>
-            </a:r>
-          </a:p>
-          <a:p>
-            <a:pPr lvl="1"/>
-            <a:r>
-              <a:rPr lang="he-IL" dirty="0" err="1"/>
-              <a:t>האלג</a:t>
-            </a:r>
-            <a:r>
-              <a:rPr lang="he-IL" dirty="0"/>
-              <a:t>' משתמש בשונות של כל מאפיין ומכייל מחדש את השונות.</a:t>
-            </a:r>
-          </a:p>
-          <a:p>
-            <a:pPr lvl="2"/>
-            <a:r>
-              <a:rPr lang="he-IL" dirty="0"/>
-              <a:t>דוגמא: מספר דלתות לרכב (4 / 6) -&gt; הורדה ל 4 גלגלים לכל הרכבים.</a:t>
-            </a:r>
-          </a:p>
-          <a:p>
-            <a:pPr lvl="1"/>
-            <a:r>
-              <a:rPr lang="he-IL" dirty="0" err="1"/>
-              <a:t>האלג</a:t>
-            </a:r>
-            <a:r>
-              <a:rPr lang="he-IL" dirty="0"/>
-              <a:t>' שומר על השונות של מאפיינות בעלי שונות גבוהה</a:t>
-            </a:r>
-          </a:p>
-          <a:p>
-            <a:pPr lvl="1"/>
-            <a:r>
-              <a:rPr lang="he-IL" dirty="0"/>
-              <a:t>מבצעים הטלה למערכת צירים </a:t>
-            </a:r>
-            <a:r>
-              <a:rPr lang="he-IL" dirty="0" err="1"/>
-              <a:t>אורטוגונלית</a:t>
-            </a:r>
-            <a:r>
-              <a:rPr lang="he-IL" dirty="0"/>
-              <a:t> (</a:t>
-            </a:r>
-            <a:r>
-              <a:rPr lang="he-IL" dirty="0" err="1"/>
-              <a:t>מימד</a:t>
-            </a:r>
-            <a:r>
-              <a:rPr lang="he-IL" dirty="0"/>
-              <a:t> קטן אחר)</a:t>
-            </a:r>
           </a:p>
         </p:txBody>
       </p:sp>
     </p:spTree>
     <p:extLst>
       <p:ext uri="{BB962C8B-B14F-4D97-AF65-F5344CB8AC3E}">
-        <p14:creationId xmlns:p14="http://schemas.microsoft.com/office/powerpoint/2010/main" val="1502696528"/>
+        <p14:creationId xmlns:p14="http://schemas.microsoft.com/office/powerpoint/2010/main" val="128172501"/>
       </p:ext>
     </p:extLst>
   </p:cSld>
@@ -3871,7 +4024,7 @@
           <p:cNvPr id="2" name="כותרת 1">
             <a:extLst>
               <a:ext uri="{FF2B5EF4-FFF2-40B4-BE49-F238E27FC236}">
-                <a16:creationId xmlns:a16="http://schemas.microsoft.com/office/drawing/2014/main" id="{3486240C-977A-4EEE-BED3-3342583CD8DF}"/>
+                <a16:creationId xmlns:a16="http://schemas.microsoft.com/office/drawing/2014/main" id="{A52B7D8E-21EC-470E-A7BF-6A86AFAB0E58}"/>
               </a:ext>
             </a:extLst>
           </p:cNvPr>
@@ -3889,7 +4042,7 @@
           <a:p>
             <a:r>
               <a:rPr lang="en-US" dirty="0"/>
-              <a:t>Feature Engineering</a:t>
+              <a:t>Feature Extraction</a:t>
             </a:r>
             <a:endParaRPr lang="he-IL" dirty="0"/>
           </a:p>
@@ -3900,7 +4053,7 @@
           <p:cNvPr id="3" name="מציין מיקום תוכן 2">
             <a:extLst>
               <a:ext uri="{FF2B5EF4-FFF2-40B4-BE49-F238E27FC236}">
-                <a16:creationId xmlns:a16="http://schemas.microsoft.com/office/drawing/2014/main" id="{0CD0EFB5-C4CA-43D2-9FD5-45497940C413}"/>
+                <a16:creationId xmlns:a16="http://schemas.microsoft.com/office/drawing/2014/main" id="{2F31AA13-BC0F-40A5-A9CA-93726CC322E6}"/>
               </a:ext>
             </a:extLst>
           </p:cNvPr>
@@ -3911,75 +4064,121 @@
             <p:ph idx="1"/>
           </p:nvPr>
         </p:nvSpPr>
-        <p:spPr/>
+        <p:spPr>
+          <a:xfrm>
+            <a:off x="838200" y="1864954"/>
+            <a:ext cx="10515600" cy="4351338"/>
+          </a:xfrm>
+        </p:spPr>
         <p:txBody>
           <a:bodyPr/>
           <a:lstStyle/>
           <a:p>
             <a:r>
               <a:rPr lang="he-IL" dirty="0"/>
-              <a:t>המרת </a:t>
-            </a:r>
-            <a:r>
-              <a:rPr lang="en-US" dirty="0"/>
-              <a:t>Raw Data</a:t>
-            </a:r>
-            <a:r>
-              <a:rPr lang="he-IL" dirty="0"/>
-              <a:t> למאפיינים שמתאימים למודול</a:t>
-            </a:r>
-          </a:p>
-          <a:p>
-            <a:r>
-              <a:rPr lang="he-IL" dirty="0"/>
-              <a:t>דוגמאות:</a:t>
-            </a:r>
-          </a:p>
-          <a:p>
-            <a:pPr lvl="1"/>
-            <a:r>
-              <a:rPr lang="en-US" dirty="0"/>
-              <a:t>CNN (convolutional neural network)</a:t>
+              <a:t>יצירת מאפיינים חדשים (קטנים במספר מהמאפיינים המקוריים)</a:t>
+            </a:r>
+          </a:p>
+          <a:p>
+            <a:r>
+              <a:rPr lang="he-IL" dirty="0"/>
+              <a:t>ישנם מספר שיטות, דוגמא שימוש בשיטת </a:t>
+            </a:r>
+            <a:r>
+              <a:rPr lang="en-US"/>
+              <a:t>LDA</a:t>
             </a:r>
             <a:endParaRPr lang="he-IL" dirty="0"/>
           </a:p>
           <a:p>
+            <a:pPr lvl="1"/>
+            <a:r>
+              <a:rPr lang="he-IL" dirty="0"/>
+              <a:t>אלג’ </a:t>
+            </a:r>
+            <a:r>
+              <a:rPr lang="en-US" dirty="0"/>
+              <a:t> Unsupervised learning</a:t>
+            </a:r>
+            <a:r>
+              <a:rPr lang="he-IL" dirty="0"/>
+              <a:t> המוריד </a:t>
+            </a:r>
+            <a:r>
+              <a:rPr lang="he-IL" dirty="0" err="1"/>
+              <a:t>למימד</a:t>
+            </a:r>
+            <a:r>
+              <a:rPr lang="he-IL" dirty="0"/>
+              <a:t> קטן יותר (</a:t>
+            </a:r>
+            <a:r>
+              <a:rPr lang="he-IL" dirty="0" err="1"/>
+              <a:t>המימד</a:t>
+            </a:r>
+            <a:r>
+              <a:rPr lang="he-IL" dirty="0"/>
+              <a:t> לא ידוע).</a:t>
+            </a:r>
+          </a:p>
+          <a:p>
+            <a:pPr lvl="1"/>
+            <a:r>
+              <a:rPr lang="he-IL" dirty="0" err="1"/>
+              <a:t>האלג</a:t>
+            </a:r>
+            <a:r>
+              <a:rPr lang="he-IL" dirty="0"/>
+              <a:t>' משתמש בשונות של כל מאפיין ומכייל מחדש את השונות.</a:t>
+            </a:r>
+          </a:p>
+          <a:p>
             <a:pPr lvl="2"/>
             <a:r>
+              <a:rPr lang="he-IL" dirty="0"/>
+              <a:t>דוגמא: מספר דלתות לרכב (4 / 6) -&gt; הורדה ל 4 גלגלים לכל הרכבים.</a:t>
+            </a:r>
+          </a:p>
+          <a:p>
+            <a:pPr lvl="1"/>
+            <a:r>
               <a:rPr lang="he-IL" dirty="0" err="1"/>
-              <a:t>קונובולוציות</a:t>
-            </a:r>
-            <a:r>
-              <a:rPr lang="he-IL" dirty="0"/>
-              <a:t> ל </a:t>
-            </a:r>
-            <a:r>
-              <a:rPr lang="en-US" dirty="0"/>
-              <a:t>edge / shape </a:t>
-            </a:r>
-            <a:r>
-              <a:rPr lang="en-US" dirty="0" err="1"/>
-              <a:t>detecition</a:t>
-            </a:r>
-            <a:r>
-              <a:rPr lang="he-IL" dirty="0"/>
-              <a:t>.</a:t>
-            </a:r>
-          </a:p>
-          <a:p>
-            <a:pPr lvl="1"/>
-            <a:r>
-              <a:rPr lang="en-US" dirty="0"/>
-              <a:t>Word2Vec</a:t>
-            </a:r>
-            <a:endParaRPr lang="he-IL" dirty="0"/>
+              <a:t>האלג</a:t>
+            </a:r>
+            <a:r>
+              <a:rPr lang="he-IL" dirty="0"/>
+              <a:t>' שומר על השונות של מאפיינות בעלי שונות גבוהה</a:t>
+            </a:r>
+          </a:p>
+          <a:p>
+            <a:pPr lvl="1"/>
+            <a:r>
+              <a:rPr lang="he-IL" dirty="0"/>
+              <a:t>מבצעים הטלה למערכת צירים </a:t>
+            </a:r>
+            <a:r>
+              <a:rPr lang="he-IL" dirty="0" err="1"/>
+              <a:t>אורטוגונלית</a:t>
+            </a:r>
+            <a:r>
+              <a:rPr lang="he-IL" dirty="0"/>
+              <a:t> (</a:t>
+            </a:r>
+            <a:r>
+              <a:rPr lang="he-IL" dirty="0" err="1"/>
+              <a:t>מימד</a:t>
+            </a:r>
+            <a:r>
+              <a:rPr lang="he-IL" dirty="0"/>
+              <a:t> קטן אחר)</a:t>
+            </a:r>
           </a:p>
         </p:txBody>
       </p:sp>
     </p:spTree>
     <p:extLst>
       <p:ext uri="{BB962C8B-B14F-4D97-AF65-F5344CB8AC3E}">
-        <p14:creationId xmlns:p14="http://schemas.microsoft.com/office/powerpoint/2010/main" val="2909546048"/>
+        <p14:creationId xmlns:p14="http://schemas.microsoft.com/office/powerpoint/2010/main" val="1502696528"/>
       </p:ext>
     </p:extLst>
   </p:cSld>
@@ -4011,15 +4210,15 @@
           <p:cNvPr id="2" name="כותרת 1">
             <a:extLst>
               <a:ext uri="{FF2B5EF4-FFF2-40B4-BE49-F238E27FC236}">
-                <a16:creationId xmlns:a16="http://schemas.microsoft.com/office/drawing/2014/main" id="{12C43150-B25E-4D0E-BDF4-635BEFD8EF18}"/>
-              </a:ext>
-            </a:extLst>
-          </p:cNvPr>
-          <p:cNvSpPr>
-            <a:spLocks noGrp="1"/>
-          </p:cNvSpPr>
-          <p:nvPr>
-            <p:ph type="ctrTitle"/>
+                <a16:creationId xmlns:a16="http://schemas.microsoft.com/office/drawing/2014/main" id="{3486240C-977A-4EEE-BED3-3342583CD8DF}"/>
+              </a:ext>
+            </a:extLst>
+          </p:cNvPr>
+          <p:cNvSpPr>
+            <a:spLocks noGrp="1"/>
+          </p:cNvSpPr>
+          <p:nvPr>
+            <p:ph type="title"/>
           </p:nvPr>
         </p:nvSpPr>
         <p:spPr/>
@@ -4028,42 +4227,98 @@
           <a:lstStyle/>
           <a:p>
             <a:r>
+              <a:rPr lang="en-US" dirty="0"/>
+              <a:t>Feature Engineering</a:t>
+            </a:r>
+            <a:endParaRPr lang="he-IL" dirty="0"/>
+          </a:p>
+        </p:txBody>
+      </p:sp>
+      <p:sp>
+        <p:nvSpPr>
+          <p:cNvPr id="3" name="מציין מיקום תוכן 2">
+            <a:extLst>
+              <a:ext uri="{FF2B5EF4-FFF2-40B4-BE49-F238E27FC236}">
+                <a16:creationId xmlns:a16="http://schemas.microsoft.com/office/drawing/2014/main" id="{0CD0EFB5-C4CA-43D2-9FD5-45497940C413}"/>
+              </a:ext>
+            </a:extLst>
+          </p:cNvPr>
+          <p:cNvSpPr>
+            <a:spLocks noGrp="1"/>
+          </p:cNvSpPr>
+          <p:nvPr>
+            <p:ph idx="1"/>
+          </p:nvPr>
+        </p:nvSpPr>
+        <p:spPr/>
+        <p:txBody>
+          <a:bodyPr/>
+          <a:lstStyle/>
+          <a:p>
+            <a:r>
+              <a:rPr lang="he-IL" dirty="0"/>
+              <a:t>המרת </a:t>
+            </a:r>
+            <a:r>
+              <a:rPr lang="en-US" dirty="0"/>
+              <a:t>Raw Data</a:t>
+            </a:r>
+            <a:r>
+              <a:rPr lang="he-IL" dirty="0"/>
+              <a:t> למאפיינים שמתאימים למודול</a:t>
+            </a:r>
+          </a:p>
+          <a:p>
+            <a:r>
+              <a:rPr lang="he-IL" dirty="0"/>
+              <a:t>דוגמאות:</a:t>
+            </a:r>
+          </a:p>
+          <a:p>
+            <a:pPr lvl="1"/>
+            <a:r>
+              <a:rPr lang="en-US" dirty="0"/>
+              <a:t>CNN (convolutional neural network)</a:t>
+            </a:r>
+            <a:endParaRPr lang="he-IL" dirty="0"/>
+          </a:p>
+          <a:p>
+            <a:pPr lvl="2"/>
+            <a:r>
+              <a:rPr lang="he-IL" dirty="0" err="1"/>
+              <a:t>קונובולוציות</a:t>
+            </a:r>
+            <a:r>
+              <a:rPr lang="he-IL" dirty="0"/>
+              <a:t> ל </a:t>
+            </a:r>
+            <a:r>
+              <a:rPr lang="en-US" dirty="0"/>
+              <a:t>edge / shape </a:t>
+            </a:r>
+            <a:r>
               <a:rPr lang="en-US" dirty="0" err="1"/>
-              <a:t>sklearn</a:t>
+              <a:t>detecition</a:t>
+            </a:r>
+            <a:r>
+              <a:rPr lang="he-IL" dirty="0"/>
+              <a:t>.</a:t>
+            </a:r>
+          </a:p>
+          <a:p>
+            <a:pPr lvl="1"/>
+            <a:r>
+              <a:rPr lang="en-US" dirty="0"/>
+              <a:t>Word2Vec</a:t>
             </a:r>
             <a:endParaRPr lang="he-IL" dirty="0"/>
-          </a:p>
-        </p:txBody>
-      </p:sp>
-      <p:sp>
-        <p:nvSpPr>
-          <p:cNvPr id="3" name="כותרת משנה 2">
-            <a:extLst>
-              <a:ext uri="{FF2B5EF4-FFF2-40B4-BE49-F238E27FC236}">
-                <a16:creationId xmlns:a16="http://schemas.microsoft.com/office/drawing/2014/main" id="{686F7E77-CF92-46E1-B497-C07D9D641FF9}"/>
-              </a:ext>
-            </a:extLst>
-          </p:cNvPr>
-          <p:cNvSpPr>
-            <a:spLocks noGrp="1"/>
-          </p:cNvSpPr>
-          <p:nvPr>
-            <p:ph type="subTitle" idx="1"/>
-          </p:nvPr>
-        </p:nvSpPr>
-        <p:spPr/>
-        <p:txBody>
-          <a:bodyPr/>
-          <a:lstStyle/>
-          <a:p>
-            <a:endParaRPr lang="he-IL"/>
           </a:p>
         </p:txBody>
       </p:sp>
     </p:spTree>
     <p:extLst>
       <p:ext uri="{BB962C8B-B14F-4D97-AF65-F5344CB8AC3E}">
-        <p14:creationId xmlns:p14="http://schemas.microsoft.com/office/powerpoint/2010/main" val="2091960017"/>
+        <p14:creationId xmlns:p14="http://schemas.microsoft.com/office/powerpoint/2010/main" val="2909546048"/>
       </p:ext>
     </p:extLst>
   </p:cSld>
@@ -4095,15 +4350,15 @@
           <p:cNvPr id="2" name="כותרת 1">
             <a:extLst>
               <a:ext uri="{FF2B5EF4-FFF2-40B4-BE49-F238E27FC236}">
-                <a16:creationId xmlns:a16="http://schemas.microsoft.com/office/drawing/2014/main" id="{90005FD2-086E-40DF-822B-68D7E362F02F}"/>
-              </a:ext>
-            </a:extLst>
-          </p:cNvPr>
-          <p:cNvSpPr>
-            <a:spLocks noGrp="1"/>
-          </p:cNvSpPr>
-          <p:nvPr>
-            <p:ph type="title"/>
+                <a16:creationId xmlns:a16="http://schemas.microsoft.com/office/drawing/2014/main" id="{12C43150-B25E-4D0E-BDF4-635BEFD8EF18}"/>
+              </a:ext>
+            </a:extLst>
+          </p:cNvPr>
+          <p:cNvSpPr>
+            <a:spLocks noGrp="1"/>
+          </p:cNvSpPr>
+          <p:nvPr>
+            <p:ph type="ctrTitle"/>
           </p:nvPr>
         </p:nvSpPr>
         <p:spPr/>
@@ -4121,18 +4376,18 @@
       </p:sp>
       <p:sp>
         <p:nvSpPr>
-          <p:cNvPr id="3" name="מציין מיקום תוכן 2">
-            <a:extLst>
-              <a:ext uri="{FF2B5EF4-FFF2-40B4-BE49-F238E27FC236}">
-                <a16:creationId xmlns:a16="http://schemas.microsoft.com/office/drawing/2014/main" id="{BCE417BC-5B65-43A3-94AD-916C61D70A9B}"/>
-              </a:ext>
-            </a:extLst>
-          </p:cNvPr>
-          <p:cNvSpPr>
-            <a:spLocks noGrp="1"/>
-          </p:cNvSpPr>
-          <p:nvPr>
-            <p:ph idx="1"/>
+          <p:cNvPr id="3" name="כותרת משנה 2">
+            <a:extLst>
+              <a:ext uri="{FF2B5EF4-FFF2-40B4-BE49-F238E27FC236}">
+                <a16:creationId xmlns:a16="http://schemas.microsoft.com/office/drawing/2014/main" id="{686F7E77-CF92-46E1-B497-C07D9D641FF9}"/>
+              </a:ext>
+            </a:extLst>
+          </p:cNvPr>
+          <p:cNvSpPr>
+            <a:spLocks noGrp="1"/>
+          </p:cNvSpPr>
+          <p:nvPr>
+            <p:ph type="subTitle" idx="1"/>
           </p:nvPr>
         </p:nvSpPr>
         <p:spPr/>
@@ -4140,136 +4395,14 @@
           <a:bodyPr/>
           <a:lstStyle/>
           <a:p>
-            <a:r>
-              <a:rPr lang="en-US" dirty="0"/>
-              <a:t>Fit()</a:t>
-            </a:r>
-            <a:r>
-              <a:rPr lang="he-IL" dirty="0"/>
-              <a:t> </a:t>
-            </a:r>
-          </a:p>
-          <a:p>
-            <a:pPr lvl="1"/>
-            <a:r>
-              <a:rPr lang="he-IL" dirty="0"/>
-              <a:t>הכנת חישובים לקראת ביצוע.</a:t>
-            </a:r>
-          </a:p>
-          <a:p>
-            <a:pPr lvl="1"/>
-            <a:r>
-              <a:rPr lang="he-IL" dirty="0"/>
-              <a:t>לדוגמא: חישוב </a:t>
-            </a:r>
-            <a:r>
-              <a:rPr lang="en-US" dirty="0"/>
-              <a:t>Mean</a:t>
-            </a:r>
-            <a:r>
-              <a:rPr lang="he-IL" dirty="0"/>
-              <a:t> עבור שימוש מאוחר יותר להחלפת </a:t>
-            </a:r>
-            <a:r>
-              <a:rPr lang="en-US" dirty="0"/>
-              <a:t>NULL</a:t>
-            </a:r>
-          </a:p>
-          <a:p>
-            <a:pPr lvl="1"/>
-            <a:r>
-              <a:rPr lang="he-IL" dirty="0"/>
-              <a:t>דוגמא נוספת: אימון ה </a:t>
-            </a:r>
-            <a:r>
-              <a:rPr lang="en-US" dirty="0"/>
-              <a:t>test data</a:t>
-            </a:r>
-            <a:endParaRPr lang="he-IL" dirty="0"/>
-          </a:p>
-          <a:p>
-            <a:r>
-              <a:rPr lang="en-US" dirty="0"/>
-              <a:t>Transform()</a:t>
-            </a:r>
-            <a:r>
-              <a:rPr lang="he-IL" dirty="0"/>
-              <a:t> </a:t>
-            </a:r>
-          </a:p>
-          <a:p>
-            <a:pPr lvl="1"/>
-            <a:r>
-              <a:rPr lang="he-IL" dirty="0"/>
-              <a:t> ביצוע בפועל של פעולה, שהכנו קודם. </a:t>
-            </a:r>
-          </a:p>
-          <a:p>
-            <a:pPr lvl="1"/>
-            <a:r>
-              <a:rPr lang="he-IL" dirty="0"/>
-              <a:t>לדוגמא: החלפת כל ה </a:t>
-            </a:r>
-            <a:r>
-              <a:rPr lang="en-US" dirty="0"/>
-              <a:t>NULL</a:t>
-            </a:r>
-            <a:r>
-              <a:rPr lang="he-IL" dirty="0"/>
-              <a:t>ים ע"י ערך ה </a:t>
-            </a:r>
-            <a:r>
-              <a:rPr lang="en-US" dirty="0"/>
-              <a:t>mean</a:t>
-            </a:r>
-            <a:r>
-              <a:rPr lang="he-IL" dirty="0"/>
-              <a:t> שחושב ב </a:t>
-            </a:r>
-            <a:r>
-              <a:rPr lang="en-US" dirty="0"/>
-              <a:t>FIT()</a:t>
-            </a:r>
-            <a:endParaRPr lang="he-IL" dirty="0"/>
-          </a:p>
-          <a:p>
-            <a:pPr lvl="1"/>
-            <a:r>
-              <a:rPr lang="he-IL" dirty="0"/>
-              <a:t>ערך חזרה: ערכים מעודכנים </a:t>
-            </a:r>
-          </a:p>
-          <a:p>
-            <a:r>
-              <a:rPr lang="he-IL" dirty="0"/>
-              <a:t> </a:t>
-            </a:r>
-            <a:r>
-              <a:rPr lang="en-US" dirty="0" err="1"/>
-              <a:t>fit_transform</a:t>
-            </a:r>
-            <a:r>
-              <a:rPr lang="en-US" dirty="0"/>
-              <a:t>()</a:t>
-            </a:r>
-            <a:r>
-              <a:rPr lang="he-IL" dirty="0"/>
-              <a:t> </a:t>
-            </a:r>
-          </a:p>
-          <a:p>
-            <a:pPr lvl="1"/>
-            <a:r>
-              <a:rPr lang="he-IL" dirty="0"/>
-              <a:t>ביצוע שתי הפעולות ביחד</a:t>
-            </a:r>
+            <a:endParaRPr lang="he-IL"/>
           </a:p>
         </p:txBody>
       </p:sp>
     </p:spTree>
     <p:extLst>
       <p:ext uri="{BB962C8B-B14F-4D97-AF65-F5344CB8AC3E}">
-        <p14:creationId xmlns:p14="http://schemas.microsoft.com/office/powerpoint/2010/main" val="2753006789"/>
+        <p14:creationId xmlns:p14="http://schemas.microsoft.com/office/powerpoint/2010/main" val="2091960017"/>
       </p:ext>
     </p:extLst>
   </p:cSld>
@@ -4301,7 +4434,7 @@
           <p:cNvPr id="2" name="כותרת 1">
             <a:extLst>
               <a:ext uri="{FF2B5EF4-FFF2-40B4-BE49-F238E27FC236}">
-                <a16:creationId xmlns:a16="http://schemas.microsoft.com/office/drawing/2014/main" id="{E0C18051-C59A-43AC-B8B9-14675043C93A}"/>
+                <a16:creationId xmlns:a16="http://schemas.microsoft.com/office/drawing/2014/main" id="{90005FD2-086E-40DF-822B-68D7E362F02F}"/>
               </a:ext>
             </a:extLst>
           </p:cNvPr>
@@ -4330,7 +4463,7 @@
           <p:cNvPr id="3" name="מציין מיקום תוכן 2">
             <a:extLst>
               <a:ext uri="{FF2B5EF4-FFF2-40B4-BE49-F238E27FC236}">
-                <a16:creationId xmlns:a16="http://schemas.microsoft.com/office/drawing/2014/main" id="{9FA414EA-6318-408D-B824-8B689BF6D3D2}"/>
+                <a16:creationId xmlns:a16="http://schemas.microsoft.com/office/drawing/2014/main" id="{BCE417BC-5B65-43A3-94AD-916C61D70A9B}"/>
               </a:ext>
             </a:extLst>
           </p:cNvPr>
@@ -4347,85 +4480,135 @@
           <a:lstStyle/>
           <a:p>
             <a:r>
+              <a:rPr lang="en-US" dirty="0"/>
+              <a:t>Fit()</a:t>
+            </a:r>
+            <a:r>
+              <a:rPr lang="he-IL" dirty="0"/>
+              <a:t> </a:t>
+            </a:r>
+          </a:p>
+          <a:p>
+            <a:pPr lvl="1"/>
+            <a:r>
+              <a:rPr lang="he-IL" dirty="0"/>
+              <a:t>הכנת חישובים לקראת ביצוע.</a:t>
+            </a:r>
+          </a:p>
+          <a:p>
+            <a:pPr lvl="1"/>
+            <a:r>
+              <a:rPr lang="he-IL" dirty="0"/>
+              <a:t>לדוגמא: חישוב </a:t>
+            </a:r>
+            <a:r>
+              <a:rPr lang="en-US" dirty="0"/>
+              <a:t>Mean</a:t>
+            </a:r>
+            <a:r>
+              <a:rPr lang="he-IL" dirty="0"/>
+              <a:t> עבור שימוש מאוחר יותר להחלפת </a:t>
+            </a:r>
+            <a:r>
+              <a:rPr lang="en-US" dirty="0"/>
+              <a:t>NULL</a:t>
+            </a:r>
+          </a:p>
+          <a:p>
+            <a:pPr lvl="1"/>
+            <a:r>
+              <a:rPr lang="he-IL" dirty="0"/>
+              <a:t>דוגמא נוספת: אימון ה </a:t>
+            </a:r>
+            <a:r>
+              <a:rPr lang="en-US" dirty="0"/>
+              <a:t>test data</a:t>
+            </a:r>
+            <a:endParaRPr lang="he-IL" dirty="0"/>
+          </a:p>
+          <a:p>
+            <a:r>
+              <a:rPr lang="en-US" dirty="0"/>
+              <a:t>Transform()</a:t>
+            </a:r>
+            <a:r>
+              <a:rPr lang="he-IL" dirty="0"/>
+              <a:t> </a:t>
+            </a:r>
+          </a:p>
+          <a:p>
+            <a:pPr lvl="1"/>
+            <a:r>
+              <a:rPr lang="he-IL" dirty="0"/>
+              <a:t> ביצוע בפועל של פעולה, שהכנו קודם. </a:t>
+            </a:r>
+          </a:p>
+          <a:p>
+            <a:pPr lvl="1"/>
+            <a:r>
+              <a:rPr lang="he-IL" dirty="0"/>
+              <a:t>לדוגמא: החלפת כל ה </a:t>
+            </a:r>
+            <a:r>
+              <a:rPr lang="en-US" dirty="0"/>
+              <a:t>NULL</a:t>
+            </a:r>
+            <a:r>
+              <a:rPr lang="he-IL" dirty="0"/>
+              <a:t>ים ע"י ערך ה </a:t>
+            </a:r>
+            <a:r>
+              <a:rPr lang="en-US" dirty="0"/>
+              <a:t>mean</a:t>
+            </a:r>
+            <a:r>
+              <a:rPr lang="he-IL" dirty="0"/>
+              <a:t> שחושב ב </a:t>
+            </a:r>
+            <a:r>
+              <a:rPr lang="en-US" dirty="0"/>
+              <a:t>FIT()</a:t>
+            </a:r>
+            <a:endParaRPr lang="he-IL" dirty="0"/>
+          </a:p>
+          <a:p>
+            <a:pPr lvl="1"/>
+            <a:r>
+              <a:rPr lang="he-IL" dirty="0"/>
+              <a:t>ערך חזרה: ערכים מעודכנים </a:t>
+            </a:r>
+          </a:p>
+          <a:p>
+            <a:r>
+              <a:rPr lang="he-IL" dirty="0"/>
+              <a:t> </a:t>
+            </a:r>
+            <a:r>
               <a:rPr lang="en-US" dirty="0" err="1"/>
-              <a:t>cross_val_score</a:t>
-            </a:r>
-            <a:endParaRPr lang="he-IL" dirty="0"/>
-          </a:p>
-          <a:p>
-            <a:pPr lvl="1"/>
-            <a:r>
-              <a:rPr lang="he-IL" dirty="0"/>
-              <a:t>מספק את תוצאות ה </a:t>
-            </a:r>
-            <a:r>
-              <a:rPr lang="en-US" dirty="0"/>
-              <a:t>SCORE</a:t>
-            </a:r>
-            <a:r>
-              <a:rPr lang="he-IL" dirty="0"/>
-              <a:t> של </a:t>
-            </a:r>
-            <a:r>
-              <a:rPr lang="en-US" dirty="0"/>
-              <a:t>KFOLD</a:t>
-            </a:r>
-          </a:p>
-          <a:p>
-            <a:r>
-              <a:rPr lang="en-US" dirty="0" err="1"/>
-              <a:t>cross_validate</a:t>
-            </a:r>
-            <a:endParaRPr lang="he-IL" dirty="0"/>
-          </a:p>
-          <a:p>
-            <a:pPr lvl="1"/>
-            <a:r>
-              <a:rPr lang="he-IL" dirty="0"/>
-              <a:t>ניתן להכניס מספר פרמטרים לבחינה (סוגי </a:t>
-            </a:r>
-            <a:r>
-              <a:rPr lang="en-US" dirty="0"/>
-              <a:t>score</a:t>
-            </a:r>
-            <a:r>
-              <a:rPr lang="he-IL" dirty="0"/>
-              <a:t>) ולקבל את התוצאות.</a:t>
-            </a:r>
-            <a:endParaRPr lang="en-US" dirty="0"/>
-          </a:p>
-          <a:p>
-            <a:r>
-              <a:rPr lang="en-US" dirty="0" err="1"/>
-              <a:t>cross_val_predict</a:t>
-            </a:r>
-            <a:r>
-              <a:rPr lang="en-US" dirty="0"/>
+              <a:t>fit_transform</a:t>
+            </a:r>
+            <a:r>
+              <a:rPr lang="en-US" dirty="0"/>
+              <a:t>()</a:t>
+            </a:r>
+            <a:r>
+              <a:rPr lang="he-IL" dirty="0"/>
               <a:t> </a:t>
             </a:r>
-            <a:endParaRPr lang="he-IL" dirty="0"/>
-          </a:p>
-          <a:p>
-            <a:pPr lvl="1"/>
-            <a:r>
-              <a:rPr lang="he-IL" dirty="0"/>
-              <a:t>מספק את החיזוי של </a:t>
-            </a:r>
-            <a:r>
-              <a:rPr lang="en-US" dirty="0"/>
-              <a:t>KFOLD</a:t>
-            </a:r>
-          </a:p>
-          <a:p>
-            <a:pPr lvl="1"/>
-            <a:endParaRPr lang="he-IL" dirty="0"/>
+          </a:p>
+          <a:p>
+            <a:pPr lvl="1"/>
+            <a:r>
+              <a:rPr lang="he-IL" dirty="0"/>
+              <a:t>ביצוע שתי הפעולות ביחד</a:t>
+            </a:r>
           </a:p>
         </p:txBody>
       </p:sp>
     </p:spTree>
     <p:extLst>
       <p:ext uri="{BB962C8B-B14F-4D97-AF65-F5344CB8AC3E}">
-        <p14:creationId xmlns:p14="http://schemas.microsoft.com/office/powerpoint/2010/main" val="1210100940"/>
+        <p14:creationId xmlns:p14="http://schemas.microsoft.com/office/powerpoint/2010/main" val="2753006789"/>
       </p:ext>
     </p:extLst>
   </p:cSld>
@@ -4457,7 +4640,7 @@
           <p:cNvPr id="2" name="כותרת 1">
             <a:extLst>
               <a:ext uri="{FF2B5EF4-FFF2-40B4-BE49-F238E27FC236}">
-                <a16:creationId xmlns:a16="http://schemas.microsoft.com/office/drawing/2014/main" id="{B6D04E84-D70E-4F19-962B-30D48FBC491D}"/>
+                <a16:creationId xmlns:a16="http://schemas.microsoft.com/office/drawing/2014/main" id="{E0C18051-C59A-43AC-B8B9-14675043C93A}"/>
               </a:ext>
             </a:extLst>
           </p:cNvPr>
@@ -4473,18 +4656,11 @@
           <a:bodyPr/>
           <a:lstStyle/>
           <a:p>
-            <a:r>
-              <a:rPr lang="he-IL" dirty="0"/>
-              <a:t>תובנות </a:t>
-            </a:r>
             <a:r>
               <a:rPr lang="en-US" dirty="0" err="1"/>
               <a:t>sklearn</a:t>
             </a:r>
-            <a:r>
-              <a:rPr lang="he-IL" dirty="0"/>
-              <a:t>	</a:t>
-            </a:r>
+            <a:endParaRPr lang="he-IL" dirty="0"/>
           </a:p>
         </p:txBody>
       </p:sp>
@@ -4493,7 +4669,7 @@
           <p:cNvPr id="3" name="מציין מיקום תוכן 2">
             <a:extLst>
               <a:ext uri="{FF2B5EF4-FFF2-40B4-BE49-F238E27FC236}">
-                <a16:creationId xmlns:a16="http://schemas.microsoft.com/office/drawing/2014/main" id="{C132CF0B-24E0-4C0D-85E7-8DF7FAE63F98}"/>
+                <a16:creationId xmlns:a16="http://schemas.microsoft.com/office/drawing/2014/main" id="{9FA414EA-6318-408D-B824-8B689BF6D3D2}"/>
               </a:ext>
             </a:extLst>
           </p:cNvPr>
@@ -4510,87 +4686,61 @@
           <a:lstStyle/>
           <a:p>
             <a:r>
-              <a:rPr lang="he-IL" dirty="0"/>
-              <a:t>לדעתי לא כדאי להשתמש ב </a:t>
-            </a:r>
-            <a:r>
-              <a:rPr lang="en-US" dirty="0"/>
-              <a:t>filter model</a:t>
-            </a:r>
-            <a:r>
-              <a:rPr lang="he-IL" dirty="0"/>
-              <a:t>:</a:t>
-            </a:r>
-          </a:p>
-          <a:p>
-            <a:pPr lvl="1"/>
-            <a:r>
               <a:rPr lang="en-US" dirty="0" err="1"/>
-              <a:t>SelectKBest</a:t>
-            </a:r>
-            <a:r>
-              <a:rPr lang="he-IL" dirty="0"/>
-              <a:t> (אשר מקבל את סוג ה </a:t>
-            </a:r>
+              <a:t>cross_val_score</a:t>
+            </a:r>
+            <a:endParaRPr lang="he-IL" dirty="0"/>
+          </a:p>
+          <a:p>
+            <a:pPr lvl="1"/>
+            <a:r>
+              <a:rPr lang="he-IL" dirty="0"/>
+              <a:t>מספק את תוצאות ה </a:t>
+            </a:r>
+            <a:r>
+              <a:rPr lang="en-US" dirty="0"/>
+              <a:t>SCORE</a:t>
+            </a:r>
+            <a:r>
+              <a:rPr lang="he-IL" dirty="0"/>
+              <a:t> של </a:t>
+            </a:r>
+            <a:r>
+              <a:rPr lang="en-US" dirty="0"/>
+              <a:t>KFOLD</a:t>
+            </a:r>
+          </a:p>
+          <a:p>
             <a:r>
               <a:rPr lang="en-US" dirty="0" err="1"/>
-              <a:t>filtter</a:t>
-            </a:r>
-            <a:r>
-              <a:rPr lang="en-US" dirty="0"/>
-              <a:t>: </a:t>
-            </a:r>
+              <a:t>cross_validate</a:t>
+            </a:r>
+            <a:endParaRPr lang="he-IL" dirty="0"/>
+          </a:p>
+          <a:p>
+            <a:pPr lvl="1"/>
+            <a:r>
+              <a:rPr lang="he-IL" dirty="0"/>
+              <a:t>ניתן להכניס מספר פרמטרים לבחינה (סוגי </a:t>
+            </a:r>
+            <a:r>
+              <a:rPr lang="en-US" dirty="0"/>
+              <a:t>score</a:t>
+            </a:r>
+            <a:r>
+              <a:rPr lang="he-IL" dirty="0"/>
+              <a:t>) ולקבל את התוצאות.</a:t>
+            </a:r>
+            <a:endParaRPr lang="en-US" dirty="0"/>
+          </a:p>
+          <a:p>
             <a:r>
               <a:rPr lang="en-US" dirty="0" err="1"/>
-              <a:t>correation</a:t>
-            </a:r>
-            <a:r>
-              <a:rPr lang="en-US" dirty="0"/>
-              <a:t>/MI</a:t>
-            </a:r>
-            <a:r>
-              <a:rPr lang="he-IL" dirty="0"/>
-              <a:t> וכד') מקבל גם את מספר ה </a:t>
-            </a:r>
-            <a:r>
-              <a:rPr lang="en-US" dirty="0"/>
-              <a:t>feature</a:t>
-            </a:r>
-            <a:r>
-              <a:rPr lang="he-IL" dirty="0"/>
-              <a:t>ים שעליו להחזיר.</a:t>
-            </a:r>
-          </a:p>
-          <a:p>
-            <a:r>
-              <a:rPr lang="he-IL" dirty="0"/>
-              <a:t>עבור </a:t>
-            </a:r>
-            <a:r>
-              <a:rPr lang="en-US" dirty="0"/>
-              <a:t>filter model</a:t>
-            </a:r>
-            <a:r>
-              <a:rPr lang="he-IL" dirty="0"/>
-              <a:t> לא רואה טעם לבדוק אופציות שונות: </a:t>
-            </a:r>
-            <a:r>
-              <a:rPr lang="en-US" dirty="0" err="1"/>
-              <a:t>corr</a:t>
-            </a:r>
-            <a:r>
-              <a:rPr lang="en-US" dirty="0"/>
-              <a:t>/MI</a:t>
-            </a:r>
-            <a:r>
-              <a:rPr lang="he-IL" dirty="0"/>
-              <a:t> וכד’</a:t>
-            </a:r>
-          </a:p>
-          <a:p>
-            <a:r>
-              <a:rPr lang="en-US" dirty="0"/>
-              <a:t>Wrapper model</a:t>
+              <a:t>cross_val_predict</a:t>
+            </a:r>
+            <a:r>
+              <a:rPr lang="en-US" dirty="0"/>
+              <a:t> </a:t>
             </a:r>
             <a:endParaRPr lang="he-IL" dirty="0"/>
           </a:p>
@@ -4598,75 +4748,23 @@
             <a:pPr lvl="1"/>
             <a:r>
               <a:rPr lang="he-IL" dirty="0"/>
-              <a:t>אין תמיכה ב </a:t>
-            </a:r>
-            <a:r>
-              <a:rPr lang="en-US" dirty="0"/>
-              <a:t>stepwise regression</a:t>
-            </a:r>
-            <a:r>
-              <a:rPr lang="he-IL" dirty="0"/>
-              <a:t> (כי מבוסס </a:t>
-            </a:r>
-            <a:r>
-              <a:rPr lang="en-US" dirty="0"/>
-              <a:t>p-value</a:t>
-            </a:r>
-            <a:r>
-              <a:rPr lang="he-IL" dirty="0"/>
-              <a:t> שנתמך רק ב </a:t>
-            </a:r>
-            <a:r>
-              <a:rPr lang="en-US" dirty="0"/>
-              <a:t>linear regression</a:t>
-            </a:r>
-            <a:r>
-              <a:rPr lang="he-IL" dirty="0"/>
-              <a:t>)</a:t>
-            </a:r>
-          </a:p>
-          <a:p>
-            <a:r>
-              <a:rPr lang="he-IL" dirty="0"/>
-              <a:t>ניתן להריץ עם </a:t>
-            </a:r>
-            <a:r>
-              <a:rPr lang="en-US" dirty="0" err="1"/>
-              <a:t>n_jobs</a:t>
-            </a:r>
-            <a:r>
-              <a:rPr lang="en-US" dirty="0"/>
-              <a:t>=-1</a:t>
-            </a:r>
-            <a:r>
-              <a:rPr lang="he-IL" dirty="0"/>
-              <a:t> ולנצל מספר ליבות (ב </a:t>
-            </a:r>
-            <a:r>
-              <a:rPr lang="en-US" dirty="0" err="1"/>
-              <a:t>kfold</a:t>
-            </a:r>
-            <a:r>
-              <a:rPr lang="he-IL" dirty="0"/>
-              <a:t>)</a:t>
-            </a:r>
-          </a:p>
-          <a:p>
-            <a:r>
-              <a:rPr lang="en-US" dirty="0" err="1"/>
-              <a:t>SelectFromModel</a:t>
-            </a:r>
-            <a:r>
-              <a:rPr lang="he-IL" dirty="0"/>
-              <a:t> – בחירת תכונות לפי המשקלים שלהם</a:t>
-            </a:r>
+              <a:t>מספק את החיזוי של </a:t>
+            </a:r>
+            <a:r>
+              <a:rPr lang="en-US" dirty="0"/>
+              <a:t>KFOLD</a:t>
+            </a:r>
+          </a:p>
+          <a:p>
+            <a:pPr lvl="1"/>
+            <a:endParaRPr lang="he-IL" dirty="0"/>
           </a:p>
         </p:txBody>
       </p:sp>
     </p:spTree>
     <p:extLst>
       <p:ext uri="{BB962C8B-B14F-4D97-AF65-F5344CB8AC3E}">
-        <p14:creationId xmlns:p14="http://schemas.microsoft.com/office/powerpoint/2010/main" val="3385842206"/>
+        <p14:creationId xmlns:p14="http://schemas.microsoft.com/office/powerpoint/2010/main" val="1210100940"/>
       </p:ext>
     </p:extLst>
   </p:cSld>
@@ -4698,15 +4796,15 @@
           <p:cNvPr id="2" name="כותרת 1">
             <a:extLst>
               <a:ext uri="{FF2B5EF4-FFF2-40B4-BE49-F238E27FC236}">
-                <a16:creationId xmlns:a16="http://schemas.microsoft.com/office/drawing/2014/main" id="{12C43150-B25E-4D0E-BDF4-635BEFD8EF18}"/>
-              </a:ext>
-            </a:extLst>
-          </p:cNvPr>
-          <p:cNvSpPr>
-            <a:spLocks noGrp="1"/>
-          </p:cNvSpPr>
-          <p:nvPr>
-            <p:ph type="ctrTitle"/>
+                <a16:creationId xmlns:a16="http://schemas.microsoft.com/office/drawing/2014/main" id="{B6D04E84-D70E-4F19-962B-30D48FBC491D}"/>
+              </a:ext>
+            </a:extLst>
+          </p:cNvPr>
+          <p:cNvSpPr>
+            <a:spLocks noGrp="1"/>
+          </p:cNvSpPr>
+          <p:nvPr>
+            <p:ph type="title"/>
           </p:nvPr>
         </p:nvSpPr>
         <p:spPr/>
@@ -4716,25 +4814,33 @@
           <a:p>
             <a:r>
               <a:rPr lang="he-IL" dirty="0"/>
-              <a:t>טיפול במידע חסר</a:t>
-            </a:r>
-          </a:p>
-        </p:txBody>
-      </p:sp>
-      <p:sp>
-        <p:nvSpPr>
-          <p:cNvPr id="3" name="כותרת משנה 2">
-            <a:extLst>
-              <a:ext uri="{FF2B5EF4-FFF2-40B4-BE49-F238E27FC236}">
-                <a16:creationId xmlns:a16="http://schemas.microsoft.com/office/drawing/2014/main" id="{686F7E77-CF92-46E1-B497-C07D9D641FF9}"/>
-              </a:ext>
-            </a:extLst>
-          </p:cNvPr>
-          <p:cNvSpPr>
-            <a:spLocks noGrp="1"/>
-          </p:cNvSpPr>
-          <p:nvPr>
-            <p:ph type="subTitle" idx="1"/>
+              <a:t>תובנות </a:t>
+            </a:r>
+            <a:r>
+              <a:rPr lang="en-US" dirty="0" err="1"/>
+              <a:t>sklearn</a:t>
+            </a:r>
+            <a:r>
+              <a:rPr lang="he-IL" dirty="0"/>
+              <a:t>	</a:t>
+            </a:r>
+          </a:p>
+        </p:txBody>
+      </p:sp>
+      <p:sp>
+        <p:nvSpPr>
+          <p:cNvPr id="3" name="מציין מיקום תוכן 2">
+            <a:extLst>
+              <a:ext uri="{FF2B5EF4-FFF2-40B4-BE49-F238E27FC236}">
+                <a16:creationId xmlns:a16="http://schemas.microsoft.com/office/drawing/2014/main" id="{C132CF0B-24E0-4C0D-85E7-8DF7FAE63F98}"/>
+              </a:ext>
+            </a:extLst>
+          </p:cNvPr>
+          <p:cNvSpPr>
+            <a:spLocks noGrp="1"/>
+          </p:cNvSpPr>
+          <p:nvPr>
+            <p:ph idx="1"/>
           </p:nvPr>
         </p:nvSpPr>
         <p:spPr/>
@@ -4742,14 +4848,164 @@
           <a:bodyPr/>
           <a:lstStyle/>
           <a:p>
-            <a:endParaRPr lang="he-IL"/>
+            <a:r>
+              <a:rPr lang="he-IL" dirty="0"/>
+              <a:t>לדעתי לא כדאי להשתמש ב </a:t>
+            </a:r>
+            <a:r>
+              <a:rPr lang="en-US" dirty="0"/>
+              <a:t>filter model</a:t>
+            </a:r>
+            <a:r>
+              <a:rPr lang="he-IL" dirty="0"/>
+              <a:t>:</a:t>
+            </a:r>
+          </a:p>
+          <a:p>
+            <a:pPr lvl="1"/>
+            <a:r>
+              <a:rPr lang="en-US" dirty="0" err="1"/>
+              <a:t>SelectKBest</a:t>
+            </a:r>
+            <a:r>
+              <a:rPr lang="he-IL" dirty="0"/>
+              <a:t> (אשר מקבל את סוג ה </a:t>
+            </a:r>
+            <a:r>
+              <a:rPr lang="en-US" dirty="0" err="1"/>
+              <a:t>filtter</a:t>
+            </a:r>
+            <a:r>
+              <a:rPr lang="en-US" dirty="0"/>
+              <a:t>: </a:t>
+            </a:r>
+            <a:r>
+              <a:rPr lang="en-US" dirty="0" err="1"/>
+              <a:t>correation</a:t>
+            </a:r>
+            <a:r>
+              <a:rPr lang="en-US" dirty="0"/>
+              <a:t>/MI</a:t>
+            </a:r>
+            <a:r>
+              <a:rPr lang="he-IL" dirty="0"/>
+              <a:t> וכד') מקבל גם את מספר ה </a:t>
+            </a:r>
+            <a:r>
+              <a:rPr lang="en-US" dirty="0"/>
+              <a:t>feature</a:t>
+            </a:r>
+            <a:r>
+              <a:rPr lang="he-IL" dirty="0"/>
+              <a:t>ים שעליו להחזיר.</a:t>
+            </a:r>
+          </a:p>
+          <a:p>
+            <a:r>
+              <a:rPr lang="he-IL" dirty="0"/>
+              <a:t>עבור </a:t>
+            </a:r>
+            <a:r>
+              <a:rPr lang="en-US" dirty="0"/>
+              <a:t>filter model</a:t>
+            </a:r>
+            <a:r>
+              <a:rPr lang="he-IL" dirty="0"/>
+              <a:t> לא רואה טעם לבדוק אופציות שונות: </a:t>
+            </a:r>
+            <a:r>
+              <a:rPr lang="en-US" dirty="0" err="1"/>
+              <a:t>corr</a:t>
+            </a:r>
+            <a:r>
+              <a:rPr lang="en-US" dirty="0"/>
+              <a:t>/MI</a:t>
+            </a:r>
+            <a:r>
+              <a:rPr lang="he-IL" dirty="0"/>
+              <a:t> וכד’</a:t>
+            </a:r>
+          </a:p>
+          <a:p>
+            <a:r>
+              <a:rPr lang="en-US" dirty="0"/>
+              <a:t>Wrapper model</a:t>
+            </a:r>
+            <a:endParaRPr lang="he-IL" dirty="0"/>
+          </a:p>
+          <a:p>
+            <a:pPr lvl="1"/>
+            <a:r>
+              <a:rPr lang="he-IL" dirty="0"/>
+              <a:t>אין תמיכה ב </a:t>
+            </a:r>
+            <a:r>
+              <a:rPr lang="en-US" dirty="0"/>
+              <a:t>stepwise regression</a:t>
+            </a:r>
+            <a:r>
+              <a:rPr lang="he-IL" dirty="0"/>
+              <a:t> (כי מבוסס </a:t>
+            </a:r>
+            <a:r>
+              <a:rPr lang="en-US" dirty="0"/>
+              <a:t>p-value</a:t>
+            </a:r>
+            <a:r>
+              <a:rPr lang="he-IL" dirty="0"/>
+              <a:t> שנתמך רק ב </a:t>
+            </a:r>
+            <a:r>
+              <a:rPr lang="en-US" dirty="0"/>
+              <a:t>linear regression</a:t>
+            </a:r>
+            <a:r>
+              <a:rPr lang="he-IL" dirty="0"/>
+              <a:t>)</a:t>
+            </a:r>
+          </a:p>
+          <a:p>
+            <a:r>
+              <a:rPr lang="he-IL" dirty="0"/>
+              <a:t>ניתן להריץ עם </a:t>
+            </a:r>
+            <a:r>
+              <a:rPr lang="en-US" dirty="0" err="1"/>
+              <a:t>n_jobs</a:t>
+            </a:r>
+            <a:r>
+              <a:rPr lang="en-US" dirty="0"/>
+              <a:t>=-1</a:t>
+            </a:r>
+            <a:r>
+              <a:rPr lang="he-IL" dirty="0"/>
+              <a:t> ולנצל מספר ליבות (ב </a:t>
+            </a:r>
+            <a:r>
+              <a:rPr lang="en-US" dirty="0" err="1"/>
+              <a:t>kfold</a:t>
+            </a:r>
+            <a:r>
+              <a:rPr lang="he-IL" dirty="0"/>
+              <a:t>)</a:t>
+            </a:r>
+          </a:p>
+          <a:p>
+            <a:r>
+              <a:rPr lang="en-US" dirty="0" err="1"/>
+              <a:t>SelectFromModel</a:t>
+            </a:r>
+            <a:r>
+              <a:rPr lang="he-IL" dirty="0"/>
+              <a:t> – בחירת תכונות לפי המשקלים שלהם</a:t>
+            </a:r>
           </a:p>
         </p:txBody>
       </p:sp>
     </p:spTree>
     <p:extLst>
       <p:ext uri="{BB962C8B-B14F-4D97-AF65-F5344CB8AC3E}">
-        <p14:creationId xmlns:p14="http://schemas.microsoft.com/office/powerpoint/2010/main" val="150012421"/>
+        <p14:creationId xmlns:p14="http://schemas.microsoft.com/office/powerpoint/2010/main" val="3385842206"/>
       </p:ext>
     </p:extLst>
   </p:cSld>
@@ -4781,15 +5037,15 @@
           <p:cNvPr id="2" name="כותרת 1">
             <a:extLst>
               <a:ext uri="{FF2B5EF4-FFF2-40B4-BE49-F238E27FC236}">
-                <a16:creationId xmlns:a16="http://schemas.microsoft.com/office/drawing/2014/main" id="{8D87E672-D08D-4C17-BD34-3A0DFD930507}"/>
-              </a:ext>
-            </a:extLst>
-          </p:cNvPr>
-          <p:cNvSpPr>
-            <a:spLocks noGrp="1"/>
-          </p:cNvSpPr>
-          <p:nvPr>
-            <p:ph type="title"/>
+                <a16:creationId xmlns:a16="http://schemas.microsoft.com/office/drawing/2014/main" id="{12C43150-B25E-4D0E-BDF4-635BEFD8EF18}"/>
+              </a:ext>
+            </a:extLst>
+          </p:cNvPr>
+          <p:cNvSpPr>
+            <a:spLocks noGrp="1"/>
+          </p:cNvSpPr>
+          <p:nvPr>
+            <p:ph type="ctrTitle"/>
           </p:nvPr>
         </p:nvSpPr>
         <p:spPr/>
@@ -4799,33 +5055,25 @@
           <a:p>
             <a:r>
               <a:rPr lang="he-IL" dirty="0"/>
-              <a:t>טיפול במידע חסר (</a:t>
-            </a:r>
-            <a:r>
-              <a:rPr lang="en-US" dirty="0"/>
-              <a:t>nan</a:t>
-            </a:r>
-            <a:r>
-              <a:rPr lang="he-IL" dirty="0"/>
-              <a:t>)</a:t>
-            </a:r>
-          </a:p>
-        </p:txBody>
-      </p:sp>
-      <p:sp>
-        <p:nvSpPr>
-          <p:cNvPr id="3" name="מציין מיקום תוכן 2">
-            <a:extLst>
-              <a:ext uri="{FF2B5EF4-FFF2-40B4-BE49-F238E27FC236}">
-                <a16:creationId xmlns:a16="http://schemas.microsoft.com/office/drawing/2014/main" id="{87A09342-6A53-426E-A210-7E2DED349B11}"/>
-              </a:ext>
-            </a:extLst>
-          </p:cNvPr>
-          <p:cNvSpPr>
-            <a:spLocks noGrp="1"/>
-          </p:cNvSpPr>
-          <p:nvPr>
-            <p:ph idx="1"/>
+              <a:t>טיפול במידע חסר</a:t>
+            </a:r>
+          </a:p>
+        </p:txBody>
+      </p:sp>
+      <p:sp>
+        <p:nvSpPr>
+          <p:cNvPr id="3" name="כותרת משנה 2">
+            <a:extLst>
+              <a:ext uri="{FF2B5EF4-FFF2-40B4-BE49-F238E27FC236}">
+                <a16:creationId xmlns:a16="http://schemas.microsoft.com/office/drawing/2014/main" id="{686F7E77-CF92-46E1-B497-C07D9D641FF9}"/>
+              </a:ext>
+            </a:extLst>
+          </p:cNvPr>
+          <p:cNvSpPr>
+            <a:spLocks noGrp="1"/>
+          </p:cNvSpPr>
+          <p:nvPr>
+            <p:ph type="subTitle" idx="1"/>
           </p:nvPr>
         </p:nvSpPr>
         <p:spPr/>
@@ -4833,85 +5081,14 @@
           <a:bodyPr/>
           <a:lstStyle/>
           <a:p>
-            <a:r>
-              <a:rPr lang="he-IL" dirty="0"/>
-              <a:t>מספר גישות:</a:t>
-            </a:r>
-          </a:p>
-          <a:p>
-            <a:pPr lvl="1"/>
-            <a:r>
-              <a:rPr lang="he-IL" dirty="0"/>
-              <a:t>מחיקת שורה (חיסרון: פגיעה בהתפלגות)</a:t>
-            </a:r>
-          </a:p>
-          <a:p>
-            <a:pPr lvl="1"/>
-            <a:r>
-              <a:rPr lang="he-IL" dirty="0"/>
-              <a:t>החלפה ב </a:t>
-            </a:r>
-            <a:r>
-              <a:rPr lang="en-US" dirty="0"/>
-              <a:t>mean</a:t>
-            </a:r>
-            <a:endParaRPr lang="he-IL" dirty="0"/>
-          </a:p>
-          <a:p>
-            <a:pPr lvl="1"/>
-            <a:r>
-              <a:rPr lang="he-IL" dirty="0"/>
-              <a:t>החלפה ב </a:t>
-            </a:r>
-            <a:r>
-              <a:rPr lang="en-US" dirty="0"/>
-              <a:t>median</a:t>
-            </a:r>
-            <a:endParaRPr lang="he-IL" dirty="0"/>
-          </a:p>
-          <a:p>
-            <a:pPr lvl="1"/>
-            <a:r>
-              <a:rPr lang="he-IL" dirty="0"/>
-              <a:t>החלפה ב </a:t>
-            </a:r>
-            <a:r>
-              <a:rPr lang="en-US" dirty="0"/>
-              <a:t>most frequent</a:t>
-            </a:r>
-            <a:r>
-              <a:rPr lang="he-IL" dirty="0"/>
-              <a:t> (חיסרון: פגיעה בהתפלגות)</a:t>
-            </a:r>
-          </a:p>
-          <a:p>
-            <a:r>
-              <a:rPr lang="he-IL" dirty="0"/>
-              <a:t>ב </a:t>
-            </a:r>
-            <a:r>
-              <a:rPr lang="en-US" dirty="0" err="1"/>
-              <a:t>sklearn</a:t>
-            </a:r>
-            <a:r>
-              <a:rPr lang="he-IL" dirty="0"/>
-              <a:t> יש את הפקודה: </a:t>
-            </a:r>
-            <a:r>
-              <a:rPr lang="en-US" dirty="0"/>
-              <a:t>Imputer</a:t>
-            </a:r>
-            <a:r>
-              <a:rPr lang="he-IL" dirty="0"/>
-              <a:t> ("מכשיר את המידע")</a:t>
-            </a:r>
+            <a:endParaRPr lang="he-IL"/>
           </a:p>
         </p:txBody>
       </p:sp>
     </p:spTree>
     <p:extLst>
       <p:ext uri="{BB962C8B-B14F-4D97-AF65-F5344CB8AC3E}">
-        <p14:creationId xmlns:p14="http://schemas.microsoft.com/office/powerpoint/2010/main" val="562271283"/>
+        <p14:creationId xmlns:p14="http://schemas.microsoft.com/office/powerpoint/2010/main" val="150012421"/>
       </p:ext>
     </p:extLst>
   </p:cSld>
@@ -5088,15 +5265,15 @@
           <p:cNvPr id="2" name="כותרת 1">
             <a:extLst>
               <a:ext uri="{FF2B5EF4-FFF2-40B4-BE49-F238E27FC236}">
-                <a16:creationId xmlns:a16="http://schemas.microsoft.com/office/drawing/2014/main" id="{12C43150-B25E-4D0E-BDF4-635BEFD8EF18}"/>
-              </a:ext>
-            </a:extLst>
-          </p:cNvPr>
-          <p:cNvSpPr>
-            <a:spLocks noGrp="1"/>
-          </p:cNvSpPr>
-          <p:nvPr>
-            <p:ph type="ctrTitle"/>
+                <a16:creationId xmlns:a16="http://schemas.microsoft.com/office/drawing/2014/main" id="{8D87E672-D08D-4C17-BD34-3A0DFD930507}"/>
+              </a:ext>
+            </a:extLst>
+          </p:cNvPr>
+          <p:cNvSpPr>
+            <a:spLocks noGrp="1"/>
+          </p:cNvSpPr>
+          <p:nvPr>
+            <p:ph type="title"/>
           </p:nvPr>
         </p:nvSpPr>
         <p:spPr/>
@@ -5106,25 +5283,33 @@
           <a:p>
             <a:r>
               <a:rPr lang="he-IL" dirty="0"/>
-              <a:t>מושגים</a:t>
-            </a:r>
-          </a:p>
-        </p:txBody>
-      </p:sp>
-      <p:sp>
-        <p:nvSpPr>
-          <p:cNvPr id="3" name="כותרת משנה 2">
-            <a:extLst>
-              <a:ext uri="{FF2B5EF4-FFF2-40B4-BE49-F238E27FC236}">
-                <a16:creationId xmlns:a16="http://schemas.microsoft.com/office/drawing/2014/main" id="{686F7E77-CF92-46E1-B497-C07D9D641FF9}"/>
-              </a:ext>
-            </a:extLst>
-          </p:cNvPr>
-          <p:cNvSpPr>
-            <a:spLocks noGrp="1"/>
-          </p:cNvSpPr>
-          <p:nvPr>
-            <p:ph type="subTitle" idx="1"/>
+              <a:t>טיפול במידע חסר (</a:t>
+            </a:r>
+            <a:r>
+              <a:rPr lang="en-US" dirty="0"/>
+              <a:t>nan</a:t>
+            </a:r>
+            <a:r>
+              <a:rPr lang="he-IL" dirty="0"/>
+              <a:t>)</a:t>
+            </a:r>
+          </a:p>
+        </p:txBody>
+      </p:sp>
+      <p:sp>
+        <p:nvSpPr>
+          <p:cNvPr id="3" name="מציין מיקום תוכן 2">
+            <a:extLst>
+              <a:ext uri="{FF2B5EF4-FFF2-40B4-BE49-F238E27FC236}">
+                <a16:creationId xmlns:a16="http://schemas.microsoft.com/office/drawing/2014/main" id="{87A09342-6A53-426E-A210-7E2DED349B11}"/>
+              </a:ext>
+            </a:extLst>
+          </p:cNvPr>
+          <p:cNvSpPr>
+            <a:spLocks noGrp="1"/>
+          </p:cNvSpPr>
+          <p:nvPr>
+            <p:ph idx="1"/>
           </p:nvPr>
         </p:nvSpPr>
         <p:spPr/>
@@ -5132,14 +5317,85 @@
           <a:bodyPr/>
           <a:lstStyle/>
           <a:p>
-            <a:endParaRPr lang="he-IL"/>
+            <a:r>
+              <a:rPr lang="he-IL" dirty="0"/>
+              <a:t>מספר גישות:</a:t>
+            </a:r>
+          </a:p>
+          <a:p>
+            <a:pPr lvl="1"/>
+            <a:r>
+              <a:rPr lang="he-IL" dirty="0"/>
+              <a:t>מחיקת שורה (חיסרון: פגיעה בהתפלגות)</a:t>
+            </a:r>
+          </a:p>
+          <a:p>
+            <a:pPr lvl="1"/>
+            <a:r>
+              <a:rPr lang="he-IL" dirty="0"/>
+              <a:t>החלפה ב </a:t>
+            </a:r>
+            <a:r>
+              <a:rPr lang="en-US" dirty="0"/>
+              <a:t>mean</a:t>
+            </a:r>
+            <a:endParaRPr lang="he-IL" dirty="0"/>
+          </a:p>
+          <a:p>
+            <a:pPr lvl="1"/>
+            <a:r>
+              <a:rPr lang="he-IL" dirty="0"/>
+              <a:t>החלפה ב </a:t>
+            </a:r>
+            <a:r>
+              <a:rPr lang="en-US" dirty="0"/>
+              <a:t>median</a:t>
+            </a:r>
+            <a:endParaRPr lang="he-IL" dirty="0"/>
+          </a:p>
+          <a:p>
+            <a:pPr lvl="1"/>
+            <a:r>
+              <a:rPr lang="he-IL" dirty="0"/>
+              <a:t>החלפה ב </a:t>
+            </a:r>
+            <a:r>
+              <a:rPr lang="en-US" dirty="0"/>
+              <a:t>most frequent</a:t>
+            </a:r>
+            <a:r>
+              <a:rPr lang="he-IL" dirty="0"/>
+              <a:t> (חיסרון: פגיעה בהתפלגות)</a:t>
+            </a:r>
+          </a:p>
+          <a:p>
+            <a:r>
+              <a:rPr lang="he-IL" dirty="0"/>
+              <a:t>ב </a:t>
+            </a:r>
+            <a:r>
+              <a:rPr lang="en-US" dirty="0" err="1"/>
+              <a:t>sklearn</a:t>
+            </a:r>
+            <a:r>
+              <a:rPr lang="he-IL" dirty="0"/>
+              <a:t> יש את הפקודה: </a:t>
+            </a:r>
+            <a:r>
+              <a:rPr lang="en-US" dirty="0"/>
+              <a:t>Imputer</a:t>
+            </a:r>
+            <a:r>
+              <a:rPr lang="he-IL" dirty="0"/>
+              <a:t> ("מכשיר את המידע")</a:t>
+            </a:r>
           </a:p>
         </p:txBody>
       </p:sp>
     </p:spTree>
     <p:extLst>
       <p:ext uri="{BB962C8B-B14F-4D97-AF65-F5344CB8AC3E}">
-        <p14:creationId xmlns:p14="http://schemas.microsoft.com/office/powerpoint/2010/main" val="2571518944"/>
+        <p14:creationId xmlns:p14="http://schemas.microsoft.com/office/powerpoint/2010/main" val="562271283"/>
       </p:ext>
     </p:extLst>
   </p:cSld>
@@ -5171,15 +5427,15 @@
           <p:cNvPr id="2" name="כותרת 1">
             <a:extLst>
               <a:ext uri="{FF2B5EF4-FFF2-40B4-BE49-F238E27FC236}">
-                <a16:creationId xmlns:a16="http://schemas.microsoft.com/office/drawing/2014/main" id="{7DB4387E-7549-4A32-B35D-BC39BE67DCE6}"/>
-              </a:ext>
-            </a:extLst>
-          </p:cNvPr>
-          <p:cNvSpPr>
-            <a:spLocks noGrp="1"/>
-          </p:cNvSpPr>
-          <p:nvPr>
-            <p:ph type="title"/>
+                <a16:creationId xmlns:a16="http://schemas.microsoft.com/office/drawing/2014/main" id="{12C43150-B25E-4D0E-BDF4-635BEFD8EF18}"/>
+              </a:ext>
+            </a:extLst>
+          </p:cNvPr>
+          <p:cNvSpPr>
+            <a:spLocks noGrp="1"/>
+          </p:cNvSpPr>
+          <p:nvPr>
+            <p:ph type="ctrTitle"/>
           </p:nvPr>
         </p:nvSpPr>
         <p:spPr/>
@@ -5189,187 +5445,40 @@
           <a:p>
             <a:r>
               <a:rPr lang="he-IL" dirty="0"/>
-              <a:t>מושגים - 1</a:t>
-            </a:r>
-          </a:p>
-        </p:txBody>
-      </p:sp>
-      <p:sp>
-        <p:nvSpPr>
-          <p:cNvPr id="3" name="מציין מיקום תוכן 2">
-            <a:extLst>
-              <a:ext uri="{FF2B5EF4-FFF2-40B4-BE49-F238E27FC236}">
-                <a16:creationId xmlns:a16="http://schemas.microsoft.com/office/drawing/2014/main" id="{43158B5B-5058-4654-BE9F-0F41E4989A9B}"/>
-              </a:ext>
-            </a:extLst>
-          </p:cNvPr>
-          <p:cNvSpPr>
-            <a:spLocks noGrp="1"/>
-          </p:cNvSpPr>
-          <p:nvPr>
-            <p:ph idx="1"/>
+              <a:t>מושגים</a:t>
+            </a:r>
+          </a:p>
+        </p:txBody>
+      </p:sp>
+      <p:sp>
+        <p:nvSpPr>
+          <p:cNvPr id="3" name="כותרת משנה 2">
+            <a:extLst>
+              <a:ext uri="{FF2B5EF4-FFF2-40B4-BE49-F238E27FC236}">
+                <a16:creationId xmlns:a16="http://schemas.microsoft.com/office/drawing/2014/main" id="{686F7E77-CF92-46E1-B497-C07D9D641FF9}"/>
+              </a:ext>
+            </a:extLst>
+          </p:cNvPr>
+          <p:cNvSpPr>
+            <a:spLocks noGrp="1"/>
+          </p:cNvSpPr>
+          <p:nvPr>
+            <p:ph type="subTitle" idx="1"/>
           </p:nvPr>
         </p:nvSpPr>
         <p:spPr/>
         <p:txBody>
-          <a:bodyPr>
-            <a:normAutofit fontScale="85000" lnSpcReduction="20000"/>
-          </a:bodyPr>
-          <a:lstStyle/>
-          <a:p>
-            <a:r>
-              <a:rPr lang="en-US" dirty="0"/>
-              <a:t>Logistic Regression</a:t>
-            </a:r>
-            <a:endParaRPr lang="he-IL" dirty="0"/>
-          </a:p>
-          <a:p>
-            <a:pPr lvl="1"/>
-            <a:r>
-              <a:rPr lang="he-IL" dirty="0"/>
-              <a:t>אלג' שבעיקר מתאים לבעיות סיווג </a:t>
-            </a:r>
-            <a:r>
-              <a:rPr lang="he-IL" dirty="0" err="1"/>
-              <a:t>בינאראיות</a:t>
-            </a:r>
-            <a:endParaRPr lang="he-IL" dirty="0"/>
-          </a:p>
-          <a:p>
-            <a:pPr lvl="1"/>
-            <a:r>
-              <a:rPr lang="he-IL" dirty="0"/>
-              <a:t>שימוש ב </a:t>
-            </a:r>
-            <a:r>
-              <a:rPr lang="en-US" dirty="0"/>
-              <a:t>logit function</a:t>
-            </a:r>
-            <a:r>
-              <a:rPr lang="he-IL" dirty="0"/>
-              <a:t> שהיא </a:t>
-            </a:r>
-            <a:r>
-              <a:rPr lang="en-US" dirty="0"/>
-              <a:t>log(p/1-p)</a:t>
-            </a:r>
-            <a:endParaRPr lang="he-IL" dirty="0"/>
-          </a:p>
-          <a:p>
-            <a:pPr lvl="2"/>
-            <a:endParaRPr lang="he-IL" dirty="0"/>
-          </a:p>
-          <a:p>
-            <a:r>
-              <a:rPr lang="en-US" dirty="0" err="1"/>
-              <a:t>Logodds</a:t>
-            </a:r>
-            <a:r>
-              <a:rPr lang="he-IL" dirty="0"/>
-              <a:t> – </a:t>
-            </a:r>
-            <a:r>
-              <a:rPr lang="en-US" dirty="0"/>
-              <a:t>log + odds</a:t>
-            </a:r>
-            <a:endParaRPr lang="he-IL" dirty="0"/>
-          </a:p>
-          <a:p>
-            <a:pPr lvl="1"/>
-            <a:r>
-              <a:rPr lang="en-US" dirty="0"/>
-              <a:t>Odds != probability</a:t>
-            </a:r>
-            <a:endParaRPr lang="he-IL" dirty="0"/>
-          </a:p>
-          <a:p>
-            <a:pPr lvl="1"/>
-            <a:r>
-              <a:rPr lang="en-US" dirty="0"/>
-              <a:t>Odds</a:t>
-            </a:r>
-            <a:r>
-              <a:rPr lang="he-IL" dirty="0"/>
-              <a:t> – סיכוי למתרחש חלקי הסיכוי שלא התרחש (4 ניצחונות מול 6 הפסדים)</a:t>
-            </a:r>
-          </a:p>
-          <a:p>
-            <a:pPr lvl="1"/>
-            <a:r>
-              <a:rPr lang="en-US" dirty="0"/>
-              <a:t>Odds = p(ok)/1-p(ok)</a:t>
-            </a:r>
-          </a:p>
-          <a:p>
-            <a:pPr lvl="1"/>
-            <a:r>
-              <a:rPr lang="en-US" dirty="0" err="1"/>
-              <a:t>Logodds</a:t>
-            </a:r>
-            <a:r>
-              <a:rPr lang="en-US" dirty="0"/>
-              <a:t> = Log(odds)</a:t>
-            </a:r>
-            <a:endParaRPr lang="he-IL" dirty="0"/>
-          </a:p>
-          <a:p>
-            <a:pPr lvl="2"/>
-            <a:r>
-              <a:rPr lang="he-IL" dirty="0"/>
-              <a:t>ערך שלילי, יותר סיכוי "להפסיד" או </a:t>
-            </a:r>
-            <a:r>
-              <a:rPr lang="he-IL" dirty="0" err="1"/>
-              <a:t>ששיך</a:t>
-            </a:r>
-            <a:r>
-              <a:rPr lang="he-IL" dirty="0"/>
-              <a:t> לקבוצה ב' ולהפך (חיובי)</a:t>
-            </a:r>
-          </a:p>
-          <a:p>
-            <a:pPr lvl="2"/>
-            <a:endParaRPr lang="he-IL" dirty="0"/>
-          </a:p>
-          <a:p>
-            <a:r>
-              <a:rPr lang="en-US" dirty="0"/>
-              <a:t>Gini Impurity</a:t>
-            </a:r>
-          </a:p>
-          <a:p>
-            <a:pPr lvl="1"/>
-            <a:r>
-              <a:rPr lang="he-IL" dirty="0"/>
-              <a:t>חישוב "טומאה" – מה ההסתברות לחלוקת עץ שגויה (ככל שהערך נמוך יותר, כך עדיף להשתמש בתוכנה זו לחלוקה בעץ ברמה </a:t>
-            </a:r>
-            <a:r>
-              <a:rPr lang="he-IL"/>
-              <a:t>גבוהה יותר בעץ)</a:t>
-            </a:r>
-            <a:endParaRPr lang="he-IL" dirty="0"/>
-          </a:p>
-          <a:p>
-            <a:pPr lvl="1"/>
-            <a:r>
-              <a:rPr lang="he-IL" dirty="0"/>
-              <a:t>משתמשים </a:t>
-            </a:r>
-            <a:r>
-              <a:rPr lang="he-IL" dirty="0" err="1"/>
-              <a:t>באלג</a:t>
-            </a:r>
-            <a:r>
-              <a:rPr lang="he-IL" dirty="0"/>
-              <a:t>' עץ בחישובי העלים</a:t>
-            </a:r>
+          <a:bodyPr/>
+          <a:lstStyle/>
+          <a:p>
+            <a:endParaRPr lang="he-IL"/>
           </a:p>
         </p:txBody>
       </p:sp>
     </p:spTree>
     <p:extLst>
       <p:ext uri="{BB962C8B-B14F-4D97-AF65-F5344CB8AC3E}">
-        <p14:creationId xmlns:p14="http://schemas.microsoft.com/office/powerpoint/2010/main" val="546938094"/>
+        <p14:creationId xmlns:p14="http://schemas.microsoft.com/office/powerpoint/2010/main" val="2571518944"/>
       </p:ext>
     </p:extLst>
   </p:cSld>
@@ -5401,7 +5510,7 @@
           <p:cNvPr id="2" name="כותרת 1">
             <a:extLst>
               <a:ext uri="{FF2B5EF4-FFF2-40B4-BE49-F238E27FC236}">
-                <a16:creationId xmlns:a16="http://schemas.microsoft.com/office/drawing/2014/main" id="{A71135E6-DF0B-4524-8DCA-9C4DBE933F82}"/>
+                <a16:creationId xmlns:a16="http://schemas.microsoft.com/office/drawing/2014/main" id="{7DB4387E-7549-4A32-B35D-BC39BE67DCE6}"/>
               </a:ext>
             </a:extLst>
           </p:cNvPr>
@@ -5419,7 +5528,7 @@
           <a:p>
             <a:r>
               <a:rPr lang="he-IL" dirty="0"/>
-              <a:t>מושגים - 2</a:t>
+              <a:t>מושגים - 1</a:t>
             </a:r>
           </a:p>
         </p:txBody>
@@ -5429,7 +5538,7 @@
           <p:cNvPr id="3" name="מציין מיקום תוכן 2">
             <a:extLst>
               <a:ext uri="{FF2B5EF4-FFF2-40B4-BE49-F238E27FC236}">
-                <a16:creationId xmlns:a16="http://schemas.microsoft.com/office/drawing/2014/main" id="{8BE0F612-6AC1-4225-9B04-AC9AA1C93395}"/>
+                <a16:creationId xmlns:a16="http://schemas.microsoft.com/office/drawing/2014/main" id="{43158B5B-5058-4654-BE9F-0F41E4989A9B}"/>
               </a:ext>
             </a:extLst>
           </p:cNvPr>
@@ -5442,12 +5551,14 @@
         </p:nvSpPr>
         <p:spPr/>
         <p:txBody>
-          <a:bodyPr/>
-          <a:lstStyle/>
-          <a:p>
-            <a:r>
-              <a:rPr lang="en-US" dirty="0"/>
-              <a:t>Ensemble Methods</a:t>
+          <a:bodyPr>
+            <a:normAutofit fontScale="85000" lnSpcReduction="20000"/>
+          </a:bodyPr>
+          <a:lstStyle/>
+          <a:p>
+            <a:r>
+              <a:rPr lang="en-US" dirty="0"/>
+              <a:t>Logistic Regression</a:t>
             </a:r>
             <a:endParaRPr lang="he-IL" dirty="0"/>
           </a:p>
@@ -5455,61 +5566,149 @@
             <a:pPr lvl="1"/>
             <a:r>
               <a:rPr lang="he-IL" dirty="0"/>
-              <a:t>שילוב של מספר שיטות בסיס על מנת לקבל תוצאה טובה יותר.</a:t>
-            </a:r>
-          </a:p>
-          <a:p>
-            <a:pPr lvl="1"/>
-            <a:r>
-              <a:rPr lang="he-IL" dirty="0"/>
-              <a:t>יש מספר שיטות:</a:t>
-            </a:r>
-          </a:p>
-          <a:p>
-            <a:pPr lvl="2"/>
-            <a:r>
-              <a:rPr lang="en-US" dirty="0"/>
-              <a:t>Random Forest</a:t>
-            </a:r>
-            <a:r>
-              <a:rPr lang="he-IL" dirty="0"/>
-              <a:t> הינו שילוב של מספר אלג’ </a:t>
-            </a:r>
-            <a:r>
-              <a:rPr lang="en-US" dirty="0"/>
-              <a:t>Decision Tree</a:t>
-            </a:r>
-            <a:r>
-              <a:rPr lang="he-IL" dirty="0"/>
-              <a:t>.</a:t>
-            </a:r>
-          </a:p>
-          <a:p>
-            <a:pPr lvl="2"/>
-            <a:r>
-              <a:rPr lang="en-US" dirty="0"/>
-              <a:t>Bagging</a:t>
-            </a:r>
-            <a:r>
-              <a:rPr lang="he-IL" dirty="0"/>
-              <a:t> – שיטה דומה ל </a:t>
-            </a:r>
-            <a:r>
-              <a:rPr lang="en-US" dirty="0"/>
-              <a:t>RF</a:t>
+              <a:t>אלג' שבעיקר מתאים לבעיות סיווג </a:t>
+            </a:r>
+            <a:r>
+              <a:rPr lang="he-IL" dirty="0" err="1"/>
+              <a:t>בינאראיות</a:t>
+            </a:r>
+            <a:endParaRPr lang="he-IL" dirty="0"/>
+          </a:p>
+          <a:p>
+            <a:pPr lvl="1"/>
+            <a:r>
+              <a:rPr lang="he-IL" dirty="0"/>
+              <a:t>שימוש ב </a:t>
+            </a:r>
+            <a:r>
+              <a:rPr lang="en-US" dirty="0"/>
+              <a:t>logit function</a:t>
+            </a:r>
+            <a:r>
+              <a:rPr lang="he-IL" dirty="0"/>
+              <a:t> שהיא </a:t>
+            </a:r>
+            <a:r>
+              <a:rPr lang="en-US" dirty="0"/>
+              <a:t>log(p/1-p)</a:t>
             </a:r>
             <a:endParaRPr lang="he-IL" dirty="0"/>
           </a:p>
           <a:p>
             <a:pPr lvl="2"/>
             <a:endParaRPr lang="he-IL" dirty="0"/>
+          </a:p>
+          <a:p>
+            <a:r>
+              <a:rPr lang="en-US" dirty="0" err="1"/>
+              <a:t>Logodds</a:t>
+            </a:r>
+            <a:r>
+              <a:rPr lang="he-IL" dirty="0"/>
+              <a:t> – </a:t>
+            </a:r>
+            <a:r>
+              <a:rPr lang="en-US" dirty="0"/>
+              <a:t>log + odds</a:t>
+            </a:r>
+            <a:endParaRPr lang="he-IL" dirty="0"/>
+          </a:p>
+          <a:p>
+            <a:pPr lvl="1"/>
+            <a:r>
+              <a:rPr lang="en-US" dirty="0"/>
+              <a:t>Odds != probability</a:t>
+            </a:r>
+            <a:endParaRPr lang="he-IL" dirty="0"/>
+          </a:p>
+          <a:p>
+            <a:pPr lvl="1"/>
+            <a:r>
+              <a:rPr lang="en-US" dirty="0"/>
+              <a:t>Odds</a:t>
+            </a:r>
+            <a:r>
+              <a:rPr lang="he-IL" dirty="0"/>
+              <a:t> – סיכוי למתרחש חלקי הסיכוי שלא התרחש (4 ניצחונות מול 6 הפסדים)</a:t>
+            </a:r>
+          </a:p>
+          <a:p>
+            <a:pPr lvl="1"/>
+            <a:r>
+              <a:rPr lang="en-US" dirty="0"/>
+              <a:t>Odds = p(ok)/1-p(ok)</a:t>
+            </a:r>
+          </a:p>
+          <a:p>
+            <a:pPr lvl="1"/>
+            <a:r>
+              <a:rPr lang="en-US" dirty="0" err="1"/>
+              <a:t>Logodds</a:t>
+            </a:r>
+            <a:r>
+              <a:rPr lang="en-US" dirty="0"/>
+              <a:t> = Log(odds)</a:t>
+            </a:r>
+            <a:endParaRPr lang="he-IL" dirty="0"/>
+          </a:p>
+          <a:p>
+            <a:pPr lvl="2"/>
+            <a:r>
+              <a:rPr lang="he-IL" dirty="0"/>
+              <a:t>ערך שלילי, יותר סיכוי "להפסיד" או </a:t>
+            </a:r>
+            <a:r>
+              <a:rPr lang="he-IL" dirty="0" err="1"/>
+              <a:t>ששיך</a:t>
+            </a:r>
+            <a:r>
+              <a:rPr lang="he-IL" dirty="0"/>
+              <a:t> לקבוצה ב' ולהפך (חיובי)</a:t>
+            </a:r>
+          </a:p>
+          <a:p>
+            <a:pPr lvl="2"/>
+            <a:endParaRPr lang="he-IL" dirty="0"/>
+          </a:p>
+          <a:p>
+            <a:r>
+              <a:rPr lang="en-US" dirty="0"/>
+              <a:t>Gini Impurity</a:t>
+            </a:r>
+          </a:p>
+          <a:p>
+            <a:pPr lvl="1"/>
+            <a:r>
+              <a:rPr lang="he-IL" dirty="0"/>
+              <a:t>חישוב "טומאה" – מה ההסתברות לחלוקת עץ שגויה (ככל שהערך נמוך יותר, כך עדיף להשתמש בתוכנה זו לחלוקה בעץ ברמה </a:t>
+            </a:r>
+            <a:r>
+              <a:rPr lang="he-IL"/>
+              <a:t>גבוהה יותר בעץ)</a:t>
+            </a:r>
+            <a:endParaRPr lang="he-IL" dirty="0"/>
+          </a:p>
+          <a:p>
+            <a:pPr lvl="1"/>
+            <a:r>
+              <a:rPr lang="he-IL" dirty="0"/>
+              <a:t>משתמשים </a:t>
+            </a:r>
+            <a:r>
+              <a:rPr lang="he-IL" dirty="0" err="1"/>
+              <a:t>באלג</a:t>
+            </a:r>
+            <a:r>
+              <a:rPr lang="he-IL" dirty="0"/>
+              <a:t>' עץ בחישובי העלים</a:t>
+            </a:r>
           </a:p>
         </p:txBody>
       </p:sp>
     </p:spTree>
     <p:extLst>
       <p:ext uri="{BB962C8B-B14F-4D97-AF65-F5344CB8AC3E}">
-        <p14:creationId xmlns:p14="http://schemas.microsoft.com/office/powerpoint/2010/main" val="3189884367"/>
+        <p14:creationId xmlns:p14="http://schemas.microsoft.com/office/powerpoint/2010/main" val="546938094"/>
       </p:ext>
     </p:extLst>
   </p:cSld>
@@ -5541,6 +5740,146 @@
           <p:cNvPr id="2" name="כותרת 1">
             <a:extLst>
               <a:ext uri="{FF2B5EF4-FFF2-40B4-BE49-F238E27FC236}">
+                <a16:creationId xmlns:a16="http://schemas.microsoft.com/office/drawing/2014/main" id="{A71135E6-DF0B-4524-8DCA-9C4DBE933F82}"/>
+              </a:ext>
+            </a:extLst>
+          </p:cNvPr>
+          <p:cNvSpPr>
+            <a:spLocks noGrp="1"/>
+          </p:cNvSpPr>
+          <p:nvPr>
+            <p:ph type="title"/>
+          </p:nvPr>
+        </p:nvSpPr>
+        <p:spPr/>
+        <p:txBody>
+          <a:bodyPr/>
+          <a:lstStyle/>
+          <a:p>
+            <a:r>
+              <a:rPr lang="he-IL" dirty="0"/>
+              <a:t>מושגים - 2</a:t>
+            </a:r>
+          </a:p>
+        </p:txBody>
+      </p:sp>
+      <p:sp>
+        <p:nvSpPr>
+          <p:cNvPr id="3" name="מציין מיקום תוכן 2">
+            <a:extLst>
+              <a:ext uri="{FF2B5EF4-FFF2-40B4-BE49-F238E27FC236}">
+                <a16:creationId xmlns:a16="http://schemas.microsoft.com/office/drawing/2014/main" id="{8BE0F612-6AC1-4225-9B04-AC9AA1C93395}"/>
+              </a:ext>
+            </a:extLst>
+          </p:cNvPr>
+          <p:cNvSpPr>
+            <a:spLocks noGrp="1"/>
+          </p:cNvSpPr>
+          <p:nvPr>
+            <p:ph idx="1"/>
+          </p:nvPr>
+        </p:nvSpPr>
+        <p:spPr/>
+        <p:txBody>
+          <a:bodyPr/>
+          <a:lstStyle/>
+          <a:p>
+            <a:r>
+              <a:rPr lang="en-US" dirty="0"/>
+              <a:t>Ensemble Methods</a:t>
+            </a:r>
+            <a:endParaRPr lang="he-IL" dirty="0"/>
+          </a:p>
+          <a:p>
+            <a:pPr lvl="1"/>
+            <a:r>
+              <a:rPr lang="he-IL" dirty="0"/>
+              <a:t>שילוב של מספר שיטות בסיס על מנת לקבל תוצאה טובה יותר.</a:t>
+            </a:r>
+          </a:p>
+          <a:p>
+            <a:pPr lvl="1"/>
+            <a:r>
+              <a:rPr lang="he-IL" dirty="0"/>
+              <a:t>יש מספר שיטות:</a:t>
+            </a:r>
+          </a:p>
+          <a:p>
+            <a:pPr lvl="2"/>
+            <a:r>
+              <a:rPr lang="en-US" dirty="0"/>
+              <a:t>Random Forest</a:t>
+            </a:r>
+            <a:r>
+              <a:rPr lang="he-IL" dirty="0"/>
+              <a:t> הינו שילוב של מספר אלג’ </a:t>
+            </a:r>
+            <a:r>
+              <a:rPr lang="en-US" dirty="0"/>
+              <a:t>Decision Tree</a:t>
+            </a:r>
+            <a:r>
+              <a:rPr lang="he-IL" dirty="0"/>
+              <a:t>.</a:t>
+            </a:r>
+          </a:p>
+          <a:p>
+            <a:pPr lvl="2"/>
+            <a:r>
+              <a:rPr lang="en-US" dirty="0"/>
+              <a:t>Bagging</a:t>
+            </a:r>
+            <a:r>
+              <a:rPr lang="he-IL" dirty="0"/>
+              <a:t> – שיטה דומה ל </a:t>
+            </a:r>
+            <a:r>
+              <a:rPr lang="en-US" dirty="0"/>
+              <a:t>RF</a:t>
+            </a:r>
+            <a:endParaRPr lang="he-IL" dirty="0"/>
+          </a:p>
+          <a:p>
+            <a:pPr lvl="2"/>
+            <a:endParaRPr lang="he-IL" dirty="0"/>
+          </a:p>
+        </p:txBody>
+      </p:sp>
+    </p:spTree>
+    <p:extLst>
+      <p:ext uri="{BB962C8B-B14F-4D97-AF65-F5344CB8AC3E}">
+        <p14:creationId xmlns:p14="http://schemas.microsoft.com/office/powerpoint/2010/main" val="3189884367"/>
+      </p:ext>
+    </p:extLst>
+  </p:cSld>
+  <p:clrMapOvr>
+    <a:masterClrMapping/>
+  </p:clrMapOvr>
+</p:sld>
+</file>
+
+<file path=ppt/slides/slide24.xml><?xml version="1.0" encoding="utf-8"?>
+<p:sld xmlns:a="http://schemas.openxmlformats.org/drawingml/2006/main" xmlns:r="http://schemas.openxmlformats.org/officeDocument/2006/relationships" xmlns:p="http://schemas.openxmlformats.org/presentationml/2006/main">
+  <p:cSld>
+    <p:spTree>
+      <p:nvGrpSpPr>
+        <p:cNvPr id="1" name=""/>
+        <p:cNvGrpSpPr/>
+        <p:nvPr/>
+      </p:nvGrpSpPr>
+      <p:grpSpPr>
+        <a:xfrm>
+          <a:off x="0" y="0"/>
+          <a:ext cx="0" cy="0"/>
+          <a:chOff x="0" y="0"/>
+          <a:chExt cx="0" cy="0"/>
+        </a:xfrm>
+      </p:grpSpPr>
+      <p:sp>
+        <p:nvSpPr>
+          <p:cNvPr id="2" name="כותרת 1">
+            <a:extLst>
+              <a:ext uri="{FF2B5EF4-FFF2-40B4-BE49-F238E27FC236}">
                 <a16:creationId xmlns:a16="http://schemas.microsoft.com/office/drawing/2014/main" id="{96632501-42E2-42AF-95AE-976F27B04F71}"/>
               </a:ext>
             </a:extLst>
@@ -5705,7 +6044,7 @@
 </p:sld>
 </file>
 
-<file path=ppt/slides/slide24.xml><?xml version="1.0" encoding="utf-8"?>
+<file path=ppt/slides/slide25.xml><?xml version="1.0" encoding="utf-8"?>
 <p:sld xmlns:a="http://schemas.openxmlformats.org/drawingml/2006/main" xmlns:r="http://schemas.openxmlformats.org/officeDocument/2006/relationships" xmlns:p="http://schemas.openxmlformats.org/presentationml/2006/main">
   <p:cSld>
     <p:spTree>
@@ -6021,89 +6360,6 @@
 </p:sld>
 </file>
 
-<file path=ppt/slides/slide25.xml><?xml version="1.0" encoding="utf-8"?>
-<p:sld xmlns:a="http://schemas.openxmlformats.org/drawingml/2006/main" xmlns:r="http://schemas.openxmlformats.org/officeDocument/2006/relationships" xmlns:p="http://schemas.openxmlformats.org/presentationml/2006/main">
-  <p:cSld>
-    <p:spTree>
-      <p:nvGrpSpPr>
-        <p:cNvPr id="1" name=""/>
-        <p:cNvGrpSpPr/>
-        <p:nvPr/>
-      </p:nvGrpSpPr>
-      <p:grpSpPr>
-        <a:xfrm>
-          <a:off x="0" y="0"/>
-          <a:ext cx="0" cy="0"/>
-          <a:chOff x="0" y="0"/>
-          <a:chExt cx="0" cy="0"/>
-        </a:xfrm>
-      </p:grpSpPr>
-      <p:sp>
-        <p:nvSpPr>
-          <p:cNvPr id="2" name="כותרת 1">
-            <a:extLst>
-              <a:ext uri="{FF2B5EF4-FFF2-40B4-BE49-F238E27FC236}">
-                <a16:creationId xmlns:a16="http://schemas.microsoft.com/office/drawing/2014/main" id="{12C43150-B25E-4D0E-BDF4-635BEFD8EF18}"/>
-              </a:ext>
-            </a:extLst>
-          </p:cNvPr>
-          <p:cNvSpPr>
-            <a:spLocks noGrp="1"/>
-          </p:cNvSpPr>
-          <p:nvPr>
-            <p:ph type="ctrTitle"/>
-          </p:nvPr>
-        </p:nvSpPr>
-        <p:spPr/>
-        <p:txBody>
-          <a:bodyPr/>
-          <a:lstStyle/>
-          <a:p>
-            <a:r>
-              <a:rPr lang="he-IL" dirty="0"/>
-              <a:t>תהליך למידה</a:t>
-            </a:r>
-          </a:p>
-        </p:txBody>
-      </p:sp>
-      <p:sp>
-        <p:nvSpPr>
-          <p:cNvPr id="3" name="כותרת משנה 2">
-            <a:extLst>
-              <a:ext uri="{FF2B5EF4-FFF2-40B4-BE49-F238E27FC236}">
-                <a16:creationId xmlns:a16="http://schemas.microsoft.com/office/drawing/2014/main" id="{686F7E77-CF92-46E1-B497-C07D9D641FF9}"/>
-              </a:ext>
-            </a:extLst>
-          </p:cNvPr>
-          <p:cNvSpPr>
-            <a:spLocks noGrp="1"/>
-          </p:cNvSpPr>
-          <p:nvPr>
-            <p:ph type="subTitle" idx="1"/>
-          </p:nvPr>
-        </p:nvSpPr>
-        <p:spPr/>
-        <p:txBody>
-          <a:bodyPr/>
-          <a:lstStyle/>
-          <a:p>
-            <a:endParaRPr lang="he-IL"/>
-          </a:p>
-        </p:txBody>
-      </p:sp>
-    </p:spTree>
-    <p:extLst>
-      <p:ext uri="{BB962C8B-B14F-4D97-AF65-F5344CB8AC3E}">
-        <p14:creationId xmlns:p14="http://schemas.microsoft.com/office/powerpoint/2010/main" val="4024129565"/>
-      </p:ext>
-    </p:extLst>
-  </p:cSld>
-  <p:clrMapOvr>
-    <a:masterClrMapping/>
-  </p:clrMapOvr>
-</p:sld>
-</file>
-
 <file path=ppt/slides/slide26.xml><?xml version="1.0" encoding="utf-8"?>
 <p:sld xmlns:a="http://schemas.openxmlformats.org/drawingml/2006/main" xmlns:r="http://schemas.openxmlformats.org/officeDocument/2006/relationships" xmlns:p="http://schemas.openxmlformats.org/presentationml/2006/main">
   <p:cSld>
@@ -6123,470 +6379,61 @@
       </p:grpSpPr>
       <p:sp>
         <p:nvSpPr>
-          <p:cNvPr id="4" name="מלבן 3">
-            <a:extLst>
-              <a:ext uri="{FF2B5EF4-FFF2-40B4-BE49-F238E27FC236}">
-                <a16:creationId xmlns:a16="http://schemas.microsoft.com/office/drawing/2014/main" id="{74609AB5-34A0-4526-AABA-E4DE4362E011}"/>
-              </a:ext>
-            </a:extLst>
-          </p:cNvPr>
-          <p:cNvSpPr/>
-          <p:nvPr/>
-        </p:nvSpPr>
-        <p:spPr>
-          <a:xfrm>
-            <a:off x="159798" y="3355190"/>
-            <a:ext cx="1194047" cy="926066"/>
-          </a:xfrm>
-          <a:prstGeom prst="rect">
-            <a:avLst/>
-          </a:prstGeom>
-        </p:spPr>
-        <p:style>
-          <a:lnRef idx="2">
-            <a:schemeClr val="accent1">
-              <a:shade val="50000"/>
-            </a:schemeClr>
-          </a:lnRef>
-          <a:fillRef idx="1">
-            <a:schemeClr val="accent1"/>
-          </a:fillRef>
-          <a:effectRef idx="0">
-            <a:schemeClr val="accent1"/>
-          </a:effectRef>
-          <a:fontRef idx="minor">
-            <a:schemeClr val="lt1"/>
-          </a:fontRef>
-        </p:style>
-        <p:txBody>
-          <a:bodyPr rtlCol="1" anchor="ctr"/>
-          <a:lstStyle/>
-          <a:p>
-            <a:pPr algn="ctr"/>
-            <a:r>
-              <a:rPr lang="en-US" sz="1400" dirty="0"/>
-              <a:t>Handle Empty Values</a:t>
-            </a:r>
-            <a:endParaRPr lang="he-IL" sz="1400" dirty="0"/>
-          </a:p>
-        </p:txBody>
-      </p:sp>
-      <p:sp>
-        <p:nvSpPr>
-          <p:cNvPr id="6" name="מלבן 5">
-            <a:extLst>
-              <a:ext uri="{FF2B5EF4-FFF2-40B4-BE49-F238E27FC236}">
-                <a16:creationId xmlns:a16="http://schemas.microsoft.com/office/drawing/2014/main" id="{F455A1AA-6082-4A3E-9532-8B7DFC1574DF}"/>
-              </a:ext>
-            </a:extLst>
-          </p:cNvPr>
-          <p:cNvSpPr/>
-          <p:nvPr/>
-        </p:nvSpPr>
-        <p:spPr>
-          <a:xfrm>
-            <a:off x="2882284" y="3355760"/>
-            <a:ext cx="1194047" cy="926066"/>
-          </a:xfrm>
-          <a:prstGeom prst="rect">
-            <a:avLst/>
-          </a:prstGeom>
-        </p:spPr>
-        <p:style>
-          <a:lnRef idx="2">
-            <a:schemeClr val="accent1">
-              <a:shade val="50000"/>
-            </a:schemeClr>
-          </a:lnRef>
-          <a:fillRef idx="1">
-            <a:schemeClr val="accent1"/>
-          </a:fillRef>
-          <a:effectRef idx="0">
-            <a:schemeClr val="accent1"/>
-          </a:effectRef>
-          <a:fontRef idx="minor">
-            <a:schemeClr val="lt1"/>
-          </a:fontRef>
-        </p:style>
-        <p:txBody>
-          <a:bodyPr rtlCol="1" anchor="ctr"/>
-          <a:lstStyle/>
-          <a:p>
-            <a:pPr algn="ctr"/>
-            <a:r>
-              <a:rPr lang="en-US" sz="1400" dirty="0"/>
-              <a:t>Discretization</a:t>
-            </a:r>
-            <a:endParaRPr lang="he-IL" sz="1400" dirty="0"/>
-          </a:p>
-        </p:txBody>
-      </p:sp>
-      <p:sp>
-        <p:nvSpPr>
-          <p:cNvPr id="7" name="מלבן 6">
-            <a:extLst>
-              <a:ext uri="{FF2B5EF4-FFF2-40B4-BE49-F238E27FC236}">
-                <a16:creationId xmlns:a16="http://schemas.microsoft.com/office/drawing/2014/main" id="{C5792502-C08D-4F48-AA09-8F4286D5944F}"/>
-              </a:ext>
-            </a:extLst>
-          </p:cNvPr>
-          <p:cNvSpPr/>
-          <p:nvPr/>
-        </p:nvSpPr>
-        <p:spPr>
-          <a:xfrm>
-            <a:off x="4243527" y="3355760"/>
-            <a:ext cx="1194047" cy="926066"/>
-          </a:xfrm>
-          <a:prstGeom prst="rect">
-            <a:avLst/>
-          </a:prstGeom>
-        </p:spPr>
-        <p:style>
-          <a:lnRef idx="2">
-            <a:schemeClr val="accent1">
-              <a:shade val="50000"/>
-            </a:schemeClr>
-          </a:lnRef>
-          <a:fillRef idx="1">
-            <a:schemeClr val="accent1"/>
-          </a:fillRef>
-          <a:effectRef idx="0">
-            <a:schemeClr val="accent1"/>
-          </a:effectRef>
-          <a:fontRef idx="minor">
-            <a:schemeClr val="lt1"/>
-          </a:fontRef>
-        </p:style>
-        <p:txBody>
-          <a:bodyPr rtlCol="1" anchor="ctr"/>
-          <a:lstStyle/>
-          <a:p>
-            <a:pPr algn="ctr"/>
-            <a:r>
-              <a:rPr lang="en-US" sz="1400" dirty="0" err="1"/>
-              <a:t>Enum</a:t>
-            </a:r>
-            <a:endParaRPr lang="he-IL" sz="1400" dirty="0"/>
-          </a:p>
-        </p:txBody>
-      </p:sp>
-      <p:sp>
-        <p:nvSpPr>
-          <p:cNvPr id="8" name="מלבן 7">
-            <a:extLst>
-              <a:ext uri="{FF2B5EF4-FFF2-40B4-BE49-F238E27FC236}">
-                <a16:creationId xmlns:a16="http://schemas.microsoft.com/office/drawing/2014/main" id="{144FAF8B-F585-439C-8E89-B59AED2B9610}"/>
-              </a:ext>
-            </a:extLst>
-          </p:cNvPr>
-          <p:cNvSpPr/>
-          <p:nvPr/>
-        </p:nvSpPr>
-        <p:spPr>
-          <a:xfrm>
-            <a:off x="5700947" y="3355190"/>
-            <a:ext cx="1194047" cy="926066"/>
-          </a:xfrm>
-          <a:prstGeom prst="rect">
-            <a:avLst/>
-          </a:prstGeom>
-        </p:spPr>
-        <p:style>
-          <a:lnRef idx="2">
-            <a:schemeClr val="accent1">
-              <a:shade val="50000"/>
-            </a:schemeClr>
-          </a:lnRef>
-          <a:fillRef idx="1">
-            <a:schemeClr val="accent1"/>
-          </a:fillRef>
-          <a:effectRef idx="0">
-            <a:schemeClr val="accent1"/>
-          </a:effectRef>
-          <a:fontRef idx="minor">
-            <a:schemeClr val="lt1"/>
-          </a:fontRef>
-        </p:style>
-        <p:txBody>
-          <a:bodyPr rtlCol="1" anchor="ctr"/>
-          <a:lstStyle/>
-          <a:p>
-            <a:pPr algn="ctr"/>
-            <a:r>
-              <a:rPr lang="en-US" sz="1400" dirty="0"/>
-              <a:t>FS</a:t>
-            </a:r>
-            <a:endParaRPr lang="he-IL" sz="1400" dirty="0"/>
-          </a:p>
-        </p:txBody>
-      </p:sp>
-      <p:sp>
-        <p:nvSpPr>
-          <p:cNvPr id="9" name="מלבן 8">
-            <a:extLst>
-              <a:ext uri="{FF2B5EF4-FFF2-40B4-BE49-F238E27FC236}">
-                <a16:creationId xmlns:a16="http://schemas.microsoft.com/office/drawing/2014/main" id="{93920802-7B02-401C-A236-795F3187EBC5}"/>
-              </a:ext>
-            </a:extLst>
-          </p:cNvPr>
-          <p:cNvSpPr/>
-          <p:nvPr/>
-        </p:nvSpPr>
-        <p:spPr>
-          <a:xfrm>
-            <a:off x="7158367" y="3355190"/>
-            <a:ext cx="1194047" cy="926066"/>
-          </a:xfrm>
-          <a:prstGeom prst="rect">
-            <a:avLst/>
-          </a:prstGeom>
-        </p:spPr>
-        <p:style>
-          <a:lnRef idx="2">
-            <a:schemeClr val="accent1">
-              <a:shade val="50000"/>
-            </a:schemeClr>
-          </a:lnRef>
-          <a:fillRef idx="1">
-            <a:schemeClr val="accent1"/>
-          </a:fillRef>
-          <a:effectRef idx="0">
-            <a:schemeClr val="accent1"/>
-          </a:effectRef>
-          <a:fontRef idx="minor">
-            <a:schemeClr val="lt1"/>
-          </a:fontRef>
-        </p:style>
-        <p:txBody>
-          <a:bodyPr rtlCol="1" anchor="ctr"/>
-          <a:lstStyle/>
-          <a:p>
-            <a:pPr algn="ctr"/>
-            <a:r>
-              <a:rPr lang="en-US" sz="1400" dirty="0"/>
-              <a:t>ALG</a:t>
-            </a:r>
-            <a:endParaRPr lang="he-IL" sz="1400" dirty="0"/>
-          </a:p>
-        </p:txBody>
-      </p:sp>
-      <p:sp>
-        <p:nvSpPr>
-          <p:cNvPr id="10" name="מלבן 9">
-            <a:extLst>
-              <a:ext uri="{FF2B5EF4-FFF2-40B4-BE49-F238E27FC236}">
-                <a16:creationId xmlns:a16="http://schemas.microsoft.com/office/drawing/2014/main" id="{5E9FC044-CAB1-40B3-AB95-441195FD6077}"/>
-              </a:ext>
-            </a:extLst>
-          </p:cNvPr>
-          <p:cNvSpPr/>
-          <p:nvPr/>
-        </p:nvSpPr>
-        <p:spPr>
-          <a:xfrm>
-            <a:off x="8659435" y="3781318"/>
-            <a:ext cx="1194047" cy="926066"/>
-          </a:xfrm>
-          <a:prstGeom prst="rect">
-            <a:avLst/>
-          </a:prstGeom>
-        </p:spPr>
-        <p:style>
-          <a:lnRef idx="2">
-            <a:schemeClr val="accent1">
-              <a:shade val="50000"/>
-            </a:schemeClr>
-          </a:lnRef>
-          <a:fillRef idx="1">
-            <a:schemeClr val="accent1"/>
-          </a:fillRef>
-          <a:effectRef idx="0">
-            <a:schemeClr val="accent1"/>
-          </a:effectRef>
-          <a:fontRef idx="minor">
-            <a:schemeClr val="lt1"/>
-          </a:fontRef>
-        </p:style>
-        <p:txBody>
-          <a:bodyPr rtlCol="1" anchor="ctr"/>
-          <a:lstStyle/>
-          <a:p>
-            <a:pPr algn="ctr"/>
-            <a:r>
-              <a:rPr lang="en-US" sz="1400" dirty="0"/>
-              <a:t>SCORE</a:t>
-            </a:r>
-            <a:endParaRPr lang="he-IL" sz="1400" dirty="0"/>
-          </a:p>
-        </p:txBody>
-      </p:sp>
-      <p:sp>
-        <p:nvSpPr>
-          <p:cNvPr id="11" name="מלבן 10">
-            <a:extLst>
-              <a:ext uri="{FF2B5EF4-FFF2-40B4-BE49-F238E27FC236}">
-                <a16:creationId xmlns:a16="http://schemas.microsoft.com/office/drawing/2014/main" id="{F2DA0E8C-25FD-4020-8F82-69843E774E23}"/>
-              </a:ext>
-            </a:extLst>
-          </p:cNvPr>
-          <p:cNvSpPr/>
-          <p:nvPr/>
-        </p:nvSpPr>
-        <p:spPr>
-          <a:xfrm>
-            <a:off x="10116104" y="3817398"/>
-            <a:ext cx="1194047" cy="926066"/>
-          </a:xfrm>
-          <a:prstGeom prst="rect">
-            <a:avLst/>
-          </a:prstGeom>
-        </p:spPr>
-        <p:style>
-          <a:lnRef idx="2">
-            <a:schemeClr val="accent1">
-              <a:shade val="50000"/>
-            </a:schemeClr>
-          </a:lnRef>
-          <a:fillRef idx="1">
-            <a:schemeClr val="accent1"/>
-          </a:fillRef>
-          <a:effectRef idx="0">
-            <a:schemeClr val="accent1"/>
-          </a:effectRef>
-          <a:fontRef idx="minor">
-            <a:schemeClr val="lt1"/>
-          </a:fontRef>
-        </p:style>
-        <p:txBody>
-          <a:bodyPr rtlCol="1" anchor="ctr"/>
-          <a:lstStyle/>
-          <a:p>
-            <a:pPr algn="ctr"/>
-            <a:r>
-              <a:rPr lang="en-US" sz="1400" dirty="0"/>
-              <a:t>RESULT</a:t>
-            </a:r>
-            <a:endParaRPr lang="he-IL" sz="1400" dirty="0"/>
-          </a:p>
-          <a:p>
-            <a:pPr algn="ctr"/>
-            <a:r>
-              <a:rPr lang="en-US" sz="1400" dirty="0"/>
-              <a:t>(ALG)</a:t>
-            </a:r>
-            <a:endParaRPr lang="he-IL" sz="1400" dirty="0"/>
-          </a:p>
-        </p:txBody>
-      </p:sp>
-      <p:sp>
-        <p:nvSpPr>
-          <p:cNvPr id="12" name="מלבן 11">
-            <a:extLst>
-              <a:ext uri="{FF2B5EF4-FFF2-40B4-BE49-F238E27FC236}">
-                <a16:creationId xmlns:a16="http://schemas.microsoft.com/office/drawing/2014/main" id="{47E76C13-4B61-4E05-B82D-64A274AF8A75}"/>
-              </a:ext>
-            </a:extLst>
-          </p:cNvPr>
-          <p:cNvSpPr/>
-          <p:nvPr/>
-        </p:nvSpPr>
-        <p:spPr>
-          <a:xfrm>
-            <a:off x="1521041" y="3355190"/>
-            <a:ext cx="1194047" cy="926066"/>
-          </a:xfrm>
-          <a:prstGeom prst="rect">
-            <a:avLst/>
-          </a:prstGeom>
-        </p:spPr>
-        <p:style>
-          <a:lnRef idx="2">
-            <a:schemeClr val="accent1">
-              <a:shade val="50000"/>
-            </a:schemeClr>
-          </a:lnRef>
-          <a:fillRef idx="1">
-            <a:schemeClr val="accent1"/>
-          </a:fillRef>
-          <a:effectRef idx="0">
-            <a:schemeClr val="accent1"/>
-          </a:effectRef>
-          <a:fontRef idx="minor">
-            <a:schemeClr val="lt1"/>
-          </a:fontRef>
-        </p:style>
-        <p:txBody>
-          <a:bodyPr rtlCol="1" anchor="ctr"/>
-          <a:lstStyle/>
-          <a:p>
-            <a:pPr algn="ctr"/>
-            <a:r>
-              <a:rPr lang="en-US" sz="1400" dirty="0"/>
-              <a:t>Feature Scaling</a:t>
-            </a:r>
-            <a:endParaRPr lang="he-IL" sz="1400" dirty="0"/>
-          </a:p>
-        </p:txBody>
-      </p:sp>
-      <p:sp>
-        <p:nvSpPr>
-          <p:cNvPr id="13" name="מלבן 12">
-            <a:extLst>
-              <a:ext uri="{FF2B5EF4-FFF2-40B4-BE49-F238E27FC236}">
-                <a16:creationId xmlns:a16="http://schemas.microsoft.com/office/drawing/2014/main" id="{642D20AA-6152-4F04-AEAD-9C55C30D6098}"/>
-              </a:ext>
-            </a:extLst>
-          </p:cNvPr>
-          <p:cNvSpPr/>
-          <p:nvPr/>
-        </p:nvSpPr>
-        <p:spPr>
-          <a:xfrm>
-            <a:off x="7177606" y="4501889"/>
-            <a:ext cx="1194047" cy="926066"/>
-          </a:xfrm>
-          <a:prstGeom prst="rect">
-            <a:avLst/>
-          </a:prstGeom>
-        </p:spPr>
-        <p:style>
-          <a:lnRef idx="2">
-            <a:schemeClr val="accent1">
-              <a:shade val="50000"/>
-            </a:schemeClr>
-          </a:lnRef>
-          <a:fillRef idx="1">
-            <a:schemeClr val="accent1"/>
-          </a:fillRef>
-          <a:effectRef idx="0">
-            <a:schemeClr val="accent1"/>
-          </a:effectRef>
-          <a:fontRef idx="minor">
-            <a:schemeClr val="lt1"/>
-          </a:fontRef>
-        </p:style>
-        <p:txBody>
-          <a:bodyPr rtlCol="1" anchor="ctr"/>
-          <a:lstStyle/>
-          <a:p>
-            <a:pPr algn="ctr"/>
-            <a:r>
-              <a:rPr lang="en-US" sz="1400" dirty="0"/>
-              <a:t>Hyperparameters </a:t>
-            </a:r>
-            <a:r>
-              <a:rPr lang="en-US" sz="1400" dirty="0" err="1"/>
-              <a:t>Tunning</a:t>
-            </a:r>
-            <a:endParaRPr lang="he-IL" sz="1400" dirty="0"/>
+          <p:cNvPr id="2" name="כותרת 1">
+            <a:extLst>
+              <a:ext uri="{FF2B5EF4-FFF2-40B4-BE49-F238E27FC236}">
+                <a16:creationId xmlns:a16="http://schemas.microsoft.com/office/drawing/2014/main" id="{12C43150-B25E-4D0E-BDF4-635BEFD8EF18}"/>
+              </a:ext>
+            </a:extLst>
+          </p:cNvPr>
+          <p:cNvSpPr>
+            <a:spLocks noGrp="1"/>
+          </p:cNvSpPr>
+          <p:nvPr>
+            <p:ph type="ctrTitle"/>
+          </p:nvPr>
+        </p:nvSpPr>
+        <p:spPr/>
+        <p:txBody>
+          <a:bodyPr/>
+          <a:lstStyle/>
+          <a:p>
+            <a:r>
+              <a:rPr lang="he-IL" dirty="0"/>
+              <a:t>תהליך למידה</a:t>
+            </a:r>
+          </a:p>
+        </p:txBody>
+      </p:sp>
+      <p:sp>
+        <p:nvSpPr>
+          <p:cNvPr id="3" name="כותרת משנה 2">
+            <a:extLst>
+              <a:ext uri="{FF2B5EF4-FFF2-40B4-BE49-F238E27FC236}">
+                <a16:creationId xmlns:a16="http://schemas.microsoft.com/office/drawing/2014/main" id="{686F7E77-CF92-46E1-B497-C07D9D641FF9}"/>
+              </a:ext>
+            </a:extLst>
+          </p:cNvPr>
+          <p:cNvSpPr>
+            <a:spLocks noGrp="1"/>
+          </p:cNvSpPr>
+          <p:nvPr>
+            <p:ph type="subTitle" idx="1"/>
+          </p:nvPr>
+        </p:nvSpPr>
+        <p:spPr/>
+        <p:txBody>
+          <a:bodyPr/>
+          <a:lstStyle/>
+          <a:p>
+            <a:endParaRPr lang="he-IL"/>
           </a:p>
         </p:txBody>
       </p:sp>
     </p:spTree>
     <p:extLst>
       <p:ext uri="{BB962C8B-B14F-4D97-AF65-F5344CB8AC3E}">
-        <p14:creationId xmlns:p14="http://schemas.microsoft.com/office/powerpoint/2010/main" val="1488967984"/>
+        <p14:creationId xmlns:p14="http://schemas.microsoft.com/office/powerpoint/2010/main" val="4024129565"/>
       </p:ext>
     </p:extLst>
   </p:cSld>
@@ -6615,6 +6462,498 @@
       </p:grpSpPr>
       <p:sp>
         <p:nvSpPr>
+          <p:cNvPr id="4" name="מלבן 3">
+            <a:extLst>
+              <a:ext uri="{FF2B5EF4-FFF2-40B4-BE49-F238E27FC236}">
+                <a16:creationId xmlns:a16="http://schemas.microsoft.com/office/drawing/2014/main" id="{74609AB5-34A0-4526-AABA-E4DE4362E011}"/>
+              </a:ext>
+            </a:extLst>
+          </p:cNvPr>
+          <p:cNvSpPr/>
+          <p:nvPr/>
+        </p:nvSpPr>
+        <p:spPr>
+          <a:xfrm>
+            <a:off x="159798" y="3355190"/>
+            <a:ext cx="1194047" cy="926066"/>
+          </a:xfrm>
+          <a:prstGeom prst="rect">
+            <a:avLst/>
+          </a:prstGeom>
+        </p:spPr>
+        <p:style>
+          <a:lnRef idx="2">
+            <a:schemeClr val="accent1">
+              <a:shade val="50000"/>
+            </a:schemeClr>
+          </a:lnRef>
+          <a:fillRef idx="1">
+            <a:schemeClr val="accent1"/>
+          </a:fillRef>
+          <a:effectRef idx="0">
+            <a:schemeClr val="accent1"/>
+          </a:effectRef>
+          <a:fontRef idx="minor">
+            <a:schemeClr val="lt1"/>
+          </a:fontRef>
+        </p:style>
+        <p:txBody>
+          <a:bodyPr rtlCol="1" anchor="ctr"/>
+          <a:lstStyle/>
+          <a:p>
+            <a:pPr algn="ctr"/>
+            <a:r>
+              <a:rPr lang="en-US" sz="1400" dirty="0"/>
+              <a:t>Handle Empty Values</a:t>
+            </a:r>
+            <a:endParaRPr lang="he-IL" sz="1400" dirty="0"/>
+          </a:p>
+        </p:txBody>
+      </p:sp>
+      <p:sp>
+        <p:nvSpPr>
+          <p:cNvPr id="6" name="מלבן 5">
+            <a:extLst>
+              <a:ext uri="{FF2B5EF4-FFF2-40B4-BE49-F238E27FC236}">
+                <a16:creationId xmlns:a16="http://schemas.microsoft.com/office/drawing/2014/main" id="{F455A1AA-6082-4A3E-9532-8B7DFC1574DF}"/>
+              </a:ext>
+            </a:extLst>
+          </p:cNvPr>
+          <p:cNvSpPr/>
+          <p:nvPr/>
+        </p:nvSpPr>
+        <p:spPr>
+          <a:xfrm>
+            <a:off x="2882284" y="3355760"/>
+            <a:ext cx="1194047" cy="926066"/>
+          </a:xfrm>
+          <a:prstGeom prst="rect">
+            <a:avLst/>
+          </a:prstGeom>
+        </p:spPr>
+        <p:style>
+          <a:lnRef idx="2">
+            <a:schemeClr val="accent1">
+              <a:shade val="50000"/>
+            </a:schemeClr>
+          </a:lnRef>
+          <a:fillRef idx="1">
+            <a:schemeClr val="accent1"/>
+          </a:fillRef>
+          <a:effectRef idx="0">
+            <a:schemeClr val="accent1"/>
+          </a:effectRef>
+          <a:fontRef idx="minor">
+            <a:schemeClr val="lt1"/>
+          </a:fontRef>
+        </p:style>
+        <p:txBody>
+          <a:bodyPr rtlCol="1" anchor="ctr"/>
+          <a:lstStyle/>
+          <a:p>
+            <a:pPr algn="ctr"/>
+            <a:r>
+              <a:rPr lang="en-US" sz="1400" dirty="0"/>
+              <a:t>Discretization</a:t>
+            </a:r>
+            <a:endParaRPr lang="he-IL" sz="1400" dirty="0"/>
+          </a:p>
+        </p:txBody>
+      </p:sp>
+      <p:sp>
+        <p:nvSpPr>
+          <p:cNvPr id="7" name="מלבן 6">
+            <a:extLst>
+              <a:ext uri="{FF2B5EF4-FFF2-40B4-BE49-F238E27FC236}">
+                <a16:creationId xmlns:a16="http://schemas.microsoft.com/office/drawing/2014/main" id="{C5792502-C08D-4F48-AA09-8F4286D5944F}"/>
+              </a:ext>
+            </a:extLst>
+          </p:cNvPr>
+          <p:cNvSpPr/>
+          <p:nvPr/>
+        </p:nvSpPr>
+        <p:spPr>
+          <a:xfrm>
+            <a:off x="4243527" y="3355760"/>
+            <a:ext cx="1194047" cy="926066"/>
+          </a:xfrm>
+          <a:prstGeom prst="rect">
+            <a:avLst/>
+          </a:prstGeom>
+        </p:spPr>
+        <p:style>
+          <a:lnRef idx="2">
+            <a:schemeClr val="accent1">
+              <a:shade val="50000"/>
+            </a:schemeClr>
+          </a:lnRef>
+          <a:fillRef idx="1">
+            <a:schemeClr val="accent1"/>
+          </a:fillRef>
+          <a:effectRef idx="0">
+            <a:schemeClr val="accent1"/>
+          </a:effectRef>
+          <a:fontRef idx="minor">
+            <a:schemeClr val="lt1"/>
+          </a:fontRef>
+        </p:style>
+        <p:txBody>
+          <a:bodyPr rtlCol="1" anchor="ctr"/>
+          <a:lstStyle/>
+          <a:p>
+            <a:pPr algn="ctr"/>
+            <a:r>
+              <a:rPr lang="en-US" sz="1400" dirty="0" err="1"/>
+              <a:t>Enum</a:t>
+            </a:r>
+            <a:endParaRPr lang="he-IL" sz="1400" dirty="0"/>
+          </a:p>
+        </p:txBody>
+      </p:sp>
+      <p:sp>
+        <p:nvSpPr>
+          <p:cNvPr id="8" name="מלבן 7">
+            <a:extLst>
+              <a:ext uri="{FF2B5EF4-FFF2-40B4-BE49-F238E27FC236}">
+                <a16:creationId xmlns:a16="http://schemas.microsoft.com/office/drawing/2014/main" id="{144FAF8B-F585-439C-8E89-B59AED2B9610}"/>
+              </a:ext>
+            </a:extLst>
+          </p:cNvPr>
+          <p:cNvSpPr/>
+          <p:nvPr/>
+        </p:nvSpPr>
+        <p:spPr>
+          <a:xfrm>
+            <a:off x="5700947" y="3355190"/>
+            <a:ext cx="1194047" cy="926066"/>
+          </a:xfrm>
+          <a:prstGeom prst="rect">
+            <a:avLst/>
+          </a:prstGeom>
+        </p:spPr>
+        <p:style>
+          <a:lnRef idx="2">
+            <a:schemeClr val="accent1">
+              <a:shade val="50000"/>
+            </a:schemeClr>
+          </a:lnRef>
+          <a:fillRef idx="1">
+            <a:schemeClr val="accent1"/>
+          </a:fillRef>
+          <a:effectRef idx="0">
+            <a:schemeClr val="accent1"/>
+          </a:effectRef>
+          <a:fontRef idx="minor">
+            <a:schemeClr val="lt1"/>
+          </a:fontRef>
+        </p:style>
+        <p:txBody>
+          <a:bodyPr rtlCol="1" anchor="ctr"/>
+          <a:lstStyle/>
+          <a:p>
+            <a:pPr algn="ctr"/>
+            <a:r>
+              <a:rPr lang="en-US" sz="1400" dirty="0"/>
+              <a:t>FS</a:t>
+            </a:r>
+            <a:endParaRPr lang="he-IL" sz="1400" dirty="0"/>
+          </a:p>
+        </p:txBody>
+      </p:sp>
+      <p:sp>
+        <p:nvSpPr>
+          <p:cNvPr id="9" name="מלבן 8">
+            <a:extLst>
+              <a:ext uri="{FF2B5EF4-FFF2-40B4-BE49-F238E27FC236}">
+                <a16:creationId xmlns:a16="http://schemas.microsoft.com/office/drawing/2014/main" id="{93920802-7B02-401C-A236-795F3187EBC5}"/>
+              </a:ext>
+            </a:extLst>
+          </p:cNvPr>
+          <p:cNvSpPr/>
+          <p:nvPr/>
+        </p:nvSpPr>
+        <p:spPr>
+          <a:xfrm>
+            <a:off x="7158367" y="3355190"/>
+            <a:ext cx="1194047" cy="926066"/>
+          </a:xfrm>
+          <a:prstGeom prst="rect">
+            <a:avLst/>
+          </a:prstGeom>
+        </p:spPr>
+        <p:style>
+          <a:lnRef idx="2">
+            <a:schemeClr val="accent1">
+              <a:shade val="50000"/>
+            </a:schemeClr>
+          </a:lnRef>
+          <a:fillRef idx="1">
+            <a:schemeClr val="accent1"/>
+          </a:fillRef>
+          <a:effectRef idx="0">
+            <a:schemeClr val="accent1"/>
+          </a:effectRef>
+          <a:fontRef idx="minor">
+            <a:schemeClr val="lt1"/>
+          </a:fontRef>
+        </p:style>
+        <p:txBody>
+          <a:bodyPr rtlCol="1" anchor="ctr"/>
+          <a:lstStyle/>
+          <a:p>
+            <a:pPr algn="ctr"/>
+            <a:r>
+              <a:rPr lang="en-US" sz="1400" dirty="0"/>
+              <a:t>ALG</a:t>
+            </a:r>
+            <a:endParaRPr lang="he-IL" sz="1400" dirty="0"/>
+          </a:p>
+        </p:txBody>
+      </p:sp>
+      <p:sp>
+        <p:nvSpPr>
+          <p:cNvPr id="10" name="מלבן 9">
+            <a:extLst>
+              <a:ext uri="{FF2B5EF4-FFF2-40B4-BE49-F238E27FC236}">
+                <a16:creationId xmlns:a16="http://schemas.microsoft.com/office/drawing/2014/main" id="{5E9FC044-CAB1-40B3-AB95-441195FD6077}"/>
+              </a:ext>
+            </a:extLst>
+          </p:cNvPr>
+          <p:cNvSpPr/>
+          <p:nvPr/>
+        </p:nvSpPr>
+        <p:spPr>
+          <a:xfrm>
+            <a:off x="8659435" y="3781318"/>
+            <a:ext cx="1194047" cy="926066"/>
+          </a:xfrm>
+          <a:prstGeom prst="rect">
+            <a:avLst/>
+          </a:prstGeom>
+        </p:spPr>
+        <p:style>
+          <a:lnRef idx="2">
+            <a:schemeClr val="accent1">
+              <a:shade val="50000"/>
+            </a:schemeClr>
+          </a:lnRef>
+          <a:fillRef idx="1">
+            <a:schemeClr val="accent1"/>
+          </a:fillRef>
+          <a:effectRef idx="0">
+            <a:schemeClr val="accent1"/>
+          </a:effectRef>
+          <a:fontRef idx="minor">
+            <a:schemeClr val="lt1"/>
+          </a:fontRef>
+        </p:style>
+        <p:txBody>
+          <a:bodyPr rtlCol="1" anchor="ctr"/>
+          <a:lstStyle/>
+          <a:p>
+            <a:pPr algn="ctr"/>
+            <a:r>
+              <a:rPr lang="en-US" sz="1400" dirty="0"/>
+              <a:t>SCORE</a:t>
+            </a:r>
+            <a:endParaRPr lang="he-IL" sz="1400" dirty="0"/>
+          </a:p>
+        </p:txBody>
+      </p:sp>
+      <p:sp>
+        <p:nvSpPr>
+          <p:cNvPr id="11" name="מלבן 10">
+            <a:extLst>
+              <a:ext uri="{FF2B5EF4-FFF2-40B4-BE49-F238E27FC236}">
+                <a16:creationId xmlns:a16="http://schemas.microsoft.com/office/drawing/2014/main" id="{F2DA0E8C-25FD-4020-8F82-69843E774E23}"/>
+              </a:ext>
+            </a:extLst>
+          </p:cNvPr>
+          <p:cNvSpPr/>
+          <p:nvPr/>
+        </p:nvSpPr>
+        <p:spPr>
+          <a:xfrm>
+            <a:off x="10116104" y="3817398"/>
+            <a:ext cx="1194047" cy="926066"/>
+          </a:xfrm>
+          <a:prstGeom prst="rect">
+            <a:avLst/>
+          </a:prstGeom>
+        </p:spPr>
+        <p:style>
+          <a:lnRef idx="2">
+            <a:schemeClr val="accent1">
+              <a:shade val="50000"/>
+            </a:schemeClr>
+          </a:lnRef>
+          <a:fillRef idx="1">
+            <a:schemeClr val="accent1"/>
+          </a:fillRef>
+          <a:effectRef idx="0">
+            <a:schemeClr val="accent1"/>
+          </a:effectRef>
+          <a:fontRef idx="minor">
+            <a:schemeClr val="lt1"/>
+          </a:fontRef>
+        </p:style>
+        <p:txBody>
+          <a:bodyPr rtlCol="1" anchor="ctr"/>
+          <a:lstStyle/>
+          <a:p>
+            <a:pPr algn="ctr"/>
+            <a:r>
+              <a:rPr lang="en-US" sz="1400" dirty="0"/>
+              <a:t>RESULT</a:t>
+            </a:r>
+            <a:endParaRPr lang="he-IL" sz="1400" dirty="0"/>
+          </a:p>
+          <a:p>
+            <a:pPr algn="ctr"/>
+            <a:r>
+              <a:rPr lang="en-US" sz="1400" dirty="0"/>
+              <a:t>(ALG)</a:t>
+            </a:r>
+            <a:endParaRPr lang="he-IL" sz="1400" dirty="0"/>
+          </a:p>
+        </p:txBody>
+      </p:sp>
+      <p:sp>
+        <p:nvSpPr>
+          <p:cNvPr id="12" name="מלבן 11">
+            <a:extLst>
+              <a:ext uri="{FF2B5EF4-FFF2-40B4-BE49-F238E27FC236}">
+                <a16:creationId xmlns:a16="http://schemas.microsoft.com/office/drawing/2014/main" id="{47E76C13-4B61-4E05-B82D-64A274AF8A75}"/>
+              </a:ext>
+            </a:extLst>
+          </p:cNvPr>
+          <p:cNvSpPr/>
+          <p:nvPr/>
+        </p:nvSpPr>
+        <p:spPr>
+          <a:xfrm>
+            <a:off x="1521041" y="3355190"/>
+            <a:ext cx="1194047" cy="926066"/>
+          </a:xfrm>
+          <a:prstGeom prst="rect">
+            <a:avLst/>
+          </a:prstGeom>
+        </p:spPr>
+        <p:style>
+          <a:lnRef idx="2">
+            <a:schemeClr val="accent1">
+              <a:shade val="50000"/>
+            </a:schemeClr>
+          </a:lnRef>
+          <a:fillRef idx="1">
+            <a:schemeClr val="accent1"/>
+          </a:fillRef>
+          <a:effectRef idx="0">
+            <a:schemeClr val="accent1"/>
+          </a:effectRef>
+          <a:fontRef idx="minor">
+            <a:schemeClr val="lt1"/>
+          </a:fontRef>
+        </p:style>
+        <p:txBody>
+          <a:bodyPr rtlCol="1" anchor="ctr"/>
+          <a:lstStyle/>
+          <a:p>
+            <a:pPr algn="ctr"/>
+            <a:r>
+              <a:rPr lang="en-US" sz="1400" dirty="0"/>
+              <a:t>Feature Scaling</a:t>
+            </a:r>
+            <a:endParaRPr lang="he-IL" sz="1400" dirty="0"/>
+          </a:p>
+        </p:txBody>
+      </p:sp>
+      <p:sp>
+        <p:nvSpPr>
+          <p:cNvPr id="13" name="מלבן 12">
+            <a:extLst>
+              <a:ext uri="{FF2B5EF4-FFF2-40B4-BE49-F238E27FC236}">
+                <a16:creationId xmlns:a16="http://schemas.microsoft.com/office/drawing/2014/main" id="{642D20AA-6152-4F04-AEAD-9C55C30D6098}"/>
+              </a:ext>
+            </a:extLst>
+          </p:cNvPr>
+          <p:cNvSpPr/>
+          <p:nvPr/>
+        </p:nvSpPr>
+        <p:spPr>
+          <a:xfrm>
+            <a:off x="7177606" y="4501889"/>
+            <a:ext cx="1194047" cy="926066"/>
+          </a:xfrm>
+          <a:prstGeom prst="rect">
+            <a:avLst/>
+          </a:prstGeom>
+        </p:spPr>
+        <p:style>
+          <a:lnRef idx="2">
+            <a:schemeClr val="accent1">
+              <a:shade val="50000"/>
+            </a:schemeClr>
+          </a:lnRef>
+          <a:fillRef idx="1">
+            <a:schemeClr val="accent1"/>
+          </a:fillRef>
+          <a:effectRef idx="0">
+            <a:schemeClr val="accent1"/>
+          </a:effectRef>
+          <a:fontRef idx="minor">
+            <a:schemeClr val="lt1"/>
+          </a:fontRef>
+        </p:style>
+        <p:txBody>
+          <a:bodyPr rtlCol="1" anchor="ctr"/>
+          <a:lstStyle/>
+          <a:p>
+            <a:pPr algn="ctr"/>
+            <a:r>
+              <a:rPr lang="en-US" sz="1400" dirty="0"/>
+              <a:t>Hyperparameters </a:t>
+            </a:r>
+            <a:r>
+              <a:rPr lang="en-US" sz="1400" dirty="0" err="1"/>
+              <a:t>Tunning</a:t>
+            </a:r>
+            <a:endParaRPr lang="he-IL" sz="1400" dirty="0"/>
+          </a:p>
+        </p:txBody>
+      </p:sp>
+    </p:spTree>
+    <p:extLst>
+      <p:ext uri="{BB962C8B-B14F-4D97-AF65-F5344CB8AC3E}">
+        <p14:creationId xmlns:p14="http://schemas.microsoft.com/office/powerpoint/2010/main" val="1488967984"/>
+      </p:ext>
+    </p:extLst>
+  </p:cSld>
+  <p:clrMapOvr>
+    <a:masterClrMapping/>
+  </p:clrMapOvr>
+</p:sld>
+</file>
+
+<file path=ppt/slides/slide28.xml><?xml version="1.0" encoding="utf-8"?>
+<p:sld xmlns:a="http://schemas.openxmlformats.org/drawingml/2006/main" xmlns:r="http://schemas.openxmlformats.org/officeDocument/2006/relationships" xmlns:p="http://schemas.openxmlformats.org/presentationml/2006/main">
+  <p:cSld>
+    <p:spTree>
+      <p:nvGrpSpPr>
+        <p:cNvPr id="1" name=""/>
+        <p:cNvGrpSpPr/>
+        <p:nvPr/>
+      </p:nvGrpSpPr>
+      <p:grpSpPr>
+        <a:xfrm>
+          <a:off x="0" y="0"/>
+          <a:ext cx="0" cy="0"/>
+          <a:chOff x="0" y="0"/>
+          <a:chExt cx="0" cy="0"/>
+        </a:xfrm>
+      </p:grpSpPr>
+      <p:sp>
+        <p:nvSpPr>
           <p:cNvPr id="2" name="כותרת 1">
             <a:extLst>
               <a:ext uri="{FF2B5EF4-FFF2-40B4-BE49-F238E27FC236}">
@@ -6680,7 +7019,7 @@
 </p:sld>
 </file>
 
-<file path=ppt/slides/slide28.xml><?xml version="1.0" encoding="utf-8"?>
+<file path=ppt/slides/slide29.xml><?xml version="1.0" encoding="utf-8"?>
 <p:sld xmlns:a="http://schemas.openxmlformats.org/drawingml/2006/main" xmlns:r="http://schemas.openxmlformats.org/officeDocument/2006/relationships" xmlns:p="http://schemas.openxmlformats.org/presentationml/2006/main">
   <p:cSld>
     <p:spTree>
@@ -7107,90 +7446,6 @@
 </p:sld>
 </file>
 
-<file path=ppt/slides/slide29.xml><?xml version="1.0" encoding="utf-8"?>
-<p:sld xmlns:a="http://schemas.openxmlformats.org/drawingml/2006/main" xmlns:r="http://schemas.openxmlformats.org/officeDocument/2006/relationships" xmlns:p="http://schemas.openxmlformats.org/presentationml/2006/main">
-  <p:cSld>
-    <p:spTree>
-      <p:nvGrpSpPr>
-        <p:cNvPr id="1" name=""/>
-        <p:cNvGrpSpPr/>
-        <p:nvPr/>
-      </p:nvGrpSpPr>
-      <p:grpSpPr>
-        <a:xfrm>
-          <a:off x="0" y="0"/>
-          <a:ext cx="0" cy="0"/>
-          <a:chOff x="0" y="0"/>
-          <a:chExt cx="0" cy="0"/>
-        </a:xfrm>
-      </p:grpSpPr>
-      <p:sp>
-        <p:nvSpPr>
-          <p:cNvPr id="2" name="כותרת 1">
-            <a:extLst>
-              <a:ext uri="{FF2B5EF4-FFF2-40B4-BE49-F238E27FC236}">
-                <a16:creationId xmlns:a16="http://schemas.microsoft.com/office/drawing/2014/main" id="{12C43150-B25E-4D0E-BDF4-635BEFD8EF18}"/>
-              </a:ext>
-            </a:extLst>
-          </p:cNvPr>
-          <p:cNvSpPr>
-            <a:spLocks noGrp="1"/>
-          </p:cNvSpPr>
-          <p:nvPr>
-            <p:ph type="ctrTitle"/>
-          </p:nvPr>
-        </p:nvSpPr>
-        <p:spPr/>
-        <p:txBody>
-          <a:bodyPr/>
-          <a:lstStyle/>
-          <a:p>
-            <a:r>
-              <a:rPr lang="en-US" dirty="0"/>
-              <a:t>Classification</a:t>
-            </a:r>
-            <a:endParaRPr lang="he-IL" dirty="0"/>
-          </a:p>
-        </p:txBody>
-      </p:sp>
-      <p:sp>
-        <p:nvSpPr>
-          <p:cNvPr id="3" name="כותרת משנה 2">
-            <a:extLst>
-              <a:ext uri="{FF2B5EF4-FFF2-40B4-BE49-F238E27FC236}">
-                <a16:creationId xmlns:a16="http://schemas.microsoft.com/office/drawing/2014/main" id="{686F7E77-CF92-46E1-B497-C07D9D641FF9}"/>
-              </a:ext>
-            </a:extLst>
-          </p:cNvPr>
-          <p:cNvSpPr>
-            <a:spLocks noGrp="1"/>
-          </p:cNvSpPr>
-          <p:nvPr>
-            <p:ph type="subTitle" idx="1"/>
-          </p:nvPr>
-        </p:nvSpPr>
-        <p:spPr/>
-        <p:txBody>
-          <a:bodyPr/>
-          <a:lstStyle/>
-          <a:p>
-            <a:endParaRPr lang="he-IL"/>
-          </a:p>
-        </p:txBody>
-      </p:sp>
-    </p:spTree>
-    <p:extLst>
-      <p:ext uri="{BB962C8B-B14F-4D97-AF65-F5344CB8AC3E}">
-        <p14:creationId xmlns:p14="http://schemas.microsoft.com/office/powerpoint/2010/main" val="862232690"/>
-      </p:ext>
-    </p:extLst>
-  </p:cSld>
-  <p:clrMapOvr>
-    <a:masterClrMapping/>
-  </p:clrMapOvr>
-</p:sld>
-</file>
-
 <file path=ppt/slides/slide3.xml><?xml version="1.0" encoding="utf-8"?>
 <p:sld xmlns:a="http://schemas.openxmlformats.org/drawingml/2006/main" xmlns:r="http://schemas.openxmlformats.org/officeDocument/2006/relationships" xmlns:p="http://schemas.openxmlformats.org/presentationml/2006/main">
   <p:cSld>
@@ -7345,6 +7600,90 @@
           <p:cNvPr id="2" name="כותרת 1">
             <a:extLst>
               <a:ext uri="{FF2B5EF4-FFF2-40B4-BE49-F238E27FC236}">
+                <a16:creationId xmlns:a16="http://schemas.microsoft.com/office/drawing/2014/main" id="{12C43150-B25E-4D0E-BDF4-635BEFD8EF18}"/>
+              </a:ext>
+            </a:extLst>
+          </p:cNvPr>
+          <p:cNvSpPr>
+            <a:spLocks noGrp="1"/>
+          </p:cNvSpPr>
+          <p:nvPr>
+            <p:ph type="ctrTitle"/>
+          </p:nvPr>
+        </p:nvSpPr>
+        <p:spPr/>
+        <p:txBody>
+          <a:bodyPr/>
+          <a:lstStyle/>
+          <a:p>
+            <a:r>
+              <a:rPr lang="en-US" dirty="0"/>
+              <a:t>Classification</a:t>
+            </a:r>
+            <a:endParaRPr lang="he-IL" dirty="0"/>
+          </a:p>
+        </p:txBody>
+      </p:sp>
+      <p:sp>
+        <p:nvSpPr>
+          <p:cNvPr id="3" name="כותרת משנה 2">
+            <a:extLst>
+              <a:ext uri="{FF2B5EF4-FFF2-40B4-BE49-F238E27FC236}">
+                <a16:creationId xmlns:a16="http://schemas.microsoft.com/office/drawing/2014/main" id="{686F7E77-CF92-46E1-B497-C07D9D641FF9}"/>
+              </a:ext>
+            </a:extLst>
+          </p:cNvPr>
+          <p:cNvSpPr>
+            <a:spLocks noGrp="1"/>
+          </p:cNvSpPr>
+          <p:nvPr>
+            <p:ph type="subTitle" idx="1"/>
+          </p:nvPr>
+        </p:nvSpPr>
+        <p:spPr/>
+        <p:txBody>
+          <a:bodyPr/>
+          <a:lstStyle/>
+          <a:p>
+            <a:endParaRPr lang="he-IL"/>
+          </a:p>
+        </p:txBody>
+      </p:sp>
+    </p:spTree>
+    <p:extLst>
+      <p:ext uri="{BB962C8B-B14F-4D97-AF65-F5344CB8AC3E}">
+        <p14:creationId xmlns:p14="http://schemas.microsoft.com/office/powerpoint/2010/main" val="862232690"/>
+      </p:ext>
+    </p:extLst>
+  </p:cSld>
+  <p:clrMapOvr>
+    <a:masterClrMapping/>
+  </p:clrMapOvr>
+</p:sld>
+</file>
+
+<file path=ppt/slides/slide31.xml><?xml version="1.0" encoding="utf-8"?>
+<p:sld xmlns:a="http://schemas.openxmlformats.org/drawingml/2006/main" xmlns:r="http://schemas.openxmlformats.org/officeDocument/2006/relationships" xmlns:p="http://schemas.openxmlformats.org/presentationml/2006/main">
+  <p:cSld>
+    <p:spTree>
+      <p:nvGrpSpPr>
+        <p:cNvPr id="1" name=""/>
+        <p:cNvGrpSpPr/>
+        <p:nvPr/>
+      </p:nvGrpSpPr>
+      <p:grpSpPr>
+        <a:xfrm>
+          <a:off x="0" y="0"/>
+          <a:ext cx="0" cy="0"/>
+          <a:chOff x="0" y="0"/>
+          <a:chExt cx="0" cy="0"/>
+        </a:xfrm>
+      </p:grpSpPr>
+      <p:sp>
+        <p:nvSpPr>
+          <p:cNvPr id="2" name="כותרת 1">
+            <a:extLst>
+              <a:ext uri="{FF2B5EF4-FFF2-40B4-BE49-F238E27FC236}">
                 <a16:creationId xmlns:a16="http://schemas.microsoft.com/office/drawing/2014/main" id="{B3DECD05-1091-405F-9DAA-0C4DFD47CC50}"/>
               </a:ext>
             </a:extLst>
@@ -7449,7 +7788,7 @@
 </p:sld>
 </file>
 
-<file path=ppt/slides/slide31.xml><?xml version="1.0" encoding="utf-8"?>
+<file path=ppt/slides/slide32.xml><?xml version="1.0" encoding="utf-8"?>
 <p:sld xmlns:a="http://schemas.openxmlformats.org/drawingml/2006/main" xmlns:r="http://schemas.openxmlformats.org/officeDocument/2006/relationships" xmlns:p="http://schemas.openxmlformats.org/presentationml/2006/main">
   <p:cSld>
     <p:spTree>
@@ -7744,7 +8083,7 @@
 </p:sld>
 </file>
 
-<file path=ppt/slides/slide32.xml><?xml version="1.0" encoding="utf-8"?>
+<file path=ppt/slides/slide33.xml><?xml version="1.0" encoding="utf-8"?>
 <p:sld xmlns:a="http://schemas.openxmlformats.org/drawingml/2006/main" xmlns:r="http://schemas.openxmlformats.org/officeDocument/2006/relationships" xmlns:p="http://schemas.openxmlformats.org/presentationml/2006/main">
   <p:cSld>
     <p:spTree>
@@ -8024,90 +8363,6 @@
 </p:sld>
 </file>
 
-<file path=ppt/slides/slide33.xml><?xml version="1.0" encoding="utf-8"?>
-<p:sld xmlns:a="http://schemas.openxmlformats.org/drawingml/2006/main" xmlns:r="http://schemas.openxmlformats.org/officeDocument/2006/relationships" xmlns:p="http://schemas.openxmlformats.org/presentationml/2006/main">
-  <p:cSld>
-    <p:spTree>
-      <p:nvGrpSpPr>
-        <p:cNvPr id="1" name=""/>
-        <p:cNvGrpSpPr/>
-        <p:nvPr/>
-      </p:nvGrpSpPr>
-      <p:grpSpPr>
-        <a:xfrm>
-          <a:off x="0" y="0"/>
-          <a:ext cx="0" cy="0"/>
-          <a:chOff x="0" y="0"/>
-          <a:chExt cx="0" cy="0"/>
-        </a:xfrm>
-      </p:grpSpPr>
-      <p:sp>
-        <p:nvSpPr>
-          <p:cNvPr id="2" name="כותרת 1">
-            <a:extLst>
-              <a:ext uri="{FF2B5EF4-FFF2-40B4-BE49-F238E27FC236}">
-                <a16:creationId xmlns:a16="http://schemas.microsoft.com/office/drawing/2014/main" id="{12C43150-B25E-4D0E-BDF4-635BEFD8EF18}"/>
-              </a:ext>
-            </a:extLst>
-          </p:cNvPr>
-          <p:cNvSpPr>
-            <a:spLocks noGrp="1"/>
-          </p:cNvSpPr>
-          <p:nvPr>
-            <p:ph type="ctrTitle"/>
-          </p:nvPr>
-        </p:nvSpPr>
-        <p:spPr/>
-        <p:txBody>
-          <a:bodyPr/>
-          <a:lstStyle/>
-          <a:p>
-            <a:r>
-              <a:rPr lang="en-US" dirty="0"/>
-              <a:t>Hyperparameters</a:t>
-            </a:r>
-            <a:endParaRPr lang="he-IL" dirty="0"/>
-          </a:p>
-        </p:txBody>
-      </p:sp>
-      <p:sp>
-        <p:nvSpPr>
-          <p:cNvPr id="3" name="כותרת משנה 2">
-            <a:extLst>
-              <a:ext uri="{FF2B5EF4-FFF2-40B4-BE49-F238E27FC236}">
-                <a16:creationId xmlns:a16="http://schemas.microsoft.com/office/drawing/2014/main" id="{686F7E77-CF92-46E1-B497-C07D9D641FF9}"/>
-              </a:ext>
-            </a:extLst>
-          </p:cNvPr>
-          <p:cNvSpPr>
-            <a:spLocks noGrp="1"/>
-          </p:cNvSpPr>
-          <p:nvPr>
-            <p:ph type="subTitle" idx="1"/>
-          </p:nvPr>
-        </p:nvSpPr>
-        <p:spPr/>
-        <p:txBody>
-          <a:bodyPr/>
-          <a:lstStyle/>
-          <a:p>
-            <a:endParaRPr lang="he-IL"/>
-          </a:p>
-        </p:txBody>
-      </p:sp>
-    </p:spTree>
-    <p:extLst>
-      <p:ext uri="{BB962C8B-B14F-4D97-AF65-F5344CB8AC3E}">
-        <p14:creationId xmlns:p14="http://schemas.microsoft.com/office/powerpoint/2010/main" val="2288411002"/>
-      </p:ext>
-    </p:extLst>
-  </p:cSld>
-  <p:clrMapOvr>
-    <a:masterClrMapping/>
-  </p:clrMapOvr>
-</p:sld>
-</file>
-
 <file path=ppt/slides/slide34.xml><?xml version="1.0" encoding="utf-8"?>
 <p:sld xmlns:a="http://schemas.openxmlformats.org/drawingml/2006/main" xmlns:r="http://schemas.openxmlformats.org/officeDocument/2006/relationships" xmlns:p="http://schemas.openxmlformats.org/presentationml/2006/main">
   <p:cSld>
@@ -8130,15 +8385,15 @@
           <p:cNvPr id="2" name="כותרת 1">
             <a:extLst>
               <a:ext uri="{FF2B5EF4-FFF2-40B4-BE49-F238E27FC236}">
-                <a16:creationId xmlns:a16="http://schemas.microsoft.com/office/drawing/2014/main" id="{A93F3B18-1992-44CA-9CCF-79F5F16E8B3A}"/>
-              </a:ext>
-            </a:extLst>
-          </p:cNvPr>
-          <p:cNvSpPr>
-            <a:spLocks noGrp="1"/>
-          </p:cNvSpPr>
-          <p:nvPr>
-            <p:ph type="title"/>
+                <a16:creationId xmlns:a16="http://schemas.microsoft.com/office/drawing/2014/main" id="{12C43150-B25E-4D0E-BDF4-635BEFD8EF18}"/>
+              </a:ext>
+            </a:extLst>
+          </p:cNvPr>
+          <p:cNvSpPr>
+            <a:spLocks noGrp="1"/>
+          </p:cNvSpPr>
+          <p:nvPr>
+            <p:ph type="ctrTitle"/>
           </p:nvPr>
         </p:nvSpPr>
         <p:spPr/>
@@ -8147,12 +8402,8 @@
           <a:lstStyle/>
           <a:p>
             <a:r>
-              <a:rPr lang="en-US" dirty="0" err="1"/>
-              <a:t>Tunning</a:t>
-            </a:r>
-            <a:r>
-              <a:rPr lang="en-US" dirty="0"/>
-              <a:t> Hyperparameters</a:t>
+              <a:rPr lang="en-US" dirty="0"/>
+              <a:t>Hyperparameters</a:t>
             </a:r>
             <a:endParaRPr lang="he-IL" dirty="0"/>
           </a:p>
@@ -8160,18 +8411,18 @@
       </p:sp>
       <p:sp>
         <p:nvSpPr>
-          <p:cNvPr id="3" name="מציין מיקום תוכן 2">
-            <a:extLst>
-              <a:ext uri="{FF2B5EF4-FFF2-40B4-BE49-F238E27FC236}">
-                <a16:creationId xmlns:a16="http://schemas.microsoft.com/office/drawing/2014/main" id="{FEFCBAAF-840A-4EAE-AF35-C96ADBE566C0}"/>
-              </a:ext>
-            </a:extLst>
-          </p:cNvPr>
-          <p:cNvSpPr>
-            <a:spLocks noGrp="1"/>
-          </p:cNvSpPr>
-          <p:nvPr>
-            <p:ph idx="1"/>
+          <p:cNvPr id="3" name="כותרת משנה 2">
+            <a:extLst>
+              <a:ext uri="{FF2B5EF4-FFF2-40B4-BE49-F238E27FC236}">
+                <a16:creationId xmlns:a16="http://schemas.microsoft.com/office/drawing/2014/main" id="{686F7E77-CF92-46E1-B497-C07D9D641FF9}"/>
+              </a:ext>
+            </a:extLst>
+          </p:cNvPr>
+          <p:cNvSpPr>
+            <a:spLocks noGrp="1"/>
+          </p:cNvSpPr>
+          <p:nvPr>
+            <p:ph type="subTitle" idx="1"/>
           </p:nvPr>
         </p:nvSpPr>
         <p:spPr/>
@@ -8179,76 +8430,14 @@
           <a:bodyPr/>
           <a:lstStyle/>
           <a:p>
-            <a:r>
-              <a:rPr lang="en-US" dirty="0"/>
-              <a:t> </a:t>
-            </a:r>
-            <a:r>
-              <a:rPr lang="en-US" dirty="0" err="1"/>
-              <a:t>GridSearchCV</a:t>
-            </a:r>
-            <a:r>
-              <a:rPr lang="en-US" dirty="0"/>
-              <a:t> </a:t>
-            </a:r>
-            <a:endParaRPr lang="he-IL" dirty="0"/>
-          </a:p>
-          <a:p>
-            <a:pPr lvl="1"/>
-            <a:r>
-              <a:rPr lang="he-IL" dirty="0"/>
-              <a:t>מצבע מעבר על מספר </a:t>
-            </a:r>
-            <a:r>
-              <a:rPr lang="en-US" dirty="0"/>
-              <a:t>hyperparameters</a:t>
-            </a:r>
-            <a:r>
-              <a:rPr lang="he-IL" dirty="0"/>
-              <a:t> ומחזיר את הטוב שבהם</a:t>
-            </a:r>
-          </a:p>
-          <a:p>
-            <a:pPr lvl="1"/>
-            <a:r>
-              <a:rPr lang="he-IL" dirty="0"/>
-              <a:t>מתבצע עם </a:t>
-            </a:r>
-            <a:r>
-              <a:rPr lang="en-US" dirty="0"/>
-              <a:t>KFOLD</a:t>
-            </a:r>
-            <a:r>
-              <a:rPr lang="he-IL" dirty="0"/>
-              <a:t> (ולכן מספר </a:t>
-            </a:r>
-            <a:r>
-              <a:rPr lang="he-IL" dirty="0" err="1"/>
-              <a:t>איטרציות</a:t>
-            </a:r>
-            <a:r>
-              <a:rPr lang="he-IL" dirty="0"/>
-              <a:t> ככל בין מספר הפרמטרים)</a:t>
-            </a:r>
-          </a:p>
-          <a:p>
-            <a:pPr lvl="1"/>
-            <a:r>
-              <a:rPr lang="he-IL" dirty="0"/>
-              <a:t>טוב לעבודה עם </a:t>
-            </a:r>
-            <a:r>
-              <a:rPr lang="en-US" dirty="0"/>
-              <a:t>pipeline</a:t>
-            </a:r>
-            <a:endParaRPr lang="he-IL" dirty="0"/>
+            <a:endParaRPr lang="he-IL"/>
           </a:p>
         </p:txBody>
       </p:sp>
     </p:spTree>
     <p:extLst>
       <p:ext uri="{BB962C8B-B14F-4D97-AF65-F5344CB8AC3E}">
-        <p14:creationId xmlns:p14="http://schemas.microsoft.com/office/powerpoint/2010/main" val="2517907270"/>
+        <p14:creationId xmlns:p14="http://schemas.microsoft.com/office/powerpoint/2010/main" val="2288411002"/>
       </p:ext>
     </p:extLst>
   </p:cSld>
@@ -8280,15 +8469,15 @@
           <p:cNvPr id="2" name="כותרת 1">
             <a:extLst>
               <a:ext uri="{FF2B5EF4-FFF2-40B4-BE49-F238E27FC236}">
-                <a16:creationId xmlns:a16="http://schemas.microsoft.com/office/drawing/2014/main" id="{12C43150-B25E-4D0E-BDF4-635BEFD8EF18}"/>
-              </a:ext>
-            </a:extLst>
-          </p:cNvPr>
-          <p:cNvSpPr>
-            <a:spLocks noGrp="1"/>
-          </p:cNvSpPr>
-          <p:nvPr>
-            <p:ph type="ctrTitle"/>
+                <a16:creationId xmlns:a16="http://schemas.microsoft.com/office/drawing/2014/main" id="{A93F3B18-1992-44CA-9CCF-79F5F16E8B3A}"/>
+              </a:ext>
+            </a:extLst>
+          </p:cNvPr>
+          <p:cNvSpPr>
+            <a:spLocks noGrp="1"/>
+          </p:cNvSpPr>
+          <p:nvPr>
+            <p:ph type="title"/>
           </p:nvPr>
         </p:nvSpPr>
         <p:spPr/>
@@ -8297,8 +8486,12 @@
           <a:lstStyle/>
           <a:p>
             <a:r>
-              <a:rPr lang="en-US" dirty="0"/>
-              <a:t>Cross Validation Techniques</a:t>
+              <a:rPr lang="en-US" dirty="0" err="1"/>
+              <a:t>Tunning</a:t>
+            </a:r>
+            <a:r>
+              <a:rPr lang="en-US" dirty="0"/>
+              <a:t> Hyperparameters</a:t>
             </a:r>
             <a:endParaRPr lang="he-IL" dirty="0"/>
           </a:p>
@@ -8306,18 +8499,18 @@
       </p:sp>
       <p:sp>
         <p:nvSpPr>
-          <p:cNvPr id="3" name="כותרת משנה 2">
-            <a:extLst>
-              <a:ext uri="{FF2B5EF4-FFF2-40B4-BE49-F238E27FC236}">
-                <a16:creationId xmlns:a16="http://schemas.microsoft.com/office/drawing/2014/main" id="{686F7E77-CF92-46E1-B497-C07D9D641FF9}"/>
-              </a:ext>
-            </a:extLst>
-          </p:cNvPr>
-          <p:cNvSpPr>
-            <a:spLocks noGrp="1"/>
-          </p:cNvSpPr>
-          <p:nvPr>
-            <p:ph type="subTitle" idx="1"/>
+          <p:cNvPr id="3" name="מציין מיקום תוכן 2">
+            <a:extLst>
+              <a:ext uri="{FF2B5EF4-FFF2-40B4-BE49-F238E27FC236}">
+                <a16:creationId xmlns:a16="http://schemas.microsoft.com/office/drawing/2014/main" id="{FEFCBAAF-840A-4EAE-AF35-C96ADBE566C0}"/>
+              </a:ext>
+            </a:extLst>
+          </p:cNvPr>
+          <p:cNvSpPr>
+            <a:spLocks noGrp="1"/>
+          </p:cNvSpPr>
+          <p:nvPr>
+            <p:ph idx="1"/>
           </p:nvPr>
         </p:nvSpPr>
         <p:spPr/>
@@ -8325,14 +8518,76 @@
           <a:bodyPr/>
           <a:lstStyle/>
           <a:p>
-            <a:endParaRPr lang="he-IL"/>
+            <a:r>
+              <a:rPr lang="en-US" dirty="0"/>
+              <a:t> </a:t>
+            </a:r>
+            <a:r>
+              <a:rPr lang="en-US" dirty="0" err="1"/>
+              <a:t>GridSearchCV</a:t>
+            </a:r>
+            <a:r>
+              <a:rPr lang="en-US" dirty="0"/>
+              <a:t> </a:t>
+            </a:r>
+            <a:endParaRPr lang="he-IL" dirty="0"/>
+          </a:p>
+          <a:p>
+            <a:pPr lvl="1"/>
+            <a:r>
+              <a:rPr lang="he-IL" dirty="0"/>
+              <a:t>מצבע מעבר על מספר </a:t>
+            </a:r>
+            <a:r>
+              <a:rPr lang="en-US" dirty="0"/>
+              <a:t>hyperparameters</a:t>
+            </a:r>
+            <a:r>
+              <a:rPr lang="he-IL" dirty="0"/>
+              <a:t> ומחזיר את הטוב שבהם</a:t>
+            </a:r>
+          </a:p>
+          <a:p>
+            <a:pPr lvl="1"/>
+            <a:r>
+              <a:rPr lang="he-IL" dirty="0"/>
+              <a:t>מתבצע עם </a:t>
+            </a:r>
+            <a:r>
+              <a:rPr lang="en-US" dirty="0"/>
+              <a:t>KFOLD</a:t>
+            </a:r>
+            <a:r>
+              <a:rPr lang="he-IL" dirty="0"/>
+              <a:t> (ולכן מספר </a:t>
+            </a:r>
+            <a:r>
+              <a:rPr lang="he-IL" dirty="0" err="1"/>
+              <a:t>איטרציות</a:t>
+            </a:r>
+            <a:r>
+              <a:rPr lang="he-IL" dirty="0"/>
+              <a:t> ככל בין מספר הפרמטרים)</a:t>
+            </a:r>
+          </a:p>
+          <a:p>
+            <a:pPr lvl="1"/>
+            <a:r>
+              <a:rPr lang="he-IL" dirty="0"/>
+              <a:t>טוב לעבודה עם </a:t>
+            </a:r>
+            <a:r>
+              <a:rPr lang="en-US" dirty="0"/>
+              <a:t>pipeline</a:t>
+            </a:r>
+            <a:endParaRPr lang="he-IL" dirty="0"/>
           </a:p>
         </p:txBody>
       </p:sp>
     </p:spTree>
     <p:extLst>
       <p:ext uri="{BB962C8B-B14F-4D97-AF65-F5344CB8AC3E}">
-        <p14:creationId xmlns:p14="http://schemas.microsoft.com/office/powerpoint/2010/main" val="1884215603"/>
+        <p14:creationId xmlns:p14="http://schemas.microsoft.com/office/powerpoint/2010/main" val="2517907270"/>
       </p:ext>
     </p:extLst>
   </p:cSld>
@@ -8364,15 +8619,15 @@
           <p:cNvPr id="2" name="כותרת 1">
             <a:extLst>
               <a:ext uri="{FF2B5EF4-FFF2-40B4-BE49-F238E27FC236}">
-                <a16:creationId xmlns:a16="http://schemas.microsoft.com/office/drawing/2014/main" id="{EF0A11AC-E468-4EEB-8FA1-B197F3BD9094}"/>
-              </a:ext>
-            </a:extLst>
-          </p:cNvPr>
-          <p:cNvSpPr>
-            <a:spLocks noGrp="1"/>
-          </p:cNvSpPr>
-          <p:nvPr>
-            <p:ph type="title"/>
+                <a16:creationId xmlns:a16="http://schemas.microsoft.com/office/drawing/2014/main" id="{12C43150-B25E-4D0E-BDF4-635BEFD8EF18}"/>
+              </a:ext>
+            </a:extLst>
+          </p:cNvPr>
+          <p:cNvSpPr>
+            <a:spLocks noGrp="1"/>
+          </p:cNvSpPr>
+          <p:nvPr>
+            <p:ph type="ctrTitle"/>
           </p:nvPr>
         </p:nvSpPr>
         <p:spPr/>
@@ -8381,12 +8636,8 @@
           <a:lstStyle/>
           <a:p>
             <a:r>
-              <a:rPr lang="he-IL" dirty="0"/>
-              <a:t>סוגי </a:t>
-            </a:r>
-            <a:r>
-              <a:rPr lang="en-US" dirty="0"/>
-              <a:t>Cross Validation</a:t>
+              <a:rPr lang="en-US" dirty="0"/>
+              <a:t>Cross Validation Techniques</a:t>
             </a:r>
             <a:endParaRPr lang="he-IL" dirty="0"/>
           </a:p>
@@ -8394,142 +8645,33 @@
       </p:sp>
       <p:sp>
         <p:nvSpPr>
-          <p:cNvPr id="3" name="מציין מיקום תוכן 2">
-            <a:extLst>
-              <a:ext uri="{FF2B5EF4-FFF2-40B4-BE49-F238E27FC236}">
-                <a16:creationId xmlns:a16="http://schemas.microsoft.com/office/drawing/2014/main" id="{949B6EB1-EC9C-4B92-AA3C-864F96E6EB01}"/>
-              </a:ext>
-            </a:extLst>
-          </p:cNvPr>
-          <p:cNvSpPr>
-            <a:spLocks noGrp="1"/>
-          </p:cNvSpPr>
-          <p:nvPr>
-            <p:ph idx="1"/>
-          </p:nvPr>
-        </p:nvSpPr>
-        <p:spPr>
-          <a:xfrm>
-            <a:off x="838200" y="1695451"/>
-            <a:ext cx="10515600" cy="4351338"/>
-          </a:xfrm>
-        </p:spPr>
-        <p:txBody>
-          <a:bodyPr>
-            <a:normAutofit/>
-          </a:bodyPr>
-          <a:lstStyle/>
-          <a:p>
-            <a:r>
-              <a:rPr lang="en-US" dirty="0"/>
-              <a:t>Holdout</a:t>
-            </a:r>
-            <a:r>
-              <a:rPr lang="he-IL" dirty="0"/>
-              <a:t> , בסיסי </a:t>
-            </a:r>
-            <a:r>
-              <a:rPr lang="en-US" dirty="0"/>
-              <a:t>(split)</a:t>
-            </a:r>
-            <a:r>
-              <a:rPr lang="he-IL" dirty="0"/>
-              <a:t>.</a:t>
-            </a:r>
-          </a:p>
-          <a:p>
-            <a:r>
-              <a:rPr lang="en-US" dirty="0" err="1"/>
-              <a:t>Kfold</a:t>
-            </a:r>
-            <a:endParaRPr lang="he-IL" dirty="0"/>
-          </a:p>
-          <a:p>
-            <a:r>
-              <a:rPr lang="en-US" dirty="0"/>
-              <a:t>Random subsamples</a:t>
-            </a:r>
-          </a:p>
-          <a:p>
-            <a:pPr lvl="1"/>
-            <a:r>
-              <a:rPr lang="he-IL" dirty="0"/>
-              <a:t>בכל פעם בוחרים באופן אקראי את הדגימות לאימון ולבחינה</a:t>
-            </a:r>
-          </a:p>
-          <a:p>
-            <a:r>
-              <a:rPr lang="en-US" dirty="0"/>
-              <a:t>Leave one out</a:t>
-            </a:r>
-            <a:endParaRPr lang="he-IL" dirty="0"/>
-          </a:p>
-          <a:p>
-            <a:pPr lvl="1"/>
-            <a:r>
-              <a:rPr lang="he-IL" dirty="0"/>
-              <a:t>כמו </a:t>
-            </a:r>
-            <a:r>
-              <a:rPr lang="en-US" dirty="0" err="1"/>
-              <a:t>kfold</a:t>
-            </a:r>
-            <a:r>
-              <a:rPr lang="he-IL" dirty="0"/>
-              <a:t> כאשר </a:t>
-            </a:r>
-            <a:r>
-              <a:rPr lang="en-US" dirty="0"/>
-              <a:t>k</a:t>
-            </a:r>
-            <a:r>
-              <a:rPr lang="he-IL" dirty="0"/>
-              <a:t> שווה למספר הדגימות.</a:t>
-            </a:r>
-          </a:p>
-          <a:p>
-            <a:pPr lvl="1"/>
-            <a:r>
-              <a:rPr lang="he-IL" dirty="0"/>
-              <a:t>בכל פעם יש רק דגימה אחת לבחינה וכל השאר לאימון</a:t>
-            </a:r>
-          </a:p>
-          <a:p>
-            <a:r>
-              <a:rPr lang="en-US" dirty="0"/>
-              <a:t>Leave p out</a:t>
-            </a:r>
-            <a:endParaRPr lang="he-IL" dirty="0"/>
-          </a:p>
-          <a:p>
-            <a:pPr lvl="1"/>
-            <a:r>
-              <a:rPr lang="he-IL" dirty="0"/>
-              <a:t>בדומה ל </a:t>
-            </a:r>
-            <a:r>
-              <a:rPr lang="en-US" dirty="0"/>
-              <a:t>leave one out</a:t>
-            </a:r>
-            <a:r>
-              <a:rPr lang="he-IL" dirty="0"/>
-              <a:t> רק ש </a:t>
-            </a:r>
-            <a:r>
-              <a:rPr lang="en-US" dirty="0"/>
-              <a:t>p</a:t>
-            </a:r>
-            <a:r>
-              <a:rPr lang="he-IL" dirty="0"/>
-              <a:t> הינו מספר הדגימות לבחינה</a:t>
-            </a:r>
+          <p:cNvPr id="3" name="כותרת משנה 2">
+            <a:extLst>
+              <a:ext uri="{FF2B5EF4-FFF2-40B4-BE49-F238E27FC236}">
+                <a16:creationId xmlns:a16="http://schemas.microsoft.com/office/drawing/2014/main" id="{686F7E77-CF92-46E1-B497-C07D9D641FF9}"/>
+              </a:ext>
+            </a:extLst>
+          </p:cNvPr>
+          <p:cNvSpPr>
+            <a:spLocks noGrp="1"/>
+          </p:cNvSpPr>
+          <p:nvPr>
+            <p:ph type="subTitle" idx="1"/>
+          </p:nvPr>
+        </p:nvSpPr>
+        <p:spPr/>
+        <p:txBody>
+          <a:bodyPr/>
+          <a:lstStyle/>
+          <a:p>
+            <a:endParaRPr lang="he-IL"/>
           </a:p>
         </p:txBody>
       </p:sp>
     </p:spTree>
     <p:extLst>
       <p:ext uri="{BB962C8B-B14F-4D97-AF65-F5344CB8AC3E}">
-        <p14:creationId xmlns:p14="http://schemas.microsoft.com/office/powerpoint/2010/main" val="4265622507"/>
+        <p14:creationId xmlns:p14="http://schemas.microsoft.com/office/powerpoint/2010/main" val="1884215603"/>
       </p:ext>
     </p:extLst>
   </p:cSld>
@@ -8561,15 +8703,15 @@
           <p:cNvPr id="2" name="כותרת 1">
             <a:extLst>
               <a:ext uri="{FF2B5EF4-FFF2-40B4-BE49-F238E27FC236}">
-                <a16:creationId xmlns:a16="http://schemas.microsoft.com/office/drawing/2014/main" id="{12C43150-B25E-4D0E-BDF4-635BEFD8EF18}"/>
-              </a:ext>
-            </a:extLst>
-          </p:cNvPr>
-          <p:cNvSpPr>
-            <a:spLocks noGrp="1"/>
-          </p:cNvSpPr>
-          <p:nvPr>
-            <p:ph type="ctrTitle"/>
+                <a16:creationId xmlns:a16="http://schemas.microsoft.com/office/drawing/2014/main" id="{EF0A11AC-E468-4EEB-8FA1-B197F3BD9094}"/>
+              </a:ext>
+            </a:extLst>
+          </p:cNvPr>
+          <p:cNvSpPr>
+            <a:spLocks noGrp="1"/>
+          </p:cNvSpPr>
+          <p:nvPr>
+            <p:ph type="title"/>
           </p:nvPr>
         </p:nvSpPr>
         <p:spPr/>
@@ -8578,8 +8720,12 @@
           <a:lstStyle/>
           <a:p>
             <a:r>
-              <a:rPr lang="en-US" dirty="0"/>
-              <a:t>Scoring</a:t>
+              <a:rPr lang="he-IL" dirty="0"/>
+              <a:t>סוגי </a:t>
+            </a:r>
+            <a:r>
+              <a:rPr lang="en-US" dirty="0"/>
+              <a:t>Cross Validation</a:t>
             </a:r>
             <a:endParaRPr lang="he-IL" dirty="0"/>
           </a:p>
@@ -8587,33 +8733,142 @@
       </p:sp>
       <p:sp>
         <p:nvSpPr>
-          <p:cNvPr id="3" name="כותרת משנה 2">
-            <a:extLst>
-              <a:ext uri="{FF2B5EF4-FFF2-40B4-BE49-F238E27FC236}">
-                <a16:creationId xmlns:a16="http://schemas.microsoft.com/office/drawing/2014/main" id="{686F7E77-CF92-46E1-B497-C07D9D641FF9}"/>
-              </a:ext>
-            </a:extLst>
-          </p:cNvPr>
-          <p:cNvSpPr>
-            <a:spLocks noGrp="1"/>
-          </p:cNvSpPr>
-          <p:nvPr>
-            <p:ph type="subTitle" idx="1"/>
-          </p:nvPr>
-        </p:nvSpPr>
-        <p:spPr/>
-        <p:txBody>
-          <a:bodyPr/>
-          <a:lstStyle/>
-          <a:p>
-            <a:endParaRPr lang="he-IL"/>
+          <p:cNvPr id="3" name="מציין מיקום תוכן 2">
+            <a:extLst>
+              <a:ext uri="{FF2B5EF4-FFF2-40B4-BE49-F238E27FC236}">
+                <a16:creationId xmlns:a16="http://schemas.microsoft.com/office/drawing/2014/main" id="{949B6EB1-EC9C-4B92-AA3C-864F96E6EB01}"/>
+              </a:ext>
+            </a:extLst>
+          </p:cNvPr>
+          <p:cNvSpPr>
+            <a:spLocks noGrp="1"/>
+          </p:cNvSpPr>
+          <p:nvPr>
+            <p:ph idx="1"/>
+          </p:nvPr>
+        </p:nvSpPr>
+        <p:spPr>
+          <a:xfrm>
+            <a:off x="838200" y="1695451"/>
+            <a:ext cx="10515600" cy="4351338"/>
+          </a:xfrm>
+        </p:spPr>
+        <p:txBody>
+          <a:bodyPr>
+            <a:normAutofit/>
+          </a:bodyPr>
+          <a:lstStyle/>
+          <a:p>
+            <a:r>
+              <a:rPr lang="en-US" dirty="0"/>
+              <a:t>Holdout</a:t>
+            </a:r>
+            <a:r>
+              <a:rPr lang="he-IL" dirty="0"/>
+              <a:t> , בסיסי </a:t>
+            </a:r>
+            <a:r>
+              <a:rPr lang="en-US" dirty="0"/>
+              <a:t>(split)</a:t>
+            </a:r>
+            <a:r>
+              <a:rPr lang="he-IL" dirty="0"/>
+              <a:t>.</a:t>
+            </a:r>
+          </a:p>
+          <a:p>
+            <a:r>
+              <a:rPr lang="en-US" dirty="0" err="1"/>
+              <a:t>Kfold</a:t>
+            </a:r>
+            <a:endParaRPr lang="he-IL" dirty="0"/>
+          </a:p>
+          <a:p>
+            <a:r>
+              <a:rPr lang="en-US" dirty="0"/>
+              <a:t>Random subsamples</a:t>
+            </a:r>
+          </a:p>
+          <a:p>
+            <a:pPr lvl="1"/>
+            <a:r>
+              <a:rPr lang="he-IL" dirty="0"/>
+              <a:t>בכל פעם בוחרים באופן אקראי את הדגימות לאימון ולבחינה</a:t>
+            </a:r>
+          </a:p>
+          <a:p>
+            <a:r>
+              <a:rPr lang="en-US" dirty="0"/>
+              <a:t>Leave one out</a:t>
+            </a:r>
+            <a:endParaRPr lang="he-IL" dirty="0"/>
+          </a:p>
+          <a:p>
+            <a:pPr lvl="1"/>
+            <a:r>
+              <a:rPr lang="he-IL" dirty="0"/>
+              <a:t>כמו </a:t>
+            </a:r>
+            <a:r>
+              <a:rPr lang="en-US" dirty="0" err="1"/>
+              <a:t>kfold</a:t>
+            </a:r>
+            <a:r>
+              <a:rPr lang="he-IL" dirty="0"/>
+              <a:t> כאשר </a:t>
+            </a:r>
+            <a:r>
+              <a:rPr lang="en-US" dirty="0"/>
+              <a:t>k</a:t>
+            </a:r>
+            <a:r>
+              <a:rPr lang="he-IL" dirty="0"/>
+              <a:t> שווה למספר הדגימות.</a:t>
+            </a:r>
+          </a:p>
+          <a:p>
+            <a:pPr lvl="1"/>
+            <a:r>
+              <a:rPr lang="he-IL" dirty="0"/>
+              <a:t>בכל פעם יש רק דגימה אחת לבחינה וכל השאר לאימון</a:t>
+            </a:r>
+          </a:p>
+          <a:p>
+            <a:r>
+              <a:rPr lang="en-US" dirty="0"/>
+              <a:t>Leave p out</a:t>
+            </a:r>
+            <a:endParaRPr lang="he-IL" dirty="0"/>
+          </a:p>
+          <a:p>
+            <a:pPr lvl="1"/>
+            <a:r>
+              <a:rPr lang="he-IL" dirty="0"/>
+              <a:t>בדומה ל </a:t>
+            </a:r>
+            <a:r>
+              <a:rPr lang="en-US" dirty="0"/>
+              <a:t>leave one out</a:t>
+            </a:r>
+            <a:r>
+              <a:rPr lang="he-IL" dirty="0"/>
+              <a:t> רק ש </a:t>
+            </a:r>
+            <a:r>
+              <a:rPr lang="en-US" dirty="0"/>
+              <a:t>p</a:t>
+            </a:r>
+            <a:r>
+              <a:rPr lang="he-IL" dirty="0"/>
+              <a:t> הינו מספר הדגימות לבחינה</a:t>
+            </a:r>
           </a:p>
         </p:txBody>
       </p:sp>
     </p:spTree>
     <p:extLst>
       <p:ext uri="{BB962C8B-B14F-4D97-AF65-F5344CB8AC3E}">
-        <p14:creationId xmlns:p14="http://schemas.microsoft.com/office/powerpoint/2010/main" val="4082709929"/>
+        <p14:creationId xmlns:p14="http://schemas.microsoft.com/office/powerpoint/2010/main" val="4265622507"/>
       </p:ext>
     </p:extLst>
   </p:cSld>
@@ -8640,6 +8895,90 @@
           <a:chExt cx="0" cy="0"/>
         </a:xfrm>
       </p:grpSpPr>
+      <p:sp>
+        <p:nvSpPr>
+          <p:cNvPr id="2" name="כותרת 1">
+            <a:extLst>
+              <a:ext uri="{FF2B5EF4-FFF2-40B4-BE49-F238E27FC236}">
+                <a16:creationId xmlns:a16="http://schemas.microsoft.com/office/drawing/2014/main" id="{12C43150-B25E-4D0E-BDF4-635BEFD8EF18}"/>
+              </a:ext>
+            </a:extLst>
+          </p:cNvPr>
+          <p:cNvSpPr>
+            <a:spLocks noGrp="1"/>
+          </p:cNvSpPr>
+          <p:nvPr>
+            <p:ph type="ctrTitle"/>
+          </p:nvPr>
+        </p:nvSpPr>
+        <p:spPr/>
+        <p:txBody>
+          <a:bodyPr/>
+          <a:lstStyle/>
+          <a:p>
+            <a:r>
+              <a:rPr lang="en-US" dirty="0"/>
+              <a:t>Scoring</a:t>
+            </a:r>
+            <a:endParaRPr lang="he-IL" dirty="0"/>
+          </a:p>
+        </p:txBody>
+      </p:sp>
+      <p:sp>
+        <p:nvSpPr>
+          <p:cNvPr id="3" name="כותרת משנה 2">
+            <a:extLst>
+              <a:ext uri="{FF2B5EF4-FFF2-40B4-BE49-F238E27FC236}">
+                <a16:creationId xmlns:a16="http://schemas.microsoft.com/office/drawing/2014/main" id="{686F7E77-CF92-46E1-B497-C07D9D641FF9}"/>
+              </a:ext>
+            </a:extLst>
+          </p:cNvPr>
+          <p:cNvSpPr>
+            <a:spLocks noGrp="1"/>
+          </p:cNvSpPr>
+          <p:nvPr>
+            <p:ph type="subTitle" idx="1"/>
+          </p:nvPr>
+        </p:nvSpPr>
+        <p:spPr/>
+        <p:txBody>
+          <a:bodyPr/>
+          <a:lstStyle/>
+          <a:p>
+            <a:endParaRPr lang="he-IL"/>
+          </a:p>
+        </p:txBody>
+      </p:sp>
+    </p:spTree>
+    <p:extLst>
+      <p:ext uri="{BB962C8B-B14F-4D97-AF65-F5344CB8AC3E}">
+        <p14:creationId xmlns:p14="http://schemas.microsoft.com/office/powerpoint/2010/main" val="4082709929"/>
+      </p:ext>
+    </p:extLst>
+  </p:cSld>
+  <p:clrMapOvr>
+    <a:masterClrMapping/>
+  </p:clrMapOvr>
+</p:sld>
+</file>
+
+<file path=ppt/slides/slide39.xml><?xml version="1.0" encoding="utf-8"?>
+<p:sld xmlns:a="http://schemas.openxmlformats.org/drawingml/2006/main" xmlns:r="http://schemas.openxmlformats.org/officeDocument/2006/relationships" xmlns:p="http://schemas.openxmlformats.org/presentationml/2006/main">
+  <p:cSld>
+    <p:spTree>
+      <p:nvGrpSpPr>
+        <p:cNvPr id="1" name=""/>
+        <p:cNvGrpSpPr/>
+        <p:nvPr/>
+      </p:nvGrpSpPr>
+      <p:grpSpPr>
+        <a:xfrm>
+          <a:off x="0" y="0"/>
+          <a:ext cx="0" cy="0"/>
+          <a:chOff x="0" y="0"/>
+          <a:chExt cx="0" cy="0"/>
+        </a:xfrm>
+      </p:grpSpPr>
       <p:pic>
         <p:nvPicPr>
           <p:cNvPr id="7" name="תמונה 6">
@@ -8904,89 +9243,6 @@
     <p:extLst>
       <p:ext uri="{BB962C8B-B14F-4D97-AF65-F5344CB8AC3E}">
         <p14:creationId xmlns:p14="http://schemas.microsoft.com/office/powerpoint/2010/main" val="820330764"/>
-      </p:ext>
-    </p:extLst>
-  </p:cSld>
-  <p:clrMapOvr>
-    <a:masterClrMapping/>
-  </p:clrMapOvr>
-</p:sld>
-</file>
-
-<file path=ppt/slides/slide39.xml><?xml version="1.0" encoding="utf-8"?>
-<p:sld xmlns:a="http://schemas.openxmlformats.org/drawingml/2006/main" xmlns:r="http://schemas.openxmlformats.org/officeDocument/2006/relationships" xmlns:p="http://schemas.openxmlformats.org/presentationml/2006/main">
-  <p:cSld>
-    <p:spTree>
-      <p:nvGrpSpPr>
-        <p:cNvPr id="1" name=""/>
-        <p:cNvGrpSpPr/>
-        <p:nvPr/>
-      </p:nvGrpSpPr>
-      <p:grpSpPr>
-        <a:xfrm>
-          <a:off x="0" y="0"/>
-          <a:ext cx="0" cy="0"/>
-          <a:chOff x="0" y="0"/>
-          <a:chExt cx="0" cy="0"/>
-        </a:xfrm>
-      </p:grpSpPr>
-      <p:sp>
-        <p:nvSpPr>
-          <p:cNvPr id="2" name="כותרת 1">
-            <a:extLst>
-              <a:ext uri="{FF2B5EF4-FFF2-40B4-BE49-F238E27FC236}">
-                <a16:creationId xmlns:a16="http://schemas.microsoft.com/office/drawing/2014/main" id="{12C43150-B25E-4D0E-BDF4-635BEFD8EF18}"/>
-              </a:ext>
-            </a:extLst>
-          </p:cNvPr>
-          <p:cNvSpPr>
-            <a:spLocks noGrp="1"/>
-          </p:cNvSpPr>
-          <p:nvPr>
-            <p:ph type="ctrTitle"/>
-          </p:nvPr>
-        </p:nvSpPr>
-        <p:spPr/>
-        <p:txBody>
-          <a:bodyPr/>
-          <a:lstStyle/>
-          <a:p>
-            <a:r>
-              <a:rPr lang="he-IL" dirty="0"/>
-              <a:t>שאלות</a:t>
-            </a:r>
-          </a:p>
-        </p:txBody>
-      </p:sp>
-      <p:sp>
-        <p:nvSpPr>
-          <p:cNvPr id="3" name="כותרת משנה 2">
-            <a:extLst>
-              <a:ext uri="{FF2B5EF4-FFF2-40B4-BE49-F238E27FC236}">
-                <a16:creationId xmlns:a16="http://schemas.microsoft.com/office/drawing/2014/main" id="{686F7E77-CF92-46E1-B497-C07D9D641FF9}"/>
-              </a:ext>
-            </a:extLst>
-          </p:cNvPr>
-          <p:cNvSpPr>
-            <a:spLocks noGrp="1"/>
-          </p:cNvSpPr>
-          <p:nvPr>
-            <p:ph type="subTitle" idx="1"/>
-          </p:nvPr>
-        </p:nvSpPr>
-        <p:spPr/>
-        <p:txBody>
-          <a:bodyPr/>
-          <a:lstStyle/>
-          <a:p>
-            <a:endParaRPr lang="he-IL"/>
-          </a:p>
-        </p:txBody>
-      </p:sp>
-    </p:spTree>
-    <p:extLst>
-      <p:ext uri="{BB962C8B-B14F-4D97-AF65-F5344CB8AC3E}">
-        <p14:creationId xmlns:p14="http://schemas.microsoft.com/office/powerpoint/2010/main" val="2166135460"/>
       </p:ext>
     </p:extLst>
   </p:cSld>
@@ -9211,15 +9467,15 @@
           <p:cNvPr id="2" name="כותרת 1">
             <a:extLst>
               <a:ext uri="{FF2B5EF4-FFF2-40B4-BE49-F238E27FC236}">
-                <a16:creationId xmlns:a16="http://schemas.microsoft.com/office/drawing/2014/main" id="{B1B2B1AD-AED9-4FF9-8904-0852BE6EF758}"/>
-              </a:ext>
-            </a:extLst>
-          </p:cNvPr>
-          <p:cNvSpPr>
-            <a:spLocks noGrp="1"/>
-          </p:cNvSpPr>
-          <p:nvPr>
-            <p:ph type="title"/>
+                <a16:creationId xmlns:a16="http://schemas.microsoft.com/office/drawing/2014/main" id="{12C43150-B25E-4D0E-BDF4-635BEFD8EF18}"/>
+              </a:ext>
+            </a:extLst>
+          </p:cNvPr>
+          <p:cNvSpPr>
+            <a:spLocks noGrp="1"/>
+          </p:cNvSpPr>
+          <p:nvPr>
+            <p:ph type="ctrTitle"/>
           </p:nvPr>
         </p:nvSpPr>
         <p:spPr/>
@@ -9229,345 +9485,40 @@
           <a:p>
             <a:r>
               <a:rPr lang="he-IL" dirty="0"/>
-              <a:t>שאלות - 1</a:t>
-            </a:r>
-          </a:p>
-        </p:txBody>
-      </p:sp>
-      <p:sp>
-        <p:nvSpPr>
-          <p:cNvPr id="3" name="מציין מיקום תוכן 2">
-            <a:extLst>
-              <a:ext uri="{FF2B5EF4-FFF2-40B4-BE49-F238E27FC236}">
-                <a16:creationId xmlns:a16="http://schemas.microsoft.com/office/drawing/2014/main" id="{3CC9D416-2FD3-4EFA-8133-C371E668FCBB}"/>
-              </a:ext>
-            </a:extLst>
-          </p:cNvPr>
-          <p:cNvSpPr>
-            <a:spLocks noGrp="1"/>
-          </p:cNvSpPr>
-          <p:nvPr>
-            <p:ph idx="1"/>
+              <a:t>שאלות</a:t>
+            </a:r>
+          </a:p>
+        </p:txBody>
+      </p:sp>
+      <p:sp>
+        <p:nvSpPr>
+          <p:cNvPr id="3" name="כותרת משנה 2">
+            <a:extLst>
+              <a:ext uri="{FF2B5EF4-FFF2-40B4-BE49-F238E27FC236}">
+                <a16:creationId xmlns:a16="http://schemas.microsoft.com/office/drawing/2014/main" id="{686F7E77-CF92-46E1-B497-C07D9D641FF9}"/>
+              </a:ext>
+            </a:extLst>
+          </p:cNvPr>
+          <p:cNvSpPr>
+            <a:spLocks noGrp="1"/>
+          </p:cNvSpPr>
+          <p:nvPr>
+            <p:ph type="subTitle" idx="1"/>
           </p:nvPr>
         </p:nvSpPr>
         <p:spPr/>
         <p:txBody>
-          <a:bodyPr>
-            <a:normAutofit fontScale="55000" lnSpcReduction="20000"/>
-          </a:bodyPr>
-          <a:lstStyle/>
-          <a:p>
-            <a:r>
-              <a:rPr lang="en-US" dirty="0"/>
-              <a:t>Wrapper model</a:t>
-            </a:r>
-            <a:endParaRPr lang="he-IL" dirty="0"/>
-          </a:p>
-          <a:p>
-            <a:pPr lvl="1"/>
-            <a:r>
-              <a:rPr lang="he-IL" dirty="0"/>
-              <a:t>למה לפצל ל </a:t>
-            </a:r>
-            <a:r>
-              <a:rPr lang="en-US" dirty="0"/>
-              <a:t>train and test</a:t>
-            </a:r>
-            <a:r>
-              <a:rPr lang="he-IL" dirty="0"/>
-              <a:t> ? אם גם ככה רק לבחירת תכונות, נעבוד על </a:t>
-            </a:r>
-            <a:r>
-              <a:rPr lang="he-IL" dirty="0" err="1"/>
-              <a:t>הכל</a:t>
-            </a:r>
-            <a:r>
-              <a:rPr lang="he-IL" dirty="0"/>
-              <a:t>.</a:t>
-            </a:r>
-          </a:p>
-          <a:p>
-            <a:pPr lvl="1"/>
-            <a:r>
-              <a:rPr lang="he-IL" dirty="0"/>
-              <a:t>יש טעם בבעיית </a:t>
-            </a:r>
-            <a:r>
-              <a:rPr lang="en-US" dirty="0"/>
-              <a:t>classification</a:t>
-            </a:r>
-            <a:r>
-              <a:rPr lang="he-IL" dirty="0"/>
-              <a:t> לבדוק עם אלג' שאינו </a:t>
-            </a:r>
-            <a:r>
-              <a:rPr lang="en-US" dirty="0"/>
-              <a:t>random forest</a:t>
-            </a:r>
-            <a:r>
-              <a:rPr lang="he-IL" dirty="0"/>
-              <a:t> ?</a:t>
-            </a:r>
-          </a:p>
-          <a:p>
-            <a:r>
-              <a:rPr lang="en-US" dirty="0"/>
-              <a:t>Embedded model</a:t>
-            </a:r>
-            <a:r>
-              <a:rPr lang="he-IL" dirty="0"/>
-              <a:t>:</a:t>
-            </a:r>
-          </a:p>
-          <a:p>
-            <a:pPr lvl="1"/>
-            <a:r>
-              <a:rPr lang="he-IL" dirty="0"/>
-              <a:t>אם אני לא משתמש בשיטה זו לאחר מכן האם עדיין לפצל ל </a:t>
-            </a:r>
-            <a:r>
-              <a:rPr lang="en-US" dirty="0"/>
-              <a:t>train and test</a:t>
-            </a:r>
-            <a:r>
-              <a:rPr lang="he-IL" dirty="0"/>
-              <a:t> ? (אם כן למה ?)</a:t>
-            </a:r>
-          </a:p>
-          <a:p>
-            <a:pPr lvl="1"/>
-            <a:r>
-              <a:rPr lang="he-IL" dirty="0"/>
-              <a:t>האם </a:t>
-            </a:r>
-            <a:r>
-              <a:rPr lang="en-US" dirty="0"/>
-              <a:t>Lasso</a:t>
-            </a:r>
-            <a:r>
-              <a:rPr lang="he-IL" dirty="0"/>
-              <a:t> מתאים בעיקר לבעיות </a:t>
-            </a:r>
-            <a:r>
-              <a:rPr lang="en-US" dirty="0" err="1"/>
-              <a:t>regresion</a:t>
-            </a:r>
-            <a:r>
-              <a:rPr lang="he-IL" dirty="0"/>
-              <a:t> או גם </a:t>
-            </a:r>
-            <a:r>
-              <a:rPr lang="en-US" dirty="0"/>
-              <a:t>classification</a:t>
-            </a:r>
-            <a:endParaRPr lang="he-IL" dirty="0"/>
-          </a:p>
-          <a:p>
-            <a:pPr lvl="1"/>
-            <a:r>
-              <a:rPr lang="he-IL" dirty="0"/>
-              <a:t>אם אני לא משתמש באותו אלג' לאחר מכן:</a:t>
-            </a:r>
-          </a:p>
-          <a:p>
-            <a:pPr lvl="2"/>
-            <a:r>
-              <a:rPr lang="he-IL" dirty="0"/>
-              <a:t>האם כדאי להשתמש בשיטה ? (נניח נעבוד טוב יותר ב </a:t>
-            </a:r>
-            <a:r>
-              <a:rPr lang="en-US" dirty="0"/>
-              <a:t>Deep Learning</a:t>
-            </a:r>
-            <a:r>
-              <a:rPr lang="he-IL" dirty="0"/>
-              <a:t>) ?</a:t>
-            </a:r>
-          </a:p>
-          <a:p>
-            <a:pPr lvl="2"/>
-            <a:r>
-              <a:rPr lang="he-IL" dirty="0"/>
-              <a:t>האם עדיין צריך לחלק ב </a:t>
-            </a:r>
-            <a:r>
-              <a:rPr lang="en-US" dirty="0"/>
-              <a:t>Cross</a:t>
-            </a:r>
-            <a:r>
-              <a:rPr lang="he-IL" dirty="0"/>
-              <a:t> את המידע ולבדוק עם </a:t>
-            </a:r>
-            <a:r>
-              <a:rPr lang="en-US" dirty="0"/>
-              <a:t>train</a:t>
-            </a:r>
-            <a:r>
-              <a:rPr lang="he-IL" dirty="0"/>
-              <a:t> ?</a:t>
-            </a:r>
-          </a:p>
-          <a:p>
-            <a:pPr lvl="1"/>
-            <a:r>
-              <a:rPr lang="he-IL" dirty="0"/>
-              <a:t>בשימוש ב </a:t>
-            </a:r>
-            <a:r>
-              <a:rPr lang="en-US" dirty="0"/>
-              <a:t>Random Forest</a:t>
-            </a:r>
-            <a:r>
-              <a:rPr lang="he-IL" dirty="0"/>
-              <a:t>, התוצאה הינה ה"חשיבות" של כל תוכנה:</a:t>
-            </a:r>
-          </a:p>
-          <a:p>
-            <a:pPr lvl="2"/>
-            <a:r>
-              <a:rPr lang="he-IL" dirty="0"/>
-              <a:t>בפועל אין הורדת תוכנות</a:t>
-            </a:r>
-          </a:p>
-          <a:p>
-            <a:pPr lvl="2"/>
-            <a:r>
-              <a:rPr lang="he-IL" dirty="0"/>
-              <a:t>מה ההבדל בין שיטה זו לבין ה </a:t>
-            </a:r>
-            <a:r>
-              <a:rPr lang="en-US" dirty="0"/>
-              <a:t>wrapper</a:t>
-            </a:r>
-            <a:r>
-              <a:rPr lang="he-IL" dirty="0"/>
-              <a:t> עם </a:t>
-            </a:r>
-            <a:r>
-              <a:rPr lang="en-US" dirty="0"/>
-              <a:t>Random Forest</a:t>
-            </a:r>
-            <a:endParaRPr lang="he-IL" dirty="0"/>
-          </a:p>
-          <a:p>
-            <a:r>
-              <a:rPr lang="he-IL" dirty="0"/>
-              <a:t>בכל השיטות (של </a:t>
-            </a:r>
-            <a:r>
-              <a:rPr lang="en-US" dirty="0"/>
-              <a:t> filter model</a:t>
-            </a:r>
-            <a:r>
-              <a:rPr lang="he-IL" dirty="0"/>
-              <a:t> יחד עם </a:t>
-            </a:r>
-            <a:r>
-              <a:rPr lang="en-US" dirty="0"/>
-              <a:t>random forest</a:t>
-            </a:r>
-            <a:r>
-              <a:rPr lang="he-IL" dirty="0"/>
-              <a:t> וזהו ?), נראה שיש מספר המגדיר את המספר המקסימאלי של תכונות לבחירה. למה ? זה צריך להיות לפי סינון אחר (נניח תוצאה / סף)</a:t>
-            </a:r>
-          </a:p>
-          <a:p>
-            <a:r>
-              <a:rPr lang="he-IL" dirty="0"/>
-              <a:t>לעבור שוב ולוודא האם </a:t>
-            </a:r>
-            <a:r>
-              <a:rPr lang="he-IL"/>
-              <a:t>נכונה השאלה - מהבנתי </a:t>
-            </a:r>
-            <a:r>
-              <a:rPr lang="he-IL" dirty="0"/>
-              <a:t>מ </a:t>
-            </a:r>
-            <a:r>
-              <a:rPr lang="en-US" dirty="0" err="1"/>
-              <a:t>kfold</a:t>
-            </a:r>
-            <a:r>
-              <a:rPr lang="he-IL" dirty="0"/>
-              <a:t> לא ניתן לקבל את רשימת התכונות (אם יש התנגשות בין הרצות) אלא לקחת את התוצאה </a:t>
-            </a:r>
-            <a:r>
-              <a:rPr lang="en-US" dirty="0"/>
-              <a:t>(feature importance)</a:t>
-            </a:r>
-            <a:r>
-              <a:rPr lang="he-IL" dirty="0"/>
-              <a:t> ומשם לחלץ לפי סף </a:t>
-            </a:r>
-            <a:r>
-              <a:rPr lang="he-IL" dirty="0" err="1"/>
-              <a:t>מסויים</a:t>
-            </a:r>
-            <a:endParaRPr lang="he-IL" dirty="0"/>
-          </a:p>
-          <a:p>
-            <a:r>
-              <a:rPr lang="he-IL" dirty="0"/>
-              <a:t>נראה שאין טעם להשתמש ב </a:t>
-            </a:r>
-            <a:r>
-              <a:rPr lang="en-US" dirty="0"/>
-              <a:t>TREE</a:t>
-            </a:r>
-            <a:r>
-              <a:rPr lang="he-IL" dirty="0"/>
-              <a:t> לבד ?</a:t>
-            </a:r>
-          </a:p>
-          <a:p>
-            <a:r>
-              <a:rPr lang="he-IL" dirty="0"/>
-              <a:t>יש הרבה שיטות ממאמרים </a:t>
-            </a:r>
-            <a:r>
-              <a:rPr lang="en-US" dirty="0"/>
-              <a:t>IEEE</a:t>
-            </a:r>
-            <a:r>
-              <a:rPr lang="he-IL" dirty="0"/>
-              <a:t> שלא נמצאים ב </a:t>
-            </a:r>
-            <a:r>
-              <a:rPr lang="en-US" dirty="0" err="1"/>
-              <a:t>sklearn</a:t>
-            </a:r>
-            <a:r>
-              <a:rPr lang="he-IL" dirty="0"/>
-              <a:t>. אם אני מבין נכון בגלל שלא נמצא שם, אז אין טעם לבדוק ? אחרת היה </a:t>
-            </a:r>
-            <a:r>
-              <a:rPr lang="he-IL" dirty="0" err="1"/>
-              <a:t>פופלארי</a:t>
-            </a:r>
-            <a:r>
-              <a:rPr lang="he-IL" dirty="0"/>
-              <a:t> והיה נכנס ?</a:t>
-            </a:r>
-          </a:p>
-          <a:p>
-            <a:endParaRPr lang="he-IL" dirty="0"/>
-          </a:p>
-          <a:p>
-            <a:pPr marL="0" indent="0">
-              <a:buNone/>
-            </a:pPr>
-            <a:endParaRPr lang="he-IL" dirty="0"/>
-          </a:p>
-          <a:p>
-            <a:endParaRPr lang="he-IL" dirty="0"/>
+          <a:bodyPr/>
+          <a:lstStyle/>
+          <a:p>
+            <a:endParaRPr lang="he-IL"/>
           </a:p>
         </p:txBody>
       </p:sp>
     </p:spTree>
     <p:extLst>
       <p:ext uri="{BB962C8B-B14F-4D97-AF65-F5344CB8AC3E}">
-        <p14:creationId xmlns:p14="http://schemas.microsoft.com/office/powerpoint/2010/main" val="3199974596"/>
+        <p14:creationId xmlns:p14="http://schemas.microsoft.com/office/powerpoint/2010/main" val="2166135460"/>
       </p:ext>
     </p:extLst>
   </p:cSld>
@@ -9617,7 +9568,7 @@
           <a:p>
             <a:r>
               <a:rPr lang="he-IL" dirty="0"/>
-              <a:t>שאלות - 2</a:t>
+              <a:t>שאלות - 1</a:t>
             </a:r>
           </a:p>
         </p:txBody>
@@ -9641,48 +9592,29 @@
         <p:spPr/>
         <p:txBody>
           <a:bodyPr>
-            <a:normAutofit/>
+            <a:normAutofit fontScale="55000" lnSpcReduction="20000"/>
           </a:bodyPr>
           <a:lstStyle/>
           <a:p>
             <a:r>
-              <a:rPr lang="he-IL" dirty="0" err="1"/>
-              <a:t>בבעית</a:t>
-            </a:r>
-            <a:r>
-              <a:rPr lang="he-IL" dirty="0"/>
-              <a:t> ה </a:t>
-            </a:r>
-            <a:r>
-              <a:rPr lang="en-US" dirty="0"/>
-              <a:t>NBA</a:t>
-            </a:r>
-            <a:r>
-              <a:rPr lang="he-IL" dirty="0"/>
-              <a:t>, נראה שה </a:t>
-            </a:r>
-            <a:r>
-              <a:rPr lang="en-US" dirty="0" err="1"/>
-              <a:t>cor</a:t>
-            </a:r>
-            <a:r>
-              <a:rPr lang="he-IL" dirty="0"/>
-              <a:t> עם ה </a:t>
-            </a:r>
-            <a:r>
-              <a:rPr lang="en-US" dirty="0"/>
-              <a:t>TARGET</a:t>
-            </a:r>
-            <a:r>
-              <a:rPr lang="he-IL" dirty="0"/>
-              <a:t> קטן מ 0.4</a:t>
-            </a:r>
-            <a:br>
-              <a:rPr lang="en-US" dirty="0"/>
-            </a:br>
-            <a:r>
-              <a:rPr lang="he-IL" dirty="0"/>
-              <a:t>אז בעצם הייתי מסנן את </a:t>
+              <a:rPr lang="en-US" dirty="0"/>
+              <a:t>Wrapper model</a:t>
+            </a:r>
+            <a:endParaRPr lang="he-IL" dirty="0"/>
+          </a:p>
+          <a:p>
+            <a:pPr lvl="1"/>
+            <a:r>
+              <a:rPr lang="he-IL" dirty="0"/>
+              <a:t>למה לפצל ל </a:t>
+            </a:r>
+            <a:r>
+              <a:rPr lang="en-US" dirty="0"/>
+              <a:t>train and test</a:t>
+            </a:r>
+            <a:r>
+              <a:rPr lang="he-IL" dirty="0"/>
+              <a:t> ? אם גם ככה רק לבחירת תכונות, נעבוד על </a:t>
             </a:r>
             <a:r>
               <a:rPr lang="he-IL" dirty="0" err="1"/>
@@ -9690,75 +9622,283 @@
             </a:r>
             <a:r>
               <a:rPr lang="he-IL" dirty="0"/>
+              <a:t>.</a:t>
+            </a:r>
+          </a:p>
+          <a:p>
+            <a:pPr lvl="1"/>
+            <a:r>
+              <a:rPr lang="he-IL" dirty="0"/>
+              <a:t>יש טעם בבעיית </a:t>
+            </a:r>
+            <a:r>
+              <a:rPr lang="en-US" dirty="0"/>
+              <a:t>classification</a:t>
+            </a:r>
+            <a:r>
+              <a:rPr lang="he-IL" dirty="0"/>
+              <a:t> לבדוק עם אלג' שאינו </a:t>
+            </a:r>
+            <a:r>
+              <a:rPr lang="en-US" dirty="0"/>
+              <a:t>random forest</a:t>
+            </a:r>
+            <a:r>
+              <a:rPr lang="he-IL" dirty="0"/>
               <a:t> ?</a:t>
             </a:r>
           </a:p>
           <a:p>
             <a:r>
               <a:rPr lang="en-US" dirty="0"/>
+              <a:t>Embedded model</a:t>
+            </a:r>
+            <a:r>
+              <a:rPr lang="he-IL" dirty="0"/>
+              <a:t>:</a:t>
+            </a:r>
+          </a:p>
+          <a:p>
+            <a:pPr lvl="1"/>
+            <a:r>
+              <a:rPr lang="he-IL" dirty="0"/>
+              <a:t>אם אני לא משתמש בשיטה זו לאחר מכן האם עדיין לפצל ל </a:t>
+            </a:r>
+            <a:r>
+              <a:rPr lang="en-US" dirty="0"/>
+              <a:t>train and test</a:t>
+            </a:r>
+            <a:r>
+              <a:rPr lang="he-IL" dirty="0"/>
+              <a:t> ? (אם כן למה ?)</a:t>
+            </a:r>
+          </a:p>
+          <a:p>
+            <a:pPr lvl="1"/>
+            <a:r>
+              <a:rPr lang="he-IL" dirty="0"/>
+              <a:t>האם </a:t>
+            </a:r>
+            <a:r>
+              <a:rPr lang="en-US" dirty="0"/>
               <a:t>Lasso</a:t>
             </a:r>
             <a:r>
               <a:rPr lang="he-IL" dirty="0"/>
-              <a:t> לא מתאים ל </a:t>
+              <a:t> מתאים בעיקר לבעיות </a:t>
+            </a:r>
+            <a:r>
+              <a:rPr lang="en-US" dirty="0" err="1"/>
+              <a:t>regresion</a:t>
+            </a:r>
+            <a:r>
+              <a:rPr lang="he-IL" dirty="0"/>
+              <a:t> או גם </a:t>
             </a:r>
             <a:r>
               <a:rPr lang="en-US" dirty="0"/>
               <a:t>classification</a:t>
             </a:r>
-            <a:r>
-              <a:rPr lang="he-IL" dirty="0"/>
-              <a:t> ? (ראה </a:t>
+            <a:endParaRPr lang="he-IL" dirty="0"/>
+          </a:p>
+          <a:p>
+            <a:pPr lvl="1"/>
+            <a:r>
+              <a:rPr lang="he-IL" dirty="0"/>
+              <a:t>אם אני לא משתמש באותו אלג' לאחר מכן:</a:t>
+            </a:r>
+          </a:p>
+          <a:p>
+            <a:pPr lvl="2"/>
+            <a:r>
+              <a:rPr lang="he-IL" dirty="0"/>
+              <a:t>האם כדאי להשתמש בשיטה ? (נניח נעבוד טוב יותר ב </a:t>
+            </a:r>
+            <a:r>
+              <a:rPr lang="en-US" dirty="0"/>
+              <a:t>Deep Learning</a:t>
+            </a:r>
+            <a:r>
+              <a:rPr lang="he-IL" dirty="0"/>
+              <a:t>) ?</a:t>
+            </a:r>
+          </a:p>
+          <a:p>
+            <a:pPr lvl="2"/>
+            <a:r>
+              <a:rPr lang="he-IL" dirty="0"/>
+              <a:t>האם עדיין צריך לחלק ב </a:t>
+            </a:r>
+            <a:r>
+              <a:rPr lang="en-US" dirty="0"/>
+              <a:t>Cross</a:t>
+            </a:r>
+            <a:r>
+              <a:rPr lang="he-IL" dirty="0"/>
+              <a:t> את המידע ולבדוק עם </a:t>
+            </a:r>
+            <a:r>
+              <a:rPr lang="en-US" dirty="0"/>
+              <a:t>train</a:t>
+            </a:r>
+            <a:r>
+              <a:rPr lang="he-IL" dirty="0"/>
+              <a:t> ?</a:t>
+            </a:r>
+          </a:p>
+          <a:p>
+            <a:pPr lvl="1"/>
+            <a:r>
+              <a:rPr lang="he-IL" dirty="0"/>
+              <a:t>בשימוש ב </a:t>
+            </a:r>
+            <a:r>
+              <a:rPr lang="en-US" dirty="0"/>
+              <a:t>Random Forest</a:t>
+            </a:r>
+            <a:r>
+              <a:rPr lang="he-IL" dirty="0"/>
+              <a:t>, התוצאה הינה ה"חשיבות" של כל תוכנה:</a:t>
+            </a:r>
+          </a:p>
+          <a:p>
+            <a:pPr lvl="2"/>
+            <a:r>
+              <a:rPr lang="he-IL" dirty="0"/>
+              <a:t>בפועל אין הורדת תוכנות</a:t>
+            </a:r>
+          </a:p>
+          <a:p>
+            <a:pPr lvl="2"/>
+            <a:r>
+              <a:rPr lang="he-IL" dirty="0"/>
+              <a:t>מה ההבדל בין שיטה זו לבין ה </a:t>
+            </a:r>
+            <a:r>
+              <a:rPr lang="en-US" dirty="0"/>
+              <a:t>wrapper</a:t>
+            </a:r>
+            <a:r>
+              <a:rPr lang="he-IL" dirty="0"/>
+              <a:t> עם </a:t>
+            </a:r>
+            <a:r>
+              <a:rPr lang="en-US" dirty="0"/>
+              <a:t>Random Forest</a:t>
+            </a:r>
+            <a:endParaRPr lang="he-IL" dirty="0"/>
+          </a:p>
+          <a:p>
+            <a:r>
+              <a:rPr lang="he-IL" dirty="0"/>
+              <a:t>בכל השיטות (של </a:t>
+            </a:r>
+            <a:r>
+              <a:rPr lang="en-US" dirty="0"/>
+              <a:t> filter model</a:t>
+            </a:r>
+            <a:r>
+              <a:rPr lang="he-IL" dirty="0"/>
+              <a:t> יחד עם </a:t>
+            </a:r>
+            <a:r>
+              <a:rPr lang="en-US" dirty="0"/>
+              <a:t>random forest</a:t>
+            </a:r>
+            <a:r>
+              <a:rPr lang="he-IL" dirty="0"/>
+              <a:t> וזהו ?), נראה שיש מספר המגדיר את המספר המקסימאלי של תכונות לבחירה. למה ? זה צריך להיות לפי סינון אחר (נניח תוצאה / סף)</a:t>
+            </a:r>
+          </a:p>
+          <a:p>
+            <a:r>
+              <a:rPr lang="he-IL" dirty="0"/>
+              <a:t>לעבור שוב ולוודא האם </a:t>
+            </a:r>
+            <a:r>
+              <a:rPr lang="he-IL"/>
+              <a:t>נכונה השאלה - מהבנתי </a:t>
+            </a:r>
+            <a:r>
+              <a:rPr lang="he-IL" dirty="0"/>
+              <a:t>מ </a:t>
             </a:r>
             <a:r>
               <a:rPr lang="en-US" dirty="0" err="1"/>
-              <a:t>cross_val_predict</a:t>
-            </a:r>
-            <a:r>
-              <a:rPr lang="he-IL" dirty="0"/>
-              <a:t>)</a:t>
-            </a:r>
-          </a:p>
-          <a:p>
-            <a:r>
-              <a:rPr lang="he-IL" dirty="0"/>
-              <a:t>כיוונן </a:t>
+              <a:t>kfold</a:t>
+            </a:r>
+            <a:r>
+              <a:rPr lang="he-IL" dirty="0"/>
+              <a:t> לא ניתן לקבל את רשימת התכונות (אם יש התנגשות בין הרצות) אלא לקחת את התוצאה </a:t>
+            </a:r>
+            <a:r>
+              <a:rPr lang="en-US" dirty="0"/>
+              <a:t>(feature importance)</a:t>
+            </a:r>
+            <a:r>
+              <a:rPr lang="he-IL" dirty="0"/>
+              <a:t> ומשם לחלץ לפי סף </a:t>
+            </a:r>
+            <a:r>
+              <a:rPr lang="he-IL" dirty="0" err="1"/>
+              <a:t>מסויים</a:t>
+            </a:r>
+            <a:endParaRPr lang="he-IL" dirty="0"/>
+          </a:p>
+          <a:p>
+            <a:r>
+              <a:rPr lang="he-IL" dirty="0"/>
+              <a:t>נראה שאין טעם להשתמש ב </a:t>
+            </a:r>
+            <a:r>
+              <a:rPr lang="en-US" dirty="0"/>
+              <a:t>TREE</a:t>
+            </a:r>
+            <a:r>
+              <a:rPr lang="he-IL" dirty="0"/>
+              <a:t> לבד ?</a:t>
+            </a:r>
+          </a:p>
+          <a:p>
+            <a:r>
+              <a:rPr lang="he-IL" dirty="0"/>
+              <a:t>יש הרבה שיטות ממאמרים </a:t>
+            </a:r>
+            <a:r>
+              <a:rPr lang="en-US" dirty="0"/>
+              <a:t>IEEE</a:t>
+            </a:r>
+            <a:r>
+              <a:rPr lang="he-IL" dirty="0"/>
+              <a:t> שלא נמצאים ב </a:t>
             </a:r>
             <a:r>
               <a:rPr lang="en-US" dirty="0" err="1"/>
-              <a:t>hyperparmaaters</a:t>
-            </a:r>
-            <a:r>
-              <a:rPr lang="he-IL" dirty="0"/>
-              <a:t> ?</a:t>
-            </a:r>
-            <a:r>
-              <a:rPr lang="en-US" dirty="0"/>
-              <a:t> </a:t>
-            </a:r>
-            <a:r>
-              <a:rPr lang="he-IL" dirty="0"/>
-              <a:t>מתי עושים ? זה יכול להשפיע ב:</a:t>
-            </a:r>
-          </a:p>
-          <a:p>
-            <a:pPr lvl="1"/>
-            <a:r>
-              <a:rPr lang="en-US" dirty="0"/>
-              <a:t>Feature selection (wrapper/embedded)</a:t>
-            </a:r>
+              <a:t>sklearn</a:t>
+            </a:r>
+            <a:r>
+              <a:rPr lang="he-IL" dirty="0"/>
+              <a:t>. אם אני מבין נכון בגלל שלא נמצא שם, אז אין טעם לבדוק ? אחרת היה </a:t>
+            </a:r>
+            <a:r>
+              <a:rPr lang="he-IL" dirty="0" err="1"/>
+              <a:t>פופלארי</a:t>
+            </a:r>
+            <a:r>
+              <a:rPr lang="he-IL" dirty="0"/>
+              <a:t> והיה נכנס ?</a:t>
+            </a:r>
+          </a:p>
+          <a:p>
             <a:endParaRPr lang="he-IL" dirty="0"/>
           </a:p>
           <a:p>
-            <a:pPr lvl="1"/>
-            <a:r>
-              <a:rPr lang="he-IL"/>
-              <a:t>בחירת </a:t>
-            </a:r>
-            <a:r>
-              <a:rPr lang="en-US"/>
-              <a:t>model</a:t>
-            </a:r>
+            <a:pPr marL="0" indent="0">
+              <a:buNone/>
+            </a:pPr>
+            <a:endParaRPr lang="he-IL" dirty="0"/>
+          </a:p>
+          <a:p>
             <a:endParaRPr lang="he-IL" dirty="0"/>
           </a:p>
         </p:txBody>
@@ -9766,7 +9906,7 @@
     </p:spTree>
     <p:extLst>
       <p:ext uri="{BB962C8B-B14F-4D97-AF65-F5344CB8AC3E}">
-        <p14:creationId xmlns:p14="http://schemas.microsoft.com/office/powerpoint/2010/main" val="118512922"/>
+        <p14:creationId xmlns:p14="http://schemas.microsoft.com/office/powerpoint/2010/main" val="3199974596"/>
       </p:ext>
     </p:extLst>
   </p:cSld>
@@ -9798,7 +9938,7 @@
           <p:cNvPr id="2" name="כותרת 1">
             <a:extLst>
               <a:ext uri="{FF2B5EF4-FFF2-40B4-BE49-F238E27FC236}">
-                <a16:creationId xmlns:a16="http://schemas.microsoft.com/office/drawing/2014/main" id="{E4E90D95-673A-44C8-8AF8-5E5B77603F0E}"/>
+                <a16:creationId xmlns:a16="http://schemas.microsoft.com/office/drawing/2014/main" id="{B1B2B1AD-AED9-4FF9-8904-0852BE6EF758}"/>
               </a:ext>
             </a:extLst>
           </p:cNvPr>
@@ -9816,7 +9956,7 @@
           <a:p>
             <a:r>
               <a:rPr lang="he-IL" dirty="0"/>
-              <a:t>שאלות - 3</a:t>
+              <a:t>שאלות - 2</a:t>
             </a:r>
           </a:p>
         </p:txBody>
@@ -9826,7 +9966,7 @@
           <p:cNvPr id="3" name="מציין מיקום תוכן 2">
             <a:extLst>
               <a:ext uri="{FF2B5EF4-FFF2-40B4-BE49-F238E27FC236}">
-                <a16:creationId xmlns:a16="http://schemas.microsoft.com/office/drawing/2014/main" id="{F54A7483-4BFE-4463-B6DF-A252594BD2E4}"/>
+                <a16:creationId xmlns:a16="http://schemas.microsoft.com/office/drawing/2014/main" id="{3CC9D416-2FD3-4EFA-8133-C371E668FCBB}"/>
               </a:ext>
             </a:extLst>
           </p:cNvPr>
@@ -9839,76 +9979,133 @@
         </p:nvSpPr>
         <p:spPr/>
         <p:txBody>
-          <a:bodyPr/>
-          <a:lstStyle/>
-          <a:p>
+          <a:bodyPr>
+            <a:normAutofit/>
+          </a:bodyPr>
+          <a:lstStyle/>
+          <a:p>
+            <a:r>
+              <a:rPr lang="he-IL" dirty="0" err="1"/>
+              <a:t>בבעית</a:t>
+            </a:r>
+            <a:r>
+              <a:rPr lang="he-IL" dirty="0"/>
+              <a:t> ה </a:t>
+            </a:r>
+            <a:r>
+              <a:rPr lang="en-US" dirty="0"/>
+              <a:t>NBA</a:t>
+            </a:r>
+            <a:r>
+              <a:rPr lang="he-IL" dirty="0"/>
+              <a:t>, נראה שה </a:t>
+            </a:r>
             <a:r>
               <a:rPr lang="en-US" dirty="0" err="1"/>
-              <a:t>Cross_validate</a:t>
-            </a:r>
-            <a:r>
-              <a:rPr lang="he-IL" dirty="0"/>
-              <a:t> ניתן לתת מספר </a:t>
-            </a:r>
-            <a:r>
-              <a:rPr lang="en-US" dirty="0"/>
-              <a:t>score</a:t>
-            </a:r>
-            <a:r>
-              <a:rPr lang="he-IL" dirty="0"/>
-              <a:t>ים שונים לבחינה</a:t>
-            </a:r>
-          </a:p>
-          <a:p>
-            <a:pPr lvl="1"/>
-            <a:r>
-              <a:rPr lang="he-IL" dirty="0"/>
-              <a:t>למה באמת משנה מדד ה </a:t>
-            </a:r>
-            <a:r>
-              <a:rPr lang="en-US" dirty="0"/>
-              <a:t>score</a:t>
-            </a:r>
-            <a:r>
-              <a:rPr lang="he-IL" dirty="0"/>
-              <a:t> ? כמה זה יכול להשפיע ?</a:t>
-            </a:r>
-          </a:p>
-          <a:p>
-            <a:r>
-              <a:rPr lang="he-IL" dirty="0"/>
-              <a:t>מהבנתי:</a:t>
-            </a:r>
-          </a:p>
-          <a:p>
-            <a:pPr lvl="1"/>
-            <a:r>
-              <a:rPr lang="he-IL" dirty="0"/>
-              <a:t>כדאי לבצע </a:t>
-            </a:r>
-            <a:r>
-              <a:rPr lang="en-US" dirty="0"/>
-              <a:t>scaling</a:t>
-            </a:r>
-            <a:r>
-              <a:rPr lang="he-IL" dirty="0"/>
-              <a:t> לפני </a:t>
-            </a:r>
-            <a:r>
-              <a:rPr lang="en-US" dirty="0"/>
-              <a:t>feature selection</a:t>
-            </a:r>
-            <a:r>
-              <a:rPr lang="he-IL" dirty="0"/>
-              <a:t>, האם נכון ?</a:t>
-            </a:r>
+              <a:t>cor</a:t>
+            </a:r>
+            <a:r>
+              <a:rPr lang="he-IL" dirty="0"/>
+              <a:t> עם ה </a:t>
+            </a:r>
+            <a:r>
+              <a:rPr lang="en-US" dirty="0"/>
+              <a:t>TARGET</a:t>
+            </a:r>
+            <a:r>
+              <a:rPr lang="he-IL" dirty="0"/>
+              <a:t> קטן מ 0.4</a:t>
+            </a:r>
+            <a:br>
+              <a:rPr lang="en-US" dirty="0"/>
+            </a:br>
+            <a:r>
+              <a:rPr lang="he-IL" dirty="0"/>
+              <a:t>אז בעצם הייתי מסנן את </a:t>
+            </a:r>
+            <a:r>
+              <a:rPr lang="he-IL" dirty="0" err="1"/>
+              <a:t>הכל</a:t>
+            </a:r>
+            <a:r>
+              <a:rPr lang="he-IL" dirty="0"/>
+              <a:t> ?</a:t>
+            </a:r>
+          </a:p>
+          <a:p>
+            <a:r>
+              <a:rPr lang="en-US" dirty="0"/>
+              <a:t>Lasso</a:t>
+            </a:r>
+            <a:r>
+              <a:rPr lang="he-IL" dirty="0"/>
+              <a:t> לא מתאים ל </a:t>
+            </a:r>
+            <a:r>
+              <a:rPr lang="en-US" dirty="0"/>
+              <a:t>classification</a:t>
+            </a:r>
+            <a:r>
+              <a:rPr lang="he-IL" dirty="0"/>
+              <a:t> ? (ראה </a:t>
+            </a:r>
+            <a:r>
+              <a:rPr lang="en-US" dirty="0" err="1"/>
+              <a:t>cross_val_predict</a:t>
+            </a:r>
+            <a:r>
+              <a:rPr lang="he-IL" dirty="0"/>
+              <a:t>)</a:t>
+            </a:r>
+          </a:p>
+          <a:p>
+            <a:r>
+              <a:rPr lang="he-IL" dirty="0"/>
+              <a:t>כיוונן </a:t>
+            </a:r>
+            <a:r>
+              <a:rPr lang="en-US" dirty="0" err="1"/>
+              <a:t>hyperparmaaters</a:t>
+            </a:r>
+            <a:r>
+              <a:rPr lang="he-IL" dirty="0"/>
+              <a:t> ?</a:t>
+            </a:r>
+            <a:r>
+              <a:rPr lang="en-US" dirty="0"/>
+              <a:t> </a:t>
+            </a:r>
+            <a:r>
+              <a:rPr lang="he-IL" dirty="0"/>
+              <a:t>מתי עושים ? זה יכול להשפיע ב:</a:t>
+            </a:r>
+          </a:p>
+          <a:p>
+            <a:pPr lvl="1"/>
+            <a:r>
+              <a:rPr lang="en-US" dirty="0"/>
+              <a:t>Feature selection (wrapper/embedded)</a:t>
+            </a:r>
+            <a:endParaRPr lang="he-IL" dirty="0"/>
+          </a:p>
+          <a:p>
+            <a:pPr lvl="1"/>
+            <a:r>
+              <a:rPr lang="he-IL"/>
+              <a:t>בחירת </a:t>
+            </a:r>
+            <a:r>
+              <a:rPr lang="en-US"/>
+              <a:t>model</a:t>
+            </a:r>
+            <a:endParaRPr lang="he-IL" dirty="0"/>
           </a:p>
         </p:txBody>
       </p:sp>
     </p:spTree>
     <p:extLst>
       <p:ext uri="{BB962C8B-B14F-4D97-AF65-F5344CB8AC3E}">
-        <p14:creationId xmlns:p14="http://schemas.microsoft.com/office/powerpoint/2010/main" val="1448348866"/>
+        <p14:creationId xmlns:p14="http://schemas.microsoft.com/office/powerpoint/2010/main" val="118512922"/>
       </p:ext>
     </p:extLst>
   </p:cSld>
@@ -9940,7 +10137,7 @@
           <p:cNvPr id="2" name="כותרת 1">
             <a:extLst>
               <a:ext uri="{FF2B5EF4-FFF2-40B4-BE49-F238E27FC236}">
-                <a16:creationId xmlns:a16="http://schemas.microsoft.com/office/drawing/2014/main" id="{C05B19A7-4B51-4263-9909-E7743DBA26C4}"/>
+                <a16:creationId xmlns:a16="http://schemas.microsoft.com/office/drawing/2014/main" id="{E4E90D95-673A-44C8-8AF8-5E5B77603F0E}"/>
               </a:ext>
             </a:extLst>
           </p:cNvPr>
@@ -9958,7 +10155,7 @@
           <a:p>
             <a:r>
               <a:rPr lang="he-IL" dirty="0"/>
-              <a:t>שאלות - 4</a:t>
+              <a:t>שאלות - 3</a:t>
             </a:r>
           </a:p>
         </p:txBody>
@@ -9968,7 +10165,7 @@
           <p:cNvPr id="3" name="מציין מיקום תוכן 2">
             <a:extLst>
               <a:ext uri="{FF2B5EF4-FFF2-40B4-BE49-F238E27FC236}">
-                <a16:creationId xmlns:a16="http://schemas.microsoft.com/office/drawing/2014/main" id="{93F686FE-F8E2-4F3F-AE46-71CBBD633BAA}"/>
+                <a16:creationId xmlns:a16="http://schemas.microsoft.com/office/drawing/2014/main" id="{F54A7483-4BFE-4463-B6DF-A252594BD2E4}"/>
               </a:ext>
             </a:extLst>
           </p:cNvPr>
@@ -9985,92 +10182,72 @@
           <a:lstStyle/>
           <a:p>
             <a:r>
-              <a:rPr lang="en-US" dirty="0"/>
-              <a:t>PCA</a:t>
-            </a:r>
-            <a:endParaRPr lang="he-IL" dirty="0"/>
-          </a:p>
-          <a:p>
-            <a:pPr lvl="1"/>
-            <a:r>
-              <a:rPr lang="he-IL" dirty="0"/>
-              <a:t>כיצד לטפל </a:t>
-            </a:r>
-            <a:r>
-              <a:rPr lang="he-IL" dirty="0" err="1"/>
-              <a:t>בחיסרונות</a:t>
-            </a:r>
-            <a:r>
-              <a:rPr lang="he-IL" dirty="0"/>
-              <a:t> ?</a:t>
-            </a:r>
-          </a:p>
-          <a:p>
-            <a:r>
-              <a:rPr lang="en-US" dirty="0"/>
-              <a:t>KOLMOGOROV SMIRNOV</a:t>
-            </a:r>
-            <a:endParaRPr lang="he-IL" dirty="0"/>
-          </a:p>
-          <a:p>
-            <a:pPr lvl="1"/>
-            <a:r>
-              <a:rPr lang="he-IL" dirty="0"/>
-              <a:t>האם ההתפלגות חייבת להיות נורמאלית ? </a:t>
-            </a:r>
-            <a:r>
-              <a:rPr lang="he-IL" dirty="0">
-                <a:highlight>
-                  <a:srgbClr val="FFFF00"/>
-                </a:highlight>
-              </a:rPr>
-              <a:t>לא</a:t>
-            </a:r>
-          </a:p>
-          <a:p>
-            <a:pPr lvl="1"/>
-            <a:r>
-              <a:rPr lang="he-IL" dirty="0"/>
-              <a:t>דוגמא לשימוש ב </a:t>
-            </a:r>
-            <a:r>
-              <a:rPr lang="en-US" dirty="0"/>
-              <a:t>ML</a:t>
-            </a:r>
-            <a:r>
-              <a:rPr lang="he-IL" dirty="0"/>
-              <a:t> ?</a:t>
-            </a:r>
-          </a:p>
-          <a:p>
-            <a:pPr lvl="1"/>
-            <a:r>
-              <a:rPr lang="he-IL" dirty="0"/>
-              <a:t>למה לא ראיתי תמיכה ב </a:t>
-            </a:r>
-            <a:r>
               <a:rPr lang="en-US" dirty="0" err="1"/>
-              <a:t>sklearn</a:t>
-            </a:r>
-            <a:r>
-              <a:rPr lang="he-IL" dirty="0"/>
-              <a:t> לסיווג </a:t>
-            </a:r>
-            <a:r>
-              <a:rPr lang="en-US" dirty="0"/>
-              <a:t>(un/supervised)</a:t>
-            </a:r>
-            <a:endParaRPr lang="he-IL" dirty="0"/>
-          </a:p>
-          <a:p>
-            <a:endParaRPr lang="he-IL" dirty="0"/>
+              <a:t>Cross_validate</a:t>
+            </a:r>
+            <a:r>
+              <a:rPr lang="he-IL" dirty="0"/>
+              <a:t> ניתן לתת מספר </a:t>
+            </a:r>
+            <a:r>
+              <a:rPr lang="en-US" dirty="0"/>
+              <a:t>score</a:t>
+            </a:r>
+            <a:r>
+              <a:rPr lang="he-IL" dirty="0"/>
+              <a:t>ים שונים לבחינה</a:t>
+            </a:r>
+          </a:p>
+          <a:p>
+            <a:pPr lvl="1"/>
+            <a:r>
+              <a:rPr lang="he-IL" dirty="0"/>
+              <a:t>למה באמת משנה מדד ה </a:t>
+            </a:r>
+            <a:r>
+              <a:rPr lang="en-US" dirty="0"/>
+              <a:t>score</a:t>
+            </a:r>
+            <a:r>
+              <a:rPr lang="he-IL" dirty="0"/>
+              <a:t> ? כמה זה יכול להשפיע ?</a:t>
+            </a:r>
+          </a:p>
+          <a:p>
+            <a:r>
+              <a:rPr lang="he-IL" dirty="0"/>
+              <a:t>מהבנתי:</a:t>
+            </a:r>
+          </a:p>
+          <a:p>
+            <a:pPr lvl="1"/>
+            <a:r>
+              <a:rPr lang="he-IL" dirty="0"/>
+              <a:t>כדאי לבצע </a:t>
+            </a:r>
+            <a:r>
+              <a:rPr lang="en-US" dirty="0"/>
+              <a:t>scaling</a:t>
+            </a:r>
+            <a:r>
+              <a:rPr lang="he-IL" dirty="0"/>
+              <a:t> לפני </a:t>
+            </a:r>
+            <a:r>
+              <a:rPr lang="en-US" dirty="0"/>
+              <a:t>feature selection</a:t>
+            </a:r>
+            <a:r>
+              <a:rPr lang="he-IL" dirty="0"/>
+              <a:t>, האם נכון ?</a:t>
+            </a:r>
           </a:p>
         </p:txBody>
       </p:sp>
     </p:spTree>
     <p:extLst>
       <p:ext uri="{BB962C8B-B14F-4D97-AF65-F5344CB8AC3E}">
-        <p14:creationId xmlns:p14="http://schemas.microsoft.com/office/powerpoint/2010/main" val="3971539147"/>
+        <p14:creationId xmlns:p14="http://schemas.microsoft.com/office/powerpoint/2010/main" val="1448348866"/>
       </p:ext>
     </p:extLst>
   </p:cSld>
@@ -10102,6 +10279,168 @@
           <p:cNvPr id="2" name="כותרת 1">
             <a:extLst>
               <a:ext uri="{FF2B5EF4-FFF2-40B4-BE49-F238E27FC236}">
+                <a16:creationId xmlns:a16="http://schemas.microsoft.com/office/drawing/2014/main" id="{C05B19A7-4B51-4263-9909-E7743DBA26C4}"/>
+              </a:ext>
+            </a:extLst>
+          </p:cNvPr>
+          <p:cNvSpPr>
+            <a:spLocks noGrp="1"/>
+          </p:cNvSpPr>
+          <p:nvPr>
+            <p:ph type="title"/>
+          </p:nvPr>
+        </p:nvSpPr>
+        <p:spPr/>
+        <p:txBody>
+          <a:bodyPr/>
+          <a:lstStyle/>
+          <a:p>
+            <a:r>
+              <a:rPr lang="he-IL" dirty="0"/>
+              <a:t>שאלות - 4</a:t>
+            </a:r>
+          </a:p>
+        </p:txBody>
+      </p:sp>
+      <p:sp>
+        <p:nvSpPr>
+          <p:cNvPr id="3" name="מציין מיקום תוכן 2">
+            <a:extLst>
+              <a:ext uri="{FF2B5EF4-FFF2-40B4-BE49-F238E27FC236}">
+                <a16:creationId xmlns:a16="http://schemas.microsoft.com/office/drawing/2014/main" id="{93F686FE-F8E2-4F3F-AE46-71CBBD633BAA}"/>
+              </a:ext>
+            </a:extLst>
+          </p:cNvPr>
+          <p:cNvSpPr>
+            <a:spLocks noGrp="1"/>
+          </p:cNvSpPr>
+          <p:nvPr>
+            <p:ph idx="1"/>
+          </p:nvPr>
+        </p:nvSpPr>
+        <p:spPr/>
+        <p:txBody>
+          <a:bodyPr/>
+          <a:lstStyle/>
+          <a:p>
+            <a:r>
+              <a:rPr lang="en-US" dirty="0"/>
+              <a:t>PCA</a:t>
+            </a:r>
+            <a:endParaRPr lang="he-IL" dirty="0"/>
+          </a:p>
+          <a:p>
+            <a:pPr lvl="1"/>
+            <a:r>
+              <a:rPr lang="he-IL" dirty="0"/>
+              <a:t>כיצד לטפל </a:t>
+            </a:r>
+            <a:r>
+              <a:rPr lang="he-IL" dirty="0" err="1"/>
+              <a:t>בחיסרונות</a:t>
+            </a:r>
+            <a:r>
+              <a:rPr lang="he-IL" dirty="0"/>
+              <a:t> ?</a:t>
+            </a:r>
+          </a:p>
+          <a:p>
+            <a:r>
+              <a:rPr lang="en-US" dirty="0"/>
+              <a:t>KOLMOGOROV SMIRNOV</a:t>
+            </a:r>
+            <a:endParaRPr lang="he-IL" dirty="0"/>
+          </a:p>
+          <a:p>
+            <a:pPr lvl="1"/>
+            <a:r>
+              <a:rPr lang="he-IL" dirty="0"/>
+              <a:t>האם ההתפלגות חייבת להיות נורמאלית ? </a:t>
+            </a:r>
+            <a:r>
+              <a:rPr lang="he-IL" dirty="0">
+                <a:highlight>
+                  <a:srgbClr val="FFFF00"/>
+                </a:highlight>
+              </a:rPr>
+              <a:t>לא</a:t>
+            </a:r>
+          </a:p>
+          <a:p>
+            <a:pPr lvl="1"/>
+            <a:r>
+              <a:rPr lang="he-IL" dirty="0"/>
+              <a:t>דוגמא לשימוש ב </a:t>
+            </a:r>
+            <a:r>
+              <a:rPr lang="en-US" dirty="0"/>
+              <a:t>ML</a:t>
+            </a:r>
+            <a:r>
+              <a:rPr lang="he-IL" dirty="0"/>
+              <a:t> ?</a:t>
+            </a:r>
+          </a:p>
+          <a:p>
+            <a:pPr lvl="1"/>
+            <a:r>
+              <a:rPr lang="he-IL" dirty="0"/>
+              <a:t>למה לא ראיתי תמיכה ב </a:t>
+            </a:r>
+            <a:r>
+              <a:rPr lang="en-US" dirty="0" err="1"/>
+              <a:t>sklearn</a:t>
+            </a:r>
+            <a:r>
+              <a:rPr lang="he-IL" dirty="0"/>
+              <a:t> לסיווג </a:t>
+            </a:r>
+            <a:r>
+              <a:rPr lang="en-US" dirty="0"/>
+              <a:t>(un/supervised)</a:t>
+            </a:r>
+            <a:endParaRPr lang="he-IL" dirty="0"/>
+          </a:p>
+          <a:p>
+            <a:endParaRPr lang="he-IL" dirty="0"/>
+          </a:p>
+        </p:txBody>
+      </p:sp>
+    </p:spTree>
+    <p:extLst>
+      <p:ext uri="{BB962C8B-B14F-4D97-AF65-F5344CB8AC3E}">
+        <p14:creationId xmlns:p14="http://schemas.microsoft.com/office/powerpoint/2010/main" val="3971539147"/>
+      </p:ext>
+    </p:extLst>
+  </p:cSld>
+  <p:clrMapOvr>
+    <a:masterClrMapping/>
+  </p:clrMapOvr>
+</p:sld>
+</file>
+
+<file path=ppt/slides/slide45.xml><?xml version="1.0" encoding="utf-8"?>
+<p:sld xmlns:a="http://schemas.openxmlformats.org/drawingml/2006/main" xmlns:r="http://schemas.openxmlformats.org/officeDocument/2006/relationships" xmlns:p="http://schemas.openxmlformats.org/presentationml/2006/main">
+  <p:cSld>
+    <p:spTree>
+      <p:nvGrpSpPr>
+        <p:cNvPr id="1" name=""/>
+        <p:cNvGrpSpPr/>
+        <p:nvPr/>
+      </p:nvGrpSpPr>
+      <p:grpSpPr>
+        <a:xfrm>
+          <a:off x="0" y="0"/>
+          <a:ext cx="0" cy="0"/>
+          <a:chOff x="0" y="0"/>
+          <a:chExt cx="0" cy="0"/>
+        </a:xfrm>
+      </p:grpSpPr>
+      <p:sp>
+        <p:nvSpPr>
+          <p:cNvPr id="2" name="כותרת 1">
+            <a:extLst>
+              <a:ext uri="{FF2B5EF4-FFF2-40B4-BE49-F238E27FC236}">
                 <a16:creationId xmlns:a16="http://schemas.microsoft.com/office/drawing/2014/main" id="{12C43150-B25E-4D0E-BDF4-635BEFD8EF18}"/>
               </a:ext>
             </a:extLst>
@@ -10172,7 +10511,7 @@
 </p:sld>
 </file>
 
-<file path=ppt/slides/slide45.xml><?xml version="1.0" encoding="utf-8"?>
+<file path=ppt/slides/slide46.xml><?xml version="1.0" encoding="utf-8"?>
 <p:sld xmlns:a="http://schemas.openxmlformats.org/drawingml/2006/main" xmlns:r="http://schemas.openxmlformats.org/officeDocument/2006/relationships" xmlns:p="http://schemas.openxmlformats.org/presentationml/2006/main">
   <p:cSld>
     <p:spTree>
@@ -10405,7 +10744,7 @@
 </p:sld>
 </file>
 
-<file path=ppt/slides/slide46.xml><?xml version="1.0" encoding="utf-8"?>
+<file path=ppt/slides/slide47.xml><?xml version="1.0" encoding="utf-8"?>
 <p:sld xmlns:a="http://schemas.openxmlformats.org/drawingml/2006/main" xmlns:r="http://schemas.openxmlformats.org/officeDocument/2006/relationships" xmlns:p="http://schemas.openxmlformats.org/presentationml/2006/main">
   <p:cSld>
     <p:spTree>
@@ -10593,7 +10932,7 @@
 </p:sld>
 </file>
 
-<file path=ppt/slides/slide47.xml><?xml version="1.0" encoding="utf-8"?>
+<file path=ppt/slides/slide48.xml><?xml version="1.0" encoding="utf-8"?>
 <p:sld xmlns:a="http://schemas.openxmlformats.org/drawingml/2006/main" xmlns:r="http://schemas.openxmlformats.org/officeDocument/2006/relationships" xmlns:p="http://schemas.openxmlformats.org/presentationml/2006/main">
   <p:cSld>
     <p:spTree>
@@ -10806,7 +11145,7 @@
 </p:sld>
 </file>
 
-<file path=ppt/slides/slide48.xml><?xml version="1.0" encoding="utf-8"?>
+<file path=ppt/slides/slide49.xml><?xml version="1.0" encoding="utf-8"?>
 <p:sld xmlns:a="http://schemas.openxmlformats.org/drawingml/2006/main" xmlns:r="http://schemas.openxmlformats.org/officeDocument/2006/relationships" xmlns:p="http://schemas.openxmlformats.org/presentationml/2006/main">
   <p:cSld>
     <p:spTree>
@@ -10963,145 +11302,6 @@
 </p:sld>
 </file>
 
-<file path=ppt/slides/slide49.xml><?xml version="1.0" encoding="utf-8"?>
-<p:sld xmlns:a="http://schemas.openxmlformats.org/drawingml/2006/main" xmlns:r="http://schemas.openxmlformats.org/officeDocument/2006/relationships" xmlns:p="http://schemas.openxmlformats.org/presentationml/2006/main">
-  <p:cSld>
-    <p:spTree>
-      <p:nvGrpSpPr>
-        <p:cNvPr id="1" name=""/>
-        <p:cNvGrpSpPr/>
-        <p:nvPr/>
-      </p:nvGrpSpPr>
-      <p:grpSpPr>
-        <a:xfrm>
-          <a:off x="0" y="0"/>
-          <a:ext cx="0" cy="0"/>
-          <a:chOff x="0" y="0"/>
-          <a:chExt cx="0" cy="0"/>
-        </a:xfrm>
-      </p:grpSpPr>
-      <p:sp>
-        <p:nvSpPr>
-          <p:cNvPr id="2" name="כותרת 1">
-            <a:extLst>
-              <a:ext uri="{FF2B5EF4-FFF2-40B4-BE49-F238E27FC236}">
-                <a16:creationId xmlns:a16="http://schemas.microsoft.com/office/drawing/2014/main" id="{91E46E9D-7B8F-4C0C-970C-665A3710F4E8}"/>
-              </a:ext>
-            </a:extLst>
-          </p:cNvPr>
-          <p:cNvSpPr>
-            <a:spLocks noGrp="1"/>
-          </p:cNvSpPr>
-          <p:nvPr>
-            <p:ph type="title"/>
-          </p:nvPr>
-        </p:nvSpPr>
-        <p:spPr/>
-        <p:txBody>
-          <a:bodyPr/>
-          <a:lstStyle/>
-          <a:p>
-            <a:r>
-              <a:rPr lang="en-US" dirty="0"/>
-              <a:t>statistical tests</a:t>
-            </a:r>
-            <a:endParaRPr lang="he-IL" dirty="0"/>
-          </a:p>
-        </p:txBody>
-      </p:sp>
-      <p:sp>
-        <p:nvSpPr>
-          <p:cNvPr id="3" name="מציין מיקום תוכן 2">
-            <a:extLst>
-              <a:ext uri="{FF2B5EF4-FFF2-40B4-BE49-F238E27FC236}">
-                <a16:creationId xmlns:a16="http://schemas.microsoft.com/office/drawing/2014/main" id="{DB30E94D-72E9-4C4F-9648-3789DA67A3F4}"/>
-              </a:ext>
-            </a:extLst>
-          </p:cNvPr>
-          <p:cNvSpPr>
-            <a:spLocks noGrp="1"/>
-          </p:cNvSpPr>
-          <p:nvPr>
-            <p:ph idx="1"/>
-          </p:nvPr>
-        </p:nvSpPr>
-        <p:spPr>
-          <a:xfrm>
-            <a:off x="838199" y="1825625"/>
-            <a:ext cx="11084511" cy="4351338"/>
-          </a:xfrm>
-        </p:spPr>
-        <p:txBody>
-          <a:bodyPr>
-            <a:normAutofit/>
-          </a:bodyPr>
-          <a:lstStyle/>
-          <a:p>
-            <a:r>
-              <a:rPr lang="en-US" dirty="0"/>
-              <a:t>ANOVA</a:t>
-            </a:r>
-            <a:endParaRPr lang="he-IL" dirty="0"/>
-          </a:p>
-          <a:p>
-            <a:pPr lvl="1"/>
-            <a:r>
-              <a:rPr lang="he-IL" dirty="0"/>
-              <a:t>בדיקה האם למספר דגימות יש את אותו </a:t>
-            </a:r>
-            <a:r>
-              <a:rPr lang="en-US" dirty="0"/>
-              <a:t>mean </a:t>
-            </a:r>
-            <a:r>
-              <a:rPr lang="he-IL" dirty="0"/>
-              <a:t> (או שאחת או יותר מהדגימות שונה משמעותית מהאחרות)</a:t>
-            </a:r>
-          </a:p>
-          <a:p>
-            <a:r>
-              <a:rPr lang="en-US" dirty="0"/>
-              <a:t>Chi-Square Test</a:t>
-            </a:r>
-            <a:r>
-              <a:rPr lang="he-IL" dirty="0"/>
-              <a:t>	</a:t>
-            </a:r>
-          </a:p>
-          <a:p>
-            <a:pPr lvl="1"/>
-            <a:r>
-              <a:rPr lang="he-IL" dirty="0"/>
-              <a:t>מבחן זה נועד להשוות בין משתני קטגוריה</a:t>
-            </a:r>
-          </a:p>
-          <a:p>
-            <a:pPr lvl="1"/>
-            <a:r>
-              <a:rPr lang="he-IL" dirty="0"/>
-              <a:t>ערך נמוך – אותה קטגוריה</a:t>
-            </a:r>
-            <a:endParaRPr lang="en-US" dirty="0"/>
-          </a:p>
-          <a:p>
-            <a:pPr lvl="1"/>
-            <a:endParaRPr lang="he-IL" dirty="0"/>
-          </a:p>
-        </p:txBody>
-      </p:sp>
-    </p:spTree>
-    <p:extLst>
-      <p:ext uri="{BB962C8B-B14F-4D97-AF65-F5344CB8AC3E}">
-        <p14:creationId xmlns:p14="http://schemas.microsoft.com/office/powerpoint/2010/main" val="2081389159"/>
-      </p:ext>
-    </p:extLst>
-  </p:cSld>
-  <p:clrMapOvr>
-    <a:masterClrMapping/>
-  </p:clrMapOvr>
-</p:sld>
-</file>
-
 <file path=ppt/slides/slide5.xml><?xml version="1.0" encoding="utf-8"?>
 <p:sld xmlns:a="http://schemas.openxmlformats.org/drawingml/2006/main" xmlns:r="http://schemas.openxmlformats.org/officeDocument/2006/relationships" xmlns:p="http://schemas.openxmlformats.org/presentationml/2006/main">
   <p:cSld>
@@ -11325,6 +11525,145 @@
           <p:cNvPr id="2" name="כותרת 1">
             <a:extLst>
               <a:ext uri="{FF2B5EF4-FFF2-40B4-BE49-F238E27FC236}">
+                <a16:creationId xmlns:a16="http://schemas.microsoft.com/office/drawing/2014/main" id="{91E46E9D-7B8F-4C0C-970C-665A3710F4E8}"/>
+              </a:ext>
+            </a:extLst>
+          </p:cNvPr>
+          <p:cNvSpPr>
+            <a:spLocks noGrp="1"/>
+          </p:cNvSpPr>
+          <p:nvPr>
+            <p:ph type="title"/>
+          </p:nvPr>
+        </p:nvSpPr>
+        <p:spPr/>
+        <p:txBody>
+          <a:bodyPr/>
+          <a:lstStyle/>
+          <a:p>
+            <a:r>
+              <a:rPr lang="en-US" dirty="0"/>
+              <a:t>statistical tests</a:t>
+            </a:r>
+            <a:endParaRPr lang="he-IL" dirty="0"/>
+          </a:p>
+        </p:txBody>
+      </p:sp>
+      <p:sp>
+        <p:nvSpPr>
+          <p:cNvPr id="3" name="מציין מיקום תוכן 2">
+            <a:extLst>
+              <a:ext uri="{FF2B5EF4-FFF2-40B4-BE49-F238E27FC236}">
+                <a16:creationId xmlns:a16="http://schemas.microsoft.com/office/drawing/2014/main" id="{DB30E94D-72E9-4C4F-9648-3789DA67A3F4}"/>
+              </a:ext>
+            </a:extLst>
+          </p:cNvPr>
+          <p:cNvSpPr>
+            <a:spLocks noGrp="1"/>
+          </p:cNvSpPr>
+          <p:nvPr>
+            <p:ph idx="1"/>
+          </p:nvPr>
+        </p:nvSpPr>
+        <p:spPr>
+          <a:xfrm>
+            <a:off x="838199" y="1825625"/>
+            <a:ext cx="11084511" cy="4351338"/>
+          </a:xfrm>
+        </p:spPr>
+        <p:txBody>
+          <a:bodyPr>
+            <a:normAutofit/>
+          </a:bodyPr>
+          <a:lstStyle/>
+          <a:p>
+            <a:r>
+              <a:rPr lang="en-US" dirty="0"/>
+              <a:t>ANOVA</a:t>
+            </a:r>
+            <a:endParaRPr lang="he-IL" dirty="0"/>
+          </a:p>
+          <a:p>
+            <a:pPr lvl="1"/>
+            <a:r>
+              <a:rPr lang="he-IL" dirty="0"/>
+              <a:t>בדיקה האם למספר דגימות יש את אותו </a:t>
+            </a:r>
+            <a:r>
+              <a:rPr lang="en-US" dirty="0"/>
+              <a:t>mean </a:t>
+            </a:r>
+            <a:r>
+              <a:rPr lang="he-IL" dirty="0"/>
+              <a:t> (או שאחת או יותר מהדגימות שונה משמעותית מהאחרות)</a:t>
+            </a:r>
+          </a:p>
+          <a:p>
+            <a:r>
+              <a:rPr lang="en-US" dirty="0"/>
+              <a:t>Chi-Square Test</a:t>
+            </a:r>
+            <a:r>
+              <a:rPr lang="he-IL" dirty="0"/>
+              <a:t>	</a:t>
+            </a:r>
+          </a:p>
+          <a:p>
+            <a:pPr lvl="1"/>
+            <a:r>
+              <a:rPr lang="he-IL" dirty="0"/>
+              <a:t>מבחן זה נועד להשוות בין משתני קטגוריה</a:t>
+            </a:r>
+          </a:p>
+          <a:p>
+            <a:pPr lvl="1"/>
+            <a:r>
+              <a:rPr lang="he-IL" dirty="0"/>
+              <a:t>ערך נמוך – אותה קטגוריה</a:t>
+            </a:r>
+            <a:endParaRPr lang="en-US" dirty="0"/>
+          </a:p>
+          <a:p>
+            <a:pPr lvl="1"/>
+            <a:endParaRPr lang="he-IL" dirty="0"/>
+          </a:p>
+        </p:txBody>
+      </p:sp>
+    </p:spTree>
+    <p:extLst>
+      <p:ext uri="{BB962C8B-B14F-4D97-AF65-F5344CB8AC3E}">
+        <p14:creationId xmlns:p14="http://schemas.microsoft.com/office/powerpoint/2010/main" val="2081389159"/>
+      </p:ext>
+    </p:extLst>
+  </p:cSld>
+  <p:clrMapOvr>
+    <a:masterClrMapping/>
+  </p:clrMapOvr>
+</p:sld>
+</file>
+
+<file path=ppt/slides/slide51.xml><?xml version="1.0" encoding="utf-8"?>
+<p:sld xmlns:a="http://schemas.openxmlformats.org/drawingml/2006/main" xmlns:r="http://schemas.openxmlformats.org/officeDocument/2006/relationships" xmlns:p="http://schemas.openxmlformats.org/presentationml/2006/main">
+  <p:cSld>
+    <p:spTree>
+      <p:nvGrpSpPr>
+        <p:cNvPr id="1" name=""/>
+        <p:cNvGrpSpPr/>
+        <p:nvPr/>
+      </p:nvGrpSpPr>
+      <p:grpSpPr>
+        <a:xfrm>
+          <a:off x="0" y="0"/>
+          <a:ext cx="0" cy="0"/>
+          <a:chOff x="0" y="0"/>
+          <a:chExt cx="0" cy="0"/>
+        </a:xfrm>
+      </p:grpSpPr>
+      <p:sp>
+        <p:nvSpPr>
+          <p:cNvPr id="2" name="כותרת 1">
+            <a:extLst>
+              <a:ext uri="{FF2B5EF4-FFF2-40B4-BE49-F238E27FC236}">
                 <a16:creationId xmlns:a16="http://schemas.microsoft.com/office/drawing/2014/main" id="{40A5353B-B0EC-4E55-B1FF-553D38FC21A6}"/>
               </a:ext>
             </a:extLst>
@@ -11459,7 +11798,7 @@
 </p:sld>
 </file>
 
-<file path=ppt/slides/slide51.xml><?xml version="1.0" encoding="utf-8"?>
+<file path=ppt/slides/slide52.xml><?xml version="1.0" encoding="utf-8"?>
 <p:sld xmlns:a="http://schemas.openxmlformats.org/drawingml/2006/main" xmlns:r="http://schemas.openxmlformats.org/officeDocument/2006/relationships" xmlns:p="http://schemas.openxmlformats.org/presentationml/2006/main">
   <p:cSld>
     <p:spTree>
@@ -11730,6 +12069,204 @@
 </p:sld>
 </file>
 
+<file path=ppt/slides/slide53.xml><?xml version="1.0" encoding="utf-8"?>
+<p:sld xmlns:a="http://schemas.openxmlformats.org/drawingml/2006/main" xmlns:r="http://schemas.openxmlformats.org/officeDocument/2006/relationships" xmlns:p="http://schemas.openxmlformats.org/presentationml/2006/main">
+  <p:cSld>
+    <p:spTree>
+      <p:nvGrpSpPr>
+        <p:cNvPr id="1" name=""/>
+        <p:cNvGrpSpPr/>
+        <p:nvPr/>
+      </p:nvGrpSpPr>
+      <p:grpSpPr>
+        <a:xfrm>
+          <a:off x="0" y="0"/>
+          <a:ext cx="0" cy="0"/>
+          <a:chOff x="0" y="0"/>
+          <a:chExt cx="0" cy="0"/>
+        </a:xfrm>
+      </p:grpSpPr>
+      <p:sp>
+        <p:nvSpPr>
+          <p:cNvPr id="2" name="כותרת 1">
+            <a:extLst>
+              <a:ext uri="{FF2B5EF4-FFF2-40B4-BE49-F238E27FC236}">
+                <a16:creationId xmlns:a16="http://schemas.microsoft.com/office/drawing/2014/main" id="{7CD358CA-2799-43A2-A879-FC89C68E1090}"/>
+              </a:ext>
+            </a:extLst>
+          </p:cNvPr>
+          <p:cNvSpPr>
+            <a:spLocks noGrp="1"/>
+          </p:cNvSpPr>
+          <p:nvPr>
+            <p:ph type="title"/>
+          </p:nvPr>
+        </p:nvSpPr>
+        <p:spPr/>
+        <p:txBody>
+          <a:bodyPr/>
+          <a:lstStyle/>
+          <a:p>
+            <a:r>
+              <a:rPr lang="he-IL" dirty="0"/>
+              <a:t>נושאים ללמידה</a:t>
+            </a:r>
+          </a:p>
+        </p:txBody>
+      </p:sp>
+      <p:sp>
+        <p:nvSpPr>
+          <p:cNvPr id="3" name="מציין מיקום תוכן 2">
+            <a:extLst>
+              <a:ext uri="{FF2B5EF4-FFF2-40B4-BE49-F238E27FC236}">
+                <a16:creationId xmlns:a16="http://schemas.microsoft.com/office/drawing/2014/main" id="{7ECE471C-13AE-4C14-9982-48332E91C802}"/>
+              </a:ext>
+            </a:extLst>
+          </p:cNvPr>
+          <p:cNvSpPr>
+            <a:spLocks noGrp="1"/>
+          </p:cNvSpPr>
+          <p:nvPr>
+            <p:ph idx="1"/>
+          </p:nvPr>
+        </p:nvSpPr>
+        <p:spPr/>
+        <p:txBody>
+          <a:bodyPr/>
+          <a:lstStyle/>
+          <a:p>
+            <a:r>
+              <a:rPr lang="en-US" dirty="0"/>
+              <a:t>KS</a:t>
+            </a:r>
+            <a:r>
+              <a:rPr lang="he-IL" dirty="0"/>
+              <a:t> ו </a:t>
+            </a:r>
+            <a:r>
+              <a:rPr lang="en-US" dirty="0"/>
+              <a:t>t-test</a:t>
+            </a:r>
+            <a:r>
+              <a:rPr lang="he-IL" dirty="0"/>
+              <a:t> בקשר בין התכונות ב </a:t>
+            </a:r>
+            <a:r>
+              <a:rPr lang="en-US" dirty="0"/>
+              <a:t>filter model</a:t>
+            </a:r>
+            <a:endParaRPr lang="he-IL" dirty="0"/>
+          </a:p>
+          <a:p>
+            <a:r>
+              <a:rPr lang="he-IL" dirty="0"/>
+              <a:t>בנוסף לנקודה מעלה לבדוק מול </a:t>
+            </a:r>
+            <a:r>
+              <a:rPr lang="en-US" dirty="0" err="1"/>
+              <a:t>entroy</a:t>
+            </a:r>
+            <a:r>
+              <a:rPr lang="he-IL" dirty="0"/>
+              <a:t> ו </a:t>
+            </a:r>
+            <a:r>
+              <a:rPr lang="en-US" dirty="0" err="1"/>
+              <a:t>corr</a:t>
+            </a:r>
+            <a:r>
+              <a:rPr lang="he-IL" dirty="0"/>
+              <a:t> ו </a:t>
+            </a:r>
+            <a:r>
+              <a:rPr lang="en-US" dirty="0"/>
+              <a:t>mi</a:t>
+            </a:r>
+            <a:r>
+              <a:rPr lang="he-IL" dirty="0"/>
+              <a:t> (ממש </a:t>
+            </a:r>
+            <a:r>
+              <a:rPr lang="he-IL"/>
+              <a:t>5 </a:t>
+            </a:r>
+            <a:r>
+              <a:rPr lang="en-US"/>
+              <a:t>plots</a:t>
+            </a:r>
+            <a:r>
+              <a:rPr lang="he-IL"/>
+              <a:t>)</a:t>
+            </a:r>
+            <a:endParaRPr lang="he-IL" dirty="0"/>
+          </a:p>
+          <a:p>
+            <a:r>
+              <a:rPr lang="he-IL" dirty="0"/>
+              <a:t>יצירת </a:t>
+            </a:r>
+            <a:r>
+              <a:rPr lang="en-US" dirty="0"/>
+              <a:t>DS</a:t>
+            </a:r>
+            <a:r>
+              <a:rPr lang="he-IL" dirty="0"/>
+              <a:t> ובדיקה</a:t>
+            </a:r>
+          </a:p>
+          <a:p>
+            <a:r>
+              <a:rPr lang="en-US" dirty="0"/>
+              <a:t>Gradient descent</a:t>
+            </a:r>
+          </a:p>
+          <a:p>
+            <a:r>
+              <a:rPr lang="en-US" dirty="0" err="1"/>
+              <a:t>Xgboost</a:t>
+            </a:r>
+            <a:endParaRPr lang="en-US" dirty="0"/>
+          </a:p>
+          <a:p>
+            <a:r>
+              <a:rPr lang="en-US" dirty="0" err="1"/>
+              <a:t>Kerras</a:t>
+            </a:r>
+            <a:r>
+              <a:rPr lang="he-IL" dirty="0"/>
+              <a:t> על האירוסים (נניח 3 ו 5 שכבות </a:t>
+            </a:r>
+            <a:r>
+              <a:rPr lang="en-US" dirty="0"/>
+              <a:t>full connected</a:t>
+            </a:r>
+            <a:r>
+              <a:rPr lang="he-IL" dirty="0"/>
+              <a:t>)</a:t>
+            </a:r>
+          </a:p>
+          <a:p>
+            <a:r>
+              <a:rPr lang="en-US" dirty="0"/>
+              <a:t>Dynamic systems</a:t>
+            </a:r>
+            <a:endParaRPr lang="he-IL" dirty="0"/>
+          </a:p>
+        </p:txBody>
+      </p:sp>
+    </p:spTree>
+    <p:extLst>
+      <p:ext uri="{BB962C8B-B14F-4D97-AF65-F5344CB8AC3E}">
+        <p14:creationId xmlns:p14="http://schemas.microsoft.com/office/powerpoint/2010/main" val="361042700"/>
+      </p:ext>
+    </p:extLst>
+  </p:cSld>
+  <p:clrMapOvr>
+    <a:masterClrMapping/>
+  </p:clrMapOvr>
+</p:sld>
+</file>
+
 <file path=ppt/slides/slide6.xml><?xml version="1.0" encoding="utf-8"?>
 <p:sld xmlns:a="http://schemas.openxmlformats.org/drawingml/2006/main" xmlns:r="http://schemas.openxmlformats.org/officeDocument/2006/relationships" xmlns:p="http://schemas.openxmlformats.org/presentationml/2006/main">
   <p:cSld>
@@ -11996,7 +12533,7 @@
           <p:cNvPr id="2" name="כותרת 1">
             <a:extLst>
               <a:ext uri="{FF2B5EF4-FFF2-40B4-BE49-F238E27FC236}">
-                <a16:creationId xmlns:a16="http://schemas.microsoft.com/office/drawing/2014/main" id="{47BA6553-081B-44C5-854F-4621A33B8DEC}"/>
+                <a16:creationId xmlns:a16="http://schemas.microsoft.com/office/drawing/2014/main" id="{A2745E44-D3C1-44B4-9D85-4C882C5AA0AD}"/>
               </a:ext>
             </a:extLst>
           </p:cNvPr>
@@ -12014,276 +12551,157 @@
           <a:p>
             <a:r>
               <a:rPr lang="en-US" dirty="0"/>
-              <a:t>Embedded Methods</a:t>
+              <a:t>Wrapper Methods</a:t>
             </a:r>
             <a:endParaRPr lang="he-IL" dirty="0"/>
           </a:p>
         </p:txBody>
       </p:sp>
-      <p:sp>
-        <p:nvSpPr>
-          <p:cNvPr id="3" name="מציין מיקום תוכן 2">
-            <a:extLst>
-              <a:ext uri="{FF2B5EF4-FFF2-40B4-BE49-F238E27FC236}">
-                <a16:creationId xmlns:a16="http://schemas.microsoft.com/office/drawing/2014/main" id="{4838D85D-F2E7-4C11-9227-8071C7130140}"/>
-              </a:ext>
-            </a:extLst>
-          </p:cNvPr>
-          <p:cNvSpPr>
-            <a:spLocks noGrp="1"/>
-          </p:cNvSpPr>
-          <p:nvPr>
-            <p:ph idx="1"/>
-          </p:nvPr>
-        </p:nvSpPr>
-        <p:spPr/>
-        <p:txBody>
-          <a:bodyPr>
-            <a:normAutofit fontScale="70000" lnSpcReduction="20000"/>
-          </a:bodyPr>
-          <a:lstStyle/>
-          <a:p>
-            <a:r>
-              <a:rPr lang="he-IL" dirty="0"/>
-              <a:t>שילוב בחירת תכונות במן בניית </a:t>
-            </a:r>
-            <a:r>
-              <a:rPr lang="he-IL" dirty="0" err="1"/>
-              <a:t>האלג</a:t>
-            </a:r>
-            <a:r>
-              <a:rPr lang="he-IL" dirty="0"/>
-              <a:t>'  (בזמן האימון).</a:t>
-            </a:r>
-          </a:p>
-          <a:p>
-            <a:pPr lvl="1"/>
-            <a:r>
-              <a:rPr lang="he-IL" dirty="0"/>
-              <a:t>זו שיטה מהירה כמו </a:t>
-            </a:r>
-            <a:r>
-              <a:rPr lang="en-US" dirty="0"/>
-              <a:t>Filter Methods</a:t>
-            </a:r>
-            <a:r>
-              <a:rPr lang="he-IL" dirty="0"/>
-              <a:t> ויעילה כמו </a:t>
-            </a:r>
-            <a:r>
-              <a:rPr lang="en-US" dirty="0"/>
-              <a:t>Wrapper Methods</a:t>
-            </a:r>
-            <a:r>
-              <a:rPr lang="he-IL" dirty="0"/>
-              <a:t>.</a:t>
-            </a:r>
-          </a:p>
-          <a:p>
-            <a:r>
-              <a:rPr lang="he-IL" dirty="0"/>
-              <a:t>בשיטה זו עובדים עם אלג' אשר יש להם </a:t>
-            </a:r>
-            <a:r>
-              <a:rPr lang="en-US" dirty="0"/>
-              <a:t>feature selection</a:t>
-            </a:r>
-            <a:r>
-              <a:rPr lang="he-IL" dirty="0"/>
-              <a:t> עצמאי.</a:t>
-            </a:r>
-          </a:p>
-          <a:p>
-            <a:r>
-              <a:rPr lang="he-IL" dirty="0"/>
-              <a:t>התוצאה הינה </a:t>
-            </a:r>
-            <a:r>
-              <a:rPr lang="en-US" dirty="0">
-                <a:highlight>
-                  <a:srgbClr val="FFFF00"/>
-                </a:highlight>
-              </a:rPr>
-              <a:t>feature importance</a:t>
-            </a:r>
-            <a:endParaRPr lang="he-IL" dirty="0">
-              <a:highlight>
-                <a:srgbClr val="FFFF00"/>
-              </a:highlight>
-            </a:endParaRPr>
-          </a:p>
-          <a:p>
-            <a:r>
-              <a:rPr lang="he-IL" dirty="0"/>
-              <a:t>שיטה מומלצת אם עובדים עם אותו מודל מאוחר יותר (לא רק בבחירת תכונות)</a:t>
-            </a:r>
-          </a:p>
-          <a:p>
-            <a:r>
-              <a:rPr lang="he-IL" dirty="0" err="1"/>
-              <a:t>האלג</a:t>
-            </a:r>
-            <a:r>
-              <a:rPr lang="he-IL" dirty="0"/>
-              <a:t>' עובד בוויסות הפרמטרים (</a:t>
-            </a:r>
-            <a:r>
-              <a:rPr lang="en-US" dirty="0"/>
-              <a:t>Regularization</a:t>
-            </a:r>
-            <a:r>
-              <a:rPr lang="he-IL" dirty="0"/>
-              <a:t>)</a:t>
-            </a:r>
-          </a:p>
-          <a:p>
-            <a:pPr lvl="1"/>
-            <a:r>
-              <a:rPr lang="en-US" dirty="0"/>
-              <a:t>L1 (</a:t>
-            </a:r>
-            <a:r>
-              <a:rPr lang="en-US" dirty="0">
-                <a:highlight>
-                  <a:srgbClr val="FFFF00"/>
-                </a:highlight>
-              </a:rPr>
-              <a:t>Lasso</a:t>
-            </a:r>
-            <a:r>
-              <a:rPr lang="en-US" dirty="0"/>
-              <a:t>)</a:t>
-            </a:r>
-            <a:endParaRPr lang="he-IL" dirty="0"/>
-          </a:p>
-          <a:p>
-            <a:pPr lvl="2"/>
-            <a:r>
-              <a:rPr lang="he-IL" dirty="0"/>
-              <a:t>מקטין חלק מהפרמטרים ל 0 וכך זורק חלק מהתוכנות</a:t>
-            </a:r>
-          </a:p>
-          <a:p>
-            <a:pPr lvl="1"/>
-            <a:r>
-              <a:rPr lang="en-US" dirty="0"/>
-              <a:t>L2 (</a:t>
-            </a:r>
-            <a:r>
-              <a:rPr lang="en-US" dirty="0">
-                <a:highlight>
-                  <a:srgbClr val="FFFF00"/>
-                </a:highlight>
-              </a:rPr>
-              <a:t>Ridge</a:t>
-            </a:r>
-            <a:r>
-              <a:rPr lang="en-US" dirty="0"/>
-              <a:t>)</a:t>
-            </a:r>
-          </a:p>
-          <a:p>
-            <a:pPr lvl="2"/>
-            <a:r>
-              <a:rPr lang="he-IL" dirty="0"/>
-              <a:t>נותן משקל נמוך לפרמטרים (תוכנות) חלשות, אך לא זורק אותם – פחות שימושי בפועל.</a:t>
-            </a:r>
-          </a:p>
-          <a:p>
-            <a:pPr lvl="1"/>
-            <a:r>
-              <a:rPr lang="en-US" dirty="0" err="1"/>
-              <a:t>Elasic</a:t>
-            </a:r>
-            <a:r>
-              <a:rPr lang="en-US" dirty="0"/>
-              <a:t> Net</a:t>
-            </a:r>
-            <a:r>
-              <a:rPr lang="he-IL" dirty="0"/>
-              <a:t> – שילוב של </a:t>
-            </a:r>
-            <a:r>
-              <a:rPr lang="en-US" dirty="0"/>
-              <a:t>L1/L2</a:t>
-            </a:r>
-            <a:endParaRPr lang="he-IL" dirty="0"/>
-          </a:p>
-          <a:p>
-            <a:r>
-              <a:rPr lang="he-IL" dirty="0"/>
-              <a:t>ב </a:t>
-            </a:r>
-            <a:r>
-              <a:rPr lang="en-US" dirty="0"/>
-              <a:t>Random Forest</a:t>
-            </a:r>
-            <a:endParaRPr lang="he-IL" dirty="0"/>
-          </a:p>
-          <a:p>
-            <a:pPr lvl="1"/>
-            <a:r>
-              <a:rPr lang="he-IL" dirty="0" err="1"/>
-              <a:t>האלג</a:t>
-            </a:r>
-            <a:r>
-              <a:rPr lang="he-IL" dirty="0"/>
-              <a:t>' בודק חשיבות תכונה</a:t>
-            </a:r>
-          </a:p>
-          <a:p>
-            <a:pPr lvl="2"/>
-            <a:r>
-              <a:rPr lang="he-IL" dirty="0"/>
-              <a:t>ב </a:t>
-            </a:r>
-            <a:r>
-              <a:rPr lang="en-US" dirty="0"/>
-              <a:t>classification</a:t>
-            </a:r>
-            <a:r>
-              <a:rPr lang="he-IL" dirty="0"/>
-              <a:t> לפי </a:t>
-            </a:r>
-            <a:r>
-              <a:rPr lang="en-US" dirty="0"/>
-              <a:t>Entropy/Information Gain</a:t>
-            </a:r>
-            <a:endParaRPr lang="he-IL" dirty="0"/>
-          </a:p>
-          <a:p>
-            <a:pPr lvl="2"/>
-            <a:r>
-              <a:rPr lang="he-IL" dirty="0"/>
-              <a:t>ב </a:t>
-            </a:r>
-            <a:r>
-              <a:rPr lang="en-US" dirty="0"/>
-              <a:t>regression</a:t>
-            </a:r>
-            <a:r>
-              <a:rPr lang="he-IL" dirty="0"/>
-              <a:t> לפי שונות</a:t>
-            </a:r>
-          </a:p>
-          <a:p>
-            <a:pPr lvl="1"/>
-            <a:r>
-              <a:rPr lang="he-IL" dirty="0"/>
-              <a:t>כל עץ מקבל קבוצה אקראית של תכונות ודגימות ולכן פחות מועד ל </a:t>
-            </a:r>
-            <a:r>
-              <a:rPr lang="en-US" dirty="0"/>
-              <a:t>over fitting</a:t>
-            </a:r>
-            <a:endParaRPr lang="he-IL" dirty="0"/>
-          </a:p>
-        </p:txBody>
-      </p:sp>
+      <p:pic>
+        <p:nvPicPr>
+          <p:cNvPr id="1026" name="Picture 2">
+            <a:extLst>
+              <a:ext uri="{FF2B5EF4-FFF2-40B4-BE49-F238E27FC236}">
+                <a16:creationId xmlns:a16="http://schemas.microsoft.com/office/drawing/2014/main" id="{4F917D1B-E8D7-4814-BA16-0F2E007F078A}"/>
+              </a:ext>
+            </a:extLst>
+          </p:cNvPr>
+          <p:cNvPicPr>
+            <a:picLocks noChangeAspect="1" noChangeArrowheads="1"/>
+          </p:cNvPicPr>
+          <p:nvPr/>
+        </p:nvPicPr>
+        <p:blipFill>
+          <a:blip r:embed="rId2">
+            <a:extLst>
+              <a:ext uri="{28A0092B-C50C-407E-A947-70E740481C1C}">
+                <a14:useLocalDpi xmlns:a14="http://schemas.microsoft.com/office/drawing/2010/main" val="0"/>
+              </a:ext>
+            </a:extLst>
+          </a:blip>
+          <a:srcRect/>
+          <a:stretch>
+            <a:fillRect/>
+          </a:stretch>
+        </p:blipFill>
+        <p:spPr bwMode="auto">
+          <a:xfrm>
+            <a:off x="5635626" y="2923362"/>
+            <a:ext cx="2196092" cy="1763732"/>
+          </a:xfrm>
+          <a:prstGeom prst="rect">
+            <a:avLst/>
+          </a:prstGeom>
+          <a:noFill/>
+          <a:extLst>
+            <a:ext uri="{909E8E84-426E-40DD-AFC4-6F175D3DCCD1}">
+              <a14:hiddenFill xmlns:a14="http://schemas.microsoft.com/office/drawing/2010/main">
+                <a:solidFill>
+                  <a:srgbClr val="FFFFFF"/>
+                </a:solidFill>
+              </a14:hiddenFill>
+            </a:ext>
+          </a:extLst>
+        </p:spPr>
+      </p:pic>
+      <p:pic>
+        <p:nvPicPr>
+          <p:cNvPr id="1028" name="Picture 4">
+            <a:extLst>
+              <a:ext uri="{FF2B5EF4-FFF2-40B4-BE49-F238E27FC236}">
+                <a16:creationId xmlns:a16="http://schemas.microsoft.com/office/drawing/2014/main" id="{B0B5406D-3006-4552-8EC3-DC50FB29D2D0}"/>
+              </a:ext>
+            </a:extLst>
+          </p:cNvPr>
+          <p:cNvPicPr>
+            <a:picLocks noChangeAspect="1" noChangeArrowheads="1"/>
+          </p:cNvPicPr>
+          <p:nvPr/>
+        </p:nvPicPr>
+        <p:blipFill>
+          <a:blip r:embed="rId3">
+            <a:extLst>
+              <a:ext uri="{28A0092B-C50C-407E-A947-70E740481C1C}">
+                <a14:useLocalDpi xmlns:a14="http://schemas.microsoft.com/office/drawing/2010/main" val="0"/>
+              </a:ext>
+            </a:extLst>
+          </a:blip>
+          <a:srcRect/>
+          <a:stretch>
+            <a:fillRect/>
+          </a:stretch>
+        </p:blipFill>
+        <p:spPr bwMode="auto">
+          <a:xfrm>
+            <a:off x="6096000" y="2030754"/>
+            <a:ext cx="5945187" cy="4001746"/>
+          </a:xfrm>
+          <a:prstGeom prst="rect">
+            <a:avLst/>
+          </a:prstGeom>
+          <a:noFill/>
+          <a:extLst>
+            <a:ext uri="{909E8E84-426E-40DD-AFC4-6F175D3DCCD1}">
+              <a14:hiddenFill xmlns:a14="http://schemas.microsoft.com/office/drawing/2010/main">
+                <a:solidFill>
+                  <a:srgbClr val="FFFFFF"/>
+                </a:solidFill>
+              </a14:hiddenFill>
+            </a:ext>
+          </a:extLst>
+        </p:spPr>
+      </p:pic>
+      <p:pic>
+        <p:nvPicPr>
+          <p:cNvPr id="1030" name="Picture 6">
+            <a:extLst>
+              <a:ext uri="{FF2B5EF4-FFF2-40B4-BE49-F238E27FC236}">
+                <a16:creationId xmlns:a16="http://schemas.microsoft.com/office/drawing/2014/main" id="{6271CF4F-35D1-4AD6-A3C2-0878ECE3E5B7}"/>
+              </a:ext>
+            </a:extLst>
+          </p:cNvPr>
+          <p:cNvPicPr>
+            <a:picLocks noChangeAspect="1" noChangeArrowheads="1"/>
+          </p:cNvPicPr>
+          <p:nvPr/>
+        </p:nvPicPr>
+        <p:blipFill>
+          <a:blip r:embed="rId2">
+            <a:extLst>
+              <a:ext uri="{28A0092B-C50C-407E-A947-70E740481C1C}">
+                <a14:useLocalDpi xmlns:a14="http://schemas.microsoft.com/office/drawing/2010/main" val="0"/>
+              </a:ext>
+            </a:extLst>
+          </a:blip>
+          <a:srcRect/>
+          <a:stretch>
+            <a:fillRect/>
+          </a:stretch>
+        </p:blipFill>
+        <p:spPr bwMode="auto">
+          <a:xfrm>
+            <a:off x="838200" y="2030754"/>
+            <a:ext cx="5487203" cy="4406900"/>
+          </a:xfrm>
+          <a:prstGeom prst="rect">
+            <a:avLst/>
+          </a:prstGeom>
+          <a:noFill/>
+          <a:extLst>
+            <a:ext uri="{909E8E84-426E-40DD-AFC4-6F175D3DCCD1}">
+              <a14:hiddenFill xmlns:a14="http://schemas.microsoft.com/office/drawing/2010/main">
+                <a:solidFill>
+                  <a:srgbClr val="FFFFFF"/>
+                </a:solidFill>
+              </a14:hiddenFill>
+            </a:ext>
+          </a:extLst>
+        </p:spPr>
+      </p:pic>
     </p:spTree>
     <p:extLst>
       <p:ext uri="{BB962C8B-B14F-4D97-AF65-F5344CB8AC3E}">
-        <p14:creationId xmlns:p14="http://schemas.microsoft.com/office/powerpoint/2010/main" val="4230703400"/>
+        <p14:creationId xmlns:p14="http://schemas.microsoft.com/office/powerpoint/2010/main" val="2994344204"/>
       </p:ext>
     </p:extLst>
   </p:cSld>
@@ -12333,7 +12751,7 @@
           <a:p>
             <a:r>
               <a:rPr lang="en-US" dirty="0"/>
-              <a:t>Hybrid Methods</a:t>
+              <a:t>Embedded Methods</a:t>
             </a:r>
             <a:endParaRPr lang="he-IL" dirty="0"/>
           </a:p>
@@ -12358,250 +12776,243 @@
         <p:spPr/>
         <p:txBody>
           <a:bodyPr>
-            <a:normAutofit fontScale="92500" lnSpcReduction="20000"/>
+            <a:normAutofit fontScale="70000" lnSpcReduction="20000"/>
           </a:bodyPr>
           <a:lstStyle/>
           <a:p>
             <a:r>
               <a:rPr lang="he-IL" dirty="0"/>
-              <a:t>שילוב של השיטות מעלה</a:t>
-            </a:r>
-          </a:p>
-          <a:p>
-            <a:r>
-              <a:rPr lang="he-IL" dirty="0"/>
-              <a:t>דוגמאות:</a:t>
-            </a:r>
-          </a:p>
-          <a:p>
-            <a:pPr lvl="1"/>
-            <a:r>
-              <a:rPr lang="en-US" dirty="0"/>
-              <a:t>Filter</a:t>
-            </a:r>
-            <a:r>
-              <a:rPr lang="he-IL" dirty="0"/>
-              <a:t> -&gt; </a:t>
-            </a:r>
-            <a:r>
-              <a:rPr lang="en-US" dirty="0"/>
-              <a:t>Wrapper</a:t>
-            </a:r>
-            <a:endParaRPr lang="he-IL" dirty="0"/>
-          </a:p>
-          <a:p>
-            <a:pPr lvl="1"/>
-            <a:r>
-              <a:rPr lang="en-US" dirty="0"/>
-              <a:t>Embedded</a:t>
-            </a:r>
-            <a:r>
-              <a:rPr lang="he-IL" dirty="0"/>
-              <a:t> -&gt; </a:t>
-            </a:r>
-            <a:r>
-              <a:rPr lang="en-US" dirty="0"/>
-              <a:t>Wrapper</a:t>
-            </a:r>
-            <a:endParaRPr lang="he-IL" dirty="0"/>
-          </a:p>
-          <a:p>
+              <a:t>שילוב בחירת תכונות במן בניית </a:t>
+            </a:r>
+            <a:r>
+              <a:rPr lang="he-IL" dirty="0" err="1"/>
+              <a:t>האלג</a:t>
+            </a:r>
+            <a:r>
+              <a:rPr lang="he-IL" dirty="0"/>
+              <a:t>'  (בזמן האימון).</a:t>
+            </a:r>
+          </a:p>
+          <a:p>
+            <a:pPr lvl="1"/>
+            <a:r>
+              <a:rPr lang="he-IL" dirty="0"/>
+              <a:t>זו שיטה מהירה כמו </a:t>
+            </a:r>
+            <a:r>
+              <a:rPr lang="en-US" dirty="0"/>
+              <a:t>Filter Methods</a:t>
+            </a:r>
+            <a:r>
+              <a:rPr lang="he-IL" dirty="0"/>
+              <a:t> ויעילה כמו </a:t>
+            </a:r>
+            <a:r>
+              <a:rPr lang="en-US" dirty="0"/>
+              <a:t>Wrapper Methods</a:t>
+            </a:r>
+            <a:r>
+              <a:rPr lang="he-IL" dirty="0"/>
+              <a:t>.</a:t>
+            </a:r>
+          </a:p>
+          <a:p>
+            <a:r>
+              <a:rPr lang="he-IL" dirty="0"/>
+              <a:t>בשיטה זו עובדים עם אלג' אשר יש להם </a:t>
+            </a:r>
+            <a:r>
+              <a:rPr lang="en-US" dirty="0"/>
+              <a:t>feature selection</a:t>
+            </a:r>
+            <a:r>
+              <a:rPr lang="he-IL" dirty="0"/>
+              <a:t> עצמאי.</a:t>
+            </a:r>
+          </a:p>
+          <a:p>
+            <a:r>
+              <a:rPr lang="he-IL" dirty="0"/>
+              <a:t>התוצאה הינה </a:t>
+            </a:r>
             <a:r>
               <a:rPr lang="en-US" dirty="0">
                 <a:highlight>
                   <a:srgbClr val="FFFF00"/>
                 </a:highlight>
               </a:rPr>
-              <a:t>Recursive Feature Elimination</a:t>
-            </a:r>
-            <a:r>
-              <a:rPr lang="he-IL" dirty="0">
+              <a:t>feature importance</a:t>
+            </a:r>
+            <a:endParaRPr lang="he-IL" dirty="0">
+              <a:highlight>
+                <a:srgbClr val="FFFF00"/>
+              </a:highlight>
+            </a:endParaRPr>
+          </a:p>
+          <a:p>
+            <a:r>
+              <a:rPr lang="he-IL" dirty="0"/>
+              <a:t>שיטה מומלצת אם עובדים עם אותו מודל מאוחר יותר (לא רק בבחירת תכונות)</a:t>
+            </a:r>
+          </a:p>
+          <a:p>
+            <a:r>
+              <a:rPr lang="he-IL" dirty="0" err="1"/>
+              <a:t>האלג</a:t>
+            </a:r>
+            <a:r>
+              <a:rPr lang="he-IL" dirty="0"/>
+              <a:t>' עובד בוויסות הפרמטרים (</a:t>
+            </a:r>
+            <a:r>
+              <a:rPr lang="en-US" dirty="0"/>
+              <a:t>Regularization</a:t>
+            </a:r>
+            <a:r>
+              <a:rPr lang="he-IL" dirty="0"/>
+              <a:t>)</a:t>
+            </a:r>
+          </a:p>
+          <a:p>
+            <a:pPr lvl="1"/>
+            <a:r>
+              <a:rPr lang="en-US" dirty="0"/>
+              <a:t>L1 (</a:t>
+            </a:r>
+            <a:r>
+              <a:rPr lang="en-US" dirty="0">
                 <a:highlight>
                   <a:srgbClr val="FFFF00"/>
                 </a:highlight>
               </a:rPr>
-              <a:t> </a:t>
-            </a:r>
-            <a:r>
-              <a:rPr lang="en-US" dirty="0"/>
-              <a:t>(RFE)</a:t>
-            </a:r>
-            <a:r>
-              <a:rPr lang="he-IL" dirty="0"/>
-              <a:t> או </a:t>
-            </a:r>
-            <a:r>
-              <a:rPr lang="en-US" dirty="0"/>
-              <a:t>RFECV</a:t>
+              <a:t>Lasso</a:t>
+            </a:r>
+            <a:r>
+              <a:rPr lang="en-US" dirty="0"/>
+              <a:t>)</a:t>
             </a:r>
             <a:endParaRPr lang="he-IL" dirty="0"/>
           </a:p>
           <a:p>
-            <a:pPr lvl="1"/>
-            <a:r>
-              <a:rPr lang="he-IL" dirty="0"/>
-              <a:t>מריצים </a:t>
-            </a:r>
-            <a:r>
-              <a:rPr lang="en-US" dirty="0"/>
-              <a:t>model</a:t>
-            </a:r>
-            <a:r>
-              <a:rPr lang="he-IL" dirty="0"/>
-              <a:t> עם </a:t>
-            </a:r>
-            <a:r>
-              <a:rPr lang="en-US" dirty="0"/>
-              <a:t>Train</a:t>
-            </a:r>
-            <a:r>
-              <a:rPr lang="he-IL" dirty="0"/>
-              <a:t> לקבל </a:t>
-            </a:r>
-            <a:r>
-              <a:rPr lang="en-US" dirty="0"/>
-              <a:t>importance</a:t>
-            </a:r>
-            <a:r>
-              <a:rPr lang="he-IL" dirty="0"/>
-              <a:t> (נניח </a:t>
-            </a:r>
-            <a:r>
-              <a:rPr lang="en-US" dirty="0"/>
-              <a:t>Lasso/Tree</a:t>
-            </a:r>
-            <a:r>
-              <a:rPr lang="he-IL" dirty="0"/>
-              <a:t> וכד')</a:t>
-            </a:r>
-          </a:p>
-          <a:p>
-            <a:pPr lvl="1"/>
-            <a:r>
-              <a:rPr lang="he-IL" dirty="0"/>
-              <a:t>מורידים </a:t>
-            </a:r>
-            <a:r>
-              <a:rPr lang="en-US" dirty="0"/>
-              <a:t>feature</a:t>
-            </a:r>
-            <a:r>
-              <a:rPr lang="he-IL" dirty="0"/>
-              <a:t> הכי פחות חשוב ומריצים שוב </a:t>
-            </a:r>
-            <a:r>
-              <a:rPr lang="en-US" dirty="0"/>
-              <a:t>model</a:t>
+            <a:pPr lvl="2"/>
+            <a:r>
+              <a:rPr lang="he-IL" dirty="0"/>
+              <a:t>מקטין חלק מהפרמטרים ל 0 וכך זורק חלק מהתוכנות</a:t>
+            </a:r>
+          </a:p>
+          <a:p>
+            <a:pPr lvl="1"/>
+            <a:r>
+              <a:rPr lang="en-US" dirty="0"/>
+              <a:t>L2 (</a:t>
+            </a:r>
+            <a:r>
+              <a:rPr lang="en-US" dirty="0">
+                <a:highlight>
+                  <a:srgbClr val="FFFF00"/>
+                </a:highlight>
+              </a:rPr>
+              <a:t>Ridge</a:t>
+            </a:r>
+            <a:r>
+              <a:rPr lang="en-US" dirty="0"/>
+              <a:t>)</a:t>
+            </a:r>
+          </a:p>
+          <a:p>
+            <a:pPr lvl="2"/>
+            <a:r>
+              <a:rPr lang="he-IL" dirty="0"/>
+              <a:t>נותן משקל נמוך לפרמטרים (תוכנות) חלשות, אך לא זורק אותם – פחות שימושי בפועל.</a:t>
+            </a:r>
+          </a:p>
+          <a:p>
+            <a:pPr lvl="1"/>
+            <a:r>
+              <a:rPr lang="en-US" dirty="0" err="1"/>
+              <a:t>Elasic</a:t>
+            </a:r>
+            <a:r>
+              <a:rPr lang="en-US" dirty="0"/>
+              <a:t> Net</a:t>
+            </a:r>
+            <a:r>
+              <a:rPr lang="he-IL" dirty="0"/>
+              <a:t> – שילוב של </a:t>
+            </a:r>
+            <a:r>
+              <a:rPr lang="en-US" dirty="0"/>
+              <a:t>L1/L2</a:t>
             </a:r>
             <a:endParaRPr lang="he-IL" dirty="0"/>
           </a:p>
           <a:p>
+            <a:r>
+              <a:rPr lang="he-IL" dirty="0"/>
+              <a:t>ב </a:t>
+            </a:r>
+            <a:r>
+              <a:rPr lang="en-US" dirty="0"/>
+              <a:t>Random Forest</a:t>
+            </a:r>
+            <a:endParaRPr lang="he-IL" dirty="0"/>
+          </a:p>
+          <a:p>
+            <a:pPr lvl="1"/>
+            <a:r>
+              <a:rPr lang="he-IL" dirty="0" err="1"/>
+              <a:t>האלג</a:t>
+            </a:r>
+            <a:r>
+              <a:rPr lang="he-IL" dirty="0"/>
+              <a:t>' בודק חשיבות תכונה</a:t>
+            </a:r>
+          </a:p>
+          <a:p>
             <a:pPr lvl="2"/>
             <a:r>
               <a:rPr lang="he-IL" dirty="0"/>
-              <a:t>אם ה </a:t>
-            </a:r>
-            <a:r>
-              <a:rPr lang="en-US" dirty="0"/>
-              <a:t>score</a:t>
-            </a:r>
-            <a:r>
-              <a:rPr lang="he-IL" dirty="0"/>
-              <a:t> ירד -&gt; נשמור את ה </a:t>
-            </a:r>
-            <a:r>
-              <a:rPr lang="en-US" dirty="0"/>
-              <a:t>feature</a:t>
-            </a:r>
-            <a:r>
-              <a:rPr lang="he-IL" dirty="0"/>
-              <a:t> אחרת נזרוק</a:t>
-            </a:r>
-          </a:p>
-          <a:p>
-            <a:pPr lvl="1"/>
-            <a:r>
-              <a:rPr lang="he-IL" dirty="0"/>
-              <a:t>נמשיך עד אשר נעבור על כל ה </a:t>
-            </a:r>
-            <a:r>
-              <a:rPr lang="en-US" dirty="0"/>
-              <a:t>feature</a:t>
-            </a:r>
-            <a:r>
-              <a:rPr lang="he-IL" dirty="0"/>
-              <a:t>ים	</a:t>
-            </a:r>
-          </a:p>
-          <a:p>
-            <a:pPr lvl="1"/>
-            <a:r>
-              <a:rPr lang="he-IL" dirty="0"/>
-              <a:t>בניגוד ל </a:t>
-            </a:r>
-            <a:r>
-              <a:rPr lang="en-US" dirty="0"/>
-              <a:t>SBS</a:t>
-            </a:r>
-            <a:r>
-              <a:rPr lang="he-IL" dirty="0"/>
-              <a:t>, כאן המודל מספק </a:t>
-            </a:r>
-            <a:r>
-              <a:rPr lang="en-US" dirty="0"/>
-              <a:t>importance</a:t>
-            </a:r>
-            <a:r>
-              <a:rPr lang="he-IL" dirty="0"/>
-              <a:t> ו </a:t>
-            </a:r>
-            <a:r>
-              <a:rPr lang="en-US" dirty="0"/>
-              <a:t>score</a:t>
-            </a:r>
-            <a:r>
-              <a:rPr lang="he-IL" dirty="0"/>
-              <a:t> ביחד</a:t>
-            </a:r>
-          </a:p>
-          <a:p>
-            <a:r>
-              <a:rPr lang="en-US" dirty="0"/>
-              <a:t>Recursive Feature Addition</a:t>
+              <a:t>ב </a:t>
+            </a:r>
+            <a:r>
+              <a:rPr lang="en-US" dirty="0"/>
+              <a:t>classification</a:t>
+            </a:r>
+            <a:r>
+              <a:rPr lang="he-IL" dirty="0"/>
+              <a:t> לפי </a:t>
+            </a:r>
+            <a:r>
+              <a:rPr lang="en-US" dirty="0"/>
+              <a:t>Entropy/Information Gain</a:t>
             </a:r>
             <a:endParaRPr lang="he-IL" dirty="0"/>
           </a:p>
           <a:p>
-            <a:pPr lvl="1"/>
-            <a:r>
-              <a:rPr lang="he-IL" dirty="0"/>
-              <a:t>בניגוד ל </a:t>
-            </a:r>
-            <a:r>
-              <a:rPr lang="en-US" dirty="0"/>
-              <a:t>SFS</a:t>
-            </a:r>
-            <a:r>
-              <a:rPr lang="he-IL" dirty="0"/>
-              <a:t> (שכל פעם בוחר מאפיין ובודק תוצאה עם השאר)</a:t>
-            </a:r>
-          </a:p>
-          <a:p>
-            <a:pPr lvl="1"/>
-            <a:r>
-              <a:rPr lang="he-IL" dirty="0"/>
-              <a:t>פה לפי ה </a:t>
-            </a:r>
-            <a:r>
-              <a:rPr lang="en-US" dirty="0"/>
-              <a:t>importance</a:t>
-            </a:r>
-            <a:r>
-              <a:rPr lang="he-IL" dirty="0"/>
-              <a:t> בוחר</a:t>
-            </a:r>
-          </a:p>
-          <a:p>
+            <a:pPr lvl="2"/>
+            <a:r>
+              <a:rPr lang="he-IL" dirty="0"/>
+              <a:t>ב </a:t>
+            </a:r>
+            <a:r>
+              <a:rPr lang="en-US" dirty="0"/>
+              <a:t>regression</a:t>
+            </a:r>
+            <a:r>
+              <a:rPr lang="he-IL" dirty="0"/>
+              <a:t> לפי שונות</a:t>
+            </a:r>
+          </a:p>
+          <a:p>
+            <a:pPr lvl="1"/>
+            <a:r>
+              <a:rPr lang="he-IL" dirty="0"/>
+              <a:t>כל עץ מקבל קבוצה אקראית של תכונות ודגימות ולכן פחות מועד ל </a:t>
+            </a:r>
+            <a:r>
+              <a:rPr lang="en-US" dirty="0"/>
+              <a:t>over fitting</a:t>
+            </a:r>
             <a:endParaRPr lang="he-IL" dirty="0"/>
           </a:p>
         </p:txBody>
@@ -12609,7 +13020,7 @@
     </p:spTree>
     <p:extLst>
       <p:ext uri="{BB962C8B-B14F-4D97-AF65-F5344CB8AC3E}">
-        <p14:creationId xmlns:p14="http://schemas.microsoft.com/office/powerpoint/2010/main" val="1701955570"/>
+        <p14:creationId xmlns:p14="http://schemas.microsoft.com/office/powerpoint/2010/main" val="4230703400"/>
       </p:ext>
     </p:extLst>
   </p:cSld>
@@ -12641,7 +13052,7 @@
           <p:cNvPr id="2" name="כותרת 1">
             <a:extLst>
               <a:ext uri="{FF2B5EF4-FFF2-40B4-BE49-F238E27FC236}">
-                <a16:creationId xmlns:a16="http://schemas.microsoft.com/office/drawing/2014/main" id="{EEB0B681-781F-4023-962E-8A480327E549}"/>
+                <a16:creationId xmlns:a16="http://schemas.microsoft.com/office/drawing/2014/main" id="{47BA6553-081B-44C5-854F-4621A33B8DEC}"/>
               </a:ext>
             </a:extLst>
           </p:cNvPr>
@@ -12652,19 +13063,14 @@
             <p:ph type="title"/>
           </p:nvPr>
         </p:nvSpPr>
-        <p:spPr>
-          <a:xfrm>
-            <a:off x="3162300" y="365125"/>
-            <a:ext cx="8191500" cy="1325563"/>
-          </a:xfrm>
-        </p:spPr>
+        <p:spPr/>
         <p:txBody>
           <a:bodyPr/>
           <a:lstStyle/>
           <a:p>
             <a:r>
               <a:rPr lang="en-US" dirty="0"/>
-              <a:t>PCA</a:t>
+              <a:t>Hybrid Methods</a:t>
             </a:r>
             <a:endParaRPr lang="he-IL" dirty="0"/>
           </a:p>
@@ -12675,7 +13081,7 @@
           <p:cNvPr id="3" name="מציין מיקום תוכן 2">
             <a:extLst>
               <a:ext uri="{FF2B5EF4-FFF2-40B4-BE49-F238E27FC236}">
-                <a16:creationId xmlns:a16="http://schemas.microsoft.com/office/drawing/2014/main" id="{1852753F-7CB0-4817-9381-859E808D508E}"/>
+                <a16:creationId xmlns:a16="http://schemas.microsoft.com/office/drawing/2014/main" id="{4838D85D-F2E7-4C11-9227-8071C7130140}"/>
               </a:ext>
             </a:extLst>
           </p:cNvPr>
@@ -12689,264 +13095,258 @@
         <p:spPr/>
         <p:txBody>
           <a:bodyPr>
-            <a:normAutofit fontScale="85000" lnSpcReduction="20000"/>
+            <a:normAutofit fontScale="92500" lnSpcReduction="20000"/>
           </a:bodyPr>
           <a:lstStyle/>
           <a:p>
             <a:r>
               <a:rPr lang="he-IL" dirty="0"/>
-              <a:t>שיטה להורדת </a:t>
-            </a:r>
-            <a:r>
-              <a:rPr lang="he-IL" dirty="0" err="1"/>
-              <a:t>מימדים</a:t>
-            </a:r>
-            <a:r>
-              <a:rPr lang="he-IL" dirty="0"/>
-              <a:t>.</a:t>
-            </a:r>
-          </a:p>
-          <a:p>
-            <a:r>
-              <a:rPr lang="he-IL" dirty="0"/>
-              <a:t>מטילים את המידע </a:t>
-            </a:r>
-            <a:r>
-              <a:rPr lang="he-IL" dirty="0" err="1"/>
-              <a:t>למימד</a:t>
-            </a:r>
-            <a:r>
-              <a:rPr lang="he-IL" dirty="0"/>
-              <a:t> אחר כך ש:</a:t>
-            </a:r>
-          </a:p>
-          <a:p>
-            <a:pPr lvl="1"/>
-            <a:r>
-              <a:rPr lang="he-IL" dirty="0"/>
-              <a:t>ציר עם ה </a:t>
-            </a:r>
-            <a:r>
-              <a:rPr lang="en-US" dirty="0"/>
-              <a:t>variance</a:t>
-            </a:r>
-            <a:r>
-              <a:rPr lang="he-IL" dirty="0"/>
-              <a:t> (שונות) הכי גדול יהיה ציר </a:t>
-            </a:r>
-            <a:r>
-              <a:rPr lang="en-US" dirty="0"/>
-              <a:t>X</a:t>
+              <a:t>שילוב של השיטות מעלה</a:t>
+            </a:r>
+          </a:p>
+          <a:p>
+            <a:r>
+              <a:rPr lang="he-IL" dirty="0"/>
+              <a:t>דוגמאות:</a:t>
+            </a:r>
+          </a:p>
+          <a:p>
+            <a:pPr lvl="1"/>
+            <a:r>
+              <a:rPr lang="en-US" dirty="0"/>
+              <a:t>Filter</a:t>
+            </a:r>
+            <a:r>
+              <a:rPr lang="he-IL" dirty="0"/>
+              <a:t> -&gt; </a:t>
+            </a:r>
+            <a:r>
+              <a:rPr lang="en-US" dirty="0"/>
+              <a:t>Wrapper</a:t>
             </a:r>
             <a:endParaRPr lang="he-IL" dirty="0"/>
           </a:p>
           <a:p>
             <a:pPr lvl="1"/>
             <a:r>
-              <a:rPr lang="he-IL" dirty="0"/>
-              <a:t>ציר עם ה </a:t>
-            </a:r>
-            <a:r>
-              <a:rPr lang="en-US" dirty="0"/>
-              <a:t>variance</a:t>
-            </a:r>
-            <a:r>
-              <a:rPr lang="he-IL" dirty="0"/>
-              <a:t> השני הכיל גדול יהיה ציר </a:t>
-            </a:r>
-            <a:r>
-              <a:rPr lang="en-US" dirty="0"/>
-              <a:t>Y</a:t>
+              <a:rPr lang="en-US" dirty="0"/>
+              <a:t>Embedded</a:t>
+            </a:r>
+            <a:r>
+              <a:rPr lang="he-IL" dirty="0"/>
+              <a:t> -&gt; </a:t>
+            </a:r>
+            <a:r>
+              <a:rPr lang="en-US" dirty="0"/>
+              <a:t>Wrapper</a:t>
             </a:r>
             <a:endParaRPr lang="he-IL" dirty="0"/>
           </a:p>
           <a:p>
-            <a:pPr lvl="1"/>
-            <a:r>
-              <a:rPr lang="he-IL" dirty="0"/>
-              <a:t>כך הלאה.</a:t>
-            </a:r>
-          </a:p>
-          <a:p>
-            <a:r>
-              <a:rPr lang="en-US" dirty="0"/>
-              <a:t>PCA</a:t>
-            </a:r>
-            <a:r>
-              <a:rPr lang="he-IL" dirty="0"/>
-              <a:t> מדרג את הצירים לפי ה </a:t>
-            </a:r>
-            <a:r>
-              <a:rPr lang="en-US" dirty="0"/>
-              <a:t>variance</a:t>
-            </a:r>
-            <a:r>
-              <a:rPr lang="he-IL" dirty="0"/>
-              <a:t>.</a:t>
-            </a:r>
-          </a:p>
-          <a:p>
-            <a:r>
-              <a:rPr lang="he-IL" dirty="0"/>
-              <a:t>לא מומלץ להשתמש כאשר המאפיינים מכילים מידע </a:t>
-            </a:r>
-            <a:r>
-              <a:rPr lang="he-IL" dirty="0" err="1"/>
-              <a:t>דיסקטי</a:t>
-            </a:r>
-            <a:r>
-              <a:rPr lang="he-IL" dirty="0"/>
-              <a:t> / קטגוריות (ראה חיסרון)</a:t>
-            </a:r>
-          </a:p>
-          <a:p>
-            <a:r>
-              <a:rPr lang="he-IL" dirty="0"/>
-              <a:t>ניתן לצייר את כמות המאפיינים מול השונות שניתן לקבל ולהחליט כמה מאפיינים נרצה לשמר</a:t>
-            </a:r>
-          </a:p>
-          <a:p>
+            <a:r>
+              <a:rPr lang="en-US" dirty="0">
+                <a:highlight>
+                  <a:srgbClr val="FFFF00"/>
+                </a:highlight>
+              </a:rPr>
+              <a:t>Recursive Feature Elimination</a:t>
+            </a:r>
+            <a:r>
+              <a:rPr lang="he-IL" dirty="0">
+                <a:highlight>
+                  <a:srgbClr val="FFFF00"/>
+                </a:highlight>
+              </a:rPr>
+              <a:t> </a:t>
+            </a:r>
+            <a:r>
+              <a:rPr lang="en-US" dirty="0"/>
+              <a:t>(RFE)</a:t>
+            </a:r>
+            <a:r>
+              <a:rPr lang="he-IL" dirty="0"/>
+              <a:t> או </a:t>
+            </a:r>
+            <a:r>
+              <a:rPr lang="en-US" dirty="0"/>
+              <a:t>RFECV</a:t>
+            </a:r>
             <a:endParaRPr lang="he-IL" dirty="0"/>
           </a:p>
           <a:p>
-            <a:r>
-              <a:rPr lang="he-IL" dirty="0" err="1"/>
-              <a:t>חיסרונות</a:t>
-            </a:r>
-            <a:r>
-              <a:rPr lang="he-IL" dirty="0"/>
-              <a:t>:</a:t>
-            </a:r>
-          </a:p>
-          <a:p>
-            <a:pPr lvl="1"/>
-            <a:r>
-              <a:rPr lang="he-IL" dirty="0"/>
-              <a:t>דוגמא: החלטה האם קבוצה תעלה לגמר או לא:</a:t>
-            </a:r>
+            <a:pPr lvl="1"/>
+            <a:r>
+              <a:rPr lang="he-IL" dirty="0"/>
+              <a:t>מריצים </a:t>
+            </a:r>
+            <a:r>
+              <a:rPr lang="en-US" dirty="0"/>
+              <a:t>model</a:t>
+            </a:r>
+            <a:r>
+              <a:rPr lang="he-IL" dirty="0"/>
+              <a:t> עם </a:t>
+            </a:r>
+            <a:r>
+              <a:rPr lang="en-US" dirty="0"/>
+              <a:t>Train</a:t>
+            </a:r>
+            <a:r>
+              <a:rPr lang="he-IL" dirty="0"/>
+              <a:t> לקבל </a:t>
+            </a:r>
+            <a:r>
+              <a:rPr lang="en-US" dirty="0"/>
+              <a:t>importance</a:t>
+            </a:r>
+            <a:r>
+              <a:rPr lang="he-IL" dirty="0"/>
+              <a:t> (נניח </a:t>
+            </a:r>
+            <a:r>
+              <a:rPr lang="en-US" dirty="0"/>
+              <a:t>Lasso/Tree</a:t>
+            </a:r>
+            <a:r>
+              <a:rPr lang="he-IL" dirty="0"/>
+              <a:t> וכד')</a:t>
+            </a:r>
+          </a:p>
+          <a:p>
+            <a:pPr lvl="1"/>
+            <a:r>
+              <a:rPr lang="he-IL" dirty="0"/>
+              <a:t>מורידים </a:t>
+            </a:r>
+            <a:r>
+              <a:rPr lang="en-US" dirty="0"/>
+              <a:t>feature</a:t>
+            </a:r>
+            <a:r>
+              <a:rPr lang="he-IL" dirty="0"/>
+              <a:t> הכי פחות חשוב ומריצים שוב </a:t>
+            </a:r>
+            <a:r>
+              <a:rPr lang="en-US" dirty="0"/>
+              <a:t>model</a:t>
+            </a:r>
+            <a:endParaRPr lang="he-IL" dirty="0"/>
           </a:p>
           <a:p>
             <a:pPr lvl="2"/>
             <a:r>
               <a:rPr lang="he-IL" dirty="0"/>
-              <a:t>השונות של ניצחונות קטנה יותר משונות של כמה השחקנים רצים</a:t>
-            </a:r>
-          </a:p>
-          <a:p>
-            <a:pPr marL="0" indent="0">
-              <a:buNone/>
-            </a:pPr>
+              <a:t>אם ה </a:t>
+            </a:r>
+            <a:r>
+              <a:rPr lang="en-US" dirty="0"/>
+              <a:t>score</a:t>
+            </a:r>
+            <a:r>
+              <a:rPr lang="he-IL" dirty="0"/>
+              <a:t> ירד -&gt; נשמור את ה </a:t>
+            </a:r>
+            <a:r>
+              <a:rPr lang="en-US" dirty="0"/>
+              <a:t>feature</a:t>
+            </a:r>
+            <a:r>
+              <a:rPr lang="he-IL" dirty="0"/>
+              <a:t> אחרת נזרוק</a:t>
+            </a:r>
+          </a:p>
+          <a:p>
+            <a:pPr lvl="1"/>
+            <a:r>
+              <a:rPr lang="he-IL" dirty="0"/>
+              <a:t>נמשיך עד אשר נעבור על כל ה </a:t>
+            </a:r>
+            <a:r>
+              <a:rPr lang="en-US" dirty="0"/>
+              <a:t>feature</a:t>
+            </a:r>
+            <a:r>
+              <a:rPr lang="he-IL" dirty="0"/>
+              <a:t>ים	</a:t>
+            </a:r>
+          </a:p>
+          <a:p>
+            <a:pPr lvl="1"/>
+            <a:r>
+              <a:rPr lang="he-IL" dirty="0"/>
+              <a:t>בניגוד ל </a:t>
+            </a:r>
+            <a:r>
+              <a:rPr lang="en-US" dirty="0"/>
+              <a:t>SBS</a:t>
+            </a:r>
+            <a:r>
+              <a:rPr lang="he-IL" dirty="0"/>
+              <a:t>, כאן המודל מספק </a:t>
+            </a:r>
+            <a:r>
+              <a:rPr lang="en-US" dirty="0"/>
+              <a:t>importance</a:t>
+            </a:r>
+            <a:r>
+              <a:rPr lang="he-IL" dirty="0"/>
+              <a:t> ו </a:t>
+            </a:r>
+            <a:r>
+              <a:rPr lang="en-US" dirty="0"/>
+              <a:t>score</a:t>
+            </a:r>
+            <a:r>
+              <a:rPr lang="he-IL" dirty="0"/>
+              <a:t> ביחד</a:t>
+            </a:r>
+          </a:p>
+          <a:p>
+            <a:r>
+              <a:rPr lang="en-US" dirty="0"/>
+              <a:t>Recursive Feature Addition</a:t>
+            </a:r>
             <a:endParaRPr lang="he-IL" dirty="0"/>
           </a:p>
           <a:p>
-            <a:pPr marL="0" indent="0">
-              <a:buNone/>
-            </a:pPr>
+            <a:pPr lvl="1"/>
+            <a:r>
+              <a:rPr lang="he-IL" dirty="0"/>
+              <a:t>בניגוד ל </a:t>
+            </a:r>
+            <a:r>
+              <a:rPr lang="en-US" dirty="0"/>
+              <a:t>SFS</a:t>
+            </a:r>
+            <a:r>
+              <a:rPr lang="he-IL" dirty="0"/>
+              <a:t> (שכל פעם בוחר מאפיין ובודק תוצאה עם השאר)</a:t>
+            </a:r>
+          </a:p>
+          <a:p>
+            <a:pPr lvl="1"/>
+            <a:r>
+              <a:rPr lang="he-IL" dirty="0"/>
+              <a:t>פה לפי ה </a:t>
+            </a:r>
+            <a:r>
+              <a:rPr lang="en-US" dirty="0"/>
+              <a:t>importance</a:t>
+            </a:r>
+            <a:r>
+              <a:rPr lang="he-IL" dirty="0"/>
+              <a:t> בוחר</a:t>
+            </a:r>
+          </a:p>
+          <a:p>
             <a:endParaRPr lang="he-IL" dirty="0"/>
           </a:p>
-          <a:p>
-            <a:endParaRPr lang="he-IL" dirty="0"/>
-          </a:p>
-        </p:txBody>
-      </p:sp>
-      <p:pic>
-        <p:nvPicPr>
-          <p:cNvPr id="2050" name="Picture 2">
-            <a:extLst>
-              <a:ext uri="{FF2B5EF4-FFF2-40B4-BE49-F238E27FC236}">
-                <a16:creationId xmlns:a16="http://schemas.microsoft.com/office/drawing/2014/main" id="{F4C29B76-98F7-414C-82A9-243906693C3F}"/>
-              </a:ext>
-            </a:extLst>
-          </p:cNvPr>
-          <p:cNvPicPr>
-            <a:picLocks noChangeAspect="1" noChangeArrowheads="1"/>
-          </p:cNvPicPr>
-          <p:nvPr/>
-        </p:nvPicPr>
-        <p:blipFill>
-          <a:blip r:embed="rId2">
-            <a:extLst>
-              <a:ext uri="{28A0092B-C50C-407E-A947-70E740481C1C}">
-                <a14:useLocalDpi xmlns:a14="http://schemas.microsoft.com/office/drawing/2010/main" val="0"/>
-              </a:ext>
-            </a:extLst>
-          </a:blip>
-          <a:srcRect/>
-          <a:stretch>
-            <a:fillRect/>
-          </a:stretch>
-        </p:blipFill>
-        <p:spPr bwMode="auto">
-          <a:xfrm>
-            <a:off x="838200" y="4803223"/>
-            <a:ext cx="2654300" cy="1989646"/>
-          </a:xfrm>
-          <a:prstGeom prst="rect">
-            <a:avLst/>
-          </a:prstGeom>
-          <a:noFill/>
-          <a:extLst>
-            <a:ext uri="{909E8E84-426E-40DD-AFC4-6F175D3DCCD1}">
-              <a14:hiddenFill xmlns:a14="http://schemas.microsoft.com/office/drawing/2010/main">
-                <a:solidFill>
-                  <a:srgbClr val="FFFFFF"/>
-                </a:solidFill>
-              </a14:hiddenFill>
-            </a:ext>
-          </a:extLst>
-        </p:spPr>
-      </p:pic>
-      <p:pic>
-        <p:nvPicPr>
-          <p:cNvPr id="1026" name="Picture 2">
-            <a:extLst>
-              <a:ext uri="{FF2B5EF4-FFF2-40B4-BE49-F238E27FC236}">
-                <a16:creationId xmlns:a16="http://schemas.microsoft.com/office/drawing/2014/main" id="{F5707DA1-0442-42CA-851B-CE711F29EB85}"/>
-              </a:ext>
-            </a:extLst>
-          </p:cNvPr>
-          <p:cNvPicPr>
-            <a:picLocks noChangeAspect="1" noChangeArrowheads="1"/>
-          </p:cNvPicPr>
-          <p:nvPr/>
-        </p:nvPicPr>
-        <p:blipFill>
-          <a:blip r:embed="rId3">
-            <a:extLst>
-              <a:ext uri="{28A0092B-C50C-407E-A947-70E740481C1C}">
-                <a14:useLocalDpi xmlns:a14="http://schemas.microsoft.com/office/drawing/2010/main" val="0"/>
-              </a:ext>
-            </a:extLst>
-          </a:blip>
-          <a:srcRect/>
-          <a:stretch>
-            <a:fillRect/>
-          </a:stretch>
-        </p:blipFill>
-        <p:spPr bwMode="auto">
-          <a:xfrm>
-            <a:off x="838200" y="936349"/>
-            <a:ext cx="4400550" cy="3295650"/>
-          </a:xfrm>
-          <a:prstGeom prst="rect">
-            <a:avLst/>
-          </a:prstGeom>
-          <a:noFill/>
-          <a:extLst>
-            <a:ext uri="{909E8E84-426E-40DD-AFC4-6F175D3DCCD1}">
-              <a14:hiddenFill xmlns:a14="http://schemas.microsoft.com/office/drawing/2010/main">
-                <a:solidFill>
-                  <a:srgbClr val="FFFFFF"/>
-                </a:solidFill>
-              </a14:hiddenFill>
-            </a:ext>
-          </a:extLst>
-        </p:spPr>
-      </p:pic>
+        </p:txBody>
+      </p:sp>
     </p:spTree>
     <p:extLst>
       <p:ext uri="{BB962C8B-B14F-4D97-AF65-F5344CB8AC3E}">
-        <p14:creationId xmlns:p14="http://schemas.microsoft.com/office/powerpoint/2010/main" val="1381736398"/>
+        <p14:creationId xmlns:p14="http://schemas.microsoft.com/office/powerpoint/2010/main" val="1701955570"/>
       </p:ext>
     </p:extLst>
   </p:cSld>

--- a/Presentation/Feature Selection.pptx
+++ b/Presentation/Feature Selection.pptx
@@ -56,8 +56,10 @@
     <p:sldId id="315" r:id="rId50"/>
     <p:sldId id="316" r:id="rId51"/>
     <p:sldId id="310" r:id="rId52"/>
-    <p:sldId id="318" r:id="rId53"/>
-    <p:sldId id="320" r:id="rId54"/>
+    <p:sldId id="321" r:id="rId53"/>
+    <p:sldId id="318" r:id="rId54"/>
+    <p:sldId id="322" r:id="rId55"/>
+    <p:sldId id="320" r:id="rId56"/>
   </p:sldIdLst>
   <p:sldSz cx="12192000" cy="6858000"/>
   <p:notesSz cx="6858000" cy="9144000"/>
@@ -322,7 +324,7 @@
           <a:p>
             <a:fld id="{D5FA70A3-A6FF-4EAA-B623-AB4CFD6C9082}" type="datetimeFigureOut">
               <a:rPr lang="he-IL" smtClean="0"/>
-              <a:t>י"ב/ניסן/תש"פ</a:t>
+              <a:t>י"ד/ניסן/תש"פ</a:t>
             </a:fld>
             <a:endParaRPr lang="he-IL"/>
           </a:p>
@@ -520,7 +522,7 @@
           <a:p>
             <a:fld id="{D5FA70A3-A6FF-4EAA-B623-AB4CFD6C9082}" type="datetimeFigureOut">
               <a:rPr lang="he-IL" smtClean="0"/>
-              <a:t>י"ב/ניסן/תש"פ</a:t>
+              <a:t>י"ד/ניסן/תש"פ</a:t>
             </a:fld>
             <a:endParaRPr lang="he-IL"/>
           </a:p>
@@ -728,7 +730,7 @@
           <a:p>
             <a:fld id="{D5FA70A3-A6FF-4EAA-B623-AB4CFD6C9082}" type="datetimeFigureOut">
               <a:rPr lang="he-IL" smtClean="0"/>
-              <a:t>י"ב/ניסן/תש"פ</a:t>
+              <a:t>י"ד/ניסן/תש"פ</a:t>
             </a:fld>
             <a:endParaRPr lang="he-IL"/>
           </a:p>
@@ -926,7 +928,7 @@
           <a:p>
             <a:fld id="{D5FA70A3-A6FF-4EAA-B623-AB4CFD6C9082}" type="datetimeFigureOut">
               <a:rPr lang="he-IL" smtClean="0"/>
-              <a:t>י"ב/ניסן/תש"פ</a:t>
+              <a:t>י"ד/ניסן/תש"פ</a:t>
             </a:fld>
             <a:endParaRPr lang="he-IL"/>
           </a:p>
@@ -1201,7 +1203,7 @@
           <a:p>
             <a:fld id="{D5FA70A3-A6FF-4EAA-B623-AB4CFD6C9082}" type="datetimeFigureOut">
               <a:rPr lang="he-IL" smtClean="0"/>
-              <a:t>י"ב/ניסן/תש"פ</a:t>
+              <a:t>י"ד/ניסן/תש"פ</a:t>
             </a:fld>
             <a:endParaRPr lang="he-IL"/>
           </a:p>
@@ -1466,7 +1468,7 @@
           <a:p>
             <a:fld id="{D5FA70A3-A6FF-4EAA-B623-AB4CFD6C9082}" type="datetimeFigureOut">
               <a:rPr lang="he-IL" smtClean="0"/>
-              <a:t>י"ב/ניסן/תש"פ</a:t>
+              <a:t>י"ד/ניסן/תש"פ</a:t>
             </a:fld>
             <a:endParaRPr lang="he-IL"/>
           </a:p>
@@ -1878,7 +1880,7 @@
           <a:p>
             <a:fld id="{D5FA70A3-A6FF-4EAA-B623-AB4CFD6C9082}" type="datetimeFigureOut">
               <a:rPr lang="he-IL" smtClean="0"/>
-              <a:t>י"ב/ניסן/תש"פ</a:t>
+              <a:t>י"ד/ניסן/תש"פ</a:t>
             </a:fld>
             <a:endParaRPr lang="he-IL"/>
           </a:p>
@@ -2019,7 +2021,7 @@
           <a:p>
             <a:fld id="{D5FA70A3-A6FF-4EAA-B623-AB4CFD6C9082}" type="datetimeFigureOut">
               <a:rPr lang="he-IL" smtClean="0"/>
-              <a:t>י"ב/ניסן/תש"פ</a:t>
+              <a:t>י"ד/ניסן/תש"פ</a:t>
             </a:fld>
             <a:endParaRPr lang="he-IL"/>
           </a:p>
@@ -2132,7 +2134,7 @@
           <a:p>
             <a:fld id="{D5FA70A3-A6FF-4EAA-B623-AB4CFD6C9082}" type="datetimeFigureOut">
               <a:rPr lang="he-IL" smtClean="0"/>
-              <a:t>י"ב/ניסן/תש"פ</a:t>
+              <a:t>י"ד/ניסן/תש"פ</a:t>
             </a:fld>
             <a:endParaRPr lang="he-IL"/>
           </a:p>
@@ -2443,7 +2445,7 @@
           <a:p>
             <a:fld id="{D5FA70A3-A6FF-4EAA-B623-AB4CFD6C9082}" type="datetimeFigureOut">
               <a:rPr lang="he-IL" smtClean="0"/>
-              <a:t>י"ב/ניסן/תש"פ</a:t>
+              <a:t>י"ד/ניסן/תש"פ</a:t>
             </a:fld>
             <a:endParaRPr lang="he-IL"/>
           </a:p>
@@ -2731,7 +2733,7 @@
           <a:p>
             <a:fld id="{D5FA70A3-A6FF-4EAA-B623-AB4CFD6C9082}" type="datetimeFigureOut">
               <a:rPr lang="he-IL" smtClean="0"/>
-              <a:t>י"ב/ניסן/תש"פ</a:t>
+              <a:t>י"ד/ניסן/תש"פ</a:t>
             </a:fld>
             <a:endParaRPr lang="he-IL"/>
           </a:p>
@@ -2972,7 +2974,7 @@
           <a:p>
             <a:fld id="{D5FA70A3-A6FF-4EAA-B623-AB4CFD6C9082}" type="datetimeFigureOut">
               <a:rPr lang="he-IL" smtClean="0"/>
-              <a:t>י"ב/ניסן/תש"פ</a:t>
+              <a:t>י"ד/ניסן/תש"פ</a:t>
             </a:fld>
             <a:endParaRPr lang="he-IL"/>
           </a:p>
@@ -10814,7 +10816,7 @@
         </p:spPr>
         <p:txBody>
           <a:bodyPr>
-            <a:normAutofit fontScale="92500" lnSpcReduction="10000"/>
+            <a:normAutofit fontScale="92500" lnSpcReduction="20000"/>
           </a:bodyPr>
           <a:lstStyle/>
           <a:p>
@@ -10844,7 +10846,22 @@
             <a:pPr lvl="1"/>
             <a:r>
               <a:rPr lang="he-IL" dirty="0"/>
-              <a:t>הפרכת השערה</a:t>
+              <a:t>הפרכת השערה, הכוונה שאשערה אינו נכונה.</a:t>
+            </a:r>
+          </a:p>
+          <a:p>
+            <a:pPr lvl="1"/>
+            <a:r>
+              <a:rPr lang="he-IL" dirty="0"/>
+              <a:t>אם </a:t>
+            </a:r>
+            <a:r>
+              <a:rPr lang="en-US" dirty="0"/>
+              <a:t>null hypothesis = true</a:t>
+            </a:r>
+            <a:r>
+              <a:rPr lang="he-IL" dirty="0"/>
+              <a:t> אז האשערה כנראה נכונה</a:t>
             </a:r>
           </a:p>
           <a:p>
@@ -11675,7 +11692,12 @@
             <p:ph type="title"/>
           </p:nvPr>
         </p:nvSpPr>
-        <p:spPr/>
+        <p:spPr>
+          <a:xfrm>
+            <a:off x="838200" y="196162"/>
+            <a:ext cx="10515600" cy="1325563"/>
+          </a:xfrm>
+        </p:spPr>
         <p:txBody>
           <a:bodyPr/>
           <a:lstStyle/>
@@ -11686,7 +11708,7 @@
             </a:r>
             <a:r>
               <a:rPr lang="he-IL" dirty="0"/>
-              <a:t> (1/2)</a:t>
+              <a:t> (1/3)</a:t>
             </a:r>
           </a:p>
         </p:txBody>
@@ -11707,7 +11729,12 @@
             <p:ph idx="1"/>
           </p:nvPr>
         </p:nvSpPr>
-        <p:spPr/>
+        <p:spPr>
+          <a:xfrm>
+            <a:off x="838200" y="1281390"/>
+            <a:ext cx="11128899" cy="4705972"/>
+          </a:xfrm>
+        </p:spPr>
         <p:txBody>
           <a:bodyPr>
             <a:normAutofit/>
@@ -11715,76 +11742,233 @@
           <a:lstStyle/>
           <a:p>
             <a:r>
-              <a:rPr lang="he-IL" dirty="0"/>
+              <a:rPr lang="he-IL" sz="1800" dirty="0"/>
               <a:t>מבחן המציין האם 2 מערכי נתונים שונים משמעותית אחד מהשני</a:t>
             </a:r>
           </a:p>
           <a:p>
             <a:r>
-              <a:rPr lang="he-IL" dirty="0"/>
+              <a:rPr lang="he-IL" sz="1800" dirty="0"/>
               <a:t>מבחן שבודק גם האם </a:t>
             </a:r>
             <a:r>
-              <a:rPr lang="en-US" dirty="0"/>
+              <a:rPr lang="en-US" sz="1800" dirty="0"/>
               <a:t>X</a:t>
             </a:r>
             <a:r>
-              <a:rPr lang="he-IL" dirty="0"/>
+              <a:rPr lang="he-IL" sz="1800" dirty="0"/>
               <a:t> ו </a:t>
             </a:r>
             <a:r>
-              <a:rPr lang="en-US" dirty="0"/>
+              <a:rPr lang="en-US" sz="1800" dirty="0"/>
               <a:t>Y</a:t>
             </a:r>
             <a:r>
-              <a:rPr lang="he-IL" dirty="0"/>
-              <a:t> </a:t>
-            </a:r>
-            <a:r>
-              <a:rPr lang="he-IL"/>
-              <a:t>מאותה התפלגות</a:t>
-            </a:r>
-            <a:endParaRPr lang="he-IL" dirty="0"/>
-          </a:p>
-          <a:p>
-            <a:r>
-              <a:rPr lang="he-IL" dirty="0"/>
+              <a:rPr lang="he-IL" sz="1800" dirty="0"/>
+              <a:t> מאותה התפלגות</a:t>
+            </a:r>
+          </a:p>
+          <a:p>
+            <a:r>
+              <a:rPr lang="he-IL" sz="1800" dirty="0"/>
               <a:t>ניתן גם לבדוק האם התפלגות מסוימת היא נורמאלית או לא.</a:t>
             </a:r>
           </a:p>
           <a:p>
             <a:r>
-              <a:rPr lang="he-IL" dirty="0"/>
-              <a:t>דוגמא:</a:t>
-            </a:r>
-          </a:p>
-          <a:p>
-            <a:pPr lvl="1"/>
-            <a:r>
-              <a:rPr lang="he-IL" dirty="0"/>
-              <a:t>בהינתן התפלגויות שונות (</a:t>
-            </a:r>
-            <a:r>
-              <a:rPr lang="he-IL" dirty="0" err="1"/>
-              <a:t>היסטוגרמות</a:t>
-            </a:r>
-            <a:r>
-              <a:rPr lang="he-IL" dirty="0"/>
-              <a:t>) רוצים לבדוק האם מדובר במספר משתמשים שונים (וכמה).</a:t>
-            </a:r>
-          </a:p>
-          <a:p>
-            <a:pPr lvl="1"/>
-            <a:r>
-              <a:rPr lang="he-IL" dirty="0"/>
-              <a:t>כלומר אם המבחן מציין שהתפלגויות שונות -&gt; 2 משתמשים שונים -&gt; כך נבדוק לכל זוג</a:t>
-            </a:r>
-          </a:p>
-          <a:p>
-            <a:endParaRPr lang="he-IL" dirty="0"/>
-          </a:p>
-        </p:txBody>
-      </p:sp>
+              <a:rPr lang="he-IL" sz="1800" dirty="0"/>
+              <a:t>יש 2 מבחנים:</a:t>
+            </a:r>
+          </a:p>
+          <a:p>
+            <a:pPr lvl="1"/>
+            <a:r>
+              <a:rPr lang="en-US" sz="1800" dirty="0"/>
+              <a:t>One sample</a:t>
+            </a:r>
+            <a:r>
+              <a:rPr lang="he-IL" sz="1800" dirty="0"/>
+              <a:t> – בודק עד כמה דגימה דומה להתפלגות </a:t>
+            </a:r>
+            <a:r>
+              <a:rPr lang="he-IL" sz="1800" dirty="0" err="1"/>
+              <a:t>מסויימת</a:t>
+            </a:r>
+            <a:endParaRPr lang="he-IL" sz="1800" dirty="0"/>
+          </a:p>
+          <a:p>
+            <a:pPr lvl="1"/>
+            <a:r>
+              <a:rPr lang="en-US" sz="1800" dirty="0"/>
+              <a:t>2 samples (independent samples)</a:t>
+            </a:r>
+            <a:r>
+              <a:rPr lang="he-IL" sz="1800" dirty="0"/>
+              <a:t> - בודק עד כמה שתי התפלגויות דומות</a:t>
+            </a:r>
+          </a:p>
+          <a:p>
+            <a:r>
+              <a:rPr lang="he-IL" sz="1800" dirty="0"/>
+              <a:t>ערכים חוזרים:</a:t>
+            </a:r>
+          </a:p>
+          <a:p>
+            <a:pPr lvl="1"/>
+            <a:r>
+              <a:rPr lang="en-US" sz="1800" dirty="0" err="1"/>
+              <a:t>Pvalue</a:t>
+            </a:r>
+            <a:r>
+              <a:rPr lang="he-IL" sz="1800" dirty="0"/>
+              <a:t> – מציין עד כמה המשתנים שונים זה מי זה. (ככל שהערך קטן יותר, כך המשתנים שונים יותר אחד מהשני)</a:t>
+            </a:r>
+          </a:p>
+          <a:p>
+            <a:pPr lvl="1"/>
+            <a:r>
+              <a:rPr lang="en-US" sz="1800" dirty="0"/>
+              <a:t>D </a:t>
+            </a:r>
+            <a:r>
+              <a:rPr lang="en-US" sz="1800" dirty="0" err="1"/>
+              <a:t>statisitcs</a:t>
+            </a:r>
+            <a:r>
+              <a:rPr lang="he-IL" sz="1800" dirty="0"/>
+              <a:t> – </a:t>
+            </a:r>
+            <a:r>
+              <a:rPr lang="en-US" sz="1800" dirty="0"/>
+              <a:t>distance</a:t>
+            </a:r>
+            <a:r>
+              <a:rPr lang="he-IL" sz="1800" dirty="0"/>
+              <a:t>, מה המרחק המקסימאלי, בין 2 נקודות  מבין 2 ההתפלגויות בגרף </a:t>
+            </a:r>
+            <a:r>
+              <a:rPr lang="en-US" sz="1800" dirty="0"/>
+              <a:t>CRF</a:t>
+            </a:r>
+            <a:r>
+              <a:rPr lang="he-IL" sz="1800" dirty="0"/>
+              <a:t> [ערכים בין 0 ל 1]</a:t>
+            </a:r>
+            <a:br>
+              <a:rPr lang="en-US" sz="1800" dirty="0"/>
+            </a:br>
+            <a:r>
+              <a:rPr lang="he-IL" sz="1800" dirty="0"/>
+              <a:t>ככל שהמספר גדול יותר – כך יש נקודה (או נקודות) שהמרחק דין גדול </a:t>
+            </a:r>
+            <a:r>
+              <a:rPr lang="he-IL" sz="1800" dirty="0" err="1"/>
+              <a:t>בינהם</a:t>
+            </a:r>
+            <a:r>
+              <a:rPr lang="he-IL" sz="1800" dirty="0"/>
+              <a:t>).</a:t>
+            </a:r>
+          </a:p>
+          <a:p>
+            <a:endParaRPr lang="he-IL" sz="1800" dirty="0"/>
+          </a:p>
+        </p:txBody>
+      </p:sp>
+      <p:pic>
+        <p:nvPicPr>
+          <p:cNvPr id="1026" name="Picture 2" descr="Kolmogorov Smirnov One Sample Test What Is It Histogram">
+            <a:extLst>
+              <a:ext uri="{FF2B5EF4-FFF2-40B4-BE49-F238E27FC236}">
+                <a16:creationId xmlns:a16="http://schemas.microsoft.com/office/drawing/2014/main" id="{BA2F5EBD-2472-4DE2-B14E-00D1C3BAE15A}"/>
+              </a:ext>
+            </a:extLst>
+          </p:cNvPr>
+          <p:cNvPicPr>
+            <a:picLocks noChangeAspect="1" noChangeArrowheads="1"/>
+          </p:cNvPicPr>
+          <p:nvPr/>
+        </p:nvPicPr>
+        <p:blipFill>
+          <a:blip r:embed="rId2">
+            <a:extLst>
+              <a:ext uri="{28A0092B-C50C-407E-A947-70E740481C1C}">
+                <a14:useLocalDpi xmlns:a14="http://schemas.microsoft.com/office/drawing/2010/main" val="0"/>
+              </a:ext>
+            </a:extLst>
+          </a:blip>
+          <a:srcRect/>
+          <a:stretch>
+            <a:fillRect/>
+          </a:stretch>
+        </p:blipFill>
+        <p:spPr bwMode="auto">
+          <a:xfrm>
+            <a:off x="799174" y="1281390"/>
+            <a:ext cx="3236114" cy="1779862"/>
+          </a:xfrm>
+          <a:prstGeom prst="rect">
+            <a:avLst/>
+          </a:prstGeom>
+          <a:noFill/>
+          <a:extLst>
+            <a:ext uri="{909E8E84-426E-40DD-AFC4-6F175D3DCCD1}">
+              <a14:hiddenFill xmlns:a14="http://schemas.microsoft.com/office/drawing/2010/main">
+                <a:solidFill>
+                  <a:srgbClr val="FFFFFF"/>
+                </a:solidFill>
+              </a14:hiddenFill>
+            </a:ext>
+          </a:extLst>
+        </p:spPr>
+      </p:pic>
+      <p:pic>
+        <p:nvPicPr>
+          <p:cNvPr id="1028" name="Picture 4" descr="Kolmogorov-Smirnov Test - Line Chart of Observed and Expected Relative Frequencies">
+            <a:extLst>
+              <a:ext uri="{FF2B5EF4-FFF2-40B4-BE49-F238E27FC236}">
+                <a16:creationId xmlns:a16="http://schemas.microsoft.com/office/drawing/2014/main" id="{B16256D6-CC89-4C1E-9C80-87B0014E1D5E}"/>
+              </a:ext>
+            </a:extLst>
+          </p:cNvPr>
+          <p:cNvPicPr>
+            <a:picLocks noChangeAspect="1" noChangeArrowheads="1"/>
+          </p:cNvPicPr>
+          <p:nvPr/>
+        </p:nvPicPr>
+        <p:blipFill>
+          <a:blip r:embed="rId3">
+            <a:extLst>
+              <a:ext uri="{28A0092B-C50C-407E-A947-70E740481C1C}">
+                <a14:useLocalDpi xmlns:a14="http://schemas.microsoft.com/office/drawing/2010/main" val="0"/>
+              </a:ext>
+            </a:extLst>
+          </a:blip>
+          <a:srcRect/>
+          <a:stretch>
+            <a:fillRect/>
+          </a:stretch>
+        </p:blipFill>
+        <p:spPr bwMode="auto">
+          <a:xfrm>
+            <a:off x="5589280" y="4691270"/>
+            <a:ext cx="5554969" cy="2042284"/>
+          </a:xfrm>
+          <a:prstGeom prst="rect">
+            <a:avLst/>
+          </a:prstGeom>
+          <a:noFill/>
+          <a:extLst>
+            <a:ext uri="{909E8E84-426E-40DD-AFC4-6F175D3DCCD1}">
+              <a14:hiddenFill xmlns:a14="http://schemas.microsoft.com/office/drawing/2010/main">
+                <a:solidFill>
+                  <a:srgbClr val="FFFFFF"/>
+                </a:solidFill>
+              </a14:hiddenFill>
+            </a:ext>
+          </a:extLst>
+        </p:spPr>
+      </p:pic>
     </p:spTree>
     <p:extLst>
       <p:ext uri="{BB962C8B-B14F-4D97-AF65-F5344CB8AC3E}">
@@ -11842,7 +12026,173 @@
             </a:r>
             <a:r>
               <a:rPr lang="he-IL" dirty="0"/>
-              <a:t> (2/2)</a:t>
+              <a:t> (2/3)</a:t>
+            </a:r>
+          </a:p>
+        </p:txBody>
+      </p:sp>
+      <p:sp>
+        <p:nvSpPr>
+          <p:cNvPr id="3" name="מציין מיקום תוכן 2">
+            <a:extLst>
+              <a:ext uri="{FF2B5EF4-FFF2-40B4-BE49-F238E27FC236}">
+                <a16:creationId xmlns:a16="http://schemas.microsoft.com/office/drawing/2014/main" id="{359FDB96-E8D1-40C5-A68C-823EC5AF0FF8}"/>
+              </a:ext>
+            </a:extLst>
+          </p:cNvPr>
+          <p:cNvSpPr>
+            <a:spLocks noGrp="1"/>
+          </p:cNvSpPr>
+          <p:nvPr>
+            <p:ph idx="1"/>
+          </p:nvPr>
+        </p:nvSpPr>
+        <p:spPr>
+          <a:xfrm>
+            <a:off x="838199" y="1825625"/>
+            <a:ext cx="11128899" cy="4351338"/>
+          </a:xfrm>
+        </p:spPr>
+        <p:txBody>
+          <a:bodyPr>
+            <a:normAutofit/>
+          </a:bodyPr>
+          <a:lstStyle/>
+          <a:p>
+            <a:r>
+              <a:rPr lang="he-IL" dirty="0"/>
+              <a:t>דוגמא:</a:t>
+            </a:r>
+          </a:p>
+          <a:p>
+            <a:pPr lvl="1"/>
+            <a:r>
+              <a:rPr lang="he-IL" dirty="0"/>
+              <a:t>בהינתן התפלגויות שונות (</a:t>
+            </a:r>
+            <a:r>
+              <a:rPr lang="he-IL" dirty="0" err="1"/>
+              <a:t>היסטוגרמות</a:t>
+            </a:r>
+            <a:r>
+              <a:rPr lang="he-IL" dirty="0"/>
+              <a:t>) רוצים לבדוק האם מדובר במספר משתמשים שונים (וכמה).</a:t>
+            </a:r>
+          </a:p>
+          <a:p>
+            <a:pPr lvl="1"/>
+            <a:r>
+              <a:rPr lang="he-IL" dirty="0"/>
+              <a:t>כלומר אם המבחן מציין שהתפלגויות שונות -&gt; 2 משתמשים שונים -&gt; כך נבדוק לכל זוג</a:t>
+            </a:r>
+          </a:p>
+        </p:txBody>
+      </p:sp>
+      <p:pic>
+        <p:nvPicPr>
+          <p:cNvPr id="1026" name="Picture 2" descr="Kolmogorov Smirnov One Sample Test What Is It Histogram">
+            <a:extLst>
+              <a:ext uri="{FF2B5EF4-FFF2-40B4-BE49-F238E27FC236}">
+                <a16:creationId xmlns:a16="http://schemas.microsoft.com/office/drawing/2014/main" id="{BA2F5EBD-2472-4DE2-B14E-00D1C3BAE15A}"/>
+              </a:ext>
+            </a:extLst>
+          </p:cNvPr>
+          <p:cNvPicPr>
+            <a:picLocks noChangeAspect="1" noChangeArrowheads="1"/>
+          </p:cNvPicPr>
+          <p:nvPr/>
+        </p:nvPicPr>
+        <p:blipFill>
+          <a:blip r:embed="rId2">
+            <a:extLst>
+              <a:ext uri="{28A0092B-C50C-407E-A947-70E740481C1C}">
+                <a14:useLocalDpi xmlns:a14="http://schemas.microsoft.com/office/drawing/2010/main" val="0"/>
+              </a:ext>
+            </a:extLst>
+          </a:blip>
+          <a:srcRect/>
+          <a:stretch>
+            <a:fillRect/>
+          </a:stretch>
+        </p:blipFill>
+        <p:spPr bwMode="auto">
+          <a:xfrm>
+            <a:off x="2673626" y="3883584"/>
+            <a:ext cx="5337313" cy="2935521"/>
+          </a:xfrm>
+          <a:prstGeom prst="rect">
+            <a:avLst/>
+          </a:prstGeom>
+          <a:noFill/>
+          <a:extLst>
+            <a:ext uri="{909E8E84-426E-40DD-AFC4-6F175D3DCCD1}">
+              <a14:hiddenFill xmlns:a14="http://schemas.microsoft.com/office/drawing/2010/main">
+                <a:solidFill>
+                  <a:srgbClr val="FFFFFF"/>
+                </a:solidFill>
+              </a14:hiddenFill>
+            </a:ext>
+          </a:extLst>
+        </p:spPr>
+      </p:pic>
+    </p:spTree>
+    <p:extLst>
+      <p:ext uri="{BB962C8B-B14F-4D97-AF65-F5344CB8AC3E}">
+        <p14:creationId xmlns:p14="http://schemas.microsoft.com/office/powerpoint/2010/main" val="4230748637"/>
+      </p:ext>
+    </p:extLst>
+  </p:cSld>
+  <p:clrMapOvr>
+    <a:masterClrMapping/>
+  </p:clrMapOvr>
+</p:sld>
+</file>
+
+<file path=ppt/slides/slide53.xml><?xml version="1.0" encoding="utf-8"?>
+<p:sld xmlns:a="http://schemas.openxmlformats.org/drawingml/2006/main" xmlns:r="http://schemas.openxmlformats.org/officeDocument/2006/relationships" xmlns:p="http://schemas.openxmlformats.org/presentationml/2006/main">
+  <p:cSld>
+    <p:spTree>
+      <p:nvGrpSpPr>
+        <p:cNvPr id="1" name=""/>
+        <p:cNvGrpSpPr/>
+        <p:nvPr/>
+      </p:nvGrpSpPr>
+      <p:grpSpPr>
+        <a:xfrm>
+          <a:off x="0" y="0"/>
+          <a:ext cx="0" cy="0"/>
+          <a:chOff x="0" y="0"/>
+          <a:chExt cx="0" cy="0"/>
+        </a:xfrm>
+      </p:grpSpPr>
+      <p:sp>
+        <p:nvSpPr>
+          <p:cNvPr id="2" name="כותרת 1">
+            <a:extLst>
+              <a:ext uri="{FF2B5EF4-FFF2-40B4-BE49-F238E27FC236}">
+                <a16:creationId xmlns:a16="http://schemas.microsoft.com/office/drawing/2014/main" id="{40A5353B-B0EC-4E55-B1FF-553D38FC21A6}"/>
+              </a:ext>
+            </a:extLst>
+          </p:cNvPr>
+          <p:cNvSpPr>
+            <a:spLocks noGrp="1"/>
+          </p:cNvSpPr>
+          <p:nvPr>
+            <p:ph type="title"/>
+          </p:nvPr>
+        </p:nvSpPr>
+        <p:spPr/>
+        <p:txBody>
+          <a:bodyPr/>
+          <a:lstStyle/>
+          <a:p>
+            <a:r>
+              <a:rPr lang="en-US" dirty="0"/>
+              <a:t>KOLMOGOROV SMIRNOV TEST</a:t>
+            </a:r>
+            <a:r>
+              <a:rPr lang="he-IL" dirty="0"/>
+              <a:t> (3/3)</a:t>
             </a:r>
           </a:p>
         </p:txBody>
@@ -12069,7 +12419,7 @@
 </p:sld>
 </file>
 
-<file path=ppt/slides/slide53.xml><?xml version="1.0" encoding="utf-8"?>
+<file path=ppt/slides/slide54.xml><?xml version="1.0" encoding="utf-8"?>
 <p:sld xmlns:a="http://schemas.openxmlformats.org/drawingml/2006/main" xmlns:r="http://schemas.openxmlformats.org/officeDocument/2006/relationships" xmlns:p="http://schemas.openxmlformats.org/presentationml/2006/main">
   <p:cSld>
     <p:spTree>
@@ -12091,6 +12441,311 @@
           <p:cNvPr id="2" name="כותרת 1">
             <a:extLst>
               <a:ext uri="{FF2B5EF4-FFF2-40B4-BE49-F238E27FC236}">
+                <a16:creationId xmlns:a16="http://schemas.microsoft.com/office/drawing/2014/main" id="{C975E87E-80A6-4D20-B338-E6FDCDB539A4}"/>
+              </a:ext>
+            </a:extLst>
+          </p:cNvPr>
+          <p:cNvSpPr>
+            <a:spLocks noGrp="1"/>
+          </p:cNvSpPr>
+          <p:nvPr>
+            <p:ph type="title"/>
+          </p:nvPr>
+        </p:nvSpPr>
+        <p:spPr/>
+        <p:txBody>
+          <a:bodyPr/>
+          <a:lstStyle/>
+          <a:p>
+            <a:r>
+              <a:rPr lang="en-US" dirty="0"/>
+              <a:t>Gradient descent</a:t>
+            </a:r>
+            <a:r>
+              <a:rPr lang="he-IL" dirty="0"/>
+              <a:t> (ירידת שיפוע)</a:t>
+            </a:r>
+          </a:p>
+        </p:txBody>
+      </p:sp>
+      <p:sp>
+        <p:nvSpPr>
+          <p:cNvPr id="3" name="מציין מיקום תוכן 2">
+            <a:extLst>
+              <a:ext uri="{FF2B5EF4-FFF2-40B4-BE49-F238E27FC236}">
+                <a16:creationId xmlns:a16="http://schemas.microsoft.com/office/drawing/2014/main" id="{87E34541-CB83-4FD5-BD23-E0EFEF030265}"/>
+              </a:ext>
+            </a:extLst>
+          </p:cNvPr>
+          <p:cNvSpPr>
+            <a:spLocks noGrp="1"/>
+          </p:cNvSpPr>
+          <p:nvPr>
+            <p:ph idx="1"/>
+          </p:nvPr>
+        </p:nvSpPr>
+        <p:spPr/>
+        <p:txBody>
+          <a:bodyPr>
+            <a:normAutofit fontScale="85000" lnSpcReduction="20000"/>
+          </a:bodyPr>
+          <a:lstStyle/>
+          <a:p>
+            <a:r>
+              <a:rPr lang="he-IL" dirty="0"/>
+              <a:t>אלגוריתם </a:t>
+            </a:r>
+            <a:r>
+              <a:rPr lang="he-IL" dirty="0" err="1"/>
+              <a:t>אופטמיזציה</a:t>
+            </a:r>
+            <a:r>
+              <a:rPr lang="he-IL" dirty="0"/>
+              <a:t>.</a:t>
+            </a:r>
+          </a:p>
+          <a:p>
+            <a:pPr lvl="1"/>
+            <a:r>
+              <a:rPr lang="he-IL" dirty="0"/>
+              <a:t>אלגוריתם המחפש את המינימום מקומי.</a:t>
+            </a:r>
+          </a:p>
+          <a:p>
+            <a:pPr lvl="1"/>
+            <a:r>
+              <a:rPr lang="he-IL" dirty="0"/>
+              <a:t>אלגוריתם מתחיל מנקודה אקראית ומשם מחפש את המינימום הקרוב</a:t>
+            </a:r>
+          </a:p>
+          <a:p>
+            <a:r>
+              <a:rPr lang="he-IL" dirty="0"/>
+              <a:t>מושגים:</a:t>
+            </a:r>
+          </a:p>
+          <a:p>
+            <a:pPr lvl="1"/>
+            <a:r>
+              <a:rPr lang="en-US" dirty="0"/>
+              <a:t>Learning rate</a:t>
+            </a:r>
+            <a:r>
+              <a:rPr lang="he-IL" dirty="0"/>
+              <a:t>. אם הקצב גבוהה, אפשר לפספס את המינימום.</a:t>
+            </a:r>
+          </a:p>
+          <a:p>
+            <a:r>
+              <a:rPr lang="he-IL" dirty="0"/>
+              <a:t>סוגים</a:t>
+            </a:r>
+          </a:p>
+          <a:p>
+            <a:pPr lvl="1"/>
+            <a:r>
+              <a:rPr lang="en-US" dirty="0"/>
+              <a:t>Batch Gradient descent</a:t>
+            </a:r>
+          </a:p>
+          <a:p>
+            <a:pPr lvl="1"/>
+            <a:r>
+              <a:rPr lang="en-US" dirty="0"/>
+              <a:t>Stochastic Gradient descent</a:t>
+            </a:r>
+          </a:p>
+          <a:p>
+            <a:pPr lvl="1"/>
+            <a:r>
+              <a:rPr lang="en-US" dirty="0"/>
+              <a:t>Mini batch Gradient descent</a:t>
+            </a:r>
+          </a:p>
+          <a:p>
+            <a:r>
+              <a:rPr lang="he-IL" dirty="0"/>
+              <a:t>שימושים:</a:t>
+            </a:r>
+          </a:p>
+          <a:p>
+            <a:pPr lvl="1"/>
+            <a:r>
+              <a:rPr lang="he-IL" dirty="0"/>
+              <a:t>עדכון פרמטרי מודל (נקראים </a:t>
+            </a:r>
+            <a:r>
+              <a:rPr lang="en-US" dirty="0"/>
+              <a:t>cost function</a:t>
+            </a:r>
+            <a:r>
+              <a:rPr lang="he-IL" dirty="0"/>
+              <a:t> שהם ה </a:t>
+            </a:r>
+            <a:r>
+              <a:rPr lang="en-US" dirty="0"/>
+              <a:t>error/loss</a:t>
+            </a:r>
+            <a:r>
+              <a:rPr lang="he-IL" dirty="0"/>
+              <a:t> ורוצים את המינימום שלהם לטובת תוצאה טובה)</a:t>
+            </a:r>
+          </a:p>
+          <a:p>
+            <a:pPr lvl="2"/>
+            <a:r>
+              <a:rPr lang="he-IL" dirty="0"/>
+              <a:t>מקדמים ב </a:t>
+            </a:r>
+            <a:r>
+              <a:rPr lang="en-US" dirty="0"/>
+              <a:t>Linear Regression</a:t>
+            </a:r>
+            <a:endParaRPr lang="he-IL" dirty="0"/>
+          </a:p>
+          <a:p>
+            <a:pPr lvl="2"/>
+            <a:r>
+              <a:rPr lang="he-IL" dirty="0"/>
+              <a:t>משקלים ב </a:t>
+            </a:r>
+            <a:r>
+              <a:rPr lang="en-US" dirty="0"/>
+              <a:t>Neural Networks</a:t>
+            </a:r>
+            <a:endParaRPr lang="he-IL" dirty="0"/>
+          </a:p>
+        </p:txBody>
+      </p:sp>
+      <p:pic>
+        <p:nvPicPr>
+          <p:cNvPr id="1026" name="Picture 2">
+            <a:extLst>
+              <a:ext uri="{FF2B5EF4-FFF2-40B4-BE49-F238E27FC236}">
+                <a16:creationId xmlns:a16="http://schemas.microsoft.com/office/drawing/2014/main" id="{C3985BDE-9DE4-4A11-9C8F-8D5DCE304DBB}"/>
+              </a:ext>
+            </a:extLst>
+          </p:cNvPr>
+          <p:cNvPicPr>
+            <a:picLocks noChangeAspect="1" noChangeArrowheads="1"/>
+          </p:cNvPicPr>
+          <p:nvPr/>
+        </p:nvPicPr>
+        <p:blipFill>
+          <a:blip r:embed="rId2">
+            <a:extLst>
+              <a:ext uri="{28A0092B-C50C-407E-A947-70E740481C1C}">
+                <a14:useLocalDpi xmlns:a14="http://schemas.microsoft.com/office/drawing/2010/main" val="0"/>
+              </a:ext>
+            </a:extLst>
+          </a:blip>
+          <a:srcRect/>
+          <a:stretch>
+            <a:fillRect/>
+          </a:stretch>
+        </p:blipFill>
+        <p:spPr bwMode="auto">
+          <a:xfrm>
+            <a:off x="422799" y="238539"/>
+            <a:ext cx="3986861" cy="2160588"/>
+          </a:xfrm>
+          <a:prstGeom prst="rect">
+            <a:avLst/>
+          </a:prstGeom>
+          <a:noFill/>
+          <a:extLst>
+            <a:ext uri="{909E8E84-426E-40DD-AFC4-6F175D3DCCD1}">
+              <a14:hiddenFill xmlns:a14="http://schemas.microsoft.com/office/drawing/2010/main">
+                <a:solidFill>
+                  <a:srgbClr val="FFFFFF"/>
+                </a:solidFill>
+              </a14:hiddenFill>
+            </a:ext>
+          </a:extLst>
+        </p:spPr>
+      </p:pic>
+      <p:pic>
+        <p:nvPicPr>
+          <p:cNvPr id="1028" name="Picture 4">
+            <a:extLst>
+              <a:ext uri="{FF2B5EF4-FFF2-40B4-BE49-F238E27FC236}">
+                <a16:creationId xmlns:a16="http://schemas.microsoft.com/office/drawing/2014/main" id="{1C49C67E-BA3E-4F72-B9F7-9C2D3132C0D7}"/>
+              </a:ext>
+            </a:extLst>
+          </p:cNvPr>
+          <p:cNvPicPr>
+            <a:picLocks noChangeAspect="1" noChangeArrowheads="1"/>
+          </p:cNvPicPr>
+          <p:nvPr/>
+        </p:nvPicPr>
+        <p:blipFill>
+          <a:blip r:embed="rId3">
+            <a:extLst>
+              <a:ext uri="{28A0092B-C50C-407E-A947-70E740481C1C}">
+                <a14:useLocalDpi xmlns:a14="http://schemas.microsoft.com/office/drawing/2010/main" val="0"/>
+              </a:ext>
+            </a:extLst>
+          </a:blip>
+          <a:srcRect/>
+          <a:stretch>
+            <a:fillRect/>
+          </a:stretch>
+        </p:blipFill>
+        <p:spPr bwMode="auto">
+          <a:xfrm>
+            <a:off x="648475" y="2710829"/>
+            <a:ext cx="3535508" cy="2160588"/>
+          </a:xfrm>
+          <a:prstGeom prst="rect">
+            <a:avLst/>
+          </a:prstGeom>
+          <a:noFill/>
+          <a:extLst>
+            <a:ext uri="{909E8E84-426E-40DD-AFC4-6F175D3DCCD1}">
+              <a14:hiddenFill xmlns:a14="http://schemas.microsoft.com/office/drawing/2010/main">
+                <a:solidFill>
+                  <a:srgbClr val="FFFFFF"/>
+                </a:solidFill>
+              </a14:hiddenFill>
+            </a:ext>
+          </a:extLst>
+        </p:spPr>
+      </p:pic>
+    </p:spTree>
+    <p:extLst>
+      <p:ext uri="{BB962C8B-B14F-4D97-AF65-F5344CB8AC3E}">
+        <p14:creationId xmlns:p14="http://schemas.microsoft.com/office/powerpoint/2010/main" val="396318930"/>
+      </p:ext>
+    </p:extLst>
+  </p:cSld>
+  <p:clrMapOvr>
+    <a:masterClrMapping/>
+  </p:clrMapOvr>
+</p:sld>
+</file>
+
+<file path=ppt/slides/slide55.xml><?xml version="1.0" encoding="utf-8"?>
+<p:sld xmlns:a="http://schemas.openxmlformats.org/drawingml/2006/main" xmlns:r="http://schemas.openxmlformats.org/officeDocument/2006/relationships" xmlns:p="http://schemas.openxmlformats.org/presentationml/2006/main">
+  <p:cSld>
+    <p:spTree>
+      <p:nvGrpSpPr>
+        <p:cNvPr id="1" name=""/>
+        <p:cNvGrpSpPr/>
+        <p:nvPr/>
+      </p:nvGrpSpPr>
+      <p:grpSpPr>
+        <a:xfrm>
+          <a:off x="0" y="0"/>
+          <a:ext cx="0" cy="0"/>
+          <a:chOff x="0" y="0"/>
+          <a:chExt cx="0" cy="0"/>
+        </a:xfrm>
+      </p:grpSpPr>
+      <p:sp>
+        <p:nvSpPr>
+          <p:cNvPr id="2" name="כותרת 1">
+            <a:extLst>
+              <a:ext uri="{FF2B5EF4-FFF2-40B4-BE49-F238E27FC236}">
                 <a16:creationId xmlns:a16="http://schemas.microsoft.com/office/drawing/2014/main" id="{7CD358CA-2799-43A2-A879-FC89C68E1090}"/>
               </a:ext>
             </a:extLst>
@@ -12184,21 +12839,16 @@
             </a:r>
             <a:r>
               <a:rPr lang="he-IL" dirty="0"/>
-              <a:t> (ממש </a:t>
-            </a:r>
-            <a:r>
-              <a:rPr lang="he-IL"/>
-              <a:t>5 </a:t>
-            </a:r>
-            <a:r>
-              <a:rPr lang="en-US"/>
+              <a:t> (ממש 5 </a:t>
+            </a:r>
+            <a:r>
+              <a:rPr lang="en-US" dirty="0"/>
               <a:t>plots</a:t>
             </a:r>
             <a:r>
-              <a:rPr lang="he-IL"/>
+              <a:rPr lang="he-IL" dirty="0"/>
               <a:t>)</a:t>
             </a:r>
-            <a:endParaRPr lang="he-IL" dirty="0"/>
           </a:p>
           <a:p>
             <a:r>

--- a/Presentation/Feature Selection.pptx
+++ b/Presentation/Feature Selection.pptx
@@ -49,17 +49,18 @@
     <p:sldId id="277" r:id="rId43"/>
     <p:sldId id="286" r:id="rId44"/>
     <p:sldId id="293" r:id="rId45"/>
-    <p:sldId id="314" r:id="rId46"/>
-    <p:sldId id="312" r:id="rId47"/>
-    <p:sldId id="311" r:id="rId48"/>
-    <p:sldId id="317" r:id="rId49"/>
-    <p:sldId id="315" r:id="rId50"/>
-    <p:sldId id="316" r:id="rId51"/>
-    <p:sldId id="310" r:id="rId52"/>
-    <p:sldId id="321" r:id="rId53"/>
-    <p:sldId id="318" r:id="rId54"/>
-    <p:sldId id="322" r:id="rId55"/>
-    <p:sldId id="320" r:id="rId56"/>
+    <p:sldId id="323" r:id="rId46"/>
+    <p:sldId id="314" r:id="rId47"/>
+    <p:sldId id="312" r:id="rId48"/>
+    <p:sldId id="311" r:id="rId49"/>
+    <p:sldId id="317" r:id="rId50"/>
+    <p:sldId id="315" r:id="rId51"/>
+    <p:sldId id="316" r:id="rId52"/>
+    <p:sldId id="310" r:id="rId53"/>
+    <p:sldId id="321" r:id="rId54"/>
+    <p:sldId id="318" r:id="rId55"/>
+    <p:sldId id="322" r:id="rId56"/>
+    <p:sldId id="320" r:id="rId57"/>
   </p:sldIdLst>
   <p:sldSz cx="12192000" cy="6858000"/>
   <p:notesSz cx="6858000" cy="9144000"/>
@@ -10443,6 +10444,117 @@
           <p:cNvPr id="2" name="כותרת 1">
             <a:extLst>
               <a:ext uri="{FF2B5EF4-FFF2-40B4-BE49-F238E27FC236}">
+                <a16:creationId xmlns:a16="http://schemas.microsoft.com/office/drawing/2014/main" id="{7E3E5737-5258-4012-85FF-E35A12F7A5CC}"/>
+              </a:ext>
+            </a:extLst>
+          </p:cNvPr>
+          <p:cNvSpPr>
+            <a:spLocks noGrp="1"/>
+          </p:cNvSpPr>
+          <p:nvPr>
+            <p:ph type="title"/>
+          </p:nvPr>
+        </p:nvSpPr>
+        <p:spPr/>
+        <p:txBody>
+          <a:bodyPr/>
+          <a:lstStyle/>
+          <a:p>
+            <a:r>
+              <a:rPr lang="he-IL" dirty="0"/>
+              <a:t>שאלות 5</a:t>
+            </a:r>
+          </a:p>
+        </p:txBody>
+      </p:sp>
+      <p:sp>
+        <p:nvSpPr>
+          <p:cNvPr id="3" name="מציין מיקום תוכן 2">
+            <a:extLst>
+              <a:ext uri="{FF2B5EF4-FFF2-40B4-BE49-F238E27FC236}">
+                <a16:creationId xmlns:a16="http://schemas.microsoft.com/office/drawing/2014/main" id="{0A2FCE9F-76EA-43CC-9D68-76355047CD62}"/>
+              </a:ext>
+            </a:extLst>
+          </p:cNvPr>
+          <p:cNvSpPr>
+            <a:spLocks noGrp="1"/>
+          </p:cNvSpPr>
+          <p:nvPr>
+            <p:ph idx="1"/>
+          </p:nvPr>
+        </p:nvSpPr>
+        <p:spPr/>
+        <p:txBody>
+          <a:bodyPr/>
+          <a:lstStyle/>
+          <a:p>
+            <a:r>
+              <a:rPr lang="he-IL" dirty="0"/>
+              <a:t>עם בוחר ב </a:t>
+            </a:r>
+            <a:r>
+              <a:rPr lang="en-US" dirty="0"/>
+              <a:t>embedded</a:t>
+            </a:r>
+            <a:r>
+              <a:rPr lang="he-IL" dirty="0"/>
+              <a:t> ורוצה גם לקבל את ה </a:t>
+            </a:r>
+            <a:r>
+              <a:rPr lang="en-US" dirty="0"/>
+              <a:t>score</a:t>
+            </a:r>
+            <a:r>
+              <a:rPr lang="he-IL" dirty="0"/>
+              <a:t>, נראה שלא ניתן</a:t>
+            </a:r>
+          </a:p>
+          <a:p>
+            <a:pPr marL="0" indent="0">
+              <a:buNone/>
+            </a:pPr>
+            <a:r>
+              <a:rPr lang="he-IL" dirty="0"/>
+              <a:t>  נראה שצריך ב 2 שלבים, למה ?</a:t>
+            </a:r>
+          </a:p>
+        </p:txBody>
+      </p:sp>
+    </p:spTree>
+    <p:extLst>
+      <p:ext uri="{BB962C8B-B14F-4D97-AF65-F5344CB8AC3E}">
+        <p14:creationId xmlns:p14="http://schemas.microsoft.com/office/powerpoint/2010/main" val="4286939178"/>
+      </p:ext>
+    </p:extLst>
+  </p:cSld>
+  <p:clrMapOvr>
+    <a:masterClrMapping/>
+  </p:clrMapOvr>
+</p:sld>
+</file>
+
+<file path=ppt/slides/slide46.xml><?xml version="1.0" encoding="utf-8"?>
+<p:sld xmlns:a="http://schemas.openxmlformats.org/drawingml/2006/main" xmlns:r="http://schemas.openxmlformats.org/officeDocument/2006/relationships" xmlns:p="http://schemas.openxmlformats.org/presentationml/2006/main">
+  <p:cSld>
+    <p:spTree>
+      <p:nvGrpSpPr>
+        <p:cNvPr id="1" name=""/>
+        <p:cNvGrpSpPr/>
+        <p:nvPr/>
+      </p:nvGrpSpPr>
+      <p:grpSpPr>
+        <a:xfrm>
+          <a:off x="0" y="0"/>
+          <a:ext cx="0" cy="0"/>
+          <a:chOff x="0" y="0"/>
+          <a:chExt cx="0" cy="0"/>
+        </a:xfrm>
+      </p:grpSpPr>
+      <p:sp>
+        <p:nvSpPr>
+          <p:cNvPr id="2" name="כותרת 1">
+            <a:extLst>
+              <a:ext uri="{FF2B5EF4-FFF2-40B4-BE49-F238E27FC236}">
                 <a16:creationId xmlns:a16="http://schemas.microsoft.com/office/drawing/2014/main" id="{12C43150-B25E-4D0E-BDF4-635BEFD8EF18}"/>
               </a:ext>
             </a:extLst>
@@ -10513,7 +10625,7 @@
 </p:sld>
 </file>
 
-<file path=ppt/slides/slide46.xml><?xml version="1.0" encoding="utf-8"?>
+<file path=ppt/slides/slide47.xml><?xml version="1.0" encoding="utf-8"?>
 <p:sld xmlns:a="http://schemas.openxmlformats.org/drawingml/2006/main" xmlns:r="http://schemas.openxmlformats.org/officeDocument/2006/relationships" xmlns:p="http://schemas.openxmlformats.org/presentationml/2006/main">
   <p:cSld>
     <p:spTree>
@@ -10746,7 +10858,7 @@
 </p:sld>
 </file>
 
-<file path=ppt/slides/slide47.xml><?xml version="1.0" encoding="utf-8"?>
+<file path=ppt/slides/slide48.xml><?xml version="1.0" encoding="utf-8"?>
 <p:sld xmlns:a="http://schemas.openxmlformats.org/drawingml/2006/main" xmlns:r="http://schemas.openxmlformats.org/officeDocument/2006/relationships" xmlns:p="http://schemas.openxmlformats.org/presentationml/2006/main">
   <p:cSld>
     <p:spTree>
@@ -10949,7 +11061,7 @@
 </p:sld>
 </file>
 
-<file path=ppt/slides/slide48.xml><?xml version="1.0" encoding="utf-8"?>
+<file path=ppt/slides/slide49.xml><?xml version="1.0" encoding="utf-8"?>
 <p:sld xmlns:a="http://schemas.openxmlformats.org/drawingml/2006/main" xmlns:r="http://schemas.openxmlformats.org/officeDocument/2006/relationships" xmlns:p="http://schemas.openxmlformats.org/presentationml/2006/main">
   <p:cSld>
     <p:spTree>
@@ -11162,7 +11274,208 @@
 </p:sld>
 </file>
 
-<file path=ppt/slides/slide49.xml><?xml version="1.0" encoding="utf-8"?>
+<file path=ppt/slides/slide5.xml><?xml version="1.0" encoding="utf-8"?>
+<p:sld xmlns:a="http://schemas.openxmlformats.org/drawingml/2006/main" xmlns:r="http://schemas.openxmlformats.org/officeDocument/2006/relationships" xmlns:p="http://schemas.openxmlformats.org/presentationml/2006/main">
+  <p:cSld>
+    <p:spTree>
+      <p:nvGrpSpPr>
+        <p:cNvPr id="1" name=""/>
+        <p:cNvGrpSpPr/>
+        <p:nvPr/>
+      </p:nvGrpSpPr>
+      <p:grpSpPr>
+        <a:xfrm>
+          <a:off x="0" y="0"/>
+          <a:ext cx="0" cy="0"/>
+          <a:chOff x="0" y="0"/>
+          <a:chExt cx="0" cy="0"/>
+        </a:xfrm>
+      </p:grpSpPr>
+      <p:sp>
+        <p:nvSpPr>
+          <p:cNvPr id="2" name="כותרת 1">
+            <a:extLst>
+              <a:ext uri="{FF2B5EF4-FFF2-40B4-BE49-F238E27FC236}">
+                <a16:creationId xmlns:a16="http://schemas.microsoft.com/office/drawing/2014/main" id="{3614DBF3-3BF9-40E5-8449-5B82D31222F7}"/>
+              </a:ext>
+            </a:extLst>
+          </p:cNvPr>
+          <p:cNvSpPr>
+            <a:spLocks noGrp="1"/>
+          </p:cNvSpPr>
+          <p:nvPr>
+            <p:ph type="title"/>
+          </p:nvPr>
+        </p:nvSpPr>
+        <p:spPr/>
+        <p:txBody>
+          <a:bodyPr/>
+          <a:lstStyle/>
+          <a:p>
+            <a:r>
+              <a:rPr lang="he-IL" dirty="0"/>
+              <a:t>דוגמא </a:t>
+            </a:r>
+            <a:r>
+              <a:rPr lang="he-IL" dirty="0" err="1"/>
+              <a:t>לאלג</a:t>
+            </a:r>
+            <a:r>
+              <a:rPr lang="he-IL" dirty="0"/>
+              <a:t>' בשיטת </a:t>
+            </a:r>
+            <a:r>
+              <a:rPr lang="en-US" dirty="0"/>
+              <a:t>Filter Model</a:t>
+            </a:r>
+            <a:r>
+              <a:rPr lang="he-IL" dirty="0"/>
+              <a:t> : </a:t>
+            </a:r>
+            <a:r>
+              <a:rPr lang="en-US" dirty="0"/>
+              <a:t>FCBF</a:t>
+            </a:r>
+            <a:endParaRPr lang="he-IL" dirty="0"/>
+          </a:p>
+        </p:txBody>
+      </p:sp>
+      <p:sp>
+        <p:nvSpPr>
+          <p:cNvPr id="3" name="מציין מיקום תוכן 2">
+            <a:extLst>
+              <a:ext uri="{FF2B5EF4-FFF2-40B4-BE49-F238E27FC236}">
+                <a16:creationId xmlns:a16="http://schemas.microsoft.com/office/drawing/2014/main" id="{B3DFF1EA-A09F-4399-9C0C-32F3045249A2}"/>
+              </a:ext>
+            </a:extLst>
+          </p:cNvPr>
+          <p:cNvSpPr>
+            <a:spLocks noGrp="1"/>
+          </p:cNvSpPr>
+          <p:nvPr>
+            <p:ph idx="1"/>
+          </p:nvPr>
+        </p:nvSpPr>
+        <p:spPr/>
+        <p:txBody>
+          <a:bodyPr/>
+          <a:lstStyle/>
+          <a:p>
+            <a:r>
+              <a:rPr lang="en-US" dirty="0"/>
+              <a:t>FCBF</a:t>
+            </a:r>
+            <a:r>
+              <a:rPr lang="he-IL" dirty="0"/>
+              <a:t> – </a:t>
+            </a:r>
+            <a:r>
+              <a:rPr lang="en-US" dirty="0"/>
+              <a:t>Fast Correlation Based Filter </a:t>
+            </a:r>
+            <a:endParaRPr lang="he-IL" dirty="0"/>
+          </a:p>
+          <a:p>
+            <a:r>
+              <a:rPr lang="he-IL" dirty="0"/>
+              <a:t>אלג' המתאים (מבחינת תוצאה) למספר רב של מאפיינים (מאות/אלפים)</a:t>
+            </a:r>
+          </a:p>
+          <a:p>
+            <a:r>
+              <a:rPr lang="he-IL" dirty="0"/>
+              <a:t>שימוש באנטרופיה (מדד למידת אקראיות מדגם)</a:t>
+            </a:r>
+          </a:p>
+          <a:p>
+            <a:pPr lvl="1"/>
+            <a:r>
+              <a:rPr lang="he-IL" dirty="0"/>
+              <a:t>השימוש באנטרופיה עבור אי הכנת מידע עודף </a:t>
+            </a:r>
+            <a:r>
+              <a:rPr lang="en-US" dirty="0"/>
+              <a:t>redundant features</a:t>
+            </a:r>
+            <a:r>
+              <a:rPr lang="he-IL" dirty="0"/>
+              <a:t> (עד כמה אין קורלציה בין תכונות)</a:t>
+            </a:r>
+          </a:p>
+          <a:p>
+            <a:r>
+              <a:rPr lang="he-IL" dirty="0" err="1"/>
+              <a:t>האלג</a:t>
+            </a:r>
+            <a:r>
+              <a:rPr lang="he-IL" dirty="0"/>
+              <a:t>' עובד ב 2 שלבים:</a:t>
+            </a:r>
+          </a:p>
+          <a:p>
+            <a:pPr lvl="1"/>
+            <a:r>
+              <a:rPr lang="en-US" dirty="0"/>
+              <a:t>SU – Symmetrical Uncertainty</a:t>
+            </a:r>
+            <a:r>
+              <a:rPr lang="he-IL" dirty="0"/>
+              <a:t> (נוסחה המרחיבה את נוסחת האנטרופיה)</a:t>
+            </a:r>
+          </a:p>
+          <a:p>
+            <a:pPr lvl="1"/>
+            <a:r>
+              <a:rPr lang="he-IL" dirty="0"/>
+              <a:t>מוציאים את כל המאפיינים שחישוב ה </a:t>
+            </a:r>
+            <a:r>
+              <a:rPr lang="en-US" dirty="0"/>
+              <a:t>SU</a:t>
+            </a:r>
+            <a:r>
+              <a:rPr lang="he-IL" dirty="0"/>
+              <a:t> שלהם קטן מסף מסוים</a:t>
+            </a:r>
+          </a:p>
+          <a:p>
+            <a:pPr lvl="1"/>
+            <a:r>
+              <a:rPr lang="he-IL" dirty="0"/>
+              <a:t>מהמאפיינים שנשארו, זורקים את המאפיינים שיש להם יתירות (זורקים את המאפיין בעל ציון </a:t>
+            </a:r>
+            <a:r>
+              <a:rPr lang="en-US" dirty="0"/>
+              <a:t>SU</a:t>
+            </a:r>
+            <a:r>
+              <a:rPr lang="he-IL" dirty="0"/>
+              <a:t> נמוך יותר)</a:t>
+            </a:r>
+          </a:p>
+          <a:p>
+            <a:pPr lvl="1"/>
+            <a:endParaRPr lang="he-IL" dirty="0"/>
+          </a:p>
+          <a:p>
+            <a:endParaRPr lang="he-IL" dirty="0"/>
+          </a:p>
+        </p:txBody>
+      </p:sp>
+    </p:spTree>
+    <p:extLst>
+      <p:ext uri="{BB962C8B-B14F-4D97-AF65-F5344CB8AC3E}">
+        <p14:creationId xmlns:p14="http://schemas.microsoft.com/office/powerpoint/2010/main" val="2946470775"/>
+      </p:ext>
+    </p:extLst>
+  </p:cSld>
+  <p:clrMapOvr>
+    <a:masterClrMapping/>
+  </p:clrMapOvr>
+</p:sld>
+</file>
+
+<file path=ppt/slides/slide50.xml><?xml version="1.0" encoding="utf-8"?>
 <p:sld xmlns:a="http://schemas.openxmlformats.org/drawingml/2006/main" xmlns:r="http://schemas.openxmlformats.org/officeDocument/2006/relationships" xmlns:p="http://schemas.openxmlformats.org/presentationml/2006/main">
   <p:cSld>
     <p:spTree>
@@ -11319,7 +11632,7 @@
 </p:sld>
 </file>
 
-<file path=ppt/slides/slide5.xml><?xml version="1.0" encoding="utf-8"?>
+<file path=ppt/slides/slide51.xml><?xml version="1.0" encoding="utf-8"?>
 <p:sld xmlns:a="http://schemas.openxmlformats.org/drawingml/2006/main" xmlns:r="http://schemas.openxmlformats.org/officeDocument/2006/relationships" xmlns:p="http://schemas.openxmlformats.org/presentationml/2006/main">
   <p:cSld>
     <p:spTree>
@@ -11341,207 +11654,6 @@
           <p:cNvPr id="2" name="כותרת 1">
             <a:extLst>
               <a:ext uri="{FF2B5EF4-FFF2-40B4-BE49-F238E27FC236}">
-                <a16:creationId xmlns:a16="http://schemas.microsoft.com/office/drawing/2014/main" id="{3614DBF3-3BF9-40E5-8449-5B82D31222F7}"/>
-              </a:ext>
-            </a:extLst>
-          </p:cNvPr>
-          <p:cNvSpPr>
-            <a:spLocks noGrp="1"/>
-          </p:cNvSpPr>
-          <p:nvPr>
-            <p:ph type="title"/>
-          </p:nvPr>
-        </p:nvSpPr>
-        <p:spPr/>
-        <p:txBody>
-          <a:bodyPr/>
-          <a:lstStyle/>
-          <a:p>
-            <a:r>
-              <a:rPr lang="he-IL" dirty="0"/>
-              <a:t>דוגמא </a:t>
-            </a:r>
-            <a:r>
-              <a:rPr lang="he-IL" dirty="0" err="1"/>
-              <a:t>לאלג</a:t>
-            </a:r>
-            <a:r>
-              <a:rPr lang="he-IL" dirty="0"/>
-              <a:t>' בשיטת </a:t>
-            </a:r>
-            <a:r>
-              <a:rPr lang="en-US" dirty="0"/>
-              <a:t>Filter Model</a:t>
-            </a:r>
-            <a:r>
-              <a:rPr lang="he-IL" dirty="0"/>
-              <a:t> : </a:t>
-            </a:r>
-            <a:r>
-              <a:rPr lang="en-US" dirty="0"/>
-              <a:t>FCBF</a:t>
-            </a:r>
-            <a:endParaRPr lang="he-IL" dirty="0"/>
-          </a:p>
-        </p:txBody>
-      </p:sp>
-      <p:sp>
-        <p:nvSpPr>
-          <p:cNvPr id="3" name="מציין מיקום תוכן 2">
-            <a:extLst>
-              <a:ext uri="{FF2B5EF4-FFF2-40B4-BE49-F238E27FC236}">
-                <a16:creationId xmlns:a16="http://schemas.microsoft.com/office/drawing/2014/main" id="{B3DFF1EA-A09F-4399-9C0C-32F3045249A2}"/>
-              </a:ext>
-            </a:extLst>
-          </p:cNvPr>
-          <p:cNvSpPr>
-            <a:spLocks noGrp="1"/>
-          </p:cNvSpPr>
-          <p:nvPr>
-            <p:ph idx="1"/>
-          </p:nvPr>
-        </p:nvSpPr>
-        <p:spPr/>
-        <p:txBody>
-          <a:bodyPr/>
-          <a:lstStyle/>
-          <a:p>
-            <a:r>
-              <a:rPr lang="en-US" dirty="0"/>
-              <a:t>FCBF</a:t>
-            </a:r>
-            <a:r>
-              <a:rPr lang="he-IL" dirty="0"/>
-              <a:t> – </a:t>
-            </a:r>
-            <a:r>
-              <a:rPr lang="en-US" dirty="0"/>
-              <a:t>Fast Correlation Based Filter </a:t>
-            </a:r>
-            <a:endParaRPr lang="he-IL" dirty="0"/>
-          </a:p>
-          <a:p>
-            <a:r>
-              <a:rPr lang="he-IL" dirty="0"/>
-              <a:t>אלג' המתאים (מבחינת תוצאה) למספר רב של מאפיינים (מאות/אלפים)</a:t>
-            </a:r>
-          </a:p>
-          <a:p>
-            <a:r>
-              <a:rPr lang="he-IL" dirty="0"/>
-              <a:t>שימוש באנטרופיה (מדד למידת אקראיות מדגם)</a:t>
-            </a:r>
-          </a:p>
-          <a:p>
-            <a:pPr lvl="1"/>
-            <a:r>
-              <a:rPr lang="he-IL" dirty="0"/>
-              <a:t>השימוש באנטרופיה עבור אי הכנת מידע עודף </a:t>
-            </a:r>
-            <a:r>
-              <a:rPr lang="en-US" dirty="0"/>
-              <a:t>redundant features</a:t>
-            </a:r>
-            <a:r>
-              <a:rPr lang="he-IL" dirty="0"/>
-              <a:t> (עד כמה אין קורלציה בין תכונות)</a:t>
-            </a:r>
-          </a:p>
-          <a:p>
-            <a:r>
-              <a:rPr lang="he-IL" dirty="0" err="1"/>
-              <a:t>האלג</a:t>
-            </a:r>
-            <a:r>
-              <a:rPr lang="he-IL" dirty="0"/>
-              <a:t>' עובד ב 2 שלבים:</a:t>
-            </a:r>
-          </a:p>
-          <a:p>
-            <a:pPr lvl="1"/>
-            <a:r>
-              <a:rPr lang="en-US" dirty="0"/>
-              <a:t>SU – Symmetrical Uncertainty</a:t>
-            </a:r>
-            <a:r>
-              <a:rPr lang="he-IL" dirty="0"/>
-              <a:t> (נוסחה המרחיבה את נוסחת האנטרופיה)</a:t>
-            </a:r>
-          </a:p>
-          <a:p>
-            <a:pPr lvl="1"/>
-            <a:r>
-              <a:rPr lang="he-IL" dirty="0"/>
-              <a:t>מוציאים את כל המאפיינים שחישוב ה </a:t>
-            </a:r>
-            <a:r>
-              <a:rPr lang="en-US" dirty="0"/>
-              <a:t>SU</a:t>
-            </a:r>
-            <a:r>
-              <a:rPr lang="he-IL" dirty="0"/>
-              <a:t> שלהם קטן מסף מסוים</a:t>
-            </a:r>
-          </a:p>
-          <a:p>
-            <a:pPr lvl="1"/>
-            <a:r>
-              <a:rPr lang="he-IL" dirty="0"/>
-              <a:t>מהמאפיינים שנשארו, זורקים את המאפיינים שיש להם יתירות (זורקים את המאפיין בעל ציון </a:t>
-            </a:r>
-            <a:r>
-              <a:rPr lang="en-US" dirty="0"/>
-              <a:t>SU</a:t>
-            </a:r>
-            <a:r>
-              <a:rPr lang="he-IL" dirty="0"/>
-              <a:t> נמוך יותר)</a:t>
-            </a:r>
-          </a:p>
-          <a:p>
-            <a:pPr lvl="1"/>
-            <a:endParaRPr lang="he-IL" dirty="0"/>
-          </a:p>
-          <a:p>
-            <a:endParaRPr lang="he-IL" dirty="0"/>
-          </a:p>
-        </p:txBody>
-      </p:sp>
-    </p:spTree>
-    <p:extLst>
-      <p:ext uri="{BB962C8B-B14F-4D97-AF65-F5344CB8AC3E}">
-        <p14:creationId xmlns:p14="http://schemas.microsoft.com/office/powerpoint/2010/main" val="2946470775"/>
-      </p:ext>
-    </p:extLst>
-  </p:cSld>
-  <p:clrMapOvr>
-    <a:masterClrMapping/>
-  </p:clrMapOvr>
-</p:sld>
-</file>
-
-<file path=ppt/slides/slide50.xml><?xml version="1.0" encoding="utf-8"?>
-<p:sld xmlns:a="http://schemas.openxmlformats.org/drawingml/2006/main" xmlns:r="http://schemas.openxmlformats.org/officeDocument/2006/relationships" xmlns:p="http://schemas.openxmlformats.org/presentationml/2006/main">
-  <p:cSld>
-    <p:spTree>
-      <p:nvGrpSpPr>
-        <p:cNvPr id="1" name=""/>
-        <p:cNvGrpSpPr/>
-        <p:nvPr/>
-      </p:nvGrpSpPr>
-      <p:grpSpPr>
-        <a:xfrm>
-          <a:off x="0" y="0"/>
-          <a:ext cx="0" cy="0"/>
-          <a:chOff x="0" y="0"/>
-          <a:chExt cx="0" cy="0"/>
-        </a:xfrm>
-      </p:grpSpPr>
-      <p:sp>
-        <p:nvSpPr>
-          <p:cNvPr id="2" name="כותרת 1">
-            <a:extLst>
-              <a:ext uri="{FF2B5EF4-FFF2-40B4-BE49-F238E27FC236}">
                 <a16:creationId xmlns:a16="http://schemas.microsoft.com/office/drawing/2014/main" id="{91E46E9D-7B8F-4C0C-970C-665A3710F4E8}"/>
               </a:ext>
             </a:extLst>
@@ -11659,7 +11771,7 @@
 </p:sld>
 </file>
 
-<file path=ppt/slides/slide51.xml><?xml version="1.0" encoding="utf-8"?>
+<file path=ppt/slides/slide52.xml><?xml version="1.0" encoding="utf-8"?>
 <p:sld xmlns:a="http://schemas.openxmlformats.org/drawingml/2006/main" xmlns:r="http://schemas.openxmlformats.org/officeDocument/2006/relationships" xmlns:p="http://schemas.openxmlformats.org/presentationml/2006/main">
   <p:cSld>
     <p:spTree>
@@ -11982,7 +12094,7 @@
 </p:sld>
 </file>
 
-<file path=ppt/slides/slide52.xml><?xml version="1.0" encoding="utf-8"?>
+<file path=ppt/slides/slide53.xml><?xml version="1.0" encoding="utf-8"?>
 <p:sld xmlns:a="http://schemas.openxmlformats.org/drawingml/2006/main" xmlns:r="http://schemas.openxmlformats.org/officeDocument/2006/relationships" xmlns:p="http://schemas.openxmlformats.org/presentationml/2006/main">
   <p:cSld>
     <p:spTree>
@@ -12148,7 +12260,7 @@
 </p:sld>
 </file>
 
-<file path=ppt/slides/slide53.xml><?xml version="1.0" encoding="utf-8"?>
+<file path=ppt/slides/slide54.xml><?xml version="1.0" encoding="utf-8"?>
 <p:sld xmlns:a="http://schemas.openxmlformats.org/drawingml/2006/main" xmlns:r="http://schemas.openxmlformats.org/officeDocument/2006/relationships" xmlns:p="http://schemas.openxmlformats.org/presentationml/2006/main">
   <p:cSld>
     <p:spTree>
@@ -12419,7 +12531,7 @@
 </p:sld>
 </file>
 
-<file path=ppt/slides/slide54.xml><?xml version="1.0" encoding="utf-8"?>
+<file path=ppt/slides/slide55.xml><?xml version="1.0" encoding="utf-8"?>
 <p:sld xmlns:a="http://schemas.openxmlformats.org/drawingml/2006/main" xmlns:r="http://schemas.openxmlformats.org/officeDocument/2006/relationships" xmlns:p="http://schemas.openxmlformats.org/presentationml/2006/main">
   <p:cSld>
     <p:spTree>
@@ -12724,7 +12836,7 @@
 </p:sld>
 </file>
 
-<file path=ppt/slides/slide55.xml><?xml version="1.0" encoding="utf-8"?>
+<file path=ppt/slides/slide56.xml><?xml version="1.0" encoding="utf-8"?>
 <p:sld xmlns:a="http://schemas.openxmlformats.org/drawingml/2006/main" xmlns:r="http://schemas.openxmlformats.org/officeDocument/2006/relationships" xmlns:p="http://schemas.openxmlformats.org/presentationml/2006/main">
   <p:cSld>
     <p:spTree>

--- a/Presentation/Feature Selection.pptx
+++ b/Presentation/Feature Selection.pptx
@@ -12,55 +12,56 @@
     <p:sldId id="265" r:id="rId6"/>
     <p:sldId id="268" r:id="rId7"/>
     <p:sldId id="319" r:id="rId8"/>
-    <p:sldId id="269" r:id="rId9"/>
-    <p:sldId id="276" r:id="rId10"/>
-    <p:sldId id="292" r:id="rId11"/>
-    <p:sldId id="296" r:id="rId12"/>
-    <p:sldId id="261" r:id="rId13"/>
-    <p:sldId id="263" r:id="rId14"/>
-    <p:sldId id="262" r:id="rId15"/>
-    <p:sldId id="299" r:id="rId16"/>
-    <p:sldId id="290" r:id="rId17"/>
-    <p:sldId id="283" r:id="rId18"/>
-    <p:sldId id="272" r:id="rId19"/>
-    <p:sldId id="300" r:id="rId20"/>
-    <p:sldId id="291" r:id="rId21"/>
-    <p:sldId id="301" r:id="rId22"/>
-    <p:sldId id="271" r:id="rId23"/>
-    <p:sldId id="289" r:id="rId24"/>
-    <p:sldId id="274" r:id="rId25"/>
-    <p:sldId id="282" r:id="rId26"/>
-    <p:sldId id="302" r:id="rId27"/>
-    <p:sldId id="275" r:id="rId28"/>
-    <p:sldId id="303" r:id="rId29"/>
-    <p:sldId id="278" r:id="rId30"/>
-    <p:sldId id="304" r:id="rId31"/>
-    <p:sldId id="279" r:id="rId32"/>
-    <p:sldId id="288" r:id="rId33"/>
-    <p:sldId id="294" r:id="rId34"/>
-    <p:sldId id="306" r:id="rId35"/>
-    <p:sldId id="281" r:id="rId36"/>
-    <p:sldId id="307" r:id="rId37"/>
-    <p:sldId id="284" r:id="rId38"/>
-    <p:sldId id="309" r:id="rId39"/>
-    <p:sldId id="285" r:id="rId40"/>
-    <p:sldId id="298" r:id="rId41"/>
-    <p:sldId id="270" r:id="rId42"/>
-    <p:sldId id="277" r:id="rId43"/>
-    <p:sldId id="286" r:id="rId44"/>
-    <p:sldId id="293" r:id="rId45"/>
-    <p:sldId id="323" r:id="rId46"/>
-    <p:sldId id="314" r:id="rId47"/>
-    <p:sldId id="312" r:id="rId48"/>
-    <p:sldId id="311" r:id="rId49"/>
-    <p:sldId id="317" r:id="rId50"/>
-    <p:sldId id="315" r:id="rId51"/>
-    <p:sldId id="316" r:id="rId52"/>
-    <p:sldId id="310" r:id="rId53"/>
-    <p:sldId id="321" r:id="rId54"/>
-    <p:sldId id="318" r:id="rId55"/>
-    <p:sldId id="322" r:id="rId56"/>
-    <p:sldId id="320" r:id="rId57"/>
+    <p:sldId id="324" r:id="rId9"/>
+    <p:sldId id="269" r:id="rId10"/>
+    <p:sldId id="276" r:id="rId11"/>
+    <p:sldId id="292" r:id="rId12"/>
+    <p:sldId id="296" r:id="rId13"/>
+    <p:sldId id="261" r:id="rId14"/>
+    <p:sldId id="263" r:id="rId15"/>
+    <p:sldId id="262" r:id="rId16"/>
+    <p:sldId id="299" r:id="rId17"/>
+    <p:sldId id="290" r:id="rId18"/>
+    <p:sldId id="283" r:id="rId19"/>
+    <p:sldId id="272" r:id="rId20"/>
+    <p:sldId id="300" r:id="rId21"/>
+    <p:sldId id="291" r:id="rId22"/>
+    <p:sldId id="301" r:id="rId23"/>
+    <p:sldId id="271" r:id="rId24"/>
+    <p:sldId id="289" r:id="rId25"/>
+    <p:sldId id="274" r:id="rId26"/>
+    <p:sldId id="282" r:id="rId27"/>
+    <p:sldId id="302" r:id="rId28"/>
+    <p:sldId id="275" r:id="rId29"/>
+    <p:sldId id="303" r:id="rId30"/>
+    <p:sldId id="278" r:id="rId31"/>
+    <p:sldId id="304" r:id="rId32"/>
+    <p:sldId id="279" r:id="rId33"/>
+    <p:sldId id="288" r:id="rId34"/>
+    <p:sldId id="294" r:id="rId35"/>
+    <p:sldId id="306" r:id="rId36"/>
+    <p:sldId id="281" r:id="rId37"/>
+    <p:sldId id="307" r:id="rId38"/>
+    <p:sldId id="284" r:id="rId39"/>
+    <p:sldId id="309" r:id="rId40"/>
+    <p:sldId id="285" r:id="rId41"/>
+    <p:sldId id="298" r:id="rId42"/>
+    <p:sldId id="270" r:id="rId43"/>
+    <p:sldId id="277" r:id="rId44"/>
+    <p:sldId id="286" r:id="rId45"/>
+    <p:sldId id="293" r:id="rId46"/>
+    <p:sldId id="323" r:id="rId47"/>
+    <p:sldId id="314" r:id="rId48"/>
+    <p:sldId id="312" r:id="rId49"/>
+    <p:sldId id="311" r:id="rId50"/>
+    <p:sldId id="317" r:id="rId51"/>
+    <p:sldId id="315" r:id="rId52"/>
+    <p:sldId id="316" r:id="rId53"/>
+    <p:sldId id="310" r:id="rId54"/>
+    <p:sldId id="321" r:id="rId55"/>
+    <p:sldId id="318" r:id="rId56"/>
+    <p:sldId id="322" r:id="rId57"/>
+    <p:sldId id="320" r:id="rId58"/>
   </p:sldIdLst>
   <p:sldSz cx="12192000" cy="6858000"/>
   <p:notesSz cx="6858000" cy="9144000"/>
@@ -325,7 +326,7 @@
           <a:p>
             <a:fld id="{D5FA70A3-A6FF-4EAA-B623-AB4CFD6C9082}" type="datetimeFigureOut">
               <a:rPr lang="he-IL" smtClean="0"/>
-              <a:t>י"ד/ניסן/תש"פ</a:t>
+              <a:t>ט"ו/ניסן/תש"פ</a:t>
             </a:fld>
             <a:endParaRPr lang="he-IL"/>
           </a:p>
@@ -523,7 +524,7 @@
           <a:p>
             <a:fld id="{D5FA70A3-A6FF-4EAA-B623-AB4CFD6C9082}" type="datetimeFigureOut">
               <a:rPr lang="he-IL" smtClean="0"/>
-              <a:t>י"ד/ניסן/תש"פ</a:t>
+              <a:t>ט"ו/ניסן/תש"פ</a:t>
             </a:fld>
             <a:endParaRPr lang="he-IL"/>
           </a:p>
@@ -731,7 +732,7 @@
           <a:p>
             <a:fld id="{D5FA70A3-A6FF-4EAA-B623-AB4CFD6C9082}" type="datetimeFigureOut">
               <a:rPr lang="he-IL" smtClean="0"/>
-              <a:t>י"ד/ניסן/תש"פ</a:t>
+              <a:t>ט"ו/ניסן/תש"פ</a:t>
             </a:fld>
             <a:endParaRPr lang="he-IL"/>
           </a:p>
@@ -929,7 +930,7 @@
           <a:p>
             <a:fld id="{D5FA70A3-A6FF-4EAA-B623-AB4CFD6C9082}" type="datetimeFigureOut">
               <a:rPr lang="he-IL" smtClean="0"/>
-              <a:t>י"ד/ניסן/תש"פ</a:t>
+              <a:t>ט"ו/ניסן/תש"פ</a:t>
             </a:fld>
             <a:endParaRPr lang="he-IL"/>
           </a:p>
@@ -1204,7 +1205,7 @@
           <a:p>
             <a:fld id="{D5FA70A3-A6FF-4EAA-B623-AB4CFD6C9082}" type="datetimeFigureOut">
               <a:rPr lang="he-IL" smtClean="0"/>
-              <a:t>י"ד/ניסן/תש"פ</a:t>
+              <a:t>ט"ו/ניסן/תש"פ</a:t>
             </a:fld>
             <a:endParaRPr lang="he-IL"/>
           </a:p>
@@ -1469,7 +1470,7 @@
           <a:p>
             <a:fld id="{D5FA70A3-A6FF-4EAA-B623-AB4CFD6C9082}" type="datetimeFigureOut">
               <a:rPr lang="he-IL" smtClean="0"/>
-              <a:t>י"ד/ניסן/תש"פ</a:t>
+              <a:t>ט"ו/ניסן/תש"פ</a:t>
             </a:fld>
             <a:endParaRPr lang="he-IL"/>
           </a:p>
@@ -1881,7 +1882,7 @@
           <a:p>
             <a:fld id="{D5FA70A3-A6FF-4EAA-B623-AB4CFD6C9082}" type="datetimeFigureOut">
               <a:rPr lang="he-IL" smtClean="0"/>
-              <a:t>י"ד/ניסן/תש"פ</a:t>
+              <a:t>ט"ו/ניסן/תש"פ</a:t>
             </a:fld>
             <a:endParaRPr lang="he-IL"/>
           </a:p>
@@ -2022,7 +2023,7 @@
           <a:p>
             <a:fld id="{D5FA70A3-A6FF-4EAA-B623-AB4CFD6C9082}" type="datetimeFigureOut">
               <a:rPr lang="he-IL" smtClean="0"/>
-              <a:t>י"ד/ניסן/תש"פ</a:t>
+              <a:t>ט"ו/ניסן/תש"פ</a:t>
             </a:fld>
             <a:endParaRPr lang="he-IL"/>
           </a:p>
@@ -2135,7 +2136,7 @@
           <a:p>
             <a:fld id="{D5FA70A3-A6FF-4EAA-B623-AB4CFD6C9082}" type="datetimeFigureOut">
               <a:rPr lang="he-IL" smtClean="0"/>
-              <a:t>י"ד/ניסן/תש"פ</a:t>
+              <a:t>ט"ו/ניסן/תש"פ</a:t>
             </a:fld>
             <a:endParaRPr lang="he-IL"/>
           </a:p>
@@ -2446,7 +2447,7 @@
           <a:p>
             <a:fld id="{D5FA70A3-A6FF-4EAA-B623-AB4CFD6C9082}" type="datetimeFigureOut">
               <a:rPr lang="he-IL" smtClean="0"/>
-              <a:t>י"ד/ניסן/תש"פ</a:t>
+              <a:t>ט"ו/ניסן/תש"פ</a:t>
             </a:fld>
             <a:endParaRPr lang="he-IL"/>
           </a:p>
@@ -2734,7 +2735,7 @@
           <a:p>
             <a:fld id="{D5FA70A3-A6FF-4EAA-B623-AB4CFD6C9082}" type="datetimeFigureOut">
               <a:rPr lang="he-IL" smtClean="0"/>
-              <a:t>י"ד/ניסן/תש"פ</a:t>
+              <a:t>ט"ו/ניסן/תש"פ</a:t>
             </a:fld>
             <a:endParaRPr lang="he-IL"/>
           </a:p>
@@ -2975,7 +2976,7 @@
           <a:p>
             <a:fld id="{D5FA70A3-A6FF-4EAA-B623-AB4CFD6C9082}" type="datetimeFigureOut">
               <a:rPr lang="he-IL" smtClean="0"/>
-              <a:t>י"ד/ניסן/תש"פ</a:t>
+              <a:t>ט"ו/ניסן/תש"פ</a:t>
             </a:fld>
             <a:endParaRPr lang="he-IL"/>
           </a:p>
@@ -3481,6 +3482,332 @@
           <p:cNvPr id="2" name="כותרת 1">
             <a:extLst>
               <a:ext uri="{FF2B5EF4-FFF2-40B4-BE49-F238E27FC236}">
+                <a16:creationId xmlns:a16="http://schemas.microsoft.com/office/drawing/2014/main" id="{47BA6553-081B-44C5-854F-4621A33B8DEC}"/>
+              </a:ext>
+            </a:extLst>
+          </p:cNvPr>
+          <p:cNvSpPr>
+            <a:spLocks noGrp="1"/>
+          </p:cNvSpPr>
+          <p:nvPr>
+            <p:ph type="title"/>
+          </p:nvPr>
+        </p:nvSpPr>
+        <p:spPr/>
+        <p:txBody>
+          <a:bodyPr/>
+          <a:lstStyle/>
+          <a:p>
+            <a:r>
+              <a:rPr lang="en-US" dirty="0"/>
+              <a:t>Hybrid Methods</a:t>
+            </a:r>
+            <a:endParaRPr lang="he-IL" dirty="0"/>
+          </a:p>
+        </p:txBody>
+      </p:sp>
+      <p:sp>
+        <p:nvSpPr>
+          <p:cNvPr id="3" name="מציין מיקום תוכן 2">
+            <a:extLst>
+              <a:ext uri="{FF2B5EF4-FFF2-40B4-BE49-F238E27FC236}">
+                <a16:creationId xmlns:a16="http://schemas.microsoft.com/office/drawing/2014/main" id="{4838D85D-F2E7-4C11-9227-8071C7130140}"/>
+              </a:ext>
+            </a:extLst>
+          </p:cNvPr>
+          <p:cNvSpPr>
+            <a:spLocks noGrp="1"/>
+          </p:cNvSpPr>
+          <p:nvPr>
+            <p:ph idx="1"/>
+          </p:nvPr>
+        </p:nvSpPr>
+        <p:spPr/>
+        <p:txBody>
+          <a:bodyPr>
+            <a:normAutofit fontScale="92500" lnSpcReduction="20000"/>
+          </a:bodyPr>
+          <a:lstStyle/>
+          <a:p>
+            <a:r>
+              <a:rPr lang="he-IL" dirty="0"/>
+              <a:t>שילוב של השיטות מעלה</a:t>
+            </a:r>
+          </a:p>
+          <a:p>
+            <a:r>
+              <a:rPr lang="he-IL" dirty="0"/>
+              <a:t>דוגמאות:</a:t>
+            </a:r>
+          </a:p>
+          <a:p>
+            <a:pPr lvl="1"/>
+            <a:r>
+              <a:rPr lang="en-US" dirty="0"/>
+              <a:t>Filter</a:t>
+            </a:r>
+            <a:r>
+              <a:rPr lang="he-IL" dirty="0"/>
+              <a:t> -&gt; </a:t>
+            </a:r>
+            <a:r>
+              <a:rPr lang="en-US" dirty="0"/>
+              <a:t>Wrapper</a:t>
+            </a:r>
+            <a:endParaRPr lang="he-IL" dirty="0"/>
+          </a:p>
+          <a:p>
+            <a:pPr lvl="1"/>
+            <a:r>
+              <a:rPr lang="en-US" dirty="0"/>
+              <a:t>Embedded</a:t>
+            </a:r>
+            <a:r>
+              <a:rPr lang="he-IL" dirty="0"/>
+              <a:t> -&gt; </a:t>
+            </a:r>
+            <a:r>
+              <a:rPr lang="en-US" dirty="0"/>
+              <a:t>Wrapper</a:t>
+            </a:r>
+            <a:endParaRPr lang="he-IL" dirty="0"/>
+          </a:p>
+          <a:p>
+            <a:r>
+              <a:rPr lang="en-US" dirty="0">
+                <a:highlight>
+                  <a:srgbClr val="FFFF00"/>
+                </a:highlight>
+              </a:rPr>
+              <a:t>Recursive Feature Elimination</a:t>
+            </a:r>
+            <a:r>
+              <a:rPr lang="he-IL" dirty="0">
+                <a:highlight>
+                  <a:srgbClr val="FFFF00"/>
+                </a:highlight>
+              </a:rPr>
+              <a:t> </a:t>
+            </a:r>
+            <a:r>
+              <a:rPr lang="en-US" dirty="0"/>
+              <a:t>(RFE)</a:t>
+            </a:r>
+            <a:r>
+              <a:rPr lang="he-IL" dirty="0"/>
+              <a:t> או </a:t>
+            </a:r>
+            <a:r>
+              <a:rPr lang="en-US" dirty="0"/>
+              <a:t>RFECV</a:t>
+            </a:r>
+            <a:endParaRPr lang="he-IL" dirty="0"/>
+          </a:p>
+          <a:p>
+            <a:pPr lvl="1"/>
+            <a:r>
+              <a:rPr lang="he-IL" dirty="0"/>
+              <a:t>מריצים </a:t>
+            </a:r>
+            <a:r>
+              <a:rPr lang="en-US" dirty="0"/>
+              <a:t>model</a:t>
+            </a:r>
+            <a:r>
+              <a:rPr lang="he-IL" dirty="0"/>
+              <a:t> עם </a:t>
+            </a:r>
+            <a:r>
+              <a:rPr lang="en-US" dirty="0"/>
+              <a:t>Train</a:t>
+            </a:r>
+            <a:r>
+              <a:rPr lang="he-IL" dirty="0"/>
+              <a:t> לקבל </a:t>
+            </a:r>
+            <a:r>
+              <a:rPr lang="en-US" dirty="0"/>
+              <a:t>importance</a:t>
+            </a:r>
+            <a:r>
+              <a:rPr lang="he-IL" dirty="0"/>
+              <a:t> (נניח </a:t>
+            </a:r>
+            <a:r>
+              <a:rPr lang="en-US" dirty="0"/>
+              <a:t>Lasso/Tree</a:t>
+            </a:r>
+            <a:r>
+              <a:rPr lang="he-IL" dirty="0"/>
+              <a:t> וכד')</a:t>
+            </a:r>
+          </a:p>
+          <a:p>
+            <a:pPr lvl="1"/>
+            <a:r>
+              <a:rPr lang="he-IL" dirty="0"/>
+              <a:t>מורידים </a:t>
+            </a:r>
+            <a:r>
+              <a:rPr lang="en-US" dirty="0"/>
+              <a:t>feature</a:t>
+            </a:r>
+            <a:r>
+              <a:rPr lang="he-IL" dirty="0"/>
+              <a:t> הכי פחות חשוב ומריצים שוב </a:t>
+            </a:r>
+            <a:r>
+              <a:rPr lang="en-US" dirty="0"/>
+              <a:t>model</a:t>
+            </a:r>
+            <a:endParaRPr lang="he-IL" dirty="0"/>
+          </a:p>
+          <a:p>
+            <a:pPr lvl="2"/>
+            <a:r>
+              <a:rPr lang="he-IL" dirty="0"/>
+              <a:t>אם ה </a:t>
+            </a:r>
+            <a:r>
+              <a:rPr lang="en-US" dirty="0"/>
+              <a:t>score</a:t>
+            </a:r>
+            <a:r>
+              <a:rPr lang="he-IL" dirty="0"/>
+              <a:t> ירד -&gt; נשמור את ה </a:t>
+            </a:r>
+            <a:r>
+              <a:rPr lang="en-US" dirty="0"/>
+              <a:t>feature</a:t>
+            </a:r>
+            <a:r>
+              <a:rPr lang="he-IL" dirty="0"/>
+              <a:t> אחרת נזרוק</a:t>
+            </a:r>
+          </a:p>
+          <a:p>
+            <a:pPr lvl="1"/>
+            <a:r>
+              <a:rPr lang="he-IL" dirty="0"/>
+              <a:t>נמשיך עד אשר נעבור על כל ה </a:t>
+            </a:r>
+            <a:r>
+              <a:rPr lang="en-US" dirty="0"/>
+              <a:t>feature</a:t>
+            </a:r>
+            <a:r>
+              <a:rPr lang="he-IL" dirty="0"/>
+              <a:t>ים	</a:t>
+            </a:r>
+          </a:p>
+          <a:p>
+            <a:pPr lvl="1"/>
+            <a:r>
+              <a:rPr lang="he-IL" dirty="0"/>
+              <a:t>בניגוד ל </a:t>
+            </a:r>
+            <a:r>
+              <a:rPr lang="en-US" dirty="0"/>
+              <a:t>SBS</a:t>
+            </a:r>
+            <a:r>
+              <a:rPr lang="he-IL" dirty="0"/>
+              <a:t>, כאן המודל מספק </a:t>
+            </a:r>
+            <a:r>
+              <a:rPr lang="en-US" dirty="0"/>
+              <a:t>importance</a:t>
+            </a:r>
+            <a:r>
+              <a:rPr lang="he-IL" dirty="0"/>
+              <a:t> ו </a:t>
+            </a:r>
+            <a:r>
+              <a:rPr lang="en-US" dirty="0"/>
+              <a:t>score</a:t>
+            </a:r>
+            <a:r>
+              <a:rPr lang="he-IL" dirty="0"/>
+              <a:t> ביחד</a:t>
+            </a:r>
+          </a:p>
+          <a:p>
+            <a:r>
+              <a:rPr lang="en-US" dirty="0"/>
+              <a:t>Recursive Feature Addition</a:t>
+            </a:r>
+            <a:endParaRPr lang="he-IL" dirty="0"/>
+          </a:p>
+          <a:p>
+            <a:pPr lvl="1"/>
+            <a:r>
+              <a:rPr lang="he-IL" dirty="0"/>
+              <a:t>בניגוד ל </a:t>
+            </a:r>
+            <a:r>
+              <a:rPr lang="en-US" dirty="0"/>
+              <a:t>SFS</a:t>
+            </a:r>
+            <a:r>
+              <a:rPr lang="he-IL" dirty="0"/>
+              <a:t> (שכל פעם בוחר מאפיין ובודק תוצאה עם השאר)</a:t>
+            </a:r>
+          </a:p>
+          <a:p>
+            <a:pPr lvl="1"/>
+            <a:r>
+              <a:rPr lang="he-IL" dirty="0"/>
+              <a:t>פה לפי ה </a:t>
+            </a:r>
+            <a:r>
+              <a:rPr lang="en-US" dirty="0"/>
+              <a:t>importance</a:t>
+            </a:r>
+            <a:r>
+              <a:rPr lang="he-IL" dirty="0"/>
+              <a:t> בוחר</a:t>
+            </a:r>
+          </a:p>
+          <a:p>
+            <a:endParaRPr lang="he-IL" dirty="0"/>
+          </a:p>
+        </p:txBody>
+      </p:sp>
+    </p:spTree>
+    <p:extLst>
+      <p:ext uri="{BB962C8B-B14F-4D97-AF65-F5344CB8AC3E}">
+        <p14:creationId xmlns:p14="http://schemas.microsoft.com/office/powerpoint/2010/main" val="1701955570"/>
+      </p:ext>
+    </p:extLst>
+  </p:cSld>
+  <p:clrMapOvr>
+    <a:masterClrMapping/>
+  </p:clrMapOvr>
+</p:sld>
+</file>
+
+<file path=ppt/slides/slide11.xml><?xml version="1.0" encoding="utf-8"?>
+<p:sld xmlns:a="http://schemas.openxmlformats.org/drawingml/2006/main" xmlns:r="http://schemas.openxmlformats.org/officeDocument/2006/relationships" xmlns:p="http://schemas.openxmlformats.org/presentationml/2006/main">
+  <p:cSld>
+    <p:spTree>
+      <p:nvGrpSpPr>
+        <p:cNvPr id="1" name=""/>
+        <p:cNvGrpSpPr/>
+        <p:nvPr/>
+      </p:nvGrpSpPr>
+      <p:grpSpPr>
+        <a:xfrm>
+          <a:off x="0" y="0"/>
+          <a:ext cx="0" cy="0"/>
+          <a:chOff x="0" y="0"/>
+          <a:chExt cx="0" cy="0"/>
+        </a:xfrm>
+      </p:grpSpPr>
+      <p:sp>
+        <p:nvSpPr>
+          <p:cNvPr id="2" name="כותרת 1">
+            <a:extLst>
+              <a:ext uri="{FF2B5EF4-FFF2-40B4-BE49-F238E27FC236}">
                 <a16:creationId xmlns:a16="http://schemas.microsoft.com/office/drawing/2014/main" id="{EEB0B681-781F-4023-962E-8A480327E549}"/>
               </a:ext>
             </a:extLst>
@@ -3796,90 +4123,6 @@
 </p:sld>
 </file>
 
-<file path=ppt/slides/slide11.xml><?xml version="1.0" encoding="utf-8"?>
-<p:sld xmlns:a="http://schemas.openxmlformats.org/drawingml/2006/main" xmlns:r="http://schemas.openxmlformats.org/officeDocument/2006/relationships" xmlns:p="http://schemas.openxmlformats.org/presentationml/2006/main">
-  <p:cSld>
-    <p:spTree>
-      <p:nvGrpSpPr>
-        <p:cNvPr id="1" name=""/>
-        <p:cNvGrpSpPr/>
-        <p:nvPr/>
-      </p:nvGrpSpPr>
-      <p:grpSpPr>
-        <a:xfrm>
-          <a:off x="0" y="0"/>
-          <a:ext cx="0" cy="0"/>
-          <a:chOff x="0" y="0"/>
-          <a:chExt cx="0" cy="0"/>
-        </a:xfrm>
-      </p:grpSpPr>
-      <p:sp>
-        <p:nvSpPr>
-          <p:cNvPr id="2" name="כותרת 1">
-            <a:extLst>
-              <a:ext uri="{FF2B5EF4-FFF2-40B4-BE49-F238E27FC236}">
-                <a16:creationId xmlns:a16="http://schemas.microsoft.com/office/drawing/2014/main" id="{12C43150-B25E-4D0E-BDF4-635BEFD8EF18}"/>
-              </a:ext>
-            </a:extLst>
-          </p:cNvPr>
-          <p:cNvSpPr>
-            <a:spLocks noGrp="1"/>
-          </p:cNvSpPr>
-          <p:nvPr>
-            <p:ph type="ctrTitle"/>
-          </p:nvPr>
-        </p:nvSpPr>
-        <p:spPr/>
-        <p:txBody>
-          <a:bodyPr/>
-          <a:lstStyle/>
-          <a:p>
-            <a:r>
-              <a:rPr lang="en-US" dirty="0"/>
-              <a:t>Discretization</a:t>
-            </a:r>
-            <a:endParaRPr lang="he-IL" dirty="0"/>
-          </a:p>
-        </p:txBody>
-      </p:sp>
-      <p:sp>
-        <p:nvSpPr>
-          <p:cNvPr id="3" name="כותרת משנה 2">
-            <a:extLst>
-              <a:ext uri="{FF2B5EF4-FFF2-40B4-BE49-F238E27FC236}">
-                <a16:creationId xmlns:a16="http://schemas.microsoft.com/office/drawing/2014/main" id="{686F7E77-CF92-46E1-B497-C07D9D641FF9}"/>
-              </a:ext>
-            </a:extLst>
-          </p:cNvPr>
-          <p:cNvSpPr>
-            <a:spLocks noGrp="1"/>
-          </p:cNvSpPr>
-          <p:nvPr>
-            <p:ph type="subTitle" idx="1"/>
-          </p:nvPr>
-        </p:nvSpPr>
-        <p:spPr/>
-        <p:txBody>
-          <a:bodyPr/>
-          <a:lstStyle/>
-          <a:p>
-            <a:endParaRPr lang="he-IL"/>
-          </a:p>
-        </p:txBody>
-      </p:sp>
-    </p:spTree>
-    <p:extLst>
-      <p:ext uri="{BB962C8B-B14F-4D97-AF65-F5344CB8AC3E}">
-        <p14:creationId xmlns:p14="http://schemas.microsoft.com/office/powerpoint/2010/main" val="982341496"/>
-      </p:ext>
-    </p:extLst>
-  </p:cSld>
-  <p:clrMapOvr>
-    <a:masterClrMapping/>
-  </p:clrMapOvr>
-</p:sld>
-</file>
-
 <file path=ppt/slides/slide12.xml><?xml version="1.0" encoding="utf-8"?>
 <p:sld xmlns:a="http://schemas.openxmlformats.org/drawingml/2006/main" xmlns:r="http://schemas.openxmlformats.org/officeDocument/2006/relationships" xmlns:p="http://schemas.openxmlformats.org/presentationml/2006/main">
   <p:cSld>
@@ -3902,15 +4145,15 @@
           <p:cNvPr id="2" name="כותרת 1">
             <a:extLst>
               <a:ext uri="{FF2B5EF4-FFF2-40B4-BE49-F238E27FC236}">
-                <a16:creationId xmlns:a16="http://schemas.microsoft.com/office/drawing/2014/main" id="{2BC1A9AD-9E19-491F-AF62-BA5A076406F5}"/>
-              </a:ext>
-            </a:extLst>
-          </p:cNvPr>
-          <p:cNvSpPr>
-            <a:spLocks noGrp="1"/>
-          </p:cNvSpPr>
-          <p:nvPr>
-            <p:ph type="title"/>
+                <a16:creationId xmlns:a16="http://schemas.microsoft.com/office/drawing/2014/main" id="{12C43150-B25E-4D0E-BDF4-635BEFD8EF18}"/>
+              </a:ext>
+            </a:extLst>
+          </p:cNvPr>
+          <p:cNvSpPr>
+            <a:spLocks noGrp="1"/>
+          </p:cNvSpPr>
+          <p:nvPr>
+            <p:ph type="ctrTitle"/>
           </p:nvPr>
         </p:nvSpPr>
         <p:spPr/>
@@ -3922,35 +4165,24 @@
               <a:rPr lang="en-US" dirty="0"/>
               <a:t>Discretization</a:t>
             </a:r>
-            <a:r>
-              <a:rPr lang="he-IL" dirty="0"/>
-              <a:t> (נכון בבעיות </a:t>
-            </a:r>
-            <a:r>
-              <a:rPr lang="en-US" dirty="0" err="1"/>
-              <a:t>classifcation</a:t>
-            </a:r>
-            <a:r>
-              <a:rPr lang="he-IL" dirty="0"/>
-              <a:t>)</a:t>
-            </a:r>
-          </a:p>
-        </p:txBody>
-      </p:sp>
-      <p:sp>
-        <p:nvSpPr>
-          <p:cNvPr id="3" name="מציין מיקום תוכן 2">
-            <a:extLst>
-              <a:ext uri="{FF2B5EF4-FFF2-40B4-BE49-F238E27FC236}">
-                <a16:creationId xmlns:a16="http://schemas.microsoft.com/office/drawing/2014/main" id="{8EB8E186-549D-47BF-8B4C-614E6C38F188}"/>
-              </a:ext>
-            </a:extLst>
-          </p:cNvPr>
-          <p:cNvSpPr>
-            <a:spLocks noGrp="1"/>
-          </p:cNvSpPr>
-          <p:nvPr>
-            <p:ph idx="1"/>
+            <a:endParaRPr lang="he-IL" dirty="0"/>
+          </a:p>
+        </p:txBody>
+      </p:sp>
+      <p:sp>
+        <p:nvSpPr>
+          <p:cNvPr id="3" name="כותרת משנה 2">
+            <a:extLst>
+              <a:ext uri="{FF2B5EF4-FFF2-40B4-BE49-F238E27FC236}">
+                <a16:creationId xmlns:a16="http://schemas.microsoft.com/office/drawing/2014/main" id="{686F7E77-CF92-46E1-B497-C07D9D641FF9}"/>
+              </a:ext>
+            </a:extLst>
+          </p:cNvPr>
+          <p:cNvSpPr>
+            <a:spLocks noGrp="1"/>
+          </p:cNvSpPr>
+          <p:nvPr>
+            <p:ph type="subTitle" idx="1"/>
           </p:nvPr>
         </p:nvSpPr>
         <p:spPr/>
@@ -3958,44 +4190,14 @@
           <a:bodyPr/>
           <a:lstStyle/>
           <a:p>
-            <a:r>
-              <a:rPr lang="he-IL" dirty="0"/>
-              <a:t>מעבר לערכים בדידים (במקום רציפים)</a:t>
-            </a:r>
-          </a:p>
-          <a:p>
-            <a:r>
-              <a:rPr lang="he-IL" dirty="0"/>
-              <a:t>שיפור ביצועים</a:t>
-            </a:r>
-          </a:p>
-          <a:p>
-            <a:r>
-              <a:rPr lang="he-IL" dirty="0"/>
-              <a:t>קשה להחליט מאיזו נקודה עשרונית לבצע את חלקות הקבוצות</a:t>
-            </a:r>
-          </a:p>
-          <a:p>
-            <a:r>
-              <a:rPr lang="he-IL" dirty="0"/>
-              <a:t>שיטה </a:t>
-            </a:r>
-            <a:r>
-              <a:rPr lang="en-US" dirty="0"/>
-              <a:t>EWD - Equal Width </a:t>
-            </a:r>
-            <a:r>
-              <a:rPr lang="en-US" dirty="0" err="1"/>
-              <a:t>Discretiztion</a:t>
-            </a:r>
-            <a:endParaRPr lang="he-IL" dirty="0"/>
+            <a:endParaRPr lang="he-IL"/>
           </a:p>
         </p:txBody>
       </p:sp>
     </p:spTree>
     <p:extLst>
       <p:ext uri="{BB962C8B-B14F-4D97-AF65-F5344CB8AC3E}">
-        <p14:creationId xmlns:p14="http://schemas.microsoft.com/office/powerpoint/2010/main" val="128172501"/>
+        <p14:creationId xmlns:p14="http://schemas.microsoft.com/office/powerpoint/2010/main" val="982341496"/>
       </p:ext>
     </p:extLst>
   </p:cSld>
@@ -4027,7 +4229,7 @@
           <p:cNvPr id="2" name="כותרת 1">
             <a:extLst>
               <a:ext uri="{FF2B5EF4-FFF2-40B4-BE49-F238E27FC236}">
-                <a16:creationId xmlns:a16="http://schemas.microsoft.com/office/drawing/2014/main" id="{A52B7D8E-21EC-470E-A7BF-6A86AFAB0E58}"/>
+                <a16:creationId xmlns:a16="http://schemas.microsoft.com/office/drawing/2014/main" id="{2BC1A9AD-9E19-491F-AF62-BA5A076406F5}"/>
               </a:ext>
             </a:extLst>
           </p:cNvPr>
@@ -4045,143 +4247,82 @@
           <a:p>
             <a:r>
               <a:rPr lang="en-US" dirty="0"/>
-              <a:t>Feature Extraction</a:t>
+              <a:t>Discretization</a:t>
+            </a:r>
+            <a:r>
+              <a:rPr lang="he-IL" dirty="0"/>
+              <a:t> (נכון בבעיות </a:t>
+            </a:r>
+            <a:r>
+              <a:rPr lang="en-US" dirty="0" err="1"/>
+              <a:t>classifcation</a:t>
+            </a:r>
+            <a:r>
+              <a:rPr lang="he-IL" dirty="0"/>
+              <a:t>)</a:t>
+            </a:r>
+          </a:p>
+        </p:txBody>
+      </p:sp>
+      <p:sp>
+        <p:nvSpPr>
+          <p:cNvPr id="3" name="מציין מיקום תוכן 2">
+            <a:extLst>
+              <a:ext uri="{FF2B5EF4-FFF2-40B4-BE49-F238E27FC236}">
+                <a16:creationId xmlns:a16="http://schemas.microsoft.com/office/drawing/2014/main" id="{8EB8E186-549D-47BF-8B4C-614E6C38F188}"/>
+              </a:ext>
+            </a:extLst>
+          </p:cNvPr>
+          <p:cNvSpPr>
+            <a:spLocks noGrp="1"/>
+          </p:cNvSpPr>
+          <p:nvPr>
+            <p:ph idx="1"/>
+          </p:nvPr>
+        </p:nvSpPr>
+        <p:spPr/>
+        <p:txBody>
+          <a:bodyPr/>
+          <a:lstStyle/>
+          <a:p>
+            <a:r>
+              <a:rPr lang="he-IL" dirty="0"/>
+              <a:t>מעבר לערכים בדידים (במקום רציפים)</a:t>
+            </a:r>
+          </a:p>
+          <a:p>
+            <a:r>
+              <a:rPr lang="he-IL" dirty="0"/>
+              <a:t>שיפור ביצועים</a:t>
+            </a:r>
+          </a:p>
+          <a:p>
+            <a:r>
+              <a:rPr lang="he-IL" dirty="0"/>
+              <a:t>קשה להחליט מאיזו נקודה עשרונית לבצע את חלקות הקבוצות</a:t>
+            </a:r>
+          </a:p>
+          <a:p>
+            <a:r>
+              <a:rPr lang="he-IL" dirty="0"/>
+              <a:t>שיטה </a:t>
+            </a:r>
+            <a:r>
+              <a:rPr lang="en-US" dirty="0"/>
+              <a:t>EWD - Equal Width </a:t>
+            </a:r>
+            <a:r>
+              <a:rPr lang="en-US" dirty="0" err="1"/>
+              <a:t>Discretiztion</a:t>
             </a:r>
             <a:endParaRPr lang="he-IL" dirty="0"/>
-          </a:p>
-        </p:txBody>
-      </p:sp>
-      <p:sp>
-        <p:nvSpPr>
-          <p:cNvPr id="3" name="מציין מיקום תוכן 2">
-            <a:extLst>
-              <a:ext uri="{FF2B5EF4-FFF2-40B4-BE49-F238E27FC236}">
-                <a16:creationId xmlns:a16="http://schemas.microsoft.com/office/drawing/2014/main" id="{2F31AA13-BC0F-40A5-A9CA-93726CC322E6}"/>
-              </a:ext>
-            </a:extLst>
-          </p:cNvPr>
-          <p:cNvSpPr>
-            <a:spLocks noGrp="1"/>
-          </p:cNvSpPr>
-          <p:nvPr>
-            <p:ph idx="1"/>
-          </p:nvPr>
-        </p:nvSpPr>
-        <p:spPr>
-          <a:xfrm>
-            <a:off x="838200" y="1864954"/>
-            <a:ext cx="10515600" cy="4351338"/>
-          </a:xfrm>
-        </p:spPr>
-        <p:txBody>
-          <a:bodyPr/>
-          <a:lstStyle/>
-          <a:p>
-            <a:r>
-              <a:rPr lang="he-IL" dirty="0"/>
-              <a:t>יצירת מאפיינים חדשים (קטנים במספר מהמאפיינים המקוריים)</a:t>
-            </a:r>
-          </a:p>
-          <a:p>
-            <a:r>
-              <a:rPr lang="he-IL" dirty="0"/>
-              <a:t>ישנם מספר שיטות, דוגמא שימוש בשיטת </a:t>
-            </a:r>
-            <a:r>
-              <a:rPr lang="en-US"/>
-              <a:t>LDA</a:t>
-            </a:r>
-            <a:endParaRPr lang="he-IL" dirty="0"/>
-          </a:p>
-          <a:p>
-            <a:pPr lvl="1"/>
-            <a:r>
-              <a:rPr lang="he-IL" dirty="0"/>
-              <a:t>אלג’ </a:t>
-            </a:r>
-            <a:r>
-              <a:rPr lang="en-US" dirty="0"/>
-              <a:t> Unsupervised learning</a:t>
-            </a:r>
-            <a:r>
-              <a:rPr lang="he-IL" dirty="0"/>
-              <a:t> המוריד </a:t>
-            </a:r>
-            <a:r>
-              <a:rPr lang="he-IL" dirty="0" err="1"/>
-              <a:t>למימד</a:t>
-            </a:r>
-            <a:r>
-              <a:rPr lang="he-IL" dirty="0"/>
-              <a:t> קטן יותר (</a:t>
-            </a:r>
-            <a:r>
-              <a:rPr lang="he-IL" dirty="0" err="1"/>
-              <a:t>המימד</a:t>
-            </a:r>
-            <a:r>
-              <a:rPr lang="he-IL" dirty="0"/>
-              <a:t> לא ידוע).</a:t>
-            </a:r>
-          </a:p>
-          <a:p>
-            <a:pPr lvl="1"/>
-            <a:r>
-              <a:rPr lang="he-IL" dirty="0" err="1"/>
-              <a:t>האלג</a:t>
-            </a:r>
-            <a:r>
-              <a:rPr lang="he-IL" dirty="0"/>
-              <a:t>' משתמש בשונות של כל מאפיין ומכייל מחדש את השונות.</a:t>
-            </a:r>
-          </a:p>
-          <a:p>
-            <a:pPr lvl="2"/>
-            <a:r>
-              <a:rPr lang="he-IL" dirty="0"/>
-              <a:t>דוגמא: מספר דלתות לרכב (4 / 6) -&gt; הורדה ל 4 גלגלים לכל הרכבים.</a:t>
-            </a:r>
-          </a:p>
-          <a:p>
-            <a:pPr lvl="1"/>
-            <a:r>
-              <a:rPr lang="he-IL" dirty="0" err="1"/>
-              <a:t>האלג</a:t>
-            </a:r>
-            <a:r>
-              <a:rPr lang="he-IL" dirty="0"/>
-              <a:t>' שומר על השונות של מאפיינות בעלי שונות גבוהה</a:t>
-            </a:r>
-          </a:p>
-          <a:p>
-            <a:pPr lvl="1"/>
-            <a:r>
-              <a:rPr lang="he-IL" dirty="0"/>
-              <a:t>מבצעים הטלה למערכת צירים </a:t>
-            </a:r>
-            <a:r>
-              <a:rPr lang="he-IL" dirty="0" err="1"/>
-              <a:t>אורטוגונלית</a:t>
-            </a:r>
-            <a:r>
-              <a:rPr lang="he-IL" dirty="0"/>
-              <a:t> (</a:t>
-            </a:r>
-            <a:r>
-              <a:rPr lang="he-IL" dirty="0" err="1"/>
-              <a:t>מימד</a:t>
-            </a:r>
-            <a:r>
-              <a:rPr lang="he-IL" dirty="0"/>
-              <a:t> קטן אחר)</a:t>
-            </a:r>
           </a:p>
         </p:txBody>
       </p:sp>
     </p:spTree>
     <p:extLst>
       <p:ext uri="{BB962C8B-B14F-4D97-AF65-F5344CB8AC3E}">
-        <p14:creationId xmlns:p14="http://schemas.microsoft.com/office/powerpoint/2010/main" val="1502696528"/>
+        <p14:creationId xmlns:p14="http://schemas.microsoft.com/office/powerpoint/2010/main" val="128172501"/>
       </p:ext>
     </p:extLst>
   </p:cSld>
@@ -4213,7 +4354,7 @@
           <p:cNvPr id="2" name="כותרת 1">
             <a:extLst>
               <a:ext uri="{FF2B5EF4-FFF2-40B4-BE49-F238E27FC236}">
-                <a16:creationId xmlns:a16="http://schemas.microsoft.com/office/drawing/2014/main" id="{3486240C-977A-4EEE-BED3-3342583CD8DF}"/>
+                <a16:creationId xmlns:a16="http://schemas.microsoft.com/office/drawing/2014/main" id="{A52B7D8E-21EC-470E-A7BF-6A86AFAB0E58}"/>
               </a:ext>
             </a:extLst>
           </p:cNvPr>
@@ -4231,7 +4372,7 @@
           <a:p>
             <a:r>
               <a:rPr lang="en-US" dirty="0"/>
-              <a:t>Feature Engineering</a:t>
+              <a:t>Feature Extraction</a:t>
             </a:r>
             <a:endParaRPr lang="he-IL" dirty="0"/>
           </a:p>
@@ -4242,7 +4383,7 @@
           <p:cNvPr id="3" name="מציין מיקום תוכן 2">
             <a:extLst>
               <a:ext uri="{FF2B5EF4-FFF2-40B4-BE49-F238E27FC236}">
-                <a16:creationId xmlns:a16="http://schemas.microsoft.com/office/drawing/2014/main" id="{0CD0EFB5-C4CA-43D2-9FD5-45497940C413}"/>
+                <a16:creationId xmlns:a16="http://schemas.microsoft.com/office/drawing/2014/main" id="{2F31AA13-BC0F-40A5-A9CA-93726CC322E6}"/>
               </a:ext>
             </a:extLst>
           </p:cNvPr>
@@ -4253,75 +4394,121 @@
             <p:ph idx="1"/>
           </p:nvPr>
         </p:nvSpPr>
-        <p:spPr/>
+        <p:spPr>
+          <a:xfrm>
+            <a:off x="838200" y="1864954"/>
+            <a:ext cx="10515600" cy="4351338"/>
+          </a:xfrm>
+        </p:spPr>
         <p:txBody>
           <a:bodyPr/>
           <a:lstStyle/>
           <a:p>
             <a:r>
               <a:rPr lang="he-IL" dirty="0"/>
-              <a:t>המרת </a:t>
-            </a:r>
-            <a:r>
-              <a:rPr lang="en-US" dirty="0"/>
-              <a:t>Raw Data</a:t>
-            </a:r>
-            <a:r>
-              <a:rPr lang="he-IL" dirty="0"/>
-              <a:t> למאפיינים שמתאימים למודול</a:t>
-            </a:r>
-          </a:p>
-          <a:p>
-            <a:r>
-              <a:rPr lang="he-IL" dirty="0"/>
-              <a:t>דוגמאות:</a:t>
-            </a:r>
-          </a:p>
-          <a:p>
-            <a:pPr lvl="1"/>
-            <a:r>
-              <a:rPr lang="en-US" dirty="0"/>
-              <a:t>CNN (convolutional neural network)</a:t>
+              <a:t>יצירת מאפיינים חדשים (קטנים במספר מהמאפיינים המקוריים)</a:t>
+            </a:r>
+          </a:p>
+          <a:p>
+            <a:r>
+              <a:rPr lang="he-IL" dirty="0"/>
+              <a:t>ישנם מספר שיטות, דוגמא שימוש בשיטת </a:t>
+            </a:r>
+            <a:r>
+              <a:rPr lang="en-US"/>
+              <a:t>LDA</a:t>
             </a:r>
             <a:endParaRPr lang="he-IL" dirty="0"/>
           </a:p>
           <a:p>
+            <a:pPr lvl="1"/>
+            <a:r>
+              <a:rPr lang="he-IL" dirty="0"/>
+              <a:t>אלג’ </a:t>
+            </a:r>
+            <a:r>
+              <a:rPr lang="en-US" dirty="0"/>
+              <a:t> Unsupervised learning</a:t>
+            </a:r>
+            <a:r>
+              <a:rPr lang="he-IL" dirty="0"/>
+              <a:t> המוריד </a:t>
+            </a:r>
+            <a:r>
+              <a:rPr lang="he-IL" dirty="0" err="1"/>
+              <a:t>למימד</a:t>
+            </a:r>
+            <a:r>
+              <a:rPr lang="he-IL" dirty="0"/>
+              <a:t> קטן יותר (</a:t>
+            </a:r>
+            <a:r>
+              <a:rPr lang="he-IL" dirty="0" err="1"/>
+              <a:t>המימד</a:t>
+            </a:r>
+            <a:r>
+              <a:rPr lang="he-IL" dirty="0"/>
+              <a:t> לא ידוע).</a:t>
+            </a:r>
+          </a:p>
+          <a:p>
+            <a:pPr lvl="1"/>
+            <a:r>
+              <a:rPr lang="he-IL" dirty="0" err="1"/>
+              <a:t>האלג</a:t>
+            </a:r>
+            <a:r>
+              <a:rPr lang="he-IL" dirty="0"/>
+              <a:t>' משתמש בשונות של כל מאפיין ומכייל מחדש את השונות.</a:t>
+            </a:r>
+          </a:p>
+          <a:p>
             <a:pPr lvl="2"/>
             <a:r>
+              <a:rPr lang="he-IL" dirty="0"/>
+              <a:t>דוגמא: מספר דלתות לרכב (4 / 6) -&gt; הורדה ל 4 גלגלים לכל הרכבים.</a:t>
+            </a:r>
+          </a:p>
+          <a:p>
+            <a:pPr lvl="1"/>
+            <a:r>
               <a:rPr lang="he-IL" dirty="0" err="1"/>
-              <a:t>קונובולוציות</a:t>
-            </a:r>
-            <a:r>
-              <a:rPr lang="he-IL" dirty="0"/>
-              <a:t> ל </a:t>
-            </a:r>
-            <a:r>
-              <a:rPr lang="en-US" dirty="0"/>
-              <a:t>edge / shape </a:t>
-            </a:r>
-            <a:r>
-              <a:rPr lang="en-US" dirty="0" err="1"/>
-              <a:t>detecition</a:t>
-            </a:r>
-            <a:r>
-              <a:rPr lang="he-IL" dirty="0"/>
-              <a:t>.</a:t>
-            </a:r>
-          </a:p>
-          <a:p>
-            <a:pPr lvl="1"/>
-            <a:r>
-              <a:rPr lang="en-US" dirty="0"/>
-              <a:t>Word2Vec</a:t>
-            </a:r>
-            <a:endParaRPr lang="he-IL" dirty="0"/>
+              <a:t>האלג</a:t>
+            </a:r>
+            <a:r>
+              <a:rPr lang="he-IL" dirty="0"/>
+              <a:t>' שומר על השונות של מאפיינות בעלי שונות גבוהה</a:t>
+            </a:r>
+          </a:p>
+          <a:p>
+            <a:pPr lvl="1"/>
+            <a:r>
+              <a:rPr lang="he-IL" dirty="0"/>
+              <a:t>מבצעים הטלה למערכת צירים </a:t>
+            </a:r>
+            <a:r>
+              <a:rPr lang="he-IL" dirty="0" err="1"/>
+              <a:t>אורטוגונלית</a:t>
+            </a:r>
+            <a:r>
+              <a:rPr lang="he-IL" dirty="0"/>
+              <a:t> (</a:t>
+            </a:r>
+            <a:r>
+              <a:rPr lang="he-IL" dirty="0" err="1"/>
+              <a:t>מימד</a:t>
+            </a:r>
+            <a:r>
+              <a:rPr lang="he-IL" dirty="0"/>
+              <a:t> קטן אחר)</a:t>
+            </a:r>
           </a:p>
         </p:txBody>
       </p:sp>
     </p:spTree>
     <p:extLst>
       <p:ext uri="{BB962C8B-B14F-4D97-AF65-F5344CB8AC3E}">
-        <p14:creationId xmlns:p14="http://schemas.microsoft.com/office/powerpoint/2010/main" val="2909546048"/>
+        <p14:creationId xmlns:p14="http://schemas.microsoft.com/office/powerpoint/2010/main" val="1502696528"/>
       </p:ext>
     </p:extLst>
   </p:cSld>
@@ -4353,15 +4540,15 @@
           <p:cNvPr id="2" name="כותרת 1">
             <a:extLst>
               <a:ext uri="{FF2B5EF4-FFF2-40B4-BE49-F238E27FC236}">
-                <a16:creationId xmlns:a16="http://schemas.microsoft.com/office/drawing/2014/main" id="{12C43150-B25E-4D0E-BDF4-635BEFD8EF18}"/>
-              </a:ext>
-            </a:extLst>
-          </p:cNvPr>
-          <p:cNvSpPr>
-            <a:spLocks noGrp="1"/>
-          </p:cNvSpPr>
-          <p:nvPr>
-            <p:ph type="ctrTitle"/>
+                <a16:creationId xmlns:a16="http://schemas.microsoft.com/office/drawing/2014/main" id="{3486240C-977A-4EEE-BED3-3342583CD8DF}"/>
+              </a:ext>
+            </a:extLst>
+          </p:cNvPr>
+          <p:cNvSpPr>
+            <a:spLocks noGrp="1"/>
+          </p:cNvSpPr>
+          <p:nvPr>
+            <p:ph type="title"/>
           </p:nvPr>
         </p:nvSpPr>
         <p:spPr/>
@@ -4370,42 +4557,98 @@
           <a:lstStyle/>
           <a:p>
             <a:r>
+              <a:rPr lang="en-US" dirty="0"/>
+              <a:t>Feature Engineering</a:t>
+            </a:r>
+            <a:endParaRPr lang="he-IL" dirty="0"/>
+          </a:p>
+        </p:txBody>
+      </p:sp>
+      <p:sp>
+        <p:nvSpPr>
+          <p:cNvPr id="3" name="מציין מיקום תוכן 2">
+            <a:extLst>
+              <a:ext uri="{FF2B5EF4-FFF2-40B4-BE49-F238E27FC236}">
+                <a16:creationId xmlns:a16="http://schemas.microsoft.com/office/drawing/2014/main" id="{0CD0EFB5-C4CA-43D2-9FD5-45497940C413}"/>
+              </a:ext>
+            </a:extLst>
+          </p:cNvPr>
+          <p:cNvSpPr>
+            <a:spLocks noGrp="1"/>
+          </p:cNvSpPr>
+          <p:nvPr>
+            <p:ph idx="1"/>
+          </p:nvPr>
+        </p:nvSpPr>
+        <p:spPr/>
+        <p:txBody>
+          <a:bodyPr/>
+          <a:lstStyle/>
+          <a:p>
+            <a:r>
+              <a:rPr lang="he-IL" dirty="0"/>
+              <a:t>המרת </a:t>
+            </a:r>
+            <a:r>
+              <a:rPr lang="en-US" dirty="0"/>
+              <a:t>Raw Data</a:t>
+            </a:r>
+            <a:r>
+              <a:rPr lang="he-IL" dirty="0"/>
+              <a:t> למאפיינים שמתאימים למודול</a:t>
+            </a:r>
+          </a:p>
+          <a:p>
+            <a:r>
+              <a:rPr lang="he-IL" dirty="0"/>
+              <a:t>דוגמאות:</a:t>
+            </a:r>
+          </a:p>
+          <a:p>
+            <a:pPr lvl="1"/>
+            <a:r>
+              <a:rPr lang="en-US" dirty="0"/>
+              <a:t>CNN (convolutional neural network)</a:t>
+            </a:r>
+            <a:endParaRPr lang="he-IL" dirty="0"/>
+          </a:p>
+          <a:p>
+            <a:pPr lvl="2"/>
+            <a:r>
+              <a:rPr lang="he-IL" dirty="0" err="1"/>
+              <a:t>קונובולוציות</a:t>
+            </a:r>
+            <a:r>
+              <a:rPr lang="he-IL" dirty="0"/>
+              <a:t> ל </a:t>
+            </a:r>
+            <a:r>
+              <a:rPr lang="en-US" dirty="0"/>
+              <a:t>edge / shape </a:t>
+            </a:r>
+            <a:r>
               <a:rPr lang="en-US" dirty="0" err="1"/>
-              <a:t>sklearn</a:t>
+              <a:t>detecition</a:t>
+            </a:r>
+            <a:r>
+              <a:rPr lang="he-IL" dirty="0"/>
+              <a:t>.</a:t>
+            </a:r>
+          </a:p>
+          <a:p>
+            <a:pPr lvl="1"/>
+            <a:r>
+              <a:rPr lang="en-US" dirty="0"/>
+              <a:t>Word2Vec</a:t>
             </a:r>
             <a:endParaRPr lang="he-IL" dirty="0"/>
-          </a:p>
-        </p:txBody>
-      </p:sp>
-      <p:sp>
-        <p:nvSpPr>
-          <p:cNvPr id="3" name="כותרת משנה 2">
-            <a:extLst>
-              <a:ext uri="{FF2B5EF4-FFF2-40B4-BE49-F238E27FC236}">
-                <a16:creationId xmlns:a16="http://schemas.microsoft.com/office/drawing/2014/main" id="{686F7E77-CF92-46E1-B497-C07D9D641FF9}"/>
-              </a:ext>
-            </a:extLst>
-          </p:cNvPr>
-          <p:cNvSpPr>
-            <a:spLocks noGrp="1"/>
-          </p:cNvSpPr>
-          <p:nvPr>
-            <p:ph type="subTitle" idx="1"/>
-          </p:nvPr>
-        </p:nvSpPr>
-        <p:spPr/>
-        <p:txBody>
-          <a:bodyPr/>
-          <a:lstStyle/>
-          <a:p>
-            <a:endParaRPr lang="he-IL"/>
           </a:p>
         </p:txBody>
       </p:sp>
     </p:spTree>
     <p:extLst>
       <p:ext uri="{BB962C8B-B14F-4D97-AF65-F5344CB8AC3E}">
-        <p14:creationId xmlns:p14="http://schemas.microsoft.com/office/powerpoint/2010/main" val="2091960017"/>
+        <p14:creationId xmlns:p14="http://schemas.microsoft.com/office/powerpoint/2010/main" val="2909546048"/>
       </p:ext>
     </p:extLst>
   </p:cSld>
@@ -4437,15 +4680,15 @@
           <p:cNvPr id="2" name="כותרת 1">
             <a:extLst>
               <a:ext uri="{FF2B5EF4-FFF2-40B4-BE49-F238E27FC236}">
-                <a16:creationId xmlns:a16="http://schemas.microsoft.com/office/drawing/2014/main" id="{90005FD2-086E-40DF-822B-68D7E362F02F}"/>
-              </a:ext>
-            </a:extLst>
-          </p:cNvPr>
-          <p:cNvSpPr>
-            <a:spLocks noGrp="1"/>
-          </p:cNvSpPr>
-          <p:nvPr>
-            <p:ph type="title"/>
+                <a16:creationId xmlns:a16="http://schemas.microsoft.com/office/drawing/2014/main" id="{12C43150-B25E-4D0E-BDF4-635BEFD8EF18}"/>
+              </a:ext>
+            </a:extLst>
+          </p:cNvPr>
+          <p:cNvSpPr>
+            <a:spLocks noGrp="1"/>
+          </p:cNvSpPr>
+          <p:nvPr>
+            <p:ph type="ctrTitle"/>
           </p:nvPr>
         </p:nvSpPr>
         <p:spPr/>
@@ -4463,18 +4706,18 @@
       </p:sp>
       <p:sp>
         <p:nvSpPr>
-          <p:cNvPr id="3" name="מציין מיקום תוכן 2">
-            <a:extLst>
-              <a:ext uri="{FF2B5EF4-FFF2-40B4-BE49-F238E27FC236}">
-                <a16:creationId xmlns:a16="http://schemas.microsoft.com/office/drawing/2014/main" id="{BCE417BC-5B65-43A3-94AD-916C61D70A9B}"/>
-              </a:ext>
-            </a:extLst>
-          </p:cNvPr>
-          <p:cNvSpPr>
-            <a:spLocks noGrp="1"/>
-          </p:cNvSpPr>
-          <p:nvPr>
-            <p:ph idx="1"/>
+          <p:cNvPr id="3" name="כותרת משנה 2">
+            <a:extLst>
+              <a:ext uri="{FF2B5EF4-FFF2-40B4-BE49-F238E27FC236}">
+                <a16:creationId xmlns:a16="http://schemas.microsoft.com/office/drawing/2014/main" id="{686F7E77-CF92-46E1-B497-C07D9D641FF9}"/>
+              </a:ext>
+            </a:extLst>
+          </p:cNvPr>
+          <p:cNvSpPr>
+            <a:spLocks noGrp="1"/>
+          </p:cNvSpPr>
+          <p:nvPr>
+            <p:ph type="subTitle" idx="1"/>
           </p:nvPr>
         </p:nvSpPr>
         <p:spPr/>
@@ -4482,136 +4725,14 @@
           <a:bodyPr/>
           <a:lstStyle/>
           <a:p>
-            <a:r>
-              <a:rPr lang="en-US" dirty="0"/>
-              <a:t>Fit()</a:t>
-            </a:r>
-            <a:r>
-              <a:rPr lang="he-IL" dirty="0"/>
-              <a:t> </a:t>
-            </a:r>
-          </a:p>
-          <a:p>
-            <a:pPr lvl="1"/>
-            <a:r>
-              <a:rPr lang="he-IL" dirty="0"/>
-              <a:t>הכנת חישובים לקראת ביצוע.</a:t>
-            </a:r>
-          </a:p>
-          <a:p>
-            <a:pPr lvl="1"/>
-            <a:r>
-              <a:rPr lang="he-IL" dirty="0"/>
-              <a:t>לדוגמא: חישוב </a:t>
-            </a:r>
-            <a:r>
-              <a:rPr lang="en-US" dirty="0"/>
-              <a:t>Mean</a:t>
-            </a:r>
-            <a:r>
-              <a:rPr lang="he-IL" dirty="0"/>
-              <a:t> עבור שימוש מאוחר יותר להחלפת </a:t>
-            </a:r>
-            <a:r>
-              <a:rPr lang="en-US" dirty="0"/>
-              <a:t>NULL</a:t>
-            </a:r>
-          </a:p>
-          <a:p>
-            <a:pPr lvl="1"/>
-            <a:r>
-              <a:rPr lang="he-IL" dirty="0"/>
-              <a:t>דוגמא נוספת: אימון ה </a:t>
-            </a:r>
-            <a:r>
-              <a:rPr lang="en-US" dirty="0"/>
-              <a:t>test data</a:t>
-            </a:r>
-            <a:endParaRPr lang="he-IL" dirty="0"/>
-          </a:p>
-          <a:p>
-            <a:r>
-              <a:rPr lang="en-US" dirty="0"/>
-              <a:t>Transform()</a:t>
-            </a:r>
-            <a:r>
-              <a:rPr lang="he-IL" dirty="0"/>
-              <a:t> </a:t>
-            </a:r>
-          </a:p>
-          <a:p>
-            <a:pPr lvl="1"/>
-            <a:r>
-              <a:rPr lang="he-IL" dirty="0"/>
-              <a:t> ביצוע בפועל של פעולה, שהכנו קודם. </a:t>
-            </a:r>
-          </a:p>
-          <a:p>
-            <a:pPr lvl="1"/>
-            <a:r>
-              <a:rPr lang="he-IL" dirty="0"/>
-              <a:t>לדוגמא: החלפת כל ה </a:t>
-            </a:r>
-            <a:r>
-              <a:rPr lang="en-US" dirty="0"/>
-              <a:t>NULL</a:t>
-            </a:r>
-            <a:r>
-              <a:rPr lang="he-IL" dirty="0"/>
-              <a:t>ים ע"י ערך ה </a:t>
-            </a:r>
-            <a:r>
-              <a:rPr lang="en-US" dirty="0"/>
-              <a:t>mean</a:t>
-            </a:r>
-            <a:r>
-              <a:rPr lang="he-IL" dirty="0"/>
-              <a:t> שחושב ב </a:t>
-            </a:r>
-            <a:r>
-              <a:rPr lang="en-US" dirty="0"/>
-              <a:t>FIT()</a:t>
-            </a:r>
-            <a:endParaRPr lang="he-IL" dirty="0"/>
-          </a:p>
-          <a:p>
-            <a:pPr lvl="1"/>
-            <a:r>
-              <a:rPr lang="he-IL" dirty="0"/>
-              <a:t>ערך חזרה: ערכים מעודכנים </a:t>
-            </a:r>
-          </a:p>
-          <a:p>
-            <a:r>
-              <a:rPr lang="he-IL" dirty="0"/>
-              <a:t> </a:t>
-            </a:r>
-            <a:r>
-              <a:rPr lang="en-US" dirty="0" err="1"/>
-              <a:t>fit_transform</a:t>
-            </a:r>
-            <a:r>
-              <a:rPr lang="en-US" dirty="0"/>
-              <a:t>()</a:t>
-            </a:r>
-            <a:r>
-              <a:rPr lang="he-IL" dirty="0"/>
-              <a:t> </a:t>
-            </a:r>
-          </a:p>
-          <a:p>
-            <a:pPr lvl="1"/>
-            <a:r>
-              <a:rPr lang="he-IL" dirty="0"/>
-              <a:t>ביצוע שתי הפעולות ביחד</a:t>
-            </a:r>
+            <a:endParaRPr lang="he-IL"/>
           </a:p>
         </p:txBody>
       </p:sp>
     </p:spTree>
     <p:extLst>
       <p:ext uri="{BB962C8B-B14F-4D97-AF65-F5344CB8AC3E}">
-        <p14:creationId xmlns:p14="http://schemas.microsoft.com/office/powerpoint/2010/main" val="2753006789"/>
+        <p14:creationId xmlns:p14="http://schemas.microsoft.com/office/powerpoint/2010/main" val="2091960017"/>
       </p:ext>
     </p:extLst>
   </p:cSld>
@@ -4643,7 +4764,7 @@
           <p:cNvPr id="2" name="כותרת 1">
             <a:extLst>
               <a:ext uri="{FF2B5EF4-FFF2-40B4-BE49-F238E27FC236}">
-                <a16:creationId xmlns:a16="http://schemas.microsoft.com/office/drawing/2014/main" id="{E0C18051-C59A-43AC-B8B9-14675043C93A}"/>
+                <a16:creationId xmlns:a16="http://schemas.microsoft.com/office/drawing/2014/main" id="{90005FD2-086E-40DF-822B-68D7E362F02F}"/>
               </a:ext>
             </a:extLst>
           </p:cNvPr>
@@ -4672,7 +4793,7 @@
           <p:cNvPr id="3" name="מציין מיקום תוכן 2">
             <a:extLst>
               <a:ext uri="{FF2B5EF4-FFF2-40B4-BE49-F238E27FC236}">
-                <a16:creationId xmlns:a16="http://schemas.microsoft.com/office/drawing/2014/main" id="{9FA414EA-6318-408D-B824-8B689BF6D3D2}"/>
+                <a16:creationId xmlns:a16="http://schemas.microsoft.com/office/drawing/2014/main" id="{BCE417BC-5B65-43A3-94AD-916C61D70A9B}"/>
               </a:ext>
             </a:extLst>
           </p:cNvPr>
@@ -4689,85 +4810,135 @@
           <a:lstStyle/>
           <a:p>
             <a:r>
+              <a:rPr lang="en-US" dirty="0"/>
+              <a:t>Fit()</a:t>
+            </a:r>
+            <a:r>
+              <a:rPr lang="he-IL" dirty="0"/>
+              <a:t> </a:t>
+            </a:r>
+          </a:p>
+          <a:p>
+            <a:pPr lvl="1"/>
+            <a:r>
+              <a:rPr lang="he-IL" dirty="0"/>
+              <a:t>הכנת חישובים לקראת ביצוע.</a:t>
+            </a:r>
+          </a:p>
+          <a:p>
+            <a:pPr lvl="1"/>
+            <a:r>
+              <a:rPr lang="he-IL" dirty="0"/>
+              <a:t>לדוגמא: חישוב </a:t>
+            </a:r>
+            <a:r>
+              <a:rPr lang="en-US" dirty="0"/>
+              <a:t>Mean</a:t>
+            </a:r>
+            <a:r>
+              <a:rPr lang="he-IL" dirty="0"/>
+              <a:t> עבור שימוש מאוחר יותר להחלפת </a:t>
+            </a:r>
+            <a:r>
+              <a:rPr lang="en-US" dirty="0"/>
+              <a:t>NULL</a:t>
+            </a:r>
+          </a:p>
+          <a:p>
+            <a:pPr lvl="1"/>
+            <a:r>
+              <a:rPr lang="he-IL" dirty="0"/>
+              <a:t>דוגמא נוספת: אימון ה </a:t>
+            </a:r>
+            <a:r>
+              <a:rPr lang="en-US" dirty="0"/>
+              <a:t>test data</a:t>
+            </a:r>
+            <a:endParaRPr lang="he-IL" dirty="0"/>
+          </a:p>
+          <a:p>
+            <a:r>
+              <a:rPr lang="en-US" dirty="0"/>
+              <a:t>Transform()</a:t>
+            </a:r>
+            <a:r>
+              <a:rPr lang="he-IL" dirty="0"/>
+              <a:t> </a:t>
+            </a:r>
+          </a:p>
+          <a:p>
+            <a:pPr lvl="1"/>
+            <a:r>
+              <a:rPr lang="he-IL" dirty="0"/>
+              <a:t> ביצוע בפועל של פעולה, שהכנו קודם. </a:t>
+            </a:r>
+          </a:p>
+          <a:p>
+            <a:pPr lvl="1"/>
+            <a:r>
+              <a:rPr lang="he-IL" dirty="0"/>
+              <a:t>לדוגמא: החלפת כל ה </a:t>
+            </a:r>
+            <a:r>
+              <a:rPr lang="en-US" dirty="0"/>
+              <a:t>NULL</a:t>
+            </a:r>
+            <a:r>
+              <a:rPr lang="he-IL" dirty="0"/>
+              <a:t>ים ע"י ערך ה </a:t>
+            </a:r>
+            <a:r>
+              <a:rPr lang="en-US" dirty="0"/>
+              <a:t>mean</a:t>
+            </a:r>
+            <a:r>
+              <a:rPr lang="he-IL" dirty="0"/>
+              <a:t> שחושב ב </a:t>
+            </a:r>
+            <a:r>
+              <a:rPr lang="en-US" dirty="0"/>
+              <a:t>FIT()</a:t>
+            </a:r>
+            <a:endParaRPr lang="he-IL" dirty="0"/>
+          </a:p>
+          <a:p>
+            <a:pPr lvl="1"/>
+            <a:r>
+              <a:rPr lang="he-IL" dirty="0"/>
+              <a:t>ערך חזרה: ערכים מעודכנים </a:t>
+            </a:r>
+          </a:p>
+          <a:p>
+            <a:r>
+              <a:rPr lang="he-IL" dirty="0"/>
+              <a:t> </a:t>
+            </a:r>
+            <a:r>
               <a:rPr lang="en-US" dirty="0" err="1"/>
-              <a:t>cross_val_score</a:t>
-            </a:r>
-            <a:endParaRPr lang="he-IL" dirty="0"/>
-          </a:p>
-          <a:p>
-            <a:pPr lvl="1"/>
-            <a:r>
-              <a:rPr lang="he-IL" dirty="0"/>
-              <a:t>מספק את תוצאות ה </a:t>
-            </a:r>
-            <a:r>
-              <a:rPr lang="en-US" dirty="0"/>
-              <a:t>SCORE</a:t>
-            </a:r>
-            <a:r>
-              <a:rPr lang="he-IL" dirty="0"/>
-              <a:t> של </a:t>
-            </a:r>
-            <a:r>
-              <a:rPr lang="en-US" dirty="0"/>
-              <a:t>KFOLD</a:t>
-            </a:r>
-          </a:p>
-          <a:p>
-            <a:r>
-              <a:rPr lang="en-US" dirty="0" err="1"/>
-              <a:t>cross_validate</a:t>
-            </a:r>
-            <a:endParaRPr lang="he-IL" dirty="0"/>
-          </a:p>
-          <a:p>
-            <a:pPr lvl="1"/>
-            <a:r>
-              <a:rPr lang="he-IL" dirty="0"/>
-              <a:t>ניתן להכניס מספר פרמטרים לבחינה (סוגי </a:t>
-            </a:r>
-            <a:r>
-              <a:rPr lang="en-US" dirty="0"/>
-              <a:t>score</a:t>
-            </a:r>
-            <a:r>
-              <a:rPr lang="he-IL" dirty="0"/>
-              <a:t>) ולקבל את התוצאות.</a:t>
-            </a:r>
-            <a:endParaRPr lang="en-US" dirty="0"/>
-          </a:p>
-          <a:p>
-            <a:r>
-              <a:rPr lang="en-US" dirty="0" err="1"/>
-              <a:t>cross_val_predict</a:t>
-            </a:r>
-            <a:r>
-              <a:rPr lang="en-US" dirty="0"/>
+              <a:t>fit_transform</a:t>
+            </a:r>
+            <a:r>
+              <a:rPr lang="en-US" dirty="0"/>
+              <a:t>()</a:t>
+            </a:r>
+            <a:r>
+              <a:rPr lang="he-IL" dirty="0"/>
               <a:t> </a:t>
             </a:r>
-            <a:endParaRPr lang="he-IL" dirty="0"/>
-          </a:p>
-          <a:p>
-            <a:pPr lvl="1"/>
-            <a:r>
-              <a:rPr lang="he-IL" dirty="0"/>
-              <a:t>מספק את החיזוי של </a:t>
-            </a:r>
-            <a:r>
-              <a:rPr lang="en-US" dirty="0"/>
-              <a:t>KFOLD</a:t>
-            </a:r>
-          </a:p>
-          <a:p>
-            <a:pPr lvl="1"/>
-            <a:endParaRPr lang="he-IL" dirty="0"/>
+          </a:p>
+          <a:p>
+            <a:pPr lvl="1"/>
+            <a:r>
+              <a:rPr lang="he-IL" dirty="0"/>
+              <a:t>ביצוע שתי הפעולות ביחד</a:t>
+            </a:r>
           </a:p>
         </p:txBody>
       </p:sp>
     </p:spTree>
     <p:extLst>
       <p:ext uri="{BB962C8B-B14F-4D97-AF65-F5344CB8AC3E}">
-        <p14:creationId xmlns:p14="http://schemas.microsoft.com/office/powerpoint/2010/main" val="1210100940"/>
+        <p14:creationId xmlns:p14="http://schemas.microsoft.com/office/powerpoint/2010/main" val="2753006789"/>
       </p:ext>
     </p:extLst>
   </p:cSld>
@@ -4799,7 +4970,7 @@
           <p:cNvPr id="2" name="כותרת 1">
             <a:extLst>
               <a:ext uri="{FF2B5EF4-FFF2-40B4-BE49-F238E27FC236}">
-                <a16:creationId xmlns:a16="http://schemas.microsoft.com/office/drawing/2014/main" id="{B6D04E84-D70E-4F19-962B-30D48FBC491D}"/>
+                <a16:creationId xmlns:a16="http://schemas.microsoft.com/office/drawing/2014/main" id="{E0C18051-C59A-43AC-B8B9-14675043C93A}"/>
               </a:ext>
             </a:extLst>
           </p:cNvPr>
@@ -4815,18 +4986,11 @@
           <a:bodyPr/>
           <a:lstStyle/>
           <a:p>
-            <a:r>
-              <a:rPr lang="he-IL" dirty="0"/>
-              <a:t>תובנות </a:t>
-            </a:r>
             <a:r>
               <a:rPr lang="en-US" dirty="0" err="1"/>
               <a:t>sklearn</a:t>
             </a:r>
-            <a:r>
-              <a:rPr lang="he-IL" dirty="0"/>
-              <a:t>	</a:t>
-            </a:r>
+            <a:endParaRPr lang="he-IL" dirty="0"/>
           </a:p>
         </p:txBody>
       </p:sp>
@@ -4835,7 +4999,7 @@
           <p:cNvPr id="3" name="מציין מיקום תוכן 2">
             <a:extLst>
               <a:ext uri="{FF2B5EF4-FFF2-40B4-BE49-F238E27FC236}">
-                <a16:creationId xmlns:a16="http://schemas.microsoft.com/office/drawing/2014/main" id="{C132CF0B-24E0-4C0D-85E7-8DF7FAE63F98}"/>
+                <a16:creationId xmlns:a16="http://schemas.microsoft.com/office/drawing/2014/main" id="{9FA414EA-6318-408D-B824-8B689BF6D3D2}"/>
               </a:ext>
             </a:extLst>
           </p:cNvPr>
@@ -4852,87 +5016,61 @@
           <a:lstStyle/>
           <a:p>
             <a:r>
-              <a:rPr lang="he-IL" dirty="0"/>
-              <a:t>לדעתי לא כדאי להשתמש ב </a:t>
-            </a:r>
-            <a:r>
-              <a:rPr lang="en-US" dirty="0"/>
-              <a:t>filter model</a:t>
-            </a:r>
-            <a:r>
-              <a:rPr lang="he-IL" dirty="0"/>
-              <a:t>:</a:t>
-            </a:r>
-          </a:p>
-          <a:p>
-            <a:pPr lvl="1"/>
-            <a:r>
               <a:rPr lang="en-US" dirty="0" err="1"/>
-              <a:t>SelectKBest</a:t>
-            </a:r>
-            <a:r>
-              <a:rPr lang="he-IL" dirty="0"/>
-              <a:t> (אשר מקבל את סוג ה </a:t>
-            </a:r>
+              <a:t>cross_val_score</a:t>
+            </a:r>
+            <a:endParaRPr lang="he-IL" dirty="0"/>
+          </a:p>
+          <a:p>
+            <a:pPr lvl="1"/>
+            <a:r>
+              <a:rPr lang="he-IL" dirty="0"/>
+              <a:t>מספק את תוצאות ה </a:t>
+            </a:r>
+            <a:r>
+              <a:rPr lang="en-US" dirty="0"/>
+              <a:t>SCORE</a:t>
+            </a:r>
+            <a:r>
+              <a:rPr lang="he-IL" dirty="0"/>
+              <a:t> של </a:t>
+            </a:r>
+            <a:r>
+              <a:rPr lang="en-US" dirty="0"/>
+              <a:t>KFOLD</a:t>
+            </a:r>
+          </a:p>
+          <a:p>
             <a:r>
               <a:rPr lang="en-US" dirty="0" err="1"/>
-              <a:t>filtter</a:t>
-            </a:r>
-            <a:r>
-              <a:rPr lang="en-US" dirty="0"/>
-              <a:t>: </a:t>
-            </a:r>
+              <a:t>cross_validate</a:t>
+            </a:r>
+            <a:endParaRPr lang="he-IL" dirty="0"/>
+          </a:p>
+          <a:p>
+            <a:pPr lvl="1"/>
+            <a:r>
+              <a:rPr lang="he-IL" dirty="0"/>
+              <a:t>ניתן להכניס מספר פרמטרים לבחינה (סוגי </a:t>
+            </a:r>
+            <a:r>
+              <a:rPr lang="en-US" dirty="0"/>
+              <a:t>score</a:t>
+            </a:r>
+            <a:r>
+              <a:rPr lang="he-IL" dirty="0"/>
+              <a:t>) ולקבל את התוצאות.</a:t>
+            </a:r>
+            <a:endParaRPr lang="en-US" dirty="0"/>
+          </a:p>
+          <a:p>
             <a:r>
               <a:rPr lang="en-US" dirty="0" err="1"/>
-              <a:t>correation</a:t>
-            </a:r>
-            <a:r>
-              <a:rPr lang="en-US" dirty="0"/>
-              <a:t>/MI</a:t>
-            </a:r>
-            <a:r>
-              <a:rPr lang="he-IL" dirty="0"/>
-              <a:t> וכד') מקבל גם את מספר ה </a:t>
-            </a:r>
-            <a:r>
-              <a:rPr lang="en-US" dirty="0"/>
-              <a:t>feature</a:t>
-            </a:r>
-            <a:r>
-              <a:rPr lang="he-IL" dirty="0"/>
-              <a:t>ים שעליו להחזיר.</a:t>
-            </a:r>
-          </a:p>
-          <a:p>
-            <a:r>
-              <a:rPr lang="he-IL" dirty="0"/>
-              <a:t>עבור </a:t>
-            </a:r>
-            <a:r>
-              <a:rPr lang="en-US" dirty="0"/>
-              <a:t>filter model</a:t>
-            </a:r>
-            <a:r>
-              <a:rPr lang="he-IL" dirty="0"/>
-              <a:t> לא רואה טעם לבדוק אופציות שונות: </a:t>
-            </a:r>
-            <a:r>
-              <a:rPr lang="en-US" dirty="0" err="1"/>
-              <a:t>corr</a:t>
-            </a:r>
-            <a:r>
-              <a:rPr lang="en-US" dirty="0"/>
-              <a:t>/MI</a:t>
-            </a:r>
-            <a:r>
-              <a:rPr lang="he-IL" dirty="0"/>
-              <a:t> וכד’</a:t>
-            </a:r>
-          </a:p>
-          <a:p>
-            <a:r>
-              <a:rPr lang="en-US" dirty="0"/>
-              <a:t>Wrapper model</a:t>
+              <a:t>cross_val_predict</a:t>
+            </a:r>
+            <a:r>
+              <a:rPr lang="en-US" dirty="0"/>
+              <a:t> </a:t>
             </a:r>
             <a:endParaRPr lang="he-IL" dirty="0"/>
           </a:p>
@@ -4940,75 +5078,23 @@
             <a:pPr lvl="1"/>
             <a:r>
               <a:rPr lang="he-IL" dirty="0"/>
-              <a:t>אין תמיכה ב </a:t>
-            </a:r>
-            <a:r>
-              <a:rPr lang="en-US" dirty="0"/>
-              <a:t>stepwise regression</a:t>
-            </a:r>
-            <a:r>
-              <a:rPr lang="he-IL" dirty="0"/>
-              <a:t> (כי מבוסס </a:t>
-            </a:r>
-            <a:r>
-              <a:rPr lang="en-US" dirty="0"/>
-              <a:t>p-value</a:t>
-            </a:r>
-            <a:r>
-              <a:rPr lang="he-IL" dirty="0"/>
-              <a:t> שנתמך רק ב </a:t>
-            </a:r>
-            <a:r>
-              <a:rPr lang="en-US" dirty="0"/>
-              <a:t>linear regression</a:t>
-            </a:r>
-            <a:r>
-              <a:rPr lang="he-IL" dirty="0"/>
-              <a:t>)</a:t>
-            </a:r>
-          </a:p>
-          <a:p>
-            <a:r>
-              <a:rPr lang="he-IL" dirty="0"/>
-              <a:t>ניתן להריץ עם </a:t>
-            </a:r>
-            <a:r>
-              <a:rPr lang="en-US" dirty="0" err="1"/>
-              <a:t>n_jobs</a:t>
-            </a:r>
-            <a:r>
-              <a:rPr lang="en-US" dirty="0"/>
-              <a:t>=-1</a:t>
-            </a:r>
-            <a:r>
-              <a:rPr lang="he-IL" dirty="0"/>
-              <a:t> ולנצל מספר ליבות (ב </a:t>
-            </a:r>
-            <a:r>
-              <a:rPr lang="en-US" dirty="0" err="1"/>
-              <a:t>kfold</a:t>
-            </a:r>
-            <a:r>
-              <a:rPr lang="he-IL" dirty="0"/>
-              <a:t>)</a:t>
-            </a:r>
-          </a:p>
-          <a:p>
-            <a:r>
-              <a:rPr lang="en-US" dirty="0" err="1"/>
-              <a:t>SelectFromModel</a:t>
-            </a:r>
-            <a:r>
-              <a:rPr lang="he-IL" dirty="0"/>
-              <a:t> – בחירת תכונות לפי המשקלים שלהם</a:t>
-            </a:r>
+              <a:t>מספק את החיזוי של </a:t>
+            </a:r>
+            <a:r>
+              <a:rPr lang="en-US" dirty="0"/>
+              <a:t>KFOLD</a:t>
+            </a:r>
+          </a:p>
+          <a:p>
+            <a:pPr lvl="1"/>
+            <a:endParaRPr lang="he-IL" dirty="0"/>
           </a:p>
         </p:txBody>
       </p:sp>
     </p:spTree>
     <p:extLst>
       <p:ext uri="{BB962C8B-B14F-4D97-AF65-F5344CB8AC3E}">
-        <p14:creationId xmlns:p14="http://schemas.microsoft.com/office/powerpoint/2010/main" val="3385842206"/>
+        <p14:creationId xmlns:p14="http://schemas.microsoft.com/office/powerpoint/2010/main" val="1210100940"/>
       </p:ext>
     </p:extLst>
   </p:cSld>
@@ -5040,15 +5126,15 @@
           <p:cNvPr id="2" name="כותרת 1">
             <a:extLst>
               <a:ext uri="{FF2B5EF4-FFF2-40B4-BE49-F238E27FC236}">
-                <a16:creationId xmlns:a16="http://schemas.microsoft.com/office/drawing/2014/main" id="{12C43150-B25E-4D0E-BDF4-635BEFD8EF18}"/>
-              </a:ext>
-            </a:extLst>
-          </p:cNvPr>
-          <p:cNvSpPr>
-            <a:spLocks noGrp="1"/>
-          </p:cNvSpPr>
-          <p:nvPr>
-            <p:ph type="ctrTitle"/>
+                <a16:creationId xmlns:a16="http://schemas.microsoft.com/office/drawing/2014/main" id="{B6D04E84-D70E-4F19-962B-30D48FBC491D}"/>
+              </a:ext>
+            </a:extLst>
+          </p:cNvPr>
+          <p:cNvSpPr>
+            <a:spLocks noGrp="1"/>
+          </p:cNvSpPr>
+          <p:nvPr>
+            <p:ph type="title"/>
           </p:nvPr>
         </p:nvSpPr>
         <p:spPr/>
@@ -5058,25 +5144,33 @@
           <a:p>
             <a:r>
               <a:rPr lang="he-IL" dirty="0"/>
-              <a:t>טיפול במידע חסר</a:t>
-            </a:r>
-          </a:p>
-        </p:txBody>
-      </p:sp>
-      <p:sp>
-        <p:nvSpPr>
-          <p:cNvPr id="3" name="כותרת משנה 2">
-            <a:extLst>
-              <a:ext uri="{FF2B5EF4-FFF2-40B4-BE49-F238E27FC236}">
-                <a16:creationId xmlns:a16="http://schemas.microsoft.com/office/drawing/2014/main" id="{686F7E77-CF92-46E1-B497-C07D9D641FF9}"/>
-              </a:ext>
-            </a:extLst>
-          </p:cNvPr>
-          <p:cNvSpPr>
-            <a:spLocks noGrp="1"/>
-          </p:cNvSpPr>
-          <p:nvPr>
-            <p:ph type="subTitle" idx="1"/>
+              <a:t>תובנות </a:t>
+            </a:r>
+            <a:r>
+              <a:rPr lang="en-US" dirty="0" err="1"/>
+              <a:t>sklearn</a:t>
+            </a:r>
+            <a:r>
+              <a:rPr lang="he-IL" dirty="0"/>
+              <a:t>	</a:t>
+            </a:r>
+          </a:p>
+        </p:txBody>
+      </p:sp>
+      <p:sp>
+        <p:nvSpPr>
+          <p:cNvPr id="3" name="מציין מיקום תוכן 2">
+            <a:extLst>
+              <a:ext uri="{FF2B5EF4-FFF2-40B4-BE49-F238E27FC236}">
+                <a16:creationId xmlns:a16="http://schemas.microsoft.com/office/drawing/2014/main" id="{C132CF0B-24E0-4C0D-85E7-8DF7FAE63F98}"/>
+              </a:ext>
+            </a:extLst>
+          </p:cNvPr>
+          <p:cNvSpPr>
+            <a:spLocks noGrp="1"/>
+          </p:cNvSpPr>
+          <p:nvPr>
+            <p:ph idx="1"/>
           </p:nvPr>
         </p:nvSpPr>
         <p:spPr/>
@@ -5084,14 +5178,164 @@
           <a:bodyPr/>
           <a:lstStyle/>
           <a:p>
-            <a:endParaRPr lang="he-IL"/>
+            <a:r>
+              <a:rPr lang="he-IL" dirty="0"/>
+              <a:t>לדעתי לא כדאי להשתמש ב </a:t>
+            </a:r>
+            <a:r>
+              <a:rPr lang="en-US" dirty="0"/>
+              <a:t>filter model</a:t>
+            </a:r>
+            <a:r>
+              <a:rPr lang="he-IL" dirty="0"/>
+              <a:t>:</a:t>
+            </a:r>
+          </a:p>
+          <a:p>
+            <a:pPr lvl="1"/>
+            <a:r>
+              <a:rPr lang="en-US" dirty="0" err="1"/>
+              <a:t>SelectKBest</a:t>
+            </a:r>
+            <a:r>
+              <a:rPr lang="he-IL" dirty="0"/>
+              <a:t> (אשר מקבל את סוג ה </a:t>
+            </a:r>
+            <a:r>
+              <a:rPr lang="en-US" dirty="0" err="1"/>
+              <a:t>filtter</a:t>
+            </a:r>
+            <a:r>
+              <a:rPr lang="en-US" dirty="0"/>
+              <a:t>: </a:t>
+            </a:r>
+            <a:r>
+              <a:rPr lang="en-US" dirty="0" err="1"/>
+              <a:t>correation</a:t>
+            </a:r>
+            <a:r>
+              <a:rPr lang="en-US" dirty="0"/>
+              <a:t>/MI</a:t>
+            </a:r>
+            <a:r>
+              <a:rPr lang="he-IL" dirty="0"/>
+              <a:t> וכד') מקבל גם את מספר ה </a:t>
+            </a:r>
+            <a:r>
+              <a:rPr lang="en-US" dirty="0"/>
+              <a:t>feature</a:t>
+            </a:r>
+            <a:r>
+              <a:rPr lang="he-IL" dirty="0"/>
+              <a:t>ים שעליו להחזיר.</a:t>
+            </a:r>
+          </a:p>
+          <a:p>
+            <a:r>
+              <a:rPr lang="he-IL" dirty="0"/>
+              <a:t>עבור </a:t>
+            </a:r>
+            <a:r>
+              <a:rPr lang="en-US" dirty="0"/>
+              <a:t>filter model</a:t>
+            </a:r>
+            <a:r>
+              <a:rPr lang="he-IL" dirty="0"/>
+              <a:t> לא רואה טעם לבדוק אופציות שונות: </a:t>
+            </a:r>
+            <a:r>
+              <a:rPr lang="en-US" dirty="0" err="1"/>
+              <a:t>corr</a:t>
+            </a:r>
+            <a:r>
+              <a:rPr lang="en-US" dirty="0"/>
+              <a:t>/MI</a:t>
+            </a:r>
+            <a:r>
+              <a:rPr lang="he-IL" dirty="0"/>
+              <a:t> וכד’</a:t>
+            </a:r>
+          </a:p>
+          <a:p>
+            <a:r>
+              <a:rPr lang="en-US" dirty="0"/>
+              <a:t>Wrapper model</a:t>
+            </a:r>
+            <a:endParaRPr lang="he-IL" dirty="0"/>
+          </a:p>
+          <a:p>
+            <a:pPr lvl="1"/>
+            <a:r>
+              <a:rPr lang="he-IL" dirty="0"/>
+              <a:t>אין תמיכה ב </a:t>
+            </a:r>
+            <a:r>
+              <a:rPr lang="en-US" dirty="0"/>
+              <a:t>stepwise regression</a:t>
+            </a:r>
+            <a:r>
+              <a:rPr lang="he-IL" dirty="0"/>
+              <a:t> (כי מבוסס </a:t>
+            </a:r>
+            <a:r>
+              <a:rPr lang="en-US" dirty="0"/>
+              <a:t>p-value</a:t>
+            </a:r>
+            <a:r>
+              <a:rPr lang="he-IL" dirty="0"/>
+              <a:t> שנתמך רק ב </a:t>
+            </a:r>
+            <a:r>
+              <a:rPr lang="en-US" dirty="0"/>
+              <a:t>linear regression</a:t>
+            </a:r>
+            <a:r>
+              <a:rPr lang="he-IL" dirty="0"/>
+              <a:t>)</a:t>
+            </a:r>
+          </a:p>
+          <a:p>
+            <a:r>
+              <a:rPr lang="he-IL" dirty="0"/>
+              <a:t>ניתן להריץ עם </a:t>
+            </a:r>
+            <a:r>
+              <a:rPr lang="en-US" dirty="0" err="1"/>
+              <a:t>n_jobs</a:t>
+            </a:r>
+            <a:r>
+              <a:rPr lang="en-US" dirty="0"/>
+              <a:t>=-1</a:t>
+            </a:r>
+            <a:r>
+              <a:rPr lang="he-IL" dirty="0"/>
+              <a:t> ולנצל מספר ליבות (ב </a:t>
+            </a:r>
+            <a:r>
+              <a:rPr lang="en-US" dirty="0" err="1"/>
+              <a:t>kfold</a:t>
+            </a:r>
+            <a:r>
+              <a:rPr lang="he-IL" dirty="0"/>
+              <a:t>)</a:t>
+            </a:r>
+          </a:p>
+          <a:p>
+            <a:r>
+              <a:rPr lang="en-US" dirty="0" err="1"/>
+              <a:t>SelectFromModel</a:t>
+            </a:r>
+            <a:r>
+              <a:rPr lang="he-IL" dirty="0"/>
+              <a:t> – בחירת תכונות לפי המשקלים שלהם</a:t>
+            </a:r>
           </a:p>
         </p:txBody>
       </p:sp>
     </p:spTree>
     <p:extLst>
       <p:ext uri="{BB962C8B-B14F-4D97-AF65-F5344CB8AC3E}">
-        <p14:creationId xmlns:p14="http://schemas.microsoft.com/office/powerpoint/2010/main" val="150012421"/>
+        <p14:creationId xmlns:p14="http://schemas.microsoft.com/office/powerpoint/2010/main" val="3385842206"/>
       </p:ext>
     </p:extLst>
   </p:cSld>
@@ -5268,15 +5512,15 @@
           <p:cNvPr id="2" name="כותרת 1">
             <a:extLst>
               <a:ext uri="{FF2B5EF4-FFF2-40B4-BE49-F238E27FC236}">
-                <a16:creationId xmlns:a16="http://schemas.microsoft.com/office/drawing/2014/main" id="{8D87E672-D08D-4C17-BD34-3A0DFD930507}"/>
-              </a:ext>
-            </a:extLst>
-          </p:cNvPr>
-          <p:cNvSpPr>
-            <a:spLocks noGrp="1"/>
-          </p:cNvSpPr>
-          <p:nvPr>
-            <p:ph type="title"/>
+                <a16:creationId xmlns:a16="http://schemas.microsoft.com/office/drawing/2014/main" id="{12C43150-B25E-4D0E-BDF4-635BEFD8EF18}"/>
+              </a:ext>
+            </a:extLst>
+          </p:cNvPr>
+          <p:cNvSpPr>
+            <a:spLocks noGrp="1"/>
+          </p:cNvSpPr>
+          <p:nvPr>
+            <p:ph type="ctrTitle"/>
           </p:nvPr>
         </p:nvSpPr>
         <p:spPr/>
@@ -5286,33 +5530,25 @@
           <a:p>
             <a:r>
               <a:rPr lang="he-IL" dirty="0"/>
-              <a:t>טיפול במידע חסר (</a:t>
-            </a:r>
-            <a:r>
-              <a:rPr lang="en-US" dirty="0"/>
-              <a:t>nan</a:t>
-            </a:r>
-            <a:r>
-              <a:rPr lang="he-IL" dirty="0"/>
-              <a:t>)</a:t>
-            </a:r>
-          </a:p>
-        </p:txBody>
-      </p:sp>
-      <p:sp>
-        <p:nvSpPr>
-          <p:cNvPr id="3" name="מציין מיקום תוכן 2">
-            <a:extLst>
-              <a:ext uri="{FF2B5EF4-FFF2-40B4-BE49-F238E27FC236}">
-                <a16:creationId xmlns:a16="http://schemas.microsoft.com/office/drawing/2014/main" id="{87A09342-6A53-426E-A210-7E2DED349B11}"/>
-              </a:ext>
-            </a:extLst>
-          </p:cNvPr>
-          <p:cNvSpPr>
-            <a:spLocks noGrp="1"/>
-          </p:cNvSpPr>
-          <p:nvPr>
-            <p:ph idx="1"/>
+              <a:t>טיפול במידע חסר</a:t>
+            </a:r>
+          </a:p>
+        </p:txBody>
+      </p:sp>
+      <p:sp>
+        <p:nvSpPr>
+          <p:cNvPr id="3" name="כותרת משנה 2">
+            <a:extLst>
+              <a:ext uri="{FF2B5EF4-FFF2-40B4-BE49-F238E27FC236}">
+                <a16:creationId xmlns:a16="http://schemas.microsoft.com/office/drawing/2014/main" id="{686F7E77-CF92-46E1-B497-C07D9D641FF9}"/>
+              </a:ext>
+            </a:extLst>
+          </p:cNvPr>
+          <p:cNvSpPr>
+            <a:spLocks noGrp="1"/>
+          </p:cNvSpPr>
+          <p:nvPr>
+            <p:ph type="subTitle" idx="1"/>
           </p:nvPr>
         </p:nvSpPr>
         <p:spPr/>
@@ -5320,85 +5556,14 @@
           <a:bodyPr/>
           <a:lstStyle/>
           <a:p>
-            <a:r>
-              <a:rPr lang="he-IL" dirty="0"/>
-              <a:t>מספר גישות:</a:t>
-            </a:r>
-          </a:p>
-          <a:p>
-            <a:pPr lvl="1"/>
-            <a:r>
-              <a:rPr lang="he-IL" dirty="0"/>
-              <a:t>מחיקת שורה (חיסרון: פגיעה בהתפלגות)</a:t>
-            </a:r>
-          </a:p>
-          <a:p>
-            <a:pPr lvl="1"/>
-            <a:r>
-              <a:rPr lang="he-IL" dirty="0"/>
-              <a:t>החלפה ב </a:t>
-            </a:r>
-            <a:r>
-              <a:rPr lang="en-US" dirty="0"/>
-              <a:t>mean</a:t>
-            </a:r>
-            <a:endParaRPr lang="he-IL" dirty="0"/>
-          </a:p>
-          <a:p>
-            <a:pPr lvl="1"/>
-            <a:r>
-              <a:rPr lang="he-IL" dirty="0"/>
-              <a:t>החלפה ב </a:t>
-            </a:r>
-            <a:r>
-              <a:rPr lang="en-US" dirty="0"/>
-              <a:t>median</a:t>
-            </a:r>
-            <a:endParaRPr lang="he-IL" dirty="0"/>
-          </a:p>
-          <a:p>
-            <a:pPr lvl="1"/>
-            <a:r>
-              <a:rPr lang="he-IL" dirty="0"/>
-              <a:t>החלפה ב </a:t>
-            </a:r>
-            <a:r>
-              <a:rPr lang="en-US" dirty="0"/>
-              <a:t>most frequent</a:t>
-            </a:r>
-            <a:r>
-              <a:rPr lang="he-IL" dirty="0"/>
-              <a:t> (חיסרון: פגיעה בהתפלגות)</a:t>
-            </a:r>
-          </a:p>
-          <a:p>
-            <a:r>
-              <a:rPr lang="he-IL" dirty="0"/>
-              <a:t>ב </a:t>
-            </a:r>
-            <a:r>
-              <a:rPr lang="en-US" dirty="0" err="1"/>
-              <a:t>sklearn</a:t>
-            </a:r>
-            <a:r>
-              <a:rPr lang="he-IL" dirty="0"/>
-              <a:t> יש את הפקודה: </a:t>
-            </a:r>
-            <a:r>
-              <a:rPr lang="en-US" dirty="0"/>
-              <a:t>Imputer</a:t>
-            </a:r>
-            <a:r>
-              <a:rPr lang="he-IL" dirty="0"/>
-              <a:t> ("מכשיר את המידע")</a:t>
-            </a:r>
+            <a:endParaRPr lang="he-IL"/>
           </a:p>
         </p:txBody>
       </p:sp>
     </p:spTree>
     <p:extLst>
       <p:ext uri="{BB962C8B-B14F-4D97-AF65-F5344CB8AC3E}">
-        <p14:creationId xmlns:p14="http://schemas.microsoft.com/office/powerpoint/2010/main" val="562271283"/>
+        <p14:creationId xmlns:p14="http://schemas.microsoft.com/office/powerpoint/2010/main" val="150012421"/>
       </p:ext>
     </p:extLst>
   </p:cSld>
@@ -5430,15 +5595,15 @@
           <p:cNvPr id="2" name="כותרת 1">
             <a:extLst>
               <a:ext uri="{FF2B5EF4-FFF2-40B4-BE49-F238E27FC236}">
-                <a16:creationId xmlns:a16="http://schemas.microsoft.com/office/drawing/2014/main" id="{12C43150-B25E-4D0E-BDF4-635BEFD8EF18}"/>
-              </a:ext>
-            </a:extLst>
-          </p:cNvPr>
-          <p:cNvSpPr>
-            <a:spLocks noGrp="1"/>
-          </p:cNvSpPr>
-          <p:nvPr>
-            <p:ph type="ctrTitle"/>
+                <a16:creationId xmlns:a16="http://schemas.microsoft.com/office/drawing/2014/main" id="{8D87E672-D08D-4C17-BD34-3A0DFD930507}"/>
+              </a:ext>
+            </a:extLst>
+          </p:cNvPr>
+          <p:cNvSpPr>
+            <a:spLocks noGrp="1"/>
+          </p:cNvSpPr>
+          <p:nvPr>
+            <p:ph type="title"/>
           </p:nvPr>
         </p:nvSpPr>
         <p:spPr/>
@@ -5448,25 +5613,33 @@
           <a:p>
             <a:r>
               <a:rPr lang="he-IL" dirty="0"/>
-              <a:t>מושגים</a:t>
-            </a:r>
-          </a:p>
-        </p:txBody>
-      </p:sp>
-      <p:sp>
-        <p:nvSpPr>
-          <p:cNvPr id="3" name="כותרת משנה 2">
-            <a:extLst>
-              <a:ext uri="{FF2B5EF4-FFF2-40B4-BE49-F238E27FC236}">
-                <a16:creationId xmlns:a16="http://schemas.microsoft.com/office/drawing/2014/main" id="{686F7E77-CF92-46E1-B497-C07D9D641FF9}"/>
-              </a:ext>
-            </a:extLst>
-          </p:cNvPr>
-          <p:cNvSpPr>
-            <a:spLocks noGrp="1"/>
-          </p:cNvSpPr>
-          <p:nvPr>
-            <p:ph type="subTitle" idx="1"/>
+              <a:t>טיפול במידע חסר (</a:t>
+            </a:r>
+            <a:r>
+              <a:rPr lang="en-US" dirty="0"/>
+              <a:t>nan</a:t>
+            </a:r>
+            <a:r>
+              <a:rPr lang="he-IL" dirty="0"/>
+              <a:t>)</a:t>
+            </a:r>
+          </a:p>
+        </p:txBody>
+      </p:sp>
+      <p:sp>
+        <p:nvSpPr>
+          <p:cNvPr id="3" name="מציין מיקום תוכן 2">
+            <a:extLst>
+              <a:ext uri="{FF2B5EF4-FFF2-40B4-BE49-F238E27FC236}">
+                <a16:creationId xmlns:a16="http://schemas.microsoft.com/office/drawing/2014/main" id="{87A09342-6A53-426E-A210-7E2DED349B11}"/>
+              </a:ext>
+            </a:extLst>
+          </p:cNvPr>
+          <p:cNvSpPr>
+            <a:spLocks noGrp="1"/>
+          </p:cNvSpPr>
+          <p:nvPr>
+            <p:ph idx="1"/>
           </p:nvPr>
         </p:nvSpPr>
         <p:spPr/>
@@ -5474,14 +5647,85 @@
           <a:bodyPr/>
           <a:lstStyle/>
           <a:p>
-            <a:endParaRPr lang="he-IL"/>
+            <a:r>
+              <a:rPr lang="he-IL" dirty="0"/>
+              <a:t>מספר גישות:</a:t>
+            </a:r>
+          </a:p>
+          <a:p>
+            <a:pPr lvl="1"/>
+            <a:r>
+              <a:rPr lang="he-IL" dirty="0"/>
+              <a:t>מחיקת שורה (חיסרון: פגיעה בהתפלגות)</a:t>
+            </a:r>
+          </a:p>
+          <a:p>
+            <a:pPr lvl="1"/>
+            <a:r>
+              <a:rPr lang="he-IL" dirty="0"/>
+              <a:t>החלפה ב </a:t>
+            </a:r>
+            <a:r>
+              <a:rPr lang="en-US" dirty="0"/>
+              <a:t>mean</a:t>
+            </a:r>
+            <a:endParaRPr lang="he-IL" dirty="0"/>
+          </a:p>
+          <a:p>
+            <a:pPr lvl="1"/>
+            <a:r>
+              <a:rPr lang="he-IL" dirty="0"/>
+              <a:t>החלפה ב </a:t>
+            </a:r>
+            <a:r>
+              <a:rPr lang="en-US" dirty="0"/>
+              <a:t>median</a:t>
+            </a:r>
+            <a:endParaRPr lang="he-IL" dirty="0"/>
+          </a:p>
+          <a:p>
+            <a:pPr lvl="1"/>
+            <a:r>
+              <a:rPr lang="he-IL" dirty="0"/>
+              <a:t>החלפה ב </a:t>
+            </a:r>
+            <a:r>
+              <a:rPr lang="en-US" dirty="0"/>
+              <a:t>most frequent</a:t>
+            </a:r>
+            <a:r>
+              <a:rPr lang="he-IL" dirty="0"/>
+              <a:t> (חיסרון: פגיעה בהתפלגות)</a:t>
+            </a:r>
+          </a:p>
+          <a:p>
+            <a:r>
+              <a:rPr lang="he-IL" dirty="0"/>
+              <a:t>ב </a:t>
+            </a:r>
+            <a:r>
+              <a:rPr lang="en-US" dirty="0" err="1"/>
+              <a:t>sklearn</a:t>
+            </a:r>
+            <a:r>
+              <a:rPr lang="he-IL" dirty="0"/>
+              <a:t> יש את הפקודה: </a:t>
+            </a:r>
+            <a:r>
+              <a:rPr lang="en-US" dirty="0"/>
+              <a:t>Imputer</a:t>
+            </a:r>
+            <a:r>
+              <a:rPr lang="he-IL" dirty="0"/>
+              <a:t> ("מכשיר את המידע")</a:t>
+            </a:r>
           </a:p>
         </p:txBody>
       </p:sp>
     </p:spTree>
     <p:extLst>
       <p:ext uri="{BB962C8B-B14F-4D97-AF65-F5344CB8AC3E}">
-        <p14:creationId xmlns:p14="http://schemas.microsoft.com/office/powerpoint/2010/main" val="2571518944"/>
+        <p14:creationId xmlns:p14="http://schemas.microsoft.com/office/powerpoint/2010/main" val="562271283"/>
       </p:ext>
     </p:extLst>
   </p:cSld>
@@ -5513,15 +5757,15 @@
           <p:cNvPr id="2" name="כותרת 1">
             <a:extLst>
               <a:ext uri="{FF2B5EF4-FFF2-40B4-BE49-F238E27FC236}">
-                <a16:creationId xmlns:a16="http://schemas.microsoft.com/office/drawing/2014/main" id="{7DB4387E-7549-4A32-B35D-BC39BE67DCE6}"/>
-              </a:ext>
-            </a:extLst>
-          </p:cNvPr>
-          <p:cNvSpPr>
-            <a:spLocks noGrp="1"/>
-          </p:cNvSpPr>
-          <p:nvPr>
-            <p:ph type="title"/>
+                <a16:creationId xmlns:a16="http://schemas.microsoft.com/office/drawing/2014/main" id="{12C43150-B25E-4D0E-BDF4-635BEFD8EF18}"/>
+              </a:ext>
+            </a:extLst>
+          </p:cNvPr>
+          <p:cNvSpPr>
+            <a:spLocks noGrp="1"/>
+          </p:cNvSpPr>
+          <p:nvPr>
+            <p:ph type="ctrTitle"/>
           </p:nvPr>
         </p:nvSpPr>
         <p:spPr/>
@@ -5531,187 +5775,40 @@
           <a:p>
             <a:r>
               <a:rPr lang="he-IL" dirty="0"/>
-              <a:t>מושגים - 1</a:t>
-            </a:r>
-          </a:p>
-        </p:txBody>
-      </p:sp>
-      <p:sp>
-        <p:nvSpPr>
-          <p:cNvPr id="3" name="מציין מיקום תוכן 2">
-            <a:extLst>
-              <a:ext uri="{FF2B5EF4-FFF2-40B4-BE49-F238E27FC236}">
-                <a16:creationId xmlns:a16="http://schemas.microsoft.com/office/drawing/2014/main" id="{43158B5B-5058-4654-BE9F-0F41E4989A9B}"/>
-              </a:ext>
-            </a:extLst>
-          </p:cNvPr>
-          <p:cNvSpPr>
-            <a:spLocks noGrp="1"/>
-          </p:cNvSpPr>
-          <p:nvPr>
-            <p:ph idx="1"/>
+              <a:t>מושגים</a:t>
+            </a:r>
+          </a:p>
+        </p:txBody>
+      </p:sp>
+      <p:sp>
+        <p:nvSpPr>
+          <p:cNvPr id="3" name="כותרת משנה 2">
+            <a:extLst>
+              <a:ext uri="{FF2B5EF4-FFF2-40B4-BE49-F238E27FC236}">
+                <a16:creationId xmlns:a16="http://schemas.microsoft.com/office/drawing/2014/main" id="{686F7E77-CF92-46E1-B497-C07D9D641FF9}"/>
+              </a:ext>
+            </a:extLst>
+          </p:cNvPr>
+          <p:cNvSpPr>
+            <a:spLocks noGrp="1"/>
+          </p:cNvSpPr>
+          <p:nvPr>
+            <p:ph type="subTitle" idx="1"/>
           </p:nvPr>
         </p:nvSpPr>
         <p:spPr/>
         <p:txBody>
-          <a:bodyPr>
-            <a:normAutofit fontScale="85000" lnSpcReduction="20000"/>
-          </a:bodyPr>
-          <a:lstStyle/>
-          <a:p>
-            <a:r>
-              <a:rPr lang="en-US" dirty="0"/>
-              <a:t>Logistic Regression</a:t>
-            </a:r>
-            <a:endParaRPr lang="he-IL" dirty="0"/>
-          </a:p>
-          <a:p>
-            <a:pPr lvl="1"/>
-            <a:r>
-              <a:rPr lang="he-IL" dirty="0"/>
-              <a:t>אלג' שבעיקר מתאים לבעיות סיווג </a:t>
-            </a:r>
-            <a:r>
-              <a:rPr lang="he-IL" dirty="0" err="1"/>
-              <a:t>בינאראיות</a:t>
-            </a:r>
-            <a:endParaRPr lang="he-IL" dirty="0"/>
-          </a:p>
-          <a:p>
-            <a:pPr lvl="1"/>
-            <a:r>
-              <a:rPr lang="he-IL" dirty="0"/>
-              <a:t>שימוש ב </a:t>
-            </a:r>
-            <a:r>
-              <a:rPr lang="en-US" dirty="0"/>
-              <a:t>logit function</a:t>
-            </a:r>
-            <a:r>
-              <a:rPr lang="he-IL" dirty="0"/>
-              <a:t> שהיא </a:t>
-            </a:r>
-            <a:r>
-              <a:rPr lang="en-US" dirty="0"/>
-              <a:t>log(p/1-p)</a:t>
-            </a:r>
-            <a:endParaRPr lang="he-IL" dirty="0"/>
-          </a:p>
-          <a:p>
-            <a:pPr lvl="2"/>
-            <a:endParaRPr lang="he-IL" dirty="0"/>
-          </a:p>
-          <a:p>
-            <a:r>
-              <a:rPr lang="en-US" dirty="0" err="1"/>
-              <a:t>Logodds</a:t>
-            </a:r>
-            <a:r>
-              <a:rPr lang="he-IL" dirty="0"/>
-              <a:t> – </a:t>
-            </a:r>
-            <a:r>
-              <a:rPr lang="en-US" dirty="0"/>
-              <a:t>log + odds</a:t>
-            </a:r>
-            <a:endParaRPr lang="he-IL" dirty="0"/>
-          </a:p>
-          <a:p>
-            <a:pPr lvl="1"/>
-            <a:r>
-              <a:rPr lang="en-US" dirty="0"/>
-              <a:t>Odds != probability</a:t>
-            </a:r>
-            <a:endParaRPr lang="he-IL" dirty="0"/>
-          </a:p>
-          <a:p>
-            <a:pPr lvl="1"/>
-            <a:r>
-              <a:rPr lang="en-US" dirty="0"/>
-              <a:t>Odds</a:t>
-            </a:r>
-            <a:r>
-              <a:rPr lang="he-IL" dirty="0"/>
-              <a:t> – סיכוי למתרחש חלקי הסיכוי שלא התרחש (4 ניצחונות מול 6 הפסדים)</a:t>
-            </a:r>
-          </a:p>
-          <a:p>
-            <a:pPr lvl="1"/>
-            <a:r>
-              <a:rPr lang="en-US" dirty="0"/>
-              <a:t>Odds = p(ok)/1-p(ok)</a:t>
-            </a:r>
-          </a:p>
-          <a:p>
-            <a:pPr lvl="1"/>
-            <a:r>
-              <a:rPr lang="en-US" dirty="0" err="1"/>
-              <a:t>Logodds</a:t>
-            </a:r>
-            <a:r>
-              <a:rPr lang="en-US" dirty="0"/>
-              <a:t> = Log(odds)</a:t>
-            </a:r>
-            <a:endParaRPr lang="he-IL" dirty="0"/>
-          </a:p>
-          <a:p>
-            <a:pPr lvl="2"/>
-            <a:r>
-              <a:rPr lang="he-IL" dirty="0"/>
-              <a:t>ערך שלילי, יותר סיכוי "להפסיד" או </a:t>
-            </a:r>
-            <a:r>
-              <a:rPr lang="he-IL" dirty="0" err="1"/>
-              <a:t>ששיך</a:t>
-            </a:r>
-            <a:r>
-              <a:rPr lang="he-IL" dirty="0"/>
-              <a:t> לקבוצה ב' ולהפך (חיובי)</a:t>
-            </a:r>
-          </a:p>
-          <a:p>
-            <a:pPr lvl="2"/>
-            <a:endParaRPr lang="he-IL" dirty="0"/>
-          </a:p>
-          <a:p>
-            <a:r>
-              <a:rPr lang="en-US" dirty="0"/>
-              <a:t>Gini Impurity</a:t>
-            </a:r>
-          </a:p>
-          <a:p>
-            <a:pPr lvl="1"/>
-            <a:r>
-              <a:rPr lang="he-IL" dirty="0"/>
-              <a:t>חישוב "טומאה" – מה ההסתברות לחלוקת עץ שגויה (ככל שהערך נמוך יותר, כך עדיף להשתמש בתוכנה זו לחלוקה בעץ ברמה </a:t>
-            </a:r>
-            <a:r>
-              <a:rPr lang="he-IL"/>
-              <a:t>גבוהה יותר בעץ)</a:t>
-            </a:r>
-            <a:endParaRPr lang="he-IL" dirty="0"/>
-          </a:p>
-          <a:p>
-            <a:pPr lvl="1"/>
-            <a:r>
-              <a:rPr lang="he-IL" dirty="0"/>
-              <a:t>משתמשים </a:t>
-            </a:r>
-            <a:r>
-              <a:rPr lang="he-IL" dirty="0" err="1"/>
-              <a:t>באלג</a:t>
-            </a:r>
-            <a:r>
-              <a:rPr lang="he-IL" dirty="0"/>
-              <a:t>' עץ בחישובי העלים</a:t>
-            </a:r>
+          <a:bodyPr/>
+          <a:lstStyle/>
+          <a:p>
+            <a:endParaRPr lang="he-IL"/>
           </a:p>
         </p:txBody>
       </p:sp>
     </p:spTree>
     <p:extLst>
       <p:ext uri="{BB962C8B-B14F-4D97-AF65-F5344CB8AC3E}">
-        <p14:creationId xmlns:p14="http://schemas.microsoft.com/office/powerpoint/2010/main" val="546938094"/>
+        <p14:creationId xmlns:p14="http://schemas.microsoft.com/office/powerpoint/2010/main" val="2571518944"/>
       </p:ext>
     </p:extLst>
   </p:cSld>
@@ -5743,7 +5840,7 @@
           <p:cNvPr id="2" name="כותרת 1">
             <a:extLst>
               <a:ext uri="{FF2B5EF4-FFF2-40B4-BE49-F238E27FC236}">
-                <a16:creationId xmlns:a16="http://schemas.microsoft.com/office/drawing/2014/main" id="{A71135E6-DF0B-4524-8DCA-9C4DBE933F82}"/>
+                <a16:creationId xmlns:a16="http://schemas.microsoft.com/office/drawing/2014/main" id="{7DB4387E-7549-4A32-B35D-BC39BE67DCE6}"/>
               </a:ext>
             </a:extLst>
           </p:cNvPr>
@@ -5761,7 +5858,7 @@
           <a:p>
             <a:r>
               <a:rPr lang="he-IL" dirty="0"/>
-              <a:t>מושגים - 2</a:t>
+              <a:t>מושגים - 1</a:t>
             </a:r>
           </a:p>
         </p:txBody>
@@ -5771,7 +5868,7 @@
           <p:cNvPr id="3" name="מציין מיקום תוכן 2">
             <a:extLst>
               <a:ext uri="{FF2B5EF4-FFF2-40B4-BE49-F238E27FC236}">
-                <a16:creationId xmlns:a16="http://schemas.microsoft.com/office/drawing/2014/main" id="{8BE0F612-6AC1-4225-9B04-AC9AA1C93395}"/>
+                <a16:creationId xmlns:a16="http://schemas.microsoft.com/office/drawing/2014/main" id="{43158B5B-5058-4654-BE9F-0F41E4989A9B}"/>
               </a:ext>
             </a:extLst>
           </p:cNvPr>
@@ -5784,12 +5881,14 @@
         </p:nvSpPr>
         <p:spPr/>
         <p:txBody>
-          <a:bodyPr/>
-          <a:lstStyle/>
-          <a:p>
-            <a:r>
-              <a:rPr lang="en-US" dirty="0"/>
-              <a:t>Ensemble Methods</a:t>
+          <a:bodyPr>
+            <a:normAutofit fontScale="85000" lnSpcReduction="20000"/>
+          </a:bodyPr>
+          <a:lstStyle/>
+          <a:p>
+            <a:r>
+              <a:rPr lang="en-US" dirty="0"/>
+              <a:t>Logistic Regression</a:t>
             </a:r>
             <a:endParaRPr lang="he-IL" dirty="0"/>
           </a:p>
@@ -5797,61 +5896,149 @@
             <a:pPr lvl="1"/>
             <a:r>
               <a:rPr lang="he-IL" dirty="0"/>
-              <a:t>שילוב של מספר שיטות בסיס על מנת לקבל תוצאה טובה יותר.</a:t>
-            </a:r>
-          </a:p>
-          <a:p>
-            <a:pPr lvl="1"/>
-            <a:r>
-              <a:rPr lang="he-IL" dirty="0"/>
-              <a:t>יש מספר שיטות:</a:t>
-            </a:r>
-          </a:p>
-          <a:p>
-            <a:pPr lvl="2"/>
-            <a:r>
-              <a:rPr lang="en-US" dirty="0"/>
-              <a:t>Random Forest</a:t>
-            </a:r>
-            <a:r>
-              <a:rPr lang="he-IL" dirty="0"/>
-              <a:t> הינו שילוב של מספר אלג’ </a:t>
-            </a:r>
-            <a:r>
-              <a:rPr lang="en-US" dirty="0"/>
-              <a:t>Decision Tree</a:t>
-            </a:r>
-            <a:r>
-              <a:rPr lang="he-IL" dirty="0"/>
-              <a:t>.</a:t>
-            </a:r>
-          </a:p>
-          <a:p>
-            <a:pPr lvl="2"/>
-            <a:r>
-              <a:rPr lang="en-US" dirty="0"/>
-              <a:t>Bagging</a:t>
-            </a:r>
-            <a:r>
-              <a:rPr lang="he-IL" dirty="0"/>
-              <a:t> – שיטה דומה ל </a:t>
-            </a:r>
-            <a:r>
-              <a:rPr lang="en-US" dirty="0"/>
-              <a:t>RF</a:t>
+              <a:t>אלג' שבעיקר מתאים לבעיות סיווג </a:t>
+            </a:r>
+            <a:r>
+              <a:rPr lang="he-IL" dirty="0" err="1"/>
+              <a:t>בינאראיות</a:t>
+            </a:r>
+            <a:endParaRPr lang="he-IL" dirty="0"/>
+          </a:p>
+          <a:p>
+            <a:pPr lvl="1"/>
+            <a:r>
+              <a:rPr lang="he-IL" dirty="0"/>
+              <a:t>שימוש ב </a:t>
+            </a:r>
+            <a:r>
+              <a:rPr lang="en-US" dirty="0"/>
+              <a:t>logit function</a:t>
+            </a:r>
+            <a:r>
+              <a:rPr lang="he-IL" dirty="0"/>
+              <a:t> שהיא </a:t>
+            </a:r>
+            <a:r>
+              <a:rPr lang="en-US" dirty="0"/>
+              <a:t>log(p/1-p)</a:t>
             </a:r>
             <a:endParaRPr lang="he-IL" dirty="0"/>
           </a:p>
           <a:p>
             <a:pPr lvl="2"/>
             <a:endParaRPr lang="he-IL" dirty="0"/>
+          </a:p>
+          <a:p>
+            <a:r>
+              <a:rPr lang="en-US" dirty="0" err="1"/>
+              <a:t>Logodds</a:t>
+            </a:r>
+            <a:r>
+              <a:rPr lang="he-IL" dirty="0"/>
+              <a:t> – </a:t>
+            </a:r>
+            <a:r>
+              <a:rPr lang="en-US" dirty="0"/>
+              <a:t>log + odds</a:t>
+            </a:r>
+            <a:endParaRPr lang="he-IL" dirty="0"/>
+          </a:p>
+          <a:p>
+            <a:pPr lvl="1"/>
+            <a:r>
+              <a:rPr lang="en-US" dirty="0"/>
+              <a:t>Odds != probability</a:t>
+            </a:r>
+            <a:endParaRPr lang="he-IL" dirty="0"/>
+          </a:p>
+          <a:p>
+            <a:pPr lvl="1"/>
+            <a:r>
+              <a:rPr lang="en-US" dirty="0"/>
+              <a:t>Odds</a:t>
+            </a:r>
+            <a:r>
+              <a:rPr lang="he-IL" dirty="0"/>
+              <a:t> – סיכוי למתרחש חלקי הסיכוי שלא התרחש (4 ניצחונות מול 6 הפסדים)</a:t>
+            </a:r>
+          </a:p>
+          <a:p>
+            <a:pPr lvl="1"/>
+            <a:r>
+              <a:rPr lang="en-US" dirty="0"/>
+              <a:t>Odds = p(ok)/1-p(ok)</a:t>
+            </a:r>
+          </a:p>
+          <a:p>
+            <a:pPr lvl="1"/>
+            <a:r>
+              <a:rPr lang="en-US" dirty="0" err="1"/>
+              <a:t>Logodds</a:t>
+            </a:r>
+            <a:r>
+              <a:rPr lang="en-US" dirty="0"/>
+              <a:t> = Log(odds)</a:t>
+            </a:r>
+            <a:endParaRPr lang="he-IL" dirty="0"/>
+          </a:p>
+          <a:p>
+            <a:pPr lvl="2"/>
+            <a:r>
+              <a:rPr lang="he-IL" dirty="0"/>
+              <a:t>ערך שלילי, יותר סיכוי "להפסיד" או </a:t>
+            </a:r>
+            <a:r>
+              <a:rPr lang="he-IL" dirty="0" err="1"/>
+              <a:t>ששיך</a:t>
+            </a:r>
+            <a:r>
+              <a:rPr lang="he-IL" dirty="0"/>
+              <a:t> לקבוצה ב' ולהפך (חיובי)</a:t>
+            </a:r>
+          </a:p>
+          <a:p>
+            <a:pPr lvl="2"/>
+            <a:endParaRPr lang="he-IL" dirty="0"/>
+          </a:p>
+          <a:p>
+            <a:r>
+              <a:rPr lang="en-US" dirty="0"/>
+              <a:t>Gini Impurity</a:t>
+            </a:r>
+          </a:p>
+          <a:p>
+            <a:pPr lvl="1"/>
+            <a:r>
+              <a:rPr lang="he-IL" dirty="0"/>
+              <a:t>חישוב "טומאה" – מה ההסתברות לחלוקת עץ שגויה (ככל שהערך נמוך יותר, כך עדיף להשתמש בתוכנה זו לחלוקה בעץ ברמה </a:t>
+            </a:r>
+            <a:r>
+              <a:rPr lang="he-IL"/>
+              <a:t>גבוהה יותר בעץ)</a:t>
+            </a:r>
+            <a:endParaRPr lang="he-IL" dirty="0"/>
+          </a:p>
+          <a:p>
+            <a:pPr lvl="1"/>
+            <a:r>
+              <a:rPr lang="he-IL" dirty="0"/>
+              <a:t>משתמשים </a:t>
+            </a:r>
+            <a:r>
+              <a:rPr lang="he-IL" dirty="0" err="1"/>
+              <a:t>באלג</a:t>
+            </a:r>
+            <a:r>
+              <a:rPr lang="he-IL" dirty="0"/>
+              <a:t>' עץ בחישובי העלים</a:t>
+            </a:r>
           </a:p>
         </p:txBody>
       </p:sp>
     </p:spTree>
     <p:extLst>
       <p:ext uri="{BB962C8B-B14F-4D97-AF65-F5344CB8AC3E}">
-        <p14:creationId xmlns:p14="http://schemas.microsoft.com/office/powerpoint/2010/main" val="3189884367"/>
+        <p14:creationId xmlns:p14="http://schemas.microsoft.com/office/powerpoint/2010/main" val="546938094"/>
       </p:ext>
     </p:extLst>
   </p:cSld>
@@ -5883,6 +6070,146 @@
           <p:cNvPr id="2" name="כותרת 1">
             <a:extLst>
               <a:ext uri="{FF2B5EF4-FFF2-40B4-BE49-F238E27FC236}">
+                <a16:creationId xmlns:a16="http://schemas.microsoft.com/office/drawing/2014/main" id="{A71135E6-DF0B-4524-8DCA-9C4DBE933F82}"/>
+              </a:ext>
+            </a:extLst>
+          </p:cNvPr>
+          <p:cNvSpPr>
+            <a:spLocks noGrp="1"/>
+          </p:cNvSpPr>
+          <p:nvPr>
+            <p:ph type="title"/>
+          </p:nvPr>
+        </p:nvSpPr>
+        <p:spPr/>
+        <p:txBody>
+          <a:bodyPr/>
+          <a:lstStyle/>
+          <a:p>
+            <a:r>
+              <a:rPr lang="he-IL" dirty="0"/>
+              <a:t>מושגים - 2</a:t>
+            </a:r>
+          </a:p>
+        </p:txBody>
+      </p:sp>
+      <p:sp>
+        <p:nvSpPr>
+          <p:cNvPr id="3" name="מציין מיקום תוכן 2">
+            <a:extLst>
+              <a:ext uri="{FF2B5EF4-FFF2-40B4-BE49-F238E27FC236}">
+                <a16:creationId xmlns:a16="http://schemas.microsoft.com/office/drawing/2014/main" id="{8BE0F612-6AC1-4225-9B04-AC9AA1C93395}"/>
+              </a:ext>
+            </a:extLst>
+          </p:cNvPr>
+          <p:cNvSpPr>
+            <a:spLocks noGrp="1"/>
+          </p:cNvSpPr>
+          <p:nvPr>
+            <p:ph idx="1"/>
+          </p:nvPr>
+        </p:nvSpPr>
+        <p:spPr/>
+        <p:txBody>
+          <a:bodyPr/>
+          <a:lstStyle/>
+          <a:p>
+            <a:r>
+              <a:rPr lang="en-US" dirty="0"/>
+              <a:t>Ensemble Methods</a:t>
+            </a:r>
+            <a:endParaRPr lang="he-IL" dirty="0"/>
+          </a:p>
+          <a:p>
+            <a:pPr lvl="1"/>
+            <a:r>
+              <a:rPr lang="he-IL" dirty="0"/>
+              <a:t>שילוב של מספר שיטות בסיס על מנת לקבל תוצאה טובה יותר.</a:t>
+            </a:r>
+          </a:p>
+          <a:p>
+            <a:pPr lvl="1"/>
+            <a:r>
+              <a:rPr lang="he-IL" dirty="0"/>
+              <a:t>יש מספר שיטות:</a:t>
+            </a:r>
+          </a:p>
+          <a:p>
+            <a:pPr lvl="2"/>
+            <a:r>
+              <a:rPr lang="en-US" dirty="0"/>
+              <a:t>Random Forest</a:t>
+            </a:r>
+            <a:r>
+              <a:rPr lang="he-IL" dirty="0"/>
+              <a:t> הינו שילוב של מספר אלג’ </a:t>
+            </a:r>
+            <a:r>
+              <a:rPr lang="en-US" dirty="0"/>
+              <a:t>Decision Tree</a:t>
+            </a:r>
+            <a:r>
+              <a:rPr lang="he-IL" dirty="0"/>
+              <a:t>.</a:t>
+            </a:r>
+          </a:p>
+          <a:p>
+            <a:pPr lvl="2"/>
+            <a:r>
+              <a:rPr lang="en-US" dirty="0"/>
+              <a:t>Bagging</a:t>
+            </a:r>
+            <a:r>
+              <a:rPr lang="he-IL" dirty="0"/>
+              <a:t> – שיטה דומה ל </a:t>
+            </a:r>
+            <a:r>
+              <a:rPr lang="en-US" dirty="0"/>
+              <a:t>RF</a:t>
+            </a:r>
+            <a:endParaRPr lang="he-IL" dirty="0"/>
+          </a:p>
+          <a:p>
+            <a:pPr lvl="2"/>
+            <a:endParaRPr lang="he-IL" dirty="0"/>
+          </a:p>
+        </p:txBody>
+      </p:sp>
+    </p:spTree>
+    <p:extLst>
+      <p:ext uri="{BB962C8B-B14F-4D97-AF65-F5344CB8AC3E}">
+        <p14:creationId xmlns:p14="http://schemas.microsoft.com/office/powerpoint/2010/main" val="3189884367"/>
+      </p:ext>
+    </p:extLst>
+  </p:cSld>
+  <p:clrMapOvr>
+    <a:masterClrMapping/>
+  </p:clrMapOvr>
+</p:sld>
+</file>
+
+<file path=ppt/slides/slide25.xml><?xml version="1.0" encoding="utf-8"?>
+<p:sld xmlns:a="http://schemas.openxmlformats.org/drawingml/2006/main" xmlns:r="http://schemas.openxmlformats.org/officeDocument/2006/relationships" xmlns:p="http://schemas.openxmlformats.org/presentationml/2006/main">
+  <p:cSld>
+    <p:spTree>
+      <p:nvGrpSpPr>
+        <p:cNvPr id="1" name=""/>
+        <p:cNvGrpSpPr/>
+        <p:nvPr/>
+      </p:nvGrpSpPr>
+      <p:grpSpPr>
+        <a:xfrm>
+          <a:off x="0" y="0"/>
+          <a:ext cx="0" cy="0"/>
+          <a:chOff x="0" y="0"/>
+          <a:chExt cx="0" cy="0"/>
+        </a:xfrm>
+      </p:grpSpPr>
+      <p:sp>
+        <p:nvSpPr>
+          <p:cNvPr id="2" name="כותרת 1">
+            <a:extLst>
+              <a:ext uri="{FF2B5EF4-FFF2-40B4-BE49-F238E27FC236}">
                 <a16:creationId xmlns:a16="http://schemas.microsoft.com/office/drawing/2014/main" id="{96632501-42E2-42AF-95AE-976F27B04F71}"/>
               </a:ext>
             </a:extLst>
@@ -6047,7 +6374,7 @@
 </p:sld>
 </file>
 
-<file path=ppt/slides/slide25.xml><?xml version="1.0" encoding="utf-8"?>
+<file path=ppt/slides/slide26.xml><?xml version="1.0" encoding="utf-8"?>
 <p:sld xmlns:a="http://schemas.openxmlformats.org/drawingml/2006/main" xmlns:r="http://schemas.openxmlformats.org/officeDocument/2006/relationships" xmlns:p="http://schemas.openxmlformats.org/presentationml/2006/main">
   <p:cSld>
     <p:spTree>
@@ -6363,89 +6690,6 @@
 </p:sld>
 </file>
 
-<file path=ppt/slides/slide26.xml><?xml version="1.0" encoding="utf-8"?>
-<p:sld xmlns:a="http://schemas.openxmlformats.org/drawingml/2006/main" xmlns:r="http://schemas.openxmlformats.org/officeDocument/2006/relationships" xmlns:p="http://schemas.openxmlformats.org/presentationml/2006/main">
-  <p:cSld>
-    <p:spTree>
-      <p:nvGrpSpPr>
-        <p:cNvPr id="1" name=""/>
-        <p:cNvGrpSpPr/>
-        <p:nvPr/>
-      </p:nvGrpSpPr>
-      <p:grpSpPr>
-        <a:xfrm>
-          <a:off x="0" y="0"/>
-          <a:ext cx="0" cy="0"/>
-          <a:chOff x="0" y="0"/>
-          <a:chExt cx="0" cy="0"/>
-        </a:xfrm>
-      </p:grpSpPr>
-      <p:sp>
-        <p:nvSpPr>
-          <p:cNvPr id="2" name="כותרת 1">
-            <a:extLst>
-              <a:ext uri="{FF2B5EF4-FFF2-40B4-BE49-F238E27FC236}">
-                <a16:creationId xmlns:a16="http://schemas.microsoft.com/office/drawing/2014/main" id="{12C43150-B25E-4D0E-BDF4-635BEFD8EF18}"/>
-              </a:ext>
-            </a:extLst>
-          </p:cNvPr>
-          <p:cNvSpPr>
-            <a:spLocks noGrp="1"/>
-          </p:cNvSpPr>
-          <p:nvPr>
-            <p:ph type="ctrTitle"/>
-          </p:nvPr>
-        </p:nvSpPr>
-        <p:spPr/>
-        <p:txBody>
-          <a:bodyPr/>
-          <a:lstStyle/>
-          <a:p>
-            <a:r>
-              <a:rPr lang="he-IL" dirty="0"/>
-              <a:t>תהליך למידה</a:t>
-            </a:r>
-          </a:p>
-        </p:txBody>
-      </p:sp>
-      <p:sp>
-        <p:nvSpPr>
-          <p:cNvPr id="3" name="כותרת משנה 2">
-            <a:extLst>
-              <a:ext uri="{FF2B5EF4-FFF2-40B4-BE49-F238E27FC236}">
-                <a16:creationId xmlns:a16="http://schemas.microsoft.com/office/drawing/2014/main" id="{686F7E77-CF92-46E1-B497-C07D9D641FF9}"/>
-              </a:ext>
-            </a:extLst>
-          </p:cNvPr>
-          <p:cNvSpPr>
-            <a:spLocks noGrp="1"/>
-          </p:cNvSpPr>
-          <p:nvPr>
-            <p:ph type="subTitle" idx="1"/>
-          </p:nvPr>
-        </p:nvSpPr>
-        <p:spPr/>
-        <p:txBody>
-          <a:bodyPr/>
-          <a:lstStyle/>
-          <a:p>
-            <a:endParaRPr lang="he-IL"/>
-          </a:p>
-        </p:txBody>
-      </p:sp>
-    </p:spTree>
-    <p:extLst>
-      <p:ext uri="{BB962C8B-B14F-4D97-AF65-F5344CB8AC3E}">
-        <p14:creationId xmlns:p14="http://schemas.microsoft.com/office/powerpoint/2010/main" val="4024129565"/>
-      </p:ext>
-    </p:extLst>
-  </p:cSld>
-  <p:clrMapOvr>
-    <a:masterClrMapping/>
-  </p:clrMapOvr>
-</p:sld>
-</file>
-
 <file path=ppt/slides/slide27.xml><?xml version="1.0" encoding="utf-8"?>
 <p:sld xmlns:a="http://schemas.openxmlformats.org/drawingml/2006/main" xmlns:r="http://schemas.openxmlformats.org/officeDocument/2006/relationships" xmlns:p="http://schemas.openxmlformats.org/presentationml/2006/main">
   <p:cSld>
@@ -6465,470 +6709,61 @@
       </p:grpSpPr>
       <p:sp>
         <p:nvSpPr>
-          <p:cNvPr id="4" name="מלבן 3">
-            <a:extLst>
-              <a:ext uri="{FF2B5EF4-FFF2-40B4-BE49-F238E27FC236}">
-                <a16:creationId xmlns:a16="http://schemas.microsoft.com/office/drawing/2014/main" id="{74609AB5-34A0-4526-AABA-E4DE4362E011}"/>
-              </a:ext>
-            </a:extLst>
-          </p:cNvPr>
-          <p:cNvSpPr/>
-          <p:nvPr/>
-        </p:nvSpPr>
-        <p:spPr>
-          <a:xfrm>
-            <a:off x="159798" y="3355190"/>
-            <a:ext cx="1194047" cy="926066"/>
-          </a:xfrm>
-          <a:prstGeom prst="rect">
-            <a:avLst/>
-          </a:prstGeom>
-        </p:spPr>
-        <p:style>
-          <a:lnRef idx="2">
-            <a:schemeClr val="accent1">
-              <a:shade val="50000"/>
-            </a:schemeClr>
-          </a:lnRef>
-          <a:fillRef idx="1">
-            <a:schemeClr val="accent1"/>
-          </a:fillRef>
-          <a:effectRef idx="0">
-            <a:schemeClr val="accent1"/>
-          </a:effectRef>
-          <a:fontRef idx="minor">
-            <a:schemeClr val="lt1"/>
-          </a:fontRef>
-        </p:style>
-        <p:txBody>
-          <a:bodyPr rtlCol="1" anchor="ctr"/>
-          <a:lstStyle/>
-          <a:p>
-            <a:pPr algn="ctr"/>
-            <a:r>
-              <a:rPr lang="en-US" sz="1400" dirty="0"/>
-              <a:t>Handle Empty Values</a:t>
-            </a:r>
-            <a:endParaRPr lang="he-IL" sz="1400" dirty="0"/>
-          </a:p>
-        </p:txBody>
-      </p:sp>
-      <p:sp>
-        <p:nvSpPr>
-          <p:cNvPr id="6" name="מלבן 5">
-            <a:extLst>
-              <a:ext uri="{FF2B5EF4-FFF2-40B4-BE49-F238E27FC236}">
-                <a16:creationId xmlns:a16="http://schemas.microsoft.com/office/drawing/2014/main" id="{F455A1AA-6082-4A3E-9532-8B7DFC1574DF}"/>
-              </a:ext>
-            </a:extLst>
-          </p:cNvPr>
-          <p:cNvSpPr/>
-          <p:nvPr/>
-        </p:nvSpPr>
-        <p:spPr>
-          <a:xfrm>
-            <a:off x="2882284" y="3355760"/>
-            <a:ext cx="1194047" cy="926066"/>
-          </a:xfrm>
-          <a:prstGeom prst="rect">
-            <a:avLst/>
-          </a:prstGeom>
-        </p:spPr>
-        <p:style>
-          <a:lnRef idx="2">
-            <a:schemeClr val="accent1">
-              <a:shade val="50000"/>
-            </a:schemeClr>
-          </a:lnRef>
-          <a:fillRef idx="1">
-            <a:schemeClr val="accent1"/>
-          </a:fillRef>
-          <a:effectRef idx="0">
-            <a:schemeClr val="accent1"/>
-          </a:effectRef>
-          <a:fontRef idx="minor">
-            <a:schemeClr val="lt1"/>
-          </a:fontRef>
-        </p:style>
-        <p:txBody>
-          <a:bodyPr rtlCol="1" anchor="ctr"/>
-          <a:lstStyle/>
-          <a:p>
-            <a:pPr algn="ctr"/>
-            <a:r>
-              <a:rPr lang="en-US" sz="1400" dirty="0"/>
-              <a:t>Discretization</a:t>
-            </a:r>
-            <a:endParaRPr lang="he-IL" sz="1400" dirty="0"/>
-          </a:p>
-        </p:txBody>
-      </p:sp>
-      <p:sp>
-        <p:nvSpPr>
-          <p:cNvPr id="7" name="מלבן 6">
-            <a:extLst>
-              <a:ext uri="{FF2B5EF4-FFF2-40B4-BE49-F238E27FC236}">
-                <a16:creationId xmlns:a16="http://schemas.microsoft.com/office/drawing/2014/main" id="{C5792502-C08D-4F48-AA09-8F4286D5944F}"/>
-              </a:ext>
-            </a:extLst>
-          </p:cNvPr>
-          <p:cNvSpPr/>
-          <p:nvPr/>
-        </p:nvSpPr>
-        <p:spPr>
-          <a:xfrm>
-            <a:off x="4243527" y="3355760"/>
-            <a:ext cx="1194047" cy="926066"/>
-          </a:xfrm>
-          <a:prstGeom prst="rect">
-            <a:avLst/>
-          </a:prstGeom>
-        </p:spPr>
-        <p:style>
-          <a:lnRef idx="2">
-            <a:schemeClr val="accent1">
-              <a:shade val="50000"/>
-            </a:schemeClr>
-          </a:lnRef>
-          <a:fillRef idx="1">
-            <a:schemeClr val="accent1"/>
-          </a:fillRef>
-          <a:effectRef idx="0">
-            <a:schemeClr val="accent1"/>
-          </a:effectRef>
-          <a:fontRef idx="minor">
-            <a:schemeClr val="lt1"/>
-          </a:fontRef>
-        </p:style>
-        <p:txBody>
-          <a:bodyPr rtlCol="1" anchor="ctr"/>
-          <a:lstStyle/>
-          <a:p>
-            <a:pPr algn="ctr"/>
-            <a:r>
-              <a:rPr lang="en-US" sz="1400" dirty="0" err="1"/>
-              <a:t>Enum</a:t>
-            </a:r>
-            <a:endParaRPr lang="he-IL" sz="1400" dirty="0"/>
-          </a:p>
-        </p:txBody>
-      </p:sp>
-      <p:sp>
-        <p:nvSpPr>
-          <p:cNvPr id="8" name="מלבן 7">
-            <a:extLst>
-              <a:ext uri="{FF2B5EF4-FFF2-40B4-BE49-F238E27FC236}">
-                <a16:creationId xmlns:a16="http://schemas.microsoft.com/office/drawing/2014/main" id="{144FAF8B-F585-439C-8E89-B59AED2B9610}"/>
-              </a:ext>
-            </a:extLst>
-          </p:cNvPr>
-          <p:cNvSpPr/>
-          <p:nvPr/>
-        </p:nvSpPr>
-        <p:spPr>
-          <a:xfrm>
-            <a:off x="5700947" y="3355190"/>
-            <a:ext cx="1194047" cy="926066"/>
-          </a:xfrm>
-          <a:prstGeom prst="rect">
-            <a:avLst/>
-          </a:prstGeom>
-        </p:spPr>
-        <p:style>
-          <a:lnRef idx="2">
-            <a:schemeClr val="accent1">
-              <a:shade val="50000"/>
-            </a:schemeClr>
-          </a:lnRef>
-          <a:fillRef idx="1">
-            <a:schemeClr val="accent1"/>
-          </a:fillRef>
-          <a:effectRef idx="0">
-            <a:schemeClr val="accent1"/>
-          </a:effectRef>
-          <a:fontRef idx="minor">
-            <a:schemeClr val="lt1"/>
-          </a:fontRef>
-        </p:style>
-        <p:txBody>
-          <a:bodyPr rtlCol="1" anchor="ctr"/>
-          <a:lstStyle/>
-          <a:p>
-            <a:pPr algn="ctr"/>
-            <a:r>
-              <a:rPr lang="en-US" sz="1400" dirty="0"/>
-              <a:t>FS</a:t>
-            </a:r>
-            <a:endParaRPr lang="he-IL" sz="1400" dirty="0"/>
-          </a:p>
-        </p:txBody>
-      </p:sp>
-      <p:sp>
-        <p:nvSpPr>
-          <p:cNvPr id="9" name="מלבן 8">
-            <a:extLst>
-              <a:ext uri="{FF2B5EF4-FFF2-40B4-BE49-F238E27FC236}">
-                <a16:creationId xmlns:a16="http://schemas.microsoft.com/office/drawing/2014/main" id="{93920802-7B02-401C-A236-795F3187EBC5}"/>
-              </a:ext>
-            </a:extLst>
-          </p:cNvPr>
-          <p:cNvSpPr/>
-          <p:nvPr/>
-        </p:nvSpPr>
-        <p:spPr>
-          <a:xfrm>
-            <a:off x="7158367" y="3355190"/>
-            <a:ext cx="1194047" cy="926066"/>
-          </a:xfrm>
-          <a:prstGeom prst="rect">
-            <a:avLst/>
-          </a:prstGeom>
-        </p:spPr>
-        <p:style>
-          <a:lnRef idx="2">
-            <a:schemeClr val="accent1">
-              <a:shade val="50000"/>
-            </a:schemeClr>
-          </a:lnRef>
-          <a:fillRef idx="1">
-            <a:schemeClr val="accent1"/>
-          </a:fillRef>
-          <a:effectRef idx="0">
-            <a:schemeClr val="accent1"/>
-          </a:effectRef>
-          <a:fontRef idx="minor">
-            <a:schemeClr val="lt1"/>
-          </a:fontRef>
-        </p:style>
-        <p:txBody>
-          <a:bodyPr rtlCol="1" anchor="ctr"/>
-          <a:lstStyle/>
-          <a:p>
-            <a:pPr algn="ctr"/>
-            <a:r>
-              <a:rPr lang="en-US" sz="1400" dirty="0"/>
-              <a:t>ALG</a:t>
-            </a:r>
-            <a:endParaRPr lang="he-IL" sz="1400" dirty="0"/>
-          </a:p>
-        </p:txBody>
-      </p:sp>
-      <p:sp>
-        <p:nvSpPr>
-          <p:cNvPr id="10" name="מלבן 9">
-            <a:extLst>
-              <a:ext uri="{FF2B5EF4-FFF2-40B4-BE49-F238E27FC236}">
-                <a16:creationId xmlns:a16="http://schemas.microsoft.com/office/drawing/2014/main" id="{5E9FC044-CAB1-40B3-AB95-441195FD6077}"/>
-              </a:ext>
-            </a:extLst>
-          </p:cNvPr>
-          <p:cNvSpPr/>
-          <p:nvPr/>
-        </p:nvSpPr>
-        <p:spPr>
-          <a:xfrm>
-            <a:off x="8659435" y="3781318"/>
-            <a:ext cx="1194047" cy="926066"/>
-          </a:xfrm>
-          <a:prstGeom prst="rect">
-            <a:avLst/>
-          </a:prstGeom>
-        </p:spPr>
-        <p:style>
-          <a:lnRef idx="2">
-            <a:schemeClr val="accent1">
-              <a:shade val="50000"/>
-            </a:schemeClr>
-          </a:lnRef>
-          <a:fillRef idx="1">
-            <a:schemeClr val="accent1"/>
-          </a:fillRef>
-          <a:effectRef idx="0">
-            <a:schemeClr val="accent1"/>
-          </a:effectRef>
-          <a:fontRef idx="minor">
-            <a:schemeClr val="lt1"/>
-          </a:fontRef>
-        </p:style>
-        <p:txBody>
-          <a:bodyPr rtlCol="1" anchor="ctr"/>
-          <a:lstStyle/>
-          <a:p>
-            <a:pPr algn="ctr"/>
-            <a:r>
-              <a:rPr lang="en-US" sz="1400" dirty="0"/>
-              <a:t>SCORE</a:t>
-            </a:r>
-            <a:endParaRPr lang="he-IL" sz="1400" dirty="0"/>
-          </a:p>
-        </p:txBody>
-      </p:sp>
-      <p:sp>
-        <p:nvSpPr>
-          <p:cNvPr id="11" name="מלבן 10">
-            <a:extLst>
-              <a:ext uri="{FF2B5EF4-FFF2-40B4-BE49-F238E27FC236}">
-                <a16:creationId xmlns:a16="http://schemas.microsoft.com/office/drawing/2014/main" id="{F2DA0E8C-25FD-4020-8F82-69843E774E23}"/>
-              </a:ext>
-            </a:extLst>
-          </p:cNvPr>
-          <p:cNvSpPr/>
-          <p:nvPr/>
-        </p:nvSpPr>
-        <p:spPr>
-          <a:xfrm>
-            <a:off x="10116104" y="3817398"/>
-            <a:ext cx="1194047" cy="926066"/>
-          </a:xfrm>
-          <a:prstGeom prst="rect">
-            <a:avLst/>
-          </a:prstGeom>
-        </p:spPr>
-        <p:style>
-          <a:lnRef idx="2">
-            <a:schemeClr val="accent1">
-              <a:shade val="50000"/>
-            </a:schemeClr>
-          </a:lnRef>
-          <a:fillRef idx="1">
-            <a:schemeClr val="accent1"/>
-          </a:fillRef>
-          <a:effectRef idx="0">
-            <a:schemeClr val="accent1"/>
-          </a:effectRef>
-          <a:fontRef idx="minor">
-            <a:schemeClr val="lt1"/>
-          </a:fontRef>
-        </p:style>
-        <p:txBody>
-          <a:bodyPr rtlCol="1" anchor="ctr"/>
-          <a:lstStyle/>
-          <a:p>
-            <a:pPr algn="ctr"/>
-            <a:r>
-              <a:rPr lang="en-US" sz="1400" dirty="0"/>
-              <a:t>RESULT</a:t>
-            </a:r>
-            <a:endParaRPr lang="he-IL" sz="1400" dirty="0"/>
-          </a:p>
-          <a:p>
-            <a:pPr algn="ctr"/>
-            <a:r>
-              <a:rPr lang="en-US" sz="1400" dirty="0"/>
-              <a:t>(ALG)</a:t>
-            </a:r>
-            <a:endParaRPr lang="he-IL" sz="1400" dirty="0"/>
-          </a:p>
-        </p:txBody>
-      </p:sp>
-      <p:sp>
-        <p:nvSpPr>
-          <p:cNvPr id="12" name="מלבן 11">
-            <a:extLst>
-              <a:ext uri="{FF2B5EF4-FFF2-40B4-BE49-F238E27FC236}">
-                <a16:creationId xmlns:a16="http://schemas.microsoft.com/office/drawing/2014/main" id="{47E76C13-4B61-4E05-B82D-64A274AF8A75}"/>
-              </a:ext>
-            </a:extLst>
-          </p:cNvPr>
-          <p:cNvSpPr/>
-          <p:nvPr/>
-        </p:nvSpPr>
-        <p:spPr>
-          <a:xfrm>
-            <a:off x="1521041" y="3355190"/>
-            <a:ext cx="1194047" cy="926066"/>
-          </a:xfrm>
-          <a:prstGeom prst="rect">
-            <a:avLst/>
-          </a:prstGeom>
-        </p:spPr>
-        <p:style>
-          <a:lnRef idx="2">
-            <a:schemeClr val="accent1">
-              <a:shade val="50000"/>
-            </a:schemeClr>
-          </a:lnRef>
-          <a:fillRef idx="1">
-            <a:schemeClr val="accent1"/>
-          </a:fillRef>
-          <a:effectRef idx="0">
-            <a:schemeClr val="accent1"/>
-          </a:effectRef>
-          <a:fontRef idx="minor">
-            <a:schemeClr val="lt1"/>
-          </a:fontRef>
-        </p:style>
-        <p:txBody>
-          <a:bodyPr rtlCol="1" anchor="ctr"/>
-          <a:lstStyle/>
-          <a:p>
-            <a:pPr algn="ctr"/>
-            <a:r>
-              <a:rPr lang="en-US" sz="1400" dirty="0"/>
-              <a:t>Feature Scaling</a:t>
-            </a:r>
-            <a:endParaRPr lang="he-IL" sz="1400" dirty="0"/>
-          </a:p>
-        </p:txBody>
-      </p:sp>
-      <p:sp>
-        <p:nvSpPr>
-          <p:cNvPr id="13" name="מלבן 12">
-            <a:extLst>
-              <a:ext uri="{FF2B5EF4-FFF2-40B4-BE49-F238E27FC236}">
-                <a16:creationId xmlns:a16="http://schemas.microsoft.com/office/drawing/2014/main" id="{642D20AA-6152-4F04-AEAD-9C55C30D6098}"/>
-              </a:ext>
-            </a:extLst>
-          </p:cNvPr>
-          <p:cNvSpPr/>
-          <p:nvPr/>
-        </p:nvSpPr>
-        <p:spPr>
-          <a:xfrm>
-            <a:off x="7177606" y="4501889"/>
-            <a:ext cx="1194047" cy="926066"/>
-          </a:xfrm>
-          <a:prstGeom prst="rect">
-            <a:avLst/>
-          </a:prstGeom>
-        </p:spPr>
-        <p:style>
-          <a:lnRef idx="2">
-            <a:schemeClr val="accent1">
-              <a:shade val="50000"/>
-            </a:schemeClr>
-          </a:lnRef>
-          <a:fillRef idx="1">
-            <a:schemeClr val="accent1"/>
-          </a:fillRef>
-          <a:effectRef idx="0">
-            <a:schemeClr val="accent1"/>
-          </a:effectRef>
-          <a:fontRef idx="minor">
-            <a:schemeClr val="lt1"/>
-          </a:fontRef>
-        </p:style>
-        <p:txBody>
-          <a:bodyPr rtlCol="1" anchor="ctr"/>
-          <a:lstStyle/>
-          <a:p>
-            <a:pPr algn="ctr"/>
-            <a:r>
-              <a:rPr lang="en-US" sz="1400" dirty="0"/>
-              <a:t>Hyperparameters </a:t>
-            </a:r>
-            <a:r>
-              <a:rPr lang="en-US" sz="1400" dirty="0" err="1"/>
-              <a:t>Tunning</a:t>
-            </a:r>
-            <a:endParaRPr lang="he-IL" sz="1400" dirty="0"/>
+          <p:cNvPr id="2" name="כותרת 1">
+            <a:extLst>
+              <a:ext uri="{FF2B5EF4-FFF2-40B4-BE49-F238E27FC236}">
+                <a16:creationId xmlns:a16="http://schemas.microsoft.com/office/drawing/2014/main" id="{12C43150-B25E-4D0E-BDF4-635BEFD8EF18}"/>
+              </a:ext>
+            </a:extLst>
+          </p:cNvPr>
+          <p:cNvSpPr>
+            <a:spLocks noGrp="1"/>
+          </p:cNvSpPr>
+          <p:nvPr>
+            <p:ph type="ctrTitle"/>
+          </p:nvPr>
+        </p:nvSpPr>
+        <p:spPr/>
+        <p:txBody>
+          <a:bodyPr/>
+          <a:lstStyle/>
+          <a:p>
+            <a:r>
+              <a:rPr lang="he-IL" dirty="0"/>
+              <a:t>תהליך למידה</a:t>
+            </a:r>
+          </a:p>
+        </p:txBody>
+      </p:sp>
+      <p:sp>
+        <p:nvSpPr>
+          <p:cNvPr id="3" name="כותרת משנה 2">
+            <a:extLst>
+              <a:ext uri="{FF2B5EF4-FFF2-40B4-BE49-F238E27FC236}">
+                <a16:creationId xmlns:a16="http://schemas.microsoft.com/office/drawing/2014/main" id="{686F7E77-CF92-46E1-B497-C07D9D641FF9}"/>
+              </a:ext>
+            </a:extLst>
+          </p:cNvPr>
+          <p:cNvSpPr>
+            <a:spLocks noGrp="1"/>
+          </p:cNvSpPr>
+          <p:nvPr>
+            <p:ph type="subTitle" idx="1"/>
+          </p:nvPr>
+        </p:nvSpPr>
+        <p:spPr/>
+        <p:txBody>
+          <a:bodyPr/>
+          <a:lstStyle/>
+          <a:p>
+            <a:endParaRPr lang="he-IL"/>
           </a:p>
         </p:txBody>
       </p:sp>
     </p:spTree>
     <p:extLst>
       <p:ext uri="{BB962C8B-B14F-4D97-AF65-F5344CB8AC3E}">
-        <p14:creationId xmlns:p14="http://schemas.microsoft.com/office/powerpoint/2010/main" val="1488967984"/>
+        <p14:creationId xmlns:p14="http://schemas.microsoft.com/office/powerpoint/2010/main" val="4024129565"/>
       </p:ext>
     </p:extLst>
   </p:cSld>
@@ -6957,6 +6792,498 @@
       </p:grpSpPr>
       <p:sp>
         <p:nvSpPr>
+          <p:cNvPr id="4" name="מלבן 3">
+            <a:extLst>
+              <a:ext uri="{FF2B5EF4-FFF2-40B4-BE49-F238E27FC236}">
+                <a16:creationId xmlns:a16="http://schemas.microsoft.com/office/drawing/2014/main" id="{74609AB5-34A0-4526-AABA-E4DE4362E011}"/>
+              </a:ext>
+            </a:extLst>
+          </p:cNvPr>
+          <p:cNvSpPr/>
+          <p:nvPr/>
+        </p:nvSpPr>
+        <p:spPr>
+          <a:xfrm>
+            <a:off x="159798" y="3355190"/>
+            <a:ext cx="1194047" cy="926066"/>
+          </a:xfrm>
+          <a:prstGeom prst="rect">
+            <a:avLst/>
+          </a:prstGeom>
+        </p:spPr>
+        <p:style>
+          <a:lnRef idx="2">
+            <a:schemeClr val="accent1">
+              <a:shade val="50000"/>
+            </a:schemeClr>
+          </a:lnRef>
+          <a:fillRef idx="1">
+            <a:schemeClr val="accent1"/>
+          </a:fillRef>
+          <a:effectRef idx="0">
+            <a:schemeClr val="accent1"/>
+          </a:effectRef>
+          <a:fontRef idx="minor">
+            <a:schemeClr val="lt1"/>
+          </a:fontRef>
+        </p:style>
+        <p:txBody>
+          <a:bodyPr rtlCol="1" anchor="ctr"/>
+          <a:lstStyle/>
+          <a:p>
+            <a:pPr algn="ctr"/>
+            <a:r>
+              <a:rPr lang="en-US" sz="1400" dirty="0"/>
+              <a:t>Handle Empty Values</a:t>
+            </a:r>
+            <a:endParaRPr lang="he-IL" sz="1400" dirty="0"/>
+          </a:p>
+        </p:txBody>
+      </p:sp>
+      <p:sp>
+        <p:nvSpPr>
+          <p:cNvPr id="6" name="מלבן 5">
+            <a:extLst>
+              <a:ext uri="{FF2B5EF4-FFF2-40B4-BE49-F238E27FC236}">
+                <a16:creationId xmlns:a16="http://schemas.microsoft.com/office/drawing/2014/main" id="{F455A1AA-6082-4A3E-9532-8B7DFC1574DF}"/>
+              </a:ext>
+            </a:extLst>
+          </p:cNvPr>
+          <p:cNvSpPr/>
+          <p:nvPr/>
+        </p:nvSpPr>
+        <p:spPr>
+          <a:xfrm>
+            <a:off x="2882284" y="3355760"/>
+            <a:ext cx="1194047" cy="926066"/>
+          </a:xfrm>
+          <a:prstGeom prst="rect">
+            <a:avLst/>
+          </a:prstGeom>
+        </p:spPr>
+        <p:style>
+          <a:lnRef idx="2">
+            <a:schemeClr val="accent1">
+              <a:shade val="50000"/>
+            </a:schemeClr>
+          </a:lnRef>
+          <a:fillRef idx="1">
+            <a:schemeClr val="accent1"/>
+          </a:fillRef>
+          <a:effectRef idx="0">
+            <a:schemeClr val="accent1"/>
+          </a:effectRef>
+          <a:fontRef idx="minor">
+            <a:schemeClr val="lt1"/>
+          </a:fontRef>
+        </p:style>
+        <p:txBody>
+          <a:bodyPr rtlCol="1" anchor="ctr"/>
+          <a:lstStyle/>
+          <a:p>
+            <a:pPr algn="ctr"/>
+            <a:r>
+              <a:rPr lang="en-US" sz="1400" dirty="0"/>
+              <a:t>Discretization</a:t>
+            </a:r>
+            <a:endParaRPr lang="he-IL" sz="1400" dirty="0"/>
+          </a:p>
+        </p:txBody>
+      </p:sp>
+      <p:sp>
+        <p:nvSpPr>
+          <p:cNvPr id="7" name="מלבן 6">
+            <a:extLst>
+              <a:ext uri="{FF2B5EF4-FFF2-40B4-BE49-F238E27FC236}">
+                <a16:creationId xmlns:a16="http://schemas.microsoft.com/office/drawing/2014/main" id="{C5792502-C08D-4F48-AA09-8F4286D5944F}"/>
+              </a:ext>
+            </a:extLst>
+          </p:cNvPr>
+          <p:cNvSpPr/>
+          <p:nvPr/>
+        </p:nvSpPr>
+        <p:spPr>
+          <a:xfrm>
+            <a:off x="4243527" y="3355760"/>
+            <a:ext cx="1194047" cy="926066"/>
+          </a:xfrm>
+          <a:prstGeom prst="rect">
+            <a:avLst/>
+          </a:prstGeom>
+        </p:spPr>
+        <p:style>
+          <a:lnRef idx="2">
+            <a:schemeClr val="accent1">
+              <a:shade val="50000"/>
+            </a:schemeClr>
+          </a:lnRef>
+          <a:fillRef idx="1">
+            <a:schemeClr val="accent1"/>
+          </a:fillRef>
+          <a:effectRef idx="0">
+            <a:schemeClr val="accent1"/>
+          </a:effectRef>
+          <a:fontRef idx="minor">
+            <a:schemeClr val="lt1"/>
+          </a:fontRef>
+        </p:style>
+        <p:txBody>
+          <a:bodyPr rtlCol="1" anchor="ctr"/>
+          <a:lstStyle/>
+          <a:p>
+            <a:pPr algn="ctr"/>
+            <a:r>
+              <a:rPr lang="en-US" sz="1400" dirty="0" err="1"/>
+              <a:t>Enum</a:t>
+            </a:r>
+            <a:endParaRPr lang="he-IL" sz="1400" dirty="0"/>
+          </a:p>
+        </p:txBody>
+      </p:sp>
+      <p:sp>
+        <p:nvSpPr>
+          <p:cNvPr id="8" name="מלבן 7">
+            <a:extLst>
+              <a:ext uri="{FF2B5EF4-FFF2-40B4-BE49-F238E27FC236}">
+                <a16:creationId xmlns:a16="http://schemas.microsoft.com/office/drawing/2014/main" id="{144FAF8B-F585-439C-8E89-B59AED2B9610}"/>
+              </a:ext>
+            </a:extLst>
+          </p:cNvPr>
+          <p:cNvSpPr/>
+          <p:nvPr/>
+        </p:nvSpPr>
+        <p:spPr>
+          <a:xfrm>
+            <a:off x="5700947" y="3355190"/>
+            <a:ext cx="1194047" cy="926066"/>
+          </a:xfrm>
+          <a:prstGeom prst="rect">
+            <a:avLst/>
+          </a:prstGeom>
+        </p:spPr>
+        <p:style>
+          <a:lnRef idx="2">
+            <a:schemeClr val="accent1">
+              <a:shade val="50000"/>
+            </a:schemeClr>
+          </a:lnRef>
+          <a:fillRef idx="1">
+            <a:schemeClr val="accent1"/>
+          </a:fillRef>
+          <a:effectRef idx="0">
+            <a:schemeClr val="accent1"/>
+          </a:effectRef>
+          <a:fontRef idx="minor">
+            <a:schemeClr val="lt1"/>
+          </a:fontRef>
+        </p:style>
+        <p:txBody>
+          <a:bodyPr rtlCol="1" anchor="ctr"/>
+          <a:lstStyle/>
+          <a:p>
+            <a:pPr algn="ctr"/>
+            <a:r>
+              <a:rPr lang="en-US" sz="1400" dirty="0"/>
+              <a:t>FS</a:t>
+            </a:r>
+            <a:endParaRPr lang="he-IL" sz="1400" dirty="0"/>
+          </a:p>
+        </p:txBody>
+      </p:sp>
+      <p:sp>
+        <p:nvSpPr>
+          <p:cNvPr id="9" name="מלבן 8">
+            <a:extLst>
+              <a:ext uri="{FF2B5EF4-FFF2-40B4-BE49-F238E27FC236}">
+                <a16:creationId xmlns:a16="http://schemas.microsoft.com/office/drawing/2014/main" id="{93920802-7B02-401C-A236-795F3187EBC5}"/>
+              </a:ext>
+            </a:extLst>
+          </p:cNvPr>
+          <p:cNvSpPr/>
+          <p:nvPr/>
+        </p:nvSpPr>
+        <p:spPr>
+          <a:xfrm>
+            <a:off x="7158367" y="3355190"/>
+            <a:ext cx="1194047" cy="926066"/>
+          </a:xfrm>
+          <a:prstGeom prst="rect">
+            <a:avLst/>
+          </a:prstGeom>
+        </p:spPr>
+        <p:style>
+          <a:lnRef idx="2">
+            <a:schemeClr val="accent1">
+              <a:shade val="50000"/>
+            </a:schemeClr>
+          </a:lnRef>
+          <a:fillRef idx="1">
+            <a:schemeClr val="accent1"/>
+          </a:fillRef>
+          <a:effectRef idx="0">
+            <a:schemeClr val="accent1"/>
+          </a:effectRef>
+          <a:fontRef idx="minor">
+            <a:schemeClr val="lt1"/>
+          </a:fontRef>
+        </p:style>
+        <p:txBody>
+          <a:bodyPr rtlCol="1" anchor="ctr"/>
+          <a:lstStyle/>
+          <a:p>
+            <a:pPr algn="ctr"/>
+            <a:r>
+              <a:rPr lang="en-US" sz="1400" dirty="0"/>
+              <a:t>ALG</a:t>
+            </a:r>
+            <a:endParaRPr lang="he-IL" sz="1400" dirty="0"/>
+          </a:p>
+        </p:txBody>
+      </p:sp>
+      <p:sp>
+        <p:nvSpPr>
+          <p:cNvPr id="10" name="מלבן 9">
+            <a:extLst>
+              <a:ext uri="{FF2B5EF4-FFF2-40B4-BE49-F238E27FC236}">
+                <a16:creationId xmlns:a16="http://schemas.microsoft.com/office/drawing/2014/main" id="{5E9FC044-CAB1-40B3-AB95-441195FD6077}"/>
+              </a:ext>
+            </a:extLst>
+          </p:cNvPr>
+          <p:cNvSpPr/>
+          <p:nvPr/>
+        </p:nvSpPr>
+        <p:spPr>
+          <a:xfrm>
+            <a:off x="8659435" y="3781318"/>
+            <a:ext cx="1194047" cy="926066"/>
+          </a:xfrm>
+          <a:prstGeom prst="rect">
+            <a:avLst/>
+          </a:prstGeom>
+        </p:spPr>
+        <p:style>
+          <a:lnRef idx="2">
+            <a:schemeClr val="accent1">
+              <a:shade val="50000"/>
+            </a:schemeClr>
+          </a:lnRef>
+          <a:fillRef idx="1">
+            <a:schemeClr val="accent1"/>
+          </a:fillRef>
+          <a:effectRef idx="0">
+            <a:schemeClr val="accent1"/>
+          </a:effectRef>
+          <a:fontRef idx="minor">
+            <a:schemeClr val="lt1"/>
+          </a:fontRef>
+        </p:style>
+        <p:txBody>
+          <a:bodyPr rtlCol="1" anchor="ctr"/>
+          <a:lstStyle/>
+          <a:p>
+            <a:pPr algn="ctr"/>
+            <a:r>
+              <a:rPr lang="en-US" sz="1400" dirty="0"/>
+              <a:t>SCORE</a:t>
+            </a:r>
+            <a:endParaRPr lang="he-IL" sz="1400" dirty="0"/>
+          </a:p>
+        </p:txBody>
+      </p:sp>
+      <p:sp>
+        <p:nvSpPr>
+          <p:cNvPr id="11" name="מלבן 10">
+            <a:extLst>
+              <a:ext uri="{FF2B5EF4-FFF2-40B4-BE49-F238E27FC236}">
+                <a16:creationId xmlns:a16="http://schemas.microsoft.com/office/drawing/2014/main" id="{F2DA0E8C-25FD-4020-8F82-69843E774E23}"/>
+              </a:ext>
+            </a:extLst>
+          </p:cNvPr>
+          <p:cNvSpPr/>
+          <p:nvPr/>
+        </p:nvSpPr>
+        <p:spPr>
+          <a:xfrm>
+            <a:off x="10116104" y="3817398"/>
+            <a:ext cx="1194047" cy="926066"/>
+          </a:xfrm>
+          <a:prstGeom prst="rect">
+            <a:avLst/>
+          </a:prstGeom>
+        </p:spPr>
+        <p:style>
+          <a:lnRef idx="2">
+            <a:schemeClr val="accent1">
+              <a:shade val="50000"/>
+            </a:schemeClr>
+          </a:lnRef>
+          <a:fillRef idx="1">
+            <a:schemeClr val="accent1"/>
+          </a:fillRef>
+          <a:effectRef idx="0">
+            <a:schemeClr val="accent1"/>
+          </a:effectRef>
+          <a:fontRef idx="minor">
+            <a:schemeClr val="lt1"/>
+          </a:fontRef>
+        </p:style>
+        <p:txBody>
+          <a:bodyPr rtlCol="1" anchor="ctr"/>
+          <a:lstStyle/>
+          <a:p>
+            <a:pPr algn="ctr"/>
+            <a:r>
+              <a:rPr lang="en-US" sz="1400" dirty="0"/>
+              <a:t>RESULT</a:t>
+            </a:r>
+            <a:endParaRPr lang="he-IL" sz="1400" dirty="0"/>
+          </a:p>
+          <a:p>
+            <a:pPr algn="ctr"/>
+            <a:r>
+              <a:rPr lang="en-US" sz="1400" dirty="0"/>
+              <a:t>(ALG)</a:t>
+            </a:r>
+            <a:endParaRPr lang="he-IL" sz="1400" dirty="0"/>
+          </a:p>
+        </p:txBody>
+      </p:sp>
+      <p:sp>
+        <p:nvSpPr>
+          <p:cNvPr id="12" name="מלבן 11">
+            <a:extLst>
+              <a:ext uri="{FF2B5EF4-FFF2-40B4-BE49-F238E27FC236}">
+                <a16:creationId xmlns:a16="http://schemas.microsoft.com/office/drawing/2014/main" id="{47E76C13-4B61-4E05-B82D-64A274AF8A75}"/>
+              </a:ext>
+            </a:extLst>
+          </p:cNvPr>
+          <p:cNvSpPr/>
+          <p:nvPr/>
+        </p:nvSpPr>
+        <p:spPr>
+          <a:xfrm>
+            <a:off x="1521041" y="3355190"/>
+            <a:ext cx="1194047" cy="926066"/>
+          </a:xfrm>
+          <a:prstGeom prst="rect">
+            <a:avLst/>
+          </a:prstGeom>
+        </p:spPr>
+        <p:style>
+          <a:lnRef idx="2">
+            <a:schemeClr val="accent1">
+              <a:shade val="50000"/>
+            </a:schemeClr>
+          </a:lnRef>
+          <a:fillRef idx="1">
+            <a:schemeClr val="accent1"/>
+          </a:fillRef>
+          <a:effectRef idx="0">
+            <a:schemeClr val="accent1"/>
+          </a:effectRef>
+          <a:fontRef idx="minor">
+            <a:schemeClr val="lt1"/>
+          </a:fontRef>
+        </p:style>
+        <p:txBody>
+          <a:bodyPr rtlCol="1" anchor="ctr"/>
+          <a:lstStyle/>
+          <a:p>
+            <a:pPr algn="ctr"/>
+            <a:r>
+              <a:rPr lang="en-US" sz="1400" dirty="0"/>
+              <a:t>Feature Scaling</a:t>
+            </a:r>
+            <a:endParaRPr lang="he-IL" sz="1400" dirty="0"/>
+          </a:p>
+        </p:txBody>
+      </p:sp>
+      <p:sp>
+        <p:nvSpPr>
+          <p:cNvPr id="13" name="מלבן 12">
+            <a:extLst>
+              <a:ext uri="{FF2B5EF4-FFF2-40B4-BE49-F238E27FC236}">
+                <a16:creationId xmlns:a16="http://schemas.microsoft.com/office/drawing/2014/main" id="{642D20AA-6152-4F04-AEAD-9C55C30D6098}"/>
+              </a:ext>
+            </a:extLst>
+          </p:cNvPr>
+          <p:cNvSpPr/>
+          <p:nvPr/>
+        </p:nvSpPr>
+        <p:spPr>
+          <a:xfrm>
+            <a:off x="7177606" y="4501889"/>
+            <a:ext cx="1194047" cy="926066"/>
+          </a:xfrm>
+          <a:prstGeom prst="rect">
+            <a:avLst/>
+          </a:prstGeom>
+        </p:spPr>
+        <p:style>
+          <a:lnRef idx="2">
+            <a:schemeClr val="accent1">
+              <a:shade val="50000"/>
+            </a:schemeClr>
+          </a:lnRef>
+          <a:fillRef idx="1">
+            <a:schemeClr val="accent1"/>
+          </a:fillRef>
+          <a:effectRef idx="0">
+            <a:schemeClr val="accent1"/>
+          </a:effectRef>
+          <a:fontRef idx="minor">
+            <a:schemeClr val="lt1"/>
+          </a:fontRef>
+        </p:style>
+        <p:txBody>
+          <a:bodyPr rtlCol="1" anchor="ctr"/>
+          <a:lstStyle/>
+          <a:p>
+            <a:pPr algn="ctr"/>
+            <a:r>
+              <a:rPr lang="en-US" sz="1400" dirty="0"/>
+              <a:t>Hyperparameters </a:t>
+            </a:r>
+            <a:r>
+              <a:rPr lang="en-US" sz="1400" dirty="0" err="1"/>
+              <a:t>Tunning</a:t>
+            </a:r>
+            <a:endParaRPr lang="he-IL" sz="1400" dirty="0"/>
+          </a:p>
+        </p:txBody>
+      </p:sp>
+    </p:spTree>
+    <p:extLst>
+      <p:ext uri="{BB962C8B-B14F-4D97-AF65-F5344CB8AC3E}">
+        <p14:creationId xmlns:p14="http://schemas.microsoft.com/office/powerpoint/2010/main" val="1488967984"/>
+      </p:ext>
+    </p:extLst>
+  </p:cSld>
+  <p:clrMapOvr>
+    <a:masterClrMapping/>
+  </p:clrMapOvr>
+</p:sld>
+</file>
+
+<file path=ppt/slides/slide29.xml><?xml version="1.0" encoding="utf-8"?>
+<p:sld xmlns:a="http://schemas.openxmlformats.org/drawingml/2006/main" xmlns:r="http://schemas.openxmlformats.org/officeDocument/2006/relationships" xmlns:p="http://schemas.openxmlformats.org/presentationml/2006/main">
+  <p:cSld>
+    <p:spTree>
+      <p:nvGrpSpPr>
+        <p:cNvPr id="1" name=""/>
+        <p:cNvGrpSpPr/>
+        <p:nvPr/>
+      </p:nvGrpSpPr>
+      <p:grpSpPr>
+        <a:xfrm>
+          <a:off x="0" y="0"/>
+          <a:ext cx="0" cy="0"/>
+          <a:chOff x="0" y="0"/>
+          <a:chExt cx="0" cy="0"/>
+        </a:xfrm>
+      </p:grpSpPr>
+      <p:sp>
+        <p:nvSpPr>
           <p:cNvPr id="2" name="כותרת 1">
             <a:extLst>
               <a:ext uri="{FF2B5EF4-FFF2-40B4-BE49-F238E27FC236}">
@@ -7022,7 +7349,139 @@
 </p:sld>
 </file>
 
-<file path=ppt/slides/slide29.xml><?xml version="1.0" encoding="utf-8"?>
+<file path=ppt/slides/slide3.xml><?xml version="1.0" encoding="utf-8"?>
+<p:sld xmlns:a="http://schemas.openxmlformats.org/drawingml/2006/main" xmlns:r="http://schemas.openxmlformats.org/officeDocument/2006/relationships" xmlns:p="http://schemas.openxmlformats.org/presentationml/2006/main">
+  <p:cSld>
+    <p:spTree>
+      <p:nvGrpSpPr>
+        <p:cNvPr id="1" name=""/>
+        <p:cNvGrpSpPr/>
+        <p:nvPr/>
+      </p:nvGrpSpPr>
+      <p:grpSpPr>
+        <a:xfrm>
+          <a:off x="0" y="0"/>
+          <a:ext cx="0" cy="0"/>
+          <a:chOff x="0" y="0"/>
+          <a:chExt cx="0" cy="0"/>
+        </a:xfrm>
+      </p:grpSpPr>
+      <p:sp>
+        <p:nvSpPr>
+          <p:cNvPr id="2" name="כותרת 1">
+            <a:extLst>
+              <a:ext uri="{FF2B5EF4-FFF2-40B4-BE49-F238E27FC236}">
+                <a16:creationId xmlns:a16="http://schemas.microsoft.com/office/drawing/2014/main" id="{4CDBD322-010D-4D09-B4D0-C52ABE075B41}"/>
+              </a:ext>
+            </a:extLst>
+          </p:cNvPr>
+          <p:cNvSpPr>
+            <a:spLocks noGrp="1"/>
+          </p:cNvSpPr>
+          <p:nvPr>
+            <p:ph type="title"/>
+          </p:nvPr>
+        </p:nvSpPr>
+        <p:spPr/>
+        <p:txBody>
+          <a:bodyPr/>
+          <a:lstStyle/>
+          <a:p>
+            <a:r>
+              <a:rPr lang="he-IL" dirty="0"/>
+              <a:t>ישנם מספר טכניקות לבחירת קבוצת תכונות</a:t>
+            </a:r>
+          </a:p>
+        </p:txBody>
+      </p:sp>
+      <p:sp>
+        <p:nvSpPr>
+          <p:cNvPr id="3" name="מציין מיקום תוכן 2">
+            <a:extLst>
+              <a:ext uri="{FF2B5EF4-FFF2-40B4-BE49-F238E27FC236}">
+                <a16:creationId xmlns:a16="http://schemas.microsoft.com/office/drawing/2014/main" id="{FFA676B8-64D5-452C-8FE6-0A33E5A2FEE5}"/>
+              </a:ext>
+            </a:extLst>
+          </p:cNvPr>
+          <p:cNvSpPr>
+            <a:spLocks noGrp="1"/>
+          </p:cNvSpPr>
+          <p:nvPr>
+            <p:ph idx="1"/>
+          </p:nvPr>
+        </p:nvSpPr>
+        <p:spPr/>
+        <p:txBody>
+          <a:bodyPr>
+            <a:normAutofit/>
+          </a:bodyPr>
+          <a:lstStyle/>
+          <a:p>
+            <a:pPr marL="514350" indent="-514350">
+              <a:buAutoNum type="arabicPeriod"/>
+            </a:pPr>
+            <a:r>
+              <a:rPr lang="en-US" dirty="0"/>
+              <a:t>Filter Methods</a:t>
+            </a:r>
+            <a:endParaRPr lang="he-IL" dirty="0"/>
+          </a:p>
+          <a:p>
+            <a:pPr marL="514350" indent="-514350">
+              <a:buAutoNum type="arabicPeriod"/>
+            </a:pPr>
+            <a:r>
+              <a:rPr lang="en-US" dirty="0"/>
+              <a:t>Wrapper Methods</a:t>
+            </a:r>
+          </a:p>
+          <a:p>
+            <a:pPr marL="514350" indent="-514350">
+              <a:buAutoNum type="arabicPeriod"/>
+            </a:pPr>
+            <a:r>
+              <a:rPr lang="en-US" dirty="0"/>
+              <a:t>Embedded Methods</a:t>
+            </a:r>
+          </a:p>
+          <a:p>
+            <a:pPr marL="514350" indent="-514350">
+              <a:buAutoNum type="arabicPeriod"/>
+            </a:pPr>
+            <a:r>
+              <a:rPr lang="en-US" dirty="0"/>
+              <a:t>Hybrid Methods</a:t>
+            </a:r>
+          </a:p>
+          <a:p>
+            <a:pPr marL="514350" indent="-514350">
+              <a:buAutoNum type="arabicPeriod"/>
+            </a:pPr>
+            <a:r>
+              <a:rPr lang="en-US" dirty="0"/>
+              <a:t>Advanced Methods</a:t>
+            </a:r>
+            <a:r>
+              <a:rPr lang="he-IL" dirty="0"/>
+              <a:t> (שיטות גנטיות)</a:t>
+            </a:r>
+          </a:p>
+        </p:txBody>
+      </p:sp>
+    </p:spTree>
+    <p:extLst>
+      <p:ext uri="{BB962C8B-B14F-4D97-AF65-F5344CB8AC3E}">
+        <p14:creationId xmlns:p14="http://schemas.microsoft.com/office/powerpoint/2010/main" val="1904535590"/>
+      </p:ext>
+    </p:extLst>
+  </p:cSld>
+  <p:clrMapOvr>
+    <a:masterClrMapping/>
+  </p:clrMapOvr>
+</p:sld>
+</file>
+
+<file path=ppt/slides/slide30.xml><?xml version="1.0" encoding="utf-8"?>
 <p:sld xmlns:a="http://schemas.openxmlformats.org/drawingml/2006/main" xmlns:r="http://schemas.openxmlformats.org/officeDocument/2006/relationships" xmlns:p="http://schemas.openxmlformats.org/presentationml/2006/main">
   <p:cSld>
     <p:spTree>
@@ -7449,222 +7908,6 @@
 </p:sld>
 </file>
 
-<file path=ppt/slides/slide3.xml><?xml version="1.0" encoding="utf-8"?>
-<p:sld xmlns:a="http://schemas.openxmlformats.org/drawingml/2006/main" xmlns:r="http://schemas.openxmlformats.org/officeDocument/2006/relationships" xmlns:p="http://schemas.openxmlformats.org/presentationml/2006/main">
-  <p:cSld>
-    <p:spTree>
-      <p:nvGrpSpPr>
-        <p:cNvPr id="1" name=""/>
-        <p:cNvGrpSpPr/>
-        <p:nvPr/>
-      </p:nvGrpSpPr>
-      <p:grpSpPr>
-        <a:xfrm>
-          <a:off x="0" y="0"/>
-          <a:ext cx="0" cy="0"/>
-          <a:chOff x="0" y="0"/>
-          <a:chExt cx="0" cy="0"/>
-        </a:xfrm>
-      </p:grpSpPr>
-      <p:sp>
-        <p:nvSpPr>
-          <p:cNvPr id="2" name="כותרת 1">
-            <a:extLst>
-              <a:ext uri="{FF2B5EF4-FFF2-40B4-BE49-F238E27FC236}">
-                <a16:creationId xmlns:a16="http://schemas.microsoft.com/office/drawing/2014/main" id="{4CDBD322-010D-4D09-B4D0-C52ABE075B41}"/>
-              </a:ext>
-            </a:extLst>
-          </p:cNvPr>
-          <p:cNvSpPr>
-            <a:spLocks noGrp="1"/>
-          </p:cNvSpPr>
-          <p:nvPr>
-            <p:ph type="title"/>
-          </p:nvPr>
-        </p:nvSpPr>
-        <p:spPr/>
-        <p:txBody>
-          <a:bodyPr/>
-          <a:lstStyle/>
-          <a:p>
-            <a:r>
-              <a:rPr lang="he-IL" dirty="0"/>
-              <a:t>ישנם מספר טכניקות לבחירת קבוצת תכונות</a:t>
-            </a:r>
-          </a:p>
-        </p:txBody>
-      </p:sp>
-      <p:sp>
-        <p:nvSpPr>
-          <p:cNvPr id="3" name="מציין מיקום תוכן 2">
-            <a:extLst>
-              <a:ext uri="{FF2B5EF4-FFF2-40B4-BE49-F238E27FC236}">
-                <a16:creationId xmlns:a16="http://schemas.microsoft.com/office/drawing/2014/main" id="{FFA676B8-64D5-452C-8FE6-0A33E5A2FEE5}"/>
-              </a:ext>
-            </a:extLst>
-          </p:cNvPr>
-          <p:cNvSpPr>
-            <a:spLocks noGrp="1"/>
-          </p:cNvSpPr>
-          <p:nvPr>
-            <p:ph idx="1"/>
-          </p:nvPr>
-        </p:nvSpPr>
-        <p:spPr/>
-        <p:txBody>
-          <a:bodyPr>
-            <a:normAutofit/>
-          </a:bodyPr>
-          <a:lstStyle/>
-          <a:p>
-            <a:pPr marL="514350" indent="-514350">
-              <a:buAutoNum type="arabicPeriod"/>
-            </a:pPr>
-            <a:r>
-              <a:rPr lang="en-US" dirty="0"/>
-              <a:t>Filter Methods</a:t>
-            </a:r>
-            <a:endParaRPr lang="he-IL" dirty="0"/>
-          </a:p>
-          <a:p>
-            <a:pPr marL="514350" indent="-514350">
-              <a:buAutoNum type="arabicPeriod"/>
-            </a:pPr>
-            <a:r>
-              <a:rPr lang="en-US" dirty="0"/>
-              <a:t>Wrapper Methods</a:t>
-            </a:r>
-          </a:p>
-          <a:p>
-            <a:pPr marL="514350" indent="-514350">
-              <a:buAutoNum type="arabicPeriod"/>
-            </a:pPr>
-            <a:r>
-              <a:rPr lang="en-US" dirty="0"/>
-              <a:t>Embedded Methods</a:t>
-            </a:r>
-          </a:p>
-          <a:p>
-            <a:pPr marL="514350" indent="-514350">
-              <a:buAutoNum type="arabicPeriod"/>
-            </a:pPr>
-            <a:r>
-              <a:rPr lang="en-US" dirty="0"/>
-              <a:t>Hybrid Methods</a:t>
-            </a:r>
-          </a:p>
-          <a:p>
-            <a:pPr marL="514350" indent="-514350">
-              <a:buAutoNum type="arabicPeriod"/>
-            </a:pPr>
-            <a:r>
-              <a:rPr lang="en-US" dirty="0"/>
-              <a:t>Advanced Methods</a:t>
-            </a:r>
-            <a:r>
-              <a:rPr lang="he-IL" dirty="0"/>
-              <a:t> (שיטות גנטיות)</a:t>
-            </a:r>
-          </a:p>
-        </p:txBody>
-      </p:sp>
-    </p:spTree>
-    <p:extLst>
-      <p:ext uri="{BB962C8B-B14F-4D97-AF65-F5344CB8AC3E}">
-        <p14:creationId xmlns:p14="http://schemas.microsoft.com/office/powerpoint/2010/main" val="1904535590"/>
-      </p:ext>
-    </p:extLst>
-  </p:cSld>
-  <p:clrMapOvr>
-    <a:masterClrMapping/>
-  </p:clrMapOvr>
-</p:sld>
-</file>
-
-<file path=ppt/slides/slide30.xml><?xml version="1.0" encoding="utf-8"?>
-<p:sld xmlns:a="http://schemas.openxmlformats.org/drawingml/2006/main" xmlns:r="http://schemas.openxmlformats.org/officeDocument/2006/relationships" xmlns:p="http://schemas.openxmlformats.org/presentationml/2006/main">
-  <p:cSld>
-    <p:spTree>
-      <p:nvGrpSpPr>
-        <p:cNvPr id="1" name=""/>
-        <p:cNvGrpSpPr/>
-        <p:nvPr/>
-      </p:nvGrpSpPr>
-      <p:grpSpPr>
-        <a:xfrm>
-          <a:off x="0" y="0"/>
-          <a:ext cx="0" cy="0"/>
-          <a:chOff x="0" y="0"/>
-          <a:chExt cx="0" cy="0"/>
-        </a:xfrm>
-      </p:grpSpPr>
-      <p:sp>
-        <p:nvSpPr>
-          <p:cNvPr id="2" name="כותרת 1">
-            <a:extLst>
-              <a:ext uri="{FF2B5EF4-FFF2-40B4-BE49-F238E27FC236}">
-                <a16:creationId xmlns:a16="http://schemas.microsoft.com/office/drawing/2014/main" id="{12C43150-B25E-4D0E-BDF4-635BEFD8EF18}"/>
-              </a:ext>
-            </a:extLst>
-          </p:cNvPr>
-          <p:cNvSpPr>
-            <a:spLocks noGrp="1"/>
-          </p:cNvSpPr>
-          <p:nvPr>
-            <p:ph type="ctrTitle"/>
-          </p:nvPr>
-        </p:nvSpPr>
-        <p:spPr/>
-        <p:txBody>
-          <a:bodyPr/>
-          <a:lstStyle/>
-          <a:p>
-            <a:r>
-              <a:rPr lang="en-US" dirty="0"/>
-              <a:t>Classification</a:t>
-            </a:r>
-            <a:endParaRPr lang="he-IL" dirty="0"/>
-          </a:p>
-        </p:txBody>
-      </p:sp>
-      <p:sp>
-        <p:nvSpPr>
-          <p:cNvPr id="3" name="כותרת משנה 2">
-            <a:extLst>
-              <a:ext uri="{FF2B5EF4-FFF2-40B4-BE49-F238E27FC236}">
-                <a16:creationId xmlns:a16="http://schemas.microsoft.com/office/drawing/2014/main" id="{686F7E77-CF92-46E1-B497-C07D9D641FF9}"/>
-              </a:ext>
-            </a:extLst>
-          </p:cNvPr>
-          <p:cNvSpPr>
-            <a:spLocks noGrp="1"/>
-          </p:cNvSpPr>
-          <p:nvPr>
-            <p:ph type="subTitle" idx="1"/>
-          </p:nvPr>
-        </p:nvSpPr>
-        <p:spPr/>
-        <p:txBody>
-          <a:bodyPr/>
-          <a:lstStyle/>
-          <a:p>
-            <a:endParaRPr lang="he-IL"/>
-          </a:p>
-        </p:txBody>
-      </p:sp>
-    </p:spTree>
-    <p:extLst>
-      <p:ext uri="{BB962C8B-B14F-4D97-AF65-F5344CB8AC3E}">
-        <p14:creationId xmlns:p14="http://schemas.microsoft.com/office/powerpoint/2010/main" val="862232690"/>
-      </p:ext>
-    </p:extLst>
-  </p:cSld>
-  <p:clrMapOvr>
-    <a:masterClrMapping/>
-  </p:clrMapOvr>
-</p:sld>
-</file>
-
 <file path=ppt/slides/slide31.xml><?xml version="1.0" encoding="utf-8"?>
 <p:sld xmlns:a="http://schemas.openxmlformats.org/drawingml/2006/main" xmlns:r="http://schemas.openxmlformats.org/officeDocument/2006/relationships" xmlns:p="http://schemas.openxmlformats.org/presentationml/2006/main">
   <p:cSld>
@@ -7687,6 +7930,90 @@
           <p:cNvPr id="2" name="כותרת 1">
             <a:extLst>
               <a:ext uri="{FF2B5EF4-FFF2-40B4-BE49-F238E27FC236}">
+                <a16:creationId xmlns:a16="http://schemas.microsoft.com/office/drawing/2014/main" id="{12C43150-B25E-4D0E-BDF4-635BEFD8EF18}"/>
+              </a:ext>
+            </a:extLst>
+          </p:cNvPr>
+          <p:cNvSpPr>
+            <a:spLocks noGrp="1"/>
+          </p:cNvSpPr>
+          <p:nvPr>
+            <p:ph type="ctrTitle"/>
+          </p:nvPr>
+        </p:nvSpPr>
+        <p:spPr/>
+        <p:txBody>
+          <a:bodyPr/>
+          <a:lstStyle/>
+          <a:p>
+            <a:r>
+              <a:rPr lang="en-US" dirty="0"/>
+              <a:t>Classification</a:t>
+            </a:r>
+            <a:endParaRPr lang="he-IL" dirty="0"/>
+          </a:p>
+        </p:txBody>
+      </p:sp>
+      <p:sp>
+        <p:nvSpPr>
+          <p:cNvPr id="3" name="כותרת משנה 2">
+            <a:extLst>
+              <a:ext uri="{FF2B5EF4-FFF2-40B4-BE49-F238E27FC236}">
+                <a16:creationId xmlns:a16="http://schemas.microsoft.com/office/drawing/2014/main" id="{686F7E77-CF92-46E1-B497-C07D9D641FF9}"/>
+              </a:ext>
+            </a:extLst>
+          </p:cNvPr>
+          <p:cNvSpPr>
+            <a:spLocks noGrp="1"/>
+          </p:cNvSpPr>
+          <p:nvPr>
+            <p:ph type="subTitle" idx="1"/>
+          </p:nvPr>
+        </p:nvSpPr>
+        <p:spPr/>
+        <p:txBody>
+          <a:bodyPr/>
+          <a:lstStyle/>
+          <a:p>
+            <a:endParaRPr lang="he-IL"/>
+          </a:p>
+        </p:txBody>
+      </p:sp>
+    </p:spTree>
+    <p:extLst>
+      <p:ext uri="{BB962C8B-B14F-4D97-AF65-F5344CB8AC3E}">
+        <p14:creationId xmlns:p14="http://schemas.microsoft.com/office/powerpoint/2010/main" val="862232690"/>
+      </p:ext>
+    </p:extLst>
+  </p:cSld>
+  <p:clrMapOvr>
+    <a:masterClrMapping/>
+  </p:clrMapOvr>
+</p:sld>
+</file>
+
+<file path=ppt/slides/slide32.xml><?xml version="1.0" encoding="utf-8"?>
+<p:sld xmlns:a="http://schemas.openxmlformats.org/drawingml/2006/main" xmlns:r="http://schemas.openxmlformats.org/officeDocument/2006/relationships" xmlns:p="http://schemas.openxmlformats.org/presentationml/2006/main">
+  <p:cSld>
+    <p:spTree>
+      <p:nvGrpSpPr>
+        <p:cNvPr id="1" name=""/>
+        <p:cNvGrpSpPr/>
+        <p:nvPr/>
+      </p:nvGrpSpPr>
+      <p:grpSpPr>
+        <a:xfrm>
+          <a:off x="0" y="0"/>
+          <a:ext cx="0" cy="0"/>
+          <a:chOff x="0" y="0"/>
+          <a:chExt cx="0" cy="0"/>
+        </a:xfrm>
+      </p:grpSpPr>
+      <p:sp>
+        <p:nvSpPr>
+          <p:cNvPr id="2" name="כותרת 1">
+            <a:extLst>
+              <a:ext uri="{FF2B5EF4-FFF2-40B4-BE49-F238E27FC236}">
                 <a16:creationId xmlns:a16="http://schemas.microsoft.com/office/drawing/2014/main" id="{B3DECD05-1091-405F-9DAA-0C4DFD47CC50}"/>
               </a:ext>
             </a:extLst>
@@ -7791,7 +8118,7 @@
 </p:sld>
 </file>
 
-<file path=ppt/slides/slide32.xml><?xml version="1.0" encoding="utf-8"?>
+<file path=ppt/slides/slide33.xml><?xml version="1.0" encoding="utf-8"?>
 <p:sld xmlns:a="http://schemas.openxmlformats.org/drawingml/2006/main" xmlns:r="http://schemas.openxmlformats.org/officeDocument/2006/relationships" xmlns:p="http://schemas.openxmlformats.org/presentationml/2006/main">
   <p:cSld>
     <p:spTree>
@@ -8086,7 +8413,7 @@
 </p:sld>
 </file>
 
-<file path=ppt/slides/slide33.xml><?xml version="1.0" encoding="utf-8"?>
+<file path=ppt/slides/slide34.xml><?xml version="1.0" encoding="utf-8"?>
 <p:sld xmlns:a="http://schemas.openxmlformats.org/drawingml/2006/main" xmlns:r="http://schemas.openxmlformats.org/officeDocument/2006/relationships" xmlns:p="http://schemas.openxmlformats.org/presentationml/2006/main">
   <p:cSld>
     <p:spTree>
@@ -8366,90 +8693,6 @@
 </p:sld>
 </file>
 
-<file path=ppt/slides/slide34.xml><?xml version="1.0" encoding="utf-8"?>
-<p:sld xmlns:a="http://schemas.openxmlformats.org/drawingml/2006/main" xmlns:r="http://schemas.openxmlformats.org/officeDocument/2006/relationships" xmlns:p="http://schemas.openxmlformats.org/presentationml/2006/main">
-  <p:cSld>
-    <p:spTree>
-      <p:nvGrpSpPr>
-        <p:cNvPr id="1" name=""/>
-        <p:cNvGrpSpPr/>
-        <p:nvPr/>
-      </p:nvGrpSpPr>
-      <p:grpSpPr>
-        <a:xfrm>
-          <a:off x="0" y="0"/>
-          <a:ext cx="0" cy="0"/>
-          <a:chOff x="0" y="0"/>
-          <a:chExt cx="0" cy="0"/>
-        </a:xfrm>
-      </p:grpSpPr>
-      <p:sp>
-        <p:nvSpPr>
-          <p:cNvPr id="2" name="כותרת 1">
-            <a:extLst>
-              <a:ext uri="{FF2B5EF4-FFF2-40B4-BE49-F238E27FC236}">
-                <a16:creationId xmlns:a16="http://schemas.microsoft.com/office/drawing/2014/main" id="{12C43150-B25E-4D0E-BDF4-635BEFD8EF18}"/>
-              </a:ext>
-            </a:extLst>
-          </p:cNvPr>
-          <p:cNvSpPr>
-            <a:spLocks noGrp="1"/>
-          </p:cNvSpPr>
-          <p:nvPr>
-            <p:ph type="ctrTitle"/>
-          </p:nvPr>
-        </p:nvSpPr>
-        <p:spPr/>
-        <p:txBody>
-          <a:bodyPr/>
-          <a:lstStyle/>
-          <a:p>
-            <a:r>
-              <a:rPr lang="en-US" dirty="0"/>
-              <a:t>Hyperparameters</a:t>
-            </a:r>
-            <a:endParaRPr lang="he-IL" dirty="0"/>
-          </a:p>
-        </p:txBody>
-      </p:sp>
-      <p:sp>
-        <p:nvSpPr>
-          <p:cNvPr id="3" name="כותרת משנה 2">
-            <a:extLst>
-              <a:ext uri="{FF2B5EF4-FFF2-40B4-BE49-F238E27FC236}">
-                <a16:creationId xmlns:a16="http://schemas.microsoft.com/office/drawing/2014/main" id="{686F7E77-CF92-46E1-B497-C07D9D641FF9}"/>
-              </a:ext>
-            </a:extLst>
-          </p:cNvPr>
-          <p:cNvSpPr>
-            <a:spLocks noGrp="1"/>
-          </p:cNvSpPr>
-          <p:nvPr>
-            <p:ph type="subTitle" idx="1"/>
-          </p:nvPr>
-        </p:nvSpPr>
-        <p:spPr/>
-        <p:txBody>
-          <a:bodyPr/>
-          <a:lstStyle/>
-          <a:p>
-            <a:endParaRPr lang="he-IL"/>
-          </a:p>
-        </p:txBody>
-      </p:sp>
-    </p:spTree>
-    <p:extLst>
-      <p:ext uri="{BB962C8B-B14F-4D97-AF65-F5344CB8AC3E}">
-        <p14:creationId xmlns:p14="http://schemas.microsoft.com/office/powerpoint/2010/main" val="2288411002"/>
-      </p:ext>
-    </p:extLst>
-  </p:cSld>
-  <p:clrMapOvr>
-    <a:masterClrMapping/>
-  </p:clrMapOvr>
-</p:sld>
-</file>
-
 <file path=ppt/slides/slide35.xml><?xml version="1.0" encoding="utf-8"?>
 <p:sld xmlns:a="http://schemas.openxmlformats.org/drawingml/2006/main" xmlns:r="http://schemas.openxmlformats.org/officeDocument/2006/relationships" xmlns:p="http://schemas.openxmlformats.org/presentationml/2006/main">
   <p:cSld>
@@ -8472,15 +8715,15 @@
           <p:cNvPr id="2" name="כותרת 1">
             <a:extLst>
               <a:ext uri="{FF2B5EF4-FFF2-40B4-BE49-F238E27FC236}">
-                <a16:creationId xmlns:a16="http://schemas.microsoft.com/office/drawing/2014/main" id="{A93F3B18-1992-44CA-9CCF-79F5F16E8B3A}"/>
-              </a:ext>
-            </a:extLst>
-          </p:cNvPr>
-          <p:cNvSpPr>
-            <a:spLocks noGrp="1"/>
-          </p:cNvSpPr>
-          <p:nvPr>
-            <p:ph type="title"/>
+                <a16:creationId xmlns:a16="http://schemas.microsoft.com/office/drawing/2014/main" id="{12C43150-B25E-4D0E-BDF4-635BEFD8EF18}"/>
+              </a:ext>
+            </a:extLst>
+          </p:cNvPr>
+          <p:cNvSpPr>
+            <a:spLocks noGrp="1"/>
+          </p:cNvSpPr>
+          <p:nvPr>
+            <p:ph type="ctrTitle"/>
           </p:nvPr>
         </p:nvSpPr>
         <p:spPr/>
@@ -8489,12 +8732,8 @@
           <a:lstStyle/>
           <a:p>
             <a:r>
-              <a:rPr lang="en-US" dirty="0" err="1"/>
-              <a:t>Tunning</a:t>
-            </a:r>
-            <a:r>
-              <a:rPr lang="en-US" dirty="0"/>
-              <a:t> Hyperparameters</a:t>
+              <a:rPr lang="en-US" dirty="0"/>
+              <a:t>Hyperparameters</a:t>
             </a:r>
             <a:endParaRPr lang="he-IL" dirty="0"/>
           </a:p>
@@ -8502,18 +8741,18 @@
       </p:sp>
       <p:sp>
         <p:nvSpPr>
-          <p:cNvPr id="3" name="מציין מיקום תוכן 2">
-            <a:extLst>
-              <a:ext uri="{FF2B5EF4-FFF2-40B4-BE49-F238E27FC236}">
-                <a16:creationId xmlns:a16="http://schemas.microsoft.com/office/drawing/2014/main" id="{FEFCBAAF-840A-4EAE-AF35-C96ADBE566C0}"/>
-              </a:ext>
-            </a:extLst>
-          </p:cNvPr>
-          <p:cNvSpPr>
-            <a:spLocks noGrp="1"/>
-          </p:cNvSpPr>
-          <p:nvPr>
-            <p:ph idx="1"/>
+          <p:cNvPr id="3" name="כותרת משנה 2">
+            <a:extLst>
+              <a:ext uri="{FF2B5EF4-FFF2-40B4-BE49-F238E27FC236}">
+                <a16:creationId xmlns:a16="http://schemas.microsoft.com/office/drawing/2014/main" id="{686F7E77-CF92-46E1-B497-C07D9D641FF9}"/>
+              </a:ext>
+            </a:extLst>
+          </p:cNvPr>
+          <p:cNvSpPr>
+            <a:spLocks noGrp="1"/>
+          </p:cNvSpPr>
+          <p:nvPr>
+            <p:ph type="subTitle" idx="1"/>
           </p:nvPr>
         </p:nvSpPr>
         <p:spPr/>
@@ -8521,76 +8760,14 @@
           <a:bodyPr/>
           <a:lstStyle/>
           <a:p>
-            <a:r>
-              <a:rPr lang="en-US" dirty="0"/>
-              <a:t> </a:t>
-            </a:r>
-            <a:r>
-              <a:rPr lang="en-US" dirty="0" err="1"/>
-              <a:t>GridSearchCV</a:t>
-            </a:r>
-            <a:r>
-              <a:rPr lang="en-US" dirty="0"/>
-              <a:t> </a:t>
-            </a:r>
-            <a:endParaRPr lang="he-IL" dirty="0"/>
-          </a:p>
-          <a:p>
-            <a:pPr lvl="1"/>
-            <a:r>
-              <a:rPr lang="he-IL" dirty="0"/>
-              <a:t>מצבע מעבר על מספר </a:t>
-            </a:r>
-            <a:r>
-              <a:rPr lang="en-US" dirty="0"/>
-              <a:t>hyperparameters</a:t>
-            </a:r>
-            <a:r>
-              <a:rPr lang="he-IL" dirty="0"/>
-              <a:t> ומחזיר את הטוב שבהם</a:t>
-            </a:r>
-          </a:p>
-          <a:p>
-            <a:pPr lvl="1"/>
-            <a:r>
-              <a:rPr lang="he-IL" dirty="0"/>
-              <a:t>מתבצע עם </a:t>
-            </a:r>
-            <a:r>
-              <a:rPr lang="en-US" dirty="0"/>
-              <a:t>KFOLD</a:t>
-            </a:r>
-            <a:r>
-              <a:rPr lang="he-IL" dirty="0"/>
-              <a:t> (ולכן מספר </a:t>
-            </a:r>
-            <a:r>
-              <a:rPr lang="he-IL" dirty="0" err="1"/>
-              <a:t>איטרציות</a:t>
-            </a:r>
-            <a:r>
-              <a:rPr lang="he-IL" dirty="0"/>
-              <a:t> ככל בין מספר הפרמטרים)</a:t>
-            </a:r>
-          </a:p>
-          <a:p>
-            <a:pPr lvl="1"/>
-            <a:r>
-              <a:rPr lang="he-IL" dirty="0"/>
-              <a:t>טוב לעבודה עם </a:t>
-            </a:r>
-            <a:r>
-              <a:rPr lang="en-US" dirty="0"/>
-              <a:t>pipeline</a:t>
-            </a:r>
-            <a:endParaRPr lang="he-IL" dirty="0"/>
+            <a:endParaRPr lang="he-IL"/>
           </a:p>
         </p:txBody>
       </p:sp>
     </p:spTree>
     <p:extLst>
       <p:ext uri="{BB962C8B-B14F-4D97-AF65-F5344CB8AC3E}">
-        <p14:creationId xmlns:p14="http://schemas.microsoft.com/office/powerpoint/2010/main" val="2517907270"/>
+        <p14:creationId xmlns:p14="http://schemas.microsoft.com/office/powerpoint/2010/main" val="2288411002"/>
       </p:ext>
     </p:extLst>
   </p:cSld>
@@ -8622,15 +8799,15 @@
           <p:cNvPr id="2" name="כותרת 1">
             <a:extLst>
               <a:ext uri="{FF2B5EF4-FFF2-40B4-BE49-F238E27FC236}">
-                <a16:creationId xmlns:a16="http://schemas.microsoft.com/office/drawing/2014/main" id="{12C43150-B25E-4D0E-BDF4-635BEFD8EF18}"/>
-              </a:ext>
-            </a:extLst>
-          </p:cNvPr>
-          <p:cNvSpPr>
-            <a:spLocks noGrp="1"/>
-          </p:cNvSpPr>
-          <p:nvPr>
-            <p:ph type="ctrTitle"/>
+                <a16:creationId xmlns:a16="http://schemas.microsoft.com/office/drawing/2014/main" id="{A93F3B18-1992-44CA-9CCF-79F5F16E8B3A}"/>
+              </a:ext>
+            </a:extLst>
+          </p:cNvPr>
+          <p:cNvSpPr>
+            <a:spLocks noGrp="1"/>
+          </p:cNvSpPr>
+          <p:nvPr>
+            <p:ph type="title"/>
           </p:nvPr>
         </p:nvSpPr>
         <p:spPr/>
@@ -8639,8 +8816,12 @@
           <a:lstStyle/>
           <a:p>
             <a:r>
-              <a:rPr lang="en-US" dirty="0"/>
-              <a:t>Cross Validation Techniques</a:t>
+              <a:rPr lang="en-US" dirty="0" err="1"/>
+              <a:t>Tunning</a:t>
+            </a:r>
+            <a:r>
+              <a:rPr lang="en-US" dirty="0"/>
+              <a:t> Hyperparameters</a:t>
             </a:r>
             <a:endParaRPr lang="he-IL" dirty="0"/>
           </a:p>
@@ -8648,18 +8829,18 @@
       </p:sp>
       <p:sp>
         <p:nvSpPr>
-          <p:cNvPr id="3" name="כותרת משנה 2">
-            <a:extLst>
-              <a:ext uri="{FF2B5EF4-FFF2-40B4-BE49-F238E27FC236}">
-                <a16:creationId xmlns:a16="http://schemas.microsoft.com/office/drawing/2014/main" id="{686F7E77-CF92-46E1-B497-C07D9D641FF9}"/>
-              </a:ext>
-            </a:extLst>
-          </p:cNvPr>
-          <p:cNvSpPr>
-            <a:spLocks noGrp="1"/>
-          </p:cNvSpPr>
-          <p:nvPr>
-            <p:ph type="subTitle" idx="1"/>
+          <p:cNvPr id="3" name="מציין מיקום תוכן 2">
+            <a:extLst>
+              <a:ext uri="{FF2B5EF4-FFF2-40B4-BE49-F238E27FC236}">
+                <a16:creationId xmlns:a16="http://schemas.microsoft.com/office/drawing/2014/main" id="{FEFCBAAF-840A-4EAE-AF35-C96ADBE566C0}"/>
+              </a:ext>
+            </a:extLst>
+          </p:cNvPr>
+          <p:cNvSpPr>
+            <a:spLocks noGrp="1"/>
+          </p:cNvSpPr>
+          <p:nvPr>
+            <p:ph idx="1"/>
           </p:nvPr>
         </p:nvSpPr>
         <p:spPr/>
@@ -8667,14 +8848,76 @@
           <a:bodyPr/>
           <a:lstStyle/>
           <a:p>
-            <a:endParaRPr lang="he-IL"/>
+            <a:r>
+              <a:rPr lang="en-US" dirty="0"/>
+              <a:t> </a:t>
+            </a:r>
+            <a:r>
+              <a:rPr lang="en-US" dirty="0" err="1"/>
+              <a:t>GridSearchCV</a:t>
+            </a:r>
+            <a:r>
+              <a:rPr lang="en-US" dirty="0"/>
+              <a:t> </a:t>
+            </a:r>
+            <a:endParaRPr lang="he-IL" dirty="0"/>
+          </a:p>
+          <a:p>
+            <a:pPr lvl="1"/>
+            <a:r>
+              <a:rPr lang="he-IL" dirty="0"/>
+              <a:t>מצבע מעבר על מספר </a:t>
+            </a:r>
+            <a:r>
+              <a:rPr lang="en-US" dirty="0"/>
+              <a:t>hyperparameters</a:t>
+            </a:r>
+            <a:r>
+              <a:rPr lang="he-IL" dirty="0"/>
+              <a:t> ומחזיר את הטוב שבהם</a:t>
+            </a:r>
+          </a:p>
+          <a:p>
+            <a:pPr lvl="1"/>
+            <a:r>
+              <a:rPr lang="he-IL" dirty="0"/>
+              <a:t>מתבצע עם </a:t>
+            </a:r>
+            <a:r>
+              <a:rPr lang="en-US" dirty="0"/>
+              <a:t>KFOLD</a:t>
+            </a:r>
+            <a:r>
+              <a:rPr lang="he-IL" dirty="0"/>
+              <a:t> (ולכן מספר </a:t>
+            </a:r>
+            <a:r>
+              <a:rPr lang="he-IL" dirty="0" err="1"/>
+              <a:t>איטרציות</a:t>
+            </a:r>
+            <a:r>
+              <a:rPr lang="he-IL" dirty="0"/>
+              <a:t> ככל בין מספר הפרמטרים)</a:t>
+            </a:r>
+          </a:p>
+          <a:p>
+            <a:pPr lvl="1"/>
+            <a:r>
+              <a:rPr lang="he-IL" dirty="0"/>
+              <a:t>טוב לעבודה עם </a:t>
+            </a:r>
+            <a:r>
+              <a:rPr lang="en-US" dirty="0"/>
+              <a:t>pipeline</a:t>
+            </a:r>
+            <a:endParaRPr lang="he-IL" dirty="0"/>
           </a:p>
         </p:txBody>
       </p:sp>
     </p:spTree>
     <p:extLst>
       <p:ext uri="{BB962C8B-B14F-4D97-AF65-F5344CB8AC3E}">
-        <p14:creationId xmlns:p14="http://schemas.microsoft.com/office/powerpoint/2010/main" val="1884215603"/>
+        <p14:creationId xmlns:p14="http://schemas.microsoft.com/office/powerpoint/2010/main" val="2517907270"/>
       </p:ext>
     </p:extLst>
   </p:cSld>
@@ -8706,15 +8949,15 @@
           <p:cNvPr id="2" name="כותרת 1">
             <a:extLst>
               <a:ext uri="{FF2B5EF4-FFF2-40B4-BE49-F238E27FC236}">
-                <a16:creationId xmlns:a16="http://schemas.microsoft.com/office/drawing/2014/main" id="{EF0A11AC-E468-4EEB-8FA1-B197F3BD9094}"/>
-              </a:ext>
-            </a:extLst>
-          </p:cNvPr>
-          <p:cNvSpPr>
-            <a:spLocks noGrp="1"/>
-          </p:cNvSpPr>
-          <p:nvPr>
-            <p:ph type="title"/>
+                <a16:creationId xmlns:a16="http://schemas.microsoft.com/office/drawing/2014/main" id="{12C43150-B25E-4D0E-BDF4-635BEFD8EF18}"/>
+              </a:ext>
+            </a:extLst>
+          </p:cNvPr>
+          <p:cNvSpPr>
+            <a:spLocks noGrp="1"/>
+          </p:cNvSpPr>
+          <p:nvPr>
+            <p:ph type="ctrTitle"/>
           </p:nvPr>
         </p:nvSpPr>
         <p:spPr/>
@@ -8723,12 +8966,8 @@
           <a:lstStyle/>
           <a:p>
             <a:r>
-              <a:rPr lang="he-IL" dirty="0"/>
-              <a:t>סוגי </a:t>
-            </a:r>
-            <a:r>
-              <a:rPr lang="en-US" dirty="0"/>
-              <a:t>Cross Validation</a:t>
+              <a:rPr lang="en-US" dirty="0"/>
+              <a:t>Cross Validation Techniques</a:t>
             </a:r>
             <a:endParaRPr lang="he-IL" dirty="0"/>
           </a:p>
@@ -8736,142 +8975,33 @@
       </p:sp>
       <p:sp>
         <p:nvSpPr>
-          <p:cNvPr id="3" name="מציין מיקום תוכן 2">
-            <a:extLst>
-              <a:ext uri="{FF2B5EF4-FFF2-40B4-BE49-F238E27FC236}">
-                <a16:creationId xmlns:a16="http://schemas.microsoft.com/office/drawing/2014/main" id="{949B6EB1-EC9C-4B92-AA3C-864F96E6EB01}"/>
-              </a:ext>
-            </a:extLst>
-          </p:cNvPr>
-          <p:cNvSpPr>
-            <a:spLocks noGrp="1"/>
-          </p:cNvSpPr>
-          <p:nvPr>
-            <p:ph idx="1"/>
-          </p:nvPr>
-        </p:nvSpPr>
-        <p:spPr>
-          <a:xfrm>
-            <a:off x="838200" y="1695451"/>
-            <a:ext cx="10515600" cy="4351338"/>
-          </a:xfrm>
-        </p:spPr>
-        <p:txBody>
-          <a:bodyPr>
-            <a:normAutofit/>
-          </a:bodyPr>
-          <a:lstStyle/>
-          <a:p>
-            <a:r>
-              <a:rPr lang="en-US" dirty="0"/>
-              <a:t>Holdout</a:t>
-            </a:r>
-            <a:r>
-              <a:rPr lang="he-IL" dirty="0"/>
-              <a:t> , בסיסי </a:t>
-            </a:r>
-            <a:r>
-              <a:rPr lang="en-US" dirty="0"/>
-              <a:t>(split)</a:t>
-            </a:r>
-            <a:r>
-              <a:rPr lang="he-IL" dirty="0"/>
-              <a:t>.</a:t>
-            </a:r>
-          </a:p>
-          <a:p>
-            <a:r>
-              <a:rPr lang="en-US" dirty="0" err="1"/>
-              <a:t>Kfold</a:t>
-            </a:r>
-            <a:endParaRPr lang="he-IL" dirty="0"/>
-          </a:p>
-          <a:p>
-            <a:r>
-              <a:rPr lang="en-US" dirty="0"/>
-              <a:t>Random subsamples</a:t>
-            </a:r>
-          </a:p>
-          <a:p>
-            <a:pPr lvl="1"/>
-            <a:r>
-              <a:rPr lang="he-IL" dirty="0"/>
-              <a:t>בכל פעם בוחרים באופן אקראי את הדגימות לאימון ולבחינה</a:t>
-            </a:r>
-          </a:p>
-          <a:p>
-            <a:r>
-              <a:rPr lang="en-US" dirty="0"/>
-              <a:t>Leave one out</a:t>
-            </a:r>
-            <a:endParaRPr lang="he-IL" dirty="0"/>
-          </a:p>
-          <a:p>
-            <a:pPr lvl="1"/>
-            <a:r>
-              <a:rPr lang="he-IL" dirty="0"/>
-              <a:t>כמו </a:t>
-            </a:r>
-            <a:r>
-              <a:rPr lang="en-US" dirty="0" err="1"/>
-              <a:t>kfold</a:t>
-            </a:r>
-            <a:r>
-              <a:rPr lang="he-IL" dirty="0"/>
-              <a:t> כאשר </a:t>
-            </a:r>
-            <a:r>
-              <a:rPr lang="en-US" dirty="0"/>
-              <a:t>k</a:t>
-            </a:r>
-            <a:r>
-              <a:rPr lang="he-IL" dirty="0"/>
-              <a:t> שווה למספר הדגימות.</a:t>
-            </a:r>
-          </a:p>
-          <a:p>
-            <a:pPr lvl="1"/>
-            <a:r>
-              <a:rPr lang="he-IL" dirty="0"/>
-              <a:t>בכל פעם יש רק דגימה אחת לבחינה וכל השאר לאימון</a:t>
-            </a:r>
-          </a:p>
-          <a:p>
-            <a:r>
-              <a:rPr lang="en-US" dirty="0"/>
-              <a:t>Leave p out</a:t>
-            </a:r>
-            <a:endParaRPr lang="he-IL" dirty="0"/>
-          </a:p>
-          <a:p>
-            <a:pPr lvl="1"/>
-            <a:r>
-              <a:rPr lang="he-IL" dirty="0"/>
-              <a:t>בדומה ל </a:t>
-            </a:r>
-            <a:r>
-              <a:rPr lang="en-US" dirty="0"/>
-              <a:t>leave one out</a:t>
-            </a:r>
-            <a:r>
-              <a:rPr lang="he-IL" dirty="0"/>
-              <a:t> רק ש </a:t>
-            </a:r>
-            <a:r>
-              <a:rPr lang="en-US" dirty="0"/>
-              <a:t>p</a:t>
-            </a:r>
-            <a:r>
-              <a:rPr lang="he-IL" dirty="0"/>
-              <a:t> הינו מספר הדגימות לבחינה</a:t>
-            </a:r>
+          <p:cNvPr id="3" name="כותרת משנה 2">
+            <a:extLst>
+              <a:ext uri="{FF2B5EF4-FFF2-40B4-BE49-F238E27FC236}">
+                <a16:creationId xmlns:a16="http://schemas.microsoft.com/office/drawing/2014/main" id="{686F7E77-CF92-46E1-B497-C07D9D641FF9}"/>
+              </a:ext>
+            </a:extLst>
+          </p:cNvPr>
+          <p:cNvSpPr>
+            <a:spLocks noGrp="1"/>
+          </p:cNvSpPr>
+          <p:nvPr>
+            <p:ph type="subTitle" idx="1"/>
+          </p:nvPr>
+        </p:nvSpPr>
+        <p:spPr/>
+        <p:txBody>
+          <a:bodyPr/>
+          <a:lstStyle/>
+          <a:p>
+            <a:endParaRPr lang="he-IL"/>
           </a:p>
         </p:txBody>
       </p:sp>
     </p:spTree>
     <p:extLst>
       <p:ext uri="{BB962C8B-B14F-4D97-AF65-F5344CB8AC3E}">
-        <p14:creationId xmlns:p14="http://schemas.microsoft.com/office/powerpoint/2010/main" val="4265622507"/>
+        <p14:creationId xmlns:p14="http://schemas.microsoft.com/office/powerpoint/2010/main" val="1884215603"/>
       </p:ext>
     </p:extLst>
   </p:cSld>
@@ -8903,15 +9033,15 @@
           <p:cNvPr id="2" name="כותרת 1">
             <a:extLst>
               <a:ext uri="{FF2B5EF4-FFF2-40B4-BE49-F238E27FC236}">
-                <a16:creationId xmlns:a16="http://schemas.microsoft.com/office/drawing/2014/main" id="{12C43150-B25E-4D0E-BDF4-635BEFD8EF18}"/>
-              </a:ext>
-            </a:extLst>
-          </p:cNvPr>
-          <p:cNvSpPr>
-            <a:spLocks noGrp="1"/>
-          </p:cNvSpPr>
-          <p:nvPr>
-            <p:ph type="ctrTitle"/>
+                <a16:creationId xmlns:a16="http://schemas.microsoft.com/office/drawing/2014/main" id="{EF0A11AC-E468-4EEB-8FA1-B197F3BD9094}"/>
+              </a:ext>
+            </a:extLst>
+          </p:cNvPr>
+          <p:cNvSpPr>
+            <a:spLocks noGrp="1"/>
+          </p:cNvSpPr>
+          <p:nvPr>
+            <p:ph type="title"/>
           </p:nvPr>
         </p:nvSpPr>
         <p:spPr/>
@@ -8920,8 +9050,12 @@
           <a:lstStyle/>
           <a:p>
             <a:r>
-              <a:rPr lang="en-US" dirty="0"/>
-              <a:t>Scoring</a:t>
+              <a:rPr lang="he-IL" dirty="0"/>
+              <a:t>סוגי </a:t>
+            </a:r>
+            <a:r>
+              <a:rPr lang="en-US" dirty="0"/>
+              <a:t>Cross Validation</a:t>
             </a:r>
             <a:endParaRPr lang="he-IL" dirty="0"/>
           </a:p>
@@ -8929,33 +9063,142 @@
       </p:sp>
       <p:sp>
         <p:nvSpPr>
-          <p:cNvPr id="3" name="כותרת משנה 2">
-            <a:extLst>
-              <a:ext uri="{FF2B5EF4-FFF2-40B4-BE49-F238E27FC236}">
-                <a16:creationId xmlns:a16="http://schemas.microsoft.com/office/drawing/2014/main" id="{686F7E77-CF92-46E1-B497-C07D9D641FF9}"/>
-              </a:ext>
-            </a:extLst>
-          </p:cNvPr>
-          <p:cNvSpPr>
-            <a:spLocks noGrp="1"/>
-          </p:cNvSpPr>
-          <p:nvPr>
-            <p:ph type="subTitle" idx="1"/>
-          </p:nvPr>
-        </p:nvSpPr>
-        <p:spPr/>
-        <p:txBody>
-          <a:bodyPr/>
-          <a:lstStyle/>
-          <a:p>
-            <a:endParaRPr lang="he-IL"/>
+          <p:cNvPr id="3" name="מציין מיקום תוכן 2">
+            <a:extLst>
+              <a:ext uri="{FF2B5EF4-FFF2-40B4-BE49-F238E27FC236}">
+                <a16:creationId xmlns:a16="http://schemas.microsoft.com/office/drawing/2014/main" id="{949B6EB1-EC9C-4B92-AA3C-864F96E6EB01}"/>
+              </a:ext>
+            </a:extLst>
+          </p:cNvPr>
+          <p:cNvSpPr>
+            <a:spLocks noGrp="1"/>
+          </p:cNvSpPr>
+          <p:nvPr>
+            <p:ph idx="1"/>
+          </p:nvPr>
+        </p:nvSpPr>
+        <p:spPr>
+          <a:xfrm>
+            <a:off x="838200" y="1695451"/>
+            <a:ext cx="10515600" cy="4351338"/>
+          </a:xfrm>
+        </p:spPr>
+        <p:txBody>
+          <a:bodyPr>
+            <a:normAutofit/>
+          </a:bodyPr>
+          <a:lstStyle/>
+          <a:p>
+            <a:r>
+              <a:rPr lang="en-US" dirty="0"/>
+              <a:t>Holdout</a:t>
+            </a:r>
+            <a:r>
+              <a:rPr lang="he-IL" dirty="0"/>
+              <a:t> , בסיסי </a:t>
+            </a:r>
+            <a:r>
+              <a:rPr lang="en-US" dirty="0"/>
+              <a:t>(split)</a:t>
+            </a:r>
+            <a:r>
+              <a:rPr lang="he-IL" dirty="0"/>
+              <a:t>.</a:t>
+            </a:r>
+          </a:p>
+          <a:p>
+            <a:r>
+              <a:rPr lang="en-US" dirty="0" err="1"/>
+              <a:t>Kfold</a:t>
+            </a:r>
+            <a:endParaRPr lang="he-IL" dirty="0"/>
+          </a:p>
+          <a:p>
+            <a:r>
+              <a:rPr lang="en-US" dirty="0"/>
+              <a:t>Random subsamples</a:t>
+            </a:r>
+          </a:p>
+          <a:p>
+            <a:pPr lvl="1"/>
+            <a:r>
+              <a:rPr lang="he-IL" dirty="0"/>
+              <a:t>בכל פעם בוחרים באופן אקראי את הדגימות לאימון ולבחינה</a:t>
+            </a:r>
+          </a:p>
+          <a:p>
+            <a:r>
+              <a:rPr lang="en-US" dirty="0"/>
+              <a:t>Leave one out</a:t>
+            </a:r>
+            <a:endParaRPr lang="he-IL" dirty="0"/>
+          </a:p>
+          <a:p>
+            <a:pPr lvl="1"/>
+            <a:r>
+              <a:rPr lang="he-IL" dirty="0"/>
+              <a:t>כמו </a:t>
+            </a:r>
+            <a:r>
+              <a:rPr lang="en-US" dirty="0" err="1"/>
+              <a:t>kfold</a:t>
+            </a:r>
+            <a:r>
+              <a:rPr lang="he-IL" dirty="0"/>
+              <a:t> כאשר </a:t>
+            </a:r>
+            <a:r>
+              <a:rPr lang="en-US" dirty="0"/>
+              <a:t>k</a:t>
+            </a:r>
+            <a:r>
+              <a:rPr lang="he-IL" dirty="0"/>
+              <a:t> שווה למספר הדגימות.</a:t>
+            </a:r>
+          </a:p>
+          <a:p>
+            <a:pPr lvl="1"/>
+            <a:r>
+              <a:rPr lang="he-IL" dirty="0"/>
+              <a:t>בכל פעם יש רק דגימה אחת לבחינה וכל השאר לאימון</a:t>
+            </a:r>
+          </a:p>
+          <a:p>
+            <a:r>
+              <a:rPr lang="en-US" dirty="0"/>
+              <a:t>Leave p out</a:t>
+            </a:r>
+            <a:endParaRPr lang="he-IL" dirty="0"/>
+          </a:p>
+          <a:p>
+            <a:pPr lvl="1"/>
+            <a:r>
+              <a:rPr lang="he-IL" dirty="0"/>
+              <a:t>בדומה ל </a:t>
+            </a:r>
+            <a:r>
+              <a:rPr lang="en-US" dirty="0"/>
+              <a:t>leave one out</a:t>
+            </a:r>
+            <a:r>
+              <a:rPr lang="he-IL" dirty="0"/>
+              <a:t> רק ש </a:t>
+            </a:r>
+            <a:r>
+              <a:rPr lang="en-US" dirty="0"/>
+              <a:t>p</a:t>
+            </a:r>
+            <a:r>
+              <a:rPr lang="he-IL" dirty="0"/>
+              <a:t> הינו מספר הדגימות לבחינה</a:t>
+            </a:r>
           </a:p>
         </p:txBody>
       </p:sp>
     </p:spTree>
     <p:extLst>
       <p:ext uri="{BB962C8B-B14F-4D97-AF65-F5344CB8AC3E}">
-        <p14:creationId xmlns:p14="http://schemas.microsoft.com/office/powerpoint/2010/main" val="4082709929"/>
+        <p14:creationId xmlns:p14="http://schemas.microsoft.com/office/powerpoint/2010/main" val="4265622507"/>
       </p:ext>
     </p:extLst>
   </p:cSld>
@@ -8982,157 +9225,20 @@
           <a:chExt cx="0" cy="0"/>
         </a:xfrm>
       </p:grpSpPr>
-      <p:pic>
-        <p:nvPicPr>
-          <p:cNvPr id="7" name="תמונה 6">
-            <a:extLst>
-              <a:ext uri="{FF2B5EF4-FFF2-40B4-BE49-F238E27FC236}">
-                <a16:creationId xmlns:a16="http://schemas.microsoft.com/office/drawing/2014/main" id="{E1AF631D-4517-401D-98DD-6FD2967C89B4}"/>
-              </a:ext>
-            </a:extLst>
-          </p:cNvPr>
-          <p:cNvPicPr>
-            <a:picLocks noChangeAspect="1"/>
-          </p:cNvPicPr>
-          <p:nvPr/>
-        </p:nvPicPr>
-        <p:blipFill>
-          <a:blip r:embed="rId2"/>
-          <a:stretch>
-            <a:fillRect/>
-          </a:stretch>
-        </p:blipFill>
-        <p:spPr>
-          <a:xfrm>
-            <a:off x="6895024" y="3273074"/>
-            <a:ext cx="3148197" cy="894292"/>
-          </a:xfrm>
-          <a:prstGeom prst="rect">
-            <a:avLst/>
-          </a:prstGeom>
-        </p:spPr>
-      </p:pic>
-      <p:pic>
-        <p:nvPicPr>
-          <p:cNvPr id="5" name="תמונה 4">
-            <a:extLst>
-              <a:ext uri="{FF2B5EF4-FFF2-40B4-BE49-F238E27FC236}">
-                <a16:creationId xmlns:a16="http://schemas.microsoft.com/office/drawing/2014/main" id="{83949573-314D-43F5-9632-DC41BFB703C4}"/>
-              </a:ext>
-            </a:extLst>
-          </p:cNvPr>
-          <p:cNvPicPr>
-            <a:picLocks noChangeAspect="1"/>
-          </p:cNvPicPr>
-          <p:nvPr/>
-        </p:nvPicPr>
-        <p:blipFill>
-          <a:blip r:embed="rId3"/>
-          <a:stretch>
-            <a:fillRect/>
-          </a:stretch>
-        </p:blipFill>
-        <p:spPr>
-          <a:xfrm>
-            <a:off x="4642172" y="5205240"/>
-            <a:ext cx="2486025" cy="819150"/>
-          </a:xfrm>
-          <a:prstGeom prst="rect">
-            <a:avLst/>
-          </a:prstGeom>
-        </p:spPr>
-      </p:pic>
-      <p:pic>
-        <p:nvPicPr>
-          <p:cNvPr id="4" name="תמונה 3">
-            <a:extLst>
-              <a:ext uri="{FF2B5EF4-FFF2-40B4-BE49-F238E27FC236}">
-                <a16:creationId xmlns:a16="http://schemas.microsoft.com/office/drawing/2014/main" id="{38317005-73CE-4860-A550-99ECE9967183}"/>
-              </a:ext>
-            </a:extLst>
-          </p:cNvPr>
-          <p:cNvPicPr>
-            <a:picLocks noChangeAspect="1"/>
-          </p:cNvPicPr>
-          <p:nvPr/>
-        </p:nvPicPr>
-        <p:blipFill>
-          <a:blip r:embed="rId4"/>
-          <a:stretch>
-            <a:fillRect/>
-          </a:stretch>
-        </p:blipFill>
-        <p:spPr>
-          <a:xfrm>
-            <a:off x="4456624" y="4300255"/>
-            <a:ext cx="2438400" cy="819150"/>
-          </a:xfrm>
-          <a:prstGeom prst="rect">
-            <a:avLst/>
-          </a:prstGeom>
-        </p:spPr>
-      </p:pic>
-      <p:pic>
-        <p:nvPicPr>
-          <p:cNvPr id="2050" name="Picture 2">
-            <a:extLst>
-              <a:ext uri="{FF2B5EF4-FFF2-40B4-BE49-F238E27FC236}">
-                <a16:creationId xmlns:a16="http://schemas.microsoft.com/office/drawing/2014/main" id="{B9B2B5F3-EAD5-47CA-9EBD-1F124F9FC2E7}"/>
-              </a:ext>
-            </a:extLst>
-          </p:cNvPr>
-          <p:cNvPicPr>
-            <a:picLocks noChangeAspect="1" noChangeArrowheads="1"/>
-          </p:cNvPicPr>
-          <p:nvPr/>
-        </p:nvPicPr>
-        <p:blipFill>
-          <a:blip r:embed="rId5">
-            <a:extLst>
-              <a:ext uri="{28A0092B-C50C-407E-A947-70E740481C1C}">
-                <a14:useLocalDpi xmlns:a14="http://schemas.microsoft.com/office/drawing/2010/main" val="0"/>
-              </a:ext>
-            </a:extLst>
-          </a:blip>
-          <a:srcRect/>
-          <a:stretch>
-            <a:fillRect/>
-          </a:stretch>
-        </p:blipFill>
-        <p:spPr bwMode="auto">
-          <a:xfrm>
-            <a:off x="4533714" y="1336228"/>
-            <a:ext cx="2648320" cy="1986240"/>
-          </a:xfrm>
-          <a:prstGeom prst="rect">
-            <a:avLst/>
-          </a:prstGeom>
-          <a:noFill/>
-          <a:extLst>
-            <a:ext uri="{909E8E84-426E-40DD-AFC4-6F175D3DCCD1}">
-              <a14:hiddenFill xmlns:a14="http://schemas.microsoft.com/office/drawing/2010/main">
-                <a:solidFill>
-                  <a:srgbClr val="FFFFFF"/>
-                </a:solidFill>
-              </a14:hiddenFill>
-            </a:ext>
-          </a:extLst>
-        </p:spPr>
-      </p:pic>
       <p:sp>
         <p:nvSpPr>
           <p:cNvPr id="2" name="כותרת 1">
             <a:extLst>
               <a:ext uri="{FF2B5EF4-FFF2-40B4-BE49-F238E27FC236}">
-                <a16:creationId xmlns:a16="http://schemas.microsoft.com/office/drawing/2014/main" id="{FDA3504D-FC74-40E9-93A9-87B2C1D11F2A}"/>
-              </a:ext>
-            </a:extLst>
-          </p:cNvPr>
-          <p:cNvSpPr>
-            <a:spLocks noGrp="1"/>
-          </p:cNvSpPr>
-          <p:nvPr>
-            <p:ph type="title"/>
+                <a16:creationId xmlns:a16="http://schemas.microsoft.com/office/drawing/2014/main" id="{12C43150-B25E-4D0E-BDF4-635BEFD8EF18}"/>
+              </a:ext>
+            </a:extLst>
+          </p:cNvPr>
+          <p:cNvSpPr>
+            <a:spLocks noGrp="1"/>
+          </p:cNvSpPr>
+          <p:nvPr>
+            <p:ph type="ctrTitle"/>
           </p:nvPr>
         </p:nvSpPr>
         <p:spPr/>
@@ -9142,7 +9248,7 @@
           <a:p>
             <a:r>
               <a:rPr lang="en-US" dirty="0"/>
-              <a:t>Score</a:t>
+              <a:t>Scoring</a:t>
             </a:r>
             <a:endParaRPr lang="he-IL" dirty="0"/>
           </a:p>
@@ -9150,102 +9256,33 @@
       </p:sp>
       <p:sp>
         <p:nvSpPr>
-          <p:cNvPr id="3" name="מציין מיקום תוכן 2">
-            <a:extLst>
-              <a:ext uri="{FF2B5EF4-FFF2-40B4-BE49-F238E27FC236}">
-                <a16:creationId xmlns:a16="http://schemas.microsoft.com/office/drawing/2014/main" id="{F7B23106-A251-484A-8F67-5D0C16EBFC7A}"/>
-              </a:ext>
-            </a:extLst>
-          </p:cNvPr>
-          <p:cNvSpPr>
-            <a:spLocks noGrp="1"/>
-          </p:cNvSpPr>
-          <p:nvPr>
-            <p:ph idx="1"/>
+          <p:cNvPr id="3" name="כותרת משנה 2">
+            <a:extLst>
+              <a:ext uri="{FF2B5EF4-FFF2-40B4-BE49-F238E27FC236}">
+                <a16:creationId xmlns:a16="http://schemas.microsoft.com/office/drawing/2014/main" id="{686F7E77-CF92-46E1-B497-C07D9D641FF9}"/>
+              </a:ext>
+            </a:extLst>
+          </p:cNvPr>
+          <p:cNvSpPr>
+            <a:spLocks noGrp="1"/>
+          </p:cNvSpPr>
+          <p:nvPr>
+            <p:ph type="subTitle" idx="1"/>
           </p:nvPr>
         </p:nvSpPr>
         <p:spPr/>
         <p:txBody>
-          <a:bodyPr>
-            <a:normAutofit lnSpcReduction="10000"/>
-          </a:bodyPr>
-          <a:lstStyle/>
-          <a:p>
-            <a:r>
-              <a:rPr lang="en-US" dirty="0"/>
-              <a:t>Confusion matrix</a:t>
-            </a:r>
-            <a:endParaRPr lang="he-IL" dirty="0"/>
-          </a:p>
-          <a:p>
-            <a:pPr lvl="1"/>
-            <a:r>
-              <a:rPr lang="he-IL" dirty="0"/>
-              <a:t>מדד ביצועים לבעיות סיווג</a:t>
-            </a:r>
-          </a:p>
-          <a:p>
-            <a:r>
-              <a:rPr lang="en-US" dirty="0"/>
-              <a:t>AUC-ROC curve</a:t>
-            </a:r>
-            <a:endParaRPr lang="he-IL" dirty="0"/>
-          </a:p>
-          <a:p>
-            <a:pPr lvl="1"/>
-            <a:r>
-              <a:rPr lang="he-IL" dirty="0"/>
-              <a:t>מדד ביצועים לבעיית סיווג</a:t>
-            </a:r>
-          </a:p>
-          <a:p>
-            <a:r>
-              <a:rPr lang="en-US" dirty="0"/>
-              <a:t>F1 Score</a:t>
-            </a:r>
-            <a:endParaRPr lang="he-IL" dirty="0"/>
-          </a:p>
-          <a:p>
-            <a:pPr lvl="1"/>
-            <a:endParaRPr lang="he-IL" dirty="0"/>
-          </a:p>
-          <a:p>
-            <a:r>
-              <a:rPr lang="en-US" dirty="0"/>
-              <a:t>Precision</a:t>
-            </a:r>
-            <a:r>
-              <a:rPr lang="he-IL" dirty="0"/>
-              <a:t> </a:t>
-            </a:r>
-          </a:p>
-          <a:p>
-            <a:pPr lvl="1"/>
-            <a:r>
-              <a:rPr lang="he-IL" dirty="0"/>
-              <a:t>מדד לדיוק אחוז הדיוק החיובי.</a:t>
-            </a:r>
-          </a:p>
-          <a:p>
-            <a:r>
-              <a:rPr lang="en-US" dirty="0"/>
-              <a:t>Recall</a:t>
-            </a:r>
-            <a:endParaRPr lang="he-IL" dirty="0"/>
-          </a:p>
-          <a:p>
-            <a:pPr lvl="1"/>
-            <a:r>
-              <a:rPr lang="he-IL" dirty="0"/>
-              <a:t>מדד דיוק חיובי שצלחנו לנבא</a:t>
-            </a:r>
+          <a:bodyPr/>
+          <a:lstStyle/>
+          <a:p>
+            <a:endParaRPr lang="he-IL"/>
           </a:p>
         </p:txBody>
       </p:sp>
     </p:spTree>
     <p:extLst>
       <p:ext uri="{BB962C8B-B14F-4D97-AF65-F5344CB8AC3E}">
-        <p14:creationId xmlns:p14="http://schemas.microsoft.com/office/powerpoint/2010/main" val="820330764"/>
+        <p14:creationId xmlns:p14="http://schemas.microsoft.com/office/powerpoint/2010/main" val="4082709929"/>
       </p:ext>
     </p:extLst>
   </p:cSld>
@@ -9465,20 +9502,157 @@
           <a:chExt cx="0" cy="0"/>
         </a:xfrm>
       </p:grpSpPr>
+      <p:pic>
+        <p:nvPicPr>
+          <p:cNvPr id="7" name="תמונה 6">
+            <a:extLst>
+              <a:ext uri="{FF2B5EF4-FFF2-40B4-BE49-F238E27FC236}">
+                <a16:creationId xmlns:a16="http://schemas.microsoft.com/office/drawing/2014/main" id="{E1AF631D-4517-401D-98DD-6FD2967C89B4}"/>
+              </a:ext>
+            </a:extLst>
+          </p:cNvPr>
+          <p:cNvPicPr>
+            <a:picLocks noChangeAspect="1"/>
+          </p:cNvPicPr>
+          <p:nvPr/>
+        </p:nvPicPr>
+        <p:blipFill>
+          <a:blip r:embed="rId2"/>
+          <a:stretch>
+            <a:fillRect/>
+          </a:stretch>
+        </p:blipFill>
+        <p:spPr>
+          <a:xfrm>
+            <a:off x="6895024" y="3273074"/>
+            <a:ext cx="3148197" cy="894292"/>
+          </a:xfrm>
+          <a:prstGeom prst="rect">
+            <a:avLst/>
+          </a:prstGeom>
+        </p:spPr>
+      </p:pic>
+      <p:pic>
+        <p:nvPicPr>
+          <p:cNvPr id="5" name="תמונה 4">
+            <a:extLst>
+              <a:ext uri="{FF2B5EF4-FFF2-40B4-BE49-F238E27FC236}">
+                <a16:creationId xmlns:a16="http://schemas.microsoft.com/office/drawing/2014/main" id="{83949573-314D-43F5-9632-DC41BFB703C4}"/>
+              </a:ext>
+            </a:extLst>
+          </p:cNvPr>
+          <p:cNvPicPr>
+            <a:picLocks noChangeAspect="1"/>
+          </p:cNvPicPr>
+          <p:nvPr/>
+        </p:nvPicPr>
+        <p:blipFill>
+          <a:blip r:embed="rId3"/>
+          <a:stretch>
+            <a:fillRect/>
+          </a:stretch>
+        </p:blipFill>
+        <p:spPr>
+          <a:xfrm>
+            <a:off x="4642172" y="5205240"/>
+            <a:ext cx="2486025" cy="819150"/>
+          </a:xfrm>
+          <a:prstGeom prst="rect">
+            <a:avLst/>
+          </a:prstGeom>
+        </p:spPr>
+      </p:pic>
+      <p:pic>
+        <p:nvPicPr>
+          <p:cNvPr id="4" name="תמונה 3">
+            <a:extLst>
+              <a:ext uri="{FF2B5EF4-FFF2-40B4-BE49-F238E27FC236}">
+                <a16:creationId xmlns:a16="http://schemas.microsoft.com/office/drawing/2014/main" id="{38317005-73CE-4860-A550-99ECE9967183}"/>
+              </a:ext>
+            </a:extLst>
+          </p:cNvPr>
+          <p:cNvPicPr>
+            <a:picLocks noChangeAspect="1"/>
+          </p:cNvPicPr>
+          <p:nvPr/>
+        </p:nvPicPr>
+        <p:blipFill>
+          <a:blip r:embed="rId4"/>
+          <a:stretch>
+            <a:fillRect/>
+          </a:stretch>
+        </p:blipFill>
+        <p:spPr>
+          <a:xfrm>
+            <a:off x="4456624" y="4300255"/>
+            <a:ext cx="2438400" cy="819150"/>
+          </a:xfrm>
+          <a:prstGeom prst="rect">
+            <a:avLst/>
+          </a:prstGeom>
+        </p:spPr>
+      </p:pic>
+      <p:pic>
+        <p:nvPicPr>
+          <p:cNvPr id="2050" name="Picture 2">
+            <a:extLst>
+              <a:ext uri="{FF2B5EF4-FFF2-40B4-BE49-F238E27FC236}">
+                <a16:creationId xmlns:a16="http://schemas.microsoft.com/office/drawing/2014/main" id="{B9B2B5F3-EAD5-47CA-9EBD-1F124F9FC2E7}"/>
+              </a:ext>
+            </a:extLst>
+          </p:cNvPr>
+          <p:cNvPicPr>
+            <a:picLocks noChangeAspect="1" noChangeArrowheads="1"/>
+          </p:cNvPicPr>
+          <p:nvPr/>
+        </p:nvPicPr>
+        <p:blipFill>
+          <a:blip r:embed="rId5">
+            <a:extLst>
+              <a:ext uri="{28A0092B-C50C-407E-A947-70E740481C1C}">
+                <a14:useLocalDpi xmlns:a14="http://schemas.microsoft.com/office/drawing/2010/main" val="0"/>
+              </a:ext>
+            </a:extLst>
+          </a:blip>
+          <a:srcRect/>
+          <a:stretch>
+            <a:fillRect/>
+          </a:stretch>
+        </p:blipFill>
+        <p:spPr bwMode="auto">
+          <a:xfrm>
+            <a:off x="4533714" y="1336228"/>
+            <a:ext cx="2648320" cy="1986240"/>
+          </a:xfrm>
+          <a:prstGeom prst="rect">
+            <a:avLst/>
+          </a:prstGeom>
+          <a:noFill/>
+          <a:extLst>
+            <a:ext uri="{909E8E84-426E-40DD-AFC4-6F175D3DCCD1}">
+              <a14:hiddenFill xmlns:a14="http://schemas.microsoft.com/office/drawing/2010/main">
+                <a:solidFill>
+                  <a:srgbClr val="FFFFFF"/>
+                </a:solidFill>
+              </a14:hiddenFill>
+            </a:ext>
+          </a:extLst>
+        </p:spPr>
+      </p:pic>
       <p:sp>
         <p:nvSpPr>
           <p:cNvPr id="2" name="כותרת 1">
             <a:extLst>
               <a:ext uri="{FF2B5EF4-FFF2-40B4-BE49-F238E27FC236}">
-                <a16:creationId xmlns:a16="http://schemas.microsoft.com/office/drawing/2014/main" id="{12C43150-B25E-4D0E-BDF4-635BEFD8EF18}"/>
-              </a:ext>
-            </a:extLst>
-          </p:cNvPr>
-          <p:cNvSpPr>
-            <a:spLocks noGrp="1"/>
-          </p:cNvSpPr>
-          <p:nvPr>
-            <p:ph type="ctrTitle"/>
+                <a16:creationId xmlns:a16="http://schemas.microsoft.com/office/drawing/2014/main" id="{FDA3504D-FC74-40E9-93A9-87B2C1D11F2A}"/>
+              </a:ext>
+            </a:extLst>
+          </p:cNvPr>
+          <p:cNvSpPr>
+            <a:spLocks noGrp="1"/>
+          </p:cNvSpPr>
+          <p:nvPr>
+            <p:ph type="title"/>
           </p:nvPr>
         </p:nvSpPr>
         <p:spPr/>
@@ -9487,41 +9661,111 @@
           <a:lstStyle/>
           <a:p>
             <a:r>
-              <a:rPr lang="he-IL" dirty="0"/>
-              <a:t>שאלות</a:t>
-            </a:r>
-          </a:p>
-        </p:txBody>
-      </p:sp>
-      <p:sp>
-        <p:nvSpPr>
-          <p:cNvPr id="3" name="כותרת משנה 2">
-            <a:extLst>
-              <a:ext uri="{FF2B5EF4-FFF2-40B4-BE49-F238E27FC236}">
-                <a16:creationId xmlns:a16="http://schemas.microsoft.com/office/drawing/2014/main" id="{686F7E77-CF92-46E1-B497-C07D9D641FF9}"/>
-              </a:ext>
-            </a:extLst>
-          </p:cNvPr>
-          <p:cNvSpPr>
-            <a:spLocks noGrp="1"/>
-          </p:cNvSpPr>
-          <p:nvPr>
-            <p:ph type="subTitle" idx="1"/>
+              <a:rPr lang="en-US" dirty="0"/>
+              <a:t>Score</a:t>
+            </a:r>
+            <a:endParaRPr lang="he-IL" dirty="0"/>
+          </a:p>
+        </p:txBody>
+      </p:sp>
+      <p:sp>
+        <p:nvSpPr>
+          <p:cNvPr id="3" name="מציין מיקום תוכן 2">
+            <a:extLst>
+              <a:ext uri="{FF2B5EF4-FFF2-40B4-BE49-F238E27FC236}">
+                <a16:creationId xmlns:a16="http://schemas.microsoft.com/office/drawing/2014/main" id="{F7B23106-A251-484A-8F67-5D0C16EBFC7A}"/>
+              </a:ext>
+            </a:extLst>
+          </p:cNvPr>
+          <p:cNvSpPr>
+            <a:spLocks noGrp="1"/>
+          </p:cNvSpPr>
+          <p:nvPr>
+            <p:ph idx="1"/>
           </p:nvPr>
         </p:nvSpPr>
         <p:spPr/>
         <p:txBody>
-          <a:bodyPr/>
-          <a:lstStyle/>
-          <a:p>
-            <a:endParaRPr lang="he-IL"/>
+          <a:bodyPr>
+            <a:normAutofit lnSpcReduction="10000"/>
+          </a:bodyPr>
+          <a:lstStyle/>
+          <a:p>
+            <a:r>
+              <a:rPr lang="en-US" dirty="0"/>
+              <a:t>Confusion matrix</a:t>
+            </a:r>
+            <a:endParaRPr lang="he-IL" dirty="0"/>
+          </a:p>
+          <a:p>
+            <a:pPr lvl="1"/>
+            <a:r>
+              <a:rPr lang="he-IL" dirty="0"/>
+              <a:t>מדד ביצועים לבעיות סיווג</a:t>
+            </a:r>
+          </a:p>
+          <a:p>
+            <a:r>
+              <a:rPr lang="en-US" dirty="0"/>
+              <a:t>AUC-ROC curve</a:t>
+            </a:r>
+            <a:endParaRPr lang="he-IL" dirty="0"/>
+          </a:p>
+          <a:p>
+            <a:pPr lvl="1"/>
+            <a:r>
+              <a:rPr lang="he-IL" dirty="0"/>
+              <a:t>מדד ביצועים לבעיית סיווג</a:t>
+            </a:r>
+          </a:p>
+          <a:p>
+            <a:r>
+              <a:rPr lang="en-US" dirty="0"/>
+              <a:t>F1 Score</a:t>
+            </a:r>
+            <a:endParaRPr lang="he-IL" dirty="0"/>
+          </a:p>
+          <a:p>
+            <a:pPr lvl="1"/>
+            <a:endParaRPr lang="he-IL" dirty="0"/>
+          </a:p>
+          <a:p>
+            <a:r>
+              <a:rPr lang="en-US" dirty="0"/>
+              <a:t>Precision</a:t>
+            </a:r>
+            <a:r>
+              <a:rPr lang="he-IL" dirty="0"/>
+              <a:t> </a:t>
+            </a:r>
+          </a:p>
+          <a:p>
+            <a:pPr lvl="1"/>
+            <a:r>
+              <a:rPr lang="he-IL" dirty="0"/>
+              <a:t>מדד לדיוק אחוז הדיוק החיובי.</a:t>
+            </a:r>
+          </a:p>
+          <a:p>
+            <a:r>
+              <a:rPr lang="en-US" dirty="0"/>
+              <a:t>Recall</a:t>
+            </a:r>
+            <a:endParaRPr lang="he-IL" dirty="0"/>
+          </a:p>
+          <a:p>
+            <a:pPr lvl="1"/>
+            <a:r>
+              <a:rPr lang="he-IL" dirty="0"/>
+              <a:t>מדד דיוק חיובי שצלחנו לנבא</a:t>
+            </a:r>
           </a:p>
         </p:txBody>
       </p:sp>
     </p:spTree>
     <p:extLst>
       <p:ext uri="{BB962C8B-B14F-4D97-AF65-F5344CB8AC3E}">
-        <p14:creationId xmlns:p14="http://schemas.microsoft.com/office/powerpoint/2010/main" val="2166135460"/>
+        <p14:creationId xmlns:p14="http://schemas.microsoft.com/office/powerpoint/2010/main" val="820330764"/>
       </p:ext>
     </p:extLst>
   </p:cSld>
@@ -9553,15 +9797,15 @@
           <p:cNvPr id="2" name="כותרת 1">
             <a:extLst>
               <a:ext uri="{FF2B5EF4-FFF2-40B4-BE49-F238E27FC236}">
-                <a16:creationId xmlns:a16="http://schemas.microsoft.com/office/drawing/2014/main" id="{B1B2B1AD-AED9-4FF9-8904-0852BE6EF758}"/>
-              </a:ext>
-            </a:extLst>
-          </p:cNvPr>
-          <p:cNvSpPr>
-            <a:spLocks noGrp="1"/>
-          </p:cNvSpPr>
-          <p:nvPr>
-            <p:ph type="title"/>
+                <a16:creationId xmlns:a16="http://schemas.microsoft.com/office/drawing/2014/main" id="{12C43150-B25E-4D0E-BDF4-635BEFD8EF18}"/>
+              </a:ext>
+            </a:extLst>
+          </p:cNvPr>
+          <p:cNvSpPr>
+            <a:spLocks noGrp="1"/>
+          </p:cNvSpPr>
+          <p:nvPr>
+            <p:ph type="ctrTitle"/>
           </p:nvPr>
         </p:nvSpPr>
         <p:spPr/>
@@ -9571,345 +9815,40 @@
           <a:p>
             <a:r>
               <a:rPr lang="he-IL" dirty="0"/>
-              <a:t>שאלות - 1</a:t>
-            </a:r>
-          </a:p>
-        </p:txBody>
-      </p:sp>
-      <p:sp>
-        <p:nvSpPr>
-          <p:cNvPr id="3" name="מציין מיקום תוכן 2">
-            <a:extLst>
-              <a:ext uri="{FF2B5EF4-FFF2-40B4-BE49-F238E27FC236}">
-                <a16:creationId xmlns:a16="http://schemas.microsoft.com/office/drawing/2014/main" id="{3CC9D416-2FD3-4EFA-8133-C371E668FCBB}"/>
-              </a:ext>
-            </a:extLst>
-          </p:cNvPr>
-          <p:cNvSpPr>
-            <a:spLocks noGrp="1"/>
-          </p:cNvSpPr>
-          <p:nvPr>
-            <p:ph idx="1"/>
+              <a:t>שאלות</a:t>
+            </a:r>
+          </a:p>
+        </p:txBody>
+      </p:sp>
+      <p:sp>
+        <p:nvSpPr>
+          <p:cNvPr id="3" name="כותרת משנה 2">
+            <a:extLst>
+              <a:ext uri="{FF2B5EF4-FFF2-40B4-BE49-F238E27FC236}">
+                <a16:creationId xmlns:a16="http://schemas.microsoft.com/office/drawing/2014/main" id="{686F7E77-CF92-46E1-B497-C07D9D641FF9}"/>
+              </a:ext>
+            </a:extLst>
+          </p:cNvPr>
+          <p:cNvSpPr>
+            <a:spLocks noGrp="1"/>
+          </p:cNvSpPr>
+          <p:nvPr>
+            <p:ph type="subTitle" idx="1"/>
           </p:nvPr>
         </p:nvSpPr>
         <p:spPr/>
         <p:txBody>
-          <a:bodyPr>
-            <a:normAutofit fontScale="55000" lnSpcReduction="20000"/>
-          </a:bodyPr>
-          <a:lstStyle/>
-          <a:p>
-            <a:r>
-              <a:rPr lang="en-US" dirty="0"/>
-              <a:t>Wrapper model</a:t>
-            </a:r>
-            <a:endParaRPr lang="he-IL" dirty="0"/>
-          </a:p>
-          <a:p>
-            <a:pPr lvl="1"/>
-            <a:r>
-              <a:rPr lang="he-IL" dirty="0"/>
-              <a:t>למה לפצל ל </a:t>
-            </a:r>
-            <a:r>
-              <a:rPr lang="en-US" dirty="0"/>
-              <a:t>train and test</a:t>
-            </a:r>
-            <a:r>
-              <a:rPr lang="he-IL" dirty="0"/>
-              <a:t> ? אם גם ככה רק לבחירת תכונות, נעבוד על </a:t>
-            </a:r>
-            <a:r>
-              <a:rPr lang="he-IL" dirty="0" err="1"/>
-              <a:t>הכל</a:t>
-            </a:r>
-            <a:r>
-              <a:rPr lang="he-IL" dirty="0"/>
-              <a:t>.</a:t>
-            </a:r>
-          </a:p>
-          <a:p>
-            <a:pPr lvl="1"/>
-            <a:r>
-              <a:rPr lang="he-IL" dirty="0"/>
-              <a:t>יש טעם בבעיית </a:t>
-            </a:r>
-            <a:r>
-              <a:rPr lang="en-US" dirty="0"/>
-              <a:t>classification</a:t>
-            </a:r>
-            <a:r>
-              <a:rPr lang="he-IL" dirty="0"/>
-              <a:t> לבדוק עם אלג' שאינו </a:t>
-            </a:r>
-            <a:r>
-              <a:rPr lang="en-US" dirty="0"/>
-              <a:t>random forest</a:t>
-            </a:r>
-            <a:r>
-              <a:rPr lang="he-IL" dirty="0"/>
-              <a:t> ?</a:t>
-            </a:r>
-          </a:p>
-          <a:p>
-            <a:r>
-              <a:rPr lang="en-US" dirty="0"/>
-              <a:t>Embedded model</a:t>
-            </a:r>
-            <a:r>
-              <a:rPr lang="he-IL" dirty="0"/>
-              <a:t>:</a:t>
-            </a:r>
-          </a:p>
-          <a:p>
-            <a:pPr lvl="1"/>
-            <a:r>
-              <a:rPr lang="he-IL" dirty="0"/>
-              <a:t>אם אני לא משתמש בשיטה זו לאחר מכן האם עדיין לפצל ל </a:t>
-            </a:r>
-            <a:r>
-              <a:rPr lang="en-US" dirty="0"/>
-              <a:t>train and test</a:t>
-            </a:r>
-            <a:r>
-              <a:rPr lang="he-IL" dirty="0"/>
-              <a:t> ? (אם כן למה ?)</a:t>
-            </a:r>
-          </a:p>
-          <a:p>
-            <a:pPr lvl="1"/>
-            <a:r>
-              <a:rPr lang="he-IL" dirty="0"/>
-              <a:t>האם </a:t>
-            </a:r>
-            <a:r>
-              <a:rPr lang="en-US" dirty="0"/>
-              <a:t>Lasso</a:t>
-            </a:r>
-            <a:r>
-              <a:rPr lang="he-IL" dirty="0"/>
-              <a:t> מתאים בעיקר לבעיות </a:t>
-            </a:r>
-            <a:r>
-              <a:rPr lang="en-US" dirty="0" err="1"/>
-              <a:t>regresion</a:t>
-            </a:r>
-            <a:r>
-              <a:rPr lang="he-IL" dirty="0"/>
-              <a:t> או גם </a:t>
-            </a:r>
-            <a:r>
-              <a:rPr lang="en-US" dirty="0"/>
-              <a:t>classification</a:t>
-            </a:r>
-            <a:endParaRPr lang="he-IL" dirty="0"/>
-          </a:p>
-          <a:p>
-            <a:pPr lvl="1"/>
-            <a:r>
-              <a:rPr lang="he-IL" dirty="0"/>
-              <a:t>אם אני לא משתמש באותו אלג' לאחר מכן:</a:t>
-            </a:r>
-          </a:p>
-          <a:p>
-            <a:pPr lvl="2"/>
-            <a:r>
-              <a:rPr lang="he-IL" dirty="0"/>
-              <a:t>האם כדאי להשתמש בשיטה ? (נניח נעבוד טוב יותר ב </a:t>
-            </a:r>
-            <a:r>
-              <a:rPr lang="en-US" dirty="0"/>
-              <a:t>Deep Learning</a:t>
-            </a:r>
-            <a:r>
-              <a:rPr lang="he-IL" dirty="0"/>
-              <a:t>) ?</a:t>
-            </a:r>
-          </a:p>
-          <a:p>
-            <a:pPr lvl="2"/>
-            <a:r>
-              <a:rPr lang="he-IL" dirty="0"/>
-              <a:t>האם עדיין צריך לחלק ב </a:t>
-            </a:r>
-            <a:r>
-              <a:rPr lang="en-US" dirty="0"/>
-              <a:t>Cross</a:t>
-            </a:r>
-            <a:r>
-              <a:rPr lang="he-IL" dirty="0"/>
-              <a:t> את המידע ולבדוק עם </a:t>
-            </a:r>
-            <a:r>
-              <a:rPr lang="en-US" dirty="0"/>
-              <a:t>train</a:t>
-            </a:r>
-            <a:r>
-              <a:rPr lang="he-IL" dirty="0"/>
-              <a:t> ?</a:t>
-            </a:r>
-          </a:p>
-          <a:p>
-            <a:pPr lvl="1"/>
-            <a:r>
-              <a:rPr lang="he-IL" dirty="0"/>
-              <a:t>בשימוש ב </a:t>
-            </a:r>
-            <a:r>
-              <a:rPr lang="en-US" dirty="0"/>
-              <a:t>Random Forest</a:t>
-            </a:r>
-            <a:r>
-              <a:rPr lang="he-IL" dirty="0"/>
-              <a:t>, התוצאה הינה ה"חשיבות" של כל תוכנה:</a:t>
-            </a:r>
-          </a:p>
-          <a:p>
-            <a:pPr lvl="2"/>
-            <a:r>
-              <a:rPr lang="he-IL" dirty="0"/>
-              <a:t>בפועל אין הורדת תוכנות</a:t>
-            </a:r>
-          </a:p>
-          <a:p>
-            <a:pPr lvl="2"/>
-            <a:r>
-              <a:rPr lang="he-IL" dirty="0"/>
-              <a:t>מה ההבדל בין שיטה זו לבין ה </a:t>
-            </a:r>
-            <a:r>
-              <a:rPr lang="en-US" dirty="0"/>
-              <a:t>wrapper</a:t>
-            </a:r>
-            <a:r>
-              <a:rPr lang="he-IL" dirty="0"/>
-              <a:t> עם </a:t>
-            </a:r>
-            <a:r>
-              <a:rPr lang="en-US" dirty="0"/>
-              <a:t>Random Forest</a:t>
-            </a:r>
-            <a:endParaRPr lang="he-IL" dirty="0"/>
-          </a:p>
-          <a:p>
-            <a:r>
-              <a:rPr lang="he-IL" dirty="0"/>
-              <a:t>בכל השיטות (של </a:t>
-            </a:r>
-            <a:r>
-              <a:rPr lang="en-US" dirty="0"/>
-              <a:t> filter model</a:t>
-            </a:r>
-            <a:r>
-              <a:rPr lang="he-IL" dirty="0"/>
-              <a:t> יחד עם </a:t>
-            </a:r>
-            <a:r>
-              <a:rPr lang="en-US" dirty="0"/>
-              <a:t>random forest</a:t>
-            </a:r>
-            <a:r>
-              <a:rPr lang="he-IL" dirty="0"/>
-              <a:t> וזהו ?), נראה שיש מספר המגדיר את המספר המקסימאלי של תכונות לבחירה. למה ? זה צריך להיות לפי סינון אחר (נניח תוצאה / סף)</a:t>
-            </a:r>
-          </a:p>
-          <a:p>
-            <a:r>
-              <a:rPr lang="he-IL" dirty="0"/>
-              <a:t>לעבור שוב ולוודא האם </a:t>
-            </a:r>
-            <a:r>
-              <a:rPr lang="he-IL"/>
-              <a:t>נכונה השאלה - מהבנתי </a:t>
-            </a:r>
-            <a:r>
-              <a:rPr lang="he-IL" dirty="0"/>
-              <a:t>מ </a:t>
-            </a:r>
-            <a:r>
-              <a:rPr lang="en-US" dirty="0" err="1"/>
-              <a:t>kfold</a:t>
-            </a:r>
-            <a:r>
-              <a:rPr lang="he-IL" dirty="0"/>
-              <a:t> לא ניתן לקבל את רשימת התכונות (אם יש התנגשות בין הרצות) אלא לקחת את התוצאה </a:t>
-            </a:r>
-            <a:r>
-              <a:rPr lang="en-US" dirty="0"/>
-              <a:t>(feature importance)</a:t>
-            </a:r>
-            <a:r>
-              <a:rPr lang="he-IL" dirty="0"/>
-              <a:t> ומשם לחלץ לפי סף </a:t>
-            </a:r>
-            <a:r>
-              <a:rPr lang="he-IL" dirty="0" err="1"/>
-              <a:t>מסויים</a:t>
-            </a:r>
-            <a:endParaRPr lang="he-IL" dirty="0"/>
-          </a:p>
-          <a:p>
-            <a:r>
-              <a:rPr lang="he-IL" dirty="0"/>
-              <a:t>נראה שאין טעם להשתמש ב </a:t>
-            </a:r>
-            <a:r>
-              <a:rPr lang="en-US" dirty="0"/>
-              <a:t>TREE</a:t>
-            </a:r>
-            <a:r>
-              <a:rPr lang="he-IL" dirty="0"/>
-              <a:t> לבד ?</a:t>
-            </a:r>
-          </a:p>
-          <a:p>
-            <a:r>
-              <a:rPr lang="he-IL" dirty="0"/>
-              <a:t>יש הרבה שיטות ממאמרים </a:t>
-            </a:r>
-            <a:r>
-              <a:rPr lang="en-US" dirty="0"/>
-              <a:t>IEEE</a:t>
-            </a:r>
-            <a:r>
-              <a:rPr lang="he-IL" dirty="0"/>
-              <a:t> שלא נמצאים ב </a:t>
-            </a:r>
-            <a:r>
-              <a:rPr lang="en-US" dirty="0" err="1"/>
-              <a:t>sklearn</a:t>
-            </a:r>
-            <a:r>
-              <a:rPr lang="he-IL" dirty="0"/>
-              <a:t>. אם אני מבין נכון בגלל שלא נמצא שם, אז אין טעם לבדוק ? אחרת היה </a:t>
-            </a:r>
-            <a:r>
-              <a:rPr lang="he-IL" dirty="0" err="1"/>
-              <a:t>פופלארי</a:t>
-            </a:r>
-            <a:r>
-              <a:rPr lang="he-IL" dirty="0"/>
-              <a:t> והיה נכנס ?</a:t>
-            </a:r>
-          </a:p>
-          <a:p>
-            <a:endParaRPr lang="he-IL" dirty="0"/>
-          </a:p>
-          <a:p>
-            <a:pPr marL="0" indent="0">
-              <a:buNone/>
-            </a:pPr>
-            <a:endParaRPr lang="he-IL" dirty="0"/>
-          </a:p>
-          <a:p>
-            <a:endParaRPr lang="he-IL" dirty="0"/>
+          <a:bodyPr/>
+          <a:lstStyle/>
+          <a:p>
+            <a:endParaRPr lang="he-IL"/>
           </a:p>
         </p:txBody>
       </p:sp>
     </p:spTree>
     <p:extLst>
       <p:ext uri="{BB962C8B-B14F-4D97-AF65-F5344CB8AC3E}">
-        <p14:creationId xmlns:p14="http://schemas.microsoft.com/office/powerpoint/2010/main" val="3199974596"/>
+        <p14:creationId xmlns:p14="http://schemas.microsoft.com/office/powerpoint/2010/main" val="2166135460"/>
       </p:ext>
     </p:extLst>
   </p:cSld>
@@ -9959,7 +9898,7 @@
           <a:p>
             <a:r>
               <a:rPr lang="he-IL" dirty="0"/>
-              <a:t>שאלות - 2</a:t>
+              <a:t>שאלות - 1</a:t>
             </a:r>
           </a:p>
         </p:txBody>
@@ -9983,48 +9922,29 @@
         <p:spPr/>
         <p:txBody>
           <a:bodyPr>
-            <a:normAutofit/>
+            <a:normAutofit fontScale="55000" lnSpcReduction="20000"/>
           </a:bodyPr>
           <a:lstStyle/>
           <a:p>
             <a:r>
-              <a:rPr lang="he-IL" dirty="0" err="1"/>
-              <a:t>בבעית</a:t>
-            </a:r>
-            <a:r>
-              <a:rPr lang="he-IL" dirty="0"/>
-              <a:t> ה </a:t>
-            </a:r>
-            <a:r>
-              <a:rPr lang="en-US" dirty="0"/>
-              <a:t>NBA</a:t>
-            </a:r>
-            <a:r>
-              <a:rPr lang="he-IL" dirty="0"/>
-              <a:t>, נראה שה </a:t>
-            </a:r>
-            <a:r>
-              <a:rPr lang="en-US" dirty="0" err="1"/>
-              <a:t>cor</a:t>
-            </a:r>
-            <a:r>
-              <a:rPr lang="he-IL" dirty="0"/>
-              <a:t> עם ה </a:t>
-            </a:r>
-            <a:r>
-              <a:rPr lang="en-US" dirty="0"/>
-              <a:t>TARGET</a:t>
-            </a:r>
-            <a:r>
-              <a:rPr lang="he-IL" dirty="0"/>
-              <a:t> קטן מ 0.4</a:t>
-            </a:r>
-            <a:br>
-              <a:rPr lang="en-US" dirty="0"/>
-            </a:br>
-            <a:r>
-              <a:rPr lang="he-IL" dirty="0"/>
-              <a:t>אז בעצם הייתי מסנן את </a:t>
+              <a:rPr lang="en-US" dirty="0"/>
+              <a:t>Wrapper model</a:t>
+            </a:r>
+            <a:endParaRPr lang="he-IL" dirty="0"/>
+          </a:p>
+          <a:p>
+            <a:pPr lvl="1"/>
+            <a:r>
+              <a:rPr lang="he-IL" dirty="0"/>
+              <a:t>למה לפצל ל </a:t>
+            </a:r>
+            <a:r>
+              <a:rPr lang="en-US" dirty="0"/>
+              <a:t>train and test</a:t>
+            </a:r>
+            <a:r>
+              <a:rPr lang="he-IL" dirty="0"/>
+              <a:t> ? אם גם ככה רק לבחירת תכונות, נעבוד על </a:t>
             </a:r>
             <a:r>
               <a:rPr lang="he-IL" dirty="0" err="1"/>
@@ -10032,75 +9952,283 @@
             </a:r>
             <a:r>
               <a:rPr lang="he-IL" dirty="0"/>
+              <a:t>.</a:t>
+            </a:r>
+          </a:p>
+          <a:p>
+            <a:pPr lvl="1"/>
+            <a:r>
+              <a:rPr lang="he-IL" dirty="0"/>
+              <a:t>יש טעם בבעיית </a:t>
+            </a:r>
+            <a:r>
+              <a:rPr lang="en-US" dirty="0"/>
+              <a:t>classification</a:t>
+            </a:r>
+            <a:r>
+              <a:rPr lang="he-IL" dirty="0"/>
+              <a:t> לבדוק עם אלג' שאינו </a:t>
+            </a:r>
+            <a:r>
+              <a:rPr lang="en-US" dirty="0"/>
+              <a:t>random forest</a:t>
+            </a:r>
+            <a:r>
+              <a:rPr lang="he-IL" dirty="0"/>
               <a:t> ?</a:t>
             </a:r>
           </a:p>
           <a:p>
             <a:r>
               <a:rPr lang="en-US" dirty="0"/>
+              <a:t>Embedded model</a:t>
+            </a:r>
+            <a:r>
+              <a:rPr lang="he-IL" dirty="0"/>
+              <a:t>:</a:t>
+            </a:r>
+          </a:p>
+          <a:p>
+            <a:pPr lvl="1"/>
+            <a:r>
+              <a:rPr lang="he-IL" dirty="0"/>
+              <a:t>אם אני לא משתמש בשיטה זו לאחר מכן האם עדיין לפצל ל </a:t>
+            </a:r>
+            <a:r>
+              <a:rPr lang="en-US" dirty="0"/>
+              <a:t>train and test</a:t>
+            </a:r>
+            <a:r>
+              <a:rPr lang="he-IL" dirty="0"/>
+              <a:t> ? (אם כן למה ?)</a:t>
+            </a:r>
+          </a:p>
+          <a:p>
+            <a:pPr lvl="1"/>
+            <a:r>
+              <a:rPr lang="he-IL" dirty="0"/>
+              <a:t>האם </a:t>
+            </a:r>
+            <a:r>
+              <a:rPr lang="en-US" dirty="0"/>
               <a:t>Lasso</a:t>
             </a:r>
             <a:r>
               <a:rPr lang="he-IL" dirty="0"/>
-              <a:t> לא מתאים ל </a:t>
+              <a:t> מתאים בעיקר לבעיות </a:t>
+            </a:r>
+            <a:r>
+              <a:rPr lang="en-US" dirty="0" err="1"/>
+              <a:t>regresion</a:t>
+            </a:r>
+            <a:r>
+              <a:rPr lang="he-IL" dirty="0"/>
+              <a:t> או גם </a:t>
             </a:r>
             <a:r>
               <a:rPr lang="en-US" dirty="0"/>
               <a:t>classification</a:t>
             </a:r>
-            <a:r>
-              <a:rPr lang="he-IL" dirty="0"/>
-              <a:t> ? (ראה </a:t>
+            <a:endParaRPr lang="he-IL" dirty="0"/>
+          </a:p>
+          <a:p>
+            <a:pPr lvl="1"/>
+            <a:r>
+              <a:rPr lang="he-IL" dirty="0"/>
+              <a:t>אם אני לא משתמש באותו אלג' לאחר מכן:</a:t>
+            </a:r>
+          </a:p>
+          <a:p>
+            <a:pPr lvl="2"/>
+            <a:r>
+              <a:rPr lang="he-IL" dirty="0"/>
+              <a:t>האם כדאי להשתמש בשיטה ? (נניח נעבוד טוב יותר ב </a:t>
+            </a:r>
+            <a:r>
+              <a:rPr lang="en-US" dirty="0"/>
+              <a:t>Deep Learning</a:t>
+            </a:r>
+            <a:r>
+              <a:rPr lang="he-IL" dirty="0"/>
+              <a:t>) ?</a:t>
+            </a:r>
+          </a:p>
+          <a:p>
+            <a:pPr lvl="2"/>
+            <a:r>
+              <a:rPr lang="he-IL" dirty="0"/>
+              <a:t>האם עדיין צריך לחלק ב </a:t>
+            </a:r>
+            <a:r>
+              <a:rPr lang="en-US" dirty="0"/>
+              <a:t>Cross</a:t>
+            </a:r>
+            <a:r>
+              <a:rPr lang="he-IL" dirty="0"/>
+              <a:t> את המידע ולבדוק עם </a:t>
+            </a:r>
+            <a:r>
+              <a:rPr lang="en-US" dirty="0"/>
+              <a:t>train</a:t>
+            </a:r>
+            <a:r>
+              <a:rPr lang="he-IL" dirty="0"/>
+              <a:t> ?</a:t>
+            </a:r>
+          </a:p>
+          <a:p>
+            <a:pPr lvl="1"/>
+            <a:r>
+              <a:rPr lang="he-IL" dirty="0"/>
+              <a:t>בשימוש ב </a:t>
+            </a:r>
+            <a:r>
+              <a:rPr lang="en-US" dirty="0"/>
+              <a:t>Random Forest</a:t>
+            </a:r>
+            <a:r>
+              <a:rPr lang="he-IL" dirty="0"/>
+              <a:t>, התוצאה הינה ה"חשיבות" של כל תוכנה:</a:t>
+            </a:r>
+          </a:p>
+          <a:p>
+            <a:pPr lvl="2"/>
+            <a:r>
+              <a:rPr lang="he-IL" dirty="0"/>
+              <a:t>בפועל אין הורדת תוכנות</a:t>
+            </a:r>
+          </a:p>
+          <a:p>
+            <a:pPr lvl="2"/>
+            <a:r>
+              <a:rPr lang="he-IL" dirty="0"/>
+              <a:t>מה ההבדל בין שיטה זו לבין ה </a:t>
+            </a:r>
+            <a:r>
+              <a:rPr lang="en-US" dirty="0"/>
+              <a:t>wrapper</a:t>
+            </a:r>
+            <a:r>
+              <a:rPr lang="he-IL" dirty="0"/>
+              <a:t> עם </a:t>
+            </a:r>
+            <a:r>
+              <a:rPr lang="en-US" dirty="0"/>
+              <a:t>Random Forest</a:t>
+            </a:r>
+            <a:endParaRPr lang="he-IL" dirty="0"/>
+          </a:p>
+          <a:p>
+            <a:r>
+              <a:rPr lang="he-IL" dirty="0"/>
+              <a:t>בכל השיטות (של </a:t>
+            </a:r>
+            <a:r>
+              <a:rPr lang="en-US" dirty="0"/>
+              <a:t> filter model</a:t>
+            </a:r>
+            <a:r>
+              <a:rPr lang="he-IL" dirty="0"/>
+              <a:t> יחד עם </a:t>
+            </a:r>
+            <a:r>
+              <a:rPr lang="en-US" dirty="0"/>
+              <a:t>random forest</a:t>
+            </a:r>
+            <a:r>
+              <a:rPr lang="he-IL" dirty="0"/>
+              <a:t> וזהו ?), נראה שיש מספר המגדיר את המספר המקסימאלי של תכונות לבחירה. למה ? זה צריך להיות לפי סינון אחר (נניח תוצאה / סף)</a:t>
+            </a:r>
+          </a:p>
+          <a:p>
+            <a:r>
+              <a:rPr lang="he-IL" dirty="0"/>
+              <a:t>לעבור שוב ולוודא האם </a:t>
+            </a:r>
+            <a:r>
+              <a:rPr lang="he-IL"/>
+              <a:t>נכונה השאלה - מהבנתי </a:t>
+            </a:r>
+            <a:r>
+              <a:rPr lang="he-IL" dirty="0"/>
+              <a:t>מ </a:t>
             </a:r>
             <a:r>
               <a:rPr lang="en-US" dirty="0" err="1"/>
-              <a:t>cross_val_predict</a:t>
-            </a:r>
-            <a:r>
-              <a:rPr lang="he-IL" dirty="0"/>
-              <a:t>)</a:t>
-            </a:r>
-          </a:p>
-          <a:p>
-            <a:r>
-              <a:rPr lang="he-IL" dirty="0"/>
-              <a:t>כיוונן </a:t>
+              <a:t>kfold</a:t>
+            </a:r>
+            <a:r>
+              <a:rPr lang="he-IL" dirty="0"/>
+              <a:t> לא ניתן לקבל את רשימת התכונות (אם יש התנגשות בין הרצות) אלא לקחת את התוצאה </a:t>
+            </a:r>
+            <a:r>
+              <a:rPr lang="en-US" dirty="0"/>
+              <a:t>(feature importance)</a:t>
+            </a:r>
+            <a:r>
+              <a:rPr lang="he-IL" dirty="0"/>
+              <a:t> ומשם לחלץ לפי סף </a:t>
+            </a:r>
+            <a:r>
+              <a:rPr lang="he-IL" dirty="0" err="1"/>
+              <a:t>מסויים</a:t>
+            </a:r>
+            <a:endParaRPr lang="he-IL" dirty="0"/>
+          </a:p>
+          <a:p>
+            <a:r>
+              <a:rPr lang="he-IL" dirty="0"/>
+              <a:t>נראה שאין טעם להשתמש ב </a:t>
+            </a:r>
+            <a:r>
+              <a:rPr lang="en-US" dirty="0"/>
+              <a:t>TREE</a:t>
+            </a:r>
+            <a:r>
+              <a:rPr lang="he-IL" dirty="0"/>
+              <a:t> לבד ?</a:t>
+            </a:r>
+          </a:p>
+          <a:p>
+            <a:r>
+              <a:rPr lang="he-IL" dirty="0"/>
+              <a:t>יש הרבה שיטות ממאמרים </a:t>
+            </a:r>
+            <a:r>
+              <a:rPr lang="en-US" dirty="0"/>
+              <a:t>IEEE</a:t>
+            </a:r>
+            <a:r>
+              <a:rPr lang="he-IL" dirty="0"/>
+              <a:t> שלא נמצאים ב </a:t>
             </a:r>
             <a:r>
               <a:rPr lang="en-US" dirty="0" err="1"/>
-              <a:t>hyperparmaaters</a:t>
-            </a:r>
-            <a:r>
-              <a:rPr lang="he-IL" dirty="0"/>
-              <a:t> ?</a:t>
-            </a:r>
-            <a:r>
-              <a:rPr lang="en-US" dirty="0"/>
-              <a:t> </a:t>
-            </a:r>
-            <a:r>
-              <a:rPr lang="he-IL" dirty="0"/>
-              <a:t>מתי עושים ? זה יכול להשפיע ב:</a:t>
-            </a:r>
-          </a:p>
-          <a:p>
-            <a:pPr lvl="1"/>
-            <a:r>
-              <a:rPr lang="en-US" dirty="0"/>
-              <a:t>Feature selection (wrapper/embedded)</a:t>
-            </a:r>
+              <a:t>sklearn</a:t>
+            </a:r>
+            <a:r>
+              <a:rPr lang="he-IL" dirty="0"/>
+              <a:t>. אם אני מבין נכון בגלל שלא נמצא שם, אז אין טעם לבדוק ? אחרת היה </a:t>
+            </a:r>
+            <a:r>
+              <a:rPr lang="he-IL" dirty="0" err="1"/>
+              <a:t>פופלארי</a:t>
+            </a:r>
+            <a:r>
+              <a:rPr lang="he-IL" dirty="0"/>
+              <a:t> והיה נכנס ?</a:t>
+            </a:r>
+          </a:p>
+          <a:p>
             <a:endParaRPr lang="he-IL" dirty="0"/>
           </a:p>
           <a:p>
-            <a:pPr lvl="1"/>
-            <a:r>
-              <a:rPr lang="he-IL"/>
-              <a:t>בחירת </a:t>
-            </a:r>
-            <a:r>
-              <a:rPr lang="en-US"/>
-              <a:t>model</a:t>
-            </a:r>
+            <a:pPr marL="0" indent="0">
+              <a:buNone/>
+            </a:pPr>
+            <a:endParaRPr lang="he-IL" dirty="0"/>
+          </a:p>
+          <a:p>
             <a:endParaRPr lang="he-IL" dirty="0"/>
           </a:p>
         </p:txBody>
@@ -10108,7 +10236,7 @@
     </p:spTree>
     <p:extLst>
       <p:ext uri="{BB962C8B-B14F-4D97-AF65-F5344CB8AC3E}">
-        <p14:creationId xmlns:p14="http://schemas.microsoft.com/office/powerpoint/2010/main" val="118512922"/>
+        <p14:creationId xmlns:p14="http://schemas.microsoft.com/office/powerpoint/2010/main" val="3199974596"/>
       </p:ext>
     </p:extLst>
   </p:cSld>
@@ -10140,7 +10268,7 @@
           <p:cNvPr id="2" name="כותרת 1">
             <a:extLst>
               <a:ext uri="{FF2B5EF4-FFF2-40B4-BE49-F238E27FC236}">
-                <a16:creationId xmlns:a16="http://schemas.microsoft.com/office/drawing/2014/main" id="{E4E90D95-673A-44C8-8AF8-5E5B77603F0E}"/>
+                <a16:creationId xmlns:a16="http://schemas.microsoft.com/office/drawing/2014/main" id="{B1B2B1AD-AED9-4FF9-8904-0852BE6EF758}"/>
               </a:ext>
             </a:extLst>
           </p:cNvPr>
@@ -10158,7 +10286,7 @@
           <a:p>
             <a:r>
               <a:rPr lang="he-IL" dirty="0"/>
-              <a:t>שאלות - 3</a:t>
+              <a:t>שאלות - 2</a:t>
             </a:r>
           </a:p>
         </p:txBody>
@@ -10168,7 +10296,7 @@
           <p:cNvPr id="3" name="מציין מיקום תוכן 2">
             <a:extLst>
               <a:ext uri="{FF2B5EF4-FFF2-40B4-BE49-F238E27FC236}">
-                <a16:creationId xmlns:a16="http://schemas.microsoft.com/office/drawing/2014/main" id="{F54A7483-4BFE-4463-B6DF-A252594BD2E4}"/>
+                <a16:creationId xmlns:a16="http://schemas.microsoft.com/office/drawing/2014/main" id="{3CC9D416-2FD3-4EFA-8133-C371E668FCBB}"/>
               </a:ext>
             </a:extLst>
           </p:cNvPr>
@@ -10181,76 +10309,133 @@
         </p:nvSpPr>
         <p:spPr/>
         <p:txBody>
-          <a:bodyPr/>
-          <a:lstStyle/>
-          <a:p>
+          <a:bodyPr>
+            <a:normAutofit/>
+          </a:bodyPr>
+          <a:lstStyle/>
+          <a:p>
+            <a:r>
+              <a:rPr lang="he-IL" dirty="0" err="1"/>
+              <a:t>בבעית</a:t>
+            </a:r>
+            <a:r>
+              <a:rPr lang="he-IL" dirty="0"/>
+              <a:t> ה </a:t>
+            </a:r>
+            <a:r>
+              <a:rPr lang="en-US" dirty="0"/>
+              <a:t>NBA</a:t>
+            </a:r>
+            <a:r>
+              <a:rPr lang="he-IL" dirty="0"/>
+              <a:t>, נראה שה </a:t>
+            </a:r>
             <a:r>
               <a:rPr lang="en-US" dirty="0" err="1"/>
-              <a:t>Cross_validate</a:t>
-            </a:r>
-            <a:r>
-              <a:rPr lang="he-IL" dirty="0"/>
-              <a:t> ניתן לתת מספר </a:t>
-            </a:r>
-            <a:r>
-              <a:rPr lang="en-US" dirty="0"/>
-              <a:t>score</a:t>
-            </a:r>
-            <a:r>
-              <a:rPr lang="he-IL" dirty="0"/>
-              <a:t>ים שונים לבחינה</a:t>
-            </a:r>
-          </a:p>
-          <a:p>
-            <a:pPr lvl="1"/>
-            <a:r>
-              <a:rPr lang="he-IL" dirty="0"/>
-              <a:t>למה באמת משנה מדד ה </a:t>
-            </a:r>
-            <a:r>
-              <a:rPr lang="en-US" dirty="0"/>
-              <a:t>score</a:t>
-            </a:r>
-            <a:r>
-              <a:rPr lang="he-IL" dirty="0"/>
-              <a:t> ? כמה זה יכול להשפיע ?</a:t>
-            </a:r>
-          </a:p>
-          <a:p>
-            <a:r>
-              <a:rPr lang="he-IL" dirty="0"/>
-              <a:t>מהבנתי:</a:t>
-            </a:r>
-          </a:p>
-          <a:p>
-            <a:pPr lvl="1"/>
-            <a:r>
-              <a:rPr lang="he-IL" dirty="0"/>
-              <a:t>כדאי לבצע </a:t>
-            </a:r>
-            <a:r>
-              <a:rPr lang="en-US" dirty="0"/>
-              <a:t>scaling</a:t>
-            </a:r>
-            <a:r>
-              <a:rPr lang="he-IL" dirty="0"/>
-              <a:t> לפני </a:t>
-            </a:r>
-            <a:r>
-              <a:rPr lang="en-US" dirty="0"/>
-              <a:t>feature selection</a:t>
-            </a:r>
-            <a:r>
-              <a:rPr lang="he-IL" dirty="0"/>
-              <a:t>, האם נכון ?</a:t>
-            </a:r>
+              <a:t>cor</a:t>
+            </a:r>
+            <a:r>
+              <a:rPr lang="he-IL" dirty="0"/>
+              <a:t> עם ה </a:t>
+            </a:r>
+            <a:r>
+              <a:rPr lang="en-US" dirty="0"/>
+              <a:t>TARGET</a:t>
+            </a:r>
+            <a:r>
+              <a:rPr lang="he-IL" dirty="0"/>
+              <a:t> קטן מ 0.4</a:t>
+            </a:r>
+            <a:br>
+              <a:rPr lang="en-US" dirty="0"/>
+            </a:br>
+            <a:r>
+              <a:rPr lang="he-IL" dirty="0"/>
+              <a:t>אז בעצם הייתי מסנן את </a:t>
+            </a:r>
+            <a:r>
+              <a:rPr lang="he-IL" dirty="0" err="1"/>
+              <a:t>הכל</a:t>
+            </a:r>
+            <a:r>
+              <a:rPr lang="he-IL" dirty="0"/>
+              <a:t> ?</a:t>
+            </a:r>
+          </a:p>
+          <a:p>
+            <a:r>
+              <a:rPr lang="en-US" dirty="0"/>
+              <a:t>Lasso</a:t>
+            </a:r>
+            <a:r>
+              <a:rPr lang="he-IL" dirty="0"/>
+              <a:t> לא מתאים ל </a:t>
+            </a:r>
+            <a:r>
+              <a:rPr lang="en-US" dirty="0"/>
+              <a:t>classification</a:t>
+            </a:r>
+            <a:r>
+              <a:rPr lang="he-IL" dirty="0"/>
+              <a:t> ? (ראה </a:t>
+            </a:r>
+            <a:r>
+              <a:rPr lang="en-US" dirty="0" err="1"/>
+              <a:t>cross_val_predict</a:t>
+            </a:r>
+            <a:r>
+              <a:rPr lang="he-IL" dirty="0"/>
+              <a:t>)</a:t>
+            </a:r>
+          </a:p>
+          <a:p>
+            <a:r>
+              <a:rPr lang="he-IL" dirty="0"/>
+              <a:t>כיוונן </a:t>
+            </a:r>
+            <a:r>
+              <a:rPr lang="en-US" dirty="0" err="1"/>
+              <a:t>hyperparmaaters</a:t>
+            </a:r>
+            <a:r>
+              <a:rPr lang="he-IL" dirty="0"/>
+              <a:t> ?</a:t>
+            </a:r>
+            <a:r>
+              <a:rPr lang="en-US" dirty="0"/>
+              <a:t> </a:t>
+            </a:r>
+            <a:r>
+              <a:rPr lang="he-IL" dirty="0"/>
+              <a:t>מתי עושים ? זה יכול להשפיע ב:</a:t>
+            </a:r>
+          </a:p>
+          <a:p>
+            <a:pPr lvl="1"/>
+            <a:r>
+              <a:rPr lang="en-US" dirty="0"/>
+              <a:t>Feature selection (wrapper/embedded)</a:t>
+            </a:r>
+            <a:endParaRPr lang="he-IL" dirty="0"/>
+          </a:p>
+          <a:p>
+            <a:pPr lvl="1"/>
+            <a:r>
+              <a:rPr lang="he-IL"/>
+              <a:t>בחירת </a:t>
+            </a:r>
+            <a:r>
+              <a:rPr lang="en-US"/>
+              <a:t>model</a:t>
+            </a:r>
+            <a:endParaRPr lang="he-IL" dirty="0"/>
           </a:p>
         </p:txBody>
       </p:sp>
     </p:spTree>
     <p:extLst>
       <p:ext uri="{BB962C8B-B14F-4D97-AF65-F5344CB8AC3E}">
-        <p14:creationId xmlns:p14="http://schemas.microsoft.com/office/powerpoint/2010/main" val="1448348866"/>
+        <p14:creationId xmlns:p14="http://schemas.microsoft.com/office/powerpoint/2010/main" val="118512922"/>
       </p:ext>
     </p:extLst>
   </p:cSld>
@@ -10282,7 +10467,7 @@
           <p:cNvPr id="2" name="כותרת 1">
             <a:extLst>
               <a:ext uri="{FF2B5EF4-FFF2-40B4-BE49-F238E27FC236}">
-                <a16:creationId xmlns:a16="http://schemas.microsoft.com/office/drawing/2014/main" id="{C05B19A7-4B51-4263-9909-E7743DBA26C4}"/>
+                <a16:creationId xmlns:a16="http://schemas.microsoft.com/office/drawing/2014/main" id="{E4E90D95-673A-44C8-8AF8-5E5B77603F0E}"/>
               </a:ext>
             </a:extLst>
           </p:cNvPr>
@@ -10300,7 +10485,7 @@
           <a:p>
             <a:r>
               <a:rPr lang="he-IL" dirty="0"/>
-              <a:t>שאלות - 4</a:t>
+              <a:t>שאלות - 3</a:t>
             </a:r>
           </a:p>
         </p:txBody>
@@ -10310,7 +10495,7 @@
           <p:cNvPr id="3" name="מציין מיקום תוכן 2">
             <a:extLst>
               <a:ext uri="{FF2B5EF4-FFF2-40B4-BE49-F238E27FC236}">
-                <a16:creationId xmlns:a16="http://schemas.microsoft.com/office/drawing/2014/main" id="{93F686FE-F8E2-4F3F-AE46-71CBBD633BAA}"/>
+                <a16:creationId xmlns:a16="http://schemas.microsoft.com/office/drawing/2014/main" id="{F54A7483-4BFE-4463-B6DF-A252594BD2E4}"/>
               </a:ext>
             </a:extLst>
           </p:cNvPr>
@@ -10327,92 +10512,72 @@
           <a:lstStyle/>
           <a:p>
             <a:r>
-              <a:rPr lang="en-US" dirty="0"/>
-              <a:t>PCA</a:t>
-            </a:r>
-            <a:endParaRPr lang="he-IL" dirty="0"/>
-          </a:p>
-          <a:p>
-            <a:pPr lvl="1"/>
-            <a:r>
-              <a:rPr lang="he-IL" dirty="0"/>
-              <a:t>כיצד לטפל </a:t>
-            </a:r>
-            <a:r>
-              <a:rPr lang="he-IL" dirty="0" err="1"/>
-              <a:t>בחיסרונות</a:t>
-            </a:r>
-            <a:r>
-              <a:rPr lang="he-IL" dirty="0"/>
-              <a:t> ?</a:t>
-            </a:r>
-          </a:p>
-          <a:p>
-            <a:r>
-              <a:rPr lang="en-US" dirty="0"/>
-              <a:t>KOLMOGOROV SMIRNOV</a:t>
-            </a:r>
-            <a:endParaRPr lang="he-IL" dirty="0"/>
-          </a:p>
-          <a:p>
-            <a:pPr lvl="1"/>
-            <a:r>
-              <a:rPr lang="he-IL" dirty="0"/>
-              <a:t>האם ההתפלגות חייבת להיות נורמאלית ? </a:t>
-            </a:r>
-            <a:r>
-              <a:rPr lang="he-IL" dirty="0">
-                <a:highlight>
-                  <a:srgbClr val="FFFF00"/>
-                </a:highlight>
-              </a:rPr>
-              <a:t>לא</a:t>
-            </a:r>
-          </a:p>
-          <a:p>
-            <a:pPr lvl="1"/>
-            <a:r>
-              <a:rPr lang="he-IL" dirty="0"/>
-              <a:t>דוגמא לשימוש ב </a:t>
-            </a:r>
-            <a:r>
-              <a:rPr lang="en-US" dirty="0"/>
-              <a:t>ML</a:t>
-            </a:r>
-            <a:r>
-              <a:rPr lang="he-IL" dirty="0"/>
-              <a:t> ?</a:t>
-            </a:r>
-          </a:p>
-          <a:p>
-            <a:pPr lvl="1"/>
-            <a:r>
-              <a:rPr lang="he-IL" dirty="0"/>
-              <a:t>למה לא ראיתי תמיכה ב </a:t>
-            </a:r>
-            <a:r>
               <a:rPr lang="en-US" dirty="0" err="1"/>
-              <a:t>sklearn</a:t>
-            </a:r>
-            <a:r>
-              <a:rPr lang="he-IL" dirty="0"/>
-              <a:t> לסיווג </a:t>
-            </a:r>
-            <a:r>
-              <a:rPr lang="en-US" dirty="0"/>
-              <a:t>(un/supervised)</a:t>
-            </a:r>
-            <a:endParaRPr lang="he-IL" dirty="0"/>
-          </a:p>
-          <a:p>
-            <a:endParaRPr lang="he-IL" dirty="0"/>
+              <a:t>Cross_validate</a:t>
+            </a:r>
+            <a:r>
+              <a:rPr lang="he-IL" dirty="0"/>
+              <a:t> ניתן לתת מספר </a:t>
+            </a:r>
+            <a:r>
+              <a:rPr lang="en-US" dirty="0"/>
+              <a:t>score</a:t>
+            </a:r>
+            <a:r>
+              <a:rPr lang="he-IL" dirty="0"/>
+              <a:t>ים שונים לבחינה</a:t>
+            </a:r>
+          </a:p>
+          <a:p>
+            <a:pPr lvl="1"/>
+            <a:r>
+              <a:rPr lang="he-IL" dirty="0"/>
+              <a:t>למה באמת משנה מדד ה </a:t>
+            </a:r>
+            <a:r>
+              <a:rPr lang="en-US" dirty="0"/>
+              <a:t>score</a:t>
+            </a:r>
+            <a:r>
+              <a:rPr lang="he-IL" dirty="0"/>
+              <a:t> ? כמה זה יכול להשפיע ?</a:t>
+            </a:r>
+          </a:p>
+          <a:p>
+            <a:r>
+              <a:rPr lang="he-IL" dirty="0"/>
+              <a:t>מהבנתי:</a:t>
+            </a:r>
+          </a:p>
+          <a:p>
+            <a:pPr lvl="1"/>
+            <a:r>
+              <a:rPr lang="he-IL" dirty="0"/>
+              <a:t>כדאי לבצע </a:t>
+            </a:r>
+            <a:r>
+              <a:rPr lang="en-US" dirty="0"/>
+              <a:t>scaling</a:t>
+            </a:r>
+            <a:r>
+              <a:rPr lang="he-IL" dirty="0"/>
+              <a:t> לפני </a:t>
+            </a:r>
+            <a:r>
+              <a:rPr lang="en-US" dirty="0"/>
+              <a:t>feature selection</a:t>
+            </a:r>
+            <a:r>
+              <a:rPr lang="he-IL" dirty="0"/>
+              <a:t>, האם נכון ?</a:t>
+            </a:r>
           </a:p>
         </p:txBody>
       </p:sp>
     </p:spTree>
     <p:extLst>
       <p:ext uri="{BB962C8B-B14F-4D97-AF65-F5344CB8AC3E}">
-        <p14:creationId xmlns:p14="http://schemas.microsoft.com/office/powerpoint/2010/main" val="3971539147"/>
+        <p14:creationId xmlns:p14="http://schemas.microsoft.com/office/powerpoint/2010/main" val="1448348866"/>
       </p:ext>
     </p:extLst>
   </p:cSld>
@@ -10444,7 +10609,7 @@
           <p:cNvPr id="2" name="כותרת 1">
             <a:extLst>
               <a:ext uri="{FF2B5EF4-FFF2-40B4-BE49-F238E27FC236}">
-                <a16:creationId xmlns:a16="http://schemas.microsoft.com/office/drawing/2014/main" id="{7E3E5737-5258-4012-85FF-E35A12F7A5CC}"/>
+                <a16:creationId xmlns:a16="http://schemas.microsoft.com/office/drawing/2014/main" id="{C05B19A7-4B51-4263-9909-E7743DBA26C4}"/>
               </a:ext>
             </a:extLst>
           </p:cNvPr>
@@ -10462,7 +10627,7 @@
           <a:p>
             <a:r>
               <a:rPr lang="he-IL" dirty="0"/>
-              <a:t>שאלות 5</a:t>
+              <a:t>שאלות - 4</a:t>
             </a:r>
           </a:p>
         </p:txBody>
@@ -10472,7 +10637,7 @@
           <p:cNvPr id="3" name="מציין מיקום תוכן 2">
             <a:extLst>
               <a:ext uri="{FF2B5EF4-FFF2-40B4-BE49-F238E27FC236}">
-                <a16:creationId xmlns:a16="http://schemas.microsoft.com/office/drawing/2014/main" id="{0A2FCE9F-76EA-43CC-9D68-76355047CD62}"/>
+                <a16:creationId xmlns:a16="http://schemas.microsoft.com/office/drawing/2014/main" id="{93F686FE-F8E2-4F3F-AE46-71CBBD633BAA}"/>
               </a:ext>
             </a:extLst>
           </p:cNvPr>
@@ -10489,41 +10654,92 @@
           <a:lstStyle/>
           <a:p>
             <a:r>
-              <a:rPr lang="he-IL" dirty="0"/>
-              <a:t>עם בוחר ב </a:t>
-            </a:r>
-            <a:r>
-              <a:rPr lang="en-US" dirty="0"/>
-              <a:t>embedded</a:t>
-            </a:r>
-            <a:r>
-              <a:rPr lang="he-IL" dirty="0"/>
-              <a:t> ורוצה גם לקבל את ה </a:t>
-            </a:r>
-            <a:r>
-              <a:rPr lang="en-US" dirty="0"/>
-              <a:t>score</a:t>
-            </a:r>
-            <a:r>
-              <a:rPr lang="he-IL" dirty="0"/>
-              <a:t>, נראה שלא ניתן</a:t>
-            </a:r>
-          </a:p>
-          <a:p>
-            <a:pPr marL="0" indent="0">
-              <a:buNone/>
-            </a:pPr>
-            <a:r>
-              <a:rPr lang="he-IL" dirty="0"/>
-              <a:t>  נראה שצריך ב 2 שלבים, למה ?</a:t>
-            </a:r>
+              <a:rPr lang="en-US" dirty="0"/>
+              <a:t>PCA</a:t>
+            </a:r>
+            <a:endParaRPr lang="he-IL" dirty="0"/>
+          </a:p>
+          <a:p>
+            <a:pPr lvl="1"/>
+            <a:r>
+              <a:rPr lang="he-IL" dirty="0"/>
+              <a:t>כיצד לטפל </a:t>
+            </a:r>
+            <a:r>
+              <a:rPr lang="he-IL" dirty="0" err="1"/>
+              <a:t>בחיסרונות</a:t>
+            </a:r>
+            <a:r>
+              <a:rPr lang="he-IL" dirty="0"/>
+              <a:t> ?</a:t>
+            </a:r>
+          </a:p>
+          <a:p>
+            <a:r>
+              <a:rPr lang="en-US" dirty="0"/>
+              <a:t>KOLMOGOROV SMIRNOV</a:t>
+            </a:r>
+            <a:endParaRPr lang="he-IL" dirty="0"/>
+          </a:p>
+          <a:p>
+            <a:pPr lvl="1"/>
+            <a:r>
+              <a:rPr lang="he-IL" dirty="0"/>
+              <a:t>האם ההתפלגות חייבת להיות נורמאלית ? </a:t>
+            </a:r>
+            <a:r>
+              <a:rPr lang="he-IL" dirty="0">
+                <a:highlight>
+                  <a:srgbClr val="FFFF00"/>
+                </a:highlight>
+              </a:rPr>
+              <a:t>לא</a:t>
+            </a:r>
+          </a:p>
+          <a:p>
+            <a:pPr lvl="1"/>
+            <a:r>
+              <a:rPr lang="he-IL" dirty="0"/>
+              <a:t>דוגמא לשימוש ב </a:t>
+            </a:r>
+            <a:r>
+              <a:rPr lang="en-US" dirty="0"/>
+              <a:t>ML</a:t>
+            </a:r>
+            <a:r>
+              <a:rPr lang="he-IL" dirty="0"/>
+              <a:t> ?</a:t>
+            </a:r>
+          </a:p>
+          <a:p>
+            <a:pPr lvl="1"/>
+            <a:r>
+              <a:rPr lang="he-IL" dirty="0"/>
+              <a:t>למה לא ראיתי תמיכה ב </a:t>
+            </a:r>
+            <a:r>
+              <a:rPr lang="en-US" dirty="0" err="1"/>
+              <a:t>sklearn</a:t>
+            </a:r>
+            <a:r>
+              <a:rPr lang="he-IL" dirty="0"/>
+              <a:t> לסיווג </a:t>
+            </a:r>
+            <a:r>
+              <a:rPr lang="en-US" dirty="0"/>
+              <a:t>(un/supervised)</a:t>
+            </a:r>
+            <a:endParaRPr lang="he-IL" dirty="0"/>
+          </a:p>
+          <a:p>
+            <a:endParaRPr lang="he-IL" dirty="0"/>
           </a:p>
         </p:txBody>
       </p:sp>
     </p:spTree>
     <p:extLst>
       <p:ext uri="{BB962C8B-B14F-4D97-AF65-F5344CB8AC3E}">
-        <p14:creationId xmlns:p14="http://schemas.microsoft.com/office/powerpoint/2010/main" val="4286939178"/>
+        <p14:creationId xmlns:p14="http://schemas.microsoft.com/office/powerpoint/2010/main" val="3971539147"/>
       </p:ext>
     </p:extLst>
   </p:cSld>
@@ -10555,6 +10771,117 @@
           <p:cNvPr id="2" name="כותרת 1">
             <a:extLst>
               <a:ext uri="{FF2B5EF4-FFF2-40B4-BE49-F238E27FC236}">
+                <a16:creationId xmlns:a16="http://schemas.microsoft.com/office/drawing/2014/main" id="{7E3E5737-5258-4012-85FF-E35A12F7A5CC}"/>
+              </a:ext>
+            </a:extLst>
+          </p:cNvPr>
+          <p:cNvSpPr>
+            <a:spLocks noGrp="1"/>
+          </p:cNvSpPr>
+          <p:nvPr>
+            <p:ph type="title"/>
+          </p:nvPr>
+        </p:nvSpPr>
+        <p:spPr/>
+        <p:txBody>
+          <a:bodyPr/>
+          <a:lstStyle/>
+          <a:p>
+            <a:r>
+              <a:rPr lang="he-IL" dirty="0"/>
+              <a:t>שאלות 5</a:t>
+            </a:r>
+          </a:p>
+        </p:txBody>
+      </p:sp>
+      <p:sp>
+        <p:nvSpPr>
+          <p:cNvPr id="3" name="מציין מיקום תוכן 2">
+            <a:extLst>
+              <a:ext uri="{FF2B5EF4-FFF2-40B4-BE49-F238E27FC236}">
+                <a16:creationId xmlns:a16="http://schemas.microsoft.com/office/drawing/2014/main" id="{0A2FCE9F-76EA-43CC-9D68-76355047CD62}"/>
+              </a:ext>
+            </a:extLst>
+          </p:cNvPr>
+          <p:cNvSpPr>
+            <a:spLocks noGrp="1"/>
+          </p:cNvSpPr>
+          <p:nvPr>
+            <p:ph idx="1"/>
+          </p:nvPr>
+        </p:nvSpPr>
+        <p:spPr/>
+        <p:txBody>
+          <a:bodyPr/>
+          <a:lstStyle/>
+          <a:p>
+            <a:r>
+              <a:rPr lang="he-IL" dirty="0"/>
+              <a:t>עם בוחר ב </a:t>
+            </a:r>
+            <a:r>
+              <a:rPr lang="en-US" dirty="0"/>
+              <a:t>embedded</a:t>
+            </a:r>
+            <a:r>
+              <a:rPr lang="he-IL" dirty="0"/>
+              <a:t> ורוצה גם לקבל את ה </a:t>
+            </a:r>
+            <a:r>
+              <a:rPr lang="en-US" dirty="0"/>
+              <a:t>score</a:t>
+            </a:r>
+            <a:r>
+              <a:rPr lang="he-IL" dirty="0"/>
+              <a:t>, נראה שלא ניתן</a:t>
+            </a:r>
+          </a:p>
+          <a:p>
+            <a:pPr marL="0" indent="0">
+              <a:buNone/>
+            </a:pPr>
+            <a:r>
+              <a:rPr lang="he-IL" dirty="0"/>
+              <a:t>  נראה שצריך ב 2 שלבים, למה ?</a:t>
+            </a:r>
+          </a:p>
+        </p:txBody>
+      </p:sp>
+    </p:spTree>
+    <p:extLst>
+      <p:ext uri="{BB962C8B-B14F-4D97-AF65-F5344CB8AC3E}">
+        <p14:creationId xmlns:p14="http://schemas.microsoft.com/office/powerpoint/2010/main" val="4286939178"/>
+      </p:ext>
+    </p:extLst>
+  </p:cSld>
+  <p:clrMapOvr>
+    <a:masterClrMapping/>
+  </p:clrMapOvr>
+</p:sld>
+</file>
+
+<file path=ppt/slides/slide47.xml><?xml version="1.0" encoding="utf-8"?>
+<p:sld xmlns:a="http://schemas.openxmlformats.org/drawingml/2006/main" xmlns:r="http://schemas.openxmlformats.org/officeDocument/2006/relationships" xmlns:p="http://schemas.openxmlformats.org/presentationml/2006/main">
+  <p:cSld>
+    <p:spTree>
+      <p:nvGrpSpPr>
+        <p:cNvPr id="1" name=""/>
+        <p:cNvGrpSpPr/>
+        <p:nvPr/>
+      </p:nvGrpSpPr>
+      <p:grpSpPr>
+        <a:xfrm>
+          <a:off x="0" y="0"/>
+          <a:ext cx="0" cy="0"/>
+          <a:chOff x="0" y="0"/>
+          <a:chExt cx="0" cy="0"/>
+        </a:xfrm>
+      </p:grpSpPr>
+      <p:sp>
+        <p:nvSpPr>
+          <p:cNvPr id="2" name="כותרת 1">
+            <a:extLst>
+              <a:ext uri="{FF2B5EF4-FFF2-40B4-BE49-F238E27FC236}">
                 <a16:creationId xmlns:a16="http://schemas.microsoft.com/office/drawing/2014/main" id="{12C43150-B25E-4D0E-BDF4-635BEFD8EF18}"/>
               </a:ext>
             </a:extLst>
@@ -10625,7 +10952,7 @@
 </p:sld>
 </file>
 
-<file path=ppt/slides/slide47.xml><?xml version="1.0" encoding="utf-8"?>
+<file path=ppt/slides/slide48.xml><?xml version="1.0" encoding="utf-8"?>
 <p:sld xmlns:a="http://schemas.openxmlformats.org/drawingml/2006/main" xmlns:r="http://schemas.openxmlformats.org/officeDocument/2006/relationships" xmlns:p="http://schemas.openxmlformats.org/presentationml/2006/main">
   <p:cSld>
     <p:spTree>
@@ -10858,7 +11185,7 @@
 </p:sld>
 </file>
 
-<file path=ppt/slides/slide48.xml><?xml version="1.0" encoding="utf-8"?>
+<file path=ppt/slides/slide49.xml><?xml version="1.0" encoding="utf-8"?>
 <p:sld xmlns:a="http://schemas.openxmlformats.org/drawingml/2006/main" xmlns:r="http://schemas.openxmlformats.org/officeDocument/2006/relationships" xmlns:p="http://schemas.openxmlformats.org/presentationml/2006/main">
   <p:cSld>
     <p:spTree>
@@ -11061,7 +11388,208 @@
 </p:sld>
 </file>
 
-<file path=ppt/slides/slide49.xml><?xml version="1.0" encoding="utf-8"?>
+<file path=ppt/slides/slide5.xml><?xml version="1.0" encoding="utf-8"?>
+<p:sld xmlns:a="http://schemas.openxmlformats.org/drawingml/2006/main" xmlns:r="http://schemas.openxmlformats.org/officeDocument/2006/relationships" xmlns:p="http://schemas.openxmlformats.org/presentationml/2006/main">
+  <p:cSld>
+    <p:spTree>
+      <p:nvGrpSpPr>
+        <p:cNvPr id="1" name=""/>
+        <p:cNvGrpSpPr/>
+        <p:nvPr/>
+      </p:nvGrpSpPr>
+      <p:grpSpPr>
+        <a:xfrm>
+          <a:off x="0" y="0"/>
+          <a:ext cx="0" cy="0"/>
+          <a:chOff x="0" y="0"/>
+          <a:chExt cx="0" cy="0"/>
+        </a:xfrm>
+      </p:grpSpPr>
+      <p:sp>
+        <p:nvSpPr>
+          <p:cNvPr id="2" name="כותרת 1">
+            <a:extLst>
+              <a:ext uri="{FF2B5EF4-FFF2-40B4-BE49-F238E27FC236}">
+                <a16:creationId xmlns:a16="http://schemas.microsoft.com/office/drawing/2014/main" id="{3614DBF3-3BF9-40E5-8449-5B82D31222F7}"/>
+              </a:ext>
+            </a:extLst>
+          </p:cNvPr>
+          <p:cNvSpPr>
+            <a:spLocks noGrp="1"/>
+          </p:cNvSpPr>
+          <p:nvPr>
+            <p:ph type="title"/>
+          </p:nvPr>
+        </p:nvSpPr>
+        <p:spPr/>
+        <p:txBody>
+          <a:bodyPr/>
+          <a:lstStyle/>
+          <a:p>
+            <a:r>
+              <a:rPr lang="he-IL" dirty="0"/>
+              <a:t>דוגמא </a:t>
+            </a:r>
+            <a:r>
+              <a:rPr lang="he-IL" dirty="0" err="1"/>
+              <a:t>לאלג</a:t>
+            </a:r>
+            <a:r>
+              <a:rPr lang="he-IL" dirty="0"/>
+              <a:t>' בשיטת </a:t>
+            </a:r>
+            <a:r>
+              <a:rPr lang="en-US" dirty="0"/>
+              <a:t>Filter Model</a:t>
+            </a:r>
+            <a:r>
+              <a:rPr lang="he-IL" dirty="0"/>
+              <a:t> : </a:t>
+            </a:r>
+            <a:r>
+              <a:rPr lang="en-US" dirty="0"/>
+              <a:t>FCBF</a:t>
+            </a:r>
+            <a:endParaRPr lang="he-IL" dirty="0"/>
+          </a:p>
+        </p:txBody>
+      </p:sp>
+      <p:sp>
+        <p:nvSpPr>
+          <p:cNvPr id="3" name="מציין מיקום תוכן 2">
+            <a:extLst>
+              <a:ext uri="{FF2B5EF4-FFF2-40B4-BE49-F238E27FC236}">
+                <a16:creationId xmlns:a16="http://schemas.microsoft.com/office/drawing/2014/main" id="{B3DFF1EA-A09F-4399-9C0C-32F3045249A2}"/>
+              </a:ext>
+            </a:extLst>
+          </p:cNvPr>
+          <p:cNvSpPr>
+            <a:spLocks noGrp="1"/>
+          </p:cNvSpPr>
+          <p:nvPr>
+            <p:ph idx="1"/>
+          </p:nvPr>
+        </p:nvSpPr>
+        <p:spPr/>
+        <p:txBody>
+          <a:bodyPr/>
+          <a:lstStyle/>
+          <a:p>
+            <a:r>
+              <a:rPr lang="en-US" dirty="0"/>
+              <a:t>FCBF</a:t>
+            </a:r>
+            <a:r>
+              <a:rPr lang="he-IL" dirty="0"/>
+              <a:t> – </a:t>
+            </a:r>
+            <a:r>
+              <a:rPr lang="en-US" dirty="0"/>
+              <a:t>Fast Correlation Based Filter </a:t>
+            </a:r>
+            <a:endParaRPr lang="he-IL" dirty="0"/>
+          </a:p>
+          <a:p>
+            <a:r>
+              <a:rPr lang="he-IL" dirty="0"/>
+              <a:t>אלג' המתאים (מבחינת תוצאה) למספר רב של מאפיינים (מאות/אלפים)</a:t>
+            </a:r>
+          </a:p>
+          <a:p>
+            <a:r>
+              <a:rPr lang="he-IL" dirty="0"/>
+              <a:t>שימוש באנטרופיה (מדד למידת אקראיות מדגם)</a:t>
+            </a:r>
+          </a:p>
+          <a:p>
+            <a:pPr lvl="1"/>
+            <a:r>
+              <a:rPr lang="he-IL" dirty="0"/>
+              <a:t>השימוש באנטרופיה עבור אי הכנת מידע עודף </a:t>
+            </a:r>
+            <a:r>
+              <a:rPr lang="en-US" dirty="0"/>
+              <a:t>redundant features</a:t>
+            </a:r>
+            <a:r>
+              <a:rPr lang="he-IL" dirty="0"/>
+              <a:t> (עד כמה אין קורלציה בין תכונות)</a:t>
+            </a:r>
+          </a:p>
+          <a:p>
+            <a:r>
+              <a:rPr lang="he-IL" dirty="0" err="1"/>
+              <a:t>האלג</a:t>
+            </a:r>
+            <a:r>
+              <a:rPr lang="he-IL" dirty="0"/>
+              <a:t>' עובד ב 2 שלבים:</a:t>
+            </a:r>
+          </a:p>
+          <a:p>
+            <a:pPr lvl="1"/>
+            <a:r>
+              <a:rPr lang="en-US" dirty="0"/>
+              <a:t>SU – Symmetrical Uncertainty</a:t>
+            </a:r>
+            <a:r>
+              <a:rPr lang="he-IL" dirty="0"/>
+              <a:t> (נוסחה המרחיבה את נוסחת האנטרופיה)</a:t>
+            </a:r>
+          </a:p>
+          <a:p>
+            <a:pPr lvl="1"/>
+            <a:r>
+              <a:rPr lang="he-IL" dirty="0"/>
+              <a:t>מוציאים את כל המאפיינים שחישוב ה </a:t>
+            </a:r>
+            <a:r>
+              <a:rPr lang="en-US" dirty="0"/>
+              <a:t>SU</a:t>
+            </a:r>
+            <a:r>
+              <a:rPr lang="he-IL" dirty="0"/>
+              <a:t> שלהם קטן מסף מסוים</a:t>
+            </a:r>
+          </a:p>
+          <a:p>
+            <a:pPr lvl="1"/>
+            <a:r>
+              <a:rPr lang="he-IL" dirty="0"/>
+              <a:t>מהמאפיינים שנשארו, זורקים את המאפיינים שיש להם יתירות (זורקים את המאפיין בעל ציון </a:t>
+            </a:r>
+            <a:r>
+              <a:rPr lang="en-US" dirty="0"/>
+              <a:t>SU</a:t>
+            </a:r>
+            <a:r>
+              <a:rPr lang="he-IL" dirty="0"/>
+              <a:t> נמוך יותר)</a:t>
+            </a:r>
+          </a:p>
+          <a:p>
+            <a:pPr lvl="1"/>
+            <a:endParaRPr lang="he-IL" dirty="0"/>
+          </a:p>
+          <a:p>
+            <a:endParaRPr lang="he-IL" dirty="0"/>
+          </a:p>
+        </p:txBody>
+      </p:sp>
+    </p:spTree>
+    <p:extLst>
+      <p:ext uri="{BB962C8B-B14F-4D97-AF65-F5344CB8AC3E}">
+        <p14:creationId xmlns:p14="http://schemas.microsoft.com/office/powerpoint/2010/main" val="2946470775"/>
+      </p:ext>
+    </p:extLst>
+  </p:cSld>
+  <p:clrMapOvr>
+    <a:masterClrMapping/>
+  </p:clrMapOvr>
+</p:sld>
+</file>
+
+<file path=ppt/slides/slide50.xml><?xml version="1.0" encoding="utf-8"?>
 <p:sld xmlns:a="http://schemas.openxmlformats.org/drawingml/2006/main" xmlns:r="http://schemas.openxmlformats.org/officeDocument/2006/relationships" xmlns:p="http://schemas.openxmlformats.org/presentationml/2006/main">
   <p:cSld>
     <p:spTree>
@@ -11274,208 +11802,7 @@
 </p:sld>
 </file>
 
-<file path=ppt/slides/slide5.xml><?xml version="1.0" encoding="utf-8"?>
-<p:sld xmlns:a="http://schemas.openxmlformats.org/drawingml/2006/main" xmlns:r="http://schemas.openxmlformats.org/officeDocument/2006/relationships" xmlns:p="http://schemas.openxmlformats.org/presentationml/2006/main">
-  <p:cSld>
-    <p:spTree>
-      <p:nvGrpSpPr>
-        <p:cNvPr id="1" name=""/>
-        <p:cNvGrpSpPr/>
-        <p:nvPr/>
-      </p:nvGrpSpPr>
-      <p:grpSpPr>
-        <a:xfrm>
-          <a:off x="0" y="0"/>
-          <a:ext cx="0" cy="0"/>
-          <a:chOff x="0" y="0"/>
-          <a:chExt cx="0" cy="0"/>
-        </a:xfrm>
-      </p:grpSpPr>
-      <p:sp>
-        <p:nvSpPr>
-          <p:cNvPr id="2" name="כותרת 1">
-            <a:extLst>
-              <a:ext uri="{FF2B5EF4-FFF2-40B4-BE49-F238E27FC236}">
-                <a16:creationId xmlns:a16="http://schemas.microsoft.com/office/drawing/2014/main" id="{3614DBF3-3BF9-40E5-8449-5B82D31222F7}"/>
-              </a:ext>
-            </a:extLst>
-          </p:cNvPr>
-          <p:cNvSpPr>
-            <a:spLocks noGrp="1"/>
-          </p:cNvSpPr>
-          <p:nvPr>
-            <p:ph type="title"/>
-          </p:nvPr>
-        </p:nvSpPr>
-        <p:spPr/>
-        <p:txBody>
-          <a:bodyPr/>
-          <a:lstStyle/>
-          <a:p>
-            <a:r>
-              <a:rPr lang="he-IL" dirty="0"/>
-              <a:t>דוגמא </a:t>
-            </a:r>
-            <a:r>
-              <a:rPr lang="he-IL" dirty="0" err="1"/>
-              <a:t>לאלג</a:t>
-            </a:r>
-            <a:r>
-              <a:rPr lang="he-IL" dirty="0"/>
-              <a:t>' בשיטת </a:t>
-            </a:r>
-            <a:r>
-              <a:rPr lang="en-US" dirty="0"/>
-              <a:t>Filter Model</a:t>
-            </a:r>
-            <a:r>
-              <a:rPr lang="he-IL" dirty="0"/>
-              <a:t> : </a:t>
-            </a:r>
-            <a:r>
-              <a:rPr lang="en-US" dirty="0"/>
-              <a:t>FCBF</a:t>
-            </a:r>
-            <a:endParaRPr lang="he-IL" dirty="0"/>
-          </a:p>
-        </p:txBody>
-      </p:sp>
-      <p:sp>
-        <p:nvSpPr>
-          <p:cNvPr id="3" name="מציין מיקום תוכן 2">
-            <a:extLst>
-              <a:ext uri="{FF2B5EF4-FFF2-40B4-BE49-F238E27FC236}">
-                <a16:creationId xmlns:a16="http://schemas.microsoft.com/office/drawing/2014/main" id="{B3DFF1EA-A09F-4399-9C0C-32F3045249A2}"/>
-              </a:ext>
-            </a:extLst>
-          </p:cNvPr>
-          <p:cNvSpPr>
-            <a:spLocks noGrp="1"/>
-          </p:cNvSpPr>
-          <p:nvPr>
-            <p:ph idx="1"/>
-          </p:nvPr>
-        </p:nvSpPr>
-        <p:spPr/>
-        <p:txBody>
-          <a:bodyPr/>
-          <a:lstStyle/>
-          <a:p>
-            <a:r>
-              <a:rPr lang="en-US" dirty="0"/>
-              <a:t>FCBF</a:t>
-            </a:r>
-            <a:r>
-              <a:rPr lang="he-IL" dirty="0"/>
-              <a:t> – </a:t>
-            </a:r>
-            <a:r>
-              <a:rPr lang="en-US" dirty="0"/>
-              <a:t>Fast Correlation Based Filter </a:t>
-            </a:r>
-            <a:endParaRPr lang="he-IL" dirty="0"/>
-          </a:p>
-          <a:p>
-            <a:r>
-              <a:rPr lang="he-IL" dirty="0"/>
-              <a:t>אלג' המתאים (מבחינת תוצאה) למספר רב של מאפיינים (מאות/אלפים)</a:t>
-            </a:r>
-          </a:p>
-          <a:p>
-            <a:r>
-              <a:rPr lang="he-IL" dirty="0"/>
-              <a:t>שימוש באנטרופיה (מדד למידת אקראיות מדגם)</a:t>
-            </a:r>
-          </a:p>
-          <a:p>
-            <a:pPr lvl="1"/>
-            <a:r>
-              <a:rPr lang="he-IL" dirty="0"/>
-              <a:t>השימוש באנטרופיה עבור אי הכנת מידע עודף </a:t>
-            </a:r>
-            <a:r>
-              <a:rPr lang="en-US" dirty="0"/>
-              <a:t>redundant features</a:t>
-            </a:r>
-            <a:r>
-              <a:rPr lang="he-IL" dirty="0"/>
-              <a:t> (עד כמה אין קורלציה בין תכונות)</a:t>
-            </a:r>
-          </a:p>
-          <a:p>
-            <a:r>
-              <a:rPr lang="he-IL" dirty="0" err="1"/>
-              <a:t>האלג</a:t>
-            </a:r>
-            <a:r>
-              <a:rPr lang="he-IL" dirty="0"/>
-              <a:t>' עובד ב 2 שלבים:</a:t>
-            </a:r>
-          </a:p>
-          <a:p>
-            <a:pPr lvl="1"/>
-            <a:r>
-              <a:rPr lang="en-US" dirty="0"/>
-              <a:t>SU – Symmetrical Uncertainty</a:t>
-            </a:r>
-            <a:r>
-              <a:rPr lang="he-IL" dirty="0"/>
-              <a:t> (נוסחה המרחיבה את נוסחת האנטרופיה)</a:t>
-            </a:r>
-          </a:p>
-          <a:p>
-            <a:pPr lvl="1"/>
-            <a:r>
-              <a:rPr lang="he-IL" dirty="0"/>
-              <a:t>מוציאים את כל המאפיינים שחישוב ה </a:t>
-            </a:r>
-            <a:r>
-              <a:rPr lang="en-US" dirty="0"/>
-              <a:t>SU</a:t>
-            </a:r>
-            <a:r>
-              <a:rPr lang="he-IL" dirty="0"/>
-              <a:t> שלהם קטן מסף מסוים</a:t>
-            </a:r>
-          </a:p>
-          <a:p>
-            <a:pPr lvl="1"/>
-            <a:r>
-              <a:rPr lang="he-IL" dirty="0"/>
-              <a:t>מהמאפיינים שנשארו, זורקים את המאפיינים שיש להם יתירות (זורקים את המאפיין בעל ציון </a:t>
-            </a:r>
-            <a:r>
-              <a:rPr lang="en-US" dirty="0"/>
-              <a:t>SU</a:t>
-            </a:r>
-            <a:r>
-              <a:rPr lang="he-IL" dirty="0"/>
-              <a:t> נמוך יותר)</a:t>
-            </a:r>
-          </a:p>
-          <a:p>
-            <a:pPr lvl="1"/>
-            <a:endParaRPr lang="he-IL" dirty="0"/>
-          </a:p>
-          <a:p>
-            <a:endParaRPr lang="he-IL" dirty="0"/>
-          </a:p>
-        </p:txBody>
-      </p:sp>
-    </p:spTree>
-    <p:extLst>
-      <p:ext uri="{BB962C8B-B14F-4D97-AF65-F5344CB8AC3E}">
-        <p14:creationId xmlns:p14="http://schemas.microsoft.com/office/powerpoint/2010/main" val="2946470775"/>
-      </p:ext>
-    </p:extLst>
-  </p:cSld>
-  <p:clrMapOvr>
-    <a:masterClrMapping/>
-  </p:clrMapOvr>
-</p:sld>
-</file>
-
-<file path=ppt/slides/slide50.xml><?xml version="1.0" encoding="utf-8"?>
+<file path=ppt/slides/slide51.xml><?xml version="1.0" encoding="utf-8"?>
 <p:sld xmlns:a="http://schemas.openxmlformats.org/drawingml/2006/main" xmlns:r="http://schemas.openxmlformats.org/officeDocument/2006/relationships" xmlns:p="http://schemas.openxmlformats.org/presentationml/2006/main">
   <p:cSld>
     <p:spTree>
@@ -11632,7 +11959,7 @@
 </p:sld>
 </file>
 
-<file path=ppt/slides/slide51.xml><?xml version="1.0" encoding="utf-8"?>
+<file path=ppt/slides/slide52.xml><?xml version="1.0" encoding="utf-8"?>
 <p:sld xmlns:a="http://schemas.openxmlformats.org/drawingml/2006/main" xmlns:r="http://schemas.openxmlformats.org/officeDocument/2006/relationships" xmlns:p="http://schemas.openxmlformats.org/presentationml/2006/main">
   <p:cSld>
     <p:spTree>
@@ -11771,7 +12098,7 @@
 </p:sld>
 </file>
 
-<file path=ppt/slides/slide52.xml><?xml version="1.0" encoding="utf-8"?>
+<file path=ppt/slides/slide53.xml><?xml version="1.0" encoding="utf-8"?>
 <p:sld xmlns:a="http://schemas.openxmlformats.org/drawingml/2006/main" xmlns:r="http://schemas.openxmlformats.org/officeDocument/2006/relationships" xmlns:p="http://schemas.openxmlformats.org/presentationml/2006/main">
   <p:cSld>
     <p:spTree>
@@ -12094,7 +12421,7 @@
 </p:sld>
 </file>
 
-<file path=ppt/slides/slide53.xml><?xml version="1.0" encoding="utf-8"?>
+<file path=ppt/slides/slide54.xml><?xml version="1.0" encoding="utf-8"?>
 <p:sld xmlns:a="http://schemas.openxmlformats.org/drawingml/2006/main" xmlns:r="http://schemas.openxmlformats.org/officeDocument/2006/relationships" xmlns:p="http://schemas.openxmlformats.org/presentationml/2006/main">
   <p:cSld>
     <p:spTree>
@@ -12260,7 +12587,7 @@
 </p:sld>
 </file>
 
-<file path=ppt/slides/slide54.xml><?xml version="1.0" encoding="utf-8"?>
+<file path=ppt/slides/slide55.xml><?xml version="1.0" encoding="utf-8"?>
 <p:sld xmlns:a="http://schemas.openxmlformats.org/drawingml/2006/main" xmlns:r="http://schemas.openxmlformats.org/officeDocument/2006/relationships" xmlns:p="http://schemas.openxmlformats.org/presentationml/2006/main">
   <p:cSld>
     <p:spTree>
@@ -12531,7 +12858,7 @@
 </p:sld>
 </file>
 
-<file path=ppt/slides/slide55.xml><?xml version="1.0" encoding="utf-8"?>
+<file path=ppt/slides/slide56.xml><?xml version="1.0" encoding="utf-8"?>
 <p:sld xmlns:a="http://schemas.openxmlformats.org/drawingml/2006/main" xmlns:r="http://schemas.openxmlformats.org/officeDocument/2006/relationships" xmlns:p="http://schemas.openxmlformats.org/presentationml/2006/main">
   <p:cSld>
     <p:spTree>
@@ -12836,7 +13163,7 @@
 </p:sld>
 </file>
 
-<file path=ppt/slides/slide56.xml><?xml version="1.0" encoding="utf-8"?>
+<file path=ppt/slides/slide57.xml><?xml version="1.0" encoding="utf-8"?>
 <p:sld xmlns:a="http://schemas.openxmlformats.org/drawingml/2006/main" xmlns:r="http://schemas.openxmlformats.org/officeDocument/2006/relationships" xmlns:p="http://schemas.openxmlformats.org/presentationml/2006/main">
   <p:cSld>
     <p:spTree>
@@ -13094,7 +13421,7 @@
         <p:spPr/>
         <p:txBody>
           <a:bodyPr>
-            <a:normAutofit fontScale="70000" lnSpcReduction="20000"/>
+            <a:normAutofit fontScale="62500" lnSpcReduction="20000"/>
           </a:bodyPr>
           <a:lstStyle/>
           <a:p>
@@ -13224,6 +13551,26 @@
               <a:rPr lang="he-IL" dirty="0"/>
               <a:t> אם התוצאה גדלה ולא קטנה.</a:t>
             </a:r>
+          </a:p>
+          <a:p>
+            <a:pPr lvl="1"/>
+            <a:r>
+              <a:rPr lang="he-IL" dirty="0"/>
+              <a:t>החיסרון ב </a:t>
+            </a:r>
+            <a:r>
+              <a:rPr lang="en-US" dirty="0"/>
+              <a:t>SFS</a:t>
+            </a:r>
+            <a:r>
+              <a:rPr lang="he-IL" dirty="0"/>
+              <a:t>, שלאחר שבוחרים תכונה מתאימה, יכול להיות שמאוחר יותר היא לא תורמת (עם שאר התכונות</a:t>
+            </a:r>
+            <a:r>
+              <a:rPr lang="he-IL"/>
+              <a:t>) ואנו לא מסירים אותה</a:t>
+            </a:r>
+            <a:endParaRPr lang="he-IL" dirty="0"/>
           </a:p>
           <a:p>
             <a:pPr lvl="1"/>
@@ -13495,7 +13842,7 @@
           <p:cNvPr id="2" name="כותרת 1">
             <a:extLst>
               <a:ext uri="{FF2B5EF4-FFF2-40B4-BE49-F238E27FC236}">
-                <a16:creationId xmlns:a16="http://schemas.microsoft.com/office/drawing/2014/main" id="{47BA6553-081B-44C5-854F-4621A33B8DEC}"/>
+                <a16:creationId xmlns:a16="http://schemas.microsoft.com/office/drawing/2014/main" id="{3EB8EF07-20DF-43CC-A807-ECD0A4D8CB93}"/>
               </a:ext>
             </a:extLst>
           </p:cNvPr>
@@ -13513,7 +13860,7 @@
           <a:p>
             <a:r>
               <a:rPr lang="en-US" dirty="0"/>
-              <a:t>Embedded Methods</a:t>
+              <a:t>Wrapper Methods</a:t>
             </a:r>
             <a:endParaRPr lang="he-IL" dirty="0"/>
           </a:p>
@@ -13524,7 +13871,7 @@
           <p:cNvPr id="3" name="מציין מיקום תוכן 2">
             <a:extLst>
               <a:ext uri="{FF2B5EF4-FFF2-40B4-BE49-F238E27FC236}">
-                <a16:creationId xmlns:a16="http://schemas.microsoft.com/office/drawing/2014/main" id="{4838D85D-F2E7-4C11-9227-8071C7130140}"/>
+                <a16:creationId xmlns:a16="http://schemas.microsoft.com/office/drawing/2014/main" id="{DDEE156C-9129-49ED-A3B4-D779FE55499A}"/>
               </a:ext>
             </a:extLst>
           </p:cNvPr>
@@ -13538,243 +13885,157 @@
         <p:spPr/>
         <p:txBody>
           <a:bodyPr>
-            <a:normAutofit fontScale="70000" lnSpcReduction="20000"/>
+            <a:normAutofit lnSpcReduction="10000"/>
           </a:bodyPr>
           <a:lstStyle/>
           <a:p>
             <a:r>
               <a:rPr lang="he-IL" dirty="0"/>
-              <a:t>שילוב בחירת תכונות במן בניית </a:t>
-            </a:r>
-            <a:r>
-              <a:rPr lang="he-IL" dirty="0" err="1"/>
-              <a:t>האלג</a:t>
-            </a:r>
-            <a:r>
-              <a:rPr lang="he-IL" dirty="0"/>
-              <a:t>'  (בזמן האימון).</a:t>
-            </a:r>
-          </a:p>
-          <a:p>
-            <a:pPr lvl="1"/>
-            <a:r>
-              <a:rPr lang="he-IL" dirty="0"/>
-              <a:t>זו שיטה מהירה כמו </a:t>
-            </a:r>
-            <a:r>
-              <a:rPr lang="en-US" dirty="0"/>
-              <a:t>Filter Methods</a:t>
-            </a:r>
-            <a:r>
-              <a:rPr lang="he-IL" dirty="0"/>
-              <a:t> ויעילה כמו </a:t>
-            </a:r>
-            <a:r>
-              <a:rPr lang="en-US" dirty="0"/>
-              <a:t>Wrapper Methods</a:t>
-            </a:r>
-            <a:r>
-              <a:rPr lang="he-IL" dirty="0"/>
-              <a:t>.</a:t>
-            </a:r>
-          </a:p>
-          <a:p>
-            <a:r>
-              <a:rPr lang="he-IL" dirty="0"/>
-              <a:t>בשיטה זו עובדים עם אלג' אשר יש להם </a:t>
-            </a:r>
-            <a:r>
-              <a:rPr lang="en-US" dirty="0"/>
-              <a:t>feature selection</a:t>
-            </a:r>
-            <a:r>
-              <a:rPr lang="he-IL" dirty="0"/>
-              <a:t> עצמאי.</a:t>
-            </a:r>
-          </a:p>
-          <a:p>
-            <a:r>
-              <a:rPr lang="he-IL" dirty="0"/>
-              <a:t>התוצאה הינה </a:t>
-            </a:r>
-            <a:r>
-              <a:rPr lang="en-US" dirty="0">
-                <a:highlight>
-                  <a:srgbClr val="FFFF00"/>
-                </a:highlight>
-              </a:rPr>
-              <a:t>feature importance</a:t>
-            </a:r>
-            <a:endParaRPr lang="he-IL" dirty="0">
-              <a:highlight>
-                <a:srgbClr val="FFFF00"/>
-              </a:highlight>
-            </a:endParaRPr>
-          </a:p>
-          <a:p>
-            <a:r>
-              <a:rPr lang="he-IL" dirty="0"/>
-              <a:t>שיטה מומלצת אם עובדים עם אותו מודל מאוחר יותר (לא רק בבחירת תכונות)</a:t>
-            </a:r>
-          </a:p>
-          <a:p>
-            <a:r>
-              <a:rPr lang="he-IL" dirty="0" err="1"/>
-              <a:t>האלג</a:t>
-            </a:r>
-            <a:r>
-              <a:rPr lang="he-IL" dirty="0"/>
-              <a:t>' עובד בוויסות הפרמטרים (</a:t>
-            </a:r>
-            <a:r>
-              <a:rPr lang="en-US" dirty="0"/>
-              <a:t>Regularization</a:t>
-            </a:r>
-            <a:r>
-              <a:rPr lang="he-IL" dirty="0"/>
+              <a:t>שיטת </a:t>
+            </a:r>
+            <a:r>
+              <a:rPr lang="en-US" dirty="0"/>
+              <a:t>LRS (L – Plus, R- Minus)</a:t>
+            </a:r>
+          </a:p>
+          <a:p>
+            <a:pPr lvl="1"/>
+            <a:r>
+              <a:rPr lang="he-IL" dirty="0"/>
+              <a:t>אם </a:t>
+            </a:r>
+            <a:r>
+              <a:rPr lang="en-US" dirty="0"/>
+              <a:t> l &gt; R</a:t>
+            </a:r>
+            <a:r>
+              <a:rPr lang="he-IL" dirty="0"/>
+              <a:t>(מתחילים מקבוצה ריקה)</a:t>
+            </a:r>
+          </a:p>
+          <a:p>
+            <a:pPr lvl="2"/>
+            <a:r>
+              <a:rPr lang="he-IL" dirty="0"/>
+              <a:t>מוסיפים </a:t>
+            </a:r>
+            <a:r>
+              <a:rPr lang="en-US" dirty="0"/>
+              <a:t>L</a:t>
+            </a:r>
+            <a:r>
+              <a:rPr lang="he-IL" dirty="0"/>
+              <a:t> תכונות</a:t>
+            </a:r>
+          </a:p>
+          <a:p>
+            <a:pPr lvl="2"/>
+            <a:r>
+              <a:rPr lang="he-IL" dirty="0"/>
+              <a:t>מורידים </a:t>
+            </a:r>
+            <a:r>
+              <a:rPr lang="en-US" dirty="0"/>
+              <a:t>R</a:t>
+            </a:r>
+            <a:r>
+              <a:rPr lang="he-IL" dirty="0"/>
+              <a:t> תכונות</a:t>
+            </a:r>
+          </a:p>
+          <a:p>
+            <a:pPr lvl="1"/>
+            <a:r>
+              <a:rPr lang="he-IL" dirty="0"/>
+              <a:t>אחרת (מתחילים מקבוצה מלאה)</a:t>
+            </a:r>
+          </a:p>
+          <a:p>
+            <a:r>
+              <a:rPr lang="he-IL" dirty="0"/>
+              <a:t> שיטות נוספות </a:t>
+            </a:r>
+            <a:r>
+              <a:rPr lang="en-US" dirty="0"/>
+              <a:t>(Sequential Floating)</a:t>
+            </a:r>
+            <a:r>
+              <a:rPr lang="he-IL" dirty="0"/>
+              <a:t>:</a:t>
+            </a:r>
+          </a:p>
+          <a:p>
+            <a:pPr lvl="1"/>
+            <a:r>
+              <a:rPr lang="en-US" sz="2000" dirty="0"/>
+              <a:t>SFFS/SFBS</a:t>
+            </a:r>
+            <a:r>
+              <a:rPr lang="he-IL" sz="2000" dirty="0"/>
+              <a:t> (</a:t>
+            </a:r>
+            <a:r>
+              <a:rPr lang="en-US" sz="2000" dirty="0"/>
+              <a:t>Step floating forward selection</a:t>
+            </a:r>
+            <a:r>
+              <a:rPr lang="he-IL" sz="2000" dirty="0"/>
               <a:t>)</a:t>
             </a:r>
           </a:p>
           <a:p>
-            <a:pPr lvl="1"/>
-            <a:r>
-              <a:rPr lang="en-US" dirty="0"/>
-              <a:t>L1 (</a:t>
-            </a:r>
-            <a:r>
-              <a:rPr lang="en-US" dirty="0">
-                <a:highlight>
-                  <a:srgbClr val="FFFF00"/>
-                </a:highlight>
-              </a:rPr>
-              <a:t>Lasso</a:t>
-            </a:r>
-            <a:r>
-              <a:rPr lang="en-US" dirty="0"/>
-              <a:t>)</a:t>
-            </a:r>
-            <a:endParaRPr lang="he-IL" dirty="0"/>
-          </a:p>
-          <a:p>
             <a:pPr lvl="2"/>
             <a:r>
-              <a:rPr lang="he-IL" dirty="0"/>
-              <a:t>מקטין חלק מהפרמטרים ל 0 וכך זורק חלק מהתוכנות</a:t>
-            </a:r>
-          </a:p>
-          <a:p>
-            <a:pPr lvl="1"/>
-            <a:r>
-              <a:rPr lang="en-US" dirty="0"/>
-              <a:t>L2 (</a:t>
-            </a:r>
-            <a:r>
-              <a:rPr lang="en-US" dirty="0">
-                <a:highlight>
-                  <a:srgbClr val="FFFF00"/>
-                </a:highlight>
-              </a:rPr>
-              <a:t>Ridge</a:t>
-            </a:r>
-            <a:r>
-              <a:rPr lang="en-US" dirty="0"/>
-              <a:t>)</a:t>
+              <a:rPr lang="he-IL" sz="1600" dirty="0"/>
+              <a:t>מתחילים מקבוצה ריקה</a:t>
             </a:r>
           </a:p>
           <a:p>
             <a:pPr lvl="2"/>
             <a:r>
-              <a:rPr lang="he-IL" dirty="0"/>
-              <a:t>נותן משקל נמוך לפרמטרים (תוכנות) חלשות, אך לא זורק אותם – פחות שימושי בפועל.</a:t>
-            </a:r>
-          </a:p>
-          <a:p>
-            <a:pPr lvl="1"/>
-            <a:r>
-              <a:rPr lang="en-US" dirty="0" err="1"/>
-              <a:t>Elasic</a:t>
-            </a:r>
-            <a:r>
-              <a:rPr lang="en-US" dirty="0"/>
-              <a:t> Net</a:t>
-            </a:r>
-            <a:r>
-              <a:rPr lang="he-IL" dirty="0"/>
-              <a:t> – שילוב של </a:t>
-            </a:r>
-            <a:r>
-              <a:rPr lang="en-US" dirty="0"/>
-              <a:t>L1/L2</a:t>
-            </a:r>
-            <a:endParaRPr lang="he-IL" dirty="0"/>
-          </a:p>
-          <a:p>
-            <a:r>
-              <a:rPr lang="he-IL" dirty="0"/>
-              <a:t>ב </a:t>
-            </a:r>
-            <a:r>
-              <a:rPr lang="en-US" dirty="0"/>
-              <a:t>Random Forest</a:t>
-            </a:r>
-            <a:endParaRPr lang="he-IL" dirty="0"/>
-          </a:p>
-          <a:p>
-            <a:pPr lvl="1"/>
-            <a:r>
-              <a:rPr lang="he-IL" dirty="0" err="1"/>
-              <a:t>האלג</a:t>
-            </a:r>
-            <a:r>
-              <a:rPr lang="he-IL" dirty="0"/>
-              <a:t>' בודק חשיבות תכונה</a:t>
+              <a:rPr lang="he-IL" sz="1600" dirty="0"/>
+              <a:t>בוחרים את התכונה הטובה ביותר (בדומה ל </a:t>
+            </a:r>
+            <a:r>
+              <a:rPr lang="en-US" sz="1600" dirty="0"/>
+              <a:t>SFS</a:t>
+            </a:r>
+            <a:r>
+              <a:rPr lang="he-IL" sz="1600" dirty="0"/>
+              <a:t>) ומוסיפים לקבוצה</a:t>
             </a:r>
           </a:p>
           <a:p>
             <a:pPr lvl="2"/>
             <a:r>
-              <a:rPr lang="he-IL" dirty="0"/>
-              <a:t>ב </a:t>
-            </a:r>
-            <a:r>
-              <a:rPr lang="en-US" dirty="0"/>
-              <a:t>classification</a:t>
-            </a:r>
-            <a:r>
-              <a:rPr lang="he-IL" dirty="0"/>
-              <a:t> לפי </a:t>
-            </a:r>
-            <a:r>
-              <a:rPr lang="en-US" dirty="0"/>
-              <a:t>Entropy/Information Gain</a:t>
-            </a:r>
-            <a:endParaRPr lang="he-IL" dirty="0"/>
+              <a:rPr lang="he-IL" sz="1600" dirty="0"/>
+              <a:t>בוחרים את התכונה הכי פחות טובה</a:t>
+            </a:r>
           </a:p>
           <a:p>
             <a:pPr lvl="2"/>
             <a:r>
-              <a:rPr lang="he-IL" dirty="0"/>
-              <a:t>ב </a:t>
-            </a:r>
-            <a:r>
-              <a:rPr lang="en-US" dirty="0"/>
-              <a:t>regression</a:t>
-            </a:r>
-            <a:r>
-              <a:rPr lang="he-IL" dirty="0"/>
-              <a:t> לפי שונות</a:t>
-            </a:r>
-          </a:p>
-          <a:p>
-            <a:pPr lvl="1"/>
-            <a:r>
-              <a:rPr lang="he-IL" dirty="0"/>
-              <a:t>כל עץ מקבל קבוצה אקראית של תכונות ודגימות ולכן פחות מועד ל </a:t>
-            </a:r>
-            <a:r>
-              <a:rPr lang="en-US" dirty="0"/>
-              <a:t>over fitting</a:t>
-            </a:r>
+              <a:rPr lang="he-IL" sz="1600" dirty="0"/>
+              <a:t>בודקים את התוצאה אם משתפרת או לא עם התכונה האחרונה:</a:t>
+            </a:r>
+          </a:p>
+          <a:p>
+            <a:pPr lvl="3"/>
+            <a:r>
+              <a:rPr lang="he-IL" sz="1400" dirty="0"/>
+              <a:t>אם ללא המאפיין משתפרת -&gt; מוחקים את המאפיין, אחרת שומרים</a:t>
+            </a:r>
+          </a:p>
+          <a:p>
+            <a:pPr lvl="2"/>
+            <a:r>
+              <a:rPr lang="he-IL" sz="1600" dirty="0"/>
+              <a:t>ממשיכים עד אשר משיגים ציון שרוצים</a:t>
+            </a:r>
+            <a:endParaRPr lang="en-US" sz="1600" dirty="0"/>
+          </a:p>
+          <a:p>
+            <a:pPr lvl="2"/>
             <a:endParaRPr lang="he-IL" dirty="0"/>
           </a:p>
         </p:txBody>
@@ -13782,7 +14043,7 @@
     </p:spTree>
     <p:extLst>
       <p:ext uri="{BB962C8B-B14F-4D97-AF65-F5344CB8AC3E}">
-        <p14:creationId xmlns:p14="http://schemas.microsoft.com/office/powerpoint/2010/main" val="4230703400"/>
+        <p14:creationId xmlns:p14="http://schemas.microsoft.com/office/powerpoint/2010/main" val="1887377363"/>
       </p:ext>
     </p:extLst>
   </p:cSld>
@@ -13832,7 +14093,7 @@
           <a:p>
             <a:r>
               <a:rPr lang="en-US" dirty="0"/>
-              <a:t>Hybrid Methods</a:t>
+              <a:t>Embedded Methods</a:t>
             </a:r>
             <a:endParaRPr lang="he-IL" dirty="0"/>
           </a:p>
@@ -13857,250 +14118,243 @@
         <p:spPr/>
         <p:txBody>
           <a:bodyPr>
-            <a:normAutofit fontScale="92500" lnSpcReduction="20000"/>
+            <a:normAutofit fontScale="70000" lnSpcReduction="20000"/>
           </a:bodyPr>
           <a:lstStyle/>
           <a:p>
             <a:r>
               <a:rPr lang="he-IL" dirty="0"/>
-              <a:t>שילוב של השיטות מעלה</a:t>
-            </a:r>
-          </a:p>
-          <a:p>
-            <a:r>
-              <a:rPr lang="he-IL" dirty="0"/>
-              <a:t>דוגמאות:</a:t>
-            </a:r>
-          </a:p>
-          <a:p>
-            <a:pPr lvl="1"/>
-            <a:r>
-              <a:rPr lang="en-US" dirty="0"/>
-              <a:t>Filter</a:t>
-            </a:r>
-            <a:r>
-              <a:rPr lang="he-IL" dirty="0"/>
-              <a:t> -&gt; </a:t>
-            </a:r>
-            <a:r>
-              <a:rPr lang="en-US" dirty="0"/>
-              <a:t>Wrapper</a:t>
-            </a:r>
-            <a:endParaRPr lang="he-IL" dirty="0"/>
-          </a:p>
-          <a:p>
-            <a:pPr lvl="1"/>
-            <a:r>
-              <a:rPr lang="en-US" dirty="0"/>
-              <a:t>Embedded</a:t>
-            </a:r>
-            <a:r>
-              <a:rPr lang="he-IL" dirty="0"/>
-              <a:t> -&gt; </a:t>
-            </a:r>
-            <a:r>
-              <a:rPr lang="en-US" dirty="0"/>
-              <a:t>Wrapper</a:t>
-            </a:r>
-            <a:endParaRPr lang="he-IL" dirty="0"/>
-          </a:p>
-          <a:p>
+              <a:t>שילוב בחירת תכונות במן בניית </a:t>
+            </a:r>
+            <a:r>
+              <a:rPr lang="he-IL" dirty="0" err="1"/>
+              <a:t>האלג</a:t>
+            </a:r>
+            <a:r>
+              <a:rPr lang="he-IL" dirty="0"/>
+              <a:t>'  (בזמן האימון).</a:t>
+            </a:r>
+          </a:p>
+          <a:p>
+            <a:pPr lvl="1"/>
+            <a:r>
+              <a:rPr lang="he-IL" dirty="0"/>
+              <a:t>זו שיטה מהירה כמו </a:t>
+            </a:r>
+            <a:r>
+              <a:rPr lang="en-US" dirty="0"/>
+              <a:t>Filter Methods</a:t>
+            </a:r>
+            <a:r>
+              <a:rPr lang="he-IL" dirty="0"/>
+              <a:t> ויעילה כמו </a:t>
+            </a:r>
+            <a:r>
+              <a:rPr lang="en-US" dirty="0"/>
+              <a:t>Wrapper Methods</a:t>
+            </a:r>
+            <a:r>
+              <a:rPr lang="he-IL" dirty="0"/>
+              <a:t>.</a:t>
+            </a:r>
+          </a:p>
+          <a:p>
+            <a:r>
+              <a:rPr lang="he-IL" dirty="0"/>
+              <a:t>בשיטה זו עובדים עם אלג' אשר יש להם </a:t>
+            </a:r>
+            <a:r>
+              <a:rPr lang="en-US" dirty="0"/>
+              <a:t>feature selection</a:t>
+            </a:r>
+            <a:r>
+              <a:rPr lang="he-IL" dirty="0"/>
+              <a:t> עצמאי.</a:t>
+            </a:r>
+          </a:p>
+          <a:p>
+            <a:r>
+              <a:rPr lang="he-IL" dirty="0"/>
+              <a:t>התוצאה הינה </a:t>
+            </a:r>
             <a:r>
               <a:rPr lang="en-US" dirty="0">
                 <a:highlight>
                   <a:srgbClr val="FFFF00"/>
                 </a:highlight>
               </a:rPr>
-              <a:t>Recursive Feature Elimination</a:t>
-            </a:r>
-            <a:r>
-              <a:rPr lang="he-IL" dirty="0">
+              <a:t>feature importance</a:t>
+            </a:r>
+            <a:endParaRPr lang="he-IL" dirty="0">
+              <a:highlight>
+                <a:srgbClr val="FFFF00"/>
+              </a:highlight>
+            </a:endParaRPr>
+          </a:p>
+          <a:p>
+            <a:r>
+              <a:rPr lang="he-IL" dirty="0"/>
+              <a:t>שיטה מומלצת אם עובדים עם אותו מודל מאוחר יותר (לא רק בבחירת תכונות)</a:t>
+            </a:r>
+          </a:p>
+          <a:p>
+            <a:r>
+              <a:rPr lang="he-IL" dirty="0" err="1"/>
+              <a:t>האלג</a:t>
+            </a:r>
+            <a:r>
+              <a:rPr lang="he-IL" dirty="0"/>
+              <a:t>' עובד בוויסות הפרמטרים (</a:t>
+            </a:r>
+            <a:r>
+              <a:rPr lang="en-US" dirty="0"/>
+              <a:t>Regularization</a:t>
+            </a:r>
+            <a:r>
+              <a:rPr lang="he-IL" dirty="0"/>
+              <a:t>)</a:t>
+            </a:r>
+          </a:p>
+          <a:p>
+            <a:pPr lvl="1"/>
+            <a:r>
+              <a:rPr lang="en-US" dirty="0"/>
+              <a:t>L1 (</a:t>
+            </a:r>
+            <a:r>
+              <a:rPr lang="en-US" dirty="0">
                 <a:highlight>
                   <a:srgbClr val="FFFF00"/>
                 </a:highlight>
               </a:rPr>
-              <a:t> </a:t>
-            </a:r>
-            <a:r>
-              <a:rPr lang="en-US" dirty="0"/>
-              <a:t>(RFE)</a:t>
-            </a:r>
-            <a:r>
-              <a:rPr lang="he-IL" dirty="0"/>
-              <a:t> או </a:t>
-            </a:r>
-            <a:r>
-              <a:rPr lang="en-US" dirty="0"/>
-              <a:t>RFECV</a:t>
+              <a:t>Lasso</a:t>
+            </a:r>
+            <a:r>
+              <a:rPr lang="en-US" dirty="0"/>
+              <a:t>)</a:t>
             </a:r>
             <a:endParaRPr lang="he-IL" dirty="0"/>
           </a:p>
           <a:p>
-            <a:pPr lvl="1"/>
-            <a:r>
-              <a:rPr lang="he-IL" dirty="0"/>
-              <a:t>מריצים </a:t>
-            </a:r>
-            <a:r>
-              <a:rPr lang="en-US" dirty="0"/>
-              <a:t>model</a:t>
-            </a:r>
-            <a:r>
-              <a:rPr lang="he-IL" dirty="0"/>
-              <a:t> עם </a:t>
-            </a:r>
-            <a:r>
-              <a:rPr lang="en-US" dirty="0"/>
-              <a:t>Train</a:t>
-            </a:r>
-            <a:r>
-              <a:rPr lang="he-IL" dirty="0"/>
-              <a:t> לקבל </a:t>
-            </a:r>
-            <a:r>
-              <a:rPr lang="en-US" dirty="0"/>
-              <a:t>importance</a:t>
-            </a:r>
-            <a:r>
-              <a:rPr lang="he-IL" dirty="0"/>
-              <a:t> (נניח </a:t>
-            </a:r>
-            <a:r>
-              <a:rPr lang="en-US" dirty="0"/>
-              <a:t>Lasso/Tree</a:t>
-            </a:r>
-            <a:r>
-              <a:rPr lang="he-IL" dirty="0"/>
-              <a:t> וכד')</a:t>
-            </a:r>
-          </a:p>
-          <a:p>
-            <a:pPr lvl="1"/>
-            <a:r>
-              <a:rPr lang="he-IL" dirty="0"/>
-              <a:t>מורידים </a:t>
-            </a:r>
-            <a:r>
-              <a:rPr lang="en-US" dirty="0"/>
-              <a:t>feature</a:t>
-            </a:r>
-            <a:r>
-              <a:rPr lang="he-IL" dirty="0"/>
-              <a:t> הכי פחות חשוב ומריצים שוב </a:t>
-            </a:r>
-            <a:r>
-              <a:rPr lang="en-US" dirty="0"/>
-              <a:t>model</a:t>
+            <a:pPr lvl="2"/>
+            <a:r>
+              <a:rPr lang="he-IL" dirty="0"/>
+              <a:t>מקטין חלק מהפרמטרים ל 0 וכך זורק חלק מהתוכנות</a:t>
+            </a:r>
+          </a:p>
+          <a:p>
+            <a:pPr lvl="1"/>
+            <a:r>
+              <a:rPr lang="en-US" dirty="0"/>
+              <a:t>L2 (</a:t>
+            </a:r>
+            <a:r>
+              <a:rPr lang="en-US" dirty="0">
+                <a:highlight>
+                  <a:srgbClr val="FFFF00"/>
+                </a:highlight>
+              </a:rPr>
+              <a:t>Ridge</a:t>
+            </a:r>
+            <a:r>
+              <a:rPr lang="en-US" dirty="0"/>
+              <a:t>)</a:t>
+            </a:r>
+          </a:p>
+          <a:p>
+            <a:pPr lvl="2"/>
+            <a:r>
+              <a:rPr lang="he-IL" dirty="0"/>
+              <a:t>נותן משקל נמוך לפרמטרים (תוכנות) חלשות, אך לא זורק אותם – פחות שימושי בפועל.</a:t>
+            </a:r>
+          </a:p>
+          <a:p>
+            <a:pPr lvl="1"/>
+            <a:r>
+              <a:rPr lang="en-US" dirty="0" err="1"/>
+              <a:t>Elasic</a:t>
+            </a:r>
+            <a:r>
+              <a:rPr lang="en-US" dirty="0"/>
+              <a:t> Net</a:t>
+            </a:r>
+            <a:r>
+              <a:rPr lang="he-IL" dirty="0"/>
+              <a:t> – שילוב של </a:t>
+            </a:r>
+            <a:r>
+              <a:rPr lang="en-US" dirty="0"/>
+              <a:t>L1/L2</a:t>
             </a:r>
             <a:endParaRPr lang="he-IL" dirty="0"/>
           </a:p>
           <a:p>
+            <a:r>
+              <a:rPr lang="he-IL" dirty="0"/>
+              <a:t>ב </a:t>
+            </a:r>
+            <a:r>
+              <a:rPr lang="en-US" dirty="0"/>
+              <a:t>Random Forest</a:t>
+            </a:r>
+            <a:endParaRPr lang="he-IL" dirty="0"/>
+          </a:p>
+          <a:p>
+            <a:pPr lvl="1"/>
+            <a:r>
+              <a:rPr lang="he-IL" dirty="0" err="1"/>
+              <a:t>האלג</a:t>
+            </a:r>
+            <a:r>
+              <a:rPr lang="he-IL" dirty="0"/>
+              <a:t>' בודק חשיבות תכונה</a:t>
+            </a:r>
+          </a:p>
+          <a:p>
             <a:pPr lvl="2"/>
             <a:r>
               <a:rPr lang="he-IL" dirty="0"/>
-              <a:t>אם ה </a:t>
-            </a:r>
-            <a:r>
-              <a:rPr lang="en-US" dirty="0"/>
-              <a:t>score</a:t>
-            </a:r>
-            <a:r>
-              <a:rPr lang="he-IL" dirty="0"/>
-              <a:t> ירד -&gt; נשמור את ה </a:t>
-            </a:r>
-            <a:r>
-              <a:rPr lang="en-US" dirty="0"/>
-              <a:t>feature</a:t>
-            </a:r>
-            <a:r>
-              <a:rPr lang="he-IL" dirty="0"/>
-              <a:t> אחרת נזרוק</a:t>
-            </a:r>
-          </a:p>
-          <a:p>
-            <a:pPr lvl="1"/>
-            <a:r>
-              <a:rPr lang="he-IL" dirty="0"/>
-              <a:t>נמשיך עד אשר נעבור על כל ה </a:t>
-            </a:r>
-            <a:r>
-              <a:rPr lang="en-US" dirty="0"/>
-              <a:t>feature</a:t>
-            </a:r>
-            <a:r>
-              <a:rPr lang="he-IL" dirty="0"/>
-              <a:t>ים	</a:t>
-            </a:r>
-          </a:p>
-          <a:p>
-            <a:pPr lvl="1"/>
-            <a:r>
-              <a:rPr lang="he-IL" dirty="0"/>
-              <a:t>בניגוד ל </a:t>
-            </a:r>
-            <a:r>
-              <a:rPr lang="en-US" dirty="0"/>
-              <a:t>SBS</a:t>
-            </a:r>
-            <a:r>
-              <a:rPr lang="he-IL" dirty="0"/>
-              <a:t>, כאן המודל מספק </a:t>
-            </a:r>
-            <a:r>
-              <a:rPr lang="en-US" dirty="0"/>
-              <a:t>importance</a:t>
-            </a:r>
-            <a:r>
-              <a:rPr lang="he-IL" dirty="0"/>
-              <a:t> ו </a:t>
-            </a:r>
-            <a:r>
-              <a:rPr lang="en-US" dirty="0"/>
-              <a:t>score</a:t>
-            </a:r>
-            <a:r>
-              <a:rPr lang="he-IL" dirty="0"/>
-              <a:t> ביחד</a:t>
-            </a:r>
-          </a:p>
-          <a:p>
-            <a:r>
-              <a:rPr lang="en-US" dirty="0"/>
-              <a:t>Recursive Feature Addition</a:t>
+              <a:t>ב </a:t>
+            </a:r>
+            <a:r>
+              <a:rPr lang="en-US" dirty="0"/>
+              <a:t>classification</a:t>
+            </a:r>
+            <a:r>
+              <a:rPr lang="he-IL" dirty="0"/>
+              <a:t> לפי </a:t>
+            </a:r>
+            <a:r>
+              <a:rPr lang="en-US" dirty="0"/>
+              <a:t>Entropy/Information Gain</a:t>
             </a:r>
             <a:endParaRPr lang="he-IL" dirty="0"/>
           </a:p>
           <a:p>
-            <a:pPr lvl="1"/>
-            <a:r>
-              <a:rPr lang="he-IL" dirty="0"/>
-              <a:t>בניגוד ל </a:t>
-            </a:r>
-            <a:r>
-              <a:rPr lang="en-US" dirty="0"/>
-              <a:t>SFS</a:t>
-            </a:r>
-            <a:r>
-              <a:rPr lang="he-IL" dirty="0"/>
-              <a:t> (שכל פעם בוחר מאפיין ובודק תוצאה עם השאר)</a:t>
-            </a:r>
-          </a:p>
-          <a:p>
-            <a:pPr lvl="1"/>
-            <a:r>
-              <a:rPr lang="he-IL" dirty="0"/>
-              <a:t>פה לפי ה </a:t>
-            </a:r>
-            <a:r>
-              <a:rPr lang="en-US" dirty="0"/>
-              <a:t>importance</a:t>
-            </a:r>
-            <a:r>
-              <a:rPr lang="he-IL" dirty="0"/>
-              <a:t> בוחר</a:t>
-            </a:r>
-          </a:p>
-          <a:p>
+            <a:pPr lvl="2"/>
+            <a:r>
+              <a:rPr lang="he-IL" dirty="0"/>
+              <a:t>ב </a:t>
+            </a:r>
+            <a:r>
+              <a:rPr lang="en-US" dirty="0"/>
+              <a:t>regression</a:t>
+            </a:r>
+            <a:r>
+              <a:rPr lang="he-IL" dirty="0"/>
+              <a:t> לפי שונות</a:t>
+            </a:r>
+          </a:p>
+          <a:p>
+            <a:pPr lvl="1"/>
+            <a:r>
+              <a:rPr lang="he-IL" dirty="0"/>
+              <a:t>כל עץ מקבל קבוצה אקראית של תכונות ודגימות ולכן פחות מועד ל </a:t>
+            </a:r>
+            <a:r>
+              <a:rPr lang="en-US" dirty="0"/>
+              <a:t>over fitting</a:t>
+            </a:r>
             <a:endParaRPr lang="he-IL" dirty="0"/>
           </a:p>
         </p:txBody>
@@ -14108,7 +14362,7 @@
     </p:spTree>
     <p:extLst>
       <p:ext uri="{BB962C8B-B14F-4D97-AF65-F5344CB8AC3E}">
-        <p14:creationId xmlns:p14="http://schemas.microsoft.com/office/powerpoint/2010/main" val="1701955570"/>
+        <p14:creationId xmlns:p14="http://schemas.microsoft.com/office/powerpoint/2010/main" val="4230703400"/>
       </p:ext>
     </p:extLst>
   </p:cSld>

--- a/Presentation/Feature Selection.pptx
+++ b/Presentation/Feature Selection.pptx
@@ -5468,8 +5468,17 @@
           <a:p>
             <a:r>
               <a:rPr lang="he-IL" dirty="0"/>
-              <a:t>רוצים להוריד תכונות שיש בינם לבין עצמם קשר הדדי (הורדת כפילות / יתירות)</a:t>
-            </a:r>
+              <a:t>רוצים להוריד תכונות שיש בינם לבין עצמם קשר הדדי (הורדת כפילות / </a:t>
+            </a:r>
+            <a:r>
+              <a:rPr lang="he-IL"/>
+              <a:t>יתירות)</a:t>
+            </a:r>
+          </a:p>
+          <a:p>
+            <a:pPr marL="0" indent="0">
+              <a:buNone/>
+            </a:pPr>
             <a:endParaRPr lang="en-US" dirty="0"/>
           </a:p>
           <a:p>

--- a/Presentation/Feature Selection.pptx
+++ b/Presentation/Feature Selection.pptx
@@ -62,6 +62,12 @@
     <p:sldId id="318" r:id="rId56"/>
     <p:sldId id="322" r:id="rId57"/>
     <p:sldId id="320" r:id="rId58"/>
+    <p:sldId id="328" r:id="rId59"/>
+    <p:sldId id="325" r:id="rId60"/>
+    <p:sldId id="326" r:id="rId61"/>
+    <p:sldId id="327" r:id="rId62"/>
+    <p:sldId id="329" r:id="rId63"/>
+    <p:sldId id="330" r:id="rId64"/>
   </p:sldIdLst>
   <p:sldSz cx="12192000" cy="6858000"/>
   <p:notesSz cx="6858000" cy="9144000"/>
@@ -326,7 +332,7 @@
           <a:p>
             <a:fld id="{D5FA70A3-A6FF-4EAA-B623-AB4CFD6C9082}" type="datetimeFigureOut">
               <a:rPr lang="he-IL" smtClean="0"/>
-              <a:t>ט"ו/ניסן/תש"פ</a:t>
+              <a:t>ט"ז/ניסן/תש"פ</a:t>
             </a:fld>
             <a:endParaRPr lang="he-IL"/>
           </a:p>
@@ -524,7 +530,7 @@
           <a:p>
             <a:fld id="{D5FA70A3-A6FF-4EAA-B623-AB4CFD6C9082}" type="datetimeFigureOut">
               <a:rPr lang="he-IL" smtClean="0"/>
-              <a:t>ט"ו/ניסן/תש"פ</a:t>
+              <a:t>ט"ז/ניסן/תש"פ</a:t>
             </a:fld>
             <a:endParaRPr lang="he-IL"/>
           </a:p>
@@ -732,7 +738,7 @@
           <a:p>
             <a:fld id="{D5FA70A3-A6FF-4EAA-B623-AB4CFD6C9082}" type="datetimeFigureOut">
               <a:rPr lang="he-IL" smtClean="0"/>
-              <a:t>ט"ו/ניסן/תש"פ</a:t>
+              <a:t>ט"ז/ניסן/תש"פ</a:t>
             </a:fld>
             <a:endParaRPr lang="he-IL"/>
           </a:p>
@@ -930,7 +936,7 @@
           <a:p>
             <a:fld id="{D5FA70A3-A6FF-4EAA-B623-AB4CFD6C9082}" type="datetimeFigureOut">
               <a:rPr lang="he-IL" smtClean="0"/>
-              <a:t>ט"ו/ניסן/תש"פ</a:t>
+              <a:t>ט"ז/ניסן/תש"פ</a:t>
             </a:fld>
             <a:endParaRPr lang="he-IL"/>
           </a:p>
@@ -1205,7 +1211,7 @@
           <a:p>
             <a:fld id="{D5FA70A3-A6FF-4EAA-B623-AB4CFD6C9082}" type="datetimeFigureOut">
               <a:rPr lang="he-IL" smtClean="0"/>
-              <a:t>ט"ו/ניסן/תש"פ</a:t>
+              <a:t>ט"ז/ניסן/תש"פ</a:t>
             </a:fld>
             <a:endParaRPr lang="he-IL"/>
           </a:p>
@@ -1470,7 +1476,7 @@
           <a:p>
             <a:fld id="{D5FA70A3-A6FF-4EAA-B623-AB4CFD6C9082}" type="datetimeFigureOut">
               <a:rPr lang="he-IL" smtClean="0"/>
-              <a:t>ט"ו/ניסן/תש"פ</a:t>
+              <a:t>ט"ז/ניסן/תש"פ</a:t>
             </a:fld>
             <a:endParaRPr lang="he-IL"/>
           </a:p>
@@ -1882,7 +1888,7 @@
           <a:p>
             <a:fld id="{D5FA70A3-A6FF-4EAA-B623-AB4CFD6C9082}" type="datetimeFigureOut">
               <a:rPr lang="he-IL" smtClean="0"/>
-              <a:t>ט"ו/ניסן/תש"פ</a:t>
+              <a:t>ט"ז/ניסן/תש"פ</a:t>
             </a:fld>
             <a:endParaRPr lang="he-IL"/>
           </a:p>
@@ -2023,7 +2029,7 @@
           <a:p>
             <a:fld id="{D5FA70A3-A6FF-4EAA-B623-AB4CFD6C9082}" type="datetimeFigureOut">
               <a:rPr lang="he-IL" smtClean="0"/>
-              <a:t>ט"ו/ניסן/תש"פ</a:t>
+              <a:t>ט"ז/ניסן/תש"פ</a:t>
             </a:fld>
             <a:endParaRPr lang="he-IL"/>
           </a:p>
@@ -2136,7 +2142,7 @@
           <a:p>
             <a:fld id="{D5FA70A3-A6FF-4EAA-B623-AB4CFD6C9082}" type="datetimeFigureOut">
               <a:rPr lang="he-IL" smtClean="0"/>
-              <a:t>ט"ו/ניסן/תש"פ</a:t>
+              <a:t>ט"ז/ניסן/תש"פ</a:t>
             </a:fld>
             <a:endParaRPr lang="he-IL"/>
           </a:p>
@@ -2447,7 +2453,7 @@
           <a:p>
             <a:fld id="{D5FA70A3-A6FF-4EAA-B623-AB4CFD6C9082}" type="datetimeFigureOut">
               <a:rPr lang="he-IL" smtClean="0"/>
-              <a:t>ט"ו/ניסן/תש"פ</a:t>
+              <a:t>ט"ז/ניסן/תש"פ</a:t>
             </a:fld>
             <a:endParaRPr lang="he-IL"/>
           </a:p>
@@ -2735,7 +2741,7 @@
           <a:p>
             <a:fld id="{D5FA70A3-A6FF-4EAA-B623-AB4CFD6C9082}" type="datetimeFigureOut">
               <a:rPr lang="he-IL" smtClean="0"/>
-              <a:t>ט"ו/ניסן/תש"פ</a:t>
+              <a:t>ט"ז/ניסן/תש"פ</a:t>
             </a:fld>
             <a:endParaRPr lang="he-IL"/>
           </a:p>
@@ -2976,7 +2982,7 @@
           <a:p>
             <a:fld id="{D5FA70A3-A6FF-4EAA-B623-AB4CFD6C9082}" type="datetimeFigureOut">
               <a:rPr lang="he-IL" smtClean="0"/>
-              <a:t>ט"ו/ניסן/תש"פ</a:t>
+              <a:t>ט"ז/ניסן/תש"פ</a:t>
             </a:fld>
             <a:endParaRPr lang="he-IL"/>
           </a:p>
@@ -13365,6 +13371,343 @@
 </p:sld>
 </file>
 
+<file path=ppt/slides/slide58.xml><?xml version="1.0" encoding="utf-8"?>
+<p:sld xmlns:a="http://schemas.openxmlformats.org/drawingml/2006/main" xmlns:r="http://schemas.openxmlformats.org/officeDocument/2006/relationships" xmlns:p="http://schemas.openxmlformats.org/presentationml/2006/main">
+  <p:cSld>
+    <p:spTree>
+      <p:nvGrpSpPr>
+        <p:cNvPr id="1" name=""/>
+        <p:cNvGrpSpPr/>
+        <p:nvPr/>
+      </p:nvGrpSpPr>
+      <p:grpSpPr>
+        <a:xfrm>
+          <a:off x="0" y="0"/>
+          <a:ext cx="0" cy="0"/>
+          <a:chOff x="0" y="0"/>
+          <a:chExt cx="0" cy="0"/>
+        </a:xfrm>
+      </p:grpSpPr>
+      <p:sp>
+        <p:nvSpPr>
+          <p:cNvPr id="2" name="כותרת 1">
+            <a:extLst>
+              <a:ext uri="{FF2B5EF4-FFF2-40B4-BE49-F238E27FC236}">
+                <a16:creationId xmlns:a16="http://schemas.microsoft.com/office/drawing/2014/main" id="{007A278D-FE67-4F2B-AB85-CEA6D7E415AF}"/>
+              </a:ext>
+            </a:extLst>
+          </p:cNvPr>
+          <p:cNvSpPr>
+            <a:spLocks noGrp="1"/>
+          </p:cNvSpPr>
+          <p:nvPr>
+            <p:ph type="title"/>
+          </p:nvPr>
+        </p:nvSpPr>
+        <p:spPr/>
+        <p:txBody>
+          <a:bodyPr/>
+          <a:lstStyle/>
+          <a:p>
+            <a:endParaRPr lang="he-IL" dirty="0"/>
+          </a:p>
+        </p:txBody>
+      </p:sp>
+      <p:sp>
+        <p:nvSpPr>
+          <p:cNvPr id="3" name="מציין מיקום תוכן 2">
+            <a:extLst>
+              <a:ext uri="{FF2B5EF4-FFF2-40B4-BE49-F238E27FC236}">
+                <a16:creationId xmlns:a16="http://schemas.microsoft.com/office/drawing/2014/main" id="{6D40306E-51AD-4D44-A81A-9B06880E92BA}"/>
+              </a:ext>
+            </a:extLst>
+          </p:cNvPr>
+          <p:cNvSpPr>
+            <a:spLocks noGrp="1"/>
+          </p:cNvSpPr>
+          <p:nvPr>
+            <p:ph idx="1"/>
+          </p:nvPr>
+        </p:nvSpPr>
+        <p:spPr/>
+        <p:txBody>
+          <a:bodyPr>
+            <a:normAutofit fontScale="92500" lnSpcReduction="10000"/>
+          </a:bodyPr>
+          <a:lstStyle/>
+          <a:p>
+            <a:pPr marL="0" indent="0" algn="ctr">
+              <a:buNone/>
+            </a:pPr>
+            <a:r>
+              <a:rPr lang="en-US" sz="12000" dirty="0"/>
+              <a:t>ANOVA TEST</a:t>
+            </a:r>
+            <a:endParaRPr lang="he-IL" sz="12000" dirty="0"/>
+          </a:p>
+          <a:p>
+            <a:pPr marL="0" indent="0" algn="ctr">
+              <a:buNone/>
+            </a:pPr>
+            <a:r>
+              <a:rPr lang="he-IL" sz="12000" dirty="0"/>
+              <a:t>ב </a:t>
+            </a:r>
+            <a:r>
+              <a:rPr lang="en-US" sz="12000" dirty="0"/>
+              <a:t>Feature Selection</a:t>
+            </a:r>
+            <a:endParaRPr lang="he-IL" sz="12000" dirty="0"/>
+          </a:p>
+          <a:p>
+            <a:pPr marL="0" indent="0" algn="ctr">
+              <a:buNone/>
+            </a:pPr>
+            <a:endParaRPr lang="he-IL" sz="12000" dirty="0"/>
+          </a:p>
+        </p:txBody>
+      </p:sp>
+    </p:spTree>
+    <p:extLst>
+      <p:ext uri="{BB962C8B-B14F-4D97-AF65-F5344CB8AC3E}">
+        <p14:creationId xmlns:p14="http://schemas.microsoft.com/office/powerpoint/2010/main" val="2987798756"/>
+      </p:ext>
+    </p:extLst>
+  </p:cSld>
+  <p:clrMapOvr>
+    <a:masterClrMapping/>
+  </p:clrMapOvr>
+</p:sld>
+</file>
+
+<file path=ppt/slides/slide59.xml><?xml version="1.0" encoding="utf-8"?>
+<p:sld xmlns:a="http://schemas.openxmlformats.org/drawingml/2006/main" xmlns:r="http://schemas.openxmlformats.org/officeDocument/2006/relationships" xmlns:p="http://schemas.openxmlformats.org/presentationml/2006/main">
+  <p:cSld>
+    <p:spTree>
+      <p:nvGrpSpPr>
+        <p:cNvPr id="1" name=""/>
+        <p:cNvGrpSpPr/>
+        <p:nvPr/>
+      </p:nvGrpSpPr>
+      <p:grpSpPr>
+        <a:xfrm>
+          <a:off x="0" y="0"/>
+          <a:ext cx="0" cy="0"/>
+          <a:chOff x="0" y="0"/>
+          <a:chExt cx="0" cy="0"/>
+        </a:xfrm>
+      </p:grpSpPr>
+      <p:sp>
+        <p:nvSpPr>
+          <p:cNvPr id="2" name="כותרת 1">
+            <a:extLst>
+              <a:ext uri="{FF2B5EF4-FFF2-40B4-BE49-F238E27FC236}">
+                <a16:creationId xmlns:a16="http://schemas.microsoft.com/office/drawing/2014/main" id="{3B9BFF28-620A-4E41-912C-3BE07EE570AD}"/>
+              </a:ext>
+            </a:extLst>
+          </p:cNvPr>
+          <p:cNvSpPr>
+            <a:spLocks noGrp="1"/>
+          </p:cNvSpPr>
+          <p:nvPr>
+            <p:ph type="title"/>
+          </p:nvPr>
+        </p:nvSpPr>
+        <p:spPr>
+          <a:xfrm>
+            <a:off x="838200" y="365125"/>
+            <a:ext cx="11093388" cy="1325563"/>
+          </a:xfrm>
+        </p:spPr>
+        <p:txBody>
+          <a:bodyPr/>
+          <a:lstStyle/>
+          <a:p>
+            <a:r>
+              <a:rPr lang="he-IL" dirty="0"/>
+              <a:t>שימוש במבחן </a:t>
+            </a:r>
+            <a:r>
+              <a:rPr lang="en-US" dirty="0"/>
+              <a:t>ANOVA</a:t>
+            </a:r>
+            <a:r>
+              <a:rPr lang="he-IL" dirty="0"/>
+              <a:t> לטובת </a:t>
+            </a:r>
+            <a:r>
+              <a:rPr lang="en-US" dirty="0"/>
+              <a:t>Feature Selection</a:t>
+            </a:r>
+            <a:r>
+              <a:rPr lang="he-IL" dirty="0"/>
+              <a:t> – 1</a:t>
+            </a:r>
+          </a:p>
+        </p:txBody>
+      </p:sp>
+      <p:sp>
+        <p:nvSpPr>
+          <p:cNvPr id="3" name="מציין מיקום תוכן 2">
+            <a:extLst>
+              <a:ext uri="{FF2B5EF4-FFF2-40B4-BE49-F238E27FC236}">
+                <a16:creationId xmlns:a16="http://schemas.microsoft.com/office/drawing/2014/main" id="{38B7CD09-9088-4B59-A14D-10DD3A880F0D}"/>
+              </a:ext>
+            </a:extLst>
+          </p:cNvPr>
+          <p:cNvSpPr>
+            <a:spLocks noGrp="1"/>
+          </p:cNvSpPr>
+          <p:nvPr>
+            <p:ph idx="1"/>
+          </p:nvPr>
+        </p:nvSpPr>
+        <p:spPr>
+          <a:xfrm>
+            <a:off x="838200" y="1825625"/>
+            <a:ext cx="11093388" cy="4351338"/>
+          </a:xfrm>
+        </p:spPr>
+        <p:txBody>
+          <a:bodyPr>
+            <a:normAutofit fontScale="92500" lnSpcReduction="10000"/>
+          </a:bodyPr>
+          <a:lstStyle/>
+          <a:p>
+            <a:r>
+              <a:rPr lang="he-IL" dirty="0"/>
+              <a:t>תזכורת:</a:t>
+            </a:r>
+          </a:p>
+          <a:p>
+            <a:pPr lvl="1"/>
+            <a:r>
+              <a:rPr lang="en-US" dirty="0"/>
+              <a:t>NULL Hypothesis</a:t>
+            </a:r>
+            <a:r>
+              <a:rPr lang="he-IL" dirty="0"/>
+              <a:t>, השערת האפס – אין הבדל בין 2 (או יותר) תצפיות / דגימות.</a:t>
+            </a:r>
+          </a:p>
+          <a:p>
+            <a:pPr lvl="2"/>
+            <a:r>
+              <a:rPr lang="he-IL" dirty="0"/>
+              <a:t>כלומר דגימות הללו לא מספקות מספיק מידע.</a:t>
+            </a:r>
+          </a:p>
+          <a:p>
+            <a:pPr lvl="1"/>
+            <a:r>
+              <a:rPr lang="en-US" dirty="0"/>
+              <a:t>Critical Value</a:t>
+            </a:r>
+            <a:r>
+              <a:rPr lang="he-IL" dirty="0"/>
+              <a:t>, ערך, סף שממנו מחליטים האם מקבלים או דוחים את השערת האפס</a:t>
+            </a:r>
+          </a:p>
+          <a:p>
+            <a:pPr lvl="1"/>
+            <a:r>
+              <a:rPr lang="en-US" dirty="0"/>
+              <a:t>Grand mean</a:t>
+            </a:r>
+            <a:r>
+              <a:rPr lang="he-IL" dirty="0"/>
+              <a:t> – ממוצע הממוצעים (מחשבים ממוצע בכל קבוצה של קטגוריה ואז מחשבים את הממוצע בין הקבוצות)</a:t>
+            </a:r>
+          </a:p>
+          <a:p>
+            <a:r>
+              <a:rPr lang="he-IL" dirty="0"/>
+              <a:t>מספר סוגים למבחן </a:t>
+            </a:r>
+            <a:r>
+              <a:rPr lang="en-US" dirty="0"/>
+              <a:t>ANOVA</a:t>
+            </a:r>
+            <a:r>
+              <a:rPr lang="he-IL" dirty="0"/>
+              <a:t>:</a:t>
+            </a:r>
+          </a:p>
+          <a:p>
+            <a:pPr lvl="1"/>
+            <a:r>
+              <a:rPr lang="en-US" dirty="0"/>
+              <a:t>One way ANOVA</a:t>
+            </a:r>
+            <a:r>
+              <a:rPr lang="he-IL" dirty="0"/>
+              <a:t> – בחינה בין לפחות 3 קבוצות האם משפיעות על משתנה (או שהוא בלתי תלוי בהם)</a:t>
+            </a:r>
+          </a:p>
+          <a:p>
+            <a:pPr lvl="1"/>
+            <a:r>
+              <a:rPr lang="en-US" dirty="0"/>
+              <a:t>MANOVA</a:t>
+            </a:r>
+            <a:endParaRPr lang="he-IL" dirty="0"/>
+          </a:p>
+          <a:p>
+            <a:r>
+              <a:rPr lang="en-US" dirty="0"/>
+              <a:t>SD (Standard Deviation) = sqrt(Variance)</a:t>
+            </a:r>
+            <a:endParaRPr lang="he-IL" dirty="0"/>
+          </a:p>
+          <a:p>
+            <a:r>
+              <a:rPr lang="he-IL" dirty="0"/>
+              <a:t>ב  </a:t>
+            </a:r>
+            <a:r>
+              <a:rPr lang="en-US" dirty="0"/>
+              <a:t>Feature selection</a:t>
+            </a:r>
+            <a:r>
+              <a:rPr lang="he-IL" dirty="0"/>
+              <a:t> אנו רוצים ש </a:t>
+            </a:r>
+            <a:r>
+              <a:rPr lang="en-US" dirty="0"/>
+              <a:t>Xi</a:t>
+            </a:r>
+            <a:r>
+              <a:rPr lang="he-IL" dirty="0"/>
+              <a:t> יהיה תלוי ב </a:t>
+            </a:r>
+            <a:r>
+              <a:rPr lang="en-US" dirty="0"/>
+              <a:t>Y</a:t>
+            </a:r>
+            <a:r>
+              <a:rPr lang="he-IL" dirty="0"/>
+              <a:t>.</a:t>
+            </a:r>
+          </a:p>
+          <a:p>
+            <a:pPr lvl="1"/>
+            <a:endParaRPr lang="en-US" dirty="0"/>
+          </a:p>
+        </p:txBody>
+      </p:sp>
+    </p:spTree>
+    <p:extLst>
+      <p:ext uri="{BB962C8B-B14F-4D97-AF65-F5344CB8AC3E}">
+        <p14:creationId xmlns:p14="http://schemas.microsoft.com/office/powerpoint/2010/main" val="3792780757"/>
+      </p:ext>
+    </p:extLst>
+  </p:cSld>
+  <p:clrMapOvr>
+    <a:masterClrMapping/>
+  </p:clrMapOvr>
+</p:sld>
+</file>
+
 <file path=ppt/slides/slide6.xml><?xml version="1.0" encoding="utf-8"?>
 <p:sld xmlns:a="http://schemas.openxmlformats.org/drawingml/2006/main" xmlns:r="http://schemas.openxmlformats.org/officeDocument/2006/relationships" xmlns:p="http://schemas.openxmlformats.org/presentationml/2006/main">
   <p:cSld>
@@ -13620,6 +13963,871 @@
     <p:extLst>
       <p:ext uri="{BB962C8B-B14F-4D97-AF65-F5344CB8AC3E}">
         <p14:creationId xmlns:p14="http://schemas.microsoft.com/office/powerpoint/2010/main" val="3050118887"/>
+      </p:ext>
+    </p:extLst>
+  </p:cSld>
+  <p:clrMapOvr>
+    <a:masterClrMapping/>
+  </p:clrMapOvr>
+</p:sld>
+</file>
+
+<file path=ppt/slides/slide60.xml><?xml version="1.0" encoding="utf-8"?>
+<p:sld xmlns:a="http://schemas.openxmlformats.org/drawingml/2006/main" xmlns:r="http://schemas.openxmlformats.org/officeDocument/2006/relationships" xmlns:p="http://schemas.openxmlformats.org/presentationml/2006/main">
+  <p:cSld>
+    <p:spTree>
+      <p:nvGrpSpPr>
+        <p:cNvPr id="1" name=""/>
+        <p:cNvGrpSpPr/>
+        <p:nvPr/>
+      </p:nvGrpSpPr>
+      <p:grpSpPr>
+        <a:xfrm>
+          <a:off x="0" y="0"/>
+          <a:ext cx="0" cy="0"/>
+          <a:chOff x="0" y="0"/>
+          <a:chExt cx="0" cy="0"/>
+        </a:xfrm>
+      </p:grpSpPr>
+      <p:sp>
+        <p:nvSpPr>
+          <p:cNvPr id="2" name="כותרת 1">
+            <a:extLst>
+              <a:ext uri="{FF2B5EF4-FFF2-40B4-BE49-F238E27FC236}">
+                <a16:creationId xmlns:a16="http://schemas.microsoft.com/office/drawing/2014/main" id="{3B9BFF28-620A-4E41-912C-3BE07EE570AD}"/>
+              </a:ext>
+            </a:extLst>
+          </p:cNvPr>
+          <p:cNvSpPr>
+            <a:spLocks noGrp="1"/>
+          </p:cNvSpPr>
+          <p:nvPr>
+            <p:ph type="title"/>
+          </p:nvPr>
+        </p:nvSpPr>
+        <p:spPr>
+          <a:xfrm>
+            <a:off x="838200" y="365125"/>
+            <a:ext cx="11093388" cy="1325563"/>
+          </a:xfrm>
+        </p:spPr>
+        <p:txBody>
+          <a:bodyPr/>
+          <a:lstStyle/>
+          <a:p>
+            <a:r>
+              <a:rPr lang="he-IL" dirty="0"/>
+              <a:t>שימוש במבחן </a:t>
+            </a:r>
+            <a:r>
+              <a:rPr lang="en-US" dirty="0"/>
+              <a:t>ANOVA</a:t>
+            </a:r>
+            <a:r>
+              <a:rPr lang="he-IL" dirty="0"/>
+              <a:t> לטובת </a:t>
+            </a:r>
+            <a:r>
+              <a:rPr lang="en-US" dirty="0"/>
+              <a:t>Feature Selection</a:t>
+            </a:r>
+            <a:r>
+              <a:rPr lang="he-IL" dirty="0"/>
+              <a:t> – 2</a:t>
+            </a:r>
+          </a:p>
+        </p:txBody>
+      </p:sp>
+      <p:sp>
+        <p:nvSpPr>
+          <p:cNvPr id="3" name="מציין מיקום תוכן 2">
+            <a:extLst>
+              <a:ext uri="{FF2B5EF4-FFF2-40B4-BE49-F238E27FC236}">
+                <a16:creationId xmlns:a16="http://schemas.microsoft.com/office/drawing/2014/main" id="{38B7CD09-9088-4B59-A14D-10DD3A880F0D}"/>
+              </a:ext>
+            </a:extLst>
+          </p:cNvPr>
+          <p:cNvSpPr>
+            <a:spLocks noGrp="1"/>
+          </p:cNvSpPr>
+          <p:nvPr>
+            <p:ph idx="1"/>
+          </p:nvPr>
+        </p:nvSpPr>
+        <p:spPr>
+          <a:xfrm>
+            <a:off x="838200" y="1825625"/>
+            <a:ext cx="11093388" cy="4351338"/>
+          </a:xfrm>
+        </p:spPr>
+        <p:txBody>
+          <a:bodyPr>
+            <a:normAutofit fontScale="70000" lnSpcReduction="20000"/>
+          </a:bodyPr>
+          <a:lstStyle/>
+          <a:p>
+            <a:r>
+              <a:rPr lang="en-US" dirty="0"/>
+              <a:t>ANOVA</a:t>
+            </a:r>
+            <a:r>
+              <a:rPr lang="he-IL" dirty="0"/>
+              <a:t> = </a:t>
+            </a:r>
+            <a:r>
+              <a:rPr lang="en-US" dirty="0"/>
+              <a:t>Analysis Variance</a:t>
+            </a:r>
+            <a:endParaRPr lang="he-IL" dirty="0"/>
+          </a:p>
+          <a:p>
+            <a:r>
+              <a:rPr lang="he-IL" dirty="0"/>
+              <a:t>מבחן הבודק את הקשר/יחס בין </a:t>
+            </a:r>
+            <a:r>
+              <a:rPr lang="en-US" dirty="0"/>
+              <a:t>feature</a:t>
+            </a:r>
+            <a:r>
+              <a:rPr lang="he-IL" dirty="0"/>
+              <a:t> מסוג קטגוריה לבין משתנה רציף</a:t>
+            </a:r>
+          </a:p>
+          <a:p>
+            <a:pPr lvl="1"/>
+            <a:r>
+              <a:rPr lang="he-IL" dirty="0"/>
+              <a:t>אם אותה שונות בין הקבוצות =&gt; לא ניתן להסיק שיש תלות בין ה </a:t>
+            </a:r>
+            <a:r>
+              <a:rPr lang="en-US" dirty="0"/>
+              <a:t>feature</a:t>
+            </a:r>
+            <a:r>
+              <a:rPr lang="he-IL" dirty="0"/>
+              <a:t> ל </a:t>
+            </a:r>
+            <a:r>
+              <a:rPr lang="en-US" dirty="0"/>
+              <a:t>Y</a:t>
+            </a:r>
+            <a:r>
+              <a:rPr lang="he-IL" dirty="0"/>
+              <a:t> =&gt; לא נכלול </a:t>
+            </a:r>
+            <a:r>
+              <a:rPr lang="en-US" dirty="0"/>
+              <a:t>feature</a:t>
+            </a:r>
+            <a:r>
+              <a:rPr lang="he-IL" dirty="0"/>
+              <a:t> זה</a:t>
+            </a:r>
+          </a:p>
+          <a:p>
+            <a:r>
+              <a:rPr lang="he-IL" dirty="0"/>
+              <a:t>מבחן הנועד במקרה ש:</a:t>
+            </a:r>
+          </a:p>
+          <a:p>
+            <a:pPr lvl="1"/>
+            <a:r>
+              <a:rPr lang="he-IL" dirty="0"/>
+              <a:t> </a:t>
+            </a:r>
+            <a:r>
+              <a:rPr lang="en-US" dirty="0"/>
+              <a:t>Y</a:t>
+            </a:r>
+            <a:r>
+              <a:rPr lang="he-IL" dirty="0"/>
+              <a:t> רציף (נניח ציון מבחן)</a:t>
+            </a:r>
+          </a:p>
+          <a:p>
+            <a:pPr lvl="1"/>
+            <a:r>
+              <a:rPr lang="en-US" dirty="0"/>
+              <a:t>Xi</a:t>
+            </a:r>
+            <a:r>
+              <a:rPr lang="he-IL" dirty="0"/>
+              <a:t> מסוג קטגוריה (נניח אפוטרופוס </a:t>
+            </a:r>
+            <a:r>
+              <a:rPr lang="en-US" dirty="0"/>
+              <a:t>guardian</a:t>
+            </a:r>
+            <a:r>
+              <a:rPr lang="he-IL" dirty="0"/>
+              <a:t>) (אבא/אמא/אחר)</a:t>
+            </a:r>
+          </a:p>
+          <a:p>
+            <a:r>
+              <a:rPr lang="he-IL" dirty="0"/>
+              <a:t>אם השונות נמוכה =&gt; המשתנה (</a:t>
+            </a:r>
+            <a:r>
+              <a:rPr lang="en-US" dirty="0"/>
+              <a:t>feature</a:t>
+            </a:r>
+            <a:r>
+              <a:rPr lang="he-IL" dirty="0"/>
+              <a:t>) כמעט ולא משפיע על </a:t>
+            </a:r>
+            <a:r>
+              <a:rPr lang="en-US" dirty="0"/>
+              <a:t>Y</a:t>
+            </a:r>
+            <a:endParaRPr lang="he-IL" dirty="0"/>
+          </a:p>
+          <a:p>
+            <a:pPr lvl="1"/>
+            <a:r>
+              <a:rPr lang="he-IL" dirty="0"/>
+              <a:t>כי אין ממש שינוי ב </a:t>
+            </a:r>
+            <a:r>
+              <a:rPr lang="en-US" dirty="0"/>
+              <a:t>Xi</a:t>
+            </a:r>
+            <a:r>
+              <a:rPr lang="he-IL" dirty="0"/>
+              <a:t> בערכיו אז לא ניתן להסיק שינוי ב </a:t>
+            </a:r>
+            <a:r>
+              <a:rPr lang="en-US" dirty="0"/>
+              <a:t>X</a:t>
+            </a:r>
+            <a:r>
+              <a:rPr lang="he-IL" dirty="0"/>
+              <a:t> עם השפעה על </a:t>
+            </a:r>
+            <a:r>
+              <a:rPr lang="en-US" dirty="0"/>
+              <a:t>Y</a:t>
+            </a:r>
+            <a:endParaRPr lang="he-IL" dirty="0"/>
+          </a:p>
+          <a:p>
+            <a:r>
+              <a:rPr lang="he-IL" dirty="0"/>
+              <a:t>מבחן </a:t>
+            </a:r>
+            <a:r>
+              <a:rPr lang="en-US" dirty="0"/>
+              <a:t>ANOVA</a:t>
+            </a:r>
+            <a:r>
+              <a:rPr lang="he-IL" dirty="0"/>
+              <a:t> בודק שה </a:t>
+            </a:r>
+            <a:r>
+              <a:rPr lang="en-US" dirty="0"/>
+              <a:t>mean</a:t>
+            </a:r>
+            <a:r>
+              <a:rPr lang="he-IL" dirty="0"/>
+              <a:t> שכל הקבוצות שוות.</a:t>
+            </a:r>
+          </a:p>
+          <a:p>
+            <a:r>
+              <a:rPr lang="en-US" dirty="0"/>
+              <a:t>DF = Degree Freedom</a:t>
+            </a:r>
+            <a:endParaRPr lang="he-IL" dirty="0"/>
+          </a:p>
+          <a:p>
+            <a:pPr lvl="1"/>
+            <a:r>
+              <a:rPr lang="he-IL" dirty="0"/>
+              <a:t>מספר דרגות חופש</a:t>
+            </a:r>
+          </a:p>
+          <a:p>
+            <a:pPr lvl="1"/>
+            <a:r>
+              <a:rPr lang="en-US" dirty="0"/>
+              <a:t>DF1</a:t>
+            </a:r>
+            <a:r>
+              <a:rPr lang="he-IL" dirty="0"/>
+              <a:t> – מספר דרגות חופש בתוך קבוצה</a:t>
+            </a:r>
+          </a:p>
+          <a:p>
+            <a:pPr lvl="1"/>
+            <a:r>
+              <a:rPr lang="en-US" dirty="0"/>
+              <a:t>DF2</a:t>
+            </a:r>
+            <a:r>
+              <a:rPr lang="he-IL" dirty="0"/>
+              <a:t> – מספר דרגות חופש בין דגימה בקבוצה לבין שאר הקבוצות</a:t>
+            </a:r>
+          </a:p>
+          <a:p>
+            <a:r>
+              <a:rPr lang="en-US" dirty="0"/>
+              <a:t>F-TABLE</a:t>
+            </a:r>
+            <a:endParaRPr lang="he-IL" dirty="0"/>
+          </a:p>
+          <a:p>
+            <a:pPr lvl="1"/>
+            <a:r>
+              <a:rPr lang="he-IL" dirty="0"/>
+              <a:t>טבלה (נתונה מהרשת) עם שורות/עמודות שהם </a:t>
+            </a:r>
+            <a:r>
+              <a:rPr lang="en-US" dirty="0"/>
+              <a:t>DF1/2</a:t>
+            </a:r>
+            <a:r>
+              <a:rPr lang="he-IL" dirty="0"/>
+              <a:t> וערך תוצאה </a:t>
+            </a:r>
+            <a:r>
+              <a:rPr lang="en-US" dirty="0"/>
+              <a:t>F</a:t>
+            </a:r>
+            <a:endParaRPr lang="he-IL" dirty="0"/>
+          </a:p>
+          <a:p>
+            <a:endParaRPr lang="en-US" dirty="0"/>
+          </a:p>
+        </p:txBody>
+      </p:sp>
+    </p:spTree>
+    <p:extLst>
+      <p:ext uri="{BB962C8B-B14F-4D97-AF65-F5344CB8AC3E}">
+        <p14:creationId xmlns:p14="http://schemas.microsoft.com/office/powerpoint/2010/main" val="776877499"/>
+      </p:ext>
+    </p:extLst>
+  </p:cSld>
+  <p:clrMapOvr>
+    <a:masterClrMapping/>
+  </p:clrMapOvr>
+</p:sld>
+</file>
+
+<file path=ppt/slides/slide61.xml><?xml version="1.0" encoding="utf-8"?>
+<p:sld xmlns:a="http://schemas.openxmlformats.org/drawingml/2006/main" xmlns:r="http://schemas.openxmlformats.org/officeDocument/2006/relationships" xmlns:p="http://schemas.openxmlformats.org/presentationml/2006/main">
+  <p:cSld>
+    <p:spTree>
+      <p:nvGrpSpPr>
+        <p:cNvPr id="1" name=""/>
+        <p:cNvGrpSpPr/>
+        <p:nvPr/>
+      </p:nvGrpSpPr>
+      <p:grpSpPr>
+        <a:xfrm>
+          <a:off x="0" y="0"/>
+          <a:ext cx="0" cy="0"/>
+          <a:chOff x="0" y="0"/>
+          <a:chExt cx="0" cy="0"/>
+        </a:xfrm>
+      </p:grpSpPr>
+      <p:sp>
+        <p:nvSpPr>
+          <p:cNvPr id="2" name="כותרת 1">
+            <a:extLst>
+              <a:ext uri="{FF2B5EF4-FFF2-40B4-BE49-F238E27FC236}">
+                <a16:creationId xmlns:a16="http://schemas.microsoft.com/office/drawing/2014/main" id="{3B9BFF28-620A-4E41-912C-3BE07EE570AD}"/>
+              </a:ext>
+            </a:extLst>
+          </p:cNvPr>
+          <p:cNvSpPr>
+            <a:spLocks noGrp="1"/>
+          </p:cNvSpPr>
+          <p:nvPr>
+            <p:ph type="title"/>
+          </p:nvPr>
+        </p:nvSpPr>
+        <p:spPr>
+          <a:xfrm>
+            <a:off x="838200" y="365125"/>
+            <a:ext cx="11093388" cy="1325563"/>
+          </a:xfrm>
+        </p:spPr>
+        <p:txBody>
+          <a:bodyPr/>
+          <a:lstStyle/>
+          <a:p>
+            <a:r>
+              <a:rPr lang="he-IL" dirty="0"/>
+              <a:t>שימוש במבחן </a:t>
+            </a:r>
+            <a:r>
+              <a:rPr lang="en-US" dirty="0"/>
+              <a:t>ANOVA</a:t>
+            </a:r>
+            <a:r>
+              <a:rPr lang="he-IL" dirty="0"/>
+              <a:t> לטובת </a:t>
+            </a:r>
+            <a:r>
+              <a:rPr lang="en-US" dirty="0"/>
+              <a:t>Feature Selection</a:t>
+            </a:r>
+            <a:r>
+              <a:rPr lang="he-IL" dirty="0"/>
+              <a:t> – 3</a:t>
+            </a:r>
+          </a:p>
+        </p:txBody>
+      </p:sp>
+      <p:sp>
+        <p:nvSpPr>
+          <p:cNvPr id="3" name="מציין מיקום תוכן 2">
+            <a:extLst>
+              <a:ext uri="{FF2B5EF4-FFF2-40B4-BE49-F238E27FC236}">
+                <a16:creationId xmlns:a16="http://schemas.microsoft.com/office/drawing/2014/main" id="{38B7CD09-9088-4B59-A14D-10DD3A880F0D}"/>
+              </a:ext>
+            </a:extLst>
+          </p:cNvPr>
+          <p:cNvSpPr>
+            <a:spLocks noGrp="1"/>
+          </p:cNvSpPr>
+          <p:nvPr>
+            <p:ph idx="1"/>
+          </p:nvPr>
+        </p:nvSpPr>
+        <p:spPr>
+          <a:xfrm>
+            <a:off x="838200" y="1825625"/>
+            <a:ext cx="11093388" cy="4351338"/>
+          </a:xfrm>
+        </p:spPr>
+        <p:txBody>
+          <a:bodyPr>
+            <a:normAutofit/>
+          </a:bodyPr>
+          <a:lstStyle/>
+          <a:p>
+            <a:r>
+              <a:rPr lang="he-IL" dirty="0"/>
+              <a:t>דוגמא:</a:t>
+            </a:r>
+          </a:p>
+          <a:p>
+            <a:pPr lvl="1"/>
+            <a:r>
+              <a:rPr lang="he-IL" dirty="0"/>
+              <a:t>רוצים לבדוק השפעה בין רשומת תלמיד (גיל, אפוטרופוס, זמן לימוד, פעילויות, מספר נכשלים וכד') לבין תוצאה סופית</a:t>
+            </a:r>
+          </a:p>
+          <a:p>
+            <a:pPr lvl="1"/>
+            <a:r>
+              <a:rPr lang="en-US" dirty="0"/>
+              <a:t>Feature</a:t>
+            </a:r>
+            <a:r>
+              <a:rPr lang="he-IL" dirty="0"/>
+              <a:t> מסוג אפוטרופוס הינו קטגוריה (3 קבוצות: אבא/אמא/אחר)</a:t>
+            </a:r>
+          </a:p>
+          <a:p>
+            <a:pPr lvl="1"/>
+            <a:r>
+              <a:rPr lang="he-IL" dirty="0"/>
+              <a:t>פה תוצאה </a:t>
+            </a:r>
+            <a:r>
+              <a:rPr lang="en-US" dirty="0"/>
+              <a:t>F</a:t>
+            </a:r>
+            <a:r>
+              <a:rPr lang="he-IL" dirty="0"/>
+              <a:t> היא מעל ה </a:t>
+            </a:r>
+            <a:r>
+              <a:rPr lang="en-US" dirty="0"/>
+              <a:t>critical value</a:t>
+            </a:r>
+            <a:r>
+              <a:rPr lang="he-IL" dirty="0"/>
+              <a:t> כלומר יש שוני בין השונות </a:t>
+            </a:r>
+            <a:br>
+              <a:rPr lang="en-US" dirty="0"/>
+            </a:br>
+            <a:r>
+              <a:rPr lang="he-IL" dirty="0"/>
+              <a:t>של הקבוצות ולכן יש השפעה של </a:t>
+            </a:r>
+            <a:r>
+              <a:rPr lang="en-US" dirty="0"/>
+              <a:t>feature</a:t>
+            </a:r>
+            <a:r>
+              <a:rPr lang="he-IL" dirty="0"/>
+              <a:t> זה על הציון </a:t>
+            </a:r>
+            <a:r>
+              <a:rPr lang="en-US" dirty="0"/>
+              <a:t>(Y)</a:t>
+            </a:r>
+            <a:endParaRPr lang="he-IL" dirty="0"/>
+          </a:p>
+          <a:p>
+            <a:r>
+              <a:rPr lang="he-IL" dirty="0"/>
+              <a:t>ב </a:t>
+            </a:r>
+            <a:r>
+              <a:rPr lang="en-US" dirty="0"/>
+              <a:t>MANOVA</a:t>
+            </a:r>
+            <a:r>
+              <a:rPr lang="he-IL" dirty="0"/>
+              <a:t> בודקים האם יש השפעה של 2 משתנים על התוצאה</a:t>
+            </a:r>
+          </a:p>
+          <a:p>
+            <a:pPr lvl="1"/>
+            <a:r>
+              <a:rPr lang="he-IL" dirty="0"/>
+              <a:t>נניח אפוטרופוס ופעילויות ספורט</a:t>
+            </a:r>
+          </a:p>
+          <a:p>
+            <a:pPr lvl="1"/>
+            <a:endParaRPr lang="en-US" dirty="0"/>
+          </a:p>
+        </p:txBody>
+      </p:sp>
+      <p:pic>
+        <p:nvPicPr>
+          <p:cNvPr id="1026" name="Picture 2">
+            <a:extLst>
+              <a:ext uri="{FF2B5EF4-FFF2-40B4-BE49-F238E27FC236}">
+                <a16:creationId xmlns:a16="http://schemas.microsoft.com/office/drawing/2014/main" id="{7A7D0352-D6BB-4872-AAC2-E21655548B7B}"/>
+              </a:ext>
+            </a:extLst>
+          </p:cNvPr>
+          <p:cNvPicPr>
+            <a:picLocks noChangeAspect="1" noChangeArrowheads="1"/>
+          </p:cNvPicPr>
+          <p:nvPr/>
+        </p:nvPicPr>
+        <p:blipFill>
+          <a:blip r:embed="rId2">
+            <a:extLst>
+              <a:ext uri="{28A0092B-C50C-407E-A947-70E740481C1C}">
+                <a14:useLocalDpi xmlns:a14="http://schemas.microsoft.com/office/drawing/2010/main" val="0"/>
+              </a:ext>
+            </a:extLst>
+          </a:blip>
+          <a:srcRect/>
+          <a:stretch>
+            <a:fillRect/>
+          </a:stretch>
+        </p:blipFill>
+        <p:spPr bwMode="auto">
+          <a:xfrm>
+            <a:off x="174871" y="1485456"/>
+            <a:ext cx="1127155" cy="2515838"/>
+          </a:xfrm>
+          <a:prstGeom prst="rect">
+            <a:avLst/>
+          </a:prstGeom>
+          <a:noFill/>
+          <a:extLst>
+            <a:ext uri="{909E8E84-426E-40DD-AFC4-6F175D3DCCD1}">
+              <a14:hiddenFill xmlns:a14="http://schemas.microsoft.com/office/drawing/2010/main">
+                <a:solidFill>
+                  <a:srgbClr val="FFFFFF"/>
+                </a:solidFill>
+              </a14:hiddenFill>
+            </a:ext>
+          </a:extLst>
+        </p:spPr>
+      </p:pic>
+      <p:sp>
+        <p:nvSpPr>
+          <p:cNvPr id="4" name="AutoShape 4">
+            <a:extLst>
+              <a:ext uri="{FF2B5EF4-FFF2-40B4-BE49-F238E27FC236}">
+                <a16:creationId xmlns:a16="http://schemas.microsoft.com/office/drawing/2014/main" id="{35CA3326-071C-4257-953A-A4E064D9B03B}"/>
+              </a:ext>
+            </a:extLst>
+          </p:cNvPr>
+          <p:cNvSpPr>
+            <a:spLocks noChangeAspect="1" noChangeArrowheads="1"/>
+          </p:cNvSpPr>
+          <p:nvPr/>
+        </p:nvSpPr>
+        <p:spPr bwMode="auto">
+          <a:xfrm>
+            <a:off x="5943600" y="3276600"/>
+            <a:ext cx="304800" cy="304800"/>
+          </a:xfrm>
+          <a:prstGeom prst="rect">
+            <a:avLst/>
+          </a:prstGeom>
+          <a:noFill/>
+          <a:extLst>
+            <a:ext uri="{909E8E84-426E-40DD-AFC4-6F175D3DCCD1}">
+              <a14:hiddenFill xmlns:a14="http://schemas.microsoft.com/office/drawing/2010/main">
+                <a:solidFill>
+                  <a:srgbClr val="FFFFFF"/>
+                </a:solidFill>
+              </a14:hiddenFill>
+            </a:ext>
+          </a:extLst>
+        </p:spPr>
+        <p:txBody>
+          <a:bodyPr vert="horz" wrap="square" lIns="91440" tIns="45720" rIns="91440" bIns="45720" numCol="1" anchor="t" anchorCtr="0" compatLnSpc="1">
+            <a:prstTxWarp prst="textNoShape">
+              <a:avLst/>
+            </a:prstTxWarp>
+          </a:bodyPr>
+          <a:lstStyle/>
+          <a:p>
+            <a:endParaRPr lang="he-IL"/>
+          </a:p>
+        </p:txBody>
+      </p:sp>
+      <p:pic>
+        <p:nvPicPr>
+          <p:cNvPr id="1030" name="Picture 6">
+            <a:extLst>
+              <a:ext uri="{FF2B5EF4-FFF2-40B4-BE49-F238E27FC236}">
+                <a16:creationId xmlns:a16="http://schemas.microsoft.com/office/drawing/2014/main" id="{3F6DB447-28D8-4FC4-8650-8B8F16F6EBA1}"/>
+              </a:ext>
+            </a:extLst>
+          </p:cNvPr>
+          <p:cNvPicPr>
+            <a:picLocks noChangeAspect="1" noChangeArrowheads="1"/>
+          </p:cNvPicPr>
+          <p:nvPr/>
+        </p:nvPicPr>
+        <p:blipFill>
+          <a:blip r:embed="rId3">
+            <a:extLst>
+              <a:ext uri="{28A0092B-C50C-407E-A947-70E740481C1C}">
+                <a14:useLocalDpi xmlns:a14="http://schemas.microsoft.com/office/drawing/2010/main" val="0"/>
+              </a:ext>
+            </a:extLst>
+          </a:blip>
+          <a:srcRect/>
+          <a:stretch>
+            <a:fillRect/>
+          </a:stretch>
+        </p:blipFill>
+        <p:spPr bwMode="auto">
+          <a:xfrm>
+            <a:off x="260412" y="4219780"/>
+            <a:ext cx="2300977" cy="2466556"/>
+          </a:xfrm>
+          <a:prstGeom prst="rect">
+            <a:avLst/>
+          </a:prstGeom>
+          <a:noFill/>
+          <a:extLst>
+            <a:ext uri="{909E8E84-426E-40DD-AFC4-6F175D3DCCD1}">
+              <a14:hiddenFill xmlns:a14="http://schemas.microsoft.com/office/drawing/2010/main">
+                <a:solidFill>
+                  <a:srgbClr val="FFFFFF"/>
+                </a:solidFill>
+              </a14:hiddenFill>
+            </a:ext>
+          </a:extLst>
+        </p:spPr>
+      </p:pic>
+    </p:spTree>
+    <p:extLst>
+      <p:ext uri="{BB962C8B-B14F-4D97-AF65-F5344CB8AC3E}">
+        <p14:creationId xmlns:p14="http://schemas.microsoft.com/office/powerpoint/2010/main" val="377931046"/>
+      </p:ext>
+    </p:extLst>
+  </p:cSld>
+  <p:clrMapOvr>
+    <a:masterClrMapping/>
+  </p:clrMapOvr>
+</p:sld>
+</file>
+
+<file path=ppt/slides/slide62.xml><?xml version="1.0" encoding="utf-8"?>
+<p:sld xmlns:a="http://schemas.openxmlformats.org/drawingml/2006/main" xmlns:r="http://schemas.openxmlformats.org/officeDocument/2006/relationships" xmlns:p="http://schemas.openxmlformats.org/presentationml/2006/main">
+  <p:cSld>
+    <p:spTree>
+      <p:nvGrpSpPr>
+        <p:cNvPr id="1" name=""/>
+        <p:cNvGrpSpPr/>
+        <p:nvPr/>
+      </p:nvGrpSpPr>
+      <p:grpSpPr>
+        <a:xfrm>
+          <a:off x="0" y="0"/>
+          <a:ext cx="0" cy="0"/>
+          <a:chOff x="0" y="0"/>
+          <a:chExt cx="0" cy="0"/>
+        </a:xfrm>
+      </p:grpSpPr>
+      <p:sp>
+        <p:nvSpPr>
+          <p:cNvPr id="2" name="כותרת 1">
+            <a:extLst>
+              <a:ext uri="{FF2B5EF4-FFF2-40B4-BE49-F238E27FC236}">
+                <a16:creationId xmlns:a16="http://schemas.microsoft.com/office/drawing/2014/main" id="{007A278D-FE67-4F2B-AB85-CEA6D7E415AF}"/>
+              </a:ext>
+            </a:extLst>
+          </p:cNvPr>
+          <p:cNvSpPr>
+            <a:spLocks noGrp="1"/>
+          </p:cNvSpPr>
+          <p:nvPr>
+            <p:ph type="title"/>
+          </p:nvPr>
+        </p:nvSpPr>
+        <p:spPr/>
+        <p:txBody>
+          <a:bodyPr/>
+          <a:lstStyle/>
+          <a:p>
+            <a:endParaRPr lang="he-IL" dirty="0"/>
+          </a:p>
+        </p:txBody>
+      </p:sp>
+      <p:sp>
+        <p:nvSpPr>
+          <p:cNvPr id="3" name="מציין מיקום תוכן 2">
+            <a:extLst>
+              <a:ext uri="{FF2B5EF4-FFF2-40B4-BE49-F238E27FC236}">
+                <a16:creationId xmlns:a16="http://schemas.microsoft.com/office/drawing/2014/main" id="{6D40306E-51AD-4D44-A81A-9B06880E92BA}"/>
+              </a:ext>
+            </a:extLst>
+          </p:cNvPr>
+          <p:cNvSpPr>
+            <a:spLocks noGrp="1"/>
+          </p:cNvSpPr>
+          <p:nvPr>
+            <p:ph idx="1"/>
+          </p:nvPr>
+        </p:nvSpPr>
+        <p:spPr/>
+        <p:txBody>
+          <a:bodyPr>
+            <a:normAutofit fontScale="92500" lnSpcReduction="10000"/>
+          </a:bodyPr>
+          <a:lstStyle/>
+          <a:p>
+            <a:pPr marL="0" indent="0" algn="ctr">
+              <a:buNone/>
+            </a:pPr>
+            <a:r>
+              <a:rPr lang="en-US" sz="12000" dirty="0"/>
+              <a:t>Chi-Square TEST</a:t>
+            </a:r>
+            <a:endParaRPr lang="he-IL" sz="12000" dirty="0"/>
+          </a:p>
+          <a:p>
+            <a:pPr marL="0" indent="0" algn="ctr">
+              <a:buNone/>
+            </a:pPr>
+            <a:r>
+              <a:rPr lang="he-IL" sz="12000" dirty="0"/>
+              <a:t>ב </a:t>
+            </a:r>
+            <a:r>
+              <a:rPr lang="en-US" sz="12000" dirty="0"/>
+              <a:t>Feature Selection</a:t>
+            </a:r>
+            <a:endParaRPr lang="he-IL" sz="12000" dirty="0"/>
+          </a:p>
+        </p:txBody>
+      </p:sp>
+    </p:spTree>
+    <p:extLst>
+      <p:ext uri="{BB962C8B-B14F-4D97-AF65-F5344CB8AC3E}">
+        <p14:creationId xmlns:p14="http://schemas.microsoft.com/office/powerpoint/2010/main" val="4225430688"/>
+      </p:ext>
+    </p:extLst>
+  </p:cSld>
+  <p:clrMapOvr>
+    <a:masterClrMapping/>
+  </p:clrMapOvr>
+</p:sld>
+</file>
+
+<file path=ppt/slides/slide63.xml><?xml version="1.0" encoding="utf-8"?>
+<p:sld xmlns:a="http://schemas.openxmlformats.org/drawingml/2006/main" xmlns:r="http://schemas.openxmlformats.org/officeDocument/2006/relationships" xmlns:p="http://schemas.openxmlformats.org/presentationml/2006/main">
+  <p:cSld>
+    <p:spTree>
+      <p:nvGrpSpPr>
+        <p:cNvPr id="1" name=""/>
+        <p:cNvGrpSpPr/>
+        <p:nvPr/>
+      </p:nvGrpSpPr>
+      <p:grpSpPr>
+        <a:xfrm>
+          <a:off x="0" y="0"/>
+          <a:ext cx="0" cy="0"/>
+          <a:chOff x="0" y="0"/>
+          <a:chExt cx="0" cy="0"/>
+        </a:xfrm>
+      </p:grpSpPr>
+      <p:sp>
+        <p:nvSpPr>
+          <p:cNvPr id="2" name="כותרת 1">
+            <a:extLst>
+              <a:ext uri="{FF2B5EF4-FFF2-40B4-BE49-F238E27FC236}">
+                <a16:creationId xmlns:a16="http://schemas.microsoft.com/office/drawing/2014/main" id="{14AFE03C-302D-4EF6-9CDD-EFB42710811F}"/>
+              </a:ext>
+            </a:extLst>
+          </p:cNvPr>
+          <p:cNvSpPr>
+            <a:spLocks noGrp="1"/>
+          </p:cNvSpPr>
+          <p:nvPr>
+            <p:ph type="title"/>
+          </p:nvPr>
+        </p:nvSpPr>
+        <p:spPr/>
+        <p:txBody>
+          <a:bodyPr/>
+          <a:lstStyle/>
+          <a:p>
+            <a:endParaRPr lang="he-IL"/>
+          </a:p>
+        </p:txBody>
+      </p:sp>
+      <p:sp>
+        <p:nvSpPr>
+          <p:cNvPr id="3" name="מציין מיקום תוכן 2">
+            <a:extLst>
+              <a:ext uri="{FF2B5EF4-FFF2-40B4-BE49-F238E27FC236}">
+                <a16:creationId xmlns:a16="http://schemas.microsoft.com/office/drawing/2014/main" id="{4DFAA0A0-77B3-4B61-8377-AB01B78FEC2A}"/>
+              </a:ext>
+            </a:extLst>
+          </p:cNvPr>
+          <p:cNvSpPr>
+            <a:spLocks noGrp="1"/>
+          </p:cNvSpPr>
+          <p:nvPr>
+            <p:ph idx="1"/>
+          </p:nvPr>
+        </p:nvSpPr>
+        <p:spPr/>
+        <p:txBody>
+          <a:bodyPr/>
+          <a:lstStyle/>
+          <a:p>
+            <a:endParaRPr lang="he-IL"/>
+          </a:p>
+        </p:txBody>
+      </p:sp>
+    </p:spTree>
+    <p:extLst>
+      <p:ext uri="{BB962C8B-B14F-4D97-AF65-F5344CB8AC3E}">
+        <p14:creationId xmlns:p14="http://schemas.microsoft.com/office/powerpoint/2010/main" val="1551976138"/>
       </p:ext>
     </p:extLst>
   </p:cSld>

--- a/Presentation/Feature Selection.pptx
+++ b/Presentation/Feature Selection.pptx
@@ -68,6 +68,8 @@
     <p:sldId id="327" r:id="rId62"/>
     <p:sldId id="329" r:id="rId63"/>
     <p:sldId id="330" r:id="rId64"/>
+    <p:sldId id="331" r:id="rId65"/>
+    <p:sldId id="332" r:id="rId66"/>
   </p:sldIdLst>
   <p:sldSz cx="12192000" cy="6858000"/>
   <p:notesSz cx="6858000" cy="9144000"/>
@@ -14792,10 +14794,31 @@
         </p:nvSpPr>
         <p:spPr/>
         <p:txBody>
-          <a:bodyPr/>
-          <a:lstStyle/>
-          <a:p>
-            <a:endParaRPr lang="he-IL"/>
+          <a:bodyPr>
+            <a:normAutofit/>
+          </a:bodyPr>
+          <a:lstStyle/>
+          <a:p>
+            <a:r>
+              <a:rPr lang="he-IL" sz="3600" dirty="0"/>
+              <a:t>שימוש במבחן </a:t>
+            </a:r>
+            <a:r>
+              <a:rPr lang="en-US" sz="3600" dirty="0"/>
+              <a:t>Chi-Square</a:t>
+            </a:r>
+            <a:r>
+              <a:rPr lang="he-IL" sz="3600" dirty="0"/>
+              <a:t> לטובת </a:t>
+            </a:r>
+            <a:r>
+              <a:rPr lang="en-US" sz="3600" dirty="0"/>
+              <a:t>Feature Selection</a:t>
+            </a:r>
+            <a:r>
+              <a:rPr lang="he-IL" sz="3600" dirty="0"/>
+              <a:t> – 1</a:t>
+            </a:r>
           </a:p>
         </p:txBody>
       </p:sp>
@@ -14815,19 +14838,630 @@
             <p:ph idx="1"/>
           </p:nvPr>
         </p:nvSpPr>
-        <p:spPr/>
-        <p:txBody>
-          <a:bodyPr/>
-          <a:lstStyle/>
-          <a:p>
-            <a:endParaRPr lang="he-IL"/>
-          </a:p>
-        </p:txBody>
-      </p:sp>
+        <p:spPr>
+          <a:xfrm>
+            <a:off x="328474" y="1852259"/>
+            <a:ext cx="11025326" cy="4351338"/>
+          </a:xfrm>
+        </p:spPr>
+        <p:txBody>
+          <a:bodyPr>
+            <a:normAutofit lnSpcReduction="10000"/>
+          </a:bodyPr>
+          <a:lstStyle/>
+          <a:p>
+            <a:r>
+              <a:rPr lang="he-IL" dirty="0"/>
+              <a:t>מבחן זה בוחן האם יש תלות או אי תלות בין 2 מאורעות </a:t>
+            </a:r>
+            <a:r>
+              <a:rPr lang="he-IL" dirty="0" err="1"/>
+              <a:t>קטוגורים</a:t>
+            </a:r>
+            <a:r>
+              <a:rPr lang="he-IL" dirty="0"/>
+              <a:t> (2 משתנים)</a:t>
+            </a:r>
+          </a:p>
+          <a:p>
+            <a:pPr lvl="1"/>
+            <a:r>
+              <a:rPr lang="he-IL" dirty="0"/>
+              <a:t>לדוגמא: מאורע מסוג </a:t>
+            </a:r>
+            <a:r>
+              <a:rPr lang="en-US" dirty="0"/>
+              <a:t>Gender</a:t>
+            </a:r>
+            <a:r>
+              <a:rPr lang="he-IL" dirty="0"/>
+              <a:t> ומאורע מסוג </a:t>
+            </a:r>
+            <a:r>
+              <a:rPr lang="en-US" dirty="0"/>
+              <a:t>Exit Bank</a:t>
+            </a:r>
+            <a:endParaRPr lang="he-IL" dirty="0"/>
+          </a:p>
+          <a:p>
+            <a:r>
+              <a:rPr lang="he-IL" dirty="0"/>
+              <a:t>ככל שתוצאת המבחן גבוהה יותר =&gt; המשתנים תלויים =&gt; נשמור אותם ב </a:t>
+            </a:r>
+            <a:r>
+              <a:rPr lang="en-US" dirty="0"/>
+              <a:t>feature</a:t>
+            </a:r>
+            <a:r>
+              <a:rPr lang="he-IL" dirty="0"/>
+              <a:t>ים</a:t>
+            </a:r>
+          </a:p>
+          <a:p>
+            <a:r>
+              <a:rPr lang="en-US" dirty="0"/>
+              <a:t>Contingency table</a:t>
+            </a:r>
+            <a:r>
+              <a:rPr lang="he-IL" dirty="0"/>
+              <a:t>, טבלת מגבלות:</a:t>
+            </a:r>
+          </a:p>
+          <a:p>
+            <a:pPr lvl="1"/>
+            <a:r>
+              <a:rPr lang="he-IL" dirty="0"/>
+              <a:t>שורות – המשתנה שאותו רוצים לבדוק (נניח </a:t>
+            </a:r>
+            <a:r>
+              <a:rPr lang="en-US" dirty="0"/>
+              <a:t>gender</a:t>
+            </a:r>
+            <a:r>
+              <a:rPr lang="he-IL" dirty="0"/>
+              <a:t>)</a:t>
+            </a:r>
+          </a:p>
+          <a:p>
+            <a:pPr lvl="1"/>
+            <a:r>
+              <a:rPr lang="he-IL" dirty="0"/>
+              <a:t>עמודות – המשתנה שהוא ה </a:t>
+            </a:r>
+            <a:r>
+              <a:rPr lang="en-US" dirty="0"/>
+              <a:t>target</a:t>
+            </a:r>
+            <a:endParaRPr lang="he-IL" dirty="0"/>
+          </a:p>
+          <a:p>
+            <a:r>
+              <a:rPr lang="en-US" dirty="0"/>
+              <a:t>Chi-square table</a:t>
+            </a:r>
+            <a:endParaRPr lang="he-IL" dirty="0"/>
+          </a:p>
+          <a:p>
+            <a:pPr lvl="1"/>
+            <a:r>
+              <a:rPr lang="he-IL" dirty="0"/>
+              <a:t>טבלה ידוע שבה השורות זה ה </a:t>
+            </a:r>
+            <a:r>
+              <a:rPr lang="en-US" dirty="0"/>
+              <a:t>DF</a:t>
+            </a:r>
+            <a:r>
+              <a:rPr lang="he-IL" dirty="0"/>
+              <a:t> (רמות החופש) ועמודות זה ה </a:t>
+            </a:r>
+            <a:r>
+              <a:rPr lang="en-US" dirty="0"/>
+              <a:t>p</a:t>
+            </a:r>
+            <a:endParaRPr lang="he-IL" dirty="0"/>
+          </a:p>
+          <a:p>
+            <a:pPr lvl="1"/>
+            <a:r>
+              <a:rPr lang="he-IL" dirty="0"/>
+              <a:t>ערכי הטבלה מכילים את הסף שאיתו בודקים האם עובר או לא את המבחן</a:t>
+            </a:r>
+          </a:p>
+        </p:txBody>
+      </p:sp>
+      <p:pic>
+        <p:nvPicPr>
+          <p:cNvPr id="1028" name="Picture 4">
+            <a:extLst>
+              <a:ext uri="{FF2B5EF4-FFF2-40B4-BE49-F238E27FC236}">
+                <a16:creationId xmlns:a16="http://schemas.microsoft.com/office/drawing/2014/main" id="{DF9C5D70-DEBF-4C60-81A5-3BC8C250CD56}"/>
+              </a:ext>
+            </a:extLst>
+          </p:cNvPr>
+          <p:cNvPicPr>
+            <a:picLocks noChangeAspect="1" noChangeArrowheads="1"/>
+          </p:cNvPicPr>
+          <p:nvPr/>
+        </p:nvPicPr>
+        <p:blipFill>
+          <a:blip r:embed="rId2">
+            <a:extLst>
+              <a:ext uri="{28A0092B-C50C-407E-A947-70E740481C1C}">
+                <a14:useLocalDpi xmlns:a14="http://schemas.microsoft.com/office/drawing/2010/main" val="0"/>
+              </a:ext>
+            </a:extLst>
+          </a:blip>
+          <a:srcRect/>
+          <a:stretch>
+            <a:fillRect/>
+          </a:stretch>
+        </p:blipFill>
+        <p:spPr bwMode="auto">
+          <a:xfrm>
+            <a:off x="328474" y="3429000"/>
+            <a:ext cx="3971925" cy="1476375"/>
+          </a:xfrm>
+          <a:prstGeom prst="rect">
+            <a:avLst/>
+          </a:prstGeom>
+          <a:noFill/>
+          <a:extLst>
+            <a:ext uri="{909E8E84-426E-40DD-AFC4-6F175D3DCCD1}">
+              <a14:hiddenFill xmlns:a14="http://schemas.microsoft.com/office/drawing/2010/main">
+                <a:solidFill>
+                  <a:srgbClr val="FFFFFF"/>
+                </a:solidFill>
+              </a14:hiddenFill>
+            </a:ext>
+          </a:extLst>
+        </p:spPr>
+      </p:pic>
+      <p:pic>
+        <p:nvPicPr>
+          <p:cNvPr id="1030" name="Picture 6">
+            <a:extLst>
+              <a:ext uri="{FF2B5EF4-FFF2-40B4-BE49-F238E27FC236}">
+                <a16:creationId xmlns:a16="http://schemas.microsoft.com/office/drawing/2014/main" id="{53DC6C7A-428F-456C-8B12-D60EFBF09745}"/>
+              </a:ext>
+            </a:extLst>
+          </p:cNvPr>
+          <p:cNvPicPr>
+            <a:picLocks noChangeAspect="1" noChangeArrowheads="1"/>
+          </p:cNvPicPr>
+          <p:nvPr/>
+        </p:nvPicPr>
+        <p:blipFill>
+          <a:blip r:embed="rId3">
+            <a:extLst>
+              <a:ext uri="{28A0092B-C50C-407E-A947-70E740481C1C}">
+                <a14:useLocalDpi xmlns:a14="http://schemas.microsoft.com/office/drawing/2010/main" val="0"/>
+              </a:ext>
+            </a:extLst>
+          </a:blip>
+          <a:srcRect/>
+          <a:stretch>
+            <a:fillRect/>
+          </a:stretch>
+        </p:blipFill>
+        <p:spPr bwMode="auto">
+          <a:xfrm>
+            <a:off x="112439" y="5171869"/>
+            <a:ext cx="1969691" cy="1476375"/>
+          </a:xfrm>
+          <a:prstGeom prst="rect">
+            <a:avLst/>
+          </a:prstGeom>
+          <a:noFill/>
+          <a:extLst>
+            <a:ext uri="{909E8E84-426E-40DD-AFC4-6F175D3DCCD1}">
+              <a14:hiddenFill xmlns:a14="http://schemas.microsoft.com/office/drawing/2010/main">
+                <a:solidFill>
+                  <a:srgbClr val="FFFFFF"/>
+                </a:solidFill>
+              </a14:hiddenFill>
+            </a:ext>
+          </a:extLst>
+        </p:spPr>
+      </p:pic>
     </p:spTree>
     <p:extLst>
       <p:ext uri="{BB962C8B-B14F-4D97-AF65-F5344CB8AC3E}">
         <p14:creationId xmlns:p14="http://schemas.microsoft.com/office/powerpoint/2010/main" val="1551976138"/>
+      </p:ext>
+    </p:extLst>
+  </p:cSld>
+  <p:clrMapOvr>
+    <a:masterClrMapping/>
+  </p:clrMapOvr>
+</p:sld>
+</file>
+
+<file path=ppt/slides/slide64.xml><?xml version="1.0" encoding="utf-8"?>
+<p:sld xmlns:a="http://schemas.openxmlformats.org/drawingml/2006/main" xmlns:r="http://schemas.openxmlformats.org/officeDocument/2006/relationships" xmlns:p="http://schemas.openxmlformats.org/presentationml/2006/main">
+  <p:cSld>
+    <p:spTree>
+      <p:nvGrpSpPr>
+        <p:cNvPr id="1" name=""/>
+        <p:cNvGrpSpPr/>
+        <p:nvPr/>
+      </p:nvGrpSpPr>
+      <p:grpSpPr>
+        <a:xfrm>
+          <a:off x="0" y="0"/>
+          <a:ext cx="0" cy="0"/>
+          <a:chOff x="0" y="0"/>
+          <a:chExt cx="0" cy="0"/>
+        </a:xfrm>
+      </p:grpSpPr>
+      <p:sp>
+        <p:nvSpPr>
+          <p:cNvPr id="2" name="כותרת 1">
+            <a:extLst>
+              <a:ext uri="{FF2B5EF4-FFF2-40B4-BE49-F238E27FC236}">
+                <a16:creationId xmlns:a16="http://schemas.microsoft.com/office/drawing/2014/main" id="{007A278D-FE67-4F2B-AB85-CEA6D7E415AF}"/>
+              </a:ext>
+            </a:extLst>
+          </p:cNvPr>
+          <p:cNvSpPr>
+            <a:spLocks noGrp="1"/>
+          </p:cNvSpPr>
+          <p:nvPr>
+            <p:ph type="title"/>
+          </p:nvPr>
+        </p:nvSpPr>
+        <p:spPr/>
+        <p:txBody>
+          <a:bodyPr/>
+          <a:lstStyle/>
+          <a:p>
+            <a:endParaRPr lang="he-IL" dirty="0"/>
+          </a:p>
+        </p:txBody>
+      </p:sp>
+      <p:sp>
+        <p:nvSpPr>
+          <p:cNvPr id="3" name="מציין מיקום תוכן 2">
+            <a:extLst>
+              <a:ext uri="{FF2B5EF4-FFF2-40B4-BE49-F238E27FC236}">
+                <a16:creationId xmlns:a16="http://schemas.microsoft.com/office/drawing/2014/main" id="{6D40306E-51AD-4D44-A81A-9B06880E92BA}"/>
+              </a:ext>
+            </a:extLst>
+          </p:cNvPr>
+          <p:cNvSpPr>
+            <a:spLocks noGrp="1"/>
+          </p:cNvSpPr>
+          <p:nvPr>
+            <p:ph idx="1"/>
+          </p:nvPr>
+        </p:nvSpPr>
+        <p:spPr/>
+        <p:txBody>
+          <a:bodyPr>
+            <a:normAutofit fontScale="70000" lnSpcReduction="20000"/>
+          </a:bodyPr>
+          <a:lstStyle/>
+          <a:p>
+            <a:pPr marL="0" indent="0" algn="ctr">
+              <a:buNone/>
+            </a:pPr>
+            <a:r>
+              <a:rPr lang="en-US" sz="12000" dirty="0"/>
+              <a:t>Chi-Square Test</a:t>
+            </a:r>
+          </a:p>
+          <a:p>
+            <a:pPr marL="0" indent="0" algn="ctr">
+              <a:buNone/>
+            </a:pPr>
+            <a:r>
+              <a:rPr lang="en-US" sz="12000" dirty="0"/>
+              <a:t>VS</a:t>
+            </a:r>
+          </a:p>
+          <a:p>
+            <a:pPr marL="0" indent="0" algn="ctr">
+              <a:buNone/>
+            </a:pPr>
+            <a:r>
+              <a:rPr lang="en-US" sz="12000" dirty="0"/>
+              <a:t>ANOVA Test</a:t>
+            </a:r>
+            <a:endParaRPr lang="he-IL" sz="12000" dirty="0"/>
+          </a:p>
+          <a:p>
+            <a:pPr marL="0" indent="0" algn="ctr">
+              <a:buNone/>
+            </a:pPr>
+            <a:r>
+              <a:rPr lang="he-IL" sz="12000" dirty="0"/>
+              <a:t>ב </a:t>
+            </a:r>
+            <a:r>
+              <a:rPr lang="en-US" sz="12000" dirty="0"/>
+              <a:t>Feature Selection</a:t>
+            </a:r>
+            <a:endParaRPr lang="he-IL" sz="12000" dirty="0"/>
+          </a:p>
+        </p:txBody>
+      </p:sp>
+    </p:spTree>
+    <p:extLst>
+      <p:ext uri="{BB962C8B-B14F-4D97-AF65-F5344CB8AC3E}">
+        <p14:creationId xmlns:p14="http://schemas.microsoft.com/office/powerpoint/2010/main" val="157469825"/>
+      </p:ext>
+    </p:extLst>
+  </p:cSld>
+  <p:clrMapOvr>
+    <a:masterClrMapping/>
+  </p:clrMapOvr>
+</p:sld>
+</file>
+
+<file path=ppt/slides/slide65.xml><?xml version="1.0" encoding="utf-8"?>
+<p:sld xmlns:a="http://schemas.openxmlformats.org/drawingml/2006/main" xmlns:r="http://schemas.openxmlformats.org/officeDocument/2006/relationships" xmlns:p="http://schemas.openxmlformats.org/presentationml/2006/main">
+  <p:cSld>
+    <p:spTree>
+      <p:nvGrpSpPr>
+        <p:cNvPr id="1" name=""/>
+        <p:cNvGrpSpPr/>
+        <p:nvPr/>
+      </p:nvGrpSpPr>
+      <p:grpSpPr>
+        <a:xfrm>
+          <a:off x="0" y="0"/>
+          <a:ext cx="0" cy="0"/>
+          <a:chOff x="0" y="0"/>
+          <a:chExt cx="0" cy="0"/>
+        </a:xfrm>
+      </p:grpSpPr>
+      <p:sp>
+        <p:nvSpPr>
+          <p:cNvPr id="2" name="כותרת 1">
+            <a:extLst>
+              <a:ext uri="{FF2B5EF4-FFF2-40B4-BE49-F238E27FC236}">
+                <a16:creationId xmlns:a16="http://schemas.microsoft.com/office/drawing/2014/main" id="{14AFE03C-302D-4EF6-9CDD-EFB42710811F}"/>
+              </a:ext>
+            </a:extLst>
+          </p:cNvPr>
+          <p:cNvSpPr>
+            <a:spLocks noGrp="1"/>
+          </p:cNvSpPr>
+          <p:nvPr>
+            <p:ph type="title"/>
+          </p:nvPr>
+        </p:nvSpPr>
+        <p:spPr/>
+        <p:txBody>
+          <a:bodyPr/>
+          <a:lstStyle/>
+          <a:p>
+            <a:endParaRPr lang="he-IL" dirty="0"/>
+          </a:p>
+        </p:txBody>
+      </p:sp>
+      <p:sp>
+        <p:nvSpPr>
+          <p:cNvPr id="3" name="מציין מיקום תוכן 2">
+            <a:extLst>
+              <a:ext uri="{FF2B5EF4-FFF2-40B4-BE49-F238E27FC236}">
+                <a16:creationId xmlns:a16="http://schemas.microsoft.com/office/drawing/2014/main" id="{4DFAA0A0-77B3-4B61-8377-AB01B78FEC2A}"/>
+              </a:ext>
+            </a:extLst>
+          </p:cNvPr>
+          <p:cNvSpPr>
+            <a:spLocks noGrp="1"/>
+          </p:cNvSpPr>
+          <p:nvPr>
+            <p:ph idx="1"/>
+          </p:nvPr>
+        </p:nvSpPr>
+        <p:spPr/>
+        <p:txBody>
+          <a:bodyPr>
+            <a:normAutofit fontScale="92500" lnSpcReduction="20000"/>
+          </a:bodyPr>
+          <a:lstStyle/>
+          <a:p>
+            <a:r>
+              <a:rPr lang="he-IL" dirty="0"/>
+              <a:t>נשתמש ב </a:t>
+            </a:r>
+            <a:r>
+              <a:rPr lang="en-US" dirty="0"/>
+              <a:t>chi square test</a:t>
+            </a:r>
+            <a:r>
+              <a:rPr lang="he-IL" dirty="0"/>
+              <a:t> אם יש לנו 2 </a:t>
+            </a:r>
+            <a:r>
+              <a:rPr lang="en-US" dirty="0"/>
+              <a:t>feature</a:t>
+            </a:r>
+            <a:r>
+              <a:rPr lang="he-IL" dirty="0"/>
+              <a:t>ים (או </a:t>
+            </a:r>
+            <a:r>
+              <a:rPr lang="en-US" dirty="0"/>
+              <a:t>feature</a:t>
+            </a:r>
+            <a:r>
+              <a:rPr lang="he-IL" dirty="0"/>
+              <a:t> ו </a:t>
+            </a:r>
+            <a:r>
+              <a:rPr lang="en-US" dirty="0"/>
+              <a:t>target</a:t>
+            </a:r>
+            <a:r>
+              <a:rPr lang="he-IL" dirty="0"/>
+              <a:t>) מסוג </a:t>
+            </a:r>
+            <a:r>
+              <a:rPr lang="he-IL" dirty="0" err="1"/>
+              <a:t>קטוגוריה</a:t>
+            </a:r>
+            <a:r>
+              <a:rPr lang="he-IL" dirty="0"/>
+              <a:t> ואנו רוצים לדעת האם יש תלות בינם:</a:t>
+            </a:r>
+          </a:p>
+          <a:p>
+            <a:pPr lvl="1"/>
+            <a:r>
+              <a:rPr lang="he-IL" dirty="0"/>
+              <a:t>לדוגמא:</a:t>
+            </a:r>
+          </a:p>
+          <a:p>
+            <a:pPr lvl="2"/>
+            <a:r>
+              <a:rPr lang="en-US" dirty="0"/>
+              <a:t>Gender (male/female)</a:t>
+            </a:r>
+          </a:p>
+          <a:p>
+            <a:pPr lvl="2"/>
+            <a:r>
+              <a:rPr lang="en-US" dirty="0"/>
+              <a:t>Bank exit (yes/no)</a:t>
+            </a:r>
+            <a:endParaRPr lang="he-IL" dirty="0"/>
+          </a:p>
+          <a:p>
+            <a:pPr lvl="1"/>
+            <a:r>
+              <a:rPr lang="he-IL" dirty="0"/>
+              <a:t>ממבחן </a:t>
+            </a:r>
+            <a:r>
+              <a:rPr lang="en-US" dirty="0"/>
+              <a:t>chi</a:t>
+            </a:r>
+            <a:r>
+              <a:rPr lang="he-IL" dirty="0"/>
+              <a:t> נוכל לדעת האם המשתנים תלויים (ואז לזרוק אחד מהם) או </a:t>
+            </a:r>
+            <a:r>
+              <a:rPr lang="he-IL" dirty="0" err="1"/>
+              <a:t>בת"ל</a:t>
+            </a:r>
+            <a:r>
+              <a:rPr lang="he-IL" dirty="0"/>
+              <a:t> (ואז לשמור)</a:t>
+            </a:r>
+          </a:p>
+          <a:p>
+            <a:r>
+              <a:rPr lang="he-IL" dirty="0"/>
+              <a:t>נשתמש ב </a:t>
+            </a:r>
+            <a:r>
+              <a:rPr lang="en-US" dirty="0"/>
+              <a:t>ANOVA test</a:t>
+            </a:r>
+            <a:r>
+              <a:rPr lang="he-IL" dirty="0"/>
+              <a:t> כאשר יש לנו:</a:t>
+            </a:r>
+          </a:p>
+          <a:p>
+            <a:pPr lvl="1"/>
+            <a:r>
+              <a:rPr lang="en-US" dirty="0"/>
+              <a:t>Feature</a:t>
+            </a:r>
+            <a:r>
+              <a:rPr lang="he-IL" dirty="0"/>
+              <a:t> מסוג קטגוריה עם לפחות 3 קבוצות ומשתנה רציף.</a:t>
+            </a:r>
+          </a:p>
+          <a:p>
+            <a:pPr lvl="1"/>
+            <a:r>
+              <a:rPr lang="he-IL" dirty="0"/>
+              <a:t>לדוגמא:</a:t>
+            </a:r>
+          </a:p>
+          <a:p>
+            <a:pPr lvl="2"/>
+            <a:r>
+              <a:rPr lang="en-US" dirty="0"/>
+              <a:t>Guardian (father/mother/other)</a:t>
+            </a:r>
+          </a:p>
+          <a:p>
+            <a:pPr lvl="2"/>
+            <a:r>
+              <a:rPr lang="en-US" dirty="0"/>
+              <a:t>Grade</a:t>
+            </a:r>
+            <a:endParaRPr lang="he-IL" dirty="0"/>
+          </a:p>
+          <a:p>
+            <a:pPr lvl="1"/>
+            <a:r>
+              <a:rPr lang="he-IL" dirty="0"/>
+              <a:t>ממבחן </a:t>
+            </a:r>
+            <a:r>
+              <a:rPr lang="en-US" dirty="0"/>
+              <a:t>ANOVA</a:t>
+            </a:r>
+            <a:r>
+              <a:rPr lang="he-IL" dirty="0"/>
+              <a:t> נוכל לדעת האם הקבוצות ב </a:t>
+            </a:r>
+            <a:r>
+              <a:rPr lang="en-US" dirty="0"/>
+              <a:t>Guardian</a:t>
+            </a:r>
+            <a:r>
+              <a:rPr lang="he-IL" dirty="0"/>
+              <a:t> מכילות שונות שונה בין הקבוצות ואם כן אז נשמור את </a:t>
+            </a:r>
+            <a:r>
+              <a:rPr lang="en-US" dirty="0"/>
+              <a:t>feature</a:t>
+            </a:r>
+            <a:r>
+              <a:rPr lang="he-IL" dirty="0"/>
+              <a:t> זה. (כי ניתן ללמוד ממנו על </a:t>
+            </a:r>
+            <a:r>
+              <a:rPr lang="en-US" dirty="0"/>
+              <a:t>Grade</a:t>
+            </a:r>
+            <a:r>
+              <a:rPr lang="he-IL" dirty="0"/>
+              <a:t>). כלומר יש תלות בין </a:t>
+            </a:r>
+            <a:r>
+              <a:rPr lang="en-US" dirty="0"/>
+              <a:t>guardian</a:t>
+            </a:r>
+            <a:r>
+              <a:rPr lang="he-IL" dirty="0"/>
+              <a:t> לבין </a:t>
+            </a:r>
+            <a:r>
+              <a:rPr lang="en-US" dirty="0"/>
+              <a:t>grade</a:t>
+            </a:r>
+            <a:endParaRPr lang="he-IL" dirty="0"/>
+          </a:p>
+          <a:p>
+            <a:pPr lvl="1"/>
+            <a:endParaRPr lang="he-IL" dirty="0"/>
+          </a:p>
+        </p:txBody>
+      </p:sp>
+    </p:spTree>
+    <p:extLst>
+      <p:ext uri="{BB962C8B-B14F-4D97-AF65-F5344CB8AC3E}">
+        <p14:creationId xmlns:p14="http://schemas.microsoft.com/office/powerpoint/2010/main" val="268909935"/>
       </p:ext>
     </p:extLst>
   </p:cSld>

--- a/Presentation/Feature Selection.pptx
+++ b/Presentation/Feature Selection.pptx
@@ -70,6 +70,7 @@
     <p:sldId id="330" r:id="rId64"/>
     <p:sldId id="331" r:id="rId65"/>
     <p:sldId id="332" r:id="rId66"/>
+    <p:sldId id="333" r:id="rId67"/>
   </p:sldIdLst>
   <p:sldSz cx="12192000" cy="6858000"/>
   <p:notesSz cx="6858000" cy="9144000"/>
@@ -6821,7 +6822,7 @@
         </p:nvSpPr>
         <p:spPr>
           <a:xfrm>
-            <a:off x="159798" y="3355190"/>
+            <a:off x="1609817" y="1127465"/>
             <a:ext cx="1194047" cy="926066"/>
           </a:xfrm>
           <a:prstGeom prst="rect">
@@ -6871,7 +6872,7 @@
         </p:nvSpPr>
         <p:spPr>
           <a:xfrm>
-            <a:off x="2882284" y="3355760"/>
+            <a:off x="210105" y="1127465"/>
             <a:ext cx="1194047" cy="926066"/>
           </a:xfrm>
           <a:prstGeom prst="rect">
@@ -6909,10 +6910,10 @@
       </p:sp>
       <p:sp>
         <p:nvSpPr>
-          <p:cNvPr id="7" name="מלבן 6">
-            <a:extLst>
-              <a:ext uri="{FF2B5EF4-FFF2-40B4-BE49-F238E27FC236}">
-                <a16:creationId xmlns:a16="http://schemas.microsoft.com/office/drawing/2014/main" id="{C5792502-C08D-4F48-AA09-8F4286D5944F}"/>
+          <p:cNvPr id="8" name="מלבן 7">
+            <a:extLst>
+              <a:ext uri="{FF2B5EF4-FFF2-40B4-BE49-F238E27FC236}">
+                <a16:creationId xmlns:a16="http://schemas.microsoft.com/office/drawing/2014/main" id="{144FAF8B-F585-439C-8E89-B59AED2B9610}"/>
               </a:ext>
             </a:extLst>
           </p:cNvPr>
@@ -6921,7 +6922,7 @@
         </p:nvSpPr>
         <p:spPr>
           <a:xfrm>
-            <a:off x="4243527" y="3355760"/>
+            <a:off x="4449193" y="1146045"/>
             <a:ext cx="1194047" cy="926066"/>
           </a:xfrm>
           <a:prstGeom prst="rect">
@@ -6950,8 +6951,8 @@
           <a:p>
             <a:pPr algn="ctr"/>
             <a:r>
-              <a:rPr lang="en-US" sz="1400" dirty="0" err="1"/>
-              <a:t>Enum</a:t>
+              <a:rPr lang="en-US" sz="1400" dirty="0"/>
+              <a:t>FS</a:t>
             </a:r>
             <a:endParaRPr lang="he-IL" sz="1400" dirty="0"/>
           </a:p>
@@ -6959,10 +6960,10 @@
       </p:sp>
       <p:sp>
         <p:nvSpPr>
-          <p:cNvPr id="8" name="מלבן 7">
-            <a:extLst>
-              <a:ext uri="{FF2B5EF4-FFF2-40B4-BE49-F238E27FC236}">
-                <a16:creationId xmlns:a16="http://schemas.microsoft.com/office/drawing/2014/main" id="{144FAF8B-F585-439C-8E89-B59AED2B9610}"/>
+          <p:cNvPr id="9" name="מלבן 8">
+            <a:extLst>
+              <a:ext uri="{FF2B5EF4-FFF2-40B4-BE49-F238E27FC236}">
+                <a16:creationId xmlns:a16="http://schemas.microsoft.com/office/drawing/2014/main" id="{93920802-7B02-401C-A236-795F3187EBC5}"/>
               </a:ext>
             </a:extLst>
           </p:cNvPr>
@@ -6971,7 +6972,7 @@
         </p:nvSpPr>
         <p:spPr>
           <a:xfrm>
-            <a:off x="5700947" y="3355190"/>
+            <a:off x="5983559" y="1127465"/>
             <a:ext cx="1194047" cy="926066"/>
           </a:xfrm>
           <a:prstGeom prst="rect">
@@ -7001,7 +7002,7 @@
             <a:pPr algn="ctr"/>
             <a:r>
               <a:rPr lang="en-US" sz="1400" dirty="0"/>
-              <a:t>FS</a:t>
+              <a:t>ALG</a:t>
             </a:r>
             <a:endParaRPr lang="he-IL" sz="1400" dirty="0"/>
           </a:p>
@@ -7009,10 +7010,10 @@
       </p:sp>
       <p:sp>
         <p:nvSpPr>
-          <p:cNvPr id="9" name="מלבן 8">
-            <a:extLst>
-              <a:ext uri="{FF2B5EF4-FFF2-40B4-BE49-F238E27FC236}">
-                <a16:creationId xmlns:a16="http://schemas.microsoft.com/office/drawing/2014/main" id="{93920802-7B02-401C-A236-795F3187EBC5}"/>
+          <p:cNvPr id="10" name="מלבן 9">
+            <a:extLst>
+              <a:ext uri="{FF2B5EF4-FFF2-40B4-BE49-F238E27FC236}">
+                <a16:creationId xmlns:a16="http://schemas.microsoft.com/office/drawing/2014/main" id="{5E9FC044-CAB1-40B3-AB95-441195FD6077}"/>
               </a:ext>
             </a:extLst>
           </p:cNvPr>
@@ -7021,7 +7022,7 @@
         </p:nvSpPr>
         <p:spPr>
           <a:xfrm>
-            <a:off x="7158367" y="3355190"/>
+            <a:off x="8922057" y="1127465"/>
             <a:ext cx="1194047" cy="926066"/>
           </a:xfrm>
           <a:prstGeom prst="rect">
@@ -7051,7 +7052,7 @@
             <a:pPr algn="ctr"/>
             <a:r>
               <a:rPr lang="en-US" sz="1400" dirty="0"/>
-              <a:t>ALG</a:t>
+              <a:t>SCORE</a:t>
             </a:r>
             <a:endParaRPr lang="he-IL" sz="1400" dirty="0"/>
           </a:p>
@@ -7059,10 +7060,10 @@
       </p:sp>
       <p:sp>
         <p:nvSpPr>
-          <p:cNvPr id="10" name="מלבן 9">
-            <a:extLst>
-              <a:ext uri="{FF2B5EF4-FFF2-40B4-BE49-F238E27FC236}">
-                <a16:creationId xmlns:a16="http://schemas.microsoft.com/office/drawing/2014/main" id="{5E9FC044-CAB1-40B3-AB95-441195FD6077}"/>
+          <p:cNvPr id="11" name="מלבן 10">
+            <a:extLst>
+              <a:ext uri="{FF2B5EF4-FFF2-40B4-BE49-F238E27FC236}">
+                <a16:creationId xmlns:a16="http://schemas.microsoft.com/office/drawing/2014/main" id="{F2DA0E8C-25FD-4020-8F82-69843E774E23}"/>
               </a:ext>
             </a:extLst>
           </p:cNvPr>
@@ -7071,7 +7072,7 @@
         </p:nvSpPr>
         <p:spPr>
           <a:xfrm>
-            <a:off x="8659435" y="3781318"/>
+            <a:off x="10391306" y="1127465"/>
             <a:ext cx="1194047" cy="926066"/>
           </a:xfrm>
           <a:prstGeom prst="rect">
@@ -7101,18 +7102,26 @@
             <a:pPr algn="ctr"/>
             <a:r>
               <a:rPr lang="en-US" sz="1400" dirty="0"/>
-              <a:t>SCORE</a:t>
+              <a:t>RESULT</a:t>
             </a:r>
             <a:endParaRPr lang="he-IL" sz="1400" dirty="0"/>
           </a:p>
-        </p:txBody>
-      </p:sp>
-      <p:sp>
-        <p:nvSpPr>
-          <p:cNvPr id="11" name="מלבן 10">
-            <a:extLst>
-              <a:ext uri="{FF2B5EF4-FFF2-40B4-BE49-F238E27FC236}">
-                <a16:creationId xmlns:a16="http://schemas.microsoft.com/office/drawing/2014/main" id="{F2DA0E8C-25FD-4020-8F82-69843E774E23}"/>
+          <a:p>
+            <a:pPr algn="ctr"/>
+            <a:r>
+              <a:rPr lang="en-US" sz="1400" dirty="0"/>
+              <a:t>(ALG)</a:t>
+            </a:r>
+            <a:endParaRPr lang="he-IL" sz="1400" dirty="0"/>
+          </a:p>
+        </p:txBody>
+      </p:sp>
+      <p:sp>
+        <p:nvSpPr>
+          <p:cNvPr id="12" name="מלבן 11">
+            <a:extLst>
+              <a:ext uri="{FF2B5EF4-FFF2-40B4-BE49-F238E27FC236}">
+                <a16:creationId xmlns:a16="http://schemas.microsoft.com/office/drawing/2014/main" id="{47E76C13-4B61-4E05-B82D-64A274AF8A75}"/>
               </a:ext>
             </a:extLst>
           </p:cNvPr>
@@ -7121,7 +7130,7 @@
         </p:nvSpPr>
         <p:spPr>
           <a:xfrm>
-            <a:off x="10116104" y="3817398"/>
+            <a:off x="3029505" y="1127465"/>
             <a:ext cx="1194047" cy="926066"/>
           </a:xfrm>
           <a:prstGeom prst="rect">
@@ -7151,26 +7160,18 @@
             <a:pPr algn="ctr"/>
             <a:r>
               <a:rPr lang="en-US" sz="1400" dirty="0"/>
-              <a:t>RESULT</a:t>
+              <a:t>Feature Scaling</a:t>
             </a:r>
             <a:endParaRPr lang="he-IL" sz="1400" dirty="0"/>
           </a:p>
-          <a:p>
-            <a:pPr algn="ctr"/>
-            <a:r>
-              <a:rPr lang="en-US" sz="1400" dirty="0"/>
-              <a:t>(ALG)</a:t>
-            </a:r>
-            <a:endParaRPr lang="he-IL" sz="1400" dirty="0"/>
-          </a:p>
-        </p:txBody>
-      </p:sp>
-      <p:sp>
-        <p:nvSpPr>
-          <p:cNvPr id="12" name="מלבן 11">
-            <a:extLst>
-              <a:ext uri="{FF2B5EF4-FFF2-40B4-BE49-F238E27FC236}">
-                <a16:creationId xmlns:a16="http://schemas.microsoft.com/office/drawing/2014/main" id="{47E76C13-4B61-4E05-B82D-64A274AF8A75}"/>
+        </p:txBody>
+      </p:sp>
+      <p:sp>
+        <p:nvSpPr>
+          <p:cNvPr id="13" name="מלבן 12">
+            <a:extLst>
+              <a:ext uri="{FF2B5EF4-FFF2-40B4-BE49-F238E27FC236}">
+                <a16:creationId xmlns:a16="http://schemas.microsoft.com/office/drawing/2014/main" id="{642D20AA-6152-4F04-AEAD-9C55C30D6098}"/>
               </a:ext>
             </a:extLst>
           </p:cNvPr>
@@ -7179,7 +7180,7 @@
         </p:nvSpPr>
         <p:spPr>
           <a:xfrm>
-            <a:off x="1521041" y="3355190"/>
+            <a:off x="7452808" y="1146045"/>
             <a:ext cx="1194047" cy="926066"/>
           </a:xfrm>
           <a:prstGeom prst="rect">
@@ -7209,7 +7210,11 @@
             <a:pPr algn="ctr"/>
             <a:r>
               <a:rPr lang="en-US" sz="1400" dirty="0"/>
-              <a:t>Feature Scaling</a:t>
+              <a:t>Hyperparameters </a:t>
+            </a:r>
+            <a:r>
+              <a:rPr lang="en-US" sz="1400" dirty="0" err="1"/>
+              <a:t>Tunning</a:t>
             </a:r>
             <a:endParaRPr lang="he-IL" sz="1400" dirty="0"/>
           </a:p>
@@ -7217,10 +7222,10 @@
       </p:sp>
       <p:sp>
         <p:nvSpPr>
-          <p:cNvPr id="13" name="מלבן 12">
-            <a:extLst>
-              <a:ext uri="{FF2B5EF4-FFF2-40B4-BE49-F238E27FC236}">
-                <a16:creationId xmlns:a16="http://schemas.microsoft.com/office/drawing/2014/main" id="{642D20AA-6152-4F04-AEAD-9C55C30D6098}"/>
+          <p:cNvPr id="14" name="מלבן 13">
+            <a:extLst>
+              <a:ext uri="{FF2B5EF4-FFF2-40B4-BE49-F238E27FC236}">
+                <a16:creationId xmlns:a16="http://schemas.microsoft.com/office/drawing/2014/main" id="{2DA5BA8B-B474-4FCC-B612-07F18EBE905B}"/>
               </a:ext>
             </a:extLst>
           </p:cNvPr>
@@ -7229,7 +7234,7 @@
         </p:nvSpPr>
         <p:spPr>
           <a:xfrm>
-            <a:off x="7177606" y="4501889"/>
+            <a:off x="4449193" y="2281219"/>
             <a:ext cx="1194047" cy="926066"/>
           </a:xfrm>
           <a:prstGeom prst="rect">
@@ -7259,11 +7264,107 @@
             <a:pPr algn="ctr"/>
             <a:r>
               <a:rPr lang="en-US" sz="1400" dirty="0"/>
-              <a:t>Hyperparameters </a:t>
-            </a:r>
-            <a:r>
-              <a:rPr lang="en-US" sz="1400" dirty="0" err="1"/>
-              <a:t>Tunning</a:t>
+              <a:t>Remove low variance</a:t>
+            </a:r>
+            <a:endParaRPr lang="he-IL" sz="1400" dirty="0"/>
+          </a:p>
+        </p:txBody>
+      </p:sp>
+      <p:sp>
+        <p:nvSpPr>
+          <p:cNvPr id="15" name="מלבן 14">
+            <a:extLst>
+              <a:ext uri="{FF2B5EF4-FFF2-40B4-BE49-F238E27FC236}">
+                <a16:creationId xmlns:a16="http://schemas.microsoft.com/office/drawing/2014/main" id="{3CF42086-F59F-4479-9ABD-6F45B15580C3}"/>
+              </a:ext>
+            </a:extLst>
+          </p:cNvPr>
+          <p:cNvSpPr/>
+          <p:nvPr/>
+        </p:nvSpPr>
+        <p:spPr>
+          <a:xfrm>
+            <a:off x="4449193" y="3429000"/>
+            <a:ext cx="1194047" cy="926066"/>
+          </a:xfrm>
+          <a:prstGeom prst="rect">
+            <a:avLst/>
+          </a:prstGeom>
+        </p:spPr>
+        <p:style>
+          <a:lnRef idx="2">
+            <a:schemeClr val="accent1">
+              <a:shade val="50000"/>
+            </a:schemeClr>
+          </a:lnRef>
+          <a:fillRef idx="1">
+            <a:schemeClr val="accent1"/>
+          </a:fillRef>
+          <a:effectRef idx="0">
+            <a:schemeClr val="accent1"/>
+          </a:effectRef>
+          <a:fontRef idx="minor">
+            <a:schemeClr val="lt1"/>
+          </a:fontRef>
+        </p:style>
+        <p:txBody>
+          <a:bodyPr rtlCol="1" anchor="ctr"/>
+          <a:lstStyle/>
+          <a:p>
+            <a:pPr algn="ctr"/>
+            <a:r>
+              <a:rPr lang="en-US" dirty="0"/>
+              <a:t>identify relevant features </a:t>
+            </a:r>
+            <a:endParaRPr lang="he-IL" sz="1400" dirty="0"/>
+          </a:p>
+        </p:txBody>
+      </p:sp>
+      <p:sp>
+        <p:nvSpPr>
+          <p:cNvPr id="16" name="מלבן 15">
+            <a:extLst>
+              <a:ext uri="{FF2B5EF4-FFF2-40B4-BE49-F238E27FC236}">
+                <a16:creationId xmlns:a16="http://schemas.microsoft.com/office/drawing/2014/main" id="{5C0B3112-2669-4922-8B8F-4BF128AE6DAA}"/>
+              </a:ext>
+            </a:extLst>
+          </p:cNvPr>
+          <p:cNvSpPr/>
+          <p:nvPr/>
+        </p:nvSpPr>
+        <p:spPr>
+          <a:xfrm>
+            <a:off x="4449193" y="4576781"/>
+            <a:ext cx="1194047" cy="926066"/>
+          </a:xfrm>
+          <a:prstGeom prst="rect">
+            <a:avLst/>
+          </a:prstGeom>
+        </p:spPr>
+        <p:style>
+          <a:lnRef idx="2">
+            <a:schemeClr val="accent1">
+              <a:shade val="50000"/>
+            </a:schemeClr>
+          </a:lnRef>
+          <a:fillRef idx="1">
+            <a:schemeClr val="accent1"/>
+          </a:fillRef>
+          <a:effectRef idx="0">
+            <a:schemeClr val="accent1"/>
+          </a:effectRef>
+          <a:fontRef idx="minor">
+            <a:schemeClr val="lt1"/>
+          </a:fontRef>
+        </p:style>
+        <p:txBody>
+          <a:bodyPr rtlCol="1" anchor="ctr"/>
+          <a:lstStyle/>
+          <a:p>
+            <a:pPr algn="ctr"/>
+            <a:r>
+              <a:rPr lang="en-US" dirty="0"/>
+              <a:t>remove redundant features</a:t>
             </a:r>
             <a:endParaRPr lang="he-IL" sz="1400" dirty="0"/>
           </a:p>
@@ -15462,6 +15563,112 @@
     <p:extLst>
       <p:ext uri="{BB962C8B-B14F-4D97-AF65-F5344CB8AC3E}">
         <p14:creationId xmlns:p14="http://schemas.microsoft.com/office/powerpoint/2010/main" val="268909935"/>
+      </p:ext>
+    </p:extLst>
+  </p:cSld>
+  <p:clrMapOvr>
+    <a:masterClrMapping/>
+  </p:clrMapOvr>
+</p:sld>
+</file>
+
+<file path=ppt/slides/slide66.xml><?xml version="1.0" encoding="utf-8"?>
+<p:sld xmlns:a="http://schemas.openxmlformats.org/drawingml/2006/main" xmlns:r="http://schemas.openxmlformats.org/officeDocument/2006/relationships" xmlns:p="http://schemas.openxmlformats.org/presentationml/2006/main">
+  <p:cSld>
+    <p:spTree>
+      <p:nvGrpSpPr>
+        <p:cNvPr id="1" name=""/>
+        <p:cNvGrpSpPr/>
+        <p:nvPr/>
+      </p:nvGrpSpPr>
+      <p:grpSpPr>
+        <a:xfrm>
+          <a:off x="0" y="0"/>
+          <a:ext cx="0" cy="0"/>
+          <a:chOff x="0" y="0"/>
+          <a:chExt cx="0" cy="0"/>
+        </a:xfrm>
+      </p:grpSpPr>
+      <p:sp>
+        <p:nvSpPr>
+          <p:cNvPr id="2" name="כותרת 1">
+            <a:extLst>
+              <a:ext uri="{FF2B5EF4-FFF2-40B4-BE49-F238E27FC236}">
+                <a16:creationId xmlns:a16="http://schemas.microsoft.com/office/drawing/2014/main" id="{B2A27286-401A-4C33-935B-D3CF3D0C0750}"/>
+              </a:ext>
+            </a:extLst>
+          </p:cNvPr>
+          <p:cNvSpPr>
+            <a:spLocks noGrp="1"/>
+          </p:cNvSpPr>
+          <p:nvPr>
+            <p:ph type="title"/>
+          </p:nvPr>
+        </p:nvSpPr>
+        <p:spPr/>
+        <p:txBody>
+          <a:bodyPr/>
+          <a:lstStyle/>
+          <a:p>
+            <a:r>
+              <a:rPr lang="he-IL" dirty="0"/>
+              <a:t>מסקנות</a:t>
+            </a:r>
+          </a:p>
+        </p:txBody>
+      </p:sp>
+      <p:sp>
+        <p:nvSpPr>
+          <p:cNvPr id="3" name="מציין מיקום תוכן 2">
+            <a:extLst>
+              <a:ext uri="{FF2B5EF4-FFF2-40B4-BE49-F238E27FC236}">
+                <a16:creationId xmlns:a16="http://schemas.microsoft.com/office/drawing/2014/main" id="{BF063BF5-FA27-4BD5-8CCF-3723039CA63F}"/>
+              </a:ext>
+            </a:extLst>
+          </p:cNvPr>
+          <p:cNvSpPr>
+            <a:spLocks noGrp="1"/>
+          </p:cNvSpPr>
+          <p:nvPr>
+            <p:ph idx="1"/>
+          </p:nvPr>
+        </p:nvSpPr>
+        <p:spPr/>
+        <p:txBody>
+          <a:bodyPr/>
+          <a:lstStyle/>
+          <a:p>
+            <a:r>
+              <a:rPr lang="he-IL" dirty="0"/>
+              <a:t>כדאי להשתמש ב </a:t>
+            </a:r>
+            <a:r>
+              <a:rPr lang="en-US" dirty="0" err="1"/>
+              <a:t>VarianceThreshold</a:t>
+            </a:r>
+            <a:endParaRPr lang="he-IL" dirty="0"/>
+          </a:p>
+          <a:p>
+            <a:pPr lvl="1"/>
+            <a:r>
+              <a:rPr lang="he-IL" dirty="0"/>
+              <a:t>אין טעם שיהיו </a:t>
+            </a:r>
+            <a:r>
+              <a:rPr lang="en-US" dirty="0"/>
+              <a:t>feature</a:t>
+            </a:r>
+            <a:r>
+              <a:rPr lang="he-IL" dirty="0"/>
+              <a:t>ים עם שונות נמוכה מאוד.</a:t>
+            </a:r>
+          </a:p>
+        </p:txBody>
+      </p:sp>
+    </p:spTree>
+    <p:extLst>
+      <p:ext uri="{BB962C8B-B14F-4D97-AF65-F5344CB8AC3E}">
+        <p14:creationId xmlns:p14="http://schemas.microsoft.com/office/powerpoint/2010/main" val="3748033965"/>
       </p:ext>
     </p:extLst>
   </p:cSld>
